--- a/Final PresentationKC.pptx
+++ b/Final PresentationKC.pptx
@@ -5,10 +5,10 @@
     <p:sldMasterId id="2147483648" r:id="rId4"/>
   </p:sldMasterIdLst>
   <p:notesMasterIdLst>
-    <p:notesMasterId r:id="rId21"/>
+    <p:notesMasterId r:id="rId19"/>
   </p:notesMasterIdLst>
   <p:handoutMasterIdLst>
-    <p:handoutMasterId r:id="rId22"/>
+    <p:handoutMasterId r:id="rId20"/>
   </p:handoutMasterIdLst>
   <p:sldIdLst>
     <p:sldId id="294" r:id="rId5"/>
@@ -17,16 +17,14 @@
     <p:sldId id="261" r:id="rId8"/>
     <p:sldId id="296" r:id="rId9"/>
     <p:sldId id="256" r:id="rId10"/>
-    <p:sldId id="293" r:id="rId11"/>
-    <p:sldId id="291" r:id="rId12"/>
-    <p:sldId id="297" r:id="rId13"/>
+    <p:sldId id="298" r:id="rId11"/>
+    <p:sldId id="297" r:id="rId12"/>
+    <p:sldId id="299" r:id="rId13"/>
     <p:sldId id="288" r:id="rId14"/>
-    <p:sldId id="292" r:id="rId15"/>
-    <p:sldId id="260" r:id="rId16"/>
-    <p:sldId id="264" r:id="rId17"/>
-    <p:sldId id="287" r:id="rId18"/>
-    <p:sldId id="285" r:id="rId19"/>
-    <p:sldId id="269" r:id="rId20"/>
+    <p:sldId id="260" r:id="rId15"/>
+    <p:sldId id="269" r:id="rId16"/>
+    <p:sldId id="287" r:id="rId17"/>
+    <p:sldId id="293" r:id="rId18"/>
   </p:sldIdLst>
   <p:sldSz cx="12192000" cy="6858000"/>
   <p:notesSz cx="6858000" cy="9144000"/>
@@ -127,7 +125,7 @@
   </p:defaultTextStyle>
   <p:extLst>
     <p:ext uri="{EFAFB233-063F-42B5-8137-9DF3F51BA10A}">
-      <p15:sldGuideLst xmlns:p15="http://schemas.microsoft.com/office/powerpoint/2012/main">
+      <p15:sldGuideLst xmlns:p15="http://schemas.microsoft.com/office/powerpoint/2012/main" xmlns="">
         <p15:guide id="1" orient="horz" pos="2160" userDrawn="1">
           <p15:clr>
             <a:srgbClr val="A4A3A4"/>
@@ -141,7 +139,7 @@
       </p15:sldGuideLst>
     </p:ext>
     <p:ext uri="{2D200454-40CA-4A62-9FC3-DE9A4176ACB9}">
-      <p15:notesGuideLst xmlns:p15="http://schemas.microsoft.com/office/powerpoint/2012/main"/>
+      <p15:notesGuideLst xmlns:p15="http://schemas.microsoft.com/office/powerpoint/2012/main" xmlns=""/>
     </p:ext>
   </p:extLst>
 </p:presentation>
@@ -961,14 +959,13 @@
         <a:p>
           <a:r>
             <a:rPr lang="en-US" dirty="0"/>
-            <a:t>Data Processing</a:t>
+            <a:t>Data </a:t>
           </a:r>
-        </a:p>
-        <a:p>
           <a:r>
-            <a:rPr lang="en-US" dirty="0"/>
-            <a:t>-Transform to Normal Distribution, Remove Outliers, One-Hot Encoding</a:t>
+            <a:rPr lang="en-US" dirty="0" smtClean="0"/>
+            <a:t>Processing</a:t>
           </a:r>
+          <a:endParaRPr lang="en-US" dirty="0"/>
         </a:p>
       </dgm:t>
     </dgm:pt>
@@ -1002,14 +999,12 @@
         <a:lstStyle/>
         <a:p>
           <a:r>
-            <a:rPr lang="en-US" dirty="0"/>
-            <a:t>Apply Model</a:t>
+            <a:rPr lang="en-US" dirty="0" smtClean="0"/>
+            <a:t>Linear </a:t>
           </a:r>
-        </a:p>
-        <a:p>
           <a:r>
             <a:rPr lang="en-US" dirty="0"/>
-            <a:t>-Linear regression</a:t>
+            <a:t>regression</a:t>
           </a:r>
         </a:p>
       </dgm:t>
@@ -1044,14 +1039,19 @@
         <a:lstStyle/>
         <a:p>
           <a:r>
-            <a:rPr lang="en-US" dirty="0"/>
-            <a:t>Improve Model</a:t>
+            <a:rPr lang="en-US" dirty="0" smtClean="0"/>
+            <a:t>Improving model by</a:t>
           </a:r>
+          <a:endParaRPr lang="en-US" dirty="0"/>
         </a:p>
         <a:p>
           <a:r>
+            <a:rPr lang="en-US" dirty="0" smtClean="0"/>
+            <a:t>removing </a:t>
+          </a:r>
+          <a:r>
             <a:rPr lang="en-US" dirty="0"/>
-            <a:t>-Removing non- significant features</a:t>
+            <a:t>non- significant features</a:t>
           </a:r>
         </a:p>
       </dgm:t>
@@ -1122,6 +1122,13 @@
         </dgm:presLayoutVars>
       </dgm:prSet>
       <dgm:spPr/>
+      <dgm:t>
+        <a:bodyPr/>
+        <a:lstStyle/>
+        <a:p>
+          <a:endParaRPr lang="de-DE"/>
+        </a:p>
+      </dgm:t>
     </dgm:pt>
     <dgm:pt modelId="{62BAAD4A-600C-4CBC-96D9-E6A6E3D00A29}" type="pres">
       <dgm:prSet presAssocID="{24403AF3-F183-41A9-AF7D-0CD1EE855F62}" presName="node" presStyleLbl="node1" presStyleIdx="0" presStyleCnt="5">
@@ -1130,14 +1137,35 @@
         </dgm:presLayoutVars>
       </dgm:prSet>
       <dgm:spPr/>
+      <dgm:t>
+        <a:bodyPr/>
+        <a:lstStyle/>
+        <a:p>
+          <a:endParaRPr lang="de-DE"/>
+        </a:p>
+      </dgm:t>
     </dgm:pt>
     <dgm:pt modelId="{B15EFD5D-DCC7-4B17-841B-28D480F47BFA}" type="pres">
       <dgm:prSet presAssocID="{46A3BBD4-A8D5-4588-930D-5B5C440F95A7}" presName="sibTrans" presStyleLbl="sibTrans2D1" presStyleIdx="0" presStyleCnt="4"/>
       <dgm:spPr/>
+      <dgm:t>
+        <a:bodyPr/>
+        <a:lstStyle/>
+        <a:p>
+          <a:endParaRPr lang="de-DE"/>
+        </a:p>
+      </dgm:t>
     </dgm:pt>
     <dgm:pt modelId="{CB0C0557-61B6-4F72-948D-97038DF2347C}" type="pres">
       <dgm:prSet presAssocID="{46A3BBD4-A8D5-4588-930D-5B5C440F95A7}" presName="connectorText" presStyleLbl="sibTrans2D1" presStyleIdx="0" presStyleCnt="4"/>
       <dgm:spPr/>
+      <dgm:t>
+        <a:bodyPr/>
+        <a:lstStyle/>
+        <a:p>
+          <a:endParaRPr lang="de-DE"/>
+        </a:p>
+      </dgm:t>
     </dgm:pt>
     <dgm:pt modelId="{F5E12C1D-CD80-4E38-84D1-8653A91CFD02}" type="pres">
       <dgm:prSet presAssocID="{F958CC84-B351-4518-AD16-7A0D327DECAA}" presName="node" presStyleLbl="node1" presStyleIdx="1" presStyleCnt="5">
@@ -1146,14 +1174,35 @@
         </dgm:presLayoutVars>
       </dgm:prSet>
       <dgm:spPr/>
+      <dgm:t>
+        <a:bodyPr/>
+        <a:lstStyle/>
+        <a:p>
+          <a:endParaRPr lang="de-DE"/>
+        </a:p>
+      </dgm:t>
     </dgm:pt>
     <dgm:pt modelId="{7604F242-691A-4A0A-B50A-32917DE8221C}" type="pres">
       <dgm:prSet presAssocID="{CD849D60-1CC9-480E-A73F-775416316EE2}" presName="sibTrans" presStyleLbl="sibTrans2D1" presStyleIdx="1" presStyleCnt="4"/>
       <dgm:spPr/>
+      <dgm:t>
+        <a:bodyPr/>
+        <a:lstStyle/>
+        <a:p>
+          <a:endParaRPr lang="de-DE"/>
+        </a:p>
+      </dgm:t>
     </dgm:pt>
     <dgm:pt modelId="{9E1CFB79-4D1B-4156-914B-4152C6154DF4}" type="pres">
       <dgm:prSet presAssocID="{CD849D60-1CC9-480E-A73F-775416316EE2}" presName="connectorText" presStyleLbl="sibTrans2D1" presStyleIdx="1" presStyleCnt="4"/>
       <dgm:spPr/>
+      <dgm:t>
+        <a:bodyPr/>
+        <a:lstStyle/>
+        <a:p>
+          <a:endParaRPr lang="de-DE"/>
+        </a:p>
+      </dgm:t>
     </dgm:pt>
     <dgm:pt modelId="{437A6F8A-39FB-4AEE-ADC2-DEC5C66AB8D0}" type="pres">
       <dgm:prSet presAssocID="{1A3FFF91-6080-416C-8D4E-8874D45120E6}" presName="node" presStyleLbl="node1" presStyleIdx="2" presStyleCnt="5">
@@ -1162,14 +1211,35 @@
         </dgm:presLayoutVars>
       </dgm:prSet>
       <dgm:spPr/>
+      <dgm:t>
+        <a:bodyPr/>
+        <a:lstStyle/>
+        <a:p>
+          <a:endParaRPr lang="de-DE"/>
+        </a:p>
+      </dgm:t>
     </dgm:pt>
     <dgm:pt modelId="{037DC9CC-A97F-447B-B422-F45D0C3D3808}" type="pres">
       <dgm:prSet presAssocID="{B3C648AD-EF7E-42A8-99E9-3B072000117B}" presName="sibTrans" presStyleLbl="sibTrans2D1" presStyleIdx="2" presStyleCnt="4"/>
       <dgm:spPr/>
+      <dgm:t>
+        <a:bodyPr/>
+        <a:lstStyle/>
+        <a:p>
+          <a:endParaRPr lang="de-DE"/>
+        </a:p>
+      </dgm:t>
     </dgm:pt>
     <dgm:pt modelId="{69061840-D7C8-49AD-B6F0-0CB0CC34C019}" type="pres">
       <dgm:prSet presAssocID="{B3C648AD-EF7E-42A8-99E9-3B072000117B}" presName="connectorText" presStyleLbl="sibTrans2D1" presStyleIdx="2" presStyleCnt="4"/>
       <dgm:spPr/>
+      <dgm:t>
+        <a:bodyPr/>
+        <a:lstStyle/>
+        <a:p>
+          <a:endParaRPr lang="de-DE"/>
+        </a:p>
+      </dgm:t>
     </dgm:pt>
     <dgm:pt modelId="{B3A208B3-B2A4-4E43-BB18-974E5754D4A9}" type="pres">
       <dgm:prSet presAssocID="{0A55110F-64F3-4927-982C-B7EA745AAB77}" presName="node" presStyleLbl="node1" presStyleIdx="3" presStyleCnt="5" custLinFactNeighborX="1297" custLinFactNeighborY="1288">
@@ -1178,14 +1248,35 @@
         </dgm:presLayoutVars>
       </dgm:prSet>
       <dgm:spPr/>
+      <dgm:t>
+        <a:bodyPr/>
+        <a:lstStyle/>
+        <a:p>
+          <a:endParaRPr lang="de-DE"/>
+        </a:p>
+      </dgm:t>
     </dgm:pt>
     <dgm:pt modelId="{4BE222A6-85A9-4DFE-AD80-D8D66B7BDEFE}" type="pres">
       <dgm:prSet presAssocID="{A5BF7F64-FDB6-43A4-B62F-4E78CAB33B0C}" presName="sibTrans" presStyleLbl="sibTrans2D1" presStyleIdx="3" presStyleCnt="4"/>
       <dgm:spPr/>
+      <dgm:t>
+        <a:bodyPr/>
+        <a:lstStyle/>
+        <a:p>
+          <a:endParaRPr lang="de-DE"/>
+        </a:p>
+      </dgm:t>
     </dgm:pt>
     <dgm:pt modelId="{4C004F01-70DD-4C93-8BA7-4AB71AFF9D13}" type="pres">
       <dgm:prSet presAssocID="{A5BF7F64-FDB6-43A4-B62F-4E78CAB33B0C}" presName="connectorText" presStyleLbl="sibTrans2D1" presStyleIdx="3" presStyleCnt="4"/>
       <dgm:spPr/>
+      <dgm:t>
+        <a:bodyPr/>
+        <a:lstStyle/>
+        <a:p>
+          <a:endParaRPr lang="de-DE"/>
+        </a:p>
+      </dgm:t>
     </dgm:pt>
     <dgm:pt modelId="{EF1CC2F7-0180-4390-ABC0-08D44017ED81}" type="pres">
       <dgm:prSet presAssocID="{A2517B8D-95F1-4BEE-9FBE-63FA4F1B8F82}" presName="node" presStyleLbl="node1" presStyleIdx="4" presStyleCnt="5">
@@ -1194,28 +1285,35 @@
         </dgm:presLayoutVars>
       </dgm:prSet>
       <dgm:spPr/>
+      <dgm:t>
+        <a:bodyPr/>
+        <a:lstStyle/>
+        <a:p>
+          <a:endParaRPr lang="de-DE"/>
+        </a:p>
+      </dgm:t>
     </dgm:pt>
   </dgm:ptLst>
   <dgm:cxnLst>
+    <dgm:cxn modelId="{A672B8D2-F6B1-4B51-A368-720A02A08CAF}" type="presOf" srcId="{CD849D60-1CC9-480E-A73F-775416316EE2}" destId="{7604F242-691A-4A0A-B50A-32917DE8221C}" srcOrd="0" destOrd="0" presId="urn:microsoft.com/office/officeart/2005/8/layout/process5"/>
+    <dgm:cxn modelId="{54C13534-8164-46C4-A22B-8F09217ED695}" type="presOf" srcId="{24403AF3-F183-41A9-AF7D-0CD1EE855F62}" destId="{62BAAD4A-600C-4CBC-96D9-E6A6E3D00A29}" srcOrd="0" destOrd="0" presId="urn:microsoft.com/office/officeart/2005/8/layout/process5"/>
+    <dgm:cxn modelId="{0C19318E-1BC4-4D84-A8A1-B97C00B5F7CB}" type="presOf" srcId="{F958CC84-B351-4518-AD16-7A0D327DECAA}" destId="{F5E12C1D-CD80-4E38-84D1-8653A91CFD02}" srcOrd="0" destOrd="0" presId="urn:microsoft.com/office/officeart/2005/8/layout/process5"/>
+    <dgm:cxn modelId="{6B7C0D30-A5C8-4A16-A726-35D7A104D7DF}" type="presOf" srcId="{8A2245C2-F409-494E-AF55-5B6F8214C998}" destId="{1B77FB05-E91F-4A60-BE0C-A85E0FC8EE93}" srcOrd="0" destOrd="0" presId="urn:microsoft.com/office/officeart/2005/8/layout/process5"/>
+    <dgm:cxn modelId="{7F50596A-F50A-4827-A4F3-841A932EA041}" type="presOf" srcId="{46A3BBD4-A8D5-4588-930D-5B5C440F95A7}" destId="{B15EFD5D-DCC7-4B17-841B-28D480F47BFA}" srcOrd="0" destOrd="0" presId="urn:microsoft.com/office/officeart/2005/8/layout/process5"/>
+    <dgm:cxn modelId="{8A6FF6D7-336F-4413-838C-98EA460DBEF8}" srcId="{8A2245C2-F409-494E-AF55-5B6F8214C998}" destId="{24403AF3-F183-41A9-AF7D-0CD1EE855F62}" srcOrd="0" destOrd="0" parTransId="{E2787CE0-8D40-4021-BCD8-CF68F3C5DE5B}" sibTransId="{46A3BBD4-A8D5-4588-930D-5B5C440F95A7}"/>
+    <dgm:cxn modelId="{E7DA8C14-1201-4931-84A4-1511695DFDD1}" type="presOf" srcId="{A5BF7F64-FDB6-43A4-B62F-4E78CAB33B0C}" destId="{4BE222A6-85A9-4DFE-AD80-D8D66B7BDEFE}" srcOrd="0" destOrd="0" presId="urn:microsoft.com/office/officeart/2005/8/layout/process5"/>
+    <dgm:cxn modelId="{8376D091-80FF-4427-9457-18F73BA5407D}" srcId="{8A2245C2-F409-494E-AF55-5B6F8214C998}" destId="{0A55110F-64F3-4927-982C-B7EA745AAB77}" srcOrd="3" destOrd="0" parTransId="{A0E9E1C4-22B4-4044-B059-14B079F4A45D}" sibTransId="{A5BF7F64-FDB6-43A4-B62F-4E78CAB33B0C}"/>
+    <dgm:cxn modelId="{22E66049-BE52-4BBE-A768-CCF7D25863DE}" type="presOf" srcId="{A5BF7F64-FDB6-43A4-B62F-4E78CAB33B0C}" destId="{4C004F01-70DD-4C93-8BA7-4AB71AFF9D13}" srcOrd="1" destOrd="0" presId="urn:microsoft.com/office/officeart/2005/8/layout/process5"/>
+    <dgm:cxn modelId="{6109645F-C109-4C75-9844-CCA790ECD195}" type="presOf" srcId="{A2517B8D-95F1-4BEE-9FBE-63FA4F1B8F82}" destId="{EF1CC2F7-0180-4390-ABC0-08D44017ED81}" srcOrd="0" destOrd="0" presId="urn:microsoft.com/office/officeart/2005/8/layout/process5"/>
     <dgm:cxn modelId="{8DEB8C0B-8CE9-4DC9-813B-89D55B49DF5B}" type="presOf" srcId="{0A55110F-64F3-4927-982C-B7EA745AAB77}" destId="{B3A208B3-B2A4-4E43-BB18-974E5754D4A9}" srcOrd="0" destOrd="0" presId="urn:microsoft.com/office/officeart/2005/8/layout/process5"/>
-    <dgm:cxn modelId="{E7DA8C14-1201-4931-84A4-1511695DFDD1}" type="presOf" srcId="{A5BF7F64-FDB6-43A4-B62F-4E78CAB33B0C}" destId="{4BE222A6-85A9-4DFE-AD80-D8D66B7BDEFE}" srcOrd="0" destOrd="0" presId="urn:microsoft.com/office/officeart/2005/8/layout/process5"/>
     <dgm:cxn modelId="{4E90F11E-9300-49E3-8323-365A96572EC8}" type="presOf" srcId="{1A3FFF91-6080-416C-8D4E-8874D45120E6}" destId="{437A6F8A-39FB-4AEE-ADC2-DEC5C66AB8D0}" srcOrd="0" destOrd="0" presId="urn:microsoft.com/office/officeart/2005/8/layout/process5"/>
-    <dgm:cxn modelId="{6B7C0D30-A5C8-4A16-A726-35D7A104D7DF}" type="presOf" srcId="{8A2245C2-F409-494E-AF55-5B6F8214C998}" destId="{1B77FB05-E91F-4A60-BE0C-A85E0FC8EE93}" srcOrd="0" destOrd="0" presId="urn:microsoft.com/office/officeart/2005/8/layout/process5"/>
-    <dgm:cxn modelId="{54C13534-8164-46C4-A22B-8F09217ED695}" type="presOf" srcId="{24403AF3-F183-41A9-AF7D-0CD1EE855F62}" destId="{62BAAD4A-600C-4CBC-96D9-E6A6E3D00A29}" srcOrd="0" destOrd="0" presId="urn:microsoft.com/office/officeart/2005/8/layout/process5"/>
-    <dgm:cxn modelId="{6109645F-C109-4C75-9844-CCA790ECD195}" type="presOf" srcId="{A2517B8D-95F1-4BEE-9FBE-63FA4F1B8F82}" destId="{EF1CC2F7-0180-4390-ABC0-08D44017ED81}" srcOrd="0" destOrd="0" presId="urn:microsoft.com/office/officeart/2005/8/layout/process5"/>
-    <dgm:cxn modelId="{22E66049-BE52-4BBE-A768-CCF7D25863DE}" type="presOf" srcId="{A5BF7F64-FDB6-43A4-B62F-4E78CAB33B0C}" destId="{4C004F01-70DD-4C93-8BA7-4AB71AFF9D13}" srcOrd="1" destOrd="0" presId="urn:microsoft.com/office/officeart/2005/8/layout/process5"/>
-    <dgm:cxn modelId="{7F50596A-F50A-4827-A4F3-841A932EA041}" type="presOf" srcId="{46A3BBD4-A8D5-4588-930D-5B5C440F95A7}" destId="{B15EFD5D-DCC7-4B17-841B-28D480F47BFA}" srcOrd="0" destOrd="0" presId="urn:microsoft.com/office/officeart/2005/8/layout/process5"/>
-    <dgm:cxn modelId="{6756636E-14C7-4561-B5AA-6C379A6E1AB7}" srcId="{8A2245C2-F409-494E-AF55-5B6F8214C998}" destId="{A2517B8D-95F1-4BEE-9FBE-63FA4F1B8F82}" srcOrd="4" destOrd="0" parTransId="{312C84FD-A518-49E5-BF13-703D85539A0B}" sibTransId="{D9C0BFF0-6F94-4897-9E3A-9C421A39DD49}"/>
-    <dgm:cxn modelId="{32CC9350-AF80-4514-B5F0-61514E8A4D4F}" srcId="{8A2245C2-F409-494E-AF55-5B6F8214C998}" destId="{1A3FFF91-6080-416C-8D4E-8874D45120E6}" srcOrd="2" destOrd="0" parTransId="{CF7D06D5-0F59-47C3-8ACB-87F099421D3F}" sibTransId="{B3C648AD-EF7E-42A8-99E9-3B072000117B}"/>
-    <dgm:cxn modelId="{A5900488-6444-4CA2-8592-4974F694552D}" type="presOf" srcId="{B3C648AD-EF7E-42A8-99E9-3B072000117B}" destId="{037DC9CC-A97F-447B-B422-F45D0C3D3808}" srcOrd="0" destOrd="0" presId="urn:microsoft.com/office/officeart/2005/8/layout/process5"/>
-    <dgm:cxn modelId="{0C19318E-1BC4-4D84-A8A1-B97C00B5F7CB}" type="presOf" srcId="{F958CC84-B351-4518-AD16-7A0D327DECAA}" destId="{F5E12C1D-CD80-4E38-84D1-8653A91CFD02}" srcOrd="0" destOrd="0" presId="urn:microsoft.com/office/officeart/2005/8/layout/process5"/>
-    <dgm:cxn modelId="{8376D091-80FF-4427-9457-18F73BA5407D}" srcId="{8A2245C2-F409-494E-AF55-5B6F8214C998}" destId="{0A55110F-64F3-4927-982C-B7EA745AAB77}" srcOrd="3" destOrd="0" parTransId="{A0E9E1C4-22B4-4044-B059-14B079F4A45D}" sibTransId="{A5BF7F64-FDB6-43A4-B62F-4E78CAB33B0C}"/>
-    <dgm:cxn modelId="{5F59BCA4-535F-465C-B7FE-B4163ED5B998}" type="presOf" srcId="{B3C648AD-EF7E-42A8-99E9-3B072000117B}" destId="{69061840-D7C8-49AD-B6F0-0CB0CC34C019}" srcOrd="1" destOrd="0" presId="urn:microsoft.com/office/officeart/2005/8/layout/process5"/>
-    <dgm:cxn modelId="{DAAB7BB3-8131-49EC-9EF8-A74A0A2D96FB}" type="presOf" srcId="{CD849D60-1CC9-480E-A73F-775416316EE2}" destId="{9E1CFB79-4D1B-4156-914B-4152C6154DF4}" srcOrd="1" destOrd="0" presId="urn:microsoft.com/office/officeart/2005/8/layout/process5"/>
     <dgm:cxn modelId="{330A2CB5-9BA2-4B32-B7EC-1F43DFEA8027}" srcId="{8A2245C2-F409-494E-AF55-5B6F8214C998}" destId="{F958CC84-B351-4518-AD16-7A0D327DECAA}" srcOrd="1" destOrd="0" parTransId="{D7F32176-3881-4274-904F-80EC4465F5B1}" sibTransId="{CD849D60-1CC9-480E-A73F-775416316EE2}"/>
     <dgm:cxn modelId="{26D54CBE-6FA7-44F0-8904-3F43B64CA394}" type="presOf" srcId="{46A3BBD4-A8D5-4588-930D-5B5C440F95A7}" destId="{CB0C0557-61B6-4F72-948D-97038DF2347C}" srcOrd="1" destOrd="0" presId="urn:microsoft.com/office/officeart/2005/8/layout/process5"/>
-    <dgm:cxn modelId="{A672B8D2-F6B1-4B51-A368-720A02A08CAF}" type="presOf" srcId="{CD849D60-1CC9-480E-A73F-775416316EE2}" destId="{7604F242-691A-4A0A-B50A-32917DE8221C}" srcOrd="0" destOrd="0" presId="urn:microsoft.com/office/officeart/2005/8/layout/process5"/>
-    <dgm:cxn modelId="{8A6FF6D7-336F-4413-838C-98EA460DBEF8}" srcId="{8A2245C2-F409-494E-AF55-5B6F8214C998}" destId="{24403AF3-F183-41A9-AF7D-0CD1EE855F62}" srcOrd="0" destOrd="0" parTransId="{E2787CE0-8D40-4021-BCD8-CF68F3C5DE5B}" sibTransId="{46A3BBD4-A8D5-4588-930D-5B5C440F95A7}"/>
+    <dgm:cxn modelId="{5F59BCA4-535F-465C-B7FE-B4163ED5B998}" type="presOf" srcId="{B3C648AD-EF7E-42A8-99E9-3B072000117B}" destId="{69061840-D7C8-49AD-B6F0-0CB0CC34C019}" srcOrd="1" destOrd="0" presId="urn:microsoft.com/office/officeart/2005/8/layout/process5"/>
+    <dgm:cxn modelId="{A5900488-6444-4CA2-8592-4974F694552D}" type="presOf" srcId="{B3C648AD-EF7E-42A8-99E9-3B072000117B}" destId="{037DC9CC-A97F-447B-B422-F45D0C3D3808}" srcOrd="0" destOrd="0" presId="urn:microsoft.com/office/officeart/2005/8/layout/process5"/>
+    <dgm:cxn modelId="{32CC9350-AF80-4514-B5F0-61514E8A4D4F}" srcId="{8A2245C2-F409-494E-AF55-5B6F8214C998}" destId="{1A3FFF91-6080-416C-8D4E-8874D45120E6}" srcOrd="2" destOrd="0" parTransId="{CF7D06D5-0F59-47C3-8ACB-87F099421D3F}" sibTransId="{B3C648AD-EF7E-42A8-99E9-3B072000117B}"/>
+    <dgm:cxn modelId="{DAAB7BB3-8131-49EC-9EF8-A74A0A2D96FB}" type="presOf" srcId="{CD849D60-1CC9-480E-A73F-775416316EE2}" destId="{9E1CFB79-4D1B-4156-914B-4152C6154DF4}" srcOrd="1" destOrd="0" presId="urn:microsoft.com/office/officeart/2005/8/layout/process5"/>
+    <dgm:cxn modelId="{6756636E-14C7-4561-B5AA-6C379A6E1AB7}" srcId="{8A2245C2-F409-494E-AF55-5B6F8214C998}" destId="{A2517B8D-95F1-4BEE-9FBE-63FA4F1B8F82}" srcOrd="4" destOrd="0" parTransId="{312C84FD-A518-49E5-BF13-703D85539A0B}" sibTransId="{D9C0BFF0-6F94-4897-9E3A-9C421A39DD49}"/>
     <dgm:cxn modelId="{918A88E4-9D73-4441-8E14-68A251FA981B}" type="presParOf" srcId="{1B77FB05-E91F-4A60-BE0C-A85E0FC8EE93}" destId="{62BAAD4A-600C-4CBC-96D9-E6A6E3D00A29}" srcOrd="0" destOrd="0" presId="urn:microsoft.com/office/officeart/2005/8/layout/process5"/>
     <dgm:cxn modelId="{D12ACD2E-FE81-48DF-B91A-925EEFD67ECC}" type="presParOf" srcId="{1B77FB05-E91F-4A60-BE0C-A85E0FC8EE93}" destId="{B15EFD5D-DCC7-4B17-841B-28D480F47BFA}" srcOrd="1" destOrd="0" presId="urn:microsoft.com/office/officeart/2005/8/layout/process5"/>
     <dgm:cxn modelId="{7F59D865-F230-4061-B45F-AFEB3B3BF418}" type="presParOf" srcId="{B15EFD5D-DCC7-4B17-841B-28D480F47BFA}" destId="{CB0C0557-61B6-4F72-948D-97038DF2347C}" srcOrd="0" destOrd="0" presId="urn:microsoft.com/office/officeart/2005/8/layout/process5"/>
@@ -1300,12 +1398,12 @@
         </a:fontRef>
       </dsp:style>
       <dsp:txBody>
-        <a:bodyPr spcFirstLastPara="0" vert="horz" wrap="square" lIns="72390" tIns="72390" rIns="72390" bIns="72390" numCol="1" spcCol="1270" anchor="ctr" anchorCtr="0">
+        <a:bodyPr spcFirstLastPara="0" vert="horz" wrap="square" lIns="87630" tIns="87630" rIns="87630" bIns="87630" numCol="1" spcCol="1270" anchor="ctr" anchorCtr="0">
           <a:noAutofit/>
         </a:bodyPr>
         <a:lstStyle/>
         <a:p>
-          <a:pPr marL="0" lvl="0" indent="0" algn="ctr" defTabSz="844550">
+          <a:pPr lvl="0" algn="ctr" defTabSz="1022350">
             <a:lnSpc>
               <a:spcPct val="90000"/>
             </a:lnSpc>
@@ -1315,10 +1413,9 @@
             <a:spcAft>
               <a:spcPct val="35000"/>
             </a:spcAft>
-            <a:buNone/>
           </a:pPr>
           <a:r>
-            <a:rPr lang="en-US" sz="1900" kern="1200" dirty="0"/>
+            <a:rPr lang="en-US" sz="2300" kern="1200" dirty="0"/>
             <a:t>Data Source</a:t>
           </a:r>
         </a:p>
@@ -1378,7 +1475,7 @@
         </a:bodyPr>
         <a:lstStyle/>
         <a:p>
-          <a:pPr marL="0" lvl="0" indent="0" algn="ctr" defTabSz="711200">
+          <a:pPr lvl="0" algn="ctr" defTabSz="800100">
             <a:lnSpc>
               <a:spcPct val="90000"/>
             </a:lnSpc>
@@ -1388,9 +1485,8 @@
             <a:spcAft>
               <a:spcPct val="35000"/>
             </a:spcAft>
-            <a:buNone/>
           </a:pPr>
-          <a:endParaRPr lang="en-US" sz="1600" kern="1200"/>
+          <a:endParaRPr lang="en-US" sz="1800" kern="1200"/>
         </a:p>
       </dsp:txBody>
       <dsp:txXfrm>
@@ -1450,12 +1546,12 @@
         </a:fontRef>
       </dsp:style>
       <dsp:txBody>
-        <a:bodyPr spcFirstLastPara="0" vert="horz" wrap="square" lIns="72390" tIns="72390" rIns="72390" bIns="72390" numCol="1" spcCol="1270" anchor="ctr" anchorCtr="0">
+        <a:bodyPr spcFirstLastPara="0" vert="horz" wrap="square" lIns="87630" tIns="87630" rIns="87630" bIns="87630" numCol="1" spcCol="1270" anchor="ctr" anchorCtr="0">
           <a:noAutofit/>
         </a:bodyPr>
         <a:lstStyle/>
         <a:p>
-          <a:pPr marL="0" lvl="0" indent="0" algn="ctr" defTabSz="844550">
+          <a:pPr lvl="0" algn="ctr" defTabSz="1022350">
             <a:lnSpc>
               <a:spcPct val="90000"/>
             </a:lnSpc>
@@ -1465,30 +1561,16 @@
             <a:spcAft>
               <a:spcPct val="35000"/>
             </a:spcAft>
-            <a:buNone/>
           </a:pPr>
           <a:r>
-            <a:rPr lang="en-US" sz="1900" kern="1200" dirty="0"/>
-            <a:t>Data Processing</a:t>
+            <a:rPr lang="en-US" sz="2300" kern="1200" dirty="0"/>
+            <a:t>Data </a:t>
           </a:r>
-        </a:p>
-        <a:p>
-          <a:pPr marL="0" lvl="0" indent="0" algn="ctr" defTabSz="844550">
-            <a:lnSpc>
-              <a:spcPct val="90000"/>
-            </a:lnSpc>
-            <a:spcBef>
-              <a:spcPct val="0"/>
-            </a:spcBef>
-            <a:spcAft>
-              <a:spcPct val="35000"/>
-            </a:spcAft>
-            <a:buNone/>
-          </a:pPr>
           <a:r>
-            <a:rPr lang="en-US" sz="1900" kern="1200" dirty="0"/>
-            <a:t>-Transform to Normal Distribution, Remove Outliers, One-Hot Encoding</a:t>
+            <a:rPr lang="en-US" sz="2300" kern="1200" dirty="0" smtClean="0"/>
+            <a:t>Processing</a:t>
           </a:r>
+          <a:endParaRPr lang="en-US" sz="2300" kern="1200" dirty="0"/>
         </a:p>
       </dsp:txBody>
       <dsp:txXfrm>
@@ -1546,7 +1628,7 @@
         </a:bodyPr>
         <a:lstStyle/>
         <a:p>
-          <a:pPr marL="0" lvl="0" indent="0" algn="ctr" defTabSz="711200">
+          <a:pPr lvl="0" algn="ctr" defTabSz="800100">
             <a:lnSpc>
               <a:spcPct val="90000"/>
             </a:lnSpc>
@@ -1556,9 +1638,8 @@
             <a:spcAft>
               <a:spcPct val="35000"/>
             </a:spcAft>
-            <a:buNone/>
           </a:pPr>
-          <a:endParaRPr lang="en-US" sz="1600" kern="1200"/>
+          <a:endParaRPr lang="en-US" sz="1800" kern="1200"/>
         </a:p>
       </dsp:txBody>
       <dsp:txXfrm>
@@ -1618,12 +1699,12 @@
         </a:fontRef>
       </dsp:style>
       <dsp:txBody>
-        <a:bodyPr spcFirstLastPara="0" vert="horz" wrap="square" lIns="72390" tIns="72390" rIns="72390" bIns="72390" numCol="1" spcCol="1270" anchor="ctr" anchorCtr="0">
+        <a:bodyPr spcFirstLastPara="0" vert="horz" wrap="square" lIns="87630" tIns="87630" rIns="87630" bIns="87630" numCol="1" spcCol="1270" anchor="ctr" anchorCtr="0">
           <a:noAutofit/>
         </a:bodyPr>
         <a:lstStyle/>
         <a:p>
-          <a:pPr marL="0" lvl="0" indent="0" algn="ctr" defTabSz="844550">
+          <a:pPr lvl="0" algn="ctr" defTabSz="1022350">
             <a:lnSpc>
               <a:spcPct val="90000"/>
             </a:lnSpc>
@@ -1633,29 +1714,14 @@
             <a:spcAft>
               <a:spcPct val="35000"/>
             </a:spcAft>
-            <a:buNone/>
           </a:pPr>
           <a:r>
-            <a:rPr lang="en-US" sz="1900" kern="1200" dirty="0"/>
-            <a:t>Apply Model</a:t>
+            <a:rPr lang="en-US" sz="2300" kern="1200" dirty="0" smtClean="0"/>
+            <a:t>Linear </a:t>
           </a:r>
-        </a:p>
-        <a:p>
-          <a:pPr marL="0" lvl="0" indent="0" algn="ctr" defTabSz="844550">
-            <a:lnSpc>
-              <a:spcPct val="90000"/>
-            </a:lnSpc>
-            <a:spcBef>
-              <a:spcPct val="0"/>
-            </a:spcBef>
-            <a:spcAft>
-              <a:spcPct val="35000"/>
-            </a:spcAft>
-            <a:buNone/>
-          </a:pPr>
           <a:r>
-            <a:rPr lang="en-US" sz="1900" kern="1200" dirty="0"/>
-            <a:t>-Linear regression</a:t>
+            <a:rPr lang="en-US" sz="2300" kern="1200" dirty="0"/>
+            <a:t>regression</a:t>
           </a:r>
         </a:p>
       </dsp:txBody>
@@ -1714,7 +1780,7 @@
         </a:bodyPr>
         <a:lstStyle/>
         <a:p>
-          <a:pPr marL="0" lvl="0" indent="0" algn="ctr" defTabSz="711200">
+          <a:pPr lvl="0" algn="ctr" defTabSz="800100">
             <a:lnSpc>
               <a:spcPct val="90000"/>
             </a:lnSpc>
@@ -1724,9 +1790,8 @@
             <a:spcAft>
               <a:spcPct val="35000"/>
             </a:spcAft>
-            <a:buNone/>
           </a:pPr>
-          <a:endParaRPr lang="en-US" sz="1600" kern="1200"/>
+          <a:endParaRPr lang="en-US" sz="1800" kern="1200"/>
         </a:p>
       </dsp:txBody>
       <dsp:txXfrm rot="-5400000">
@@ -1786,12 +1851,12 @@
         </a:fontRef>
       </dsp:style>
       <dsp:txBody>
-        <a:bodyPr spcFirstLastPara="0" vert="horz" wrap="square" lIns="72390" tIns="72390" rIns="72390" bIns="72390" numCol="1" spcCol="1270" anchor="ctr" anchorCtr="0">
+        <a:bodyPr spcFirstLastPara="0" vert="horz" wrap="square" lIns="87630" tIns="87630" rIns="87630" bIns="87630" numCol="1" spcCol="1270" anchor="ctr" anchorCtr="0">
           <a:noAutofit/>
         </a:bodyPr>
         <a:lstStyle/>
         <a:p>
-          <a:pPr marL="0" lvl="0" indent="0" algn="ctr" defTabSz="844550">
+          <a:pPr lvl="0" algn="ctr" defTabSz="1022350">
             <a:lnSpc>
               <a:spcPct val="90000"/>
             </a:lnSpc>
@@ -1801,15 +1866,15 @@
             <a:spcAft>
               <a:spcPct val="35000"/>
             </a:spcAft>
-            <a:buNone/>
           </a:pPr>
           <a:r>
-            <a:rPr lang="en-US" sz="1900" kern="1200" dirty="0"/>
-            <a:t>Improve Model</a:t>
+            <a:rPr lang="en-US" sz="2300" kern="1200" dirty="0" smtClean="0"/>
+            <a:t>Improving model by</a:t>
           </a:r>
+          <a:endParaRPr lang="en-US" sz="2300" kern="1200" dirty="0"/>
         </a:p>
         <a:p>
-          <a:pPr marL="0" lvl="0" indent="0" algn="ctr" defTabSz="844550">
+          <a:pPr lvl="0" algn="ctr" defTabSz="1022350">
             <a:lnSpc>
               <a:spcPct val="90000"/>
             </a:lnSpc>
@@ -1819,11 +1884,14 @@
             <a:spcAft>
               <a:spcPct val="35000"/>
             </a:spcAft>
-            <a:buNone/>
           </a:pPr>
           <a:r>
-            <a:rPr lang="en-US" sz="1900" kern="1200" dirty="0"/>
-            <a:t>-Removing non- significant features</a:t>
+            <a:rPr lang="en-US" sz="2300" kern="1200" dirty="0" smtClean="0"/>
+            <a:t>removing </a:t>
+          </a:r>
+          <a:r>
+            <a:rPr lang="en-US" sz="2300" kern="1200" dirty="0"/>
+            <a:t>non- significant features</a:t>
           </a:r>
         </a:p>
       </dsp:txBody>
@@ -1882,7 +1950,7 @@
         </a:bodyPr>
         <a:lstStyle/>
         <a:p>
-          <a:pPr marL="0" lvl="0" indent="0" algn="ctr" defTabSz="711200">
+          <a:pPr lvl="0" algn="ctr" defTabSz="800100">
             <a:lnSpc>
               <a:spcPct val="90000"/>
             </a:lnSpc>
@@ -1892,9 +1960,8 @@
             <a:spcAft>
               <a:spcPct val="35000"/>
             </a:spcAft>
-            <a:buNone/>
           </a:pPr>
-          <a:endParaRPr lang="en-US" sz="1600" kern="1200"/>
+          <a:endParaRPr lang="en-US" sz="1800" kern="1200"/>
         </a:p>
       </dsp:txBody>
       <dsp:txXfrm rot="10800000">
@@ -1954,12 +2021,12 @@
         </a:fontRef>
       </dsp:style>
       <dsp:txBody>
-        <a:bodyPr spcFirstLastPara="0" vert="horz" wrap="square" lIns="72390" tIns="72390" rIns="72390" bIns="72390" numCol="1" spcCol="1270" anchor="ctr" anchorCtr="0">
+        <a:bodyPr spcFirstLastPara="0" vert="horz" wrap="square" lIns="87630" tIns="87630" rIns="87630" bIns="87630" numCol="1" spcCol="1270" anchor="ctr" anchorCtr="0">
           <a:noAutofit/>
         </a:bodyPr>
         <a:lstStyle/>
         <a:p>
-          <a:pPr marL="0" lvl="0" indent="0" algn="ctr" defTabSz="844550">
+          <a:pPr lvl="0" algn="ctr" defTabSz="1022350">
             <a:lnSpc>
               <a:spcPct val="90000"/>
             </a:lnSpc>
@@ -1969,10 +2036,9 @@
             <a:spcAft>
               <a:spcPct val="35000"/>
             </a:spcAft>
-            <a:buNone/>
           </a:pPr>
           <a:r>
-            <a:rPr lang="en-US" sz="1900" kern="1200" dirty="0"/>
+            <a:rPr lang="en-US" sz="2300" kern="1200" dirty="0"/>
             <a:t>Visualize Results</a:t>
           </a:r>
         </a:p>
@@ -3218,7 +3284,7 @@
           <p:cNvPr id="2" name="Header Placeholder 1">
             <a:extLst>
               <a:ext uri="{FF2B5EF4-FFF2-40B4-BE49-F238E27FC236}">
-                <a16:creationId xmlns:a16="http://schemas.microsoft.com/office/drawing/2014/main" id="{E62FF6B6-4F8A-40F7-B5F4-FC3996824D73}"/>
+                <a16:creationId xmlns:a16="http://schemas.microsoft.com/office/drawing/2014/main" xmlns="" id="{E62FF6B6-4F8A-40F7-B5F4-FC3996824D73}"/>
               </a:ext>
             </a:extLst>
           </p:cNvPr>
@@ -3255,7 +3321,7 @@
           <p:cNvPr id="3" name="Date Placeholder 2">
             <a:extLst>
               <a:ext uri="{FF2B5EF4-FFF2-40B4-BE49-F238E27FC236}">
-                <a16:creationId xmlns:a16="http://schemas.microsoft.com/office/drawing/2014/main" id="{8910A999-F365-48DF-976A-0517FE045440}"/>
+                <a16:creationId xmlns:a16="http://schemas.microsoft.com/office/drawing/2014/main" xmlns="" id="{8910A999-F365-48DF-976A-0517FE045440}"/>
               </a:ext>
             </a:extLst>
           </p:cNvPr>
@@ -3285,7 +3351,7 @@
           <a:p>
             <a:fld id="{1CA5457B-CDAE-4DEB-AEC8-C82DE2312E37}" type="datetimeFigureOut">
               <a:rPr lang="en-US" smtClean="0"/>
-              <a:t>4/21/2022</a:t>
+              <a:t>4/22/2022</a:t>
             </a:fld>
             <a:endParaRPr lang="en-US" dirty="0"/>
           </a:p>
@@ -3296,7 +3362,7 @@
           <p:cNvPr id="4" name="Footer Placeholder 3">
             <a:extLst>
               <a:ext uri="{FF2B5EF4-FFF2-40B4-BE49-F238E27FC236}">
-                <a16:creationId xmlns:a16="http://schemas.microsoft.com/office/drawing/2014/main" id="{F8735C90-ADBF-4B9E-BE88-E1C8F83EB4D2}"/>
+                <a16:creationId xmlns:a16="http://schemas.microsoft.com/office/drawing/2014/main" xmlns="" id="{F8735C90-ADBF-4B9E-BE88-E1C8F83EB4D2}"/>
               </a:ext>
             </a:extLst>
           </p:cNvPr>
@@ -3333,7 +3399,7 @@
           <p:cNvPr id="5" name="Slide Number Placeholder 4">
             <a:extLst>
               <a:ext uri="{FF2B5EF4-FFF2-40B4-BE49-F238E27FC236}">
-                <a16:creationId xmlns:a16="http://schemas.microsoft.com/office/drawing/2014/main" id="{82506A01-6D0A-45EF-A584-05A3361D66F7}"/>
+                <a16:creationId xmlns:a16="http://schemas.microsoft.com/office/drawing/2014/main" xmlns="" id="{82506A01-6D0A-45EF-A584-05A3361D66F7}"/>
               </a:ext>
             </a:extLst>
           </p:cNvPr>
@@ -3363,7 +3429,7 @@
           <a:p>
             <a:fld id="{0831430A-4AA4-45C8-AC23-CD6B61C41A4C}" type="slidenum">
               <a:rPr lang="en-US" smtClean="0"/>
-              <a:t>‹#›</a:t>
+              <a:t>‹Nr.›</a:t>
             </a:fld>
             <a:endParaRPr lang="en-US" dirty="0"/>
           </a:p>
@@ -3462,7 +3528,7 @@
           <a:p>
             <a:fld id="{090B78EA-28CE-41D8-9043-90E391E5F567}" type="datetimeFigureOut">
               <a:rPr lang="en-US" noProof="0" smtClean="0"/>
-              <a:t>4/21/2022</a:t>
+              <a:t>4/22/2022</a:t>
             </a:fld>
             <a:endParaRPr lang="en-US" noProof="0" dirty="0"/>
           </a:p>
@@ -3620,7 +3686,7 @@
           <a:p>
             <a:fld id="{1734D747-9380-41EE-9946-EC9EC0CA5D1E}" type="slidenum">
               <a:rPr lang="en-US" noProof="0" smtClean="0"/>
-              <a:t>‹#›</a:t>
+              <a:t>‹Nr.›</a:t>
             </a:fld>
             <a:endParaRPr lang="en-US" noProof="0" dirty="0"/>
           </a:p>
@@ -3751,7 +3817,7 @@
           <p:cNvPr id="21" name="Rectangle 20">
             <a:extLst>
               <a:ext uri="{FF2B5EF4-FFF2-40B4-BE49-F238E27FC236}">
-                <a16:creationId xmlns:a16="http://schemas.microsoft.com/office/drawing/2014/main" id="{6E739168-A5E8-443A-B392-7AD4CF8977AD}"/>
+                <a16:creationId xmlns:a16="http://schemas.microsoft.com/office/drawing/2014/main" xmlns="" id="{6E739168-A5E8-443A-B392-7AD4CF8977AD}"/>
               </a:ext>
             </a:extLst>
           </p:cNvPr>
@@ -3803,7 +3869,7 @@
           <p:cNvPr id="7" name="Group 6">
             <a:extLst>
               <a:ext uri="{FF2B5EF4-FFF2-40B4-BE49-F238E27FC236}">
-                <a16:creationId xmlns:a16="http://schemas.microsoft.com/office/drawing/2014/main" id="{4CA15AFD-4983-47DD-9ED0-D3B27E5A096F}"/>
+                <a16:creationId xmlns:a16="http://schemas.microsoft.com/office/drawing/2014/main" xmlns="" id="{4CA15AFD-4983-47DD-9ED0-D3B27E5A096F}"/>
               </a:ext>
             </a:extLst>
           </p:cNvPr>
@@ -3823,7 +3889,7 @@
             <p:cNvPr id="8" name="Group 7">
               <a:extLst>
                 <a:ext uri="{FF2B5EF4-FFF2-40B4-BE49-F238E27FC236}">
-                  <a16:creationId xmlns:a16="http://schemas.microsoft.com/office/drawing/2014/main" id="{2222D5E2-E9B4-4180-98B8-4E514C9ADB28}"/>
+                  <a16:creationId xmlns:a16="http://schemas.microsoft.com/office/drawing/2014/main" xmlns="" id="{2222D5E2-E9B4-4180-98B8-4E514C9ADB28}"/>
                 </a:ext>
               </a:extLst>
             </p:cNvPr>
@@ -3843,7 +3909,7 @@
               <p:cNvPr id="15" name="Freeform: Shape 14">
                 <a:extLst>
                   <a:ext uri="{FF2B5EF4-FFF2-40B4-BE49-F238E27FC236}">
-                    <a16:creationId xmlns:a16="http://schemas.microsoft.com/office/drawing/2014/main" id="{41E10E1E-5268-4F03-BA64-07E19DE26739}"/>
+                    <a16:creationId xmlns:a16="http://schemas.microsoft.com/office/drawing/2014/main" xmlns="" id="{41E10E1E-5268-4F03-BA64-07E19DE26739}"/>
                   </a:ext>
                 </a:extLst>
               </p:cNvPr>
@@ -3980,7 +4046,7 @@
               <p:cNvPr id="16" name="Freeform: Shape 15">
                 <a:extLst>
                   <a:ext uri="{FF2B5EF4-FFF2-40B4-BE49-F238E27FC236}">
-                    <a16:creationId xmlns:a16="http://schemas.microsoft.com/office/drawing/2014/main" id="{B989C45D-BDFF-418F-BE79-03FF70015770}"/>
+                    <a16:creationId xmlns:a16="http://schemas.microsoft.com/office/drawing/2014/main" xmlns="" id="{B989C45D-BDFF-418F-BE79-03FF70015770}"/>
                   </a:ext>
                 </a:extLst>
               </p:cNvPr>
@@ -4144,7 +4210,7 @@
               <p:cNvPr id="17" name="Right Triangle 16">
                 <a:extLst>
                   <a:ext uri="{FF2B5EF4-FFF2-40B4-BE49-F238E27FC236}">
-                    <a16:creationId xmlns:a16="http://schemas.microsoft.com/office/drawing/2014/main" id="{8DCD5806-2A2F-4ABF-8057-245681C498E6}"/>
+                    <a16:creationId xmlns:a16="http://schemas.microsoft.com/office/drawing/2014/main" xmlns="" id="{8DCD5806-2A2F-4ABF-8057-245681C498E6}"/>
                   </a:ext>
                 </a:extLst>
               </p:cNvPr>
@@ -4198,7 +4264,7 @@
               <p:cNvPr id="18" name="Right Triangle 17">
                 <a:extLst>
                   <a:ext uri="{FF2B5EF4-FFF2-40B4-BE49-F238E27FC236}">
-                    <a16:creationId xmlns:a16="http://schemas.microsoft.com/office/drawing/2014/main" id="{3A93038F-E9E4-4FFD-B3DF-28DB7C2C1490}"/>
+                    <a16:creationId xmlns:a16="http://schemas.microsoft.com/office/drawing/2014/main" xmlns="" id="{3A93038F-E9E4-4FFD-B3DF-28DB7C2C1490}"/>
                   </a:ext>
                 </a:extLst>
               </p:cNvPr>
@@ -4255,7 +4321,7 @@
               <p:cNvPr id="19" name="Right Triangle 18">
                 <a:extLst>
                   <a:ext uri="{FF2B5EF4-FFF2-40B4-BE49-F238E27FC236}">
-                    <a16:creationId xmlns:a16="http://schemas.microsoft.com/office/drawing/2014/main" id="{5DEA1E02-BBD0-4AE3-AF22-433B90272178}"/>
+                    <a16:creationId xmlns:a16="http://schemas.microsoft.com/office/drawing/2014/main" xmlns="" id="{5DEA1E02-BBD0-4AE3-AF22-433B90272178}"/>
                   </a:ext>
                 </a:extLst>
               </p:cNvPr>
@@ -4309,7 +4375,7 @@
               <p:cNvPr id="20" name="Freeform: Shape 19">
                 <a:extLst>
                   <a:ext uri="{FF2B5EF4-FFF2-40B4-BE49-F238E27FC236}">
-                    <a16:creationId xmlns:a16="http://schemas.microsoft.com/office/drawing/2014/main" id="{0027A677-9ACB-4264-B148-4806678FB83F}"/>
+                    <a16:creationId xmlns:a16="http://schemas.microsoft.com/office/drawing/2014/main" xmlns="" id="{0027A677-9ACB-4264-B148-4806678FB83F}"/>
                   </a:ext>
                 </a:extLst>
               </p:cNvPr>
@@ -4472,7 +4538,7 @@
             <p:cNvPr id="9" name="Freeform: Shape 12">
               <a:extLst>
                 <a:ext uri="{FF2B5EF4-FFF2-40B4-BE49-F238E27FC236}">
-                  <a16:creationId xmlns:a16="http://schemas.microsoft.com/office/drawing/2014/main" id="{E3AAB79D-382D-4A95-965E-526B6A681DA7}"/>
+                  <a16:creationId xmlns:a16="http://schemas.microsoft.com/office/drawing/2014/main" xmlns="" id="{E3AAB79D-382D-4A95-965E-526B6A681DA7}"/>
                 </a:ext>
               </a:extLst>
             </p:cNvPr>
@@ -4562,7 +4628,7 @@
             <p:cNvPr id="10" name="Freeform: Shape 9">
               <a:extLst>
                 <a:ext uri="{FF2B5EF4-FFF2-40B4-BE49-F238E27FC236}">
-                  <a16:creationId xmlns:a16="http://schemas.microsoft.com/office/drawing/2014/main" id="{C0A22127-2B4A-4B15-B0A9-F019A30347A1}"/>
+                  <a16:creationId xmlns:a16="http://schemas.microsoft.com/office/drawing/2014/main" xmlns="" id="{C0A22127-2B4A-4B15-B0A9-F019A30347A1}"/>
                 </a:ext>
               </a:extLst>
             </p:cNvPr>
@@ -4665,7 +4731,7 @@
             <p:cNvPr id="11" name="Freeform: Shape 12">
               <a:extLst>
                 <a:ext uri="{FF2B5EF4-FFF2-40B4-BE49-F238E27FC236}">
-                  <a16:creationId xmlns:a16="http://schemas.microsoft.com/office/drawing/2014/main" id="{F04D9FDC-1B67-4254-9535-CD32E81F0C3E}"/>
+                  <a16:creationId xmlns:a16="http://schemas.microsoft.com/office/drawing/2014/main" xmlns="" id="{F04D9FDC-1B67-4254-9535-CD32E81F0C3E}"/>
                 </a:ext>
               </a:extLst>
             </p:cNvPr>
@@ -4763,7 +4829,7 @@
             <p:cNvPr id="12" name="Group 11">
               <a:extLst>
                 <a:ext uri="{FF2B5EF4-FFF2-40B4-BE49-F238E27FC236}">
-                  <a16:creationId xmlns:a16="http://schemas.microsoft.com/office/drawing/2014/main" id="{0A86C4EA-4CF8-4531-845D-4FCB1E2F7422}"/>
+                  <a16:creationId xmlns:a16="http://schemas.microsoft.com/office/drawing/2014/main" xmlns="" id="{0A86C4EA-4CF8-4531-845D-4FCB1E2F7422}"/>
                 </a:ext>
               </a:extLst>
             </p:cNvPr>
@@ -4783,7 +4849,7 @@
               <p:cNvPr id="13" name="Freeform: Shape 12">
                 <a:extLst>
                   <a:ext uri="{FF2B5EF4-FFF2-40B4-BE49-F238E27FC236}">
-                    <a16:creationId xmlns:a16="http://schemas.microsoft.com/office/drawing/2014/main" id="{1101B195-C112-4D20-8D19-4D22479B150D}"/>
+                    <a16:creationId xmlns:a16="http://schemas.microsoft.com/office/drawing/2014/main" xmlns="" id="{1101B195-C112-4D20-8D19-4D22479B150D}"/>
                   </a:ext>
                 </a:extLst>
               </p:cNvPr>
@@ -4873,7 +4939,7 @@
               <p:cNvPr id="14" name="Freeform: Shape 12">
                 <a:extLst>
                   <a:ext uri="{FF2B5EF4-FFF2-40B4-BE49-F238E27FC236}">
-                    <a16:creationId xmlns:a16="http://schemas.microsoft.com/office/drawing/2014/main" id="{CA755F1F-9955-4CBB-8F34-F7801CA44CE7}"/>
+                    <a16:creationId xmlns:a16="http://schemas.microsoft.com/office/drawing/2014/main" xmlns="" id="{CA755F1F-9955-4CBB-8F34-F7801CA44CE7}"/>
                   </a:ext>
                 </a:extLst>
               </p:cNvPr>
@@ -4973,7 +5039,7 @@
           <p:cNvPr id="2" name="Title 1">
             <a:extLst>
               <a:ext uri="{FF2B5EF4-FFF2-40B4-BE49-F238E27FC236}">
-                <a16:creationId xmlns:a16="http://schemas.microsoft.com/office/drawing/2014/main" id="{9E597736-C478-4C26-9BAF-205FE31E977C}"/>
+                <a16:creationId xmlns:a16="http://schemas.microsoft.com/office/drawing/2014/main" xmlns="" id="{9E597736-C478-4C26-9BAF-205FE31E977C}"/>
               </a:ext>
             </a:extLst>
           </p:cNvPr>
@@ -5020,7 +5086,7 @@
           <p:cNvPr id="3" name="Subtitle 2">
             <a:extLst>
               <a:ext uri="{FF2B5EF4-FFF2-40B4-BE49-F238E27FC236}">
-                <a16:creationId xmlns:a16="http://schemas.microsoft.com/office/drawing/2014/main" id="{C3D2DEF0-A0B0-4CFE-B67D-A9D75E2368DC}"/>
+                <a16:creationId xmlns:a16="http://schemas.microsoft.com/office/drawing/2014/main" xmlns="" id="{C3D2DEF0-A0B0-4CFE-B67D-A9D75E2368DC}"/>
               </a:ext>
             </a:extLst>
           </p:cNvPr>
@@ -5105,7 +5171,7 @@
           <p:cNvPr id="11" name="Rectangle 10">
             <a:extLst>
               <a:ext uri="{FF2B5EF4-FFF2-40B4-BE49-F238E27FC236}">
-                <a16:creationId xmlns:a16="http://schemas.microsoft.com/office/drawing/2014/main" id="{EB3E033F-4449-40FA-BC85-BD2712D313DD}"/>
+                <a16:creationId xmlns:a16="http://schemas.microsoft.com/office/drawing/2014/main" xmlns="" id="{EB3E033F-4449-40FA-BC85-BD2712D313DD}"/>
               </a:ext>
             </a:extLst>
           </p:cNvPr>
@@ -5159,7 +5225,7 @@
           <p:cNvPr id="10" name="Freeform: Shape 9">
             <a:extLst>
               <a:ext uri="{FF2B5EF4-FFF2-40B4-BE49-F238E27FC236}">
-                <a16:creationId xmlns:a16="http://schemas.microsoft.com/office/drawing/2014/main" id="{63D26743-0505-444C-80B3-E88EE87DF72B}"/>
+                <a16:creationId xmlns:a16="http://schemas.microsoft.com/office/drawing/2014/main" xmlns="" id="{63D26743-0505-444C-80B3-E88EE87DF72B}"/>
               </a:ext>
             </a:extLst>
           </p:cNvPr>
@@ -5282,7 +5348,7 @@
           <p:cNvPr id="18" name="Freeform: Shape 17">
             <a:extLst>
               <a:ext uri="{FF2B5EF4-FFF2-40B4-BE49-F238E27FC236}">
-                <a16:creationId xmlns:a16="http://schemas.microsoft.com/office/drawing/2014/main" id="{E37145E9-AC61-47D5-9288-8789940F81B6}"/>
+                <a16:creationId xmlns:a16="http://schemas.microsoft.com/office/drawing/2014/main" xmlns="" id="{E37145E9-AC61-47D5-9288-8789940F81B6}"/>
               </a:ext>
             </a:extLst>
           </p:cNvPr>
@@ -5434,7 +5500,7 @@
           <p:cNvPr id="12" name="Freeform: Shape 11">
             <a:extLst>
               <a:ext uri="{FF2B5EF4-FFF2-40B4-BE49-F238E27FC236}">
-                <a16:creationId xmlns:a16="http://schemas.microsoft.com/office/drawing/2014/main" id="{A5E2B3ED-9A49-40A7-B8A3-62595FE513F9}"/>
+                <a16:creationId xmlns:a16="http://schemas.microsoft.com/office/drawing/2014/main" xmlns="" id="{A5E2B3ED-9A49-40A7-B8A3-62595FE513F9}"/>
               </a:ext>
             </a:extLst>
           </p:cNvPr>
@@ -5584,7 +5650,7 @@
           <p:cNvPr id="8" name="Freeform: Shape 7">
             <a:extLst>
               <a:ext uri="{FF2B5EF4-FFF2-40B4-BE49-F238E27FC236}">
-                <a16:creationId xmlns:a16="http://schemas.microsoft.com/office/drawing/2014/main" id="{1599AF7E-3E34-4597-AA72-9373A7FDB020}"/>
+                <a16:creationId xmlns:a16="http://schemas.microsoft.com/office/drawing/2014/main" xmlns="" id="{1599AF7E-3E34-4597-AA72-9373A7FDB020}"/>
               </a:ext>
             </a:extLst>
           </p:cNvPr>
@@ -5730,7 +5796,7 @@
           <p:cNvPr id="2" name="Title 1">
             <a:extLst>
               <a:ext uri="{FF2B5EF4-FFF2-40B4-BE49-F238E27FC236}">
-                <a16:creationId xmlns:a16="http://schemas.microsoft.com/office/drawing/2014/main" id="{4A2DF563-7FAC-46B3-B24C-7E45CD89DA2B}"/>
+                <a16:creationId xmlns:a16="http://schemas.microsoft.com/office/drawing/2014/main" xmlns="" id="{4A2DF563-7FAC-46B3-B24C-7E45CD89DA2B}"/>
               </a:ext>
             </a:extLst>
           </p:cNvPr>
@@ -5775,7 +5841,7 @@
           <p:cNvPr id="15" name="Group 14">
             <a:extLst>
               <a:ext uri="{FF2B5EF4-FFF2-40B4-BE49-F238E27FC236}">
-                <a16:creationId xmlns:a16="http://schemas.microsoft.com/office/drawing/2014/main" id="{7732E1E7-45E3-4264-8F26-66758696DD1E}"/>
+                <a16:creationId xmlns:a16="http://schemas.microsoft.com/office/drawing/2014/main" xmlns="" id="{7732E1E7-45E3-4264-8F26-66758696DD1E}"/>
               </a:ext>
             </a:extLst>
           </p:cNvPr>
@@ -5795,7 +5861,7 @@
             <p:cNvPr id="16" name="Freeform: Shape 15">
               <a:extLst>
                 <a:ext uri="{FF2B5EF4-FFF2-40B4-BE49-F238E27FC236}">
-                  <a16:creationId xmlns:a16="http://schemas.microsoft.com/office/drawing/2014/main" id="{2E3DF883-8093-49FA-81E1-E5D77F086A25}"/>
+                  <a16:creationId xmlns:a16="http://schemas.microsoft.com/office/drawing/2014/main" xmlns="" id="{2E3DF883-8093-49FA-81E1-E5D77F086A25}"/>
                 </a:ext>
               </a:extLst>
             </p:cNvPr>
@@ -5885,7 +5951,7 @@
             <p:cNvPr id="17" name="Freeform: Shape 16">
               <a:extLst>
                 <a:ext uri="{FF2B5EF4-FFF2-40B4-BE49-F238E27FC236}">
-                  <a16:creationId xmlns:a16="http://schemas.microsoft.com/office/drawing/2014/main" id="{18944C90-37E5-4BBE-89FF-060627168050}"/>
+                  <a16:creationId xmlns:a16="http://schemas.microsoft.com/office/drawing/2014/main" xmlns="" id="{18944C90-37E5-4BBE-89FF-060627168050}"/>
                 </a:ext>
               </a:extLst>
             </p:cNvPr>
@@ -5984,7 +6050,7 @@
           <p:cNvPr id="6" name="Group 5">
             <a:extLst>
               <a:ext uri="{FF2B5EF4-FFF2-40B4-BE49-F238E27FC236}">
-                <a16:creationId xmlns:a16="http://schemas.microsoft.com/office/drawing/2014/main" id="{D9EBF8BB-A805-4DDB-B459-082F99815B95}"/>
+                <a16:creationId xmlns:a16="http://schemas.microsoft.com/office/drawing/2014/main" xmlns="" id="{D9EBF8BB-A805-4DDB-B459-082F99815B95}"/>
               </a:ext>
             </a:extLst>
           </p:cNvPr>
@@ -6004,7 +6070,7 @@
             <p:cNvPr id="19" name="Rectangle: Single Corner Snipped 18">
               <a:extLst>
                 <a:ext uri="{FF2B5EF4-FFF2-40B4-BE49-F238E27FC236}">
-                  <a16:creationId xmlns:a16="http://schemas.microsoft.com/office/drawing/2014/main" id="{5D638788-DD47-45E7-939A-FA108A818173}"/>
+                  <a16:creationId xmlns:a16="http://schemas.microsoft.com/office/drawing/2014/main" xmlns="" id="{5D638788-DD47-45E7-939A-FA108A818173}"/>
                 </a:ext>
               </a:extLst>
             </p:cNvPr>
@@ -6070,7 +6136,7 @@
             <p:cNvPr id="3" name="Rectangle: Single Corner Snipped 2">
               <a:extLst>
                 <a:ext uri="{FF2B5EF4-FFF2-40B4-BE49-F238E27FC236}">
-                  <a16:creationId xmlns:a16="http://schemas.microsoft.com/office/drawing/2014/main" id="{74BDECEF-EEFE-4332-B3B2-BDE4F82C10FC}"/>
+                  <a16:creationId xmlns:a16="http://schemas.microsoft.com/office/drawing/2014/main" xmlns="" id="{74BDECEF-EEFE-4332-B3B2-BDE4F82C10FC}"/>
                 </a:ext>
               </a:extLst>
             </p:cNvPr>
@@ -6127,7 +6193,7 @@
           <p:cNvPr id="24" name="Freeform: Shape 23">
             <a:extLst>
               <a:ext uri="{FF2B5EF4-FFF2-40B4-BE49-F238E27FC236}">
-                <a16:creationId xmlns:a16="http://schemas.microsoft.com/office/drawing/2014/main" id="{18103E00-7E4A-44CD-81AC-06433CAE1110}"/>
+                <a16:creationId xmlns:a16="http://schemas.microsoft.com/office/drawing/2014/main" xmlns="" id="{18103E00-7E4A-44CD-81AC-06433CAE1110}"/>
               </a:ext>
             </a:extLst>
           </p:cNvPr>
@@ -6222,7 +6288,7 @@
           <p:cNvPr id="5" name="Slide Number Placeholder 4">
             <a:extLst>
               <a:ext uri="{FF2B5EF4-FFF2-40B4-BE49-F238E27FC236}">
-                <a16:creationId xmlns:a16="http://schemas.microsoft.com/office/drawing/2014/main" id="{87B51822-97FF-47A7-8E4E-A0F79B4EB237}"/>
+                <a16:creationId xmlns:a16="http://schemas.microsoft.com/office/drawing/2014/main" xmlns="" id="{87B51822-97FF-47A7-8E4E-A0F79B4EB237}"/>
               </a:ext>
             </a:extLst>
           </p:cNvPr>
@@ -6255,7 +6321,7 @@
             <a:fld id="{C263D6C4-4840-40CC-AC84-17E24B3B7BDE}" type="slidenum">
               <a:rPr lang="en-US" noProof="0" smtClean="0"/>
               <a:pPr/>
-              <a:t>‹#›</a:t>
+              <a:t>‹Nr.›</a:t>
             </a:fld>
             <a:endParaRPr lang="en-US" noProof="0" dirty="0"/>
           </a:p>
@@ -6266,7 +6332,7 @@
           <p:cNvPr id="20" name="Content Placeholder 2">
             <a:extLst>
               <a:ext uri="{FF2B5EF4-FFF2-40B4-BE49-F238E27FC236}">
-                <a16:creationId xmlns:a16="http://schemas.microsoft.com/office/drawing/2014/main" id="{FE796BFF-6E5F-4DE7-B193-F501FC094D63}"/>
+                <a16:creationId xmlns:a16="http://schemas.microsoft.com/office/drawing/2014/main" xmlns="" id="{FE796BFF-6E5F-4DE7-B193-F501FC094D63}"/>
               </a:ext>
             </a:extLst>
           </p:cNvPr>
@@ -6376,7 +6442,7 @@
           <p:cNvPr id="21" name="Content Placeholder 3">
             <a:extLst>
               <a:ext uri="{FF2B5EF4-FFF2-40B4-BE49-F238E27FC236}">
-                <a16:creationId xmlns:a16="http://schemas.microsoft.com/office/drawing/2014/main" id="{78622754-CA4D-4C27-A37F-B26E7B4C9CA2}"/>
+                <a16:creationId xmlns:a16="http://schemas.microsoft.com/office/drawing/2014/main" xmlns="" id="{78622754-CA4D-4C27-A37F-B26E7B4C9CA2}"/>
               </a:ext>
             </a:extLst>
           </p:cNvPr>
@@ -6514,7 +6580,7 @@
           <p:cNvPr id="11" name="Rectangle 10">
             <a:extLst>
               <a:ext uri="{FF2B5EF4-FFF2-40B4-BE49-F238E27FC236}">
-                <a16:creationId xmlns:a16="http://schemas.microsoft.com/office/drawing/2014/main" id="{EB3E033F-4449-40FA-BC85-BD2712D313DD}"/>
+                <a16:creationId xmlns:a16="http://schemas.microsoft.com/office/drawing/2014/main" xmlns="" id="{EB3E033F-4449-40FA-BC85-BD2712D313DD}"/>
               </a:ext>
             </a:extLst>
           </p:cNvPr>
@@ -6568,7 +6634,7 @@
           <p:cNvPr id="10" name="Freeform: Shape 9">
             <a:extLst>
               <a:ext uri="{FF2B5EF4-FFF2-40B4-BE49-F238E27FC236}">
-                <a16:creationId xmlns:a16="http://schemas.microsoft.com/office/drawing/2014/main" id="{63D26743-0505-444C-80B3-E88EE87DF72B}"/>
+                <a16:creationId xmlns:a16="http://schemas.microsoft.com/office/drawing/2014/main" xmlns="" id="{63D26743-0505-444C-80B3-E88EE87DF72B}"/>
               </a:ext>
             </a:extLst>
           </p:cNvPr>
@@ -6691,7 +6757,7 @@
           <p:cNvPr id="18" name="Freeform: Shape 17">
             <a:extLst>
               <a:ext uri="{FF2B5EF4-FFF2-40B4-BE49-F238E27FC236}">
-                <a16:creationId xmlns:a16="http://schemas.microsoft.com/office/drawing/2014/main" id="{E37145E9-AC61-47D5-9288-8789940F81B6}"/>
+                <a16:creationId xmlns:a16="http://schemas.microsoft.com/office/drawing/2014/main" xmlns="" id="{E37145E9-AC61-47D5-9288-8789940F81B6}"/>
               </a:ext>
             </a:extLst>
           </p:cNvPr>
@@ -6843,7 +6909,7 @@
           <p:cNvPr id="12" name="Freeform: Shape 11">
             <a:extLst>
               <a:ext uri="{FF2B5EF4-FFF2-40B4-BE49-F238E27FC236}">
-                <a16:creationId xmlns:a16="http://schemas.microsoft.com/office/drawing/2014/main" id="{A5E2B3ED-9A49-40A7-B8A3-62595FE513F9}"/>
+                <a16:creationId xmlns:a16="http://schemas.microsoft.com/office/drawing/2014/main" xmlns="" id="{A5E2B3ED-9A49-40A7-B8A3-62595FE513F9}"/>
               </a:ext>
             </a:extLst>
           </p:cNvPr>
@@ -6993,7 +7059,7 @@
           <p:cNvPr id="8" name="Freeform: Shape 7">
             <a:extLst>
               <a:ext uri="{FF2B5EF4-FFF2-40B4-BE49-F238E27FC236}">
-                <a16:creationId xmlns:a16="http://schemas.microsoft.com/office/drawing/2014/main" id="{1599AF7E-3E34-4597-AA72-9373A7FDB020}"/>
+                <a16:creationId xmlns:a16="http://schemas.microsoft.com/office/drawing/2014/main" xmlns="" id="{1599AF7E-3E34-4597-AA72-9373A7FDB020}"/>
               </a:ext>
             </a:extLst>
           </p:cNvPr>
@@ -7139,7 +7205,7 @@
           <p:cNvPr id="2" name="Title 1">
             <a:extLst>
               <a:ext uri="{FF2B5EF4-FFF2-40B4-BE49-F238E27FC236}">
-                <a16:creationId xmlns:a16="http://schemas.microsoft.com/office/drawing/2014/main" id="{4A2DF563-7FAC-46B3-B24C-7E45CD89DA2B}"/>
+                <a16:creationId xmlns:a16="http://schemas.microsoft.com/office/drawing/2014/main" xmlns="" id="{4A2DF563-7FAC-46B3-B24C-7E45CD89DA2B}"/>
               </a:ext>
             </a:extLst>
           </p:cNvPr>
@@ -7184,7 +7250,7 @@
           <p:cNvPr id="15" name="Group 14">
             <a:extLst>
               <a:ext uri="{FF2B5EF4-FFF2-40B4-BE49-F238E27FC236}">
-                <a16:creationId xmlns:a16="http://schemas.microsoft.com/office/drawing/2014/main" id="{7732E1E7-45E3-4264-8F26-66758696DD1E}"/>
+                <a16:creationId xmlns:a16="http://schemas.microsoft.com/office/drawing/2014/main" xmlns="" id="{7732E1E7-45E3-4264-8F26-66758696DD1E}"/>
               </a:ext>
             </a:extLst>
           </p:cNvPr>
@@ -7204,7 +7270,7 @@
             <p:cNvPr id="16" name="Freeform: Shape 15">
               <a:extLst>
                 <a:ext uri="{FF2B5EF4-FFF2-40B4-BE49-F238E27FC236}">
-                  <a16:creationId xmlns:a16="http://schemas.microsoft.com/office/drawing/2014/main" id="{2E3DF883-8093-49FA-81E1-E5D77F086A25}"/>
+                  <a16:creationId xmlns:a16="http://schemas.microsoft.com/office/drawing/2014/main" xmlns="" id="{2E3DF883-8093-49FA-81E1-E5D77F086A25}"/>
                 </a:ext>
               </a:extLst>
             </p:cNvPr>
@@ -7294,7 +7360,7 @@
             <p:cNvPr id="17" name="Freeform: Shape 16">
               <a:extLst>
                 <a:ext uri="{FF2B5EF4-FFF2-40B4-BE49-F238E27FC236}">
-                  <a16:creationId xmlns:a16="http://schemas.microsoft.com/office/drawing/2014/main" id="{18944C90-37E5-4BBE-89FF-060627168050}"/>
+                  <a16:creationId xmlns:a16="http://schemas.microsoft.com/office/drawing/2014/main" xmlns="" id="{18944C90-37E5-4BBE-89FF-060627168050}"/>
                 </a:ext>
               </a:extLst>
             </p:cNvPr>
@@ -7393,7 +7459,7 @@
           <p:cNvPr id="6" name="Group 5">
             <a:extLst>
               <a:ext uri="{FF2B5EF4-FFF2-40B4-BE49-F238E27FC236}">
-                <a16:creationId xmlns:a16="http://schemas.microsoft.com/office/drawing/2014/main" id="{D9EBF8BB-A805-4DDB-B459-082F99815B95}"/>
+                <a16:creationId xmlns:a16="http://schemas.microsoft.com/office/drawing/2014/main" xmlns="" id="{D9EBF8BB-A805-4DDB-B459-082F99815B95}"/>
               </a:ext>
             </a:extLst>
           </p:cNvPr>
@@ -7413,7 +7479,7 @@
             <p:cNvPr id="19" name="Rectangle: Single Corner Snipped 18">
               <a:extLst>
                 <a:ext uri="{FF2B5EF4-FFF2-40B4-BE49-F238E27FC236}">
-                  <a16:creationId xmlns:a16="http://schemas.microsoft.com/office/drawing/2014/main" id="{5D638788-DD47-45E7-939A-FA108A818173}"/>
+                  <a16:creationId xmlns:a16="http://schemas.microsoft.com/office/drawing/2014/main" xmlns="" id="{5D638788-DD47-45E7-939A-FA108A818173}"/>
                 </a:ext>
               </a:extLst>
             </p:cNvPr>
@@ -7474,7 +7540,7 @@
             <p:cNvPr id="3" name="Rectangle: Single Corner Snipped 2">
               <a:extLst>
                 <a:ext uri="{FF2B5EF4-FFF2-40B4-BE49-F238E27FC236}">
-                  <a16:creationId xmlns:a16="http://schemas.microsoft.com/office/drawing/2014/main" id="{74BDECEF-EEFE-4332-B3B2-BDE4F82C10FC}"/>
+                  <a16:creationId xmlns:a16="http://schemas.microsoft.com/office/drawing/2014/main" xmlns="" id="{74BDECEF-EEFE-4332-B3B2-BDE4F82C10FC}"/>
                 </a:ext>
               </a:extLst>
             </p:cNvPr>
@@ -7531,7 +7597,7 @@
           <p:cNvPr id="20" name="Picture Placeholder 8">
             <a:extLst>
               <a:ext uri="{FF2B5EF4-FFF2-40B4-BE49-F238E27FC236}">
-                <a16:creationId xmlns:a16="http://schemas.microsoft.com/office/drawing/2014/main" id="{6D00E6B4-1CBE-404E-B943-5F1832320C1C}"/>
+                <a16:creationId xmlns:a16="http://schemas.microsoft.com/office/drawing/2014/main" xmlns="" id="{6D00E6B4-1CBE-404E-B943-5F1832320C1C}"/>
               </a:ext>
             </a:extLst>
           </p:cNvPr>
@@ -7594,7 +7660,7 @@
           <p:cNvPr id="21" name="Picture Placeholder 8">
             <a:extLst>
               <a:ext uri="{FF2B5EF4-FFF2-40B4-BE49-F238E27FC236}">
-                <a16:creationId xmlns:a16="http://schemas.microsoft.com/office/drawing/2014/main" id="{7CD59BFD-62BE-4E33-92A5-B84A2A9A8D3B}"/>
+                <a16:creationId xmlns:a16="http://schemas.microsoft.com/office/drawing/2014/main" xmlns="" id="{7CD59BFD-62BE-4E33-92A5-B84A2A9A8D3B}"/>
               </a:ext>
             </a:extLst>
           </p:cNvPr>
@@ -7657,7 +7723,7 @@
           <p:cNvPr id="22" name="Picture Placeholder 8">
             <a:extLst>
               <a:ext uri="{FF2B5EF4-FFF2-40B4-BE49-F238E27FC236}">
-                <a16:creationId xmlns:a16="http://schemas.microsoft.com/office/drawing/2014/main" id="{60DC5978-55B8-421D-91B4-29F8210A7B2C}"/>
+                <a16:creationId xmlns:a16="http://schemas.microsoft.com/office/drawing/2014/main" xmlns="" id="{60DC5978-55B8-421D-91B4-29F8210A7B2C}"/>
               </a:ext>
             </a:extLst>
           </p:cNvPr>
@@ -7720,7 +7786,7 @@
           <p:cNvPr id="23" name="Picture Placeholder 8">
             <a:extLst>
               <a:ext uri="{FF2B5EF4-FFF2-40B4-BE49-F238E27FC236}">
-                <a16:creationId xmlns:a16="http://schemas.microsoft.com/office/drawing/2014/main" id="{BE3FB8C3-2C7E-4C59-8BD5-53FA2772DB56}"/>
+                <a16:creationId xmlns:a16="http://schemas.microsoft.com/office/drawing/2014/main" xmlns="" id="{BE3FB8C3-2C7E-4C59-8BD5-53FA2772DB56}"/>
               </a:ext>
             </a:extLst>
           </p:cNvPr>
@@ -7783,7 +7849,7 @@
           <p:cNvPr id="24" name="Picture Placeholder 8">
             <a:extLst>
               <a:ext uri="{FF2B5EF4-FFF2-40B4-BE49-F238E27FC236}">
-                <a16:creationId xmlns:a16="http://schemas.microsoft.com/office/drawing/2014/main" id="{FD8FA9DA-C36B-4889-B88F-28B5829E53E2}"/>
+                <a16:creationId xmlns:a16="http://schemas.microsoft.com/office/drawing/2014/main" xmlns="" id="{FD8FA9DA-C36B-4889-B88F-28B5829E53E2}"/>
               </a:ext>
             </a:extLst>
           </p:cNvPr>
@@ -7846,7 +7912,7 @@
           <p:cNvPr id="26" name="Text Placeholder 22">
             <a:extLst>
               <a:ext uri="{FF2B5EF4-FFF2-40B4-BE49-F238E27FC236}">
-                <a16:creationId xmlns:a16="http://schemas.microsoft.com/office/drawing/2014/main" id="{2A19101D-7C37-42BF-8167-5391EA65EC3A}"/>
+                <a16:creationId xmlns:a16="http://schemas.microsoft.com/office/drawing/2014/main" xmlns="" id="{2A19101D-7C37-42BF-8167-5391EA65EC3A}"/>
               </a:ext>
             </a:extLst>
           </p:cNvPr>
@@ -7956,7 +8022,7 @@
           <p:cNvPr id="27" name="Text Placeholder 22">
             <a:extLst>
               <a:ext uri="{FF2B5EF4-FFF2-40B4-BE49-F238E27FC236}">
-                <a16:creationId xmlns:a16="http://schemas.microsoft.com/office/drawing/2014/main" id="{05F72315-51A9-431C-B80A-45E4FB1D6BD6}"/>
+                <a16:creationId xmlns:a16="http://schemas.microsoft.com/office/drawing/2014/main" xmlns="" id="{05F72315-51A9-431C-B80A-45E4FB1D6BD6}"/>
               </a:ext>
             </a:extLst>
           </p:cNvPr>
@@ -8066,7 +8132,7 @@
           <p:cNvPr id="28" name="Text Placeholder 22">
             <a:extLst>
               <a:ext uri="{FF2B5EF4-FFF2-40B4-BE49-F238E27FC236}">
-                <a16:creationId xmlns:a16="http://schemas.microsoft.com/office/drawing/2014/main" id="{883D1F0C-34F1-46E1-B178-E4AB82B14631}"/>
+                <a16:creationId xmlns:a16="http://schemas.microsoft.com/office/drawing/2014/main" xmlns="" id="{883D1F0C-34F1-46E1-B178-E4AB82B14631}"/>
               </a:ext>
             </a:extLst>
           </p:cNvPr>
@@ -8176,7 +8242,7 @@
           <p:cNvPr id="29" name="Text Placeholder 22">
             <a:extLst>
               <a:ext uri="{FF2B5EF4-FFF2-40B4-BE49-F238E27FC236}">
-                <a16:creationId xmlns:a16="http://schemas.microsoft.com/office/drawing/2014/main" id="{7202A849-DF14-40E7-B38D-1185F72603EC}"/>
+                <a16:creationId xmlns:a16="http://schemas.microsoft.com/office/drawing/2014/main" xmlns="" id="{7202A849-DF14-40E7-B38D-1185F72603EC}"/>
               </a:ext>
             </a:extLst>
           </p:cNvPr>
@@ -8286,7 +8352,7 @@
           <p:cNvPr id="30" name="Text Placeholder 22">
             <a:extLst>
               <a:ext uri="{FF2B5EF4-FFF2-40B4-BE49-F238E27FC236}">
-                <a16:creationId xmlns:a16="http://schemas.microsoft.com/office/drawing/2014/main" id="{CCFC1ADF-AC11-4CCD-AC2D-478B6FFEA5EA}"/>
+                <a16:creationId xmlns:a16="http://schemas.microsoft.com/office/drawing/2014/main" xmlns="" id="{CCFC1ADF-AC11-4CCD-AC2D-478B6FFEA5EA}"/>
               </a:ext>
             </a:extLst>
           </p:cNvPr>
@@ -8396,7 +8462,7 @@
           <p:cNvPr id="7" name="Straight Connector 6">
             <a:extLst>
               <a:ext uri="{FF2B5EF4-FFF2-40B4-BE49-F238E27FC236}">
-                <a16:creationId xmlns:a16="http://schemas.microsoft.com/office/drawing/2014/main" id="{2B4CB326-DA0E-488E-B236-7017E8438FBB}"/>
+                <a16:creationId xmlns:a16="http://schemas.microsoft.com/office/drawing/2014/main" xmlns="" id="{2B4CB326-DA0E-488E-B236-7017E8438FBB}"/>
               </a:ext>
             </a:extLst>
           </p:cNvPr>
@@ -8437,7 +8503,7 @@
           <p:cNvPr id="31" name="Straight Connector 30">
             <a:extLst>
               <a:ext uri="{FF2B5EF4-FFF2-40B4-BE49-F238E27FC236}">
-                <a16:creationId xmlns:a16="http://schemas.microsoft.com/office/drawing/2014/main" id="{9366B533-7212-4A36-9CE2-D6302E721F8F}"/>
+                <a16:creationId xmlns:a16="http://schemas.microsoft.com/office/drawing/2014/main" xmlns="" id="{9366B533-7212-4A36-9CE2-D6302E721F8F}"/>
               </a:ext>
             </a:extLst>
           </p:cNvPr>
@@ -8478,7 +8544,7 @@
           <p:cNvPr id="32" name="Straight Connector 31">
             <a:extLst>
               <a:ext uri="{FF2B5EF4-FFF2-40B4-BE49-F238E27FC236}">
-                <a16:creationId xmlns:a16="http://schemas.microsoft.com/office/drawing/2014/main" id="{AD7474CD-E230-4E14-8274-5E20F673F401}"/>
+                <a16:creationId xmlns:a16="http://schemas.microsoft.com/office/drawing/2014/main" xmlns="" id="{AD7474CD-E230-4E14-8274-5E20F673F401}"/>
               </a:ext>
             </a:extLst>
           </p:cNvPr>
@@ -8519,7 +8585,7 @@
           <p:cNvPr id="33" name="Straight Connector 32">
             <a:extLst>
               <a:ext uri="{FF2B5EF4-FFF2-40B4-BE49-F238E27FC236}">
-                <a16:creationId xmlns:a16="http://schemas.microsoft.com/office/drawing/2014/main" id="{6BF71FCE-6F39-4D2F-82BE-7D9F1D2ED59F}"/>
+                <a16:creationId xmlns:a16="http://schemas.microsoft.com/office/drawing/2014/main" xmlns="" id="{6BF71FCE-6F39-4D2F-82BE-7D9F1D2ED59F}"/>
               </a:ext>
             </a:extLst>
           </p:cNvPr>
@@ -8560,7 +8626,7 @@
           <p:cNvPr id="34" name="Straight Connector 33">
             <a:extLst>
               <a:ext uri="{FF2B5EF4-FFF2-40B4-BE49-F238E27FC236}">
-                <a16:creationId xmlns:a16="http://schemas.microsoft.com/office/drawing/2014/main" id="{AE97AC7A-17D9-4F42-9DD0-94FE4FC6BF19}"/>
+                <a16:creationId xmlns:a16="http://schemas.microsoft.com/office/drawing/2014/main" xmlns="" id="{AE97AC7A-17D9-4F42-9DD0-94FE4FC6BF19}"/>
               </a:ext>
             </a:extLst>
           </p:cNvPr>
@@ -8601,7 +8667,7 @@
           <p:cNvPr id="35" name="Freeform: Shape 34">
             <a:extLst>
               <a:ext uri="{FF2B5EF4-FFF2-40B4-BE49-F238E27FC236}">
-                <a16:creationId xmlns:a16="http://schemas.microsoft.com/office/drawing/2014/main" id="{62EEBF51-DCAD-4335-85E9-52801031A1BF}"/>
+                <a16:creationId xmlns:a16="http://schemas.microsoft.com/office/drawing/2014/main" xmlns="" id="{62EEBF51-DCAD-4335-85E9-52801031A1BF}"/>
               </a:ext>
             </a:extLst>
           </p:cNvPr>
@@ -8696,7 +8762,7 @@
           <p:cNvPr id="5" name="Slide Number Placeholder 4">
             <a:extLst>
               <a:ext uri="{FF2B5EF4-FFF2-40B4-BE49-F238E27FC236}">
-                <a16:creationId xmlns:a16="http://schemas.microsoft.com/office/drawing/2014/main" id="{87B51822-97FF-47A7-8E4E-A0F79B4EB237}"/>
+                <a16:creationId xmlns:a16="http://schemas.microsoft.com/office/drawing/2014/main" xmlns="" id="{87B51822-97FF-47A7-8E4E-A0F79B4EB237}"/>
               </a:ext>
             </a:extLst>
           </p:cNvPr>
@@ -8729,7 +8795,7 @@
             <a:fld id="{C263D6C4-4840-40CC-AC84-17E24B3B7BDE}" type="slidenum">
               <a:rPr lang="en-US" noProof="0" smtClean="0"/>
               <a:pPr/>
-              <a:t>‹#›</a:t>
+              <a:t>‹Nr.›</a:t>
             </a:fld>
             <a:endParaRPr lang="en-US" noProof="0" dirty="0"/>
           </a:p>
@@ -8778,7 +8844,7 @@
           <p:cNvPr id="11" name="Rectangle 10">
             <a:extLst>
               <a:ext uri="{FF2B5EF4-FFF2-40B4-BE49-F238E27FC236}">
-                <a16:creationId xmlns:a16="http://schemas.microsoft.com/office/drawing/2014/main" id="{EB3E033F-4449-40FA-BC85-BD2712D313DD}"/>
+                <a16:creationId xmlns:a16="http://schemas.microsoft.com/office/drawing/2014/main" xmlns="" id="{EB3E033F-4449-40FA-BC85-BD2712D313DD}"/>
               </a:ext>
             </a:extLst>
           </p:cNvPr>
@@ -8832,7 +8898,7 @@
           <p:cNvPr id="10" name="Freeform: Shape 9">
             <a:extLst>
               <a:ext uri="{FF2B5EF4-FFF2-40B4-BE49-F238E27FC236}">
-                <a16:creationId xmlns:a16="http://schemas.microsoft.com/office/drawing/2014/main" id="{63D26743-0505-444C-80B3-E88EE87DF72B}"/>
+                <a16:creationId xmlns:a16="http://schemas.microsoft.com/office/drawing/2014/main" xmlns="" id="{63D26743-0505-444C-80B3-E88EE87DF72B}"/>
               </a:ext>
             </a:extLst>
           </p:cNvPr>
@@ -8955,7 +9021,7 @@
           <p:cNvPr id="18" name="Freeform: Shape 17">
             <a:extLst>
               <a:ext uri="{FF2B5EF4-FFF2-40B4-BE49-F238E27FC236}">
-                <a16:creationId xmlns:a16="http://schemas.microsoft.com/office/drawing/2014/main" id="{E37145E9-AC61-47D5-9288-8789940F81B6}"/>
+                <a16:creationId xmlns:a16="http://schemas.microsoft.com/office/drawing/2014/main" xmlns="" id="{E37145E9-AC61-47D5-9288-8789940F81B6}"/>
               </a:ext>
             </a:extLst>
           </p:cNvPr>
@@ -9107,7 +9173,7 @@
           <p:cNvPr id="12" name="Freeform: Shape 11">
             <a:extLst>
               <a:ext uri="{FF2B5EF4-FFF2-40B4-BE49-F238E27FC236}">
-                <a16:creationId xmlns:a16="http://schemas.microsoft.com/office/drawing/2014/main" id="{A5E2B3ED-9A49-40A7-B8A3-62595FE513F9}"/>
+                <a16:creationId xmlns:a16="http://schemas.microsoft.com/office/drawing/2014/main" xmlns="" id="{A5E2B3ED-9A49-40A7-B8A3-62595FE513F9}"/>
               </a:ext>
             </a:extLst>
           </p:cNvPr>
@@ -9257,7 +9323,7 @@
           <p:cNvPr id="8" name="Freeform: Shape 7">
             <a:extLst>
               <a:ext uri="{FF2B5EF4-FFF2-40B4-BE49-F238E27FC236}">
-                <a16:creationId xmlns:a16="http://schemas.microsoft.com/office/drawing/2014/main" id="{1599AF7E-3E34-4597-AA72-9373A7FDB020}"/>
+                <a16:creationId xmlns:a16="http://schemas.microsoft.com/office/drawing/2014/main" xmlns="" id="{1599AF7E-3E34-4597-AA72-9373A7FDB020}"/>
               </a:ext>
             </a:extLst>
           </p:cNvPr>
@@ -9403,7 +9469,7 @@
           <p:cNvPr id="2" name="Title 1">
             <a:extLst>
               <a:ext uri="{FF2B5EF4-FFF2-40B4-BE49-F238E27FC236}">
-                <a16:creationId xmlns:a16="http://schemas.microsoft.com/office/drawing/2014/main" id="{4A2DF563-7FAC-46B3-B24C-7E45CD89DA2B}"/>
+                <a16:creationId xmlns:a16="http://schemas.microsoft.com/office/drawing/2014/main" xmlns="" id="{4A2DF563-7FAC-46B3-B24C-7E45CD89DA2B}"/>
               </a:ext>
             </a:extLst>
           </p:cNvPr>
@@ -9448,7 +9514,7 @@
           <p:cNvPr id="15" name="Group 14">
             <a:extLst>
               <a:ext uri="{FF2B5EF4-FFF2-40B4-BE49-F238E27FC236}">
-                <a16:creationId xmlns:a16="http://schemas.microsoft.com/office/drawing/2014/main" id="{7732E1E7-45E3-4264-8F26-66758696DD1E}"/>
+                <a16:creationId xmlns:a16="http://schemas.microsoft.com/office/drawing/2014/main" xmlns="" id="{7732E1E7-45E3-4264-8F26-66758696DD1E}"/>
               </a:ext>
             </a:extLst>
           </p:cNvPr>
@@ -9468,7 +9534,7 @@
             <p:cNvPr id="16" name="Freeform: Shape 15">
               <a:extLst>
                 <a:ext uri="{FF2B5EF4-FFF2-40B4-BE49-F238E27FC236}">
-                  <a16:creationId xmlns:a16="http://schemas.microsoft.com/office/drawing/2014/main" id="{2E3DF883-8093-49FA-81E1-E5D77F086A25}"/>
+                  <a16:creationId xmlns:a16="http://schemas.microsoft.com/office/drawing/2014/main" xmlns="" id="{2E3DF883-8093-49FA-81E1-E5D77F086A25}"/>
                 </a:ext>
               </a:extLst>
             </p:cNvPr>
@@ -9558,7 +9624,7 @@
             <p:cNvPr id="17" name="Freeform: Shape 16">
               <a:extLst>
                 <a:ext uri="{FF2B5EF4-FFF2-40B4-BE49-F238E27FC236}">
-                  <a16:creationId xmlns:a16="http://schemas.microsoft.com/office/drawing/2014/main" id="{18944C90-37E5-4BBE-89FF-060627168050}"/>
+                  <a16:creationId xmlns:a16="http://schemas.microsoft.com/office/drawing/2014/main" xmlns="" id="{18944C90-37E5-4BBE-89FF-060627168050}"/>
                 </a:ext>
               </a:extLst>
             </p:cNvPr>
@@ -9657,7 +9723,7 @@
           <p:cNvPr id="6" name="Group 5">
             <a:extLst>
               <a:ext uri="{FF2B5EF4-FFF2-40B4-BE49-F238E27FC236}">
-                <a16:creationId xmlns:a16="http://schemas.microsoft.com/office/drawing/2014/main" id="{D9EBF8BB-A805-4DDB-B459-082F99815B95}"/>
+                <a16:creationId xmlns:a16="http://schemas.microsoft.com/office/drawing/2014/main" xmlns="" id="{D9EBF8BB-A805-4DDB-B459-082F99815B95}"/>
               </a:ext>
             </a:extLst>
           </p:cNvPr>
@@ -9677,7 +9743,7 @@
             <p:cNvPr id="19" name="Rectangle: Single Corner Snipped 18">
               <a:extLst>
                 <a:ext uri="{FF2B5EF4-FFF2-40B4-BE49-F238E27FC236}">
-                  <a16:creationId xmlns:a16="http://schemas.microsoft.com/office/drawing/2014/main" id="{5D638788-DD47-45E7-939A-FA108A818173}"/>
+                  <a16:creationId xmlns:a16="http://schemas.microsoft.com/office/drawing/2014/main" xmlns="" id="{5D638788-DD47-45E7-939A-FA108A818173}"/>
                 </a:ext>
               </a:extLst>
             </p:cNvPr>
@@ -9738,7 +9804,7 @@
             <p:cNvPr id="3" name="Rectangle: Single Corner Snipped 2">
               <a:extLst>
                 <a:ext uri="{FF2B5EF4-FFF2-40B4-BE49-F238E27FC236}">
-                  <a16:creationId xmlns:a16="http://schemas.microsoft.com/office/drawing/2014/main" id="{74BDECEF-EEFE-4332-B3B2-BDE4F82C10FC}"/>
+                  <a16:creationId xmlns:a16="http://schemas.microsoft.com/office/drawing/2014/main" xmlns="" id="{74BDECEF-EEFE-4332-B3B2-BDE4F82C10FC}"/>
                 </a:ext>
               </a:extLst>
             </p:cNvPr>
@@ -9795,7 +9861,7 @@
           <p:cNvPr id="26" name="Text Placeholder 22">
             <a:extLst>
               <a:ext uri="{FF2B5EF4-FFF2-40B4-BE49-F238E27FC236}">
-                <a16:creationId xmlns:a16="http://schemas.microsoft.com/office/drawing/2014/main" id="{2A19101D-7C37-42BF-8167-5391EA65EC3A}"/>
+                <a16:creationId xmlns:a16="http://schemas.microsoft.com/office/drawing/2014/main" xmlns="" id="{2A19101D-7C37-42BF-8167-5391EA65EC3A}"/>
               </a:ext>
             </a:extLst>
           </p:cNvPr>
@@ -9905,7 +9971,7 @@
           <p:cNvPr id="35" name="Freeform: Shape 34">
             <a:extLst>
               <a:ext uri="{FF2B5EF4-FFF2-40B4-BE49-F238E27FC236}">
-                <a16:creationId xmlns:a16="http://schemas.microsoft.com/office/drawing/2014/main" id="{62EEBF51-DCAD-4335-85E9-52801031A1BF}"/>
+                <a16:creationId xmlns:a16="http://schemas.microsoft.com/office/drawing/2014/main" xmlns="" id="{62EEBF51-DCAD-4335-85E9-52801031A1BF}"/>
               </a:ext>
             </a:extLst>
           </p:cNvPr>
@@ -10000,7 +10066,7 @@
           <p:cNvPr id="5" name="Slide Number Placeholder 4">
             <a:extLst>
               <a:ext uri="{FF2B5EF4-FFF2-40B4-BE49-F238E27FC236}">
-                <a16:creationId xmlns:a16="http://schemas.microsoft.com/office/drawing/2014/main" id="{87B51822-97FF-47A7-8E4E-A0F79B4EB237}"/>
+                <a16:creationId xmlns:a16="http://schemas.microsoft.com/office/drawing/2014/main" xmlns="" id="{87B51822-97FF-47A7-8E4E-A0F79B4EB237}"/>
               </a:ext>
             </a:extLst>
           </p:cNvPr>
@@ -10033,7 +10099,7 @@
             <a:fld id="{C263D6C4-4840-40CC-AC84-17E24B3B7BDE}" type="slidenum">
               <a:rPr lang="en-US" noProof="0" smtClean="0"/>
               <a:pPr/>
-              <a:t>‹#›</a:t>
+              <a:t>‹Nr.›</a:t>
             </a:fld>
             <a:endParaRPr lang="en-US" noProof="0" dirty="0"/>
           </a:p>
@@ -10044,7 +10110,7 @@
           <p:cNvPr id="13" name="Picture Placeholder 12">
             <a:extLst>
               <a:ext uri="{FF2B5EF4-FFF2-40B4-BE49-F238E27FC236}">
-                <a16:creationId xmlns:a16="http://schemas.microsoft.com/office/drawing/2014/main" id="{231B97CF-FD24-4932-8459-893B1AC73D33}"/>
+                <a16:creationId xmlns:a16="http://schemas.microsoft.com/office/drawing/2014/main" xmlns="" id="{231B97CF-FD24-4932-8459-893B1AC73D33}"/>
               </a:ext>
             </a:extLst>
           </p:cNvPr>
@@ -10089,7 +10155,7 @@
           <p:cNvPr id="36" name="Text Placeholder 22">
             <a:extLst>
               <a:ext uri="{FF2B5EF4-FFF2-40B4-BE49-F238E27FC236}">
-                <a16:creationId xmlns:a16="http://schemas.microsoft.com/office/drawing/2014/main" id="{642D3CE0-C3B4-4F3F-A650-AB452B3AD4BA}"/>
+                <a16:creationId xmlns:a16="http://schemas.microsoft.com/office/drawing/2014/main" xmlns="" id="{642D3CE0-C3B4-4F3F-A650-AB452B3AD4BA}"/>
               </a:ext>
             </a:extLst>
           </p:cNvPr>
@@ -10199,7 +10265,7 @@
           <p:cNvPr id="37" name="Text Placeholder 22">
             <a:extLst>
               <a:ext uri="{FF2B5EF4-FFF2-40B4-BE49-F238E27FC236}">
-                <a16:creationId xmlns:a16="http://schemas.microsoft.com/office/drawing/2014/main" id="{DBED2BB0-CDAD-40EE-8B35-C66DF45EE29D}"/>
+                <a16:creationId xmlns:a16="http://schemas.microsoft.com/office/drawing/2014/main" xmlns="" id="{DBED2BB0-CDAD-40EE-8B35-C66DF45EE29D}"/>
               </a:ext>
             </a:extLst>
           </p:cNvPr>
@@ -10347,7 +10413,7 @@
           <p:cNvPr id="11" name="Rectangle 10">
             <a:extLst>
               <a:ext uri="{FF2B5EF4-FFF2-40B4-BE49-F238E27FC236}">
-                <a16:creationId xmlns:a16="http://schemas.microsoft.com/office/drawing/2014/main" id="{EB3E033F-4449-40FA-BC85-BD2712D313DD}"/>
+                <a16:creationId xmlns:a16="http://schemas.microsoft.com/office/drawing/2014/main" xmlns="" id="{EB3E033F-4449-40FA-BC85-BD2712D313DD}"/>
               </a:ext>
             </a:extLst>
           </p:cNvPr>
@@ -10401,7 +10467,7 @@
           <p:cNvPr id="10" name="Freeform: Shape 9">
             <a:extLst>
               <a:ext uri="{FF2B5EF4-FFF2-40B4-BE49-F238E27FC236}">
-                <a16:creationId xmlns:a16="http://schemas.microsoft.com/office/drawing/2014/main" id="{63D26743-0505-444C-80B3-E88EE87DF72B}"/>
+                <a16:creationId xmlns:a16="http://schemas.microsoft.com/office/drawing/2014/main" xmlns="" id="{63D26743-0505-444C-80B3-E88EE87DF72B}"/>
               </a:ext>
             </a:extLst>
           </p:cNvPr>
@@ -10524,7 +10590,7 @@
           <p:cNvPr id="18" name="Freeform: Shape 17">
             <a:extLst>
               <a:ext uri="{FF2B5EF4-FFF2-40B4-BE49-F238E27FC236}">
-                <a16:creationId xmlns:a16="http://schemas.microsoft.com/office/drawing/2014/main" id="{E37145E9-AC61-47D5-9288-8789940F81B6}"/>
+                <a16:creationId xmlns:a16="http://schemas.microsoft.com/office/drawing/2014/main" xmlns="" id="{E37145E9-AC61-47D5-9288-8789940F81B6}"/>
               </a:ext>
             </a:extLst>
           </p:cNvPr>
@@ -10676,7 +10742,7 @@
           <p:cNvPr id="12" name="Freeform: Shape 11">
             <a:extLst>
               <a:ext uri="{FF2B5EF4-FFF2-40B4-BE49-F238E27FC236}">
-                <a16:creationId xmlns:a16="http://schemas.microsoft.com/office/drawing/2014/main" id="{A5E2B3ED-9A49-40A7-B8A3-62595FE513F9}"/>
+                <a16:creationId xmlns:a16="http://schemas.microsoft.com/office/drawing/2014/main" xmlns="" id="{A5E2B3ED-9A49-40A7-B8A3-62595FE513F9}"/>
               </a:ext>
             </a:extLst>
           </p:cNvPr>
@@ -10826,7 +10892,7 @@
           <p:cNvPr id="8" name="Freeform: Shape 7">
             <a:extLst>
               <a:ext uri="{FF2B5EF4-FFF2-40B4-BE49-F238E27FC236}">
-                <a16:creationId xmlns:a16="http://schemas.microsoft.com/office/drawing/2014/main" id="{1599AF7E-3E34-4597-AA72-9373A7FDB020}"/>
+                <a16:creationId xmlns:a16="http://schemas.microsoft.com/office/drawing/2014/main" xmlns="" id="{1599AF7E-3E34-4597-AA72-9373A7FDB020}"/>
               </a:ext>
             </a:extLst>
           </p:cNvPr>
@@ -10972,7 +11038,7 @@
           <p:cNvPr id="2" name="Title 1">
             <a:extLst>
               <a:ext uri="{FF2B5EF4-FFF2-40B4-BE49-F238E27FC236}">
-                <a16:creationId xmlns:a16="http://schemas.microsoft.com/office/drawing/2014/main" id="{4A2DF563-7FAC-46B3-B24C-7E45CD89DA2B}"/>
+                <a16:creationId xmlns:a16="http://schemas.microsoft.com/office/drawing/2014/main" xmlns="" id="{4A2DF563-7FAC-46B3-B24C-7E45CD89DA2B}"/>
               </a:ext>
             </a:extLst>
           </p:cNvPr>
@@ -11017,7 +11083,7 @@
           <p:cNvPr id="15" name="Group 14">
             <a:extLst>
               <a:ext uri="{FF2B5EF4-FFF2-40B4-BE49-F238E27FC236}">
-                <a16:creationId xmlns:a16="http://schemas.microsoft.com/office/drawing/2014/main" id="{7732E1E7-45E3-4264-8F26-66758696DD1E}"/>
+                <a16:creationId xmlns:a16="http://schemas.microsoft.com/office/drawing/2014/main" xmlns="" id="{7732E1E7-45E3-4264-8F26-66758696DD1E}"/>
               </a:ext>
             </a:extLst>
           </p:cNvPr>
@@ -11037,7 +11103,7 @@
             <p:cNvPr id="16" name="Freeform: Shape 15">
               <a:extLst>
                 <a:ext uri="{FF2B5EF4-FFF2-40B4-BE49-F238E27FC236}">
-                  <a16:creationId xmlns:a16="http://schemas.microsoft.com/office/drawing/2014/main" id="{2E3DF883-8093-49FA-81E1-E5D77F086A25}"/>
+                  <a16:creationId xmlns:a16="http://schemas.microsoft.com/office/drawing/2014/main" xmlns="" id="{2E3DF883-8093-49FA-81E1-E5D77F086A25}"/>
                 </a:ext>
               </a:extLst>
             </p:cNvPr>
@@ -11127,7 +11193,7 @@
             <p:cNvPr id="17" name="Freeform: Shape 16">
               <a:extLst>
                 <a:ext uri="{FF2B5EF4-FFF2-40B4-BE49-F238E27FC236}">
-                  <a16:creationId xmlns:a16="http://schemas.microsoft.com/office/drawing/2014/main" id="{18944C90-37E5-4BBE-89FF-060627168050}"/>
+                  <a16:creationId xmlns:a16="http://schemas.microsoft.com/office/drawing/2014/main" xmlns="" id="{18944C90-37E5-4BBE-89FF-060627168050}"/>
                 </a:ext>
               </a:extLst>
             </p:cNvPr>
@@ -11226,7 +11292,7 @@
           <p:cNvPr id="6" name="Group 5">
             <a:extLst>
               <a:ext uri="{FF2B5EF4-FFF2-40B4-BE49-F238E27FC236}">
-                <a16:creationId xmlns:a16="http://schemas.microsoft.com/office/drawing/2014/main" id="{D9EBF8BB-A805-4DDB-B459-082F99815B95}"/>
+                <a16:creationId xmlns:a16="http://schemas.microsoft.com/office/drawing/2014/main" xmlns="" id="{D9EBF8BB-A805-4DDB-B459-082F99815B95}"/>
               </a:ext>
             </a:extLst>
           </p:cNvPr>
@@ -11246,7 +11312,7 @@
             <p:cNvPr id="19" name="Rectangle: Single Corner Snipped 18">
               <a:extLst>
                 <a:ext uri="{FF2B5EF4-FFF2-40B4-BE49-F238E27FC236}">
-                  <a16:creationId xmlns:a16="http://schemas.microsoft.com/office/drawing/2014/main" id="{5D638788-DD47-45E7-939A-FA108A818173}"/>
+                  <a16:creationId xmlns:a16="http://schemas.microsoft.com/office/drawing/2014/main" xmlns="" id="{5D638788-DD47-45E7-939A-FA108A818173}"/>
                 </a:ext>
               </a:extLst>
             </p:cNvPr>
@@ -11307,7 +11373,7 @@
             <p:cNvPr id="3" name="Rectangle: Single Corner Snipped 2">
               <a:extLst>
                 <a:ext uri="{FF2B5EF4-FFF2-40B4-BE49-F238E27FC236}">
-                  <a16:creationId xmlns:a16="http://schemas.microsoft.com/office/drawing/2014/main" id="{74BDECEF-EEFE-4332-B3B2-BDE4F82C10FC}"/>
+                  <a16:creationId xmlns:a16="http://schemas.microsoft.com/office/drawing/2014/main" xmlns="" id="{74BDECEF-EEFE-4332-B3B2-BDE4F82C10FC}"/>
                 </a:ext>
               </a:extLst>
             </p:cNvPr>
@@ -11364,7 +11430,7 @@
           <p:cNvPr id="26" name="Text Placeholder 22">
             <a:extLst>
               <a:ext uri="{FF2B5EF4-FFF2-40B4-BE49-F238E27FC236}">
-                <a16:creationId xmlns:a16="http://schemas.microsoft.com/office/drawing/2014/main" id="{2A19101D-7C37-42BF-8167-5391EA65EC3A}"/>
+                <a16:creationId xmlns:a16="http://schemas.microsoft.com/office/drawing/2014/main" xmlns="" id="{2A19101D-7C37-42BF-8167-5391EA65EC3A}"/>
               </a:ext>
             </a:extLst>
           </p:cNvPr>
@@ -11474,7 +11540,7 @@
           <p:cNvPr id="35" name="Freeform: Shape 34">
             <a:extLst>
               <a:ext uri="{FF2B5EF4-FFF2-40B4-BE49-F238E27FC236}">
-                <a16:creationId xmlns:a16="http://schemas.microsoft.com/office/drawing/2014/main" id="{62EEBF51-DCAD-4335-85E9-52801031A1BF}"/>
+                <a16:creationId xmlns:a16="http://schemas.microsoft.com/office/drawing/2014/main" xmlns="" id="{62EEBF51-DCAD-4335-85E9-52801031A1BF}"/>
               </a:ext>
             </a:extLst>
           </p:cNvPr>
@@ -11569,7 +11635,7 @@
           <p:cNvPr id="5" name="Slide Number Placeholder 4">
             <a:extLst>
               <a:ext uri="{FF2B5EF4-FFF2-40B4-BE49-F238E27FC236}">
-                <a16:creationId xmlns:a16="http://schemas.microsoft.com/office/drawing/2014/main" id="{87B51822-97FF-47A7-8E4E-A0F79B4EB237}"/>
+                <a16:creationId xmlns:a16="http://schemas.microsoft.com/office/drawing/2014/main" xmlns="" id="{87B51822-97FF-47A7-8E4E-A0F79B4EB237}"/>
               </a:ext>
             </a:extLst>
           </p:cNvPr>
@@ -11602,7 +11668,7 @@
             <a:fld id="{C263D6C4-4840-40CC-AC84-17E24B3B7BDE}" type="slidenum">
               <a:rPr lang="en-US" noProof="0" smtClean="0"/>
               <a:pPr/>
-              <a:t>‹#›</a:t>
+              <a:t>‹Nr.›</a:t>
             </a:fld>
             <a:endParaRPr lang="en-US" noProof="0" dirty="0"/>
           </a:p>
@@ -11613,7 +11679,7 @@
           <p:cNvPr id="13" name="Picture Placeholder 12">
             <a:extLst>
               <a:ext uri="{FF2B5EF4-FFF2-40B4-BE49-F238E27FC236}">
-                <a16:creationId xmlns:a16="http://schemas.microsoft.com/office/drawing/2014/main" id="{231B97CF-FD24-4932-8459-893B1AC73D33}"/>
+                <a16:creationId xmlns:a16="http://schemas.microsoft.com/office/drawing/2014/main" xmlns="" id="{231B97CF-FD24-4932-8459-893B1AC73D33}"/>
               </a:ext>
             </a:extLst>
           </p:cNvPr>
@@ -11696,7 +11762,7 @@
           <p:cNvPr id="11" name="Rectangle 10">
             <a:extLst>
               <a:ext uri="{FF2B5EF4-FFF2-40B4-BE49-F238E27FC236}">
-                <a16:creationId xmlns:a16="http://schemas.microsoft.com/office/drawing/2014/main" id="{EB3E033F-4449-40FA-BC85-BD2712D313DD}"/>
+                <a16:creationId xmlns:a16="http://schemas.microsoft.com/office/drawing/2014/main" xmlns="" id="{EB3E033F-4449-40FA-BC85-BD2712D313DD}"/>
               </a:ext>
             </a:extLst>
           </p:cNvPr>
@@ -11750,7 +11816,7 @@
           <p:cNvPr id="10" name="Freeform: Shape 9">
             <a:extLst>
               <a:ext uri="{FF2B5EF4-FFF2-40B4-BE49-F238E27FC236}">
-                <a16:creationId xmlns:a16="http://schemas.microsoft.com/office/drawing/2014/main" id="{63D26743-0505-444C-80B3-E88EE87DF72B}"/>
+                <a16:creationId xmlns:a16="http://schemas.microsoft.com/office/drawing/2014/main" xmlns="" id="{63D26743-0505-444C-80B3-E88EE87DF72B}"/>
               </a:ext>
             </a:extLst>
           </p:cNvPr>
@@ -11873,7 +11939,7 @@
           <p:cNvPr id="18" name="Freeform: Shape 17">
             <a:extLst>
               <a:ext uri="{FF2B5EF4-FFF2-40B4-BE49-F238E27FC236}">
-                <a16:creationId xmlns:a16="http://schemas.microsoft.com/office/drawing/2014/main" id="{E37145E9-AC61-47D5-9288-8789940F81B6}"/>
+                <a16:creationId xmlns:a16="http://schemas.microsoft.com/office/drawing/2014/main" xmlns="" id="{E37145E9-AC61-47D5-9288-8789940F81B6}"/>
               </a:ext>
             </a:extLst>
           </p:cNvPr>
@@ -12025,7 +12091,7 @@
           <p:cNvPr id="12" name="Freeform: Shape 11">
             <a:extLst>
               <a:ext uri="{FF2B5EF4-FFF2-40B4-BE49-F238E27FC236}">
-                <a16:creationId xmlns:a16="http://schemas.microsoft.com/office/drawing/2014/main" id="{A5E2B3ED-9A49-40A7-B8A3-62595FE513F9}"/>
+                <a16:creationId xmlns:a16="http://schemas.microsoft.com/office/drawing/2014/main" xmlns="" id="{A5E2B3ED-9A49-40A7-B8A3-62595FE513F9}"/>
               </a:ext>
             </a:extLst>
           </p:cNvPr>
@@ -12175,7 +12241,7 @@
           <p:cNvPr id="8" name="Freeform: Shape 7">
             <a:extLst>
               <a:ext uri="{FF2B5EF4-FFF2-40B4-BE49-F238E27FC236}">
-                <a16:creationId xmlns:a16="http://schemas.microsoft.com/office/drawing/2014/main" id="{1599AF7E-3E34-4597-AA72-9373A7FDB020}"/>
+                <a16:creationId xmlns:a16="http://schemas.microsoft.com/office/drawing/2014/main" xmlns="" id="{1599AF7E-3E34-4597-AA72-9373A7FDB020}"/>
               </a:ext>
             </a:extLst>
           </p:cNvPr>
@@ -12321,7 +12387,7 @@
           <p:cNvPr id="2" name="Title 1">
             <a:extLst>
               <a:ext uri="{FF2B5EF4-FFF2-40B4-BE49-F238E27FC236}">
-                <a16:creationId xmlns:a16="http://schemas.microsoft.com/office/drawing/2014/main" id="{4A2DF563-7FAC-46B3-B24C-7E45CD89DA2B}"/>
+                <a16:creationId xmlns:a16="http://schemas.microsoft.com/office/drawing/2014/main" xmlns="" id="{4A2DF563-7FAC-46B3-B24C-7E45CD89DA2B}"/>
               </a:ext>
             </a:extLst>
           </p:cNvPr>
@@ -12366,7 +12432,7 @@
           <p:cNvPr id="15" name="Group 14">
             <a:extLst>
               <a:ext uri="{FF2B5EF4-FFF2-40B4-BE49-F238E27FC236}">
-                <a16:creationId xmlns:a16="http://schemas.microsoft.com/office/drawing/2014/main" id="{7732E1E7-45E3-4264-8F26-66758696DD1E}"/>
+                <a16:creationId xmlns:a16="http://schemas.microsoft.com/office/drawing/2014/main" xmlns="" id="{7732E1E7-45E3-4264-8F26-66758696DD1E}"/>
               </a:ext>
             </a:extLst>
           </p:cNvPr>
@@ -12386,7 +12452,7 @@
             <p:cNvPr id="16" name="Freeform: Shape 15">
               <a:extLst>
                 <a:ext uri="{FF2B5EF4-FFF2-40B4-BE49-F238E27FC236}">
-                  <a16:creationId xmlns:a16="http://schemas.microsoft.com/office/drawing/2014/main" id="{2E3DF883-8093-49FA-81E1-E5D77F086A25}"/>
+                  <a16:creationId xmlns:a16="http://schemas.microsoft.com/office/drawing/2014/main" xmlns="" id="{2E3DF883-8093-49FA-81E1-E5D77F086A25}"/>
                 </a:ext>
               </a:extLst>
             </p:cNvPr>
@@ -12476,7 +12542,7 @@
             <p:cNvPr id="17" name="Freeform: Shape 16">
               <a:extLst>
                 <a:ext uri="{FF2B5EF4-FFF2-40B4-BE49-F238E27FC236}">
-                  <a16:creationId xmlns:a16="http://schemas.microsoft.com/office/drawing/2014/main" id="{18944C90-37E5-4BBE-89FF-060627168050}"/>
+                  <a16:creationId xmlns:a16="http://schemas.microsoft.com/office/drawing/2014/main" xmlns="" id="{18944C90-37E5-4BBE-89FF-060627168050}"/>
                 </a:ext>
               </a:extLst>
             </p:cNvPr>
@@ -12575,7 +12641,7 @@
           <p:cNvPr id="6" name="Group 5">
             <a:extLst>
               <a:ext uri="{FF2B5EF4-FFF2-40B4-BE49-F238E27FC236}">
-                <a16:creationId xmlns:a16="http://schemas.microsoft.com/office/drawing/2014/main" id="{D9EBF8BB-A805-4DDB-B459-082F99815B95}"/>
+                <a16:creationId xmlns:a16="http://schemas.microsoft.com/office/drawing/2014/main" xmlns="" id="{D9EBF8BB-A805-4DDB-B459-082F99815B95}"/>
               </a:ext>
             </a:extLst>
           </p:cNvPr>
@@ -12595,7 +12661,7 @@
             <p:cNvPr id="19" name="Rectangle: Single Corner Snipped 18">
               <a:extLst>
                 <a:ext uri="{FF2B5EF4-FFF2-40B4-BE49-F238E27FC236}">
-                  <a16:creationId xmlns:a16="http://schemas.microsoft.com/office/drawing/2014/main" id="{5D638788-DD47-45E7-939A-FA108A818173}"/>
+                  <a16:creationId xmlns:a16="http://schemas.microsoft.com/office/drawing/2014/main" xmlns="" id="{5D638788-DD47-45E7-939A-FA108A818173}"/>
                 </a:ext>
               </a:extLst>
             </p:cNvPr>
@@ -12656,7 +12722,7 @@
             <p:cNvPr id="3" name="Rectangle: Single Corner Snipped 2">
               <a:extLst>
                 <a:ext uri="{FF2B5EF4-FFF2-40B4-BE49-F238E27FC236}">
-                  <a16:creationId xmlns:a16="http://schemas.microsoft.com/office/drawing/2014/main" id="{74BDECEF-EEFE-4332-B3B2-BDE4F82C10FC}"/>
+                  <a16:creationId xmlns:a16="http://schemas.microsoft.com/office/drawing/2014/main" xmlns="" id="{74BDECEF-EEFE-4332-B3B2-BDE4F82C10FC}"/>
                 </a:ext>
               </a:extLst>
             </p:cNvPr>
@@ -12713,7 +12779,7 @@
           <p:cNvPr id="35" name="Freeform: Shape 34">
             <a:extLst>
               <a:ext uri="{FF2B5EF4-FFF2-40B4-BE49-F238E27FC236}">
-                <a16:creationId xmlns:a16="http://schemas.microsoft.com/office/drawing/2014/main" id="{62EEBF51-DCAD-4335-85E9-52801031A1BF}"/>
+                <a16:creationId xmlns:a16="http://schemas.microsoft.com/office/drawing/2014/main" xmlns="" id="{62EEBF51-DCAD-4335-85E9-52801031A1BF}"/>
               </a:ext>
             </a:extLst>
           </p:cNvPr>
@@ -12808,7 +12874,7 @@
           <p:cNvPr id="5" name="Slide Number Placeholder 4">
             <a:extLst>
               <a:ext uri="{FF2B5EF4-FFF2-40B4-BE49-F238E27FC236}">
-                <a16:creationId xmlns:a16="http://schemas.microsoft.com/office/drawing/2014/main" id="{87B51822-97FF-47A7-8E4E-A0F79B4EB237}"/>
+                <a16:creationId xmlns:a16="http://schemas.microsoft.com/office/drawing/2014/main" xmlns="" id="{87B51822-97FF-47A7-8E4E-A0F79B4EB237}"/>
               </a:ext>
             </a:extLst>
           </p:cNvPr>
@@ -12841,7 +12907,7 @@
             <a:fld id="{C263D6C4-4840-40CC-AC84-17E24B3B7BDE}" type="slidenum">
               <a:rPr lang="en-US" noProof="0" smtClean="0"/>
               <a:pPr/>
-              <a:t>‹#›</a:t>
+              <a:t>‹Nr.›</a:t>
             </a:fld>
             <a:endParaRPr lang="en-US" noProof="0" dirty="0"/>
           </a:p>
@@ -12852,7 +12918,7 @@
           <p:cNvPr id="20" name="Picture Placeholder 2">
             <a:extLst>
               <a:ext uri="{FF2B5EF4-FFF2-40B4-BE49-F238E27FC236}">
-                <a16:creationId xmlns:a16="http://schemas.microsoft.com/office/drawing/2014/main" id="{30B3A574-7940-4E35-857E-5CA35A5910E5}"/>
+                <a16:creationId xmlns:a16="http://schemas.microsoft.com/office/drawing/2014/main" xmlns="" id="{30B3A574-7940-4E35-857E-5CA35A5910E5}"/>
               </a:ext>
             </a:extLst>
           </p:cNvPr>
@@ -12929,7 +12995,7 @@
           <p:cNvPr id="21" name="Text Placeholder 3">
             <a:extLst>
               <a:ext uri="{FF2B5EF4-FFF2-40B4-BE49-F238E27FC236}">
-                <a16:creationId xmlns:a16="http://schemas.microsoft.com/office/drawing/2014/main" id="{912B51EA-3E6F-4BF6-BE48-62128AF32B85}"/>
+                <a16:creationId xmlns:a16="http://schemas.microsoft.com/office/drawing/2014/main" xmlns="" id="{912B51EA-3E6F-4BF6-BE48-62128AF32B85}"/>
               </a:ext>
             </a:extLst>
           </p:cNvPr>
@@ -13043,7 +13109,7 @@
           <p:cNvPr id="11" name="Rectangle 10">
             <a:extLst>
               <a:ext uri="{FF2B5EF4-FFF2-40B4-BE49-F238E27FC236}">
-                <a16:creationId xmlns:a16="http://schemas.microsoft.com/office/drawing/2014/main" id="{EB3E033F-4449-40FA-BC85-BD2712D313DD}"/>
+                <a16:creationId xmlns:a16="http://schemas.microsoft.com/office/drawing/2014/main" xmlns="" id="{EB3E033F-4449-40FA-BC85-BD2712D313DD}"/>
               </a:ext>
             </a:extLst>
           </p:cNvPr>
@@ -13097,7 +13163,7 @@
           <p:cNvPr id="10" name="Freeform: Shape 9">
             <a:extLst>
               <a:ext uri="{FF2B5EF4-FFF2-40B4-BE49-F238E27FC236}">
-                <a16:creationId xmlns:a16="http://schemas.microsoft.com/office/drawing/2014/main" id="{63D26743-0505-444C-80B3-E88EE87DF72B}"/>
+                <a16:creationId xmlns:a16="http://schemas.microsoft.com/office/drawing/2014/main" xmlns="" id="{63D26743-0505-444C-80B3-E88EE87DF72B}"/>
               </a:ext>
             </a:extLst>
           </p:cNvPr>
@@ -13220,7 +13286,7 @@
           <p:cNvPr id="18" name="Freeform: Shape 17">
             <a:extLst>
               <a:ext uri="{FF2B5EF4-FFF2-40B4-BE49-F238E27FC236}">
-                <a16:creationId xmlns:a16="http://schemas.microsoft.com/office/drawing/2014/main" id="{E37145E9-AC61-47D5-9288-8789940F81B6}"/>
+                <a16:creationId xmlns:a16="http://schemas.microsoft.com/office/drawing/2014/main" xmlns="" id="{E37145E9-AC61-47D5-9288-8789940F81B6}"/>
               </a:ext>
             </a:extLst>
           </p:cNvPr>
@@ -13372,7 +13438,7 @@
           <p:cNvPr id="12" name="Freeform: Shape 11">
             <a:extLst>
               <a:ext uri="{FF2B5EF4-FFF2-40B4-BE49-F238E27FC236}">
-                <a16:creationId xmlns:a16="http://schemas.microsoft.com/office/drawing/2014/main" id="{A5E2B3ED-9A49-40A7-B8A3-62595FE513F9}"/>
+                <a16:creationId xmlns:a16="http://schemas.microsoft.com/office/drawing/2014/main" xmlns="" id="{A5E2B3ED-9A49-40A7-B8A3-62595FE513F9}"/>
               </a:ext>
             </a:extLst>
           </p:cNvPr>
@@ -13522,7 +13588,7 @@
           <p:cNvPr id="8" name="Freeform: Shape 7">
             <a:extLst>
               <a:ext uri="{FF2B5EF4-FFF2-40B4-BE49-F238E27FC236}">
-                <a16:creationId xmlns:a16="http://schemas.microsoft.com/office/drawing/2014/main" id="{1599AF7E-3E34-4597-AA72-9373A7FDB020}"/>
+                <a16:creationId xmlns:a16="http://schemas.microsoft.com/office/drawing/2014/main" xmlns="" id="{1599AF7E-3E34-4597-AA72-9373A7FDB020}"/>
               </a:ext>
             </a:extLst>
           </p:cNvPr>
@@ -13668,7 +13734,7 @@
           <p:cNvPr id="2" name="Title 1">
             <a:extLst>
               <a:ext uri="{FF2B5EF4-FFF2-40B4-BE49-F238E27FC236}">
-                <a16:creationId xmlns:a16="http://schemas.microsoft.com/office/drawing/2014/main" id="{4A2DF563-7FAC-46B3-B24C-7E45CD89DA2B}"/>
+                <a16:creationId xmlns:a16="http://schemas.microsoft.com/office/drawing/2014/main" xmlns="" id="{4A2DF563-7FAC-46B3-B24C-7E45CD89DA2B}"/>
               </a:ext>
             </a:extLst>
           </p:cNvPr>
@@ -13713,7 +13779,7 @@
           <p:cNvPr id="15" name="Group 14">
             <a:extLst>
               <a:ext uri="{FF2B5EF4-FFF2-40B4-BE49-F238E27FC236}">
-                <a16:creationId xmlns:a16="http://schemas.microsoft.com/office/drawing/2014/main" id="{7732E1E7-45E3-4264-8F26-66758696DD1E}"/>
+                <a16:creationId xmlns:a16="http://schemas.microsoft.com/office/drawing/2014/main" xmlns="" id="{7732E1E7-45E3-4264-8F26-66758696DD1E}"/>
               </a:ext>
             </a:extLst>
           </p:cNvPr>
@@ -13733,7 +13799,7 @@
             <p:cNvPr id="16" name="Freeform: Shape 15">
               <a:extLst>
                 <a:ext uri="{FF2B5EF4-FFF2-40B4-BE49-F238E27FC236}">
-                  <a16:creationId xmlns:a16="http://schemas.microsoft.com/office/drawing/2014/main" id="{2E3DF883-8093-49FA-81E1-E5D77F086A25}"/>
+                  <a16:creationId xmlns:a16="http://schemas.microsoft.com/office/drawing/2014/main" xmlns="" id="{2E3DF883-8093-49FA-81E1-E5D77F086A25}"/>
                 </a:ext>
               </a:extLst>
             </p:cNvPr>
@@ -13823,7 +13889,7 @@
             <p:cNvPr id="17" name="Freeform: Shape 16">
               <a:extLst>
                 <a:ext uri="{FF2B5EF4-FFF2-40B4-BE49-F238E27FC236}">
-                  <a16:creationId xmlns:a16="http://schemas.microsoft.com/office/drawing/2014/main" id="{18944C90-37E5-4BBE-89FF-060627168050}"/>
+                  <a16:creationId xmlns:a16="http://schemas.microsoft.com/office/drawing/2014/main" xmlns="" id="{18944C90-37E5-4BBE-89FF-060627168050}"/>
                 </a:ext>
               </a:extLst>
             </p:cNvPr>
@@ -13922,7 +13988,7 @@
           <p:cNvPr id="6" name="Group 5">
             <a:extLst>
               <a:ext uri="{FF2B5EF4-FFF2-40B4-BE49-F238E27FC236}">
-                <a16:creationId xmlns:a16="http://schemas.microsoft.com/office/drawing/2014/main" id="{D9EBF8BB-A805-4DDB-B459-082F99815B95}"/>
+                <a16:creationId xmlns:a16="http://schemas.microsoft.com/office/drawing/2014/main" xmlns="" id="{D9EBF8BB-A805-4DDB-B459-082F99815B95}"/>
               </a:ext>
             </a:extLst>
           </p:cNvPr>
@@ -13942,7 +14008,7 @@
             <p:cNvPr id="19" name="Rectangle: Single Corner Snipped 18">
               <a:extLst>
                 <a:ext uri="{FF2B5EF4-FFF2-40B4-BE49-F238E27FC236}">
-                  <a16:creationId xmlns:a16="http://schemas.microsoft.com/office/drawing/2014/main" id="{5D638788-DD47-45E7-939A-FA108A818173}"/>
+                  <a16:creationId xmlns:a16="http://schemas.microsoft.com/office/drawing/2014/main" xmlns="" id="{5D638788-DD47-45E7-939A-FA108A818173}"/>
                 </a:ext>
               </a:extLst>
             </p:cNvPr>
@@ -14003,7 +14069,7 @@
             <p:cNvPr id="3" name="Rectangle: Single Corner Snipped 2">
               <a:extLst>
                 <a:ext uri="{FF2B5EF4-FFF2-40B4-BE49-F238E27FC236}">
-                  <a16:creationId xmlns:a16="http://schemas.microsoft.com/office/drawing/2014/main" id="{74BDECEF-EEFE-4332-B3B2-BDE4F82C10FC}"/>
+                  <a16:creationId xmlns:a16="http://schemas.microsoft.com/office/drawing/2014/main" xmlns="" id="{74BDECEF-EEFE-4332-B3B2-BDE4F82C10FC}"/>
                 </a:ext>
               </a:extLst>
             </p:cNvPr>
@@ -14060,7 +14126,7 @@
           <p:cNvPr id="35" name="Freeform: Shape 34">
             <a:extLst>
               <a:ext uri="{FF2B5EF4-FFF2-40B4-BE49-F238E27FC236}">
-                <a16:creationId xmlns:a16="http://schemas.microsoft.com/office/drawing/2014/main" id="{62EEBF51-DCAD-4335-85E9-52801031A1BF}"/>
+                <a16:creationId xmlns:a16="http://schemas.microsoft.com/office/drawing/2014/main" xmlns="" id="{62EEBF51-DCAD-4335-85E9-52801031A1BF}"/>
               </a:ext>
             </a:extLst>
           </p:cNvPr>
@@ -14155,7 +14221,7 @@
           <p:cNvPr id="5" name="Slide Number Placeholder 4">
             <a:extLst>
               <a:ext uri="{FF2B5EF4-FFF2-40B4-BE49-F238E27FC236}">
-                <a16:creationId xmlns:a16="http://schemas.microsoft.com/office/drawing/2014/main" id="{87B51822-97FF-47A7-8E4E-A0F79B4EB237}"/>
+                <a16:creationId xmlns:a16="http://schemas.microsoft.com/office/drawing/2014/main" xmlns="" id="{87B51822-97FF-47A7-8E4E-A0F79B4EB237}"/>
               </a:ext>
             </a:extLst>
           </p:cNvPr>
@@ -14188,7 +14254,7 @@
             <a:fld id="{C263D6C4-4840-40CC-AC84-17E24B3B7BDE}" type="slidenum">
               <a:rPr lang="en-US" noProof="0" smtClean="0"/>
               <a:pPr/>
-              <a:t>‹#›</a:t>
+              <a:t>‹Nr.›</a:t>
             </a:fld>
             <a:endParaRPr lang="en-US" noProof="0" dirty="0"/>
           </a:p>
@@ -14199,7 +14265,7 @@
           <p:cNvPr id="21" name="Text Placeholder 3">
             <a:extLst>
               <a:ext uri="{FF2B5EF4-FFF2-40B4-BE49-F238E27FC236}">
-                <a16:creationId xmlns:a16="http://schemas.microsoft.com/office/drawing/2014/main" id="{912B51EA-3E6F-4BF6-BE48-62128AF32B85}"/>
+                <a16:creationId xmlns:a16="http://schemas.microsoft.com/office/drawing/2014/main" xmlns="" id="{912B51EA-3E6F-4BF6-BE48-62128AF32B85}"/>
               </a:ext>
             </a:extLst>
           </p:cNvPr>
@@ -14275,7 +14341,7 @@
           <p:cNvPr id="22" name="Content Placeholder 2">
             <a:extLst>
               <a:ext uri="{FF2B5EF4-FFF2-40B4-BE49-F238E27FC236}">
-                <a16:creationId xmlns:a16="http://schemas.microsoft.com/office/drawing/2014/main" id="{A015C605-1D30-48BC-A0D6-3B11AF56CC53}"/>
+                <a16:creationId xmlns:a16="http://schemas.microsoft.com/office/drawing/2014/main" xmlns="" id="{A015C605-1D30-48BC-A0D6-3B11AF56CC53}"/>
               </a:ext>
             </a:extLst>
           </p:cNvPr>
@@ -14417,7 +14483,7 @@
           <p:cNvPr id="18" name="Rectangle 17">
             <a:extLst>
               <a:ext uri="{FF2B5EF4-FFF2-40B4-BE49-F238E27FC236}">
-                <a16:creationId xmlns:a16="http://schemas.microsoft.com/office/drawing/2014/main" id="{D4494CD2-CCDD-0248-96F8-741002C44255}"/>
+                <a16:creationId xmlns:a16="http://schemas.microsoft.com/office/drawing/2014/main" xmlns="" id="{D4494CD2-CCDD-0248-96F8-741002C44255}"/>
               </a:ext>
             </a:extLst>
           </p:cNvPr>
@@ -14471,7 +14537,7 @@
           <p:cNvPr id="19" name="Freeform: Shape 9">
             <a:extLst>
               <a:ext uri="{FF2B5EF4-FFF2-40B4-BE49-F238E27FC236}">
-                <a16:creationId xmlns:a16="http://schemas.microsoft.com/office/drawing/2014/main" id="{07077B00-C1EE-7241-B441-7814F92A7EDF}"/>
+                <a16:creationId xmlns:a16="http://schemas.microsoft.com/office/drawing/2014/main" xmlns="" id="{07077B00-C1EE-7241-B441-7814F92A7EDF}"/>
               </a:ext>
             </a:extLst>
           </p:cNvPr>
@@ -14594,7 +14660,7 @@
           <p:cNvPr id="20" name="Freeform: Shape 17">
             <a:extLst>
               <a:ext uri="{FF2B5EF4-FFF2-40B4-BE49-F238E27FC236}">
-                <a16:creationId xmlns:a16="http://schemas.microsoft.com/office/drawing/2014/main" id="{3A1AEBC4-637E-F64C-9192-69AC4BB26D0C}"/>
+                <a16:creationId xmlns:a16="http://schemas.microsoft.com/office/drawing/2014/main" xmlns="" id="{3A1AEBC4-637E-F64C-9192-69AC4BB26D0C}"/>
               </a:ext>
             </a:extLst>
           </p:cNvPr>
@@ -14746,7 +14812,7 @@
           <p:cNvPr id="21" name="Freeform: Shape 11">
             <a:extLst>
               <a:ext uri="{FF2B5EF4-FFF2-40B4-BE49-F238E27FC236}">
-                <a16:creationId xmlns:a16="http://schemas.microsoft.com/office/drawing/2014/main" id="{669A7039-C54C-8E46-9A8B-DDB2547D989C}"/>
+                <a16:creationId xmlns:a16="http://schemas.microsoft.com/office/drawing/2014/main" xmlns="" id="{669A7039-C54C-8E46-9A8B-DDB2547D989C}"/>
               </a:ext>
             </a:extLst>
           </p:cNvPr>
@@ -14896,7 +14962,7 @@
           <p:cNvPr id="22" name="Freeform: Shape 7">
             <a:extLst>
               <a:ext uri="{FF2B5EF4-FFF2-40B4-BE49-F238E27FC236}">
-                <a16:creationId xmlns:a16="http://schemas.microsoft.com/office/drawing/2014/main" id="{4F173B32-87BB-9A40-8C91-4C1EED2B7ABF}"/>
+                <a16:creationId xmlns:a16="http://schemas.microsoft.com/office/drawing/2014/main" xmlns="" id="{4F173B32-87BB-9A40-8C91-4C1EED2B7ABF}"/>
               </a:ext>
             </a:extLst>
           </p:cNvPr>
@@ -15042,7 +15108,7 @@
           <p:cNvPr id="24" name="Group 23">
             <a:extLst>
               <a:ext uri="{FF2B5EF4-FFF2-40B4-BE49-F238E27FC236}">
-                <a16:creationId xmlns:a16="http://schemas.microsoft.com/office/drawing/2014/main" id="{4AC87F4E-12B5-1B42-AFD2-4DB39B7645C9}"/>
+                <a16:creationId xmlns:a16="http://schemas.microsoft.com/office/drawing/2014/main" xmlns="" id="{4AC87F4E-12B5-1B42-AFD2-4DB39B7645C9}"/>
               </a:ext>
             </a:extLst>
           </p:cNvPr>
@@ -15062,7 +15128,7 @@
             <p:cNvPr id="25" name="Freeform: Shape 15">
               <a:extLst>
                 <a:ext uri="{FF2B5EF4-FFF2-40B4-BE49-F238E27FC236}">
-                  <a16:creationId xmlns:a16="http://schemas.microsoft.com/office/drawing/2014/main" id="{03DD8765-59DF-A045-ADB5-E39FAEE153A0}"/>
+                  <a16:creationId xmlns:a16="http://schemas.microsoft.com/office/drawing/2014/main" xmlns="" id="{03DD8765-59DF-A045-ADB5-E39FAEE153A0}"/>
                 </a:ext>
               </a:extLst>
             </p:cNvPr>
@@ -15152,7 +15218,7 @@
             <p:cNvPr id="26" name="Freeform: Shape 16">
               <a:extLst>
                 <a:ext uri="{FF2B5EF4-FFF2-40B4-BE49-F238E27FC236}">
-                  <a16:creationId xmlns:a16="http://schemas.microsoft.com/office/drawing/2014/main" id="{B34B796C-A407-7B4D-B4F0-E58A44FE8DB4}"/>
+                  <a16:creationId xmlns:a16="http://schemas.microsoft.com/office/drawing/2014/main" xmlns="" id="{B34B796C-A407-7B4D-B4F0-E58A44FE8DB4}"/>
                 </a:ext>
               </a:extLst>
             </p:cNvPr>
@@ -15251,7 +15317,7 @@
           <p:cNvPr id="30" name="Freeform: Shape 23">
             <a:extLst>
               <a:ext uri="{FF2B5EF4-FFF2-40B4-BE49-F238E27FC236}">
-                <a16:creationId xmlns:a16="http://schemas.microsoft.com/office/drawing/2014/main" id="{CBE3FDC9-67CB-FA42-B127-A36BFF4678BB}"/>
+                <a16:creationId xmlns:a16="http://schemas.microsoft.com/office/drawing/2014/main" xmlns="" id="{CBE3FDC9-67CB-FA42-B127-A36BFF4678BB}"/>
               </a:ext>
             </a:extLst>
           </p:cNvPr>
@@ -15346,7 +15412,7 @@
           <p:cNvPr id="31" name="Slide Number Placeholder 4">
             <a:extLst>
               <a:ext uri="{FF2B5EF4-FFF2-40B4-BE49-F238E27FC236}">
-                <a16:creationId xmlns:a16="http://schemas.microsoft.com/office/drawing/2014/main" id="{1E902BFF-CA8F-D745-A819-A7BB38B30ED9}"/>
+                <a16:creationId xmlns:a16="http://schemas.microsoft.com/office/drawing/2014/main" xmlns="" id="{1E902BFF-CA8F-D745-A819-A7BB38B30ED9}"/>
               </a:ext>
             </a:extLst>
           </p:cNvPr>
@@ -15379,7 +15445,7 @@
             <a:fld id="{C263D6C4-4840-40CC-AC84-17E24B3B7BDE}" type="slidenum">
               <a:rPr lang="en-US" noProof="0" smtClean="0"/>
               <a:pPr/>
-              <a:t>‹#›</a:t>
+              <a:t>‹Nr.›</a:t>
             </a:fld>
             <a:endParaRPr lang="en-US" noProof="0" dirty="0"/>
           </a:p>
@@ -15420,7 +15486,7 @@
           <p:cNvPr id="21" name="Rectangle 20">
             <a:extLst>
               <a:ext uri="{FF2B5EF4-FFF2-40B4-BE49-F238E27FC236}">
-                <a16:creationId xmlns:a16="http://schemas.microsoft.com/office/drawing/2014/main" id="{6E739168-A5E8-443A-B392-7AD4CF8977AD}"/>
+                <a16:creationId xmlns:a16="http://schemas.microsoft.com/office/drawing/2014/main" xmlns="" id="{6E739168-A5E8-443A-B392-7AD4CF8977AD}"/>
               </a:ext>
             </a:extLst>
           </p:cNvPr>
@@ -15472,7 +15538,7 @@
           <p:cNvPr id="15" name="Freeform: Shape 14">
             <a:extLst>
               <a:ext uri="{FF2B5EF4-FFF2-40B4-BE49-F238E27FC236}">
-                <a16:creationId xmlns:a16="http://schemas.microsoft.com/office/drawing/2014/main" id="{41E10E1E-5268-4F03-BA64-07E19DE26739}"/>
+                <a16:creationId xmlns:a16="http://schemas.microsoft.com/office/drawing/2014/main" xmlns="" id="{41E10E1E-5268-4F03-BA64-07E19DE26739}"/>
               </a:ext>
             </a:extLst>
           </p:cNvPr>
@@ -15609,7 +15675,7 @@
           <p:cNvPr id="16" name="Freeform: Shape 15">
             <a:extLst>
               <a:ext uri="{FF2B5EF4-FFF2-40B4-BE49-F238E27FC236}">
-                <a16:creationId xmlns:a16="http://schemas.microsoft.com/office/drawing/2014/main" id="{B989C45D-BDFF-418F-BE79-03FF70015770}"/>
+                <a16:creationId xmlns:a16="http://schemas.microsoft.com/office/drawing/2014/main" xmlns="" id="{B989C45D-BDFF-418F-BE79-03FF70015770}"/>
               </a:ext>
             </a:extLst>
           </p:cNvPr>
@@ -15773,7 +15839,7 @@
           <p:cNvPr id="20" name="Freeform: Shape 19">
             <a:extLst>
               <a:ext uri="{FF2B5EF4-FFF2-40B4-BE49-F238E27FC236}">
-                <a16:creationId xmlns:a16="http://schemas.microsoft.com/office/drawing/2014/main" id="{0027A677-9ACB-4264-B148-4806678FB83F}"/>
+                <a16:creationId xmlns:a16="http://schemas.microsoft.com/office/drawing/2014/main" xmlns="" id="{0027A677-9ACB-4264-B148-4806678FB83F}"/>
               </a:ext>
             </a:extLst>
           </p:cNvPr>
@@ -15935,7 +16001,7 @@
           <p:cNvPr id="6" name="Group 5">
             <a:extLst>
               <a:ext uri="{FF2B5EF4-FFF2-40B4-BE49-F238E27FC236}">
-                <a16:creationId xmlns:a16="http://schemas.microsoft.com/office/drawing/2014/main" id="{EA7FF9D7-8545-4547-AC77-A0421EEB9B99}"/>
+                <a16:creationId xmlns:a16="http://schemas.microsoft.com/office/drawing/2014/main" xmlns="" id="{EA7FF9D7-8545-4547-AC77-A0421EEB9B99}"/>
               </a:ext>
             </a:extLst>
           </p:cNvPr>
@@ -15955,7 +16021,7 @@
             <p:cNvPr id="17" name="Right Triangle 16">
               <a:extLst>
                 <a:ext uri="{FF2B5EF4-FFF2-40B4-BE49-F238E27FC236}">
-                  <a16:creationId xmlns:a16="http://schemas.microsoft.com/office/drawing/2014/main" id="{8DCD5806-2A2F-4ABF-8057-245681C498E6}"/>
+                  <a16:creationId xmlns:a16="http://schemas.microsoft.com/office/drawing/2014/main" xmlns="" id="{8DCD5806-2A2F-4ABF-8057-245681C498E6}"/>
                 </a:ext>
               </a:extLst>
             </p:cNvPr>
@@ -16009,7 +16075,7 @@
             <p:cNvPr id="18" name="Right Triangle 17">
               <a:extLst>
                 <a:ext uri="{FF2B5EF4-FFF2-40B4-BE49-F238E27FC236}">
-                  <a16:creationId xmlns:a16="http://schemas.microsoft.com/office/drawing/2014/main" id="{3A93038F-E9E4-4FFD-B3DF-28DB7C2C1490}"/>
+                  <a16:creationId xmlns:a16="http://schemas.microsoft.com/office/drawing/2014/main" xmlns="" id="{3A93038F-E9E4-4FFD-B3DF-28DB7C2C1490}"/>
                 </a:ext>
               </a:extLst>
             </p:cNvPr>
@@ -16066,7 +16132,7 @@
             <p:cNvPr id="19" name="Right Triangle 18">
               <a:extLst>
                 <a:ext uri="{FF2B5EF4-FFF2-40B4-BE49-F238E27FC236}">
-                  <a16:creationId xmlns:a16="http://schemas.microsoft.com/office/drawing/2014/main" id="{5DEA1E02-BBD0-4AE3-AF22-433B90272178}"/>
+                  <a16:creationId xmlns:a16="http://schemas.microsoft.com/office/drawing/2014/main" xmlns="" id="{5DEA1E02-BBD0-4AE3-AF22-433B90272178}"/>
                 </a:ext>
               </a:extLst>
             </p:cNvPr>
@@ -16121,7 +16187,7 @@
           <p:cNvPr id="2" name="Title 1">
             <a:extLst>
               <a:ext uri="{FF2B5EF4-FFF2-40B4-BE49-F238E27FC236}">
-                <a16:creationId xmlns:a16="http://schemas.microsoft.com/office/drawing/2014/main" id="{9E597736-C478-4C26-9BAF-205FE31E977C}"/>
+                <a16:creationId xmlns:a16="http://schemas.microsoft.com/office/drawing/2014/main" xmlns="" id="{9E597736-C478-4C26-9BAF-205FE31E977C}"/>
               </a:ext>
             </a:extLst>
           </p:cNvPr>
@@ -16198,7 +16264,7 @@
           <p:cNvPr id="21" name="Rectangle 20">
             <a:extLst>
               <a:ext uri="{FF2B5EF4-FFF2-40B4-BE49-F238E27FC236}">
-                <a16:creationId xmlns:a16="http://schemas.microsoft.com/office/drawing/2014/main" id="{6E739168-A5E8-443A-B392-7AD4CF8977AD}"/>
+                <a16:creationId xmlns:a16="http://schemas.microsoft.com/office/drawing/2014/main" xmlns="" id="{6E739168-A5E8-443A-B392-7AD4CF8977AD}"/>
               </a:ext>
             </a:extLst>
           </p:cNvPr>
@@ -16250,7 +16316,7 @@
           <p:cNvPr id="15" name="Freeform: Shape 14">
             <a:extLst>
               <a:ext uri="{FF2B5EF4-FFF2-40B4-BE49-F238E27FC236}">
-                <a16:creationId xmlns:a16="http://schemas.microsoft.com/office/drawing/2014/main" id="{41E10E1E-5268-4F03-BA64-07E19DE26739}"/>
+                <a16:creationId xmlns:a16="http://schemas.microsoft.com/office/drawing/2014/main" xmlns="" id="{41E10E1E-5268-4F03-BA64-07E19DE26739}"/>
               </a:ext>
             </a:extLst>
           </p:cNvPr>
@@ -16387,7 +16453,7 @@
           <p:cNvPr id="16" name="Freeform: Shape 15">
             <a:extLst>
               <a:ext uri="{FF2B5EF4-FFF2-40B4-BE49-F238E27FC236}">
-                <a16:creationId xmlns:a16="http://schemas.microsoft.com/office/drawing/2014/main" id="{B989C45D-BDFF-418F-BE79-03FF70015770}"/>
+                <a16:creationId xmlns:a16="http://schemas.microsoft.com/office/drawing/2014/main" xmlns="" id="{B989C45D-BDFF-418F-BE79-03FF70015770}"/>
               </a:ext>
             </a:extLst>
           </p:cNvPr>
@@ -16551,7 +16617,7 @@
           <p:cNvPr id="20" name="Freeform: Shape 19">
             <a:extLst>
               <a:ext uri="{FF2B5EF4-FFF2-40B4-BE49-F238E27FC236}">
-                <a16:creationId xmlns:a16="http://schemas.microsoft.com/office/drawing/2014/main" id="{0027A677-9ACB-4264-B148-4806678FB83F}"/>
+                <a16:creationId xmlns:a16="http://schemas.microsoft.com/office/drawing/2014/main" xmlns="" id="{0027A677-9ACB-4264-B148-4806678FB83F}"/>
               </a:ext>
             </a:extLst>
           </p:cNvPr>
@@ -16713,7 +16779,7 @@
           <p:cNvPr id="2" name="Title 1">
             <a:extLst>
               <a:ext uri="{FF2B5EF4-FFF2-40B4-BE49-F238E27FC236}">
-                <a16:creationId xmlns:a16="http://schemas.microsoft.com/office/drawing/2014/main" id="{9E597736-C478-4C26-9BAF-205FE31E977C}"/>
+                <a16:creationId xmlns:a16="http://schemas.microsoft.com/office/drawing/2014/main" xmlns="" id="{9E597736-C478-4C26-9BAF-205FE31E977C}"/>
               </a:ext>
             </a:extLst>
           </p:cNvPr>
@@ -16760,7 +16826,7 @@
           <p:cNvPr id="35" name="Freeform: Shape 34">
             <a:extLst>
               <a:ext uri="{FF2B5EF4-FFF2-40B4-BE49-F238E27FC236}">
-                <a16:creationId xmlns:a16="http://schemas.microsoft.com/office/drawing/2014/main" id="{C024DCDB-C6BF-455E-AAB8-EAF9DAB302A1}"/>
+                <a16:creationId xmlns:a16="http://schemas.microsoft.com/office/drawing/2014/main" xmlns="" id="{C024DCDB-C6BF-455E-AAB8-EAF9DAB302A1}"/>
               </a:ext>
             </a:extLst>
           </p:cNvPr>
@@ -16868,7 +16934,7 @@
           <p:cNvPr id="32" name="Freeform: Shape 31">
             <a:extLst>
               <a:ext uri="{FF2B5EF4-FFF2-40B4-BE49-F238E27FC236}">
-                <a16:creationId xmlns:a16="http://schemas.microsoft.com/office/drawing/2014/main" id="{26AFB47A-5D51-4F9C-B01B-977CE5E3C093}"/>
+                <a16:creationId xmlns:a16="http://schemas.microsoft.com/office/drawing/2014/main" xmlns="" id="{26AFB47A-5D51-4F9C-B01B-977CE5E3C093}"/>
               </a:ext>
             </a:extLst>
           </p:cNvPr>
@@ -16984,7 +17050,7 @@
           <p:cNvPr id="30" name="Freeform: Shape 29">
             <a:extLst>
               <a:ext uri="{FF2B5EF4-FFF2-40B4-BE49-F238E27FC236}">
-                <a16:creationId xmlns:a16="http://schemas.microsoft.com/office/drawing/2014/main" id="{6997A4FF-7390-4173-8ACD-6CF7145AACEC}"/>
+                <a16:creationId xmlns:a16="http://schemas.microsoft.com/office/drawing/2014/main" xmlns="" id="{6997A4FF-7390-4173-8ACD-6CF7145AACEC}"/>
               </a:ext>
             </a:extLst>
           </p:cNvPr>
@@ -17123,7 +17189,7 @@
           <p:cNvPr id="7" name="Rectangle 6">
             <a:extLst>
               <a:ext uri="{FF2B5EF4-FFF2-40B4-BE49-F238E27FC236}">
-                <a16:creationId xmlns:a16="http://schemas.microsoft.com/office/drawing/2014/main" id="{B2838D16-809E-4EB1-8C0C-0E63D8139112}"/>
+                <a16:creationId xmlns:a16="http://schemas.microsoft.com/office/drawing/2014/main" xmlns="" id="{B2838D16-809E-4EB1-8C0C-0E63D8139112}"/>
               </a:ext>
             </a:extLst>
           </p:cNvPr>
@@ -17175,7 +17241,7 @@
           <p:cNvPr id="8" name="Freeform: Shape 7">
             <a:extLst>
               <a:ext uri="{FF2B5EF4-FFF2-40B4-BE49-F238E27FC236}">
-                <a16:creationId xmlns:a16="http://schemas.microsoft.com/office/drawing/2014/main" id="{01FEB333-94B4-4E53-9019-D584810903BB}"/>
+                <a16:creationId xmlns:a16="http://schemas.microsoft.com/office/drawing/2014/main" xmlns="" id="{01FEB333-94B4-4E53-9019-D584810903BB}"/>
               </a:ext>
             </a:extLst>
           </p:cNvPr>
@@ -17296,7 +17362,7 @@
           <p:cNvPr id="9" name="Freeform: Shape 8">
             <a:extLst>
               <a:ext uri="{FF2B5EF4-FFF2-40B4-BE49-F238E27FC236}">
-                <a16:creationId xmlns:a16="http://schemas.microsoft.com/office/drawing/2014/main" id="{A59B9489-0CD9-4DB7-AC82-6E7867F91403}"/>
+                <a16:creationId xmlns:a16="http://schemas.microsoft.com/office/drawing/2014/main" xmlns="" id="{A59B9489-0CD9-4DB7-AC82-6E7867F91403}"/>
               </a:ext>
             </a:extLst>
           </p:cNvPr>
@@ -17436,7 +17502,7 @@
           <p:cNvPr id="10" name="Right Triangle 9">
             <a:extLst>
               <a:ext uri="{FF2B5EF4-FFF2-40B4-BE49-F238E27FC236}">
-                <a16:creationId xmlns:a16="http://schemas.microsoft.com/office/drawing/2014/main" id="{A55D1C76-C591-4FA5-9780-87AB6B37C0FA}"/>
+                <a16:creationId xmlns:a16="http://schemas.microsoft.com/office/drawing/2014/main" xmlns="" id="{A55D1C76-C591-4FA5-9780-87AB6B37C0FA}"/>
               </a:ext>
             </a:extLst>
           </p:cNvPr>
@@ -17490,7 +17556,7 @@
           <p:cNvPr id="11" name="Freeform: Shape 10">
             <a:extLst>
               <a:ext uri="{FF2B5EF4-FFF2-40B4-BE49-F238E27FC236}">
-                <a16:creationId xmlns:a16="http://schemas.microsoft.com/office/drawing/2014/main" id="{A7DC1D12-670F-4235-8791-FA8C2B330871}"/>
+                <a16:creationId xmlns:a16="http://schemas.microsoft.com/office/drawing/2014/main" xmlns="" id="{A7DC1D12-670F-4235-8791-FA8C2B330871}"/>
               </a:ext>
             </a:extLst>
           </p:cNvPr>
@@ -17636,7 +17702,7 @@
           <p:cNvPr id="12" name="Freeform: Shape 11">
             <a:extLst>
               <a:ext uri="{FF2B5EF4-FFF2-40B4-BE49-F238E27FC236}">
-                <a16:creationId xmlns:a16="http://schemas.microsoft.com/office/drawing/2014/main" id="{859569CF-FDAC-47C4-A0F5-296F7117C398}"/>
+                <a16:creationId xmlns:a16="http://schemas.microsoft.com/office/drawing/2014/main" xmlns="" id="{859569CF-FDAC-47C4-A0F5-296F7117C398}"/>
               </a:ext>
             </a:extLst>
           </p:cNvPr>
@@ -17736,7 +17802,7 @@
           <p:cNvPr id="13" name="Freeform: Shape 12">
             <a:extLst>
               <a:ext uri="{FF2B5EF4-FFF2-40B4-BE49-F238E27FC236}">
-                <a16:creationId xmlns:a16="http://schemas.microsoft.com/office/drawing/2014/main" id="{D68D0C72-2B2C-4C85-A091-157853C71784}"/>
+                <a16:creationId xmlns:a16="http://schemas.microsoft.com/office/drawing/2014/main" xmlns="" id="{D68D0C72-2B2C-4C85-A091-157853C71784}"/>
               </a:ext>
             </a:extLst>
           </p:cNvPr>
@@ -17844,7 +17910,7 @@
           <p:cNvPr id="14" name="Freeform: Shape 13">
             <a:extLst>
               <a:ext uri="{FF2B5EF4-FFF2-40B4-BE49-F238E27FC236}">
-                <a16:creationId xmlns:a16="http://schemas.microsoft.com/office/drawing/2014/main" id="{8E25334A-5FE3-4DDA-8D32-4796CCFCAA74}"/>
+                <a16:creationId xmlns:a16="http://schemas.microsoft.com/office/drawing/2014/main" xmlns="" id="{8E25334A-5FE3-4DDA-8D32-4796CCFCAA74}"/>
               </a:ext>
             </a:extLst>
           </p:cNvPr>
@@ -17936,7 +18002,7 @@
           <p:cNvPr id="15" name="Freeform: Shape 14">
             <a:extLst>
               <a:ext uri="{FF2B5EF4-FFF2-40B4-BE49-F238E27FC236}">
-                <a16:creationId xmlns:a16="http://schemas.microsoft.com/office/drawing/2014/main" id="{18818DF1-D7FD-4C0F-875D-7A07E8F75C06}"/>
+                <a16:creationId xmlns:a16="http://schemas.microsoft.com/office/drawing/2014/main" xmlns="" id="{18818DF1-D7FD-4C0F-875D-7A07E8F75C06}"/>
               </a:ext>
             </a:extLst>
           </p:cNvPr>
@@ -18036,7 +18102,7 @@
           <p:cNvPr id="16" name="Group 15">
             <a:extLst>
               <a:ext uri="{FF2B5EF4-FFF2-40B4-BE49-F238E27FC236}">
-                <a16:creationId xmlns:a16="http://schemas.microsoft.com/office/drawing/2014/main" id="{8F9BB384-9E14-4CEA-82C1-21837229D3EF}"/>
+                <a16:creationId xmlns:a16="http://schemas.microsoft.com/office/drawing/2014/main" xmlns="" id="{8F9BB384-9E14-4CEA-82C1-21837229D3EF}"/>
               </a:ext>
             </a:extLst>
           </p:cNvPr>
@@ -18056,7 +18122,7 @@
             <p:cNvPr id="17" name="Freeform: Shape 16">
               <a:extLst>
                 <a:ext uri="{FF2B5EF4-FFF2-40B4-BE49-F238E27FC236}">
-                  <a16:creationId xmlns:a16="http://schemas.microsoft.com/office/drawing/2014/main" id="{0862A81A-959D-4EAB-90ED-DB20759BB397}"/>
+                  <a16:creationId xmlns:a16="http://schemas.microsoft.com/office/drawing/2014/main" xmlns="" id="{0862A81A-959D-4EAB-90ED-DB20759BB397}"/>
                 </a:ext>
               </a:extLst>
             </p:cNvPr>
@@ -18146,7 +18212,7 @@
             <p:cNvPr id="18" name="Freeform: Shape 17">
               <a:extLst>
                 <a:ext uri="{FF2B5EF4-FFF2-40B4-BE49-F238E27FC236}">
-                  <a16:creationId xmlns:a16="http://schemas.microsoft.com/office/drawing/2014/main" id="{AAB9E28C-9422-42BD-AECE-29B44B5D63E2}"/>
+                  <a16:creationId xmlns:a16="http://schemas.microsoft.com/office/drawing/2014/main" xmlns="" id="{AAB9E28C-9422-42BD-AECE-29B44B5D63E2}"/>
                 </a:ext>
               </a:extLst>
             </p:cNvPr>
@@ -18245,7 +18311,7 @@
           <p:cNvPr id="19" name="Group 18">
             <a:extLst>
               <a:ext uri="{FF2B5EF4-FFF2-40B4-BE49-F238E27FC236}">
-                <a16:creationId xmlns:a16="http://schemas.microsoft.com/office/drawing/2014/main" id="{2772239B-C46D-4458-BB4B-DDB12FAB0172}"/>
+                <a16:creationId xmlns:a16="http://schemas.microsoft.com/office/drawing/2014/main" xmlns="" id="{2772239B-C46D-4458-BB4B-DDB12FAB0172}"/>
               </a:ext>
             </a:extLst>
           </p:cNvPr>
@@ -18265,7 +18331,7 @@
             <p:cNvPr id="20" name="Freeform: Shape 19">
               <a:extLst>
                 <a:ext uri="{FF2B5EF4-FFF2-40B4-BE49-F238E27FC236}">
-                  <a16:creationId xmlns:a16="http://schemas.microsoft.com/office/drawing/2014/main" id="{3C8A2A1A-1FB9-4CA1-B74E-B293187E51AA}"/>
+                  <a16:creationId xmlns:a16="http://schemas.microsoft.com/office/drawing/2014/main" xmlns="" id="{3C8A2A1A-1FB9-4CA1-B74E-B293187E51AA}"/>
                 </a:ext>
               </a:extLst>
             </p:cNvPr>
@@ -18355,7 +18421,7 @@
             <p:cNvPr id="21" name="Freeform: Shape 20">
               <a:extLst>
                 <a:ext uri="{FF2B5EF4-FFF2-40B4-BE49-F238E27FC236}">
-                  <a16:creationId xmlns:a16="http://schemas.microsoft.com/office/drawing/2014/main" id="{DF2B18BA-6B43-40FA-A23B-D894D6AB468B}"/>
+                  <a16:creationId xmlns:a16="http://schemas.microsoft.com/office/drawing/2014/main" xmlns="" id="{DF2B18BA-6B43-40FA-A23B-D894D6AB468B}"/>
                 </a:ext>
               </a:extLst>
             </p:cNvPr>
@@ -18454,7 +18520,7 @@
           <p:cNvPr id="3" name="Text Placeholder 2">
             <a:extLst>
               <a:ext uri="{FF2B5EF4-FFF2-40B4-BE49-F238E27FC236}">
-                <a16:creationId xmlns:a16="http://schemas.microsoft.com/office/drawing/2014/main" id="{5E194264-A3F5-42E2-9A63-DCCED0457E1B}"/>
+                <a16:creationId xmlns:a16="http://schemas.microsoft.com/office/drawing/2014/main" xmlns="" id="{5E194264-A3F5-42E2-9A63-DCCED0457E1B}"/>
               </a:ext>
             </a:extLst>
           </p:cNvPr>
@@ -18504,7 +18570,7 @@
           <p:cNvPr id="22" name="Slide Number Placeholder 4">
             <a:extLst>
               <a:ext uri="{FF2B5EF4-FFF2-40B4-BE49-F238E27FC236}">
-                <a16:creationId xmlns:a16="http://schemas.microsoft.com/office/drawing/2014/main" id="{0F332671-6296-47C8-BF26-B2D962F5D03D}"/>
+                <a16:creationId xmlns:a16="http://schemas.microsoft.com/office/drawing/2014/main" xmlns="" id="{0F332671-6296-47C8-BF26-B2D962F5D03D}"/>
               </a:ext>
             </a:extLst>
           </p:cNvPr>
@@ -18537,7 +18603,7 @@
             <a:fld id="{C263D6C4-4840-40CC-AC84-17E24B3B7BDE}" type="slidenum">
               <a:rPr lang="en-US" noProof="0" smtClean="0"/>
               <a:pPr/>
-              <a:t>‹#›</a:t>
+              <a:t>‹Nr.›</a:t>
             </a:fld>
             <a:endParaRPr lang="en-US" noProof="0" dirty="0"/>
           </a:p>
@@ -18548,7 +18614,7 @@
           <p:cNvPr id="23" name="Title 1">
             <a:extLst>
               <a:ext uri="{FF2B5EF4-FFF2-40B4-BE49-F238E27FC236}">
-                <a16:creationId xmlns:a16="http://schemas.microsoft.com/office/drawing/2014/main" id="{7772A652-7229-2B42-B87B-298C31D6F0CB}"/>
+                <a16:creationId xmlns:a16="http://schemas.microsoft.com/office/drawing/2014/main" xmlns="" id="{7772A652-7229-2B42-B87B-298C31D6F0CB}"/>
               </a:ext>
             </a:extLst>
           </p:cNvPr>
@@ -18623,7 +18689,7 @@
           <p:cNvPr id="22" name="Rectangle 21">
             <a:extLst>
               <a:ext uri="{FF2B5EF4-FFF2-40B4-BE49-F238E27FC236}">
-                <a16:creationId xmlns:a16="http://schemas.microsoft.com/office/drawing/2014/main" id="{2CDBB6E5-B91E-4946-9390-E8693855103A}"/>
+                <a16:creationId xmlns:a16="http://schemas.microsoft.com/office/drawing/2014/main" xmlns="" id="{2CDBB6E5-B91E-4946-9390-E8693855103A}"/>
               </a:ext>
             </a:extLst>
           </p:cNvPr>
@@ -18677,7 +18743,7 @@
           <p:cNvPr id="34" name="Freeform: Shape 33">
             <a:extLst>
               <a:ext uri="{FF2B5EF4-FFF2-40B4-BE49-F238E27FC236}">
-                <a16:creationId xmlns:a16="http://schemas.microsoft.com/office/drawing/2014/main" id="{0C3CC1C9-1FA0-4FE4-8984-4A8B3728D674}"/>
+                <a16:creationId xmlns:a16="http://schemas.microsoft.com/office/drawing/2014/main" xmlns="" id="{0C3CC1C9-1FA0-4FE4-8984-4A8B3728D674}"/>
               </a:ext>
             </a:extLst>
           </p:cNvPr>
@@ -18822,7 +18888,7 @@
           <p:cNvPr id="24" name="Freeform: Shape 23">
             <a:extLst>
               <a:ext uri="{FF2B5EF4-FFF2-40B4-BE49-F238E27FC236}">
-                <a16:creationId xmlns:a16="http://schemas.microsoft.com/office/drawing/2014/main" id="{8E049265-431E-48DE-B7F7-4959930171DC}"/>
+                <a16:creationId xmlns:a16="http://schemas.microsoft.com/office/drawing/2014/main" xmlns="" id="{8E049265-431E-48DE-B7F7-4959930171DC}"/>
               </a:ext>
             </a:extLst>
           </p:cNvPr>
@@ -18962,7 +19028,7 @@
           <p:cNvPr id="25" name="Freeform: Shape 24">
             <a:extLst>
               <a:ext uri="{FF2B5EF4-FFF2-40B4-BE49-F238E27FC236}">
-                <a16:creationId xmlns:a16="http://schemas.microsoft.com/office/drawing/2014/main" id="{173E5F2D-1F8E-4DCC-857F-932C6C6539BB}"/>
+                <a16:creationId xmlns:a16="http://schemas.microsoft.com/office/drawing/2014/main" xmlns="" id="{173E5F2D-1F8E-4DCC-857F-932C6C6539BB}"/>
               </a:ext>
             </a:extLst>
           </p:cNvPr>
@@ -19108,7 +19174,7 @@
           <p:cNvPr id="26" name="Group 25">
             <a:extLst>
               <a:ext uri="{FF2B5EF4-FFF2-40B4-BE49-F238E27FC236}">
-                <a16:creationId xmlns:a16="http://schemas.microsoft.com/office/drawing/2014/main" id="{E9318B2B-E019-4078-9EF0-C9D6281AE31B}"/>
+                <a16:creationId xmlns:a16="http://schemas.microsoft.com/office/drawing/2014/main" xmlns="" id="{E9318B2B-E019-4078-9EF0-C9D6281AE31B}"/>
               </a:ext>
             </a:extLst>
           </p:cNvPr>
@@ -19128,7 +19194,7 @@
             <p:cNvPr id="27" name="Freeform: Shape 26">
               <a:extLst>
                 <a:ext uri="{FF2B5EF4-FFF2-40B4-BE49-F238E27FC236}">
-                  <a16:creationId xmlns:a16="http://schemas.microsoft.com/office/drawing/2014/main" id="{D3E625C0-9656-421F-861F-67C8F93362ED}"/>
+                  <a16:creationId xmlns:a16="http://schemas.microsoft.com/office/drawing/2014/main" xmlns="" id="{D3E625C0-9656-421F-861F-67C8F93362ED}"/>
                 </a:ext>
               </a:extLst>
             </p:cNvPr>
@@ -19228,7 +19294,7 @@
             <p:cNvPr id="28" name="Freeform: Shape 27">
               <a:extLst>
                 <a:ext uri="{FF2B5EF4-FFF2-40B4-BE49-F238E27FC236}">
-                  <a16:creationId xmlns:a16="http://schemas.microsoft.com/office/drawing/2014/main" id="{49F8E490-C6E3-4D00-866F-CD85DD88996E}"/>
+                  <a16:creationId xmlns:a16="http://schemas.microsoft.com/office/drawing/2014/main" xmlns="" id="{49F8E490-C6E3-4D00-866F-CD85DD88996E}"/>
                 </a:ext>
               </a:extLst>
             </p:cNvPr>
@@ -19337,7 +19403,7 @@
           <p:cNvPr id="29" name="Freeform: Shape 28">
             <a:extLst>
               <a:ext uri="{FF2B5EF4-FFF2-40B4-BE49-F238E27FC236}">
-                <a16:creationId xmlns:a16="http://schemas.microsoft.com/office/drawing/2014/main" id="{EE8F5B31-1523-46AE-9455-C33DFC1BDDE0}"/>
+                <a16:creationId xmlns:a16="http://schemas.microsoft.com/office/drawing/2014/main" xmlns="" id="{EE8F5B31-1523-46AE-9455-C33DFC1BDDE0}"/>
               </a:ext>
             </a:extLst>
           </p:cNvPr>
@@ -19429,7 +19495,7 @@
           <p:cNvPr id="30" name="Freeform: Shape 29">
             <a:extLst>
               <a:ext uri="{FF2B5EF4-FFF2-40B4-BE49-F238E27FC236}">
-                <a16:creationId xmlns:a16="http://schemas.microsoft.com/office/drawing/2014/main" id="{5D17048F-C2E1-4775-BC32-50BD6219F89D}"/>
+                <a16:creationId xmlns:a16="http://schemas.microsoft.com/office/drawing/2014/main" xmlns="" id="{5D17048F-C2E1-4775-BC32-50BD6219F89D}"/>
               </a:ext>
             </a:extLst>
           </p:cNvPr>
@@ -19529,7 +19595,7 @@
           <p:cNvPr id="31" name="Group 30">
             <a:extLst>
               <a:ext uri="{FF2B5EF4-FFF2-40B4-BE49-F238E27FC236}">
-                <a16:creationId xmlns:a16="http://schemas.microsoft.com/office/drawing/2014/main" id="{EAB002AA-4848-49C8-A834-036F860C79A3}"/>
+                <a16:creationId xmlns:a16="http://schemas.microsoft.com/office/drawing/2014/main" xmlns="" id="{EAB002AA-4848-49C8-A834-036F860C79A3}"/>
               </a:ext>
             </a:extLst>
           </p:cNvPr>
@@ -19549,7 +19615,7 @@
             <p:cNvPr id="32" name="Freeform: Shape 31">
               <a:extLst>
                 <a:ext uri="{FF2B5EF4-FFF2-40B4-BE49-F238E27FC236}">
-                  <a16:creationId xmlns:a16="http://schemas.microsoft.com/office/drawing/2014/main" id="{14B187A8-7F8D-469D-A03B-4F835A5746DE}"/>
+                  <a16:creationId xmlns:a16="http://schemas.microsoft.com/office/drawing/2014/main" xmlns="" id="{14B187A8-7F8D-469D-A03B-4F835A5746DE}"/>
                 </a:ext>
               </a:extLst>
             </p:cNvPr>
@@ -19639,7 +19705,7 @@
             <p:cNvPr id="33" name="Freeform: Shape 32">
               <a:extLst>
                 <a:ext uri="{FF2B5EF4-FFF2-40B4-BE49-F238E27FC236}">
-                  <a16:creationId xmlns:a16="http://schemas.microsoft.com/office/drawing/2014/main" id="{03D871D1-A11A-48FB-82A8-8D61AB5CB85C}"/>
+                  <a16:creationId xmlns:a16="http://schemas.microsoft.com/office/drawing/2014/main" xmlns="" id="{03D871D1-A11A-48FB-82A8-8D61AB5CB85C}"/>
                 </a:ext>
               </a:extLst>
             </p:cNvPr>
@@ -19738,7 +19804,7 @@
           <p:cNvPr id="2" name="Title 1">
             <a:extLst>
               <a:ext uri="{FF2B5EF4-FFF2-40B4-BE49-F238E27FC236}">
-                <a16:creationId xmlns:a16="http://schemas.microsoft.com/office/drawing/2014/main" id="{42374B20-3E42-44AF-BEF1-8AB33067395C}"/>
+                <a16:creationId xmlns:a16="http://schemas.microsoft.com/office/drawing/2014/main" xmlns="" id="{42374B20-3E42-44AF-BEF1-8AB33067395C}"/>
               </a:ext>
             </a:extLst>
           </p:cNvPr>
@@ -19783,7 +19849,7 @@
           <p:cNvPr id="3" name="Text Placeholder 2">
             <a:extLst>
               <a:ext uri="{FF2B5EF4-FFF2-40B4-BE49-F238E27FC236}">
-                <a16:creationId xmlns:a16="http://schemas.microsoft.com/office/drawing/2014/main" id="{5E194264-A3F5-42E2-9A63-DCCED0457E1B}"/>
+                <a16:creationId xmlns:a16="http://schemas.microsoft.com/office/drawing/2014/main" xmlns="" id="{5E194264-A3F5-42E2-9A63-DCCED0457E1B}"/>
               </a:ext>
             </a:extLst>
           </p:cNvPr>
@@ -19833,7 +19899,7 @@
           <p:cNvPr id="35" name="Slide Number Placeholder 4">
             <a:extLst>
               <a:ext uri="{FF2B5EF4-FFF2-40B4-BE49-F238E27FC236}">
-                <a16:creationId xmlns:a16="http://schemas.microsoft.com/office/drawing/2014/main" id="{6F73F836-940E-4B65-A29C-D0869263C935}"/>
+                <a16:creationId xmlns:a16="http://schemas.microsoft.com/office/drawing/2014/main" xmlns="" id="{6F73F836-940E-4B65-A29C-D0869263C935}"/>
               </a:ext>
             </a:extLst>
           </p:cNvPr>
@@ -19866,7 +19932,7 @@
             <a:fld id="{C263D6C4-4840-40CC-AC84-17E24B3B7BDE}" type="slidenum">
               <a:rPr lang="en-US" noProof="0" smtClean="0"/>
               <a:pPr/>
-              <a:t>‹#›</a:t>
+              <a:t>‹Nr.›</a:t>
             </a:fld>
             <a:endParaRPr lang="en-US" noProof="0" dirty="0"/>
           </a:p>
@@ -19907,7 +19973,7 @@
           <p:cNvPr id="22" name="Rectangle 21">
             <a:extLst>
               <a:ext uri="{FF2B5EF4-FFF2-40B4-BE49-F238E27FC236}">
-                <a16:creationId xmlns:a16="http://schemas.microsoft.com/office/drawing/2014/main" id="{2CDBB6E5-B91E-4946-9390-E8693855103A}"/>
+                <a16:creationId xmlns:a16="http://schemas.microsoft.com/office/drawing/2014/main" xmlns="" id="{2CDBB6E5-B91E-4946-9390-E8693855103A}"/>
               </a:ext>
             </a:extLst>
           </p:cNvPr>
@@ -19961,7 +20027,7 @@
           <p:cNvPr id="34" name="Freeform: Shape 33">
             <a:extLst>
               <a:ext uri="{FF2B5EF4-FFF2-40B4-BE49-F238E27FC236}">
-                <a16:creationId xmlns:a16="http://schemas.microsoft.com/office/drawing/2014/main" id="{0C3CC1C9-1FA0-4FE4-8984-4A8B3728D674}"/>
+                <a16:creationId xmlns:a16="http://schemas.microsoft.com/office/drawing/2014/main" xmlns="" id="{0C3CC1C9-1FA0-4FE4-8984-4A8B3728D674}"/>
               </a:ext>
             </a:extLst>
           </p:cNvPr>
@@ -20106,7 +20172,7 @@
           <p:cNvPr id="24" name="Freeform: Shape 23">
             <a:extLst>
               <a:ext uri="{FF2B5EF4-FFF2-40B4-BE49-F238E27FC236}">
-                <a16:creationId xmlns:a16="http://schemas.microsoft.com/office/drawing/2014/main" id="{8E049265-431E-48DE-B7F7-4959930171DC}"/>
+                <a16:creationId xmlns:a16="http://schemas.microsoft.com/office/drawing/2014/main" xmlns="" id="{8E049265-431E-48DE-B7F7-4959930171DC}"/>
               </a:ext>
             </a:extLst>
           </p:cNvPr>
@@ -20246,7 +20312,7 @@
           <p:cNvPr id="25" name="Freeform: Shape 24">
             <a:extLst>
               <a:ext uri="{FF2B5EF4-FFF2-40B4-BE49-F238E27FC236}">
-                <a16:creationId xmlns:a16="http://schemas.microsoft.com/office/drawing/2014/main" id="{173E5F2D-1F8E-4DCC-857F-932C6C6539BB}"/>
+                <a16:creationId xmlns:a16="http://schemas.microsoft.com/office/drawing/2014/main" xmlns="" id="{173E5F2D-1F8E-4DCC-857F-932C6C6539BB}"/>
               </a:ext>
             </a:extLst>
           </p:cNvPr>
@@ -20392,7 +20458,7 @@
           <p:cNvPr id="4" name="Oval 3">
             <a:extLst>
               <a:ext uri="{FF2B5EF4-FFF2-40B4-BE49-F238E27FC236}">
-                <a16:creationId xmlns:a16="http://schemas.microsoft.com/office/drawing/2014/main" id="{ECB4C115-EFF9-405C-98BE-F4077B9730D0}"/>
+                <a16:creationId xmlns:a16="http://schemas.microsoft.com/office/drawing/2014/main" xmlns="" id="{ECB4C115-EFF9-405C-98BE-F4077B9730D0}"/>
               </a:ext>
             </a:extLst>
           </p:cNvPr>
@@ -20450,7 +20516,7 @@
           <p:cNvPr id="18" name="Title 1">
             <a:extLst>
               <a:ext uri="{FF2B5EF4-FFF2-40B4-BE49-F238E27FC236}">
-                <a16:creationId xmlns:a16="http://schemas.microsoft.com/office/drawing/2014/main" id="{C9A300DD-BB54-44ED-A7E4-01CD41EC930F}"/>
+                <a16:creationId xmlns:a16="http://schemas.microsoft.com/office/drawing/2014/main" xmlns="" id="{C9A300DD-BB54-44ED-A7E4-01CD41EC930F}"/>
               </a:ext>
             </a:extLst>
           </p:cNvPr>
@@ -20513,7 +20579,7 @@
           <p:cNvPr id="2" name="Title 1">
             <a:extLst>
               <a:ext uri="{FF2B5EF4-FFF2-40B4-BE49-F238E27FC236}">
-                <a16:creationId xmlns:a16="http://schemas.microsoft.com/office/drawing/2014/main" id="{42374B20-3E42-44AF-BEF1-8AB33067395C}"/>
+                <a16:creationId xmlns:a16="http://schemas.microsoft.com/office/drawing/2014/main" xmlns="" id="{42374B20-3E42-44AF-BEF1-8AB33067395C}"/>
               </a:ext>
             </a:extLst>
           </p:cNvPr>
@@ -20561,7 +20627,7 @@
           <p:cNvPr id="19" name="Slide Number Placeholder 4">
             <a:extLst>
               <a:ext uri="{FF2B5EF4-FFF2-40B4-BE49-F238E27FC236}">
-                <a16:creationId xmlns:a16="http://schemas.microsoft.com/office/drawing/2014/main" id="{A4E6C1FF-5925-42B3-B7F9-0A0031BDAD30}"/>
+                <a16:creationId xmlns:a16="http://schemas.microsoft.com/office/drawing/2014/main" xmlns="" id="{A4E6C1FF-5925-42B3-B7F9-0A0031BDAD30}"/>
               </a:ext>
             </a:extLst>
           </p:cNvPr>
@@ -20594,7 +20660,7 @@
             <a:fld id="{C263D6C4-4840-40CC-AC84-17E24B3B7BDE}" type="slidenum">
               <a:rPr lang="en-US" noProof="0" smtClean="0"/>
               <a:pPr/>
-              <a:t>‹#›</a:t>
+              <a:t>‹Nr.›</a:t>
             </a:fld>
             <a:endParaRPr lang="en-US" noProof="0" dirty="0"/>
           </a:p>
@@ -20643,7 +20709,7 @@
           <p:cNvPr id="11" name="Rectangle 10">
             <a:extLst>
               <a:ext uri="{FF2B5EF4-FFF2-40B4-BE49-F238E27FC236}">
-                <a16:creationId xmlns:a16="http://schemas.microsoft.com/office/drawing/2014/main" id="{EB3E033F-4449-40FA-BC85-BD2712D313DD}"/>
+                <a16:creationId xmlns:a16="http://schemas.microsoft.com/office/drawing/2014/main" xmlns="" id="{EB3E033F-4449-40FA-BC85-BD2712D313DD}"/>
               </a:ext>
             </a:extLst>
           </p:cNvPr>
@@ -20697,7 +20763,7 @@
           <p:cNvPr id="10" name="Freeform: Shape 9">
             <a:extLst>
               <a:ext uri="{FF2B5EF4-FFF2-40B4-BE49-F238E27FC236}">
-                <a16:creationId xmlns:a16="http://schemas.microsoft.com/office/drawing/2014/main" id="{63D26743-0505-444C-80B3-E88EE87DF72B}"/>
+                <a16:creationId xmlns:a16="http://schemas.microsoft.com/office/drawing/2014/main" xmlns="" id="{63D26743-0505-444C-80B3-E88EE87DF72B}"/>
               </a:ext>
             </a:extLst>
           </p:cNvPr>
@@ -20820,7 +20886,7 @@
           <p:cNvPr id="8" name="Freeform: Shape 7">
             <a:extLst>
               <a:ext uri="{FF2B5EF4-FFF2-40B4-BE49-F238E27FC236}">
-                <a16:creationId xmlns:a16="http://schemas.microsoft.com/office/drawing/2014/main" id="{1599AF7E-3E34-4597-AA72-9373A7FDB020}"/>
+                <a16:creationId xmlns:a16="http://schemas.microsoft.com/office/drawing/2014/main" xmlns="" id="{1599AF7E-3E34-4597-AA72-9373A7FDB020}"/>
               </a:ext>
             </a:extLst>
           </p:cNvPr>
@@ -20966,7 +21032,7 @@
           <p:cNvPr id="2" name="Title 1">
             <a:extLst>
               <a:ext uri="{FF2B5EF4-FFF2-40B4-BE49-F238E27FC236}">
-                <a16:creationId xmlns:a16="http://schemas.microsoft.com/office/drawing/2014/main" id="{4A2DF563-7FAC-46B3-B24C-7E45CD89DA2B}"/>
+                <a16:creationId xmlns:a16="http://schemas.microsoft.com/office/drawing/2014/main" xmlns="" id="{4A2DF563-7FAC-46B3-B24C-7E45CD89DA2B}"/>
               </a:ext>
             </a:extLst>
           </p:cNvPr>
@@ -21011,7 +21077,7 @@
           <p:cNvPr id="5" name="Slide Number Placeholder 4">
             <a:extLst>
               <a:ext uri="{FF2B5EF4-FFF2-40B4-BE49-F238E27FC236}">
-                <a16:creationId xmlns:a16="http://schemas.microsoft.com/office/drawing/2014/main" id="{87B51822-97FF-47A7-8E4E-A0F79B4EB237}"/>
+                <a16:creationId xmlns:a16="http://schemas.microsoft.com/office/drawing/2014/main" xmlns="" id="{87B51822-97FF-47A7-8E4E-A0F79B4EB237}"/>
               </a:ext>
             </a:extLst>
           </p:cNvPr>
@@ -21044,7 +21110,7 @@
             <a:fld id="{C263D6C4-4840-40CC-AC84-17E24B3B7BDE}" type="slidenum">
               <a:rPr lang="en-US" noProof="0" smtClean="0"/>
               <a:pPr/>
-              <a:t>‹#›</a:t>
+              <a:t>‹Nr.›</a:t>
             </a:fld>
             <a:endParaRPr lang="en-US" noProof="0" dirty="0"/>
           </a:p>
@@ -21055,7 +21121,7 @@
           <p:cNvPr id="15" name="Group 14">
             <a:extLst>
               <a:ext uri="{FF2B5EF4-FFF2-40B4-BE49-F238E27FC236}">
-                <a16:creationId xmlns:a16="http://schemas.microsoft.com/office/drawing/2014/main" id="{7732E1E7-45E3-4264-8F26-66758696DD1E}"/>
+                <a16:creationId xmlns:a16="http://schemas.microsoft.com/office/drawing/2014/main" xmlns="" id="{7732E1E7-45E3-4264-8F26-66758696DD1E}"/>
               </a:ext>
             </a:extLst>
           </p:cNvPr>
@@ -21075,7 +21141,7 @@
             <p:cNvPr id="16" name="Freeform: Shape 15">
               <a:extLst>
                 <a:ext uri="{FF2B5EF4-FFF2-40B4-BE49-F238E27FC236}">
-                  <a16:creationId xmlns:a16="http://schemas.microsoft.com/office/drawing/2014/main" id="{2E3DF883-8093-49FA-81E1-E5D77F086A25}"/>
+                  <a16:creationId xmlns:a16="http://schemas.microsoft.com/office/drawing/2014/main" xmlns="" id="{2E3DF883-8093-49FA-81E1-E5D77F086A25}"/>
                 </a:ext>
               </a:extLst>
             </p:cNvPr>
@@ -21165,7 +21231,7 @@
             <p:cNvPr id="17" name="Freeform: Shape 16">
               <a:extLst>
                 <a:ext uri="{FF2B5EF4-FFF2-40B4-BE49-F238E27FC236}">
-                  <a16:creationId xmlns:a16="http://schemas.microsoft.com/office/drawing/2014/main" id="{18944C90-37E5-4BBE-89FF-060627168050}"/>
+                  <a16:creationId xmlns:a16="http://schemas.microsoft.com/office/drawing/2014/main" xmlns="" id="{18944C90-37E5-4BBE-89FF-060627168050}"/>
                 </a:ext>
               </a:extLst>
             </p:cNvPr>
@@ -21264,7 +21330,7 @@
           <p:cNvPr id="23" name="Text Placeholder 22">
             <a:extLst>
               <a:ext uri="{FF2B5EF4-FFF2-40B4-BE49-F238E27FC236}">
-                <a16:creationId xmlns:a16="http://schemas.microsoft.com/office/drawing/2014/main" id="{03618670-D1E4-466C-BDB5-FC890AC31457}"/>
+                <a16:creationId xmlns:a16="http://schemas.microsoft.com/office/drawing/2014/main" xmlns="" id="{03618670-D1E4-466C-BDB5-FC890AC31457}"/>
               </a:ext>
             </a:extLst>
           </p:cNvPr>
@@ -21425,7 +21491,7 @@
           <p:cNvPr id="11" name="Rectangle 10">
             <a:extLst>
               <a:ext uri="{FF2B5EF4-FFF2-40B4-BE49-F238E27FC236}">
-                <a16:creationId xmlns:a16="http://schemas.microsoft.com/office/drawing/2014/main" id="{EB3E033F-4449-40FA-BC85-BD2712D313DD}"/>
+                <a16:creationId xmlns:a16="http://schemas.microsoft.com/office/drawing/2014/main" xmlns="" id="{EB3E033F-4449-40FA-BC85-BD2712D313DD}"/>
               </a:ext>
             </a:extLst>
           </p:cNvPr>
@@ -21479,7 +21545,7 @@
           <p:cNvPr id="10" name="Freeform: Shape 9">
             <a:extLst>
               <a:ext uri="{FF2B5EF4-FFF2-40B4-BE49-F238E27FC236}">
-                <a16:creationId xmlns:a16="http://schemas.microsoft.com/office/drawing/2014/main" id="{63D26743-0505-444C-80B3-E88EE87DF72B}"/>
+                <a16:creationId xmlns:a16="http://schemas.microsoft.com/office/drawing/2014/main" xmlns="" id="{63D26743-0505-444C-80B3-E88EE87DF72B}"/>
               </a:ext>
             </a:extLst>
           </p:cNvPr>
@@ -21602,7 +21668,7 @@
           <p:cNvPr id="18" name="Freeform: Shape 17">
             <a:extLst>
               <a:ext uri="{FF2B5EF4-FFF2-40B4-BE49-F238E27FC236}">
-                <a16:creationId xmlns:a16="http://schemas.microsoft.com/office/drawing/2014/main" id="{E37145E9-AC61-47D5-9288-8789940F81B6}"/>
+                <a16:creationId xmlns:a16="http://schemas.microsoft.com/office/drawing/2014/main" xmlns="" id="{E37145E9-AC61-47D5-9288-8789940F81B6}"/>
               </a:ext>
             </a:extLst>
           </p:cNvPr>
@@ -21754,7 +21820,7 @@
           <p:cNvPr id="12" name="Freeform: Shape 11">
             <a:extLst>
               <a:ext uri="{FF2B5EF4-FFF2-40B4-BE49-F238E27FC236}">
-                <a16:creationId xmlns:a16="http://schemas.microsoft.com/office/drawing/2014/main" id="{A5E2B3ED-9A49-40A7-B8A3-62595FE513F9}"/>
+                <a16:creationId xmlns:a16="http://schemas.microsoft.com/office/drawing/2014/main" xmlns="" id="{A5E2B3ED-9A49-40A7-B8A3-62595FE513F9}"/>
               </a:ext>
             </a:extLst>
           </p:cNvPr>
@@ -21904,7 +21970,7 @@
           <p:cNvPr id="8" name="Freeform: Shape 7">
             <a:extLst>
               <a:ext uri="{FF2B5EF4-FFF2-40B4-BE49-F238E27FC236}">
-                <a16:creationId xmlns:a16="http://schemas.microsoft.com/office/drawing/2014/main" id="{1599AF7E-3E34-4597-AA72-9373A7FDB020}"/>
+                <a16:creationId xmlns:a16="http://schemas.microsoft.com/office/drawing/2014/main" xmlns="" id="{1599AF7E-3E34-4597-AA72-9373A7FDB020}"/>
               </a:ext>
             </a:extLst>
           </p:cNvPr>
@@ -22050,7 +22116,7 @@
           <p:cNvPr id="2" name="Title 1">
             <a:extLst>
               <a:ext uri="{FF2B5EF4-FFF2-40B4-BE49-F238E27FC236}">
-                <a16:creationId xmlns:a16="http://schemas.microsoft.com/office/drawing/2014/main" id="{4A2DF563-7FAC-46B3-B24C-7E45CD89DA2B}"/>
+                <a16:creationId xmlns:a16="http://schemas.microsoft.com/office/drawing/2014/main" xmlns="" id="{4A2DF563-7FAC-46B3-B24C-7E45CD89DA2B}"/>
               </a:ext>
             </a:extLst>
           </p:cNvPr>
@@ -22095,7 +22161,7 @@
           <p:cNvPr id="15" name="Group 14">
             <a:extLst>
               <a:ext uri="{FF2B5EF4-FFF2-40B4-BE49-F238E27FC236}">
-                <a16:creationId xmlns:a16="http://schemas.microsoft.com/office/drawing/2014/main" id="{7732E1E7-45E3-4264-8F26-66758696DD1E}"/>
+                <a16:creationId xmlns:a16="http://schemas.microsoft.com/office/drawing/2014/main" xmlns="" id="{7732E1E7-45E3-4264-8F26-66758696DD1E}"/>
               </a:ext>
             </a:extLst>
           </p:cNvPr>
@@ -22115,7 +22181,7 @@
             <p:cNvPr id="16" name="Freeform: Shape 15">
               <a:extLst>
                 <a:ext uri="{FF2B5EF4-FFF2-40B4-BE49-F238E27FC236}">
-                  <a16:creationId xmlns:a16="http://schemas.microsoft.com/office/drawing/2014/main" id="{2E3DF883-8093-49FA-81E1-E5D77F086A25}"/>
+                  <a16:creationId xmlns:a16="http://schemas.microsoft.com/office/drawing/2014/main" xmlns="" id="{2E3DF883-8093-49FA-81E1-E5D77F086A25}"/>
                 </a:ext>
               </a:extLst>
             </p:cNvPr>
@@ -22205,7 +22271,7 @@
             <p:cNvPr id="17" name="Freeform: Shape 16">
               <a:extLst>
                 <a:ext uri="{FF2B5EF4-FFF2-40B4-BE49-F238E27FC236}">
-                  <a16:creationId xmlns:a16="http://schemas.microsoft.com/office/drawing/2014/main" id="{18944C90-37E5-4BBE-89FF-060627168050}"/>
+                  <a16:creationId xmlns:a16="http://schemas.microsoft.com/office/drawing/2014/main" xmlns="" id="{18944C90-37E5-4BBE-89FF-060627168050}"/>
                 </a:ext>
               </a:extLst>
             </p:cNvPr>
@@ -22304,7 +22370,7 @@
           <p:cNvPr id="6" name="Group 5">
             <a:extLst>
               <a:ext uri="{FF2B5EF4-FFF2-40B4-BE49-F238E27FC236}">
-                <a16:creationId xmlns:a16="http://schemas.microsoft.com/office/drawing/2014/main" id="{D9EBF8BB-A805-4DDB-B459-082F99815B95}"/>
+                <a16:creationId xmlns:a16="http://schemas.microsoft.com/office/drawing/2014/main" xmlns="" id="{D9EBF8BB-A805-4DDB-B459-082F99815B95}"/>
               </a:ext>
             </a:extLst>
           </p:cNvPr>
@@ -22324,7 +22390,7 @@
             <p:cNvPr id="19" name="Rectangle: Single Corner Snipped 18">
               <a:extLst>
                 <a:ext uri="{FF2B5EF4-FFF2-40B4-BE49-F238E27FC236}">
-                  <a16:creationId xmlns:a16="http://schemas.microsoft.com/office/drawing/2014/main" id="{5D638788-DD47-45E7-939A-FA108A818173}"/>
+                  <a16:creationId xmlns:a16="http://schemas.microsoft.com/office/drawing/2014/main" xmlns="" id="{5D638788-DD47-45E7-939A-FA108A818173}"/>
                 </a:ext>
               </a:extLst>
             </p:cNvPr>
@@ -22390,7 +22456,7 @@
             <p:cNvPr id="3" name="Rectangle: Single Corner Snipped 2">
               <a:extLst>
                 <a:ext uri="{FF2B5EF4-FFF2-40B4-BE49-F238E27FC236}">
-                  <a16:creationId xmlns:a16="http://schemas.microsoft.com/office/drawing/2014/main" id="{74BDECEF-EEFE-4332-B3B2-BDE4F82C10FC}"/>
+                  <a16:creationId xmlns:a16="http://schemas.microsoft.com/office/drawing/2014/main" xmlns="" id="{74BDECEF-EEFE-4332-B3B2-BDE4F82C10FC}"/>
                 </a:ext>
               </a:extLst>
             </p:cNvPr>
@@ -22447,7 +22513,7 @@
           <p:cNvPr id="24" name="Freeform: Shape 23">
             <a:extLst>
               <a:ext uri="{FF2B5EF4-FFF2-40B4-BE49-F238E27FC236}">
-                <a16:creationId xmlns:a16="http://schemas.microsoft.com/office/drawing/2014/main" id="{18103E00-7E4A-44CD-81AC-06433CAE1110}"/>
+                <a16:creationId xmlns:a16="http://schemas.microsoft.com/office/drawing/2014/main" xmlns="" id="{18103E00-7E4A-44CD-81AC-06433CAE1110}"/>
               </a:ext>
             </a:extLst>
           </p:cNvPr>
@@ -22542,7 +22608,7 @@
           <p:cNvPr id="5" name="Slide Number Placeholder 4">
             <a:extLst>
               <a:ext uri="{FF2B5EF4-FFF2-40B4-BE49-F238E27FC236}">
-                <a16:creationId xmlns:a16="http://schemas.microsoft.com/office/drawing/2014/main" id="{87B51822-97FF-47A7-8E4E-A0F79B4EB237}"/>
+                <a16:creationId xmlns:a16="http://schemas.microsoft.com/office/drawing/2014/main" xmlns="" id="{87B51822-97FF-47A7-8E4E-A0F79B4EB237}"/>
               </a:ext>
             </a:extLst>
           </p:cNvPr>
@@ -22575,7 +22641,7 @@
             <a:fld id="{C263D6C4-4840-40CC-AC84-17E24B3B7BDE}" type="slidenum">
               <a:rPr lang="en-US" noProof="0" smtClean="0"/>
               <a:pPr/>
-              <a:t>‹#›</a:t>
+              <a:t>‹Nr.›</a:t>
             </a:fld>
             <a:endParaRPr lang="en-US" noProof="0" dirty="0"/>
           </a:p>
@@ -22624,7 +22690,7 @@
           <p:cNvPr id="11" name="Rectangle 10">
             <a:extLst>
               <a:ext uri="{FF2B5EF4-FFF2-40B4-BE49-F238E27FC236}">
-                <a16:creationId xmlns:a16="http://schemas.microsoft.com/office/drawing/2014/main" id="{EB3E033F-4449-40FA-BC85-BD2712D313DD}"/>
+                <a16:creationId xmlns:a16="http://schemas.microsoft.com/office/drawing/2014/main" xmlns="" id="{EB3E033F-4449-40FA-BC85-BD2712D313DD}"/>
               </a:ext>
             </a:extLst>
           </p:cNvPr>
@@ -22678,7 +22744,7 @@
           <p:cNvPr id="10" name="Freeform: Shape 9">
             <a:extLst>
               <a:ext uri="{FF2B5EF4-FFF2-40B4-BE49-F238E27FC236}">
-                <a16:creationId xmlns:a16="http://schemas.microsoft.com/office/drawing/2014/main" id="{63D26743-0505-444C-80B3-E88EE87DF72B}"/>
+                <a16:creationId xmlns:a16="http://schemas.microsoft.com/office/drawing/2014/main" xmlns="" id="{63D26743-0505-444C-80B3-E88EE87DF72B}"/>
               </a:ext>
             </a:extLst>
           </p:cNvPr>
@@ -22801,7 +22867,7 @@
           <p:cNvPr id="18" name="Freeform: Shape 17">
             <a:extLst>
               <a:ext uri="{FF2B5EF4-FFF2-40B4-BE49-F238E27FC236}">
-                <a16:creationId xmlns:a16="http://schemas.microsoft.com/office/drawing/2014/main" id="{E37145E9-AC61-47D5-9288-8789940F81B6}"/>
+                <a16:creationId xmlns:a16="http://schemas.microsoft.com/office/drawing/2014/main" xmlns="" id="{E37145E9-AC61-47D5-9288-8789940F81B6}"/>
               </a:ext>
             </a:extLst>
           </p:cNvPr>
@@ -22953,7 +23019,7 @@
           <p:cNvPr id="12" name="Freeform: Shape 11">
             <a:extLst>
               <a:ext uri="{FF2B5EF4-FFF2-40B4-BE49-F238E27FC236}">
-                <a16:creationId xmlns:a16="http://schemas.microsoft.com/office/drawing/2014/main" id="{A5E2B3ED-9A49-40A7-B8A3-62595FE513F9}"/>
+                <a16:creationId xmlns:a16="http://schemas.microsoft.com/office/drawing/2014/main" xmlns="" id="{A5E2B3ED-9A49-40A7-B8A3-62595FE513F9}"/>
               </a:ext>
             </a:extLst>
           </p:cNvPr>
@@ -23103,7 +23169,7 @@
           <p:cNvPr id="8" name="Freeform: Shape 7">
             <a:extLst>
               <a:ext uri="{FF2B5EF4-FFF2-40B4-BE49-F238E27FC236}">
-                <a16:creationId xmlns:a16="http://schemas.microsoft.com/office/drawing/2014/main" id="{1599AF7E-3E34-4597-AA72-9373A7FDB020}"/>
+                <a16:creationId xmlns:a16="http://schemas.microsoft.com/office/drawing/2014/main" xmlns="" id="{1599AF7E-3E34-4597-AA72-9373A7FDB020}"/>
               </a:ext>
             </a:extLst>
           </p:cNvPr>
@@ -23249,7 +23315,7 @@
           <p:cNvPr id="2" name="Title 1">
             <a:extLst>
               <a:ext uri="{FF2B5EF4-FFF2-40B4-BE49-F238E27FC236}">
-                <a16:creationId xmlns:a16="http://schemas.microsoft.com/office/drawing/2014/main" id="{4A2DF563-7FAC-46B3-B24C-7E45CD89DA2B}"/>
+                <a16:creationId xmlns:a16="http://schemas.microsoft.com/office/drawing/2014/main" xmlns="" id="{4A2DF563-7FAC-46B3-B24C-7E45CD89DA2B}"/>
               </a:ext>
             </a:extLst>
           </p:cNvPr>
@@ -23294,7 +23360,7 @@
           <p:cNvPr id="15" name="Group 14">
             <a:extLst>
               <a:ext uri="{FF2B5EF4-FFF2-40B4-BE49-F238E27FC236}">
-                <a16:creationId xmlns:a16="http://schemas.microsoft.com/office/drawing/2014/main" id="{7732E1E7-45E3-4264-8F26-66758696DD1E}"/>
+                <a16:creationId xmlns:a16="http://schemas.microsoft.com/office/drawing/2014/main" xmlns="" id="{7732E1E7-45E3-4264-8F26-66758696DD1E}"/>
               </a:ext>
             </a:extLst>
           </p:cNvPr>
@@ -23314,7 +23380,7 @@
             <p:cNvPr id="16" name="Freeform: Shape 15">
               <a:extLst>
                 <a:ext uri="{FF2B5EF4-FFF2-40B4-BE49-F238E27FC236}">
-                  <a16:creationId xmlns:a16="http://schemas.microsoft.com/office/drawing/2014/main" id="{2E3DF883-8093-49FA-81E1-E5D77F086A25}"/>
+                  <a16:creationId xmlns:a16="http://schemas.microsoft.com/office/drawing/2014/main" xmlns="" id="{2E3DF883-8093-49FA-81E1-E5D77F086A25}"/>
                 </a:ext>
               </a:extLst>
             </p:cNvPr>
@@ -23404,7 +23470,7 @@
             <p:cNvPr id="17" name="Freeform: Shape 16">
               <a:extLst>
                 <a:ext uri="{FF2B5EF4-FFF2-40B4-BE49-F238E27FC236}">
-                  <a16:creationId xmlns:a16="http://schemas.microsoft.com/office/drawing/2014/main" id="{18944C90-37E5-4BBE-89FF-060627168050}"/>
+                  <a16:creationId xmlns:a16="http://schemas.microsoft.com/office/drawing/2014/main" xmlns="" id="{18944C90-37E5-4BBE-89FF-060627168050}"/>
                 </a:ext>
               </a:extLst>
             </p:cNvPr>
@@ -23503,7 +23569,7 @@
           <p:cNvPr id="6" name="Group 5">
             <a:extLst>
               <a:ext uri="{FF2B5EF4-FFF2-40B4-BE49-F238E27FC236}">
-                <a16:creationId xmlns:a16="http://schemas.microsoft.com/office/drawing/2014/main" id="{D9EBF8BB-A805-4DDB-B459-082F99815B95}"/>
+                <a16:creationId xmlns:a16="http://schemas.microsoft.com/office/drawing/2014/main" xmlns="" id="{D9EBF8BB-A805-4DDB-B459-082F99815B95}"/>
               </a:ext>
             </a:extLst>
           </p:cNvPr>
@@ -23523,7 +23589,7 @@
             <p:cNvPr id="19" name="Rectangle: Single Corner Snipped 18">
               <a:extLst>
                 <a:ext uri="{FF2B5EF4-FFF2-40B4-BE49-F238E27FC236}">
-                  <a16:creationId xmlns:a16="http://schemas.microsoft.com/office/drawing/2014/main" id="{5D638788-DD47-45E7-939A-FA108A818173}"/>
+                  <a16:creationId xmlns:a16="http://schemas.microsoft.com/office/drawing/2014/main" xmlns="" id="{5D638788-DD47-45E7-939A-FA108A818173}"/>
                 </a:ext>
               </a:extLst>
             </p:cNvPr>
@@ -23589,7 +23655,7 @@
             <p:cNvPr id="3" name="Rectangle: Single Corner Snipped 2">
               <a:extLst>
                 <a:ext uri="{FF2B5EF4-FFF2-40B4-BE49-F238E27FC236}">
-                  <a16:creationId xmlns:a16="http://schemas.microsoft.com/office/drawing/2014/main" id="{74BDECEF-EEFE-4332-B3B2-BDE4F82C10FC}"/>
+                  <a16:creationId xmlns:a16="http://schemas.microsoft.com/office/drawing/2014/main" xmlns="" id="{74BDECEF-EEFE-4332-B3B2-BDE4F82C10FC}"/>
                 </a:ext>
               </a:extLst>
             </p:cNvPr>
@@ -23646,7 +23712,7 @@
           <p:cNvPr id="24" name="Freeform: Shape 23">
             <a:extLst>
               <a:ext uri="{FF2B5EF4-FFF2-40B4-BE49-F238E27FC236}">
-                <a16:creationId xmlns:a16="http://schemas.microsoft.com/office/drawing/2014/main" id="{18103E00-7E4A-44CD-81AC-06433CAE1110}"/>
+                <a16:creationId xmlns:a16="http://schemas.microsoft.com/office/drawing/2014/main" xmlns="" id="{18103E00-7E4A-44CD-81AC-06433CAE1110}"/>
               </a:ext>
             </a:extLst>
           </p:cNvPr>
@@ -23741,7 +23807,7 @@
           <p:cNvPr id="5" name="Slide Number Placeholder 4">
             <a:extLst>
               <a:ext uri="{FF2B5EF4-FFF2-40B4-BE49-F238E27FC236}">
-                <a16:creationId xmlns:a16="http://schemas.microsoft.com/office/drawing/2014/main" id="{87B51822-97FF-47A7-8E4E-A0F79B4EB237}"/>
+                <a16:creationId xmlns:a16="http://schemas.microsoft.com/office/drawing/2014/main" xmlns="" id="{87B51822-97FF-47A7-8E4E-A0F79B4EB237}"/>
               </a:ext>
             </a:extLst>
           </p:cNvPr>
@@ -23774,7 +23840,7 @@
             <a:fld id="{C263D6C4-4840-40CC-AC84-17E24B3B7BDE}" type="slidenum">
               <a:rPr lang="en-US" noProof="0" smtClean="0"/>
               <a:pPr/>
-              <a:t>‹#›</a:t>
+              <a:t>‹Nr.›</a:t>
             </a:fld>
             <a:endParaRPr lang="en-US" noProof="0" dirty="0"/>
           </a:p>
@@ -23785,7 +23851,7 @@
           <p:cNvPr id="7" name="Text Placeholder 6">
             <a:extLst>
               <a:ext uri="{FF2B5EF4-FFF2-40B4-BE49-F238E27FC236}">
-                <a16:creationId xmlns:a16="http://schemas.microsoft.com/office/drawing/2014/main" id="{7E0C167E-2626-40DB-AACF-D02543E29BB3}"/>
+                <a16:creationId xmlns:a16="http://schemas.microsoft.com/office/drawing/2014/main" xmlns="" id="{7E0C167E-2626-40DB-AACF-D02543E29BB3}"/>
               </a:ext>
             </a:extLst>
           </p:cNvPr>
@@ -23868,7 +23934,7 @@
           <p:cNvPr id="11" name="Rectangle 10">
             <a:extLst>
               <a:ext uri="{FF2B5EF4-FFF2-40B4-BE49-F238E27FC236}">
-                <a16:creationId xmlns:a16="http://schemas.microsoft.com/office/drawing/2014/main" id="{EB3E033F-4449-40FA-BC85-BD2712D313DD}"/>
+                <a16:creationId xmlns:a16="http://schemas.microsoft.com/office/drawing/2014/main" xmlns="" id="{EB3E033F-4449-40FA-BC85-BD2712D313DD}"/>
               </a:ext>
             </a:extLst>
           </p:cNvPr>
@@ -23922,7 +23988,7 @@
           <p:cNvPr id="10" name="Freeform: Shape 9">
             <a:extLst>
               <a:ext uri="{FF2B5EF4-FFF2-40B4-BE49-F238E27FC236}">
-                <a16:creationId xmlns:a16="http://schemas.microsoft.com/office/drawing/2014/main" id="{63D26743-0505-444C-80B3-E88EE87DF72B}"/>
+                <a16:creationId xmlns:a16="http://schemas.microsoft.com/office/drawing/2014/main" xmlns="" id="{63D26743-0505-444C-80B3-E88EE87DF72B}"/>
               </a:ext>
             </a:extLst>
           </p:cNvPr>
@@ -24045,7 +24111,7 @@
           <p:cNvPr id="18" name="Freeform: Shape 17">
             <a:extLst>
               <a:ext uri="{FF2B5EF4-FFF2-40B4-BE49-F238E27FC236}">
-                <a16:creationId xmlns:a16="http://schemas.microsoft.com/office/drawing/2014/main" id="{E37145E9-AC61-47D5-9288-8789940F81B6}"/>
+                <a16:creationId xmlns:a16="http://schemas.microsoft.com/office/drawing/2014/main" xmlns="" id="{E37145E9-AC61-47D5-9288-8789940F81B6}"/>
               </a:ext>
             </a:extLst>
           </p:cNvPr>
@@ -24197,7 +24263,7 @@
           <p:cNvPr id="12" name="Freeform: Shape 11">
             <a:extLst>
               <a:ext uri="{FF2B5EF4-FFF2-40B4-BE49-F238E27FC236}">
-                <a16:creationId xmlns:a16="http://schemas.microsoft.com/office/drawing/2014/main" id="{A5E2B3ED-9A49-40A7-B8A3-62595FE513F9}"/>
+                <a16:creationId xmlns:a16="http://schemas.microsoft.com/office/drawing/2014/main" xmlns="" id="{A5E2B3ED-9A49-40A7-B8A3-62595FE513F9}"/>
               </a:ext>
             </a:extLst>
           </p:cNvPr>
@@ -24347,7 +24413,7 @@
           <p:cNvPr id="8" name="Freeform: Shape 7">
             <a:extLst>
               <a:ext uri="{FF2B5EF4-FFF2-40B4-BE49-F238E27FC236}">
-                <a16:creationId xmlns:a16="http://schemas.microsoft.com/office/drawing/2014/main" id="{1599AF7E-3E34-4597-AA72-9373A7FDB020}"/>
+                <a16:creationId xmlns:a16="http://schemas.microsoft.com/office/drawing/2014/main" xmlns="" id="{1599AF7E-3E34-4597-AA72-9373A7FDB020}"/>
               </a:ext>
             </a:extLst>
           </p:cNvPr>
@@ -24493,7 +24559,7 @@
           <p:cNvPr id="2" name="Title 1">
             <a:extLst>
               <a:ext uri="{FF2B5EF4-FFF2-40B4-BE49-F238E27FC236}">
-                <a16:creationId xmlns:a16="http://schemas.microsoft.com/office/drawing/2014/main" id="{4A2DF563-7FAC-46B3-B24C-7E45CD89DA2B}"/>
+                <a16:creationId xmlns:a16="http://schemas.microsoft.com/office/drawing/2014/main" xmlns="" id="{4A2DF563-7FAC-46B3-B24C-7E45CD89DA2B}"/>
               </a:ext>
             </a:extLst>
           </p:cNvPr>
@@ -24538,7 +24604,7 @@
           <p:cNvPr id="15" name="Group 14">
             <a:extLst>
               <a:ext uri="{FF2B5EF4-FFF2-40B4-BE49-F238E27FC236}">
-                <a16:creationId xmlns:a16="http://schemas.microsoft.com/office/drawing/2014/main" id="{7732E1E7-45E3-4264-8F26-66758696DD1E}"/>
+                <a16:creationId xmlns:a16="http://schemas.microsoft.com/office/drawing/2014/main" xmlns="" id="{7732E1E7-45E3-4264-8F26-66758696DD1E}"/>
               </a:ext>
             </a:extLst>
           </p:cNvPr>
@@ -24558,7 +24624,7 @@
             <p:cNvPr id="16" name="Freeform: Shape 15">
               <a:extLst>
                 <a:ext uri="{FF2B5EF4-FFF2-40B4-BE49-F238E27FC236}">
-                  <a16:creationId xmlns:a16="http://schemas.microsoft.com/office/drawing/2014/main" id="{2E3DF883-8093-49FA-81E1-E5D77F086A25}"/>
+                  <a16:creationId xmlns:a16="http://schemas.microsoft.com/office/drawing/2014/main" xmlns="" id="{2E3DF883-8093-49FA-81E1-E5D77F086A25}"/>
                 </a:ext>
               </a:extLst>
             </p:cNvPr>
@@ -24648,7 +24714,7 @@
             <p:cNvPr id="17" name="Freeform: Shape 16">
               <a:extLst>
                 <a:ext uri="{FF2B5EF4-FFF2-40B4-BE49-F238E27FC236}">
-                  <a16:creationId xmlns:a16="http://schemas.microsoft.com/office/drawing/2014/main" id="{18944C90-37E5-4BBE-89FF-060627168050}"/>
+                  <a16:creationId xmlns:a16="http://schemas.microsoft.com/office/drawing/2014/main" xmlns="" id="{18944C90-37E5-4BBE-89FF-060627168050}"/>
                 </a:ext>
               </a:extLst>
             </p:cNvPr>
@@ -24747,7 +24813,7 @@
           <p:cNvPr id="6" name="Group 5">
             <a:extLst>
               <a:ext uri="{FF2B5EF4-FFF2-40B4-BE49-F238E27FC236}">
-                <a16:creationId xmlns:a16="http://schemas.microsoft.com/office/drawing/2014/main" id="{D9EBF8BB-A805-4DDB-B459-082F99815B95}"/>
+                <a16:creationId xmlns:a16="http://schemas.microsoft.com/office/drawing/2014/main" xmlns="" id="{D9EBF8BB-A805-4DDB-B459-082F99815B95}"/>
               </a:ext>
             </a:extLst>
           </p:cNvPr>
@@ -24767,7 +24833,7 @@
             <p:cNvPr id="19" name="Rectangle: Single Corner Snipped 18">
               <a:extLst>
                 <a:ext uri="{FF2B5EF4-FFF2-40B4-BE49-F238E27FC236}">
-                  <a16:creationId xmlns:a16="http://schemas.microsoft.com/office/drawing/2014/main" id="{5D638788-DD47-45E7-939A-FA108A818173}"/>
+                  <a16:creationId xmlns:a16="http://schemas.microsoft.com/office/drawing/2014/main" xmlns="" id="{5D638788-DD47-45E7-939A-FA108A818173}"/>
                 </a:ext>
               </a:extLst>
             </p:cNvPr>
@@ -24833,7 +24899,7 @@
             <p:cNvPr id="3" name="Rectangle: Single Corner Snipped 2">
               <a:extLst>
                 <a:ext uri="{FF2B5EF4-FFF2-40B4-BE49-F238E27FC236}">
-                  <a16:creationId xmlns:a16="http://schemas.microsoft.com/office/drawing/2014/main" id="{74BDECEF-EEFE-4332-B3B2-BDE4F82C10FC}"/>
+                  <a16:creationId xmlns:a16="http://schemas.microsoft.com/office/drawing/2014/main" xmlns="" id="{74BDECEF-EEFE-4332-B3B2-BDE4F82C10FC}"/>
                 </a:ext>
               </a:extLst>
             </p:cNvPr>
@@ -24890,7 +24956,7 @@
           <p:cNvPr id="24" name="Freeform: Shape 23">
             <a:extLst>
               <a:ext uri="{FF2B5EF4-FFF2-40B4-BE49-F238E27FC236}">
-                <a16:creationId xmlns:a16="http://schemas.microsoft.com/office/drawing/2014/main" id="{18103E00-7E4A-44CD-81AC-06433CAE1110}"/>
+                <a16:creationId xmlns:a16="http://schemas.microsoft.com/office/drawing/2014/main" xmlns="" id="{18103E00-7E4A-44CD-81AC-06433CAE1110}"/>
               </a:ext>
             </a:extLst>
           </p:cNvPr>
@@ -24985,7 +25051,7 @@
           <p:cNvPr id="5" name="Slide Number Placeholder 4">
             <a:extLst>
               <a:ext uri="{FF2B5EF4-FFF2-40B4-BE49-F238E27FC236}">
-                <a16:creationId xmlns:a16="http://schemas.microsoft.com/office/drawing/2014/main" id="{87B51822-97FF-47A7-8E4E-A0F79B4EB237}"/>
+                <a16:creationId xmlns:a16="http://schemas.microsoft.com/office/drawing/2014/main" xmlns="" id="{87B51822-97FF-47A7-8E4E-A0F79B4EB237}"/>
               </a:ext>
             </a:extLst>
           </p:cNvPr>
@@ -25018,7 +25084,7 @@
             <a:fld id="{C263D6C4-4840-40CC-AC84-17E24B3B7BDE}" type="slidenum">
               <a:rPr lang="en-US" noProof="0" smtClean="0"/>
               <a:pPr/>
-              <a:t>‹#›</a:t>
+              <a:t>‹Nr.›</a:t>
             </a:fld>
             <a:endParaRPr lang="en-US" noProof="0" dirty="0"/>
           </a:p>
@@ -25029,7 +25095,7 @@
           <p:cNvPr id="20" name="Content Placeholder 2">
             <a:extLst>
               <a:ext uri="{FF2B5EF4-FFF2-40B4-BE49-F238E27FC236}">
-                <a16:creationId xmlns:a16="http://schemas.microsoft.com/office/drawing/2014/main" id="{0103A49C-32FF-49E6-86F3-FC2E19517BD5}"/>
+                <a16:creationId xmlns:a16="http://schemas.microsoft.com/office/drawing/2014/main" xmlns="" id="{0103A49C-32FF-49E6-86F3-FC2E19517BD5}"/>
               </a:ext>
             </a:extLst>
           </p:cNvPr>
@@ -25165,7 +25231,7 @@
           <p:cNvPr id="11" name="Rectangle 10">
             <a:extLst>
               <a:ext uri="{FF2B5EF4-FFF2-40B4-BE49-F238E27FC236}">
-                <a16:creationId xmlns:a16="http://schemas.microsoft.com/office/drawing/2014/main" id="{EB3E033F-4449-40FA-BC85-BD2712D313DD}"/>
+                <a16:creationId xmlns:a16="http://schemas.microsoft.com/office/drawing/2014/main" xmlns="" id="{EB3E033F-4449-40FA-BC85-BD2712D313DD}"/>
               </a:ext>
             </a:extLst>
           </p:cNvPr>
@@ -25219,7 +25285,7 @@
           <p:cNvPr id="10" name="Freeform: Shape 9">
             <a:extLst>
               <a:ext uri="{FF2B5EF4-FFF2-40B4-BE49-F238E27FC236}">
-                <a16:creationId xmlns:a16="http://schemas.microsoft.com/office/drawing/2014/main" id="{63D26743-0505-444C-80B3-E88EE87DF72B}"/>
+                <a16:creationId xmlns:a16="http://schemas.microsoft.com/office/drawing/2014/main" xmlns="" id="{63D26743-0505-444C-80B3-E88EE87DF72B}"/>
               </a:ext>
             </a:extLst>
           </p:cNvPr>
@@ -25342,7 +25408,7 @@
           <p:cNvPr id="18" name="Freeform: Shape 17">
             <a:extLst>
               <a:ext uri="{FF2B5EF4-FFF2-40B4-BE49-F238E27FC236}">
-                <a16:creationId xmlns:a16="http://schemas.microsoft.com/office/drawing/2014/main" id="{E37145E9-AC61-47D5-9288-8789940F81B6}"/>
+                <a16:creationId xmlns:a16="http://schemas.microsoft.com/office/drawing/2014/main" xmlns="" id="{E37145E9-AC61-47D5-9288-8789940F81B6}"/>
               </a:ext>
             </a:extLst>
           </p:cNvPr>
@@ -25494,7 +25560,7 @@
           <p:cNvPr id="12" name="Freeform: Shape 11">
             <a:extLst>
               <a:ext uri="{FF2B5EF4-FFF2-40B4-BE49-F238E27FC236}">
-                <a16:creationId xmlns:a16="http://schemas.microsoft.com/office/drawing/2014/main" id="{A5E2B3ED-9A49-40A7-B8A3-62595FE513F9}"/>
+                <a16:creationId xmlns:a16="http://schemas.microsoft.com/office/drawing/2014/main" xmlns="" id="{A5E2B3ED-9A49-40A7-B8A3-62595FE513F9}"/>
               </a:ext>
             </a:extLst>
           </p:cNvPr>
@@ -25644,7 +25710,7 @@
           <p:cNvPr id="8" name="Freeform: Shape 7">
             <a:extLst>
               <a:ext uri="{FF2B5EF4-FFF2-40B4-BE49-F238E27FC236}">
-                <a16:creationId xmlns:a16="http://schemas.microsoft.com/office/drawing/2014/main" id="{1599AF7E-3E34-4597-AA72-9373A7FDB020}"/>
+                <a16:creationId xmlns:a16="http://schemas.microsoft.com/office/drawing/2014/main" xmlns="" id="{1599AF7E-3E34-4597-AA72-9373A7FDB020}"/>
               </a:ext>
             </a:extLst>
           </p:cNvPr>
@@ -25790,7 +25856,7 @@
           <p:cNvPr id="2" name="Title 1">
             <a:extLst>
               <a:ext uri="{FF2B5EF4-FFF2-40B4-BE49-F238E27FC236}">
-                <a16:creationId xmlns:a16="http://schemas.microsoft.com/office/drawing/2014/main" id="{4A2DF563-7FAC-46B3-B24C-7E45CD89DA2B}"/>
+                <a16:creationId xmlns:a16="http://schemas.microsoft.com/office/drawing/2014/main" xmlns="" id="{4A2DF563-7FAC-46B3-B24C-7E45CD89DA2B}"/>
               </a:ext>
             </a:extLst>
           </p:cNvPr>
@@ -25835,7 +25901,7 @@
           <p:cNvPr id="15" name="Group 14">
             <a:extLst>
               <a:ext uri="{FF2B5EF4-FFF2-40B4-BE49-F238E27FC236}">
-                <a16:creationId xmlns:a16="http://schemas.microsoft.com/office/drawing/2014/main" id="{7732E1E7-45E3-4264-8F26-66758696DD1E}"/>
+                <a16:creationId xmlns:a16="http://schemas.microsoft.com/office/drawing/2014/main" xmlns="" id="{7732E1E7-45E3-4264-8F26-66758696DD1E}"/>
               </a:ext>
             </a:extLst>
           </p:cNvPr>
@@ -25855,7 +25921,7 @@
             <p:cNvPr id="16" name="Freeform: Shape 15">
               <a:extLst>
                 <a:ext uri="{FF2B5EF4-FFF2-40B4-BE49-F238E27FC236}">
-                  <a16:creationId xmlns:a16="http://schemas.microsoft.com/office/drawing/2014/main" id="{2E3DF883-8093-49FA-81E1-E5D77F086A25}"/>
+                  <a16:creationId xmlns:a16="http://schemas.microsoft.com/office/drawing/2014/main" xmlns="" id="{2E3DF883-8093-49FA-81E1-E5D77F086A25}"/>
                 </a:ext>
               </a:extLst>
             </p:cNvPr>
@@ -25945,7 +26011,7 @@
             <p:cNvPr id="17" name="Freeform: Shape 16">
               <a:extLst>
                 <a:ext uri="{FF2B5EF4-FFF2-40B4-BE49-F238E27FC236}">
-                  <a16:creationId xmlns:a16="http://schemas.microsoft.com/office/drawing/2014/main" id="{18944C90-37E5-4BBE-89FF-060627168050}"/>
+                  <a16:creationId xmlns:a16="http://schemas.microsoft.com/office/drawing/2014/main" xmlns="" id="{18944C90-37E5-4BBE-89FF-060627168050}"/>
                 </a:ext>
               </a:extLst>
             </p:cNvPr>
@@ -26044,7 +26110,7 @@
           <p:cNvPr id="6" name="Group 5">
             <a:extLst>
               <a:ext uri="{FF2B5EF4-FFF2-40B4-BE49-F238E27FC236}">
-                <a16:creationId xmlns:a16="http://schemas.microsoft.com/office/drawing/2014/main" id="{D9EBF8BB-A805-4DDB-B459-082F99815B95}"/>
+                <a16:creationId xmlns:a16="http://schemas.microsoft.com/office/drawing/2014/main" xmlns="" id="{D9EBF8BB-A805-4DDB-B459-082F99815B95}"/>
               </a:ext>
             </a:extLst>
           </p:cNvPr>
@@ -26064,7 +26130,7 @@
             <p:cNvPr id="19" name="Rectangle: Single Corner Snipped 18">
               <a:extLst>
                 <a:ext uri="{FF2B5EF4-FFF2-40B4-BE49-F238E27FC236}">
-                  <a16:creationId xmlns:a16="http://schemas.microsoft.com/office/drawing/2014/main" id="{5D638788-DD47-45E7-939A-FA108A818173}"/>
+                  <a16:creationId xmlns:a16="http://schemas.microsoft.com/office/drawing/2014/main" xmlns="" id="{5D638788-DD47-45E7-939A-FA108A818173}"/>
                 </a:ext>
               </a:extLst>
             </p:cNvPr>
@@ -26130,7 +26196,7 @@
             <p:cNvPr id="3" name="Rectangle: Single Corner Snipped 2">
               <a:extLst>
                 <a:ext uri="{FF2B5EF4-FFF2-40B4-BE49-F238E27FC236}">
-                  <a16:creationId xmlns:a16="http://schemas.microsoft.com/office/drawing/2014/main" id="{74BDECEF-EEFE-4332-B3B2-BDE4F82C10FC}"/>
+                  <a16:creationId xmlns:a16="http://schemas.microsoft.com/office/drawing/2014/main" xmlns="" id="{74BDECEF-EEFE-4332-B3B2-BDE4F82C10FC}"/>
                 </a:ext>
               </a:extLst>
             </p:cNvPr>
@@ -26187,7 +26253,7 @@
           <p:cNvPr id="24" name="Freeform: Shape 23">
             <a:extLst>
               <a:ext uri="{FF2B5EF4-FFF2-40B4-BE49-F238E27FC236}">
-                <a16:creationId xmlns:a16="http://schemas.microsoft.com/office/drawing/2014/main" id="{18103E00-7E4A-44CD-81AC-06433CAE1110}"/>
+                <a16:creationId xmlns:a16="http://schemas.microsoft.com/office/drawing/2014/main" xmlns="" id="{18103E00-7E4A-44CD-81AC-06433CAE1110}"/>
               </a:ext>
             </a:extLst>
           </p:cNvPr>
@@ -26282,7 +26348,7 @@
           <p:cNvPr id="5" name="Slide Number Placeholder 4">
             <a:extLst>
               <a:ext uri="{FF2B5EF4-FFF2-40B4-BE49-F238E27FC236}">
-                <a16:creationId xmlns:a16="http://schemas.microsoft.com/office/drawing/2014/main" id="{87B51822-97FF-47A7-8E4E-A0F79B4EB237}"/>
+                <a16:creationId xmlns:a16="http://schemas.microsoft.com/office/drawing/2014/main" xmlns="" id="{87B51822-97FF-47A7-8E4E-A0F79B4EB237}"/>
               </a:ext>
             </a:extLst>
           </p:cNvPr>
@@ -26315,7 +26381,7 @@
             <a:fld id="{C263D6C4-4840-40CC-AC84-17E24B3B7BDE}" type="slidenum">
               <a:rPr lang="en-US" noProof="0" smtClean="0"/>
               <a:pPr/>
-              <a:t>‹#›</a:t>
+              <a:t>‹Nr.›</a:t>
             </a:fld>
             <a:endParaRPr lang="en-US" noProof="0" dirty="0"/>
           </a:p>
@@ -26326,7 +26392,7 @@
           <p:cNvPr id="25" name="Text Placeholder 2">
             <a:extLst>
               <a:ext uri="{FF2B5EF4-FFF2-40B4-BE49-F238E27FC236}">
-                <a16:creationId xmlns:a16="http://schemas.microsoft.com/office/drawing/2014/main" id="{7FA80A70-18DE-4DB9-9982-BA75BE54CF93}"/>
+                <a16:creationId xmlns:a16="http://schemas.microsoft.com/office/drawing/2014/main" xmlns="" id="{7FA80A70-18DE-4DB9-9982-BA75BE54CF93}"/>
               </a:ext>
             </a:extLst>
           </p:cNvPr>
@@ -26404,7 +26470,7 @@
           <p:cNvPr id="26" name="Text Placeholder 4">
             <a:extLst>
               <a:ext uri="{FF2B5EF4-FFF2-40B4-BE49-F238E27FC236}">
-                <a16:creationId xmlns:a16="http://schemas.microsoft.com/office/drawing/2014/main" id="{2801C0EF-C078-44B0-AD01-4850E9A65EE0}"/>
+                <a16:creationId xmlns:a16="http://schemas.microsoft.com/office/drawing/2014/main" xmlns="" id="{2801C0EF-C078-44B0-AD01-4850E9A65EE0}"/>
               </a:ext>
             </a:extLst>
           </p:cNvPr>
@@ -26482,7 +26548,7 @@
           <p:cNvPr id="27" name="Content Placeholder 3">
             <a:extLst>
               <a:ext uri="{FF2B5EF4-FFF2-40B4-BE49-F238E27FC236}">
-                <a16:creationId xmlns:a16="http://schemas.microsoft.com/office/drawing/2014/main" id="{7C9DED91-45F6-4308-A085-1EFACA6468CF}"/>
+                <a16:creationId xmlns:a16="http://schemas.microsoft.com/office/drawing/2014/main" xmlns="" id="{7C9DED91-45F6-4308-A085-1EFACA6468CF}"/>
               </a:ext>
             </a:extLst>
           </p:cNvPr>
@@ -26582,7 +26648,7 @@
           <p:cNvPr id="28" name="Content Placeholder 5">
             <a:extLst>
               <a:ext uri="{FF2B5EF4-FFF2-40B4-BE49-F238E27FC236}">
-                <a16:creationId xmlns:a16="http://schemas.microsoft.com/office/drawing/2014/main" id="{0574B5E7-B666-439B-9278-67BE1EA6EBC5}"/>
+                <a16:creationId xmlns:a16="http://schemas.microsoft.com/office/drawing/2014/main" xmlns="" id="{0574B5E7-B666-439B-9278-67BE1EA6EBC5}"/>
               </a:ext>
             </a:extLst>
           </p:cNvPr>
@@ -26717,7 +26783,7 @@
           <p:cNvPr id="2" name="Title Placeholder 1">
             <a:extLst>
               <a:ext uri="{FF2B5EF4-FFF2-40B4-BE49-F238E27FC236}">
-                <a16:creationId xmlns:a16="http://schemas.microsoft.com/office/drawing/2014/main" id="{761B0E15-6FC5-434E-8780-B186D9DB0CD0}"/>
+                <a16:creationId xmlns:a16="http://schemas.microsoft.com/office/drawing/2014/main" xmlns="" id="{761B0E15-6FC5-434E-8780-B186D9DB0CD0}"/>
               </a:ext>
             </a:extLst>
           </p:cNvPr>
@@ -26755,7 +26821,7 @@
           <p:cNvPr id="3" name="Text Placeholder 2">
             <a:extLst>
               <a:ext uri="{FF2B5EF4-FFF2-40B4-BE49-F238E27FC236}">
-                <a16:creationId xmlns:a16="http://schemas.microsoft.com/office/drawing/2014/main" id="{A9C7B128-34F3-405C-B601-8BAFDB43499C}"/>
+                <a16:creationId xmlns:a16="http://schemas.microsoft.com/office/drawing/2014/main" xmlns="" id="{A9C7B128-34F3-405C-B601-8BAFDB43499C}"/>
               </a:ext>
             </a:extLst>
           </p:cNvPr>
@@ -26822,7 +26888,7 @@
           <p:cNvPr id="6" name="Slide Number Placeholder 5">
             <a:extLst>
               <a:ext uri="{FF2B5EF4-FFF2-40B4-BE49-F238E27FC236}">
-                <a16:creationId xmlns:a16="http://schemas.microsoft.com/office/drawing/2014/main" id="{9F5A7754-E8C7-438B-922D-9027C6CF58E2}"/>
+                <a16:creationId xmlns:a16="http://schemas.microsoft.com/office/drawing/2014/main" xmlns="" id="{9F5A7754-E8C7-438B-922D-9027C6CF58E2}"/>
               </a:ext>
             </a:extLst>
           </p:cNvPr>
@@ -26858,7 +26924,7 @@
           <a:p>
             <a:fld id="{C263D6C4-4840-40CC-AC84-17E24B3B7BDE}" type="slidenum">
               <a:rPr lang="en-US" noProof="0" smtClean="0"/>
-              <a:t>‹#›</a:t>
+              <a:t>‹Nr.›</a:t>
             </a:fld>
             <a:endParaRPr lang="en-US" noProof="0" dirty="0"/>
           </a:p>
@@ -26869,7 +26935,7 @@
           <p:cNvPr id="5" name="Rectangle 4">
             <a:extLst>
               <a:ext uri="{FF2B5EF4-FFF2-40B4-BE49-F238E27FC236}">
-                <a16:creationId xmlns:a16="http://schemas.microsoft.com/office/drawing/2014/main" id="{7CDDDB7D-9189-9548-A2B9-81DC62C3C1A3}"/>
+                <a16:creationId xmlns:a16="http://schemas.microsoft.com/office/drawing/2014/main" xmlns="" id="{7CDDDB7D-9189-9548-A2B9-81DC62C3C1A3}"/>
               </a:ext>
             </a:extLst>
           </p:cNvPr>
@@ -26923,7 +26989,7 @@
           <p:cNvPr id="7" name="Freeform: Shape 9">
             <a:extLst>
               <a:ext uri="{FF2B5EF4-FFF2-40B4-BE49-F238E27FC236}">
-                <a16:creationId xmlns:a16="http://schemas.microsoft.com/office/drawing/2014/main" id="{096D8877-6B4A-4540-8927-767DD7401718}"/>
+                <a16:creationId xmlns:a16="http://schemas.microsoft.com/office/drawing/2014/main" xmlns="" id="{096D8877-6B4A-4540-8927-767DD7401718}"/>
               </a:ext>
             </a:extLst>
           </p:cNvPr>
@@ -27046,7 +27112,7 @@
           <p:cNvPr id="8" name="Freeform: Shape 17">
             <a:extLst>
               <a:ext uri="{FF2B5EF4-FFF2-40B4-BE49-F238E27FC236}">
-                <a16:creationId xmlns:a16="http://schemas.microsoft.com/office/drawing/2014/main" id="{5AF2E123-FE0F-8541-8E36-5030C450AA7E}"/>
+                <a16:creationId xmlns:a16="http://schemas.microsoft.com/office/drawing/2014/main" xmlns="" id="{5AF2E123-FE0F-8541-8E36-5030C450AA7E}"/>
               </a:ext>
             </a:extLst>
           </p:cNvPr>
@@ -27198,7 +27264,7 @@
           <p:cNvPr id="9" name="Freeform: Shape 11">
             <a:extLst>
               <a:ext uri="{FF2B5EF4-FFF2-40B4-BE49-F238E27FC236}">
-                <a16:creationId xmlns:a16="http://schemas.microsoft.com/office/drawing/2014/main" id="{E5519D99-3B68-924A-9CD0-14B911711CA8}"/>
+                <a16:creationId xmlns:a16="http://schemas.microsoft.com/office/drawing/2014/main" xmlns="" id="{E5519D99-3B68-924A-9CD0-14B911711CA8}"/>
               </a:ext>
             </a:extLst>
           </p:cNvPr>
@@ -27348,7 +27414,7 @@
           <p:cNvPr id="10" name="Freeform: Shape 7">
             <a:extLst>
               <a:ext uri="{FF2B5EF4-FFF2-40B4-BE49-F238E27FC236}">
-                <a16:creationId xmlns:a16="http://schemas.microsoft.com/office/drawing/2014/main" id="{A09E21A9-FBEF-144C-A152-FE484F3C55C1}"/>
+                <a16:creationId xmlns:a16="http://schemas.microsoft.com/office/drawing/2014/main" xmlns="" id="{A09E21A9-FBEF-144C-A152-FE484F3C55C1}"/>
               </a:ext>
             </a:extLst>
           </p:cNvPr>
@@ -27494,7 +27560,7 @@
           <p:cNvPr id="11" name="Title 1">
             <a:extLst>
               <a:ext uri="{FF2B5EF4-FFF2-40B4-BE49-F238E27FC236}">
-                <a16:creationId xmlns:a16="http://schemas.microsoft.com/office/drawing/2014/main" id="{70C7F2CB-A8CE-1545-A08D-93592C4BAEEA}"/>
+                <a16:creationId xmlns:a16="http://schemas.microsoft.com/office/drawing/2014/main" xmlns="" id="{70C7F2CB-A8CE-1545-A08D-93592C4BAEEA}"/>
               </a:ext>
             </a:extLst>
           </p:cNvPr>
@@ -27550,7 +27616,7 @@
           <p:cNvPr id="12" name="Group 11">
             <a:extLst>
               <a:ext uri="{FF2B5EF4-FFF2-40B4-BE49-F238E27FC236}">
-                <a16:creationId xmlns:a16="http://schemas.microsoft.com/office/drawing/2014/main" id="{7068FCE4-1B47-3C4B-B091-013120A97D09}"/>
+                <a16:creationId xmlns:a16="http://schemas.microsoft.com/office/drawing/2014/main" xmlns="" id="{7068FCE4-1B47-3C4B-B091-013120A97D09}"/>
               </a:ext>
             </a:extLst>
           </p:cNvPr>
@@ -27570,7 +27636,7 @@
             <p:cNvPr id="13" name="Freeform: Shape 15">
               <a:extLst>
                 <a:ext uri="{FF2B5EF4-FFF2-40B4-BE49-F238E27FC236}">
-                  <a16:creationId xmlns:a16="http://schemas.microsoft.com/office/drawing/2014/main" id="{FEC3FDE7-F27E-5E4E-8752-287CAB7792D4}"/>
+                  <a16:creationId xmlns:a16="http://schemas.microsoft.com/office/drawing/2014/main" xmlns="" id="{FEC3FDE7-F27E-5E4E-8752-287CAB7792D4}"/>
                 </a:ext>
               </a:extLst>
             </p:cNvPr>
@@ -27660,7 +27726,7 @@
             <p:cNvPr id="14" name="Freeform: Shape 16">
               <a:extLst>
                 <a:ext uri="{FF2B5EF4-FFF2-40B4-BE49-F238E27FC236}">
-                  <a16:creationId xmlns:a16="http://schemas.microsoft.com/office/drawing/2014/main" id="{81C902DB-0D21-5044-82B6-9E7A70A1BF62}"/>
+                  <a16:creationId xmlns:a16="http://schemas.microsoft.com/office/drawing/2014/main" xmlns="" id="{81C902DB-0D21-5044-82B6-9E7A70A1BF62}"/>
                 </a:ext>
               </a:extLst>
             </p:cNvPr>
@@ -27759,7 +27825,7 @@
           <p:cNvPr id="15" name="Group 14">
             <a:extLst>
               <a:ext uri="{FF2B5EF4-FFF2-40B4-BE49-F238E27FC236}">
-                <a16:creationId xmlns:a16="http://schemas.microsoft.com/office/drawing/2014/main" id="{BE1E08A0-195D-694F-947B-986A76FBB93E}"/>
+                <a16:creationId xmlns:a16="http://schemas.microsoft.com/office/drawing/2014/main" xmlns="" id="{BE1E08A0-195D-694F-947B-986A76FBB93E}"/>
               </a:ext>
             </a:extLst>
           </p:cNvPr>
@@ -27779,7 +27845,7 @@
             <p:cNvPr id="16" name="Rectangle: Single Corner Snipped 18">
               <a:extLst>
                 <a:ext uri="{FF2B5EF4-FFF2-40B4-BE49-F238E27FC236}">
-                  <a16:creationId xmlns:a16="http://schemas.microsoft.com/office/drawing/2014/main" id="{ED5DFFCD-1EE3-E64E-B51F-BD7D72413E0B}"/>
+                  <a16:creationId xmlns:a16="http://schemas.microsoft.com/office/drawing/2014/main" xmlns="" id="{ED5DFFCD-1EE3-E64E-B51F-BD7D72413E0B}"/>
                 </a:ext>
               </a:extLst>
             </p:cNvPr>
@@ -27845,7 +27911,7 @@
             <p:cNvPr id="17" name="Rectangle: Single Corner Snipped 2">
               <a:extLst>
                 <a:ext uri="{FF2B5EF4-FFF2-40B4-BE49-F238E27FC236}">
-                  <a16:creationId xmlns:a16="http://schemas.microsoft.com/office/drawing/2014/main" id="{C12DB3CA-8E64-AA43-BFBE-A2CA9A816DBE}"/>
+                  <a16:creationId xmlns:a16="http://schemas.microsoft.com/office/drawing/2014/main" xmlns="" id="{C12DB3CA-8E64-AA43-BFBE-A2CA9A816DBE}"/>
                 </a:ext>
               </a:extLst>
             </p:cNvPr>
@@ -27902,7 +27968,7 @@
           <p:cNvPr id="18" name="Freeform: Shape 23">
             <a:extLst>
               <a:ext uri="{FF2B5EF4-FFF2-40B4-BE49-F238E27FC236}">
-                <a16:creationId xmlns:a16="http://schemas.microsoft.com/office/drawing/2014/main" id="{A587DEFD-D470-4142-8E0D-A71DDB147C92}"/>
+                <a16:creationId xmlns:a16="http://schemas.microsoft.com/office/drawing/2014/main" xmlns="" id="{A587DEFD-D470-4142-8E0D-A71DDB147C92}"/>
               </a:ext>
             </a:extLst>
           </p:cNvPr>
@@ -27997,7 +28063,7 @@
           <p:cNvPr id="19" name="Slide Number Placeholder 4">
             <a:extLst>
               <a:ext uri="{FF2B5EF4-FFF2-40B4-BE49-F238E27FC236}">
-                <a16:creationId xmlns:a16="http://schemas.microsoft.com/office/drawing/2014/main" id="{7D9BF857-7910-734D-A217-5E3344220AA2}"/>
+                <a16:creationId xmlns:a16="http://schemas.microsoft.com/office/drawing/2014/main" xmlns="" id="{7D9BF857-7910-734D-A217-5E3344220AA2}"/>
               </a:ext>
             </a:extLst>
           </p:cNvPr>
@@ -28116,7 +28182,7 @@
             <a:fld id="{C263D6C4-4840-40CC-AC84-17E24B3B7BDE}" type="slidenum">
               <a:rPr lang="en-US" noProof="0" smtClean="0"/>
               <a:pPr/>
-              <a:t>‹#›</a:t>
+              <a:t>‹Nr.›</a:t>
             </a:fld>
             <a:endParaRPr lang="en-US" noProof="0" dirty="0"/>
           </a:p>
@@ -28448,7 +28514,7 @@
   </p:txStyles>
   <p:extLst>
     <p:ext uri="{27BBF7A9-308A-43DC-89C8-2F10F3537804}">
-      <p15:sldGuideLst xmlns:p15="http://schemas.microsoft.com/office/powerpoint/2012/main">
+      <p15:sldGuideLst xmlns:p15="http://schemas.microsoft.com/office/powerpoint/2012/main" xmlns="">
         <p15:guide id="1" orient="horz" pos="2160" userDrawn="1">
           <p15:clr>
             <a:srgbClr val="F26B43"/>
@@ -28507,7 +28573,7 @@
           <p:cNvPr id="2" name="Title 1">
             <a:extLst>
               <a:ext uri="{FF2B5EF4-FFF2-40B4-BE49-F238E27FC236}">
-                <a16:creationId xmlns:a16="http://schemas.microsoft.com/office/drawing/2014/main" id="{3A4F25FA-D2E4-49EB-8598-D6FA34346532}"/>
+                <a16:creationId xmlns:a16="http://schemas.microsoft.com/office/drawing/2014/main" xmlns="" id="{3A4F25FA-D2E4-49EB-8598-D6FA34346532}"/>
               </a:ext>
             </a:extLst>
           </p:cNvPr>
@@ -28540,7 +28606,7 @@
           <p:cNvPr id="3" name="Subtitle 2">
             <a:extLst>
               <a:ext uri="{FF2B5EF4-FFF2-40B4-BE49-F238E27FC236}">
-                <a16:creationId xmlns:a16="http://schemas.microsoft.com/office/drawing/2014/main" id="{78B4723A-6D68-4570-9EB2-A55B047BEBC3}"/>
+                <a16:creationId xmlns:a16="http://schemas.microsoft.com/office/drawing/2014/main" xmlns="" id="{78B4723A-6D68-4570-9EB2-A55B047BEBC3}"/>
               </a:ext>
             </a:extLst>
           </p:cNvPr>
@@ -28636,7 +28702,7 @@
           <p:cNvPr id="11" name="Title 10">
             <a:extLst>
               <a:ext uri="{FF2B5EF4-FFF2-40B4-BE49-F238E27FC236}">
-                <a16:creationId xmlns:a16="http://schemas.microsoft.com/office/drawing/2014/main" id="{271FC43D-322B-4DFD-B2E2-7F92F1F8F2B6}"/>
+                <a16:creationId xmlns:a16="http://schemas.microsoft.com/office/drawing/2014/main" xmlns="" id="{271FC43D-322B-4DFD-B2E2-7F92F1F8F2B6}"/>
               </a:ext>
             </a:extLst>
           </p:cNvPr>
@@ -28647,11 +28713,28 @@
             <p:ph type="title"/>
           </p:nvPr>
         </p:nvSpPr>
-        <p:spPr/>
+        <p:spPr>
+          <a:xfrm>
+            <a:off x="224444" y="191193"/>
+            <a:ext cx="5436523" cy="978729"/>
+          </a:xfrm>
+        </p:spPr>
         <p:txBody>
           <a:bodyPr/>
           <a:lstStyle/>
           <a:p>
+            <a:r>
+              <a:rPr lang="en-US" dirty="0" smtClean="0"/>
+              <a:t>Is my </a:t>
+            </a:r>
+            <a:r>
+              <a:rPr lang="en-US" dirty="0" err="1" smtClean="0"/>
+              <a:t>neighbourhood</a:t>
+            </a:r>
+            <a:r>
+              <a:rPr lang="en-US" dirty="0" smtClean="0"/>
+              <a:t> overprices?</a:t>
+            </a:r>
             <a:endParaRPr lang="en-US" dirty="0"/>
           </a:p>
         </p:txBody>
@@ -28661,7 +28744,7 @@
           <p:cNvPr id="9" name="Slide Number Placeholder 2">
             <a:extLst>
               <a:ext uri="{FF2B5EF4-FFF2-40B4-BE49-F238E27FC236}">
-                <a16:creationId xmlns:a16="http://schemas.microsoft.com/office/drawing/2014/main" id="{9DB6983D-80ED-79A1-46EB-CE9C807B8DA3}"/>
+                <a16:creationId xmlns:a16="http://schemas.microsoft.com/office/drawing/2014/main" xmlns="" id="{9DB6983D-80ED-79A1-46EB-CE9C807B8DA3}"/>
               </a:ext>
             </a:extLst>
           </p:cNvPr>
@@ -28695,21 +28778,228 @@
           </a:p>
         </p:txBody>
       </p:sp>
-      <p:pic>
-        <p:nvPicPr>
-          <p:cNvPr id="5128" name="Picture 8">
-            <a:extLst>
-              <a:ext uri="{FF2B5EF4-FFF2-40B4-BE49-F238E27FC236}">
-                <a16:creationId xmlns:a16="http://schemas.microsoft.com/office/drawing/2014/main" id="{A2ADFC31-910F-4A96-8CC1-F1C832AAE34A}"/>
-              </a:ext>
-            </a:extLst>
-          </p:cNvPr>
-          <p:cNvPicPr>
-            <a:picLocks noGrp="1" noChangeAspect="1" noChangeArrowheads="1"/>
-          </p:cNvPicPr>
+      <p:sp>
+        <p:nvSpPr>
+          <p:cNvPr id="2" name="Inhaltsplatzhalter 1"/>
+          <p:cNvSpPr>
+            <a:spLocks noGrp="1"/>
+          </p:cNvSpPr>
+          <p:nvPr>
+            <p:ph sz="half" idx="2"/>
+          </p:nvPr>
+        </p:nvSpPr>
+        <p:spPr>
+          <a:xfrm>
+            <a:off x="6242859" y="4347555"/>
+            <a:ext cx="5415742" cy="1829407"/>
+          </a:xfrm>
+        </p:spPr>
+        <p:txBody>
+          <a:bodyPr/>
+          <a:lstStyle/>
+          <a:p>
+            <a:pPr marL="0" indent="0">
+              <a:buNone/>
+            </a:pPr>
+            <a:r>
+              <a:rPr lang="de-DE" dirty="0" err="1" smtClean="0"/>
+              <a:t>Interesting</a:t>
+            </a:r>
+            <a:r>
+              <a:rPr lang="de-DE" dirty="0" smtClean="0"/>
+              <a:t> </a:t>
+            </a:r>
+            <a:r>
+              <a:rPr lang="de-DE" dirty="0" err="1" smtClean="0"/>
+              <a:t>for</a:t>
+            </a:r>
+            <a:r>
+              <a:rPr lang="de-DE" dirty="0" smtClean="0"/>
+              <a:t>:</a:t>
+            </a:r>
+          </a:p>
+          <a:p>
+            <a:pPr lvl="1"/>
+            <a:r>
+              <a:rPr lang="de-DE" dirty="0" smtClean="0"/>
+              <a:t>Real </a:t>
+            </a:r>
+            <a:r>
+              <a:rPr lang="de-DE" dirty="0" err="1" smtClean="0"/>
+              <a:t>estate</a:t>
+            </a:r>
+            <a:r>
+              <a:rPr lang="de-DE" dirty="0" smtClean="0"/>
+              <a:t> </a:t>
+            </a:r>
+            <a:r>
+              <a:rPr lang="de-DE" dirty="0" err="1" smtClean="0"/>
+              <a:t>companies</a:t>
+            </a:r>
+            <a:endParaRPr lang="de-DE" dirty="0" smtClean="0"/>
+          </a:p>
+          <a:p>
+            <a:pPr lvl="1"/>
+            <a:r>
+              <a:rPr lang="de-DE" dirty="0" smtClean="0"/>
+              <a:t>Investors (private </a:t>
+            </a:r>
+            <a:r>
+              <a:rPr lang="de-DE" dirty="0" err="1" smtClean="0"/>
+              <a:t>and</a:t>
+            </a:r>
+            <a:r>
+              <a:rPr lang="de-DE" dirty="0" smtClean="0"/>
+              <a:t> </a:t>
+            </a:r>
+            <a:r>
+              <a:rPr lang="de-DE" dirty="0" err="1" smtClean="0"/>
+              <a:t>commerical</a:t>
+            </a:r>
+            <a:r>
+              <a:rPr lang="de-DE" dirty="0" smtClean="0"/>
+              <a:t>)</a:t>
+            </a:r>
+            <a:endParaRPr lang="de-DE" dirty="0"/>
+          </a:p>
+          <a:p>
+            <a:pPr lvl="1"/>
+            <a:r>
+              <a:rPr lang="de-DE" dirty="0" smtClean="0"/>
+              <a:t>City </a:t>
+            </a:r>
+            <a:r>
+              <a:rPr lang="de-DE" dirty="0" err="1" smtClean="0"/>
+              <a:t>planers</a:t>
+            </a:r>
+            <a:endParaRPr lang="de-DE" dirty="0" smtClean="0"/>
+          </a:p>
+        </p:txBody>
+      </p:sp>
+      <p:sp>
+        <p:nvSpPr>
+          <p:cNvPr id="3" name="Inhaltsplatzhalter 2"/>
+          <p:cNvSpPr>
+            <a:spLocks noGrp="1"/>
+          </p:cNvSpPr>
           <p:nvPr>
             <p:ph sz="half" idx="1"/>
           </p:nvPr>
+        </p:nvSpPr>
+        <p:spPr/>
+        <p:txBody>
+          <a:bodyPr/>
+          <a:lstStyle/>
+          <a:p>
+            <a:r>
+              <a:rPr lang="de-DE" dirty="0" err="1" smtClean="0"/>
+              <a:t>Zipcode</a:t>
+            </a:r>
+            <a:r>
+              <a:rPr lang="de-DE" dirty="0" smtClean="0"/>
+              <a:t> </a:t>
+            </a:r>
+            <a:r>
+              <a:rPr lang="de-DE" dirty="0" err="1" smtClean="0"/>
+              <a:t>most</a:t>
+            </a:r>
+            <a:r>
+              <a:rPr lang="de-DE" dirty="0" smtClean="0"/>
+              <a:t> </a:t>
+            </a:r>
+            <a:r>
+              <a:rPr lang="de-DE" dirty="0" err="1" smtClean="0"/>
+              <a:t>important</a:t>
+            </a:r>
+            <a:r>
+              <a:rPr lang="de-DE" dirty="0" smtClean="0"/>
+              <a:t> </a:t>
+            </a:r>
+            <a:r>
+              <a:rPr lang="de-DE" dirty="0" err="1" smtClean="0"/>
+              <a:t>predictor</a:t>
+            </a:r>
+            <a:endParaRPr lang="de-DE" dirty="0"/>
+          </a:p>
+          <a:p>
+            <a:r>
+              <a:rPr lang="de-DE" dirty="0" err="1" smtClean="0"/>
+              <a:t>Zoning</a:t>
+            </a:r>
+            <a:r>
+              <a:rPr lang="de-DE" dirty="0" smtClean="0"/>
+              <a:t> </a:t>
+            </a:r>
+            <a:r>
+              <a:rPr lang="de-DE" dirty="0" err="1" smtClean="0"/>
+              <a:t>of</a:t>
+            </a:r>
+            <a:r>
+              <a:rPr lang="de-DE" dirty="0" smtClean="0"/>
+              <a:t> </a:t>
+            </a:r>
+            <a:r>
+              <a:rPr lang="de-DE" dirty="0" err="1" smtClean="0"/>
+              <a:t>zipcodes</a:t>
+            </a:r>
+            <a:endParaRPr lang="de-DE" dirty="0"/>
+          </a:p>
+          <a:p>
+            <a:r>
+              <a:rPr lang="de-DE" dirty="0" err="1" smtClean="0"/>
+              <a:t>Define</a:t>
+            </a:r>
+            <a:r>
+              <a:rPr lang="de-DE" dirty="0" smtClean="0"/>
+              <a:t> </a:t>
+            </a:r>
+            <a:r>
+              <a:rPr lang="de-DE" dirty="0" err="1" smtClean="0"/>
+              <a:t>market</a:t>
+            </a:r>
+            <a:r>
+              <a:rPr lang="de-DE" dirty="0" smtClean="0"/>
+              <a:t> </a:t>
+            </a:r>
+            <a:r>
+              <a:rPr lang="de-DE" dirty="0" err="1" smtClean="0"/>
+              <a:t>value</a:t>
+            </a:r>
+            <a:r>
+              <a:rPr lang="de-DE" dirty="0"/>
+              <a:t> </a:t>
+            </a:r>
+            <a:r>
+              <a:rPr lang="de-DE" dirty="0" err="1" smtClean="0"/>
+              <a:t>of</a:t>
+            </a:r>
+            <a:r>
+              <a:rPr lang="de-DE" dirty="0" smtClean="0"/>
+              <a:t> </a:t>
+            </a:r>
+            <a:r>
+              <a:rPr lang="de-DE" dirty="0" err="1" smtClean="0"/>
+              <a:t>your</a:t>
+            </a:r>
+            <a:r>
+              <a:rPr lang="de-DE" dirty="0" smtClean="0"/>
+              <a:t> </a:t>
+            </a:r>
+            <a:r>
+              <a:rPr lang="de-DE" dirty="0" err="1" smtClean="0"/>
+              <a:t>house</a:t>
+            </a:r>
+            <a:endParaRPr lang="de-DE" dirty="0"/>
+          </a:p>
+        </p:txBody>
+      </p:sp>
+      <p:pic>
+        <p:nvPicPr>
+          <p:cNvPr id="2050" name="Picture 2" descr="C:\Users\Lenovo\Documents\GitHub\Houseprices\Data\plot_zipcodes_imp.png"/>
+          <p:cNvPicPr>
+            <a:picLocks noChangeAspect="1" noChangeArrowheads="1"/>
+          </p:cNvPicPr>
+          <p:nvPr/>
         </p:nvPicPr>
         <p:blipFill>
           <a:blip r:embed="rId2">
@@ -28726,8 +29016,8 @@
         </p:blipFill>
         <p:spPr bwMode="auto">
           <a:xfrm>
-            <a:off x="-228861" y="1357313"/>
-            <a:ext cx="5420971" cy="5322886"/>
+            <a:off x="-574531" y="2780983"/>
+            <a:ext cx="7108335" cy="4374360"/>
           </a:xfrm>
           <a:prstGeom prst="rect">
             <a:avLst/>
@@ -28746,19 +29036,11 @@
       </p:pic>
       <p:pic>
         <p:nvPicPr>
-          <p:cNvPr id="5130" name="Picture 10">
-            <a:extLst>
-              <a:ext uri="{FF2B5EF4-FFF2-40B4-BE49-F238E27FC236}">
-                <a16:creationId xmlns:a16="http://schemas.microsoft.com/office/drawing/2014/main" id="{820865F5-A512-4823-A693-57A0F85FC651}"/>
-              </a:ext>
-            </a:extLst>
-          </p:cNvPr>
+          <p:cNvPr id="2051" name="Picture 3" descr="C:\Users\Lenovo\Documents\GitHub\Houseprices\Data\Average prices per zipcod ranked.png"/>
           <p:cNvPicPr>
-            <a:picLocks noGrp="1" noChangeAspect="1" noChangeArrowheads="1"/>
+            <a:picLocks noChangeAspect="1" noChangeArrowheads="1"/>
           </p:cNvPicPr>
-          <p:nvPr>
-            <p:ph sz="half" idx="2"/>
-          </p:nvPr>
+          <p:nvPr/>
         </p:nvPicPr>
         <p:blipFill>
           <a:blip r:embed="rId3">
@@ -28775,8 +29057,8 @@
         </p:blipFill>
         <p:spPr bwMode="auto">
           <a:xfrm>
-            <a:off x="5819824" y="1177159"/>
-            <a:ext cx="5735277" cy="5801710"/>
+            <a:off x="4944311" y="-199506"/>
+            <a:ext cx="7792954" cy="4795665"/>
           </a:xfrm>
           <a:prstGeom prst="rect">
             <a:avLst/>
@@ -28803,6 +29085,13 @@
   <p:clrMapOvr>
     <a:masterClrMapping/>
   </p:clrMapOvr>
+  <p:timing>
+    <p:tnLst>
+      <p:par>
+        <p:cTn id="1" dur="indefinite" restart="never" nodeType="tmRoot"/>
+      </p:par>
+    </p:tnLst>
+  </p:timing>
 </p:sld>
 </file>
 
@@ -28825,123 +29114,10 @@
       </p:grpSpPr>
       <p:sp>
         <p:nvSpPr>
-          <p:cNvPr id="4" name="Title 3">
-            <a:extLst>
-              <a:ext uri="{FF2B5EF4-FFF2-40B4-BE49-F238E27FC236}">
-                <a16:creationId xmlns:a16="http://schemas.microsoft.com/office/drawing/2014/main" id="{32F4A376-CF77-4EAD-87D8-6625F909B98D}"/>
-              </a:ext>
-            </a:extLst>
-          </p:cNvPr>
-          <p:cNvSpPr>
-            <a:spLocks noGrp="1"/>
-          </p:cNvSpPr>
-          <p:nvPr>
-            <p:ph type="title"/>
-          </p:nvPr>
-        </p:nvSpPr>
-        <p:spPr/>
-        <p:txBody>
-          <a:bodyPr/>
-          <a:lstStyle/>
-          <a:p>
-            <a:r>
-              <a:rPr lang="en-US" dirty="0"/>
-              <a:t>Insight/Findings</a:t>
-            </a:r>
-          </a:p>
-        </p:txBody>
-      </p:sp>
-      <p:sp>
-        <p:nvSpPr>
-          <p:cNvPr id="2" name="Slide Number Placeholder 1">
-            <a:extLst>
-              <a:ext uri="{FF2B5EF4-FFF2-40B4-BE49-F238E27FC236}">
-                <a16:creationId xmlns:a16="http://schemas.microsoft.com/office/drawing/2014/main" id="{CD1CB82B-183F-41BB-A278-D1A7EBAC359F}"/>
-              </a:ext>
-            </a:extLst>
-          </p:cNvPr>
-          <p:cNvSpPr>
-            <a:spLocks noGrp="1"/>
-          </p:cNvSpPr>
-          <p:nvPr>
-            <p:ph type="sldNum" sz="quarter" idx="12"/>
-          </p:nvPr>
-        </p:nvSpPr>
-        <p:spPr/>
-        <p:txBody>
-          <a:bodyPr/>
-          <a:lstStyle/>
-          <a:p>
-            <a:fld id="{C263D6C4-4840-40CC-AC84-17E24B3B7BDE}" type="slidenum">
-              <a:rPr lang="en-US" noProof="0" smtClean="0"/>
-              <a:pPr/>
-              <a:t>11</a:t>
-            </a:fld>
-            <a:endParaRPr lang="en-US" noProof="0" dirty="0"/>
-          </a:p>
-        </p:txBody>
-      </p:sp>
-      <p:sp>
-        <p:nvSpPr>
-          <p:cNvPr id="5" name="Content Placeholder 4">
-            <a:extLst>
-              <a:ext uri="{FF2B5EF4-FFF2-40B4-BE49-F238E27FC236}">
-                <a16:creationId xmlns:a16="http://schemas.microsoft.com/office/drawing/2014/main" id="{CB523901-C8D3-42A2-BE86-DFE1401F2C29}"/>
-              </a:ext>
-            </a:extLst>
-          </p:cNvPr>
-          <p:cNvSpPr>
-            <a:spLocks noGrp="1"/>
-          </p:cNvSpPr>
-          <p:nvPr>
-            <p:ph idx="1"/>
-          </p:nvPr>
-        </p:nvSpPr>
-        <p:spPr/>
-        <p:txBody>
-          <a:bodyPr/>
-          <a:lstStyle/>
-          <a:p>
-            <a:endParaRPr lang="en-US" dirty="0"/>
-          </a:p>
-        </p:txBody>
-      </p:sp>
-    </p:spTree>
-    <p:extLst>
-      <p:ext uri="{BB962C8B-B14F-4D97-AF65-F5344CB8AC3E}">
-        <p14:creationId xmlns:p14="http://schemas.microsoft.com/office/powerpoint/2010/main" val="2582810305"/>
-      </p:ext>
-    </p:extLst>
-  </p:cSld>
-  <p:clrMapOvr>
-    <a:masterClrMapping/>
-  </p:clrMapOvr>
-</p:sld>
-</file>
-
-<file path=ppt/slides/slide12.xml><?xml version="1.0" encoding="utf-8"?>
-<p:sld xmlns:a="http://schemas.openxmlformats.org/drawingml/2006/main" xmlns:r="http://schemas.openxmlformats.org/officeDocument/2006/relationships" xmlns:p="http://schemas.openxmlformats.org/presentationml/2006/main">
-  <p:cSld>
-    <p:spTree>
-      <p:nvGrpSpPr>
-        <p:cNvPr id="1" name=""/>
-        <p:cNvGrpSpPr/>
-        <p:nvPr/>
-      </p:nvGrpSpPr>
-      <p:grpSpPr>
-        <a:xfrm>
-          <a:off x="0" y="0"/>
-          <a:ext cx="0" cy="0"/>
-          <a:chOff x="0" y="0"/>
-          <a:chExt cx="0" cy="0"/>
-        </a:xfrm>
-      </p:grpSpPr>
-      <p:sp>
-        <p:nvSpPr>
           <p:cNvPr id="7" name="Title 1">
             <a:extLst>
               <a:ext uri="{FF2B5EF4-FFF2-40B4-BE49-F238E27FC236}">
-                <a16:creationId xmlns:a16="http://schemas.microsoft.com/office/drawing/2014/main" id="{FEA316DB-23D4-7143-BDEF-E3AF303EF39A}"/>
+                <a16:creationId xmlns:a16="http://schemas.microsoft.com/office/drawing/2014/main" xmlns="" id="{FEA316DB-23D4-7143-BDEF-E3AF303EF39A}"/>
               </a:ext>
             </a:extLst>
           </p:cNvPr>
@@ -28954,7 +29130,7 @@
         </p:nvSpPr>
         <p:spPr>
           <a:xfrm>
-            <a:off x="444500" y="542925"/>
+            <a:off x="452664" y="3971925"/>
             <a:ext cx="11214100" cy="978729"/>
           </a:xfrm>
         </p:spPr>
@@ -28963,8 +29139,12 @@
           <a:lstStyle/>
           <a:p>
             <a:r>
+              <a:rPr lang="en-US" dirty="0" smtClean="0"/>
+              <a:t>Outlook: </a:t>
+            </a:r>
+            <a:r>
               <a:rPr lang="en-US" dirty="0"/>
-              <a:t>Conclusion</a:t>
+              <a:t/>
             </a:r>
             <a:br>
               <a:rPr lang="en-US" dirty="0"/>
@@ -28978,7 +29158,7 @@
           <p:cNvPr id="2" name="Slide Number Placeholder 1">
             <a:extLst>
               <a:ext uri="{FF2B5EF4-FFF2-40B4-BE49-F238E27FC236}">
-                <a16:creationId xmlns:a16="http://schemas.microsoft.com/office/drawing/2014/main" id="{8B065C75-272B-4BB5-BA23-D80E8654D621}"/>
+                <a16:creationId xmlns:a16="http://schemas.microsoft.com/office/drawing/2014/main" xmlns="" id="{8B065C75-272B-4BB5-BA23-D80E8654D621}"/>
               </a:ext>
             </a:extLst>
           </p:cNvPr>
@@ -29013,7 +29193,7 @@
                   <a:spcPts val="600"/>
                 </a:spcAft>
               </a:pPr>
-              <a:t>12</a:t>
+              <a:t>11</a:t>
             </a:fld>
             <a:endParaRPr lang="en-US"/>
           </a:p>
@@ -29024,7 +29204,7 @@
           <p:cNvPr id="5" name="Text Placeholder 4">
             <a:extLst>
               <a:ext uri="{FF2B5EF4-FFF2-40B4-BE49-F238E27FC236}">
-                <a16:creationId xmlns:a16="http://schemas.microsoft.com/office/drawing/2014/main" id="{DCDDBE65-9AB1-4989-AF86-726591A6A128}"/>
+                <a16:creationId xmlns:a16="http://schemas.microsoft.com/office/drawing/2014/main" xmlns="" id="{DCDDBE65-9AB1-4989-AF86-726591A6A128}"/>
               </a:ext>
             </a:extLst>
           </p:cNvPr>
@@ -29037,48 +29217,33 @@
         </p:nvSpPr>
         <p:spPr>
           <a:xfrm>
-            <a:off x="443365" y="1825625"/>
-            <a:ext cx="11215235" cy="4351338"/>
+            <a:off x="831850" y="4629526"/>
+            <a:ext cx="10744200" cy="1085475"/>
           </a:xfrm>
         </p:spPr>
         <p:txBody>
           <a:bodyPr>
-            <a:normAutofit/>
+            <a:normAutofit fontScale="77500" lnSpcReduction="20000"/>
           </a:bodyPr>
           <a:lstStyle/>
           <a:p>
-            <a:pPr marL="285750" indent="-285750">
-              <a:buFont typeface="Arial" panose="020B0604020202020204" pitchFamily="34" charset="0"/>
-              <a:buChar char="•"/>
-            </a:pPr>
             <a:r>
-              <a:rPr lang="en-US" dirty="0"/>
-              <a:t>Features which include waterfront, living room sq/ft, and geographical location(zip-code) of the houses affect Price</a:t>
+              <a:rPr lang="en-US" dirty="0" smtClean="0"/>
+              <a:t>Apply Polynomial regression</a:t>
             </a:r>
           </a:p>
           <a:p>
-            <a:pPr marL="285750" indent="-285750">
-              <a:buFont typeface="Arial" panose="020B0604020202020204" pitchFamily="34" charset="0"/>
-              <a:buChar char="•"/>
-            </a:pPr>
+            <a:r>
+              <a:rPr lang="en-US" dirty="0" smtClean="0"/>
+              <a:t>Apply model on dataset of different cities and areas</a:t>
+            </a:r>
             <a:endParaRPr lang="en-US" dirty="0"/>
           </a:p>
           <a:p>
-            <a:endParaRPr lang="en-US" dirty="0"/>
-          </a:p>
-          <a:p>
-            <a:pPr marL="285750" indent="-285750">
-              <a:buFont typeface="Arial" panose="020B0604020202020204" pitchFamily="34" charset="0"/>
-              <a:buChar char="•"/>
-            </a:pPr>
-            <a:endParaRPr lang="en-US" dirty="0"/>
-          </a:p>
-          <a:p>
-            <a:pPr marL="285750" indent="-285750">
-              <a:buFont typeface="Arial" panose="020B0604020202020204" pitchFamily="34" charset="0"/>
-              <a:buChar char="•"/>
-            </a:pPr>
-            <a:endParaRPr lang="en-US" dirty="0"/>
+            <a:r>
+              <a:rPr lang="en-US" dirty="0" smtClean="0"/>
+              <a:t>Exclude location effect</a:t>
+            </a:r>
           </a:p>
           <a:p>
             <a:pPr marL="285750" indent="-285750">
@@ -29103,6 +29268,362 @@
           </a:p>
         </p:txBody>
       </p:sp>
+      <p:sp>
+        <p:nvSpPr>
+          <p:cNvPr id="6" name="Title 1">
+            <a:extLst>
+              <a:ext uri="{FF2B5EF4-FFF2-40B4-BE49-F238E27FC236}">
+                <a16:creationId xmlns:a16="http://schemas.microsoft.com/office/drawing/2014/main" xmlns="" id="{FEA316DB-23D4-7143-BDEF-E3AF303EF39A}"/>
+              </a:ext>
+            </a:extLst>
+          </p:cNvPr>
+          <p:cNvSpPr txBox="1">
+            <a:spLocks/>
+          </p:cNvSpPr>
+          <p:nvPr/>
+        </p:nvSpPr>
+        <p:spPr>
+          <a:xfrm>
+            <a:off x="596900" y="695325"/>
+            <a:ext cx="11214100" cy="978729"/>
+          </a:xfrm>
+          <a:prstGeom prst="rect">
+            <a:avLst/>
+          </a:prstGeom>
+        </p:spPr>
+        <p:txBody>
+          <a:bodyPr vert="horz" wrap="square" lIns="91440" tIns="45720" rIns="91440" bIns="45720" rtlCol="0" anchor="t">
+            <a:spAutoFit/>
+          </a:bodyPr>
+          <a:lstStyle>
+            <a:lvl1pPr algn="l" defTabSz="914400" rtl="0" eaLnBrk="1" latinLnBrk="0" hangingPunct="1">
+              <a:lnSpc>
+                <a:spcPct val="90000"/>
+              </a:lnSpc>
+              <a:spcBef>
+                <a:spcPct val="0"/>
+              </a:spcBef>
+              <a:buNone/>
+              <a:defRPr lang="en-GB" sz="3200" b="1" kern="1200" spc="-70" baseline="0" dirty="0">
+                <a:solidFill>
+                  <a:schemeClr val="bg1"/>
+                </a:solidFill>
+                <a:latin typeface="+mj-lt"/>
+                <a:ea typeface="+mj-ea"/>
+                <a:cs typeface="+mj-cs"/>
+              </a:defRPr>
+            </a:lvl1pPr>
+          </a:lstStyle>
+          <a:p>
+            <a:r>
+              <a:rPr lang="en-US" dirty="0" smtClean="0"/>
+              <a:t>Conclusion</a:t>
+            </a:r>
+            <a:br>
+              <a:rPr lang="en-US" dirty="0" smtClean="0"/>
+            </a:br>
+            <a:endParaRPr lang="en-US" dirty="0"/>
+          </a:p>
+        </p:txBody>
+      </p:sp>
+      <p:sp>
+        <p:nvSpPr>
+          <p:cNvPr id="8" name="Text Placeholder 4">
+            <a:extLst>
+              <a:ext uri="{FF2B5EF4-FFF2-40B4-BE49-F238E27FC236}">
+                <a16:creationId xmlns:a16="http://schemas.microsoft.com/office/drawing/2014/main" xmlns="" id="{DCDDBE65-9AB1-4989-AF86-726591A6A128}"/>
+              </a:ext>
+            </a:extLst>
+          </p:cNvPr>
+          <p:cNvSpPr txBox="1">
+            <a:spLocks/>
+          </p:cNvSpPr>
+          <p:nvPr/>
+        </p:nvSpPr>
+        <p:spPr>
+          <a:xfrm>
+            <a:off x="596900" y="1551214"/>
+            <a:ext cx="11214100" cy="1360715"/>
+          </a:xfrm>
+          <a:prstGeom prst="rect">
+            <a:avLst/>
+          </a:prstGeom>
+        </p:spPr>
+        <p:txBody>
+          <a:bodyPr vert="horz" lIns="91440" tIns="45720" rIns="91440" bIns="45720" rtlCol="0">
+            <a:normAutofit/>
+          </a:bodyPr>
+          <a:lstStyle>
+            <a:lvl1pPr marL="228600" indent="-228600" algn="l" defTabSz="914400" rtl="0" eaLnBrk="1" latinLnBrk="0" hangingPunct="1">
+              <a:lnSpc>
+                <a:spcPct val="90000"/>
+              </a:lnSpc>
+              <a:spcBef>
+                <a:spcPts val="1000"/>
+              </a:spcBef>
+              <a:buClr>
+                <a:schemeClr val="accent2"/>
+              </a:buClr>
+              <a:buFont typeface="Arial" panose="020B0604020202020204" pitchFamily="34" charset="0"/>
+              <a:buChar char="•"/>
+              <a:defRPr sz="2800" kern="1200">
+                <a:solidFill>
+                  <a:schemeClr val="bg1"/>
+                </a:solidFill>
+                <a:latin typeface="+mn-lt"/>
+                <a:ea typeface="+mn-ea"/>
+                <a:cs typeface="+mn-cs"/>
+              </a:defRPr>
+            </a:lvl1pPr>
+            <a:lvl2pPr marL="685800" indent="-228600" algn="l" defTabSz="914400" rtl="0" eaLnBrk="1" latinLnBrk="0" hangingPunct="1">
+              <a:lnSpc>
+                <a:spcPct val="90000"/>
+              </a:lnSpc>
+              <a:spcBef>
+                <a:spcPts val="500"/>
+              </a:spcBef>
+              <a:buClr>
+                <a:schemeClr val="accent2"/>
+              </a:buClr>
+              <a:buFont typeface="Arial" panose="020B0604020202020204" pitchFamily="34" charset="0"/>
+              <a:buChar char="•"/>
+              <a:defRPr sz="2400" kern="1200">
+                <a:solidFill>
+                  <a:schemeClr val="bg1"/>
+                </a:solidFill>
+                <a:latin typeface="+mn-lt"/>
+                <a:ea typeface="+mn-ea"/>
+                <a:cs typeface="+mn-cs"/>
+              </a:defRPr>
+            </a:lvl2pPr>
+            <a:lvl3pPr marL="1143000" indent="-228600" algn="l" defTabSz="914400" rtl="0" eaLnBrk="1" latinLnBrk="0" hangingPunct="1">
+              <a:lnSpc>
+                <a:spcPct val="90000"/>
+              </a:lnSpc>
+              <a:spcBef>
+                <a:spcPts val="500"/>
+              </a:spcBef>
+              <a:buClr>
+                <a:schemeClr val="accent2"/>
+              </a:buClr>
+              <a:buFont typeface="Arial" panose="020B0604020202020204" pitchFamily="34" charset="0"/>
+              <a:buChar char="•"/>
+              <a:defRPr sz="2000" kern="1200">
+                <a:solidFill>
+                  <a:schemeClr val="bg1"/>
+                </a:solidFill>
+                <a:latin typeface="+mn-lt"/>
+                <a:ea typeface="+mn-ea"/>
+                <a:cs typeface="+mn-cs"/>
+              </a:defRPr>
+            </a:lvl3pPr>
+            <a:lvl4pPr marL="1600200" indent="-228600" algn="l" defTabSz="914400" rtl="0" eaLnBrk="1" latinLnBrk="0" hangingPunct="1">
+              <a:lnSpc>
+                <a:spcPct val="90000"/>
+              </a:lnSpc>
+              <a:spcBef>
+                <a:spcPts val="500"/>
+              </a:spcBef>
+              <a:buClr>
+                <a:schemeClr val="accent2"/>
+              </a:buClr>
+              <a:buFont typeface="Arial" panose="020B0604020202020204" pitchFamily="34" charset="0"/>
+              <a:buChar char="•"/>
+              <a:defRPr sz="1800" kern="1200">
+                <a:solidFill>
+                  <a:schemeClr val="bg1"/>
+                </a:solidFill>
+                <a:latin typeface="+mn-lt"/>
+                <a:ea typeface="+mn-ea"/>
+                <a:cs typeface="+mn-cs"/>
+              </a:defRPr>
+            </a:lvl4pPr>
+            <a:lvl5pPr marL="2057400" indent="-228600" algn="l" defTabSz="914400" rtl="0" eaLnBrk="1" latinLnBrk="0" hangingPunct="1">
+              <a:lnSpc>
+                <a:spcPct val="90000"/>
+              </a:lnSpc>
+              <a:spcBef>
+                <a:spcPts val="500"/>
+              </a:spcBef>
+              <a:buClr>
+                <a:schemeClr val="accent2"/>
+              </a:buClr>
+              <a:buFont typeface="Arial" panose="020B0604020202020204" pitchFamily="34" charset="0"/>
+              <a:buChar char="•"/>
+              <a:defRPr sz="1800" kern="1200">
+                <a:solidFill>
+                  <a:schemeClr val="bg1"/>
+                </a:solidFill>
+                <a:latin typeface="+mn-lt"/>
+                <a:ea typeface="+mn-ea"/>
+                <a:cs typeface="+mn-cs"/>
+              </a:defRPr>
+            </a:lvl5pPr>
+            <a:lvl6pPr marL="2514600" indent="-228600" algn="l" defTabSz="914400" rtl="0" eaLnBrk="1" latinLnBrk="0" hangingPunct="1">
+              <a:lnSpc>
+                <a:spcPct val="90000"/>
+              </a:lnSpc>
+              <a:spcBef>
+                <a:spcPts val="500"/>
+              </a:spcBef>
+              <a:buFont typeface="Arial" panose="020B0604020202020204" pitchFamily="34" charset="0"/>
+              <a:buChar char="•"/>
+              <a:defRPr sz="1800" kern="1200">
+                <a:solidFill>
+                  <a:schemeClr val="tx1"/>
+                </a:solidFill>
+                <a:latin typeface="+mn-lt"/>
+                <a:ea typeface="+mn-ea"/>
+                <a:cs typeface="+mn-cs"/>
+              </a:defRPr>
+            </a:lvl6pPr>
+            <a:lvl7pPr marL="2971800" indent="-228600" algn="l" defTabSz="914400" rtl="0" eaLnBrk="1" latinLnBrk="0" hangingPunct="1">
+              <a:lnSpc>
+                <a:spcPct val="90000"/>
+              </a:lnSpc>
+              <a:spcBef>
+                <a:spcPts val="500"/>
+              </a:spcBef>
+              <a:buFont typeface="Arial" panose="020B0604020202020204" pitchFamily="34" charset="0"/>
+              <a:buChar char="•"/>
+              <a:defRPr sz="1800" kern="1200">
+                <a:solidFill>
+                  <a:schemeClr val="tx1"/>
+                </a:solidFill>
+                <a:latin typeface="+mn-lt"/>
+                <a:ea typeface="+mn-ea"/>
+                <a:cs typeface="+mn-cs"/>
+              </a:defRPr>
+            </a:lvl7pPr>
+            <a:lvl8pPr marL="3429000" indent="-228600" algn="l" defTabSz="914400" rtl="0" eaLnBrk="1" latinLnBrk="0" hangingPunct="1">
+              <a:lnSpc>
+                <a:spcPct val="90000"/>
+              </a:lnSpc>
+              <a:spcBef>
+                <a:spcPts val="500"/>
+              </a:spcBef>
+              <a:buFont typeface="Arial" panose="020B0604020202020204" pitchFamily="34" charset="0"/>
+              <a:buChar char="•"/>
+              <a:defRPr sz="1800" kern="1200">
+                <a:solidFill>
+                  <a:schemeClr val="tx1"/>
+                </a:solidFill>
+                <a:latin typeface="+mn-lt"/>
+                <a:ea typeface="+mn-ea"/>
+                <a:cs typeface="+mn-cs"/>
+              </a:defRPr>
+            </a:lvl8pPr>
+            <a:lvl9pPr marL="3886200" indent="-228600" algn="l" defTabSz="914400" rtl="0" eaLnBrk="1" latinLnBrk="0" hangingPunct="1">
+              <a:lnSpc>
+                <a:spcPct val="90000"/>
+              </a:lnSpc>
+              <a:spcBef>
+                <a:spcPts val="500"/>
+              </a:spcBef>
+              <a:buFont typeface="Arial" panose="020B0604020202020204" pitchFamily="34" charset="0"/>
+              <a:buChar char="•"/>
+              <a:defRPr sz="1800" kern="1200">
+                <a:solidFill>
+                  <a:schemeClr val="tx1"/>
+                </a:solidFill>
+                <a:latin typeface="+mn-lt"/>
+                <a:ea typeface="+mn-ea"/>
+                <a:cs typeface="+mn-cs"/>
+              </a:defRPr>
+            </a:lvl9pPr>
+          </a:lstStyle>
+          <a:p>
+            <a:pPr marL="285750" indent="-285750"/>
+            <a:r>
+              <a:rPr lang="en-US" dirty="0" smtClean="0"/>
+              <a:t>Location (</a:t>
+            </a:r>
+            <a:r>
+              <a:rPr lang="en-US" dirty="0" err="1" smtClean="0"/>
+              <a:t>zipcode</a:t>
+            </a:r>
+            <a:r>
+              <a:rPr lang="en-US" dirty="0" smtClean="0"/>
+              <a:t>, distance to center, view, waterfront) define price</a:t>
+            </a:r>
+          </a:p>
+          <a:p>
+            <a:pPr marL="285750" indent="-285750"/>
+            <a:r>
+              <a:rPr lang="en-US" dirty="0" smtClean="0"/>
+              <a:t>Attributes of size are significant but with a smaller influence</a:t>
+            </a:r>
+          </a:p>
+          <a:p>
+            <a:endParaRPr lang="en-US" dirty="0" smtClean="0"/>
+          </a:p>
+          <a:p>
+            <a:pPr marL="285750" indent="-285750"/>
+            <a:endParaRPr lang="en-US" dirty="0" smtClean="0"/>
+          </a:p>
+          <a:p>
+            <a:pPr marL="285750" indent="-285750"/>
+            <a:endParaRPr lang="en-US" dirty="0" smtClean="0"/>
+          </a:p>
+          <a:p>
+            <a:pPr marL="285750" indent="-285750"/>
+            <a:endParaRPr lang="en-US" dirty="0" smtClean="0"/>
+          </a:p>
+          <a:p>
+            <a:pPr marL="285750" indent="-285750"/>
+            <a:endParaRPr lang="en-US" dirty="0" smtClean="0"/>
+          </a:p>
+          <a:p>
+            <a:pPr marL="1200150" lvl="2" indent="-285750"/>
+            <a:endParaRPr lang="en-US" dirty="0" smtClean="0"/>
+          </a:p>
+          <a:p>
+            <a:pPr marL="285750" indent="-285750"/>
+            <a:endParaRPr lang="en-US" dirty="0"/>
+          </a:p>
+        </p:txBody>
+      </p:sp>
+      <p:pic>
+        <p:nvPicPr>
+          <p:cNvPr id="3074" name="Picture 2" descr="C:\Users\Lenovo\Documents\GitHub\Houseprices\Data\polynomial.png"/>
+          <p:cNvPicPr>
+            <a:picLocks noChangeAspect="1" noChangeArrowheads="1"/>
+          </p:cNvPicPr>
+          <p:nvPr/>
+        </p:nvPicPr>
+        <p:blipFill>
+          <a:blip r:embed="rId2">
+            <a:extLst>
+              <a:ext uri="{28A0092B-C50C-407E-A947-70E740481C1C}">
+                <a14:useLocalDpi xmlns:a14="http://schemas.microsoft.com/office/drawing/2010/main" val="0"/>
+              </a:ext>
+            </a:extLst>
+          </a:blip>
+          <a:srcRect/>
+          <a:stretch>
+            <a:fillRect/>
+          </a:stretch>
+        </p:blipFill>
+        <p:spPr bwMode="auto">
+          <a:xfrm>
+            <a:off x="8027212" y="3037114"/>
+            <a:ext cx="3160809" cy="2217284"/>
+          </a:xfrm>
+          <a:prstGeom prst="rect">
+            <a:avLst/>
+          </a:prstGeom>
+          <a:noFill/>
+          <a:extLst>
+            <a:ext uri="{909E8E84-426E-40DD-AFC4-6F175D3DCCD1}">
+              <a14:hiddenFill xmlns:a14="http://schemas.microsoft.com/office/drawing/2010/main">
+                <a:solidFill>
+                  <a:srgbClr val="FFFFFF"/>
+                </a:solidFill>
+              </a14:hiddenFill>
+            </a:ext>
+          </a:extLst>
+        </p:spPr>
+      </p:pic>
     </p:spTree>
     <p:extLst>
       <p:ext uri="{BB962C8B-B14F-4D97-AF65-F5344CB8AC3E}">
@@ -29125,10 +29646,17 @@
       </p:transition>
     </mc:Fallback>
   </mc:AlternateContent>
+  <p:timing>
+    <p:tnLst>
+      <p:par>
+        <p:cTn id="1" dur="indefinite" restart="never" nodeType="tmRoot"/>
+      </p:par>
+    </p:tnLst>
+  </p:timing>
 </p:sld>
 </file>
 
-<file path=ppt/slides/slide13.xml><?xml version="1.0" encoding="utf-8"?>
+<file path=ppt/slides/slide12.xml><?xml version="1.0" encoding="utf-8"?>
 <p:sld xmlns:a="http://schemas.openxmlformats.org/drawingml/2006/main" xmlns:r="http://schemas.openxmlformats.org/officeDocument/2006/relationships" xmlns:p="http://schemas.openxmlformats.org/presentationml/2006/main">
   <p:cSld>
     <p:spTree>
@@ -29147,10 +29675,10 @@
       </p:grpSpPr>
       <p:sp>
         <p:nvSpPr>
-          <p:cNvPr id="4" name="Title 3">
+          <p:cNvPr id="2" name="Title 1">
             <a:extLst>
               <a:ext uri="{FF2B5EF4-FFF2-40B4-BE49-F238E27FC236}">
-                <a16:creationId xmlns:a16="http://schemas.microsoft.com/office/drawing/2014/main" id="{315E3981-F0D7-482C-A8E0-6A57700BECA7}"/>
+                <a16:creationId xmlns:a16="http://schemas.microsoft.com/office/drawing/2014/main" xmlns="" id="{632BE5BF-9922-45FB-8F3F-4446D40A051B}"/>
               </a:ext>
             </a:extLst>
           </p:cNvPr>
@@ -29158,7 +29686,7 @@
             <a:spLocks noGrp="1"/>
           </p:cNvSpPr>
           <p:nvPr>
-            <p:ph type="title"/>
+            <p:ph type="ctrTitle"/>
           </p:nvPr>
         </p:nvSpPr>
         <p:spPr/>
@@ -29168,126 +29696,36 @@
           <a:p>
             <a:r>
               <a:rPr lang="en-US" dirty="0"/>
-              <a:t>Outlook</a:t>
+              <a:t>Thank You!</a:t>
             </a:r>
-          </a:p>
-        </p:txBody>
-      </p:sp>
-      <p:pic>
-        <p:nvPicPr>
-          <p:cNvPr id="8" name="Picture Placeholder 7" descr="Triangular pattern design with dimension">
-            <a:extLst>
-              <a:ext uri="{FF2B5EF4-FFF2-40B4-BE49-F238E27FC236}">
-                <a16:creationId xmlns:a16="http://schemas.microsoft.com/office/drawing/2014/main" id="{2301248D-7370-7643-9BE6-F8CDCFF4D460}"/>
-              </a:ext>
-            </a:extLst>
-          </p:cNvPr>
-          <p:cNvPicPr>
-            <a:picLocks noGrp="1" noChangeAspect="1"/>
-          </p:cNvPicPr>
-          <p:nvPr>
-            <p:ph type="pic" sz="quarter" idx="19"/>
-          </p:nvPr>
-        </p:nvPicPr>
-        <p:blipFill rotWithShape="1">
-          <a:blip r:embed="rId2">
-            <a:extLst>
-              <a:ext uri="{28A0092B-C50C-407E-A947-70E740481C1C}">
-                <a14:useLocalDpi xmlns:a14="http://schemas.microsoft.com/office/drawing/2010/main" val="0"/>
-              </a:ext>
-            </a:extLst>
-          </a:blip>
-          <a:srcRect/>
-          <a:stretch/>
-        </p:blipFill>
-        <p:spPr>
-          <a:xfrm>
-            <a:off x="-2" y="1352575"/>
-            <a:ext cx="12192002" cy="2289897"/>
-          </a:xfrm>
-        </p:spPr>
-      </p:pic>
-      <p:sp>
-        <p:nvSpPr>
-          <p:cNvPr id="19" name="Text Placeholder 18">
-            <a:extLst>
-              <a:ext uri="{FF2B5EF4-FFF2-40B4-BE49-F238E27FC236}">
-                <a16:creationId xmlns:a16="http://schemas.microsoft.com/office/drawing/2014/main" id="{782206B1-586F-4254-9B36-D06C4E294ACF}"/>
-              </a:ext>
-            </a:extLst>
-          </p:cNvPr>
-          <p:cNvSpPr>
-            <a:spLocks noGrp="1"/>
-          </p:cNvSpPr>
-          <p:nvPr>
-            <p:ph type="body" sz="quarter" idx="18"/>
-          </p:nvPr>
-        </p:nvSpPr>
-        <p:spPr/>
-        <p:txBody>
-          <a:bodyPr/>
-          <a:lstStyle/>
-          <a:p>
-            <a:endParaRPr lang="en-US" dirty="0"/>
-          </a:p>
-        </p:txBody>
-      </p:sp>
-      <p:sp>
-        <p:nvSpPr>
-          <p:cNvPr id="2" name="Slide Number Placeholder 1">
-            <a:extLst>
-              <a:ext uri="{FF2B5EF4-FFF2-40B4-BE49-F238E27FC236}">
-                <a16:creationId xmlns:a16="http://schemas.microsoft.com/office/drawing/2014/main" id="{FAC2D367-2A6E-41FE-A9EA-24FF17BCAA97}"/>
-              </a:ext>
-            </a:extLst>
-          </p:cNvPr>
-          <p:cNvSpPr>
-            <a:spLocks noGrp="1"/>
-          </p:cNvSpPr>
-          <p:nvPr>
-            <p:ph type="sldNum" sz="quarter" idx="12"/>
-          </p:nvPr>
-        </p:nvSpPr>
-        <p:spPr/>
-        <p:txBody>
-          <a:bodyPr/>
-          <a:lstStyle/>
-          <a:p>
-            <a:fld id="{C263D6C4-4840-40CC-AC84-17E24B3B7BDE}" type="slidenum">
-              <a:rPr lang="en-US" smtClean="0"/>
-              <a:pPr/>
-              <a:t>13</a:t>
-            </a:fld>
-            <a:endParaRPr lang="en-US" dirty="0"/>
+            <a:endParaRPr lang="en-GB" dirty="0"/>
           </a:p>
         </p:txBody>
       </p:sp>
     </p:spTree>
     <p:extLst>
       <p:ext uri="{BB962C8B-B14F-4D97-AF65-F5344CB8AC3E}">
-        <p14:creationId xmlns:p14="http://schemas.microsoft.com/office/powerpoint/2010/main" val="663103393"/>
+        <p14:creationId xmlns:p14="http://schemas.microsoft.com/office/powerpoint/2010/main" val="429771863"/>
       </p:ext>
     </p:extLst>
   </p:cSld>
   <p:clrMapOvr>
     <a:masterClrMapping/>
   </p:clrMapOvr>
-  <mc:AlternateContent xmlns:mc="http://schemas.openxmlformats.org/markup-compatibility/2006" xmlns:p14="http://schemas.microsoft.com/office/powerpoint/2010/main">
-    <mc:Choice Requires="p14">
-      <p:transition spd="med" p14:dur="700">
-        <p:fade/>
-      </p:transition>
-    </mc:Choice>
-    <mc:Fallback xmlns="">
-      <p:transition spd="med">
-        <p:fade/>
-      </p:transition>
-    </mc:Fallback>
-  </mc:AlternateContent>
+  <p:transition spd="slow">
+    <p:wipe/>
+  </p:transition>
+  <p:timing>
+    <p:tnLst>
+      <p:par>
+        <p:cTn id="1" dur="indefinite" restart="never" nodeType="tmRoot"/>
+      </p:par>
+    </p:tnLst>
+  </p:timing>
 </p:sld>
 </file>
 
-<file path=ppt/slides/slide14.xml><?xml version="1.0" encoding="utf-8"?>
+<file path=ppt/slides/slide13.xml><?xml version="1.0" encoding="utf-8"?>
 <p:sld xmlns:a="http://schemas.openxmlformats.org/drawingml/2006/main" xmlns:r="http://schemas.openxmlformats.org/officeDocument/2006/relationships" xmlns:p="http://schemas.openxmlformats.org/presentationml/2006/main" showMasterSp="0">
   <p:cSld>
     <p:spTree>
@@ -29309,7 +29747,7 @@
           <p:cNvPr id="21" name="Title 1">
             <a:extLst>
               <a:ext uri="{FF2B5EF4-FFF2-40B4-BE49-F238E27FC236}">
-                <a16:creationId xmlns:a16="http://schemas.microsoft.com/office/drawing/2014/main" id="{E118CE47-4937-5BA8-B09C-42BF57DE773B}"/>
+                <a16:creationId xmlns:a16="http://schemas.microsoft.com/office/drawing/2014/main" xmlns="" id="{E118CE47-4937-5BA8-B09C-42BF57DE773B}"/>
               </a:ext>
             </a:extLst>
           </p:cNvPr>
@@ -29342,7 +29780,7 @@
           <p:cNvPr id="2" name="Slide Number Placeholder 1">
             <a:extLst>
               <a:ext uri="{FF2B5EF4-FFF2-40B4-BE49-F238E27FC236}">
-                <a16:creationId xmlns:a16="http://schemas.microsoft.com/office/drawing/2014/main" id="{235359B9-73D6-455A-909C-B2C9A664E352}"/>
+                <a16:creationId xmlns:a16="http://schemas.microsoft.com/office/drawing/2014/main" xmlns="" id="{235359B9-73D6-455A-909C-B2C9A664E352}"/>
               </a:ext>
             </a:extLst>
           </p:cNvPr>
@@ -29377,7 +29815,7 @@
                   <a:spcPts val="600"/>
                 </a:spcAft>
               </a:pPr>
-              <a:t>14</a:t>
+              <a:t>13</a:t>
             </a:fld>
             <a:endParaRPr lang="en-US" noProof="0"/>
           </a:p>
@@ -29388,7 +29826,7 @@
           <p:cNvPr id="4098" name="Picture 2">
             <a:extLst>
               <a:ext uri="{FF2B5EF4-FFF2-40B4-BE49-F238E27FC236}">
-                <a16:creationId xmlns:a16="http://schemas.microsoft.com/office/drawing/2014/main" id="{3367DA65-9A7D-4005-89AD-DE3EFA647710}"/>
+                <a16:creationId xmlns:a16="http://schemas.microsoft.com/office/drawing/2014/main" xmlns="" id="{3367DA65-9A7D-4005-89AD-DE3EFA647710}"/>
               </a:ext>
             </a:extLst>
           </p:cNvPr>
@@ -29435,7 +29873,7 @@
           <p:cNvPr id="4100" name="Picture 4">
             <a:extLst>
               <a:ext uri="{FF2B5EF4-FFF2-40B4-BE49-F238E27FC236}">
-                <a16:creationId xmlns:a16="http://schemas.microsoft.com/office/drawing/2014/main" id="{C46BE4E4-D50E-4708-A290-51FC72C7C2BD}"/>
+                <a16:creationId xmlns:a16="http://schemas.microsoft.com/office/drawing/2014/main" xmlns="" id="{C46BE4E4-D50E-4708-A290-51FC72C7C2BD}"/>
               </a:ext>
             </a:extLst>
           </p:cNvPr>
@@ -29492,129 +29930,19 @@
 </p:sld>
 </file>
 
-<file path=ppt/slides/slide15.xml><?xml version="1.0" encoding="utf-8"?>
-<p:sld xmlns:a="http://schemas.openxmlformats.org/drawingml/2006/main" xmlns:r="http://schemas.openxmlformats.org/officeDocument/2006/relationships" xmlns:p="http://schemas.openxmlformats.org/presentationml/2006/main">
+<file path=ppt/slides/slide14.xml><?xml version="1.0" encoding="utf-8"?>
+<p:sld xmlns:a="http://schemas.openxmlformats.org/drawingml/2006/main" xmlns:r="http://schemas.openxmlformats.org/officeDocument/2006/relationships" xmlns:p="http://schemas.openxmlformats.org/presentationml/2006/main" showMasterSp="0">
   <p:cSld>
-    <p:spTree>
-      <p:nvGrpSpPr>
-        <p:cNvPr id="1" name=""/>
-        <p:cNvGrpSpPr/>
-        <p:nvPr/>
-      </p:nvGrpSpPr>
-      <p:grpSpPr>
-        <a:xfrm>
-          <a:off x="0" y="0"/>
-          <a:ext cx="0" cy="0"/>
-          <a:chOff x="0" y="0"/>
-          <a:chExt cx="0" cy="0"/>
-        </a:xfrm>
-      </p:grpSpPr>
-      <p:sp>
-        <p:nvSpPr>
-          <p:cNvPr id="4" name="Title 3">
-            <a:extLst>
-              <a:ext uri="{FF2B5EF4-FFF2-40B4-BE49-F238E27FC236}">
-                <a16:creationId xmlns:a16="http://schemas.microsoft.com/office/drawing/2014/main" id="{E98DCA46-603B-4178-8707-30E192CE6B8D}"/>
-              </a:ext>
-            </a:extLst>
-          </p:cNvPr>
-          <p:cNvSpPr>
-            <a:spLocks noGrp="1"/>
-          </p:cNvSpPr>
-          <p:nvPr>
-            <p:ph type="title"/>
-          </p:nvPr>
-        </p:nvSpPr>
-        <p:spPr/>
-        <p:txBody>
-          <a:bodyPr/>
-          <a:lstStyle/>
-          <a:p>
-            <a:r>
-              <a:rPr lang="en-US" u="sng" dirty="0"/>
-              <a:t>Useful Links</a:t>
-            </a:r>
-          </a:p>
-        </p:txBody>
-      </p:sp>
-      <p:sp>
-        <p:nvSpPr>
-          <p:cNvPr id="2" name="Slide Number Placeholder 1">
-            <a:extLst>
-              <a:ext uri="{FF2B5EF4-FFF2-40B4-BE49-F238E27FC236}">
-                <a16:creationId xmlns:a16="http://schemas.microsoft.com/office/drawing/2014/main" id="{6D90B5C6-1CB0-445E-99D1-8E2FE8C59B50}"/>
-              </a:ext>
-            </a:extLst>
-          </p:cNvPr>
-          <p:cNvSpPr>
-            <a:spLocks noGrp="1"/>
-          </p:cNvSpPr>
-          <p:nvPr>
-            <p:ph type="sldNum" sz="quarter" idx="12"/>
-          </p:nvPr>
-        </p:nvSpPr>
-        <p:spPr/>
-        <p:txBody>
-          <a:bodyPr/>
-          <a:lstStyle/>
-          <a:p>
-            <a:fld id="{C263D6C4-4840-40CC-AC84-17E24B3B7BDE}" type="slidenum">
-              <a:rPr lang="en-US" smtClean="0"/>
-              <a:pPr/>
-              <a:t>15</a:t>
-            </a:fld>
-            <a:endParaRPr lang="en-US" dirty="0"/>
-          </a:p>
-        </p:txBody>
-      </p:sp>
-      <p:sp>
-        <p:nvSpPr>
-          <p:cNvPr id="3" name="Text Placeholder 2">
-            <a:extLst>
-              <a:ext uri="{FF2B5EF4-FFF2-40B4-BE49-F238E27FC236}">
-                <a16:creationId xmlns:a16="http://schemas.microsoft.com/office/drawing/2014/main" id="{06554A61-D199-469B-AB0C-B68F82B5059F}"/>
-              </a:ext>
-            </a:extLst>
-          </p:cNvPr>
-          <p:cNvSpPr>
-            <a:spLocks noGrp="1"/>
-          </p:cNvSpPr>
-          <p:nvPr>
-            <p:ph type="body" sz="quarter" idx="13"/>
-          </p:nvPr>
-        </p:nvSpPr>
-        <p:spPr>
-          <a:xfrm>
-            <a:off x="1409700" y="1749570"/>
-            <a:ext cx="9372600" cy="535531"/>
-          </a:xfrm>
-        </p:spPr>
-        <p:txBody>
-          <a:bodyPr>
-            <a:normAutofit fontScale="62500" lnSpcReduction="20000"/>
-          </a:bodyPr>
-          <a:lstStyle/>
-          <a:p>
-            <a:endParaRPr lang="en-US" u="sng" dirty="0"/>
-          </a:p>
-        </p:txBody>
-      </p:sp>
-    </p:spTree>
-    <p:extLst>
-      <p:ext uri="{BB962C8B-B14F-4D97-AF65-F5344CB8AC3E}">
-        <p14:creationId xmlns:p14="http://schemas.microsoft.com/office/powerpoint/2010/main" val="59582380"/>
-      </p:ext>
-    </p:extLst>
-  </p:cSld>
-  <p:clrMapOvr>
-    <a:masterClrMapping/>
-  </p:clrMapOvr>
-</p:sld>
-</file>
-
-<file path=ppt/slides/slide16.xml><?xml version="1.0" encoding="utf-8"?>
-<p:sld xmlns:a="http://schemas.openxmlformats.org/drawingml/2006/main" xmlns:r="http://schemas.openxmlformats.org/officeDocument/2006/relationships" xmlns:p="http://schemas.openxmlformats.org/presentationml/2006/main">
-  <p:cSld>
+    <p:bg>
+      <p:bgPr>
+        <a:solidFill>
+          <a:schemeClr val="bg1">
+            <a:lumMod val="95000"/>
+          </a:schemeClr>
+        </a:solidFill>
+        <a:effectLst/>
+      </p:bgPr>
+    </p:bg>
     <p:spTree>
       <p:nvGrpSpPr>
         <p:cNvPr id="1" name=""/>
@@ -29634,7 +29962,7 @@
           <p:cNvPr id="2" name="Title 1">
             <a:extLst>
               <a:ext uri="{FF2B5EF4-FFF2-40B4-BE49-F238E27FC236}">
-                <a16:creationId xmlns:a16="http://schemas.microsoft.com/office/drawing/2014/main" id="{632BE5BF-9922-45FB-8F3F-4446D40A051B}"/>
+                <a16:creationId xmlns:a16="http://schemas.microsoft.com/office/drawing/2014/main" xmlns="" id="{E4DCAC26-918C-4772-BF30-510B03C5AE49}"/>
               </a:ext>
             </a:extLst>
           </p:cNvPr>
@@ -29642,7 +29970,7 @@
             <a:spLocks noGrp="1"/>
           </p:cNvSpPr>
           <p:nvPr>
-            <p:ph type="ctrTitle"/>
+            <p:ph type="title"/>
           </p:nvPr>
         </p:nvSpPr>
         <p:spPr/>
@@ -29651,26 +29979,114 @@
           <a:lstStyle/>
           <a:p>
             <a:r>
-              <a:rPr lang="en-US" dirty="0"/>
-              <a:t>Thank You!</a:t>
+              <a:rPr lang="en-US" dirty="0">
+                <a:solidFill>
+                  <a:schemeClr val="tx1"/>
+                </a:solidFill>
+              </a:rPr>
+              <a:t>Before and After Modelling-Histograms</a:t>
             </a:r>
-            <a:endParaRPr lang="en-GB" dirty="0"/>
           </a:p>
         </p:txBody>
       </p:sp>
+      <p:sp>
+        <p:nvSpPr>
+          <p:cNvPr id="3" name="Slide Number Placeholder 2">
+            <a:extLst>
+              <a:ext uri="{FF2B5EF4-FFF2-40B4-BE49-F238E27FC236}">
+                <a16:creationId xmlns:a16="http://schemas.microsoft.com/office/drawing/2014/main" xmlns="" id="{BF702D22-B9F0-4A21-A93C-458A68ED29DC}"/>
+              </a:ext>
+            </a:extLst>
+          </p:cNvPr>
+          <p:cNvSpPr>
+            <a:spLocks noGrp="1"/>
+          </p:cNvSpPr>
+          <p:nvPr>
+            <p:ph type="sldNum" sz="quarter" idx="12"/>
+          </p:nvPr>
+        </p:nvSpPr>
+        <p:spPr/>
+        <p:txBody>
+          <a:bodyPr/>
+          <a:lstStyle/>
+          <a:p>
+            <a:fld id="{C263D6C4-4840-40CC-AC84-17E24B3B7BDE}" type="slidenum">
+              <a:rPr lang="en-US" noProof="0" smtClean="0"/>
+              <a:pPr/>
+              <a:t>14</a:t>
+            </a:fld>
+            <a:endParaRPr lang="en-US" noProof="0" dirty="0"/>
+          </a:p>
+        </p:txBody>
+      </p:sp>
+      <p:pic>
+        <p:nvPicPr>
+          <p:cNvPr id="9" name="Content Placeholder 8" descr="A picture containing shoji, crossword puzzle, window, building&#10;&#10;Description automatically generated">
+            <a:extLst>
+              <a:ext uri="{FF2B5EF4-FFF2-40B4-BE49-F238E27FC236}">
+                <a16:creationId xmlns:a16="http://schemas.microsoft.com/office/drawing/2014/main" xmlns="" id="{315E1374-3F09-44C4-AFB8-0C423F7FCF94}"/>
+              </a:ext>
+            </a:extLst>
+          </p:cNvPr>
+          <p:cNvPicPr>
+            <a:picLocks noGrp="1" noChangeAspect="1"/>
+          </p:cNvPicPr>
+          <p:nvPr>
+            <p:ph sz="half" idx="1"/>
+          </p:nvPr>
+        </p:nvPicPr>
+        <p:blipFill>
+          <a:blip r:embed="rId2"/>
+          <a:stretch>
+            <a:fillRect/>
+          </a:stretch>
+        </p:blipFill>
+        <p:spPr>
+          <a:xfrm>
+            <a:off x="672924" y="1517650"/>
+            <a:ext cx="4724752" cy="4659313"/>
+          </a:xfrm>
+        </p:spPr>
+      </p:pic>
+      <p:pic>
+        <p:nvPicPr>
+          <p:cNvPr id="7" name="Content Placeholder 6" descr="A picture containing window, shoji&#10;&#10;Description automatically generated">
+            <a:extLst>
+              <a:ext uri="{FF2B5EF4-FFF2-40B4-BE49-F238E27FC236}">
+                <a16:creationId xmlns:a16="http://schemas.microsoft.com/office/drawing/2014/main" xmlns="" id="{5C11166E-3B9D-46AD-B7D1-54342613B286}"/>
+              </a:ext>
+            </a:extLst>
+          </p:cNvPr>
+          <p:cNvPicPr>
+            <a:picLocks noGrp="1" noChangeAspect="1"/>
+          </p:cNvPicPr>
+          <p:nvPr>
+            <p:ph sz="half" idx="2"/>
+          </p:nvPr>
+        </p:nvPicPr>
+        <p:blipFill>
+          <a:blip r:embed="rId3"/>
+          <a:stretch>
+            <a:fillRect/>
+          </a:stretch>
+        </p:blipFill>
+        <p:spPr>
+          <a:xfrm>
+            <a:off x="6659900" y="1517650"/>
+            <a:ext cx="4812624" cy="4659313"/>
+          </a:xfrm>
+        </p:spPr>
+      </p:pic>
     </p:spTree>
     <p:extLst>
       <p:ext uri="{BB962C8B-B14F-4D97-AF65-F5344CB8AC3E}">
-        <p14:creationId xmlns:p14="http://schemas.microsoft.com/office/powerpoint/2010/main" val="429771863"/>
+        <p14:creationId xmlns:p14="http://schemas.microsoft.com/office/powerpoint/2010/main" val="3685779639"/>
       </p:ext>
     </p:extLst>
   </p:cSld>
   <p:clrMapOvr>
     <a:masterClrMapping/>
   </p:clrMapOvr>
-  <p:transition spd="slow">
-    <p:wipe/>
-  </p:transition>
 </p:sld>
 </file>
 
@@ -29706,7 +30122,7 @@
           <p:cNvPr id="71" name="Title 1">
             <a:extLst>
               <a:ext uri="{FF2B5EF4-FFF2-40B4-BE49-F238E27FC236}">
-                <a16:creationId xmlns:a16="http://schemas.microsoft.com/office/drawing/2014/main" id="{D802FE8E-9913-389D-CAC5-585A88872A15}"/>
+                <a16:creationId xmlns:a16="http://schemas.microsoft.com/office/drawing/2014/main" xmlns="" id="{D802FE8E-9913-389D-CAC5-585A88872A15}"/>
               </a:ext>
             </a:extLst>
           </p:cNvPr>
@@ -29739,7 +30155,7 @@
           <p:cNvPr id="2" name="Slide Number Placeholder 1">
             <a:extLst>
               <a:ext uri="{FF2B5EF4-FFF2-40B4-BE49-F238E27FC236}">
-                <a16:creationId xmlns:a16="http://schemas.microsoft.com/office/drawing/2014/main" id="{A2A56D48-F061-430B-87D0-71C9E9B46879}"/>
+                <a16:creationId xmlns:a16="http://schemas.microsoft.com/office/drawing/2014/main" xmlns="" id="{A2A56D48-F061-430B-87D0-71C9E9B46879}"/>
               </a:ext>
             </a:extLst>
           </p:cNvPr>
@@ -29785,7 +30201,7 @@
           <p:cNvPr id="73" name="Text Placeholder 3">
             <a:extLst>
               <a:ext uri="{FF2B5EF4-FFF2-40B4-BE49-F238E27FC236}">
-                <a16:creationId xmlns:a16="http://schemas.microsoft.com/office/drawing/2014/main" id="{C182B808-D70D-FF91-50C0-BFA7FE393E8C}"/>
+                <a16:creationId xmlns:a16="http://schemas.microsoft.com/office/drawing/2014/main" xmlns="" id="{C182B808-D70D-FF91-50C0-BFA7FE393E8C}"/>
               </a:ext>
             </a:extLst>
           </p:cNvPr>
@@ -29858,7 +30274,7 @@
           <p:cNvPr id="3074" name="Picture 2" descr="King County, WA Property Tax Calculator - SmartAsset">
             <a:extLst>
               <a:ext uri="{FF2B5EF4-FFF2-40B4-BE49-F238E27FC236}">
-                <a16:creationId xmlns:a16="http://schemas.microsoft.com/office/drawing/2014/main" id="{6C729D14-CA46-418C-B1CD-A24647066CB3}"/>
+                <a16:creationId xmlns:a16="http://schemas.microsoft.com/office/drawing/2014/main" xmlns="" id="{6C729D14-CA46-418C-B1CD-A24647066CB3}"/>
               </a:ext>
             </a:extLst>
           </p:cNvPr>
@@ -29889,15 +30305,7 @@
           <a:solidFill>
             <a:srgbClr val="FFFFFF"/>
           </a:solidFill>
-          <a:extLst>
-            <a:ext uri="{909E8E84-426E-40DD-AFC4-6F175D3DCCD1}">
-              <a14:hiddenFill xmlns:a14="http://schemas.microsoft.com/office/drawing/2010/main">
-                <a:solidFill>
-                  <a:srgbClr val="FFFFFF"/>
-                </a:solidFill>
-              </a14:hiddenFill>
-            </a:ext>
-          </a:extLst>
+          <a:extLst/>
         </p:spPr>
       </p:pic>
     </p:spTree>
@@ -29935,7 +30343,7 @@
           <p:cNvPr id="7" name="Title 6">
             <a:extLst>
               <a:ext uri="{FF2B5EF4-FFF2-40B4-BE49-F238E27FC236}">
-                <a16:creationId xmlns:a16="http://schemas.microsoft.com/office/drawing/2014/main" id="{7875C19A-1AAE-476A-A316-A2CF92D763D3}"/>
+                <a16:creationId xmlns:a16="http://schemas.microsoft.com/office/drawing/2014/main" xmlns="" id="{7875C19A-1AAE-476A-A316-A2CF92D763D3}"/>
               </a:ext>
             </a:extLst>
           </p:cNvPr>
@@ -29963,7 +30371,7 @@
           <p:cNvPr id="10" name="Text Placeholder 9">
             <a:extLst>
               <a:ext uri="{FF2B5EF4-FFF2-40B4-BE49-F238E27FC236}">
-                <a16:creationId xmlns:a16="http://schemas.microsoft.com/office/drawing/2014/main" id="{EF2BC084-E6DB-4DE7-B309-042A85EBA700}"/>
+                <a16:creationId xmlns:a16="http://schemas.microsoft.com/office/drawing/2014/main" xmlns="" id="{EF2BC084-E6DB-4DE7-B309-042A85EBA700}"/>
               </a:ext>
             </a:extLst>
           </p:cNvPr>
@@ -30035,7 +30443,7 @@
           <p:cNvPr id="2" name="Slide Number Placeholder 1">
             <a:extLst>
               <a:ext uri="{FF2B5EF4-FFF2-40B4-BE49-F238E27FC236}">
-                <a16:creationId xmlns:a16="http://schemas.microsoft.com/office/drawing/2014/main" id="{BE9800F6-D571-48C4-8466-12AA1ADB6599}"/>
+                <a16:creationId xmlns:a16="http://schemas.microsoft.com/office/drawing/2014/main" xmlns="" id="{BE9800F6-D571-48C4-8466-12AA1ADB6599}"/>
               </a:ext>
             </a:extLst>
           </p:cNvPr>
@@ -30107,7 +30515,7 @@
           <p:cNvPr id="4" name="Title 3">
             <a:extLst>
               <a:ext uri="{FF2B5EF4-FFF2-40B4-BE49-F238E27FC236}">
-                <a16:creationId xmlns:a16="http://schemas.microsoft.com/office/drawing/2014/main" id="{315E3981-F0D7-482C-A8E0-6A57700BECA7}"/>
+                <a16:creationId xmlns:a16="http://schemas.microsoft.com/office/drawing/2014/main" xmlns="" id="{315E3981-F0D7-482C-A8E0-6A57700BECA7}"/>
               </a:ext>
             </a:extLst>
           </p:cNvPr>
@@ -30135,7 +30543,7 @@
           <p:cNvPr id="2" name="Slide Number Placeholder 1">
             <a:extLst>
               <a:ext uri="{FF2B5EF4-FFF2-40B4-BE49-F238E27FC236}">
-                <a16:creationId xmlns:a16="http://schemas.microsoft.com/office/drawing/2014/main" id="{520FC4EE-F318-4344-9E3C-B950ADB63865}"/>
+                <a16:creationId xmlns:a16="http://schemas.microsoft.com/office/drawing/2014/main" xmlns="" id="{520FC4EE-F318-4344-9E3C-B950ADB63865}"/>
               </a:ext>
             </a:extLst>
           </p:cNvPr>
@@ -30165,7 +30573,7 @@
           <p:cNvPr id="7" name="Text Placeholder 6">
             <a:extLst>
               <a:ext uri="{FF2B5EF4-FFF2-40B4-BE49-F238E27FC236}">
-                <a16:creationId xmlns:a16="http://schemas.microsoft.com/office/drawing/2014/main" id="{B74126B4-1E6C-4FFF-9282-40E18A85A07F}"/>
+                <a16:creationId xmlns:a16="http://schemas.microsoft.com/office/drawing/2014/main" xmlns="" id="{B74126B4-1E6C-4FFF-9282-40E18A85A07F}"/>
               </a:ext>
             </a:extLst>
           </p:cNvPr>
@@ -30193,7 +30601,7 @@
           <p:cNvPr id="5" name="Text Placeholder 4">
             <a:extLst>
               <a:ext uri="{FF2B5EF4-FFF2-40B4-BE49-F238E27FC236}">
-                <a16:creationId xmlns:a16="http://schemas.microsoft.com/office/drawing/2014/main" id="{E0C87788-476B-4620-8002-A5C1177AD6C1}"/>
+                <a16:creationId xmlns:a16="http://schemas.microsoft.com/office/drawing/2014/main" xmlns="" id="{E0C87788-476B-4620-8002-A5C1177AD6C1}"/>
               </a:ext>
             </a:extLst>
           </p:cNvPr>
@@ -30234,7 +30642,7 @@
           <p:cNvPr id="8" name="Text Placeholder 7">
             <a:extLst>
               <a:ext uri="{FF2B5EF4-FFF2-40B4-BE49-F238E27FC236}">
-                <a16:creationId xmlns:a16="http://schemas.microsoft.com/office/drawing/2014/main" id="{47DC4E62-1A34-4F98-A451-214F1808519C}"/>
+                <a16:creationId xmlns:a16="http://schemas.microsoft.com/office/drawing/2014/main" xmlns="" id="{47DC4E62-1A34-4F98-A451-214F1808519C}"/>
               </a:ext>
             </a:extLst>
           </p:cNvPr>
@@ -30279,7 +30687,7 @@
           <p:cNvPr id="6" name="Text Placeholder 5">
             <a:extLst>
               <a:ext uri="{FF2B5EF4-FFF2-40B4-BE49-F238E27FC236}">
-                <a16:creationId xmlns:a16="http://schemas.microsoft.com/office/drawing/2014/main" id="{000A9570-5EF6-4AFB-9FCA-7C8998E3FEB1}"/>
+                <a16:creationId xmlns:a16="http://schemas.microsoft.com/office/drawing/2014/main" xmlns="" id="{000A9570-5EF6-4AFB-9FCA-7C8998E3FEB1}"/>
               </a:ext>
             </a:extLst>
           </p:cNvPr>
@@ -30362,7 +30770,7 @@
           <p:cNvPr id="2" name="slide2" descr="Dashboard 1">
             <a:extLst>
               <a:ext uri="{FF2B5EF4-FFF2-40B4-BE49-F238E27FC236}">
-                <a16:creationId xmlns:a16="http://schemas.microsoft.com/office/drawing/2014/main" id="{54A7EA2E-4986-408D-BFC8-394272624144}"/>
+                <a16:creationId xmlns:a16="http://schemas.microsoft.com/office/drawing/2014/main" xmlns="" id="{54A7EA2E-4986-408D-BFC8-394272624144}"/>
               </a:ext>
             </a:extLst>
           </p:cNvPr>
@@ -30398,7 +30806,7 @@
           <p:cNvPr id="5" name="Title 4">
             <a:extLst>
               <a:ext uri="{FF2B5EF4-FFF2-40B4-BE49-F238E27FC236}">
-                <a16:creationId xmlns:a16="http://schemas.microsoft.com/office/drawing/2014/main" id="{4EB3640F-7B1B-44E0-A61D-D171786866AF}"/>
+                <a16:creationId xmlns:a16="http://schemas.microsoft.com/office/drawing/2014/main" xmlns="" id="{4EB3640F-7B1B-44E0-A61D-D171786866AF}"/>
               </a:ext>
             </a:extLst>
           </p:cNvPr>
@@ -30456,7 +30864,7 @@
           <p:cNvPr id="2" name="Title 1">
             <a:extLst>
               <a:ext uri="{FF2B5EF4-FFF2-40B4-BE49-F238E27FC236}">
-                <a16:creationId xmlns:a16="http://schemas.microsoft.com/office/drawing/2014/main" id="{632BE5BF-9922-45FB-8F3F-4446D40A051B}"/>
+                <a16:creationId xmlns:a16="http://schemas.microsoft.com/office/drawing/2014/main" xmlns="" id="{632BE5BF-9922-45FB-8F3F-4446D40A051B}"/>
               </a:ext>
             </a:extLst>
           </p:cNvPr>
@@ -30486,7 +30894,7 @@
           <p:cNvPr id="8" name="Slide Number Placeholder 2">
             <a:extLst>
               <a:ext uri="{FF2B5EF4-FFF2-40B4-BE49-F238E27FC236}">
-                <a16:creationId xmlns:a16="http://schemas.microsoft.com/office/drawing/2014/main" id="{49D24FB4-149E-9A65-378F-F4728BC33A3A}"/>
+                <a16:creationId xmlns:a16="http://schemas.microsoft.com/office/drawing/2014/main" xmlns="" id="{49D24FB4-149E-9A65-378F-F4728BC33A3A}"/>
               </a:ext>
             </a:extLst>
           </p:cNvPr>
@@ -30525,7 +30933,7 @@
           <p:cNvPr id="9" name="Content Placeholder 8">
             <a:extLst>
               <a:ext uri="{FF2B5EF4-FFF2-40B4-BE49-F238E27FC236}">
-                <a16:creationId xmlns:a16="http://schemas.microsoft.com/office/drawing/2014/main" id="{3773AA00-D252-4DC6-870A-1C13A52E2736}"/>
+                <a16:creationId xmlns:a16="http://schemas.microsoft.com/office/drawing/2014/main" xmlns="" id="{3773AA00-D252-4DC6-870A-1C13A52E2736}"/>
               </a:ext>
             </a:extLst>
           </p:cNvPr>
@@ -30536,7 +30944,7 @@
             <p:ph idx="1"/>
             <p:extLst>
               <p:ext uri="{D42A27DB-BD31-4B8C-83A1-F6EECF244321}">
-                <p14:modId xmlns:p14="http://schemas.microsoft.com/office/powerpoint/2010/main" val="2082097286"/>
+                <p14:modId xmlns:p14="http://schemas.microsoft.com/office/powerpoint/2010/main" val="2777518835"/>
               </p:ext>
             </p:extLst>
           </p:nvPr>
@@ -30568,18 +30976,8 @@
 </file>
 
 <file path=ppt/slides/slide7.xml><?xml version="1.0" encoding="utf-8"?>
-<p:sld xmlns:a="http://schemas.openxmlformats.org/drawingml/2006/main" xmlns:r="http://schemas.openxmlformats.org/officeDocument/2006/relationships" xmlns:p="http://schemas.openxmlformats.org/presentationml/2006/main" showMasterSp="0">
+<p:sld xmlns:a="http://schemas.openxmlformats.org/drawingml/2006/main" xmlns:r="http://schemas.openxmlformats.org/officeDocument/2006/relationships" xmlns:p="http://schemas.openxmlformats.org/presentationml/2006/main">
   <p:cSld>
-    <p:bg>
-      <p:bgPr>
-        <a:solidFill>
-          <a:schemeClr val="bg1">
-            <a:lumMod val="95000"/>
-          </a:schemeClr>
-        </a:solidFill>
-        <a:effectLst/>
-      </p:bgPr>
-    </p:bg>
     <p:spTree>
       <p:nvGrpSpPr>
         <p:cNvPr id="1" name=""/>
@@ -30596,13 +30994,7 @@
       </p:grpSpPr>
       <p:sp>
         <p:nvSpPr>
-          <p:cNvPr id="2" name="Title 1">
-            <a:extLst>
-              <a:ext uri="{FF2B5EF4-FFF2-40B4-BE49-F238E27FC236}">
-                <a16:creationId xmlns:a16="http://schemas.microsoft.com/office/drawing/2014/main" id="{E4DCAC26-918C-4772-BF30-510B03C5AE49}"/>
-              </a:ext>
-            </a:extLst>
-          </p:cNvPr>
+          <p:cNvPr id="2" name="Titel 1"/>
           <p:cNvSpPr>
             <a:spLocks noGrp="1"/>
           </p:cNvSpPr>
@@ -30616,25 +31008,16 @@
           <a:lstStyle/>
           <a:p>
             <a:r>
-              <a:rPr lang="en-US" dirty="0">
-                <a:solidFill>
-                  <a:schemeClr val="tx1"/>
-                </a:solidFill>
-              </a:rPr>
-              <a:t>Before and After Modelling-Histograms</a:t>
+              <a:rPr lang="de-DE" dirty="0" smtClean="0"/>
+              <a:t>Data Transformation</a:t>
             </a:r>
+            <a:endParaRPr lang="de-DE" dirty="0"/>
           </a:p>
         </p:txBody>
       </p:sp>
       <p:sp>
         <p:nvSpPr>
-          <p:cNvPr id="3" name="Slide Number Placeholder 2">
-            <a:extLst>
-              <a:ext uri="{FF2B5EF4-FFF2-40B4-BE49-F238E27FC236}">
-                <a16:creationId xmlns:a16="http://schemas.microsoft.com/office/drawing/2014/main" id="{BF702D22-B9F0-4A21-A93C-458A68ED29DC}"/>
-              </a:ext>
-            </a:extLst>
-          </p:cNvPr>
+          <p:cNvPr id="3" name="Foliennummernplatzhalter 2"/>
           <p:cNvSpPr>
             <a:spLocks noGrp="1"/>
           </p:cNvSpPr>
@@ -30656,68 +31039,258 @@
           </a:p>
         </p:txBody>
       </p:sp>
-      <p:pic>
-        <p:nvPicPr>
-          <p:cNvPr id="9" name="Content Placeholder 8" descr="A picture containing shoji, crossword puzzle, window, building&#10;&#10;Description automatically generated">
-            <a:extLst>
-              <a:ext uri="{FF2B5EF4-FFF2-40B4-BE49-F238E27FC236}">
-                <a16:creationId xmlns:a16="http://schemas.microsoft.com/office/drawing/2014/main" id="{315E1374-3F09-44C4-AFB8-0C423F7FCF94}"/>
-              </a:ext>
-            </a:extLst>
-          </p:cNvPr>
-          <p:cNvPicPr>
-            <a:picLocks noGrp="1" noChangeAspect="1"/>
-          </p:cNvPicPr>
+      <p:sp>
+        <p:nvSpPr>
+          <p:cNvPr id="4" name="Inhaltsplatzhalter 3"/>
+          <p:cNvSpPr>
+            <a:spLocks noGrp="1"/>
+          </p:cNvSpPr>
           <p:nvPr>
-            <p:ph sz="half" idx="1"/>
+            <p:ph idx="1"/>
           </p:nvPr>
-        </p:nvPicPr>
-        <p:blipFill>
-          <a:blip r:embed="rId2"/>
-          <a:stretch>
-            <a:fillRect/>
-          </a:stretch>
-        </p:blipFill>
-        <p:spPr>
-          <a:xfrm>
-            <a:off x="672924" y="1517650"/>
-            <a:ext cx="4724752" cy="4659313"/>
-          </a:xfrm>
-        </p:spPr>
-      </p:pic>
-      <p:pic>
-        <p:nvPicPr>
-          <p:cNvPr id="7" name="Content Placeholder 6" descr="A picture containing window, shoji&#10;&#10;Description automatically generated">
-            <a:extLst>
-              <a:ext uri="{FF2B5EF4-FFF2-40B4-BE49-F238E27FC236}">
-                <a16:creationId xmlns:a16="http://schemas.microsoft.com/office/drawing/2014/main" id="{5C11166E-3B9D-46AD-B7D1-54342613B286}"/>
-              </a:ext>
-            </a:extLst>
-          </p:cNvPr>
-          <p:cNvPicPr>
-            <a:picLocks noGrp="1" noChangeAspect="1"/>
-          </p:cNvPicPr>
-          <p:nvPr>
-            <p:ph sz="half" idx="2"/>
-          </p:nvPr>
-        </p:nvPicPr>
-        <p:blipFill>
-          <a:blip r:embed="rId3"/>
-          <a:stretch>
-            <a:fillRect/>
-          </a:stretch>
-        </p:blipFill>
-        <p:spPr>
-          <a:xfrm>
-            <a:off x="6659900" y="1517650"/>
-            <a:ext cx="4812624" cy="4659313"/>
-          </a:xfrm>
-        </p:spPr>
-      </p:pic>
+        </p:nvSpPr>
+        <p:spPr/>
+        <p:txBody>
+          <a:bodyPr/>
+          <a:lstStyle/>
+          <a:p>
+            <a:r>
+              <a:rPr lang="de-DE" dirty="0" err="1" smtClean="0"/>
+              <a:t>Dropped</a:t>
+            </a:r>
+            <a:r>
+              <a:rPr lang="de-DE" dirty="0" smtClean="0"/>
+              <a:t>: </a:t>
+            </a:r>
+            <a:r>
+              <a:rPr lang="de-DE" dirty="0" err="1" smtClean="0"/>
+              <a:t>id</a:t>
+            </a:r>
+            <a:r>
+              <a:rPr lang="de-DE" dirty="0" smtClean="0"/>
+              <a:t>, </a:t>
+            </a:r>
+            <a:r>
+              <a:rPr lang="de-DE" dirty="0" err="1" smtClean="0"/>
+              <a:t>date</a:t>
+            </a:r>
+            <a:r>
+              <a:rPr lang="de-DE" dirty="0" smtClean="0"/>
+              <a:t>, </a:t>
+            </a:r>
+            <a:r>
+              <a:rPr lang="de-DE" dirty="0" err="1" smtClean="0"/>
+              <a:t>lat</a:t>
+            </a:r>
+            <a:r>
+              <a:rPr lang="de-DE" dirty="0" smtClean="0"/>
+              <a:t>, </a:t>
+            </a:r>
+            <a:r>
+              <a:rPr lang="de-DE" dirty="0" err="1" smtClean="0"/>
+              <a:t>long</a:t>
+            </a:r>
+            <a:r>
+              <a:rPr lang="de-DE" dirty="0" smtClean="0"/>
+              <a:t>, </a:t>
+            </a:r>
+            <a:r>
+              <a:rPr lang="de-DE" dirty="0" err="1" smtClean="0"/>
+              <a:t>sqft_above</a:t>
+            </a:r>
+            <a:r>
+              <a:rPr lang="de-DE" dirty="0" smtClean="0"/>
+              <a:t> (</a:t>
+            </a:r>
+            <a:r>
+              <a:rPr lang="de-DE" dirty="0" err="1" smtClean="0"/>
+              <a:t>multicolinearity</a:t>
+            </a:r>
+            <a:r>
+              <a:rPr lang="de-DE" dirty="0" smtClean="0"/>
+              <a:t>)</a:t>
+            </a:r>
+          </a:p>
+          <a:p>
+            <a:r>
+              <a:rPr lang="de-DE" dirty="0" err="1" smtClean="0"/>
+              <a:t>Imported</a:t>
+            </a:r>
+            <a:r>
+              <a:rPr lang="de-DE" dirty="0" smtClean="0"/>
+              <a:t>: </a:t>
+            </a:r>
+            <a:r>
+              <a:rPr lang="de-DE" dirty="0" err="1" smtClean="0"/>
+              <a:t>Distance</a:t>
+            </a:r>
+            <a:r>
+              <a:rPr lang="de-DE" dirty="0" smtClean="0"/>
+              <a:t> </a:t>
+            </a:r>
+            <a:r>
+              <a:rPr lang="de-DE" dirty="0" err="1" smtClean="0"/>
+              <a:t>to</a:t>
+            </a:r>
+            <a:r>
+              <a:rPr lang="de-DE" dirty="0" smtClean="0"/>
+              <a:t> </a:t>
+            </a:r>
+            <a:r>
+              <a:rPr lang="de-DE" dirty="0" err="1" smtClean="0"/>
+              <a:t>city</a:t>
+            </a:r>
+            <a:r>
+              <a:rPr lang="de-DE" dirty="0" smtClean="0"/>
+              <a:t> </a:t>
+            </a:r>
+            <a:r>
+              <a:rPr lang="de-DE" dirty="0" err="1" smtClean="0"/>
+              <a:t>center</a:t>
+            </a:r>
+            <a:endParaRPr lang="de-DE" dirty="0" smtClean="0"/>
+          </a:p>
+          <a:p>
+            <a:r>
+              <a:rPr lang="de-DE" dirty="0" err="1" smtClean="0"/>
+              <a:t>Binned</a:t>
+            </a:r>
+            <a:r>
+              <a:rPr lang="de-DE" dirty="0" smtClean="0"/>
+              <a:t>:</a:t>
+            </a:r>
+          </a:p>
+          <a:p>
+            <a:pPr lvl="1"/>
+            <a:r>
+              <a:rPr lang="de-DE" dirty="0" smtClean="0"/>
+              <a:t>Year </a:t>
+            </a:r>
+            <a:r>
+              <a:rPr lang="de-DE" dirty="0" err="1" smtClean="0"/>
+              <a:t>renovated</a:t>
+            </a:r>
+            <a:r>
+              <a:rPr lang="de-DE" dirty="0" smtClean="0"/>
+              <a:t> (Yes, </a:t>
+            </a:r>
+            <a:r>
+              <a:rPr lang="de-DE" dirty="0" err="1" smtClean="0"/>
+              <a:t>No</a:t>
+            </a:r>
+            <a:r>
+              <a:rPr lang="de-DE" dirty="0" smtClean="0"/>
+              <a:t>), </a:t>
+            </a:r>
+          </a:p>
+          <a:p>
+            <a:pPr lvl="1"/>
+            <a:r>
+              <a:rPr lang="de-DE" dirty="0" err="1" smtClean="0"/>
+              <a:t>basement</a:t>
+            </a:r>
+            <a:r>
+              <a:rPr lang="de-DE" dirty="0" smtClean="0"/>
+              <a:t> </a:t>
+            </a:r>
+            <a:r>
+              <a:rPr lang="de-DE" dirty="0" err="1" smtClean="0"/>
+              <a:t>size</a:t>
+            </a:r>
+            <a:r>
+              <a:rPr lang="de-DE" dirty="0" smtClean="0"/>
+              <a:t> (Yes, </a:t>
+            </a:r>
+            <a:r>
+              <a:rPr lang="de-DE" dirty="0" err="1" smtClean="0"/>
+              <a:t>No</a:t>
+            </a:r>
+            <a:r>
+              <a:rPr lang="de-DE" dirty="0" smtClean="0"/>
+              <a:t>), </a:t>
+            </a:r>
+          </a:p>
+          <a:p>
+            <a:pPr lvl="1"/>
+            <a:r>
+              <a:rPr lang="de-DE" dirty="0" smtClean="0"/>
+              <a:t>Grade (</a:t>
+            </a:r>
+            <a:r>
+              <a:rPr lang="de-DE" dirty="0" err="1" smtClean="0"/>
+              <a:t>average</a:t>
+            </a:r>
+            <a:r>
+              <a:rPr lang="de-DE" dirty="0" smtClean="0"/>
+              <a:t>, </a:t>
+            </a:r>
+            <a:r>
+              <a:rPr lang="de-DE" dirty="0" err="1" smtClean="0"/>
+              <a:t>above</a:t>
+            </a:r>
+            <a:r>
+              <a:rPr lang="de-DE" dirty="0" smtClean="0"/>
+              <a:t> </a:t>
+            </a:r>
+            <a:r>
+              <a:rPr lang="de-DE" dirty="0" err="1" smtClean="0"/>
+              <a:t>average</a:t>
+            </a:r>
+            <a:r>
+              <a:rPr lang="de-DE" dirty="0" smtClean="0"/>
+              <a:t>), </a:t>
+            </a:r>
+          </a:p>
+          <a:p>
+            <a:pPr lvl="1"/>
+            <a:r>
+              <a:rPr lang="de-DE" dirty="0" err="1" smtClean="0"/>
+              <a:t>Floors</a:t>
+            </a:r>
+            <a:r>
+              <a:rPr lang="de-DE" dirty="0" smtClean="0"/>
+              <a:t> (</a:t>
+            </a:r>
+            <a:r>
+              <a:rPr lang="de-DE" dirty="0" err="1" smtClean="0"/>
+              <a:t>one</a:t>
+            </a:r>
+            <a:r>
+              <a:rPr lang="de-DE" dirty="0" smtClean="0"/>
+              <a:t>, </a:t>
+            </a:r>
+            <a:r>
+              <a:rPr lang="de-DE" dirty="0" err="1" smtClean="0"/>
+              <a:t>more</a:t>
+            </a:r>
+            <a:r>
+              <a:rPr lang="de-DE" dirty="0" smtClean="0"/>
+              <a:t> </a:t>
+            </a:r>
+            <a:r>
+              <a:rPr lang="de-DE" dirty="0" err="1" smtClean="0"/>
+              <a:t>than</a:t>
+            </a:r>
+            <a:r>
+              <a:rPr lang="de-DE" dirty="0" smtClean="0"/>
+              <a:t> </a:t>
+            </a:r>
+            <a:r>
+              <a:rPr lang="de-DE" dirty="0" err="1" smtClean="0"/>
+              <a:t>one</a:t>
+            </a:r>
+            <a:r>
+              <a:rPr lang="de-DE" dirty="0" smtClean="0"/>
+              <a:t>)</a:t>
+            </a:r>
+            <a:endParaRPr lang="de-DE" dirty="0"/>
+          </a:p>
+        </p:txBody>
+      </p:sp>
     </p:spTree>
     <p:extLst>
       <p:ext uri="{BB962C8B-B14F-4D97-AF65-F5344CB8AC3E}">
-        <p14:creationId xmlns:p14="http://schemas.microsoft.com/office/powerpoint/2010/main" val="3685779639"/>
+        <p14:creationId xmlns:p14="http://schemas.microsoft.com/office/powerpoint/2010/main" val="209317408"/>
       </p:ext>
     </p:extLst>
   </p:cSld>
@@ -30729,187 +31302,6 @@
 
 <file path=ppt/slides/slide8.xml><?xml version="1.0" encoding="utf-8"?>
 <p:sld xmlns:a="http://schemas.openxmlformats.org/drawingml/2006/main" xmlns:r="http://schemas.openxmlformats.org/officeDocument/2006/relationships" xmlns:p="http://schemas.openxmlformats.org/presentationml/2006/main" showMasterSp="0">
-  <p:cSld>
-    <p:bg>
-      <p:bgPr>
-        <a:solidFill>
-          <a:srgbClr val="BCBCBE"/>
-        </a:solidFill>
-        <a:effectLst/>
-      </p:bgPr>
-    </p:bg>
-    <p:spTree>
-      <p:nvGrpSpPr>
-        <p:cNvPr id="1" name=""/>
-        <p:cNvGrpSpPr/>
-        <p:nvPr/>
-      </p:nvGrpSpPr>
-      <p:grpSpPr>
-        <a:xfrm>
-          <a:off x="0" y="0"/>
-          <a:ext cx="0" cy="0"/>
-          <a:chOff x="0" y="0"/>
-          <a:chExt cx="0" cy="0"/>
-        </a:xfrm>
-      </p:grpSpPr>
-      <p:sp>
-        <p:nvSpPr>
-          <p:cNvPr id="7" name="Title 1">
-            <a:extLst>
-              <a:ext uri="{FF2B5EF4-FFF2-40B4-BE49-F238E27FC236}">
-                <a16:creationId xmlns:a16="http://schemas.microsoft.com/office/drawing/2014/main" id="{39004234-E5F3-0061-33DC-E80121C7A652}"/>
-              </a:ext>
-            </a:extLst>
-          </p:cNvPr>
-          <p:cNvSpPr>
-            <a:spLocks noGrp="1"/>
-          </p:cNvSpPr>
-          <p:nvPr>
-            <p:ph type="title"/>
-          </p:nvPr>
-        </p:nvSpPr>
-        <p:spPr>
-          <a:xfrm>
-            <a:off x="444500" y="542925"/>
-            <a:ext cx="11214100" cy="535531"/>
-          </a:xfrm>
-        </p:spPr>
-        <p:txBody>
-          <a:bodyPr wrap="square" anchor="t">
-            <a:normAutofit/>
-          </a:bodyPr>
-          <a:lstStyle/>
-          <a:p>
-            <a:r>
-              <a:rPr lang="en-US" dirty="0"/>
-              <a:t>Modelling Effect</a:t>
-            </a:r>
-          </a:p>
-        </p:txBody>
-      </p:sp>
-      <p:sp>
-        <p:nvSpPr>
-          <p:cNvPr id="9" name="Slide Number Placeholder 2">
-            <a:extLst>
-              <a:ext uri="{FF2B5EF4-FFF2-40B4-BE49-F238E27FC236}">
-                <a16:creationId xmlns:a16="http://schemas.microsoft.com/office/drawing/2014/main" id="{7985B612-1C08-09A4-98B7-509C2FD3E282}"/>
-              </a:ext>
-            </a:extLst>
-          </p:cNvPr>
-          <p:cNvSpPr>
-            <a:spLocks noGrp="1"/>
-          </p:cNvSpPr>
-          <p:nvPr>
-            <p:ph type="sldNum" sz="quarter" idx="12"/>
-          </p:nvPr>
-        </p:nvSpPr>
-        <p:spPr>
-          <a:xfrm>
-            <a:off x="11252200" y="6315075"/>
-            <a:ext cx="406400" cy="365125"/>
-          </a:xfrm>
-        </p:spPr>
-        <p:txBody>
-          <a:bodyPr anchor="ctr">
-            <a:normAutofit/>
-          </a:bodyPr>
-          <a:lstStyle/>
-          <a:p>
-            <a:pPr>
-              <a:spcAft>
-                <a:spcPts val="600"/>
-              </a:spcAft>
-            </a:pPr>
-            <a:fld id="{C263D6C4-4840-40CC-AC84-17E24B3B7BDE}" type="slidenum">
-              <a:rPr lang="en-US" noProof="0" smtClean="0"/>
-              <a:pPr>
-                <a:spcAft>
-                  <a:spcPts val="600"/>
-                </a:spcAft>
-              </a:pPr>
-              <a:t>8</a:t>
-            </a:fld>
-            <a:endParaRPr lang="en-US" noProof="0"/>
-          </a:p>
-        </p:txBody>
-      </p:sp>
-      <p:pic>
-        <p:nvPicPr>
-          <p:cNvPr id="2" name="slide2" descr="Sheet 1">
-            <a:extLst>
-              <a:ext uri="{FF2B5EF4-FFF2-40B4-BE49-F238E27FC236}">
-                <a16:creationId xmlns:a16="http://schemas.microsoft.com/office/drawing/2014/main" id="{36E7CE5A-4F6B-4889-A1F0-DF52508F88FF}"/>
-              </a:ext>
-            </a:extLst>
-          </p:cNvPr>
-          <p:cNvPicPr>
-            <a:picLocks noChangeAspect="1"/>
-          </p:cNvPicPr>
-          <p:nvPr/>
-        </p:nvPicPr>
-        <p:blipFill>
-          <a:blip r:embed="rId2">
-            <a:extLst>
-              <a:ext uri="{28A0092B-C50C-407E-A947-70E740481C1C}">
-                <a14:useLocalDpi xmlns:a14="http://schemas.microsoft.com/office/drawing/2010/main" val="0"/>
-              </a:ext>
-            </a:extLst>
-          </a:blip>
-          <a:stretch>
-            <a:fillRect/>
-          </a:stretch>
-        </p:blipFill>
-        <p:spPr>
-          <a:xfrm>
-            <a:off x="777766" y="1517715"/>
-            <a:ext cx="3772072" cy="4659248"/>
-          </a:xfrm>
-          <a:prstGeom prst="rect">
-            <a:avLst/>
-          </a:prstGeom>
-          <a:noFill/>
-        </p:spPr>
-      </p:pic>
-      <p:sp>
-        <p:nvSpPr>
-          <p:cNvPr id="3" name="Content Placeholder 2">
-            <a:extLst>
-              <a:ext uri="{FF2B5EF4-FFF2-40B4-BE49-F238E27FC236}">
-                <a16:creationId xmlns:a16="http://schemas.microsoft.com/office/drawing/2014/main" id="{518A2A64-9F61-47D3-995C-C2C4A1B7421F}"/>
-              </a:ext>
-            </a:extLst>
-          </p:cNvPr>
-          <p:cNvSpPr>
-            <a:spLocks noGrp="1"/>
-          </p:cNvSpPr>
-          <p:nvPr>
-            <p:ph sz="half" idx="2"/>
-          </p:nvPr>
-        </p:nvSpPr>
-        <p:spPr/>
-        <p:txBody>
-          <a:bodyPr/>
-          <a:lstStyle/>
-          <a:p>
-            <a:endParaRPr lang="en-US"/>
-          </a:p>
-        </p:txBody>
-      </p:sp>
-    </p:spTree>
-    <p:extLst>
-      <p:ext uri="{BB962C8B-B14F-4D97-AF65-F5344CB8AC3E}">
-        <p14:creationId xmlns:p14="http://schemas.microsoft.com/office/powerpoint/2010/main" val="95992585"/>
-      </p:ext>
-    </p:extLst>
-  </p:cSld>
-  <p:clrMapOvr>
-    <a:masterClrMapping/>
-  </p:clrMapOvr>
-</p:sld>
-</file>
-
-<file path=ppt/slides/slide9.xml><?xml version="1.0" encoding="utf-8"?>
-<p:sld xmlns:a="http://schemas.openxmlformats.org/drawingml/2006/main" xmlns:r="http://schemas.openxmlformats.org/officeDocument/2006/relationships" xmlns:p="http://schemas.openxmlformats.org/presentationml/2006/main">
   <p:cSld>
     <p:spTree>
       <p:nvGrpSpPr>
@@ -30930,7 +31322,7 @@
           <p:cNvPr id="3" name="Title 2">
             <a:extLst>
               <a:ext uri="{FF2B5EF4-FFF2-40B4-BE49-F238E27FC236}">
-                <a16:creationId xmlns:a16="http://schemas.microsoft.com/office/drawing/2014/main" id="{2D3A9A61-40C1-4373-90F0-17970C73A1FD}"/>
+                <a16:creationId xmlns:a16="http://schemas.microsoft.com/office/drawing/2014/main" xmlns="" id="{2D3A9A61-40C1-4373-90F0-17970C73A1FD}"/>
               </a:ext>
             </a:extLst>
           </p:cNvPr>
@@ -30946,7 +31338,11 @@
           <a:bodyPr/>
           <a:lstStyle/>
           <a:p>
-            <a:endParaRPr lang="en-US"/>
+            <a:r>
+              <a:rPr lang="en-US" dirty="0" smtClean="0"/>
+              <a:t>Model Results</a:t>
+            </a:r>
+            <a:endParaRPr lang="en-US" dirty="0"/>
           </a:p>
         </p:txBody>
       </p:sp>
@@ -30955,10 +31351,415 @@
           <p:cNvPr id="2" name="Slide Number Placeholder 1">
             <a:extLst>
               <a:ext uri="{FF2B5EF4-FFF2-40B4-BE49-F238E27FC236}">
-                <a16:creationId xmlns:a16="http://schemas.microsoft.com/office/drawing/2014/main" id="{073D4604-0D28-4C2F-B4AA-99E4E723CF92}"/>
+                <a16:creationId xmlns:a16="http://schemas.microsoft.com/office/drawing/2014/main" xmlns="" id="{073D4604-0D28-4C2F-B4AA-99E4E723CF92}"/>
               </a:ext>
             </a:extLst>
           </p:cNvPr>
+          <p:cNvSpPr>
+            <a:spLocks noGrp="1"/>
+          </p:cNvSpPr>
+          <p:nvPr>
+            <p:ph type="sldNum" sz="quarter" idx="12"/>
+          </p:nvPr>
+        </p:nvSpPr>
+        <p:spPr/>
+        <p:txBody>
+          <a:bodyPr/>
+          <a:lstStyle/>
+          <a:p>
+            <a:fld id="{C263D6C4-4840-40CC-AC84-17E24B3B7BDE}" type="slidenum">
+              <a:rPr lang="en-US" noProof="0" smtClean="0"/>
+              <a:pPr/>
+              <a:t>8</a:t>
+            </a:fld>
+            <a:endParaRPr lang="en-US" noProof="0" dirty="0"/>
+          </a:p>
+        </p:txBody>
+      </p:sp>
+      <p:graphicFrame>
+        <p:nvGraphicFramePr>
+          <p:cNvPr id="10" name="Tabelle 9"/>
+          <p:cNvGraphicFramePr>
+            <a:graphicFrameLocks noGrp="1"/>
+          </p:cNvGraphicFramePr>
+          <p:nvPr>
+            <p:extLst>
+              <p:ext uri="{D42A27DB-BD31-4B8C-83A1-F6EECF244321}">
+                <p14:modId xmlns:p14="http://schemas.microsoft.com/office/powerpoint/2010/main" val="875557294"/>
+              </p:ext>
+            </p:extLst>
+          </p:nvPr>
+        </p:nvGraphicFramePr>
+        <p:xfrm>
+          <a:off x="334737" y="4710793"/>
+          <a:ext cx="7053941" cy="1845128"/>
+        </p:xfrm>
+        <a:graphic>
+          <a:graphicData uri="http://schemas.openxmlformats.org/drawingml/2006/table">
+            <a:tbl>
+              <a:tblPr>
+                <a:tableStyleId>{5C22544A-7EE6-4342-B048-85BDC9FD1C3A}</a:tableStyleId>
+              </a:tblPr>
+              <a:tblGrid>
+                <a:gridCol w="1837809"/>
+                <a:gridCol w="1770241"/>
+                <a:gridCol w="1770241"/>
+                <a:gridCol w="1675650"/>
+              </a:tblGrid>
+              <a:tr h="399378">
+                <a:tc>
+                  <a:txBody>
+                    <a:bodyPr/>
+                    <a:lstStyle/>
+                    <a:p>
+                      <a:pPr algn="l" fontAlgn="b"/>
+                      <a:endParaRPr lang="de-DE" sz="1100" b="0" i="0" u="none" strike="noStrike" dirty="0">
+                        <a:solidFill>
+                          <a:srgbClr val="000000"/>
+                        </a:solidFill>
+                        <a:effectLst/>
+                        <a:latin typeface="Calibri"/>
+                      </a:endParaRPr>
+                    </a:p>
+                  </a:txBody>
+                  <a:tcPr marL="9525" marR="9525" marT="9525" marB="0" anchor="b"/>
+                </a:tc>
+                <a:tc>
+                  <a:txBody>
+                    <a:bodyPr/>
+                    <a:lstStyle/>
+                    <a:p>
+                      <a:pPr algn="l" fontAlgn="b"/>
+                      <a:r>
+                        <a:rPr lang="de-DE" sz="1100" u="none" strike="noStrike">
+                          <a:effectLst/>
+                        </a:rPr>
+                        <a:t>R2_test</a:t>
+                      </a:r>
+                      <a:endParaRPr lang="de-DE" sz="1100" b="0" i="0" u="none" strike="noStrike">
+                        <a:solidFill>
+                          <a:srgbClr val="000000"/>
+                        </a:solidFill>
+                        <a:effectLst/>
+                        <a:latin typeface="Calibri"/>
+                      </a:endParaRPr>
+                    </a:p>
+                  </a:txBody>
+                  <a:tcPr marL="9525" marR="9525" marT="9525" marB="0" anchor="b"/>
+                </a:tc>
+                <a:tc>
+                  <a:txBody>
+                    <a:bodyPr/>
+                    <a:lstStyle/>
+                    <a:p>
+                      <a:pPr algn="l" fontAlgn="b"/>
+                      <a:r>
+                        <a:rPr lang="de-DE" sz="1100" u="none" strike="noStrike">
+                          <a:effectLst/>
+                        </a:rPr>
+                        <a:t>R2_train</a:t>
+                      </a:r>
+                      <a:endParaRPr lang="de-DE" sz="1100" b="0" i="0" u="none" strike="noStrike">
+                        <a:solidFill>
+                          <a:srgbClr val="000000"/>
+                        </a:solidFill>
+                        <a:effectLst/>
+                        <a:latin typeface="Calibri"/>
+                      </a:endParaRPr>
+                    </a:p>
+                  </a:txBody>
+                  <a:tcPr marL="9525" marR="9525" marT="9525" marB="0" anchor="b"/>
+                </a:tc>
+                <a:tc>
+                  <a:txBody>
+                    <a:bodyPr/>
+                    <a:lstStyle/>
+                    <a:p>
+                      <a:pPr algn="l" fontAlgn="b"/>
+                      <a:r>
+                        <a:rPr lang="de-DE" sz="1100" u="none" strike="noStrike">
+                          <a:effectLst/>
+                        </a:rPr>
+                        <a:t>Adj_R2</a:t>
+                      </a:r>
+                      <a:endParaRPr lang="de-DE" sz="1100" b="0" i="0" u="none" strike="noStrike">
+                        <a:solidFill>
+                          <a:srgbClr val="000000"/>
+                        </a:solidFill>
+                        <a:effectLst/>
+                        <a:latin typeface="Calibri"/>
+                      </a:endParaRPr>
+                    </a:p>
+                  </a:txBody>
+                  <a:tcPr marL="9525" marR="9525" marT="9525" marB="0" anchor="b"/>
+                </a:tc>
+              </a:tr>
+              <a:tr h="722875">
+                <a:tc>
+                  <a:txBody>
+                    <a:bodyPr/>
+                    <a:lstStyle/>
+                    <a:p>
+                      <a:pPr algn="l" fontAlgn="b"/>
+                      <a:r>
+                        <a:rPr lang="de-DE" sz="1100" u="none" strike="noStrike">
+                          <a:effectLst/>
+                        </a:rPr>
+                        <a:t>model 1</a:t>
+                      </a:r>
+                      <a:endParaRPr lang="de-DE" sz="1100" b="0" i="0" u="none" strike="noStrike">
+                        <a:solidFill>
+                          <a:srgbClr val="000000"/>
+                        </a:solidFill>
+                        <a:effectLst/>
+                        <a:latin typeface="Calibri"/>
+                      </a:endParaRPr>
+                    </a:p>
+                  </a:txBody>
+                  <a:tcPr marL="9525" marR="9525" marT="9525" marB="0" anchor="b"/>
+                </a:tc>
+                <a:tc>
+                  <a:txBody>
+                    <a:bodyPr/>
+                    <a:lstStyle/>
+                    <a:p>
+                      <a:pPr algn="l" fontAlgn="b"/>
+                      <a:r>
+                        <a:rPr lang="de-DE" sz="1100" u="none" strike="noStrike">
+                          <a:effectLst/>
+                        </a:rPr>
+                        <a:t>0.7554379531895128</a:t>
+                      </a:r>
+                      <a:endParaRPr lang="de-DE" sz="1100" b="0" i="0" u="none" strike="noStrike">
+                        <a:solidFill>
+                          <a:srgbClr val="000000"/>
+                        </a:solidFill>
+                        <a:effectLst/>
+                        <a:latin typeface="Calibri"/>
+                      </a:endParaRPr>
+                    </a:p>
+                  </a:txBody>
+                  <a:tcPr marL="9525" marR="9525" marT="9525" marB="0" anchor="b"/>
+                </a:tc>
+                <a:tc>
+                  <a:txBody>
+                    <a:bodyPr/>
+                    <a:lstStyle/>
+                    <a:p>
+                      <a:pPr algn="l" fontAlgn="b"/>
+                      <a:r>
+                        <a:rPr lang="de-DE" sz="1100" u="none" strike="noStrike">
+                          <a:effectLst/>
+                        </a:rPr>
+                        <a:t>0.7696525976580786</a:t>
+                      </a:r>
+                      <a:endParaRPr lang="de-DE" sz="1100" b="0" i="0" u="none" strike="noStrike">
+                        <a:solidFill>
+                          <a:srgbClr val="000000"/>
+                        </a:solidFill>
+                        <a:effectLst/>
+                        <a:latin typeface="Calibri"/>
+                      </a:endParaRPr>
+                    </a:p>
+                  </a:txBody>
+                  <a:tcPr marL="9525" marR="9525" marT="9525" marB="0" anchor="b"/>
+                </a:tc>
+                <a:tc>
+                  <a:txBody>
+                    <a:bodyPr/>
+                    <a:lstStyle/>
+                    <a:p>
+                      <a:pPr algn="l" fontAlgn="b"/>
+                      <a:r>
+                        <a:rPr lang="de-DE" sz="1100" u="none" strike="noStrike">
+                          <a:effectLst/>
+                        </a:rPr>
+                        <a:t>0.7526178911506988</a:t>
+                      </a:r>
+                      <a:endParaRPr lang="de-DE" sz="1100" b="0" i="0" u="none" strike="noStrike">
+                        <a:solidFill>
+                          <a:srgbClr val="000000"/>
+                        </a:solidFill>
+                        <a:effectLst/>
+                        <a:latin typeface="Calibri"/>
+                      </a:endParaRPr>
+                    </a:p>
+                  </a:txBody>
+                  <a:tcPr marL="9525" marR="9525" marT="9525" marB="0" anchor="b"/>
+                </a:tc>
+              </a:tr>
+              <a:tr h="722875">
+                <a:tc>
+                  <a:txBody>
+                    <a:bodyPr/>
+                    <a:lstStyle/>
+                    <a:p>
+                      <a:pPr algn="l" fontAlgn="b"/>
+                      <a:r>
+                        <a:rPr lang="de-DE" sz="1100" u="none" strike="noStrike">
+                          <a:effectLst/>
+                        </a:rPr>
+                        <a:t>model 2 </a:t>
+                      </a:r>
+                      <a:endParaRPr lang="de-DE" sz="1100" b="0" i="0" u="none" strike="noStrike">
+                        <a:solidFill>
+                          <a:srgbClr val="000000"/>
+                        </a:solidFill>
+                        <a:effectLst/>
+                        <a:latin typeface="Calibri"/>
+                      </a:endParaRPr>
+                    </a:p>
+                  </a:txBody>
+                  <a:tcPr marL="9525" marR="9525" marT="9525" marB="0" anchor="b"/>
+                </a:tc>
+                <a:tc>
+                  <a:txBody>
+                    <a:bodyPr/>
+                    <a:lstStyle/>
+                    <a:p>
+                      <a:pPr algn="l" fontAlgn="b"/>
+                      <a:r>
+                        <a:rPr lang="de-DE" sz="1100" u="none" strike="noStrike">
+                          <a:effectLst/>
+                        </a:rPr>
+                        <a:t>0.7541199555529359</a:t>
+                      </a:r>
+                      <a:endParaRPr lang="de-DE" sz="1100" b="0" i="0" u="none" strike="noStrike">
+                        <a:solidFill>
+                          <a:srgbClr val="000000"/>
+                        </a:solidFill>
+                        <a:effectLst/>
+                        <a:latin typeface="Calibri"/>
+                      </a:endParaRPr>
+                    </a:p>
+                  </a:txBody>
+                  <a:tcPr marL="9525" marR="9525" marT="9525" marB="0" anchor="b"/>
+                </a:tc>
+                <a:tc>
+                  <a:txBody>
+                    <a:bodyPr/>
+                    <a:lstStyle/>
+                    <a:p>
+                      <a:pPr algn="l" fontAlgn="b"/>
+                      <a:r>
+                        <a:rPr lang="de-DE" sz="1100" u="none" strike="noStrike">
+                          <a:effectLst/>
+                        </a:rPr>
+                        <a:t>0.7693343591901028</a:t>
+                      </a:r>
+                      <a:endParaRPr lang="de-DE" sz="1100" b="0" i="0" u="none" strike="noStrike">
+                        <a:solidFill>
+                          <a:srgbClr val="000000"/>
+                        </a:solidFill>
+                        <a:effectLst/>
+                        <a:latin typeface="Calibri"/>
+                      </a:endParaRPr>
+                    </a:p>
+                  </a:txBody>
+                  <a:tcPr marL="9525" marR="9525" marT="9525" marB="0" anchor="b"/>
+                </a:tc>
+                <a:tc>
+                  <a:txBody>
+                    <a:bodyPr/>
+                    <a:lstStyle/>
+                    <a:p>
+                      <a:pPr algn="l" fontAlgn="b"/>
+                      <a:r>
+                        <a:rPr lang="de-DE" sz="1100" u="none" strike="noStrike" dirty="0">
+                          <a:effectLst/>
+                        </a:rPr>
+                        <a:t>0.751363452812498</a:t>
+                      </a:r>
+                      <a:endParaRPr lang="de-DE" sz="1100" b="0" i="0" u="none" strike="noStrike" dirty="0">
+                        <a:solidFill>
+                          <a:srgbClr val="000000"/>
+                        </a:solidFill>
+                        <a:effectLst/>
+                        <a:latin typeface="Calibri"/>
+                      </a:endParaRPr>
+                    </a:p>
+                  </a:txBody>
+                  <a:tcPr marL="9525" marR="9525" marT="9525" marB="0" anchor="b"/>
+                </a:tc>
+              </a:tr>
+            </a:tbl>
+          </a:graphicData>
+        </a:graphic>
+      </p:graphicFrame>
+      <p:pic>
+        <p:nvPicPr>
+          <p:cNvPr id="1026" name="Picture 2" descr="C:\Users\Lenovo\Documents\GitHub\Houseprices\Data\plot_m2_stats.png"/>
+          <p:cNvPicPr>
+            <a:picLocks noChangeAspect="1" noChangeArrowheads="1"/>
+          </p:cNvPicPr>
+          <p:nvPr/>
+        </p:nvPicPr>
+        <p:blipFill>
+          <a:blip r:embed="rId2">
+            <a:extLst>
+              <a:ext uri="{28A0092B-C50C-407E-A947-70E740481C1C}">
+                <a14:useLocalDpi xmlns:a14="http://schemas.microsoft.com/office/drawing/2010/main" val="0"/>
+              </a:ext>
+            </a:extLst>
+          </a:blip>
+          <a:srcRect/>
+          <a:stretch>
+            <a:fillRect/>
+          </a:stretch>
+        </p:blipFill>
+        <p:spPr bwMode="auto">
+          <a:xfrm>
+            <a:off x="1630911" y="1248987"/>
+            <a:ext cx="8418896" cy="2854470"/>
+          </a:xfrm>
+          <a:prstGeom prst="rect">
+            <a:avLst/>
+          </a:prstGeom>
+          <a:noFill/>
+          <a:extLst>
+            <a:ext uri="{909E8E84-426E-40DD-AFC4-6F175D3DCCD1}">
+              <a14:hiddenFill xmlns:a14="http://schemas.microsoft.com/office/drawing/2010/main">
+                <a:solidFill>
+                  <a:srgbClr val="FFFFFF"/>
+                </a:solidFill>
+              </a14:hiddenFill>
+            </a:ext>
+          </a:extLst>
+        </p:spPr>
+      </p:pic>
+    </p:spTree>
+    <p:extLst>
+      <p:ext uri="{BB962C8B-B14F-4D97-AF65-F5344CB8AC3E}">
+        <p14:creationId xmlns:p14="http://schemas.microsoft.com/office/powerpoint/2010/main" val="1318257609"/>
+      </p:ext>
+    </p:extLst>
+  </p:cSld>
+  <p:clrMapOvr>
+    <a:masterClrMapping/>
+  </p:clrMapOvr>
+</p:sld>
+</file>
+
+<file path=ppt/slides/slide9.xml><?xml version="1.0" encoding="utf-8"?>
+<p:sld xmlns:a="http://schemas.openxmlformats.org/drawingml/2006/main" xmlns:r="http://schemas.openxmlformats.org/officeDocument/2006/relationships" xmlns:p="http://schemas.openxmlformats.org/presentationml/2006/main" showMasterSp="0">
+  <p:cSld>
+    <p:spTree>
+      <p:nvGrpSpPr>
+        <p:cNvPr id="1" name=""/>
+        <p:cNvGrpSpPr/>
+        <p:nvPr/>
+      </p:nvGrpSpPr>
+      <p:grpSpPr>
+        <a:xfrm>
+          <a:off x="0" y="0"/>
+          <a:ext cx="0" cy="0"/>
+          <a:chOff x="0" y="0"/>
+          <a:chExt cx="0" cy="0"/>
+        </a:xfrm>
+      </p:grpSpPr>
+      <p:sp>
+        <p:nvSpPr>
+          <p:cNvPr id="2" name="Foliennummernplatzhalter 1"/>
           <p:cNvSpPr>
             <a:spLocks noGrp="1"/>
           </p:cNvSpPr>
@@ -30980,44 +31781,51 @@
           </a:p>
         </p:txBody>
       </p:sp>
-      <p:sp>
-        <p:nvSpPr>
-          <p:cNvPr id="4" name="Content Placeholder 3">
+      <p:pic>
+        <p:nvPicPr>
+          <p:cNvPr id="3" name="Picture 1" descr="C:\Users\Lenovo\Documents\GitHub\Houseprices\Data\plot_m2_feat_imp.png"/>
+          <p:cNvPicPr>
+            <a:picLocks noChangeAspect="1" noChangeArrowheads="1"/>
+          </p:cNvPicPr>
+          <p:nvPr/>
+        </p:nvPicPr>
+        <p:blipFill>
+          <a:blip r:embed="rId2">
             <a:extLst>
-              <a:ext uri="{FF2B5EF4-FFF2-40B4-BE49-F238E27FC236}">
-                <a16:creationId xmlns:a16="http://schemas.microsoft.com/office/drawing/2014/main" id="{1D20B07A-79B4-4CAB-B15B-20C0A671780D}"/>
+              <a:ext uri="{28A0092B-C50C-407E-A947-70E740481C1C}">
+                <a14:useLocalDpi xmlns:a14="http://schemas.microsoft.com/office/drawing/2010/main" val="0"/>
               </a:ext>
             </a:extLst>
-          </p:cNvPr>
-          <p:cNvSpPr>
-            <a:spLocks noGrp="1"/>
-          </p:cNvSpPr>
-          <p:nvPr>
-            <p:ph idx="1"/>
-          </p:nvPr>
-        </p:nvSpPr>
-        <p:spPr/>
-        <p:txBody>
-          <a:bodyPr/>
-          <a:lstStyle/>
-          <a:p>
-            <a:r>
-              <a:rPr lang="en-US" dirty="0"/>
-              <a:t>Adjusted R2</a:t>
-            </a:r>
-          </a:p>
-          <a:p>
-            <a:r>
-              <a:rPr lang="en-US" dirty="0"/>
-              <a:t>MSME </a:t>
-            </a:r>
-          </a:p>
-        </p:txBody>
-      </p:sp>
+          </a:blip>
+          <a:srcRect/>
+          <a:stretch>
+            <a:fillRect/>
+          </a:stretch>
+        </p:blipFill>
+        <p:spPr bwMode="auto">
+          <a:xfrm>
+            <a:off x="1570773" y="0"/>
+            <a:ext cx="8732556" cy="6739020"/>
+          </a:xfrm>
+          <a:prstGeom prst="rect">
+            <a:avLst/>
+          </a:prstGeom>
+          <a:noFill/>
+          <a:extLst>
+            <a:ext uri="{909E8E84-426E-40DD-AFC4-6F175D3DCCD1}">
+              <a14:hiddenFill xmlns:a14="http://schemas.microsoft.com/office/drawing/2010/main">
+                <a:solidFill>
+                  <a:srgbClr val="FFFFFF"/>
+                </a:solidFill>
+              </a14:hiddenFill>
+            </a:ext>
+          </a:extLst>
+        </p:spPr>
+      </p:pic>
     </p:spTree>
     <p:extLst>
       <p:ext uri="{BB962C8B-B14F-4D97-AF65-F5344CB8AC3E}">
-        <p14:creationId xmlns:p14="http://schemas.microsoft.com/office/powerpoint/2010/main" val="1318257609"/>
+        <p14:creationId xmlns:p14="http://schemas.microsoft.com/office/powerpoint/2010/main" val="4187272051"/>
       </p:ext>
     </p:extLst>
   </p:cSld>
@@ -31222,7 +32030,7 @@
   <a:extraClrSchemeLst/>
   <a:extLst>
     <a:ext uri="{05A4C25C-085E-4340-85A3-A5531E510DB2}">
-      <thm15:themeFamily xmlns:thm15="http://schemas.microsoft.com/office/thememl/2012/main" name="TF66687569_Modern blue presentation_AAS_v5" id="{C7B59113-CD15-4341-96CA-86E715D5BE98}" vid="{5A8FDAEB-3DF3-4B3C-A708-49813F8D6F85}"/>
+      <thm15:themeFamily xmlns:thm15="http://schemas.microsoft.com/office/thememl/2012/main" xmlns="" name="TF66687569_Modern blue presentation_AAS_v5" id="{C7B59113-CD15-4341-96CA-86E715D5BE98}" vid="{5A8FDAEB-3DF3-4B3C-A708-49813F8D6F85}"/>
     </a:ext>
   </a:extLst>
 </a:theme>
@@ -31271,7 +32079,7 @@
     </a:clrScheme>
     <a:fontScheme name="Office">
       <a:majorFont>
-        <a:latin typeface="Calibri Light" panose="020F0302020204030204"/>
+        <a:latin typeface="Calibri Light"/>
         <a:ea typeface=""/>
         <a:cs typeface=""/>
         <a:font script="Jpan" typeface="游ゴシック Light"/>
@@ -31323,7 +32131,7 @@
         <a:font script="Tfng" typeface="Ebrima"/>
       </a:majorFont>
       <a:minorFont>
-        <a:latin typeface="Calibri" panose="020F0502020204030204"/>
+        <a:latin typeface="Calibri"/>
         <a:ea typeface=""/>
         <a:cs typeface=""/>
         <a:font script="Jpan" typeface="游ゴシック"/>
@@ -31517,7 +32325,7 @@
   <a:extraClrSchemeLst/>
   <a:extLst>
     <a:ext uri="{05A4C25C-085E-4340-85A3-A5531E510DB2}">
-      <thm15:themeFamily xmlns:thm15="http://schemas.microsoft.com/office/thememl/2012/main" name="Office Theme" id="{62F939B6-93AF-4DB8-9C6B-D6C7DFDC589F}" vid="{4A3C46E8-61CC-4603-A589-7422A47A8E4A}"/>
+      <thm15:themeFamily xmlns:thm15="http://schemas.microsoft.com/office/thememl/2012/main" xmlns="" name="Office Theme" id="{62F939B6-93AF-4DB8-9C6B-D6C7DFDC589F}" vid="{4A3C46E8-61CC-4603-A589-7422A47A8E4A}"/>
     </a:ext>
   </a:extLst>
 </a:theme>
@@ -31566,7 +32374,7 @@
     </a:clrScheme>
     <a:fontScheme name="Office">
       <a:majorFont>
-        <a:latin typeface="Calibri Light" panose="020F0302020204030204"/>
+        <a:latin typeface="Calibri Light"/>
         <a:ea typeface=""/>
         <a:cs typeface=""/>
         <a:font script="Jpan" typeface="游ゴシック Light"/>
@@ -31618,7 +32426,7 @@
         <a:font script="Tfng" typeface="Ebrima"/>
       </a:majorFont>
       <a:minorFont>
-        <a:latin typeface="Calibri" panose="020F0502020204030204"/>
+        <a:latin typeface="Calibri"/>
         <a:ea typeface=""/>
         <a:cs typeface=""/>
         <a:font script="Jpan" typeface="游ゴシック"/>
@@ -31812,19 +32620,18 @@
   <a:extraClrSchemeLst/>
   <a:extLst>
     <a:ext uri="{05A4C25C-085E-4340-85A3-A5531E510DB2}">
-      <thm15:themeFamily xmlns:thm15="http://schemas.microsoft.com/office/thememl/2012/main" name="Office Theme" id="{62F939B6-93AF-4DB8-9C6B-D6C7DFDC589F}" vid="{4A3C46E8-61CC-4603-A589-7422A47A8E4A}"/>
+      <thm15:themeFamily xmlns:thm15="http://schemas.microsoft.com/office/thememl/2012/main" xmlns="" name="Office Theme" id="{62F939B6-93AF-4DB8-9C6B-D6C7DFDC589F}" vid="{4A3C46E8-61CC-4603-A589-7422A47A8E4A}"/>
     </a:ext>
   </a:extLst>
 </a:theme>
 </file>
 
 <file path=customXml/item1.xml><?xml version="1.0" encoding="utf-8"?>
-<?mso-contentType ?>
-<FormTemplates xmlns="http://schemas.microsoft.com/sharepoint/v3/contenttype/forms">
-  <Display>DocumentLibraryForm</Display>
-  <Edit>DocumentLibraryForm</Edit>
-  <New>DocumentLibraryForm</New>
-</FormTemplates>
+<p:properties xmlns:p="http://schemas.microsoft.com/office/2006/metadata/properties" xmlns:xsi="http://www.w3.org/2001/XMLSchema-instance" xmlns:pc="http://schemas.microsoft.com/office/infopath/2007/PartnerControls">
+  <documentManagement>
+    <MediaServiceKeyPoints xmlns="71af3243-3dd4-4a8d-8c0d-dd76da1f02a5" xsi:nil="true"/>
+  </documentManagement>
+</p:properties>
 </file>
 
 <file path=customXml/item2.xml><?xml version="1.0" encoding="utf-8"?>
@@ -32039,17 +32846,27 @@
 </file>
 
 <file path=customXml/item3.xml><?xml version="1.0" encoding="utf-8"?>
-<p:properties xmlns:p="http://schemas.microsoft.com/office/2006/metadata/properties" xmlns:xsi="http://www.w3.org/2001/XMLSchema-instance" xmlns:pc="http://schemas.microsoft.com/office/infopath/2007/PartnerControls">
-  <documentManagement>
-    <MediaServiceKeyPoints xmlns="71af3243-3dd4-4a8d-8c0d-dd76da1f02a5" xsi:nil="true"/>
-  </documentManagement>
-</p:properties>
+<?mso-contentType ?>
+<FormTemplates xmlns="http://schemas.microsoft.com/sharepoint/v3/contenttype/forms">
+  <Display>DocumentLibraryForm</Display>
+  <Edit>DocumentLibraryForm</Edit>
+  <New>DocumentLibraryForm</New>
+</FormTemplates>
 </file>
 
 <file path=customXml/itemProps1.xml><?xml version="1.0" encoding="utf-8"?>
-<ds:datastoreItem xmlns:ds="http://schemas.openxmlformats.org/officeDocument/2006/customXml" ds:itemID="{5B26E0C9-B2AA-42E6-97B6-E1B7D9EAF129}">
+<ds:datastoreItem xmlns:ds="http://schemas.openxmlformats.org/officeDocument/2006/customXml" ds:itemID="{F5757914-1161-4661-9696-421FD6935CDD}">
   <ds:schemaRefs>
-    <ds:schemaRef ds:uri="http://schemas.microsoft.com/sharepoint/v3/contenttype/forms"/>
+    <ds:schemaRef ds:uri="http://purl.org/dc/terms/"/>
+    <ds:schemaRef ds:uri="16c05727-aa75-4e4a-9b5f-8a80a1165891"/>
+    <ds:schemaRef ds:uri="http://schemas.microsoft.com/office/infopath/2007/PartnerControls"/>
+    <ds:schemaRef ds:uri="http://www.w3.org/XML/1998/namespace"/>
+    <ds:schemaRef ds:uri="71af3243-3dd4-4a8d-8c0d-dd76da1f02a5"/>
+    <ds:schemaRef ds:uri="http://schemas.microsoft.com/office/2006/metadata/properties"/>
+    <ds:schemaRef ds:uri="http://schemas.microsoft.com/office/2006/documentManagement/types"/>
+    <ds:schemaRef ds:uri="http://schemas.openxmlformats.org/package/2006/metadata/core-properties"/>
+    <ds:schemaRef ds:uri="http://purl.org/dc/dcmitype/"/>
+    <ds:schemaRef ds:uri="http://purl.org/dc/elements/1.1/"/>
   </ds:schemaRefs>
 </ds:datastoreItem>
 </file>
@@ -32074,18 +32891,9 @@
 </file>
 
 <file path=customXml/itemProps3.xml><?xml version="1.0" encoding="utf-8"?>
-<ds:datastoreItem xmlns:ds="http://schemas.openxmlformats.org/officeDocument/2006/customXml" ds:itemID="{F5757914-1161-4661-9696-421FD6935CDD}">
+<ds:datastoreItem xmlns:ds="http://schemas.openxmlformats.org/officeDocument/2006/customXml" ds:itemID="{5B26E0C9-B2AA-42E6-97B6-E1B7D9EAF129}">
   <ds:schemaRefs>
-    <ds:schemaRef ds:uri="http://purl.org/dc/terms/"/>
-    <ds:schemaRef ds:uri="16c05727-aa75-4e4a-9b5f-8a80a1165891"/>
-    <ds:schemaRef ds:uri="http://schemas.microsoft.com/office/infopath/2007/PartnerControls"/>
-    <ds:schemaRef ds:uri="http://www.w3.org/XML/1998/namespace"/>
-    <ds:schemaRef ds:uri="71af3243-3dd4-4a8d-8c0d-dd76da1f02a5"/>
-    <ds:schemaRef ds:uri="http://schemas.microsoft.com/office/2006/metadata/properties"/>
-    <ds:schemaRef ds:uri="http://schemas.microsoft.com/office/2006/documentManagement/types"/>
-    <ds:schemaRef ds:uri="http://schemas.openxmlformats.org/package/2006/metadata/core-properties"/>
-    <ds:schemaRef ds:uri="http://purl.org/dc/dcmitype/"/>
-    <ds:schemaRef ds:uri="http://purl.org/dc/elements/1.1/"/>
+    <ds:schemaRef ds:uri="http://schemas.microsoft.com/sharepoint/v3/contenttype/forms"/>
   </ds:schemaRefs>
 </ds:datastoreItem>
 </file>
--- a/Final PresentationKC.pptx
+++ b/Final PresentationKC.pptx
@@ -5,10 +5,10 @@
     <p:sldMasterId id="2147483648" r:id="rId4"/>
   </p:sldMasterIdLst>
   <p:notesMasterIdLst>
-    <p:notesMasterId r:id="rId21"/>
+    <p:notesMasterId r:id="rId20"/>
   </p:notesMasterIdLst>
   <p:handoutMasterIdLst>
-    <p:handoutMasterId r:id="rId22"/>
+    <p:handoutMasterId r:id="rId21"/>
   </p:handoutMasterIdLst>
   <p:sldIdLst>
     <p:sldId id="294" r:id="rId5"/>
@@ -16,17 +16,16 @@
     <p:sldId id="258" r:id="rId7"/>
     <p:sldId id="261" r:id="rId8"/>
     <p:sldId id="296" r:id="rId9"/>
-    <p:sldId id="256" r:id="rId10"/>
-    <p:sldId id="293" r:id="rId11"/>
-    <p:sldId id="291" r:id="rId12"/>
-    <p:sldId id="297" r:id="rId13"/>
-    <p:sldId id="288" r:id="rId14"/>
-    <p:sldId id="292" r:id="rId15"/>
-    <p:sldId id="260" r:id="rId16"/>
-    <p:sldId id="264" r:id="rId17"/>
+    <p:sldId id="297" r:id="rId10"/>
+    <p:sldId id="298" r:id="rId11"/>
+    <p:sldId id="299" r:id="rId12"/>
+    <p:sldId id="300" r:id="rId13"/>
+    <p:sldId id="301" r:id="rId14"/>
+    <p:sldId id="302" r:id="rId15"/>
+    <p:sldId id="303" r:id="rId16"/>
+    <p:sldId id="305" r:id="rId17"/>
     <p:sldId id="287" r:id="rId18"/>
-    <p:sldId id="285" r:id="rId19"/>
-    <p:sldId id="269" r:id="rId20"/>
+    <p:sldId id="269" r:id="rId19"/>
   </p:sldIdLst>
   <p:sldSz cx="12192000" cy="6858000"/>
   <p:notesSz cx="6858000" cy="9144000"/>
@@ -127,7 +126,7 @@
   </p:defaultTextStyle>
   <p:extLst>
     <p:ext uri="{EFAFB233-063F-42B5-8137-9DF3F51BA10A}">
-      <p15:sldGuideLst xmlns:p15="http://schemas.microsoft.com/office/powerpoint/2012/main">
+      <p15:sldGuideLst xmlns:p15="http://schemas.microsoft.com/office/powerpoint/2012/main" xmlns="">
         <p15:guide id="1" orient="horz" pos="2160" userDrawn="1">
           <p15:clr>
             <a:srgbClr val="A4A3A4"/>
@@ -141,7 +140,7 @@
       </p15:sldGuideLst>
     </p:ext>
     <p:ext uri="{2D200454-40CA-4A62-9FC3-DE9A4176ACB9}">
-      <p15:notesGuideLst xmlns:p15="http://schemas.microsoft.com/office/powerpoint/2012/main"/>
+      <p15:notesGuideLst xmlns:p15="http://schemas.microsoft.com/office/powerpoint/2012/main" xmlns=""/>
     </p:ext>
   </p:extLst>
 </p:presentation>
@@ -998,14 +997,13 @@
         <a:p>
           <a:r>
             <a:rPr lang="en-US" dirty="0"/>
-            <a:t>Data Processing</a:t>
+            <a:t>Data </a:t>
           </a:r>
-        </a:p>
-        <a:p>
           <a:r>
-            <a:rPr lang="en-US" dirty="0"/>
-            <a:t>-Transform to Normal Distribution, Remove Outliers, One-Hot Encoding</a:t>
+            <a:rPr lang="en-US" dirty="0" smtClean="0"/>
+            <a:t>Processing</a:t>
           </a:r>
+          <a:endParaRPr lang="en-US" dirty="0"/>
         </a:p>
       </dgm:t>
     </dgm:pt>
@@ -1039,14 +1037,12 @@
         <a:lstStyle/>
         <a:p>
           <a:r>
-            <a:rPr lang="en-US" dirty="0"/>
-            <a:t>Apply Model</a:t>
+            <a:rPr lang="en-US" dirty="0" smtClean="0"/>
+            <a:t>Linear </a:t>
           </a:r>
-        </a:p>
-        <a:p>
           <a:r>
             <a:rPr lang="en-US" dirty="0"/>
-            <a:t>-Linear regression</a:t>
+            <a:t>regression</a:t>
           </a:r>
         </a:p>
       </dgm:t>
@@ -1081,14 +1077,19 @@
         <a:lstStyle/>
         <a:p>
           <a:r>
-            <a:rPr lang="en-US" dirty="0"/>
-            <a:t>Improve Model</a:t>
+            <a:rPr lang="en-US" dirty="0" smtClean="0"/>
+            <a:t>Improving model by</a:t>
           </a:r>
+          <a:endParaRPr lang="en-US" dirty="0"/>
         </a:p>
         <a:p>
           <a:r>
+            <a:rPr lang="en-US" dirty="0" smtClean="0"/>
+            <a:t>removing </a:t>
+          </a:r>
+          <a:r>
             <a:rPr lang="en-US" dirty="0"/>
-            <a:t>-Removing non- significant features</a:t>
+            <a:t>non- significant features</a:t>
           </a:r>
         </a:p>
       </dgm:t>
@@ -1159,6 +1160,13 @@
         </dgm:presLayoutVars>
       </dgm:prSet>
       <dgm:spPr/>
+      <dgm:t>
+        <a:bodyPr/>
+        <a:lstStyle/>
+        <a:p>
+          <a:endParaRPr lang="de-DE"/>
+        </a:p>
+      </dgm:t>
     </dgm:pt>
     <dgm:pt modelId="{62BAAD4A-600C-4CBC-96D9-E6A6E3D00A29}" type="pres">
       <dgm:prSet presAssocID="{24403AF3-F183-41A9-AF7D-0CD1EE855F62}" presName="node" presStyleLbl="node1" presStyleIdx="0" presStyleCnt="5">
@@ -1167,14 +1175,35 @@
         </dgm:presLayoutVars>
       </dgm:prSet>
       <dgm:spPr/>
+      <dgm:t>
+        <a:bodyPr/>
+        <a:lstStyle/>
+        <a:p>
+          <a:endParaRPr lang="de-DE"/>
+        </a:p>
+      </dgm:t>
     </dgm:pt>
     <dgm:pt modelId="{B15EFD5D-DCC7-4B17-841B-28D480F47BFA}" type="pres">
       <dgm:prSet presAssocID="{46A3BBD4-A8D5-4588-930D-5B5C440F95A7}" presName="sibTrans" presStyleLbl="sibTrans2D1" presStyleIdx="0" presStyleCnt="4"/>
       <dgm:spPr/>
+      <dgm:t>
+        <a:bodyPr/>
+        <a:lstStyle/>
+        <a:p>
+          <a:endParaRPr lang="de-DE"/>
+        </a:p>
+      </dgm:t>
     </dgm:pt>
     <dgm:pt modelId="{CB0C0557-61B6-4F72-948D-97038DF2347C}" type="pres">
       <dgm:prSet presAssocID="{46A3BBD4-A8D5-4588-930D-5B5C440F95A7}" presName="connectorText" presStyleLbl="sibTrans2D1" presStyleIdx="0" presStyleCnt="4"/>
       <dgm:spPr/>
+      <dgm:t>
+        <a:bodyPr/>
+        <a:lstStyle/>
+        <a:p>
+          <a:endParaRPr lang="de-DE"/>
+        </a:p>
+      </dgm:t>
     </dgm:pt>
     <dgm:pt modelId="{F5E12C1D-CD80-4E38-84D1-8653A91CFD02}" type="pres">
       <dgm:prSet presAssocID="{F958CC84-B351-4518-AD16-7A0D327DECAA}" presName="node" presStyleLbl="node1" presStyleIdx="1" presStyleCnt="5">
@@ -1183,14 +1212,35 @@
         </dgm:presLayoutVars>
       </dgm:prSet>
       <dgm:spPr/>
+      <dgm:t>
+        <a:bodyPr/>
+        <a:lstStyle/>
+        <a:p>
+          <a:endParaRPr lang="de-DE"/>
+        </a:p>
+      </dgm:t>
     </dgm:pt>
     <dgm:pt modelId="{7604F242-691A-4A0A-B50A-32917DE8221C}" type="pres">
       <dgm:prSet presAssocID="{CD849D60-1CC9-480E-A73F-775416316EE2}" presName="sibTrans" presStyleLbl="sibTrans2D1" presStyleIdx="1" presStyleCnt="4"/>
       <dgm:spPr/>
+      <dgm:t>
+        <a:bodyPr/>
+        <a:lstStyle/>
+        <a:p>
+          <a:endParaRPr lang="de-DE"/>
+        </a:p>
+      </dgm:t>
     </dgm:pt>
     <dgm:pt modelId="{9E1CFB79-4D1B-4156-914B-4152C6154DF4}" type="pres">
       <dgm:prSet presAssocID="{CD849D60-1CC9-480E-A73F-775416316EE2}" presName="connectorText" presStyleLbl="sibTrans2D1" presStyleIdx="1" presStyleCnt="4"/>
       <dgm:spPr/>
+      <dgm:t>
+        <a:bodyPr/>
+        <a:lstStyle/>
+        <a:p>
+          <a:endParaRPr lang="de-DE"/>
+        </a:p>
+      </dgm:t>
     </dgm:pt>
     <dgm:pt modelId="{437A6F8A-39FB-4AEE-ADC2-DEC5C66AB8D0}" type="pres">
       <dgm:prSet presAssocID="{1A3FFF91-6080-416C-8D4E-8874D45120E6}" presName="node" presStyleLbl="node1" presStyleIdx="2" presStyleCnt="5">
@@ -1199,14 +1249,35 @@
         </dgm:presLayoutVars>
       </dgm:prSet>
       <dgm:spPr/>
+      <dgm:t>
+        <a:bodyPr/>
+        <a:lstStyle/>
+        <a:p>
+          <a:endParaRPr lang="de-DE"/>
+        </a:p>
+      </dgm:t>
     </dgm:pt>
     <dgm:pt modelId="{037DC9CC-A97F-447B-B422-F45D0C3D3808}" type="pres">
       <dgm:prSet presAssocID="{B3C648AD-EF7E-42A8-99E9-3B072000117B}" presName="sibTrans" presStyleLbl="sibTrans2D1" presStyleIdx="2" presStyleCnt="4"/>
       <dgm:spPr/>
+      <dgm:t>
+        <a:bodyPr/>
+        <a:lstStyle/>
+        <a:p>
+          <a:endParaRPr lang="de-DE"/>
+        </a:p>
+      </dgm:t>
     </dgm:pt>
     <dgm:pt modelId="{69061840-D7C8-49AD-B6F0-0CB0CC34C019}" type="pres">
       <dgm:prSet presAssocID="{B3C648AD-EF7E-42A8-99E9-3B072000117B}" presName="connectorText" presStyleLbl="sibTrans2D1" presStyleIdx="2" presStyleCnt="4"/>
       <dgm:spPr/>
+      <dgm:t>
+        <a:bodyPr/>
+        <a:lstStyle/>
+        <a:p>
+          <a:endParaRPr lang="de-DE"/>
+        </a:p>
+      </dgm:t>
     </dgm:pt>
     <dgm:pt modelId="{B3A208B3-B2A4-4E43-BB18-974E5754D4A9}" type="pres">
       <dgm:prSet presAssocID="{0A55110F-64F3-4927-982C-B7EA745AAB77}" presName="node" presStyleLbl="node1" presStyleIdx="3" presStyleCnt="5" custLinFactNeighborX="1297" custLinFactNeighborY="1288">
@@ -1215,14 +1286,35 @@
         </dgm:presLayoutVars>
       </dgm:prSet>
       <dgm:spPr/>
+      <dgm:t>
+        <a:bodyPr/>
+        <a:lstStyle/>
+        <a:p>
+          <a:endParaRPr lang="de-DE"/>
+        </a:p>
+      </dgm:t>
     </dgm:pt>
     <dgm:pt modelId="{4BE222A6-85A9-4DFE-AD80-D8D66B7BDEFE}" type="pres">
       <dgm:prSet presAssocID="{A5BF7F64-FDB6-43A4-B62F-4E78CAB33B0C}" presName="sibTrans" presStyleLbl="sibTrans2D1" presStyleIdx="3" presStyleCnt="4"/>
       <dgm:spPr/>
+      <dgm:t>
+        <a:bodyPr/>
+        <a:lstStyle/>
+        <a:p>
+          <a:endParaRPr lang="de-DE"/>
+        </a:p>
+      </dgm:t>
     </dgm:pt>
     <dgm:pt modelId="{4C004F01-70DD-4C93-8BA7-4AB71AFF9D13}" type="pres">
       <dgm:prSet presAssocID="{A5BF7F64-FDB6-43A4-B62F-4E78CAB33B0C}" presName="connectorText" presStyleLbl="sibTrans2D1" presStyleIdx="3" presStyleCnt="4"/>
       <dgm:spPr/>
+      <dgm:t>
+        <a:bodyPr/>
+        <a:lstStyle/>
+        <a:p>
+          <a:endParaRPr lang="de-DE"/>
+        </a:p>
+      </dgm:t>
     </dgm:pt>
     <dgm:pt modelId="{EF1CC2F7-0180-4390-ABC0-08D44017ED81}" type="pres">
       <dgm:prSet presAssocID="{A2517B8D-95F1-4BEE-9FBE-63FA4F1B8F82}" presName="node" presStyleLbl="node1" presStyleIdx="4" presStyleCnt="5">
@@ -1231,41 +1323,48 @@
         </dgm:presLayoutVars>
       </dgm:prSet>
       <dgm:spPr/>
+      <dgm:t>
+        <a:bodyPr/>
+        <a:lstStyle/>
+        <a:p>
+          <a:endParaRPr lang="de-DE"/>
+        </a:p>
+      </dgm:t>
     </dgm:pt>
   </dgm:ptLst>
   <dgm:cxnLst>
-    <dgm:cxn modelId="{8DEB8C0B-8CE9-4DC9-813B-89D55B49DF5B}" type="presOf" srcId="{0A55110F-64F3-4927-982C-B7EA745AAB77}" destId="{B3A208B3-B2A4-4E43-BB18-974E5754D4A9}" srcOrd="0" destOrd="0" presId="urn:microsoft.com/office/officeart/2005/8/layout/process5"/>
-    <dgm:cxn modelId="{E7DA8C14-1201-4931-84A4-1511695DFDD1}" type="presOf" srcId="{A5BF7F64-FDB6-43A4-B62F-4E78CAB33B0C}" destId="{4BE222A6-85A9-4DFE-AD80-D8D66B7BDEFE}" srcOrd="0" destOrd="0" presId="urn:microsoft.com/office/officeart/2005/8/layout/process5"/>
-    <dgm:cxn modelId="{4E90F11E-9300-49E3-8323-365A96572EC8}" type="presOf" srcId="{1A3FFF91-6080-416C-8D4E-8874D45120E6}" destId="{437A6F8A-39FB-4AEE-ADC2-DEC5C66AB8D0}" srcOrd="0" destOrd="0" presId="urn:microsoft.com/office/officeart/2005/8/layout/process5"/>
-    <dgm:cxn modelId="{6B7C0D30-A5C8-4A16-A726-35D7A104D7DF}" type="presOf" srcId="{8A2245C2-F409-494E-AF55-5B6F8214C998}" destId="{1B77FB05-E91F-4A60-BE0C-A85E0FC8EE93}" srcOrd="0" destOrd="0" presId="urn:microsoft.com/office/officeart/2005/8/layout/process5"/>
-    <dgm:cxn modelId="{54C13534-8164-46C4-A22B-8F09217ED695}" type="presOf" srcId="{24403AF3-F183-41A9-AF7D-0CD1EE855F62}" destId="{62BAAD4A-600C-4CBC-96D9-E6A6E3D00A29}" srcOrd="0" destOrd="0" presId="urn:microsoft.com/office/officeart/2005/8/layout/process5"/>
-    <dgm:cxn modelId="{6109645F-C109-4C75-9844-CCA790ECD195}" type="presOf" srcId="{A2517B8D-95F1-4BEE-9FBE-63FA4F1B8F82}" destId="{EF1CC2F7-0180-4390-ABC0-08D44017ED81}" srcOrd="0" destOrd="0" presId="urn:microsoft.com/office/officeart/2005/8/layout/process5"/>
-    <dgm:cxn modelId="{22E66049-BE52-4BBE-A768-CCF7D25863DE}" type="presOf" srcId="{A5BF7F64-FDB6-43A4-B62F-4E78CAB33B0C}" destId="{4C004F01-70DD-4C93-8BA7-4AB71AFF9D13}" srcOrd="1" destOrd="0" presId="urn:microsoft.com/office/officeart/2005/8/layout/process5"/>
-    <dgm:cxn modelId="{7F50596A-F50A-4827-A4F3-841A932EA041}" type="presOf" srcId="{46A3BBD4-A8D5-4588-930D-5B5C440F95A7}" destId="{B15EFD5D-DCC7-4B17-841B-28D480F47BFA}" srcOrd="0" destOrd="0" presId="urn:microsoft.com/office/officeart/2005/8/layout/process5"/>
+    <dgm:cxn modelId="{10254578-9E0C-43FD-BFBD-07E3EB9D4690}" type="presOf" srcId="{46A3BBD4-A8D5-4588-930D-5B5C440F95A7}" destId="{CB0C0557-61B6-4F72-948D-97038DF2347C}" srcOrd="1" destOrd="0" presId="urn:microsoft.com/office/officeart/2005/8/layout/process5"/>
+    <dgm:cxn modelId="{331020EE-EEE2-4F25-A85A-366512388E69}" type="presOf" srcId="{1A3FFF91-6080-416C-8D4E-8874D45120E6}" destId="{437A6F8A-39FB-4AEE-ADC2-DEC5C66AB8D0}" srcOrd="0" destOrd="0" presId="urn:microsoft.com/office/officeart/2005/8/layout/process5"/>
+    <dgm:cxn modelId="{A4159874-B566-48E0-91B6-2FAC0C3F3ED3}" type="presOf" srcId="{F958CC84-B351-4518-AD16-7A0D327DECAA}" destId="{F5E12C1D-CD80-4E38-84D1-8653A91CFD02}" srcOrd="0" destOrd="0" presId="urn:microsoft.com/office/officeart/2005/8/layout/process5"/>
+    <dgm:cxn modelId="{8A6FF6D7-336F-4413-838C-98EA460DBEF8}" srcId="{8A2245C2-F409-494E-AF55-5B6F8214C998}" destId="{24403AF3-F183-41A9-AF7D-0CD1EE855F62}" srcOrd="0" destOrd="0" parTransId="{E2787CE0-8D40-4021-BCD8-CF68F3C5DE5B}" sibTransId="{46A3BBD4-A8D5-4588-930D-5B5C440F95A7}"/>
+    <dgm:cxn modelId="{E25F0F06-146D-4BDA-BC4C-8367B56FBE78}" type="presOf" srcId="{8A2245C2-F409-494E-AF55-5B6F8214C998}" destId="{1B77FB05-E91F-4A60-BE0C-A85E0FC8EE93}" srcOrd="0" destOrd="0" presId="urn:microsoft.com/office/officeart/2005/8/layout/process5"/>
+    <dgm:cxn modelId="{8FE81306-C8D7-45A6-AE38-8BB65B7B7939}" type="presOf" srcId="{24403AF3-F183-41A9-AF7D-0CD1EE855F62}" destId="{62BAAD4A-600C-4CBC-96D9-E6A6E3D00A29}" srcOrd="0" destOrd="0" presId="urn:microsoft.com/office/officeart/2005/8/layout/process5"/>
+    <dgm:cxn modelId="{8376D091-80FF-4427-9457-18F73BA5407D}" srcId="{8A2245C2-F409-494E-AF55-5B6F8214C998}" destId="{0A55110F-64F3-4927-982C-B7EA745AAB77}" srcOrd="3" destOrd="0" parTransId="{A0E9E1C4-22B4-4044-B059-14B079F4A45D}" sibTransId="{A5BF7F64-FDB6-43A4-B62F-4E78CAB33B0C}"/>
+    <dgm:cxn modelId="{DBDBF78A-7EF9-4E24-A780-1EC4B84B084E}" type="presOf" srcId="{CD849D60-1CC9-480E-A73F-775416316EE2}" destId="{9E1CFB79-4D1B-4156-914B-4152C6154DF4}" srcOrd="1" destOrd="0" presId="urn:microsoft.com/office/officeart/2005/8/layout/process5"/>
+    <dgm:cxn modelId="{D7952866-323A-4DF8-AB43-A860CBB42471}" type="presOf" srcId="{A5BF7F64-FDB6-43A4-B62F-4E78CAB33B0C}" destId="{4C004F01-70DD-4C93-8BA7-4AB71AFF9D13}" srcOrd="1" destOrd="0" presId="urn:microsoft.com/office/officeart/2005/8/layout/process5"/>
+    <dgm:cxn modelId="{A5F71DC6-AE34-474A-8392-14B192BF12C6}" type="presOf" srcId="{B3C648AD-EF7E-42A8-99E9-3B072000117B}" destId="{69061840-D7C8-49AD-B6F0-0CB0CC34C019}" srcOrd="1" destOrd="0" presId="urn:microsoft.com/office/officeart/2005/8/layout/process5"/>
+    <dgm:cxn modelId="{EF20D6AB-3D8A-47CB-9137-1102E8FD5F74}" type="presOf" srcId="{0A55110F-64F3-4927-982C-B7EA745AAB77}" destId="{B3A208B3-B2A4-4E43-BB18-974E5754D4A9}" srcOrd="0" destOrd="0" presId="urn:microsoft.com/office/officeart/2005/8/layout/process5"/>
+    <dgm:cxn modelId="{330A2CB5-9BA2-4B32-B7EC-1F43DFEA8027}" srcId="{8A2245C2-F409-494E-AF55-5B6F8214C998}" destId="{F958CC84-B351-4518-AD16-7A0D327DECAA}" srcOrd="1" destOrd="0" parTransId="{D7F32176-3881-4274-904F-80EC4465F5B1}" sibTransId="{CD849D60-1CC9-480E-A73F-775416316EE2}"/>
+    <dgm:cxn modelId="{D86CE5E9-6385-4C9D-AAC7-FA6BBB83CA2F}" type="presOf" srcId="{CD849D60-1CC9-480E-A73F-775416316EE2}" destId="{7604F242-691A-4A0A-B50A-32917DE8221C}" srcOrd="0" destOrd="0" presId="urn:microsoft.com/office/officeart/2005/8/layout/process5"/>
+    <dgm:cxn modelId="{DA1CFAE2-965F-4F01-B677-400A3929E9B2}" type="presOf" srcId="{A5BF7F64-FDB6-43A4-B62F-4E78CAB33B0C}" destId="{4BE222A6-85A9-4DFE-AD80-D8D66B7BDEFE}" srcOrd="0" destOrd="0" presId="urn:microsoft.com/office/officeart/2005/8/layout/process5"/>
+    <dgm:cxn modelId="{32CC9350-AF80-4514-B5F0-61514E8A4D4F}" srcId="{8A2245C2-F409-494E-AF55-5B6F8214C998}" destId="{1A3FFF91-6080-416C-8D4E-8874D45120E6}" srcOrd="2" destOrd="0" parTransId="{CF7D06D5-0F59-47C3-8ACB-87F099421D3F}" sibTransId="{B3C648AD-EF7E-42A8-99E9-3B072000117B}"/>
     <dgm:cxn modelId="{6756636E-14C7-4561-B5AA-6C379A6E1AB7}" srcId="{8A2245C2-F409-494E-AF55-5B6F8214C998}" destId="{A2517B8D-95F1-4BEE-9FBE-63FA4F1B8F82}" srcOrd="4" destOrd="0" parTransId="{312C84FD-A518-49E5-BF13-703D85539A0B}" sibTransId="{D9C0BFF0-6F94-4897-9E3A-9C421A39DD49}"/>
-    <dgm:cxn modelId="{32CC9350-AF80-4514-B5F0-61514E8A4D4F}" srcId="{8A2245C2-F409-494E-AF55-5B6F8214C998}" destId="{1A3FFF91-6080-416C-8D4E-8874D45120E6}" srcOrd="2" destOrd="0" parTransId="{CF7D06D5-0F59-47C3-8ACB-87F099421D3F}" sibTransId="{B3C648AD-EF7E-42A8-99E9-3B072000117B}"/>
-    <dgm:cxn modelId="{A5900488-6444-4CA2-8592-4974F694552D}" type="presOf" srcId="{B3C648AD-EF7E-42A8-99E9-3B072000117B}" destId="{037DC9CC-A97F-447B-B422-F45D0C3D3808}" srcOrd="0" destOrd="0" presId="urn:microsoft.com/office/officeart/2005/8/layout/process5"/>
-    <dgm:cxn modelId="{0C19318E-1BC4-4D84-A8A1-B97C00B5F7CB}" type="presOf" srcId="{F958CC84-B351-4518-AD16-7A0D327DECAA}" destId="{F5E12C1D-CD80-4E38-84D1-8653A91CFD02}" srcOrd="0" destOrd="0" presId="urn:microsoft.com/office/officeart/2005/8/layout/process5"/>
-    <dgm:cxn modelId="{8376D091-80FF-4427-9457-18F73BA5407D}" srcId="{8A2245C2-F409-494E-AF55-5B6F8214C998}" destId="{0A55110F-64F3-4927-982C-B7EA745AAB77}" srcOrd="3" destOrd="0" parTransId="{A0E9E1C4-22B4-4044-B059-14B079F4A45D}" sibTransId="{A5BF7F64-FDB6-43A4-B62F-4E78CAB33B0C}"/>
-    <dgm:cxn modelId="{5F59BCA4-535F-465C-B7FE-B4163ED5B998}" type="presOf" srcId="{B3C648AD-EF7E-42A8-99E9-3B072000117B}" destId="{69061840-D7C8-49AD-B6F0-0CB0CC34C019}" srcOrd="1" destOrd="0" presId="urn:microsoft.com/office/officeart/2005/8/layout/process5"/>
-    <dgm:cxn modelId="{DAAB7BB3-8131-49EC-9EF8-A74A0A2D96FB}" type="presOf" srcId="{CD849D60-1CC9-480E-A73F-775416316EE2}" destId="{9E1CFB79-4D1B-4156-914B-4152C6154DF4}" srcOrd="1" destOrd="0" presId="urn:microsoft.com/office/officeart/2005/8/layout/process5"/>
-    <dgm:cxn modelId="{330A2CB5-9BA2-4B32-B7EC-1F43DFEA8027}" srcId="{8A2245C2-F409-494E-AF55-5B6F8214C998}" destId="{F958CC84-B351-4518-AD16-7A0D327DECAA}" srcOrd="1" destOrd="0" parTransId="{D7F32176-3881-4274-904F-80EC4465F5B1}" sibTransId="{CD849D60-1CC9-480E-A73F-775416316EE2}"/>
-    <dgm:cxn modelId="{26D54CBE-6FA7-44F0-8904-3F43B64CA394}" type="presOf" srcId="{46A3BBD4-A8D5-4588-930D-5B5C440F95A7}" destId="{CB0C0557-61B6-4F72-948D-97038DF2347C}" srcOrd="1" destOrd="0" presId="urn:microsoft.com/office/officeart/2005/8/layout/process5"/>
-    <dgm:cxn modelId="{A672B8D2-F6B1-4B51-A368-720A02A08CAF}" type="presOf" srcId="{CD849D60-1CC9-480E-A73F-775416316EE2}" destId="{7604F242-691A-4A0A-B50A-32917DE8221C}" srcOrd="0" destOrd="0" presId="urn:microsoft.com/office/officeart/2005/8/layout/process5"/>
-    <dgm:cxn modelId="{8A6FF6D7-336F-4413-838C-98EA460DBEF8}" srcId="{8A2245C2-F409-494E-AF55-5B6F8214C998}" destId="{24403AF3-F183-41A9-AF7D-0CD1EE855F62}" srcOrd="0" destOrd="0" parTransId="{E2787CE0-8D40-4021-BCD8-CF68F3C5DE5B}" sibTransId="{46A3BBD4-A8D5-4588-930D-5B5C440F95A7}"/>
-    <dgm:cxn modelId="{918A88E4-9D73-4441-8E14-68A251FA981B}" type="presParOf" srcId="{1B77FB05-E91F-4A60-BE0C-A85E0FC8EE93}" destId="{62BAAD4A-600C-4CBC-96D9-E6A6E3D00A29}" srcOrd="0" destOrd="0" presId="urn:microsoft.com/office/officeart/2005/8/layout/process5"/>
-    <dgm:cxn modelId="{D12ACD2E-FE81-48DF-B91A-925EEFD67ECC}" type="presParOf" srcId="{1B77FB05-E91F-4A60-BE0C-A85E0FC8EE93}" destId="{B15EFD5D-DCC7-4B17-841B-28D480F47BFA}" srcOrd="1" destOrd="0" presId="urn:microsoft.com/office/officeart/2005/8/layout/process5"/>
-    <dgm:cxn modelId="{7F59D865-F230-4061-B45F-AFEB3B3BF418}" type="presParOf" srcId="{B15EFD5D-DCC7-4B17-841B-28D480F47BFA}" destId="{CB0C0557-61B6-4F72-948D-97038DF2347C}" srcOrd="0" destOrd="0" presId="urn:microsoft.com/office/officeart/2005/8/layout/process5"/>
-    <dgm:cxn modelId="{953F6E7C-0DAA-44B8-B977-224BD3195887}" type="presParOf" srcId="{1B77FB05-E91F-4A60-BE0C-A85E0FC8EE93}" destId="{F5E12C1D-CD80-4E38-84D1-8653A91CFD02}" srcOrd="2" destOrd="0" presId="urn:microsoft.com/office/officeart/2005/8/layout/process5"/>
-    <dgm:cxn modelId="{78ACEB93-8C91-4947-B00B-901E27A778E3}" type="presParOf" srcId="{1B77FB05-E91F-4A60-BE0C-A85E0FC8EE93}" destId="{7604F242-691A-4A0A-B50A-32917DE8221C}" srcOrd="3" destOrd="0" presId="urn:microsoft.com/office/officeart/2005/8/layout/process5"/>
-    <dgm:cxn modelId="{516621B0-3D6A-434B-B546-43CE0E139BA3}" type="presParOf" srcId="{7604F242-691A-4A0A-B50A-32917DE8221C}" destId="{9E1CFB79-4D1B-4156-914B-4152C6154DF4}" srcOrd="0" destOrd="0" presId="urn:microsoft.com/office/officeart/2005/8/layout/process5"/>
-    <dgm:cxn modelId="{7D178A86-DE2A-42CE-8498-0BA092B8DD58}" type="presParOf" srcId="{1B77FB05-E91F-4A60-BE0C-A85E0FC8EE93}" destId="{437A6F8A-39FB-4AEE-ADC2-DEC5C66AB8D0}" srcOrd="4" destOrd="0" presId="urn:microsoft.com/office/officeart/2005/8/layout/process5"/>
-    <dgm:cxn modelId="{71EFAEA2-67A8-492E-87BE-1D48D7DC6ED9}" type="presParOf" srcId="{1B77FB05-E91F-4A60-BE0C-A85E0FC8EE93}" destId="{037DC9CC-A97F-447B-B422-F45D0C3D3808}" srcOrd="5" destOrd="0" presId="urn:microsoft.com/office/officeart/2005/8/layout/process5"/>
-    <dgm:cxn modelId="{E0D62E21-6F53-449F-A1F8-ABCD5A367A94}" type="presParOf" srcId="{037DC9CC-A97F-447B-B422-F45D0C3D3808}" destId="{69061840-D7C8-49AD-B6F0-0CB0CC34C019}" srcOrd="0" destOrd="0" presId="urn:microsoft.com/office/officeart/2005/8/layout/process5"/>
-    <dgm:cxn modelId="{344DC597-B7C1-4C89-953F-64BCBE4F66CA}" type="presParOf" srcId="{1B77FB05-E91F-4A60-BE0C-A85E0FC8EE93}" destId="{B3A208B3-B2A4-4E43-BB18-974E5754D4A9}" srcOrd="6" destOrd="0" presId="urn:microsoft.com/office/officeart/2005/8/layout/process5"/>
-    <dgm:cxn modelId="{041A6018-CF1A-4AC0-B7FE-C2AD7250D49D}" type="presParOf" srcId="{1B77FB05-E91F-4A60-BE0C-A85E0FC8EE93}" destId="{4BE222A6-85A9-4DFE-AD80-D8D66B7BDEFE}" srcOrd="7" destOrd="0" presId="urn:microsoft.com/office/officeart/2005/8/layout/process5"/>
-    <dgm:cxn modelId="{DB8CA8D3-E8AD-4DFA-8098-BC70D491D463}" type="presParOf" srcId="{4BE222A6-85A9-4DFE-AD80-D8D66B7BDEFE}" destId="{4C004F01-70DD-4C93-8BA7-4AB71AFF9D13}" srcOrd="0" destOrd="0" presId="urn:microsoft.com/office/officeart/2005/8/layout/process5"/>
-    <dgm:cxn modelId="{DD57F7AB-F155-42F6-AC1F-E9779610321F}" type="presParOf" srcId="{1B77FB05-E91F-4A60-BE0C-A85E0FC8EE93}" destId="{EF1CC2F7-0180-4390-ABC0-08D44017ED81}" srcOrd="8" destOrd="0" presId="urn:microsoft.com/office/officeart/2005/8/layout/process5"/>
+    <dgm:cxn modelId="{719EEE62-9D4A-4E81-9D08-7F8982EA4160}" type="presOf" srcId="{46A3BBD4-A8D5-4588-930D-5B5C440F95A7}" destId="{B15EFD5D-DCC7-4B17-841B-28D480F47BFA}" srcOrd="0" destOrd="0" presId="urn:microsoft.com/office/officeart/2005/8/layout/process5"/>
+    <dgm:cxn modelId="{BB695220-9955-4DEF-A25B-7D921B1813F3}" type="presOf" srcId="{A2517B8D-95F1-4BEE-9FBE-63FA4F1B8F82}" destId="{EF1CC2F7-0180-4390-ABC0-08D44017ED81}" srcOrd="0" destOrd="0" presId="urn:microsoft.com/office/officeart/2005/8/layout/process5"/>
+    <dgm:cxn modelId="{1D64C1D7-C2E4-4E5F-A851-A684B83893A9}" type="presOf" srcId="{B3C648AD-EF7E-42A8-99E9-3B072000117B}" destId="{037DC9CC-A97F-447B-B422-F45D0C3D3808}" srcOrd="0" destOrd="0" presId="urn:microsoft.com/office/officeart/2005/8/layout/process5"/>
+    <dgm:cxn modelId="{2E8F345E-AC24-4EE1-8EAA-B1DE63BE68F0}" type="presParOf" srcId="{1B77FB05-E91F-4A60-BE0C-A85E0FC8EE93}" destId="{62BAAD4A-600C-4CBC-96D9-E6A6E3D00A29}" srcOrd="0" destOrd="0" presId="urn:microsoft.com/office/officeart/2005/8/layout/process5"/>
+    <dgm:cxn modelId="{AE6D9AC6-2FDF-4A5D-8FDC-0C7C8473FCF9}" type="presParOf" srcId="{1B77FB05-E91F-4A60-BE0C-A85E0FC8EE93}" destId="{B15EFD5D-DCC7-4B17-841B-28D480F47BFA}" srcOrd="1" destOrd="0" presId="urn:microsoft.com/office/officeart/2005/8/layout/process5"/>
+    <dgm:cxn modelId="{C65C7842-5A03-4F50-B2BF-D9076C2BE698}" type="presParOf" srcId="{B15EFD5D-DCC7-4B17-841B-28D480F47BFA}" destId="{CB0C0557-61B6-4F72-948D-97038DF2347C}" srcOrd="0" destOrd="0" presId="urn:microsoft.com/office/officeart/2005/8/layout/process5"/>
+    <dgm:cxn modelId="{3585F904-2E7D-46B1-93CC-A960F4346BDD}" type="presParOf" srcId="{1B77FB05-E91F-4A60-BE0C-A85E0FC8EE93}" destId="{F5E12C1D-CD80-4E38-84D1-8653A91CFD02}" srcOrd="2" destOrd="0" presId="urn:microsoft.com/office/officeart/2005/8/layout/process5"/>
+    <dgm:cxn modelId="{0E5D3F91-0F4A-46CE-A712-33F92256C63D}" type="presParOf" srcId="{1B77FB05-E91F-4A60-BE0C-A85E0FC8EE93}" destId="{7604F242-691A-4A0A-B50A-32917DE8221C}" srcOrd="3" destOrd="0" presId="urn:microsoft.com/office/officeart/2005/8/layout/process5"/>
+    <dgm:cxn modelId="{A7852596-F505-4845-9EC1-85AF91B1AAC2}" type="presParOf" srcId="{7604F242-691A-4A0A-B50A-32917DE8221C}" destId="{9E1CFB79-4D1B-4156-914B-4152C6154DF4}" srcOrd="0" destOrd="0" presId="urn:microsoft.com/office/officeart/2005/8/layout/process5"/>
+    <dgm:cxn modelId="{F5AFF78E-1820-4BB3-8D2B-DE91647425C8}" type="presParOf" srcId="{1B77FB05-E91F-4A60-BE0C-A85E0FC8EE93}" destId="{437A6F8A-39FB-4AEE-ADC2-DEC5C66AB8D0}" srcOrd="4" destOrd="0" presId="urn:microsoft.com/office/officeart/2005/8/layout/process5"/>
+    <dgm:cxn modelId="{100CEB82-8D78-4AE6-ACEA-1B1CABDDF084}" type="presParOf" srcId="{1B77FB05-E91F-4A60-BE0C-A85E0FC8EE93}" destId="{037DC9CC-A97F-447B-B422-F45D0C3D3808}" srcOrd="5" destOrd="0" presId="urn:microsoft.com/office/officeart/2005/8/layout/process5"/>
+    <dgm:cxn modelId="{CDF0EB1D-C2E5-4E26-8FC6-945CA32CE543}" type="presParOf" srcId="{037DC9CC-A97F-447B-B422-F45D0C3D3808}" destId="{69061840-D7C8-49AD-B6F0-0CB0CC34C019}" srcOrd="0" destOrd="0" presId="urn:microsoft.com/office/officeart/2005/8/layout/process5"/>
+    <dgm:cxn modelId="{85172F9D-65C9-4DCF-9B14-B9755082404D}" type="presParOf" srcId="{1B77FB05-E91F-4A60-BE0C-A85E0FC8EE93}" destId="{B3A208B3-B2A4-4E43-BB18-974E5754D4A9}" srcOrd="6" destOrd="0" presId="urn:microsoft.com/office/officeart/2005/8/layout/process5"/>
+    <dgm:cxn modelId="{7DEC5B15-F7C5-4698-B7CF-4490E5866275}" type="presParOf" srcId="{1B77FB05-E91F-4A60-BE0C-A85E0FC8EE93}" destId="{4BE222A6-85A9-4DFE-AD80-D8D66B7BDEFE}" srcOrd="7" destOrd="0" presId="urn:microsoft.com/office/officeart/2005/8/layout/process5"/>
+    <dgm:cxn modelId="{AAF852BE-B704-4DFA-A46B-73D5BB718B29}" type="presParOf" srcId="{4BE222A6-85A9-4DFE-AD80-D8D66B7BDEFE}" destId="{4C004F01-70DD-4C93-8BA7-4AB71AFF9D13}" srcOrd="0" destOrd="0" presId="urn:microsoft.com/office/officeart/2005/8/layout/process5"/>
+    <dgm:cxn modelId="{8872CB4C-99FA-470A-AAC8-DB54CBFE61F6}" type="presParOf" srcId="{1B77FB05-E91F-4A60-BE0C-A85E0FC8EE93}" destId="{EF1CC2F7-0180-4390-ABC0-08D44017ED81}" srcOrd="8" destOrd="0" presId="urn:microsoft.com/office/officeart/2005/8/layout/process5"/>
   </dgm:cxnLst>
   <dgm:bg/>
   <dgm:whole/>
@@ -1337,12 +1436,12 @@
         </a:fontRef>
       </dsp:style>
       <dsp:txBody>
-        <a:bodyPr spcFirstLastPara="0" vert="horz" wrap="square" lIns="72390" tIns="72390" rIns="72390" bIns="72390" numCol="1" spcCol="1270" anchor="ctr" anchorCtr="0">
+        <a:bodyPr spcFirstLastPara="0" vert="horz" wrap="square" lIns="87630" tIns="87630" rIns="87630" bIns="87630" numCol="1" spcCol="1270" anchor="ctr" anchorCtr="0">
           <a:noAutofit/>
         </a:bodyPr>
         <a:lstStyle/>
         <a:p>
-          <a:pPr marL="0" lvl="0" indent="0" algn="ctr" defTabSz="844550">
+          <a:pPr lvl="0" algn="ctr" defTabSz="1022350">
             <a:lnSpc>
               <a:spcPct val="90000"/>
             </a:lnSpc>
@@ -1352,10 +1451,9 @@
             <a:spcAft>
               <a:spcPct val="35000"/>
             </a:spcAft>
-            <a:buNone/>
           </a:pPr>
           <a:r>
-            <a:rPr lang="en-US" sz="1900" kern="1200" dirty="0"/>
+            <a:rPr lang="en-US" sz="2300" kern="1200" dirty="0"/>
             <a:t>Data Source</a:t>
           </a:r>
         </a:p>
@@ -1415,7 +1513,7 @@
         </a:bodyPr>
         <a:lstStyle/>
         <a:p>
-          <a:pPr marL="0" lvl="0" indent="0" algn="ctr" defTabSz="711200">
+          <a:pPr lvl="0" algn="ctr" defTabSz="800100">
             <a:lnSpc>
               <a:spcPct val="90000"/>
             </a:lnSpc>
@@ -1425,9 +1523,8 @@
             <a:spcAft>
               <a:spcPct val="35000"/>
             </a:spcAft>
-            <a:buNone/>
           </a:pPr>
-          <a:endParaRPr lang="en-US" sz="1600" kern="1200"/>
+          <a:endParaRPr lang="en-US" sz="1800" kern="1200"/>
         </a:p>
       </dsp:txBody>
       <dsp:txXfrm>
@@ -1487,12 +1584,12 @@
         </a:fontRef>
       </dsp:style>
       <dsp:txBody>
-        <a:bodyPr spcFirstLastPara="0" vert="horz" wrap="square" lIns="72390" tIns="72390" rIns="72390" bIns="72390" numCol="1" spcCol="1270" anchor="ctr" anchorCtr="0">
+        <a:bodyPr spcFirstLastPara="0" vert="horz" wrap="square" lIns="87630" tIns="87630" rIns="87630" bIns="87630" numCol="1" spcCol="1270" anchor="ctr" anchorCtr="0">
           <a:noAutofit/>
         </a:bodyPr>
         <a:lstStyle/>
         <a:p>
-          <a:pPr marL="0" lvl="0" indent="0" algn="ctr" defTabSz="844550">
+          <a:pPr lvl="0" algn="ctr" defTabSz="1022350">
             <a:lnSpc>
               <a:spcPct val="90000"/>
             </a:lnSpc>
@@ -1502,30 +1599,16 @@
             <a:spcAft>
               <a:spcPct val="35000"/>
             </a:spcAft>
-            <a:buNone/>
           </a:pPr>
           <a:r>
-            <a:rPr lang="en-US" sz="1900" kern="1200" dirty="0"/>
-            <a:t>Data Processing</a:t>
+            <a:rPr lang="en-US" sz="2300" kern="1200" dirty="0"/>
+            <a:t>Data </a:t>
           </a:r>
-        </a:p>
-        <a:p>
-          <a:pPr marL="0" lvl="0" indent="0" algn="ctr" defTabSz="844550">
-            <a:lnSpc>
-              <a:spcPct val="90000"/>
-            </a:lnSpc>
-            <a:spcBef>
-              <a:spcPct val="0"/>
-            </a:spcBef>
-            <a:spcAft>
-              <a:spcPct val="35000"/>
-            </a:spcAft>
-            <a:buNone/>
-          </a:pPr>
           <a:r>
-            <a:rPr lang="en-US" sz="1900" kern="1200" dirty="0"/>
-            <a:t>-Transform to Normal Distribution, Remove Outliers, One-Hot Encoding</a:t>
+            <a:rPr lang="en-US" sz="2300" kern="1200" dirty="0" smtClean="0"/>
+            <a:t>Processing</a:t>
           </a:r>
+          <a:endParaRPr lang="en-US" sz="2300" kern="1200" dirty="0"/>
         </a:p>
       </dsp:txBody>
       <dsp:txXfrm>
@@ -1583,7 +1666,7 @@
         </a:bodyPr>
         <a:lstStyle/>
         <a:p>
-          <a:pPr marL="0" lvl="0" indent="0" algn="ctr" defTabSz="711200">
+          <a:pPr lvl="0" algn="ctr" defTabSz="800100">
             <a:lnSpc>
               <a:spcPct val="90000"/>
             </a:lnSpc>
@@ -1593,9 +1676,8 @@
             <a:spcAft>
               <a:spcPct val="35000"/>
             </a:spcAft>
-            <a:buNone/>
           </a:pPr>
-          <a:endParaRPr lang="en-US" sz="1600" kern="1200"/>
+          <a:endParaRPr lang="en-US" sz="1800" kern="1200"/>
         </a:p>
       </dsp:txBody>
       <dsp:txXfrm>
@@ -1655,12 +1737,12 @@
         </a:fontRef>
       </dsp:style>
       <dsp:txBody>
-        <a:bodyPr spcFirstLastPara="0" vert="horz" wrap="square" lIns="72390" tIns="72390" rIns="72390" bIns="72390" numCol="1" spcCol="1270" anchor="ctr" anchorCtr="0">
+        <a:bodyPr spcFirstLastPara="0" vert="horz" wrap="square" lIns="87630" tIns="87630" rIns="87630" bIns="87630" numCol="1" spcCol="1270" anchor="ctr" anchorCtr="0">
           <a:noAutofit/>
         </a:bodyPr>
         <a:lstStyle/>
         <a:p>
-          <a:pPr marL="0" lvl="0" indent="0" algn="ctr" defTabSz="844550">
+          <a:pPr lvl="0" algn="ctr" defTabSz="1022350">
             <a:lnSpc>
               <a:spcPct val="90000"/>
             </a:lnSpc>
@@ -1670,29 +1752,14 @@
             <a:spcAft>
               <a:spcPct val="35000"/>
             </a:spcAft>
-            <a:buNone/>
           </a:pPr>
           <a:r>
-            <a:rPr lang="en-US" sz="1900" kern="1200" dirty="0"/>
-            <a:t>Apply Model</a:t>
+            <a:rPr lang="en-US" sz="2300" kern="1200" dirty="0" smtClean="0"/>
+            <a:t>Linear </a:t>
           </a:r>
-        </a:p>
-        <a:p>
-          <a:pPr marL="0" lvl="0" indent="0" algn="ctr" defTabSz="844550">
-            <a:lnSpc>
-              <a:spcPct val="90000"/>
-            </a:lnSpc>
-            <a:spcBef>
-              <a:spcPct val="0"/>
-            </a:spcBef>
-            <a:spcAft>
-              <a:spcPct val="35000"/>
-            </a:spcAft>
-            <a:buNone/>
-          </a:pPr>
           <a:r>
-            <a:rPr lang="en-US" sz="1900" kern="1200" dirty="0"/>
-            <a:t>-Linear regression</a:t>
+            <a:rPr lang="en-US" sz="2300" kern="1200" dirty="0"/>
+            <a:t>regression</a:t>
           </a:r>
         </a:p>
       </dsp:txBody>
@@ -1751,7 +1818,7 @@
         </a:bodyPr>
         <a:lstStyle/>
         <a:p>
-          <a:pPr marL="0" lvl="0" indent="0" algn="ctr" defTabSz="711200">
+          <a:pPr lvl="0" algn="ctr" defTabSz="800100">
             <a:lnSpc>
               <a:spcPct val="90000"/>
             </a:lnSpc>
@@ -1761,9 +1828,8 @@
             <a:spcAft>
               <a:spcPct val="35000"/>
             </a:spcAft>
-            <a:buNone/>
           </a:pPr>
-          <a:endParaRPr lang="en-US" sz="1600" kern="1200"/>
+          <a:endParaRPr lang="en-US" sz="1800" kern="1200"/>
         </a:p>
       </dsp:txBody>
       <dsp:txXfrm rot="-5400000">
@@ -1823,12 +1889,12 @@
         </a:fontRef>
       </dsp:style>
       <dsp:txBody>
-        <a:bodyPr spcFirstLastPara="0" vert="horz" wrap="square" lIns="72390" tIns="72390" rIns="72390" bIns="72390" numCol="1" spcCol="1270" anchor="ctr" anchorCtr="0">
+        <a:bodyPr spcFirstLastPara="0" vert="horz" wrap="square" lIns="87630" tIns="87630" rIns="87630" bIns="87630" numCol="1" spcCol="1270" anchor="ctr" anchorCtr="0">
           <a:noAutofit/>
         </a:bodyPr>
         <a:lstStyle/>
         <a:p>
-          <a:pPr marL="0" lvl="0" indent="0" algn="ctr" defTabSz="844550">
+          <a:pPr lvl="0" algn="ctr" defTabSz="1022350">
             <a:lnSpc>
               <a:spcPct val="90000"/>
             </a:lnSpc>
@@ -1838,15 +1904,15 @@
             <a:spcAft>
               <a:spcPct val="35000"/>
             </a:spcAft>
-            <a:buNone/>
           </a:pPr>
           <a:r>
-            <a:rPr lang="en-US" sz="1900" kern="1200" dirty="0"/>
-            <a:t>Improve Model</a:t>
+            <a:rPr lang="en-US" sz="2300" kern="1200" dirty="0" smtClean="0"/>
+            <a:t>Improving model by</a:t>
           </a:r>
+          <a:endParaRPr lang="en-US" sz="2300" kern="1200" dirty="0"/>
         </a:p>
         <a:p>
-          <a:pPr marL="0" lvl="0" indent="0" algn="ctr" defTabSz="844550">
+          <a:pPr lvl="0" algn="ctr" defTabSz="1022350">
             <a:lnSpc>
               <a:spcPct val="90000"/>
             </a:lnSpc>
@@ -1856,11 +1922,14 @@
             <a:spcAft>
               <a:spcPct val="35000"/>
             </a:spcAft>
-            <a:buNone/>
           </a:pPr>
           <a:r>
-            <a:rPr lang="en-US" sz="1900" kern="1200" dirty="0"/>
-            <a:t>-Removing non- significant features</a:t>
+            <a:rPr lang="en-US" sz="2300" kern="1200" dirty="0" smtClean="0"/>
+            <a:t>removing </a:t>
+          </a:r>
+          <a:r>
+            <a:rPr lang="en-US" sz="2300" kern="1200" dirty="0"/>
+            <a:t>non- significant features</a:t>
           </a:r>
         </a:p>
       </dsp:txBody>
@@ -1919,7 +1988,7 @@
         </a:bodyPr>
         <a:lstStyle/>
         <a:p>
-          <a:pPr marL="0" lvl="0" indent="0" algn="ctr" defTabSz="711200">
+          <a:pPr lvl="0" algn="ctr" defTabSz="800100">
             <a:lnSpc>
               <a:spcPct val="90000"/>
             </a:lnSpc>
@@ -1929,9 +1998,8 @@
             <a:spcAft>
               <a:spcPct val="35000"/>
             </a:spcAft>
-            <a:buNone/>
           </a:pPr>
-          <a:endParaRPr lang="en-US" sz="1600" kern="1200"/>
+          <a:endParaRPr lang="en-US" sz="1800" kern="1200"/>
         </a:p>
       </dsp:txBody>
       <dsp:txXfrm rot="10800000">
@@ -1991,12 +2059,12 @@
         </a:fontRef>
       </dsp:style>
       <dsp:txBody>
-        <a:bodyPr spcFirstLastPara="0" vert="horz" wrap="square" lIns="72390" tIns="72390" rIns="72390" bIns="72390" numCol="1" spcCol="1270" anchor="ctr" anchorCtr="0">
+        <a:bodyPr spcFirstLastPara="0" vert="horz" wrap="square" lIns="87630" tIns="87630" rIns="87630" bIns="87630" numCol="1" spcCol="1270" anchor="ctr" anchorCtr="0">
           <a:noAutofit/>
         </a:bodyPr>
         <a:lstStyle/>
         <a:p>
-          <a:pPr marL="0" lvl="0" indent="0" algn="ctr" defTabSz="844550">
+          <a:pPr lvl="0" algn="ctr" defTabSz="1022350">
             <a:lnSpc>
               <a:spcPct val="90000"/>
             </a:lnSpc>
@@ -2006,10 +2074,9 @@
             <a:spcAft>
               <a:spcPct val="35000"/>
             </a:spcAft>
-            <a:buNone/>
           </a:pPr>
           <a:r>
-            <a:rPr lang="en-US" sz="1900" kern="1200" dirty="0"/>
+            <a:rPr lang="en-US" sz="2300" kern="1200" dirty="0"/>
             <a:t>Visualize Results</a:t>
           </a:r>
         </a:p>
@@ -3255,7 +3322,7 @@
           <p:cNvPr id="2" name="Header Placeholder 1">
             <a:extLst>
               <a:ext uri="{FF2B5EF4-FFF2-40B4-BE49-F238E27FC236}">
-                <a16:creationId xmlns:a16="http://schemas.microsoft.com/office/drawing/2014/main" id="{E62FF6B6-4F8A-40F7-B5F4-FC3996824D73}"/>
+                <a16:creationId xmlns:a16="http://schemas.microsoft.com/office/drawing/2014/main" xmlns="" id="{E62FF6B6-4F8A-40F7-B5F4-FC3996824D73}"/>
               </a:ext>
             </a:extLst>
           </p:cNvPr>
@@ -3292,7 +3359,7 @@
           <p:cNvPr id="3" name="Date Placeholder 2">
             <a:extLst>
               <a:ext uri="{FF2B5EF4-FFF2-40B4-BE49-F238E27FC236}">
-                <a16:creationId xmlns:a16="http://schemas.microsoft.com/office/drawing/2014/main" id="{8910A999-F365-48DF-976A-0517FE045440}"/>
+                <a16:creationId xmlns:a16="http://schemas.microsoft.com/office/drawing/2014/main" xmlns="" id="{8910A999-F365-48DF-976A-0517FE045440}"/>
               </a:ext>
             </a:extLst>
           </p:cNvPr>
@@ -3333,7 +3400,7 @@
           <p:cNvPr id="4" name="Footer Placeholder 3">
             <a:extLst>
               <a:ext uri="{FF2B5EF4-FFF2-40B4-BE49-F238E27FC236}">
-                <a16:creationId xmlns:a16="http://schemas.microsoft.com/office/drawing/2014/main" id="{F8735C90-ADBF-4B9E-BE88-E1C8F83EB4D2}"/>
+                <a16:creationId xmlns:a16="http://schemas.microsoft.com/office/drawing/2014/main" xmlns="" id="{F8735C90-ADBF-4B9E-BE88-E1C8F83EB4D2}"/>
               </a:ext>
             </a:extLst>
           </p:cNvPr>
@@ -3370,7 +3437,7 @@
           <p:cNvPr id="5" name="Slide Number Placeholder 4">
             <a:extLst>
               <a:ext uri="{FF2B5EF4-FFF2-40B4-BE49-F238E27FC236}">
-                <a16:creationId xmlns:a16="http://schemas.microsoft.com/office/drawing/2014/main" id="{82506A01-6D0A-45EF-A584-05A3361D66F7}"/>
+                <a16:creationId xmlns:a16="http://schemas.microsoft.com/office/drawing/2014/main" xmlns="" id="{82506A01-6D0A-45EF-A584-05A3361D66F7}"/>
               </a:ext>
             </a:extLst>
           </p:cNvPr>
@@ -3400,7 +3467,7 @@
           <a:p>
             <a:fld id="{0831430A-4AA4-45C8-AC23-CD6B61C41A4C}" type="slidenum">
               <a:rPr lang="en-US" smtClean="0"/>
-              <a:t>‹#›</a:t>
+              <a:t>‹Nr.›</a:t>
             </a:fld>
             <a:endParaRPr lang="en-US" dirty="0"/>
           </a:p>
@@ -3657,7 +3724,7 @@
           <a:p>
             <a:fld id="{1734D747-9380-41EE-9946-EC9EC0CA5D1E}" type="slidenum">
               <a:rPr lang="en-US" noProof="0" smtClean="0"/>
-              <a:t>‹#›</a:t>
+              <a:t>‹Nr.›</a:t>
             </a:fld>
             <a:endParaRPr lang="en-US" noProof="0" dirty="0"/>
           </a:p>
@@ -3788,7 +3855,7 @@
           <p:cNvPr id="21" name="Rectangle 20">
             <a:extLst>
               <a:ext uri="{FF2B5EF4-FFF2-40B4-BE49-F238E27FC236}">
-                <a16:creationId xmlns:a16="http://schemas.microsoft.com/office/drawing/2014/main" id="{6E739168-A5E8-443A-B392-7AD4CF8977AD}"/>
+                <a16:creationId xmlns:a16="http://schemas.microsoft.com/office/drawing/2014/main" xmlns="" id="{6E739168-A5E8-443A-B392-7AD4CF8977AD}"/>
               </a:ext>
             </a:extLst>
           </p:cNvPr>
@@ -3840,7 +3907,7 @@
           <p:cNvPr id="7" name="Group 6">
             <a:extLst>
               <a:ext uri="{FF2B5EF4-FFF2-40B4-BE49-F238E27FC236}">
-                <a16:creationId xmlns:a16="http://schemas.microsoft.com/office/drawing/2014/main" id="{4CA15AFD-4983-47DD-9ED0-D3B27E5A096F}"/>
+                <a16:creationId xmlns:a16="http://schemas.microsoft.com/office/drawing/2014/main" xmlns="" id="{4CA15AFD-4983-47DD-9ED0-D3B27E5A096F}"/>
               </a:ext>
             </a:extLst>
           </p:cNvPr>
@@ -3860,7 +3927,7 @@
             <p:cNvPr id="8" name="Group 7">
               <a:extLst>
                 <a:ext uri="{FF2B5EF4-FFF2-40B4-BE49-F238E27FC236}">
-                  <a16:creationId xmlns:a16="http://schemas.microsoft.com/office/drawing/2014/main" id="{2222D5E2-E9B4-4180-98B8-4E514C9ADB28}"/>
+                  <a16:creationId xmlns:a16="http://schemas.microsoft.com/office/drawing/2014/main" xmlns="" id="{2222D5E2-E9B4-4180-98B8-4E514C9ADB28}"/>
                 </a:ext>
               </a:extLst>
             </p:cNvPr>
@@ -3880,7 +3947,7 @@
               <p:cNvPr id="15" name="Freeform: Shape 14">
                 <a:extLst>
                   <a:ext uri="{FF2B5EF4-FFF2-40B4-BE49-F238E27FC236}">
-                    <a16:creationId xmlns:a16="http://schemas.microsoft.com/office/drawing/2014/main" id="{41E10E1E-5268-4F03-BA64-07E19DE26739}"/>
+                    <a16:creationId xmlns:a16="http://schemas.microsoft.com/office/drawing/2014/main" xmlns="" id="{41E10E1E-5268-4F03-BA64-07E19DE26739}"/>
                   </a:ext>
                 </a:extLst>
               </p:cNvPr>
@@ -4017,7 +4084,7 @@
               <p:cNvPr id="16" name="Freeform: Shape 15">
                 <a:extLst>
                   <a:ext uri="{FF2B5EF4-FFF2-40B4-BE49-F238E27FC236}">
-                    <a16:creationId xmlns:a16="http://schemas.microsoft.com/office/drawing/2014/main" id="{B989C45D-BDFF-418F-BE79-03FF70015770}"/>
+                    <a16:creationId xmlns:a16="http://schemas.microsoft.com/office/drawing/2014/main" xmlns="" id="{B989C45D-BDFF-418F-BE79-03FF70015770}"/>
                   </a:ext>
                 </a:extLst>
               </p:cNvPr>
@@ -4181,7 +4248,7 @@
               <p:cNvPr id="17" name="Right Triangle 16">
                 <a:extLst>
                   <a:ext uri="{FF2B5EF4-FFF2-40B4-BE49-F238E27FC236}">
-                    <a16:creationId xmlns:a16="http://schemas.microsoft.com/office/drawing/2014/main" id="{8DCD5806-2A2F-4ABF-8057-245681C498E6}"/>
+                    <a16:creationId xmlns:a16="http://schemas.microsoft.com/office/drawing/2014/main" xmlns="" id="{8DCD5806-2A2F-4ABF-8057-245681C498E6}"/>
                   </a:ext>
                 </a:extLst>
               </p:cNvPr>
@@ -4235,7 +4302,7 @@
               <p:cNvPr id="18" name="Right Triangle 17">
                 <a:extLst>
                   <a:ext uri="{FF2B5EF4-FFF2-40B4-BE49-F238E27FC236}">
-                    <a16:creationId xmlns:a16="http://schemas.microsoft.com/office/drawing/2014/main" id="{3A93038F-E9E4-4FFD-B3DF-28DB7C2C1490}"/>
+                    <a16:creationId xmlns:a16="http://schemas.microsoft.com/office/drawing/2014/main" xmlns="" id="{3A93038F-E9E4-4FFD-B3DF-28DB7C2C1490}"/>
                   </a:ext>
                 </a:extLst>
               </p:cNvPr>
@@ -4292,7 +4359,7 @@
               <p:cNvPr id="19" name="Right Triangle 18">
                 <a:extLst>
                   <a:ext uri="{FF2B5EF4-FFF2-40B4-BE49-F238E27FC236}">
-                    <a16:creationId xmlns:a16="http://schemas.microsoft.com/office/drawing/2014/main" id="{5DEA1E02-BBD0-4AE3-AF22-433B90272178}"/>
+                    <a16:creationId xmlns:a16="http://schemas.microsoft.com/office/drawing/2014/main" xmlns="" id="{5DEA1E02-BBD0-4AE3-AF22-433B90272178}"/>
                   </a:ext>
                 </a:extLst>
               </p:cNvPr>
@@ -4346,7 +4413,7 @@
               <p:cNvPr id="20" name="Freeform: Shape 19">
                 <a:extLst>
                   <a:ext uri="{FF2B5EF4-FFF2-40B4-BE49-F238E27FC236}">
-                    <a16:creationId xmlns:a16="http://schemas.microsoft.com/office/drawing/2014/main" id="{0027A677-9ACB-4264-B148-4806678FB83F}"/>
+                    <a16:creationId xmlns:a16="http://schemas.microsoft.com/office/drawing/2014/main" xmlns="" id="{0027A677-9ACB-4264-B148-4806678FB83F}"/>
                   </a:ext>
                 </a:extLst>
               </p:cNvPr>
@@ -4509,7 +4576,7 @@
             <p:cNvPr id="9" name="Freeform: Shape 12">
               <a:extLst>
                 <a:ext uri="{FF2B5EF4-FFF2-40B4-BE49-F238E27FC236}">
-                  <a16:creationId xmlns:a16="http://schemas.microsoft.com/office/drawing/2014/main" id="{E3AAB79D-382D-4A95-965E-526B6A681DA7}"/>
+                  <a16:creationId xmlns:a16="http://schemas.microsoft.com/office/drawing/2014/main" xmlns="" id="{E3AAB79D-382D-4A95-965E-526B6A681DA7}"/>
                 </a:ext>
               </a:extLst>
             </p:cNvPr>
@@ -4599,7 +4666,7 @@
             <p:cNvPr id="10" name="Freeform: Shape 9">
               <a:extLst>
                 <a:ext uri="{FF2B5EF4-FFF2-40B4-BE49-F238E27FC236}">
-                  <a16:creationId xmlns:a16="http://schemas.microsoft.com/office/drawing/2014/main" id="{C0A22127-2B4A-4B15-B0A9-F019A30347A1}"/>
+                  <a16:creationId xmlns:a16="http://schemas.microsoft.com/office/drawing/2014/main" xmlns="" id="{C0A22127-2B4A-4B15-B0A9-F019A30347A1}"/>
                 </a:ext>
               </a:extLst>
             </p:cNvPr>
@@ -4702,7 +4769,7 @@
             <p:cNvPr id="11" name="Freeform: Shape 12">
               <a:extLst>
                 <a:ext uri="{FF2B5EF4-FFF2-40B4-BE49-F238E27FC236}">
-                  <a16:creationId xmlns:a16="http://schemas.microsoft.com/office/drawing/2014/main" id="{F04D9FDC-1B67-4254-9535-CD32E81F0C3E}"/>
+                  <a16:creationId xmlns:a16="http://schemas.microsoft.com/office/drawing/2014/main" xmlns="" id="{F04D9FDC-1B67-4254-9535-CD32E81F0C3E}"/>
                 </a:ext>
               </a:extLst>
             </p:cNvPr>
@@ -4800,7 +4867,7 @@
             <p:cNvPr id="12" name="Group 11">
               <a:extLst>
                 <a:ext uri="{FF2B5EF4-FFF2-40B4-BE49-F238E27FC236}">
-                  <a16:creationId xmlns:a16="http://schemas.microsoft.com/office/drawing/2014/main" id="{0A86C4EA-4CF8-4531-845D-4FCB1E2F7422}"/>
+                  <a16:creationId xmlns:a16="http://schemas.microsoft.com/office/drawing/2014/main" xmlns="" id="{0A86C4EA-4CF8-4531-845D-4FCB1E2F7422}"/>
                 </a:ext>
               </a:extLst>
             </p:cNvPr>
@@ -4820,7 +4887,7 @@
               <p:cNvPr id="13" name="Freeform: Shape 12">
                 <a:extLst>
                   <a:ext uri="{FF2B5EF4-FFF2-40B4-BE49-F238E27FC236}">
-                    <a16:creationId xmlns:a16="http://schemas.microsoft.com/office/drawing/2014/main" id="{1101B195-C112-4D20-8D19-4D22479B150D}"/>
+                    <a16:creationId xmlns:a16="http://schemas.microsoft.com/office/drawing/2014/main" xmlns="" id="{1101B195-C112-4D20-8D19-4D22479B150D}"/>
                   </a:ext>
                 </a:extLst>
               </p:cNvPr>
@@ -4910,7 +4977,7 @@
               <p:cNvPr id="14" name="Freeform: Shape 12">
                 <a:extLst>
                   <a:ext uri="{FF2B5EF4-FFF2-40B4-BE49-F238E27FC236}">
-                    <a16:creationId xmlns:a16="http://schemas.microsoft.com/office/drawing/2014/main" id="{CA755F1F-9955-4CBB-8F34-F7801CA44CE7}"/>
+                    <a16:creationId xmlns:a16="http://schemas.microsoft.com/office/drawing/2014/main" xmlns="" id="{CA755F1F-9955-4CBB-8F34-F7801CA44CE7}"/>
                   </a:ext>
                 </a:extLst>
               </p:cNvPr>
@@ -5010,7 +5077,7 @@
           <p:cNvPr id="2" name="Title 1">
             <a:extLst>
               <a:ext uri="{FF2B5EF4-FFF2-40B4-BE49-F238E27FC236}">
-                <a16:creationId xmlns:a16="http://schemas.microsoft.com/office/drawing/2014/main" id="{9E597736-C478-4C26-9BAF-205FE31E977C}"/>
+                <a16:creationId xmlns:a16="http://schemas.microsoft.com/office/drawing/2014/main" xmlns="" id="{9E597736-C478-4C26-9BAF-205FE31E977C}"/>
               </a:ext>
             </a:extLst>
           </p:cNvPr>
@@ -5057,7 +5124,7 @@
           <p:cNvPr id="3" name="Subtitle 2">
             <a:extLst>
               <a:ext uri="{FF2B5EF4-FFF2-40B4-BE49-F238E27FC236}">
-                <a16:creationId xmlns:a16="http://schemas.microsoft.com/office/drawing/2014/main" id="{C3D2DEF0-A0B0-4CFE-B67D-A9D75E2368DC}"/>
+                <a16:creationId xmlns:a16="http://schemas.microsoft.com/office/drawing/2014/main" xmlns="" id="{C3D2DEF0-A0B0-4CFE-B67D-A9D75E2368DC}"/>
               </a:ext>
             </a:extLst>
           </p:cNvPr>
@@ -5142,7 +5209,7 @@
           <p:cNvPr id="11" name="Rectangle 10">
             <a:extLst>
               <a:ext uri="{FF2B5EF4-FFF2-40B4-BE49-F238E27FC236}">
-                <a16:creationId xmlns:a16="http://schemas.microsoft.com/office/drawing/2014/main" id="{EB3E033F-4449-40FA-BC85-BD2712D313DD}"/>
+                <a16:creationId xmlns:a16="http://schemas.microsoft.com/office/drawing/2014/main" xmlns="" id="{EB3E033F-4449-40FA-BC85-BD2712D313DD}"/>
               </a:ext>
             </a:extLst>
           </p:cNvPr>
@@ -5196,7 +5263,7 @@
           <p:cNvPr id="10" name="Freeform: Shape 9">
             <a:extLst>
               <a:ext uri="{FF2B5EF4-FFF2-40B4-BE49-F238E27FC236}">
-                <a16:creationId xmlns:a16="http://schemas.microsoft.com/office/drawing/2014/main" id="{63D26743-0505-444C-80B3-E88EE87DF72B}"/>
+                <a16:creationId xmlns:a16="http://schemas.microsoft.com/office/drawing/2014/main" xmlns="" id="{63D26743-0505-444C-80B3-E88EE87DF72B}"/>
               </a:ext>
             </a:extLst>
           </p:cNvPr>
@@ -5319,7 +5386,7 @@
           <p:cNvPr id="18" name="Freeform: Shape 17">
             <a:extLst>
               <a:ext uri="{FF2B5EF4-FFF2-40B4-BE49-F238E27FC236}">
-                <a16:creationId xmlns:a16="http://schemas.microsoft.com/office/drawing/2014/main" id="{E37145E9-AC61-47D5-9288-8789940F81B6}"/>
+                <a16:creationId xmlns:a16="http://schemas.microsoft.com/office/drawing/2014/main" xmlns="" id="{E37145E9-AC61-47D5-9288-8789940F81B6}"/>
               </a:ext>
             </a:extLst>
           </p:cNvPr>
@@ -5471,7 +5538,7 @@
           <p:cNvPr id="12" name="Freeform: Shape 11">
             <a:extLst>
               <a:ext uri="{FF2B5EF4-FFF2-40B4-BE49-F238E27FC236}">
-                <a16:creationId xmlns:a16="http://schemas.microsoft.com/office/drawing/2014/main" id="{A5E2B3ED-9A49-40A7-B8A3-62595FE513F9}"/>
+                <a16:creationId xmlns:a16="http://schemas.microsoft.com/office/drawing/2014/main" xmlns="" id="{A5E2B3ED-9A49-40A7-B8A3-62595FE513F9}"/>
               </a:ext>
             </a:extLst>
           </p:cNvPr>
@@ -5621,7 +5688,7 @@
           <p:cNvPr id="8" name="Freeform: Shape 7">
             <a:extLst>
               <a:ext uri="{FF2B5EF4-FFF2-40B4-BE49-F238E27FC236}">
-                <a16:creationId xmlns:a16="http://schemas.microsoft.com/office/drawing/2014/main" id="{1599AF7E-3E34-4597-AA72-9373A7FDB020}"/>
+                <a16:creationId xmlns:a16="http://schemas.microsoft.com/office/drawing/2014/main" xmlns="" id="{1599AF7E-3E34-4597-AA72-9373A7FDB020}"/>
               </a:ext>
             </a:extLst>
           </p:cNvPr>
@@ -5767,7 +5834,7 @@
           <p:cNvPr id="2" name="Title 1">
             <a:extLst>
               <a:ext uri="{FF2B5EF4-FFF2-40B4-BE49-F238E27FC236}">
-                <a16:creationId xmlns:a16="http://schemas.microsoft.com/office/drawing/2014/main" id="{4A2DF563-7FAC-46B3-B24C-7E45CD89DA2B}"/>
+                <a16:creationId xmlns:a16="http://schemas.microsoft.com/office/drawing/2014/main" xmlns="" id="{4A2DF563-7FAC-46B3-B24C-7E45CD89DA2B}"/>
               </a:ext>
             </a:extLst>
           </p:cNvPr>
@@ -5812,7 +5879,7 @@
           <p:cNvPr id="15" name="Group 14">
             <a:extLst>
               <a:ext uri="{FF2B5EF4-FFF2-40B4-BE49-F238E27FC236}">
-                <a16:creationId xmlns:a16="http://schemas.microsoft.com/office/drawing/2014/main" id="{7732E1E7-45E3-4264-8F26-66758696DD1E}"/>
+                <a16:creationId xmlns:a16="http://schemas.microsoft.com/office/drawing/2014/main" xmlns="" id="{7732E1E7-45E3-4264-8F26-66758696DD1E}"/>
               </a:ext>
             </a:extLst>
           </p:cNvPr>
@@ -5832,7 +5899,7 @@
             <p:cNvPr id="16" name="Freeform: Shape 15">
               <a:extLst>
                 <a:ext uri="{FF2B5EF4-FFF2-40B4-BE49-F238E27FC236}">
-                  <a16:creationId xmlns:a16="http://schemas.microsoft.com/office/drawing/2014/main" id="{2E3DF883-8093-49FA-81E1-E5D77F086A25}"/>
+                  <a16:creationId xmlns:a16="http://schemas.microsoft.com/office/drawing/2014/main" xmlns="" id="{2E3DF883-8093-49FA-81E1-E5D77F086A25}"/>
                 </a:ext>
               </a:extLst>
             </p:cNvPr>
@@ -5922,7 +5989,7 @@
             <p:cNvPr id="17" name="Freeform: Shape 16">
               <a:extLst>
                 <a:ext uri="{FF2B5EF4-FFF2-40B4-BE49-F238E27FC236}">
-                  <a16:creationId xmlns:a16="http://schemas.microsoft.com/office/drawing/2014/main" id="{18944C90-37E5-4BBE-89FF-060627168050}"/>
+                  <a16:creationId xmlns:a16="http://schemas.microsoft.com/office/drawing/2014/main" xmlns="" id="{18944C90-37E5-4BBE-89FF-060627168050}"/>
                 </a:ext>
               </a:extLst>
             </p:cNvPr>
@@ -6021,7 +6088,7 @@
           <p:cNvPr id="6" name="Group 5">
             <a:extLst>
               <a:ext uri="{FF2B5EF4-FFF2-40B4-BE49-F238E27FC236}">
-                <a16:creationId xmlns:a16="http://schemas.microsoft.com/office/drawing/2014/main" id="{D9EBF8BB-A805-4DDB-B459-082F99815B95}"/>
+                <a16:creationId xmlns:a16="http://schemas.microsoft.com/office/drawing/2014/main" xmlns="" id="{D9EBF8BB-A805-4DDB-B459-082F99815B95}"/>
               </a:ext>
             </a:extLst>
           </p:cNvPr>
@@ -6041,7 +6108,7 @@
             <p:cNvPr id="19" name="Rectangle: Single Corner Snipped 18">
               <a:extLst>
                 <a:ext uri="{FF2B5EF4-FFF2-40B4-BE49-F238E27FC236}">
-                  <a16:creationId xmlns:a16="http://schemas.microsoft.com/office/drawing/2014/main" id="{5D638788-DD47-45E7-939A-FA108A818173}"/>
+                  <a16:creationId xmlns:a16="http://schemas.microsoft.com/office/drawing/2014/main" xmlns="" id="{5D638788-DD47-45E7-939A-FA108A818173}"/>
                 </a:ext>
               </a:extLst>
             </p:cNvPr>
@@ -6107,7 +6174,7 @@
             <p:cNvPr id="3" name="Rectangle: Single Corner Snipped 2">
               <a:extLst>
                 <a:ext uri="{FF2B5EF4-FFF2-40B4-BE49-F238E27FC236}">
-                  <a16:creationId xmlns:a16="http://schemas.microsoft.com/office/drawing/2014/main" id="{74BDECEF-EEFE-4332-B3B2-BDE4F82C10FC}"/>
+                  <a16:creationId xmlns:a16="http://schemas.microsoft.com/office/drawing/2014/main" xmlns="" id="{74BDECEF-EEFE-4332-B3B2-BDE4F82C10FC}"/>
                 </a:ext>
               </a:extLst>
             </p:cNvPr>
@@ -6164,7 +6231,7 @@
           <p:cNvPr id="24" name="Freeform: Shape 23">
             <a:extLst>
               <a:ext uri="{FF2B5EF4-FFF2-40B4-BE49-F238E27FC236}">
-                <a16:creationId xmlns:a16="http://schemas.microsoft.com/office/drawing/2014/main" id="{18103E00-7E4A-44CD-81AC-06433CAE1110}"/>
+                <a16:creationId xmlns:a16="http://schemas.microsoft.com/office/drawing/2014/main" xmlns="" id="{18103E00-7E4A-44CD-81AC-06433CAE1110}"/>
               </a:ext>
             </a:extLst>
           </p:cNvPr>
@@ -6259,7 +6326,7 @@
           <p:cNvPr id="5" name="Slide Number Placeholder 4">
             <a:extLst>
               <a:ext uri="{FF2B5EF4-FFF2-40B4-BE49-F238E27FC236}">
-                <a16:creationId xmlns:a16="http://schemas.microsoft.com/office/drawing/2014/main" id="{87B51822-97FF-47A7-8E4E-A0F79B4EB237}"/>
+                <a16:creationId xmlns:a16="http://schemas.microsoft.com/office/drawing/2014/main" xmlns="" id="{87B51822-97FF-47A7-8E4E-A0F79B4EB237}"/>
               </a:ext>
             </a:extLst>
           </p:cNvPr>
@@ -6292,7 +6359,7 @@
             <a:fld id="{C263D6C4-4840-40CC-AC84-17E24B3B7BDE}" type="slidenum">
               <a:rPr lang="en-US" noProof="0" smtClean="0"/>
               <a:pPr/>
-              <a:t>‹#›</a:t>
+              <a:t>‹Nr.›</a:t>
             </a:fld>
             <a:endParaRPr lang="en-US" noProof="0" dirty="0"/>
           </a:p>
@@ -6303,7 +6370,7 @@
           <p:cNvPr id="20" name="Content Placeholder 2">
             <a:extLst>
               <a:ext uri="{FF2B5EF4-FFF2-40B4-BE49-F238E27FC236}">
-                <a16:creationId xmlns:a16="http://schemas.microsoft.com/office/drawing/2014/main" id="{FE796BFF-6E5F-4DE7-B193-F501FC094D63}"/>
+                <a16:creationId xmlns:a16="http://schemas.microsoft.com/office/drawing/2014/main" xmlns="" id="{FE796BFF-6E5F-4DE7-B193-F501FC094D63}"/>
               </a:ext>
             </a:extLst>
           </p:cNvPr>
@@ -6413,7 +6480,7 @@
           <p:cNvPr id="21" name="Content Placeholder 3">
             <a:extLst>
               <a:ext uri="{FF2B5EF4-FFF2-40B4-BE49-F238E27FC236}">
-                <a16:creationId xmlns:a16="http://schemas.microsoft.com/office/drawing/2014/main" id="{78622754-CA4D-4C27-A37F-B26E7B4C9CA2}"/>
+                <a16:creationId xmlns:a16="http://schemas.microsoft.com/office/drawing/2014/main" xmlns="" id="{78622754-CA4D-4C27-A37F-B26E7B4C9CA2}"/>
               </a:ext>
             </a:extLst>
           </p:cNvPr>
@@ -6551,7 +6618,7 @@
           <p:cNvPr id="11" name="Rectangle 10">
             <a:extLst>
               <a:ext uri="{FF2B5EF4-FFF2-40B4-BE49-F238E27FC236}">
-                <a16:creationId xmlns:a16="http://schemas.microsoft.com/office/drawing/2014/main" id="{EB3E033F-4449-40FA-BC85-BD2712D313DD}"/>
+                <a16:creationId xmlns:a16="http://schemas.microsoft.com/office/drawing/2014/main" xmlns="" id="{EB3E033F-4449-40FA-BC85-BD2712D313DD}"/>
               </a:ext>
             </a:extLst>
           </p:cNvPr>
@@ -6605,7 +6672,7 @@
           <p:cNvPr id="10" name="Freeform: Shape 9">
             <a:extLst>
               <a:ext uri="{FF2B5EF4-FFF2-40B4-BE49-F238E27FC236}">
-                <a16:creationId xmlns:a16="http://schemas.microsoft.com/office/drawing/2014/main" id="{63D26743-0505-444C-80B3-E88EE87DF72B}"/>
+                <a16:creationId xmlns:a16="http://schemas.microsoft.com/office/drawing/2014/main" xmlns="" id="{63D26743-0505-444C-80B3-E88EE87DF72B}"/>
               </a:ext>
             </a:extLst>
           </p:cNvPr>
@@ -6728,7 +6795,7 @@
           <p:cNvPr id="18" name="Freeform: Shape 17">
             <a:extLst>
               <a:ext uri="{FF2B5EF4-FFF2-40B4-BE49-F238E27FC236}">
-                <a16:creationId xmlns:a16="http://schemas.microsoft.com/office/drawing/2014/main" id="{E37145E9-AC61-47D5-9288-8789940F81B6}"/>
+                <a16:creationId xmlns:a16="http://schemas.microsoft.com/office/drawing/2014/main" xmlns="" id="{E37145E9-AC61-47D5-9288-8789940F81B6}"/>
               </a:ext>
             </a:extLst>
           </p:cNvPr>
@@ -6880,7 +6947,7 @@
           <p:cNvPr id="12" name="Freeform: Shape 11">
             <a:extLst>
               <a:ext uri="{FF2B5EF4-FFF2-40B4-BE49-F238E27FC236}">
-                <a16:creationId xmlns:a16="http://schemas.microsoft.com/office/drawing/2014/main" id="{A5E2B3ED-9A49-40A7-B8A3-62595FE513F9}"/>
+                <a16:creationId xmlns:a16="http://schemas.microsoft.com/office/drawing/2014/main" xmlns="" id="{A5E2B3ED-9A49-40A7-B8A3-62595FE513F9}"/>
               </a:ext>
             </a:extLst>
           </p:cNvPr>
@@ -7030,7 +7097,7 @@
           <p:cNvPr id="8" name="Freeform: Shape 7">
             <a:extLst>
               <a:ext uri="{FF2B5EF4-FFF2-40B4-BE49-F238E27FC236}">
-                <a16:creationId xmlns:a16="http://schemas.microsoft.com/office/drawing/2014/main" id="{1599AF7E-3E34-4597-AA72-9373A7FDB020}"/>
+                <a16:creationId xmlns:a16="http://schemas.microsoft.com/office/drawing/2014/main" xmlns="" id="{1599AF7E-3E34-4597-AA72-9373A7FDB020}"/>
               </a:ext>
             </a:extLst>
           </p:cNvPr>
@@ -7176,7 +7243,7 @@
           <p:cNvPr id="2" name="Title 1">
             <a:extLst>
               <a:ext uri="{FF2B5EF4-FFF2-40B4-BE49-F238E27FC236}">
-                <a16:creationId xmlns:a16="http://schemas.microsoft.com/office/drawing/2014/main" id="{4A2DF563-7FAC-46B3-B24C-7E45CD89DA2B}"/>
+                <a16:creationId xmlns:a16="http://schemas.microsoft.com/office/drawing/2014/main" xmlns="" id="{4A2DF563-7FAC-46B3-B24C-7E45CD89DA2B}"/>
               </a:ext>
             </a:extLst>
           </p:cNvPr>
@@ -7221,7 +7288,7 @@
           <p:cNvPr id="15" name="Group 14">
             <a:extLst>
               <a:ext uri="{FF2B5EF4-FFF2-40B4-BE49-F238E27FC236}">
-                <a16:creationId xmlns:a16="http://schemas.microsoft.com/office/drawing/2014/main" id="{7732E1E7-45E3-4264-8F26-66758696DD1E}"/>
+                <a16:creationId xmlns:a16="http://schemas.microsoft.com/office/drawing/2014/main" xmlns="" id="{7732E1E7-45E3-4264-8F26-66758696DD1E}"/>
               </a:ext>
             </a:extLst>
           </p:cNvPr>
@@ -7241,7 +7308,7 @@
             <p:cNvPr id="16" name="Freeform: Shape 15">
               <a:extLst>
                 <a:ext uri="{FF2B5EF4-FFF2-40B4-BE49-F238E27FC236}">
-                  <a16:creationId xmlns:a16="http://schemas.microsoft.com/office/drawing/2014/main" id="{2E3DF883-8093-49FA-81E1-E5D77F086A25}"/>
+                  <a16:creationId xmlns:a16="http://schemas.microsoft.com/office/drawing/2014/main" xmlns="" id="{2E3DF883-8093-49FA-81E1-E5D77F086A25}"/>
                 </a:ext>
               </a:extLst>
             </p:cNvPr>
@@ -7331,7 +7398,7 @@
             <p:cNvPr id="17" name="Freeform: Shape 16">
               <a:extLst>
                 <a:ext uri="{FF2B5EF4-FFF2-40B4-BE49-F238E27FC236}">
-                  <a16:creationId xmlns:a16="http://schemas.microsoft.com/office/drawing/2014/main" id="{18944C90-37E5-4BBE-89FF-060627168050}"/>
+                  <a16:creationId xmlns:a16="http://schemas.microsoft.com/office/drawing/2014/main" xmlns="" id="{18944C90-37E5-4BBE-89FF-060627168050}"/>
                 </a:ext>
               </a:extLst>
             </p:cNvPr>
@@ -7430,7 +7497,7 @@
           <p:cNvPr id="6" name="Group 5">
             <a:extLst>
               <a:ext uri="{FF2B5EF4-FFF2-40B4-BE49-F238E27FC236}">
-                <a16:creationId xmlns:a16="http://schemas.microsoft.com/office/drawing/2014/main" id="{D9EBF8BB-A805-4DDB-B459-082F99815B95}"/>
+                <a16:creationId xmlns:a16="http://schemas.microsoft.com/office/drawing/2014/main" xmlns="" id="{D9EBF8BB-A805-4DDB-B459-082F99815B95}"/>
               </a:ext>
             </a:extLst>
           </p:cNvPr>
@@ -7450,7 +7517,7 @@
             <p:cNvPr id="19" name="Rectangle: Single Corner Snipped 18">
               <a:extLst>
                 <a:ext uri="{FF2B5EF4-FFF2-40B4-BE49-F238E27FC236}">
-                  <a16:creationId xmlns:a16="http://schemas.microsoft.com/office/drawing/2014/main" id="{5D638788-DD47-45E7-939A-FA108A818173}"/>
+                  <a16:creationId xmlns:a16="http://schemas.microsoft.com/office/drawing/2014/main" xmlns="" id="{5D638788-DD47-45E7-939A-FA108A818173}"/>
                 </a:ext>
               </a:extLst>
             </p:cNvPr>
@@ -7511,7 +7578,7 @@
             <p:cNvPr id="3" name="Rectangle: Single Corner Snipped 2">
               <a:extLst>
                 <a:ext uri="{FF2B5EF4-FFF2-40B4-BE49-F238E27FC236}">
-                  <a16:creationId xmlns:a16="http://schemas.microsoft.com/office/drawing/2014/main" id="{74BDECEF-EEFE-4332-B3B2-BDE4F82C10FC}"/>
+                  <a16:creationId xmlns:a16="http://schemas.microsoft.com/office/drawing/2014/main" xmlns="" id="{74BDECEF-EEFE-4332-B3B2-BDE4F82C10FC}"/>
                 </a:ext>
               </a:extLst>
             </p:cNvPr>
@@ -7568,7 +7635,7 @@
           <p:cNvPr id="20" name="Picture Placeholder 8">
             <a:extLst>
               <a:ext uri="{FF2B5EF4-FFF2-40B4-BE49-F238E27FC236}">
-                <a16:creationId xmlns:a16="http://schemas.microsoft.com/office/drawing/2014/main" id="{6D00E6B4-1CBE-404E-B943-5F1832320C1C}"/>
+                <a16:creationId xmlns:a16="http://schemas.microsoft.com/office/drawing/2014/main" xmlns="" id="{6D00E6B4-1CBE-404E-B943-5F1832320C1C}"/>
               </a:ext>
             </a:extLst>
           </p:cNvPr>
@@ -7631,7 +7698,7 @@
           <p:cNvPr id="21" name="Picture Placeholder 8">
             <a:extLst>
               <a:ext uri="{FF2B5EF4-FFF2-40B4-BE49-F238E27FC236}">
-                <a16:creationId xmlns:a16="http://schemas.microsoft.com/office/drawing/2014/main" id="{7CD59BFD-62BE-4E33-92A5-B84A2A9A8D3B}"/>
+                <a16:creationId xmlns:a16="http://schemas.microsoft.com/office/drawing/2014/main" xmlns="" id="{7CD59BFD-62BE-4E33-92A5-B84A2A9A8D3B}"/>
               </a:ext>
             </a:extLst>
           </p:cNvPr>
@@ -7694,7 +7761,7 @@
           <p:cNvPr id="22" name="Picture Placeholder 8">
             <a:extLst>
               <a:ext uri="{FF2B5EF4-FFF2-40B4-BE49-F238E27FC236}">
-                <a16:creationId xmlns:a16="http://schemas.microsoft.com/office/drawing/2014/main" id="{60DC5978-55B8-421D-91B4-29F8210A7B2C}"/>
+                <a16:creationId xmlns:a16="http://schemas.microsoft.com/office/drawing/2014/main" xmlns="" id="{60DC5978-55B8-421D-91B4-29F8210A7B2C}"/>
               </a:ext>
             </a:extLst>
           </p:cNvPr>
@@ -7757,7 +7824,7 @@
           <p:cNvPr id="23" name="Picture Placeholder 8">
             <a:extLst>
               <a:ext uri="{FF2B5EF4-FFF2-40B4-BE49-F238E27FC236}">
-                <a16:creationId xmlns:a16="http://schemas.microsoft.com/office/drawing/2014/main" id="{BE3FB8C3-2C7E-4C59-8BD5-53FA2772DB56}"/>
+                <a16:creationId xmlns:a16="http://schemas.microsoft.com/office/drawing/2014/main" xmlns="" id="{BE3FB8C3-2C7E-4C59-8BD5-53FA2772DB56}"/>
               </a:ext>
             </a:extLst>
           </p:cNvPr>
@@ -7820,7 +7887,7 @@
           <p:cNvPr id="24" name="Picture Placeholder 8">
             <a:extLst>
               <a:ext uri="{FF2B5EF4-FFF2-40B4-BE49-F238E27FC236}">
-                <a16:creationId xmlns:a16="http://schemas.microsoft.com/office/drawing/2014/main" id="{FD8FA9DA-C36B-4889-B88F-28B5829E53E2}"/>
+                <a16:creationId xmlns:a16="http://schemas.microsoft.com/office/drawing/2014/main" xmlns="" id="{FD8FA9DA-C36B-4889-B88F-28B5829E53E2}"/>
               </a:ext>
             </a:extLst>
           </p:cNvPr>
@@ -7883,7 +7950,7 @@
           <p:cNvPr id="26" name="Text Placeholder 22">
             <a:extLst>
               <a:ext uri="{FF2B5EF4-FFF2-40B4-BE49-F238E27FC236}">
-                <a16:creationId xmlns:a16="http://schemas.microsoft.com/office/drawing/2014/main" id="{2A19101D-7C37-42BF-8167-5391EA65EC3A}"/>
+                <a16:creationId xmlns:a16="http://schemas.microsoft.com/office/drawing/2014/main" xmlns="" id="{2A19101D-7C37-42BF-8167-5391EA65EC3A}"/>
               </a:ext>
             </a:extLst>
           </p:cNvPr>
@@ -7993,7 +8060,7 @@
           <p:cNvPr id="27" name="Text Placeholder 22">
             <a:extLst>
               <a:ext uri="{FF2B5EF4-FFF2-40B4-BE49-F238E27FC236}">
-                <a16:creationId xmlns:a16="http://schemas.microsoft.com/office/drawing/2014/main" id="{05F72315-51A9-431C-B80A-45E4FB1D6BD6}"/>
+                <a16:creationId xmlns:a16="http://schemas.microsoft.com/office/drawing/2014/main" xmlns="" id="{05F72315-51A9-431C-B80A-45E4FB1D6BD6}"/>
               </a:ext>
             </a:extLst>
           </p:cNvPr>
@@ -8103,7 +8170,7 @@
           <p:cNvPr id="28" name="Text Placeholder 22">
             <a:extLst>
               <a:ext uri="{FF2B5EF4-FFF2-40B4-BE49-F238E27FC236}">
-                <a16:creationId xmlns:a16="http://schemas.microsoft.com/office/drawing/2014/main" id="{883D1F0C-34F1-46E1-B178-E4AB82B14631}"/>
+                <a16:creationId xmlns:a16="http://schemas.microsoft.com/office/drawing/2014/main" xmlns="" id="{883D1F0C-34F1-46E1-B178-E4AB82B14631}"/>
               </a:ext>
             </a:extLst>
           </p:cNvPr>
@@ -8213,7 +8280,7 @@
           <p:cNvPr id="29" name="Text Placeholder 22">
             <a:extLst>
               <a:ext uri="{FF2B5EF4-FFF2-40B4-BE49-F238E27FC236}">
-                <a16:creationId xmlns:a16="http://schemas.microsoft.com/office/drawing/2014/main" id="{7202A849-DF14-40E7-B38D-1185F72603EC}"/>
+                <a16:creationId xmlns:a16="http://schemas.microsoft.com/office/drawing/2014/main" xmlns="" id="{7202A849-DF14-40E7-B38D-1185F72603EC}"/>
               </a:ext>
             </a:extLst>
           </p:cNvPr>
@@ -8323,7 +8390,7 @@
           <p:cNvPr id="30" name="Text Placeholder 22">
             <a:extLst>
               <a:ext uri="{FF2B5EF4-FFF2-40B4-BE49-F238E27FC236}">
-                <a16:creationId xmlns:a16="http://schemas.microsoft.com/office/drawing/2014/main" id="{CCFC1ADF-AC11-4CCD-AC2D-478B6FFEA5EA}"/>
+                <a16:creationId xmlns:a16="http://schemas.microsoft.com/office/drawing/2014/main" xmlns="" id="{CCFC1ADF-AC11-4CCD-AC2D-478B6FFEA5EA}"/>
               </a:ext>
             </a:extLst>
           </p:cNvPr>
@@ -8433,7 +8500,7 @@
           <p:cNvPr id="7" name="Straight Connector 6">
             <a:extLst>
               <a:ext uri="{FF2B5EF4-FFF2-40B4-BE49-F238E27FC236}">
-                <a16:creationId xmlns:a16="http://schemas.microsoft.com/office/drawing/2014/main" id="{2B4CB326-DA0E-488E-B236-7017E8438FBB}"/>
+                <a16:creationId xmlns:a16="http://schemas.microsoft.com/office/drawing/2014/main" xmlns="" id="{2B4CB326-DA0E-488E-B236-7017E8438FBB}"/>
               </a:ext>
             </a:extLst>
           </p:cNvPr>
@@ -8474,7 +8541,7 @@
           <p:cNvPr id="31" name="Straight Connector 30">
             <a:extLst>
               <a:ext uri="{FF2B5EF4-FFF2-40B4-BE49-F238E27FC236}">
-                <a16:creationId xmlns:a16="http://schemas.microsoft.com/office/drawing/2014/main" id="{9366B533-7212-4A36-9CE2-D6302E721F8F}"/>
+                <a16:creationId xmlns:a16="http://schemas.microsoft.com/office/drawing/2014/main" xmlns="" id="{9366B533-7212-4A36-9CE2-D6302E721F8F}"/>
               </a:ext>
             </a:extLst>
           </p:cNvPr>
@@ -8515,7 +8582,7 @@
           <p:cNvPr id="32" name="Straight Connector 31">
             <a:extLst>
               <a:ext uri="{FF2B5EF4-FFF2-40B4-BE49-F238E27FC236}">
-                <a16:creationId xmlns:a16="http://schemas.microsoft.com/office/drawing/2014/main" id="{AD7474CD-E230-4E14-8274-5E20F673F401}"/>
+                <a16:creationId xmlns:a16="http://schemas.microsoft.com/office/drawing/2014/main" xmlns="" id="{AD7474CD-E230-4E14-8274-5E20F673F401}"/>
               </a:ext>
             </a:extLst>
           </p:cNvPr>
@@ -8556,7 +8623,7 @@
           <p:cNvPr id="33" name="Straight Connector 32">
             <a:extLst>
               <a:ext uri="{FF2B5EF4-FFF2-40B4-BE49-F238E27FC236}">
-                <a16:creationId xmlns:a16="http://schemas.microsoft.com/office/drawing/2014/main" id="{6BF71FCE-6F39-4D2F-82BE-7D9F1D2ED59F}"/>
+                <a16:creationId xmlns:a16="http://schemas.microsoft.com/office/drawing/2014/main" xmlns="" id="{6BF71FCE-6F39-4D2F-82BE-7D9F1D2ED59F}"/>
               </a:ext>
             </a:extLst>
           </p:cNvPr>
@@ -8597,7 +8664,7 @@
           <p:cNvPr id="34" name="Straight Connector 33">
             <a:extLst>
               <a:ext uri="{FF2B5EF4-FFF2-40B4-BE49-F238E27FC236}">
-                <a16:creationId xmlns:a16="http://schemas.microsoft.com/office/drawing/2014/main" id="{AE97AC7A-17D9-4F42-9DD0-94FE4FC6BF19}"/>
+                <a16:creationId xmlns:a16="http://schemas.microsoft.com/office/drawing/2014/main" xmlns="" id="{AE97AC7A-17D9-4F42-9DD0-94FE4FC6BF19}"/>
               </a:ext>
             </a:extLst>
           </p:cNvPr>
@@ -8638,7 +8705,7 @@
           <p:cNvPr id="35" name="Freeform: Shape 34">
             <a:extLst>
               <a:ext uri="{FF2B5EF4-FFF2-40B4-BE49-F238E27FC236}">
-                <a16:creationId xmlns:a16="http://schemas.microsoft.com/office/drawing/2014/main" id="{62EEBF51-DCAD-4335-85E9-52801031A1BF}"/>
+                <a16:creationId xmlns:a16="http://schemas.microsoft.com/office/drawing/2014/main" xmlns="" id="{62EEBF51-DCAD-4335-85E9-52801031A1BF}"/>
               </a:ext>
             </a:extLst>
           </p:cNvPr>
@@ -8733,7 +8800,7 @@
           <p:cNvPr id="5" name="Slide Number Placeholder 4">
             <a:extLst>
               <a:ext uri="{FF2B5EF4-FFF2-40B4-BE49-F238E27FC236}">
-                <a16:creationId xmlns:a16="http://schemas.microsoft.com/office/drawing/2014/main" id="{87B51822-97FF-47A7-8E4E-A0F79B4EB237}"/>
+                <a16:creationId xmlns:a16="http://schemas.microsoft.com/office/drawing/2014/main" xmlns="" id="{87B51822-97FF-47A7-8E4E-A0F79B4EB237}"/>
               </a:ext>
             </a:extLst>
           </p:cNvPr>
@@ -8766,7 +8833,7 @@
             <a:fld id="{C263D6C4-4840-40CC-AC84-17E24B3B7BDE}" type="slidenum">
               <a:rPr lang="en-US" noProof="0" smtClean="0"/>
               <a:pPr/>
-              <a:t>‹#›</a:t>
+              <a:t>‹Nr.›</a:t>
             </a:fld>
             <a:endParaRPr lang="en-US" noProof="0" dirty="0"/>
           </a:p>
@@ -8815,7 +8882,7 @@
           <p:cNvPr id="11" name="Rectangle 10">
             <a:extLst>
               <a:ext uri="{FF2B5EF4-FFF2-40B4-BE49-F238E27FC236}">
-                <a16:creationId xmlns:a16="http://schemas.microsoft.com/office/drawing/2014/main" id="{EB3E033F-4449-40FA-BC85-BD2712D313DD}"/>
+                <a16:creationId xmlns:a16="http://schemas.microsoft.com/office/drawing/2014/main" xmlns="" id="{EB3E033F-4449-40FA-BC85-BD2712D313DD}"/>
               </a:ext>
             </a:extLst>
           </p:cNvPr>
@@ -8869,7 +8936,7 @@
           <p:cNvPr id="10" name="Freeform: Shape 9">
             <a:extLst>
               <a:ext uri="{FF2B5EF4-FFF2-40B4-BE49-F238E27FC236}">
-                <a16:creationId xmlns:a16="http://schemas.microsoft.com/office/drawing/2014/main" id="{63D26743-0505-444C-80B3-E88EE87DF72B}"/>
+                <a16:creationId xmlns:a16="http://schemas.microsoft.com/office/drawing/2014/main" xmlns="" id="{63D26743-0505-444C-80B3-E88EE87DF72B}"/>
               </a:ext>
             </a:extLst>
           </p:cNvPr>
@@ -8992,7 +9059,7 @@
           <p:cNvPr id="18" name="Freeform: Shape 17">
             <a:extLst>
               <a:ext uri="{FF2B5EF4-FFF2-40B4-BE49-F238E27FC236}">
-                <a16:creationId xmlns:a16="http://schemas.microsoft.com/office/drawing/2014/main" id="{E37145E9-AC61-47D5-9288-8789940F81B6}"/>
+                <a16:creationId xmlns:a16="http://schemas.microsoft.com/office/drawing/2014/main" xmlns="" id="{E37145E9-AC61-47D5-9288-8789940F81B6}"/>
               </a:ext>
             </a:extLst>
           </p:cNvPr>
@@ -9144,7 +9211,7 @@
           <p:cNvPr id="12" name="Freeform: Shape 11">
             <a:extLst>
               <a:ext uri="{FF2B5EF4-FFF2-40B4-BE49-F238E27FC236}">
-                <a16:creationId xmlns:a16="http://schemas.microsoft.com/office/drawing/2014/main" id="{A5E2B3ED-9A49-40A7-B8A3-62595FE513F9}"/>
+                <a16:creationId xmlns:a16="http://schemas.microsoft.com/office/drawing/2014/main" xmlns="" id="{A5E2B3ED-9A49-40A7-B8A3-62595FE513F9}"/>
               </a:ext>
             </a:extLst>
           </p:cNvPr>
@@ -9294,7 +9361,7 @@
           <p:cNvPr id="8" name="Freeform: Shape 7">
             <a:extLst>
               <a:ext uri="{FF2B5EF4-FFF2-40B4-BE49-F238E27FC236}">
-                <a16:creationId xmlns:a16="http://schemas.microsoft.com/office/drawing/2014/main" id="{1599AF7E-3E34-4597-AA72-9373A7FDB020}"/>
+                <a16:creationId xmlns:a16="http://schemas.microsoft.com/office/drawing/2014/main" xmlns="" id="{1599AF7E-3E34-4597-AA72-9373A7FDB020}"/>
               </a:ext>
             </a:extLst>
           </p:cNvPr>
@@ -9440,7 +9507,7 @@
           <p:cNvPr id="2" name="Title 1">
             <a:extLst>
               <a:ext uri="{FF2B5EF4-FFF2-40B4-BE49-F238E27FC236}">
-                <a16:creationId xmlns:a16="http://schemas.microsoft.com/office/drawing/2014/main" id="{4A2DF563-7FAC-46B3-B24C-7E45CD89DA2B}"/>
+                <a16:creationId xmlns:a16="http://schemas.microsoft.com/office/drawing/2014/main" xmlns="" id="{4A2DF563-7FAC-46B3-B24C-7E45CD89DA2B}"/>
               </a:ext>
             </a:extLst>
           </p:cNvPr>
@@ -9485,7 +9552,7 @@
           <p:cNvPr id="15" name="Group 14">
             <a:extLst>
               <a:ext uri="{FF2B5EF4-FFF2-40B4-BE49-F238E27FC236}">
-                <a16:creationId xmlns:a16="http://schemas.microsoft.com/office/drawing/2014/main" id="{7732E1E7-45E3-4264-8F26-66758696DD1E}"/>
+                <a16:creationId xmlns:a16="http://schemas.microsoft.com/office/drawing/2014/main" xmlns="" id="{7732E1E7-45E3-4264-8F26-66758696DD1E}"/>
               </a:ext>
             </a:extLst>
           </p:cNvPr>
@@ -9505,7 +9572,7 @@
             <p:cNvPr id="16" name="Freeform: Shape 15">
               <a:extLst>
                 <a:ext uri="{FF2B5EF4-FFF2-40B4-BE49-F238E27FC236}">
-                  <a16:creationId xmlns:a16="http://schemas.microsoft.com/office/drawing/2014/main" id="{2E3DF883-8093-49FA-81E1-E5D77F086A25}"/>
+                  <a16:creationId xmlns:a16="http://schemas.microsoft.com/office/drawing/2014/main" xmlns="" id="{2E3DF883-8093-49FA-81E1-E5D77F086A25}"/>
                 </a:ext>
               </a:extLst>
             </p:cNvPr>
@@ -9595,7 +9662,7 @@
             <p:cNvPr id="17" name="Freeform: Shape 16">
               <a:extLst>
                 <a:ext uri="{FF2B5EF4-FFF2-40B4-BE49-F238E27FC236}">
-                  <a16:creationId xmlns:a16="http://schemas.microsoft.com/office/drawing/2014/main" id="{18944C90-37E5-4BBE-89FF-060627168050}"/>
+                  <a16:creationId xmlns:a16="http://schemas.microsoft.com/office/drawing/2014/main" xmlns="" id="{18944C90-37E5-4BBE-89FF-060627168050}"/>
                 </a:ext>
               </a:extLst>
             </p:cNvPr>
@@ -9694,7 +9761,7 @@
           <p:cNvPr id="6" name="Group 5">
             <a:extLst>
               <a:ext uri="{FF2B5EF4-FFF2-40B4-BE49-F238E27FC236}">
-                <a16:creationId xmlns:a16="http://schemas.microsoft.com/office/drawing/2014/main" id="{D9EBF8BB-A805-4DDB-B459-082F99815B95}"/>
+                <a16:creationId xmlns:a16="http://schemas.microsoft.com/office/drawing/2014/main" xmlns="" id="{D9EBF8BB-A805-4DDB-B459-082F99815B95}"/>
               </a:ext>
             </a:extLst>
           </p:cNvPr>
@@ -9714,7 +9781,7 @@
             <p:cNvPr id="19" name="Rectangle: Single Corner Snipped 18">
               <a:extLst>
                 <a:ext uri="{FF2B5EF4-FFF2-40B4-BE49-F238E27FC236}">
-                  <a16:creationId xmlns:a16="http://schemas.microsoft.com/office/drawing/2014/main" id="{5D638788-DD47-45E7-939A-FA108A818173}"/>
+                  <a16:creationId xmlns:a16="http://schemas.microsoft.com/office/drawing/2014/main" xmlns="" id="{5D638788-DD47-45E7-939A-FA108A818173}"/>
                 </a:ext>
               </a:extLst>
             </p:cNvPr>
@@ -9775,7 +9842,7 @@
             <p:cNvPr id="3" name="Rectangle: Single Corner Snipped 2">
               <a:extLst>
                 <a:ext uri="{FF2B5EF4-FFF2-40B4-BE49-F238E27FC236}">
-                  <a16:creationId xmlns:a16="http://schemas.microsoft.com/office/drawing/2014/main" id="{74BDECEF-EEFE-4332-B3B2-BDE4F82C10FC}"/>
+                  <a16:creationId xmlns:a16="http://schemas.microsoft.com/office/drawing/2014/main" xmlns="" id="{74BDECEF-EEFE-4332-B3B2-BDE4F82C10FC}"/>
                 </a:ext>
               </a:extLst>
             </p:cNvPr>
@@ -9832,7 +9899,7 @@
           <p:cNvPr id="26" name="Text Placeholder 22">
             <a:extLst>
               <a:ext uri="{FF2B5EF4-FFF2-40B4-BE49-F238E27FC236}">
-                <a16:creationId xmlns:a16="http://schemas.microsoft.com/office/drawing/2014/main" id="{2A19101D-7C37-42BF-8167-5391EA65EC3A}"/>
+                <a16:creationId xmlns:a16="http://schemas.microsoft.com/office/drawing/2014/main" xmlns="" id="{2A19101D-7C37-42BF-8167-5391EA65EC3A}"/>
               </a:ext>
             </a:extLst>
           </p:cNvPr>
@@ -9942,7 +10009,7 @@
           <p:cNvPr id="35" name="Freeform: Shape 34">
             <a:extLst>
               <a:ext uri="{FF2B5EF4-FFF2-40B4-BE49-F238E27FC236}">
-                <a16:creationId xmlns:a16="http://schemas.microsoft.com/office/drawing/2014/main" id="{62EEBF51-DCAD-4335-85E9-52801031A1BF}"/>
+                <a16:creationId xmlns:a16="http://schemas.microsoft.com/office/drawing/2014/main" xmlns="" id="{62EEBF51-DCAD-4335-85E9-52801031A1BF}"/>
               </a:ext>
             </a:extLst>
           </p:cNvPr>
@@ -10037,7 +10104,7 @@
           <p:cNvPr id="5" name="Slide Number Placeholder 4">
             <a:extLst>
               <a:ext uri="{FF2B5EF4-FFF2-40B4-BE49-F238E27FC236}">
-                <a16:creationId xmlns:a16="http://schemas.microsoft.com/office/drawing/2014/main" id="{87B51822-97FF-47A7-8E4E-A0F79B4EB237}"/>
+                <a16:creationId xmlns:a16="http://schemas.microsoft.com/office/drawing/2014/main" xmlns="" id="{87B51822-97FF-47A7-8E4E-A0F79B4EB237}"/>
               </a:ext>
             </a:extLst>
           </p:cNvPr>
@@ -10070,7 +10137,7 @@
             <a:fld id="{C263D6C4-4840-40CC-AC84-17E24B3B7BDE}" type="slidenum">
               <a:rPr lang="en-US" noProof="0" smtClean="0"/>
               <a:pPr/>
-              <a:t>‹#›</a:t>
+              <a:t>‹Nr.›</a:t>
             </a:fld>
             <a:endParaRPr lang="en-US" noProof="0" dirty="0"/>
           </a:p>
@@ -10081,7 +10148,7 @@
           <p:cNvPr id="13" name="Picture Placeholder 12">
             <a:extLst>
               <a:ext uri="{FF2B5EF4-FFF2-40B4-BE49-F238E27FC236}">
-                <a16:creationId xmlns:a16="http://schemas.microsoft.com/office/drawing/2014/main" id="{231B97CF-FD24-4932-8459-893B1AC73D33}"/>
+                <a16:creationId xmlns:a16="http://schemas.microsoft.com/office/drawing/2014/main" xmlns="" id="{231B97CF-FD24-4932-8459-893B1AC73D33}"/>
               </a:ext>
             </a:extLst>
           </p:cNvPr>
@@ -10126,7 +10193,7 @@
           <p:cNvPr id="36" name="Text Placeholder 22">
             <a:extLst>
               <a:ext uri="{FF2B5EF4-FFF2-40B4-BE49-F238E27FC236}">
-                <a16:creationId xmlns:a16="http://schemas.microsoft.com/office/drawing/2014/main" id="{642D3CE0-C3B4-4F3F-A650-AB452B3AD4BA}"/>
+                <a16:creationId xmlns:a16="http://schemas.microsoft.com/office/drawing/2014/main" xmlns="" id="{642D3CE0-C3B4-4F3F-A650-AB452B3AD4BA}"/>
               </a:ext>
             </a:extLst>
           </p:cNvPr>
@@ -10236,7 +10303,7 @@
           <p:cNvPr id="37" name="Text Placeholder 22">
             <a:extLst>
               <a:ext uri="{FF2B5EF4-FFF2-40B4-BE49-F238E27FC236}">
-                <a16:creationId xmlns:a16="http://schemas.microsoft.com/office/drawing/2014/main" id="{DBED2BB0-CDAD-40EE-8B35-C66DF45EE29D}"/>
+                <a16:creationId xmlns:a16="http://schemas.microsoft.com/office/drawing/2014/main" xmlns="" id="{DBED2BB0-CDAD-40EE-8B35-C66DF45EE29D}"/>
               </a:ext>
             </a:extLst>
           </p:cNvPr>
@@ -10384,7 +10451,7 @@
           <p:cNvPr id="11" name="Rectangle 10">
             <a:extLst>
               <a:ext uri="{FF2B5EF4-FFF2-40B4-BE49-F238E27FC236}">
-                <a16:creationId xmlns:a16="http://schemas.microsoft.com/office/drawing/2014/main" id="{EB3E033F-4449-40FA-BC85-BD2712D313DD}"/>
+                <a16:creationId xmlns:a16="http://schemas.microsoft.com/office/drawing/2014/main" xmlns="" id="{EB3E033F-4449-40FA-BC85-BD2712D313DD}"/>
               </a:ext>
             </a:extLst>
           </p:cNvPr>
@@ -10438,7 +10505,7 @@
           <p:cNvPr id="10" name="Freeform: Shape 9">
             <a:extLst>
               <a:ext uri="{FF2B5EF4-FFF2-40B4-BE49-F238E27FC236}">
-                <a16:creationId xmlns:a16="http://schemas.microsoft.com/office/drawing/2014/main" id="{63D26743-0505-444C-80B3-E88EE87DF72B}"/>
+                <a16:creationId xmlns:a16="http://schemas.microsoft.com/office/drawing/2014/main" xmlns="" id="{63D26743-0505-444C-80B3-E88EE87DF72B}"/>
               </a:ext>
             </a:extLst>
           </p:cNvPr>
@@ -10561,7 +10628,7 @@
           <p:cNvPr id="18" name="Freeform: Shape 17">
             <a:extLst>
               <a:ext uri="{FF2B5EF4-FFF2-40B4-BE49-F238E27FC236}">
-                <a16:creationId xmlns:a16="http://schemas.microsoft.com/office/drawing/2014/main" id="{E37145E9-AC61-47D5-9288-8789940F81B6}"/>
+                <a16:creationId xmlns:a16="http://schemas.microsoft.com/office/drawing/2014/main" xmlns="" id="{E37145E9-AC61-47D5-9288-8789940F81B6}"/>
               </a:ext>
             </a:extLst>
           </p:cNvPr>
@@ -10713,7 +10780,7 @@
           <p:cNvPr id="12" name="Freeform: Shape 11">
             <a:extLst>
               <a:ext uri="{FF2B5EF4-FFF2-40B4-BE49-F238E27FC236}">
-                <a16:creationId xmlns:a16="http://schemas.microsoft.com/office/drawing/2014/main" id="{A5E2B3ED-9A49-40A7-B8A3-62595FE513F9}"/>
+                <a16:creationId xmlns:a16="http://schemas.microsoft.com/office/drawing/2014/main" xmlns="" id="{A5E2B3ED-9A49-40A7-B8A3-62595FE513F9}"/>
               </a:ext>
             </a:extLst>
           </p:cNvPr>
@@ -10863,7 +10930,7 @@
           <p:cNvPr id="8" name="Freeform: Shape 7">
             <a:extLst>
               <a:ext uri="{FF2B5EF4-FFF2-40B4-BE49-F238E27FC236}">
-                <a16:creationId xmlns:a16="http://schemas.microsoft.com/office/drawing/2014/main" id="{1599AF7E-3E34-4597-AA72-9373A7FDB020}"/>
+                <a16:creationId xmlns:a16="http://schemas.microsoft.com/office/drawing/2014/main" xmlns="" id="{1599AF7E-3E34-4597-AA72-9373A7FDB020}"/>
               </a:ext>
             </a:extLst>
           </p:cNvPr>
@@ -11009,7 +11076,7 @@
           <p:cNvPr id="2" name="Title 1">
             <a:extLst>
               <a:ext uri="{FF2B5EF4-FFF2-40B4-BE49-F238E27FC236}">
-                <a16:creationId xmlns:a16="http://schemas.microsoft.com/office/drawing/2014/main" id="{4A2DF563-7FAC-46B3-B24C-7E45CD89DA2B}"/>
+                <a16:creationId xmlns:a16="http://schemas.microsoft.com/office/drawing/2014/main" xmlns="" id="{4A2DF563-7FAC-46B3-B24C-7E45CD89DA2B}"/>
               </a:ext>
             </a:extLst>
           </p:cNvPr>
@@ -11054,7 +11121,7 @@
           <p:cNvPr id="15" name="Group 14">
             <a:extLst>
               <a:ext uri="{FF2B5EF4-FFF2-40B4-BE49-F238E27FC236}">
-                <a16:creationId xmlns:a16="http://schemas.microsoft.com/office/drawing/2014/main" id="{7732E1E7-45E3-4264-8F26-66758696DD1E}"/>
+                <a16:creationId xmlns:a16="http://schemas.microsoft.com/office/drawing/2014/main" xmlns="" id="{7732E1E7-45E3-4264-8F26-66758696DD1E}"/>
               </a:ext>
             </a:extLst>
           </p:cNvPr>
@@ -11074,7 +11141,7 @@
             <p:cNvPr id="16" name="Freeform: Shape 15">
               <a:extLst>
                 <a:ext uri="{FF2B5EF4-FFF2-40B4-BE49-F238E27FC236}">
-                  <a16:creationId xmlns:a16="http://schemas.microsoft.com/office/drawing/2014/main" id="{2E3DF883-8093-49FA-81E1-E5D77F086A25}"/>
+                  <a16:creationId xmlns:a16="http://schemas.microsoft.com/office/drawing/2014/main" xmlns="" id="{2E3DF883-8093-49FA-81E1-E5D77F086A25}"/>
                 </a:ext>
               </a:extLst>
             </p:cNvPr>
@@ -11164,7 +11231,7 @@
             <p:cNvPr id="17" name="Freeform: Shape 16">
               <a:extLst>
                 <a:ext uri="{FF2B5EF4-FFF2-40B4-BE49-F238E27FC236}">
-                  <a16:creationId xmlns:a16="http://schemas.microsoft.com/office/drawing/2014/main" id="{18944C90-37E5-4BBE-89FF-060627168050}"/>
+                  <a16:creationId xmlns:a16="http://schemas.microsoft.com/office/drawing/2014/main" xmlns="" id="{18944C90-37E5-4BBE-89FF-060627168050}"/>
                 </a:ext>
               </a:extLst>
             </p:cNvPr>
@@ -11263,7 +11330,7 @@
           <p:cNvPr id="6" name="Group 5">
             <a:extLst>
               <a:ext uri="{FF2B5EF4-FFF2-40B4-BE49-F238E27FC236}">
-                <a16:creationId xmlns:a16="http://schemas.microsoft.com/office/drawing/2014/main" id="{D9EBF8BB-A805-4DDB-B459-082F99815B95}"/>
+                <a16:creationId xmlns:a16="http://schemas.microsoft.com/office/drawing/2014/main" xmlns="" id="{D9EBF8BB-A805-4DDB-B459-082F99815B95}"/>
               </a:ext>
             </a:extLst>
           </p:cNvPr>
@@ -11283,7 +11350,7 @@
             <p:cNvPr id="19" name="Rectangle: Single Corner Snipped 18">
               <a:extLst>
                 <a:ext uri="{FF2B5EF4-FFF2-40B4-BE49-F238E27FC236}">
-                  <a16:creationId xmlns:a16="http://schemas.microsoft.com/office/drawing/2014/main" id="{5D638788-DD47-45E7-939A-FA108A818173}"/>
+                  <a16:creationId xmlns:a16="http://schemas.microsoft.com/office/drawing/2014/main" xmlns="" id="{5D638788-DD47-45E7-939A-FA108A818173}"/>
                 </a:ext>
               </a:extLst>
             </p:cNvPr>
@@ -11344,7 +11411,7 @@
             <p:cNvPr id="3" name="Rectangle: Single Corner Snipped 2">
               <a:extLst>
                 <a:ext uri="{FF2B5EF4-FFF2-40B4-BE49-F238E27FC236}">
-                  <a16:creationId xmlns:a16="http://schemas.microsoft.com/office/drawing/2014/main" id="{74BDECEF-EEFE-4332-B3B2-BDE4F82C10FC}"/>
+                  <a16:creationId xmlns:a16="http://schemas.microsoft.com/office/drawing/2014/main" xmlns="" id="{74BDECEF-EEFE-4332-B3B2-BDE4F82C10FC}"/>
                 </a:ext>
               </a:extLst>
             </p:cNvPr>
@@ -11401,7 +11468,7 @@
           <p:cNvPr id="26" name="Text Placeholder 22">
             <a:extLst>
               <a:ext uri="{FF2B5EF4-FFF2-40B4-BE49-F238E27FC236}">
-                <a16:creationId xmlns:a16="http://schemas.microsoft.com/office/drawing/2014/main" id="{2A19101D-7C37-42BF-8167-5391EA65EC3A}"/>
+                <a16:creationId xmlns:a16="http://schemas.microsoft.com/office/drawing/2014/main" xmlns="" id="{2A19101D-7C37-42BF-8167-5391EA65EC3A}"/>
               </a:ext>
             </a:extLst>
           </p:cNvPr>
@@ -11511,7 +11578,7 @@
           <p:cNvPr id="35" name="Freeform: Shape 34">
             <a:extLst>
               <a:ext uri="{FF2B5EF4-FFF2-40B4-BE49-F238E27FC236}">
-                <a16:creationId xmlns:a16="http://schemas.microsoft.com/office/drawing/2014/main" id="{62EEBF51-DCAD-4335-85E9-52801031A1BF}"/>
+                <a16:creationId xmlns:a16="http://schemas.microsoft.com/office/drawing/2014/main" xmlns="" id="{62EEBF51-DCAD-4335-85E9-52801031A1BF}"/>
               </a:ext>
             </a:extLst>
           </p:cNvPr>
@@ -11606,7 +11673,7 @@
           <p:cNvPr id="5" name="Slide Number Placeholder 4">
             <a:extLst>
               <a:ext uri="{FF2B5EF4-FFF2-40B4-BE49-F238E27FC236}">
-                <a16:creationId xmlns:a16="http://schemas.microsoft.com/office/drawing/2014/main" id="{87B51822-97FF-47A7-8E4E-A0F79B4EB237}"/>
+                <a16:creationId xmlns:a16="http://schemas.microsoft.com/office/drawing/2014/main" xmlns="" id="{87B51822-97FF-47A7-8E4E-A0F79B4EB237}"/>
               </a:ext>
             </a:extLst>
           </p:cNvPr>
@@ -11639,7 +11706,7 @@
             <a:fld id="{C263D6C4-4840-40CC-AC84-17E24B3B7BDE}" type="slidenum">
               <a:rPr lang="en-US" noProof="0" smtClean="0"/>
               <a:pPr/>
-              <a:t>‹#›</a:t>
+              <a:t>‹Nr.›</a:t>
             </a:fld>
             <a:endParaRPr lang="en-US" noProof="0" dirty="0"/>
           </a:p>
@@ -11650,7 +11717,7 @@
           <p:cNvPr id="13" name="Picture Placeholder 12">
             <a:extLst>
               <a:ext uri="{FF2B5EF4-FFF2-40B4-BE49-F238E27FC236}">
-                <a16:creationId xmlns:a16="http://schemas.microsoft.com/office/drawing/2014/main" id="{231B97CF-FD24-4932-8459-893B1AC73D33}"/>
+                <a16:creationId xmlns:a16="http://schemas.microsoft.com/office/drawing/2014/main" xmlns="" id="{231B97CF-FD24-4932-8459-893B1AC73D33}"/>
               </a:ext>
             </a:extLst>
           </p:cNvPr>
@@ -11733,7 +11800,7 @@
           <p:cNvPr id="11" name="Rectangle 10">
             <a:extLst>
               <a:ext uri="{FF2B5EF4-FFF2-40B4-BE49-F238E27FC236}">
-                <a16:creationId xmlns:a16="http://schemas.microsoft.com/office/drawing/2014/main" id="{EB3E033F-4449-40FA-BC85-BD2712D313DD}"/>
+                <a16:creationId xmlns:a16="http://schemas.microsoft.com/office/drawing/2014/main" xmlns="" id="{EB3E033F-4449-40FA-BC85-BD2712D313DD}"/>
               </a:ext>
             </a:extLst>
           </p:cNvPr>
@@ -11787,7 +11854,7 @@
           <p:cNvPr id="10" name="Freeform: Shape 9">
             <a:extLst>
               <a:ext uri="{FF2B5EF4-FFF2-40B4-BE49-F238E27FC236}">
-                <a16:creationId xmlns:a16="http://schemas.microsoft.com/office/drawing/2014/main" id="{63D26743-0505-444C-80B3-E88EE87DF72B}"/>
+                <a16:creationId xmlns:a16="http://schemas.microsoft.com/office/drawing/2014/main" xmlns="" id="{63D26743-0505-444C-80B3-E88EE87DF72B}"/>
               </a:ext>
             </a:extLst>
           </p:cNvPr>
@@ -11910,7 +11977,7 @@
           <p:cNvPr id="18" name="Freeform: Shape 17">
             <a:extLst>
               <a:ext uri="{FF2B5EF4-FFF2-40B4-BE49-F238E27FC236}">
-                <a16:creationId xmlns:a16="http://schemas.microsoft.com/office/drawing/2014/main" id="{E37145E9-AC61-47D5-9288-8789940F81B6}"/>
+                <a16:creationId xmlns:a16="http://schemas.microsoft.com/office/drawing/2014/main" xmlns="" id="{E37145E9-AC61-47D5-9288-8789940F81B6}"/>
               </a:ext>
             </a:extLst>
           </p:cNvPr>
@@ -12062,7 +12129,7 @@
           <p:cNvPr id="12" name="Freeform: Shape 11">
             <a:extLst>
               <a:ext uri="{FF2B5EF4-FFF2-40B4-BE49-F238E27FC236}">
-                <a16:creationId xmlns:a16="http://schemas.microsoft.com/office/drawing/2014/main" id="{A5E2B3ED-9A49-40A7-B8A3-62595FE513F9}"/>
+                <a16:creationId xmlns:a16="http://schemas.microsoft.com/office/drawing/2014/main" xmlns="" id="{A5E2B3ED-9A49-40A7-B8A3-62595FE513F9}"/>
               </a:ext>
             </a:extLst>
           </p:cNvPr>
@@ -12212,7 +12279,7 @@
           <p:cNvPr id="8" name="Freeform: Shape 7">
             <a:extLst>
               <a:ext uri="{FF2B5EF4-FFF2-40B4-BE49-F238E27FC236}">
-                <a16:creationId xmlns:a16="http://schemas.microsoft.com/office/drawing/2014/main" id="{1599AF7E-3E34-4597-AA72-9373A7FDB020}"/>
+                <a16:creationId xmlns:a16="http://schemas.microsoft.com/office/drawing/2014/main" xmlns="" id="{1599AF7E-3E34-4597-AA72-9373A7FDB020}"/>
               </a:ext>
             </a:extLst>
           </p:cNvPr>
@@ -12358,7 +12425,7 @@
           <p:cNvPr id="2" name="Title 1">
             <a:extLst>
               <a:ext uri="{FF2B5EF4-FFF2-40B4-BE49-F238E27FC236}">
-                <a16:creationId xmlns:a16="http://schemas.microsoft.com/office/drawing/2014/main" id="{4A2DF563-7FAC-46B3-B24C-7E45CD89DA2B}"/>
+                <a16:creationId xmlns:a16="http://schemas.microsoft.com/office/drawing/2014/main" xmlns="" id="{4A2DF563-7FAC-46B3-B24C-7E45CD89DA2B}"/>
               </a:ext>
             </a:extLst>
           </p:cNvPr>
@@ -12403,7 +12470,7 @@
           <p:cNvPr id="15" name="Group 14">
             <a:extLst>
               <a:ext uri="{FF2B5EF4-FFF2-40B4-BE49-F238E27FC236}">
-                <a16:creationId xmlns:a16="http://schemas.microsoft.com/office/drawing/2014/main" id="{7732E1E7-45E3-4264-8F26-66758696DD1E}"/>
+                <a16:creationId xmlns:a16="http://schemas.microsoft.com/office/drawing/2014/main" xmlns="" id="{7732E1E7-45E3-4264-8F26-66758696DD1E}"/>
               </a:ext>
             </a:extLst>
           </p:cNvPr>
@@ -12423,7 +12490,7 @@
             <p:cNvPr id="16" name="Freeform: Shape 15">
               <a:extLst>
                 <a:ext uri="{FF2B5EF4-FFF2-40B4-BE49-F238E27FC236}">
-                  <a16:creationId xmlns:a16="http://schemas.microsoft.com/office/drawing/2014/main" id="{2E3DF883-8093-49FA-81E1-E5D77F086A25}"/>
+                  <a16:creationId xmlns:a16="http://schemas.microsoft.com/office/drawing/2014/main" xmlns="" id="{2E3DF883-8093-49FA-81E1-E5D77F086A25}"/>
                 </a:ext>
               </a:extLst>
             </p:cNvPr>
@@ -12513,7 +12580,7 @@
             <p:cNvPr id="17" name="Freeform: Shape 16">
               <a:extLst>
                 <a:ext uri="{FF2B5EF4-FFF2-40B4-BE49-F238E27FC236}">
-                  <a16:creationId xmlns:a16="http://schemas.microsoft.com/office/drawing/2014/main" id="{18944C90-37E5-4BBE-89FF-060627168050}"/>
+                  <a16:creationId xmlns:a16="http://schemas.microsoft.com/office/drawing/2014/main" xmlns="" id="{18944C90-37E5-4BBE-89FF-060627168050}"/>
                 </a:ext>
               </a:extLst>
             </p:cNvPr>
@@ -12612,7 +12679,7 @@
           <p:cNvPr id="6" name="Group 5">
             <a:extLst>
               <a:ext uri="{FF2B5EF4-FFF2-40B4-BE49-F238E27FC236}">
-                <a16:creationId xmlns:a16="http://schemas.microsoft.com/office/drawing/2014/main" id="{D9EBF8BB-A805-4DDB-B459-082F99815B95}"/>
+                <a16:creationId xmlns:a16="http://schemas.microsoft.com/office/drawing/2014/main" xmlns="" id="{D9EBF8BB-A805-4DDB-B459-082F99815B95}"/>
               </a:ext>
             </a:extLst>
           </p:cNvPr>
@@ -12632,7 +12699,7 @@
             <p:cNvPr id="19" name="Rectangle: Single Corner Snipped 18">
               <a:extLst>
                 <a:ext uri="{FF2B5EF4-FFF2-40B4-BE49-F238E27FC236}">
-                  <a16:creationId xmlns:a16="http://schemas.microsoft.com/office/drawing/2014/main" id="{5D638788-DD47-45E7-939A-FA108A818173}"/>
+                  <a16:creationId xmlns:a16="http://schemas.microsoft.com/office/drawing/2014/main" xmlns="" id="{5D638788-DD47-45E7-939A-FA108A818173}"/>
                 </a:ext>
               </a:extLst>
             </p:cNvPr>
@@ -12693,7 +12760,7 @@
             <p:cNvPr id="3" name="Rectangle: Single Corner Snipped 2">
               <a:extLst>
                 <a:ext uri="{FF2B5EF4-FFF2-40B4-BE49-F238E27FC236}">
-                  <a16:creationId xmlns:a16="http://schemas.microsoft.com/office/drawing/2014/main" id="{74BDECEF-EEFE-4332-B3B2-BDE4F82C10FC}"/>
+                  <a16:creationId xmlns:a16="http://schemas.microsoft.com/office/drawing/2014/main" xmlns="" id="{74BDECEF-EEFE-4332-B3B2-BDE4F82C10FC}"/>
                 </a:ext>
               </a:extLst>
             </p:cNvPr>
@@ -12750,7 +12817,7 @@
           <p:cNvPr id="35" name="Freeform: Shape 34">
             <a:extLst>
               <a:ext uri="{FF2B5EF4-FFF2-40B4-BE49-F238E27FC236}">
-                <a16:creationId xmlns:a16="http://schemas.microsoft.com/office/drawing/2014/main" id="{62EEBF51-DCAD-4335-85E9-52801031A1BF}"/>
+                <a16:creationId xmlns:a16="http://schemas.microsoft.com/office/drawing/2014/main" xmlns="" id="{62EEBF51-DCAD-4335-85E9-52801031A1BF}"/>
               </a:ext>
             </a:extLst>
           </p:cNvPr>
@@ -12845,7 +12912,7 @@
           <p:cNvPr id="5" name="Slide Number Placeholder 4">
             <a:extLst>
               <a:ext uri="{FF2B5EF4-FFF2-40B4-BE49-F238E27FC236}">
-                <a16:creationId xmlns:a16="http://schemas.microsoft.com/office/drawing/2014/main" id="{87B51822-97FF-47A7-8E4E-A0F79B4EB237}"/>
+                <a16:creationId xmlns:a16="http://schemas.microsoft.com/office/drawing/2014/main" xmlns="" id="{87B51822-97FF-47A7-8E4E-A0F79B4EB237}"/>
               </a:ext>
             </a:extLst>
           </p:cNvPr>
@@ -12878,7 +12945,7 @@
             <a:fld id="{C263D6C4-4840-40CC-AC84-17E24B3B7BDE}" type="slidenum">
               <a:rPr lang="en-US" noProof="0" smtClean="0"/>
               <a:pPr/>
-              <a:t>‹#›</a:t>
+              <a:t>‹Nr.›</a:t>
             </a:fld>
             <a:endParaRPr lang="en-US" noProof="0" dirty="0"/>
           </a:p>
@@ -12889,7 +12956,7 @@
           <p:cNvPr id="20" name="Picture Placeholder 2">
             <a:extLst>
               <a:ext uri="{FF2B5EF4-FFF2-40B4-BE49-F238E27FC236}">
-                <a16:creationId xmlns:a16="http://schemas.microsoft.com/office/drawing/2014/main" id="{30B3A574-7940-4E35-857E-5CA35A5910E5}"/>
+                <a16:creationId xmlns:a16="http://schemas.microsoft.com/office/drawing/2014/main" xmlns="" id="{30B3A574-7940-4E35-857E-5CA35A5910E5}"/>
               </a:ext>
             </a:extLst>
           </p:cNvPr>
@@ -12966,7 +13033,7 @@
           <p:cNvPr id="21" name="Text Placeholder 3">
             <a:extLst>
               <a:ext uri="{FF2B5EF4-FFF2-40B4-BE49-F238E27FC236}">
-                <a16:creationId xmlns:a16="http://schemas.microsoft.com/office/drawing/2014/main" id="{912B51EA-3E6F-4BF6-BE48-62128AF32B85}"/>
+                <a16:creationId xmlns:a16="http://schemas.microsoft.com/office/drawing/2014/main" xmlns="" id="{912B51EA-3E6F-4BF6-BE48-62128AF32B85}"/>
               </a:ext>
             </a:extLst>
           </p:cNvPr>
@@ -13080,7 +13147,7 @@
           <p:cNvPr id="11" name="Rectangle 10">
             <a:extLst>
               <a:ext uri="{FF2B5EF4-FFF2-40B4-BE49-F238E27FC236}">
-                <a16:creationId xmlns:a16="http://schemas.microsoft.com/office/drawing/2014/main" id="{EB3E033F-4449-40FA-BC85-BD2712D313DD}"/>
+                <a16:creationId xmlns:a16="http://schemas.microsoft.com/office/drawing/2014/main" xmlns="" id="{EB3E033F-4449-40FA-BC85-BD2712D313DD}"/>
               </a:ext>
             </a:extLst>
           </p:cNvPr>
@@ -13134,7 +13201,7 @@
           <p:cNvPr id="10" name="Freeform: Shape 9">
             <a:extLst>
               <a:ext uri="{FF2B5EF4-FFF2-40B4-BE49-F238E27FC236}">
-                <a16:creationId xmlns:a16="http://schemas.microsoft.com/office/drawing/2014/main" id="{63D26743-0505-444C-80B3-E88EE87DF72B}"/>
+                <a16:creationId xmlns:a16="http://schemas.microsoft.com/office/drawing/2014/main" xmlns="" id="{63D26743-0505-444C-80B3-E88EE87DF72B}"/>
               </a:ext>
             </a:extLst>
           </p:cNvPr>
@@ -13257,7 +13324,7 @@
           <p:cNvPr id="18" name="Freeform: Shape 17">
             <a:extLst>
               <a:ext uri="{FF2B5EF4-FFF2-40B4-BE49-F238E27FC236}">
-                <a16:creationId xmlns:a16="http://schemas.microsoft.com/office/drawing/2014/main" id="{E37145E9-AC61-47D5-9288-8789940F81B6}"/>
+                <a16:creationId xmlns:a16="http://schemas.microsoft.com/office/drawing/2014/main" xmlns="" id="{E37145E9-AC61-47D5-9288-8789940F81B6}"/>
               </a:ext>
             </a:extLst>
           </p:cNvPr>
@@ -13409,7 +13476,7 @@
           <p:cNvPr id="12" name="Freeform: Shape 11">
             <a:extLst>
               <a:ext uri="{FF2B5EF4-FFF2-40B4-BE49-F238E27FC236}">
-                <a16:creationId xmlns:a16="http://schemas.microsoft.com/office/drawing/2014/main" id="{A5E2B3ED-9A49-40A7-B8A3-62595FE513F9}"/>
+                <a16:creationId xmlns:a16="http://schemas.microsoft.com/office/drawing/2014/main" xmlns="" id="{A5E2B3ED-9A49-40A7-B8A3-62595FE513F9}"/>
               </a:ext>
             </a:extLst>
           </p:cNvPr>
@@ -13559,7 +13626,7 @@
           <p:cNvPr id="8" name="Freeform: Shape 7">
             <a:extLst>
               <a:ext uri="{FF2B5EF4-FFF2-40B4-BE49-F238E27FC236}">
-                <a16:creationId xmlns:a16="http://schemas.microsoft.com/office/drawing/2014/main" id="{1599AF7E-3E34-4597-AA72-9373A7FDB020}"/>
+                <a16:creationId xmlns:a16="http://schemas.microsoft.com/office/drawing/2014/main" xmlns="" id="{1599AF7E-3E34-4597-AA72-9373A7FDB020}"/>
               </a:ext>
             </a:extLst>
           </p:cNvPr>
@@ -13705,7 +13772,7 @@
           <p:cNvPr id="2" name="Title 1">
             <a:extLst>
               <a:ext uri="{FF2B5EF4-FFF2-40B4-BE49-F238E27FC236}">
-                <a16:creationId xmlns:a16="http://schemas.microsoft.com/office/drawing/2014/main" id="{4A2DF563-7FAC-46B3-B24C-7E45CD89DA2B}"/>
+                <a16:creationId xmlns:a16="http://schemas.microsoft.com/office/drawing/2014/main" xmlns="" id="{4A2DF563-7FAC-46B3-B24C-7E45CD89DA2B}"/>
               </a:ext>
             </a:extLst>
           </p:cNvPr>
@@ -13750,7 +13817,7 @@
           <p:cNvPr id="15" name="Group 14">
             <a:extLst>
               <a:ext uri="{FF2B5EF4-FFF2-40B4-BE49-F238E27FC236}">
-                <a16:creationId xmlns:a16="http://schemas.microsoft.com/office/drawing/2014/main" id="{7732E1E7-45E3-4264-8F26-66758696DD1E}"/>
+                <a16:creationId xmlns:a16="http://schemas.microsoft.com/office/drawing/2014/main" xmlns="" id="{7732E1E7-45E3-4264-8F26-66758696DD1E}"/>
               </a:ext>
             </a:extLst>
           </p:cNvPr>
@@ -13770,7 +13837,7 @@
             <p:cNvPr id="16" name="Freeform: Shape 15">
               <a:extLst>
                 <a:ext uri="{FF2B5EF4-FFF2-40B4-BE49-F238E27FC236}">
-                  <a16:creationId xmlns:a16="http://schemas.microsoft.com/office/drawing/2014/main" id="{2E3DF883-8093-49FA-81E1-E5D77F086A25}"/>
+                  <a16:creationId xmlns:a16="http://schemas.microsoft.com/office/drawing/2014/main" xmlns="" id="{2E3DF883-8093-49FA-81E1-E5D77F086A25}"/>
                 </a:ext>
               </a:extLst>
             </p:cNvPr>
@@ -13860,7 +13927,7 @@
             <p:cNvPr id="17" name="Freeform: Shape 16">
               <a:extLst>
                 <a:ext uri="{FF2B5EF4-FFF2-40B4-BE49-F238E27FC236}">
-                  <a16:creationId xmlns:a16="http://schemas.microsoft.com/office/drawing/2014/main" id="{18944C90-37E5-4BBE-89FF-060627168050}"/>
+                  <a16:creationId xmlns:a16="http://schemas.microsoft.com/office/drawing/2014/main" xmlns="" id="{18944C90-37E5-4BBE-89FF-060627168050}"/>
                 </a:ext>
               </a:extLst>
             </p:cNvPr>
@@ -13959,7 +14026,7 @@
           <p:cNvPr id="6" name="Group 5">
             <a:extLst>
               <a:ext uri="{FF2B5EF4-FFF2-40B4-BE49-F238E27FC236}">
-                <a16:creationId xmlns:a16="http://schemas.microsoft.com/office/drawing/2014/main" id="{D9EBF8BB-A805-4DDB-B459-082F99815B95}"/>
+                <a16:creationId xmlns:a16="http://schemas.microsoft.com/office/drawing/2014/main" xmlns="" id="{D9EBF8BB-A805-4DDB-B459-082F99815B95}"/>
               </a:ext>
             </a:extLst>
           </p:cNvPr>
@@ -13979,7 +14046,7 @@
             <p:cNvPr id="19" name="Rectangle: Single Corner Snipped 18">
               <a:extLst>
                 <a:ext uri="{FF2B5EF4-FFF2-40B4-BE49-F238E27FC236}">
-                  <a16:creationId xmlns:a16="http://schemas.microsoft.com/office/drawing/2014/main" id="{5D638788-DD47-45E7-939A-FA108A818173}"/>
+                  <a16:creationId xmlns:a16="http://schemas.microsoft.com/office/drawing/2014/main" xmlns="" id="{5D638788-DD47-45E7-939A-FA108A818173}"/>
                 </a:ext>
               </a:extLst>
             </p:cNvPr>
@@ -14040,7 +14107,7 @@
             <p:cNvPr id="3" name="Rectangle: Single Corner Snipped 2">
               <a:extLst>
                 <a:ext uri="{FF2B5EF4-FFF2-40B4-BE49-F238E27FC236}">
-                  <a16:creationId xmlns:a16="http://schemas.microsoft.com/office/drawing/2014/main" id="{74BDECEF-EEFE-4332-B3B2-BDE4F82C10FC}"/>
+                  <a16:creationId xmlns:a16="http://schemas.microsoft.com/office/drawing/2014/main" xmlns="" id="{74BDECEF-EEFE-4332-B3B2-BDE4F82C10FC}"/>
                 </a:ext>
               </a:extLst>
             </p:cNvPr>
@@ -14097,7 +14164,7 @@
           <p:cNvPr id="35" name="Freeform: Shape 34">
             <a:extLst>
               <a:ext uri="{FF2B5EF4-FFF2-40B4-BE49-F238E27FC236}">
-                <a16:creationId xmlns:a16="http://schemas.microsoft.com/office/drawing/2014/main" id="{62EEBF51-DCAD-4335-85E9-52801031A1BF}"/>
+                <a16:creationId xmlns:a16="http://schemas.microsoft.com/office/drawing/2014/main" xmlns="" id="{62EEBF51-DCAD-4335-85E9-52801031A1BF}"/>
               </a:ext>
             </a:extLst>
           </p:cNvPr>
@@ -14192,7 +14259,7 @@
           <p:cNvPr id="5" name="Slide Number Placeholder 4">
             <a:extLst>
               <a:ext uri="{FF2B5EF4-FFF2-40B4-BE49-F238E27FC236}">
-                <a16:creationId xmlns:a16="http://schemas.microsoft.com/office/drawing/2014/main" id="{87B51822-97FF-47A7-8E4E-A0F79B4EB237}"/>
+                <a16:creationId xmlns:a16="http://schemas.microsoft.com/office/drawing/2014/main" xmlns="" id="{87B51822-97FF-47A7-8E4E-A0F79B4EB237}"/>
               </a:ext>
             </a:extLst>
           </p:cNvPr>
@@ -14225,7 +14292,7 @@
             <a:fld id="{C263D6C4-4840-40CC-AC84-17E24B3B7BDE}" type="slidenum">
               <a:rPr lang="en-US" noProof="0" smtClean="0"/>
               <a:pPr/>
-              <a:t>‹#›</a:t>
+              <a:t>‹Nr.›</a:t>
             </a:fld>
             <a:endParaRPr lang="en-US" noProof="0" dirty="0"/>
           </a:p>
@@ -14236,7 +14303,7 @@
           <p:cNvPr id="21" name="Text Placeholder 3">
             <a:extLst>
               <a:ext uri="{FF2B5EF4-FFF2-40B4-BE49-F238E27FC236}">
-                <a16:creationId xmlns:a16="http://schemas.microsoft.com/office/drawing/2014/main" id="{912B51EA-3E6F-4BF6-BE48-62128AF32B85}"/>
+                <a16:creationId xmlns:a16="http://schemas.microsoft.com/office/drawing/2014/main" xmlns="" id="{912B51EA-3E6F-4BF6-BE48-62128AF32B85}"/>
               </a:ext>
             </a:extLst>
           </p:cNvPr>
@@ -14312,7 +14379,7 @@
           <p:cNvPr id="22" name="Content Placeholder 2">
             <a:extLst>
               <a:ext uri="{FF2B5EF4-FFF2-40B4-BE49-F238E27FC236}">
-                <a16:creationId xmlns:a16="http://schemas.microsoft.com/office/drawing/2014/main" id="{A015C605-1D30-48BC-A0D6-3B11AF56CC53}"/>
+                <a16:creationId xmlns:a16="http://schemas.microsoft.com/office/drawing/2014/main" xmlns="" id="{A015C605-1D30-48BC-A0D6-3B11AF56CC53}"/>
               </a:ext>
             </a:extLst>
           </p:cNvPr>
@@ -14454,7 +14521,7 @@
           <p:cNvPr id="18" name="Rectangle 17">
             <a:extLst>
               <a:ext uri="{FF2B5EF4-FFF2-40B4-BE49-F238E27FC236}">
-                <a16:creationId xmlns:a16="http://schemas.microsoft.com/office/drawing/2014/main" id="{D4494CD2-CCDD-0248-96F8-741002C44255}"/>
+                <a16:creationId xmlns:a16="http://schemas.microsoft.com/office/drawing/2014/main" xmlns="" id="{D4494CD2-CCDD-0248-96F8-741002C44255}"/>
               </a:ext>
             </a:extLst>
           </p:cNvPr>
@@ -14508,7 +14575,7 @@
           <p:cNvPr id="19" name="Freeform: Shape 9">
             <a:extLst>
               <a:ext uri="{FF2B5EF4-FFF2-40B4-BE49-F238E27FC236}">
-                <a16:creationId xmlns:a16="http://schemas.microsoft.com/office/drawing/2014/main" id="{07077B00-C1EE-7241-B441-7814F92A7EDF}"/>
+                <a16:creationId xmlns:a16="http://schemas.microsoft.com/office/drawing/2014/main" xmlns="" id="{07077B00-C1EE-7241-B441-7814F92A7EDF}"/>
               </a:ext>
             </a:extLst>
           </p:cNvPr>
@@ -14631,7 +14698,7 @@
           <p:cNvPr id="20" name="Freeform: Shape 17">
             <a:extLst>
               <a:ext uri="{FF2B5EF4-FFF2-40B4-BE49-F238E27FC236}">
-                <a16:creationId xmlns:a16="http://schemas.microsoft.com/office/drawing/2014/main" id="{3A1AEBC4-637E-F64C-9192-69AC4BB26D0C}"/>
+                <a16:creationId xmlns:a16="http://schemas.microsoft.com/office/drawing/2014/main" xmlns="" id="{3A1AEBC4-637E-F64C-9192-69AC4BB26D0C}"/>
               </a:ext>
             </a:extLst>
           </p:cNvPr>
@@ -14783,7 +14850,7 @@
           <p:cNvPr id="21" name="Freeform: Shape 11">
             <a:extLst>
               <a:ext uri="{FF2B5EF4-FFF2-40B4-BE49-F238E27FC236}">
-                <a16:creationId xmlns:a16="http://schemas.microsoft.com/office/drawing/2014/main" id="{669A7039-C54C-8E46-9A8B-DDB2547D989C}"/>
+                <a16:creationId xmlns:a16="http://schemas.microsoft.com/office/drawing/2014/main" xmlns="" id="{669A7039-C54C-8E46-9A8B-DDB2547D989C}"/>
               </a:ext>
             </a:extLst>
           </p:cNvPr>
@@ -14933,7 +15000,7 @@
           <p:cNvPr id="22" name="Freeform: Shape 7">
             <a:extLst>
               <a:ext uri="{FF2B5EF4-FFF2-40B4-BE49-F238E27FC236}">
-                <a16:creationId xmlns:a16="http://schemas.microsoft.com/office/drawing/2014/main" id="{4F173B32-87BB-9A40-8C91-4C1EED2B7ABF}"/>
+                <a16:creationId xmlns:a16="http://schemas.microsoft.com/office/drawing/2014/main" xmlns="" id="{4F173B32-87BB-9A40-8C91-4C1EED2B7ABF}"/>
               </a:ext>
             </a:extLst>
           </p:cNvPr>
@@ -15079,7 +15146,7 @@
           <p:cNvPr id="24" name="Group 23">
             <a:extLst>
               <a:ext uri="{FF2B5EF4-FFF2-40B4-BE49-F238E27FC236}">
-                <a16:creationId xmlns:a16="http://schemas.microsoft.com/office/drawing/2014/main" id="{4AC87F4E-12B5-1B42-AFD2-4DB39B7645C9}"/>
+                <a16:creationId xmlns:a16="http://schemas.microsoft.com/office/drawing/2014/main" xmlns="" id="{4AC87F4E-12B5-1B42-AFD2-4DB39B7645C9}"/>
               </a:ext>
             </a:extLst>
           </p:cNvPr>
@@ -15099,7 +15166,7 @@
             <p:cNvPr id="25" name="Freeform: Shape 15">
               <a:extLst>
                 <a:ext uri="{FF2B5EF4-FFF2-40B4-BE49-F238E27FC236}">
-                  <a16:creationId xmlns:a16="http://schemas.microsoft.com/office/drawing/2014/main" id="{03DD8765-59DF-A045-ADB5-E39FAEE153A0}"/>
+                  <a16:creationId xmlns:a16="http://schemas.microsoft.com/office/drawing/2014/main" xmlns="" id="{03DD8765-59DF-A045-ADB5-E39FAEE153A0}"/>
                 </a:ext>
               </a:extLst>
             </p:cNvPr>
@@ -15189,7 +15256,7 @@
             <p:cNvPr id="26" name="Freeform: Shape 16">
               <a:extLst>
                 <a:ext uri="{FF2B5EF4-FFF2-40B4-BE49-F238E27FC236}">
-                  <a16:creationId xmlns:a16="http://schemas.microsoft.com/office/drawing/2014/main" id="{B34B796C-A407-7B4D-B4F0-E58A44FE8DB4}"/>
+                  <a16:creationId xmlns:a16="http://schemas.microsoft.com/office/drawing/2014/main" xmlns="" id="{B34B796C-A407-7B4D-B4F0-E58A44FE8DB4}"/>
                 </a:ext>
               </a:extLst>
             </p:cNvPr>
@@ -15288,7 +15355,7 @@
           <p:cNvPr id="30" name="Freeform: Shape 23">
             <a:extLst>
               <a:ext uri="{FF2B5EF4-FFF2-40B4-BE49-F238E27FC236}">
-                <a16:creationId xmlns:a16="http://schemas.microsoft.com/office/drawing/2014/main" id="{CBE3FDC9-67CB-FA42-B127-A36BFF4678BB}"/>
+                <a16:creationId xmlns:a16="http://schemas.microsoft.com/office/drawing/2014/main" xmlns="" id="{CBE3FDC9-67CB-FA42-B127-A36BFF4678BB}"/>
               </a:ext>
             </a:extLst>
           </p:cNvPr>
@@ -15383,7 +15450,7 @@
           <p:cNvPr id="31" name="Slide Number Placeholder 4">
             <a:extLst>
               <a:ext uri="{FF2B5EF4-FFF2-40B4-BE49-F238E27FC236}">
-                <a16:creationId xmlns:a16="http://schemas.microsoft.com/office/drawing/2014/main" id="{1E902BFF-CA8F-D745-A819-A7BB38B30ED9}"/>
+                <a16:creationId xmlns:a16="http://schemas.microsoft.com/office/drawing/2014/main" xmlns="" id="{1E902BFF-CA8F-D745-A819-A7BB38B30ED9}"/>
               </a:ext>
             </a:extLst>
           </p:cNvPr>
@@ -15416,7 +15483,7 @@
             <a:fld id="{C263D6C4-4840-40CC-AC84-17E24B3B7BDE}" type="slidenum">
               <a:rPr lang="en-US" noProof="0" smtClean="0"/>
               <a:pPr/>
-              <a:t>‹#›</a:t>
+              <a:t>‹Nr.›</a:t>
             </a:fld>
             <a:endParaRPr lang="en-US" noProof="0" dirty="0"/>
           </a:p>
@@ -15457,7 +15524,7 @@
           <p:cNvPr id="21" name="Rectangle 20">
             <a:extLst>
               <a:ext uri="{FF2B5EF4-FFF2-40B4-BE49-F238E27FC236}">
-                <a16:creationId xmlns:a16="http://schemas.microsoft.com/office/drawing/2014/main" id="{6E739168-A5E8-443A-B392-7AD4CF8977AD}"/>
+                <a16:creationId xmlns:a16="http://schemas.microsoft.com/office/drawing/2014/main" xmlns="" id="{6E739168-A5E8-443A-B392-7AD4CF8977AD}"/>
               </a:ext>
             </a:extLst>
           </p:cNvPr>
@@ -15509,7 +15576,7 @@
           <p:cNvPr id="15" name="Freeform: Shape 14">
             <a:extLst>
               <a:ext uri="{FF2B5EF4-FFF2-40B4-BE49-F238E27FC236}">
-                <a16:creationId xmlns:a16="http://schemas.microsoft.com/office/drawing/2014/main" id="{41E10E1E-5268-4F03-BA64-07E19DE26739}"/>
+                <a16:creationId xmlns:a16="http://schemas.microsoft.com/office/drawing/2014/main" xmlns="" id="{41E10E1E-5268-4F03-BA64-07E19DE26739}"/>
               </a:ext>
             </a:extLst>
           </p:cNvPr>
@@ -15646,7 +15713,7 @@
           <p:cNvPr id="16" name="Freeform: Shape 15">
             <a:extLst>
               <a:ext uri="{FF2B5EF4-FFF2-40B4-BE49-F238E27FC236}">
-                <a16:creationId xmlns:a16="http://schemas.microsoft.com/office/drawing/2014/main" id="{B989C45D-BDFF-418F-BE79-03FF70015770}"/>
+                <a16:creationId xmlns:a16="http://schemas.microsoft.com/office/drawing/2014/main" xmlns="" id="{B989C45D-BDFF-418F-BE79-03FF70015770}"/>
               </a:ext>
             </a:extLst>
           </p:cNvPr>
@@ -15810,7 +15877,7 @@
           <p:cNvPr id="20" name="Freeform: Shape 19">
             <a:extLst>
               <a:ext uri="{FF2B5EF4-FFF2-40B4-BE49-F238E27FC236}">
-                <a16:creationId xmlns:a16="http://schemas.microsoft.com/office/drawing/2014/main" id="{0027A677-9ACB-4264-B148-4806678FB83F}"/>
+                <a16:creationId xmlns:a16="http://schemas.microsoft.com/office/drawing/2014/main" xmlns="" id="{0027A677-9ACB-4264-B148-4806678FB83F}"/>
               </a:ext>
             </a:extLst>
           </p:cNvPr>
@@ -15972,7 +16039,7 @@
           <p:cNvPr id="6" name="Group 5">
             <a:extLst>
               <a:ext uri="{FF2B5EF4-FFF2-40B4-BE49-F238E27FC236}">
-                <a16:creationId xmlns:a16="http://schemas.microsoft.com/office/drawing/2014/main" id="{EA7FF9D7-8545-4547-AC77-A0421EEB9B99}"/>
+                <a16:creationId xmlns:a16="http://schemas.microsoft.com/office/drawing/2014/main" xmlns="" id="{EA7FF9D7-8545-4547-AC77-A0421EEB9B99}"/>
               </a:ext>
             </a:extLst>
           </p:cNvPr>
@@ -15992,7 +16059,7 @@
             <p:cNvPr id="17" name="Right Triangle 16">
               <a:extLst>
                 <a:ext uri="{FF2B5EF4-FFF2-40B4-BE49-F238E27FC236}">
-                  <a16:creationId xmlns:a16="http://schemas.microsoft.com/office/drawing/2014/main" id="{8DCD5806-2A2F-4ABF-8057-245681C498E6}"/>
+                  <a16:creationId xmlns:a16="http://schemas.microsoft.com/office/drawing/2014/main" xmlns="" id="{8DCD5806-2A2F-4ABF-8057-245681C498E6}"/>
                 </a:ext>
               </a:extLst>
             </p:cNvPr>
@@ -16046,7 +16113,7 @@
             <p:cNvPr id="18" name="Right Triangle 17">
               <a:extLst>
                 <a:ext uri="{FF2B5EF4-FFF2-40B4-BE49-F238E27FC236}">
-                  <a16:creationId xmlns:a16="http://schemas.microsoft.com/office/drawing/2014/main" id="{3A93038F-E9E4-4FFD-B3DF-28DB7C2C1490}"/>
+                  <a16:creationId xmlns:a16="http://schemas.microsoft.com/office/drawing/2014/main" xmlns="" id="{3A93038F-E9E4-4FFD-B3DF-28DB7C2C1490}"/>
                 </a:ext>
               </a:extLst>
             </p:cNvPr>
@@ -16103,7 +16170,7 @@
             <p:cNvPr id="19" name="Right Triangle 18">
               <a:extLst>
                 <a:ext uri="{FF2B5EF4-FFF2-40B4-BE49-F238E27FC236}">
-                  <a16:creationId xmlns:a16="http://schemas.microsoft.com/office/drawing/2014/main" id="{5DEA1E02-BBD0-4AE3-AF22-433B90272178}"/>
+                  <a16:creationId xmlns:a16="http://schemas.microsoft.com/office/drawing/2014/main" xmlns="" id="{5DEA1E02-BBD0-4AE3-AF22-433B90272178}"/>
                 </a:ext>
               </a:extLst>
             </p:cNvPr>
@@ -16158,7 +16225,7 @@
           <p:cNvPr id="2" name="Title 1">
             <a:extLst>
               <a:ext uri="{FF2B5EF4-FFF2-40B4-BE49-F238E27FC236}">
-                <a16:creationId xmlns:a16="http://schemas.microsoft.com/office/drawing/2014/main" id="{9E597736-C478-4C26-9BAF-205FE31E977C}"/>
+                <a16:creationId xmlns:a16="http://schemas.microsoft.com/office/drawing/2014/main" xmlns="" id="{9E597736-C478-4C26-9BAF-205FE31E977C}"/>
               </a:ext>
             </a:extLst>
           </p:cNvPr>
@@ -16235,7 +16302,7 @@
           <p:cNvPr id="21" name="Rectangle 20">
             <a:extLst>
               <a:ext uri="{FF2B5EF4-FFF2-40B4-BE49-F238E27FC236}">
-                <a16:creationId xmlns:a16="http://schemas.microsoft.com/office/drawing/2014/main" id="{6E739168-A5E8-443A-B392-7AD4CF8977AD}"/>
+                <a16:creationId xmlns:a16="http://schemas.microsoft.com/office/drawing/2014/main" xmlns="" id="{6E739168-A5E8-443A-B392-7AD4CF8977AD}"/>
               </a:ext>
             </a:extLst>
           </p:cNvPr>
@@ -16287,7 +16354,7 @@
           <p:cNvPr id="15" name="Freeform: Shape 14">
             <a:extLst>
               <a:ext uri="{FF2B5EF4-FFF2-40B4-BE49-F238E27FC236}">
-                <a16:creationId xmlns:a16="http://schemas.microsoft.com/office/drawing/2014/main" id="{41E10E1E-5268-4F03-BA64-07E19DE26739}"/>
+                <a16:creationId xmlns:a16="http://schemas.microsoft.com/office/drawing/2014/main" xmlns="" id="{41E10E1E-5268-4F03-BA64-07E19DE26739}"/>
               </a:ext>
             </a:extLst>
           </p:cNvPr>
@@ -16424,7 +16491,7 @@
           <p:cNvPr id="16" name="Freeform: Shape 15">
             <a:extLst>
               <a:ext uri="{FF2B5EF4-FFF2-40B4-BE49-F238E27FC236}">
-                <a16:creationId xmlns:a16="http://schemas.microsoft.com/office/drawing/2014/main" id="{B989C45D-BDFF-418F-BE79-03FF70015770}"/>
+                <a16:creationId xmlns:a16="http://schemas.microsoft.com/office/drawing/2014/main" xmlns="" id="{B989C45D-BDFF-418F-BE79-03FF70015770}"/>
               </a:ext>
             </a:extLst>
           </p:cNvPr>
@@ -16588,7 +16655,7 @@
           <p:cNvPr id="20" name="Freeform: Shape 19">
             <a:extLst>
               <a:ext uri="{FF2B5EF4-FFF2-40B4-BE49-F238E27FC236}">
-                <a16:creationId xmlns:a16="http://schemas.microsoft.com/office/drawing/2014/main" id="{0027A677-9ACB-4264-B148-4806678FB83F}"/>
+                <a16:creationId xmlns:a16="http://schemas.microsoft.com/office/drawing/2014/main" xmlns="" id="{0027A677-9ACB-4264-B148-4806678FB83F}"/>
               </a:ext>
             </a:extLst>
           </p:cNvPr>
@@ -16750,7 +16817,7 @@
           <p:cNvPr id="2" name="Title 1">
             <a:extLst>
               <a:ext uri="{FF2B5EF4-FFF2-40B4-BE49-F238E27FC236}">
-                <a16:creationId xmlns:a16="http://schemas.microsoft.com/office/drawing/2014/main" id="{9E597736-C478-4C26-9BAF-205FE31E977C}"/>
+                <a16:creationId xmlns:a16="http://schemas.microsoft.com/office/drawing/2014/main" xmlns="" id="{9E597736-C478-4C26-9BAF-205FE31E977C}"/>
               </a:ext>
             </a:extLst>
           </p:cNvPr>
@@ -16797,7 +16864,7 @@
           <p:cNvPr id="35" name="Freeform: Shape 34">
             <a:extLst>
               <a:ext uri="{FF2B5EF4-FFF2-40B4-BE49-F238E27FC236}">
-                <a16:creationId xmlns:a16="http://schemas.microsoft.com/office/drawing/2014/main" id="{C024DCDB-C6BF-455E-AAB8-EAF9DAB302A1}"/>
+                <a16:creationId xmlns:a16="http://schemas.microsoft.com/office/drawing/2014/main" xmlns="" id="{C024DCDB-C6BF-455E-AAB8-EAF9DAB302A1}"/>
               </a:ext>
             </a:extLst>
           </p:cNvPr>
@@ -16905,7 +16972,7 @@
           <p:cNvPr id="32" name="Freeform: Shape 31">
             <a:extLst>
               <a:ext uri="{FF2B5EF4-FFF2-40B4-BE49-F238E27FC236}">
-                <a16:creationId xmlns:a16="http://schemas.microsoft.com/office/drawing/2014/main" id="{26AFB47A-5D51-4F9C-B01B-977CE5E3C093}"/>
+                <a16:creationId xmlns:a16="http://schemas.microsoft.com/office/drawing/2014/main" xmlns="" id="{26AFB47A-5D51-4F9C-B01B-977CE5E3C093}"/>
               </a:ext>
             </a:extLst>
           </p:cNvPr>
@@ -17021,7 +17088,7 @@
           <p:cNvPr id="30" name="Freeform: Shape 29">
             <a:extLst>
               <a:ext uri="{FF2B5EF4-FFF2-40B4-BE49-F238E27FC236}">
-                <a16:creationId xmlns:a16="http://schemas.microsoft.com/office/drawing/2014/main" id="{6997A4FF-7390-4173-8ACD-6CF7145AACEC}"/>
+                <a16:creationId xmlns:a16="http://schemas.microsoft.com/office/drawing/2014/main" xmlns="" id="{6997A4FF-7390-4173-8ACD-6CF7145AACEC}"/>
               </a:ext>
             </a:extLst>
           </p:cNvPr>
@@ -17160,7 +17227,7 @@
           <p:cNvPr id="7" name="Rectangle 6">
             <a:extLst>
               <a:ext uri="{FF2B5EF4-FFF2-40B4-BE49-F238E27FC236}">
-                <a16:creationId xmlns:a16="http://schemas.microsoft.com/office/drawing/2014/main" id="{B2838D16-809E-4EB1-8C0C-0E63D8139112}"/>
+                <a16:creationId xmlns:a16="http://schemas.microsoft.com/office/drawing/2014/main" xmlns="" id="{B2838D16-809E-4EB1-8C0C-0E63D8139112}"/>
               </a:ext>
             </a:extLst>
           </p:cNvPr>
@@ -17212,7 +17279,7 @@
           <p:cNvPr id="8" name="Freeform: Shape 7">
             <a:extLst>
               <a:ext uri="{FF2B5EF4-FFF2-40B4-BE49-F238E27FC236}">
-                <a16:creationId xmlns:a16="http://schemas.microsoft.com/office/drawing/2014/main" id="{01FEB333-94B4-4E53-9019-D584810903BB}"/>
+                <a16:creationId xmlns:a16="http://schemas.microsoft.com/office/drawing/2014/main" xmlns="" id="{01FEB333-94B4-4E53-9019-D584810903BB}"/>
               </a:ext>
             </a:extLst>
           </p:cNvPr>
@@ -17333,7 +17400,7 @@
           <p:cNvPr id="9" name="Freeform: Shape 8">
             <a:extLst>
               <a:ext uri="{FF2B5EF4-FFF2-40B4-BE49-F238E27FC236}">
-                <a16:creationId xmlns:a16="http://schemas.microsoft.com/office/drawing/2014/main" id="{A59B9489-0CD9-4DB7-AC82-6E7867F91403}"/>
+                <a16:creationId xmlns:a16="http://schemas.microsoft.com/office/drawing/2014/main" xmlns="" id="{A59B9489-0CD9-4DB7-AC82-6E7867F91403}"/>
               </a:ext>
             </a:extLst>
           </p:cNvPr>
@@ -17473,7 +17540,7 @@
           <p:cNvPr id="10" name="Right Triangle 9">
             <a:extLst>
               <a:ext uri="{FF2B5EF4-FFF2-40B4-BE49-F238E27FC236}">
-                <a16:creationId xmlns:a16="http://schemas.microsoft.com/office/drawing/2014/main" id="{A55D1C76-C591-4FA5-9780-87AB6B37C0FA}"/>
+                <a16:creationId xmlns:a16="http://schemas.microsoft.com/office/drawing/2014/main" xmlns="" id="{A55D1C76-C591-4FA5-9780-87AB6B37C0FA}"/>
               </a:ext>
             </a:extLst>
           </p:cNvPr>
@@ -17527,7 +17594,7 @@
           <p:cNvPr id="11" name="Freeform: Shape 10">
             <a:extLst>
               <a:ext uri="{FF2B5EF4-FFF2-40B4-BE49-F238E27FC236}">
-                <a16:creationId xmlns:a16="http://schemas.microsoft.com/office/drawing/2014/main" id="{A7DC1D12-670F-4235-8791-FA8C2B330871}"/>
+                <a16:creationId xmlns:a16="http://schemas.microsoft.com/office/drawing/2014/main" xmlns="" id="{A7DC1D12-670F-4235-8791-FA8C2B330871}"/>
               </a:ext>
             </a:extLst>
           </p:cNvPr>
@@ -17673,7 +17740,7 @@
           <p:cNvPr id="12" name="Freeform: Shape 11">
             <a:extLst>
               <a:ext uri="{FF2B5EF4-FFF2-40B4-BE49-F238E27FC236}">
-                <a16:creationId xmlns:a16="http://schemas.microsoft.com/office/drawing/2014/main" id="{859569CF-FDAC-47C4-A0F5-296F7117C398}"/>
+                <a16:creationId xmlns:a16="http://schemas.microsoft.com/office/drawing/2014/main" xmlns="" id="{859569CF-FDAC-47C4-A0F5-296F7117C398}"/>
               </a:ext>
             </a:extLst>
           </p:cNvPr>
@@ -17773,7 +17840,7 @@
           <p:cNvPr id="13" name="Freeform: Shape 12">
             <a:extLst>
               <a:ext uri="{FF2B5EF4-FFF2-40B4-BE49-F238E27FC236}">
-                <a16:creationId xmlns:a16="http://schemas.microsoft.com/office/drawing/2014/main" id="{D68D0C72-2B2C-4C85-A091-157853C71784}"/>
+                <a16:creationId xmlns:a16="http://schemas.microsoft.com/office/drawing/2014/main" xmlns="" id="{D68D0C72-2B2C-4C85-A091-157853C71784}"/>
               </a:ext>
             </a:extLst>
           </p:cNvPr>
@@ -17881,7 +17948,7 @@
           <p:cNvPr id="14" name="Freeform: Shape 13">
             <a:extLst>
               <a:ext uri="{FF2B5EF4-FFF2-40B4-BE49-F238E27FC236}">
-                <a16:creationId xmlns:a16="http://schemas.microsoft.com/office/drawing/2014/main" id="{8E25334A-5FE3-4DDA-8D32-4796CCFCAA74}"/>
+                <a16:creationId xmlns:a16="http://schemas.microsoft.com/office/drawing/2014/main" xmlns="" id="{8E25334A-5FE3-4DDA-8D32-4796CCFCAA74}"/>
               </a:ext>
             </a:extLst>
           </p:cNvPr>
@@ -17973,7 +18040,7 @@
           <p:cNvPr id="15" name="Freeform: Shape 14">
             <a:extLst>
               <a:ext uri="{FF2B5EF4-FFF2-40B4-BE49-F238E27FC236}">
-                <a16:creationId xmlns:a16="http://schemas.microsoft.com/office/drawing/2014/main" id="{18818DF1-D7FD-4C0F-875D-7A07E8F75C06}"/>
+                <a16:creationId xmlns:a16="http://schemas.microsoft.com/office/drawing/2014/main" xmlns="" id="{18818DF1-D7FD-4C0F-875D-7A07E8F75C06}"/>
               </a:ext>
             </a:extLst>
           </p:cNvPr>
@@ -18073,7 +18140,7 @@
           <p:cNvPr id="16" name="Group 15">
             <a:extLst>
               <a:ext uri="{FF2B5EF4-FFF2-40B4-BE49-F238E27FC236}">
-                <a16:creationId xmlns:a16="http://schemas.microsoft.com/office/drawing/2014/main" id="{8F9BB384-9E14-4CEA-82C1-21837229D3EF}"/>
+                <a16:creationId xmlns:a16="http://schemas.microsoft.com/office/drawing/2014/main" xmlns="" id="{8F9BB384-9E14-4CEA-82C1-21837229D3EF}"/>
               </a:ext>
             </a:extLst>
           </p:cNvPr>
@@ -18093,7 +18160,7 @@
             <p:cNvPr id="17" name="Freeform: Shape 16">
               <a:extLst>
                 <a:ext uri="{FF2B5EF4-FFF2-40B4-BE49-F238E27FC236}">
-                  <a16:creationId xmlns:a16="http://schemas.microsoft.com/office/drawing/2014/main" id="{0862A81A-959D-4EAB-90ED-DB20759BB397}"/>
+                  <a16:creationId xmlns:a16="http://schemas.microsoft.com/office/drawing/2014/main" xmlns="" id="{0862A81A-959D-4EAB-90ED-DB20759BB397}"/>
                 </a:ext>
               </a:extLst>
             </p:cNvPr>
@@ -18183,7 +18250,7 @@
             <p:cNvPr id="18" name="Freeform: Shape 17">
               <a:extLst>
                 <a:ext uri="{FF2B5EF4-FFF2-40B4-BE49-F238E27FC236}">
-                  <a16:creationId xmlns:a16="http://schemas.microsoft.com/office/drawing/2014/main" id="{AAB9E28C-9422-42BD-AECE-29B44B5D63E2}"/>
+                  <a16:creationId xmlns:a16="http://schemas.microsoft.com/office/drawing/2014/main" xmlns="" id="{AAB9E28C-9422-42BD-AECE-29B44B5D63E2}"/>
                 </a:ext>
               </a:extLst>
             </p:cNvPr>
@@ -18282,7 +18349,7 @@
           <p:cNvPr id="19" name="Group 18">
             <a:extLst>
               <a:ext uri="{FF2B5EF4-FFF2-40B4-BE49-F238E27FC236}">
-                <a16:creationId xmlns:a16="http://schemas.microsoft.com/office/drawing/2014/main" id="{2772239B-C46D-4458-BB4B-DDB12FAB0172}"/>
+                <a16:creationId xmlns:a16="http://schemas.microsoft.com/office/drawing/2014/main" xmlns="" id="{2772239B-C46D-4458-BB4B-DDB12FAB0172}"/>
               </a:ext>
             </a:extLst>
           </p:cNvPr>
@@ -18302,7 +18369,7 @@
             <p:cNvPr id="20" name="Freeform: Shape 19">
               <a:extLst>
                 <a:ext uri="{FF2B5EF4-FFF2-40B4-BE49-F238E27FC236}">
-                  <a16:creationId xmlns:a16="http://schemas.microsoft.com/office/drawing/2014/main" id="{3C8A2A1A-1FB9-4CA1-B74E-B293187E51AA}"/>
+                  <a16:creationId xmlns:a16="http://schemas.microsoft.com/office/drawing/2014/main" xmlns="" id="{3C8A2A1A-1FB9-4CA1-B74E-B293187E51AA}"/>
                 </a:ext>
               </a:extLst>
             </p:cNvPr>
@@ -18392,7 +18459,7 @@
             <p:cNvPr id="21" name="Freeform: Shape 20">
               <a:extLst>
                 <a:ext uri="{FF2B5EF4-FFF2-40B4-BE49-F238E27FC236}">
-                  <a16:creationId xmlns:a16="http://schemas.microsoft.com/office/drawing/2014/main" id="{DF2B18BA-6B43-40FA-A23B-D894D6AB468B}"/>
+                  <a16:creationId xmlns:a16="http://schemas.microsoft.com/office/drawing/2014/main" xmlns="" id="{DF2B18BA-6B43-40FA-A23B-D894D6AB468B}"/>
                 </a:ext>
               </a:extLst>
             </p:cNvPr>
@@ -18491,7 +18558,7 @@
           <p:cNvPr id="3" name="Text Placeholder 2">
             <a:extLst>
               <a:ext uri="{FF2B5EF4-FFF2-40B4-BE49-F238E27FC236}">
-                <a16:creationId xmlns:a16="http://schemas.microsoft.com/office/drawing/2014/main" id="{5E194264-A3F5-42E2-9A63-DCCED0457E1B}"/>
+                <a16:creationId xmlns:a16="http://schemas.microsoft.com/office/drawing/2014/main" xmlns="" id="{5E194264-A3F5-42E2-9A63-DCCED0457E1B}"/>
               </a:ext>
             </a:extLst>
           </p:cNvPr>
@@ -18541,7 +18608,7 @@
           <p:cNvPr id="22" name="Slide Number Placeholder 4">
             <a:extLst>
               <a:ext uri="{FF2B5EF4-FFF2-40B4-BE49-F238E27FC236}">
-                <a16:creationId xmlns:a16="http://schemas.microsoft.com/office/drawing/2014/main" id="{0F332671-6296-47C8-BF26-B2D962F5D03D}"/>
+                <a16:creationId xmlns:a16="http://schemas.microsoft.com/office/drawing/2014/main" xmlns="" id="{0F332671-6296-47C8-BF26-B2D962F5D03D}"/>
               </a:ext>
             </a:extLst>
           </p:cNvPr>
@@ -18574,7 +18641,7 @@
             <a:fld id="{C263D6C4-4840-40CC-AC84-17E24B3B7BDE}" type="slidenum">
               <a:rPr lang="en-US" noProof="0" smtClean="0"/>
               <a:pPr/>
-              <a:t>‹#›</a:t>
+              <a:t>‹Nr.›</a:t>
             </a:fld>
             <a:endParaRPr lang="en-US" noProof="0" dirty="0"/>
           </a:p>
@@ -18585,7 +18652,7 @@
           <p:cNvPr id="23" name="Title 1">
             <a:extLst>
               <a:ext uri="{FF2B5EF4-FFF2-40B4-BE49-F238E27FC236}">
-                <a16:creationId xmlns:a16="http://schemas.microsoft.com/office/drawing/2014/main" id="{7772A652-7229-2B42-B87B-298C31D6F0CB}"/>
+                <a16:creationId xmlns:a16="http://schemas.microsoft.com/office/drawing/2014/main" xmlns="" id="{7772A652-7229-2B42-B87B-298C31D6F0CB}"/>
               </a:ext>
             </a:extLst>
           </p:cNvPr>
@@ -18660,7 +18727,7 @@
           <p:cNvPr id="22" name="Rectangle 21">
             <a:extLst>
               <a:ext uri="{FF2B5EF4-FFF2-40B4-BE49-F238E27FC236}">
-                <a16:creationId xmlns:a16="http://schemas.microsoft.com/office/drawing/2014/main" id="{2CDBB6E5-B91E-4946-9390-E8693855103A}"/>
+                <a16:creationId xmlns:a16="http://schemas.microsoft.com/office/drawing/2014/main" xmlns="" id="{2CDBB6E5-B91E-4946-9390-E8693855103A}"/>
               </a:ext>
             </a:extLst>
           </p:cNvPr>
@@ -18714,7 +18781,7 @@
           <p:cNvPr id="34" name="Freeform: Shape 33">
             <a:extLst>
               <a:ext uri="{FF2B5EF4-FFF2-40B4-BE49-F238E27FC236}">
-                <a16:creationId xmlns:a16="http://schemas.microsoft.com/office/drawing/2014/main" id="{0C3CC1C9-1FA0-4FE4-8984-4A8B3728D674}"/>
+                <a16:creationId xmlns:a16="http://schemas.microsoft.com/office/drawing/2014/main" xmlns="" id="{0C3CC1C9-1FA0-4FE4-8984-4A8B3728D674}"/>
               </a:ext>
             </a:extLst>
           </p:cNvPr>
@@ -18859,7 +18926,7 @@
           <p:cNvPr id="24" name="Freeform: Shape 23">
             <a:extLst>
               <a:ext uri="{FF2B5EF4-FFF2-40B4-BE49-F238E27FC236}">
-                <a16:creationId xmlns:a16="http://schemas.microsoft.com/office/drawing/2014/main" id="{8E049265-431E-48DE-B7F7-4959930171DC}"/>
+                <a16:creationId xmlns:a16="http://schemas.microsoft.com/office/drawing/2014/main" xmlns="" id="{8E049265-431E-48DE-B7F7-4959930171DC}"/>
               </a:ext>
             </a:extLst>
           </p:cNvPr>
@@ -18999,7 +19066,7 @@
           <p:cNvPr id="25" name="Freeform: Shape 24">
             <a:extLst>
               <a:ext uri="{FF2B5EF4-FFF2-40B4-BE49-F238E27FC236}">
-                <a16:creationId xmlns:a16="http://schemas.microsoft.com/office/drawing/2014/main" id="{173E5F2D-1F8E-4DCC-857F-932C6C6539BB}"/>
+                <a16:creationId xmlns:a16="http://schemas.microsoft.com/office/drawing/2014/main" xmlns="" id="{173E5F2D-1F8E-4DCC-857F-932C6C6539BB}"/>
               </a:ext>
             </a:extLst>
           </p:cNvPr>
@@ -19145,7 +19212,7 @@
           <p:cNvPr id="26" name="Group 25">
             <a:extLst>
               <a:ext uri="{FF2B5EF4-FFF2-40B4-BE49-F238E27FC236}">
-                <a16:creationId xmlns:a16="http://schemas.microsoft.com/office/drawing/2014/main" id="{E9318B2B-E019-4078-9EF0-C9D6281AE31B}"/>
+                <a16:creationId xmlns:a16="http://schemas.microsoft.com/office/drawing/2014/main" xmlns="" id="{E9318B2B-E019-4078-9EF0-C9D6281AE31B}"/>
               </a:ext>
             </a:extLst>
           </p:cNvPr>
@@ -19165,7 +19232,7 @@
             <p:cNvPr id="27" name="Freeform: Shape 26">
               <a:extLst>
                 <a:ext uri="{FF2B5EF4-FFF2-40B4-BE49-F238E27FC236}">
-                  <a16:creationId xmlns:a16="http://schemas.microsoft.com/office/drawing/2014/main" id="{D3E625C0-9656-421F-861F-67C8F93362ED}"/>
+                  <a16:creationId xmlns:a16="http://schemas.microsoft.com/office/drawing/2014/main" xmlns="" id="{D3E625C0-9656-421F-861F-67C8F93362ED}"/>
                 </a:ext>
               </a:extLst>
             </p:cNvPr>
@@ -19265,7 +19332,7 @@
             <p:cNvPr id="28" name="Freeform: Shape 27">
               <a:extLst>
                 <a:ext uri="{FF2B5EF4-FFF2-40B4-BE49-F238E27FC236}">
-                  <a16:creationId xmlns:a16="http://schemas.microsoft.com/office/drawing/2014/main" id="{49F8E490-C6E3-4D00-866F-CD85DD88996E}"/>
+                  <a16:creationId xmlns:a16="http://schemas.microsoft.com/office/drawing/2014/main" xmlns="" id="{49F8E490-C6E3-4D00-866F-CD85DD88996E}"/>
                 </a:ext>
               </a:extLst>
             </p:cNvPr>
@@ -19374,7 +19441,7 @@
           <p:cNvPr id="29" name="Freeform: Shape 28">
             <a:extLst>
               <a:ext uri="{FF2B5EF4-FFF2-40B4-BE49-F238E27FC236}">
-                <a16:creationId xmlns:a16="http://schemas.microsoft.com/office/drawing/2014/main" id="{EE8F5B31-1523-46AE-9455-C33DFC1BDDE0}"/>
+                <a16:creationId xmlns:a16="http://schemas.microsoft.com/office/drawing/2014/main" xmlns="" id="{EE8F5B31-1523-46AE-9455-C33DFC1BDDE0}"/>
               </a:ext>
             </a:extLst>
           </p:cNvPr>
@@ -19466,7 +19533,7 @@
           <p:cNvPr id="30" name="Freeform: Shape 29">
             <a:extLst>
               <a:ext uri="{FF2B5EF4-FFF2-40B4-BE49-F238E27FC236}">
-                <a16:creationId xmlns:a16="http://schemas.microsoft.com/office/drawing/2014/main" id="{5D17048F-C2E1-4775-BC32-50BD6219F89D}"/>
+                <a16:creationId xmlns:a16="http://schemas.microsoft.com/office/drawing/2014/main" xmlns="" id="{5D17048F-C2E1-4775-BC32-50BD6219F89D}"/>
               </a:ext>
             </a:extLst>
           </p:cNvPr>
@@ -19566,7 +19633,7 @@
           <p:cNvPr id="31" name="Group 30">
             <a:extLst>
               <a:ext uri="{FF2B5EF4-FFF2-40B4-BE49-F238E27FC236}">
-                <a16:creationId xmlns:a16="http://schemas.microsoft.com/office/drawing/2014/main" id="{EAB002AA-4848-49C8-A834-036F860C79A3}"/>
+                <a16:creationId xmlns:a16="http://schemas.microsoft.com/office/drawing/2014/main" xmlns="" id="{EAB002AA-4848-49C8-A834-036F860C79A3}"/>
               </a:ext>
             </a:extLst>
           </p:cNvPr>
@@ -19586,7 +19653,7 @@
             <p:cNvPr id="32" name="Freeform: Shape 31">
               <a:extLst>
                 <a:ext uri="{FF2B5EF4-FFF2-40B4-BE49-F238E27FC236}">
-                  <a16:creationId xmlns:a16="http://schemas.microsoft.com/office/drawing/2014/main" id="{14B187A8-7F8D-469D-A03B-4F835A5746DE}"/>
+                  <a16:creationId xmlns:a16="http://schemas.microsoft.com/office/drawing/2014/main" xmlns="" id="{14B187A8-7F8D-469D-A03B-4F835A5746DE}"/>
                 </a:ext>
               </a:extLst>
             </p:cNvPr>
@@ -19676,7 +19743,7 @@
             <p:cNvPr id="33" name="Freeform: Shape 32">
               <a:extLst>
                 <a:ext uri="{FF2B5EF4-FFF2-40B4-BE49-F238E27FC236}">
-                  <a16:creationId xmlns:a16="http://schemas.microsoft.com/office/drawing/2014/main" id="{03D871D1-A11A-48FB-82A8-8D61AB5CB85C}"/>
+                  <a16:creationId xmlns:a16="http://schemas.microsoft.com/office/drawing/2014/main" xmlns="" id="{03D871D1-A11A-48FB-82A8-8D61AB5CB85C}"/>
                 </a:ext>
               </a:extLst>
             </p:cNvPr>
@@ -19775,7 +19842,7 @@
           <p:cNvPr id="2" name="Title 1">
             <a:extLst>
               <a:ext uri="{FF2B5EF4-FFF2-40B4-BE49-F238E27FC236}">
-                <a16:creationId xmlns:a16="http://schemas.microsoft.com/office/drawing/2014/main" id="{42374B20-3E42-44AF-BEF1-8AB33067395C}"/>
+                <a16:creationId xmlns:a16="http://schemas.microsoft.com/office/drawing/2014/main" xmlns="" id="{42374B20-3E42-44AF-BEF1-8AB33067395C}"/>
               </a:ext>
             </a:extLst>
           </p:cNvPr>
@@ -19820,7 +19887,7 @@
           <p:cNvPr id="3" name="Text Placeholder 2">
             <a:extLst>
               <a:ext uri="{FF2B5EF4-FFF2-40B4-BE49-F238E27FC236}">
-                <a16:creationId xmlns:a16="http://schemas.microsoft.com/office/drawing/2014/main" id="{5E194264-A3F5-42E2-9A63-DCCED0457E1B}"/>
+                <a16:creationId xmlns:a16="http://schemas.microsoft.com/office/drawing/2014/main" xmlns="" id="{5E194264-A3F5-42E2-9A63-DCCED0457E1B}"/>
               </a:ext>
             </a:extLst>
           </p:cNvPr>
@@ -19870,7 +19937,7 @@
           <p:cNvPr id="35" name="Slide Number Placeholder 4">
             <a:extLst>
               <a:ext uri="{FF2B5EF4-FFF2-40B4-BE49-F238E27FC236}">
-                <a16:creationId xmlns:a16="http://schemas.microsoft.com/office/drawing/2014/main" id="{6F73F836-940E-4B65-A29C-D0869263C935}"/>
+                <a16:creationId xmlns:a16="http://schemas.microsoft.com/office/drawing/2014/main" xmlns="" id="{6F73F836-940E-4B65-A29C-D0869263C935}"/>
               </a:ext>
             </a:extLst>
           </p:cNvPr>
@@ -19903,7 +19970,7 @@
             <a:fld id="{C263D6C4-4840-40CC-AC84-17E24B3B7BDE}" type="slidenum">
               <a:rPr lang="en-US" noProof="0" smtClean="0"/>
               <a:pPr/>
-              <a:t>‹#›</a:t>
+              <a:t>‹Nr.›</a:t>
             </a:fld>
             <a:endParaRPr lang="en-US" noProof="0" dirty="0"/>
           </a:p>
@@ -19944,7 +20011,7 @@
           <p:cNvPr id="22" name="Rectangle 21">
             <a:extLst>
               <a:ext uri="{FF2B5EF4-FFF2-40B4-BE49-F238E27FC236}">
-                <a16:creationId xmlns:a16="http://schemas.microsoft.com/office/drawing/2014/main" id="{2CDBB6E5-B91E-4946-9390-E8693855103A}"/>
+                <a16:creationId xmlns:a16="http://schemas.microsoft.com/office/drawing/2014/main" xmlns="" id="{2CDBB6E5-B91E-4946-9390-E8693855103A}"/>
               </a:ext>
             </a:extLst>
           </p:cNvPr>
@@ -19998,7 +20065,7 @@
           <p:cNvPr id="34" name="Freeform: Shape 33">
             <a:extLst>
               <a:ext uri="{FF2B5EF4-FFF2-40B4-BE49-F238E27FC236}">
-                <a16:creationId xmlns:a16="http://schemas.microsoft.com/office/drawing/2014/main" id="{0C3CC1C9-1FA0-4FE4-8984-4A8B3728D674}"/>
+                <a16:creationId xmlns:a16="http://schemas.microsoft.com/office/drawing/2014/main" xmlns="" id="{0C3CC1C9-1FA0-4FE4-8984-4A8B3728D674}"/>
               </a:ext>
             </a:extLst>
           </p:cNvPr>
@@ -20143,7 +20210,7 @@
           <p:cNvPr id="24" name="Freeform: Shape 23">
             <a:extLst>
               <a:ext uri="{FF2B5EF4-FFF2-40B4-BE49-F238E27FC236}">
-                <a16:creationId xmlns:a16="http://schemas.microsoft.com/office/drawing/2014/main" id="{8E049265-431E-48DE-B7F7-4959930171DC}"/>
+                <a16:creationId xmlns:a16="http://schemas.microsoft.com/office/drawing/2014/main" xmlns="" id="{8E049265-431E-48DE-B7F7-4959930171DC}"/>
               </a:ext>
             </a:extLst>
           </p:cNvPr>
@@ -20283,7 +20350,7 @@
           <p:cNvPr id="25" name="Freeform: Shape 24">
             <a:extLst>
               <a:ext uri="{FF2B5EF4-FFF2-40B4-BE49-F238E27FC236}">
-                <a16:creationId xmlns:a16="http://schemas.microsoft.com/office/drawing/2014/main" id="{173E5F2D-1F8E-4DCC-857F-932C6C6539BB}"/>
+                <a16:creationId xmlns:a16="http://schemas.microsoft.com/office/drawing/2014/main" xmlns="" id="{173E5F2D-1F8E-4DCC-857F-932C6C6539BB}"/>
               </a:ext>
             </a:extLst>
           </p:cNvPr>
@@ -20429,7 +20496,7 @@
           <p:cNvPr id="4" name="Oval 3">
             <a:extLst>
               <a:ext uri="{FF2B5EF4-FFF2-40B4-BE49-F238E27FC236}">
-                <a16:creationId xmlns:a16="http://schemas.microsoft.com/office/drawing/2014/main" id="{ECB4C115-EFF9-405C-98BE-F4077B9730D0}"/>
+                <a16:creationId xmlns:a16="http://schemas.microsoft.com/office/drawing/2014/main" xmlns="" id="{ECB4C115-EFF9-405C-98BE-F4077B9730D0}"/>
               </a:ext>
             </a:extLst>
           </p:cNvPr>
@@ -20487,7 +20554,7 @@
           <p:cNvPr id="18" name="Title 1">
             <a:extLst>
               <a:ext uri="{FF2B5EF4-FFF2-40B4-BE49-F238E27FC236}">
-                <a16:creationId xmlns:a16="http://schemas.microsoft.com/office/drawing/2014/main" id="{C9A300DD-BB54-44ED-A7E4-01CD41EC930F}"/>
+                <a16:creationId xmlns:a16="http://schemas.microsoft.com/office/drawing/2014/main" xmlns="" id="{C9A300DD-BB54-44ED-A7E4-01CD41EC930F}"/>
               </a:ext>
             </a:extLst>
           </p:cNvPr>
@@ -20550,7 +20617,7 @@
           <p:cNvPr id="2" name="Title 1">
             <a:extLst>
               <a:ext uri="{FF2B5EF4-FFF2-40B4-BE49-F238E27FC236}">
-                <a16:creationId xmlns:a16="http://schemas.microsoft.com/office/drawing/2014/main" id="{42374B20-3E42-44AF-BEF1-8AB33067395C}"/>
+                <a16:creationId xmlns:a16="http://schemas.microsoft.com/office/drawing/2014/main" xmlns="" id="{42374B20-3E42-44AF-BEF1-8AB33067395C}"/>
               </a:ext>
             </a:extLst>
           </p:cNvPr>
@@ -20598,7 +20665,7 @@
           <p:cNvPr id="19" name="Slide Number Placeholder 4">
             <a:extLst>
               <a:ext uri="{FF2B5EF4-FFF2-40B4-BE49-F238E27FC236}">
-                <a16:creationId xmlns:a16="http://schemas.microsoft.com/office/drawing/2014/main" id="{A4E6C1FF-5925-42B3-B7F9-0A0031BDAD30}"/>
+                <a16:creationId xmlns:a16="http://schemas.microsoft.com/office/drawing/2014/main" xmlns="" id="{A4E6C1FF-5925-42B3-B7F9-0A0031BDAD30}"/>
               </a:ext>
             </a:extLst>
           </p:cNvPr>
@@ -20631,7 +20698,7 @@
             <a:fld id="{C263D6C4-4840-40CC-AC84-17E24B3B7BDE}" type="slidenum">
               <a:rPr lang="en-US" noProof="0" smtClean="0"/>
               <a:pPr/>
-              <a:t>‹#›</a:t>
+              <a:t>‹Nr.›</a:t>
             </a:fld>
             <a:endParaRPr lang="en-US" noProof="0" dirty="0"/>
           </a:p>
@@ -20680,7 +20747,7 @@
           <p:cNvPr id="11" name="Rectangle 10">
             <a:extLst>
               <a:ext uri="{FF2B5EF4-FFF2-40B4-BE49-F238E27FC236}">
-                <a16:creationId xmlns:a16="http://schemas.microsoft.com/office/drawing/2014/main" id="{EB3E033F-4449-40FA-BC85-BD2712D313DD}"/>
+                <a16:creationId xmlns:a16="http://schemas.microsoft.com/office/drawing/2014/main" xmlns="" id="{EB3E033F-4449-40FA-BC85-BD2712D313DD}"/>
               </a:ext>
             </a:extLst>
           </p:cNvPr>
@@ -20734,7 +20801,7 @@
           <p:cNvPr id="10" name="Freeform: Shape 9">
             <a:extLst>
               <a:ext uri="{FF2B5EF4-FFF2-40B4-BE49-F238E27FC236}">
-                <a16:creationId xmlns:a16="http://schemas.microsoft.com/office/drawing/2014/main" id="{63D26743-0505-444C-80B3-E88EE87DF72B}"/>
+                <a16:creationId xmlns:a16="http://schemas.microsoft.com/office/drawing/2014/main" xmlns="" id="{63D26743-0505-444C-80B3-E88EE87DF72B}"/>
               </a:ext>
             </a:extLst>
           </p:cNvPr>
@@ -20857,7 +20924,7 @@
           <p:cNvPr id="8" name="Freeform: Shape 7">
             <a:extLst>
               <a:ext uri="{FF2B5EF4-FFF2-40B4-BE49-F238E27FC236}">
-                <a16:creationId xmlns:a16="http://schemas.microsoft.com/office/drawing/2014/main" id="{1599AF7E-3E34-4597-AA72-9373A7FDB020}"/>
+                <a16:creationId xmlns:a16="http://schemas.microsoft.com/office/drawing/2014/main" xmlns="" id="{1599AF7E-3E34-4597-AA72-9373A7FDB020}"/>
               </a:ext>
             </a:extLst>
           </p:cNvPr>
@@ -21003,7 +21070,7 @@
           <p:cNvPr id="2" name="Title 1">
             <a:extLst>
               <a:ext uri="{FF2B5EF4-FFF2-40B4-BE49-F238E27FC236}">
-                <a16:creationId xmlns:a16="http://schemas.microsoft.com/office/drawing/2014/main" id="{4A2DF563-7FAC-46B3-B24C-7E45CD89DA2B}"/>
+                <a16:creationId xmlns:a16="http://schemas.microsoft.com/office/drawing/2014/main" xmlns="" id="{4A2DF563-7FAC-46B3-B24C-7E45CD89DA2B}"/>
               </a:ext>
             </a:extLst>
           </p:cNvPr>
@@ -21048,7 +21115,7 @@
           <p:cNvPr id="5" name="Slide Number Placeholder 4">
             <a:extLst>
               <a:ext uri="{FF2B5EF4-FFF2-40B4-BE49-F238E27FC236}">
-                <a16:creationId xmlns:a16="http://schemas.microsoft.com/office/drawing/2014/main" id="{87B51822-97FF-47A7-8E4E-A0F79B4EB237}"/>
+                <a16:creationId xmlns:a16="http://schemas.microsoft.com/office/drawing/2014/main" xmlns="" id="{87B51822-97FF-47A7-8E4E-A0F79B4EB237}"/>
               </a:ext>
             </a:extLst>
           </p:cNvPr>
@@ -21081,7 +21148,7 @@
             <a:fld id="{C263D6C4-4840-40CC-AC84-17E24B3B7BDE}" type="slidenum">
               <a:rPr lang="en-US" noProof="0" smtClean="0"/>
               <a:pPr/>
-              <a:t>‹#›</a:t>
+              <a:t>‹Nr.›</a:t>
             </a:fld>
             <a:endParaRPr lang="en-US" noProof="0" dirty="0"/>
           </a:p>
@@ -21092,7 +21159,7 @@
           <p:cNvPr id="15" name="Group 14">
             <a:extLst>
               <a:ext uri="{FF2B5EF4-FFF2-40B4-BE49-F238E27FC236}">
-                <a16:creationId xmlns:a16="http://schemas.microsoft.com/office/drawing/2014/main" id="{7732E1E7-45E3-4264-8F26-66758696DD1E}"/>
+                <a16:creationId xmlns:a16="http://schemas.microsoft.com/office/drawing/2014/main" xmlns="" id="{7732E1E7-45E3-4264-8F26-66758696DD1E}"/>
               </a:ext>
             </a:extLst>
           </p:cNvPr>
@@ -21112,7 +21179,7 @@
             <p:cNvPr id="16" name="Freeform: Shape 15">
               <a:extLst>
                 <a:ext uri="{FF2B5EF4-FFF2-40B4-BE49-F238E27FC236}">
-                  <a16:creationId xmlns:a16="http://schemas.microsoft.com/office/drawing/2014/main" id="{2E3DF883-8093-49FA-81E1-E5D77F086A25}"/>
+                  <a16:creationId xmlns:a16="http://schemas.microsoft.com/office/drawing/2014/main" xmlns="" id="{2E3DF883-8093-49FA-81E1-E5D77F086A25}"/>
                 </a:ext>
               </a:extLst>
             </p:cNvPr>
@@ -21202,7 +21269,7 @@
             <p:cNvPr id="17" name="Freeform: Shape 16">
               <a:extLst>
                 <a:ext uri="{FF2B5EF4-FFF2-40B4-BE49-F238E27FC236}">
-                  <a16:creationId xmlns:a16="http://schemas.microsoft.com/office/drawing/2014/main" id="{18944C90-37E5-4BBE-89FF-060627168050}"/>
+                  <a16:creationId xmlns:a16="http://schemas.microsoft.com/office/drawing/2014/main" xmlns="" id="{18944C90-37E5-4BBE-89FF-060627168050}"/>
                 </a:ext>
               </a:extLst>
             </p:cNvPr>
@@ -21301,7 +21368,7 @@
           <p:cNvPr id="23" name="Text Placeholder 22">
             <a:extLst>
               <a:ext uri="{FF2B5EF4-FFF2-40B4-BE49-F238E27FC236}">
-                <a16:creationId xmlns:a16="http://schemas.microsoft.com/office/drawing/2014/main" id="{03618670-D1E4-466C-BDB5-FC890AC31457}"/>
+                <a16:creationId xmlns:a16="http://schemas.microsoft.com/office/drawing/2014/main" xmlns="" id="{03618670-D1E4-466C-BDB5-FC890AC31457}"/>
               </a:ext>
             </a:extLst>
           </p:cNvPr>
@@ -21462,7 +21529,7 @@
           <p:cNvPr id="11" name="Rectangle 10">
             <a:extLst>
               <a:ext uri="{FF2B5EF4-FFF2-40B4-BE49-F238E27FC236}">
-                <a16:creationId xmlns:a16="http://schemas.microsoft.com/office/drawing/2014/main" id="{EB3E033F-4449-40FA-BC85-BD2712D313DD}"/>
+                <a16:creationId xmlns:a16="http://schemas.microsoft.com/office/drawing/2014/main" xmlns="" id="{EB3E033F-4449-40FA-BC85-BD2712D313DD}"/>
               </a:ext>
             </a:extLst>
           </p:cNvPr>
@@ -21516,7 +21583,7 @@
           <p:cNvPr id="10" name="Freeform: Shape 9">
             <a:extLst>
               <a:ext uri="{FF2B5EF4-FFF2-40B4-BE49-F238E27FC236}">
-                <a16:creationId xmlns:a16="http://schemas.microsoft.com/office/drawing/2014/main" id="{63D26743-0505-444C-80B3-E88EE87DF72B}"/>
+                <a16:creationId xmlns:a16="http://schemas.microsoft.com/office/drawing/2014/main" xmlns="" id="{63D26743-0505-444C-80B3-E88EE87DF72B}"/>
               </a:ext>
             </a:extLst>
           </p:cNvPr>
@@ -21639,7 +21706,7 @@
           <p:cNvPr id="18" name="Freeform: Shape 17">
             <a:extLst>
               <a:ext uri="{FF2B5EF4-FFF2-40B4-BE49-F238E27FC236}">
-                <a16:creationId xmlns:a16="http://schemas.microsoft.com/office/drawing/2014/main" id="{E37145E9-AC61-47D5-9288-8789940F81B6}"/>
+                <a16:creationId xmlns:a16="http://schemas.microsoft.com/office/drawing/2014/main" xmlns="" id="{E37145E9-AC61-47D5-9288-8789940F81B6}"/>
               </a:ext>
             </a:extLst>
           </p:cNvPr>
@@ -21791,7 +21858,7 @@
           <p:cNvPr id="12" name="Freeform: Shape 11">
             <a:extLst>
               <a:ext uri="{FF2B5EF4-FFF2-40B4-BE49-F238E27FC236}">
-                <a16:creationId xmlns:a16="http://schemas.microsoft.com/office/drawing/2014/main" id="{A5E2B3ED-9A49-40A7-B8A3-62595FE513F9}"/>
+                <a16:creationId xmlns:a16="http://schemas.microsoft.com/office/drawing/2014/main" xmlns="" id="{A5E2B3ED-9A49-40A7-B8A3-62595FE513F9}"/>
               </a:ext>
             </a:extLst>
           </p:cNvPr>
@@ -21941,7 +22008,7 @@
           <p:cNvPr id="8" name="Freeform: Shape 7">
             <a:extLst>
               <a:ext uri="{FF2B5EF4-FFF2-40B4-BE49-F238E27FC236}">
-                <a16:creationId xmlns:a16="http://schemas.microsoft.com/office/drawing/2014/main" id="{1599AF7E-3E34-4597-AA72-9373A7FDB020}"/>
+                <a16:creationId xmlns:a16="http://schemas.microsoft.com/office/drawing/2014/main" xmlns="" id="{1599AF7E-3E34-4597-AA72-9373A7FDB020}"/>
               </a:ext>
             </a:extLst>
           </p:cNvPr>
@@ -22087,7 +22154,7 @@
           <p:cNvPr id="2" name="Title 1">
             <a:extLst>
               <a:ext uri="{FF2B5EF4-FFF2-40B4-BE49-F238E27FC236}">
-                <a16:creationId xmlns:a16="http://schemas.microsoft.com/office/drawing/2014/main" id="{4A2DF563-7FAC-46B3-B24C-7E45CD89DA2B}"/>
+                <a16:creationId xmlns:a16="http://schemas.microsoft.com/office/drawing/2014/main" xmlns="" id="{4A2DF563-7FAC-46B3-B24C-7E45CD89DA2B}"/>
               </a:ext>
             </a:extLst>
           </p:cNvPr>
@@ -22132,7 +22199,7 @@
           <p:cNvPr id="15" name="Group 14">
             <a:extLst>
               <a:ext uri="{FF2B5EF4-FFF2-40B4-BE49-F238E27FC236}">
-                <a16:creationId xmlns:a16="http://schemas.microsoft.com/office/drawing/2014/main" id="{7732E1E7-45E3-4264-8F26-66758696DD1E}"/>
+                <a16:creationId xmlns:a16="http://schemas.microsoft.com/office/drawing/2014/main" xmlns="" id="{7732E1E7-45E3-4264-8F26-66758696DD1E}"/>
               </a:ext>
             </a:extLst>
           </p:cNvPr>
@@ -22152,7 +22219,7 @@
             <p:cNvPr id="16" name="Freeform: Shape 15">
               <a:extLst>
                 <a:ext uri="{FF2B5EF4-FFF2-40B4-BE49-F238E27FC236}">
-                  <a16:creationId xmlns:a16="http://schemas.microsoft.com/office/drawing/2014/main" id="{2E3DF883-8093-49FA-81E1-E5D77F086A25}"/>
+                  <a16:creationId xmlns:a16="http://schemas.microsoft.com/office/drawing/2014/main" xmlns="" id="{2E3DF883-8093-49FA-81E1-E5D77F086A25}"/>
                 </a:ext>
               </a:extLst>
             </p:cNvPr>
@@ -22242,7 +22309,7 @@
             <p:cNvPr id="17" name="Freeform: Shape 16">
               <a:extLst>
                 <a:ext uri="{FF2B5EF4-FFF2-40B4-BE49-F238E27FC236}">
-                  <a16:creationId xmlns:a16="http://schemas.microsoft.com/office/drawing/2014/main" id="{18944C90-37E5-4BBE-89FF-060627168050}"/>
+                  <a16:creationId xmlns:a16="http://schemas.microsoft.com/office/drawing/2014/main" xmlns="" id="{18944C90-37E5-4BBE-89FF-060627168050}"/>
                 </a:ext>
               </a:extLst>
             </p:cNvPr>
@@ -22341,7 +22408,7 @@
           <p:cNvPr id="6" name="Group 5">
             <a:extLst>
               <a:ext uri="{FF2B5EF4-FFF2-40B4-BE49-F238E27FC236}">
-                <a16:creationId xmlns:a16="http://schemas.microsoft.com/office/drawing/2014/main" id="{D9EBF8BB-A805-4DDB-B459-082F99815B95}"/>
+                <a16:creationId xmlns:a16="http://schemas.microsoft.com/office/drawing/2014/main" xmlns="" id="{D9EBF8BB-A805-4DDB-B459-082F99815B95}"/>
               </a:ext>
             </a:extLst>
           </p:cNvPr>
@@ -22361,7 +22428,7 @@
             <p:cNvPr id="19" name="Rectangle: Single Corner Snipped 18">
               <a:extLst>
                 <a:ext uri="{FF2B5EF4-FFF2-40B4-BE49-F238E27FC236}">
-                  <a16:creationId xmlns:a16="http://schemas.microsoft.com/office/drawing/2014/main" id="{5D638788-DD47-45E7-939A-FA108A818173}"/>
+                  <a16:creationId xmlns:a16="http://schemas.microsoft.com/office/drawing/2014/main" xmlns="" id="{5D638788-DD47-45E7-939A-FA108A818173}"/>
                 </a:ext>
               </a:extLst>
             </p:cNvPr>
@@ -22427,7 +22494,7 @@
             <p:cNvPr id="3" name="Rectangle: Single Corner Snipped 2">
               <a:extLst>
                 <a:ext uri="{FF2B5EF4-FFF2-40B4-BE49-F238E27FC236}">
-                  <a16:creationId xmlns:a16="http://schemas.microsoft.com/office/drawing/2014/main" id="{74BDECEF-EEFE-4332-B3B2-BDE4F82C10FC}"/>
+                  <a16:creationId xmlns:a16="http://schemas.microsoft.com/office/drawing/2014/main" xmlns="" id="{74BDECEF-EEFE-4332-B3B2-BDE4F82C10FC}"/>
                 </a:ext>
               </a:extLst>
             </p:cNvPr>
@@ -22484,7 +22551,7 @@
           <p:cNvPr id="24" name="Freeform: Shape 23">
             <a:extLst>
               <a:ext uri="{FF2B5EF4-FFF2-40B4-BE49-F238E27FC236}">
-                <a16:creationId xmlns:a16="http://schemas.microsoft.com/office/drawing/2014/main" id="{18103E00-7E4A-44CD-81AC-06433CAE1110}"/>
+                <a16:creationId xmlns:a16="http://schemas.microsoft.com/office/drawing/2014/main" xmlns="" id="{18103E00-7E4A-44CD-81AC-06433CAE1110}"/>
               </a:ext>
             </a:extLst>
           </p:cNvPr>
@@ -22579,7 +22646,7 @@
           <p:cNvPr id="5" name="Slide Number Placeholder 4">
             <a:extLst>
               <a:ext uri="{FF2B5EF4-FFF2-40B4-BE49-F238E27FC236}">
-                <a16:creationId xmlns:a16="http://schemas.microsoft.com/office/drawing/2014/main" id="{87B51822-97FF-47A7-8E4E-A0F79B4EB237}"/>
+                <a16:creationId xmlns:a16="http://schemas.microsoft.com/office/drawing/2014/main" xmlns="" id="{87B51822-97FF-47A7-8E4E-A0F79B4EB237}"/>
               </a:ext>
             </a:extLst>
           </p:cNvPr>
@@ -22612,7 +22679,7 @@
             <a:fld id="{C263D6C4-4840-40CC-AC84-17E24B3B7BDE}" type="slidenum">
               <a:rPr lang="en-US" noProof="0" smtClean="0"/>
               <a:pPr/>
-              <a:t>‹#›</a:t>
+              <a:t>‹Nr.›</a:t>
             </a:fld>
             <a:endParaRPr lang="en-US" noProof="0" dirty="0"/>
           </a:p>
@@ -22661,7 +22728,7 @@
           <p:cNvPr id="11" name="Rectangle 10">
             <a:extLst>
               <a:ext uri="{FF2B5EF4-FFF2-40B4-BE49-F238E27FC236}">
-                <a16:creationId xmlns:a16="http://schemas.microsoft.com/office/drawing/2014/main" id="{EB3E033F-4449-40FA-BC85-BD2712D313DD}"/>
+                <a16:creationId xmlns:a16="http://schemas.microsoft.com/office/drawing/2014/main" xmlns="" id="{EB3E033F-4449-40FA-BC85-BD2712D313DD}"/>
               </a:ext>
             </a:extLst>
           </p:cNvPr>
@@ -22715,7 +22782,7 @@
           <p:cNvPr id="10" name="Freeform: Shape 9">
             <a:extLst>
               <a:ext uri="{FF2B5EF4-FFF2-40B4-BE49-F238E27FC236}">
-                <a16:creationId xmlns:a16="http://schemas.microsoft.com/office/drawing/2014/main" id="{63D26743-0505-444C-80B3-E88EE87DF72B}"/>
+                <a16:creationId xmlns:a16="http://schemas.microsoft.com/office/drawing/2014/main" xmlns="" id="{63D26743-0505-444C-80B3-E88EE87DF72B}"/>
               </a:ext>
             </a:extLst>
           </p:cNvPr>
@@ -22838,7 +22905,7 @@
           <p:cNvPr id="18" name="Freeform: Shape 17">
             <a:extLst>
               <a:ext uri="{FF2B5EF4-FFF2-40B4-BE49-F238E27FC236}">
-                <a16:creationId xmlns:a16="http://schemas.microsoft.com/office/drawing/2014/main" id="{E37145E9-AC61-47D5-9288-8789940F81B6}"/>
+                <a16:creationId xmlns:a16="http://schemas.microsoft.com/office/drawing/2014/main" xmlns="" id="{E37145E9-AC61-47D5-9288-8789940F81B6}"/>
               </a:ext>
             </a:extLst>
           </p:cNvPr>
@@ -22990,7 +23057,7 @@
           <p:cNvPr id="12" name="Freeform: Shape 11">
             <a:extLst>
               <a:ext uri="{FF2B5EF4-FFF2-40B4-BE49-F238E27FC236}">
-                <a16:creationId xmlns:a16="http://schemas.microsoft.com/office/drawing/2014/main" id="{A5E2B3ED-9A49-40A7-B8A3-62595FE513F9}"/>
+                <a16:creationId xmlns:a16="http://schemas.microsoft.com/office/drawing/2014/main" xmlns="" id="{A5E2B3ED-9A49-40A7-B8A3-62595FE513F9}"/>
               </a:ext>
             </a:extLst>
           </p:cNvPr>
@@ -23140,7 +23207,7 @@
           <p:cNvPr id="8" name="Freeform: Shape 7">
             <a:extLst>
               <a:ext uri="{FF2B5EF4-FFF2-40B4-BE49-F238E27FC236}">
-                <a16:creationId xmlns:a16="http://schemas.microsoft.com/office/drawing/2014/main" id="{1599AF7E-3E34-4597-AA72-9373A7FDB020}"/>
+                <a16:creationId xmlns:a16="http://schemas.microsoft.com/office/drawing/2014/main" xmlns="" id="{1599AF7E-3E34-4597-AA72-9373A7FDB020}"/>
               </a:ext>
             </a:extLst>
           </p:cNvPr>
@@ -23286,7 +23353,7 @@
           <p:cNvPr id="2" name="Title 1">
             <a:extLst>
               <a:ext uri="{FF2B5EF4-FFF2-40B4-BE49-F238E27FC236}">
-                <a16:creationId xmlns:a16="http://schemas.microsoft.com/office/drawing/2014/main" id="{4A2DF563-7FAC-46B3-B24C-7E45CD89DA2B}"/>
+                <a16:creationId xmlns:a16="http://schemas.microsoft.com/office/drawing/2014/main" xmlns="" id="{4A2DF563-7FAC-46B3-B24C-7E45CD89DA2B}"/>
               </a:ext>
             </a:extLst>
           </p:cNvPr>
@@ -23331,7 +23398,7 @@
           <p:cNvPr id="15" name="Group 14">
             <a:extLst>
               <a:ext uri="{FF2B5EF4-FFF2-40B4-BE49-F238E27FC236}">
-                <a16:creationId xmlns:a16="http://schemas.microsoft.com/office/drawing/2014/main" id="{7732E1E7-45E3-4264-8F26-66758696DD1E}"/>
+                <a16:creationId xmlns:a16="http://schemas.microsoft.com/office/drawing/2014/main" xmlns="" id="{7732E1E7-45E3-4264-8F26-66758696DD1E}"/>
               </a:ext>
             </a:extLst>
           </p:cNvPr>
@@ -23351,7 +23418,7 @@
             <p:cNvPr id="16" name="Freeform: Shape 15">
               <a:extLst>
                 <a:ext uri="{FF2B5EF4-FFF2-40B4-BE49-F238E27FC236}">
-                  <a16:creationId xmlns:a16="http://schemas.microsoft.com/office/drawing/2014/main" id="{2E3DF883-8093-49FA-81E1-E5D77F086A25}"/>
+                  <a16:creationId xmlns:a16="http://schemas.microsoft.com/office/drawing/2014/main" xmlns="" id="{2E3DF883-8093-49FA-81E1-E5D77F086A25}"/>
                 </a:ext>
               </a:extLst>
             </p:cNvPr>
@@ -23441,7 +23508,7 @@
             <p:cNvPr id="17" name="Freeform: Shape 16">
               <a:extLst>
                 <a:ext uri="{FF2B5EF4-FFF2-40B4-BE49-F238E27FC236}">
-                  <a16:creationId xmlns:a16="http://schemas.microsoft.com/office/drawing/2014/main" id="{18944C90-37E5-4BBE-89FF-060627168050}"/>
+                  <a16:creationId xmlns:a16="http://schemas.microsoft.com/office/drawing/2014/main" xmlns="" id="{18944C90-37E5-4BBE-89FF-060627168050}"/>
                 </a:ext>
               </a:extLst>
             </p:cNvPr>
@@ -23540,7 +23607,7 @@
           <p:cNvPr id="6" name="Group 5">
             <a:extLst>
               <a:ext uri="{FF2B5EF4-FFF2-40B4-BE49-F238E27FC236}">
-                <a16:creationId xmlns:a16="http://schemas.microsoft.com/office/drawing/2014/main" id="{D9EBF8BB-A805-4DDB-B459-082F99815B95}"/>
+                <a16:creationId xmlns:a16="http://schemas.microsoft.com/office/drawing/2014/main" xmlns="" id="{D9EBF8BB-A805-4DDB-B459-082F99815B95}"/>
               </a:ext>
             </a:extLst>
           </p:cNvPr>
@@ -23560,7 +23627,7 @@
             <p:cNvPr id="19" name="Rectangle: Single Corner Snipped 18">
               <a:extLst>
                 <a:ext uri="{FF2B5EF4-FFF2-40B4-BE49-F238E27FC236}">
-                  <a16:creationId xmlns:a16="http://schemas.microsoft.com/office/drawing/2014/main" id="{5D638788-DD47-45E7-939A-FA108A818173}"/>
+                  <a16:creationId xmlns:a16="http://schemas.microsoft.com/office/drawing/2014/main" xmlns="" id="{5D638788-DD47-45E7-939A-FA108A818173}"/>
                 </a:ext>
               </a:extLst>
             </p:cNvPr>
@@ -23626,7 +23693,7 @@
             <p:cNvPr id="3" name="Rectangle: Single Corner Snipped 2">
               <a:extLst>
                 <a:ext uri="{FF2B5EF4-FFF2-40B4-BE49-F238E27FC236}">
-                  <a16:creationId xmlns:a16="http://schemas.microsoft.com/office/drawing/2014/main" id="{74BDECEF-EEFE-4332-B3B2-BDE4F82C10FC}"/>
+                  <a16:creationId xmlns:a16="http://schemas.microsoft.com/office/drawing/2014/main" xmlns="" id="{74BDECEF-EEFE-4332-B3B2-BDE4F82C10FC}"/>
                 </a:ext>
               </a:extLst>
             </p:cNvPr>
@@ -23683,7 +23750,7 @@
           <p:cNvPr id="24" name="Freeform: Shape 23">
             <a:extLst>
               <a:ext uri="{FF2B5EF4-FFF2-40B4-BE49-F238E27FC236}">
-                <a16:creationId xmlns:a16="http://schemas.microsoft.com/office/drawing/2014/main" id="{18103E00-7E4A-44CD-81AC-06433CAE1110}"/>
+                <a16:creationId xmlns:a16="http://schemas.microsoft.com/office/drawing/2014/main" xmlns="" id="{18103E00-7E4A-44CD-81AC-06433CAE1110}"/>
               </a:ext>
             </a:extLst>
           </p:cNvPr>
@@ -23778,7 +23845,7 @@
           <p:cNvPr id="5" name="Slide Number Placeholder 4">
             <a:extLst>
               <a:ext uri="{FF2B5EF4-FFF2-40B4-BE49-F238E27FC236}">
-                <a16:creationId xmlns:a16="http://schemas.microsoft.com/office/drawing/2014/main" id="{87B51822-97FF-47A7-8E4E-A0F79B4EB237}"/>
+                <a16:creationId xmlns:a16="http://schemas.microsoft.com/office/drawing/2014/main" xmlns="" id="{87B51822-97FF-47A7-8E4E-A0F79B4EB237}"/>
               </a:ext>
             </a:extLst>
           </p:cNvPr>
@@ -23811,7 +23878,7 @@
             <a:fld id="{C263D6C4-4840-40CC-AC84-17E24B3B7BDE}" type="slidenum">
               <a:rPr lang="en-US" noProof="0" smtClean="0"/>
               <a:pPr/>
-              <a:t>‹#›</a:t>
+              <a:t>‹Nr.›</a:t>
             </a:fld>
             <a:endParaRPr lang="en-US" noProof="0" dirty="0"/>
           </a:p>
@@ -23822,7 +23889,7 @@
           <p:cNvPr id="7" name="Text Placeholder 6">
             <a:extLst>
               <a:ext uri="{FF2B5EF4-FFF2-40B4-BE49-F238E27FC236}">
-                <a16:creationId xmlns:a16="http://schemas.microsoft.com/office/drawing/2014/main" id="{7E0C167E-2626-40DB-AACF-D02543E29BB3}"/>
+                <a16:creationId xmlns:a16="http://schemas.microsoft.com/office/drawing/2014/main" xmlns="" id="{7E0C167E-2626-40DB-AACF-D02543E29BB3}"/>
               </a:ext>
             </a:extLst>
           </p:cNvPr>
@@ -23905,7 +23972,7 @@
           <p:cNvPr id="11" name="Rectangle 10">
             <a:extLst>
               <a:ext uri="{FF2B5EF4-FFF2-40B4-BE49-F238E27FC236}">
-                <a16:creationId xmlns:a16="http://schemas.microsoft.com/office/drawing/2014/main" id="{EB3E033F-4449-40FA-BC85-BD2712D313DD}"/>
+                <a16:creationId xmlns:a16="http://schemas.microsoft.com/office/drawing/2014/main" xmlns="" id="{EB3E033F-4449-40FA-BC85-BD2712D313DD}"/>
               </a:ext>
             </a:extLst>
           </p:cNvPr>
@@ -23959,7 +24026,7 @@
           <p:cNvPr id="10" name="Freeform: Shape 9">
             <a:extLst>
               <a:ext uri="{FF2B5EF4-FFF2-40B4-BE49-F238E27FC236}">
-                <a16:creationId xmlns:a16="http://schemas.microsoft.com/office/drawing/2014/main" id="{63D26743-0505-444C-80B3-E88EE87DF72B}"/>
+                <a16:creationId xmlns:a16="http://schemas.microsoft.com/office/drawing/2014/main" xmlns="" id="{63D26743-0505-444C-80B3-E88EE87DF72B}"/>
               </a:ext>
             </a:extLst>
           </p:cNvPr>
@@ -24082,7 +24149,7 @@
           <p:cNvPr id="18" name="Freeform: Shape 17">
             <a:extLst>
               <a:ext uri="{FF2B5EF4-FFF2-40B4-BE49-F238E27FC236}">
-                <a16:creationId xmlns:a16="http://schemas.microsoft.com/office/drawing/2014/main" id="{E37145E9-AC61-47D5-9288-8789940F81B6}"/>
+                <a16:creationId xmlns:a16="http://schemas.microsoft.com/office/drawing/2014/main" xmlns="" id="{E37145E9-AC61-47D5-9288-8789940F81B6}"/>
               </a:ext>
             </a:extLst>
           </p:cNvPr>
@@ -24234,7 +24301,7 @@
           <p:cNvPr id="12" name="Freeform: Shape 11">
             <a:extLst>
               <a:ext uri="{FF2B5EF4-FFF2-40B4-BE49-F238E27FC236}">
-                <a16:creationId xmlns:a16="http://schemas.microsoft.com/office/drawing/2014/main" id="{A5E2B3ED-9A49-40A7-B8A3-62595FE513F9}"/>
+                <a16:creationId xmlns:a16="http://schemas.microsoft.com/office/drawing/2014/main" xmlns="" id="{A5E2B3ED-9A49-40A7-B8A3-62595FE513F9}"/>
               </a:ext>
             </a:extLst>
           </p:cNvPr>
@@ -24384,7 +24451,7 @@
           <p:cNvPr id="8" name="Freeform: Shape 7">
             <a:extLst>
               <a:ext uri="{FF2B5EF4-FFF2-40B4-BE49-F238E27FC236}">
-                <a16:creationId xmlns:a16="http://schemas.microsoft.com/office/drawing/2014/main" id="{1599AF7E-3E34-4597-AA72-9373A7FDB020}"/>
+                <a16:creationId xmlns:a16="http://schemas.microsoft.com/office/drawing/2014/main" xmlns="" id="{1599AF7E-3E34-4597-AA72-9373A7FDB020}"/>
               </a:ext>
             </a:extLst>
           </p:cNvPr>
@@ -24530,7 +24597,7 @@
           <p:cNvPr id="2" name="Title 1">
             <a:extLst>
               <a:ext uri="{FF2B5EF4-FFF2-40B4-BE49-F238E27FC236}">
-                <a16:creationId xmlns:a16="http://schemas.microsoft.com/office/drawing/2014/main" id="{4A2DF563-7FAC-46B3-B24C-7E45CD89DA2B}"/>
+                <a16:creationId xmlns:a16="http://schemas.microsoft.com/office/drawing/2014/main" xmlns="" id="{4A2DF563-7FAC-46B3-B24C-7E45CD89DA2B}"/>
               </a:ext>
             </a:extLst>
           </p:cNvPr>
@@ -24575,7 +24642,7 @@
           <p:cNvPr id="15" name="Group 14">
             <a:extLst>
               <a:ext uri="{FF2B5EF4-FFF2-40B4-BE49-F238E27FC236}">
-                <a16:creationId xmlns:a16="http://schemas.microsoft.com/office/drawing/2014/main" id="{7732E1E7-45E3-4264-8F26-66758696DD1E}"/>
+                <a16:creationId xmlns:a16="http://schemas.microsoft.com/office/drawing/2014/main" xmlns="" id="{7732E1E7-45E3-4264-8F26-66758696DD1E}"/>
               </a:ext>
             </a:extLst>
           </p:cNvPr>
@@ -24595,7 +24662,7 @@
             <p:cNvPr id="16" name="Freeform: Shape 15">
               <a:extLst>
                 <a:ext uri="{FF2B5EF4-FFF2-40B4-BE49-F238E27FC236}">
-                  <a16:creationId xmlns:a16="http://schemas.microsoft.com/office/drawing/2014/main" id="{2E3DF883-8093-49FA-81E1-E5D77F086A25}"/>
+                  <a16:creationId xmlns:a16="http://schemas.microsoft.com/office/drawing/2014/main" xmlns="" id="{2E3DF883-8093-49FA-81E1-E5D77F086A25}"/>
                 </a:ext>
               </a:extLst>
             </p:cNvPr>
@@ -24685,7 +24752,7 @@
             <p:cNvPr id="17" name="Freeform: Shape 16">
               <a:extLst>
                 <a:ext uri="{FF2B5EF4-FFF2-40B4-BE49-F238E27FC236}">
-                  <a16:creationId xmlns:a16="http://schemas.microsoft.com/office/drawing/2014/main" id="{18944C90-37E5-4BBE-89FF-060627168050}"/>
+                  <a16:creationId xmlns:a16="http://schemas.microsoft.com/office/drawing/2014/main" xmlns="" id="{18944C90-37E5-4BBE-89FF-060627168050}"/>
                 </a:ext>
               </a:extLst>
             </p:cNvPr>
@@ -24784,7 +24851,7 @@
           <p:cNvPr id="6" name="Group 5">
             <a:extLst>
               <a:ext uri="{FF2B5EF4-FFF2-40B4-BE49-F238E27FC236}">
-                <a16:creationId xmlns:a16="http://schemas.microsoft.com/office/drawing/2014/main" id="{D9EBF8BB-A805-4DDB-B459-082F99815B95}"/>
+                <a16:creationId xmlns:a16="http://schemas.microsoft.com/office/drawing/2014/main" xmlns="" id="{D9EBF8BB-A805-4DDB-B459-082F99815B95}"/>
               </a:ext>
             </a:extLst>
           </p:cNvPr>
@@ -24804,7 +24871,7 @@
             <p:cNvPr id="19" name="Rectangle: Single Corner Snipped 18">
               <a:extLst>
                 <a:ext uri="{FF2B5EF4-FFF2-40B4-BE49-F238E27FC236}">
-                  <a16:creationId xmlns:a16="http://schemas.microsoft.com/office/drawing/2014/main" id="{5D638788-DD47-45E7-939A-FA108A818173}"/>
+                  <a16:creationId xmlns:a16="http://schemas.microsoft.com/office/drawing/2014/main" xmlns="" id="{5D638788-DD47-45E7-939A-FA108A818173}"/>
                 </a:ext>
               </a:extLst>
             </p:cNvPr>
@@ -24870,7 +24937,7 @@
             <p:cNvPr id="3" name="Rectangle: Single Corner Snipped 2">
               <a:extLst>
                 <a:ext uri="{FF2B5EF4-FFF2-40B4-BE49-F238E27FC236}">
-                  <a16:creationId xmlns:a16="http://schemas.microsoft.com/office/drawing/2014/main" id="{74BDECEF-EEFE-4332-B3B2-BDE4F82C10FC}"/>
+                  <a16:creationId xmlns:a16="http://schemas.microsoft.com/office/drawing/2014/main" xmlns="" id="{74BDECEF-EEFE-4332-B3B2-BDE4F82C10FC}"/>
                 </a:ext>
               </a:extLst>
             </p:cNvPr>
@@ -24927,7 +24994,7 @@
           <p:cNvPr id="24" name="Freeform: Shape 23">
             <a:extLst>
               <a:ext uri="{FF2B5EF4-FFF2-40B4-BE49-F238E27FC236}">
-                <a16:creationId xmlns:a16="http://schemas.microsoft.com/office/drawing/2014/main" id="{18103E00-7E4A-44CD-81AC-06433CAE1110}"/>
+                <a16:creationId xmlns:a16="http://schemas.microsoft.com/office/drawing/2014/main" xmlns="" id="{18103E00-7E4A-44CD-81AC-06433CAE1110}"/>
               </a:ext>
             </a:extLst>
           </p:cNvPr>
@@ -25022,7 +25089,7 @@
           <p:cNvPr id="5" name="Slide Number Placeholder 4">
             <a:extLst>
               <a:ext uri="{FF2B5EF4-FFF2-40B4-BE49-F238E27FC236}">
-                <a16:creationId xmlns:a16="http://schemas.microsoft.com/office/drawing/2014/main" id="{87B51822-97FF-47A7-8E4E-A0F79B4EB237}"/>
+                <a16:creationId xmlns:a16="http://schemas.microsoft.com/office/drawing/2014/main" xmlns="" id="{87B51822-97FF-47A7-8E4E-A0F79B4EB237}"/>
               </a:ext>
             </a:extLst>
           </p:cNvPr>
@@ -25055,7 +25122,7 @@
             <a:fld id="{C263D6C4-4840-40CC-AC84-17E24B3B7BDE}" type="slidenum">
               <a:rPr lang="en-US" noProof="0" smtClean="0"/>
               <a:pPr/>
-              <a:t>‹#›</a:t>
+              <a:t>‹Nr.›</a:t>
             </a:fld>
             <a:endParaRPr lang="en-US" noProof="0" dirty="0"/>
           </a:p>
@@ -25066,7 +25133,7 @@
           <p:cNvPr id="20" name="Content Placeholder 2">
             <a:extLst>
               <a:ext uri="{FF2B5EF4-FFF2-40B4-BE49-F238E27FC236}">
-                <a16:creationId xmlns:a16="http://schemas.microsoft.com/office/drawing/2014/main" id="{0103A49C-32FF-49E6-86F3-FC2E19517BD5}"/>
+                <a16:creationId xmlns:a16="http://schemas.microsoft.com/office/drawing/2014/main" xmlns="" id="{0103A49C-32FF-49E6-86F3-FC2E19517BD5}"/>
               </a:ext>
             </a:extLst>
           </p:cNvPr>
@@ -25202,7 +25269,7 @@
           <p:cNvPr id="11" name="Rectangle 10">
             <a:extLst>
               <a:ext uri="{FF2B5EF4-FFF2-40B4-BE49-F238E27FC236}">
-                <a16:creationId xmlns:a16="http://schemas.microsoft.com/office/drawing/2014/main" id="{EB3E033F-4449-40FA-BC85-BD2712D313DD}"/>
+                <a16:creationId xmlns:a16="http://schemas.microsoft.com/office/drawing/2014/main" xmlns="" id="{EB3E033F-4449-40FA-BC85-BD2712D313DD}"/>
               </a:ext>
             </a:extLst>
           </p:cNvPr>
@@ -25256,7 +25323,7 @@
           <p:cNvPr id="10" name="Freeform: Shape 9">
             <a:extLst>
               <a:ext uri="{FF2B5EF4-FFF2-40B4-BE49-F238E27FC236}">
-                <a16:creationId xmlns:a16="http://schemas.microsoft.com/office/drawing/2014/main" id="{63D26743-0505-444C-80B3-E88EE87DF72B}"/>
+                <a16:creationId xmlns:a16="http://schemas.microsoft.com/office/drawing/2014/main" xmlns="" id="{63D26743-0505-444C-80B3-E88EE87DF72B}"/>
               </a:ext>
             </a:extLst>
           </p:cNvPr>
@@ -25379,7 +25446,7 @@
           <p:cNvPr id="18" name="Freeform: Shape 17">
             <a:extLst>
               <a:ext uri="{FF2B5EF4-FFF2-40B4-BE49-F238E27FC236}">
-                <a16:creationId xmlns:a16="http://schemas.microsoft.com/office/drawing/2014/main" id="{E37145E9-AC61-47D5-9288-8789940F81B6}"/>
+                <a16:creationId xmlns:a16="http://schemas.microsoft.com/office/drawing/2014/main" xmlns="" id="{E37145E9-AC61-47D5-9288-8789940F81B6}"/>
               </a:ext>
             </a:extLst>
           </p:cNvPr>
@@ -25531,7 +25598,7 @@
           <p:cNvPr id="12" name="Freeform: Shape 11">
             <a:extLst>
               <a:ext uri="{FF2B5EF4-FFF2-40B4-BE49-F238E27FC236}">
-                <a16:creationId xmlns:a16="http://schemas.microsoft.com/office/drawing/2014/main" id="{A5E2B3ED-9A49-40A7-B8A3-62595FE513F9}"/>
+                <a16:creationId xmlns:a16="http://schemas.microsoft.com/office/drawing/2014/main" xmlns="" id="{A5E2B3ED-9A49-40A7-B8A3-62595FE513F9}"/>
               </a:ext>
             </a:extLst>
           </p:cNvPr>
@@ -25681,7 +25748,7 @@
           <p:cNvPr id="8" name="Freeform: Shape 7">
             <a:extLst>
               <a:ext uri="{FF2B5EF4-FFF2-40B4-BE49-F238E27FC236}">
-                <a16:creationId xmlns:a16="http://schemas.microsoft.com/office/drawing/2014/main" id="{1599AF7E-3E34-4597-AA72-9373A7FDB020}"/>
+                <a16:creationId xmlns:a16="http://schemas.microsoft.com/office/drawing/2014/main" xmlns="" id="{1599AF7E-3E34-4597-AA72-9373A7FDB020}"/>
               </a:ext>
             </a:extLst>
           </p:cNvPr>
@@ -25827,7 +25894,7 @@
           <p:cNvPr id="2" name="Title 1">
             <a:extLst>
               <a:ext uri="{FF2B5EF4-FFF2-40B4-BE49-F238E27FC236}">
-                <a16:creationId xmlns:a16="http://schemas.microsoft.com/office/drawing/2014/main" id="{4A2DF563-7FAC-46B3-B24C-7E45CD89DA2B}"/>
+                <a16:creationId xmlns:a16="http://schemas.microsoft.com/office/drawing/2014/main" xmlns="" id="{4A2DF563-7FAC-46B3-B24C-7E45CD89DA2B}"/>
               </a:ext>
             </a:extLst>
           </p:cNvPr>
@@ -25872,7 +25939,7 @@
           <p:cNvPr id="15" name="Group 14">
             <a:extLst>
               <a:ext uri="{FF2B5EF4-FFF2-40B4-BE49-F238E27FC236}">
-                <a16:creationId xmlns:a16="http://schemas.microsoft.com/office/drawing/2014/main" id="{7732E1E7-45E3-4264-8F26-66758696DD1E}"/>
+                <a16:creationId xmlns:a16="http://schemas.microsoft.com/office/drawing/2014/main" xmlns="" id="{7732E1E7-45E3-4264-8F26-66758696DD1E}"/>
               </a:ext>
             </a:extLst>
           </p:cNvPr>
@@ -25892,7 +25959,7 @@
             <p:cNvPr id="16" name="Freeform: Shape 15">
               <a:extLst>
                 <a:ext uri="{FF2B5EF4-FFF2-40B4-BE49-F238E27FC236}">
-                  <a16:creationId xmlns:a16="http://schemas.microsoft.com/office/drawing/2014/main" id="{2E3DF883-8093-49FA-81E1-E5D77F086A25}"/>
+                  <a16:creationId xmlns:a16="http://schemas.microsoft.com/office/drawing/2014/main" xmlns="" id="{2E3DF883-8093-49FA-81E1-E5D77F086A25}"/>
                 </a:ext>
               </a:extLst>
             </p:cNvPr>
@@ -25982,7 +26049,7 @@
             <p:cNvPr id="17" name="Freeform: Shape 16">
               <a:extLst>
                 <a:ext uri="{FF2B5EF4-FFF2-40B4-BE49-F238E27FC236}">
-                  <a16:creationId xmlns:a16="http://schemas.microsoft.com/office/drawing/2014/main" id="{18944C90-37E5-4BBE-89FF-060627168050}"/>
+                  <a16:creationId xmlns:a16="http://schemas.microsoft.com/office/drawing/2014/main" xmlns="" id="{18944C90-37E5-4BBE-89FF-060627168050}"/>
                 </a:ext>
               </a:extLst>
             </p:cNvPr>
@@ -26081,7 +26148,7 @@
           <p:cNvPr id="6" name="Group 5">
             <a:extLst>
               <a:ext uri="{FF2B5EF4-FFF2-40B4-BE49-F238E27FC236}">
-                <a16:creationId xmlns:a16="http://schemas.microsoft.com/office/drawing/2014/main" id="{D9EBF8BB-A805-4DDB-B459-082F99815B95}"/>
+                <a16:creationId xmlns:a16="http://schemas.microsoft.com/office/drawing/2014/main" xmlns="" id="{D9EBF8BB-A805-4DDB-B459-082F99815B95}"/>
               </a:ext>
             </a:extLst>
           </p:cNvPr>
@@ -26101,7 +26168,7 @@
             <p:cNvPr id="19" name="Rectangle: Single Corner Snipped 18">
               <a:extLst>
                 <a:ext uri="{FF2B5EF4-FFF2-40B4-BE49-F238E27FC236}">
-                  <a16:creationId xmlns:a16="http://schemas.microsoft.com/office/drawing/2014/main" id="{5D638788-DD47-45E7-939A-FA108A818173}"/>
+                  <a16:creationId xmlns:a16="http://schemas.microsoft.com/office/drawing/2014/main" xmlns="" id="{5D638788-DD47-45E7-939A-FA108A818173}"/>
                 </a:ext>
               </a:extLst>
             </p:cNvPr>
@@ -26167,7 +26234,7 @@
             <p:cNvPr id="3" name="Rectangle: Single Corner Snipped 2">
               <a:extLst>
                 <a:ext uri="{FF2B5EF4-FFF2-40B4-BE49-F238E27FC236}">
-                  <a16:creationId xmlns:a16="http://schemas.microsoft.com/office/drawing/2014/main" id="{74BDECEF-EEFE-4332-B3B2-BDE4F82C10FC}"/>
+                  <a16:creationId xmlns:a16="http://schemas.microsoft.com/office/drawing/2014/main" xmlns="" id="{74BDECEF-EEFE-4332-B3B2-BDE4F82C10FC}"/>
                 </a:ext>
               </a:extLst>
             </p:cNvPr>
@@ -26224,7 +26291,7 @@
           <p:cNvPr id="24" name="Freeform: Shape 23">
             <a:extLst>
               <a:ext uri="{FF2B5EF4-FFF2-40B4-BE49-F238E27FC236}">
-                <a16:creationId xmlns:a16="http://schemas.microsoft.com/office/drawing/2014/main" id="{18103E00-7E4A-44CD-81AC-06433CAE1110}"/>
+                <a16:creationId xmlns:a16="http://schemas.microsoft.com/office/drawing/2014/main" xmlns="" id="{18103E00-7E4A-44CD-81AC-06433CAE1110}"/>
               </a:ext>
             </a:extLst>
           </p:cNvPr>
@@ -26319,7 +26386,7 @@
           <p:cNvPr id="5" name="Slide Number Placeholder 4">
             <a:extLst>
               <a:ext uri="{FF2B5EF4-FFF2-40B4-BE49-F238E27FC236}">
-                <a16:creationId xmlns:a16="http://schemas.microsoft.com/office/drawing/2014/main" id="{87B51822-97FF-47A7-8E4E-A0F79B4EB237}"/>
+                <a16:creationId xmlns:a16="http://schemas.microsoft.com/office/drawing/2014/main" xmlns="" id="{87B51822-97FF-47A7-8E4E-A0F79B4EB237}"/>
               </a:ext>
             </a:extLst>
           </p:cNvPr>
@@ -26352,7 +26419,7 @@
             <a:fld id="{C263D6C4-4840-40CC-AC84-17E24B3B7BDE}" type="slidenum">
               <a:rPr lang="en-US" noProof="0" smtClean="0"/>
               <a:pPr/>
-              <a:t>‹#›</a:t>
+              <a:t>‹Nr.›</a:t>
             </a:fld>
             <a:endParaRPr lang="en-US" noProof="0" dirty="0"/>
           </a:p>
@@ -26363,7 +26430,7 @@
           <p:cNvPr id="25" name="Text Placeholder 2">
             <a:extLst>
               <a:ext uri="{FF2B5EF4-FFF2-40B4-BE49-F238E27FC236}">
-                <a16:creationId xmlns:a16="http://schemas.microsoft.com/office/drawing/2014/main" id="{7FA80A70-18DE-4DB9-9982-BA75BE54CF93}"/>
+                <a16:creationId xmlns:a16="http://schemas.microsoft.com/office/drawing/2014/main" xmlns="" id="{7FA80A70-18DE-4DB9-9982-BA75BE54CF93}"/>
               </a:ext>
             </a:extLst>
           </p:cNvPr>
@@ -26441,7 +26508,7 @@
           <p:cNvPr id="26" name="Text Placeholder 4">
             <a:extLst>
               <a:ext uri="{FF2B5EF4-FFF2-40B4-BE49-F238E27FC236}">
-                <a16:creationId xmlns:a16="http://schemas.microsoft.com/office/drawing/2014/main" id="{2801C0EF-C078-44B0-AD01-4850E9A65EE0}"/>
+                <a16:creationId xmlns:a16="http://schemas.microsoft.com/office/drawing/2014/main" xmlns="" id="{2801C0EF-C078-44B0-AD01-4850E9A65EE0}"/>
               </a:ext>
             </a:extLst>
           </p:cNvPr>
@@ -26519,7 +26586,7 @@
           <p:cNvPr id="27" name="Content Placeholder 3">
             <a:extLst>
               <a:ext uri="{FF2B5EF4-FFF2-40B4-BE49-F238E27FC236}">
-                <a16:creationId xmlns:a16="http://schemas.microsoft.com/office/drawing/2014/main" id="{7C9DED91-45F6-4308-A085-1EFACA6468CF}"/>
+                <a16:creationId xmlns:a16="http://schemas.microsoft.com/office/drawing/2014/main" xmlns="" id="{7C9DED91-45F6-4308-A085-1EFACA6468CF}"/>
               </a:ext>
             </a:extLst>
           </p:cNvPr>
@@ -26619,7 +26686,7 @@
           <p:cNvPr id="28" name="Content Placeholder 5">
             <a:extLst>
               <a:ext uri="{FF2B5EF4-FFF2-40B4-BE49-F238E27FC236}">
-                <a16:creationId xmlns:a16="http://schemas.microsoft.com/office/drawing/2014/main" id="{0574B5E7-B666-439B-9278-67BE1EA6EBC5}"/>
+                <a16:creationId xmlns:a16="http://schemas.microsoft.com/office/drawing/2014/main" xmlns="" id="{0574B5E7-B666-439B-9278-67BE1EA6EBC5}"/>
               </a:ext>
             </a:extLst>
           </p:cNvPr>
@@ -26754,7 +26821,7 @@
           <p:cNvPr id="2" name="Title Placeholder 1">
             <a:extLst>
               <a:ext uri="{FF2B5EF4-FFF2-40B4-BE49-F238E27FC236}">
-                <a16:creationId xmlns:a16="http://schemas.microsoft.com/office/drawing/2014/main" id="{761B0E15-6FC5-434E-8780-B186D9DB0CD0}"/>
+                <a16:creationId xmlns:a16="http://schemas.microsoft.com/office/drawing/2014/main" xmlns="" id="{761B0E15-6FC5-434E-8780-B186D9DB0CD0}"/>
               </a:ext>
             </a:extLst>
           </p:cNvPr>
@@ -26792,7 +26859,7 @@
           <p:cNvPr id="3" name="Text Placeholder 2">
             <a:extLst>
               <a:ext uri="{FF2B5EF4-FFF2-40B4-BE49-F238E27FC236}">
-                <a16:creationId xmlns:a16="http://schemas.microsoft.com/office/drawing/2014/main" id="{A9C7B128-34F3-405C-B601-8BAFDB43499C}"/>
+                <a16:creationId xmlns:a16="http://schemas.microsoft.com/office/drawing/2014/main" xmlns="" id="{A9C7B128-34F3-405C-B601-8BAFDB43499C}"/>
               </a:ext>
             </a:extLst>
           </p:cNvPr>
@@ -26859,7 +26926,7 @@
           <p:cNvPr id="6" name="Slide Number Placeholder 5">
             <a:extLst>
               <a:ext uri="{FF2B5EF4-FFF2-40B4-BE49-F238E27FC236}">
-                <a16:creationId xmlns:a16="http://schemas.microsoft.com/office/drawing/2014/main" id="{9F5A7754-E8C7-438B-922D-9027C6CF58E2}"/>
+                <a16:creationId xmlns:a16="http://schemas.microsoft.com/office/drawing/2014/main" xmlns="" id="{9F5A7754-E8C7-438B-922D-9027C6CF58E2}"/>
               </a:ext>
             </a:extLst>
           </p:cNvPr>
@@ -26895,7 +26962,7 @@
           <a:p>
             <a:fld id="{C263D6C4-4840-40CC-AC84-17E24B3B7BDE}" type="slidenum">
               <a:rPr lang="en-US" noProof="0" smtClean="0"/>
-              <a:t>‹#›</a:t>
+              <a:t>‹Nr.›</a:t>
             </a:fld>
             <a:endParaRPr lang="en-US" noProof="0" dirty="0"/>
           </a:p>
@@ -26906,7 +26973,7 @@
           <p:cNvPr id="5" name="Rectangle 4">
             <a:extLst>
               <a:ext uri="{FF2B5EF4-FFF2-40B4-BE49-F238E27FC236}">
-                <a16:creationId xmlns:a16="http://schemas.microsoft.com/office/drawing/2014/main" id="{7CDDDB7D-9189-9548-A2B9-81DC62C3C1A3}"/>
+                <a16:creationId xmlns:a16="http://schemas.microsoft.com/office/drawing/2014/main" xmlns="" id="{7CDDDB7D-9189-9548-A2B9-81DC62C3C1A3}"/>
               </a:ext>
             </a:extLst>
           </p:cNvPr>
@@ -26960,7 +27027,7 @@
           <p:cNvPr id="7" name="Freeform: Shape 9">
             <a:extLst>
               <a:ext uri="{FF2B5EF4-FFF2-40B4-BE49-F238E27FC236}">
-                <a16:creationId xmlns:a16="http://schemas.microsoft.com/office/drawing/2014/main" id="{096D8877-6B4A-4540-8927-767DD7401718}"/>
+                <a16:creationId xmlns:a16="http://schemas.microsoft.com/office/drawing/2014/main" xmlns="" id="{096D8877-6B4A-4540-8927-767DD7401718}"/>
               </a:ext>
             </a:extLst>
           </p:cNvPr>
@@ -27083,7 +27150,7 @@
           <p:cNvPr id="8" name="Freeform: Shape 17">
             <a:extLst>
               <a:ext uri="{FF2B5EF4-FFF2-40B4-BE49-F238E27FC236}">
-                <a16:creationId xmlns:a16="http://schemas.microsoft.com/office/drawing/2014/main" id="{5AF2E123-FE0F-8541-8E36-5030C450AA7E}"/>
+                <a16:creationId xmlns:a16="http://schemas.microsoft.com/office/drawing/2014/main" xmlns="" id="{5AF2E123-FE0F-8541-8E36-5030C450AA7E}"/>
               </a:ext>
             </a:extLst>
           </p:cNvPr>
@@ -27235,7 +27302,7 @@
           <p:cNvPr id="9" name="Freeform: Shape 11">
             <a:extLst>
               <a:ext uri="{FF2B5EF4-FFF2-40B4-BE49-F238E27FC236}">
-                <a16:creationId xmlns:a16="http://schemas.microsoft.com/office/drawing/2014/main" id="{E5519D99-3B68-924A-9CD0-14B911711CA8}"/>
+                <a16:creationId xmlns:a16="http://schemas.microsoft.com/office/drawing/2014/main" xmlns="" id="{E5519D99-3B68-924A-9CD0-14B911711CA8}"/>
               </a:ext>
             </a:extLst>
           </p:cNvPr>
@@ -27385,7 +27452,7 @@
           <p:cNvPr id="10" name="Freeform: Shape 7">
             <a:extLst>
               <a:ext uri="{FF2B5EF4-FFF2-40B4-BE49-F238E27FC236}">
-                <a16:creationId xmlns:a16="http://schemas.microsoft.com/office/drawing/2014/main" id="{A09E21A9-FBEF-144C-A152-FE484F3C55C1}"/>
+                <a16:creationId xmlns:a16="http://schemas.microsoft.com/office/drawing/2014/main" xmlns="" id="{A09E21A9-FBEF-144C-A152-FE484F3C55C1}"/>
               </a:ext>
             </a:extLst>
           </p:cNvPr>
@@ -27531,7 +27598,7 @@
           <p:cNvPr id="11" name="Title 1">
             <a:extLst>
               <a:ext uri="{FF2B5EF4-FFF2-40B4-BE49-F238E27FC236}">
-                <a16:creationId xmlns:a16="http://schemas.microsoft.com/office/drawing/2014/main" id="{70C7F2CB-A8CE-1545-A08D-93592C4BAEEA}"/>
+                <a16:creationId xmlns:a16="http://schemas.microsoft.com/office/drawing/2014/main" xmlns="" id="{70C7F2CB-A8CE-1545-A08D-93592C4BAEEA}"/>
               </a:ext>
             </a:extLst>
           </p:cNvPr>
@@ -27587,7 +27654,7 @@
           <p:cNvPr id="12" name="Group 11">
             <a:extLst>
               <a:ext uri="{FF2B5EF4-FFF2-40B4-BE49-F238E27FC236}">
-                <a16:creationId xmlns:a16="http://schemas.microsoft.com/office/drawing/2014/main" id="{7068FCE4-1B47-3C4B-B091-013120A97D09}"/>
+                <a16:creationId xmlns:a16="http://schemas.microsoft.com/office/drawing/2014/main" xmlns="" id="{7068FCE4-1B47-3C4B-B091-013120A97D09}"/>
               </a:ext>
             </a:extLst>
           </p:cNvPr>
@@ -27607,7 +27674,7 @@
             <p:cNvPr id="13" name="Freeform: Shape 15">
               <a:extLst>
                 <a:ext uri="{FF2B5EF4-FFF2-40B4-BE49-F238E27FC236}">
-                  <a16:creationId xmlns:a16="http://schemas.microsoft.com/office/drawing/2014/main" id="{FEC3FDE7-F27E-5E4E-8752-287CAB7792D4}"/>
+                  <a16:creationId xmlns:a16="http://schemas.microsoft.com/office/drawing/2014/main" xmlns="" id="{FEC3FDE7-F27E-5E4E-8752-287CAB7792D4}"/>
                 </a:ext>
               </a:extLst>
             </p:cNvPr>
@@ -27697,7 +27764,7 @@
             <p:cNvPr id="14" name="Freeform: Shape 16">
               <a:extLst>
                 <a:ext uri="{FF2B5EF4-FFF2-40B4-BE49-F238E27FC236}">
-                  <a16:creationId xmlns:a16="http://schemas.microsoft.com/office/drawing/2014/main" id="{81C902DB-0D21-5044-82B6-9E7A70A1BF62}"/>
+                  <a16:creationId xmlns:a16="http://schemas.microsoft.com/office/drawing/2014/main" xmlns="" id="{81C902DB-0D21-5044-82B6-9E7A70A1BF62}"/>
                 </a:ext>
               </a:extLst>
             </p:cNvPr>
@@ -27796,7 +27863,7 @@
           <p:cNvPr id="15" name="Group 14">
             <a:extLst>
               <a:ext uri="{FF2B5EF4-FFF2-40B4-BE49-F238E27FC236}">
-                <a16:creationId xmlns:a16="http://schemas.microsoft.com/office/drawing/2014/main" id="{BE1E08A0-195D-694F-947B-986A76FBB93E}"/>
+                <a16:creationId xmlns:a16="http://schemas.microsoft.com/office/drawing/2014/main" xmlns="" id="{BE1E08A0-195D-694F-947B-986A76FBB93E}"/>
               </a:ext>
             </a:extLst>
           </p:cNvPr>
@@ -27816,7 +27883,7 @@
             <p:cNvPr id="16" name="Rectangle: Single Corner Snipped 18">
               <a:extLst>
                 <a:ext uri="{FF2B5EF4-FFF2-40B4-BE49-F238E27FC236}">
-                  <a16:creationId xmlns:a16="http://schemas.microsoft.com/office/drawing/2014/main" id="{ED5DFFCD-1EE3-E64E-B51F-BD7D72413E0B}"/>
+                  <a16:creationId xmlns:a16="http://schemas.microsoft.com/office/drawing/2014/main" xmlns="" id="{ED5DFFCD-1EE3-E64E-B51F-BD7D72413E0B}"/>
                 </a:ext>
               </a:extLst>
             </p:cNvPr>
@@ -27882,7 +27949,7 @@
             <p:cNvPr id="17" name="Rectangle: Single Corner Snipped 2">
               <a:extLst>
                 <a:ext uri="{FF2B5EF4-FFF2-40B4-BE49-F238E27FC236}">
-                  <a16:creationId xmlns:a16="http://schemas.microsoft.com/office/drawing/2014/main" id="{C12DB3CA-8E64-AA43-BFBE-A2CA9A816DBE}"/>
+                  <a16:creationId xmlns:a16="http://schemas.microsoft.com/office/drawing/2014/main" xmlns="" id="{C12DB3CA-8E64-AA43-BFBE-A2CA9A816DBE}"/>
                 </a:ext>
               </a:extLst>
             </p:cNvPr>
@@ -27939,7 +28006,7 @@
           <p:cNvPr id="18" name="Freeform: Shape 23">
             <a:extLst>
               <a:ext uri="{FF2B5EF4-FFF2-40B4-BE49-F238E27FC236}">
-                <a16:creationId xmlns:a16="http://schemas.microsoft.com/office/drawing/2014/main" id="{A587DEFD-D470-4142-8E0D-A71DDB147C92}"/>
+                <a16:creationId xmlns:a16="http://schemas.microsoft.com/office/drawing/2014/main" xmlns="" id="{A587DEFD-D470-4142-8E0D-A71DDB147C92}"/>
               </a:ext>
             </a:extLst>
           </p:cNvPr>
@@ -28034,7 +28101,7 @@
           <p:cNvPr id="19" name="Slide Number Placeholder 4">
             <a:extLst>
               <a:ext uri="{FF2B5EF4-FFF2-40B4-BE49-F238E27FC236}">
-                <a16:creationId xmlns:a16="http://schemas.microsoft.com/office/drawing/2014/main" id="{7D9BF857-7910-734D-A217-5E3344220AA2}"/>
+                <a16:creationId xmlns:a16="http://schemas.microsoft.com/office/drawing/2014/main" xmlns="" id="{7D9BF857-7910-734D-A217-5E3344220AA2}"/>
               </a:ext>
             </a:extLst>
           </p:cNvPr>
@@ -28153,7 +28220,7 @@
             <a:fld id="{C263D6C4-4840-40CC-AC84-17E24B3B7BDE}" type="slidenum">
               <a:rPr lang="en-US" noProof="0" smtClean="0"/>
               <a:pPr/>
-              <a:t>‹#›</a:t>
+              <a:t>‹Nr.›</a:t>
             </a:fld>
             <a:endParaRPr lang="en-US" noProof="0" dirty="0"/>
           </a:p>
@@ -28485,7 +28552,7 @@
   </p:txStyles>
   <p:extLst>
     <p:ext uri="{27BBF7A9-308A-43DC-89C8-2F10F3537804}">
-      <p15:sldGuideLst xmlns:p15="http://schemas.microsoft.com/office/powerpoint/2012/main">
+      <p15:sldGuideLst xmlns:p15="http://schemas.microsoft.com/office/powerpoint/2012/main" xmlns="">
         <p15:guide id="1" orient="horz" pos="2160" userDrawn="1">
           <p15:clr>
             <a:srgbClr val="F26B43"/>
@@ -28544,7 +28611,7 @@
           <p:cNvPr id="2" name="Title 1">
             <a:extLst>
               <a:ext uri="{FF2B5EF4-FFF2-40B4-BE49-F238E27FC236}">
-                <a16:creationId xmlns:a16="http://schemas.microsoft.com/office/drawing/2014/main" id="{3A4F25FA-D2E4-49EB-8598-D6FA34346532}"/>
+                <a16:creationId xmlns:a16="http://schemas.microsoft.com/office/drawing/2014/main" xmlns="" id="{3A4F25FA-D2E4-49EB-8598-D6FA34346532}"/>
               </a:ext>
             </a:extLst>
           </p:cNvPr>
@@ -28577,7 +28644,7 @@
           <p:cNvPr id="3" name="Subtitle 2">
             <a:extLst>
               <a:ext uri="{FF2B5EF4-FFF2-40B4-BE49-F238E27FC236}">
-                <a16:creationId xmlns:a16="http://schemas.microsoft.com/office/drawing/2014/main" id="{78B4723A-6D68-4570-9EB2-A55B047BEBC3}"/>
+                <a16:creationId xmlns:a16="http://schemas.microsoft.com/office/drawing/2014/main" xmlns="" id="{78B4723A-6D68-4570-9EB2-A55B047BEBC3}"/>
               </a:ext>
             </a:extLst>
           </p:cNvPr>
@@ -28640,20 +28707,19 @@
   <p:clrMapOvr>
     <a:masterClrMapping/>
   </p:clrMapOvr>
+  <p:timing>
+    <p:tnLst>
+      <p:par>
+        <p:cTn id="1" dur="indefinite" restart="never" nodeType="tmRoot"/>
+      </p:par>
+    </p:tnLst>
+  </p:timing>
 </p:sld>
 </file>
 
 <file path=ppt/slides/slide10.xml><?xml version="1.0" encoding="utf-8"?>
-<p:sld xmlns:a="http://schemas.openxmlformats.org/drawingml/2006/main" xmlns:r="http://schemas.openxmlformats.org/officeDocument/2006/relationships" xmlns:p="http://schemas.openxmlformats.org/presentationml/2006/main" showMasterSp="0">
+<p:sld xmlns:a="http://schemas.openxmlformats.org/drawingml/2006/main" xmlns:r="http://schemas.openxmlformats.org/officeDocument/2006/relationships" xmlns:p="http://schemas.openxmlformats.org/presentationml/2006/main">
   <p:cSld>
-    <p:bg>
-      <p:bgPr>
-        <a:solidFill>
-          <a:srgbClr val="BCBCBE"/>
-        </a:solidFill>
-        <a:effectLst/>
-      </p:bgPr>
-    </p:bg>
     <p:spTree>
       <p:nvGrpSpPr>
         <p:cNvPr id="1" name=""/>
@@ -28673,7 +28739,7 @@
           <p:cNvPr id="11" name="Title 10">
             <a:extLst>
               <a:ext uri="{FF2B5EF4-FFF2-40B4-BE49-F238E27FC236}">
-                <a16:creationId xmlns:a16="http://schemas.microsoft.com/office/drawing/2014/main" id="{271FC43D-322B-4DFD-B2E2-7F92F1F8F2B6}"/>
+                <a16:creationId xmlns:a16="http://schemas.microsoft.com/office/drawing/2014/main" xmlns="" id="{271FC43D-322B-4DFD-B2E2-7F92F1F8F2B6}"/>
               </a:ext>
             </a:extLst>
           </p:cNvPr>
@@ -28684,11 +28750,28 @@
             <p:ph type="title"/>
           </p:nvPr>
         </p:nvSpPr>
-        <p:spPr/>
+        <p:spPr>
+          <a:xfrm>
+            <a:off x="224444" y="191193"/>
+            <a:ext cx="5436523" cy="978729"/>
+          </a:xfrm>
+        </p:spPr>
         <p:txBody>
           <a:bodyPr/>
           <a:lstStyle/>
           <a:p>
+            <a:r>
+              <a:rPr lang="en-US" dirty="0" smtClean="0"/>
+              <a:t>Is my </a:t>
+            </a:r>
+            <a:r>
+              <a:rPr lang="en-US" dirty="0" err="1" smtClean="0"/>
+              <a:t>neighbourhood</a:t>
+            </a:r>
+            <a:r>
+              <a:rPr lang="en-US" dirty="0" smtClean="0"/>
+              <a:t> overprices?</a:t>
+            </a:r>
             <a:endParaRPr lang="en-US" dirty="0"/>
           </a:p>
         </p:txBody>
@@ -28698,7 +28781,7 @@
           <p:cNvPr id="9" name="Slide Number Placeholder 2">
             <a:extLst>
               <a:ext uri="{FF2B5EF4-FFF2-40B4-BE49-F238E27FC236}">
-                <a16:creationId xmlns:a16="http://schemas.microsoft.com/office/drawing/2014/main" id="{9DB6983D-80ED-79A1-46EB-CE9C807B8DA3}"/>
+                <a16:creationId xmlns:a16="http://schemas.microsoft.com/office/drawing/2014/main" xmlns="" id="{9DB6983D-80ED-79A1-46EB-CE9C807B8DA3}"/>
               </a:ext>
             </a:extLst>
           </p:cNvPr>
@@ -28732,21 +28815,228 @@
           </a:p>
         </p:txBody>
       </p:sp>
-      <p:pic>
-        <p:nvPicPr>
-          <p:cNvPr id="5128" name="Picture 8">
-            <a:extLst>
-              <a:ext uri="{FF2B5EF4-FFF2-40B4-BE49-F238E27FC236}">
-                <a16:creationId xmlns:a16="http://schemas.microsoft.com/office/drawing/2014/main" id="{A2ADFC31-910F-4A96-8CC1-F1C832AAE34A}"/>
-              </a:ext>
-            </a:extLst>
-          </p:cNvPr>
-          <p:cNvPicPr>
-            <a:picLocks noGrp="1" noChangeAspect="1" noChangeArrowheads="1"/>
-          </p:cNvPicPr>
+      <p:sp>
+        <p:nvSpPr>
+          <p:cNvPr id="2" name="Inhaltsplatzhalter 1"/>
+          <p:cNvSpPr>
+            <a:spLocks noGrp="1"/>
+          </p:cNvSpPr>
+          <p:nvPr>
+            <p:ph sz="half" idx="2"/>
+          </p:nvPr>
+        </p:nvSpPr>
+        <p:spPr>
+          <a:xfrm>
+            <a:off x="6242859" y="4347555"/>
+            <a:ext cx="5415742" cy="1829407"/>
+          </a:xfrm>
+        </p:spPr>
+        <p:txBody>
+          <a:bodyPr/>
+          <a:lstStyle/>
+          <a:p>
+            <a:pPr marL="0" indent="0">
+              <a:buNone/>
+            </a:pPr>
+            <a:r>
+              <a:rPr lang="de-DE" dirty="0" err="1" smtClean="0"/>
+              <a:t>Interesting</a:t>
+            </a:r>
+            <a:r>
+              <a:rPr lang="de-DE" dirty="0" smtClean="0"/>
+              <a:t> </a:t>
+            </a:r>
+            <a:r>
+              <a:rPr lang="de-DE" dirty="0" err="1" smtClean="0"/>
+              <a:t>for</a:t>
+            </a:r>
+            <a:r>
+              <a:rPr lang="de-DE" dirty="0" smtClean="0"/>
+              <a:t>:</a:t>
+            </a:r>
+          </a:p>
+          <a:p>
+            <a:pPr lvl="1"/>
+            <a:r>
+              <a:rPr lang="de-DE" dirty="0" smtClean="0"/>
+              <a:t>Real </a:t>
+            </a:r>
+            <a:r>
+              <a:rPr lang="de-DE" dirty="0" err="1" smtClean="0"/>
+              <a:t>estate</a:t>
+            </a:r>
+            <a:r>
+              <a:rPr lang="de-DE" dirty="0" smtClean="0"/>
+              <a:t> </a:t>
+            </a:r>
+            <a:r>
+              <a:rPr lang="de-DE" dirty="0" err="1" smtClean="0"/>
+              <a:t>companies</a:t>
+            </a:r>
+            <a:endParaRPr lang="de-DE" dirty="0" smtClean="0"/>
+          </a:p>
+          <a:p>
+            <a:pPr lvl="1"/>
+            <a:r>
+              <a:rPr lang="de-DE" dirty="0" smtClean="0"/>
+              <a:t>Investors (private </a:t>
+            </a:r>
+            <a:r>
+              <a:rPr lang="de-DE" dirty="0" err="1" smtClean="0"/>
+              <a:t>and</a:t>
+            </a:r>
+            <a:r>
+              <a:rPr lang="de-DE" dirty="0" smtClean="0"/>
+              <a:t> </a:t>
+            </a:r>
+            <a:r>
+              <a:rPr lang="de-DE" dirty="0" err="1" smtClean="0"/>
+              <a:t>commerical</a:t>
+            </a:r>
+            <a:r>
+              <a:rPr lang="de-DE" dirty="0" smtClean="0"/>
+              <a:t>)</a:t>
+            </a:r>
+            <a:endParaRPr lang="de-DE" dirty="0"/>
+          </a:p>
+          <a:p>
+            <a:pPr lvl="1"/>
+            <a:r>
+              <a:rPr lang="de-DE" dirty="0" smtClean="0"/>
+              <a:t>City </a:t>
+            </a:r>
+            <a:r>
+              <a:rPr lang="de-DE" dirty="0" err="1" smtClean="0"/>
+              <a:t>planers</a:t>
+            </a:r>
+            <a:endParaRPr lang="de-DE" dirty="0" smtClean="0"/>
+          </a:p>
+        </p:txBody>
+      </p:sp>
+      <p:sp>
+        <p:nvSpPr>
+          <p:cNvPr id="3" name="Inhaltsplatzhalter 2"/>
+          <p:cNvSpPr>
+            <a:spLocks noGrp="1"/>
+          </p:cNvSpPr>
           <p:nvPr>
             <p:ph sz="half" idx="1"/>
           </p:nvPr>
+        </p:nvSpPr>
+        <p:spPr/>
+        <p:txBody>
+          <a:bodyPr/>
+          <a:lstStyle/>
+          <a:p>
+            <a:r>
+              <a:rPr lang="de-DE" dirty="0" err="1" smtClean="0"/>
+              <a:t>Zipcode</a:t>
+            </a:r>
+            <a:r>
+              <a:rPr lang="de-DE" dirty="0" smtClean="0"/>
+              <a:t> </a:t>
+            </a:r>
+            <a:r>
+              <a:rPr lang="de-DE" dirty="0" err="1" smtClean="0"/>
+              <a:t>most</a:t>
+            </a:r>
+            <a:r>
+              <a:rPr lang="de-DE" dirty="0" smtClean="0"/>
+              <a:t> </a:t>
+            </a:r>
+            <a:r>
+              <a:rPr lang="de-DE" dirty="0" err="1" smtClean="0"/>
+              <a:t>important</a:t>
+            </a:r>
+            <a:r>
+              <a:rPr lang="de-DE" dirty="0" smtClean="0"/>
+              <a:t> </a:t>
+            </a:r>
+            <a:r>
+              <a:rPr lang="de-DE" dirty="0" err="1" smtClean="0"/>
+              <a:t>predictor</a:t>
+            </a:r>
+            <a:endParaRPr lang="de-DE" dirty="0"/>
+          </a:p>
+          <a:p>
+            <a:r>
+              <a:rPr lang="de-DE" dirty="0" err="1" smtClean="0"/>
+              <a:t>Zoning</a:t>
+            </a:r>
+            <a:r>
+              <a:rPr lang="de-DE" dirty="0" smtClean="0"/>
+              <a:t> </a:t>
+            </a:r>
+            <a:r>
+              <a:rPr lang="de-DE" dirty="0" err="1" smtClean="0"/>
+              <a:t>of</a:t>
+            </a:r>
+            <a:r>
+              <a:rPr lang="de-DE" dirty="0" smtClean="0"/>
+              <a:t> </a:t>
+            </a:r>
+            <a:r>
+              <a:rPr lang="de-DE" dirty="0" err="1" smtClean="0"/>
+              <a:t>zipcodes</a:t>
+            </a:r>
+            <a:endParaRPr lang="de-DE" dirty="0"/>
+          </a:p>
+          <a:p>
+            <a:r>
+              <a:rPr lang="de-DE" dirty="0" err="1" smtClean="0"/>
+              <a:t>Define</a:t>
+            </a:r>
+            <a:r>
+              <a:rPr lang="de-DE" dirty="0" smtClean="0"/>
+              <a:t> </a:t>
+            </a:r>
+            <a:r>
+              <a:rPr lang="de-DE" dirty="0" err="1" smtClean="0"/>
+              <a:t>market</a:t>
+            </a:r>
+            <a:r>
+              <a:rPr lang="de-DE" dirty="0" smtClean="0"/>
+              <a:t> </a:t>
+            </a:r>
+            <a:r>
+              <a:rPr lang="de-DE" dirty="0" err="1" smtClean="0"/>
+              <a:t>value</a:t>
+            </a:r>
+            <a:r>
+              <a:rPr lang="de-DE" dirty="0"/>
+              <a:t> </a:t>
+            </a:r>
+            <a:r>
+              <a:rPr lang="de-DE" dirty="0" err="1" smtClean="0"/>
+              <a:t>of</a:t>
+            </a:r>
+            <a:r>
+              <a:rPr lang="de-DE" dirty="0" smtClean="0"/>
+              <a:t> </a:t>
+            </a:r>
+            <a:r>
+              <a:rPr lang="de-DE" dirty="0" err="1" smtClean="0"/>
+              <a:t>your</a:t>
+            </a:r>
+            <a:r>
+              <a:rPr lang="de-DE" dirty="0" smtClean="0"/>
+              <a:t> </a:t>
+            </a:r>
+            <a:r>
+              <a:rPr lang="de-DE" dirty="0" err="1" smtClean="0"/>
+              <a:t>house</a:t>
+            </a:r>
+            <a:endParaRPr lang="de-DE" dirty="0"/>
+          </a:p>
+        </p:txBody>
+      </p:sp>
+      <p:pic>
+        <p:nvPicPr>
+          <p:cNvPr id="2050" name="Picture 2" descr="C:\Users\Lenovo\Documents\GitHub\Houseprices\Data\plot_zipcodes_imp.png"/>
+          <p:cNvPicPr>
+            <a:picLocks noChangeAspect="1" noChangeArrowheads="1"/>
+          </p:cNvPicPr>
+          <p:nvPr/>
         </p:nvPicPr>
         <p:blipFill>
           <a:blip r:embed="rId2">
@@ -28763,8 +29053,8 @@
         </p:blipFill>
         <p:spPr bwMode="auto">
           <a:xfrm>
-            <a:off x="-228861" y="1357313"/>
-            <a:ext cx="5420971" cy="5322886"/>
+            <a:off x="-574531" y="2780983"/>
+            <a:ext cx="7108335" cy="4374360"/>
           </a:xfrm>
           <a:prstGeom prst="rect">
             <a:avLst/>
@@ -28783,19 +29073,11 @@
       </p:pic>
       <p:pic>
         <p:nvPicPr>
-          <p:cNvPr id="5130" name="Picture 10">
-            <a:extLst>
-              <a:ext uri="{FF2B5EF4-FFF2-40B4-BE49-F238E27FC236}">
-                <a16:creationId xmlns:a16="http://schemas.microsoft.com/office/drawing/2014/main" id="{820865F5-A512-4823-A693-57A0F85FC651}"/>
-              </a:ext>
-            </a:extLst>
-          </p:cNvPr>
+          <p:cNvPr id="2051" name="Picture 3" descr="C:\Users\Lenovo\Documents\GitHub\Houseprices\Data\Average prices per zipcod ranked.png"/>
           <p:cNvPicPr>
-            <a:picLocks noGrp="1" noChangeAspect="1" noChangeArrowheads="1"/>
+            <a:picLocks noChangeAspect="1" noChangeArrowheads="1"/>
           </p:cNvPicPr>
-          <p:nvPr>
-            <p:ph sz="half" idx="2"/>
-          </p:nvPr>
+          <p:nvPr/>
         </p:nvPicPr>
         <p:blipFill>
           <a:blip r:embed="rId3">
@@ -28812,8 +29094,8 @@
         </p:blipFill>
         <p:spPr bwMode="auto">
           <a:xfrm>
-            <a:off x="5819824" y="1177159"/>
-            <a:ext cx="5735277" cy="5801710"/>
+            <a:off x="4944311" y="-199506"/>
+            <a:ext cx="7792954" cy="4795665"/>
           </a:xfrm>
           <a:prstGeom prst="rect">
             <a:avLst/>
@@ -28833,13 +29115,20 @@
     </p:spTree>
     <p:extLst>
       <p:ext uri="{BB962C8B-B14F-4D97-AF65-F5344CB8AC3E}">
-        <p14:creationId xmlns:p14="http://schemas.microsoft.com/office/powerpoint/2010/main" val="1146074555"/>
+        <p14:creationId xmlns:p14="http://schemas.microsoft.com/office/powerpoint/2010/main" val="4050783235"/>
       </p:ext>
     </p:extLst>
   </p:cSld>
   <p:clrMapOvr>
     <a:masterClrMapping/>
   </p:clrMapOvr>
+  <p:timing>
+    <p:tnLst>
+      <p:par>
+        <p:cTn id="1" dur="indefinite" restart="never" nodeType="tmRoot"/>
+      </p:par>
+    </p:tnLst>
+  </p:timing>
 </p:sld>
 </file>
 
@@ -28862,123 +29151,10 @@
       </p:grpSpPr>
       <p:sp>
         <p:nvSpPr>
-          <p:cNvPr id="4" name="Title 3">
-            <a:extLst>
-              <a:ext uri="{FF2B5EF4-FFF2-40B4-BE49-F238E27FC236}">
-                <a16:creationId xmlns:a16="http://schemas.microsoft.com/office/drawing/2014/main" id="{32F4A376-CF77-4EAD-87D8-6625F909B98D}"/>
-              </a:ext>
-            </a:extLst>
-          </p:cNvPr>
-          <p:cNvSpPr>
-            <a:spLocks noGrp="1"/>
-          </p:cNvSpPr>
-          <p:nvPr>
-            <p:ph type="title"/>
-          </p:nvPr>
-        </p:nvSpPr>
-        <p:spPr/>
-        <p:txBody>
-          <a:bodyPr/>
-          <a:lstStyle/>
-          <a:p>
-            <a:r>
-              <a:rPr lang="en-US" dirty="0"/>
-              <a:t>Insight/Findings</a:t>
-            </a:r>
-          </a:p>
-        </p:txBody>
-      </p:sp>
-      <p:sp>
-        <p:nvSpPr>
-          <p:cNvPr id="2" name="Slide Number Placeholder 1">
-            <a:extLst>
-              <a:ext uri="{FF2B5EF4-FFF2-40B4-BE49-F238E27FC236}">
-                <a16:creationId xmlns:a16="http://schemas.microsoft.com/office/drawing/2014/main" id="{CD1CB82B-183F-41BB-A278-D1A7EBAC359F}"/>
-              </a:ext>
-            </a:extLst>
-          </p:cNvPr>
-          <p:cNvSpPr>
-            <a:spLocks noGrp="1"/>
-          </p:cNvSpPr>
-          <p:nvPr>
-            <p:ph type="sldNum" sz="quarter" idx="12"/>
-          </p:nvPr>
-        </p:nvSpPr>
-        <p:spPr/>
-        <p:txBody>
-          <a:bodyPr/>
-          <a:lstStyle/>
-          <a:p>
-            <a:fld id="{C263D6C4-4840-40CC-AC84-17E24B3B7BDE}" type="slidenum">
-              <a:rPr lang="en-US" noProof="0" smtClean="0"/>
-              <a:pPr/>
-              <a:t>11</a:t>
-            </a:fld>
-            <a:endParaRPr lang="en-US" noProof="0" dirty="0"/>
-          </a:p>
-        </p:txBody>
-      </p:sp>
-      <p:sp>
-        <p:nvSpPr>
-          <p:cNvPr id="5" name="Content Placeholder 4">
-            <a:extLst>
-              <a:ext uri="{FF2B5EF4-FFF2-40B4-BE49-F238E27FC236}">
-                <a16:creationId xmlns:a16="http://schemas.microsoft.com/office/drawing/2014/main" id="{CB523901-C8D3-42A2-BE86-DFE1401F2C29}"/>
-              </a:ext>
-            </a:extLst>
-          </p:cNvPr>
-          <p:cNvSpPr>
-            <a:spLocks noGrp="1"/>
-          </p:cNvSpPr>
-          <p:nvPr>
-            <p:ph idx="1"/>
-          </p:nvPr>
-        </p:nvSpPr>
-        <p:spPr/>
-        <p:txBody>
-          <a:bodyPr/>
-          <a:lstStyle/>
-          <a:p>
-            <a:endParaRPr lang="en-US" dirty="0"/>
-          </a:p>
-        </p:txBody>
-      </p:sp>
-    </p:spTree>
-    <p:extLst>
-      <p:ext uri="{BB962C8B-B14F-4D97-AF65-F5344CB8AC3E}">
-        <p14:creationId xmlns:p14="http://schemas.microsoft.com/office/powerpoint/2010/main" val="2582810305"/>
-      </p:ext>
-    </p:extLst>
-  </p:cSld>
-  <p:clrMapOvr>
-    <a:masterClrMapping/>
-  </p:clrMapOvr>
-</p:sld>
-</file>
-
-<file path=ppt/slides/slide12.xml><?xml version="1.0" encoding="utf-8"?>
-<p:sld xmlns:a="http://schemas.openxmlformats.org/drawingml/2006/main" xmlns:r="http://schemas.openxmlformats.org/officeDocument/2006/relationships" xmlns:p="http://schemas.openxmlformats.org/presentationml/2006/main">
-  <p:cSld>
-    <p:spTree>
-      <p:nvGrpSpPr>
-        <p:cNvPr id="1" name=""/>
-        <p:cNvGrpSpPr/>
-        <p:nvPr/>
-      </p:nvGrpSpPr>
-      <p:grpSpPr>
-        <a:xfrm>
-          <a:off x="0" y="0"/>
-          <a:ext cx="0" cy="0"/>
-          <a:chOff x="0" y="0"/>
-          <a:chExt cx="0" cy="0"/>
-        </a:xfrm>
-      </p:grpSpPr>
-      <p:sp>
-        <p:nvSpPr>
           <p:cNvPr id="7" name="Title 1">
             <a:extLst>
               <a:ext uri="{FF2B5EF4-FFF2-40B4-BE49-F238E27FC236}">
-                <a16:creationId xmlns:a16="http://schemas.microsoft.com/office/drawing/2014/main" id="{FEA316DB-23D4-7143-BDEF-E3AF303EF39A}"/>
+                <a16:creationId xmlns:a16="http://schemas.microsoft.com/office/drawing/2014/main" xmlns="" id="{FEA316DB-23D4-7143-BDEF-E3AF303EF39A}"/>
               </a:ext>
             </a:extLst>
           </p:cNvPr>
@@ -28991,7 +29167,7 @@
         </p:nvSpPr>
         <p:spPr>
           <a:xfrm>
-            <a:off x="444500" y="542925"/>
+            <a:off x="452664" y="3971925"/>
             <a:ext cx="11214100" cy="978729"/>
           </a:xfrm>
         </p:spPr>
@@ -29000,8 +29176,12 @@
           <a:lstStyle/>
           <a:p>
             <a:r>
+              <a:rPr lang="en-US" dirty="0" smtClean="0"/>
+              <a:t>Outlook: </a:t>
+            </a:r>
+            <a:r>
               <a:rPr lang="en-US" dirty="0"/>
-              <a:t>Conclusion</a:t>
+              <a:t/>
             </a:r>
             <a:br>
               <a:rPr lang="en-US" dirty="0"/>
@@ -29015,7 +29195,7 @@
           <p:cNvPr id="2" name="Slide Number Placeholder 1">
             <a:extLst>
               <a:ext uri="{FF2B5EF4-FFF2-40B4-BE49-F238E27FC236}">
-                <a16:creationId xmlns:a16="http://schemas.microsoft.com/office/drawing/2014/main" id="{8B065C75-272B-4BB5-BA23-D80E8654D621}"/>
+                <a16:creationId xmlns:a16="http://schemas.microsoft.com/office/drawing/2014/main" xmlns="" id="{8B065C75-272B-4BB5-BA23-D80E8654D621}"/>
               </a:ext>
             </a:extLst>
           </p:cNvPr>
@@ -29050,7 +29230,7 @@
                   <a:spcPts val="600"/>
                 </a:spcAft>
               </a:pPr>
-              <a:t>12</a:t>
+              <a:t>11</a:t>
             </a:fld>
             <a:endParaRPr lang="en-US"/>
           </a:p>
@@ -29061,7 +29241,7 @@
           <p:cNvPr id="5" name="Text Placeholder 4">
             <a:extLst>
               <a:ext uri="{FF2B5EF4-FFF2-40B4-BE49-F238E27FC236}">
-                <a16:creationId xmlns:a16="http://schemas.microsoft.com/office/drawing/2014/main" id="{DCDDBE65-9AB1-4989-AF86-726591A6A128}"/>
+                <a16:creationId xmlns:a16="http://schemas.microsoft.com/office/drawing/2014/main" xmlns="" id="{DCDDBE65-9AB1-4989-AF86-726591A6A128}"/>
               </a:ext>
             </a:extLst>
           </p:cNvPr>
@@ -29074,48 +29254,33 @@
         </p:nvSpPr>
         <p:spPr>
           <a:xfrm>
-            <a:off x="443365" y="1825625"/>
-            <a:ext cx="11215235" cy="4351338"/>
+            <a:off x="831850" y="4629526"/>
+            <a:ext cx="10744200" cy="1085475"/>
           </a:xfrm>
         </p:spPr>
         <p:txBody>
           <a:bodyPr>
-            <a:normAutofit/>
+            <a:normAutofit fontScale="77500" lnSpcReduction="20000"/>
           </a:bodyPr>
           <a:lstStyle/>
           <a:p>
-            <a:pPr marL="285750" indent="-285750">
-              <a:buFont typeface="Arial" panose="020B0604020202020204" pitchFamily="34" charset="0"/>
-              <a:buChar char="•"/>
-            </a:pPr>
             <a:r>
-              <a:rPr lang="en-US" dirty="0"/>
-              <a:t>Features which include waterfront, living room sq/ft, and geographical location(zip-code) of the houses affect Price</a:t>
+              <a:rPr lang="en-US" dirty="0" smtClean="0"/>
+              <a:t>Apply Polynomial regression</a:t>
             </a:r>
           </a:p>
           <a:p>
-            <a:pPr marL="285750" indent="-285750">
-              <a:buFont typeface="Arial" panose="020B0604020202020204" pitchFamily="34" charset="0"/>
-              <a:buChar char="•"/>
-            </a:pPr>
+            <a:r>
+              <a:rPr lang="en-US" dirty="0" smtClean="0"/>
+              <a:t>Apply model on dataset of different cities and areas</a:t>
+            </a:r>
             <a:endParaRPr lang="en-US" dirty="0"/>
           </a:p>
           <a:p>
-            <a:endParaRPr lang="en-US" dirty="0"/>
-          </a:p>
-          <a:p>
-            <a:pPr marL="285750" indent="-285750">
-              <a:buFont typeface="Arial" panose="020B0604020202020204" pitchFamily="34" charset="0"/>
-              <a:buChar char="•"/>
-            </a:pPr>
-            <a:endParaRPr lang="en-US" dirty="0"/>
-          </a:p>
-          <a:p>
-            <a:pPr marL="285750" indent="-285750">
-              <a:buFont typeface="Arial" panose="020B0604020202020204" pitchFamily="34" charset="0"/>
-              <a:buChar char="•"/>
-            </a:pPr>
-            <a:endParaRPr lang="en-US" dirty="0"/>
+            <a:r>
+              <a:rPr lang="en-US" dirty="0" smtClean="0"/>
+              <a:t>Exclude location effect</a:t>
+            </a:r>
           </a:p>
           <a:p>
             <a:pPr marL="285750" indent="-285750">
@@ -29140,10 +29305,366 @@
           </a:p>
         </p:txBody>
       </p:sp>
+      <p:sp>
+        <p:nvSpPr>
+          <p:cNvPr id="6" name="Title 1">
+            <a:extLst>
+              <a:ext uri="{FF2B5EF4-FFF2-40B4-BE49-F238E27FC236}">
+                <a16:creationId xmlns:a16="http://schemas.microsoft.com/office/drawing/2014/main" xmlns="" id="{FEA316DB-23D4-7143-BDEF-E3AF303EF39A}"/>
+              </a:ext>
+            </a:extLst>
+          </p:cNvPr>
+          <p:cNvSpPr txBox="1">
+            <a:spLocks/>
+          </p:cNvSpPr>
+          <p:nvPr/>
+        </p:nvSpPr>
+        <p:spPr>
+          <a:xfrm>
+            <a:off x="596900" y="695325"/>
+            <a:ext cx="11214100" cy="978729"/>
+          </a:xfrm>
+          <a:prstGeom prst="rect">
+            <a:avLst/>
+          </a:prstGeom>
+        </p:spPr>
+        <p:txBody>
+          <a:bodyPr vert="horz" wrap="square" lIns="91440" tIns="45720" rIns="91440" bIns="45720" rtlCol="0" anchor="t">
+            <a:spAutoFit/>
+          </a:bodyPr>
+          <a:lstStyle>
+            <a:lvl1pPr algn="l" defTabSz="914400" rtl="0" eaLnBrk="1" latinLnBrk="0" hangingPunct="1">
+              <a:lnSpc>
+                <a:spcPct val="90000"/>
+              </a:lnSpc>
+              <a:spcBef>
+                <a:spcPct val="0"/>
+              </a:spcBef>
+              <a:buNone/>
+              <a:defRPr lang="en-GB" sz="3200" b="1" kern="1200" spc="-70" baseline="0" dirty="0">
+                <a:solidFill>
+                  <a:schemeClr val="bg1"/>
+                </a:solidFill>
+                <a:latin typeface="+mj-lt"/>
+                <a:ea typeface="+mj-ea"/>
+                <a:cs typeface="+mj-cs"/>
+              </a:defRPr>
+            </a:lvl1pPr>
+          </a:lstStyle>
+          <a:p>
+            <a:r>
+              <a:rPr lang="en-US" dirty="0" smtClean="0"/>
+              <a:t>Conclusion</a:t>
+            </a:r>
+            <a:br>
+              <a:rPr lang="en-US" dirty="0" smtClean="0"/>
+            </a:br>
+            <a:endParaRPr lang="en-US" dirty="0"/>
+          </a:p>
+        </p:txBody>
+      </p:sp>
+      <p:sp>
+        <p:nvSpPr>
+          <p:cNvPr id="8" name="Text Placeholder 4">
+            <a:extLst>
+              <a:ext uri="{FF2B5EF4-FFF2-40B4-BE49-F238E27FC236}">
+                <a16:creationId xmlns:a16="http://schemas.microsoft.com/office/drawing/2014/main" xmlns="" id="{DCDDBE65-9AB1-4989-AF86-726591A6A128}"/>
+              </a:ext>
+            </a:extLst>
+          </p:cNvPr>
+          <p:cNvSpPr txBox="1">
+            <a:spLocks/>
+          </p:cNvSpPr>
+          <p:nvPr/>
+        </p:nvSpPr>
+        <p:spPr>
+          <a:xfrm>
+            <a:off x="596900" y="1551214"/>
+            <a:ext cx="11214100" cy="1360715"/>
+          </a:xfrm>
+          <a:prstGeom prst="rect">
+            <a:avLst/>
+          </a:prstGeom>
+        </p:spPr>
+        <p:txBody>
+          <a:bodyPr vert="horz" lIns="91440" tIns="45720" rIns="91440" bIns="45720" rtlCol="0">
+            <a:normAutofit/>
+          </a:bodyPr>
+          <a:lstStyle>
+            <a:lvl1pPr marL="228600" indent="-228600" algn="l" defTabSz="914400" rtl="0" eaLnBrk="1" latinLnBrk="0" hangingPunct="1">
+              <a:lnSpc>
+                <a:spcPct val="90000"/>
+              </a:lnSpc>
+              <a:spcBef>
+                <a:spcPts val="1000"/>
+              </a:spcBef>
+              <a:buClr>
+                <a:schemeClr val="accent2"/>
+              </a:buClr>
+              <a:buFont typeface="Arial" panose="020B0604020202020204" pitchFamily="34" charset="0"/>
+              <a:buChar char="•"/>
+              <a:defRPr sz="2800" kern="1200">
+                <a:solidFill>
+                  <a:schemeClr val="bg1"/>
+                </a:solidFill>
+                <a:latin typeface="+mn-lt"/>
+                <a:ea typeface="+mn-ea"/>
+                <a:cs typeface="+mn-cs"/>
+              </a:defRPr>
+            </a:lvl1pPr>
+            <a:lvl2pPr marL="685800" indent="-228600" algn="l" defTabSz="914400" rtl="0" eaLnBrk="1" latinLnBrk="0" hangingPunct="1">
+              <a:lnSpc>
+                <a:spcPct val="90000"/>
+              </a:lnSpc>
+              <a:spcBef>
+                <a:spcPts val="500"/>
+              </a:spcBef>
+              <a:buClr>
+                <a:schemeClr val="accent2"/>
+              </a:buClr>
+              <a:buFont typeface="Arial" panose="020B0604020202020204" pitchFamily="34" charset="0"/>
+              <a:buChar char="•"/>
+              <a:defRPr sz="2400" kern="1200">
+                <a:solidFill>
+                  <a:schemeClr val="bg1"/>
+                </a:solidFill>
+                <a:latin typeface="+mn-lt"/>
+                <a:ea typeface="+mn-ea"/>
+                <a:cs typeface="+mn-cs"/>
+              </a:defRPr>
+            </a:lvl2pPr>
+            <a:lvl3pPr marL="1143000" indent="-228600" algn="l" defTabSz="914400" rtl="0" eaLnBrk="1" latinLnBrk="0" hangingPunct="1">
+              <a:lnSpc>
+                <a:spcPct val="90000"/>
+              </a:lnSpc>
+              <a:spcBef>
+                <a:spcPts val="500"/>
+              </a:spcBef>
+              <a:buClr>
+                <a:schemeClr val="accent2"/>
+              </a:buClr>
+              <a:buFont typeface="Arial" panose="020B0604020202020204" pitchFamily="34" charset="0"/>
+              <a:buChar char="•"/>
+              <a:defRPr sz="2000" kern="1200">
+                <a:solidFill>
+                  <a:schemeClr val="bg1"/>
+                </a:solidFill>
+                <a:latin typeface="+mn-lt"/>
+                <a:ea typeface="+mn-ea"/>
+                <a:cs typeface="+mn-cs"/>
+              </a:defRPr>
+            </a:lvl3pPr>
+            <a:lvl4pPr marL="1600200" indent="-228600" algn="l" defTabSz="914400" rtl="0" eaLnBrk="1" latinLnBrk="0" hangingPunct="1">
+              <a:lnSpc>
+                <a:spcPct val="90000"/>
+              </a:lnSpc>
+              <a:spcBef>
+                <a:spcPts val="500"/>
+              </a:spcBef>
+              <a:buClr>
+                <a:schemeClr val="accent2"/>
+              </a:buClr>
+              <a:buFont typeface="Arial" panose="020B0604020202020204" pitchFamily="34" charset="0"/>
+              <a:buChar char="•"/>
+              <a:defRPr sz="1800" kern="1200">
+                <a:solidFill>
+                  <a:schemeClr val="bg1"/>
+                </a:solidFill>
+                <a:latin typeface="+mn-lt"/>
+                <a:ea typeface="+mn-ea"/>
+                <a:cs typeface="+mn-cs"/>
+              </a:defRPr>
+            </a:lvl4pPr>
+            <a:lvl5pPr marL="2057400" indent="-228600" algn="l" defTabSz="914400" rtl="0" eaLnBrk="1" latinLnBrk="0" hangingPunct="1">
+              <a:lnSpc>
+                <a:spcPct val="90000"/>
+              </a:lnSpc>
+              <a:spcBef>
+                <a:spcPts val="500"/>
+              </a:spcBef>
+              <a:buClr>
+                <a:schemeClr val="accent2"/>
+              </a:buClr>
+              <a:buFont typeface="Arial" panose="020B0604020202020204" pitchFamily="34" charset="0"/>
+              <a:buChar char="•"/>
+              <a:defRPr sz="1800" kern="1200">
+                <a:solidFill>
+                  <a:schemeClr val="bg1"/>
+                </a:solidFill>
+                <a:latin typeface="+mn-lt"/>
+                <a:ea typeface="+mn-ea"/>
+                <a:cs typeface="+mn-cs"/>
+              </a:defRPr>
+            </a:lvl5pPr>
+            <a:lvl6pPr marL="2514600" indent="-228600" algn="l" defTabSz="914400" rtl="0" eaLnBrk="1" latinLnBrk="0" hangingPunct="1">
+              <a:lnSpc>
+                <a:spcPct val="90000"/>
+              </a:lnSpc>
+              <a:spcBef>
+                <a:spcPts val="500"/>
+              </a:spcBef>
+              <a:buFont typeface="Arial" panose="020B0604020202020204" pitchFamily="34" charset="0"/>
+              <a:buChar char="•"/>
+              <a:defRPr sz="1800" kern="1200">
+                <a:solidFill>
+                  <a:schemeClr val="tx1"/>
+                </a:solidFill>
+                <a:latin typeface="+mn-lt"/>
+                <a:ea typeface="+mn-ea"/>
+                <a:cs typeface="+mn-cs"/>
+              </a:defRPr>
+            </a:lvl6pPr>
+            <a:lvl7pPr marL="2971800" indent="-228600" algn="l" defTabSz="914400" rtl="0" eaLnBrk="1" latinLnBrk="0" hangingPunct="1">
+              <a:lnSpc>
+                <a:spcPct val="90000"/>
+              </a:lnSpc>
+              <a:spcBef>
+                <a:spcPts val="500"/>
+              </a:spcBef>
+              <a:buFont typeface="Arial" panose="020B0604020202020204" pitchFamily="34" charset="0"/>
+              <a:buChar char="•"/>
+              <a:defRPr sz="1800" kern="1200">
+                <a:solidFill>
+                  <a:schemeClr val="tx1"/>
+                </a:solidFill>
+                <a:latin typeface="+mn-lt"/>
+                <a:ea typeface="+mn-ea"/>
+                <a:cs typeface="+mn-cs"/>
+              </a:defRPr>
+            </a:lvl7pPr>
+            <a:lvl8pPr marL="3429000" indent="-228600" algn="l" defTabSz="914400" rtl="0" eaLnBrk="1" latinLnBrk="0" hangingPunct="1">
+              <a:lnSpc>
+                <a:spcPct val="90000"/>
+              </a:lnSpc>
+              <a:spcBef>
+                <a:spcPts val="500"/>
+              </a:spcBef>
+              <a:buFont typeface="Arial" panose="020B0604020202020204" pitchFamily="34" charset="0"/>
+              <a:buChar char="•"/>
+              <a:defRPr sz="1800" kern="1200">
+                <a:solidFill>
+                  <a:schemeClr val="tx1"/>
+                </a:solidFill>
+                <a:latin typeface="+mn-lt"/>
+                <a:ea typeface="+mn-ea"/>
+                <a:cs typeface="+mn-cs"/>
+              </a:defRPr>
+            </a:lvl8pPr>
+            <a:lvl9pPr marL="3886200" indent="-228600" algn="l" defTabSz="914400" rtl="0" eaLnBrk="1" latinLnBrk="0" hangingPunct="1">
+              <a:lnSpc>
+                <a:spcPct val="90000"/>
+              </a:lnSpc>
+              <a:spcBef>
+                <a:spcPts val="500"/>
+              </a:spcBef>
+              <a:buFont typeface="Arial" panose="020B0604020202020204" pitchFamily="34" charset="0"/>
+              <a:buChar char="•"/>
+              <a:defRPr sz="1800" kern="1200">
+                <a:solidFill>
+                  <a:schemeClr val="tx1"/>
+                </a:solidFill>
+                <a:latin typeface="+mn-lt"/>
+                <a:ea typeface="+mn-ea"/>
+                <a:cs typeface="+mn-cs"/>
+              </a:defRPr>
+            </a:lvl9pPr>
+          </a:lstStyle>
+          <a:p>
+            <a:pPr marL="285750" indent="-285750"/>
+            <a:r>
+              <a:rPr lang="en-US" dirty="0" smtClean="0"/>
+              <a:t>Location (</a:t>
+            </a:r>
+            <a:r>
+              <a:rPr lang="en-US" dirty="0" err="1" smtClean="0"/>
+              <a:t>zipcode</a:t>
+            </a:r>
+            <a:r>
+              <a:rPr lang="en-US" dirty="0" smtClean="0"/>
+              <a:t>, distance to center, view, waterfront) define price</a:t>
+            </a:r>
+          </a:p>
+          <a:p>
+            <a:pPr marL="285750" indent="-285750"/>
+            <a:r>
+              <a:rPr lang="en-US" dirty="0" smtClean="0"/>
+              <a:t>Attributes of size are significant but with a smaller influence</a:t>
+            </a:r>
+          </a:p>
+          <a:p>
+            <a:endParaRPr lang="en-US" dirty="0" smtClean="0"/>
+          </a:p>
+          <a:p>
+            <a:pPr marL="285750" indent="-285750"/>
+            <a:endParaRPr lang="en-US" dirty="0" smtClean="0"/>
+          </a:p>
+          <a:p>
+            <a:pPr marL="285750" indent="-285750"/>
+            <a:endParaRPr lang="en-US" dirty="0" smtClean="0"/>
+          </a:p>
+          <a:p>
+            <a:pPr marL="285750" indent="-285750"/>
+            <a:endParaRPr lang="en-US" dirty="0" smtClean="0"/>
+          </a:p>
+          <a:p>
+            <a:pPr marL="285750" indent="-285750"/>
+            <a:endParaRPr lang="en-US" dirty="0" smtClean="0"/>
+          </a:p>
+          <a:p>
+            <a:pPr marL="1200150" lvl="2" indent="-285750"/>
+            <a:endParaRPr lang="en-US" dirty="0" smtClean="0"/>
+          </a:p>
+          <a:p>
+            <a:pPr marL="285750" indent="-285750"/>
+            <a:endParaRPr lang="en-US" dirty="0"/>
+          </a:p>
+        </p:txBody>
+      </p:sp>
+      <p:pic>
+        <p:nvPicPr>
+          <p:cNvPr id="3074" name="Picture 2" descr="C:\Users\Lenovo\Documents\GitHub\Houseprices\Data\polynomial.png"/>
+          <p:cNvPicPr>
+            <a:picLocks noChangeAspect="1" noChangeArrowheads="1"/>
+          </p:cNvPicPr>
+          <p:nvPr/>
+        </p:nvPicPr>
+        <p:blipFill>
+          <a:blip r:embed="rId2">
+            <a:extLst>
+              <a:ext uri="{28A0092B-C50C-407E-A947-70E740481C1C}">
+                <a14:useLocalDpi xmlns:a14="http://schemas.microsoft.com/office/drawing/2010/main" val="0"/>
+              </a:ext>
+            </a:extLst>
+          </a:blip>
+          <a:srcRect/>
+          <a:stretch>
+            <a:fillRect/>
+          </a:stretch>
+        </p:blipFill>
+        <p:spPr bwMode="auto">
+          <a:xfrm>
+            <a:off x="8027212" y="3037114"/>
+            <a:ext cx="3160809" cy="2217284"/>
+          </a:xfrm>
+          <a:prstGeom prst="rect">
+            <a:avLst/>
+          </a:prstGeom>
+          <a:noFill/>
+          <a:extLst>
+            <a:ext uri="{909E8E84-426E-40DD-AFC4-6F175D3DCCD1}">
+              <a14:hiddenFill xmlns:a14="http://schemas.microsoft.com/office/drawing/2010/main">
+                <a:solidFill>
+                  <a:srgbClr val="FFFFFF"/>
+                </a:solidFill>
+              </a14:hiddenFill>
+            </a:ext>
+          </a:extLst>
+        </p:spPr>
+      </p:pic>
     </p:spTree>
     <p:extLst>
       <p:ext uri="{BB962C8B-B14F-4D97-AF65-F5344CB8AC3E}">
-        <p14:creationId xmlns:p14="http://schemas.microsoft.com/office/powerpoint/2010/main" val="709828751"/>
+        <p14:creationId xmlns:p14="http://schemas.microsoft.com/office/powerpoint/2010/main" val="2751591634"/>
       </p:ext>
     </p:extLst>
   </p:cSld>
@@ -29162,6 +29683,82 @@
       </p:transition>
     </mc:Fallback>
   </mc:AlternateContent>
+  <p:timing>
+    <p:tnLst>
+      <p:par>
+        <p:cTn id="1" dur="indefinite" restart="never" nodeType="tmRoot"/>
+      </p:par>
+    </p:tnLst>
+  </p:timing>
+</p:sld>
+</file>
+
+<file path=ppt/slides/slide12.xml><?xml version="1.0" encoding="utf-8"?>
+<p:sld xmlns:a="http://schemas.openxmlformats.org/drawingml/2006/main" xmlns:r="http://schemas.openxmlformats.org/officeDocument/2006/relationships" xmlns:p="http://schemas.openxmlformats.org/presentationml/2006/main">
+  <p:cSld>
+    <p:spTree>
+      <p:nvGrpSpPr>
+        <p:cNvPr id="1" name=""/>
+        <p:cNvGrpSpPr/>
+        <p:nvPr/>
+      </p:nvGrpSpPr>
+      <p:grpSpPr>
+        <a:xfrm>
+          <a:off x="0" y="0"/>
+          <a:ext cx="0" cy="0"/>
+          <a:chOff x="0" y="0"/>
+          <a:chExt cx="0" cy="0"/>
+        </a:xfrm>
+      </p:grpSpPr>
+      <p:sp>
+        <p:nvSpPr>
+          <p:cNvPr id="2" name="Title 1">
+            <a:extLst>
+              <a:ext uri="{FF2B5EF4-FFF2-40B4-BE49-F238E27FC236}">
+                <a16:creationId xmlns:a16="http://schemas.microsoft.com/office/drawing/2014/main" xmlns="" id="{632BE5BF-9922-45FB-8F3F-4446D40A051B}"/>
+              </a:ext>
+            </a:extLst>
+          </p:cNvPr>
+          <p:cNvSpPr>
+            <a:spLocks noGrp="1"/>
+          </p:cNvSpPr>
+          <p:nvPr>
+            <p:ph type="ctrTitle"/>
+          </p:nvPr>
+        </p:nvSpPr>
+        <p:spPr/>
+        <p:txBody>
+          <a:bodyPr/>
+          <a:lstStyle/>
+          <a:p>
+            <a:r>
+              <a:rPr lang="en-US" dirty="0"/>
+              <a:t>Thank You!</a:t>
+            </a:r>
+            <a:endParaRPr lang="en-GB" dirty="0"/>
+          </a:p>
+        </p:txBody>
+      </p:sp>
+    </p:spTree>
+    <p:extLst>
+      <p:ext uri="{BB962C8B-B14F-4D97-AF65-F5344CB8AC3E}">
+        <p14:creationId xmlns:p14="http://schemas.microsoft.com/office/powerpoint/2010/main" val="1426359692"/>
+      </p:ext>
+    </p:extLst>
+  </p:cSld>
+  <p:clrMapOvr>
+    <a:masterClrMapping/>
+  </p:clrMapOvr>
+  <p:transition spd="slow">
+    <p:wipe/>
+  </p:transition>
+  <p:timing>
+    <p:tnLst>
+      <p:par>
+        <p:cTn id="1" dur="indefinite" restart="never" nodeType="tmRoot"/>
+      </p:par>
+    </p:tnLst>
+  </p:timing>
 </p:sld>
 </file>
 
@@ -29184,10 +29781,10 @@
       </p:grpSpPr>
       <p:sp>
         <p:nvSpPr>
-          <p:cNvPr id="4" name="Title 3">
+          <p:cNvPr id="2" name="Title 1">
             <a:extLst>
               <a:ext uri="{FF2B5EF4-FFF2-40B4-BE49-F238E27FC236}">
-                <a16:creationId xmlns:a16="http://schemas.microsoft.com/office/drawing/2014/main" id="{315E3981-F0D7-482C-A8E0-6A57700BECA7}"/>
+                <a16:creationId xmlns:a16="http://schemas.microsoft.com/office/drawing/2014/main" xmlns="" id="{E4DCAC26-918C-4772-BF30-510B03C5AE49}"/>
               </a:ext>
             </a:extLst>
           </p:cNvPr>
@@ -29204,77 +29801,22 @@
           <a:lstStyle/>
           <a:p>
             <a:r>
-              <a:rPr lang="en-US" dirty="0"/>
-              <a:t>Outlook</a:t>
+              <a:rPr lang="en-US" dirty="0">
+                <a:solidFill>
+                  <a:schemeClr val="tx1"/>
+                </a:solidFill>
+              </a:rPr>
+              <a:t>Before and After Modelling-Histograms</a:t>
             </a:r>
-          </a:p>
-        </p:txBody>
-      </p:sp>
-      <p:pic>
-        <p:nvPicPr>
-          <p:cNvPr id="8" name="Picture Placeholder 7" descr="Triangular pattern design with dimension">
-            <a:extLst>
-              <a:ext uri="{FF2B5EF4-FFF2-40B4-BE49-F238E27FC236}">
-                <a16:creationId xmlns:a16="http://schemas.microsoft.com/office/drawing/2014/main" id="{2301248D-7370-7643-9BE6-F8CDCFF4D460}"/>
-              </a:ext>
-            </a:extLst>
-          </p:cNvPr>
-          <p:cNvPicPr>
-            <a:picLocks noGrp="1" noChangeAspect="1"/>
-          </p:cNvPicPr>
-          <p:nvPr>
-            <p:ph type="pic" sz="quarter" idx="19"/>
-          </p:nvPr>
-        </p:nvPicPr>
-        <p:blipFill rotWithShape="1">
-          <a:blip r:embed="rId2">
-            <a:extLst>
-              <a:ext uri="{28A0092B-C50C-407E-A947-70E740481C1C}">
-                <a14:useLocalDpi xmlns:a14="http://schemas.microsoft.com/office/drawing/2010/main" val="0"/>
-              </a:ext>
-            </a:extLst>
-          </a:blip>
-          <a:srcRect/>
-          <a:stretch/>
-        </p:blipFill>
-        <p:spPr>
-          <a:xfrm>
-            <a:off x="-2" y="1352575"/>
-            <a:ext cx="12192002" cy="2289897"/>
-          </a:xfrm>
-        </p:spPr>
-      </p:pic>
-      <p:sp>
-        <p:nvSpPr>
-          <p:cNvPr id="19" name="Text Placeholder 18">
-            <a:extLst>
-              <a:ext uri="{FF2B5EF4-FFF2-40B4-BE49-F238E27FC236}">
-                <a16:creationId xmlns:a16="http://schemas.microsoft.com/office/drawing/2014/main" id="{782206B1-586F-4254-9B36-D06C4E294ACF}"/>
-              </a:ext>
-            </a:extLst>
-          </p:cNvPr>
-          <p:cNvSpPr>
-            <a:spLocks noGrp="1"/>
-          </p:cNvSpPr>
-          <p:nvPr>
-            <p:ph type="body" sz="quarter" idx="18"/>
-          </p:nvPr>
-        </p:nvSpPr>
-        <p:spPr/>
-        <p:txBody>
-          <a:bodyPr/>
-          <a:lstStyle/>
-          <a:p>
-            <a:endParaRPr lang="en-US" dirty="0"/>
           </a:p>
         </p:txBody>
       </p:sp>
       <p:sp>
         <p:nvSpPr>
-          <p:cNvPr id="2" name="Slide Number Placeholder 1">
+          <p:cNvPr id="3" name="Slide Number Placeholder 2">
             <a:extLst>
               <a:ext uri="{FF2B5EF4-FFF2-40B4-BE49-F238E27FC236}">
-                <a16:creationId xmlns:a16="http://schemas.microsoft.com/office/drawing/2014/main" id="{FAC2D367-2A6E-41FE-A9EA-24FF17BCAA97}"/>
+                <a16:creationId xmlns:a16="http://schemas.microsoft.com/office/drawing/2014/main" xmlns="" id="{BF702D22-B9F0-4A21-A93C-458A68ED29DC}"/>
               </a:ext>
             </a:extLst>
           </p:cNvPr>
@@ -29291,36 +29833,89 @@
           <a:lstStyle/>
           <a:p>
             <a:fld id="{C263D6C4-4840-40CC-AC84-17E24B3B7BDE}" type="slidenum">
-              <a:rPr lang="en-US" smtClean="0"/>
+              <a:rPr lang="en-US" noProof="0" smtClean="0"/>
               <a:pPr/>
               <a:t>13</a:t>
             </a:fld>
-            <a:endParaRPr lang="en-US" dirty="0"/>
+            <a:endParaRPr lang="en-US" noProof="0" dirty="0"/>
           </a:p>
         </p:txBody>
       </p:sp>
+      <p:pic>
+        <p:nvPicPr>
+          <p:cNvPr id="9" name="Content Placeholder 8" descr="A picture containing shoji, crossword puzzle, window, building&#10;&#10;Description automatically generated">
+            <a:extLst>
+              <a:ext uri="{FF2B5EF4-FFF2-40B4-BE49-F238E27FC236}">
+                <a16:creationId xmlns:a16="http://schemas.microsoft.com/office/drawing/2014/main" xmlns="" id="{315E1374-3F09-44C4-AFB8-0C423F7FCF94}"/>
+              </a:ext>
+            </a:extLst>
+          </p:cNvPr>
+          <p:cNvPicPr>
+            <a:picLocks noGrp="1" noChangeAspect="1"/>
+          </p:cNvPicPr>
+          <p:nvPr>
+            <p:ph sz="half" idx="1"/>
+          </p:nvPr>
+        </p:nvPicPr>
+        <p:blipFill>
+          <a:blip r:embed="rId2"/>
+          <a:stretch>
+            <a:fillRect/>
+          </a:stretch>
+        </p:blipFill>
+        <p:spPr>
+          <a:xfrm>
+            <a:off x="672924" y="1517650"/>
+            <a:ext cx="4724752" cy="4659313"/>
+          </a:xfrm>
+        </p:spPr>
+      </p:pic>
+      <p:pic>
+        <p:nvPicPr>
+          <p:cNvPr id="7" name="Content Placeholder 6" descr="A picture containing window, shoji&#10;&#10;Description automatically generated">
+            <a:extLst>
+              <a:ext uri="{FF2B5EF4-FFF2-40B4-BE49-F238E27FC236}">
+                <a16:creationId xmlns:a16="http://schemas.microsoft.com/office/drawing/2014/main" xmlns="" id="{5C11166E-3B9D-46AD-B7D1-54342613B286}"/>
+              </a:ext>
+            </a:extLst>
+          </p:cNvPr>
+          <p:cNvPicPr>
+            <a:picLocks noGrp="1" noChangeAspect="1"/>
+          </p:cNvPicPr>
+          <p:nvPr>
+            <p:ph sz="half" idx="2"/>
+          </p:nvPr>
+        </p:nvPicPr>
+        <p:blipFill>
+          <a:blip r:embed="rId3"/>
+          <a:stretch>
+            <a:fillRect/>
+          </a:stretch>
+        </p:blipFill>
+        <p:spPr>
+          <a:xfrm>
+            <a:off x="6659900" y="1517650"/>
+            <a:ext cx="4812624" cy="4659313"/>
+          </a:xfrm>
+        </p:spPr>
+      </p:pic>
     </p:spTree>
     <p:extLst>
       <p:ext uri="{BB962C8B-B14F-4D97-AF65-F5344CB8AC3E}">
-        <p14:creationId xmlns:p14="http://schemas.microsoft.com/office/powerpoint/2010/main" val="663103393"/>
+        <p14:creationId xmlns:p14="http://schemas.microsoft.com/office/powerpoint/2010/main" val="1774157542"/>
       </p:ext>
     </p:extLst>
   </p:cSld>
   <p:clrMapOvr>
     <a:masterClrMapping/>
   </p:clrMapOvr>
-  <mc:AlternateContent xmlns:mc="http://schemas.openxmlformats.org/markup-compatibility/2006" xmlns:p14="http://schemas.microsoft.com/office/powerpoint/2010/main">
-    <mc:Choice Requires="p14">
-      <p:transition spd="med" p14:dur="700">
-        <p:fade/>
-      </p:transition>
-    </mc:Choice>
-    <mc:Fallback xmlns="">
-      <p:transition spd="med">
-        <p:fade/>
-      </p:transition>
-    </mc:Fallback>
-  </mc:AlternateContent>
+  <p:timing>
+    <p:tnLst>
+      <p:par>
+        <p:cTn id="1" dur="indefinite" restart="never" nodeType="tmRoot"/>
+      </p:par>
+    </p:tnLst>
+  </p:timing>
 </p:sld>
 </file>
 
@@ -29346,7 +29941,7 @@
           <p:cNvPr id="21" name="Title 1">
             <a:extLst>
               <a:ext uri="{FF2B5EF4-FFF2-40B4-BE49-F238E27FC236}">
-                <a16:creationId xmlns:a16="http://schemas.microsoft.com/office/drawing/2014/main" id="{E118CE47-4937-5BA8-B09C-42BF57DE773B}"/>
+                <a16:creationId xmlns:a16="http://schemas.microsoft.com/office/drawing/2014/main" xmlns="" id="{E118CE47-4937-5BA8-B09C-42BF57DE773B}"/>
               </a:ext>
             </a:extLst>
           </p:cNvPr>
@@ -29379,7 +29974,7 @@
           <p:cNvPr id="2" name="Slide Number Placeholder 1">
             <a:extLst>
               <a:ext uri="{FF2B5EF4-FFF2-40B4-BE49-F238E27FC236}">
-                <a16:creationId xmlns:a16="http://schemas.microsoft.com/office/drawing/2014/main" id="{235359B9-73D6-455A-909C-B2C9A664E352}"/>
+                <a16:creationId xmlns:a16="http://schemas.microsoft.com/office/drawing/2014/main" xmlns="" id="{235359B9-73D6-455A-909C-B2C9A664E352}"/>
               </a:ext>
             </a:extLst>
           </p:cNvPr>
@@ -29425,7 +30020,7 @@
           <p:cNvPr id="4098" name="Picture 2">
             <a:extLst>
               <a:ext uri="{FF2B5EF4-FFF2-40B4-BE49-F238E27FC236}">
-                <a16:creationId xmlns:a16="http://schemas.microsoft.com/office/drawing/2014/main" id="{3367DA65-9A7D-4005-89AD-DE3EFA647710}"/>
+                <a16:creationId xmlns:a16="http://schemas.microsoft.com/office/drawing/2014/main" xmlns="" id="{3367DA65-9A7D-4005-89AD-DE3EFA647710}"/>
               </a:ext>
             </a:extLst>
           </p:cNvPr>
@@ -29472,7 +30067,7 @@
           <p:cNvPr id="4100" name="Picture 4">
             <a:extLst>
               <a:ext uri="{FF2B5EF4-FFF2-40B4-BE49-F238E27FC236}">
-                <a16:creationId xmlns:a16="http://schemas.microsoft.com/office/drawing/2014/main" id="{C46BE4E4-D50E-4708-A290-51FC72C7C2BD}"/>
+                <a16:creationId xmlns:a16="http://schemas.microsoft.com/office/drawing/2014/main" xmlns="" id="{C46BE4E4-D50E-4708-A290-51FC72C7C2BD}"/>
               </a:ext>
             </a:extLst>
           </p:cNvPr>
@@ -29526,6 +30121,13 @@
   <p:clrMapOvr>
     <a:masterClrMapping/>
   </p:clrMapOvr>
+  <p:timing>
+    <p:tnLst>
+      <p:par>
+        <p:cTn id="1" dur="indefinite" restart="never" nodeType="tmRoot"/>
+      </p:par>
+    </p:tnLst>
+  </p:timing>
 </p:sld>
 </file>
 
@@ -29548,130 +30150,10 @@
       </p:grpSpPr>
       <p:sp>
         <p:nvSpPr>
-          <p:cNvPr id="4" name="Title 3">
-            <a:extLst>
-              <a:ext uri="{FF2B5EF4-FFF2-40B4-BE49-F238E27FC236}">
-                <a16:creationId xmlns:a16="http://schemas.microsoft.com/office/drawing/2014/main" id="{E98DCA46-603B-4178-8707-30E192CE6B8D}"/>
-              </a:ext>
-            </a:extLst>
-          </p:cNvPr>
-          <p:cNvSpPr>
-            <a:spLocks noGrp="1"/>
-          </p:cNvSpPr>
-          <p:nvPr>
-            <p:ph type="title"/>
-          </p:nvPr>
-        </p:nvSpPr>
-        <p:spPr/>
-        <p:txBody>
-          <a:bodyPr/>
-          <a:lstStyle/>
-          <a:p>
-            <a:r>
-              <a:rPr lang="en-US" u="sng" dirty="0"/>
-              <a:t>Useful Links</a:t>
-            </a:r>
-          </a:p>
-        </p:txBody>
-      </p:sp>
-      <p:sp>
-        <p:nvSpPr>
-          <p:cNvPr id="2" name="Slide Number Placeholder 1">
-            <a:extLst>
-              <a:ext uri="{FF2B5EF4-FFF2-40B4-BE49-F238E27FC236}">
-                <a16:creationId xmlns:a16="http://schemas.microsoft.com/office/drawing/2014/main" id="{6D90B5C6-1CB0-445E-99D1-8E2FE8C59B50}"/>
-              </a:ext>
-            </a:extLst>
-          </p:cNvPr>
-          <p:cNvSpPr>
-            <a:spLocks noGrp="1"/>
-          </p:cNvSpPr>
-          <p:nvPr>
-            <p:ph type="sldNum" sz="quarter" idx="12"/>
-          </p:nvPr>
-        </p:nvSpPr>
-        <p:spPr/>
-        <p:txBody>
-          <a:bodyPr/>
-          <a:lstStyle/>
-          <a:p>
-            <a:fld id="{C263D6C4-4840-40CC-AC84-17E24B3B7BDE}" type="slidenum">
-              <a:rPr lang="en-US" smtClean="0"/>
-              <a:pPr/>
-              <a:t>15</a:t>
-            </a:fld>
-            <a:endParaRPr lang="en-US" dirty="0"/>
-          </a:p>
-        </p:txBody>
-      </p:sp>
-      <p:sp>
-        <p:nvSpPr>
-          <p:cNvPr id="3" name="Text Placeholder 2">
-            <a:extLst>
-              <a:ext uri="{FF2B5EF4-FFF2-40B4-BE49-F238E27FC236}">
-                <a16:creationId xmlns:a16="http://schemas.microsoft.com/office/drawing/2014/main" id="{06554A61-D199-469B-AB0C-B68F82B5059F}"/>
-              </a:ext>
-            </a:extLst>
-          </p:cNvPr>
-          <p:cNvSpPr>
-            <a:spLocks noGrp="1"/>
-          </p:cNvSpPr>
-          <p:nvPr>
-            <p:ph type="body" sz="quarter" idx="13"/>
-          </p:nvPr>
-        </p:nvSpPr>
-        <p:spPr>
-          <a:xfrm>
-            <a:off x="1409700" y="1749570"/>
-            <a:ext cx="9372600" cy="535531"/>
-          </a:xfrm>
-        </p:spPr>
-        <p:txBody>
-          <a:bodyPr>
-            <a:normAutofit fontScale="62500" lnSpcReduction="20000"/>
-          </a:bodyPr>
-          <a:lstStyle/>
-          <a:p>
-            <a:endParaRPr lang="en-US" u="sng" dirty="0"/>
-          </a:p>
-        </p:txBody>
-      </p:sp>
-    </p:spTree>
-    <p:extLst>
-      <p:ext uri="{BB962C8B-B14F-4D97-AF65-F5344CB8AC3E}">
-        <p14:creationId xmlns:p14="http://schemas.microsoft.com/office/powerpoint/2010/main" val="59582380"/>
-      </p:ext>
-    </p:extLst>
-  </p:cSld>
-  <p:clrMapOvr>
-    <a:masterClrMapping/>
-  </p:clrMapOvr>
-</p:sld>
-</file>
-
-<file path=ppt/slides/slide16.xml><?xml version="1.0" encoding="utf-8"?>
-<p:sld xmlns:a="http://schemas.openxmlformats.org/drawingml/2006/main" xmlns:r="http://schemas.openxmlformats.org/officeDocument/2006/relationships" xmlns:p="http://schemas.openxmlformats.org/presentationml/2006/main">
-  <p:cSld>
-    <p:spTree>
-      <p:nvGrpSpPr>
-        <p:cNvPr id="1" name=""/>
-        <p:cNvGrpSpPr/>
-        <p:nvPr/>
-      </p:nvGrpSpPr>
-      <p:grpSpPr>
-        <a:xfrm>
-          <a:off x="0" y="0"/>
-          <a:ext cx="0" cy="0"/>
-          <a:chOff x="0" y="0"/>
-          <a:chExt cx="0" cy="0"/>
-        </a:xfrm>
-      </p:grpSpPr>
-      <p:sp>
-        <p:nvSpPr>
           <p:cNvPr id="2" name="Title 1">
             <a:extLst>
               <a:ext uri="{FF2B5EF4-FFF2-40B4-BE49-F238E27FC236}">
-                <a16:creationId xmlns:a16="http://schemas.microsoft.com/office/drawing/2014/main" id="{632BE5BF-9922-45FB-8F3F-4446D40A051B}"/>
+                <a16:creationId xmlns:a16="http://schemas.microsoft.com/office/drawing/2014/main" xmlns="" id="{632BE5BF-9922-45FB-8F3F-4446D40A051B}"/>
               </a:ext>
             </a:extLst>
           </p:cNvPr>
@@ -29708,6 +30190,13 @@
   <p:transition spd="slow">
     <p:wipe/>
   </p:transition>
+  <p:timing>
+    <p:tnLst>
+      <p:par>
+        <p:cTn id="1" dur="indefinite" restart="never" nodeType="tmRoot"/>
+      </p:par>
+    </p:tnLst>
+  </p:timing>
 </p:sld>
 </file>
 
@@ -29743,7 +30232,7 @@
           <p:cNvPr id="71" name="Title 1">
             <a:extLst>
               <a:ext uri="{FF2B5EF4-FFF2-40B4-BE49-F238E27FC236}">
-                <a16:creationId xmlns:a16="http://schemas.microsoft.com/office/drawing/2014/main" id="{D802FE8E-9913-389D-CAC5-585A88872A15}"/>
+                <a16:creationId xmlns:a16="http://schemas.microsoft.com/office/drawing/2014/main" xmlns="" id="{D802FE8E-9913-389D-CAC5-585A88872A15}"/>
               </a:ext>
             </a:extLst>
           </p:cNvPr>
@@ -29776,7 +30265,7 @@
           <p:cNvPr id="2" name="Slide Number Placeholder 1">
             <a:extLst>
               <a:ext uri="{FF2B5EF4-FFF2-40B4-BE49-F238E27FC236}">
-                <a16:creationId xmlns:a16="http://schemas.microsoft.com/office/drawing/2014/main" id="{A2A56D48-F061-430B-87D0-71C9E9B46879}"/>
+                <a16:creationId xmlns:a16="http://schemas.microsoft.com/office/drawing/2014/main" xmlns="" id="{A2A56D48-F061-430B-87D0-71C9E9B46879}"/>
               </a:ext>
             </a:extLst>
           </p:cNvPr>
@@ -29822,7 +30311,7 @@
           <p:cNvPr id="73" name="Text Placeholder 3">
             <a:extLst>
               <a:ext uri="{FF2B5EF4-FFF2-40B4-BE49-F238E27FC236}">
-                <a16:creationId xmlns:a16="http://schemas.microsoft.com/office/drawing/2014/main" id="{C182B808-D70D-FF91-50C0-BFA7FE393E8C}"/>
+                <a16:creationId xmlns:a16="http://schemas.microsoft.com/office/drawing/2014/main" xmlns="" id="{C182B808-D70D-FF91-50C0-BFA7FE393E8C}"/>
               </a:ext>
             </a:extLst>
           </p:cNvPr>
@@ -29895,7 +30384,7 @@
           <p:cNvPr id="3074" name="Picture 2" descr="King County, WA Property Tax Calculator - SmartAsset">
             <a:extLst>
               <a:ext uri="{FF2B5EF4-FFF2-40B4-BE49-F238E27FC236}">
-                <a16:creationId xmlns:a16="http://schemas.microsoft.com/office/drawing/2014/main" id="{6C729D14-CA46-418C-B1CD-A24647066CB3}"/>
+                <a16:creationId xmlns:a16="http://schemas.microsoft.com/office/drawing/2014/main" xmlns="" id="{6C729D14-CA46-418C-B1CD-A24647066CB3}"/>
               </a:ext>
             </a:extLst>
           </p:cNvPr>
@@ -29963,7 +30452,7 @@
           <p:cNvPr id="7" name="Title 6">
             <a:extLst>
               <a:ext uri="{FF2B5EF4-FFF2-40B4-BE49-F238E27FC236}">
-                <a16:creationId xmlns:a16="http://schemas.microsoft.com/office/drawing/2014/main" id="{7875C19A-1AAE-476A-A316-A2CF92D763D3}"/>
+                <a16:creationId xmlns:a16="http://schemas.microsoft.com/office/drawing/2014/main" xmlns="" id="{7875C19A-1AAE-476A-A316-A2CF92D763D3}"/>
               </a:ext>
             </a:extLst>
           </p:cNvPr>
@@ -29991,7 +30480,7 @@
           <p:cNvPr id="10" name="Text Placeholder 9">
             <a:extLst>
               <a:ext uri="{FF2B5EF4-FFF2-40B4-BE49-F238E27FC236}">
-                <a16:creationId xmlns:a16="http://schemas.microsoft.com/office/drawing/2014/main" id="{EF2BC084-E6DB-4DE7-B309-042A85EBA700}"/>
+                <a16:creationId xmlns:a16="http://schemas.microsoft.com/office/drawing/2014/main" xmlns="" id="{EF2BC084-E6DB-4DE7-B309-042A85EBA700}"/>
               </a:ext>
             </a:extLst>
           </p:cNvPr>
@@ -30063,7 +30552,7 @@
           <p:cNvPr id="2" name="Slide Number Placeholder 1">
             <a:extLst>
               <a:ext uri="{FF2B5EF4-FFF2-40B4-BE49-F238E27FC236}">
-                <a16:creationId xmlns:a16="http://schemas.microsoft.com/office/drawing/2014/main" id="{BE9800F6-D571-48C4-8466-12AA1ADB6599}"/>
+                <a16:creationId xmlns:a16="http://schemas.microsoft.com/office/drawing/2014/main" xmlns="" id="{BE9800F6-D571-48C4-8466-12AA1ADB6599}"/>
               </a:ext>
             </a:extLst>
           </p:cNvPr>
@@ -30135,7 +30624,7 @@
           <p:cNvPr id="4" name="Title 3">
             <a:extLst>
               <a:ext uri="{FF2B5EF4-FFF2-40B4-BE49-F238E27FC236}">
-                <a16:creationId xmlns:a16="http://schemas.microsoft.com/office/drawing/2014/main" id="{315E3981-F0D7-482C-A8E0-6A57700BECA7}"/>
+                <a16:creationId xmlns:a16="http://schemas.microsoft.com/office/drawing/2014/main" xmlns="" id="{315E3981-F0D7-482C-A8E0-6A57700BECA7}"/>
               </a:ext>
             </a:extLst>
           </p:cNvPr>
@@ -30163,7 +30652,7 @@
           <p:cNvPr id="2" name="Slide Number Placeholder 1">
             <a:extLst>
               <a:ext uri="{FF2B5EF4-FFF2-40B4-BE49-F238E27FC236}">
-                <a16:creationId xmlns:a16="http://schemas.microsoft.com/office/drawing/2014/main" id="{520FC4EE-F318-4344-9E3C-B950ADB63865}"/>
+                <a16:creationId xmlns:a16="http://schemas.microsoft.com/office/drawing/2014/main" xmlns="" id="{520FC4EE-F318-4344-9E3C-B950ADB63865}"/>
               </a:ext>
             </a:extLst>
           </p:cNvPr>
@@ -30193,7 +30682,7 @@
           <p:cNvPr id="7" name="Text Placeholder 6">
             <a:extLst>
               <a:ext uri="{FF2B5EF4-FFF2-40B4-BE49-F238E27FC236}">
-                <a16:creationId xmlns:a16="http://schemas.microsoft.com/office/drawing/2014/main" id="{B74126B4-1E6C-4FFF-9282-40E18A85A07F}"/>
+                <a16:creationId xmlns:a16="http://schemas.microsoft.com/office/drawing/2014/main" xmlns="" id="{B74126B4-1E6C-4FFF-9282-40E18A85A07F}"/>
               </a:ext>
             </a:extLst>
           </p:cNvPr>
@@ -30221,7 +30710,7 @@
           <p:cNvPr id="5" name="Text Placeholder 4">
             <a:extLst>
               <a:ext uri="{FF2B5EF4-FFF2-40B4-BE49-F238E27FC236}">
-                <a16:creationId xmlns:a16="http://schemas.microsoft.com/office/drawing/2014/main" id="{E0C87788-476B-4620-8002-A5C1177AD6C1}"/>
+                <a16:creationId xmlns:a16="http://schemas.microsoft.com/office/drawing/2014/main" xmlns="" id="{E0C87788-476B-4620-8002-A5C1177AD6C1}"/>
               </a:ext>
             </a:extLst>
           </p:cNvPr>
@@ -30262,7 +30751,7 @@
           <p:cNvPr id="8" name="Text Placeholder 7">
             <a:extLst>
               <a:ext uri="{FF2B5EF4-FFF2-40B4-BE49-F238E27FC236}">
-                <a16:creationId xmlns:a16="http://schemas.microsoft.com/office/drawing/2014/main" id="{47DC4E62-1A34-4F98-A451-214F1808519C}"/>
+                <a16:creationId xmlns:a16="http://schemas.microsoft.com/office/drawing/2014/main" xmlns="" id="{47DC4E62-1A34-4F98-A451-214F1808519C}"/>
               </a:ext>
             </a:extLst>
           </p:cNvPr>
@@ -30307,7 +30796,7 @@
           <p:cNvPr id="6" name="Text Placeholder 5">
             <a:extLst>
               <a:ext uri="{FF2B5EF4-FFF2-40B4-BE49-F238E27FC236}">
-                <a16:creationId xmlns:a16="http://schemas.microsoft.com/office/drawing/2014/main" id="{000A9570-5EF6-4AFB-9FCA-7C8998E3FEB1}"/>
+                <a16:creationId xmlns:a16="http://schemas.microsoft.com/office/drawing/2014/main" xmlns="" id="{000A9570-5EF6-4AFB-9FCA-7C8998E3FEB1}"/>
               </a:ext>
             </a:extLst>
           </p:cNvPr>
@@ -30408,7 +30897,7 @@
           <p:cNvPr id="2" name="slide2" descr="Dashboard 1">
             <a:extLst>
               <a:ext uri="{FF2B5EF4-FFF2-40B4-BE49-F238E27FC236}">
-                <a16:creationId xmlns:a16="http://schemas.microsoft.com/office/drawing/2014/main" id="{54A7EA2E-4986-408D-BFC8-394272624144}"/>
+                <a16:creationId xmlns:a16="http://schemas.microsoft.com/office/drawing/2014/main" xmlns="" id="{54A7EA2E-4986-408D-BFC8-394272624144}"/>
               </a:ext>
             </a:extLst>
           </p:cNvPr>
@@ -30444,7 +30933,7 @@
           <p:cNvPr id="5" name="Title 4">
             <a:extLst>
               <a:ext uri="{FF2B5EF4-FFF2-40B4-BE49-F238E27FC236}">
-                <a16:creationId xmlns:a16="http://schemas.microsoft.com/office/drawing/2014/main" id="{4EB3640F-7B1B-44E0-A61D-D171786866AF}"/>
+                <a16:creationId xmlns:a16="http://schemas.microsoft.com/office/drawing/2014/main" xmlns="" id="{4EB3640F-7B1B-44E0-A61D-D171786866AF}"/>
               </a:ext>
             </a:extLst>
           </p:cNvPr>
@@ -30477,6 +30966,13 @@
   <p:clrMapOvr>
     <a:masterClrMapping/>
   </p:clrMapOvr>
+  <p:timing>
+    <p:tnLst>
+      <p:par>
+        <p:cTn id="1" dur="indefinite" restart="never" nodeType="tmRoot"/>
+      </p:par>
+    </p:tnLst>
+  </p:timing>
 </p:sld>
 </file>
 
@@ -30502,7 +30998,7 @@
           <p:cNvPr id="2" name="Title 1">
             <a:extLst>
               <a:ext uri="{FF2B5EF4-FFF2-40B4-BE49-F238E27FC236}">
-                <a16:creationId xmlns:a16="http://schemas.microsoft.com/office/drawing/2014/main" id="{632BE5BF-9922-45FB-8F3F-4446D40A051B}"/>
+                <a16:creationId xmlns:a16="http://schemas.microsoft.com/office/drawing/2014/main" xmlns="" id="{632BE5BF-9922-45FB-8F3F-4446D40A051B}"/>
               </a:ext>
             </a:extLst>
           </p:cNvPr>
@@ -30532,7 +31028,7 @@
           <p:cNvPr id="8" name="Slide Number Placeholder 2">
             <a:extLst>
               <a:ext uri="{FF2B5EF4-FFF2-40B4-BE49-F238E27FC236}">
-                <a16:creationId xmlns:a16="http://schemas.microsoft.com/office/drawing/2014/main" id="{49D24FB4-149E-9A65-378F-F4728BC33A3A}"/>
+                <a16:creationId xmlns:a16="http://schemas.microsoft.com/office/drawing/2014/main" xmlns="" id="{49D24FB4-149E-9A65-378F-F4728BC33A3A}"/>
               </a:ext>
             </a:extLst>
           </p:cNvPr>
@@ -30571,7 +31067,7 @@
           <p:cNvPr id="9" name="Content Placeholder 8">
             <a:extLst>
               <a:ext uri="{FF2B5EF4-FFF2-40B4-BE49-F238E27FC236}">
-                <a16:creationId xmlns:a16="http://schemas.microsoft.com/office/drawing/2014/main" id="{3773AA00-D252-4DC6-870A-1C13A52E2736}"/>
+                <a16:creationId xmlns:a16="http://schemas.microsoft.com/office/drawing/2014/main" xmlns="" id="{3773AA00-D252-4DC6-870A-1C13A52E2736}"/>
               </a:ext>
             </a:extLst>
           </p:cNvPr>
@@ -30582,7 +31078,7 @@
             <p:ph idx="1"/>
             <p:extLst>
               <p:ext uri="{D42A27DB-BD31-4B8C-83A1-F6EECF244321}">
-                <p14:modId xmlns:p14="http://schemas.microsoft.com/office/powerpoint/2010/main" val="2082097286"/>
+                <p14:modId xmlns:p14="http://schemas.microsoft.com/office/powerpoint/2010/main" val="2983804531"/>
               </p:ext>
             </p:extLst>
           </p:nvPr>
@@ -30600,7 +31096,7 @@
     </p:spTree>
     <p:extLst>
       <p:ext uri="{BB962C8B-B14F-4D97-AF65-F5344CB8AC3E}">
-        <p14:creationId xmlns:p14="http://schemas.microsoft.com/office/powerpoint/2010/main" val="3946934594"/>
+        <p14:creationId xmlns:p14="http://schemas.microsoft.com/office/powerpoint/2010/main" val="304912867"/>
       </p:ext>
     </p:extLst>
   </p:cSld>
@@ -30610,22 +31106,19 @@
   <p:transition spd="slow">
     <p:wipe/>
   </p:transition>
+  <p:timing>
+    <p:tnLst>
+      <p:par>
+        <p:cTn id="1" dur="indefinite" restart="never" nodeType="tmRoot"/>
+      </p:par>
+    </p:tnLst>
+  </p:timing>
 </p:sld>
 </file>
 
 <file path=ppt/slides/slide7.xml><?xml version="1.0" encoding="utf-8"?>
-<p:sld xmlns:a="http://schemas.openxmlformats.org/drawingml/2006/main" xmlns:r="http://schemas.openxmlformats.org/officeDocument/2006/relationships" xmlns:p="http://schemas.openxmlformats.org/presentationml/2006/main" showMasterSp="0">
+<p:sld xmlns:a="http://schemas.openxmlformats.org/drawingml/2006/main" xmlns:r="http://schemas.openxmlformats.org/officeDocument/2006/relationships" xmlns:p="http://schemas.openxmlformats.org/presentationml/2006/main">
   <p:cSld>
-    <p:bg>
-      <p:bgPr>
-        <a:solidFill>
-          <a:schemeClr val="bg1">
-            <a:lumMod val="95000"/>
-          </a:schemeClr>
-        </a:solidFill>
-        <a:effectLst/>
-      </p:bgPr>
-    </p:bg>
     <p:spTree>
       <p:nvGrpSpPr>
         <p:cNvPr id="1" name=""/>
@@ -30642,13 +31135,7 @@
       </p:grpSpPr>
       <p:sp>
         <p:nvSpPr>
-          <p:cNvPr id="2" name="Title 1">
-            <a:extLst>
-              <a:ext uri="{FF2B5EF4-FFF2-40B4-BE49-F238E27FC236}">
-                <a16:creationId xmlns:a16="http://schemas.microsoft.com/office/drawing/2014/main" id="{E4DCAC26-918C-4772-BF30-510B03C5AE49}"/>
-              </a:ext>
-            </a:extLst>
-          </p:cNvPr>
+          <p:cNvPr id="2" name="Titel 1"/>
           <p:cNvSpPr>
             <a:spLocks noGrp="1"/>
           </p:cNvSpPr>
@@ -30662,25 +31149,16 @@
           <a:lstStyle/>
           <a:p>
             <a:r>
-              <a:rPr lang="en-US" dirty="0">
-                <a:solidFill>
-                  <a:schemeClr val="tx1"/>
-                </a:solidFill>
-              </a:rPr>
-              <a:t>Before and After Modelling-Histograms</a:t>
+              <a:rPr lang="de-DE" dirty="0" smtClean="0"/>
+              <a:t>Data Transformation</a:t>
             </a:r>
+            <a:endParaRPr lang="de-DE" dirty="0"/>
           </a:p>
         </p:txBody>
       </p:sp>
       <p:sp>
         <p:nvSpPr>
-          <p:cNvPr id="3" name="Slide Number Placeholder 2">
-            <a:extLst>
-              <a:ext uri="{FF2B5EF4-FFF2-40B4-BE49-F238E27FC236}">
-                <a16:creationId xmlns:a16="http://schemas.microsoft.com/office/drawing/2014/main" id="{BF702D22-B9F0-4A21-A93C-458A68ED29DC}"/>
-              </a:ext>
-            </a:extLst>
-          </p:cNvPr>
+          <p:cNvPr id="3" name="Foliennummernplatzhalter 2"/>
           <p:cNvSpPr>
             <a:spLocks noGrp="1"/>
           </p:cNvSpPr>
@@ -30702,88 +31180,277 @@
           </a:p>
         </p:txBody>
       </p:sp>
-      <p:pic>
-        <p:nvPicPr>
-          <p:cNvPr id="9" name="Content Placeholder 8" descr="A picture containing shoji, crossword puzzle, window, building&#10;&#10;Description automatically generated">
-            <a:extLst>
-              <a:ext uri="{FF2B5EF4-FFF2-40B4-BE49-F238E27FC236}">
-                <a16:creationId xmlns:a16="http://schemas.microsoft.com/office/drawing/2014/main" id="{315E1374-3F09-44C4-AFB8-0C423F7FCF94}"/>
-              </a:ext>
-            </a:extLst>
-          </p:cNvPr>
-          <p:cNvPicPr>
-            <a:picLocks noGrp="1" noChangeAspect="1"/>
-          </p:cNvPicPr>
+      <p:sp>
+        <p:nvSpPr>
+          <p:cNvPr id="4" name="Inhaltsplatzhalter 3"/>
+          <p:cNvSpPr>
+            <a:spLocks noGrp="1"/>
+          </p:cNvSpPr>
           <p:nvPr>
-            <p:ph sz="half" idx="1"/>
+            <p:ph idx="1"/>
           </p:nvPr>
-        </p:nvPicPr>
-        <p:blipFill>
-          <a:blip r:embed="rId2"/>
-          <a:stretch>
-            <a:fillRect/>
-          </a:stretch>
-        </p:blipFill>
-        <p:spPr>
-          <a:xfrm>
-            <a:off x="672924" y="1517650"/>
-            <a:ext cx="4724752" cy="4659313"/>
-          </a:xfrm>
-        </p:spPr>
-      </p:pic>
-      <p:pic>
-        <p:nvPicPr>
-          <p:cNvPr id="7" name="Content Placeholder 6" descr="A picture containing window, shoji&#10;&#10;Description automatically generated">
-            <a:extLst>
-              <a:ext uri="{FF2B5EF4-FFF2-40B4-BE49-F238E27FC236}">
-                <a16:creationId xmlns:a16="http://schemas.microsoft.com/office/drawing/2014/main" id="{5C11166E-3B9D-46AD-B7D1-54342613B286}"/>
-              </a:ext>
-            </a:extLst>
-          </p:cNvPr>
-          <p:cNvPicPr>
-            <a:picLocks noGrp="1" noChangeAspect="1"/>
-          </p:cNvPicPr>
-          <p:nvPr>
-            <p:ph sz="half" idx="2"/>
-          </p:nvPr>
-        </p:nvPicPr>
-        <p:blipFill>
-          <a:blip r:embed="rId3"/>
-          <a:stretch>
-            <a:fillRect/>
-          </a:stretch>
-        </p:blipFill>
-        <p:spPr>
-          <a:xfrm>
-            <a:off x="6659900" y="1517650"/>
-            <a:ext cx="4812624" cy="4659313"/>
-          </a:xfrm>
-        </p:spPr>
-      </p:pic>
+        </p:nvSpPr>
+        <p:spPr/>
+        <p:txBody>
+          <a:bodyPr/>
+          <a:lstStyle/>
+          <a:p>
+            <a:r>
+              <a:rPr lang="de-DE" dirty="0" err="1" smtClean="0"/>
+              <a:t>Dropped</a:t>
+            </a:r>
+            <a:r>
+              <a:rPr lang="de-DE" dirty="0" smtClean="0"/>
+              <a:t>: </a:t>
+            </a:r>
+            <a:r>
+              <a:rPr lang="de-DE" dirty="0" err="1" smtClean="0"/>
+              <a:t>id</a:t>
+            </a:r>
+            <a:r>
+              <a:rPr lang="de-DE" dirty="0" smtClean="0"/>
+              <a:t>, </a:t>
+            </a:r>
+            <a:r>
+              <a:rPr lang="de-DE" dirty="0" err="1" smtClean="0"/>
+              <a:t>date</a:t>
+            </a:r>
+            <a:r>
+              <a:rPr lang="de-DE" dirty="0" smtClean="0"/>
+              <a:t>, </a:t>
+            </a:r>
+            <a:r>
+              <a:rPr lang="de-DE" dirty="0" err="1" smtClean="0"/>
+              <a:t>lat</a:t>
+            </a:r>
+            <a:r>
+              <a:rPr lang="de-DE" dirty="0" smtClean="0"/>
+              <a:t>, </a:t>
+            </a:r>
+            <a:r>
+              <a:rPr lang="de-DE" dirty="0" err="1" smtClean="0"/>
+              <a:t>long</a:t>
+            </a:r>
+            <a:r>
+              <a:rPr lang="de-DE" dirty="0" smtClean="0"/>
+              <a:t>, </a:t>
+            </a:r>
+            <a:r>
+              <a:rPr lang="de-DE" dirty="0" err="1" smtClean="0"/>
+              <a:t>sqft_above</a:t>
+            </a:r>
+            <a:r>
+              <a:rPr lang="de-DE" dirty="0" smtClean="0"/>
+              <a:t> (</a:t>
+            </a:r>
+            <a:r>
+              <a:rPr lang="de-DE" dirty="0" err="1" smtClean="0"/>
+              <a:t>multicolinearity</a:t>
+            </a:r>
+            <a:r>
+              <a:rPr lang="de-DE" dirty="0" smtClean="0"/>
+              <a:t>)</a:t>
+            </a:r>
+          </a:p>
+          <a:p>
+            <a:r>
+              <a:rPr lang="de-DE" dirty="0" err="1" smtClean="0"/>
+              <a:t>Imported</a:t>
+            </a:r>
+            <a:r>
+              <a:rPr lang="de-DE" dirty="0" smtClean="0"/>
+              <a:t>: </a:t>
+            </a:r>
+            <a:r>
+              <a:rPr lang="de-DE" dirty="0" err="1" smtClean="0"/>
+              <a:t>Distance</a:t>
+            </a:r>
+            <a:r>
+              <a:rPr lang="de-DE" dirty="0" smtClean="0"/>
+              <a:t> </a:t>
+            </a:r>
+            <a:r>
+              <a:rPr lang="de-DE" dirty="0" err="1" smtClean="0"/>
+              <a:t>to</a:t>
+            </a:r>
+            <a:r>
+              <a:rPr lang="de-DE" dirty="0" smtClean="0"/>
+              <a:t> </a:t>
+            </a:r>
+            <a:r>
+              <a:rPr lang="de-DE" dirty="0" err="1" smtClean="0"/>
+              <a:t>city</a:t>
+            </a:r>
+            <a:r>
+              <a:rPr lang="de-DE" dirty="0" smtClean="0"/>
+              <a:t> </a:t>
+            </a:r>
+            <a:r>
+              <a:rPr lang="de-DE" dirty="0" err="1" smtClean="0"/>
+              <a:t>center</a:t>
+            </a:r>
+            <a:endParaRPr lang="de-DE" dirty="0" smtClean="0"/>
+          </a:p>
+          <a:p>
+            <a:r>
+              <a:rPr lang="de-DE" dirty="0" err="1" smtClean="0"/>
+              <a:t>Binned</a:t>
+            </a:r>
+            <a:r>
+              <a:rPr lang="de-DE" dirty="0" smtClean="0"/>
+              <a:t>:</a:t>
+            </a:r>
+          </a:p>
+          <a:p>
+            <a:pPr lvl="1"/>
+            <a:r>
+              <a:rPr lang="de-DE" dirty="0" smtClean="0"/>
+              <a:t>Year </a:t>
+            </a:r>
+            <a:r>
+              <a:rPr lang="de-DE" dirty="0" err="1" smtClean="0"/>
+              <a:t>renovated</a:t>
+            </a:r>
+            <a:r>
+              <a:rPr lang="de-DE" dirty="0" smtClean="0"/>
+              <a:t> (Yes, </a:t>
+            </a:r>
+            <a:r>
+              <a:rPr lang="de-DE" dirty="0" err="1" smtClean="0"/>
+              <a:t>No</a:t>
+            </a:r>
+            <a:r>
+              <a:rPr lang="de-DE" dirty="0" smtClean="0"/>
+              <a:t>), </a:t>
+            </a:r>
+          </a:p>
+          <a:p>
+            <a:pPr lvl="1"/>
+            <a:r>
+              <a:rPr lang="de-DE" dirty="0" err="1" smtClean="0"/>
+              <a:t>basement</a:t>
+            </a:r>
+            <a:r>
+              <a:rPr lang="de-DE" dirty="0" smtClean="0"/>
+              <a:t> </a:t>
+            </a:r>
+            <a:r>
+              <a:rPr lang="de-DE" dirty="0" err="1" smtClean="0"/>
+              <a:t>size</a:t>
+            </a:r>
+            <a:r>
+              <a:rPr lang="de-DE" dirty="0" smtClean="0"/>
+              <a:t> (Yes, </a:t>
+            </a:r>
+            <a:r>
+              <a:rPr lang="de-DE" dirty="0" err="1" smtClean="0"/>
+              <a:t>No</a:t>
+            </a:r>
+            <a:r>
+              <a:rPr lang="de-DE" dirty="0" smtClean="0"/>
+              <a:t>), </a:t>
+            </a:r>
+          </a:p>
+          <a:p>
+            <a:pPr lvl="1"/>
+            <a:r>
+              <a:rPr lang="de-DE" dirty="0" smtClean="0"/>
+              <a:t>Grade (</a:t>
+            </a:r>
+            <a:r>
+              <a:rPr lang="de-DE" dirty="0" err="1" smtClean="0"/>
+              <a:t>average</a:t>
+            </a:r>
+            <a:r>
+              <a:rPr lang="de-DE" dirty="0" smtClean="0"/>
+              <a:t>, </a:t>
+            </a:r>
+            <a:r>
+              <a:rPr lang="de-DE" dirty="0" err="1" smtClean="0"/>
+              <a:t>above</a:t>
+            </a:r>
+            <a:r>
+              <a:rPr lang="de-DE" dirty="0" smtClean="0"/>
+              <a:t> </a:t>
+            </a:r>
+            <a:r>
+              <a:rPr lang="de-DE" dirty="0" err="1" smtClean="0"/>
+              <a:t>average</a:t>
+            </a:r>
+            <a:r>
+              <a:rPr lang="de-DE" dirty="0" smtClean="0"/>
+              <a:t>), </a:t>
+            </a:r>
+          </a:p>
+          <a:p>
+            <a:pPr lvl="1"/>
+            <a:r>
+              <a:rPr lang="de-DE" dirty="0" err="1" smtClean="0"/>
+              <a:t>Floors</a:t>
+            </a:r>
+            <a:r>
+              <a:rPr lang="de-DE" dirty="0" smtClean="0"/>
+              <a:t> (</a:t>
+            </a:r>
+            <a:r>
+              <a:rPr lang="de-DE" dirty="0" err="1" smtClean="0"/>
+              <a:t>one</a:t>
+            </a:r>
+            <a:r>
+              <a:rPr lang="de-DE" dirty="0" smtClean="0"/>
+              <a:t>, </a:t>
+            </a:r>
+            <a:r>
+              <a:rPr lang="de-DE" dirty="0" err="1" smtClean="0"/>
+              <a:t>more</a:t>
+            </a:r>
+            <a:r>
+              <a:rPr lang="de-DE" dirty="0" smtClean="0"/>
+              <a:t> </a:t>
+            </a:r>
+            <a:r>
+              <a:rPr lang="de-DE" dirty="0" err="1" smtClean="0"/>
+              <a:t>than</a:t>
+            </a:r>
+            <a:r>
+              <a:rPr lang="de-DE" dirty="0" smtClean="0"/>
+              <a:t> </a:t>
+            </a:r>
+            <a:r>
+              <a:rPr lang="de-DE" dirty="0" err="1" smtClean="0"/>
+              <a:t>one</a:t>
+            </a:r>
+            <a:r>
+              <a:rPr lang="de-DE" dirty="0" smtClean="0"/>
+              <a:t>)</a:t>
+            </a:r>
+            <a:endParaRPr lang="de-DE" dirty="0"/>
+          </a:p>
+        </p:txBody>
+      </p:sp>
     </p:spTree>
     <p:extLst>
       <p:ext uri="{BB962C8B-B14F-4D97-AF65-F5344CB8AC3E}">
-        <p14:creationId xmlns:p14="http://schemas.microsoft.com/office/powerpoint/2010/main" val="3685779639"/>
+        <p14:creationId xmlns:p14="http://schemas.microsoft.com/office/powerpoint/2010/main" val="2629347618"/>
       </p:ext>
     </p:extLst>
   </p:cSld>
   <p:clrMapOvr>
     <a:masterClrMapping/>
   </p:clrMapOvr>
+  <p:timing>
+    <p:tnLst>
+      <p:par>
+        <p:cTn id="1" dur="indefinite" restart="never" nodeType="tmRoot"/>
+      </p:par>
+    </p:tnLst>
+  </p:timing>
 </p:sld>
 </file>
 
 <file path=ppt/slides/slide8.xml><?xml version="1.0" encoding="utf-8"?>
-<p:sld xmlns:a="http://schemas.openxmlformats.org/drawingml/2006/main" xmlns:r="http://schemas.openxmlformats.org/officeDocument/2006/relationships" xmlns:p="http://schemas.openxmlformats.org/presentationml/2006/main" showMasterSp="0">
+<p:sld xmlns:a="http://schemas.openxmlformats.org/drawingml/2006/main" xmlns:r="http://schemas.openxmlformats.org/officeDocument/2006/relationships" xmlns:p="http://schemas.openxmlformats.org/presentationml/2006/main">
   <p:cSld>
-    <p:bg>
-      <p:bgPr>
-        <a:solidFill>
-          <a:srgbClr val="BCBCBE"/>
-        </a:solidFill>
-        <a:effectLst/>
-      </p:bgPr>
-    </p:bg>
     <p:spTree>
       <p:nvGrpSpPr>
         <p:cNvPr id="1" name=""/>
@@ -30800,10 +31467,10 @@
       </p:grpSpPr>
       <p:sp>
         <p:nvSpPr>
-          <p:cNvPr id="7" name="Title 1">
+          <p:cNvPr id="3" name="Title 2">
             <a:extLst>
               <a:ext uri="{FF2B5EF4-FFF2-40B4-BE49-F238E27FC236}">
-                <a16:creationId xmlns:a16="http://schemas.microsoft.com/office/drawing/2014/main" id="{39004234-E5F3-0061-33DC-E80121C7A652}"/>
+                <a16:creationId xmlns:a16="http://schemas.microsoft.com/office/drawing/2014/main" xmlns="" id="{2D3A9A61-40C1-4373-90F0-17970C73A1FD}"/>
               </a:ext>
             </a:extLst>
           </p:cNvPr>
@@ -30814,31 +31481,25 @@
             <p:ph type="title"/>
           </p:nvPr>
         </p:nvSpPr>
-        <p:spPr>
-          <a:xfrm>
-            <a:off x="444500" y="542925"/>
-            <a:ext cx="11214100" cy="535531"/>
-          </a:xfrm>
-        </p:spPr>
+        <p:spPr/>
         <p:txBody>
-          <a:bodyPr wrap="square" anchor="t">
-            <a:normAutofit/>
-          </a:bodyPr>
+          <a:bodyPr/>
           <a:lstStyle/>
           <a:p>
             <a:r>
-              <a:rPr lang="en-US" dirty="0"/>
-              <a:t>Modelling Effect</a:t>
+              <a:rPr lang="en-US" dirty="0" smtClean="0"/>
+              <a:t>Model Results</a:t>
             </a:r>
+            <a:endParaRPr lang="en-US" dirty="0"/>
           </a:p>
         </p:txBody>
       </p:sp>
       <p:sp>
         <p:nvSpPr>
-          <p:cNvPr id="9" name="Slide Number Placeholder 2">
+          <p:cNvPr id="2" name="Slide Number Placeholder 1">
             <a:extLst>
               <a:ext uri="{FF2B5EF4-FFF2-40B4-BE49-F238E27FC236}">
-                <a16:creationId xmlns:a16="http://schemas.microsoft.com/office/drawing/2014/main" id="{7985B612-1C08-09A4-98B7-509C2FD3E282}"/>
+                <a16:creationId xmlns:a16="http://schemas.microsoft.com/office/drawing/2014/main" xmlns="" id="{073D4604-0D28-4C2F-B4AA-99E4E723CF92}"/>
               </a:ext>
             </a:extLst>
           </p:cNvPr>
@@ -30849,47 +31510,335 @@
             <p:ph type="sldNum" sz="quarter" idx="12"/>
           </p:nvPr>
         </p:nvSpPr>
-        <p:spPr>
-          <a:xfrm>
-            <a:off x="11252200" y="6315075"/>
-            <a:ext cx="406400" cy="365125"/>
-          </a:xfrm>
-        </p:spPr>
+        <p:spPr/>
         <p:txBody>
-          <a:bodyPr anchor="ctr">
-            <a:normAutofit/>
-          </a:bodyPr>
+          <a:bodyPr/>
           <a:lstStyle/>
           <a:p>
-            <a:pPr>
-              <a:spcAft>
-                <a:spcPts val="600"/>
-              </a:spcAft>
-            </a:pPr>
             <a:fld id="{C263D6C4-4840-40CC-AC84-17E24B3B7BDE}" type="slidenum">
               <a:rPr lang="en-US" noProof="0" smtClean="0"/>
-              <a:pPr>
-                <a:spcAft>
-                  <a:spcPts val="600"/>
-                </a:spcAft>
-              </a:pPr>
+              <a:pPr/>
               <a:t>8</a:t>
             </a:fld>
-            <a:endParaRPr lang="en-US" noProof="0"/>
+            <a:endParaRPr lang="en-US" noProof="0" dirty="0"/>
           </a:p>
         </p:txBody>
       </p:sp>
+      <p:graphicFrame>
+        <p:nvGraphicFramePr>
+          <p:cNvPr id="10" name="Tabelle 9"/>
+          <p:cNvGraphicFramePr>
+            <a:graphicFrameLocks noGrp="1"/>
+          </p:cNvGraphicFramePr>
+          <p:nvPr>
+            <p:extLst>
+              <p:ext uri="{D42A27DB-BD31-4B8C-83A1-F6EECF244321}">
+                <p14:modId xmlns:p14="http://schemas.microsoft.com/office/powerpoint/2010/main" val="1326067665"/>
+              </p:ext>
+            </p:extLst>
+          </p:nvPr>
+        </p:nvGraphicFramePr>
+        <p:xfrm>
+          <a:off x="334737" y="4710793"/>
+          <a:ext cx="7053941" cy="1845128"/>
+        </p:xfrm>
+        <a:graphic>
+          <a:graphicData uri="http://schemas.openxmlformats.org/drawingml/2006/table">
+            <a:tbl>
+              <a:tblPr>
+                <a:tableStyleId>{5C22544A-7EE6-4342-B048-85BDC9FD1C3A}</a:tableStyleId>
+              </a:tblPr>
+              <a:tblGrid>
+                <a:gridCol w="1837809"/>
+                <a:gridCol w="1770241"/>
+                <a:gridCol w="1770241"/>
+                <a:gridCol w="1675650"/>
+              </a:tblGrid>
+              <a:tr h="399378">
+                <a:tc>
+                  <a:txBody>
+                    <a:bodyPr/>
+                    <a:lstStyle/>
+                    <a:p>
+                      <a:pPr algn="l" fontAlgn="b"/>
+                      <a:endParaRPr lang="de-DE" sz="1100" b="0" i="0" u="none" strike="noStrike" dirty="0">
+                        <a:solidFill>
+                          <a:srgbClr val="000000"/>
+                        </a:solidFill>
+                        <a:effectLst/>
+                        <a:latin typeface="Calibri"/>
+                      </a:endParaRPr>
+                    </a:p>
+                  </a:txBody>
+                  <a:tcPr marL="9525" marR="9525" marT="9525" marB="0" anchor="b"/>
+                </a:tc>
+                <a:tc>
+                  <a:txBody>
+                    <a:bodyPr/>
+                    <a:lstStyle/>
+                    <a:p>
+                      <a:pPr algn="l" fontAlgn="b"/>
+                      <a:r>
+                        <a:rPr lang="de-DE" sz="1100" u="none" strike="noStrike">
+                          <a:effectLst/>
+                        </a:rPr>
+                        <a:t>R2_test</a:t>
+                      </a:r>
+                      <a:endParaRPr lang="de-DE" sz="1100" b="0" i="0" u="none" strike="noStrike">
+                        <a:solidFill>
+                          <a:srgbClr val="000000"/>
+                        </a:solidFill>
+                        <a:effectLst/>
+                        <a:latin typeface="Calibri"/>
+                      </a:endParaRPr>
+                    </a:p>
+                  </a:txBody>
+                  <a:tcPr marL="9525" marR="9525" marT="9525" marB="0" anchor="b"/>
+                </a:tc>
+                <a:tc>
+                  <a:txBody>
+                    <a:bodyPr/>
+                    <a:lstStyle/>
+                    <a:p>
+                      <a:pPr algn="l" fontAlgn="b"/>
+                      <a:r>
+                        <a:rPr lang="de-DE" sz="1100" u="none" strike="noStrike">
+                          <a:effectLst/>
+                        </a:rPr>
+                        <a:t>R2_train</a:t>
+                      </a:r>
+                      <a:endParaRPr lang="de-DE" sz="1100" b="0" i="0" u="none" strike="noStrike">
+                        <a:solidFill>
+                          <a:srgbClr val="000000"/>
+                        </a:solidFill>
+                        <a:effectLst/>
+                        <a:latin typeface="Calibri"/>
+                      </a:endParaRPr>
+                    </a:p>
+                  </a:txBody>
+                  <a:tcPr marL="9525" marR="9525" marT="9525" marB="0" anchor="b"/>
+                </a:tc>
+                <a:tc>
+                  <a:txBody>
+                    <a:bodyPr/>
+                    <a:lstStyle/>
+                    <a:p>
+                      <a:pPr algn="l" fontAlgn="b"/>
+                      <a:r>
+                        <a:rPr lang="de-DE" sz="1100" u="none" strike="noStrike">
+                          <a:effectLst/>
+                        </a:rPr>
+                        <a:t>Adj_R2</a:t>
+                      </a:r>
+                      <a:endParaRPr lang="de-DE" sz="1100" b="0" i="0" u="none" strike="noStrike">
+                        <a:solidFill>
+                          <a:srgbClr val="000000"/>
+                        </a:solidFill>
+                        <a:effectLst/>
+                        <a:latin typeface="Calibri"/>
+                      </a:endParaRPr>
+                    </a:p>
+                  </a:txBody>
+                  <a:tcPr marL="9525" marR="9525" marT="9525" marB="0" anchor="b"/>
+                </a:tc>
+              </a:tr>
+              <a:tr h="722875">
+                <a:tc>
+                  <a:txBody>
+                    <a:bodyPr/>
+                    <a:lstStyle/>
+                    <a:p>
+                      <a:pPr algn="l" fontAlgn="b"/>
+                      <a:r>
+                        <a:rPr lang="de-DE" sz="1100" u="none" strike="noStrike">
+                          <a:effectLst/>
+                        </a:rPr>
+                        <a:t>model 1</a:t>
+                      </a:r>
+                      <a:endParaRPr lang="de-DE" sz="1100" b="0" i="0" u="none" strike="noStrike">
+                        <a:solidFill>
+                          <a:srgbClr val="000000"/>
+                        </a:solidFill>
+                        <a:effectLst/>
+                        <a:latin typeface="Calibri"/>
+                      </a:endParaRPr>
+                    </a:p>
+                  </a:txBody>
+                  <a:tcPr marL="9525" marR="9525" marT="9525" marB="0" anchor="b"/>
+                </a:tc>
+                <a:tc>
+                  <a:txBody>
+                    <a:bodyPr/>
+                    <a:lstStyle/>
+                    <a:p>
+                      <a:pPr algn="l" fontAlgn="b"/>
+                      <a:r>
+                        <a:rPr lang="de-DE" sz="1100" u="none" strike="noStrike">
+                          <a:effectLst/>
+                        </a:rPr>
+                        <a:t>0.7554379531895128</a:t>
+                      </a:r>
+                      <a:endParaRPr lang="de-DE" sz="1100" b="0" i="0" u="none" strike="noStrike">
+                        <a:solidFill>
+                          <a:srgbClr val="000000"/>
+                        </a:solidFill>
+                        <a:effectLst/>
+                        <a:latin typeface="Calibri"/>
+                      </a:endParaRPr>
+                    </a:p>
+                  </a:txBody>
+                  <a:tcPr marL="9525" marR="9525" marT="9525" marB="0" anchor="b"/>
+                </a:tc>
+                <a:tc>
+                  <a:txBody>
+                    <a:bodyPr/>
+                    <a:lstStyle/>
+                    <a:p>
+                      <a:pPr algn="l" fontAlgn="b"/>
+                      <a:r>
+                        <a:rPr lang="de-DE" sz="1100" u="none" strike="noStrike">
+                          <a:effectLst/>
+                        </a:rPr>
+                        <a:t>0.7696525976580786</a:t>
+                      </a:r>
+                      <a:endParaRPr lang="de-DE" sz="1100" b="0" i="0" u="none" strike="noStrike">
+                        <a:solidFill>
+                          <a:srgbClr val="000000"/>
+                        </a:solidFill>
+                        <a:effectLst/>
+                        <a:latin typeface="Calibri"/>
+                      </a:endParaRPr>
+                    </a:p>
+                  </a:txBody>
+                  <a:tcPr marL="9525" marR="9525" marT="9525" marB="0" anchor="b"/>
+                </a:tc>
+                <a:tc>
+                  <a:txBody>
+                    <a:bodyPr/>
+                    <a:lstStyle/>
+                    <a:p>
+                      <a:pPr algn="l" fontAlgn="b"/>
+                      <a:r>
+                        <a:rPr lang="de-DE" sz="1100" u="none" strike="noStrike">
+                          <a:effectLst/>
+                        </a:rPr>
+                        <a:t>0.7526178911506988</a:t>
+                      </a:r>
+                      <a:endParaRPr lang="de-DE" sz="1100" b="0" i="0" u="none" strike="noStrike">
+                        <a:solidFill>
+                          <a:srgbClr val="000000"/>
+                        </a:solidFill>
+                        <a:effectLst/>
+                        <a:latin typeface="Calibri"/>
+                      </a:endParaRPr>
+                    </a:p>
+                  </a:txBody>
+                  <a:tcPr marL="9525" marR="9525" marT="9525" marB="0" anchor="b"/>
+                </a:tc>
+              </a:tr>
+              <a:tr h="722875">
+                <a:tc>
+                  <a:txBody>
+                    <a:bodyPr/>
+                    <a:lstStyle/>
+                    <a:p>
+                      <a:pPr algn="l" fontAlgn="b"/>
+                      <a:r>
+                        <a:rPr lang="de-DE" sz="1100" u="none" strike="noStrike">
+                          <a:effectLst/>
+                        </a:rPr>
+                        <a:t>model 2 </a:t>
+                      </a:r>
+                      <a:endParaRPr lang="de-DE" sz="1100" b="0" i="0" u="none" strike="noStrike">
+                        <a:solidFill>
+                          <a:srgbClr val="000000"/>
+                        </a:solidFill>
+                        <a:effectLst/>
+                        <a:latin typeface="Calibri"/>
+                      </a:endParaRPr>
+                    </a:p>
+                  </a:txBody>
+                  <a:tcPr marL="9525" marR="9525" marT="9525" marB="0" anchor="b"/>
+                </a:tc>
+                <a:tc>
+                  <a:txBody>
+                    <a:bodyPr/>
+                    <a:lstStyle/>
+                    <a:p>
+                      <a:pPr algn="l" fontAlgn="b"/>
+                      <a:r>
+                        <a:rPr lang="de-DE" sz="1100" u="none" strike="noStrike">
+                          <a:effectLst/>
+                        </a:rPr>
+                        <a:t>0.7541199555529359</a:t>
+                      </a:r>
+                      <a:endParaRPr lang="de-DE" sz="1100" b="0" i="0" u="none" strike="noStrike">
+                        <a:solidFill>
+                          <a:srgbClr val="000000"/>
+                        </a:solidFill>
+                        <a:effectLst/>
+                        <a:latin typeface="Calibri"/>
+                      </a:endParaRPr>
+                    </a:p>
+                  </a:txBody>
+                  <a:tcPr marL="9525" marR="9525" marT="9525" marB="0" anchor="b"/>
+                </a:tc>
+                <a:tc>
+                  <a:txBody>
+                    <a:bodyPr/>
+                    <a:lstStyle/>
+                    <a:p>
+                      <a:pPr algn="l" fontAlgn="b"/>
+                      <a:r>
+                        <a:rPr lang="de-DE" sz="1100" u="none" strike="noStrike">
+                          <a:effectLst/>
+                        </a:rPr>
+                        <a:t>0.7693343591901028</a:t>
+                      </a:r>
+                      <a:endParaRPr lang="de-DE" sz="1100" b="0" i="0" u="none" strike="noStrike">
+                        <a:solidFill>
+                          <a:srgbClr val="000000"/>
+                        </a:solidFill>
+                        <a:effectLst/>
+                        <a:latin typeface="Calibri"/>
+                      </a:endParaRPr>
+                    </a:p>
+                  </a:txBody>
+                  <a:tcPr marL="9525" marR="9525" marT="9525" marB="0" anchor="b"/>
+                </a:tc>
+                <a:tc>
+                  <a:txBody>
+                    <a:bodyPr/>
+                    <a:lstStyle/>
+                    <a:p>
+                      <a:pPr algn="l" fontAlgn="b"/>
+                      <a:r>
+                        <a:rPr lang="de-DE" sz="1100" u="none" strike="noStrike" dirty="0">
+                          <a:effectLst/>
+                        </a:rPr>
+                        <a:t>0.751363452812498</a:t>
+                      </a:r>
+                      <a:endParaRPr lang="de-DE" sz="1100" b="0" i="0" u="none" strike="noStrike" dirty="0">
+                        <a:solidFill>
+                          <a:srgbClr val="000000"/>
+                        </a:solidFill>
+                        <a:effectLst/>
+                        <a:latin typeface="Calibri"/>
+                      </a:endParaRPr>
+                    </a:p>
+                  </a:txBody>
+                  <a:tcPr marL="9525" marR="9525" marT="9525" marB="0" anchor="b"/>
+                </a:tc>
+              </a:tr>
+            </a:tbl>
+          </a:graphicData>
+        </a:graphic>
+      </p:graphicFrame>
       <p:pic>
         <p:nvPicPr>
-          <p:cNvPr id="2" name="slide2" descr="Sheet 1">
-            <a:extLst>
-              <a:ext uri="{FF2B5EF4-FFF2-40B4-BE49-F238E27FC236}">
-                <a16:creationId xmlns:a16="http://schemas.microsoft.com/office/drawing/2014/main" id="{36E7CE5A-4F6B-4889-A1F0-DF52508F88FF}"/>
-              </a:ext>
-            </a:extLst>
-          </p:cNvPr>
+          <p:cNvPr id="1026" name="Picture 2" descr="C:\Users\Lenovo\Documents\GitHub\Houseprices\Data\plot_m2_stats.png"/>
           <p:cNvPicPr>
-            <a:picLocks noChangeAspect="1"/>
+            <a:picLocks noChangeAspect="1" noChangeArrowheads="1"/>
           </p:cNvPicPr>
           <p:nvPr/>
         </p:nvPicPr>
@@ -30901,56 +31850,48 @@
               </a:ext>
             </a:extLst>
           </a:blip>
+          <a:srcRect/>
           <a:stretch>
             <a:fillRect/>
           </a:stretch>
         </p:blipFill>
-        <p:spPr>
+        <p:spPr bwMode="auto">
           <a:xfrm>
-            <a:off x="777766" y="1517715"/>
-            <a:ext cx="3772072" cy="4659248"/>
+            <a:off x="1630911" y="1248987"/>
+            <a:ext cx="8418896" cy="2854470"/>
           </a:xfrm>
           <a:prstGeom prst="rect">
             <a:avLst/>
           </a:prstGeom>
           <a:noFill/>
+          <a:extLst>
+            <a:ext uri="{909E8E84-426E-40DD-AFC4-6F175D3DCCD1}">
+              <a14:hiddenFill xmlns:a14="http://schemas.microsoft.com/office/drawing/2010/main">
+                <a:solidFill>
+                  <a:srgbClr val="FFFFFF"/>
+                </a:solidFill>
+              </a14:hiddenFill>
+            </a:ext>
+          </a:extLst>
         </p:spPr>
       </p:pic>
-      <p:sp>
-        <p:nvSpPr>
-          <p:cNvPr id="3" name="Content Placeholder 2">
-            <a:extLst>
-              <a:ext uri="{FF2B5EF4-FFF2-40B4-BE49-F238E27FC236}">
-                <a16:creationId xmlns:a16="http://schemas.microsoft.com/office/drawing/2014/main" id="{518A2A64-9F61-47D3-995C-C2C4A1B7421F}"/>
-              </a:ext>
-            </a:extLst>
-          </p:cNvPr>
-          <p:cNvSpPr>
-            <a:spLocks noGrp="1"/>
-          </p:cNvSpPr>
-          <p:nvPr>
-            <p:ph sz="half" idx="2"/>
-          </p:nvPr>
-        </p:nvSpPr>
-        <p:spPr/>
-        <p:txBody>
-          <a:bodyPr/>
-          <a:lstStyle/>
-          <a:p>
-            <a:endParaRPr lang="en-US"/>
-          </a:p>
-        </p:txBody>
-      </p:sp>
     </p:spTree>
     <p:extLst>
       <p:ext uri="{BB962C8B-B14F-4D97-AF65-F5344CB8AC3E}">
-        <p14:creationId xmlns:p14="http://schemas.microsoft.com/office/powerpoint/2010/main" val="95992585"/>
+        <p14:creationId xmlns:p14="http://schemas.microsoft.com/office/powerpoint/2010/main" val="927786931"/>
       </p:ext>
     </p:extLst>
   </p:cSld>
   <p:clrMapOvr>
     <a:masterClrMapping/>
   </p:clrMapOvr>
+  <p:timing>
+    <p:tnLst>
+      <p:par>
+        <p:cTn id="1" dur="indefinite" restart="never" nodeType="tmRoot"/>
+      </p:par>
+    </p:tnLst>
+  </p:timing>
 </p:sld>
 </file>
 
@@ -30973,38 +31914,7 @@
       </p:grpSpPr>
       <p:sp>
         <p:nvSpPr>
-          <p:cNvPr id="3" name="Title 2">
-            <a:extLst>
-              <a:ext uri="{FF2B5EF4-FFF2-40B4-BE49-F238E27FC236}">
-                <a16:creationId xmlns:a16="http://schemas.microsoft.com/office/drawing/2014/main" id="{2D3A9A61-40C1-4373-90F0-17970C73A1FD}"/>
-              </a:ext>
-            </a:extLst>
-          </p:cNvPr>
-          <p:cNvSpPr>
-            <a:spLocks noGrp="1"/>
-          </p:cNvSpPr>
-          <p:nvPr>
-            <p:ph type="title"/>
-          </p:nvPr>
-        </p:nvSpPr>
-        <p:spPr/>
-        <p:txBody>
-          <a:bodyPr/>
-          <a:lstStyle/>
-          <a:p>
-            <a:endParaRPr lang="en-US"/>
-          </a:p>
-        </p:txBody>
-      </p:sp>
-      <p:sp>
-        <p:nvSpPr>
-          <p:cNvPr id="2" name="Slide Number Placeholder 1">
-            <a:extLst>
-              <a:ext uri="{FF2B5EF4-FFF2-40B4-BE49-F238E27FC236}">
-                <a16:creationId xmlns:a16="http://schemas.microsoft.com/office/drawing/2014/main" id="{073D4604-0D28-4C2F-B4AA-99E4E723CF92}"/>
-              </a:ext>
-            </a:extLst>
-          </p:cNvPr>
+          <p:cNvPr id="2" name="Foliennummernplatzhalter 1"/>
           <p:cNvSpPr>
             <a:spLocks noGrp="1"/>
           </p:cNvSpPr>
@@ -31026,50 +31936,64 @@
           </a:p>
         </p:txBody>
       </p:sp>
-      <p:sp>
-        <p:nvSpPr>
-          <p:cNvPr id="4" name="Content Placeholder 3">
+      <p:pic>
+        <p:nvPicPr>
+          <p:cNvPr id="3" name="Picture 1" descr="C:\Users\Lenovo\Documents\GitHub\Houseprices\Data\plot_m2_feat_imp.png"/>
+          <p:cNvPicPr>
+            <a:picLocks noChangeAspect="1" noChangeArrowheads="1"/>
+          </p:cNvPicPr>
+          <p:nvPr/>
+        </p:nvPicPr>
+        <p:blipFill>
+          <a:blip r:embed="rId2">
             <a:extLst>
-              <a:ext uri="{FF2B5EF4-FFF2-40B4-BE49-F238E27FC236}">
-                <a16:creationId xmlns:a16="http://schemas.microsoft.com/office/drawing/2014/main" id="{1D20B07A-79B4-4CAB-B15B-20C0A671780D}"/>
+              <a:ext uri="{28A0092B-C50C-407E-A947-70E740481C1C}">
+                <a14:useLocalDpi xmlns:a14="http://schemas.microsoft.com/office/drawing/2010/main" val="0"/>
               </a:ext>
             </a:extLst>
-          </p:cNvPr>
-          <p:cNvSpPr>
-            <a:spLocks noGrp="1"/>
-          </p:cNvSpPr>
-          <p:nvPr>
-            <p:ph idx="1"/>
-          </p:nvPr>
-        </p:nvSpPr>
-        <p:spPr/>
-        <p:txBody>
-          <a:bodyPr/>
-          <a:lstStyle/>
-          <a:p>
-            <a:r>
-              <a:rPr lang="en-US" dirty="0"/>
-              <a:t>Adjusted R2</a:t>
-            </a:r>
-          </a:p>
-          <a:p>
-            <a:r>
-              <a:rPr lang="en-US" dirty="0"/>
-              <a:t>MSME </a:t>
-            </a:r>
-          </a:p>
-        </p:txBody>
-      </p:sp>
+          </a:blip>
+          <a:srcRect/>
+          <a:stretch>
+            <a:fillRect/>
+          </a:stretch>
+        </p:blipFill>
+        <p:spPr bwMode="auto">
+          <a:xfrm>
+            <a:off x="1570773" y="0"/>
+            <a:ext cx="8732556" cy="6739020"/>
+          </a:xfrm>
+          <a:prstGeom prst="rect">
+            <a:avLst/>
+          </a:prstGeom>
+          <a:noFill/>
+          <a:extLst>
+            <a:ext uri="{909E8E84-426E-40DD-AFC4-6F175D3DCCD1}">
+              <a14:hiddenFill xmlns:a14="http://schemas.microsoft.com/office/drawing/2010/main">
+                <a:solidFill>
+                  <a:srgbClr val="FFFFFF"/>
+                </a:solidFill>
+              </a14:hiddenFill>
+            </a:ext>
+          </a:extLst>
+        </p:spPr>
+      </p:pic>
     </p:spTree>
     <p:extLst>
       <p:ext uri="{BB962C8B-B14F-4D97-AF65-F5344CB8AC3E}">
-        <p14:creationId xmlns:p14="http://schemas.microsoft.com/office/powerpoint/2010/main" val="1318257609"/>
+        <p14:creationId xmlns:p14="http://schemas.microsoft.com/office/powerpoint/2010/main" val="1449752841"/>
       </p:ext>
     </p:extLst>
   </p:cSld>
   <p:clrMapOvr>
     <a:masterClrMapping/>
   </p:clrMapOvr>
+  <p:timing>
+    <p:tnLst>
+      <p:par>
+        <p:cTn id="1" dur="indefinite" restart="never" nodeType="tmRoot"/>
+      </p:par>
+    </p:tnLst>
+  </p:timing>
 </p:sld>
 </file>
 
@@ -31268,7 +32192,7 @@
   <a:extraClrSchemeLst/>
   <a:extLst>
     <a:ext uri="{05A4C25C-085E-4340-85A3-A5531E510DB2}">
-      <thm15:themeFamily xmlns:thm15="http://schemas.microsoft.com/office/thememl/2012/main" name="TF66687569_Modern blue presentation_AAS_v5" id="{C7B59113-CD15-4341-96CA-86E715D5BE98}" vid="{5A8FDAEB-3DF3-4B3C-A708-49813F8D6F85}"/>
+      <thm15:themeFamily xmlns:thm15="http://schemas.microsoft.com/office/thememl/2012/main" xmlns="" name="TF66687569_Modern blue presentation_AAS_v5" id="{C7B59113-CD15-4341-96CA-86E715D5BE98}" vid="{5A8FDAEB-3DF3-4B3C-A708-49813F8D6F85}"/>
     </a:ext>
   </a:extLst>
 </a:theme>
@@ -31317,7 +32241,7 @@
     </a:clrScheme>
     <a:fontScheme name="Office">
       <a:majorFont>
-        <a:latin typeface="Calibri Light" panose="020F0302020204030204"/>
+        <a:latin typeface="Calibri Light"/>
         <a:ea typeface=""/>
         <a:cs typeface=""/>
         <a:font script="Jpan" typeface="游ゴシック Light"/>
@@ -31369,7 +32293,7 @@
         <a:font script="Tfng" typeface="Ebrima"/>
       </a:majorFont>
       <a:minorFont>
-        <a:latin typeface="Calibri" panose="020F0502020204030204"/>
+        <a:latin typeface="Calibri"/>
         <a:ea typeface=""/>
         <a:cs typeface=""/>
         <a:font script="Jpan" typeface="游ゴシック"/>
@@ -31563,7 +32487,7 @@
   <a:extraClrSchemeLst/>
   <a:extLst>
     <a:ext uri="{05A4C25C-085E-4340-85A3-A5531E510DB2}">
-      <thm15:themeFamily xmlns:thm15="http://schemas.microsoft.com/office/thememl/2012/main" name="Office Theme" id="{62F939B6-93AF-4DB8-9C6B-D6C7DFDC589F}" vid="{4A3C46E8-61CC-4603-A589-7422A47A8E4A}"/>
+      <thm15:themeFamily xmlns:thm15="http://schemas.microsoft.com/office/thememl/2012/main" xmlns="" name="Office Theme" id="{62F939B6-93AF-4DB8-9C6B-D6C7DFDC589F}" vid="{4A3C46E8-61CC-4603-A589-7422A47A8E4A}"/>
     </a:ext>
   </a:extLst>
 </a:theme>
@@ -31612,7 +32536,7 @@
     </a:clrScheme>
     <a:fontScheme name="Office">
       <a:majorFont>
-        <a:latin typeface="Calibri Light" panose="020F0302020204030204"/>
+        <a:latin typeface="Calibri Light"/>
         <a:ea typeface=""/>
         <a:cs typeface=""/>
         <a:font script="Jpan" typeface="游ゴシック Light"/>
@@ -31664,7 +32588,7 @@
         <a:font script="Tfng" typeface="Ebrima"/>
       </a:majorFont>
       <a:minorFont>
-        <a:latin typeface="Calibri" panose="020F0502020204030204"/>
+        <a:latin typeface="Calibri"/>
         <a:ea typeface=""/>
         <a:cs typeface=""/>
         <a:font script="Jpan" typeface="游ゴシック"/>
@@ -31858,13 +32782,30 @@
   <a:extraClrSchemeLst/>
   <a:extLst>
     <a:ext uri="{05A4C25C-085E-4340-85A3-A5531E510DB2}">
-      <thm15:themeFamily xmlns:thm15="http://schemas.microsoft.com/office/thememl/2012/main" name="Office Theme" id="{62F939B6-93AF-4DB8-9C6B-D6C7DFDC589F}" vid="{4A3C46E8-61CC-4603-A589-7422A47A8E4A}"/>
+      <thm15:themeFamily xmlns:thm15="http://schemas.microsoft.com/office/thememl/2012/main" xmlns="" name="Office Theme" id="{62F939B6-93AF-4DB8-9C6B-D6C7DFDC589F}" vid="{4A3C46E8-61CC-4603-A589-7422A47A8E4A}"/>
     </a:ext>
   </a:extLst>
 </a:theme>
 </file>
 
 <file path=customXml/item1.xml><?xml version="1.0" encoding="utf-8"?>
+<p:properties xmlns:p="http://schemas.microsoft.com/office/2006/metadata/properties" xmlns:xsi="http://www.w3.org/2001/XMLSchema-instance" xmlns:pc="http://schemas.microsoft.com/office/infopath/2007/PartnerControls">
+  <documentManagement>
+    <MediaServiceKeyPoints xmlns="71af3243-3dd4-4a8d-8c0d-dd76da1f02a5" xsi:nil="true"/>
+  </documentManagement>
+</p:properties>
+</file>
+
+<file path=customXml/item2.xml><?xml version="1.0" encoding="utf-8"?>
+<?mso-contentType ?>
+<FormTemplates xmlns="http://schemas.microsoft.com/sharepoint/v3/contenttype/forms">
+  <Display>DocumentLibraryForm</Display>
+  <Edit>DocumentLibraryForm</Edit>
+  <New>DocumentLibraryForm</New>
+</FormTemplates>
+</file>
+
+<file path=customXml/item3.xml><?xml version="1.0" encoding="utf-8"?>
 <ct:contentTypeSchema xmlns:ct="http://schemas.microsoft.com/office/2006/metadata/contentType" xmlns:ma="http://schemas.microsoft.com/office/2006/metadata/properties/metaAttributes" ct:_="" ma:_="" ma:contentTypeName="Document" ma:contentTypeID="0x01010079F111ED35F8CC479449609E8A0923A6" ma:contentTypeVersion="11" ma:contentTypeDescription="Create a new document." ma:contentTypeScope="" ma:versionID="96291512c1ee715ab617f4c07df79fc1">
   <xsd:schema xmlns:xsd="http://www.w3.org/2001/XMLSchema" xmlns:xs="http://www.w3.org/2001/XMLSchema" xmlns:p="http://schemas.microsoft.com/office/2006/metadata/properties" xmlns:ns2="71af3243-3dd4-4a8d-8c0d-dd76da1f02a5" xmlns:ns3="16c05727-aa75-4e4a-9b5f-8a80a1165891" targetNamespace="http://schemas.microsoft.com/office/2006/metadata/properties" ma:root="true" ma:fieldsID="8256c27c40ca5c40ce1cf6c44f0205df" ns2:_="" ns3:_="">
     <xsd:import namespace="71af3243-3dd4-4a8d-8c0d-dd76da1f02a5"/>
@@ -32075,24 +33016,32 @@
 </ct:contentTypeSchema>
 </file>
 
-<file path=customXml/item2.xml><?xml version="1.0" encoding="utf-8"?>
-<?mso-contentType ?>
-<FormTemplates xmlns="http://schemas.microsoft.com/sharepoint/v3/contenttype/forms">
-  <Display>DocumentLibraryForm</Display>
-  <Edit>DocumentLibraryForm</Edit>
-  <New>DocumentLibraryForm</New>
-</FormTemplates>
+<file path=customXml/itemProps1.xml><?xml version="1.0" encoding="utf-8"?>
+<ds:datastoreItem xmlns:ds="http://schemas.openxmlformats.org/officeDocument/2006/customXml" ds:itemID="{F5757914-1161-4661-9696-421FD6935CDD}">
+  <ds:schemaRefs>
+    <ds:schemaRef ds:uri="http://purl.org/dc/terms/"/>
+    <ds:schemaRef ds:uri="16c05727-aa75-4e4a-9b5f-8a80a1165891"/>
+    <ds:schemaRef ds:uri="http://schemas.microsoft.com/office/infopath/2007/PartnerControls"/>
+    <ds:schemaRef ds:uri="http://www.w3.org/XML/1998/namespace"/>
+    <ds:schemaRef ds:uri="71af3243-3dd4-4a8d-8c0d-dd76da1f02a5"/>
+    <ds:schemaRef ds:uri="http://schemas.microsoft.com/office/2006/metadata/properties"/>
+    <ds:schemaRef ds:uri="http://schemas.microsoft.com/office/2006/documentManagement/types"/>
+    <ds:schemaRef ds:uri="http://schemas.openxmlformats.org/package/2006/metadata/core-properties"/>
+    <ds:schemaRef ds:uri="http://purl.org/dc/dcmitype/"/>
+    <ds:schemaRef ds:uri="http://purl.org/dc/elements/1.1/"/>
+  </ds:schemaRefs>
+</ds:datastoreItem>
 </file>
 
-<file path=customXml/item3.xml><?xml version="1.0" encoding="utf-8"?>
-<p:properties xmlns:p="http://schemas.microsoft.com/office/2006/metadata/properties" xmlns:xsi="http://www.w3.org/2001/XMLSchema-instance" xmlns:pc="http://schemas.microsoft.com/office/infopath/2007/PartnerControls">
-  <documentManagement>
-    <MediaServiceKeyPoints xmlns="71af3243-3dd4-4a8d-8c0d-dd76da1f02a5" xsi:nil="true"/>
-  </documentManagement>
-</p:properties>
+<file path=customXml/itemProps2.xml><?xml version="1.0" encoding="utf-8"?>
+<ds:datastoreItem xmlns:ds="http://schemas.openxmlformats.org/officeDocument/2006/customXml" ds:itemID="{5B26E0C9-B2AA-42E6-97B6-E1B7D9EAF129}">
+  <ds:schemaRefs>
+    <ds:schemaRef ds:uri="http://schemas.microsoft.com/sharepoint/v3/contenttype/forms"/>
+  </ds:schemaRefs>
+</ds:datastoreItem>
 </file>
 
-<file path=customXml/itemProps1.xml><?xml version="1.0" encoding="utf-8"?>
+<file path=customXml/itemProps3.xml><?xml version="1.0" encoding="utf-8"?>
 <ds:datastoreItem xmlns:ds="http://schemas.openxmlformats.org/officeDocument/2006/customXml" ds:itemID="{4C103400-4A22-4E35-B588-4C4D42638959}">
   <ds:schemaRefs>
     <ds:schemaRef ds:uri="http://schemas.microsoft.com/office/2006/metadata/contentType"/>
@@ -32109,29 +33058,4 @@
     <ds:schemaRef ds:uri="http://schemas.microsoft.com/internal/obd"/>
   </ds:schemaRefs>
 </ds:datastoreItem>
-</file>
-
-<file path=customXml/itemProps2.xml><?xml version="1.0" encoding="utf-8"?>
-<ds:datastoreItem xmlns:ds="http://schemas.openxmlformats.org/officeDocument/2006/customXml" ds:itemID="{5B26E0C9-B2AA-42E6-97B6-E1B7D9EAF129}">
-  <ds:schemaRefs>
-    <ds:schemaRef ds:uri="http://schemas.microsoft.com/sharepoint/v3/contenttype/forms"/>
-  </ds:schemaRefs>
-</ds:datastoreItem>
-</file>
-
-<file path=customXml/itemProps3.xml><?xml version="1.0" encoding="utf-8"?>
-<ds:datastoreItem xmlns:ds="http://schemas.openxmlformats.org/officeDocument/2006/customXml" ds:itemID="{F5757914-1161-4661-9696-421FD6935CDD}">
-  <ds:schemaRefs>
-    <ds:schemaRef ds:uri="http://purl.org/dc/terms/"/>
-    <ds:schemaRef ds:uri="16c05727-aa75-4e4a-9b5f-8a80a1165891"/>
-    <ds:schemaRef ds:uri="http://schemas.microsoft.com/office/infopath/2007/PartnerControls"/>
-    <ds:schemaRef ds:uri="http://www.w3.org/XML/1998/namespace"/>
-    <ds:schemaRef ds:uri="71af3243-3dd4-4a8d-8c0d-dd76da1f02a5"/>
-    <ds:schemaRef ds:uri="http://schemas.microsoft.com/office/2006/metadata/properties"/>
-    <ds:schemaRef ds:uri="http://schemas.microsoft.com/office/2006/documentManagement/types"/>
-    <ds:schemaRef ds:uri="http://schemas.openxmlformats.org/package/2006/metadata/core-properties"/>
-    <ds:schemaRef ds:uri="http://purl.org/dc/dcmitype/"/>
-    <ds:schemaRef ds:uri="http://purl.org/dc/elements/1.1/"/>
-  </ds:schemaRefs>
-</ds:datastoreItem>
 </file>
--- a/Final PresentationKC.pptx
+++ b/Final PresentationKC.pptx
@@ -126,7 +126,7 @@
   </p:defaultTextStyle>
   <p:extLst>
     <p:ext uri="{EFAFB233-063F-42B5-8137-9DF3F51BA10A}">
-      <p15:sldGuideLst xmlns:p15="http://schemas.microsoft.com/office/powerpoint/2012/main" xmlns="">
+      <p15:sldGuideLst xmlns="" xmlns:p15="http://schemas.microsoft.com/office/powerpoint/2012/main">
         <p15:guide id="1" orient="horz" pos="2160" userDrawn="1">
           <p15:clr>
             <a:srgbClr val="A4A3A4"/>
@@ -140,7 +140,7 @@
       </p15:sldGuideLst>
     </p:ext>
     <p:ext uri="{2D200454-40CA-4A62-9FC3-DE9A4176ACB9}">
-      <p15:notesGuideLst xmlns:p15="http://schemas.microsoft.com/office/powerpoint/2012/main" xmlns=""/>
+      <p15:notesGuideLst xmlns="" xmlns:p15="http://schemas.microsoft.com/office/powerpoint/2012/main"/>
     </p:ext>
   </p:extLst>
 </p:presentation>
@@ -1342,8 +1342,8 @@
     <dgm:cxn modelId="{8376D091-80FF-4427-9457-18F73BA5407D}" srcId="{8A2245C2-F409-494E-AF55-5B6F8214C998}" destId="{0A55110F-64F3-4927-982C-B7EA745AAB77}" srcOrd="3" destOrd="0" parTransId="{A0E9E1C4-22B4-4044-B059-14B079F4A45D}" sibTransId="{A5BF7F64-FDB6-43A4-B62F-4E78CAB33B0C}"/>
     <dgm:cxn modelId="{DBDBF78A-7EF9-4E24-A780-1EC4B84B084E}" type="presOf" srcId="{CD849D60-1CC9-480E-A73F-775416316EE2}" destId="{9E1CFB79-4D1B-4156-914B-4152C6154DF4}" srcOrd="1" destOrd="0" presId="urn:microsoft.com/office/officeart/2005/8/layout/process5"/>
     <dgm:cxn modelId="{D7952866-323A-4DF8-AB43-A860CBB42471}" type="presOf" srcId="{A5BF7F64-FDB6-43A4-B62F-4E78CAB33B0C}" destId="{4C004F01-70DD-4C93-8BA7-4AB71AFF9D13}" srcOrd="1" destOrd="0" presId="urn:microsoft.com/office/officeart/2005/8/layout/process5"/>
+    <dgm:cxn modelId="{EF20D6AB-3D8A-47CB-9137-1102E8FD5F74}" type="presOf" srcId="{0A55110F-64F3-4927-982C-B7EA745AAB77}" destId="{B3A208B3-B2A4-4E43-BB18-974E5754D4A9}" srcOrd="0" destOrd="0" presId="urn:microsoft.com/office/officeart/2005/8/layout/process5"/>
     <dgm:cxn modelId="{A5F71DC6-AE34-474A-8392-14B192BF12C6}" type="presOf" srcId="{B3C648AD-EF7E-42A8-99E9-3B072000117B}" destId="{69061840-D7C8-49AD-B6F0-0CB0CC34C019}" srcOrd="1" destOrd="0" presId="urn:microsoft.com/office/officeart/2005/8/layout/process5"/>
-    <dgm:cxn modelId="{EF20D6AB-3D8A-47CB-9137-1102E8FD5F74}" type="presOf" srcId="{0A55110F-64F3-4927-982C-B7EA745AAB77}" destId="{B3A208B3-B2A4-4E43-BB18-974E5754D4A9}" srcOrd="0" destOrd="0" presId="urn:microsoft.com/office/officeart/2005/8/layout/process5"/>
     <dgm:cxn modelId="{330A2CB5-9BA2-4B32-B7EC-1F43DFEA8027}" srcId="{8A2245C2-F409-494E-AF55-5B6F8214C998}" destId="{F958CC84-B351-4518-AD16-7A0D327DECAA}" srcOrd="1" destOrd="0" parTransId="{D7F32176-3881-4274-904F-80EC4465F5B1}" sibTransId="{CD849D60-1CC9-480E-A73F-775416316EE2}"/>
     <dgm:cxn modelId="{D86CE5E9-6385-4C9D-AAC7-FA6BBB83CA2F}" type="presOf" srcId="{CD849D60-1CC9-480E-A73F-775416316EE2}" destId="{7604F242-691A-4A0A-B50A-32917DE8221C}" srcOrd="0" destOrd="0" presId="urn:microsoft.com/office/officeart/2005/8/layout/process5"/>
     <dgm:cxn modelId="{DA1CFAE2-965F-4F01-B677-400A3929E9B2}" type="presOf" srcId="{A5BF7F64-FDB6-43A4-B62F-4E78CAB33B0C}" destId="{4BE222A6-85A9-4DFE-AD80-D8D66B7BDEFE}" srcOrd="0" destOrd="0" presId="urn:microsoft.com/office/officeart/2005/8/layout/process5"/>
@@ -3322,7 +3322,7 @@
           <p:cNvPr id="2" name="Header Placeholder 1">
             <a:extLst>
               <a:ext uri="{FF2B5EF4-FFF2-40B4-BE49-F238E27FC236}">
-                <a16:creationId xmlns:a16="http://schemas.microsoft.com/office/drawing/2014/main" xmlns="" id="{E62FF6B6-4F8A-40F7-B5F4-FC3996824D73}"/>
+                <a16:creationId xmlns="" xmlns:a16="http://schemas.microsoft.com/office/drawing/2014/main" id="{E62FF6B6-4F8A-40F7-B5F4-FC3996824D73}"/>
               </a:ext>
             </a:extLst>
           </p:cNvPr>
@@ -3359,7 +3359,7 @@
           <p:cNvPr id="3" name="Date Placeholder 2">
             <a:extLst>
               <a:ext uri="{FF2B5EF4-FFF2-40B4-BE49-F238E27FC236}">
-                <a16:creationId xmlns:a16="http://schemas.microsoft.com/office/drawing/2014/main" xmlns="" id="{8910A999-F365-48DF-976A-0517FE045440}"/>
+                <a16:creationId xmlns="" xmlns:a16="http://schemas.microsoft.com/office/drawing/2014/main" id="{8910A999-F365-48DF-976A-0517FE045440}"/>
               </a:ext>
             </a:extLst>
           </p:cNvPr>
@@ -3400,7 +3400,7 @@
           <p:cNvPr id="4" name="Footer Placeholder 3">
             <a:extLst>
               <a:ext uri="{FF2B5EF4-FFF2-40B4-BE49-F238E27FC236}">
-                <a16:creationId xmlns:a16="http://schemas.microsoft.com/office/drawing/2014/main" xmlns="" id="{F8735C90-ADBF-4B9E-BE88-E1C8F83EB4D2}"/>
+                <a16:creationId xmlns="" xmlns:a16="http://schemas.microsoft.com/office/drawing/2014/main" id="{F8735C90-ADBF-4B9E-BE88-E1C8F83EB4D2}"/>
               </a:ext>
             </a:extLst>
           </p:cNvPr>
@@ -3437,7 +3437,7 @@
           <p:cNvPr id="5" name="Slide Number Placeholder 4">
             <a:extLst>
               <a:ext uri="{FF2B5EF4-FFF2-40B4-BE49-F238E27FC236}">
-                <a16:creationId xmlns:a16="http://schemas.microsoft.com/office/drawing/2014/main" xmlns="" id="{82506A01-6D0A-45EF-A584-05A3361D66F7}"/>
+                <a16:creationId xmlns="" xmlns:a16="http://schemas.microsoft.com/office/drawing/2014/main" id="{82506A01-6D0A-45EF-A584-05A3361D66F7}"/>
               </a:ext>
             </a:extLst>
           </p:cNvPr>
@@ -3855,7 +3855,7 @@
           <p:cNvPr id="21" name="Rectangle 20">
             <a:extLst>
               <a:ext uri="{FF2B5EF4-FFF2-40B4-BE49-F238E27FC236}">
-                <a16:creationId xmlns:a16="http://schemas.microsoft.com/office/drawing/2014/main" xmlns="" id="{6E739168-A5E8-443A-B392-7AD4CF8977AD}"/>
+                <a16:creationId xmlns="" xmlns:a16="http://schemas.microsoft.com/office/drawing/2014/main" id="{6E739168-A5E8-443A-B392-7AD4CF8977AD}"/>
               </a:ext>
             </a:extLst>
           </p:cNvPr>
@@ -3907,7 +3907,7 @@
           <p:cNvPr id="7" name="Group 6">
             <a:extLst>
               <a:ext uri="{FF2B5EF4-FFF2-40B4-BE49-F238E27FC236}">
-                <a16:creationId xmlns:a16="http://schemas.microsoft.com/office/drawing/2014/main" xmlns="" id="{4CA15AFD-4983-47DD-9ED0-D3B27E5A096F}"/>
+                <a16:creationId xmlns="" xmlns:a16="http://schemas.microsoft.com/office/drawing/2014/main" id="{4CA15AFD-4983-47DD-9ED0-D3B27E5A096F}"/>
               </a:ext>
             </a:extLst>
           </p:cNvPr>
@@ -3927,7 +3927,7 @@
             <p:cNvPr id="8" name="Group 7">
               <a:extLst>
                 <a:ext uri="{FF2B5EF4-FFF2-40B4-BE49-F238E27FC236}">
-                  <a16:creationId xmlns:a16="http://schemas.microsoft.com/office/drawing/2014/main" xmlns="" id="{2222D5E2-E9B4-4180-98B8-4E514C9ADB28}"/>
+                  <a16:creationId xmlns="" xmlns:a16="http://schemas.microsoft.com/office/drawing/2014/main" id="{2222D5E2-E9B4-4180-98B8-4E514C9ADB28}"/>
                 </a:ext>
               </a:extLst>
             </p:cNvPr>
@@ -3947,7 +3947,7 @@
               <p:cNvPr id="15" name="Freeform: Shape 14">
                 <a:extLst>
                   <a:ext uri="{FF2B5EF4-FFF2-40B4-BE49-F238E27FC236}">
-                    <a16:creationId xmlns:a16="http://schemas.microsoft.com/office/drawing/2014/main" xmlns="" id="{41E10E1E-5268-4F03-BA64-07E19DE26739}"/>
+                    <a16:creationId xmlns="" xmlns:a16="http://schemas.microsoft.com/office/drawing/2014/main" id="{41E10E1E-5268-4F03-BA64-07E19DE26739}"/>
                   </a:ext>
                 </a:extLst>
               </p:cNvPr>
@@ -4084,7 +4084,7 @@
               <p:cNvPr id="16" name="Freeform: Shape 15">
                 <a:extLst>
                   <a:ext uri="{FF2B5EF4-FFF2-40B4-BE49-F238E27FC236}">
-                    <a16:creationId xmlns:a16="http://schemas.microsoft.com/office/drawing/2014/main" xmlns="" id="{B989C45D-BDFF-418F-BE79-03FF70015770}"/>
+                    <a16:creationId xmlns="" xmlns:a16="http://schemas.microsoft.com/office/drawing/2014/main" id="{B989C45D-BDFF-418F-BE79-03FF70015770}"/>
                   </a:ext>
                 </a:extLst>
               </p:cNvPr>
@@ -4248,7 +4248,7 @@
               <p:cNvPr id="17" name="Right Triangle 16">
                 <a:extLst>
                   <a:ext uri="{FF2B5EF4-FFF2-40B4-BE49-F238E27FC236}">
-                    <a16:creationId xmlns:a16="http://schemas.microsoft.com/office/drawing/2014/main" xmlns="" id="{8DCD5806-2A2F-4ABF-8057-245681C498E6}"/>
+                    <a16:creationId xmlns="" xmlns:a16="http://schemas.microsoft.com/office/drawing/2014/main" id="{8DCD5806-2A2F-4ABF-8057-245681C498E6}"/>
                   </a:ext>
                 </a:extLst>
               </p:cNvPr>
@@ -4302,7 +4302,7 @@
               <p:cNvPr id="18" name="Right Triangle 17">
                 <a:extLst>
                   <a:ext uri="{FF2B5EF4-FFF2-40B4-BE49-F238E27FC236}">
-                    <a16:creationId xmlns:a16="http://schemas.microsoft.com/office/drawing/2014/main" xmlns="" id="{3A93038F-E9E4-4FFD-B3DF-28DB7C2C1490}"/>
+                    <a16:creationId xmlns="" xmlns:a16="http://schemas.microsoft.com/office/drawing/2014/main" id="{3A93038F-E9E4-4FFD-B3DF-28DB7C2C1490}"/>
                   </a:ext>
                 </a:extLst>
               </p:cNvPr>
@@ -4359,7 +4359,7 @@
               <p:cNvPr id="19" name="Right Triangle 18">
                 <a:extLst>
                   <a:ext uri="{FF2B5EF4-FFF2-40B4-BE49-F238E27FC236}">
-                    <a16:creationId xmlns:a16="http://schemas.microsoft.com/office/drawing/2014/main" xmlns="" id="{5DEA1E02-BBD0-4AE3-AF22-433B90272178}"/>
+                    <a16:creationId xmlns="" xmlns:a16="http://schemas.microsoft.com/office/drawing/2014/main" id="{5DEA1E02-BBD0-4AE3-AF22-433B90272178}"/>
                   </a:ext>
                 </a:extLst>
               </p:cNvPr>
@@ -4413,7 +4413,7 @@
               <p:cNvPr id="20" name="Freeform: Shape 19">
                 <a:extLst>
                   <a:ext uri="{FF2B5EF4-FFF2-40B4-BE49-F238E27FC236}">
-                    <a16:creationId xmlns:a16="http://schemas.microsoft.com/office/drawing/2014/main" xmlns="" id="{0027A677-9ACB-4264-B148-4806678FB83F}"/>
+                    <a16:creationId xmlns="" xmlns:a16="http://schemas.microsoft.com/office/drawing/2014/main" id="{0027A677-9ACB-4264-B148-4806678FB83F}"/>
                   </a:ext>
                 </a:extLst>
               </p:cNvPr>
@@ -4576,7 +4576,7 @@
             <p:cNvPr id="9" name="Freeform: Shape 12">
               <a:extLst>
                 <a:ext uri="{FF2B5EF4-FFF2-40B4-BE49-F238E27FC236}">
-                  <a16:creationId xmlns:a16="http://schemas.microsoft.com/office/drawing/2014/main" xmlns="" id="{E3AAB79D-382D-4A95-965E-526B6A681DA7}"/>
+                  <a16:creationId xmlns="" xmlns:a16="http://schemas.microsoft.com/office/drawing/2014/main" id="{E3AAB79D-382D-4A95-965E-526B6A681DA7}"/>
                 </a:ext>
               </a:extLst>
             </p:cNvPr>
@@ -4666,7 +4666,7 @@
             <p:cNvPr id="10" name="Freeform: Shape 9">
               <a:extLst>
                 <a:ext uri="{FF2B5EF4-FFF2-40B4-BE49-F238E27FC236}">
-                  <a16:creationId xmlns:a16="http://schemas.microsoft.com/office/drawing/2014/main" xmlns="" id="{C0A22127-2B4A-4B15-B0A9-F019A30347A1}"/>
+                  <a16:creationId xmlns="" xmlns:a16="http://schemas.microsoft.com/office/drawing/2014/main" id="{C0A22127-2B4A-4B15-B0A9-F019A30347A1}"/>
                 </a:ext>
               </a:extLst>
             </p:cNvPr>
@@ -4769,7 +4769,7 @@
             <p:cNvPr id="11" name="Freeform: Shape 12">
               <a:extLst>
                 <a:ext uri="{FF2B5EF4-FFF2-40B4-BE49-F238E27FC236}">
-                  <a16:creationId xmlns:a16="http://schemas.microsoft.com/office/drawing/2014/main" xmlns="" id="{F04D9FDC-1B67-4254-9535-CD32E81F0C3E}"/>
+                  <a16:creationId xmlns="" xmlns:a16="http://schemas.microsoft.com/office/drawing/2014/main" id="{F04D9FDC-1B67-4254-9535-CD32E81F0C3E}"/>
                 </a:ext>
               </a:extLst>
             </p:cNvPr>
@@ -4867,7 +4867,7 @@
             <p:cNvPr id="12" name="Group 11">
               <a:extLst>
                 <a:ext uri="{FF2B5EF4-FFF2-40B4-BE49-F238E27FC236}">
-                  <a16:creationId xmlns:a16="http://schemas.microsoft.com/office/drawing/2014/main" xmlns="" id="{0A86C4EA-4CF8-4531-845D-4FCB1E2F7422}"/>
+                  <a16:creationId xmlns="" xmlns:a16="http://schemas.microsoft.com/office/drawing/2014/main" id="{0A86C4EA-4CF8-4531-845D-4FCB1E2F7422}"/>
                 </a:ext>
               </a:extLst>
             </p:cNvPr>
@@ -4887,7 +4887,7 @@
               <p:cNvPr id="13" name="Freeform: Shape 12">
                 <a:extLst>
                   <a:ext uri="{FF2B5EF4-FFF2-40B4-BE49-F238E27FC236}">
-                    <a16:creationId xmlns:a16="http://schemas.microsoft.com/office/drawing/2014/main" xmlns="" id="{1101B195-C112-4D20-8D19-4D22479B150D}"/>
+                    <a16:creationId xmlns="" xmlns:a16="http://schemas.microsoft.com/office/drawing/2014/main" id="{1101B195-C112-4D20-8D19-4D22479B150D}"/>
                   </a:ext>
                 </a:extLst>
               </p:cNvPr>
@@ -4977,7 +4977,7 @@
               <p:cNvPr id="14" name="Freeform: Shape 12">
                 <a:extLst>
                   <a:ext uri="{FF2B5EF4-FFF2-40B4-BE49-F238E27FC236}">
-                    <a16:creationId xmlns:a16="http://schemas.microsoft.com/office/drawing/2014/main" xmlns="" id="{CA755F1F-9955-4CBB-8F34-F7801CA44CE7}"/>
+                    <a16:creationId xmlns="" xmlns:a16="http://schemas.microsoft.com/office/drawing/2014/main" id="{CA755F1F-9955-4CBB-8F34-F7801CA44CE7}"/>
                   </a:ext>
                 </a:extLst>
               </p:cNvPr>
@@ -5077,7 +5077,7 @@
           <p:cNvPr id="2" name="Title 1">
             <a:extLst>
               <a:ext uri="{FF2B5EF4-FFF2-40B4-BE49-F238E27FC236}">
-                <a16:creationId xmlns:a16="http://schemas.microsoft.com/office/drawing/2014/main" xmlns="" id="{9E597736-C478-4C26-9BAF-205FE31E977C}"/>
+                <a16:creationId xmlns="" xmlns:a16="http://schemas.microsoft.com/office/drawing/2014/main" id="{9E597736-C478-4C26-9BAF-205FE31E977C}"/>
               </a:ext>
             </a:extLst>
           </p:cNvPr>
@@ -5124,7 +5124,7 @@
           <p:cNvPr id="3" name="Subtitle 2">
             <a:extLst>
               <a:ext uri="{FF2B5EF4-FFF2-40B4-BE49-F238E27FC236}">
-                <a16:creationId xmlns:a16="http://schemas.microsoft.com/office/drawing/2014/main" xmlns="" id="{C3D2DEF0-A0B0-4CFE-B67D-A9D75E2368DC}"/>
+                <a16:creationId xmlns="" xmlns:a16="http://schemas.microsoft.com/office/drawing/2014/main" id="{C3D2DEF0-A0B0-4CFE-B67D-A9D75E2368DC}"/>
               </a:ext>
             </a:extLst>
           </p:cNvPr>
@@ -5209,7 +5209,7 @@
           <p:cNvPr id="11" name="Rectangle 10">
             <a:extLst>
               <a:ext uri="{FF2B5EF4-FFF2-40B4-BE49-F238E27FC236}">
-                <a16:creationId xmlns:a16="http://schemas.microsoft.com/office/drawing/2014/main" xmlns="" id="{EB3E033F-4449-40FA-BC85-BD2712D313DD}"/>
+                <a16:creationId xmlns="" xmlns:a16="http://schemas.microsoft.com/office/drawing/2014/main" id="{EB3E033F-4449-40FA-BC85-BD2712D313DD}"/>
               </a:ext>
             </a:extLst>
           </p:cNvPr>
@@ -5263,7 +5263,7 @@
           <p:cNvPr id="10" name="Freeform: Shape 9">
             <a:extLst>
               <a:ext uri="{FF2B5EF4-FFF2-40B4-BE49-F238E27FC236}">
-                <a16:creationId xmlns:a16="http://schemas.microsoft.com/office/drawing/2014/main" xmlns="" id="{63D26743-0505-444C-80B3-E88EE87DF72B}"/>
+                <a16:creationId xmlns="" xmlns:a16="http://schemas.microsoft.com/office/drawing/2014/main" id="{63D26743-0505-444C-80B3-E88EE87DF72B}"/>
               </a:ext>
             </a:extLst>
           </p:cNvPr>
@@ -5386,7 +5386,7 @@
           <p:cNvPr id="18" name="Freeform: Shape 17">
             <a:extLst>
               <a:ext uri="{FF2B5EF4-FFF2-40B4-BE49-F238E27FC236}">
-                <a16:creationId xmlns:a16="http://schemas.microsoft.com/office/drawing/2014/main" xmlns="" id="{E37145E9-AC61-47D5-9288-8789940F81B6}"/>
+                <a16:creationId xmlns="" xmlns:a16="http://schemas.microsoft.com/office/drawing/2014/main" id="{E37145E9-AC61-47D5-9288-8789940F81B6}"/>
               </a:ext>
             </a:extLst>
           </p:cNvPr>
@@ -5538,7 +5538,7 @@
           <p:cNvPr id="12" name="Freeform: Shape 11">
             <a:extLst>
               <a:ext uri="{FF2B5EF4-FFF2-40B4-BE49-F238E27FC236}">
-                <a16:creationId xmlns:a16="http://schemas.microsoft.com/office/drawing/2014/main" xmlns="" id="{A5E2B3ED-9A49-40A7-B8A3-62595FE513F9}"/>
+                <a16:creationId xmlns="" xmlns:a16="http://schemas.microsoft.com/office/drawing/2014/main" id="{A5E2B3ED-9A49-40A7-B8A3-62595FE513F9}"/>
               </a:ext>
             </a:extLst>
           </p:cNvPr>
@@ -5688,7 +5688,7 @@
           <p:cNvPr id="8" name="Freeform: Shape 7">
             <a:extLst>
               <a:ext uri="{FF2B5EF4-FFF2-40B4-BE49-F238E27FC236}">
-                <a16:creationId xmlns:a16="http://schemas.microsoft.com/office/drawing/2014/main" xmlns="" id="{1599AF7E-3E34-4597-AA72-9373A7FDB020}"/>
+                <a16:creationId xmlns="" xmlns:a16="http://schemas.microsoft.com/office/drawing/2014/main" id="{1599AF7E-3E34-4597-AA72-9373A7FDB020}"/>
               </a:ext>
             </a:extLst>
           </p:cNvPr>
@@ -5834,7 +5834,7 @@
           <p:cNvPr id="2" name="Title 1">
             <a:extLst>
               <a:ext uri="{FF2B5EF4-FFF2-40B4-BE49-F238E27FC236}">
-                <a16:creationId xmlns:a16="http://schemas.microsoft.com/office/drawing/2014/main" xmlns="" id="{4A2DF563-7FAC-46B3-B24C-7E45CD89DA2B}"/>
+                <a16:creationId xmlns="" xmlns:a16="http://schemas.microsoft.com/office/drawing/2014/main" id="{4A2DF563-7FAC-46B3-B24C-7E45CD89DA2B}"/>
               </a:ext>
             </a:extLst>
           </p:cNvPr>
@@ -5879,7 +5879,7 @@
           <p:cNvPr id="15" name="Group 14">
             <a:extLst>
               <a:ext uri="{FF2B5EF4-FFF2-40B4-BE49-F238E27FC236}">
-                <a16:creationId xmlns:a16="http://schemas.microsoft.com/office/drawing/2014/main" xmlns="" id="{7732E1E7-45E3-4264-8F26-66758696DD1E}"/>
+                <a16:creationId xmlns="" xmlns:a16="http://schemas.microsoft.com/office/drawing/2014/main" id="{7732E1E7-45E3-4264-8F26-66758696DD1E}"/>
               </a:ext>
             </a:extLst>
           </p:cNvPr>
@@ -5899,7 +5899,7 @@
             <p:cNvPr id="16" name="Freeform: Shape 15">
               <a:extLst>
                 <a:ext uri="{FF2B5EF4-FFF2-40B4-BE49-F238E27FC236}">
-                  <a16:creationId xmlns:a16="http://schemas.microsoft.com/office/drawing/2014/main" xmlns="" id="{2E3DF883-8093-49FA-81E1-E5D77F086A25}"/>
+                  <a16:creationId xmlns="" xmlns:a16="http://schemas.microsoft.com/office/drawing/2014/main" id="{2E3DF883-8093-49FA-81E1-E5D77F086A25}"/>
                 </a:ext>
               </a:extLst>
             </p:cNvPr>
@@ -5989,7 +5989,7 @@
             <p:cNvPr id="17" name="Freeform: Shape 16">
               <a:extLst>
                 <a:ext uri="{FF2B5EF4-FFF2-40B4-BE49-F238E27FC236}">
-                  <a16:creationId xmlns:a16="http://schemas.microsoft.com/office/drawing/2014/main" xmlns="" id="{18944C90-37E5-4BBE-89FF-060627168050}"/>
+                  <a16:creationId xmlns="" xmlns:a16="http://schemas.microsoft.com/office/drawing/2014/main" id="{18944C90-37E5-4BBE-89FF-060627168050}"/>
                 </a:ext>
               </a:extLst>
             </p:cNvPr>
@@ -6088,7 +6088,7 @@
           <p:cNvPr id="6" name="Group 5">
             <a:extLst>
               <a:ext uri="{FF2B5EF4-FFF2-40B4-BE49-F238E27FC236}">
-                <a16:creationId xmlns:a16="http://schemas.microsoft.com/office/drawing/2014/main" xmlns="" id="{D9EBF8BB-A805-4DDB-B459-082F99815B95}"/>
+                <a16:creationId xmlns="" xmlns:a16="http://schemas.microsoft.com/office/drawing/2014/main" id="{D9EBF8BB-A805-4DDB-B459-082F99815B95}"/>
               </a:ext>
             </a:extLst>
           </p:cNvPr>
@@ -6108,7 +6108,7 @@
             <p:cNvPr id="19" name="Rectangle: Single Corner Snipped 18">
               <a:extLst>
                 <a:ext uri="{FF2B5EF4-FFF2-40B4-BE49-F238E27FC236}">
-                  <a16:creationId xmlns:a16="http://schemas.microsoft.com/office/drawing/2014/main" xmlns="" id="{5D638788-DD47-45E7-939A-FA108A818173}"/>
+                  <a16:creationId xmlns="" xmlns:a16="http://schemas.microsoft.com/office/drawing/2014/main" id="{5D638788-DD47-45E7-939A-FA108A818173}"/>
                 </a:ext>
               </a:extLst>
             </p:cNvPr>
@@ -6174,7 +6174,7 @@
             <p:cNvPr id="3" name="Rectangle: Single Corner Snipped 2">
               <a:extLst>
                 <a:ext uri="{FF2B5EF4-FFF2-40B4-BE49-F238E27FC236}">
-                  <a16:creationId xmlns:a16="http://schemas.microsoft.com/office/drawing/2014/main" xmlns="" id="{74BDECEF-EEFE-4332-B3B2-BDE4F82C10FC}"/>
+                  <a16:creationId xmlns="" xmlns:a16="http://schemas.microsoft.com/office/drawing/2014/main" id="{74BDECEF-EEFE-4332-B3B2-BDE4F82C10FC}"/>
                 </a:ext>
               </a:extLst>
             </p:cNvPr>
@@ -6231,7 +6231,7 @@
           <p:cNvPr id="24" name="Freeform: Shape 23">
             <a:extLst>
               <a:ext uri="{FF2B5EF4-FFF2-40B4-BE49-F238E27FC236}">
-                <a16:creationId xmlns:a16="http://schemas.microsoft.com/office/drawing/2014/main" xmlns="" id="{18103E00-7E4A-44CD-81AC-06433CAE1110}"/>
+                <a16:creationId xmlns="" xmlns:a16="http://schemas.microsoft.com/office/drawing/2014/main" id="{18103E00-7E4A-44CD-81AC-06433CAE1110}"/>
               </a:ext>
             </a:extLst>
           </p:cNvPr>
@@ -6326,7 +6326,7 @@
           <p:cNvPr id="5" name="Slide Number Placeholder 4">
             <a:extLst>
               <a:ext uri="{FF2B5EF4-FFF2-40B4-BE49-F238E27FC236}">
-                <a16:creationId xmlns:a16="http://schemas.microsoft.com/office/drawing/2014/main" xmlns="" id="{87B51822-97FF-47A7-8E4E-A0F79B4EB237}"/>
+                <a16:creationId xmlns="" xmlns:a16="http://schemas.microsoft.com/office/drawing/2014/main" id="{87B51822-97FF-47A7-8E4E-A0F79B4EB237}"/>
               </a:ext>
             </a:extLst>
           </p:cNvPr>
@@ -6370,7 +6370,7 @@
           <p:cNvPr id="20" name="Content Placeholder 2">
             <a:extLst>
               <a:ext uri="{FF2B5EF4-FFF2-40B4-BE49-F238E27FC236}">
-                <a16:creationId xmlns:a16="http://schemas.microsoft.com/office/drawing/2014/main" xmlns="" id="{FE796BFF-6E5F-4DE7-B193-F501FC094D63}"/>
+                <a16:creationId xmlns="" xmlns:a16="http://schemas.microsoft.com/office/drawing/2014/main" id="{FE796BFF-6E5F-4DE7-B193-F501FC094D63}"/>
               </a:ext>
             </a:extLst>
           </p:cNvPr>
@@ -6480,7 +6480,7 @@
           <p:cNvPr id="21" name="Content Placeholder 3">
             <a:extLst>
               <a:ext uri="{FF2B5EF4-FFF2-40B4-BE49-F238E27FC236}">
-                <a16:creationId xmlns:a16="http://schemas.microsoft.com/office/drawing/2014/main" xmlns="" id="{78622754-CA4D-4C27-A37F-B26E7B4C9CA2}"/>
+                <a16:creationId xmlns="" xmlns:a16="http://schemas.microsoft.com/office/drawing/2014/main" id="{78622754-CA4D-4C27-A37F-B26E7B4C9CA2}"/>
               </a:ext>
             </a:extLst>
           </p:cNvPr>
@@ -6618,7 +6618,7 @@
           <p:cNvPr id="11" name="Rectangle 10">
             <a:extLst>
               <a:ext uri="{FF2B5EF4-FFF2-40B4-BE49-F238E27FC236}">
-                <a16:creationId xmlns:a16="http://schemas.microsoft.com/office/drawing/2014/main" xmlns="" id="{EB3E033F-4449-40FA-BC85-BD2712D313DD}"/>
+                <a16:creationId xmlns="" xmlns:a16="http://schemas.microsoft.com/office/drawing/2014/main" id="{EB3E033F-4449-40FA-BC85-BD2712D313DD}"/>
               </a:ext>
             </a:extLst>
           </p:cNvPr>
@@ -6672,7 +6672,7 @@
           <p:cNvPr id="10" name="Freeform: Shape 9">
             <a:extLst>
               <a:ext uri="{FF2B5EF4-FFF2-40B4-BE49-F238E27FC236}">
-                <a16:creationId xmlns:a16="http://schemas.microsoft.com/office/drawing/2014/main" xmlns="" id="{63D26743-0505-444C-80B3-E88EE87DF72B}"/>
+                <a16:creationId xmlns="" xmlns:a16="http://schemas.microsoft.com/office/drawing/2014/main" id="{63D26743-0505-444C-80B3-E88EE87DF72B}"/>
               </a:ext>
             </a:extLst>
           </p:cNvPr>
@@ -6795,7 +6795,7 @@
           <p:cNvPr id="18" name="Freeform: Shape 17">
             <a:extLst>
               <a:ext uri="{FF2B5EF4-FFF2-40B4-BE49-F238E27FC236}">
-                <a16:creationId xmlns:a16="http://schemas.microsoft.com/office/drawing/2014/main" xmlns="" id="{E37145E9-AC61-47D5-9288-8789940F81B6}"/>
+                <a16:creationId xmlns="" xmlns:a16="http://schemas.microsoft.com/office/drawing/2014/main" id="{E37145E9-AC61-47D5-9288-8789940F81B6}"/>
               </a:ext>
             </a:extLst>
           </p:cNvPr>
@@ -6947,7 +6947,7 @@
           <p:cNvPr id="12" name="Freeform: Shape 11">
             <a:extLst>
               <a:ext uri="{FF2B5EF4-FFF2-40B4-BE49-F238E27FC236}">
-                <a16:creationId xmlns:a16="http://schemas.microsoft.com/office/drawing/2014/main" xmlns="" id="{A5E2B3ED-9A49-40A7-B8A3-62595FE513F9}"/>
+                <a16:creationId xmlns="" xmlns:a16="http://schemas.microsoft.com/office/drawing/2014/main" id="{A5E2B3ED-9A49-40A7-B8A3-62595FE513F9}"/>
               </a:ext>
             </a:extLst>
           </p:cNvPr>
@@ -7097,7 +7097,7 @@
           <p:cNvPr id="8" name="Freeform: Shape 7">
             <a:extLst>
               <a:ext uri="{FF2B5EF4-FFF2-40B4-BE49-F238E27FC236}">
-                <a16:creationId xmlns:a16="http://schemas.microsoft.com/office/drawing/2014/main" xmlns="" id="{1599AF7E-3E34-4597-AA72-9373A7FDB020}"/>
+                <a16:creationId xmlns="" xmlns:a16="http://schemas.microsoft.com/office/drawing/2014/main" id="{1599AF7E-3E34-4597-AA72-9373A7FDB020}"/>
               </a:ext>
             </a:extLst>
           </p:cNvPr>
@@ -7243,7 +7243,7 @@
           <p:cNvPr id="2" name="Title 1">
             <a:extLst>
               <a:ext uri="{FF2B5EF4-FFF2-40B4-BE49-F238E27FC236}">
-                <a16:creationId xmlns:a16="http://schemas.microsoft.com/office/drawing/2014/main" xmlns="" id="{4A2DF563-7FAC-46B3-B24C-7E45CD89DA2B}"/>
+                <a16:creationId xmlns="" xmlns:a16="http://schemas.microsoft.com/office/drawing/2014/main" id="{4A2DF563-7FAC-46B3-B24C-7E45CD89DA2B}"/>
               </a:ext>
             </a:extLst>
           </p:cNvPr>
@@ -7288,7 +7288,7 @@
           <p:cNvPr id="15" name="Group 14">
             <a:extLst>
               <a:ext uri="{FF2B5EF4-FFF2-40B4-BE49-F238E27FC236}">
-                <a16:creationId xmlns:a16="http://schemas.microsoft.com/office/drawing/2014/main" xmlns="" id="{7732E1E7-45E3-4264-8F26-66758696DD1E}"/>
+                <a16:creationId xmlns="" xmlns:a16="http://schemas.microsoft.com/office/drawing/2014/main" id="{7732E1E7-45E3-4264-8F26-66758696DD1E}"/>
               </a:ext>
             </a:extLst>
           </p:cNvPr>
@@ -7308,7 +7308,7 @@
             <p:cNvPr id="16" name="Freeform: Shape 15">
               <a:extLst>
                 <a:ext uri="{FF2B5EF4-FFF2-40B4-BE49-F238E27FC236}">
-                  <a16:creationId xmlns:a16="http://schemas.microsoft.com/office/drawing/2014/main" xmlns="" id="{2E3DF883-8093-49FA-81E1-E5D77F086A25}"/>
+                  <a16:creationId xmlns="" xmlns:a16="http://schemas.microsoft.com/office/drawing/2014/main" id="{2E3DF883-8093-49FA-81E1-E5D77F086A25}"/>
                 </a:ext>
               </a:extLst>
             </p:cNvPr>
@@ -7398,7 +7398,7 @@
             <p:cNvPr id="17" name="Freeform: Shape 16">
               <a:extLst>
                 <a:ext uri="{FF2B5EF4-FFF2-40B4-BE49-F238E27FC236}">
-                  <a16:creationId xmlns:a16="http://schemas.microsoft.com/office/drawing/2014/main" xmlns="" id="{18944C90-37E5-4BBE-89FF-060627168050}"/>
+                  <a16:creationId xmlns="" xmlns:a16="http://schemas.microsoft.com/office/drawing/2014/main" id="{18944C90-37E5-4BBE-89FF-060627168050}"/>
                 </a:ext>
               </a:extLst>
             </p:cNvPr>
@@ -7497,7 +7497,7 @@
           <p:cNvPr id="6" name="Group 5">
             <a:extLst>
               <a:ext uri="{FF2B5EF4-FFF2-40B4-BE49-F238E27FC236}">
-                <a16:creationId xmlns:a16="http://schemas.microsoft.com/office/drawing/2014/main" xmlns="" id="{D9EBF8BB-A805-4DDB-B459-082F99815B95}"/>
+                <a16:creationId xmlns="" xmlns:a16="http://schemas.microsoft.com/office/drawing/2014/main" id="{D9EBF8BB-A805-4DDB-B459-082F99815B95}"/>
               </a:ext>
             </a:extLst>
           </p:cNvPr>
@@ -7517,7 +7517,7 @@
             <p:cNvPr id="19" name="Rectangle: Single Corner Snipped 18">
               <a:extLst>
                 <a:ext uri="{FF2B5EF4-FFF2-40B4-BE49-F238E27FC236}">
-                  <a16:creationId xmlns:a16="http://schemas.microsoft.com/office/drawing/2014/main" xmlns="" id="{5D638788-DD47-45E7-939A-FA108A818173}"/>
+                  <a16:creationId xmlns="" xmlns:a16="http://schemas.microsoft.com/office/drawing/2014/main" id="{5D638788-DD47-45E7-939A-FA108A818173}"/>
                 </a:ext>
               </a:extLst>
             </p:cNvPr>
@@ -7578,7 +7578,7 @@
             <p:cNvPr id="3" name="Rectangle: Single Corner Snipped 2">
               <a:extLst>
                 <a:ext uri="{FF2B5EF4-FFF2-40B4-BE49-F238E27FC236}">
-                  <a16:creationId xmlns:a16="http://schemas.microsoft.com/office/drawing/2014/main" xmlns="" id="{74BDECEF-EEFE-4332-B3B2-BDE4F82C10FC}"/>
+                  <a16:creationId xmlns="" xmlns:a16="http://schemas.microsoft.com/office/drawing/2014/main" id="{74BDECEF-EEFE-4332-B3B2-BDE4F82C10FC}"/>
                 </a:ext>
               </a:extLst>
             </p:cNvPr>
@@ -7635,7 +7635,7 @@
           <p:cNvPr id="20" name="Picture Placeholder 8">
             <a:extLst>
               <a:ext uri="{FF2B5EF4-FFF2-40B4-BE49-F238E27FC236}">
-                <a16:creationId xmlns:a16="http://schemas.microsoft.com/office/drawing/2014/main" xmlns="" id="{6D00E6B4-1CBE-404E-B943-5F1832320C1C}"/>
+                <a16:creationId xmlns="" xmlns:a16="http://schemas.microsoft.com/office/drawing/2014/main" id="{6D00E6B4-1CBE-404E-B943-5F1832320C1C}"/>
               </a:ext>
             </a:extLst>
           </p:cNvPr>
@@ -7698,7 +7698,7 @@
           <p:cNvPr id="21" name="Picture Placeholder 8">
             <a:extLst>
               <a:ext uri="{FF2B5EF4-FFF2-40B4-BE49-F238E27FC236}">
-                <a16:creationId xmlns:a16="http://schemas.microsoft.com/office/drawing/2014/main" xmlns="" id="{7CD59BFD-62BE-4E33-92A5-B84A2A9A8D3B}"/>
+                <a16:creationId xmlns="" xmlns:a16="http://schemas.microsoft.com/office/drawing/2014/main" id="{7CD59BFD-62BE-4E33-92A5-B84A2A9A8D3B}"/>
               </a:ext>
             </a:extLst>
           </p:cNvPr>
@@ -7761,7 +7761,7 @@
           <p:cNvPr id="22" name="Picture Placeholder 8">
             <a:extLst>
               <a:ext uri="{FF2B5EF4-FFF2-40B4-BE49-F238E27FC236}">
-                <a16:creationId xmlns:a16="http://schemas.microsoft.com/office/drawing/2014/main" xmlns="" id="{60DC5978-55B8-421D-91B4-29F8210A7B2C}"/>
+                <a16:creationId xmlns="" xmlns:a16="http://schemas.microsoft.com/office/drawing/2014/main" id="{60DC5978-55B8-421D-91B4-29F8210A7B2C}"/>
               </a:ext>
             </a:extLst>
           </p:cNvPr>
@@ -7824,7 +7824,7 @@
           <p:cNvPr id="23" name="Picture Placeholder 8">
             <a:extLst>
               <a:ext uri="{FF2B5EF4-FFF2-40B4-BE49-F238E27FC236}">
-                <a16:creationId xmlns:a16="http://schemas.microsoft.com/office/drawing/2014/main" xmlns="" id="{BE3FB8C3-2C7E-4C59-8BD5-53FA2772DB56}"/>
+                <a16:creationId xmlns="" xmlns:a16="http://schemas.microsoft.com/office/drawing/2014/main" id="{BE3FB8C3-2C7E-4C59-8BD5-53FA2772DB56}"/>
               </a:ext>
             </a:extLst>
           </p:cNvPr>
@@ -7887,7 +7887,7 @@
           <p:cNvPr id="24" name="Picture Placeholder 8">
             <a:extLst>
               <a:ext uri="{FF2B5EF4-FFF2-40B4-BE49-F238E27FC236}">
-                <a16:creationId xmlns:a16="http://schemas.microsoft.com/office/drawing/2014/main" xmlns="" id="{FD8FA9DA-C36B-4889-B88F-28B5829E53E2}"/>
+                <a16:creationId xmlns="" xmlns:a16="http://schemas.microsoft.com/office/drawing/2014/main" id="{FD8FA9DA-C36B-4889-B88F-28B5829E53E2}"/>
               </a:ext>
             </a:extLst>
           </p:cNvPr>
@@ -7950,7 +7950,7 @@
           <p:cNvPr id="26" name="Text Placeholder 22">
             <a:extLst>
               <a:ext uri="{FF2B5EF4-FFF2-40B4-BE49-F238E27FC236}">
-                <a16:creationId xmlns:a16="http://schemas.microsoft.com/office/drawing/2014/main" xmlns="" id="{2A19101D-7C37-42BF-8167-5391EA65EC3A}"/>
+                <a16:creationId xmlns="" xmlns:a16="http://schemas.microsoft.com/office/drawing/2014/main" id="{2A19101D-7C37-42BF-8167-5391EA65EC3A}"/>
               </a:ext>
             </a:extLst>
           </p:cNvPr>
@@ -8060,7 +8060,7 @@
           <p:cNvPr id="27" name="Text Placeholder 22">
             <a:extLst>
               <a:ext uri="{FF2B5EF4-FFF2-40B4-BE49-F238E27FC236}">
-                <a16:creationId xmlns:a16="http://schemas.microsoft.com/office/drawing/2014/main" xmlns="" id="{05F72315-51A9-431C-B80A-45E4FB1D6BD6}"/>
+                <a16:creationId xmlns="" xmlns:a16="http://schemas.microsoft.com/office/drawing/2014/main" id="{05F72315-51A9-431C-B80A-45E4FB1D6BD6}"/>
               </a:ext>
             </a:extLst>
           </p:cNvPr>
@@ -8170,7 +8170,7 @@
           <p:cNvPr id="28" name="Text Placeholder 22">
             <a:extLst>
               <a:ext uri="{FF2B5EF4-FFF2-40B4-BE49-F238E27FC236}">
-                <a16:creationId xmlns:a16="http://schemas.microsoft.com/office/drawing/2014/main" xmlns="" id="{883D1F0C-34F1-46E1-B178-E4AB82B14631}"/>
+                <a16:creationId xmlns="" xmlns:a16="http://schemas.microsoft.com/office/drawing/2014/main" id="{883D1F0C-34F1-46E1-B178-E4AB82B14631}"/>
               </a:ext>
             </a:extLst>
           </p:cNvPr>
@@ -8280,7 +8280,7 @@
           <p:cNvPr id="29" name="Text Placeholder 22">
             <a:extLst>
               <a:ext uri="{FF2B5EF4-FFF2-40B4-BE49-F238E27FC236}">
-                <a16:creationId xmlns:a16="http://schemas.microsoft.com/office/drawing/2014/main" xmlns="" id="{7202A849-DF14-40E7-B38D-1185F72603EC}"/>
+                <a16:creationId xmlns="" xmlns:a16="http://schemas.microsoft.com/office/drawing/2014/main" id="{7202A849-DF14-40E7-B38D-1185F72603EC}"/>
               </a:ext>
             </a:extLst>
           </p:cNvPr>
@@ -8390,7 +8390,7 @@
           <p:cNvPr id="30" name="Text Placeholder 22">
             <a:extLst>
               <a:ext uri="{FF2B5EF4-FFF2-40B4-BE49-F238E27FC236}">
-                <a16:creationId xmlns:a16="http://schemas.microsoft.com/office/drawing/2014/main" xmlns="" id="{CCFC1ADF-AC11-4CCD-AC2D-478B6FFEA5EA}"/>
+                <a16:creationId xmlns="" xmlns:a16="http://schemas.microsoft.com/office/drawing/2014/main" id="{CCFC1ADF-AC11-4CCD-AC2D-478B6FFEA5EA}"/>
               </a:ext>
             </a:extLst>
           </p:cNvPr>
@@ -8500,7 +8500,7 @@
           <p:cNvPr id="7" name="Straight Connector 6">
             <a:extLst>
               <a:ext uri="{FF2B5EF4-FFF2-40B4-BE49-F238E27FC236}">
-                <a16:creationId xmlns:a16="http://schemas.microsoft.com/office/drawing/2014/main" xmlns="" id="{2B4CB326-DA0E-488E-B236-7017E8438FBB}"/>
+                <a16:creationId xmlns="" xmlns:a16="http://schemas.microsoft.com/office/drawing/2014/main" id="{2B4CB326-DA0E-488E-B236-7017E8438FBB}"/>
               </a:ext>
             </a:extLst>
           </p:cNvPr>
@@ -8541,7 +8541,7 @@
           <p:cNvPr id="31" name="Straight Connector 30">
             <a:extLst>
               <a:ext uri="{FF2B5EF4-FFF2-40B4-BE49-F238E27FC236}">
-                <a16:creationId xmlns:a16="http://schemas.microsoft.com/office/drawing/2014/main" xmlns="" id="{9366B533-7212-4A36-9CE2-D6302E721F8F}"/>
+                <a16:creationId xmlns="" xmlns:a16="http://schemas.microsoft.com/office/drawing/2014/main" id="{9366B533-7212-4A36-9CE2-D6302E721F8F}"/>
               </a:ext>
             </a:extLst>
           </p:cNvPr>
@@ -8582,7 +8582,7 @@
           <p:cNvPr id="32" name="Straight Connector 31">
             <a:extLst>
               <a:ext uri="{FF2B5EF4-FFF2-40B4-BE49-F238E27FC236}">
-                <a16:creationId xmlns:a16="http://schemas.microsoft.com/office/drawing/2014/main" xmlns="" id="{AD7474CD-E230-4E14-8274-5E20F673F401}"/>
+                <a16:creationId xmlns="" xmlns:a16="http://schemas.microsoft.com/office/drawing/2014/main" id="{AD7474CD-E230-4E14-8274-5E20F673F401}"/>
               </a:ext>
             </a:extLst>
           </p:cNvPr>
@@ -8623,7 +8623,7 @@
           <p:cNvPr id="33" name="Straight Connector 32">
             <a:extLst>
               <a:ext uri="{FF2B5EF4-FFF2-40B4-BE49-F238E27FC236}">
-                <a16:creationId xmlns:a16="http://schemas.microsoft.com/office/drawing/2014/main" xmlns="" id="{6BF71FCE-6F39-4D2F-82BE-7D9F1D2ED59F}"/>
+                <a16:creationId xmlns="" xmlns:a16="http://schemas.microsoft.com/office/drawing/2014/main" id="{6BF71FCE-6F39-4D2F-82BE-7D9F1D2ED59F}"/>
               </a:ext>
             </a:extLst>
           </p:cNvPr>
@@ -8664,7 +8664,7 @@
           <p:cNvPr id="34" name="Straight Connector 33">
             <a:extLst>
               <a:ext uri="{FF2B5EF4-FFF2-40B4-BE49-F238E27FC236}">
-                <a16:creationId xmlns:a16="http://schemas.microsoft.com/office/drawing/2014/main" xmlns="" id="{AE97AC7A-17D9-4F42-9DD0-94FE4FC6BF19}"/>
+                <a16:creationId xmlns="" xmlns:a16="http://schemas.microsoft.com/office/drawing/2014/main" id="{AE97AC7A-17D9-4F42-9DD0-94FE4FC6BF19}"/>
               </a:ext>
             </a:extLst>
           </p:cNvPr>
@@ -8705,7 +8705,7 @@
           <p:cNvPr id="35" name="Freeform: Shape 34">
             <a:extLst>
               <a:ext uri="{FF2B5EF4-FFF2-40B4-BE49-F238E27FC236}">
-                <a16:creationId xmlns:a16="http://schemas.microsoft.com/office/drawing/2014/main" xmlns="" id="{62EEBF51-DCAD-4335-85E9-52801031A1BF}"/>
+                <a16:creationId xmlns="" xmlns:a16="http://schemas.microsoft.com/office/drawing/2014/main" id="{62EEBF51-DCAD-4335-85E9-52801031A1BF}"/>
               </a:ext>
             </a:extLst>
           </p:cNvPr>
@@ -8800,7 +8800,7 @@
           <p:cNvPr id="5" name="Slide Number Placeholder 4">
             <a:extLst>
               <a:ext uri="{FF2B5EF4-FFF2-40B4-BE49-F238E27FC236}">
-                <a16:creationId xmlns:a16="http://schemas.microsoft.com/office/drawing/2014/main" xmlns="" id="{87B51822-97FF-47A7-8E4E-A0F79B4EB237}"/>
+                <a16:creationId xmlns="" xmlns:a16="http://schemas.microsoft.com/office/drawing/2014/main" id="{87B51822-97FF-47A7-8E4E-A0F79B4EB237}"/>
               </a:ext>
             </a:extLst>
           </p:cNvPr>
@@ -8882,7 +8882,7 @@
           <p:cNvPr id="11" name="Rectangle 10">
             <a:extLst>
               <a:ext uri="{FF2B5EF4-FFF2-40B4-BE49-F238E27FC236}">
-                <a16:creationId xmlns:a16="http://schemas.microsoft.com/office/drawing/2014/main" xmlns="" id="{EB3E033F-4449-40FA-BC85-BD2712D313DD}"/>
+                <a16:creationId xmlns="" xmlns:a16="http://schemas.microsoft.com/office/drawing/2014/main" id="{EB3E033F-4449-40FA-BC85-BD2712D313DD}"/>
               </a:ext>
             </a:extLst>
           </p:cNvPr>
@@ -8936,7 +8936,7 @@
           <p:cNvPr id="10" name="Freeform: Shape 9">
             <a:extLst>
               <a:ext uri="{FF2B5EF4-FFF2-40B4-BE49-F238E27FC236}">
-                <a16:creationId xmlns:a16="http://schemas.microsoft.com/office/drawing/2014/main" xmlns="" id="{63D26743-0505-444C-80B3-E88EE87DF72B}"/>
+                <a16:creationId xmlns="" xmlns:a16="http://schemas.microsoft.com/office/drawing/2014/main" id="{63D26743-0505-444C-80B3-E88EE87DF72B}"/>
               </a:ext>
             </a:extLst>
           </p:cNvPr>
@@ -9059,7 +9059,7 @@
           <p:cNvPr id="18" name="Freeform: Shape 17">
             <a:extLst>
               <a:ext uri="{FF2B5EF4-FFF2-40B4-BE49-F238E27FC236}">
-                <a16:creationId xmlns:a16="http://schemas.microsoft.com/office/drawing/2014/main" xmlns="" id="{E37145E9-AC61-47D5-9288-8789940F81B6}"/>
+                <a16:creationId xmlns="" xmlns:a16="http://schemas.microsoft.com/office/drawing/2014/main" id="{E37145E9-AC61-47D5-9288-8789940F81B6}"/>
               </a:ext>
             </a:extLst>
           </p:cNvPr>
@@ -9211,7 +9211,7 @@
           <p:cNvPr id="12" name="Freeform: Shape 11">
             <a:extLst>
               <a:ext uri="{FF2B5EF4-FFF2-40B4-BE49-F238E27FC236}">
-                <a16:creationId xmlns:a16="http://schemas.microsoft.com/office/drawing/2014/main" xmlns="" id="{A5E2B3ED-9A49-40A7-B8A3-62595FE513F9}"/>
+                <a16:creationId xmlns="" xmlns:a16="http://schemas.microsoft.com/office/drawing/2014/main" id="{A5E2B3ED-9A49-40A7-B8A3-62595FE513F9}"/>
               </a:ext>
             </a:extLst>
           </p:cNvPr>
@@ -9361,7 +9361,7 @@
           <p:cNvPr id="8" name="Freeform: Shape 7">
             <a:extLst>
               <a:ext uri="{FF2B5EF4-FFF2-40B4-BE49-F238E27FC236}">
-                <a16:creationId xmlns:a16="http://schemas.microsoft.com/office/drawing/2014/main" xmlns="" id="{1599AF7E-3E34-4597-AA72-9373A7FDB020}"/>
+                <a16:creationId xmlns="" xmlns:a16="http://schemas.microsoft.com/office/drawing/2014/main" id="{1599AF7E-3E34-4597-AA72-9373A7FDB020}"/>
               </a:ext>
             </a:extLst>
           </p:cNvPr>
@@ -9507,7 +9507,7 @@
           <p:cNvPr id="2" name="Title 1">
             <a:extLst>
               <a:ext uri="{FF2B5EF4-FFF2-40B4-BE49-F238E27FC236}">
-                <a16:creationId xmlns:a16="http://schemas.microsoft.com/office/drawing/2014/main" xmlns="" id="{4A2DF563-7FAC-46B3-B24C-7E45CD89DA2B}"/>
+                <a16:creationId xmlns="" xmlns:a16="http://schemas.microsoft.com/office/drawing/2014/main" id="{4A2DF563-7FAC-46B3-B24C-7E45CD89DA2B}"/>
               </a:ext>
             </a:extLst>
           </p:cNvPr>
@@ -9552,7 +9552,7 @@
           <p:cNvPr id="15" name="Group 14">
             <a:extLst>
               <a:ext uri="{FF2B5EF4-FFF2-40B4-BE49-F238E27FC236}">
-                <a16:creationId xmlns:a16="http://schemas.microsoft.com/office/drawing/2014/main" xmlns="" id="{7732E1E7-45E3-4264-8F26-66758696DD1E}"/>
+                <a16:creationId xmlns="" xmlns:a16="http://schemas.microsoft.com/office/drawing/2014/main" id="{7732E1E7-45E3-4264-8F26-66758696DD1E}"/>
               </a:ext>
             </a:extLst>
           </p:cNvPr>
@@ -9572,7 +9572,7 @@
             <p:cNvPr id="16" name="Freeform: Shape 15">
               <a:extLst>
                 <a:ext uri="{FF2B5EF4-FFF2-40B4-BE49-F238E27FC236}">
-                  <a16:creationId xmlns:a16="http://schemas.microsoft.com/office/drawing/2014/main" xmlns="" id="{2E3DF883-8093-49FA-81E1-E5D77F086A25}"/>
+                  <a16:creationId xmlns="" xmlns:a16="http://schemas.microsoft.com/office/drawing/2014/main" id="{2E3DF883-8093-49FA-81E1-E5D77F086A25}"/>
                 </a:ext>
               </a:extLst>
             </p:cNvPr>
@@ -9662,7 +9662,7 @@
             <p:cNvPr id="17" name="Freeform: Shape 16">
               <a:extLst>
                 <a:ext uri="{FF2B5EF4-FFF2-40B4-BE49-F238E27FC236}">
-                  <a16:creationId xmlns:a16="http://schemas.microsoft.com/office/drawing/2014/main" xmlns="" id="{18944C90-37E5-4BBE-89FF-060627168050}"/>
+                  <a16:creationId xmlns="" xmlns:a16="http://schemas.microsoft.com/office/drawing/2014/main" id="{18944C90-37E5-4BBE-89FF-060627168050}"/>
                 </a:ext>
               </a:extLst>
             </p:cNvPr>
@@ -9761,7 +9761,7 @@
           <p:cNvPr id="6" name="Group 5">
             <a:extLst>
               <a:ext uri="{FF2B5EF4-FFF2-40B4-BE49-F238E27FC236}">
-                <a16:creationId xmlns:a16="http://schemas.microsoft.com/office/drawing/2014/main" xmlns="" id="{D9EBF8BB-A805-4DDB-B459-082F99815B95}"/>
+                <a16:creationId xmlns="" xmlns:a16="http://schemas.microsoft.com/office/drawing/2014/main" id="{D9EBF8BB-A805-4DDB-B459-082F99815B95}"/>
               </a:ext>
             </a:extLst>
           </p:cNvPr>
@@ -9781,7 +9781,7 @@
             <p:cNvPr id="19" name="Rectangle: Single Corner Snipped 18">
               <a:extLst>
                 <a:ext uri="{FF2B5EF4-FFF2-40B4-BE49-F238E27FC236}">
-                  <a16:creationId xmlns:a16="http://schemas.microsoft.com/office/drawing/2014/main" xmlns="" id="{5D638788-DD47-45E7-939A-FA108A818173}"/>
+                  <a16:creationId xmlns="" xmlns:a16="http://schemas.microsoft.com/office/drawing/2014/main" id="{5D638788-DD47-45E7-939A-FA108A818173}"/>
                 </a:ext>
               </a:extLst>
             </p:cNvPr>
@@ -9842,7 +9842,7 @@
             <p:cNvPr id="3" name="Rectangle: Single Corner Snipped 2">
               <a:extLst>
                 <a:ext uri="{FF2B5EF4-FFF2-40B4-BE49-F238E27FC236}">
-                  <a16:creationId xmlns:a16="http://schemas.microsoft.com/office/drawing/2014/main" xmlns="" id="{74BDECEF-EEFE-4332-B3B2-BDE4F82C10FC}"/>
+                  <a16:creationId xmlns="" xmlns:a16="http://schemas.microsoft.com/office/drawing/2014/main" id="{74BDECEF-EEFE-4332-B3B2-BDE4F82C10FC}"/>
                 </a:ext>
               </a:extLst>
             </p:cNvPr>
@@ -9899,7 +9899,7 @@
           <p:cNvPr id="26" name="Text Placeholder 22">
             <a:extLst>
               <a:ext uri="{FF2B5EF4-FFF2-40B4-BE49-F238E27FC236}">
-                <a16:creationId xmlns:a16="http://schemas.microsoft.com/office/drawing/2014/main" xmlns="" id="{2A19101D-7C37-42BF-8167-5391EA65EC3A}"/>
+                <a16:creationId xmlns="" xmlns:a16="http://schemas.microsoft.com/office/drawing/2014/main" id="{2A19101D-7C37-42BF-8167-5391EA65EC3A}"/>
               </a:ext>
             </a:extLst>
           </p:cNvPr>
@@ -10009,7 +10009,7 @@
           <p:cNvPr id="35" name="Freeform: Shape 34">
             <a:extLst>
               <a:ext uri="{FF2B5EF4-FFF2-40B4-BE49-F238E27FC236}">
-                <a16:creationId xmlns:a16="http://schemas.microsoft.com/office/drawing/2014/main" xmlns="" id="{62EEBF51-DCAD-4335-85E9-52801031A1BF}"/>
+                <a16:creationId xmlns="" xmlns:a16="http://schemas.microsoft.com/office/drawing/2014/main" id="{62EEBF51-DCAD-4335-85E9-52801031A1BF}"/>
               </a:ext>
             </a:extLst>
           </p:cNvPr>
@@ -10104,7 +10104,7 @@
           <p:cNvPr id="5" name="Slide Number Placeholder 4">
             <a:extLst>
               <a:ext uri="{FF2B5EF4-FFF2-40B4-BE49-F238E27FC236}">
-                <a16:creationId xmlns:a16="http://schemas.microsoft.com/office/drawing/2014/main" xmlns="" id="{87B51822-97FF-47A7-8E4E-A0F79B4EB237}"/>
+                <a16:creationId xmlns="" xmlns:a16="http://schemas.microsoft.com/office/drawing/2014/main" id="{87B51822-97FF-47A7-8E4E-A0F79B4EB237}"/>
               </a:ext>
             </a:extLst>
           </p:cNvPr>
@@ -10148,7 +10148,7 @@
           <p:cNvPr id="13" name="Picture Placeholder 12">
             <a:extLst>
               <a:ext uri="{FF2B5EF4-FFF2-40B4-BE49-F238E27FC236}">
-                <a16:creationId xmlns:a16="http://schemas.microsoft.com/office/drawing/2014/main" xmlns="" id="{231B97CF-FD24-4932-8459-893B1AC73D33}"/>
+                <a16:creationId xmlns="" xmlns:a16="http://schemas.microsoft.com/office/drawing/2014/main" id="{231B97CF-FD24-4932-8459-893B1AC73D33}"/>
               </a:ext>
             </a:extLst>
           </p:cNvPr>
@@ -10193,7 +10193,7 @@
           <p:cNvPr id="36" name="Text Placeholder 22">
             <a:extLst>
               <a:ext uri="{FF2B5EF4-FFF2-40B4-BE49-F238E27FC236}">
-                <a16:creationId xmlns:a16="http://schemas.microsoft.com/office/drawing/2014/main" xmlns="" id="{642D3CE0-C3B4-4F3F-A650-AB452B3AD4BA}"/>
+                <a16:creationId xmlns="" xmlns:a16="http://schemas.microsoft.com/office/drawing/2014/main" id="{642D3CE0-C3B4-4F3F-A650-AB452B3AD4BA}"/>
               </a:ext>
             </a:extLst>
           </p:cNvPr>
@@ -10303,7 +10303,7 @@
           <p:cNvPr id="37" name="Text Placeholder 22">
             <a:extLst>
               <a:ext uri="{FF2B5EF4-FFF2-40B4-BE49-F238E27FC236}">
-                <a16:creationId xmlns:a16="http://schemas.microsoft.com/office/drawing/2014/main" xmlns="" id="{DBED2BB0-CDAD-40EE-8B35-C66DF45EE29D}"/>
+                <a16:creationId xmlns="" xmlns:a16="http://schemas.microsoft.com/office/drawing/2014/main" id="{DBED2BB0-CDAD-40EE-8B35-C66DF45EE29D}"/>
               </a:ext>
             </a:extLst>
           </p:cNvPr>
@@ -10451,7 +10451,7 @@
           <p:cNvPr id="11" name="Rectangle 10">
             <a:extLst>
               <a:ext uri="{FF2B5EF4-FFF2-40B4-BE49-F238E27FC236}">
-                <a16:creationId xmlns:a16="http://schemas.microsoft.com/office/drawing/2014/main" xmlns="" id="{EB3E033F-4449-40FA-BC85-BD2712D313DD}"/>
+                <a16:creationId xmlns="" xmlns:a16="http://schemas.microsoft.com/office/drawing/2014/main" id="{EB3E033F-4449-40FA-BC85-BD2712D313DD}"/>
               </a:ext>
             </a:extLst>
           </p:cNvPr>
@@ -10505,7 +10505,7 @@
           <p:cNvPr id="10" name="Freeform: Shape 9">
             <a:extLst>
               <a:ext uri="{FF2B5EF4-FFF2-40B4-BE49-F238E27FC236}">
-                <a16:creationId xmlns:a16="http://schemas.microsoft.com/office/drawing/2014/main" xmlns="" id="{63D26743-0505-444C-80B3-E88EE87DF72B}"/>
+                <a16:creationId xmlns="" xmlns:a16="http://schemas.microsoft.com/office/drawing/2014/main" id="{63D26743-0505-444C-80B3-E88EE87DF72B}"/>
               </a:ext>
             </a:extLst>
           </p:cNvPr>
@@ -10628,7 +10628,7 @@
           <p:cNvPr id="18" name="Freeform: Shape 17">
             <a:extLst>
               <a:ext uri="{FF2B5EF4-FFF2-40B4-BE49-F238E27FC236}">
-                <a16:creationId xmlns:a16="http://schemas.microsoft.com/office/drawing/2014/main" xmlns="" id="{E37145E9-AC61-47D5-9288-8789940F81B6}"/>
+                <a16:creationId xmlns="" xmlns:a16="http://schemas.microsoft.com/office/drawing/2014/main" id="{E37145E9-AC61-47D5-9288-8789940F81B6}"/>
               </a:ext>
             </a:extLst>
           </p:cNvPr>
@@ -10780,7 +10780,7 @@
           <p:cNvPr id="12" name="Freeform: Shape 11">
             <a:extLst>
               <a:ext uri="{FF2B5EF4-FFF2-40B4-BE49-F238E27FC236}">
-                <a16:creationId xmlns:a16="http://schemas.microsoft.com/office/drawing/2014/main" xmlns="" id="{A5E2B3ED-9A49-40A7-B8A3-62595FE513F9}"/>
+                <a16:creationId xmlns="" xmlns:a16="http://schemas.microsoft.com/office/drawing/2014/main" id="{A5E2B3ED-9A49-40A7-B8A3-62595FE513F9}"/>
               </a:ext>
             </a:extLst>
           </p:cNvPr>
@@ -10930,7 +10930,7 @@
           <p:cNvPr id="8" name="Freeform: Shape 7">
             <a:extLst>
               <a:ext uri="{FF2B5EF4-FFF2-40B4-BE49-F238E27FC236}">
-                <a16:creationId xmlns:a16="http://schemas.microsoft.com/office/drawing/2014/main" xmlns="" id="{1599AF7E-3E34-4597-AA72-9373A7FDB020}"/>
+                <a16:creationId xmlns="" xmlns:a16="http://schemas.microsoft.com/office/drawing/2014/main" id="{1599AF7E-3E34-4597-AA72-9373A7FDB020}"/>
               </a:ext>
             </a:extLst>
           </p:cNvPr>
@@ -11076,7 +11076,7 @@
           <p:cNvPr id="2" name="Title 1">
             <a:extLst>
               <a:ext uri="{FF2B5EF4-FFF2-40B4-BE49-F238E27FC236}">
-                <a16:creationId xmlns:a16="http://schemas.microsoft.com/office/drawing/2014/main" xmlns="" id="{4A2DF563-7FAC-46B3-B24C-7E45CD89DA2B}"/>
+                <a16:creationId xmlns="" xmlns:a16="http://schemas.microsoft.com/office/drawing/2014/main" id="{4A2DF563-7FAC-46B3-B24C-7E45CD89DA2B}"/>
               </a:ext>
             </a:extLst>
           </p:cNvPr>
@@ -11121,7 +11121,7 @@
           <p:cNvPr id="15" name="Group 14">
             <a:extLst>
               <a:ext uri="{FF2B5EF4-FFF2-40B4-BE49-F238E27FC236}">
-                <a16:creationId xmlns:a16="http://schemas.microsoft.com/office/drawing/2014/main" xmlns="" id="{7732E1E7-45E3-4264-8F26-66758696DD1E}"/>
+                <a16:creationId xmlns="" xmlns:a16="http://schemas.microsoft.com/office/drawing/2014/main" id="{7732E1E7-45E3-4264-8F26-66758696DD1E}"/>
               </a:ext>
             </a:extLst>
           </p:cNvPr>
@@ -11141,7 +11141,7 @@
             <p:cNvPr id="16" name="Freeform: Shape 15">
               <a:extLst>
                 <a:ext uri="{FF2B5EF4-FFF2-40B4-BE49-F238E27FC236}">
-                  <a16:creationId xmlns:a16="http://schemas.microsoft.com/office/drawing/2014/main" xmlns="" id="{2E3DF883-8093-49FA-81E1-E5D77F086A25}"/>
+                  <a16:creationId xmlns="" xmlns:a16="http://schemas.microsoft.com/office/drawing/2014/main" id="{2E3DF883-8093-49FA-81E1-E5D77F086A25}"/>
                 </a:ext>
               </a:extLst>
             </p:cNvPr>
@@ -11231,7 +11231,7 @@
             <p:cNvPr id="17" name="Freeform: Shape 16">
               <a:extLst>
                 <a:ext uri="{FF2B5EF4-FFF2-40B4-BE49-F238E27FC236}">
-                  <a16:creationId xmlns:a16="http://schemas.microsoft.com/office/drawing/2014/main" xmlns="" id="{18944C90-37E5-4BBE-89FF-060627168050}"/>
+                  <a16:creationId xmlns="" xmlns:a16="http://schemas.microsoft.com/office/drawing/2014/main" id="{18944C90-37E5-4BBE-89FF-060627168050}"/>
                 </a:ext>
               </a:extLst>
             </p:cNvPr>
@@ -11330,7 +11330,7 @@
           <p:cNvPr id="6" name="Group 5">
             <a:extLst>
               <a:ext uri="{FF2B5EF4-FFF2-40B4-BE49-F238E27FC236}">
-                <a16:creationId xmlns:a16="http://schemas.microsoft.com/office/drawing/2014/main" xmlns="" id="{D9EBF8BB-A805-4DDB-B459-082F99815B95}"/>
+                <a16:creationId xmlns="" xmlns:a16="http://schemas.microsoft.com/office/drawing/2014/main" id="{D9EBF8BB-A805-4DDB-B459-082F99815B95}"/>
               </a:ext>
             </a:extLst>
           </p:cNvPr>
@@ -11350,7 +11350,7 @@
             <p:cNvPr id="19" name="Rectangle: Single Corner Snipped 18">
               <a:extLst>
                 <a:ext uri="{FF2B5EF4-FFF2-40B4-BE49-F238E27FC236}">
-                  <a16:creationId xmlns:a16="http://schemas.microsoft.com/office/drawing/2014/main" xmlns="" id="{5D638788-DD47-45E7-939A-FA108A818173}"/>
+                  <a16:creationId xmlns="" xmlns:a16="http://schemas.microsoft.com/office/drawing/2014/main" id="{5D638788-DD47-45E7-939A-FA108A818173}"/>
                 </a:ext>
               </a:extLst>
             </p:cNvPr>
@@ -11411,7 +11411,7 @@
             <p:cNvPr id="3" name="Rectangle: Single Corner Snipped 2">
               <a:extLst>
                 <a:ext uri="{FF2B5EF4-FFF2-40B4-BE49-F238E27FC236}">
-                  <a16:creationId xmlns:a16="http://schemas.microsoft.com/office/drawing/2014/main" xmlns="" id="{74BDECEF-EEFE-4332-B3B2-BDE4F82C10FC}"/>
+                  <a16:creationId xmlns="" xmlns:a16="http://schemas.microsoft.com/office/drawing/2014/main" id="{74BDECEF-EEFE-4332-B3B2-BDE4F82C10FC}"/>
                 </a:ext>
               </a:extLst>
             </p:cNvPr>
@@ -11468,7 +11468,7 @@
           <p:cNvPr id="26" name="Text Placeholder 22">
             <a:extLst>
               <a:ext uri="{FF2B5EF4-FFF2-40B4-BE49-F238E27FC236}">
-                <a16:creationId xmlns:a16="http://schemas.microsoft.com/office/drawing/2014/main" xmlns="" id="{2A19101D-7C37-42BF-8167-5391EA65EC3A}"/>
+                <a16:creationId xmlns="" xmlns:a16="http://schemas.microsoft.com/office/drawing/2014/main" id="{2A19101D-7C37-42BF-8167-5391EA65EC3A}"/>
               </a:ext>
             </a:extLst>
           </p:cNvPr>
@@ -11578,7 +11578,7 @@
           <p:cNvPr id="35" name="Freeform: Shape 34">
             <a:extLst>
               <a:ext uri="{FF2B5EF4-FFF2-40B4-BE49-F238E27FC236}">
-                <a16:creationId xmlns:a16="http://schemas.microsoft.com/office/drawing/2014/main" xmlns="" id="{62EEBF51-DCAD-4335-85E9-52801031A1BF}"/>
+                <a16:creationId xmlns="" xmlns:a16="http://schemas.microsoft.com/office/drawing/2014/main" id="{62EEBF51-DCAD-4335-85E9-52801031A1BF}"/>
               </a:ext>
             </a:extLst>
           </p:cNvPr>
@@ -11673,7 +11673,7 @@
           <p:cNvPr id="5" name="Slide Number Placeholder 4">
             <a:extLst>
               <a:ext uri="{FF2B5EF4-FFF2-40B4-BE49-F238E27FC236}">
-                <a16:creationId xmlns:a16="http://schemas.microsoft.com/office/drawing/2014/main" xmlns="" id="{87B51822-97FF-47A7-8E4E-A0F79B4EB237}"/>
+                <a16:creationId xmlns="" xmlns:a16="http://schemas.microsoft.com/office/drawing/2014/main" id="{87B51822-97FF-47A7-8E4E-A0F79B4EB237}"/>
               </a:ext>
             </a:extLst>
           </p:cNvPr>
@@ -11717,7 +11717,7 @@
           <p:cNvPr id="13" name="Picture Placeholder 12">
             <a:extLst>
               <a:ext uri="{FF2B5EF4-FFF2-40B4-BE49-F238E27FC236}">
-                <a16:creationId xmlns:a16="http://schemas.microsoft.com/office/drawing/2014/main" xmlns="" id="{231B97CF-FD24-4932-8459-893B1AC73D33}"/>
+                <a16:creationId xmlns="" xmlns:a16="http://schemas.microsoft.com/office/drawing/2014/main" id="{231B97CF-FD24-4932-8459-893B1AC73D33}"/>
               </a:ext>
             </a:extLst>
           </p:cNvPr>
@@ -11800,7 +11800,7 @@
           <p:cNvPr id="11" name="Rectangle 10">
             <a:extLst>
               <a:ext uri="{FF2B5EF4-FFF2-40B4-BE49-F238E27FC236}">
-                <a16:creationId xmlns:a16="http://schemas.microsoft.com/office/drawing/2014/main" xmlns="" id="{EB3E033F-4449-40FA-BC85-BD2712D313DD}"/>
+                <a16:creationId xmlns="" xmlns:a16="http://schemas.microsoft.com/office/drawing/2014/main" id="{EB3E033F-4449-40FA-BC85-BD2712D313DD}"/>
               </a:ext>
             </a:extLst>
           </p:cNvPr>
@@ -11854,7 +11854,7 @@
           <p:cNvPr id="10" name="Freeform: Shape 9">
             <a:extLst>
               <a:ext uri="{FF2B5EF4-FFF2-40B4-BE49-F238E27FC236}">
-                <a16:creationId xmlns:a16="http://schemas.microsoft.com/office/drawing/2014/main" xmlns="" id="{63D26743-0505-444C-80B3-E88EE87DF72B}"/>
+                <a16:creationId xmlns="" xmlns:a16="http://schemas.microsoft.com/office/drawing/2014/main" id="{63D26743-0505-444C-80B3-E88EE87DF72B}"/>
               </a:ext>
             </a:extLst>
           </p:cNvPr>
@@ -11977,7 +11977,7 @@
           <p:cNvPr id="18" name="Freeform: Shape 17">
             <a:extLst>
               <a:ext uri="{FF2B5EF4-FFF2-40B4-BE49-F238E27FC236}">
-                <a16:creationId xmlns:a16="http://schemas.microsoft.com/office/drawing/2014/main" xmlns="" id="{E37145E9-AC61-47D5-9288-8789940F81B6}"/>
+                <a16:creationId xmlns="" xmlns:a16="http://schemas.microsoft.com/office/drawing/2014/main" id="{E37145E9-AC61-47D5-9288-8789940F81B6}"/>
               </a:ext>
             </a:extLst>
           </p:cNvPr>
@@ -12129,7 +12129,7 @@
           <p:cNvPr id="12" name="Freeform: Shape 11">
             <a:extLst>
               <a:ext uri="{FF2B5EF4-FFF2-40B4-BE49-F238E27FC236}">
-                <a16:creationId xmlns:a16="http://schemas.microsoft.com/office/drawing/2014/main" xmlns="" id="{A5E2B3ED-9A49-40A7-B8A3-62595FE513F9}"/>
+                <a16:creationId xmlns="" xmlns:a16="http://schemas.microsoft.com/office/drawing/2014/main" id="{A5E2B3ED-9A49-40A7-B8A3-62595FE513F9}"/>
               </a:ext>
             </a:extLst>
           </p:cNvPr>
@@ -12279,7 +12279,7 @@
           <p:cNvPr id="8" name="Freeform: Shape 7">
             <a:extLst>
               <a:ext uri="{FF2B5EF4-FFF2-40B4-BE49-F238E27FC236}">
-                <a16:creationId xmlns:a16="http://schemas.microsoft.com/office/drawing/2014/main" xmlns="" id="{1599AF7E-3E34-4597-AA72-9373A7FDB020}"/>
+                <a16:creationId xmlns="" xmlns:a16="http://schemas.microsoft.com/office/drawing/2014/main" id="{1599AF7E-3E34-4597-AA72-9373A7FDB020}"/>
               </a:ext>
             </a:extLst>
           </p:cNvPr>
@@ -12425,7 +12425,7 @@
           <p:cNvPr id="2" name="Title 1">
             <a:extLst>
               <a:ext uri="{FF2B5EF4-FFF2-40B4-BE49-F238E27FC236}">
-                <a16:creationId xmlns:a16="http://schemas.microsoft.com/office/drawing/2014/main" xmlns="" id="{4A2DF563-7FAC-46B3-B24C-7E45CD89DA2B}"/>
+                <a16:creationId xmlns="" xmlns:a16="http://schemas.microsoft.com/office/drawing/2014/main" id="{4A2DF563-7FAC-46B3-B24C-7E45CD89DA2B}"/>
               </a:ext>
             </a:extLst>
           </p:cNvPr>
@@ -12470,7 +12470,7 @@
           <p:cNvPr id="15" name="Group 14">
             <a:extLst>
               <a:ext uri="{FF2B5EF4-FFF2-40B4-BE49-F238E27FC236}">
-                <a16:creationId xmlns:a16="http://schemas.microsoft.com/office/drawing/2014/main" xmlns="" id="{7732E1E7-45E3-4264-8F26-66758696DD1E}"/>
+                <a16:creationId xmlns="" xmlns:a16="http://schemas.microsoft.com/office/drawing/2014/main" id="{7732E1E7-45E3-4264-8F26-66758696DD1E}"/>
               </a:ext>
             </a:extLst>
           </p:cNvPr>
@@ -12490,7 +12490,7 @@
             <p:cNvPr id="16" name="Freeform: Shape 15">
               <a:extLst>
                 <a:ext uri="{FF2B5EF4-FFF2-40B4-BE49-F238E27FC236}">
-                  <a16:creationId xmlns:a16="http://schemas.microsoft.com/office/drawing/2014/main" xmlns="" id="{2E3DF883-8093-49FA-81E1-E5D77F086A25}"/>
+                  <a16:creationId xmlns="" xmlns:a16="http://schemas.microsoft.com/office/drawing/2014/main" id="{2E3DF883-8093-49FA-81E1-E5D77F086A25}"/>
                 </a:ext>
               </a:extLst>
             </p:cNvPr>
@@ -12580,7 +12580,7 @@
             <p:cNvPr id="17" name="Freeform: Shape 16">
               <a:extLst>
                 <a:ext uri="{FF2B5EF4-FFF2-40B4-BE49-F238E27FC236}">
-                  <a16:creationId xmlns:a16="http://schemas.microsoft.com/office/drawing/2014/main" xmlns="" id="{18944C90-37E5-4BBE-89FF-060627168050}"/>
+                  <a16:creationId xmlns="" xmlns:a16="http://schemas.microsoft.com/office/drawing/2014/main" id="{18944C90-37E5-4BBE-89FF-060627168050}"/>
                 </a:ext>
               </a:extLst>
             </p:cNvPr>
@@ -12679,7 +12679,7 @@
           <p:cNvPr id="6" name="Group 5">
             <a:extLst>
               <a:ext uri="{FF2B5EF4-FFF2-40B4-BE49-F238E27FC236}">
-                <a16:creationId xmlns:a16="http://schemas.microsoft.com/office/drawing/2014/main" xmlns="" id="{D9EBF8BB-A805-4DDB-B459-082F99815B95}"/>
+                <a16:creationId xmlns="" xmlns:a16="http://schemas.microsoft.com/office/drawing/2014/main" id="{D9EBF8BB-A805-4DDB-B459-082F99815B95}"/>
               </a:ext>
             </a:extLst>
           </p:cNvPr>
@@ -12699,7 +12699,7 @@
             <p:cNvPr id="19" name="Rectangle: Single Corner Snipped 18">
               <a:extLst>
                 <a:ext uri="{FF2B5EF4-FFF2-40B4-BE49-F238E27FC236}">
-                  <a16:creationId xmlns:a16="http://schemas.microsoft.com/office/drawing/2014/main" xmlns="" id="{5D638788-DD47-45E7-939A-FA108A818173}"/>
+                  <a16:creationId xmlns="" xmlns:a16="http://schemas.microsoft.com/office/drawing/2014/main" id="{5D638788-DD47-45E7-939A-FA108A818173}"/>
                 </a:ext>
               </a:extLst>
             </p:cNvPr>
@@ -12760,7 +12760,7 @@
             <p:cNvPr id="3" name="Rectangle: Single Corner Snipped 2">
               <a:extLst>
                 <a:ext uri="{FF2B5EF4-FFF2-40B4-BE49-F238E27FC236}">
-                  <a16:creationId xmlns:a16="http://schemas.microsoft.com/office/drawing/2014/main" xmlns="" id="{74BDECEF-EEFE-4332-B3B2-BDE4F82C10FC}"/>
+                  <a16:creationId xmlns="" xmlns:a16="http://schemas.microsoft.com/office/drawing/2014/main" id="{74BDECEF-EEFE-4332-B3B2-BDE4F82C10FC}"/>
                 </a:ext>
               </a:extLst>
             </p:cNvPr>
@@ -12817,7 +12817,7 @@
           <p:cNvPr id="35" name="Freeform: Shape 34">
             <a:extLst>
               <a:ext uri="{FF2B5EF4-FFF2-40B4-BE49-F238E27FC236}">
-                <a16:creationId xmlns:a16="http://schemas.microsoft.com/office/drawing/2014/main" xmlns="" id="{62EEBF51-DCAD-4335-85E9-52801031A1BF}"/>
+                <a16:creationId xmlns="" xmlns:a16="http://schemas.microsoft.com/office/drawing/2014/main" id="{62EEBF51-DCAD-4335-85E9-52801031A1BF}"/>
               </a:ext>
             </a:extLst>
           </p:cNvPr>
@@ -12912,7 +12912,7 @@
           <p:cNvPr id="5" name="Slide Number Placeholder 4">
             <a:extLst>
               <a:ext uri="{FF2B5EF4-FFF2-40B4-BE49-F238E27FC236}">
-                <a16:creationId xmlns:a16="http://schemas.microsoft.com/office/drawing/2014/main" xmlns="" id="{87B51822-97FF-47A7-8E4E-A0F79B4EB237}"/>
+                <a16:creationId xmlns="" xmlns:a16="http://schemas.microsoft.com/office/drawing/2014/main" id="{87B51822-97FF-47A7-8E4E-A0F79B4EB237}"/>
               </a:ext>
             </a:extLst>
           </p:cNvPr>
@@ -12956,7 +12956,7 @@
           <p:cNvPr id="20" name="Picture Placeholder 2">
             <a:extLst>
               <a:ext uri="{FF2B5EF4-FFF2-40B4-BE49-F238E27FC236}">
-                <a16:creationId xmlns:a16="http://schemas.microsoft.com/office/drawing/2014/main" xmlns="" id="{30B3A574-7940-4E35-857E-5CA35A5910E5}"/>
+                <a16:creationId xmlns="" xmlns:a16="http://schemas.microsoft.com/office/drawing/2014/main" id="{30B3A574-7940-4E35-857E-5CA35A5910E5}"/>
               </a:ext>
             </a:extLst>
           </p:cNvPr>
@@ -13033,7 +13033,7 @@
           <p:cNvPr id="21" name="Text Placeholder 3">
             <a:extLst>
               <a:ext uri="{FF2B5EF4-FFF2-40B4-BE49-F238E27FC236}">
-                <a16:creationId xmlns:a16="http://schemas.microsoft.com/office/drawing/2014/main" xmlns="" id="{912B51EA-3E6F-4BF6-BE48-62128AF32B85}"/>
+                <a16:creationId xmlns="" xmlns:a16="http://schemas.microsoft.com/office/drawing/2014/main" id="{912B51EA-3E6F-4BF6-BE48-62128AF32B85}"/>
               </a:ext>
             </a:extLst>
           </p:cNvPr>
@@ -13147,7 +13147,7 @@
           <p:cNvPr id="11" name="Rectangle 10">
             <a:extLst>
               <a:ext uri="{FF2B5EF4-FFF2-40B4-BE49-F238E27FC236}">
-                <a16:creationId xmlns:a16="http://schemas.microsoft.com/office/drawing/2014/main" xmlns="" id="{EB3E033F-4449-40FA-BC85-BD2712D313DD}"/>
+                <a16:creationId xmlns="" xmlns:a16="http://schemas.microsoft.com/office/drawing/2014/main" id="{EB3E033F-4449-40FA-BC85-BD2712D313DD}"/>
               </a:ext>
             </a:extLst>
           </p:cNvPr>
@@ -13201,7 +13201,7 @@
           <p:cNvPr id="10" name="Freeform: Shape 9">
             <a:extLst>
               <a:ext uri="{FF2B5EF4-FFF2-40B4-BE49-F238E27FC236}">
-                <a16:creationId xmlns:a16="http://schemas.microsoft.com/office/drawing/2014/main" xmlns="" id="{63D26743-0505-444C-80B3-E88EE87DF72B}"/>
+                <a16:creationId xmlns="" xmlns:a16="http://schemas.microsoft.com/office/drawing/2014/main" id="{63D26743-0505-444C-80B3-E88EE87DF72B}"/>
               </a:ext>
             </a:extLst>
           </p:cNvPr>
@@ -13324,7 +13324,7 @@
           <p:cNvPr id="18" name="Freeform: Shape 17">
             <a:extLst>
               <a:ext uri="{FF2B5EF4-FFF2-40B4-BE49-F238E27FC236}">
-                <a16:creationId xmlns:a16="http://schemas.microsoft.com/office/drawing/2014/main" xmlns="" id="{E37145E9-AC61-47D5-9288-8789940F81B6}"/>
+                <a16:creationId xmlns="" xmlns:a16="http://schemas.microsoft.com/office/drawing/2014/main" id="{E37145E9-AC61-47D5-9288-8789940F81B6}"/>
               </a:ext>
             </a:extLst>
           </p:cNvPr>
@@ -13476,7 +13476,7 @@
           <p:cNvPr id="12" name="Freeform: Shape 11">
             <a:extLst>
               <a:ext uri="{FF2B5EF4-FFF2-40B4-BE49-F238E27FC236}">
-                <a16:creationId xmlns:a16="http://schemas.microsoft.com/office/drawing/2014/main" xmlns="" id="{A5E2B3ED-9A49-40A7-B8A3-62595FE513F9}"/>
+                <a16:creationId xmlns="" xmlns:a16="http://schemas.microsoft.com/office/drawing/2014/main" id="{A5E2B3ED-9A49-40A7-B8A3-62595FE513F9}"/>
               </a:ext>
             </a:extLst>
           </p:cNvPr>
@@ -13626,7 +13626,7 @@
           <p:cNvPr id="8" name="Freeform: Shape 7">
             <a:extLst>
               <a:ext uri="{FF2B5EF4-FFF2-40B4-BE49-F238E27FC236}">
-                <a16:creationId xmlns:a16="http://schemas.microsoft.com/office/drawing/2014/main" xmlns="" id="{1599AF7E-3E34-4597-AA72-9373A7FDB020}"/>
+                <a16:creationId xmlns="" xmlns:a16="http://schemas.microsoft.com/office/drawing/2014/main" id="{1599AF7E-3E34-4597-AA72-9373A7FDB020}"/>
               </a:ext>
             </a:extLst>
           </p:cNvPr>
@@ -13772,7 +13772,7 @@
           <p:cNvPr id="2" name="Title 1">
             <a:extLst>
               <a:ext uri="{FF2B5EF4-FFF2-40B4-BE49-F238E27FC236}">
-                <a16:creationId xmlns:a16="http://schemas.microsoft.com/office/drawing/2014/main" xmlns="" id="{4A2DF563-7FAC-46B3-B24C-7E45CD89DA2B}"/>
+                <a16:creationId xmlns="" xmlns:a16="http://schemas.microsoft.com/office/drawing/2014/main" id="{4A2DF563-7FAC-46B3-B24C-7E45CD89DA2B}"/>
               </a:ext>
             </a:extLst>
           </p:cNvPr>
@@ -13817,7 +13817,7 @@
           <p:cNvPr id="15" name="Group 14">
             <a:extLst>
               <a:ext uri="{FF2B5EF4-FFF2-40B4-BE49-F238E27FC236}">
-                <a16:creationId xmlns:a16="http://schemas.microsoft.com/office/drawing/2014/main" xmlns="" id="{7732E1E7-45E3-4264-8F26-66758696DD1E}"/>
+                <a16:creationId xmlns="" xmlns:a16="http://schemas.microsoft.com/office/drawing/2014/main" id="{7732E1E7-45E3-4264-8F26-66758696DD1E}"/>
               </a:ext>
             </a:extLst>
           </p:cNvPr>
@@ -13837,7 +13837,7 @@
             <p:cNvPr id="16" name="Freeform: Shape 15">
               <a:extLst>
                 <a:ext uri="{FF2B5EF4-FFF2-40B4-BE49-F238E27FC236}">
-                  <a16:creationId xmlns:a16="http://schemas.microsoft.com/office/drawing/2014/main" xmlns="" id="{2E3DF883-8093-49FA-81E1-E5D77F086A25}"/>
+                  <a16:creationId xmlns="" xmlns:a16="http://schemas.microsoft.com/office/drawing/2014/main" id="{2E3DF883-8093-49FA-81E1-E5D77F086A25}"/>
                 </a:ext>
               </a:extLst>
             </p:cNvPr>
@@ -13927,7 +13927,7 @@
             <p:cNvPr id="17" name="Freeform: Shape 16">
               <a:extLst>
                 <a:ext uri="{FF2B5EF4-FFF2-40B4-BE49-F238E27FC236}">
-                  <a16:creationId xmlns:a16="http://schemas.microsoft.com/office/drawing/2014/main" xmlns="" id="{18944C90-37E5-4BBE-89FF-060627168050}"/>
+                  <a16:creationId xmlns="" xmlns:a16="http://schemas.microsoft.com/office/drawing/2014/main" id="{18944C90-37E5-4BBE-89FF-060627168050}"/>
                 </a:ext>
               </a:extLst>
             </p:cNvPr>
@@ -14026,7 +14026,7 @@
           <p:cNvPr id="6" name="Group 5">
             <a:extLst>
               <a:ext uri="{FF2B5EF4-FFF2-40B4-BE49-F238E27FC236}">
-                <a16:creationId xmlns:a16="http://schemas.microsoft.com/office/drawing/2014/main" xmlns="" id="{D9EBF8BB-A805-4DDB-B459-082F99815B95}"/>
+                <a16:creationId xmlns="" xmlns:a16="http://schemas.microsoft.com/office/drawing/2014/main" id="{D9EBF8BB-A805-4DDB-B459-082F99815B95}"/>
               </a:ext>
             </a:extLst>
           </p:cNvPr>
@@ -14046,7 +14046,7 @@
             <p:cNvPr id="19" name="Rectangle: Single Corner Snipped 18">
               <a:extLst>
                 <a:ext uri="{FF2B5EF4-FFF2-40B4-BE49-F238E27FC236}">
-                  <a16:creationId xmlns:a16="http://schemas.microsoft.com/office/drawing/2014/main" xmlns="" id="{5D638788-DD47-45E7-939A-FA108A818173}"/>
+                  <a16:creationId xmlns="" xmlns:a16="http://schemas.microsoft.com/office/drawing/2014/main" id="{5D638788-DD47-45E7-939A-FA108A818173}"/>
                 </a:ext>
               </a:extLst>
             </p:cNvPr>
@@ -14107,7 +14107,7 @@
             <p:cNvPr id="3" name="Rectangle: Single Corner Snipped 2">
               <a:extLst>
                 <a:ext uri="{FF2B5EF4-FFF2-40B4-BE49-F238E27FC236}">
-                  <a16:creationId xmlns:a16="http://schemas.microsoft.com/office/drawing/2014/main" xmlns="" id="{74BDECEF-EEFE-4332-B3B2-BDE4F82C10FC}"/>
+                  <a16:creationId xmlns="" xmlns:a16="http://schemas.microsoft.com/office/drawing/2014/main" id="{74BDECEF-EEFE-4332-B3B2-BDE4F82C10FC}"/>
                 </a:ext>
               </a:extLst>
             </p:cNvPr>
@@ -14164,7 +14164,7 @@
           <p:cNvPr id="35" name="Freeform: Shape 34">
             <a:extLst>
               <a:ext uri="{FF2B5EF4-FFF2-40B4-BE49-F238E27FC236}">
-                <a16:creationId xmlns:a16="http://schemas.microsoft.com/office/drawing/2014/main" xmlns="" id="{62EEBF51-DCAD-4335-85E9-52801031A1BF}"/>
+                <a16:creationId xmlns="" xmlns:a16="http://schemas.microsoft.com/office/drawing/2014/main" id="{62EEBF51-DCAD-4335-85E9-52801031A1BF}"/>
               </a:ext>
             </a:extLst>
           </p:cNvPr>
@@ -14259,7 +14259,7 @@
           <p:cNvPr id="5" name="Slide Number Placeholder 4">
             <a:extLst>
               <a:ext uri="{FF2B5EF4-FFF2-40B4-BE49-F238E27FC236}">
-                <a16:creationId xmlns:a16="http://schemas.microsoft.com/office/drawing/2014/main" xmlns="" id="{87B51822-97FF-47A7-8E4E-A0F79B4EB237}"/>
+                <a16:creationId xmlns="" xmlns:a16="http://schemas.microsoft.com/office/drawing/2014/main" id="{87B51822-97FF-47A7-8E4E-A0F79B4EB237}"/>
               </a:ext>
             </a:extLst>
           </p:cNvPr>
@@ -14303,7 +14303,7 @@
           <p:cNvPr id="21" name="Text Placeholder 3">
             <a:extLst>
               <a:ext uri="{FF2B5EF4-FFF2-40B4-BE49-F238E27FC236}">
-                <a16:creationId xmlns:a16="http://schemas.microsoft.com/office/drawing/2014/main" xmlns="" id="{912B51EA-3E6F-4BF6-BE48-62128AF32B85}"/>
+                <a16:creationId xmlns="" xmlns:a16="http://schemas.microsoft.com/office/drawing/2014/main" id="{912B51EA-3E6F-4BF6-BE48-62128AF32B85}"/>
               </a:ext>
             </a:extLst>
           </p:cNvPr>
@@ -14379,7 +14379,7 @@
           <p:cNvPr id="22" name="Content Placeholder 2">
             <a:extLst>
               <a:ext uri="{FF2B5EF4-FFF2-40B4-BE49-F238E27FC236}">
-                <a16:creationId xmlns:a16="http://schemas.microsoft.com/office/drawing/2014/main" xmlns="" id="{A015C605-1D30-48BC-A0D6-3B11AF56CC53}"/>
+                <a16:creationId xmlns="" xmlns:a16="http://schemas.microsoft.com/office/drawing/2014/main" id="{A015C605-1D30-48BC-A0D6-3B11AF56CC53}"/>
               </a:ext>
             </a:extLst>
           </p:cNvPr>
@@ -14521,7 +14521,7 @@
           <p:cNvPr id="18" name="Rectangle 17">
             <a:extLst>
               <a:ext uri="{FF2B5EF4-FFF2-40B4-BE49-F238E27FC236}">
-                <a16:creationId xmlns:a16="http://schemas.microsoft.com/office/drawing/2014/main" xmlns="" id="{D4494CD2-CCDD-0248-96F8-741002C44255}"/>
+                <a16:creationId xmlns="" xmlns:a16="http://schemas.microsoft.com/office/drawing/2014/main" id="{D4494CD2-CCDD-0248-96F8-741002C44255}"/>
               </a:ext>
             </a:extLst>
           </p:cNvPr>
@@ -14575,7 +14575,7 @@
           <p:cNvPr id="19" name="Freeform: Shape 9">
             <a:extLst>
               <a:ext uri="{FF2B5EF4-FFF2-40B4-BE49-F238E27FC236}">
-                <a16:creationId xmlns:a16="http://schemas.microsoft.com/office/drawing/2014/main" xmlns="" id="{07077B00-C1EE-7241-B441-7814F92A7EDF}"/>
+                <a16:creationId xmlns="" xmlns:a16="http://schemas.microsoft.com/office/drawing/2014/main" id="{07077B00-C1EE-7241-B441-7814F92A7EDF}"/>
               </a:ext>
             </a:extLst>
           </p:cNvPr>
@@ -14698,7 +14698,7 @@
           <p:cNvPr id="20" name="Freeform: Shape 17">
             <a:extLst>
               <a:ext uri="{FF2B5EF4-FFF2-40B4-BE49-F238E27FC236}">
-                <a16:creationId xmlns:a16="http://schemas.microsoft.com/office/drawing/2014/main" xmlns="" id="{3A1AEBC4-637E-F64C-9192-69AC4BB26D0C}"/>
+                <a16:creationId xmlns="" xmlns:a16="http://schemas.microsoft.com/office/drawing/2014/main" id="{3A1AEBC4-637E-F64C-9192-69AC4BB26D0C}"/>
               </a:ext>
             </a:extLst>
           </p:cNvPr>
@@ -14850,7 +14850,7 @@
           <p:cNvPr id="21" name="Freeform: Shape 11">
             <a:extLst>
               <a:ext uri="{FF2B5EF4-FFF2-40B4-BE49-F238E27FC236}">
-                <a16:creationId xmlns:a16="http://schemas.microsoft.com/office/drawing/2014/main" xmlns="" id="{669A7039-C54C-8E46-9A8B-DDB2547D989C}"/>
+                <a16:creationId xmlns="" xmlns:a16="http://schemas.microsoft.com/office/drawing/2014/main" id="{669A7039-C54C-8E46-9A8B-DDB2547D989C}"/>
               </a:ext>
             </a:extLst>
           </p:cNvPr>
@@ -15000,7 +15000,7 @@
           <p:cNvPr id="22" name="Freeform: Shape 7">
             <a:extLst>
               <a:ext uri="{FF2B5EF4-FFF2-40B4-BE49-F238E27FC236}">
-                <a16:creationId xmlns:a16="http://schemas.microsoft.com/office/drawing/2014/main" xmlns="" id="{4F173B32-87BB-9A40-8C91-4C1EED2B7ABF}"/>
+                <a16:creationId xmlns="" xmlns:a16="http://schemas.microsoft.com/office/drawing/2014/main" id="{4F173B32-87BB-9A40-8C91-4C1EED2B7ABF}"/>
               </a:ext>
             </a:extLst>
           </p:cNvPr>
@@ -15146,7 +15146,7 @@
           <p:cNvPr id="24" name="Group 23">
             <a:extLst>
               <a:ext uri="{FF2B5EF4-FFF2-40B4-BE49-F238E27FC236}">
-                <a16:creationId xmlns:a16="http://schemas.microsoft.com/office/drawing/2014/main" xmlns="" id="{4AC87F4E-12B5-1B42-AFD2-4DB39B7645C9}"/>
+                <a16:creationId xmlns="" xmlns:a16="http://schemas.microsoft.com/office/drawing/2014/main" id="{4AC87F4E-12B5-1B42-AFD2-4DB39B7645C9}"/>
               </a:ext>
             </a:extLst>
           </p:cNvPr>
@@ -15166,7 +15166,7 @@
             <p:cNvPr id="25" name="Freeform: Shape 15">
               <a:extLst>
                 <a:ext uri="{FF2B5EF4-FFF2-40B4-BE49-F238E27FC236}">
-                  <a16:creationId xmlns:a16="http://schemas.microsoft.com/office/drawing/2014/main" xmlns="" id="{03DD8765-59DF-A045-ADB5-E39FAEE153A0}"/>
+                  <a16:creationId xmlns="" xmlns:a16="http://schemas.microsoft.com/office/drawing/2014/main" id="{03DD8765-59DF-A045-ADB5-E39FAEE153A0}"/>
                 </a:ext>
               </a:extLst>
             </p:cNvPr>
@@ -15256,7 +15256,7 @@
             <p:cNvPr id="26" name="Freeform: Shape 16">
               <a:extLst>
                 <a:ext uri="{FF2B5EF4-FFF2-40B4-BE49-F238E27FC236}">
-                  <a16:creationId xmlns:a16="http://schemas.microsoft.com/office/drawing/2014/main" xmlns="" id="{B34B796C-A407-7B4D-B4F0-E58A44FE8DB4}"/>
+                  <a16:creationId xmlns="" xmlns:a16="http://schemas.microsoft.com/office/drawing/2014/main" id="{B34B796C-A407-7B4D-B4F0-E58A44FE8DB4}"/>
                 </a:ext>
               </a:extLst>
             </p:cNvPr>
@@ -15355,7 +15355,7 @@
           <p:cNvPr id="30" name="Freeform: Shape 23">
             <a:extLst>
               <a:ext uri="{FF2B5EF4-FFF2-40B4-BE49-F238E27FC236}">
-                <a16:creationId xmlns:a16="http://schemas.microsoft.com/office/drawing/2014/main" xmlns="" id="{CBE3FDC9-67CB-FA42-B127-A36BFF4678BB}"/>
+                <a16:creationId xmlns="" xmlns:a16="http://schemas.microsoft.com/office/drawing/2014/main" id="{CBE3FDC9-67CB-FA42-B127-A36BFF4678BB}"/>
               </a:ext>
             </a:extLst>
           </p:cNvPr>
@@ -15450,7 +15450,7 @@
           <p:cNvPr id="31" name="Slide Number Placeholder 4">
             <a:extLst>
               <a:ext uri="{FF2B5EF4-FFF2-40B4-BE49-F238E27FC236}">
-                <a16:creationId xmlns:a16="http://schemas.microsoft.com/office/drawing/2014/main" xmlns="" id="{1E902BFF-CA8F-D745-A819-A7BB38B30ED9}"/>
+                <a16:creationId xmlns="" xmlns:a16="http://schemas.microsoft.com/office/drawing/2014/main" id="{1E902BFF-CA8F-D745-A819-A7BB38B30ED9}"/>
               </a:ext>
             </a:extLst>
           </p:cNvPr>
@@ -15524,7 +15524,7 @@
           <p:cNvPr id="21" name="Rectangle 20">
             <a:extLst>
               <a:ext uri="{FF2B5EF4-FFF2-40B4-BE49-F238E27FC236}">
-                <a16:creationId xmlns:a16="http://schemas.microsoft.com/office/drawing/2014/main" xmlns="" id="{6E739168-A5E8-443A-B392-7AD4CF8977AD}"/>
+                <a16:creationId xmlns="" xmlns:a16="http://schemas.microsoft.com/office/drawing/2014/main" id="{6E739168-A5E8-443A-B392-7AD4CF8977AD}"/>
               </a:ext>
             </a:extLst>
           </p:cNvPr>
@@ -15576,7 +15576,7 @@
           <p:cNvPr id="15" name="Freeform: Shape 14">
             <a:extLst>
               <a:ext uri="{FF2B5EF4-FFF2-40B4-BE49-F238E27FC236}">
-                <a16:creationId xmlns:a16="http://schemas.microsoft.com/office/drawing/2014/main" xmlns="" id="{41E10E1E-5268-4F03-BA64-07E19DE26739}"/>
+                <a16:creationId xmlns="" xmlns:a16="http://schemas.microsoft.com/office/drawing/2014/main" id="{41E10E1E-5268-4F03-BA64-07E19DE26739}"/>
               </a:ext>
             </a:extLst>
           </p:cNvPr>
@@ -15713,7 +15713,7 @@
           <p:cNvPr id="16" name="Freeform: Shape 15">
             <a:extLst>
               <a:ext uri="{FF2B5EF4-FFF2-40B4-BE49-F238E27FC236}">
-                <a16:creationId xmlns:a16="http://schemas.microsoft.com/office/drawing/2014/main" xmlns="" id="{B989C45D-BDFF-418F-BE79-03FF70015770}"/>
+                <a16:creationId xmlns="" xmlns:a16="http://schemas.microsoft.com/office/drawing/2014/main" id="{B989C45D-BDFF-418F-BE79-03FF70015770}"/>
               </a:ext>
             </a:extLst>
           </p:cNvPr>
@@ -15877,7 +15877,7 @@
           <p:cNvPr id="20" name="Freeform: Shape 19">
             <a:extLst>
               <a:ext uri="{FF2B5EF4-FFF2-40B4-BE49-F238E27FC236}">
-                <a16:creationId xmlns:a16="http://schemas.microsoft.com/office/drawing/2014/main" xmlns="" id="{0027A677-9ACB-4264-B148-4806678FB83F}"/>
+                <a16:creationId xmlns="" xmlns:a16="http://schemas.microsoft.com/office/drawing/2014/main" id="{0027A677-9ACB-4264-B148-4806678FB83F}"/>
               </a:ext>
             </a:extLst>
           </p:cNvPr>
@@ -16039,7 +16039,7 @@
           <p:cNvPr id="6" name="Group 5">
             <a:extLst>
               <a:ext uri="{FF2B5EF4-FFF2-40B4-BE49-F238E27FC236}">
-                <a16:creationId xmlns:a16="http://schemas.microsoft.com/office/drawing/2014/main" xmlns="" id="{EA7FF9D7-8545-4547-AC77-A0421EEB9B99}"/>
+                <a16:creationId xmlns="" xmlns:a16="http://schemas.microsoft.com/office/drawing/2014/main" id="{EA7FF9D7-8545-4547-AC77-A0421EEB9B99}"/>
               </a:ext>
             </a:extLst>
           </p:cNvPr>
@@ -16059,7 +16059,7 @@
             <p:cNvPr id="17" name="Right Triangle 16">
               <a:extLst>
                 <a:ext uri="{FF2B5EF4-FFF2-40B4-BE49-F238E27FC236}">
-                  <a16:creationId xmlns:a16="http://schemas.microsoft.com/office/drawing/2014/main" xmlns="" id="{8DCD5806-2A2F-4ABF-8057-245681C498E6}"/>
+                  <a16:creationId xmlns="" xmlns:a16="http://schemas.microsoft.com/office/drawing/2014/main" id="{8DCD5806-2A2F-4ABF-8057-245681C498E6}"/>
                 </a:ext>
               </a:extLst>
             </p:cNvPr>
@@ -16113,7 +16113,7 @@
             <p:cNvPr id="18" name="Right Triangle 17">
               <a:extLst>
                 <a:ext uri="{FF2B5EF4-FFF2-40B4-BE49-F238E27FC236}">
-                  <a16:creationId xmlns:a16="http://schemas.microsoft.com/office/drawing/2014/main" xmlns="" id="{3A93038F-E9E4-4FFD-B3DF-28DB7C2C1490}"/>
+                  <a16:creationId xmlns="" xmlns:a16="http://schemas.microsoft.com/office/drawing/2014/main" id="{3A93038F-E9E4-4FFD-B3DF-28DB7C2C1490}"/>
                 </a:ext>
               </a:extLst>
             </p:cNvPr>
@@ -16170,7 +16170,7 @@
             <p:cNvPr id="19" name="Right Triangle 18">
               <a:extLst>
                 <a:ext uri="{FF2B5EF4-FFF2-40B4-BE49-F238E27FC236}">
-                  <a16:creationId xmlns:a16="http://schemas.microsoft.com/office/drawing/2014/main" xmlns="" id="{5DEA1E02-BBD0-4AE3-AF22-433B90272178}"/>
+                  <a16:creationId xmlns="" xmlns:a16="http://schemas.microsoft.com/office/drawing/2014/main" id="{5DEA1E02-BBD0-4AE3-AF22-433B90272178}"/>
                 </a:ext>
               </a:extLst>
             </p:cNvPr>
@@ -16225,7 +16225,7 @@
           <p:cNvPr id="2" name="Title 1">
             <a:extLst>
               <a:ext uri="{FF2B5EF4-FFF2-40B4-BE49-F238E27FC236}">
-                <a16:creationId xmlns:a16="http://schemas.microsoft.com/office/drawing/2014/main" xmlns="" id="{9E597736-C478-4C26-9BAF-205FE31E977C}"/>
+                <a16:creationId xmlns="" xmlns:a16="http://schemas.microsoft.com/office/drawing/2014/main" id="{9E597736-C478-4C26-9BAF-205FE31E977C}"/>
               </a:ext>
             </a:extLst>
           </p:cNvPr>
@@ -16302,7 +16302,7 @@
           <p:cNvPr id="21" name="Rectangle 20">
             <a:extLst>
               <a:ext uri="{FF2B5EF4-FFF2-40B4-BE49-F238E27FC236}">
-                <a16:creationId xmlns:a16="http://schemas.microsoft.com/office/drawing/2014/main" xmlns="" id="{6E739168-A5E8-443A-B392-7AD4CF8977AD}"/>
+                <a16:creationId xmlns="" xmlns:a16="http://schemas.microsoft.com/office/drawing/2014/main" id="{6E739168-A5E8-443A-B392-7AD4CF8977AD}"/>
               </a:ext>
             </a:extLst>
           </p:cNvPr>
@@ -16354,7 +16354,7 @@
           <p:cNvPr id="15" name="Freeform: Shape 14">
             <a:extLst>
               <a:ext uri="{FF2B5EF4-FFF2-40B4-BE49-F238E27FC236}">
-                <a16:creationId xmlns:a16="http://schemas.microsoft.com/office/drawing/2014/main" xmlns="" id="{41E10E1E-5268-4F03-BA64-07E19DE26739}"/>
+                <a16:creationId xmlns="" xmlns:a16="http://schemas.microsoft.com/office/drawing/2014/main" id="{41E10E1E-5268-4F03-BA64-07E19DE26739}"/>
               </a:ext>
             </a:extLst>
           </p:cNvPr>
@@ -16491,7 +16491,7 @@
           <p:cNvPr id="16" name="Freeform: Shape 15">
             <a:extLst>
               <a:ext uri="{FF2B5EF4-FFF2-40B4-BE49-F238E27FC236}">
-                <a16:creationId xmlns:a16="http://schemas.microsoft.com/office/drawing/2014/main" xmlns="" id="{B989C45D-BDFF-418F-BE79-03FF70015770}"/>
+                <a16:creationId xmlns="" xmlns:a16="http://schemas.microsoft.com/office/drawing/2014/main" id="{B989C45D-BDFF-418F-BE79-03FF70015770}"/>
               </a:ext>
             </a:extLst>
           </p:cNvPr>
@@ -16655,7 +16655,7 @@
           <p:cNvPr id="20" name="Freeform: Shape 19">
             <a:extLst>
               <a:ext uri="{FF2B5EF4-FFF2-40B4-BE49-F238E27FC236}">
-                <a16:creationId xmlns:a16="http://schemas.microsoft.com/office/drawing/2014/main" xmlns="" id="{0027A677-9ACB-4264-B148-4806678FB83F}"/>
+                <a16:creationId xmlns="" xmlns:a16="http://schemas.microsoft.com/office/drawing/2014/main" id="{0027A677-9ACB-4264-B148-4806678FB83F}"/>
               </a:ext>
             </a:extLst>
           </p:cNvPr>
@@ -16817,7 +16817,7 @@
           <p:cNvPr id="2" name="Title 1">
             <a:extLst>
               <a:ext uri="{FF2B5EF4-FFF2-40B4-BE49-F238E27FC236}">
-                <a16:creationId xmlns:a16="http://schemas.microsoft.com/office/drawing/2014/main" xmlns="" id="{9E597736-C478-4C26-9BAF-205FE31E977C}"/>
+                <a16:creationId xmlns="" xmlns:a16="http://schemas.microsoft.com/office/drawing/2014/main" id="{9E597736-C478-4C26-9BAF-205FE31E977C}"/>
               </a:ext>
             </a:extLst>
           </p:cNvPr>
@@ -16864,7 +16864,7 @@
           <p:cNvPr id="35" name="Freeform: Shape 34">
             <a:extLst>
               <a:ext uri="{FF2B5EF4-FFF2-40B4-BE49-F238E27FC236}">
-                <a16:creationId xmlns:a16="http://schemas.microsoft.com/office/drawing/2014/main" xmlns="" id="{C024DCDB-C6BF-455E-AAB8-EAF9DAB302A1}"/>
+                <a16:creationId xmlns="" xmlns:a16="http://schemas.microsoft.com/office/drawing/2014/main" id="{C024DCDB-C6BF-455E-AAB8-EAF9DAB302A1}"/>
               </a:ext>
             </a:extLst>
           </p:cNvPr>
@@ -16972,7 +16972,7 @@
           <p:cNvPr id="32" name="Freeform: Shape 31">
             <a:extLst>
               <a:ext uri="{FF2B5EF4-FFF2-40B4-BE49-F238E27FC236}">
-                <a16:creationId xmlns:a16="http://schemas.microsoft.com/office/drawing/2014/main" xmlns="" id="{26AFB47A-5D51-4F9C-B01B-977CE5E3C093}"/>
+                <a16:creationId xmlns="" xmlns:a16="http://schemas.microsoft.com/office/drawing/2014/main" id="{26AFB47A-5D51-4F9C-B01B-977CE5E3C093}"/>
               </a:ext>
             </a:extLst>
           </p:cNvPr>
@@ -17088,7 +17088,7 @@
           <p:cNvPr id="30" name="Freeform: Shape 29">
             <a:extLst>
               <a:ext uri="{FF2B5EF4-FFF2-40B4-BE49-F238E27FC236}">
-                <a16:creationId xmlns:a16="http://schemas.microsoft.com/office/drawing/2014/main" xmlns="" id="{6997A4FF-7390-4173-8ACD-6CF7145AACEC}"/>
+                <a16:creationId xmlns="" xmlns:a16="http://schemas.microsoft.com/office/drawing/2014/main" id="{6997A4FF-7390-4173-8ACD-6CF7145AACEC}"/>
               </a:ext>
             </a:extLst>
           </p:cNvPr>
@@ -17227,7 +17227,7 @@
           <p:cNvPr id="7" name="Rectangle 6">
             <a:extLst>
               <a:ext uri="{FF2B5EF4-FFF2-40B4-BE49-F238E27FC236}">
-                <a16:creationId xmlns:a16="http://schemas.microsoft.com/office/drawing/2014/main" xmlns="" id="{B2838D16-809E-4EB1-8C0C-0E63D8139112}"/>
+                <a16:creationId xmlns="" xmlns:a16="http://schemas.microsoft.com/office/drawing/2014/main" id="{B2838D16-809E-4EB1-8C0C-0E63D8139112}"/>
               </a:ext>
             </a:extLst>
           </p:cNvPr>
@@ -17279,7 +17279,7 @@
           <p:cNvPr id="8" name="Freeform: Shape 7">
             <a:extLst>
               <a:ext uri="{FF2B5EF4-FFF2-40B4-BE49-F238E27FC236}">
-                <a16:creationId xmlns:a16="http://schemas.microsoft.com/office/drawing/2014/main" xmlns="" id="{01FEB333-94B4-4E53-9019-D584810903BB}"/>
+                <a16:creationId xmlns="" xmlns:a16="http://schemas.microsoft.com/office/drawing/2014/main" id="{01FEB333-94B4-4E53-9019-D584810903BB}"/>
               </a:ext>
             </a:extLst>
           </p:cNvPr>
@@ -17400,7 +17400,7 @@
           <p:cNvPr id="9" name="Freeform: Shape 8">
             <a:extLst>
               <a:ext uri="{FF2B5EF4-FFF2-40B4-BE49-F238E27FC236}">
-                <a16:creationId xmlns:a16="http://schemas.microsoft.com/office/drawing/2014/main" xmlns="" id="{A59B9489-0CD9-4DB7-AC82-6E7867F91403}"/>
+                <a16:creationId xmlns="" xmlns:a16="http://schemas.microsoft.com/office/drawing/2014/main" id="{A59B9489-0CD9-4DB7-AC82-6E7867F91403}"/>
               </a:ext>
             </a:extLst>
           </p:cNvPr>
@@ -17540,7 +17540,7 @@
           <p:cNvPr id="10" name="Right Triangle 9">
             <a:extLst>
               <a:ext uri="{FF2B5EF4-FFF2-40B4-BE49-F238E27FC236}">
-                <a16:creationId xmlns:a16="http://schemas.microsoft.com/office/drawing/2014/main" xmlns="" id="{A55D1C76-C591-4FA5-9780-87AB6B37C0FA}"/>
+                <a16:creationId xmlns="" xmlns:a16="http://schemas.microsoft.com/office/drawing/2014/main" id="{A55D1C76-C591-4FA5-9780-87AB6B37C0FA}"/>
               </a:ext>
             </a:extLst>
           </p:cNvPr>
@@ -17594,7 +17594,7 @@
           <p:cNvPr id="11" name="Freeform: Shape 10">
             <a:extLst>
               <a:ext uri="{FF2B5EF4-FFF2-40B4-BE49-F238E27FC236}">
-                <a16:creationId xmlns:a16="http://schemas.microsoft.com/office/drawing/2014/main" xmlns="" id="{A7DC1D12-670F-4235-8791-FA8C2B330871}"/>
+                <a16:creationId xmlns="" xmlns:a16="http://schemas.microsoft.com/office/drawing/2014/main" id="{A7DC1D12-670F-4235-8791-FA8C2B330871}"/>
               </a:ext>
             </a:extLst>
           </p:cNvPr>
@@ -17740,7 +17740,7 @@
           <p:cNvPr id="12" name="Freeform: Shape 11">
             <a:extLst>
               <a:ext uri="{FF2B5EF4-FFF2-40B4-BE49-F238E27FC236}">
-                <a16:creationId xmlns:a16="http://schemas.microsoft.com/office/drawing/2014/main" xmlns="" id="{859569CF-FDAC-47C4-A0F5-296F7117C398}"/>
+                <a16:creationId xmlns="" xmlns:a16="http://schemas.microsoft.com/office/drawing/2014/main" id="{859569CF-FDAC-47C4-A0F5-296F7117C398}"/>
               </a:ext>
             </a:extLst>
           </p:cNvPr>
@@ -17840,7 +17840,7 @@
           <p:cNvPr id="13" name="Freeform: Shape 12">
             <a:extLst>
               <a:ext uri="{FF2B5EF4-FFF2-40B4-BE49-F238E27FC236}">
-                <a16:creationId xmlns:a16="http://schemas.microsoft.com/office/drawing/2014/main" xmlns="" id="{D68D0C72-2B2C-4C85-A091-157853C71784}"/>
+                <a16:creationId xmlns="" xmlns:a16="http://schemas.microsoft.com/office/drawing/2014/main" id="{D68D0C72-2B2C-4C85-A091-157853C71784}"/>
               </a:ext>
             </a:extLst>
           </p:cNvPr>
@@ -17948,7 +17948,7 @@
           <p:cNvPr id="14" name="Freeform: Shape 13">
             <a:extLst>
               <a:ext uri="{FF2B5EF4-FFF2-40B4-BE49-F238E27FC236}">
-                <a16:creationId xmlns:a16="http://schemas.microsoft.com/office/drawing/2014/main" xmlns="" id="{8E25334A-5FE3-4DDA-8D32-4796CCFCAA74}"/>
+                <a16:creationId xmlns="" xmlns:a16="http://schemas.microsoft.com/office/drawing/2014/main" id="{8E25334A-5FE3-4DDA-8D32-4796CCFCAA74}"/>
               </a:ext>
             </a:extLst>
           </p:cNvPr>
@@ -18040,7 +18040,7 @@
           <p:cNvPr id="15" name="Freeform: Shape 14">
             <a:extLst>
               <a:ext uri="{FF2B5EF4-FFF2-40B4-BE49-F238E27FC236}">
-                <a16:creationId xmlns:a16="http://schemas.microsoft.com/office/drawing/2014/main" xmlns="" id="{18818DF1-D7FD-4C0F-875D-7A07E8F75C06}"/>
+                <a16:creationId xmlns="" xmlns:a16="http://schemas.microsoft.com/office/drawing/2014/main" id="{18818DF1-D7FD-4C0F-875D-7A07E8F75C06}"/>
               </a:ext>
             </a:extLst>
           </p:cNvPr>
@@ -18140,7 +18140,7 @@
           <p:cNvPr id="16" name="Group 15">
             <a:extLst>
               <a:ext uri="{FF2B5EF4-FFF2-40B4-BE49-F238E27FC236}">
-                <a16:creationId xmlns:a16="http://schemas.microsoft.com/office/drawing/2014/main" xmlns="" id="{8F9BB384-9E14-4CEA-82C1-21837229D3EF}"/>
+                <a16:creationId xmlns="" xmlns:a16="http://schemas.microsoft.com/office/drawing/2014/main" id="{8F9BB384-9E14-4CEA-82C1-21837229D3EF}"/>
               </a:ext>
             </a:extLst>
           </p:cNvPr>
@@ -18160,7 +18160,7 @@
             <p:cNvPr id="17" name="Freeform: Shape 16">
               <a:extLst>
                 <a:ext uri="{FF2B5EF4-FFF2-40B4-BE49-F238E27FC236}">
-                  <a16:creationId xmlns:a16="http://schemas.microsoft.com/office/drawing/2014/main" xmlns="" id="{0862A81A-959D-4EAB-90ED-DB20759BB397}"/>
+                  <a16:creationId xmlns="" xmlns:a16="http://schemas.microsoft.com/office/drawing/2014/main" id="{0862A81A-959D-4EAB-90ED-DB20759BB397}"/>
                 </a:ext>
               </a:extLst>
             </p:cNvPr>
@@ -18250,7 +18250,7 @@
             <p:cNvPr id="18" name="Freeform: Shape 17">
               <a:extLst>
                 <a:ext uri="{FF2B5EF4-FFF2-40B4-BE49-F238E27FC236}">
-                  <a16:creationId xmlns:a16="http://schemas.microsoft.com/office/drawing/2014/main" xmlns="" id="{AAB9E28C-9422-42BD-AECE-29B44B5D63E2}"/>
+                  <a16:creationId xmlns="" xmlns:a16="http://schemas.microsoft.com/office/drawing/2014/main" id="{AAB9E28C-9422-42BD-AECE-29B44B5D63E2}"/>
                 </a:ext>
               </a:extLst>
             </p:cNvPr>
@@ -18349,7 +18349,7 @@
           <p:cNvPr id="19" name="Group 18">
             <a:extLst>
               <a:ext uri="{FF2B5EF4-FFF2-40B4-BE49-F238E27FC236}">
-                <a16:creationId xmlns:a16="http://schemas.microsoft.com/office/drawing/2014/main" xmlns="" id="{2772239B-C46D-4458-BB4B-DDB12FAB0172}"/>
+                <a16:creationId xmlns="" xmlns:a16="http://schemas.microsoft.com/office/drawing/2014/main" id="{2772239B-C46D-4458-BB4B-DDB12FAB0172}"/>
               </a:ext>
             </a:extLst>
           </p:cNvPr>
@@ -18369,7 +18369,7 @@
             <p:cNvPr id="20" name="Freeform: Shape 19">
               <a:extLst>
                 <a:ext uri="{FF2B5EF4-FFF2-40B4-BE49-F238E27FC236}">
-                  <a16:creationId xmlns:a16="http://schemas.microsoft.com/office/drawing/2014/main" xmlns="" id="{3C8A2A1A-1FB9-4CA1-B74E-B293187E51AA}"/>
+                  <a16:creationId xmlns="" xmlns:a16="http://schemas.microsoft.com/office/drawing/2014/main" id="{3C8A2A1A-1FB9-4CA1-B74E-B293187E51AA}"/>
                 </a:ext>
               </a:extLst>
             </p:cNvPr>
@@ -18459,7 +18459,7 @@
             <p:cNvPr id="21" name="Freeform: Shape 20">
               <a:extLst>
                 <a:ext uri="{FF2B5EF4-FFF2-40B4-BE49-F238E27FC236}">
-                  <a16:creationId xmlns:a16="http://schemas.microsoft.com/office/drawing/2014/main" xmlns="" id="{DF2B18BA-6B43-40FA-A23B-D894D6AB468B}"/>
+                  <a16:creationId xmlns="" xmlns:a16="http://schemas.microsoft.com/office/drawing/2014/main" id="{DF2B18BA-6B43-40FA-A23B-D894D6AB468B}"/>
                 </a:ext>
               </a:extLst>
             </p:cNvPr>
@@ -18558,7 +18558,7 @@
           <p:cNvPr id="3" name="Text Placeholder 2">
             <a:extLst>
               <a:ext uri="{FF2B5EF4-FFF2-40B4-BE49-F238E27FC236}">
-                <a16:creationId xmlns:a16="http://schemas.microsoft.com/office/drawing/2014/main" xmlns="" id="{5E194264-A3F5-42E2-9A63-DCCED0457E1B}"/>
+                <a16:creationId xmlns="" xmlns:a16="http://schemas.microsoft.com/office/drawing/2014/main" id="{5E194264-A3F5-42E2-9A63-DCCED0457E1B}"/>
               </a:ext>
             </a:extLst>
           </p:cNvPr>
@@ -18608,7 +18608,7 @@
           <p:cNvPr id="22" name="Slide Number Placeholder 4">
             <a:extLst>
               <a:ext uri="{FF2B5EF4-FFF2-40B4-BE49-F238E27FC236}">
-                <a16:creationId xmlns:a16="http://schemas.microsoft.com/office/drawing/2014/main" xmlns="" id="{0F332671-6296-47C8-BF26-B2D962F5D03D}"/>
+                <a16:creationId xmlns="" xmlns:a16="http://schemas.microsoft.com/office/drawing/2014/main" id="{0F332671-6296-47C8-BF26-B2D962F5D03D}"/>
               </a:ext>
             </a:extLst>
           </p:cNvPr>
@@ -18652,7 +18652,7 @@
           <p:cNvPr id="23" name="Title 1">
             <a:extLst>
               <a:ext uri="{FF2B5EF4-FFF2-40B4-BE49-F238E27FC236}">
-                <a16:creationId xmlns:a16="http://schemas.microsoft.com/office/drawing/2014/main" xmlns="" id="{7772A652-7229-2B42-B87B-298C31D6F0CB}"/>
+                <a16:creationId xmlns="" xmlns:a16="http://schemas.microsoft.com/office/drawing/2014/main" id="{7772A652-7229-2B42-B87B-298C31D6F0CB}"/>
               </a:ext>
             </a:extLst>
           </p:cNvPr>
@@ -18727,7 +18727,7 @@
           <p:cNvPr id="22" name="Rectangle 21">
             <a:extLst>
               <a:ext uri="{FF2B5EF4-FFF2-40B4-BE49-F238E27FC236}">
-                <a16:creationId xmlns:a16="http://schemas.microsoft.com/office/drawing/2014/main" xmlns="" id="{2CDBB6E5-B91E-4946-9390-E8693855103A}"/>
+                <a16:creationId xmlns="" xmlns:a16="http://schemas.microsoft.com/office/drawing/2014/main" id="{2CDBB6E5-B91E-4946-9390-E8693855103A}"/>
               </a:ext>
             </a:extLst>
           </p:cNvPr>
@@ -18781,7 +18781,7 @@
           <p:cNvPr id="34" name="Freeform: Shape 33">
             <a:extLst>
               <a:ext uri="{FF2B5EF4-FFF2-40B4-BE49-F238E27FC236}">
-                <a16:creationId xmlns:a16="http://schemas.microsoft.com/office/drawing/2014/main" xmlns="" id="{0C3CC1C9-1FA0-4FE4-8984-4A8B3728D674}"/>
+                <a16:creationId xmlns="" xmlns:a16="http://schemas.microsoft.com/office/drawing/2014/main" id="{0C3CC1C9-1FA0-4FE4-8984-4A8B3728D674}"/>
               </a:ext>
             </a:extLst>
           </p:cNvPr>
@@ -18926,7 +18926,7 @@
           <p:cNvPr id="24" name="Freeform: Shape 23">
             <a:extLst>
               <a:ext uri="{FF2B5EF4-FFF2-40B4-BE49-F238E27FC236}">
-                <a16:creationId xmlns:a16="http://schemas.microsoft.com/office/drawing/2014/main" xmlns="" id="{8E049265-431E-48DE-B7F7-4959930171DC}"/>
+                <a16:creationId xmlns="" xmlns:a16="http://schemas.microsoft.com/office/drawing/2014/main" id="{8E049265-431E-48DE-B7F7-4959930171DC}"/>
               </a:ext>
             </a:extLst>
           </p:cNvPr>
@@ -19066,7 +19066,7 @@
           <p:cNvPr id="25" name="Freeform: Shape 24">
             <a:extLst>
               <a:ext uri="{FF2B5EF4-FFF2-40B4-BE49-F238E27FC236}">
-                <a16:creationId xmlns:a16="http://schemas.microsoft.com/office/drawing/2014/main" xmlns="" id="{173E5F2D-1F8E-4DCC-857F-932C6C6539BB}"/>
+                <a16:creationId xmlns="" xmlns:a16="http://schemas.microsoft.com/office/drawing/2014/main" id="{173E5F2D-1F8E-4DCC-857F-932C6C6539BB}"/>
               </a:ext>
             </a:extLst>
           </p:cNvPr>
@@ -19212,7 +19212,7 @@
           <p:cNvPr id="26" name="Group 25">
             <a:extLst>
               <a:ext uri="{FF2B5EF4-FFF2-40B4-BE49-F238E27FC236}">
-                <a16:creationId xmlns:a16="http://schemas.microsoft.com/office/drawing/2014/main" xmlns="" id="{E9318B2B-E019-4078-9EF0-C9D6281AE31B}"/>
+                <a16:creationId xmlns="" xmlns:a16="http://schemas.microsoft.com/office/drawing/2014/main" id="{E9318B2B-E019-4078-9EF0-C9D6281AE31B}"/>
               </a:ext>
             </a:extLst>
           </p:cNvPr>
@@ -19232,7 +19232,7 @@
             <p:cNvPr id="27" name="Freeform: Shape 26">
               <a:extLst>
                 <a:ext uri="{FF2B5EF4-FFF2-40B4-BE49-F238E27FC236}">
-                  <a16:creationId xmlns:a16="http://schemas.microsoft.com/office/drawing/2014/main" xmlns="" id="{D3E625C0-9656-421F-861F-67C8F93362ED}"/>
+                  <a16:creationId xmlns="" xmlns:a16="http://schemas.microsoft.com/office/drawing/2014/main" id="{D3E625C0-9656-421F-861F-67C8F93362ED}"/>
                 </a:ext>
               </a:extLst>
             </p:cNvPr>
@@ -19332,7 +19332,7 @@
             <p:cNvPr id="28" name="Freeform: Shape 27">
               <a:extLst>
                 <a:ext uri="{FF2B5EF4-FFF2-40B4-BE49-F238E27FC236}">
-                  <a16:creationId xmlns:a16="http://schemas.microsoft.com/office/drawing/2014/main" xmlns="" id="{49F8E490-C6E3-4D00-866F-CD85DD88996E}"/>
+                  <a16:creationId xmlns="" xmlns:a16="http://schemas.microsoft.com/office/drawing/2014/main" id="{49F8E490-C6E3-4D00-866F-CD85DD88996E}"/>
                 </a:ext>
               </a:extLst>
             </p:cNvPr>
@@ -19441,7 +19441,7 @@
           <p:cNvPr id="29" name="Freeform: Shape 28">
             <a:extLst>
               <a:ext uri="{FF2B5EF4-FFF2-40B4-BE49-F238E27FC236}">
-                <a16:creationId xmlns:a16="http://schemas.microsoft.com/office/drawing/2014/main" xmlns="" id="{EE8F5B31-1523-46AE-9455-C33DFC1BDDE0}"/>
+                <a16:creationId xmlns="" xmlns:a16="http://schemas.microsoft.com/office/drawing/2014/main" id="{EE8F5B31-1523-46AE-9455-C33DFC1BDDE0}"/>
               </a:ext>
             </a:extLst>
           </p:cNvPr>
@@ -19533,7 +19533,7 @@
           <p:cNvPr id="30" name="Freeform: Shape 29">
             <a:extLst>
               <a:ext uri="{FF2B5EF4-FFF2-40B4-BE49-F238E27FC236}">
-                <a16:creationId xmlns:a16="http://schemas.microsoft.com/office/drawing/2014/main" xmlns="" id="{5D17048F-C2E1-4775-BC32-50BD6219F89D}"/>
+                <a16:creationId xmlns="" xmlns:a16="http://schemas.microsoft.com/office/drawing/2014/main" id="{5D17048F-C2E1-4775-BC32-50BD6219F89D}"/>
               </a:ext>
             </a:extLst>
           </p:cNvPr>
@@ -19633,7 +19633,7 @@
           <p:cNvPr id="31" name="Group 30">
             <a:extLst>
               <a:ext uri="{FF2B5EF4-FFF2-40B4-BE49-F238E27FC236}">
-                <a16:creationId xmlns:a16="http://schemas.microsoft.com/office/drawing/2014/main" xmlns="" id="{EAB002AA-4848-49C8-A834-036F860C79A3}"/>
+                <a16:creationId xmlns="" xmlns:a16="http://schemas.microsoft.com/office/drawing/2014/main" id="{EAB002AA-4848-49C8-A834-036F860C79A3}"/>
               </a:ext>
             </a:extLst>
           </p:cNvPr>
@@ -19653,7 +19653,7 @@
             <p:cNvPr id="32" name="Freeform: Shape 31">
               <a:extLst>
                 <a:ext uri="{FF2B5EF4-FFF2-40B4-BE49-F238E27FC236}">
-                  <a16:creationId xmlns:a16="http://schemas.microsoft.com/office/drawing/2014/main" xmlns="" id="{14B187A8-7F8D-469D-A03B-4F835A5746DE}"/>
+                  <a16:creationId xmlns="" xmlns:a16="http://schemas.microsoft.com/office/drawing/2014/main" id="{14B187A8-7F8D-469D-A03B-4F835A5746DE}"/>
                 </a:ext>
               </a:extLst>
             </p:cNvPr>
@@ -19743,7 +19743,7 @@
             <p:cNvPr id="33" name="Freeform: Shape 32">
               <a:extLst>
                 <a:ext uri="{FF2B5EF4-FFF2-40B4-BE49-F238E27FC236}">
-                  <a16:creationId xmlns:a16="http://schemas.microsoft.com/office/drawing/2014/main" xmlns="" id="{03D871D1-A11A-48FB-82A8-8D61AB5CB85C}"/>
+                  <a16:creationId xmlns="" xmlns:a16="http://schemas.microsoft.com/office/drawing/2014/main" id="{03D871D1-A11A-48FB-82A8-8D61AB5CB85C}"/>
                 </a:ext>
               </a:extLst>
             </p:cNvPr>
@@ -19842,7 +19842,7 @@
           <p:cNvPr id="2" name="Title 1">
             <a:extLst>
               <a:ext uri="{FF2B5EF4-FFF2-40B4-BE49-F238E27FC236}">
-                <a16:creationId xmlns:a16="http://schemas.microsoft.com/office/drawing/2014/main" xmlns="" id="{42374B20-3E42-44AF-BEF1-8AB33067395C}"/>
+                <a16:creationId xmlns="" xmlns:a16="http://schemas.microsoft.com/office/drawing/2014/main" id="{42374B20-3E42-44AF-BEF1-8AB33067395C}"/>
               </a:ext>
             </a:extLst>
           </p:cNvPr>
@@ -19887,7 +19887,7 @@
           <p:cNvPr id="3" name="Text Placeholder 2">
             <a:extLst>
               <a:ext uri="{FF2B5EF4-FFF2-40B4-BE49-F238E27FC236}">
-                <a16:creationId xmlns:a16="http://schemas.microsoft.com/office/drawing/2014/main" xmlns="" id="{5E194264-A3F5-42E2-9A63-DCCED0457E1B}"/>
+                <a16:creationId xmlns="" xmlns:a16="http://schemas.microsoft.com/office/drawing/2014/main" id="{5E194264-A3F5-42E2-9A63-DCCED0457E1B}"/>
               </a:ext>
             </a:extLst>
           </p:cNvPr>
@@ -19937,7 +19937,7 @@
           <p:cNvPr id="35" name="Slide Number Placeholder 4">
             <a:extLst>
               <a:ext uri="{FF2B5EF4-FFF2-40B4-BE49-F238E27FC236}">
-                <a16:creationId xmlns:a16="http://schemas.microsoft.com/office/drawing/2014/main" xmlns="" id="{6F73F836-940E-4B65-A29C-D0869263C935}"/>
+                <a16:creationId xmlns="" xmlns:a16="http://schemas.microsoft.com/office/drawing/2014/main" id="{6F73F836-940E-4B65-A29C-D0869263C935}"/>
               </a:ext>
             </a:extLst>
           </p:cNvPr>
@@ -20011,7 +20011,7 @@
           <p:cNvPr id="22" name="Rectangle 21">
             <a:extLst>
               <a:ext uri="{FF2B5EF4-FFF2-40B4-BE49-F238E27FC236}">
-                <a16:creationId xmlns:a16="http://schemas.microsoft.com/office/drawing/2014/main" xmlns="" id="{2CDBB6E5-B91E-4946-9390-E8693855103A}"/>
+                <a16:creationId xmlns="" xmlns:a16="http://schemas.microsoft.com/office/drawing/2014/main" id="{2CDBB6E5-B91E-4946-9390-E8693855103A}"/>
               </a:ext>
             </a:extLst>
           </p:cNvPr>
@@ -20065,7 +20065,7 @@
           <p:cNvPr id="34" name="Freeform: Shape 33">
             <a:extLst>
               <a:ext uri="{FF2B5EF4-FFF2-40B4-BE49-F238E27FC236}">
-                <a16:creationId xmlns:a16="http://schemas.microsoft.com/office/drawing/2014/main" xmlns="" id="{0C3CC1C9-1FA0-4FE4-8984-4A8B3728D674}"/>
+                <a16:creationId xmlns="" xmlns:a16="http://schemas.microsoft.com/office/drawing/2014/main" id="{0C3CC1C9-1FA0-4FE4-8984-4A8B3728D674}"/>
               </a:ext>
             </a:extLst>
           </p:cNvPr>
@@ -20210,7 +20210,7 @@
           <p:cNvPr id="24" name="Freeform: Shape 23">
             <a:extLst>
               <a:ext uri="{FF2B5EF4-FFF2-40B4-BE49-F238E27FC236}">
-                <a16:creationId xmlns:a16="http://schemas.microsoft.com/office/drawing/2014/main" xmlns="" id="{8E049265-431E-48DE-B7F7-4959930171DC}"/>
+                <a16:creationId xmlns="" xmlns:a16="http://schemas.microsoft.com/office/drawing/2014/main" id="{8E049265-431E-48DE-B7F7-4959930171DC}"/>
               </a:ext>
             </a:extLst>
           </p:cNvPr>
@@ -20350,7 +20350,7 @@
           <p:cNvPr id="25" name="Freeform: Shape 24">
             <a:extLst>
               <a:ext uri="{FF2B5EF4-FFF2-40B4-BE49-F238E27FC236}">
-                <a16:creationId xmlns:a16="http://schemas.microsoft.com/office/drawing/2014/main" xmlns="" id="{173E5F2D-1F8E-4DCC-857F-932C6C6539BB}"/>
+                <a16:creationId xmlns="" xmlns:a16="http://schemas.microsoft.com/office/drawing/2014/main" id="{173E5F2D-1F8E-4DCC-857F-932C6C6539BB}"/>
               </a:ext>
             </a:extLst>
           </p:cNvPr>
@@ -20496,7 +20496,7 @@
           <p:cNvPr id="4" name="Oval 3">
             <a:extLst>
               <a:ext uri="{FF2B5EF4-FFF2-40B4-BE49-F238E27FC236}">
-                <a16:creationId xmlns:a16="http://schemas.microsoft.com/office/drawing/2014/main" xmlns="" id="{ECB4C115-EFF9-405C-98BE-F4077B9730D0}"/>
+                <a16:creationId xmlns="" xmlns:a16="http://schemas.microsoft.com/office/drawing/2014/main" id="{ECB4C115-EFF9-405C-98BE-F4077B9730D0}"/>
               </a:ext>
             </a:extLst>
           </p:cNvPr>
@@ -20554,7 +20554,7 @@
           <p:cNvPr id="18" name="Title 1">
             <a:extLst>
               <a:ext uri="{FF2B5EF4-FFF2-40B4-BE49-F238E27FC236}">
-                <a16:creationId xmlns:a16="http://schemas.microsoft.com/office/drawing/2014/main" xmlns="" id="{C9A300DD-BB54-44ED-A7E4-01CD41EC930F}"/>
+                <a16:creationId xmlns="" xmlns:a16="http://schemas.microsoft.com/office/drawing/2014/main" id="{C9A300DD-BB54-44ED-A7E4-01CD41EC930F}"/>
               </a:ext>
             </a:extLst>
           </p:cNvPr>
@@ -20617,7 +20617,7 @@
           <p:cNvPr id="2" name="Title 1">
             <a:extLst>
               <a:ext uri="{FF2B5EF4-FFF2-40B4-BE49-F238E27FC236}">
-                <a16:creationId xmlns:a16="http://schemas.microsoft.com/office/drawing/2014/main" xmlns="" id="{42374B20-3E42-44AF-BEF1-8AB33067395C}"/>
+                <a16:creationId xmlns="" xmlns:a16="http://schemas.microsoft.com/office/drawing/2014/main" id="{42374B20-3E42-44AF-BEF1-8AB33067395C}"/>
               </a:ext>
             </a:extLst>
           </p:cNvPr>
@@ -20665,7 +20665,7 @@
           <p:cNvPr id="19" name="Slide Number Placeholder 4">
             <a:extLst>
               <a:ext uri="{FF2B5EF4-FFF2-40B4-BE49-F238E27FC236}">
-                <a16:creationId xmlns:a16="http://schemas.microsoft.com/office/drawing/2014/main" xmlns="" id="{A4E6C1FF-5925-42B3-B7F9-0A0031BDAD30}"/>
+                <a16:creationId xmlns="" xmlns:a16="http://schemas.microsoft.com/office/drawing/2014/main" id="{A4E6C1FF-5925-42B3-B7F9-0A0031BDAD30}"/>
               </a:ext>
             </a:extLst>
           </p:cNvPr>
@@ -20747,7 +20747,7 @@
           <p:cNvPr id="11" name="Rectangle 10">
             <a:extLst>
               <a:ext uri="{FF2B5EF4-FFF2-40B4-BE49-F238E27FC236}">
-                <a16:creationId xmlns:a16="http://schemas.microsoft.com/office/drawing/2014/main" xmlns="" id="{EB3E033F-4449-40FA-BC85-BD2712D313DD}"/>
+                <a16:creationId xmlns="" xmlns:a16="http://schemas.microsoft.com/office/drawing/2014/main" id="{EB3E033F-4449-40FA-BC85-BD2712D313DD}"/>
               </a:ext>
             </a:extLst>
           </p:cNvPr>
@@ -20801,7 +20801,7 @@
           <p:cNvPr id="10" name="Freeform: Shape 9">
             <a:extLst>
               <a:ext uri="{FF2B5EF4-FFF2-40B4-BE49-F238E27FC236}">
-                <a16:creationId xmlns:a16="http://schemas.microsoft.com/office/drawing/2014/main" xmlns="" id="{63D26743-0505-444C-80B3-E88EE87DF72B}"/>
+                <a16:creationId xmlns="" xmlns:a16="http://schemas.microsoft.com/office/drawing/2014/main" id="{63D26743-0505-444C-80B3-E88EE87DF72B}"/>
               </a:ext>
             </a:extLst>
           </p:cNvPr>
@@ -20924,7 +20924,7 @@
           <p:cNvPr id="8" name="Freeform: Shape 7">
             <a:extLst>
               <a:ext uri="{FF2B5EF4-FFF2-40B4-BE49-F238E27FC236}">
-                <a16:creationId xmlns:a16="http://schemas.microsoft.com/office/drawing/2014/main" xmlns="" id="{1599AF7E-3E34-4597-AA72-9373A7FDB020}"/>
+                <a16:creationId xmlns="" xmlns:a16="http://schemas.microsoft.com/office/drawing/2014/main" id="{1599AF7E-3E34-4597-AA72-9373A7FDB020}"/>
               </a:ext>
             </a:extLst>
           </p:cNvPr>
@@ -21070,7 +21070,7 @@
           <p:cNvPr id="2" name="Title 1">
             <a:extLst>
               <a:ext uri="{FF2B5EF4-FFF2-40B4-BE49-F238E27FC236}">
-                <a16:creationId xmlns:a16="http://schemas.microsoft.com/office/drawing/2014/main" xmlns="" id="{4A2DF563-7FAC-46B3-B24C-7E45CD89DA2B}"/>
+                <a16:creationId xmlns="" xmlns:a16="http://schemas.microsoft.com/office/drawing/2014/main" id="{4A2DF563-7FAC-46B3-B24C-7E45CD89DA2B}"/>
               </a:ext>
             </a:extLst>
           </p:cNvPr>
@@ -21115,7 +21115,7 @@
           <p:cNvPr id="5" name="Slide Number Placeholder 4">
             <a:extLst>
               <a:ext uri="{FF2B5EF4-FFF2-40B4-BE49-F238E27FC236}">
-                <a16:creationId xmlns:a16="http://schemas.microsoft.com/office/drawing/2014/main" xmlns="" id="{87B51822-97FF-47A7-8E4E-A0F79B4EB237}"/>
+                <a16:creationId xmlns="" xmlns:a16="http://schemas.microsoft.com/office/drawing/2014/main" id="{87B51822-97FF-47A7-8E4E-A0F79B4EB237}"/>
               </a:ext>
             </a:extLst>
           </p:cNvPr>
@@ -21159,7 +21159,7 @@
           <p:cNvPr id="15" name="Group 14">
             <a:extLst>
               <a:ext uri="{FF2B5EF4-FFF2-40B4-BE49-F238E27FC236}">
-                <a16:creationId xmlns:a16="http://schemas.microsoft.com/office/drawing/2014/main" xmlns="" id="{7732E1E7-45E3-4264-8F26-66758696DD1E}"/>
+                <a16:creationId xmlns="" xmlns:a16="http://schemas.microsoft.com/office/drawing/2014/main" id="{7732E1E7-45E3-4264-8F26-66758696DD1E}"/>
               </a:ext>
             </a:extLst>
           </p:cNvPr>
@@ -21179,7 +21179,7 @@
             <p:cNvPr id="16" name="Freeform: Shape 15">
               <a:extLst>
                 <a:ext uri="{FF2B5EF4-FFF2-40B4-BE49-F238E27FC236}">
-                  <a16:creationId xmlns:a16="http://schemas.microsoft.com/office/drawing/2014/main" xmlns="" id="{2E3DF883-8093-49FA-81E1-E5D77F086A25}"/>
+                  <a16:creationId xmlns="" xmlns:a16="http://schemas.microsoft.com/office/drawing/2014/main" id="{2E3DF883-8093-49FA-81E1-E5D77F086A25}"/>
                 </a:ext>
               </a:extLst>
             </p:cNvPr>
@@ -21269,7 +21269,7 @@
             <p:cNvPr id="17" name="Freeform: Shape 16">
               <a:extLst>
                 <a:ext uri="{FF2B5EF4-FFF2-40B4-BE49-F238E27FC236}">
-                  <a16:creationId xmlns:a16="http://schemas.microsoft.com/office/drawing/2014/main" xmlns="" id="{18944C90-37E5-4BBE-89FF-060627168050}"/>
+                  <a16:creationId xmlns="" xmlns:a16="http://schemas.microsoft.com/office/drawing/2014/main" id="{18944C90-37E5-4BBE-89FF-060627168050}"/>
                 </a:ext>
               </a:extLst>
             </p:cNvPr>
@@ -21368,7 +21368,7 @@
           <p:cNvPr id="23" name="Text Placeholder 22">
             <a:extLst>
               <a:ext uri="{FF2B5EF4-FFF2-40B4-BE49-F238E27FC236}">
-                <a16:creationId xmlns:a16="http://schemas.microsoft.com/office/drawing/2014/main" xmlns="" id="{03618670-D1E4-466C-BDB5-FC890AC31457}"/>
+                <a16:creationId xmlns="" xmlns:a16="http://schemas.microsoft.com/office/drawing/2014/main" id="{03618670-D1E4-466C-BDB5-FC890AC31457}"/>
               </a:ext>
             </a:extLst>
           </p:cNvPr>
@@ -21529,7 +21529,7 @@
           <p:cNvPr id="11" name="Rectangle 10">
             <a:extLst>
               <a:ext uri="{FF2B5EF4-FFF2-40B4-BE49-F238E27FC236}">
-                <a16:creationId xmlns:a16="http://schemas.microsoft.com/office/drawing/2014/main" xmlns="" id="{EB3E033F-4449-40FA-BC85-BD2712D313DD}"/>
+                <a16:creationId xmlns="" xmlns:a16="http://schemas.microsoft.com/office/drawing/2014/main" id="{EB3E033F-4449-40FA-BC85-BD2712D313DD}"/>
               </a:ext>
             </a:extLst>
           </p:cNvPr>
@@ -21583,7 +21583,7 @@
           <p:cNvPr id="10" name="Freeform: Shape 9">
             <a:extLst>
               <a:ext uri="{FF2B5EF4-FFF2-40B4-BE49-F238E27FC236}">
-                <a16:creationId xmlns:a16="http://schemas.microsoft.com/office/drawing/2014/main" xmlns="" id="{63D26743-0505-444C-80B3-E88EE87DF72B}"/>
+                <a16:creationId xmlns="" xmlns:a16="http://schemas.microsoft.com/office/drawing/2014/main" id="{63D26743-0505-444C-80B3-E88EE87DF72B}"/>
               </a:ext>
             </a:extLst>
           </p:cNvPr>
@@ -21706,7 +21706,7 @@
           <p:cNvPr id="18" name="Freeform: Shape 17">
             <a:extLst>
               <a:ext uri="{FF2B5EF4-FFF2-40B4-BE49-F238E27FC236}">
-                <a16:creationId xmlns:a16="http://schemas.microsoft.com/office/drawing/2014/main" xmlns="" id="{E37145E9-AC61-47D5-9288-8789940F81B6}"/>
+                <a16:creationId xmlns="" xmlns:a16="http://schemas.microsoft.com/office/drawing/2014/main" id="{E37145E9-AC61-47D5-9288-8789940F81B6}"/>
               </a:ext>
             </a:extLst>
           </p:cNvPr>
@@ -21858,7 +21858,7 @@
           <p:cNvPr id="12" name="Freeform: Shape 11">
             <a:extLst>
               <a:ext uri="{FF2B5EF4-FFF2-40B4-BE49-F238E27FC236}">
-                <a16:creationId xmlns:a16="http://schemas.microsoft.com/office/drawing/2014/main" xmlns="" id="{A5E2B3ED-9A49-40A7-B8A3-62595FE513F9}"/>
+                <a16:creationId xmlns="" xmlns:a16="http://schemas.microsoft.com/office/drawing/2014/main" id="{A5E2B3ED-9A49-40A7-B8A3-62595FE513F9}"/>
               </a:ext>
             </a:extLst>
           </p:cNvPr>
@@ -22008,7 +22008,7 @@
           <p:cNvPr id="8" name="Freeform: Shape 7">
             <a:extLst>
               <a:ext uri="{FF2B5EF4-FFF2-40B4-BE49-F238E27FC236}">
-                <a16:creationId xmlns:a16="http://schemas.microsoft.com/office/drawing/2014/main" xmlns="" id="{1599AF7E-3E34-4597-AA72-9373A7FDB020}"/>
+                <a16:creationId xmlns="" xmlns:a16="http://schemas.microsoft.com/office/drawing/2014/main" id="{1599AF7E-3E34-4597-AA72-9373A7FDB020}"/>
               </a:ext>
             </a:extLst>
           </p:cNvPr>
@@ -22154,7 +22154,7 @@
           <p:cNvPr id="2" name="Title 1">
             <a:extLst>
               <a:ext uri="{FF2B5EF4-FFF2-40B4-BE49-F238E27FC236}">
-                <a16:creationId xmlns:a16="http://schemas.microsoft.com/office/drawing/2014/main" xmlns="" id="{4A2DF563-7FAC-46B3-B24C-7E45CD89DA2B}"/>
+                <a16:creationId xmlns="" xmlns:a16="http://schemas.microsoft.com/office/drawing/2014/main" id="{4A2DF563-7FAC-46B3-B24C-7E45CD89DA2B}"/>
               </a:ext>
             </a:extLst>
           </p:cNvPr>
@@ -22199,7 +22199,7 @@
           <p:cNvPr id="15" name="Group 14">
             <a:extLst>
               <a:ext uri="{FF2B5EF4-FFF2-40B4-BE49-F238E27FC236}">
-                <a16:creationId xmlns:a16="http://schemas.microsoft.com/office/drawing/2014/main" xmlns="" id="{7732E1E7-45E3-4264-8F26-66758696DD1E}"/>
+                <a16:creationId xmlns="" xmlns:a16="http://schemas.microsoft.com/office/drawing/2014/main" id="{7732E1E7-45E3-4264-8F26-66758696DD1E}"/>
               </a:ext>
             </a:extLst>
           </p:cNvPr>
@@ -22219,7 +22219,7 @@
             <p:cNvPr id="16" name="Freeform: Shape 15">
               <a:extLst>
                 <a:ext uri="{FF2B5EF4-FFF2-40B4-BE49-F238E27FC236}">
-                  <a16:creationId xmlns:a16="http://schemas.microsoft.com/office/drawing/2014/main" xmlns="" id="{2E3DF883-8093-49FA-81E1-E5D77F086A25}"/>
+                  <a16:creationId xmlns="" xmlns:a16="http://schemas.microsoft.com/office/drawing/2014/main" id="{2E3DF883-8093-49FA-81E1-E5D77F086A25}"/>
                 </a:ext>
               </a:extLst>
             </p:cNvPr>
@@ -22309,7 +22309,7 @@
             <p:cNvPr id="17" name="Freeform: Shape 16">
               <a:extLst>
                 <a:ext uri="{FF2B5EF4-FFF2-40B4-BE49-F238E27FC236}">
-                  <a16:creationId xmlns:a16="http://schemas.microsoft.com/office/drawing/2014/main" xmlns="" id="{18944C90-37E5-4BBE-89FF-060627168050}"/>
+                  <a16:creationId xmlns="" xmlns:a16="http://schemas.microsoft.com/office/drawing/2014/main" id="{18944C90-37E5-4BBE-89FF-060627168050}"/>
                 </a:ext>
               </a:extLst>
             </p:cNvPr>
@@ -22408,7 +22408,7 @@
           <p:cNvPr id="6" name="Group 5">
             <a:extLst>
               <a:ext uri="{FF2B5EF4-FFF2-40B4-BE49-F238E27FC236}">
-                <a16:creationId xmlns:a16="http://schemas.microsoft.com/office/drawing/2014/main" xmlns="" id="{D9EBF8BB-A805-4DDB-B459-082F99815B95}"/>
+                <a16:creationId xmlns="" xmlns:a16="http://schemas.microsoft.com/office/drawing/2014/main" id="{D9EBF8BB-A805-4DDB-B459-082F99815B95}"/>
               </a:ext>
             </a:extLst>
           </p:cNvPr>
@@ -22428,7 +22428,7 @@
             <p:cNvPr id="19" name="Rectangle: Single Corner Snipped 18">
               <a:extLst>
                 <a:ext uri="{FF2B5EF4-FFF2-40B4-BE49-F238E27FC236}">
-                  <a16:creationId xmlns:a16="http://schemas.microsoft.com/office/drawing/2014/main" xmlns="" id="{5D638788-DD47-45E7-939A-FA108A818173}"/>
+                  <a16:creationId xmlns="" xmlns:a16="http://schemas.microsoft.com/office/drawing/2014/main" id="{5D638788-DD47-45E7-939A-FA108A818173}"/>
                 </a:ext>
               </a:extLst>
             </p:cNvPr>
@@ -22494,7 +22494,7 @@
             <p:cNvPr id="3" name="Rectangle: Single Corner Snipped 2">
               <a:extLst>
                 <a:ext uri="{FF2B5EF4-FFF2-40B4-BE49-F238E27FC236}">
-                  <a16:creationId xmlns:a16="http://schemas.microsoft.com/office/drawing/2014/main" xmlns="" id="{74BDECEF-EEFE-4332-B3B2-BDE4F82C10FC}"/>
+                  <a16:creationId xmlns="" xmlns:a16="http://schemas.microsoft.com/office/drawing/2014/main" id="{74BDECEF-EEFE-4332-B3B2-BDE4F82C10FC}"/>
                 </a:ext>
               </a:extLst>
             </p:cNvPr>
@@ -22551,7 +22551,7 @@
           <p:cNvPr id="24" name="Freeform: Shape 23">
             <a:extLst>
               <a:ext uri="{FF2B5EF4-FFF2-40B4-BE49-F238E27FC236}">
-                <a16:creationId xmlns:a16="http://schemas.microsoft.com/office/drawing/2014/main" xmlns="" id="{18103E00-7E4A-44CD-81AC-06433CAE1110}"/>
+                <a16:creationId xmlns="" xmlns:a16="http://schemas.microsoft.com/office/drawing/2014/main" id="{18103E00-7E4A-44CD-81AC-06433CAE1110}"/>
               </a:ext>
             </a:extLst>
           </p:cNvPr>
@@ -22646,7 +22646,7 @@
           <p:cNvPr id="5" name="Slide Number Placeholder 4">
             <a:extLst>
               <a:ext uri="{FF2B5EF4-FFF2-40B4-BE49-F238E27FC236}">
-                <a16:creationId xmlns:a16="http://schemas.microsoft.com/office/drawing/2014/main" xmlns="" id="{87B51822-97FF-47A7-8E4E-A0F79B4EB237}"/>
+                <a16:creationId xmlns="" xmlns:a16="http://schemas.microsoft.com/office/drawing/2014/main" id="{87B51822-97FF-47A7-8E4E-A0F79B4EB237}"/>
               </a:ext>
             </a:extLst>
           </p:cNvPr>
@@ -22728,7 +22728,7 @@
           <p:cNvPr id="11" name="Rectangle 10">
             <a:extLst>
               <a:ext uri="{FF2B5EF4-FFF2-40B4-BE49-F238E27FC236}">
-                <a16:creationId xmlns:a16="http://schemas.microsoft.com/office/drawing/2014/main" xmlns="" id="{EB3E033F-4449-40FA-BC85-BD2712D313DD}"/>
+                <a16:creationId xmlns="" xmlns:a16="http://schemas.microsoft.com/office/drawing/2014/main" id="{EB3E033F-4449-40FA-BC85-BD2712D313DD}"/>
               </a:ext>
             </a:extLst>
           </p:cNvPr>
@@ -22782,7 +22782,7 @@
           <p:cNvPr id="10" name="Freeform: Shape 9">
             <a:extLst>
               <a:ext uri="{FF2B5EF4-FFF2-40B4-BE49-F238E27FC236}">
-                <a16:creationId xmlns:a16="http://schemas.microsoft.com/office/drawing/2014/main" xmlns="" id="{63D26743-0505-444C-80B3-E88EE87DF72B}"/>
+                <a16:creationId xmlns="" xmlns:a16="http://schemas.microsoft.com/office/drawing/2014/main" id="{63D26743-0505-444C-80B3-E88EE87DF72B}"/>
               </a:ext>
             </a:extLst>
           </p:cNvPr>
@@ -22905,7 +22905,7 @@
           <p:cNvPr id="18" name="Freeform: Shape 17">
             <a:extLst>
               <a:ext uri="{FF2B5EF4-FFF2-40B4-BE49-F238E27FC236}">
-                <a16:creationId xmlns:a16="http://schemas.microsoft.com/office/drawing/2014/main" xmlns="" id="{E37145E9-AC61-47D5-9288-8789940F81B6}"/>
+                <a16:creationId xmlns="" xmlns:a16="http://schemas.microsoft.com/office/drawing/2014/main" id="{E37145E9-AC61-47D5-9288-8789940F81B6}"/>
               </a:ext>
             </a:extLst>
           </p:cNvPr>
@@ -23057,7 +23057,7 @@
           <p:cNvPr id="12" name="Freeform: Shape 11">
             <a:extLst>
               <a:ext uri="{FF2B5EF4-FFF2-40B4-BE49-F238E27FC236}">
-                <a16:creationId xmlns:a16="http://schemas.microsoft.com/office/drawing/2014/main" xmlns="" id="{A5E2B3ED-9A49-40A7-B8A3-62595FE513F9}"/>
+                <a16:creationId xmlns="" xmlns:a16="http://schemas.microsoft.com/office/drawing/2014/main" id="{A5E2B3ED-9A49-40A7-B8A3-62595FE513F9}"/>
               </a:ext>
             </a:extLst>
           </p:cNvPr>
@@ -23207,7 +23207,7 @@
           <p:cNvPr id="8" name="Freeform: Shape 7">
             <a:extLst>
               <a:ext uri="{FF2B5EF4-FFF2-40B4-BE49-F238E27FC236}">
-                <a16:creationId xmlns:a16="http://schemas.microsoft.com/office/drawing/2014/main" xmlns="" id="{1599AF7E-3E34-4597-AA72-9373A7FDB020}"/>
+                <a16:creationId xmlns="" xmlns:a16="http://schemas.microsoft.com/office/drawing/2014/main" id="{1599AF7E-3E34-4597-AA72-9373A7FDB020}"/>
               </a:ext>
             </a:extLst>
           </p:cNvPr>
@@ -23353,7 +23353,7 @@
           <p:cNvPr id="2" name="Title 1">
             <a:extLst>
               <a:ext uri="{FF2B5EF4-FFF2-40B4-BE49-F238E27FC236}">
-                <a16:creationId xmlns:a16="http://schemas.microsoft.com/office/drawing/2014/main" xmlns="" id="{4A2DF563-7FAC-46B3-B24C-7E45CD89DA2B}"/>
+                <a16:creationId xmlns="" xmlns:a16="http://schemas.microsoft.com/office/drawing/2014/main" id="{4A2DF563-7FAC-46B3-B24C-7E45CD89DA2B}"/>
               </a:ext>
             </a:extLst>
           </p:cNvPr>
@@ -23398,7 +23398,7 @@
           <p:cNvPr id="15" name="Group 14">
             <a:extLst>
               <a:ext uri="{FF2B5EF4-FFF2-40B4-BE49-F238E27FC236}">
-                <a16:creationId xmlns:a16="http://schemas.microsoft.com/office/drawing/2014/main" xmlns="" id="{7732E1E7-45E3-4264-8F26-66758696DD1E}"/>
+                <a16:creationId xmlns="" xmlns:a16="http://schemas.microsoft.com/office/drawing/2014/main" id="{7732E1E7-45E3-4264-8F26-66758696DD1E}"/>
               </a:ext>
             </a:extLst>
           </p:cNvPr>
@@ -23418,7 +23418,7 @@
             <p:cNvPr id="16" name="Freeform: Shape 15">
               <a:extLst>
                 <a:ext uri="{FF2B5EF4-FFF2-40B4-BE49-F238E27FC236}">
-                  <a16:creationId xmlns:a16="http://schemas.microsoft.com/office/drawing/2014/main" xmlns="" id="{2E3DF883-8093-49FA-81E1-E5D77F086A25}"/>
+                  <a16:creationId xmlns="" xmlns:a16="http://schemas.microsoft.com/office/drawing/2014/main" id="{2E3DF883-8093-49FA-81E1-E5D77F086A25}"/>
                 </a:ext>
               </a:extLst>
             </p:cNvPr>
@@ -23508,7 +23508,7 @@
             <p:cNvPr id="17" name="Freeform: Shape 16">
               <a:extLst>
                 <a:ext uri="{FF2B5EF4-FFF2-40B4-BE49-F238E27FC236}">
-                  <a16:creationId xmlns:a16="http://schemas.microsoft.com/office/drawing/2014/main" xmlns="" id="{18944C90-37E5-4BBE-89FF-060627168050}"/>
+                  <a16:creationId xmlns="" xmlns:a16="http://schemas.microsoft.com/office/drawing/2014/main" id="{18944C90-37E5-4BBE-89FF-060627168050}"/>
                 </a:ext>
               </a:extLst>
             </p:cNvPr>
@@ -23607,7 +23607,7 @@
           <p:cNvPr id="6" name="Group 5">
             <a:extLst>
               <a:ext uri="{FF2B5EF4-FFF2-40B4-BE49-F238E27FC236}">
-                <a16:creationId xmlns:a16="http://schemas.microsoft.com/office/drawing/2014/main" xmlns="" id="{D9EBF8BB-A805-4DDB-B459-082F99815B95}"/>
+                <a16:creationId xmlns="" xmlns:a16="http://schemas.microsoft.com/office/drawing/2014/main" id="{D9EBF8BB-A805-4DDB-B459-082F99815B95}"/>
               </a:ext>
             </a:extLst>
           </p:cNvPr>
@@ -23627,7 +23627,7 @@
             <p:cNvPr id="19" name="Rectangle: Single Corner Snipped 18">
               <a:extLst>
                 <a:ext uri="{FF2B5EF4-FFF2-40B4-BE49-F238E27FC236}">
-                  <a16:creationId xmlns:a16="http://schemas.microsoft.com/office/drawing/2014/main" xmlns="" id="{5D638788-DD47-45E7-939A-FA108A818173}"/>
+                  <a16:creationId xmlns="" xmlns:a16="http://schemas.microsoft.com/office/drawing/2014/main" id="{5D638788-DD47-45E7-939A-FA108A818173}"/>
                 </a:ext>
               </a:extLst>
             </p:cNvPr>
@@ -23693,7 +23693,7 @@
             <p:cNvPr id="3" name="Rectangle: Single Corner Snipped 2">
               <a:extLst>
                 <a:ext uri="{FF2B5EF4-FFF2-40B4-BE49-F238E27FC236}">
-                  <a16:creationId xmlns:a16="http://schemas.microsoft.com/office/drawing/2014/main" xmlns="" id="{74BDECEF-EEFE-4332-B3B2-BDE4F82C10FC}"/>
+                  <a16:creationId xmlns="" xmlns:a16="http://schemas.microsoft.com/office/drawing/2014/main" id="{74BDECEF-EEFE-4332-B3B2-BDE4F82C10FC}"/>
                 </a:ext>
               </a:extLst>
             </p:cNvPr>
@@ -23750,7 +23750,7 @@
           <p:cNvPr id="24" name="Freeform: Shape 23">
             <a:extLst>
               <a:ext uri="{FF2B5EF4-FFF2-40B4-BE49-F238E27FC236}">
-                <a16:creationId xmlns:a16="http://schemas.microsoft.com/office/drawing/2014/main" xmlns="" id="{18103E00-7E4A-44CD-81AC-06433CAE1110}"/>
+                <a16:creationId xmlns="" xmlns:a16="http://schemas.microsoft.com/office/drawing/2014/main" id="{18103E00-7E4A-44CD-81AC-06433CAE1110}"/>
               </a:ext>
             </a:extLst>
           </p:cNvPr>
@@ -23845,7 +23845,7 @@
           <p:cNvPr id="5" name="Slide Number Placeholder 4">
             <a:extLst>
               <a:ext uri="{FF2B5EF4-FFF2-40B4-BE49-F238E27FC236}">
-                <a16:creationId xmlns:a16="http://schemas.microsoft.com/office/drawing/2014/main" xmlns="" id="{87B51822-97FF-47A7-8E4E-A0F79B4EB237}"/>
+                <a16:creationId xmlns="" xmlns:a16="http://schemas.microsoft.com/office/drawing/2014/main" id="{87B51822-97FF-47A7-8E4E-A0F79B4EB237}"/>
               </a:ext>
             </a:extLst>
           </p:cNvPr>
@@ -23889,7 +23889,7 @@
           <p:cNvPr id="7" name="Text Placeholder 6">
             <a:extLst>
               <a:ext uri="{FF2B5EF4-FFF2-40B4-BE49-F238E27FC236}">
-                <a16:creationId xmlns:a16="http://schemas.microsoft.com/office/drawing/2014/main" xmlns="" id="{7E0C167E-2626-40DB-AACF-D02543E29BB3}"/>
+                <a16:creationId xmlns="" xmlns:a16="http://schemas.microsoft.com/office/drawing/2014/main" id="{7E0C167E-2626-40DB-AACF-D02543E29BB3}"/>
               </a:ext>
             </a:extLst>
           </p:cNvPr>
@@ -23972,7 +23972,7 @@
           <p:cNvPr id="11" name="Rectangle 10">
             <a:extLst>
               <a:ext uri="{FF2B5EF4-FFF2-40B4-BE49-F238E27FC236}">
-                <a16:creationId xmlns:a16="http://schemas.microsoft.com/office/drawing/2014/main" xmlns="" id="{EB3E033F-4449-40FA-BC85-BD2712D313DD}"/>
+                <a16:creationId xmlns="" xmlns:a16="http://schemas.microsoft.com/office/drawing/2014/main" id="{EB3E033F-4449-40FA-BC85-BD2712D313DD}"/>
               </a:ext>
             </a:extLst>
           </p:cNvPr>
@@ -24026,7 +24026,7 @@
           <p:cNvPr id="10" name="Freeform: Shape 9">
             <a:extLst>
               <a:ext uri="{FF2B5EF4-FFF2-40B4-BE49-F238E27FC236}">
-                <a16:creationId xmlns:a16="http://schemas.microsoft.com/office/drawing/2014/main" xmlns="" id="{63D26743-0505-444C-80B3-E88EE87DF72B}"/>
+                <a16:creationId xmlns="" xmlns:a16="http://schemas.microsoft.com/office/drawing/2014/main" id="{63D26743-0505-444C-80B3-E88EE87DF72B}"/>
               </a:ext>
             </a:extLst>
           </p:cNvPr>
@@ -24149,7 +24149,7 @@
           <p:cNvPr id="18" name="Freeform: Shape 17">
             <a:extLst>
               <a:ext uri="{FF2B5EF4-FFF2-40B4-BE49-F238E27FC236}">
-                <a16:creationId xmlns:a16="http://schemas.microsoft.com/office/drawing/2014/main" xmlns="" id="{E37145E9-AC61-47D5-9288-8789940F81B6}"/>
+                <a16:creationId xmlns="" xmlns:a16="http://schemas.microsoft.com/office/drawing/2014/main" id="{E37145E9-AC61-47D5-9288-8789940F81B6}"/>
               </a:ext>
             </a:extLst>
           </p:cNvPr>
@@ -24301,7 +24301,7 @@
           <p:cNvPr id="12" name="Freeform: Shape 11">
             <a:extLst>
               <a:ext uri="{FF2B5EF4-FFF2-40B4-BE49-F238E27FC236}">
-                <a16:creationId xmlns:a16="http://schemas.microsoft.com/office/drawing/2014/main" xmlns="" id="{A5E2B3ED-9A49-40A7-B8A3-62595FE513F9}"/>
+                <a16:creationId xmlns="" xmlns:a16="http://schemas.microsoft.com/office/drawing/2014/main" id="{A5E2B3ED-9A49-40A7-B8A3-62595FE513F9}"/>
               </a:ext>
             </a:extLst>
           </p:cNvPr>
@@ -24451,7 +24451,7 @@
           <p:cNvPr id="8" name="Freeform: Shape 7">
             <a:extLst>
               <a:ext uri="{FF2B5EF4-FFF2-40B4-BE49-F238E27FC236}">
-                <a16:creationId xmlns:a16="http://schemas.microsoft.com/office/drawing/2014/main" xmlns="" id="{1599AF7E-3E34-4597-AA72-9373A7FDB020}"/>
+                <a16:creationId xmlns="" xmlns:a16="http://schemas.microsoft.com/office/drawing/2014/main" id="{1599AF7E-3E34-4597-AA72-9373A7FDB020}"/>
               </a:ext>
             </a:extLst>
           </p:cNvPr>
@@ -24597,7 +24597,7 @@
           <p:cNvPr id="2" name="Title 1">
             <a:extLst>
               <a:ext uri="{FF2B5EF4-FFF2-40B4-BE49-F238E27FC236}">
-                <a16:creationId xmlns:a16="http://schemas.microsoft.com/office/drawing/2014/main" xmlns="" id="{4A2DF563-7FAC-46B3-B24C-7E45CD89DA2B}"/>
+                <a16:creationId xmlns="" xmlns:a16="http://schemas.microsoft.com/office/drawing/2014/main" id="{4A2DF563-7FAC-46B3-B24C-7E45CD89DA2B}"/>
               </a:ext>
             </a:extLst>
           </p:cNvPr>
@@ -24642,7 +24642,7 @@
           <p:cNvPr id="15" name="Group 14">
             <a:extLst>
               <a:ext uri="{FF2B5EF4-FFF2-40B4-BE49-F238E27FC236}">
-                <a16:creationId xmlns:a16="http://schemas.microsoft.com/office/drawing/2014/main" xmlns="" id="{7732E1E7-45E3-4264-8F26-66758696DD1E}"/>
+                <a16:creationId xmlns="" xmlns:a16="http://schemas.microsoft.com/office/drawing/2014/main" id="{7732E1E7-45E3-4264-8F26-66758696DD1E}"/>
               </a:ext>
             </a:extLst>
           </p:cNvPr>
@@ -24662,7 +24662,7 @@
             <p:cNvPr id="16" name="Freeform: Shape 15">
               <a:extLst>
                 <a:ext uri="{FF2B5EF4-FFF2-40B4-BE49-F238E27FC236}">
-                  <a16:creationId xmlns:a16="http://schemas.microsoft.com/office/drawing/2014/main" xmlns="" id="{2E3DF883-8093-49FA-81E1-E5D77F086A25}"/>
+                  <a16:creationId xmlns="" xmlns:a16="http://schemas.microsoft.com/office/drawing/2014/main" id="{2E3DF883-8093-49FA-81E1-E5D77F086A25}"/>
                 </a:ext>
               </a:extLst>
             </p:cNvPr>
@@ -24752,7 +24752,7 @@
             <p:cNvPr id="17" name="Freeform: Shape 16">
               <a:extLst>
                 <a:ext uri="{FF2B5EF4-FFF2-40B4-BE49-F238E27FC236}">
-                  <a16:creationId xmlns:a16="http://schemas.microsoft.com/office/drawing/2014/main" xmlns="" id="{18944C90-37E5-4BBE-89FF-060627168050}"/>
+                  <a16:creationId xmlns="" xmlns:a16="http://schemas.microsoft.com/office/drawing/2014/main" id="{18944C90-37E5-4BBE-89FF-060627168050}"/>
                 </a:ext>
               </a:extLst>
             </p:cNvPr>
@@ -24851,7 +24851,7 @@
           <p:cNvPr id="6" name="Group 5">
             <a:extLst>
               <a:ext uri="{FF2B5EF4-FFF2-40B4-BE49-F238E27FC236}">
-                <a16:creationId xmlns:a16="http://schemas.microsoft.com/office/drawing/2014/main" xmlns="" id="{D9EBF8BB-A805-4DDB-B459-082F99815B95}"/>
+                <a16:creationId xmlns="" xmlns:a16="http://schemas.microsoft.com/office/drawing/2014/main" id="{D9EBF8BB-A805-4DDB-B459-082F99815B95}"/>
               </a:ext>
             </a:extLst>
           </p:cNvPr>
@@ -24871,7 +24871,7 @@
             <p:cNvPr id="19" name="Rectangle: Single Corner Snipped 18">
               <a:extLst>
                 <a:ext uri="{FF2B5EF4-FFF2-40B4-BE49-F238E27FC236}">
-                  <a16:creationId xmlns:a16="http://schemas.microsoft.com/office/drawing/2014/main" xmlns="" id="{5D638788-DD47-45E7-939A-FA108A818173}"/>
+                  <a16:creationId xmlns="" xmlns:a16="http://schemas.microsoft.com/office/drawing/2014/main" id="{5D638788-DD47-45E7-939A-FA108A818173}"/>
                 </a:ext>
               </a:extLst>
             </p:cNvPr>
@@ -24937,7 +24937,7 @@
             <p:cNvPr id="3" name="Rectangle: Single Corner Snipped 2">
               <a:extLst>
                 <a:ext uri="{FF2B5EF4-FFF2-40B4-BE49-F238E27FC236}">
-                  <a16:creationId xmlns:a16="http://schemas.microsoft.com/office/drawing/2014/main" xmlns="" id="{74BDECEF-EEFE-4332-B3B2-BDE4F82C10FC}"/>
+                  <a16:creationId xmlns="" xmlns:a16="http://schemas.microsoft.com/office/drawing/2014/main" id="{74BDECEF-EEFE-4332-B3B2-BDE4F82C10FC}"/>
                 </a:ext>
               </a:extLst>
             </p:cNvPr>
@@ -24994,7 +24994,7 @@
           <p:cNvPr id="24" name="Freeform: Shape 23">
             <a:extLst>
               <a:ext uri="{FF2B5EF4-FFF2-40B4-BE49-F238E27FC236}">
-                <a16:creationId xmlns:a16="http://schemas.microsoft.com/office/drawing/2014/main" xmlns="" id="{18103E00-7E4A-44CD-81AC-06433CAE1110}"/>
+                <a16:creationId xmlns="" xmlns:a16="http://schemas.microsoft.com/office/drawing/2014/main" id="{18103E00-7E4A-44CD-81AC-06433CAE1110}"/>
               </a:ext>
             </a:extLst>
           </p:cNvPr>
@@ -25089,7 +25089,7 @@
           <p:cNvPr id="5" name="Slide Number Placeholder 4">
             <a:extLst>
               <a:ext uri="{FF2B5EF4-FFF2-40B4-BE49-F238E27FC236}">
-                <a16:creationId xmlns:a16="http://schemas.microsoft.com/office/drawing/2014/main" xmlns="" id="{87B51822-97FF-47A7-8E4E-A0F79B4EB237}"/>
+                <a16:creationId xmlns="" xmlns:a16="http://schemas.microsoft.com/office/drawing/2014/main" id="{87B51822-97FF-47A7-8E4E-A0F79B4EB237}"/>
               </a:ext>
             </a:extLst>
           </p:cNvPr>
@@ -25133,7 +25133,7 @@
           <p:cNvPr id="20" name="Content Placeholder 2">
             <a:extLst>
               <a:ext uri="{FF2B5EF4-FFF2-40B4-BE49-F238E27FC236}">
-                <a16:creationId xmlns:a16="http://schemas.microsoft.com/office/drawing/2014/main" xmlns="" id="{0103A49C-32FF-49E6-86F3-FC2E19517BD5}"/>
+                <a16:creationId xmlns="" xmlns:a16="http://schemas.microsoft.com/office/drawing/2014/main" id="{0103A49C-32FF-49E6-86F3-FC2E19517BD5}"/>
               </a:ext>
             </a:extLst>
           </p:cNvPr>
@@ -25269,7 +25269,7 @@
           <p:cNvPr id="11" name="Rectangle 10">
             <a:extLst>
               <a:ext uri="{FF2B5EF4-FFF2-40B4-BE49-F238E27FC236}">
-                <a16:creationId xmlns:a16="http://schemas.microsoft.com/office/drawing/2014/main" xmlns="" id="{EB3E033F-4449-40FA-BC85-BD2712D313DD}"/>
+                <a16:creationId xmlns="" xmlns:a16="http://schemas.microsoft.com/office/drawing/2014/main" id="{EB3E033F-4449-40FA-BC85-BD2712D313DD}"/>
               </a:ext>
             </a:extLst>
           </p:cNvPr>
@@ -25323,7 +25323,7 @@
           <p:cNvPr id="10" name="Freeform: Shape 9">
             <a:extLst>
               <a:ext uri="{FF2B5EF4-FFF2-40B4-BE49-F238E27FC236}">
-                <a16:creationId xmlns:a16="http://schemas.microsoft.com/office/drawing/2014/main" xmlns="" id="{63D26743-0505-444C-80B3-E88EE87DF72B}"/>
+                <a16:creationId xmlns="" xmlns:a16="http://schemas.microsoft.com/office/drawing/2014/main" id="{63D26743-0505-444C-80B3-E88EE87DF72B}"/>
               </a:ext>
             </a:extLst>
           </p:cNvPr>
@@ -25446,7 +25446,7 @@
           <p:cNvPr id="18" name="Freeform: Shape 17">
             <a:extLst>
               <a:ext uri="{FF2B5EF4-FFF2-40B4-BE49-F238E27FC236}">
-                <a16:creationId xmlns:a16="http://schemas.microsoft.com/office/drawing/2014/main" xmlns="" id="{E37145E9-AC61-47D5-9288-8789940F81B6}"/>
+                <a16:creationId xmlns="" xmlns:a16="http://schemas.microsoft.com/office/drawing/2014/main" id="{E37145E9-AC61-47D5-9288-8789940F81B6}"/>
               </a:ext>
             </a:extLst>
           </p:cNvPr>
@@ -25598,7 +25598,7 @@
           <p:cNvPr id="12" name="Freeform: Shape 11">
             <a:extLst>
               <a:ext uri="{FF2B5EF4-FFF2-40B4-BE49-F238E27FC236}">
-                <a16:creationId xmlns:a16="http://schemas.microsoft.com/office/drawing/2014/main" xmlns="" id="{A5E2B3ED-9A49-40A7-B8A3-62595FE513F9}"/>
+                <a16:creationId xmlns="" xmlns:a16="http://schemas.microsoft.com/office/drawing/2014/main" id="{A5E2B3ED-9A49-40A7-B8A3-62595FE513F9}"/>
               </a:ext>
             </a:extLst>
           </p:cNvPr>
@@ -25748,7 +25748,7 @@
           <p:cNvPr id="8" name="Freeform: Shape 7">
             <a:extLst>
               <a:ext uri="{FF2B5EF4-FFF2-40B4-BE49-F238E27FC236}">
-                <a16:creationId xmlns:a16="http://schemas.microsoft.com/office/drawing/2014/main" xmlns="" id="{1599AF7E-3E34-4597-AA72-9373A7FDB020}"/>
+                <a16:creationId xmlns="" xmlns:a16="http://schemas.microsoft.com/office/drawing/2014/main" id="{1599AF7E-3E34-4597-AA72-9373A7FDB020}"/>
               </a:ext>
             </a:extLst>
           </p:cNvPr>
@@ -25894,7 +25894,7 @@
           <p:cNvPr id="2" name="Title 1">
             <a:extLst>
               <a:ext uri="{FF2B5EF4-FFF2-40B4-BE49-F238E27FC236}">
-                <a16:creationId xmlns:a16="http://schemas.microsoft.com/office/drawing/2014/main" xmlns="" id="{4A2DF563-7FAC-46B3-B24C-7E45CD89DA2B}"/>
+                <a16:creationId xmlns="" xmlns:a16="http://schemas.microsoft.com/office/drawing/2014/main" id="{4A2DF563-7FAC-46B3-B24C-7E45CD89DA2B}"/>
               </a:ext>
             </a:extLst>
           </p:cNvPr>
@@ -25939,7 +25939,7 @@
           <p:cNvPr id="15" name="Group 14">
             <a:extLst>
               <a:ext uri="{FF2B5EF4-FFF2-40B4-BE49-F238E27FC236}">
-                <a16:creationId xmlns:a16="http://schemas.microsoft.com/office/drawing/2014/main" xmlns="" id="{7732E1E7-45E3-4264-8F26-66758696DD1E}"/>
+                <a16:creationId xmlns="" xmlns:a16="http://schemas.microsoft.com/office/drawing/2014/main" id="{7732E1E7-45E3-4264-8F26-66758696DD1E}"/>
               </a:ext>
             </a:extLst>
           </p:cNvPr>
@@ -25959,7 +25959,7 @@
             <p:cNvPr id="16" name="Freeform: Shape 15">
               <a:extLst>
                 <a:ext uri="{FF2B5EF4-FFF2-40B4-BE49-F238E27FC236}">
-                  <a16:creationId xmlns:a16="http://schemas.microsoft.com/office/drawing/2014/main" xmlns="" id="{2E3DF883-8093-49FA-81E1-E5D77F086A25}"/>
+                  <a16:creationId xmlns="" xmlns:a16="http://schemas.microsoft.com/office/drawing/2014/main" id="{2E3DF883-8093-49FA-81E1-E5D77F086A25}"/>
                 </a:ext>
               </a:extLst>
             </p:cNvPr>
@@ -26049,7 +26049,7 @@
             <p:cNvPr id="17" name="Freeform: Shape 16">
               <a:extLst>
                 <a:ext uri="{FF2B5EF4-FFF2-40B4-BE49-F238E27FC236}">
-                  <a16:creationId xmlns:a16="http://schemas.microsoft.com/office/drawing/2014/main" xmlns="" id="{18944C90-37E5-4BBE-89FF-060627168050}"/>
+                  <a16:creationId xmlns="" xmlns:a16="http://schemas.microsoft.com/office/drawing/2014/main" id="{18944C90-37E5-4BBE-89FF-060627168050}"/>
                 </a:ext>
               </a:extLst>
             </p:cNvPr>
@@ -26148,7 +26148,7 @@
           <p:cNvPr id="6" name="Group 5">
             <a:extLst>
               <a:ext uri="{FF2B5EF4-FFF2-40B4-BE49-F238E27FC236}">
-                <a16:creationId xmlns:a16="http://schemas.microsoft.com/office/drawing/2014/main" xmlns="" id="{D9EBF8BB-A805-4DDB-B459-082F99815B95}"/>
+                <a16:creationId xmlns="" xmlns:a16="http://schemas.microsoft.com/office/drawing/2014/main" id="{D9EBF8BB-A805-4DDB-B459-082F99815B95}"/>
               </a:ext>
             </a:extLst>
           </p:cNvPr>
@@ -26168,7 +26168,7 @@
             <p:cNvPr id="19" name="Rectangle: Single Corner Snipped 18">
               <a:extLst>
                 <a:ext uri="{FF2B5EF4-FFF2-40B4-BE49-F238E27FC236}">
-                  <a16:creationId xmlns:a16="http://schemas.microsoft.com/office/drawing/2014/main" xmlns="" id="{5D638788-DD47-45E7-939A-FA108A818173}"/>
+                  <a16:creationId xmlns="" xmlns:a16="http://schemas.microsoft.com/office/drawing/2014/main" id="{5D638788-DD47-45E7-939A-FA108A818173}"/>
                 </a:ext>
               </a:extLst>
             </p:cNvPr>
@@ -26234,7 +26234,7 @@
             <p:cNvPr id="3" name="Rectangle: Single Corner Snipped 2">
               <a:extLst>
                 <a:ext uri="{FF2B5EF4-FFF2-40B4-BE49-F238E27FC236}">
-                  <a16:creationId xmlns:a16="http://schemas.microsoft.com/office/drawing/2014/main" xmlns="" id="{74BDECEF-EEFE-4332-B3B2-BDE4F82C10FC}"/>
+                  <a16:creationId xmlns="" xmlns:a16="http://schemas.microsoft.com/office/drawing/2014/main" id="{74BDECEF-EEFE-4332-B3B2-BDE4F82C10FC}"/>
                 </a:ext>
               </a:extLst>
             </p:cNvPr>
@@ -26291,7 +26291,7 @@
           <p:cNvPr id="24" name="Freeform: Shape 23">
             <a:extLst>
               <a:ext uri="{FF2B5EF4-FFF2-40B4-BE49-F238E27FC236}">
-                <a16:creationId xmlns:a16="http://schemas.microsoft.com/office/drawing/2014/main" xmlns="" id="{18103E00-7E4A-44CD-81AC-06433CAE1110}"/>
+                <a16:creationId xmlns="" xmlns:a16="http://schemas.microsoft.com/office/drawing/2014/main" id="{18103E00-7E4A-44CD-81AC-06433CAE1110}"/>
               </a:ext>
             </a:extLst>
           </p:cNvPr>
@@ -26386,7 +26386,7 @@
           <p:cNvPr id="5" name="Slide Number Placeholder 4">
             <a:extLst>
               <a:ext uri="{FF2B5EF4-FFF2-40B4-BE49-F238E27FC236}">
-                <a16:creationId xmlns:a16="http://schemas.microsoft.com/office/drawing/2014/main" xmlns="" id="{87B51822-97FF-47A7-8E4E-A0F79B4EB237}"/>
+                <a16:creationId xmlns="" xmlns:a16="http://schemas.microsoft.com/office/drawing/2014/main" id="{87B51822-97FF-47A7-8E4E-A0F79B4EB237}"/>
               </a:ext>
             </a:extLst>
           </p:cNvPr>
@@ -26430,7 +26430,7 @@
           <p:cNvPr id="25" name="Text Placeholder 2">
             <a:extLst>
               <a:ext uri="{FF2B5EF4-FFF2-40B4-BE49-F238E27FC236}">
-                <a16:creationId xmlns:a16="http://schemas.microsoft.com/office/drawing/2014/main" xmlns="" id="{7FA80A70-18DE-4DB9-9982-BA75BE54CF93}"/>
+                <a16:creationId xmlns="" xmlns:a16="http://schemas.microsoft.com/office/drawing/2014/main" id="{7FA80A70-18DE-4DB9-9982-BA75BE54CF93}"/>
               </a:ext>
             </a:extLst>
           </p:cNvPr>
@@ -26508,7 +26508,7 @@
           <p:cNvPr id="26" name="Text Placeholder 4">
             <a:extLst>
               <a:ext uri="{FF2B5EF4-FFF2-40B4-BE49-F238E27FC236}">
-                <a16:creationId xmlns:a16="http://schemas.microsoft.com/office/drawing/2014/main" xmlns="" id="{2801C0EF-C078-44B0-AD01-4850E9A65EE0}"/>
+                <a16:creationId xmlns="" xmlns:a16="http://schemas.microsoft.com/office/drawing/2014/main" id="{2801C0EF-C078-44B0-AD01-4850E9A65EE0}"/>
               </a:ext>
             </a:extLst>
           </p:cNvPr>
@@ -26586,7 +26586,7 @@
           <p:cNvPr id="27" name="Content Placeholder 3">
             <a:extLst>
               <a:ext uri="{FF2B5EF4-FFF2-40B4-BE49-F238E27FC236}">
-                <a16:creationId xmlns:a16="http://schemas.microsoft.com/office/drawing/2014/main" xmlns="" id="{7C9DED91-45F6-4308-A085-1EFACA6468CF}"/>
+                <a16:creationId xmlns="" xmlns:a16="http://schemas.microsoft.com/office/drawing/2014/main" id="{7C9DED91-45F6-4308-A085-1EFACA6468CF}"/>
               </a:ext>
             </a:extLst>
           </p:cNvPr>
@@ -26686,7 +26686,7 @@
           <p:cNvPr id="28" name="Content Placeholder 5">
             <a:extLst>
               <a:ext uri="{FF2B5EF4-FFF2-40B4-BE49-F238E27FC236}">
-                <a16:creationId xmlns:a16="http://schemas.microsoft.com/office/drawing/2014/main" xmlns="" id="{0574B5E7-B666-439B-9278-67BE1EA6EBC5}"/>
+                <a16:creationId xmlns="" xmlns:a16="http://schemas.microsoft.com/office/drawing/2014/main" id="{0574B5E7-B666-439B-9278-67BE1EA6EBC5}"/>
               </a:ext>
             </a:extLst>
           </p:cNvPr>
@@ -26821,7 +26821,7 @@
           <p:cNvPr id="2" name="Title Placeholder 1">
             <a:extLst>
               <a:ext uri="{FF2B5EF4-FFF2-40B4-BE49-F238E27FC236}">
-                <a16:creationId xmlns:a16="http://schemas.microsoft.com/office/drawing/2014/main" xmlns="" id="{761B0E15-6FC5-434E-8780-B186D9DB0CD0}"/>
+                <a16:creationId xmlns="" xmlns:a16="http://schemas.microsoft.com/office/drawing/2014/main" id="{761B0E15-6FC5-434E-8780-B186D9DB0CD0}"/>
               </a:ext>
             </a:extLst>
           </p:cNvPr>
@@ -26859,7 +26859,7 @@
           <p:cNvPr id="3" name="Text Placeholder 2">
             <a:extLst>
               <a:ext uri="{FF2B5EF4-FFF2-40B4-BE49-F238E27FC236}">
-                <a16:creationId xmlns:a16="http://schemas.microsoft.com/office/drawing/2014/main" xmlns="" id="{A9C7B128-34F3-405C-B601-8BAFDB43499C}"/>
+                <a16:creationId xmlns="" xmlns:a16="http://schemas.microsoft.com/office/drawing/2014/main" id="{A9C7B128-34F3-405C-B601-8BAFDB43499C}"/>
               </a:ext>
             </a:extLst>
           </p:cNvPr>
@@ -26926,7 +26926,7 @@
           <p:cNvPr id="6" name="Slide Number Placeholder 5">
             <a:extLst>
               <a:ext uri="{FF2B5EF4-FFF2-40B4-BE49-F238E27FC236}">
-                <a16:creationId xmlns:a16="http://schemas.microsoft.com/office/drawing/2014/main" xmlns="" id="{9F5A7754-E8C7-438B-922D-9027C6CF58E2}"/>
+                <a16:creationId xmlns="" xmlns:a16="http://schemas.microsoft.com/office/drawing/2014/main" id="{9F5A7754-E8C7-438B-922D-9027C6CF58E2}"/>
               </a:ext>
             </a:extLst>
           </p:cNvPr>
@@ -26973,7 +26973,7 @@
           <p:cNvPr id="5" name="Rectangle 4">
             <a:extLst>
               <a:ext uri="{FF2B5EF4-FFF2-40B4-BE49-F238E27FC236}">
-                <a16:creationId xmlns:a16="http://schemas.microsoft.com/office/drawing/2014/main" xmlns="" id="{7CDDDB7D-9189-9548-A2B9-81DC62C3C1A3}"/>
+                <a16:creationId xmlns="" xmlns:a16="http://schemas.microsoft.com/office/drawing/2014/main" id="{7CDDDB7D-9189-9548-A2B9-81DC62C3C1A3}"/>
               </a:ext>
             </a:extLst>
           </p:cNvPr>
@@ -27027,7 +27027,7 @@
           <p:cNvPr id="7" name="Freeform: Shape 9">
             <a:extLst>
               <a:ext uri="{FF2B5EF4-FFF2-40B4-BE49-F238E27FC236}">
-                <a16:creationId xmlns:a16="http://schemas.microsoft.com/office/drawing/2014/main" xmlns="" id="{096D8877-6B4A-4540-8927-767DD7401718}"/>
+                <a16:creationId xmlns="" xmlns:a16="http://schemas.microsoft.com/office/drawing/2014/main" id="{096D8877-6B4A-4540-8927-767DD7401718}"/>
               </a:ext>
             </a:extLst>
           </p:cNvPr>
@@ -27150,7 +27150,7 @@
           <p:cNvPr id="8" name="Freeform: Shape 17">
             <a:extLst>
               <a:ext uri="{FF2B5EF4-FFF2-40B4-BE49-F238E27FC236}">
-                <a16:creationId xmlns:a16="http://schemas.microsoft.com/office/drawing/2014/main" xmlns="" id="{5AF2E123-FE0F-8541-8E36-5030C450AA7E}"/>
+                <a16:creationId xmlns="" xmlns:a16="http://schemas.microsoft.com/office/drawing/2014/main" id="{5AF2E123-FE0F-8541-8E36-5030C450AA7E}"/>
               </a:ext>
             </a:extLst>
           </p:cNvPr>
@@ -27302,7 +27302,7 @@
           <p:cNvPr id="9" name="Freeform: Shape 11">
             <a:extLst>
               <a:ext uri="{FF2B5EF4-FFF2-40B4-BE49-F238E27FC236}">
-                <a16:creationId xmlns:a16="http://schemas.microsoft.com/office/drawing/2014/main" xmlns="" id="{E5519D99-3B68-924A-9CD0-14B911711CA8}"/>
+                <a16:creationId xmlns="" xmlns:a16="http://schemas.microsoft.com/office/drawing/2014/main" id="{E5519D99-3B68-924A-9CD0-14B911711CA8}"/>
               </a:ext>
             </a:extLst>
           </p:cNvPr>
@@ -27452,7 +27452,7 @@
           <p:cNvPr id="10" name="Freeform: Shape 7">
             <a:extLst>
               <a:ext uri="{FF2B5EF4-FFF2-40B4-BE49-F238E27FC236}">
-                <a16:creationId xmlns:a16="http://schemas.microsoft.com/office/drawing/2014/main" xmlns="" id="{A09E21A9-FBEF-144C-A152-FE484F3C55C1}"/>
+                <a16:creationId xmlns="" xmlns:a16="http://schemas.microsoft.com/office/drawing/2014/main" id="{A09E21A9-FBEF-144C-A152-FE484F3C55C1}"/>
               </a:ext>
             </a:extLst>
           </p:cNvPr>
@@ -27598,7 +27598,7 @@
           <p:cNvPr id="11" name="Title 1">
             <a:extLst>
               <a:ext uri="{FF2B5EF4-FFF2-40B4-BE49-F238E27FC236}">
-                <a16:creationId xmlns:a16="http://schemas.microsoft.com/office/drawing/2014/main" xmlns="" id="{70C7F2CB-A8CE-1545-A08D-93592C4BAEEA}"/>
+                <a16:creationId xmlns="" xmlns:a16="http://schemas.microsoft.com/office/drawing/2014/main" id="{70C7F2CB-A8CE-1545-A08D-93592C4BAEEA}"/>
               </a:ext>
             </a:extLst>
           </p:cNvPr>
@@ -27654,7 +27654,7 @@
           <p:cNvPr id="12" name="Group 11">
             <a:extLst>
               <a:ext uri="{FF2B5EF4-FFF2-40B4-BE49-F238E27FC236}">
-                <a16:creationId xmlns:a16="http://schemas.microsoft.com/office/drawing/2014/main" xmlns="" id="{7068FCE4-1B47-3C4B-B091-013120A97D09}"/>
+                <a16:creationId xmlns="" xmlns:a16="http://schemas.microsoft.com/office/drawing/2014/main" id="{7068FCE4-1B47-3C4B-B091-013120A97D09}"/>
               </a:ext>
             </a:extLst>
           </p:cNvPr>
@@ -27674,7 +27674,7 @@
             <p:cNvPr id="13" name="Freeform: Shape 15">
               <a:extLst>
                 <a:ext uri="{FF2B5EF4-FFF2-40B4-BE49-F238E27FC236}">
-                  <a16:creationId xmlns:a16="http://schemas.microsoft.com/office/drawing/2014/main" xmlns="" id="{FEC3FDE7-F27E-5E4E-8752-287CAB7792D4}"/>
+                  <a16:creationId xmlns="" xmlns:a16="http://schemas.microsoft.com/office/drawing/2014/main" id="{FEC3FDE7-F27E-5E4E-8752-287CAB7792D4}"/>
                 </a:ext>
               </a:extLst>
             </p:cNvPr>
@@ -27764,7 +27764,7 @@
             <p:cNvPr id="14" name="Freeform: Shape 16">
               <a:extLst>
                 <a:ext uri="{FF2B5EF4-FFF2-40B4-BE49-F238E27FC236}">
-                  <a16:creationId xmlns:a16="http://schemas.microsoft.com/office/drawing/2014/main" xmlns="" id="{81C902DB-0D21-5044-82B6-9E7A70A1BF62}"/>
+                  <a16:creationId xmlns="" xmlns:a16="http://schemas.microsoft.com/office/drawing/2014/main" id="{81C902DB-0D21-5044-82B6-9E7A70A1BF62}"/>
                 </a:ext>
               </a:extLst>
             </p:cNvPr>
@@ -27863,7 +27863,7 @@
           <p:cNvPr id="15" name="Group 14">
             <a:extLst>
               <a:ext uri="{FF2B5EF4-FFF2-40B4-BE49-F238E27FC236}">
-                <a16:creationId xmlns:a16="http://schemas.microsoft.com/office/drawing/2014/main" xmlns="" id="{BE1E08A0-195D-694F-947B-986A76FBB93E}"/>
+                <a16:creationId xmlns="" xmlns:a16="http://schemas.microsoft.com/office/drawing/2014/main" id="{BE1E08A0-195D-694F-947B-986A76FBB93E}"/>
               </a:ext>
             </a:extLst>
           </p:cNvPr>
@@ -27883,7 +27883,7 @@
             <p:cNvPr id="16" name="Rectangle: Single Corner Snipped 18">
               <a:extLst>
                 <a:ext uri="{FF2B5EF4-FFF2-40B4-BE49-F238E27FC236}">
-                  <a16:creationId xmlns:a16="http://schemas.microsoft.com/office/drawing/2014/main" xmlns="" id="{ED5DFFCD-1EE3-E64E-B51F-BD7D72413E0B}"/>
+                  <a16:creationId xmlns="" xmlns:a16="http://schemas.microsoft.com/office/drawing/2014/main" id="{ED5DFFCD-1EE3-E64E-B51F-BD7D72413E0B}"/>
                 </a:ext>
               </a:extLst>
             </p:cNvPr>
@@ -27949,7 +27949,7 @@
             <p:cNvPr id="17" name="Rectangle: Single Corner Snipped 2">
               <a:extLst>
                 <a:ext uri="{FF2B5EF4-FFF2-40B4-BE49-F238E27FC236}">
-                  <a16:creationId xmlns:a16="http://schemas.microsoft.com/office/drawing/2014/main" xmlns="" id="{C12DB3CA-8E64-AA43-BFBE-A2CA9A816DBE}"/>
+                  <a16:creationId xmlns="" xmlns:a16="http://schemas.microsoft.com/office/drawing/2014/main" id="{C12DB3CA-8E64-AA43-BFBE-A2CA9A816DBE}"/>
                 </a:ext>
               </a:extLst>
             </p:cNvPr>
@@ -28006,7 +28006,7 @@
           <p:cNvPr id="18" name="Freeform: Shape 23">
             <a:extLst>
               <a:ext uri="{FF2B5EF4-FFF2-40B4-BE49-F238E27FC236}">
-                <a16:creationId xmlns:a16="http://schemas.microsoft.com/office/drawing/2014/main" xmlns="" id="{A587DEFD-D470-4142-8E0D-A71DDB147C92}"/>
+                <a16:creationId xmlns="" xmlns:a16="http://schemas.microsoft.com/office/drawing/2014/main" id="{A587DEFD-D470-4142-8E0D-A71DDB147C92}"/>
               </a:ext>
             </a:extLst>
           </p:cNvPr>
@@ -28101,7 +28101,7 @@
           <p:cNvPr id="19" name="Slide Number Placeholder 4">
             <a:extLst>
               <a:ext uri="{FF2B5EF4-FFF2-40B4-BE49-F238E27FC236}">
-                <a16:creationId xmlns:a16="http://schemas.microsoft.com/office/drawing/2014/main" xmlns="" id="{7D9BF857-7910-734D-A217-5E3344220AA2}"/>
+                <a16:creationId xmlns="" xmlns:a16="http://schemas.microsoft.com/office/drawing/2014/main" id="{7D9BF857-7910-734D-A217-5E3344220AA2}"/>
               </a:ext>
             </a:extLst>
           </p:cNvPr>
@@ -28552,7 +28552,7 @@
   </p:txStyles>
   <p:extLst>
     <p:ext uri="{27BBF7A9-308A-43DC-89C8-2F10F3537804}">
-      <p15:sldGuideLst xmlns:p15="http://schemas.microsoft.com/office/powerpoint/2012/main" xmlns="">
+      <p15:sldGuideLst xmlns="" xmlns:p15="http://schemas.microsoft.com/office/powerpoint/2012/main">
         <p15:guide id="1" orient="horz" pos="2160" userDrawn="1">
           <p15:clr>
             <a:srgbClr val="F26B43"/>
@@ -28611,7 +28611,7 @@
           <p:cNvPr id="2" name="Title 1">
             <a:extLst>
               <a:ext uri="{FF2B5EF4-FFF2-40B4-BE49-F238E27FC236}">
-                <a16:creationId xmlns:a16="http://schemas.microsoft.com/office/drawing/2014/main" xmlns="" id="{3A4F25FA-D2E4-49EB-8598-D6FA34346532}"/>
+                <a16:creationId xmlns="" xmlns:a16="http://schemas.microsoft.com/office/drawing/2014/main" id="{3A4F25FA-D2E4-49EB-8598-D6FA34346532}"/>
               </a:ext>
             </a:extLst>
           </p:cNvPr>
@@ -28644,7 +28644,7 @@
           <p:cNvPr id="3" name="Subtitle 2">
             <a:extLst>
               <a:ext uri="{FF2B5EF4-FFF2-40B4-BE49-F238E27FC236}">
-                <a16:creationId xmlns:a16="http://schemas.microsoft.com/office/drawing/2014/main" xmlns="" id="{78B4723A-6D68-4570-9EB2-A55B047BEBC3}"/>
+                <a16:creationId xmlns="" xmlns:a16="http://schemas.microsoft.com/office/drawing/2014/main" id="{78B4723A-6D68-4570-9EB2-A55B047BEBC3}"/>
               </a:ext>
             </a:extLst>
           </p:cNvPr>
@@ -28718,7 +28718,7 @@
 </file>
 
 <file path=ppt/slides/slide10.xml><?xml version="1.0" encoding="utf-8"?>
-<p:sld xmlns:a="http://schemas.openxmlformats.org/drawingml/2006/main" xmlns:r="http://schemas.openxmlformats.org/officeDocument/2006/relationships" xmlns:p="http://schemas.openxmlformats.org/presentationml/2006/main">
+<p:sld xmlns:a="http://schemas.openxmlformats.org/drawingml/2006/main" xmlns:r="http://schemas.openxmlformats.org/officeDocument/2006/relationships" xmlns:p="http://schemas.openxmlformats.org/presentationml/2006/main" showMasterSp="0">
   <p:cSld>
     <p:spTree>
       <p:nvGrpSpPr>
@@ -28739,7 +28739,7 @@
           <p:cNvPr id="11" name="Title 10">
             <a:extLst>
               <a:ext uri="{FF2B5EF4-FFF2-40B4-BE49-F238E27FC236}">
-                <a16:creationId xmlns:a16="http://schemas.microsoft.com/office/drawing/2014/main" xmlns="" id="{271FC43D-322B-4DFD-B2E2-7F92F1F8F2B6}"/>
+                <a16:creationId xmlns="" xmlns:a16="http://schemas.microsoft.com/office/drawing/2014/main" id="{271FC43D-322B-4DFD-B2E2-7F92F1F8F2B6}"/>
               </a:ext>
             </a:extLst>
           </p:cNvPr>
@@ -28781,7 +28781,7 @@
           <p:cNvPr id="9" name="Slide Number Placeholder 2">
             <a:extLst>
               <a:ext uri="{FF2B5EF4-FFF2-40B4-BE49-F238E27FC236}">
-                <a16:creationId xmlns:a16="http://schemas.microsoft.com/office/drawing/2014/main" xmlns="" id="{9DB6983D-80ED-79A1-46EB-CE9C807B8DA3}"/>
+                <a16:creationId xmlns="" xmlns:a16="http://schemas.microsoft.com/office/drawing/2014/main" id="{9DB6983D-80ED-79A1-46EB-CE9C807B8DA3}"/>
               </a:ext>
             </a:extLst>
           </p:cNvPr>
@@ -29154,7 +29154,7 @@
           <p:cNvPr id="7" name="Title 1">
             <a:extLst>
               <a:ext uri="{FF2B5EF4-FFF2-40B4-BE49-F238E27FC236}">
-                <a16:creationId xmlns:a16="http://schemas.microsoft.com/office/drawing/2014/main" xmlns="" id="{FEA316DB-23D4-7143-BDEF-E3AF303EF39A}"/>
+                <a16:creationId xmlns="" xmlns:a16="http://schemas.microsoft.com/office/drawing/2014/main" id="{FEA316DB-23D4-7143-BDEF-E3AF303EF39A}"/>
               </a:ext>
             </a:extLst>
           </p:cNvPr>
@@ -29195,7 +29195,7 @@
           <p:cNvPr id="2" name="Slide Number Placeholder 1">
             <a:extLst>
               <a:ext uri="{FF2B5EF4-FFF2-40B4-BE49-F238E27FC236}">
-                <a16:creationId xmlns:a16="http://schemas.microsoft.com/office/drawing/2014/main" xmlns="" id="{8B065C75-272B-4BB5-BA23-D80E8654D621}"/>
+                <a16:creationId xmlns="" xmlns:a16="http://schemas.microsoft.com/office/drawing/2014/main" id="{8B065C75-272B-4BB5-BA23-D80E8654D621}"/>
               </a:ext>
             </a:extLst>
           </p:cNvPr>
@@ -29241,7 +29241,7 @@
           <p:cNvPr id="5" name="Text Placeholder 4">
             <a:extLst>
               <a:ext uri="{FF2B5EF4-FFF2-40B4-BE49-F238E27FC236}">
-                <a16:creationId xmlns:a16="http://schemas.microsoft.com/office/drawing/2014/main" xmlns="" id="{DCDDBE65-9AB1-4989-AF86-726591A6A128}"/>
+                <a16:creationId xmlns="" xmlns:a16="http://schemas.microsoft.com/office/drawing/2014/main" id="{DCDDBE65-9AB1-4989-AF86-726591A6A128}"/>
               </a:ext>
             </a:extLst>
           </p:cNvPr>
@@ -29310,7 +29310,7 @@
           <p:cNvPr id="6" name="Title 1">
             <a:extLst>
               <a:ext uri="{FF2B5EF4-FFF2-40B4-BE49-F238E27FC236}">
-                <a16:creationId xmlns:a16="http://schemas.microsoft.com/office/drawing/2014/main" xmlns="" id="{FEA316DB-23D4-7143-BDEF-E3AF303EF39A}"/>
+                <a16:creationId xmlns="" xmlns:a16="http://schemas.microsoft.com/office/drawing/2014/main" id="{FEA316DB-23D4-7143-BDEF-E3AF303EF39A}"/>
               </a:ext>
             </a:extLst>
           </p:cNvPr>
@@ -29368,7 +29368,7 @@
           <p:cNvPr id="8" name="Text Placeholder 4">
             <a:extLst>
               <a:ext uri="{FF2B5EF4-FFF2-40B4-BE49-F238E27FC236}">
-                <a16:creationId xmlns:a16="http://schemas.microsoft.com/office/drawing/2014/main" xmlns="" id="{DCDDBE65-9AB1-4989-AF86-726591A6A128}"/>
+                <a16:creationId xmlns="" xmlns:a16="http://schemas.microsoft.com/office/drawing/2014/main" id="{DCDDBE65-9AB1-4989-AF86-726591A6A128}"/>
               </a:ext>
             </a:extLst>
           </p:cNvPr>
@@ -29715,7 +29715,7 @@
           <p:cNvPr id="2" name="Title 1">
             <a:extLst>
               <a:ext uri="{FF2B5EF4-FFF2-40B4-BE49-F238E27FC236}">
-                <a16:creationId xmlns:a16="http://schemas.microsoft.com/office/drawing/2014/main" xmlns="" id="{632BE5BF-9922-45FB-8F3F-4446D40A051B}"/>
+                <a16:creationId xmlns="" xmlns:a16="http://schemas.microsoft.com/office/drawing/2014/main" id="{632BE5BF-9922-45FB-8F3F-4446D40A051B}"/>
               </a:ext>
             </a:extLst>
           </p:cNvPr>
@@ -29784,7 +29784,7 @@
           <p:cNvPr id="2" name="Title 1">
             <a:extLst>
               <a:ext uri="{FF2B5EF4-FFF2-40B4-BE49-F238E27FC236}">
-                <a16:creationId xmlns:a16="http://schemas.microsoft.com/office/drawing/2014/main" xmlns="" id="{E4DCAC26-918C-4772-BF30-510B03C5AE49}"/>
+                <a16:creationId xmlns="" xmlns:a16="http://schemas.microsoft.com/office/drawing/2014/main" id="{E4DCAC26-918C-4772-BF30-510B03C5AE49}"/>
               </a:ext>
             </a:extLst>
           </p:cNvPr>
@@ -29816,7 +29816,7 @@
           <p:cNvPr id="3" name="Slide Number Placeholder 2">
             <a:extLst>
               <a:ext uri="{FF2B5EF4-FFF2-40B4-BE49-F238E27FC236}">
-                <a16:creationId xmlns:a16="http://schemas.microsoft.com/office/drawing/2014/main" xmlns="" id="{BF702D22-B9F0-4A21-A93C-458A68ED29DC}"/>
+                <a16:creationId xmlns="" xmlns:a16="http://schemas.microsoft.com/office/drawing/2014/main" id="{BF702D22-B9F0-4A21-A93C-458A68ED29DC}"/>
               </a:ext>
             </a:extLst>
           </p:cNvPr>
@@ -29846,7 +29846,7 @@
           <p:cNvPr id="9" name="Content Placeholder 8" descr="A picture containing shoji, crossword puzzle, window, building&#10;&#10;Description automatically generated">
             <a:extLst>
               <a:ext uri="{FF2B5EF4-FFF2-40B4-BE49-F238E27FC236}">
-                <a16:creationId xmlns:a16="http://schemas.microsoft.com/office/drawing/2014/main" xmlns="" id="{315E1374-3F09-44C4-AFB8-0C423F7FCF94}"/>
+                <a16:creationId xmlns="" xmlns:a16="http://schemas.microsoft.com/office/drawing/2014/main" id="{315E1374-3F09-44C4-AFB8-0C423F7FCF94}"/>
               </a:ext>
             </a:extLst>
           </p:cNvPr>
@@ -29875,7 +29875,7 @@
           <p:cNvPr id="7" name="Content Placeholder 6" descr="A picture containing window, shoji&#10;&#10;Description automatically generated">
             <a:extLst>
               <a:ext uri="{FF2B5EF4-FFF2-40B4-BE49-F238E27FC236}">
-                <a16:creationId xmlns:a16="http://schemas.microsoft.com/office/drawing/2014/main" xmlns="" id="{5C11166E-3B9D-46AD-B7D1-54342613B286}"/>
+                <a16:creationId xmlns="" xmlns:a16="http://schemas.microsoft.com/office/drawing/2014/main" id="{5C11166E-3B9D-46AD-B7D1-54342613B286}"/>
               </a:ext>
             </a:extLst>
           </p:cNvPr>
@@ -29941,7 +29941,7 @@
           <p:cNvPr id="21" name="Title 1">
             <a:extLst>
               <a:ext uri="{FF2B5EF4-FFF2-40B4-BE49-F238E27FC236}">
-                <a16:creationId xmlns:a16="http://schemas.microsoft.com/office/drawing/2014/main" xmlns="" id="{E118CE47-4937-5BA8-B09C-42BF57DE773B}"/>
+                <a16:creationId xmlns="" xmlns:a16="http://schemas.microsoft.com/office/drawing/2014/main" id="{E118CE47-4937-5BA8-B09C-42BF57DE773B}"/>
               </a:ext>
             </a:extLst>
           </p:cNvPr>
@@ -29974,7 +29974,7 @@
           <p:cNvPr id="2" name="Slide Number Placeholder 1">
             <a:extLst>
               <a:ext uri="{FF2B5EF4-FFF2-40B4-BE49-F238E27FC236}">
-                <a16:creationId xmlns:a16="http://schemas.microsoft.com/office/drawing/2014/main" xmlns="" id="{235359B9-73D6-455A-909C-B2C9A664E352}"/>
+                <a16:creationId xmlns="" xmlns:a16="http://schemas.microsoft.com/office/drawing/2014/main" id="{235359B9-73D6-455A-909C-B2C9A664E352}"/>
               </a:ext>
             </a:extLst>
           </p:cNvPr>
@@ -30020,7 +30020,7 @@
           <p:cNvPr id="4098" name="Picture 2">
             <a:extLst>
               <a:ext uri="{FF2B5EF4-FFF2-40B4-BE49-F238E27FC236}">
-                <a16:creationId xmlns:a16="http://schemas.microsoft.com/office/drawing/2014/main" xmlns="" id="{3367DA65-9A7D-4005-89AD-DE3EFA647710}"/>
+                <a16:creationId xmlns="" xmlns:a16="http://schemas.microsoft.com/office/drawing/2014/main" id="{3367DA65-9A7D-4005-89AD-DE3EFA647710}"/>
               </a:ext>
             </a:extLst>
           </p:cNvPr>
@@ -30067,7 +30067,7 @@
           <p:cNvPr id="4100" name="Picture 4">
             <a:extLst>
               <a:ext uri="{FF2B5EF4-FFF2-40B4-BE49-F238E27FC236}">
-                <a16:creationId xmlns:a16="http://schemas.microsoft.com/office/drawing/2014/main" xmlns="" id="{C46BE4E4-D50E-4708-A290-51FC72C7C2BD}"/>
+                <a16:creationId xmlns="" xmlns:a16="http://schemas.microsoft.com/office/drawing/2014/main" id="{C46BE4E4-D50E-4708-A290-51FC72C7C2BD}"/>
               </a:ext>
             </a:extLst>
           </p:cNvPr>
@@ -30153,7 +30153,7 @@
           <p:cNvPr id="2" name="Title 1">
             <a:extLst>
               <a:ext uri="{FF2B5EF4-FFF2-40B4-BE49-F238E27FC236}">
-                <a16:creationId xmlns:a16="http://schemas.microsoft.com/office/drawing/2014/main" xmlns="" id="{632BE5BF-9922-45FB-8F3F-4446D40A051B}"/>
+                <a16:creationId xmlns="" xmlns:a16="http://schemas.microsoft.com/office/drawing/2014/main" id="{632BE5BF-9922-45FB-8F3F-4446D40A051B}"/>
               </a:ext>
             </a:extLst>
           </p:cNvPr>
@@ -30232,7 +30232,7 @@
           <p:cNvPr id="71" name="Title 1">
             <a:extLst>
               <a:ext uri="{FF2B5EF4-FFF2-40B4-BE49-F238E27FC236}">
-                <a16:creationId xmlns:a16="http://schemas.microsoft.com/office/drawing/2014/main" xmlns="" id="{D802FE8E-9913-389D-CAC5-585A88872A15}"/>
+                <a16:creationId xmlns="" xmlns:a16="http://schemas.microsoft.com/office/drawing/2014/main" id="{D802FE8E-9913-389D-CAC5-585A88872A15}"/>
               </a:ext>
             </a:extLst>
           </p:cNvPr>
@@ -30265,7 +30265,7 @@
           <p:cNvPr id="2" name="Slide Number Placeholder 1">
             <a:extLst>
               <a:ext uri="{FF2B5EF4-FFF2-40B4-BE49-F238E27FC236}">
-                <a16:creationId xmlns:a16="http://schemas.microsoft.com/office/drawing/2014/main" xmlns="" id="{A2A56D48-F061-430B-87D0-71C9E9B46879}"/>
+                <a16:creationId xmlns="" xmlns:a16="http://schemas.microsoft.com/office/drawing/2014/main" id="{A2A56D48-F061-430B-87D0-71C9E9B46879}"/>
               </a:ext>
             </a:extLst>
           </p:cNvPr>
@@ -30311,7 +30311,7 @@
           <p:cNvPr id="73" name="Text Placeholder 3">
             <a:extLst>
               <a:ext uri="{FF2B5EF4-FFF2-40B4-BE49-F238E27FC236}">
-                <a16:creationId xmlns:a16="http://schemas.microsoft.com/office/drawing/2014/main" xmlns="" id="{C182B808-D70D-FF91-50C0-BFA7FE393E8C}"/>
+                <a16:creationId xmlns="" xmlns:a16="http://schemas.microsoft.com/office/drawing/2014/main" id="{C182B808-D70D-FF91-50C0-BFA7FE393E8C}"/>
               </a:ext>
             </a:extLst>
           </p:cNvPr>
@@ -30384,7 +30384,7 @@
           <p:cNvPr id="3074" name="Picture 2" descr="King County, WA Property Tax Calculator - SmartAsset">
             <a:extLst>
               <a:ext uri="{FF2B5EF4-FFF2-40B4-BE49-F238E27FC236}">
-                <a16:creationId xmlns:a16="http://schemas.microsoft.com/office/drawing/2014/main" xmlns="" id="{6C729D14-CA46-418C-B1CD-A24647066CB3}"/>
+                <a16:creationId xmlns="" xmlns:a16="http://schemas.microsoft.com/office/drawing/2014/main" id="{6C729D14-CA46-418C-B1CD-A24647066CB3}"/>
               </a:ext>
             </a:extLst>
           </p:cNvPr>
@@ -30427,6 +30427,13 @@
   <p:clrMapOvr>
     <a:masterClrMapping/>
   </p:clrMapOvr>
+  <p:timing>
+    <p:tnLst>
+      <p:par>
+        <p:cTn id="1" dur="indefinite" restart="never" nodeType="tmRoot"/>
+      </p:par>
+    </p:tnLst>
+  </p:timing>
 </p:sld>
 </file>
 
@@ -30452,7 +30459,7 @@
           <p:cNvPr id="7" name="Title 6">
             <a:extLst>
               <a:ext uri="{FF2B5EF4-FFF2-40B4-BE49-F238E27FC236}">
-                <a16:creationId xmlns:a16="http://schemas.microsoft.com/office/drawing/2014/main" xmlns="" id="{7875C19A-1AAE-476A-A316-A2CF92D763D3}"/>
+                <a16:creationId xmlns="" xmlns:a16="http://schemas.microsoft.com/office/drawing/2014/main" id="{7875C19A-1AAE-476A-A316-A2CF92D763D3}"/>
               </a:ext>
             </a:extLst>
           </p:cNvPr>
@@ -30480,7 +30487,7 @@
           <p:cNvPr id="10" name="Text Placeholder 9">
             <a:extLst>
               <a:ext uri="{FF2B5EF4-FFF2-40B4-BE49-F238E27FC236}">
-                <a16:creationId xmlns:a16="http://schemas.microsoft.com/office/drawing/2014/main" xmlns="" id="{EF2BC084-E6DB-4DE7-B309-042A85EBA700}"/>
+                <a16:creationId xmlns="" xmlns:a16="http://schemas.microsoft.com/office/drawing/2014/main" id="{EF2BC084-E6DB-4DE7-B309-042A85EBA700}"/>
               </a:ext>
             </a:extLst>
           </p:cNvPr>
@@ -30552,7 +30559,7 @@
           <p:cNvPr id="2" name="Slide Number Placeholder 1">
             <a:extLst>
               <a:ext uri="{FF2B5EF4-FFF2-40B4-BE49-F238E27FC236}">
-                <a16:creationId xmlns:a16="http://schemas.microsoft.com/office/drawing/2014/main" xmlns="" id="{BE9800F6-D571-48C4-8466-12AA1ADB6599}"/>
+                <a16:creationId xmlns="" xmlns:a16="http://schemas.microsoft.com/office/drawing/2014/main" id="{BE9800F6-D571-48C4-8466-12AA1ADB6599}"/>
               </a:ext>
             </a:extLst>
           </p:cNvPr>
@@ -30599,6 +30606,13 @@
       </p:transition>
     </mc:Fallback>
   </mc:AlternateContent>
+  <p:timing>
+    <p:tnLst>
+      <p:par>
+        <p:cTn id="1" dur="indefinite" restart="never" nodeType="tmRoot"/>
+      </p:par>
+    </p:tnLst>
+  </p:timing>
 </p:sld>
 </file>
 
@@ -30621,38 +30635,10 @@
       </p:grpSpPr>
       <p:sp>
         <p:nvSpPr>
-          <p:cNvPr id="4" name="Title 3">
-            <a:extLst>
-              <a:ext uri="{FF2B5EF4-FFF2-40B4-BE49-F238E27FC236}">
-                <a16:creationId xmlns:a16="http://schemas.microsoft.com/office/drawing/2014/main" xmlns="" id="{315E3981-F0D7-482C-A8E0-6A57700BECA7}"/>
-              </a:ext>
-            </a:extLst>
-          </p:cNvPr>
-          <p:cNvSpPr>
-            <a:spLocks noGrp="1"/>
-          </p:cNvSpPr>
-          <p:nvPr>
-            <p:ph type="title"/>
-          </p:nvPr>
-        </p:nvSpPr>
-        <p:spPr/>
-        <p:txBody>
-          <a:bodyPr/>
-          <a:lstStyle/>
-          <a:p>
-            <a:r>
-              <a:rPr lang="en-US" dirty="0"/>
-              <a:t>Content Title 02</a:t>
-            </a:r>
-          </a:p>
-        </p:txBody>
-      </p:sp>
-      <p:sp>
-        <p:nvSpPr>
           <p:cNvPr id="2" name="Slide Number Placeholder 1">
             <a:extLst>
               <a:ext uri="{FF2B5EF4-FFF2-40B4-BE49-F238E27FC236}">
-                <a16:creationId xmlns:a16="http://schemas.microsoft.com/office/drawing/2014/main" xmlns="" id="{520FC4EE-F318-4344-9E3C-B950ADB63865}"/>
+                <a16:creationId xmlns="" xmlns:a16="http://schemas.microsoft.com/office/drawing/2014/main" id="{520FC4EE-F318-4344-9E3C-B950ADB63865}"/>
               </a:ext>
             </a:extLst>
           </p:cNvPr>
@@ -30682,7 +30668,7 @@
           <p:cNvPr id="7" name="Text Placeholder 6">
             <a:extLst>
               <a:ext uri="{FF2B5EF4-FFF2-40B4-BE49-F238E27FC236}">
-                <a16:creationId xmlns:a16="http://schemas.microsoft.com/office/drawing/2014/main" xmlns="" id="{B74126B4-1E6C-4FFF-9282-40E18A85A07F}"/>
+                <a16:creationId xmlns="" xmlns:a16="http://schemas.microsoft.com/office/drawing/2014/main" id="{B74126B4-1E6C-4FFF-9282-40E18A85A07F}"/>
               </a:ext>
             </a:extLst>
           </p:cNvPr>
@@ -30710,7 +30696,7 @@
           <p:cNvPr id="5" name="Text Placeholder 4">
             <a:extLst>
               <a:ext uri="{FF2B5EF4-FFF2-40B4-BE49-F238E27FC236}">
-                <a16:creationId xmlns:a16="http://schemas.microsoft.com/office/drawing/2014/main" xmlns="" id="{E0C87788-476B-4620-8002-A5C1177AD6C1}"/>
+                <a16:creationId xmlns="" xmlns:a16="http://schemas.microsoft.com/office/drawing/2014/main" id="{E0C87788-476B-4620-8002-A5C1177AD6C1}"/>
               </a:ext>
             </a:extLst>
           </p:cNvPr>
@@ -30751,7 +30737,7 @@
           <p:cNvPr id="8" name="Text Placeholder 7">
             <a:extLst>
               <a:ext uri="{FF2B5EF4-FFF2-40B4-BE49-F238E27FC236}">
-                <a16:creationId xmlns:a16="http://schemas.microsoft.com/office/drawing/2014/main" xmlns="" id="{47DC4E62-1A34-4F98-A451-214F1808519C}"/>
+                <a16:creationId xmlns="" xmlns:a16="http://schemas.microsoft.com/office/drawing/2014/main" id="{47DC4E62-1A34-4F98-A451-214F1808519C}"/>
               </a:ext>
             </a:extLst>
           </p:cNvPr>
@@ -30796,7 +30782,7 @@
           <p:cNvPr id="6" name="Text Placeholder 5">
             <a:extLst>
               <a:ext uri="{FF2B5EF4-FFF2-40B4-BE49-F238E27FC236}">
-                <a16:creationId xmlns:a16="http://schemas.microsoft.com/office/drawing/2014/main" xmlns="" id="{000A9570-5EF6-4AFB-9FCA-7C8998E3FEB1}"/>
+                <a16:creationId xmlns="" xmlns:a16="http://schemas.microsoft.com/office/drawing/2014/main" id="{000A9570-5EF6-4AFB-9FCA-7C8998E3FEB1}"/>
               </a:ext>
             </a:extLst>
           </p:cNvPr>
@@ -30842,6 +30828,25 @@
           </a:p>
         </p:txBody>
       </p:sp>
+      <p:sp>
+        <p:nvSpPr>
+          <p:cNvPr id="3" name="Titel 2"/>
+          <p:cNvSpPr>
+            <a:spLocks noGrp="1"/>
+          </p:cNvSpPr>
+          <p:nvPr>
+            <p:ph type="title"/>
+          </p:nvPr>
+        </p:nvSpPr>
+        <p:spPr/>
+        <p:txBody>
+          <a:bodyPr/>
+          <a:lstStyle/>
+          <a:p>
+            <a:endParaRPr lang="de-DE"/>
+          </a:p>
+        </p:txBody>
+      </p:sp>
     </p:spTree>
     <p:extLst>
       <p:ext uri="{BB962C8B-B14F-4D97-AF65-F5344CB8AC3E}">
@@ -30864,6 +30869,13 @@
       </p:transition>
     </mc:Fallback>
   </mc:AlternateContent>
+  <p:timing>
+    <p:tnLst>
+      <p:par>
+        <p:cTn id="1" dur="indefinite" restart="never" nodeType="tmRoot"/>
+      </p:par>
+    </p:tnLst>
+  </p:timing>
 </p:sld>
 </file>
 
@@ -30897,7 +30909,7 @@
           <p:cNvPr id="2" name="slide2" descr="Dashboard 1">
             <a:extLst>
               <a:ext uri="{FF2B5EF4-FFF2-40B4-BE49-F238E27FC236}">
-                <a16:creationId xmlns:a16="http://schemas.microsoft.com/office/drawing/2014/main" xmlns="" id="{54A7EA2E-4986-408D-BFC8-394272624144}"/>
+                <a16:creationId xmlns="" xmlns:a16="http://schemas.microsoft.com/office/drawing/2014/main" id="{54A7EA2E-4986-408D-BFC8-394272624144}"/>
               </a:ext>
             </a:extLst>
           </p:cNvPr>
@@ -30933,7 +30945,7 @@
           <p:cNvPr id="5" name="Title 4">
             <a:extLst>
               <a:ext uri="{FF2B5EF4-FFF2-40B4-BE49-F238E27FC236}">
-                <a16:creationId xmlns:a16="http://schemas.microsoft.com/office/drawing/2014/main" xmlns="" id="{4EB3640F-7B1B-44E0-A61D-D171786866AF}"/>
+                <a16:creationId xmlns="" xmlns:a16="http://schemas.microsoft.com/office/drawing/2014/main" id="{4EB3640F-7B1B-44E0-A61D-D171786866AF}"/>
               </a:ext>
             </a:extLst>
           </p:cNvPr>
@@ -30998,7 +31010,7 @@
           <p:cNvPr id="2" name="Title 1">
             <a:extLst>
               <a:ext uri="{FF2B5EF4-FFF2-40B4-BE49-F238E27FC236}">
-                <a16:creationId xmlns:a16="http://schemas.microsoft.com/office/drawing/2014/main" xmlns="" id="{632BE5BF-9922-45FB-8F3F-4446D40A051B}"/>
+                <a16:creationId xmlns="" xmlns:a16="http://schemas.microsoft.com/office/drawing/2014/main" id="{632BE5BF-9922-45FB-8F3F-4446D40A051B}"/>
               </a:ext>
             </a:extLst>
           </p:cNvPr>
@@ -31028,7 +31040,7 @@
           <p:cNvPr id="8" name="Slide Number Placeholder 2">
             <a:extLst>
               <a:ext uri="{FF2B5EF4-FFF2-40B4-BE49-F238E27FC236}">
-                <a16:creationId xmlns:a16="http://schemas.microsoft.com/office/drawing/2014/main" xmlns="" id="{49D24FB4-149E-9A65-378F-F4728BC33A3A}"/>
+                <a16:creationId xmlns="" xmlns:a16="http://schemas.microsoft.com/office/drawing/2014/main" id="{49D24FB4-149E-9A65-378F-F4728BC33A3A}"/>
               </a:ext>
             </a:extLst>
           </p:cNvPr>
@@ -31067,7 +31079,7 @@
           <p:cNvPr id="9" name="Content Placeholder 8">
             <a:extLst>
               <a:ext uri="{FF2B5EF4-FFF2-40B4-BE49-F238E27FC236}">
-                <a16:creationId xmlns:a16="http://schemas.microsoft.com/office/drawing/2014/main" xmlns="" id="{3773AA00-D252-4DC6-870A-1C13A52E2736}"/>
+                <a16:creationId xmlns="" xmlns:a16="http://schemas.microsoft.com/office/drawing/2014/main" id="{3773AA00-D252-4DC6-870A-1C13A52E2736}"/>
               </a:ext>
             </a:extLst>
           </p:cNvPr>
@@ -31449,7 +31461,7 @@
 </file>
 
 <file path=ppt/slides/slide8.xml><?xml version="1.0" encoding="utf-8"?>
-<p:sld xmlns:a="http://schemas.openxmlformats.org/drawingml/2006/main" xmlns:r="http://schemas.openxmlformats.org/officeDocument/2006/relationships" xmlns:p="http://schemas.openxmlformats.org/presentationml/2006/main">
+<p:sld xmlns:a="http://schemas.openxmlformats.org/drawingml/2006/main" xmlns:r="http://schemas.openxmlformats.org/officeDocument/2006/relationships" xmlns:p="http://schemas.openxmlformats.org/presentationml/2006/main" showMasterSp="0">
   <p:cSld>
     <p:spTree>
       <p:nvGrpSpPr>
@@ -31470,7 +31482,7 @@
           <p:cNvPr id="3" name="Title 2">
             <a:extLst>
               <a:ext uri="{FF2B5EF4-FFF2-40B4-BE49-F238E27FC236}">
-                <a16:creationId xmlns:a16="http://schemas.microsoft.com/office/drawing/2014/main" xmlns="" id="{2D3A9A61-40C1-4373-90F0-17970C73A1FD}"/>
+                <a16:creationId xmlns="" xmlns:a16="http://schemas.microsoft.com/office/drawing/2014/main" id="{2D3A9A61-40C1-4373-90F0-17970C73A1FD}"/>
               </a:ext>
             </a:extLst>
           </p:cNvPr>
@@ -31499,7 +31511,7 @@
           <p:cNvPr id="2" name="Slide Number Placeholder 1">
             <a:extLst>
               <a:ext uri="{FF2B5EF4-FFF2-40B4-BE49-F238E27FC236}">
-                <a16:creationId xmlns:a16="http://schemas.microsoft.com/office/drawing/2014/main" xmlns="" id="{073D4604-0D28-4C2F-B4AA-99E4E723CF92}"/>
+                <a16:creationId xmlns="" xmlns:a16="http://schemas.microsoft.com/office/drawing/2014/main" id="{073D4604-0D28-4C2F-B4AA-99E4E723CF92}"/>
               </a:ext>
             </a:extLst>
           </p:cNvPr>
@@ -31896,7 +31908,7 @@
 </file>
 
 <file path=ppt/slides/slide9.xml><?xml version="1.0" encoding="utf-8"?>
-<p:sld xmlns:a="http://schemas.openxmlformats.org/drawingml/2006/main" xmlns:r="http://schemas.openxmlformats.org/officeDocument/2006/relationships" xmlns:p="http://schemas.openxmlformats.org/presentationml/2006/main">
+<p:sld xmlns:a="http://schemas.openxmlformats.org/drawingml/2006/main" xmlns:r="http://schemas.openxmlformats.org/officeDocument/2006/relationships" xmlns:p="http://schemas.openxmlformats.org/presentationml/2006/main" showMasterSp="0">
   <p:cSld>
     <p:spTree>
       <p:nvGrpSpPr>
@@ -32192,7 +32204,7 @@
   <a:extraClrSchemeLst/>
   <a:extLst>
     <a:ext uri="{05A4C25C-085E-4340-85A3-A5531E510DB2}">
-      <thm15:themeFamily xmlns:thm15="http://schemas.microsoft.com/office/thememl/2012/main" xmlns="" name="TF66687569_Modern blue presentation_AAS_v5" id="{C7B59113-CD15-4341-96CA-86E715D5BE98}" vid="{5A8FDAEB-3DF3-4B3C-A708-49813F8D6F85}"/>
+      <thm15:themeFamily xmlns="" xmlns:thm15="http://schemas.microsoft.com/office/thememl/2012/main" name="TF66687569_Modern blue presentation_AAS_v5" id="{C7B59113-CD15-4341-96CA-86E715D5BE98}" vid="{5A8FDAEB-3DF3-4B3C-A708-49813F8D6F85}"/>
     </a:ext>
   </a:extLst>
 </a:theme>
@@ -32487,7 +32499,7 @@
   <a:extraClrSchemeLst/>
   <a:extLst>
     <a:ext uri="{05A4C25C-085E-4340-85A3-A5531E510DB2}">
-      <thm15:themeFamily xmlns:thm15="http://schemas.microsoft.com/office/thememl/2012/main" xmlns="" name="Office Theme" id="{62F939B6-93AF-4DB8-9C6B-D6C7DFDC589F}" vid="{4A3C46E8-61CC-4603-A589-7422A47A8E4A}"/>
+      <thm15:themeFamily xmlns="" xmlns:thm15="http://schemas.microsoft.com/office/thememl/2012/main" name="Office Theme" id="{62F939B6-93AF-4DB8-9C6B-D6C7DFDC589F}" vid="{4A3C46E8-61CC-4603-A589-7422A47A8E4A}"/>
     </a:ext>
   </a:extLst>
 </a:theme>
@@ -32782,30 +32794,13 @@
   <a:extraClrSchemeLst/>
   <a:extLst>
     <a:ext uri="{05A4C25C-085E-4340-85A3-A5531E510DB2}">
-      <thm15:themeFamily xmlns:thm15="http://schemas.microsoft.com/office/thememl/2012/main" xmlns="" name="Office Theme" id="{62F939B6-93AF-4DB8-9C6B-D6C7DFDC589F}" vid="{4A3C46E8-61CC-4603-A589-7422A47A8E4A}"/>
+      <thm15:themeFamily xmlns="" xmlns:thm15="http://schemas.microsoft.com/office/thememl/2012/main" name="Office Theme" id="{62F939B6-93AF-4DB8-9C6B-D6C7DFDC589F}" vid="{4A3C46E8-61CC-4603-A589-7422A47A8E4A}"/>
     </a:ext>
   </a:extLst>
 </a:theme>
 </file>
 
 <file path=customXml/item1.xml><?xml version="1.0" encoding="utf-8"?>
-<p:properties xmlns:p="http://schemas.microsoft.com/office/2006/metadata/properties" xmlns:xsi="http://www.w3.org/2001/XMLSchema-instance" xmlns:pc="http://schemas.microsoft.com/office/infopath/2007/PartnerControls">
-  <documentManagement>
-    <MediaServiceKeyPoints xmlns="71af3243-3dd4-4a8d-8c0d-dd76da1f02a5" xsi:nil="true"/>
-  </documentManagement>
-</p:properties>
-</file>
-
-<file path=customXml/item2.xml><?xml version="1.0" encoding="utf-8"?>
-<?mso-contentType ?>
-<FormTemplates xmlns="http://schemas.microsoft.com/sharepoint/v3/contenttype/forms">
-  <Display>DocumentLibraryForm</Display>
-  <Edit>DocumentLibraryForm</Edit>
-  <New>DocumentLibraryForm</New>
-</FormTemplates>
-</file>
-
-<file path=customXml/item3.xml><?xml version="1.0" encoding="utf-8"?>
 <ct:contentTypeSchema xmlns:ct="http://schemas.microsoft.com/office/2006/metadata/contentType" xmlns:ma="http://schemas.microsoft.com/office/2006/metadata/properties/metaAttributes" ct:_="" ma:_="" ma:contentTypeName="Document" ma:contentTypeID="0x01010079F111ED35F8CC479449609E8A0923A6" ma:contentTypeVersion="11" ma:contentTypeDescription="Create a new document." ma:contentTypeScope="" ma:versionID="96291512c1ee715ab617f4c07df79fc1">
   <xsd:schema xmlns:xsd="http://www.w3.org/2001/XMLSchema" xmlns:xs="http://www.w3.org/2001/XMLSchema" xmlns:p="http://schemas.microsoft.com/office/2006/metadata/properties" xmlns:ns2="71af3243-3dd4-4a8d-8c0d-dd76da1f02a5" xmlns:ns3="16c05727-aa75-4e4a-9b5f-8a80a1165891" targetNamespace="http://schemas.microsoft.com/office/2006/metadata/properties" ma:root="true" ma:fieldsID="8256c27c40ca5c40ce1cf6c44f0205df" ns2:_="" ns3:_="">
     <xsd:import namespace="71af3243-3dd4-4a8d-8c0d-dd76da1f02a5"/>
@@ -33016,32 +33011,24 @@
 </ct:contentTypeSchema>
 </file>
 
-<file path=customXml/itemProps1.xml><?xml version="1.0" encoding="utf-8"?>
-<ds:datastoreItem xmlns:ds="http://schemas.openxmlformats.org/officeDocument/2006/customXml" ds:itemID="{F5757914-1161-4661-9696-421FD6935CDD}">
-  <ds:schemaRefs>
-    <ds:schemaRef ds:uri="http://purl.org/dc/terms/"/>
-    <ds:schemaRef ds:uri="16c05727-aa75-4e4a-9b5f-8a80a1165891"/>
-    <ds:schemaRef ds:uri="http://schemas.microsoft.com/office/infopath/2007/PartnerControls"/>
-    <ds:schemaRef ds:uri="http://www.w3.org/XML/1998/namespace"/>
-    <ds:schemaRef ds:uri="71af3243-3dd4-4a8d-8c0d-dd76da1f02a5"/>
-    <ds:schemaRef ds:uri="http://schemas.microsoft.com/office/2006/metadata/properties"/>
-    <ds:schemaRef ds:uri="http://schemas.microsoft.com/office/2006/documentManagement/types"/>
-    <ds:schemaRef ds:uri="http://schemas.openxmlformats.org/package/2006/metadata/core-properties"/>
-    <ds:schemaRef ds:uri="http://purl.org/dc/dcmitype/"/>
-    <ds:schemaRef ds:uri="http://purl.org/dc/elements/1.1/"/>
-  </ds:schemaRefs>
-</ds:datastoreItem>
+<file path=customXml/item2.xml><?xml version="1.0" encoding="utf-8"?>
+<?mso-contentType ?>
+<FormTemplates xmlns="http://schemas.microsoft.com/sharepoint/v3/contenttype/forms">
+  <Display>DocumentLibraryForm</Display>
+  <Edit>DocumentLibraryForm</Edit>
+  <New>DocumentLibraryForm</New>
+</FormTemplates>
 </file>
 
-<file path=customXml/itemProps2.xml><?xml version="1.0" encoding="utf-8"?>
-<ds:datastoreItem xmlns:ds="http://schemas.openxmlformats.org/officeDocument/2006/customXml" ds:itemID="{5B26E0C9-B2AA-42E6-97B6-E1B7D9EAF129}">
-  <ds:schemaRefs>
-    <ds:schemaRef ds:uri="http://schemas.microsoft.com/sharepoint/v3/contenttype/forms"/>
-  </ds:schemaRefs>
-</ds:datastoreItem>
+<file path=customXml/item3.xml><?xml version="1.0" encoding="utf-8"?>
+<p:properties xmlns:p="http://schemas.microsoft.com/office/2006/metadata/properties" xmlns:xsi="http://www.w3.org/2001/XMLSchema-instance" xmlns:pc="http://schemas.microsoft.com/office/infopath/2007/PartnerControls">
+  <documentManagement>
+    <MediaServiceKeyPoints xmlns="71af3243-3dd4-4a8d-8c0d-dd76da1f02a5" xsi:nil="true"/>
+  </documentManagement>
+</p:properties>
 </file>
 
-<file path=customXml/itemProps3.xml><?xml version="1.0" encoding="utf-8"?>
+<file path=customXml/itemProps1.xml><?xml version="1.0" encoding="utf-8"?>
 <ds:datastoreItem xmlns:ds="http://schemas.openxmlformats.org/officeDocument/2006/customXml" ds:itemID="{4C103400-4A22-4E35-B588-4C4D42638959}">
   <ds:schemaRefs>
     <ds:schemaRef ds:uri="http://schemas.microsoft.com/office/2006/metadata/contentType"/>
@@ -33058,4 +33045,29 @@
     <ds:schemaRef ds:uri="http://schemas.microsoft.com/internal/obd"/>
   </ds:schemaRefs>
 </ds:datastoreItem>
+</file>
+
+<file path=customXml/itemProps2.xml><?xml version="1.0" encoding="utf-8"?>
+<ds:datastoreItem xmlns:ds="http://schemas.openxmlformats.org/officeDocument/2006/customXml" ds:itemID="{5B26E0C9-B2AA-42E6-97B6-E1B7D9EAF129}">
+  <ds:schemaRefs>
+    <ds:schemaRef ds:uri="http://schemas.microsoft.com/sharepoint/v3/contenttype/forms"/>
+  </ds:schemaRefs>
+</ds:datastoreItem>
+</file>
+
+<file path=customXml/itemProps3.xml><?xml version="1.0" encoding="utf-8"?>
+<ds:datastoreItem xmlns:ds="http://schemas.openxmlformats.org/officeDocument/2006/customXml" ds:itemID="{F5757914-1161-4661-9696-421FD6935CDD}">
+  <ds:schemaRefs>
+    <ds:schemaRef ds:uri="http://purl.org/dc/terms/"/>
+    <ds:schemaRef ds:uri="16c05727-aa75-4e4a-9b5f-8a80a1165891"/>
+    <ds:schemaRef ds:uri="http://schemas.microsoft.com/office/infopath/2007/PartnerControls"/>
+    <ds:schemaRef ds:uri="http://www.w3.org/XML/1998/namespace"/>
+    <ds:schemaRef ds:uri="71af3243-3dd4-4a8d-8c0d-dd76da1f02a5"/>
+    <ds:schemaRef ds:uri="http://schemas.microsoft.com/office/2006/metadata/properties"/>
+    <ds:schemaRef ds:uri="http://schemas.microsoft.com/office/2006/documentManagement/types"/>
+    <ds:schemaRef ds:uri="http://schemas.openxmlformats.org/package/2006/metadata/core-properties"/>
+    <ds:schemaRef ds:uri="http://purl.org/dc/dcmitype/"/>
+    <ds:schemaRef ds:uri="http://purl.org/dc/elements/1.1/"/>
+  </ds:schemaRefs>
+</ds:datastoreItem>
 </file>
--- a/Final PresentationKC.pptx
+++ b/Final PresentationKC.pptx
@@ -126,7 +126,7 @@
   </p:defaultTextStyle>
   <p:extLst>
     <p:ext uri="{EFAFB233-063F-42B5-8137-9DF3F51BA10A}">
-      <p15:sldGuideLst xmlns="" xmlns:p15="http://schemas.microsoft.com/office/powerpoint/2012/main">
+      <p15:sldGuideLst xmlns:p15="http://schemas.microsoft.com/office/powerpoint/2012/main" xmlns="">
         <p15:guide id="1" orient="horz" pos="2160" userDrawn="1">
           <p15:clr>
             <a:srgbClr val="A4A3A4"/>
@@ -140,7 +140,7 @@
       </p15:sldGuideLst>
     </p:ext>
     <p:ext uri="{2D200454-40CA-4A62-9FC3-DE9A4176ACB9}">
-      <p15:notesGuideLst xmlns="" xmlns:p15="http://schemas.microsoft.com/office/powerpoint/2012/main"/>
+      <p15:notesGuideLst xmlns:p15="http://schemas.microsoft.com/office/powerpoint/2012/main" xmlns=""/>
     </p:ext>
   </p:extLst>
 </p:presentation>
@@ -3322,7 +3322,7 @@
           <p:cNvPr id="2" name="Header Placeholder 1">
             <a:extLst>
               <a:ext uri="{FF2B5EF4-FFF2-40B4-BE49-F238E27FC236}">
-                <a16:creationId xmlns="" xmlns:a16="http://schemas.microsoft.com/office/drawing/2014/main" id="{E62FF6B6-4F8A-40F7-B5F4-FC3996824D73}"/>
+                <a16:creationId xmlns:a16="http://schemas.microsoft.com/office/drawing/2014/main" xmlns="" id="{E62FF6B6-4F8A-40F7-B5F4-FC3996824D73}"/>
               </a:ext>
             </a:extLst>
           </p:cNvPr>
@@ -3359,7 +3359,7 @@
           <p:cNvPr id="3" name="Date Placeholder 2">
             <a:extLst>
               <a:ext uri="{FF2B5EF4-FFF2-40B4-BE49-F238E27FC236}">
-                <a16:creationId xmlns="" xmlns:a16="http://schemas.microsoft.com/office/drawing/2014/main" id="{8910A999-F365-48DF-976A-0517FE045440}"/>
+                <a16:creationId xmlns:a16="http://schemas.microsoft.com/office/drawing/2014/main" xmlns="" id="{8910A999-F365-48DF-976A-0517FE045440}"/>
               </a:ext>
             </a:extLst>
           </p:cNvPr>
@@ -3400,7 +3400,7 @@
           <p:cNvPr id="4" name="Footer Placeholder 3">
             <a:extLst>
               <a:ext uri="{FF2B5EF4-FFF2-40B4-BE49-F238E27FC236}">
-                <a16:creationId xmlns="" xmlns:a16="http://schemas.microsoft.com/office/drawing/2014/main" id="{F8735C90-ADBF-4B9E-BE88-E1C8F83EB4D2}"/>
+                <a16:creationId xmlns:a16="http://schemas.microsoft.com/office/drawing/2014/main" xmlns="" id="{F8735C90-ADBF-4B9E-BE88-E1C8F83EB4D2}"/>
               </a:ext>
             </a:extLst>
           </p:cNvPr>
@@ -3437,7 +3437,7 @@
           <p:cNvPr id="5" name="Slide Number Placeholder 4">
             <a:extLst>
               <a:ext uri="{FF2B5EF4-FFF2-40B4-BE49-F238E27FC236}">
-                <a16:creationId xmlns="" xmlns:a16="http://schemas.microsoft.com/office/drawing/2014/main" id="{82506A01-6D0A-45EF-A584-05A3361D66F7}"/>
+                <a16:creationId xmlns:a16="http://schemas.microsoft.com/office/drawing/2014/main" xmlns="" id="{82506A01-6D0A-45EF-A584-05A3361D66F7}"/>
               </a:ext>
             </a:extLst>
           </p:cNvPr>
@@ -3855,7 +3855,7 @@
           <p:cNvPr id="21" name="Rectangle 20">
             <a:extLst>
               <a:ext uri="{FF2B5EF4-FFF2-40B4-BE49-F238E27FC236}">
-                <a16:creationId xmlns="" xmlns:a16="http://schemas.microsoft.com/office/drawing/2014/main" id="{6E739168-A5E8-443A-B392-7AD4CF8977AD}"/>
+                <a16:creationId xmlns:a16="http://schemas.microsoft.com/office/drawing/2014/main" xmlns="" id="{6E739168-A5E8-443A-B392-7AD4CF8977AD}"/>
               </a:ext>
             </a:extLst>
           </p:cNvPr>
@@ -3907,7 +3907,7 @@
           <p:cNvPr id="7" name="Group 6">
             <a:extLst>
               <a:ext uri="{FF2B5EF4-FFF2-40B4-BE49-F238E27FC236}">
-                <a16:creationId xmlns="" xmlns:a16="http://schemas.microsoft.com/office/drawing/2014/main" id="{4CA15AFD-4983-47DD-9ED0-D3B27E5A096F}"/>
+                <a16:creationId xmlns:a16="http://schemas.microsoft.com/office/drawing/2014/main" xmlns="" id="{4CA15AFD-4983-47DD-9ED0-D3B27E5A096F}"/>
               </a:ext>
             </a:extLst>
           </p:cNvPr>
@@ -3927,7 +3927,7 @@
             <p:cNvPr id="8" name="Group 7">
               <a:extLst>
                 <a:ext uri="{FF2B5EF4-FFF2-40B4-BE49-F238E27FC236}">
-                  <a16:creationId xmlns="" xmlns:a16="http://schemas.microsoft.com/office/drawing/2014/main" id="{2222D5E2-E9B4-4180-98B8-4E514C9ADB28}"/>
+                  <a16:creationId xmlns:a16="http://schemas.microsoft.com/office/drawing/2014/main" xmlns="" id="{2222D5E2-E9B4-4180-98B8-4E514C9ADB28}"/>
                 </a:ext>
               </a:extLst>
             </p:cNvPr>
@@ -3947,7 +3947,7 @@
               <p:cNvPr id="15" name="Freeform: Shape 14">
                 <a:extLst>
                   <a:ext uri="{FF2B5EF4-FFF2-40B4-BE49-F238E27FC236}">
-                    <a16:creationId xmlns="" xmlns:a16="http://schemas.microsoft.com/office/drawing/2014/main" id="{41E10E1E-5268-4F03-BA64-07E19DE26739}"/>
+                    <a16:creationId xmlns:a16="http://schemas.microsoft.com/office/drawing/2014/main" xmlns="" id="{41E10E1E-5268-4F03-BA64-07E19DE26739}"/>
                   </a:ext>
                 </a:extLst>
               </p:cNvPr>
@@ -4084,7 +4084,7 @@
               <p:cNvPr id="16" name="Freeform: Shape 15">
                 <a:extLst>
                   <a:ext uri="{FF2B5EF4-FFF2-40B4-BE49-F238E27FC236}">
-                    <a16:creationId xmlns="" xmlns:a16="http://schemas.microsoft.com/office/drawing/2014/main" id="{B989C45D-BDFF-418F-BE79-03FF70015770}"/>
+                    <a16:creationId xmlns:a16="http://schemas.microsoft.com/office/drawing/2014/main" xmlns="" id="{B989C45D-BDFF-418F-BE79-03FF70015770}"/>
                   </a:ext>
                 </a:extLst>
               </p:cNvPr>
@@ -4248,7 +4248,7 @@
               <p:cNvPr id="17" name="Right Triangle 16">
                 <a:extLst>
                   <a:ext uri="{FF2B5EF4-FFF2-40B4-BE49-F238E27FC236}">
-                    <a16:creationId xmlns="" xmlns:a16="http://schemas.microsoft.com/office/drawing/2014/main" id="{8DCD5806-2A2F-4ABF-8057-245681C498E6}"/>
+                    <a16:creationId xmlns:a16="http://schemas.microsoft.com/office/drawing/2014/main" xmlns="" id="{8DCD5806-2A2F-4ABF-8057-245681C498E6}"/>
                   </a:ext>
                 </a:extLst>
               </p:cNvPr>
@@ -4302,7 +4302,7 @@
               <p:cNvPr id="18" name="Right Triangle 17">
                 <a:extLst>
                   <a:ext uri="{FF2B5EF4-FFF2-40B4-BE49-F238E27FC236}">
-                    <a16:creationId xmlns="" xmlns:a16="http://schemas.microsoft.com/office/drawing/2014/main" id="{3A93038F-E9E4-4FFD-B3DF-28DB7C2C1490}"/>
+                    <a16:creationId xmlns:a16="http://schemas.microsoft.com/office/drawing/2014/main" xmlns="" id="{3A93038F-E9E4-4FFD-B3DF-28DB7C2C1490}"/>
                   </a:ext>
                 </a:extLst>
               </p:cNvPr>
@@ -4359,7 +4359,7 @@
               <p:cNvPr id="19" name="Right Triangle 18">
                 <a:extLst>
                   <a:ext uri="{FF2B5EF4-FFF2-40B4-BE49-F238E27FC236}">
-                    <a16:creationId xmlns="" xmlns:a16="http://schemas.microsoft.com/office/drawing/2014/main" id="{5DEA1E02-BBD0-4AE3-AF22-433B90272178}"/>
+                    <a16:creationId xmlns:a16="http://schemas.microsoft.com/office/drawing/2014/main" xmlns="" id="{5DEA1E02-BBD0-4AE3-AF22-433B90272178}"/>
                   </a:ext>
                 </a:extLst>
               </p:cNvPr>
@@ -4413,7 +4413,7 @@
               <p:cNvPr id="20" name="Freeform: Shape 19">
                 <a:extLst>
                   <a:ext uri="{FF2B5EF4-FFF2-40B4-BE49-F238E27FC236}">
-                    <a16:creationId xmlns="" xmlns:a16="http://schemas.microsoft.com/office/drawing/2014/main" id="{0027A677-9ACB-4264-B148-4806678FB83F}"/>
+                    <a16:creationId xmlns:a16="http://schemas.microsoft.com/office/drawing/2014/main" xmlns="" id="{0027A677-9ACB-4264-B148-4806678FB83F}"/>
                   </a:ext>
                 </a:extLst>
               </p:cNvPr>
@@ -4576,7 +4576,7 @@
             <p:cNvPr id="9" name="Freeform: Shape 12">
               <a:extLst>
                 <a:ext uri="{FF2B5EF4-FFF2-40B4-BE49-F238E27FC236}">
-                  <a16:creationId xmlns="" xmlns:a16="http://schemas.microsoft.com/office/drawing/2014/main" id="{E3AAB79D-382D-4A95-965E-526B6A681DA7}"/>
+                  <a16:creationId xmlns:a16="http://schemas.microsoft.com/office/drawing/2014/main" xmlns="" id="{E3AAB79D-382D-4A95-965E-526B6A681DA7}"/>
                 </a:ext>
               </a:extLst>
             </p:cNvPr>
@@ -4666,7 +4666,7 @@
             <p:cNvPr id="10" name="Freeform: Shape 9">
               <a:extLst>
                 <a:ext uri="{FF2B5EF4-FFF2-40B4-BE49-F238E27FC236}">
-                  <a16:creationId xmlns="" xmlns:a16="http://schemas.microsoft.com/office/drawing/2014/main" id="{C0A22127-2B4A-4B15-B0A9-F019A30347A1}"/>
+                  <a16:creationId xmlns:a16="http://schemas.microsoft.com/office/drawing/2014/main" xmlns="" id="{C0A22127-2B4A-4B15-B0A9-F019A30347A1}"/>
                 </a:ext>
               </a:extLst>
             </p:cNvPr>
@@ -4769,7 +4769,7 @@
             <p:cNvPr id="11" name="Freeform: Shape 12">
               <a:extLst>
                 <a:ext uri="{FF2B5EF4-FFF2-40B4-BE49-F238E27FC236}">
-                  <a16:creationId xmlns="" xmlns:a16="http://schemas.microsoft.com/office/drawing/2014/main" id="{F04D9FDC-1B67-4254-9535-CD32E81F0C3E}"/>
+                  <a16:creationId xmlns:a16="http://schemas.microsoft.com/office/drawing/2014/main" xmlns="" id="{F04D9FDC-1B67-4254-9535-CD32E81F0C3E}"/>
                 </a:ext>
               </a:extLst>
             </p:cNvPr>
@@ -4867,7 +4867,7 @@
             <p:cNvPr id="12" name="Group 11">
               <a:extLst>
                 <a:ext uri="{FF2B5EF4-FFF2-40B4-BE49-F238E27FC236}">
-                  <a16:creationId xmlns="" xmlns:a16="http://schemas.microsoft.com/office/drawing/2014/main" id="{0A86C4EA-4CF8-4531-845D-4FCB1E2F7422}"/>
+                  <a16:creationId xmlns:a16="http://schemas.microsoft.com/office/drawing/2014/main" xmlns="" id="{0A86C4EA-4CF8-4531-845D-4FCB1E2F7422}"/>
                 </a:ext>
               </a:extLst>
             </p:cNvPr>
@@ -4887,7 +4887,7 @@
               <p:cNvPr id="13" name="Freeform: Shape 12">
                 <a:extLst>
                   <a:ext uri="{FF2B5EF4-FFF2-40B4-BE49-F238E27FC236}">
-                    <a16:creationId xmlns="" xmlns:a16="http://schemas.microsoft.com/office/drawing/2014/main" id="{1101B195-C112-4D20-8D19-4D22479B150D}"/>
+                    <a16:creationId xmlns:a16="http://schemas.microsoft.com/office/drawing/2014/main" xmlns="" id="{1101B195-C112-4D20-8D19-4D22479B150D}"/>
                   </a:ext>
                 </a:extLst>
               </p:cNvPr>
@@ -4977,7 +4977,7 @@
               <p:cNvPr id="14" name="Freeform: Shape 12">
                 <a:extLst>
                   <a:ext uri="{FF2B5EF4-FFF2-40B4-BE49-F238E27FC236}">
-                    <a16:creationId xmlns="" xmlns:a16="http://schemas.microsoft.com/office/drawing/2014/main" id="{CA755F1F-9955-4CBB-8F34-F7801CA44CE7}"/>
+                    <a16:creationId xmlns:a16="http://schemas.microsoft.com/office/drawing/2014/main" xmlns="" id="{CA755F1F-9955-4CBB-8F34-F7801CA44CE7}"/>
                   </a:ext>
                 </a:extLst>
               </p:cNvPr>
@@ -5077,7 +5077,7 @@
           <p:cNvPr id="2" name="Title 1">
             <a:extLst>
               <a:ext uri="{FF2B5EF4-FFF2-40B4-BE49-F238E27FC236}">
-                <a16:creationId xmlns="" xmlns:a16="http://schemas.microsoft.com/office/drawing/2014/main" id="{9E597736-C478-4C26-9BAF-205FE31E977C}"/>
+                <a16:creationId xmlns:a16="http://schemas.microsoft.com/office/drawing/2014/main" xmlns="" id="{9E597736-C478-4C26-9BAF-205FE31E977C}"/>
               </a:ext>
             </a:extLst>
           </p:cNvPr>
@@ -5124,7 +5124,7 @@
           <p:cNvPr id="3" name="Subtitle 2">
             <a:extLst>
               <a:ext uri="{FF2B5EF4-FFF2-40B4-BE49-F238E27FC236}">
-                <a16:creationId xmlns="" xmlns:a16="http://schemas.microsoft.com/office/drawing/2014/main" id="{C3D2DEF0-A0B0-4CFE-B67D-A9D75E2368DC}"/>
+                <a16:creationId xmlns:a16="http://schemas.microsoft.com/office/drawing/2014/main" xmlns="" id="{C3D2DEF0-A0B0-4CFE-B67D-A9D75E2368DC}"/>
               </a:ext>
             </a:extLst>
           </p:cNvPr>
@@ -5209,7 +5209,7 @@
           <p:cNvPr id="11" name="Rectangle 10">
             <a:extLst>
               <a:ext uri="{FF2B5EF4-FFF2-40B4-BE49-F238E27FC236}">
-                <a16:creationId xmlns="" xmlns:a16="http://schemas.microsoft.com/office/drawing/2014/main" id="{EB3E033F-4449-40FA-BC85-BD2712D313DD}"/>
+                <a16:creationId xmlns:a16="http://schemas.microsoft.com/office/drawing/2014/main" xmlns="" id="{EB3E033F-4449-40FA-BC85-BD2712D313DD}"/>
               </a:ext>
             </a:extLst>
           </p:cNvPr>
@@ -5263,7 +5263,7 @@
           <p:cNvPr id="10" name="Freeform: Shape 9">
             <a:extLst>
               <a:ext uri="{FF2B5EF4-FFF2-40B4-BE49-F238E27FC236}">
-                <a16:creationId xmlns="" xmlns:a16="http://schemas.microsoft.com/office/drawing/2014/main" id="{63D26743-0505-444C-80B3-E88EE87DF72B}"/>
+                <a16:creationId xmlns:a16="http://schemas.microsoft.com/office/drawing/2014/main" xmlns="" id="{63D26743-0505-444C-80B3-E88EE87DF72B}"/>
               </a:ext>
             </a:extLst>
           </p:cNvPr>
@@ -5386,7 +5386,7 @@
           <p:cNvPr id="18" name="Freeform: Shape 17">
             <a:extLst>
               <a:ext uri="{FF2B5EF4-FFF2-40B4-BE49-F238E27FC236}">
-                <a16:creationId xmlns="" xmlns:a16="http://schemas.microsoft.com/office/drawing/2014/main" id="{E37145E9-AC61-47D5-9288-8789940F81B6}"/>
+                <a16:creationId xmlns:a16="http://schemas.microsoft.com/office/drawing/2014/main" xmlns="" id="{E37145E9-AC61-47D5-9288-8789940F81B6}"/>
               </a:ext>
             </a:extLst>
           </p:cNvPr>
@@ -5538,7 +5538,7 @@
           <p:cNvPr id="12" name="Freeform: Shape 11">
             <a:extLst>
               <a:ext uri="{FF2B5EF4-FFF2-40B4-BE49-F238E27FC236}">
-                <a16:creationId xmlns="" xmlns:a16="http://schemas.microsoft.com/office/drawing/2014/main" id="{A5E2B3ED-9A49-40A7-B8A3-62595FE513F9}"/>
+                <a16:creationId xmlns:a16="http://schemas.microsoft.com/office/drawing/2014/main" xmlns="" id="{A5E2B3ED-9A49-40A7-B8A3-62595FE513F9}"/>
               </a:ext>
             </a:extLst>
           </p:cNvPr>
@@ -5688,7 +5688,7 @@
           <p:cNvPr id="8" name="Freeform: Shape 7">
             <a:extLst>
               <a:ext uri="{FF2B5EF4-FFF2-40B4-BE49-F238E27FC236}">
-                <a16:creationId xmlns="" xmlns:a16="http://schemas.microsoft.com/office/drawing/2014/main" id="{1599AF7E-3E34-4597-AA72-9373A7FDB020}"/>
+                <a16:creationId xmlns:a16="http://schemas.microsoft.com/office/drawing/2014/main" xmlns="" id="{1599AF7E-3E34-4597-AA72-9373A7FDB020}"/>
               </a:ext>
             </a:extLst>
           </p:cNvPr>
@@ -5834,7 +5834,7 @@
           <p:cNvPr id="2" name="Title 1">
             <a:extLst>
               <a:ext uri="{FF2B5EF4-FFF2-40B4-BE49-F238E27FC236}">
-                <a16:creationId xmlns="" xmlns:a16="http://schemas.microsoft.com/office/drawing/2014/main" id="{4A2DF563-7FAC-46B3-B24C-7E45CD89DA2B}"/>
+                <a16:creationId xmlns:a16="http://schemas.microsoft.com/office/drawing/2014/main" xmlns="" id="{4A2DF563-7FAC-46B3-B24C-7E45CD89DA2B}"/>
               </a:ext>
             </a:extLst>
           </p:cNvPr>
@@ -5879,7 +5879,7 @@
           <p:cNvPr id="15" name="Group 14">
             <a:extLst>
               <a:ext uri="{FF2B5EF4-FFF2-40B4-BE49-F238E27FC236}">
-                <a16:creationId xmlns="" xmlns:a16="http://schemas.microsoft.com/office/drawing/2014/main" id="{7732E1E7-45E3-4264-8F26-66758696DD1E}"/>
+                <a16:creationId xmlns:a16="http://schemas.microsoft.com/office/drawing/2014/main" xmlns="" id="{7732E1E7-45E3-4264-8F26-66758696DD1E}"/>
               </a:ext>
             </a:extLst>
           </p:cNvPr>
@@ -5899,7 +5899,7 @@
             <p:cNvPr id="16" name="Freeform: Shape 15">
               <a:extLst>
                 <a:ext uri="{FF2B5EF4-FFF2-40B4-BE49-F238E27FC236}">
-                  <a16:creationId xmlns="" xmlns:a16="http://schemas.microsoft.com/office/drawing/2014/main" id="{2E3DF883-8093-49FA-81E1-E5D77F086A25}"/>
+                  <a16:creationId xmlns:a16="http://schemas.microsoft.com/office/drawing/2014/main" xmlns="" id="{2E3DF883-8093-49FA-81E1-E5D77F086A25}"/>
                 </a:ext>
               </a:extLst>
             </p:cNvPr>
@@ -5989,7 +5989,7 @@
             <p:cNvPr id="17" name="Freeform: Shape 16">
               <a:extLst>
                 <a:ext uri="{FF2B5EF4-FFF2-40B4-BE49-F238E27FC236}">
-                  <a16:creationId xmlns="" xmlns:a16="http://schemas.microsoft.com/office/drawing/2014/main" id="{18944C90-37E5-4BBE-89FF-060627168050}"/>
+                  <a16:creationId xmlns:a16="http://schemas.microsoft.com/office/drawing/2014/main" xmlns="" id="{18944C90-37E5-4BBE-89FF-060627168050}"/>
                 </a:ext>
               </a:extLst>
             </p:cNvPr>
@@ -6088,7 +6088,7 @@
           <p:cNvPr id="6" name="Group 5">
             <a:extLst>
               <a:ext uri="{FF2B5EF4-FFF2-40B4-BE49-F238E27FC236}">
-                <a16:creationId xmlns="" xmlns:a16="http://schemas.microsoft.com/office/drawing/2014/main" id="{D9EBF8BB-A805-4DDB-B459-082F99815B95}"/>
+                <a16:creationId xmlns:a16="http://schemas.microsoft.com/office/drawing/2014/main" xmlns="" id="{D9EBF8BB-A805-4DDB-B459-082F99815B95}"/>
               </a:ext>
             </a:extLst>
           </p:cNvPr>
@@ -6108,7 +6108,7 @@
             <p:cNvPr id="19" name="Rectangle: Single Corner Snipped 18">
               <a:extLst>
                 <a:ext uri="{FF2B5EF4-FFF2-40B4-BE49-F238E27FC236}">
-                  <a16:creationId xmlns="" xmlns:a16="http://schemas.microsoft.com/office/drawing/2014/main" id="{5D638788-DD47-45E7-939A-FA108A818173}"/>
+                  <a16:creationId xmlns:a16="http://schemas.microsoft.com/office/drawing/2014/main" xmlns="" id="{5D638788-DD47-45E7-939A-FA108A818173}"/>
                 </a:ext>
               </a:extLst>
             </p:cNvPr>
@@ -6174,7 +6174,7 @@
             <p:cNvPr id="3" name="Rectangle: Single Corner Snipped 2">
               <a:extLst>
                 <a:ext uri="{FF2B5EF4-FFF2-40B4-BE49-F238E27FC236}">
-                  <a16:creationId xmlns="" xmlns:a16="http://schemas.microsoft.com/office/drawing/2014/main" id="{74BDECEF-EEFE-4332-B3B2-BDE4F82C10FC}"/>
+                  <a16:creationId xmlns:a16="http://schemas.microsoft.com/office/drawing/2014/main" xmlns="" id="{74BDECEF-EEFE-4332-B3B2-BDE4F82C10FC}"/>
                 </a:ext>
               </a:extLst>
             </p:cNvPr>
@@ -6231,7 +6231,7 @@
           <p:cNvPr id="24" name="Freeform: Shape 23">
             <a:extLst>
               <a:ext uri="{FF2B5EF4-FFF2-40B4-BE49-F238E27FC236}">
-                <a16:creationId xmlns="" xmlns:a16="http://schemas.microsoft.com/office/drawing/2014/main" id="{18103E00-7E4A-44CD-81AC-06433CAE1110}"/>
+                <a16:creationId xmlns:a16="http://schemas.microsoft.com/office/drawing/2014/main" xmlns="" id="{18103E00-7E4A-44CD-81AC-06433CAE1110}"/>
               </a:ext>
             </a:extLst>
           </p:cNvPr>
@@ -6326,7 +6326,7 @@
           <p:cNvPr id="5" name="Slide Number Placeholder 4">
             <a:extLst>
               <a:ext uri="{FF2B5EF4-FFF2-40B4-BE49-F238E27FC236}">
-                <a16:creationId xmlns="" xmlns:a16="http://schemas.microsoft.com/office/drawing/2014/main" id="{87B51822-97FF-47A7-8E4E-A0F79B4EB237}"/>
+                <a16:creationId xmlns:a16="http://schemas.microsoft.com/office/drawing/2014/main" xmlns="" id="{87B51822-97FF-47A7-8E4E-A0F79B4EB237}"/>
               </a:ext>
             </a:extLst>
           </p:cNvPr>
@@ -6370,7 +6370,7 @@
           <p:cNvPr id="20" name="Content Placeholder 2">
             <a:extLst>
               <a:ext uri="{FF2B5EF4-FFF2-40B4-BE49-F238E27FC236}">
-                <a16:creationId xmlns="" xmlns:a16="http://schemas.microsoft.com/office/drawing/2014/main" id="{FE796BFF-6E5F-4DE7-B193-F501FC094D63}"/>
+                <a16:creationId xmlns:a16="http://schemas.microsoft.com/office/drawing/2014/main" xmlns="" id="{FE796BFF-6E5F-4DE7-B193-F501FC094D63}"/>
               </a:ext>
             </a:extLst>
           </p:cNvPr>
@@ -6480,7 +6480,7 @@
           <p:cNvPr id="21" name="Content Placeholder 3">
             <a:extLst>
               <a:ext uri="{FF2B5EF4-FFF2-40B4-BE49-F238E27FC236}">
-                <a16:creationId xmlns="" xmlns:a16="http://schemas.microsoft.com/office/drawing/2014/main" id="{78622754-CA4D-4C27-A37F-B26E7B4C9CA2}"/>
+                <a16:creationId xmlns:a16="http://schemas.microsoft.com/office/drawing/2014/main" xmlns="" id="{78622754-CA4D-4C27-A37F-B26E7B4C9CA2}"/>
               </a:ext>
             </a:extLst>
           </p:cNvPr>
@@ -6618,7 +6618,7 @@
           <p:cNvPr id="11" name="Rectangle 10">
             <a:extLst>
               <a:ext uri="{FF2B5EF4-FFF2-40B4-BE49-F238E27FC236}">
-                <a16:creationId xmlns="" xmlns:a16="http://schemas.microsoft.com/office/drawing/2014/main" id="{EB3E033F-4449-40FA-BC85-BD2712D313DD}"/>
+                <a16:creationId xmlns:a16="http://schemas.microsoft.com/office/drawing/2014/main" xmlns="" id="{EB3E033F-4449-40FA-BC85-BD2712D313DD}"/>
               </a:ext>
             </a:extLst>
           </p:cNvPr>
@@ -6672,7 +6672,7 @@
           <p:cNvPr id="10" name="Freeform: Shape 9">
             <a:extLst>
               <a:ext uri="{FF2B5EF4-FFF2-40B4-BE49-F238E27FC236}">
-                <a16:creationId xmlns="" xmlns:a16="http://schemas.microsoft.com/office/drawing/2014/main" id="{63D26743-0505-444C-80B3-E88EE87DF72B}"/>
+                <a16:creationId xmlns:a16="http://schemas.microsoft.com/office/drawing/2014/main" xmlns="" id="{63D26743-0505-444C-80B3-E88EE87DF72B}"/>
               </a:ext>
             </a:extLst>
           </p:cNvPr>
@@ -6795,7 +6795,7 @@
           <p:cNvPr id="18" name="Freeform: Shape 17">
             <a:extLst>
               <a:ext uri="{FF2B5EF4-FFF2-40B4-BE49-F238E27FC236}">
-                <a16:creationId xmlns="" xmlns:a16="http://schemas.microsoft.com/office/drawing/2014/main" id="{E37145E9-AC61-47D5-9288-8789940F81B6}"/>
+                <a16:creationId xmlns:a16="http://schemas.microsoft.com/office/drawing/2014/main" xmlns="" id="{E37145E9-AC61-47D5-9288-8789940F81B6}"/>
               </a:ext>
             </a:extLst>
           </p:cNvPr>
@@ -6947,7 +6947,7 @@
           <p:cNvPr id="12" name="Freeform: Shape 11">
             <a:extLst>
               <a:ext uri="{FF2B5EF4-FFF2-40B4-BE49-F238E27FC236}">
-                <a16:creationId xmlns="" xmlns:a16="http://schemas.microsoft.com/office/drawing/2014/main" id="{A5E2B3ED-9A49-40A7-B8A3-62595FE513F9}"/>
+                <a16:creationId xmlns:a16="http://schemas.microsoft.com/office/drawing/2014/main" xmlns="" id="{A5E2B3ED-9A49-40A7-B8A3-62595FE513F9}"/>
               </a:ext>
             </a:extLst>
           </p:cNvPr>
@@ -7097,7 +7097,7 @@
           <p:cNvPr id="8" name="Freeform: Shape 7">
             <a:extLst>
               <a:ext uri="{FF2B5EF4-FFF2-40B4-BE49-F238E27FC236}">
-                <a16:creationId xmlns="" xmlns:a16="http://schemas.microsoft.com/office/drawing/2014/main" id="{1599AF7E-3E34-4597-AA72-9373A7FDB020}"/>
+                <a16:creationId xmlns:a16="http://schemas.microsoft.com/office/drawing/2014/main" xmlns="" id="{1599AF7E-3E34-4597-AA72-9373A7FDB020}"/>
               </a:ext>
             </a:extLst>
           </p:cNvPr>
@@ -7243,7 +7243,7 @@
           <p:cNvPr id="2" name="Title 1">
             <a:extLst>
               <a:ext uri="{FF2B5EF4-FFF2-40B4-BE49-F238E27FC236}">
-                <a16:creationId xmlns="" xmlns:a16="http://schemas.microsoft.com/office/drawing/2014/main" id="{4A2DF563-7FAC-46B3-B24C-7E45CD89DA2B}"/>
+                <a16:creationId xmlns:a16="http://schemas.microsoft.com/office/drawing/2014/main" xmlns="" id="{4A2DF563-7FAC-46B3-B24C-7E45CD89DA2B}"/>
               </a:ext>
             </a:extLst>
           </p:cNvPr>
@@ -7288,7 +7288,7 @@
           <p:cNvPr id="15" name="Group 14">
             <a:extLst>
               <a:ext uri="{FF2B5EF4-FFF2-40B4-BE49-F238E27FC236}">
-                <a16:creationId xmlns="" xmlns:a16="http://schemas.microsoft.com/office/drawing/2014/main" id="{7732E1E7-45E3-4264-8F26-66758696DD1E}"/>
+                <a16:creationId xmlns:a16="http://schemas.microsoft.com/office/drawing/2014/main" xmlns="" id="{7732E1E7-45E3-4264-8F26-66758696DD1E}"/>
               </a:ext>
             </a:extLst>
           </p:cNvPr>
@@ -7308,7 +7308,7 @@
             <p:cNvPr id="16" name="Freeform: Shape 15">
               <a:extLst>
                 <a:ext uri="{FF2B5EF4-FFF2-40B4-BE49-F238E27FC236}">
-                  <a16:creationId xmlns="" xmlns:a16="http://schemas.microsoft.com/office/drawing/2014/main" id="{2E3DF883-8093-49FA-81E1-E5D77F086A25}"/>
+                  <a16:creationId xmlns:a16="http://schemas.microsoft.com/office/drawing/2014/main" xmlns="" id="{2E3DF883-8093-49FA-81E1-E5D77F086A25}"/>
                 </a:ext>
               </a:extLst>
             </p:cNvPr>
@@ -7398,7 +7398,7 @@
             <p:cNvPr id="17" name="Freeform: Shape 16">
               <a:extLst>
                 <a:ext uri="{FF2B5EF4-FFF2-40B4-BE49-F238E27FC236}">
-                  <a16:creationId xmlns="" xmlns:a16="http://schemas.microsoft.com/office/drawing/2014/main" id="{18944C90-37E5-4BBE-89FF-060627168050}"/>
+                  <a16:creationId xmlns:a16="http://schemas.microsoft.com/office/drawing/2014/main" xmlns="" id="{18944C90-37E5-4BBE-89FF-060627168050}"/>
                 </a:ext>
               </a:extLst>
             </p:cNvPr>
@@ -7497,7 +7497,7 @@
           <p:cNvPr id="6" name="Group 5">
             <a:extLst>
               <a:ext uri="{FF2B5EF4-FFF2-40B4-BE49-F238E27FC236}">
-                <a16:creationId xmlns="" xmlns:a16="http://schemas.microsoft.com/office/drawing/2014/main" id="{D9EBF8BB-A805-4DDB-B459-082F99815B95}"/>
+                <a16:creationId xmlns:a16="http://schemas.microsoft.com/office/drawing/2014/main" xmlns="" id="{D9EBF8BB-A805-4DDB-B459-082F99815B95}"/>
               </a:ext>
             </a:extLst>
           </p:cNvPr>
@@ -7517,7 +7517,7 @@
             <p:cNvPr id="19" name="Rectangle: Single Corner Snipped 18">
               <a:extLst>
                 <a:ext uri="{FF2B5EF4-FFF2-40B4-BE49-F238E27FC236}">
-                  <a16:creationId xmlns="" xmlns:a16="http://schemas.microsoft.com/office/drawing/2014/main" id="{5D638788-DD47-45E7-939A-FA108A818173}"/>
+                  <a16:creationId xmlns:a16="http://schemas.microsoft.com/office/drawing/2014/main" xmlns="" id="{5D638788-DD47-45E7-939A-FA108A818173}"/>
                 </a:ext>
               </a:extLst>
             </p:cNvPr>
@@ -7578,7 +7578,7 @@
             <p:cNvPr id="3" name="Rectangle: Single Corner Snipped 2">
               <a:extLst>
                 <a:ext uri="{FF2B5EF4-FFF2-40B4-BE49-F238E27FC236}">
-                  <a16:creationId xmlns="" xmlns:a16="http://schemas.microsoft.com/office/drawing/2014/main" id="{74BDECEF-EEFE-4332-B3B2-BDE4F82C10FC}"/>
+                  <a16:creationId xmlns:a16="http://schemas.microsoft.com/office/drawing/2014/main" xmlns="" id="{74BDECEF-EEFE-4332-B3B2-BDE4F82C10FC}"/>
                 </a:ext>
               </a:extLst>
             </p:cNvPr>
@@ -7635,7 +7635,7 @@
           <p:cNvPr id="20" name="Picture Placeholder 8">
             <a:extLst>
               <a:ext uri="{FF2B5EF4-FFF2-40B4-BE49-F238E27FC236}">
-                <a16:creationId xmlns="" xmlns:a16="http://schemas.microsoft.com/office/drawing/2014/main" id="{6D00E6B4-1CBE-404E-B943-5F1832320C1C}"/>
+                <a16:creationId xmlns:a16="http://schemas.microsoft.com/office/drawing/2014/main" xmlns="" id="{6D00E6B4-1CBE-404E-B943-5F1832320C1C}"/>
               </a:ext>
             </a:extLst>
           </p:cNvPr>
@@ -7698,7 +7698,7 @@
           <p:cNvPr id="21" name="Picture Placeholder 8">
             <a:extLst>
               <a:ext uri="{FF2B5EF4-FFF2-40B4-BE49-F238E27FC236}">
-                <a16:creationId xmlns="" xmlns:a16="http://schemas.microsoft.com/office/drawing/2014/main" id="{7CD59BFD-62BE-4E33-92A5-B84A2A9A8D3B}"/>
+                <a16:creationId xmlns:a16="http://schemas.microsoft.com/office/drawing/2014/main" xmlns="" id="{7CD59BFD-62BE-4E33-92A5-B84A2A9A8D3B}"/>
               </a:ext>
             </a:extLst>
           </p:cNvPr>
@@ -7761,7 +7761,7 @@
           <p:cNvPr id="22" name="Picture Placeholder 8">
             <a:extLst>
               <a:ext uri="{FF2B5EF4-FFF2-40B4-BE49-F238E27FC236}">
-                <a16:creationId xmlns="" xmlns:a16="http://schemas.microsoft.com/office/drawing/2014/main" id="{60DC5978-55B8-421D-91B4-29F8210A7B2C}"/>
+                <a16:creationId xmlns:a16="http://schemas.microsoft.com/office/drawing/2014/main" xmlns="" id="{60DC5978-55B8-421D-91B4-29F8210A7B2C}"/>
               </a:ext>
             </a:extLst>
           </p:cNvPr>
@@ -7824,7 +7824,7 @@
           <p:cNvPr id="23" name="Picture Placeholder 8">
             <a:extLst>
               <a:ext uri="{FF2B5EF4-FFF2-40B4-BE49-F238E27FC236}">
-                <a16:creationId xmlns="" xmlns:a16="http://schemas.microsoft.com/office/drawing/2014/main" id="{BE3FB8C3-2C7E-4C59-8BD5-53FA2772DB56}"/>
+                <a16:creationId xmlns:a16="http://schemas.microsoft.com/office/drawing/2014/main" xmlns="" id="{BE3FB8C3-2C7E-4C59-8BD5-53FA2772DB56}"/>
               </a:ext>
             </a:extLst>
           </p:cNvPr>
@@ -7887,7 +7887,7 @@
           <p:cNvPr id="24" name="Picture Placeholder 8">
             <a:extLst>
               <a:ext uri="{FF2B5EF4-FFF2-40B4-BE49-F238E27FC236}">
-                <a16:creationId xmlns="" xmlns:a16="http://schemas.microsoft.com/office/drawing/2014/main" id="{FD8FA9DA-C36B-4889-B88F-28B5829E53E2}"/>
+                <a16:creationId xmlns:a16="http://schemas.microsoft.com/office/drawing/2014/main" xmlns="" id="{FD8FA9DA-C36B-4889-B88F-28B5829E53E2}"/>
               </a:ext>
             </a:extLst>
           </p:cNvPr>
@@ -7950,7 +7950,7 @@
           <p:cNvPr id="26" name="Text Placeholder 22">
             <a:extLst>
               <a:ext uri="{FF2B5EF4-FFF2-40B4-BE49-F238E27FC236}">
-                <a16:creationId xmlns="" xmlns:a16="http://schemas.microsoft.com/office/drawing/2014/main" id="{2A19101D-7C37-42BF-8167-5391EA65EC3A}"/>
+                <a16:creationId xmlns:a16="http://schemas.microsoft.com/office/drawing/2014/main" xmlns="" id="{2A19101D-7C37-42BF-8167-5391EA65EC3A}"/>
               </a:ext>
             </a:extLst>
           </p:cNvPr>
@@ -8060,7 +8060,7 @@
           <p:cNvPr id="27" name="Text Placeholder 22">
             <a:extLst>
               <a:ext uri="{FF2B5EF4-FFF2-40B4-BE49-F238E27FC236}">
-                <a16:creationId xmlns="" xmlns:a16="http://schemas.microsoft.com/office/drawing/2014/main" id="{05F72315-51A9-431C-B80A-45E4FB1D6BD6}"/>
+                <a16:creationId xmlns:a16="http://schemas.microsoft.com/office/drawing/2014/main" xmlns="" id="{05F72315-51A9-431C-B80A-45E4FB1D6BD6}"/>
               </a:ext>
             </a:extLst>
           </p:cNvPr>
@@ -8170,7 +8170,7 @@
           <p:cNvPr id="28" name="Text Placeholder 22">
             <a:extLst>
               <a:ext uri="{FF2B5EF4-FFF2-40B4-BE49-F238E27FC236}">
-                <a16:creationId xmlns="" xmlns:a16="http://schemas.microsoft.com/office/drawing/2014/main" id="{883D1F0C-34F1-46E1-B178-E4AB82B14631}"/>
+                <a16:creationId xmlns:a16="http://schemas.microsoft.com/office/drawing/2014/main" xmlns="" id="{883D1F0C-34F1-46E1-B178-E4AB82B14631}"/>
               </a:ext>
             </a:extLst>
           </p:cNvPr>
@@ -8280,7 +8280,7 @@
           <p:cNvPr id="29" name="Text Placeholder 22">
             <a:extLst>
               <a:ext uri="{FF2B5EF4-FFF2-40B4-BE49-F238E27FC236}">
-                <a16:creationId xmlns="" xmlns:a16="http://schemas.microsoft.com/office/drawing/2014/main" id="{7202A849-DF14-40E7-B38D-1185F72603EC}"/>
+                <a16:creationId xmlns:a16="http://schemas.microsoft.com/office/drawing/2014/main" xmlns="" id="{7202A849-DF14-40E7-B38D-1185F72603EC}"/>
               </a:ext>
             </a:extLst>
           </p:cNvPr>
@@ -8390,7 +8390,7 @@
           <p:cNvPr id="30" name="Text Placeholder 22">
             <a:extLst>
               <a:ext uri="{FF2B5EF4-FFF2-40B4-BE49-F238E27FC236}">
-                <a16:creationId xmlns="" xmlns:a16="http://schemas.microsoft.com/office/drawing/2014/main" id="{CCFC1ADF-AC11-4CCD-AC2D-478B6FFEA5EA}"/>
+                <a16:creationId xmlns:a16="http://schemas.microsoft.com/office/drawing/2014/main" xmlns="" id="{CCFC1ADF-AC11-4CCD-AC2D-478B6FFEA5EA}"/>
               </a:ext>
             </a:extLst>
           </p:cNvPr>
@@ -8500,7 +8500,7 @@
           <p:cNvPr id="7" name="Straight Connector 6">
             <a:extLst>
               <a:ext uri="{FF2B5EF4-FFF2-40B4-BE49-F238E27FC236}">
-                <a16:creationId xmlns="" xmlns:a16="http://schemas.microsoft.com/office/drawing/2014/main" id="{2B4CB326-DA0E-488E-B236-7017E8438FBB}"/>
+                <a16:creationId xmlns:a16="http://schemas.microsoft.com/office/drawing/2014/main" xmlns="" id="{2B4CB326-DA0E-488E-B236-7017E8438FBB}"/>
               </a:ext>
             </a:extLst>
           </p:cNvPr>
@@ -8541,7 +8541,7 @@
           <p:cNvPr id="31" name="Straight Connector 30">
             <a:extLst>
               <a:ext uri="{FF2B5EF4-FFF2-40B4-BE49-F238E27FC236}">
-                <a16:creationId xmlns="" xmlns:a16="http://schemas.microsoft.com/office/drawing/2014/main" id="{9366B533-7212-4A36-9CE2-D6302E721F8F}"/>
+                <a16:creationId xmlns:a16="http://schemas.microsoft.com/office/drawing/2014/main" xmlns="" id="{9366B533-7212-4A36-9CE2-D6302E721F8F}"/>
               </a:ext>
             </a:extLst>
           </p:cNvPr>
@@ -8582,7 +8582,7 @@
           <p:cNvPr id="32" name="Straight Connector 31">
             <a:extLst>
               <a:ext uri="{FF2B5EF4-FFF2-40B4-BE49-F238E27FC236}">
-                <a16:creationId xmlns="" xmlns:a16="http://schemas.microsoft.com/office/drawing/2014/main" id="{AD7474CD-E230-4E14-8274-5E20F673F401}"/>
+                <a16:creationId xmlns:a16="http://schemas.microsoft.com/office/drawing/2014/main" xmlns="" id="{AD7474CD-E230-4E14-8274-5E20F673F401}"/>
               </a:ext>
             </a:extLst>
           </p:cNvPr>
@@ -8623,7 +8623,7 @@
           <p:cNvPr id="33" name="Straight Connector 32">
             <a:extLst>
               <a:ext uri="{FF2B5EF4-FFF2-40B4-BE49-F238E27FC236}">
-                <a16:creationId xmlns="" xmlns:a16="http://schemas.microsoft.com/office/drawing/2014/main" id="{6BF71FCE-6F39-4D2F-82BE-7D9F1D2ED59F}"/>
+                <a16:creationId xmlns:a16="http://schemas.microsoft.com/office/drawing/2014/main" xmlns="" id="{6BF71FCE-6F39-4D2F-82BE-7D9F1D2ED59F}"/>
               </a:ext>
             </a:extLst>
           </p:cNvPr>
@@ -8664,7 +8664,7 @@
           <p:cNvPr id="34" name="Straight Connector 33">
             <a:extLst>
               <a:ext uri="{FF2B5EF4-FFF2-40B4-BE49-F238E27FC236}">
-                <a16:creationId xmlns="" xmlns:a16="http://schemas.microsoft.com/office/drawing/2014/main" id="{AE97AC7A-17D9-4F42-9DD0-94FE4FC6BF19}"/>
+                <a16:creationId xmlns:a16="http://schemas.microsoft.com/office/drawing/2014/main" xmlns="" id="{AE97AC7A-17D9-4F42-9DD0-94FE4FC6BF19}"/>
               </a:ext>
             </a:extLst>
           </p:cNvPr>
@@ -8705,7 +8705,7 @@
           <p:cNvPr id="35" name="Freeform: Shape 34">
             <a:extLst>
               <a:ext uri="{FF2B5EF4-FFF2-40B4-BE49-F238E27FC236}">
-                <a16:creationId xmlns="" xmlns:a16="http://schemas.microsoft.com/office/drawing/2014/main" id="{62EEBF51-DCAD-4335-85E9-52801031A1BF}"/>
+                <a16:creationId xmlns:a16="http://schemas.microsoft.com/office/drawing/2014/main" xmlns="" id="{62EEBF51-DCAD-4335-85E9-52801031A1BF}"/>
               </a:ext>
             </a:extLst>
           </p:cNvPr>
@@ -8800,7 +8800,7 @@
           <p:cNvPr id="5" name="Slide Number Placeholder 4">
             <a:extLst>
               <a:ext uri="{FF2B5EF4-FFF2-40B4-BE49-F238E27FC236}">
-                <a16:creationId xmlns="" xmlns:a16="http://schemas.microsoft.com/office/drawing/2014/main" id="{87B51822-97FF-47A7-8E4E-A0F79B4EB237}"/>
+                <a16:creationId xmlns:a16="http://schemas.microsoft.com/office/drawing/2014/main" xmlns="" id="{87B51822-97FF-47A7-8E4E-A0F79B4EB237}"/>
               </a:ext>
             </a:extLst>
           </p:cNvPr>
@@ -8882,7 +8882,7 @@
           <p:cNvPr id="11" name="Rectangle 10">
             <a:extLst>
               <a:ext uri="{FF2B5EF4-FFF2-40B4-BE49-F238E27FC236}">
-                <a16:creationId xmlns="" xmlns:a16="http://schemas.microsoft.com/office/drawing/2014/main" id="{EB3E033F-4449-40FA-BC85-BD2712D313DD}"/>
+                <a16:creationId xmlns:a16="http://schemas.microsoft.com/office/drawing/2014/main" xmlns="" id="{EB3E033F-4449-40FA-BC85-BD2712D313DD}"/>
               </a:ext>
             </a:extLst>
           </p:cNvPr>
@@ -8936,7 +8936,7 @@
           <p:cNvPr id="10" name="Freeform: Shape 9">
             <a:extLst>
               <a:ext uri="{FF2B5EF4-FFF2-40B4-BE49-F238E27FC236}">
-                <a16:creationId xmlns="" xmlns:a16="http://schemas.microsoft.com/office/drawing/2014/main" id="{63D26743-0505-444C-80B3-E88EE87DF72B}"/>
+                <a16:creationId xmlns:a16="http://schemas.microsoft.com/office/drawing/2014/main" xmlns="" id="{63D26743-0505-444C-80B3-E88EE87DF72B}"/>
               </a:ext>
             </a:extLst>
           </p:cNvPr>
@@ -9059,7 +9059,7 @@
           <p:cNvPr id="18" name="Freeform: Shape 17">
             <a:extLst>
               <a:ext uri="{FF2B5EF4-FFF2-40B4-BE49-F238E27FC236}">
-                <a16:creationId xmlns="" xmlns:a16="http://schemas.microsoft.com/office/drawing/2014/main" id="{E37145E9-AC61-47D5-9288-8789940F81B6}"/>
+                <a16:creationId xmlns:a16="http://schemas.microsoft.com/office/drawing/2014/main" xmlns="" id="{E37145E9-AC61-47D5-9288-8789940F81B6}"/>
               </a:ext>
             </a:extLst>
           </p:cNvPr>
@@ -9211,7 +9211,7 @@
           <p:cNvPr id="12" name="Freeform: Shape 11">
             <a:extLst>
               <a:ext uri="{FF2B5EF4-FFF2-40B4-BE49-F238E27FC236}">
-                <a16:creationId xmlns="" xmlns:a16="http://schemas.microsoft.com/office/drawing/2014/main" id="{A5E2B3ED-9A49-40A7-B8A3-62595FE513F9}"/>
+                <a16:creationId xmlns:a16="http://schemas.microsoft.com/office/drawing/2014/main" xmlns="" id="{A5E2B3ED-9A49-40A7-B8A3-62595FE513F9}"/>
               </a:ext>
             </a:extLst>
           </p:cNvPr>
@@ -9361,7 +9361,7 @@
           <p:cNvPr id="8" name="Freeform: Shape 7">
             <a:extLst>
               <a:ext uri="{FF2B5EF4-FFF2-40B4-BE49-F238E27FC236}">
-                <a16:creationId xmlns="" xmlns:a16="http://schemas.microsoft.com/office/drawing/2014/main" id="{1599AF7E-3E34-4597-AA72-9373A7FDB020}"/>
+                <a16:creationId xmlns:a16="http://schemas.microsoft.com/office/drawing/2014/main" xmlns="" id="{1599AF7E-3E34-4597-AA72-9373A7FDB020}"/>
               </a:ext>
             </a:extLst>
           </p:cNvPr>
@@ -9507,7 +9507,7 @@
           <p:cNvPr id="2" name="Title 1">
             <a:extLst>
               <a:ext uri="{FF2B5EF4-FFF2-40B4-BE49-F238E27FC236}">
-                <a16:creationId xmlns="" xmlns:a16="http://schemas.microsoft.com/office/drawing/2014/main" id="{4A2DF563-7FAC-46B3-B24C-7E45CD89DA2B}"/>
+                <a16:creationId xmlns:a16="http://schemas.microsoft.com/office/drawing/2014/main" xmlns="" id="{4A2DF563-7FAC-46B3-B24C-7E45CD89DA2B}"/>
               </a:ext>
             </a:extLst>
           </p:cNvPr>
@@ -9552,7 +9552,7 @@
           <p:cNvPr id="15" name="Group 14">
             <a:extLst>
               <a:ext uri="{FF2B5EF4-FFF2-40B4-BE49-F238E27FC236}">
-                <a16:creationId xmlns="" xmlns:a16="http://schemas.microsoft.com/office/drawing/2014/main" id="{7732E1E7-45E3-4264-8F26-66758696DD1E}"/>
+                <a16:creationId xmlns:a16="http://schemas.microsoft.com/office/drawing/2014/main" xmlns="" id="{7732E1E7-45E3-4264-8F26-66758696DD1E}"/>
               </a:ext>
             </a:extLst>
           </p:cNvPr>
@@ -9572,7 +9572,7 @@
             <p:cNvPr id="16" name="Freeform: Shape 15">
               <a:extLst>
                 <a:ext uri="{FF2B5EF4-FFF2-40B4-BE49-F238E27FC236}">
-                  <a16:creationId xmlns="" xmlns:a16="http://schemas.microsoft.com/office/drawing/2014/main" id="{2E3DF883-8093-49FA-81E1-E5D77F086A25}"/>
+                  <a16:creationId xmlns:a16="http://schemas.microsoft.com/office/drawing/2014/main" xmlns="" id="{2E3DF883-8093-49FA-81E1-E5D77F086A25}"/>
                 </a:ext>
               </a:extLst>
             </p:cNvPr>
@@ -9662,7 +9662,7 @@
             <p:cNvPr id="17" name="Freeform: Shape 16">
               <a:extLst>
                 <a:ext uri="{FF2B5EF4-FFF2-40B4-BE49-F238E27FC236}">
-                  <a16:creationId xmlns="" xmlns:a16="http://schemas.microsoft.com/office/drawing/2014/main" id="{18944C90-37E5-4BBE-89FF-060627168050}"/>
+                  <a16:creationId xmlns:a16="http://schemas.microsoft.com/office/drawing/2014/main" xmlns="" id="{18944C90-37E5-4BBE-89FF-060627168050}"/>
                 </a:ext>
               </a:extLst>
             </p:cNvPr>
@@ -9761,7 +9761,7 @@
           <p:cNvPr id="6" name="Group 5">
             <a:extLst>
               <a:ext uri="{FF2B5EF4-FFF2-40B4-BE49-F238E27FC236}">
-                <a16:creationId xmlns="" xmlns:a16="http://schemas.microsoft.com/office/drawing/2014/main" id="{D9EBF8BB-A805-4DDB-B459-082F99815B95}"/>
+                <a16:creationId xmlns:a16="http://schemas.microsoft.com/office/drawing/2014/main" xmlns="" id="{D9EBF8BB-A805-4DDB-B459-082F99815B95}"/>
               </a:ext>
             </a:extLst>
           </p:cNvPr>
@@ -9781,7 +9781,7 @@
             <p:cNvPr id="19" name="Rectangle: Single Corner Snipped 18">
               <a:extLst>
                 <a:ext uri="{FF2B5EF4-FFF2-40B4-BE49-F238E27FC236}">
-                  <a16:creationId xmlns="" xmlns:a16="http://schemas.microsoft.com/office/drawing/2014/main" id="{5D638788-DD47-45E7-939A-FA108A818173}"/>
+                  <a16:creationId xmlns:a16="http://schemas.microsoft.com/office/drawing/2014/main" xmlns="" id="{5D638788-DD47-45E7-939A-FA108A818173}"/>
                 </a:ext>
               </a:extLst>
             </p:cNvPr>
@@ -9842,7 +9842,7 @@
             <p:cNvPr id="3" name="Rectangle: Single Corner Snipped 2">
               <a:extLst>
                 <a:ext uri="{FF2B5EF4-FFF2-40B4-BE49-F238E27FC236}">
-                  <a16:creationId xmlns="" xmlns:a16="http://schemas.microsoft.com/office/drawing/2014/main" id="{74BDECEF-EEFE-4332-B3B2-BDE4F82C10FC}"/>
+                  <a16:creationId xmlns:a16="http://schemas.microsoft.com/office/drawing/2014/main" xmlns="" id="{74BDECEF-EEFE-4332-B3B2-BDE4F82C10FC}"/>
                 </a:ext>
               </a:extLst>
             </p:cNvPr>
@@ -9899,7 +9899,7 @@
           <p:cNvPr id="26" name="Text Placeholder 22">
             <a:extLst>
               <a:ext uri="{FF2B5EF4-FFF2-40B4-BE49-F238E27FC236}">
-                <a16:creationId xmlns="" xmlns:a16="http://schemas.microsoft.com/office/drawing/2014/main" id="{2A19101D-7C37-42BF-8167-5391EA65EC3A}"/>
+                <a16:creationId xmlns:a16="http://schemas.microsoft.com/office/drawing/2014/main" xmlns="" id="{2A19101D-7C37-42BF-8167-5391EA65EC3A}"/>
               </a:ext>
             </a:extLst>
           </p:cNvPr>
@@ -10009,7 +10009,7 @@
           <p:cNvPr id="35" name="Freeform: Shape 34">
             <a:extLst>
               <a:ext uri="{FF2B5EF4-FFF2-40B4-BE49-F238E27FC236}">
-                <a16:creationId xmlns="" xmlns:a16="http://schemas.microsoft.com/office/drawing/2014/main" id="{62EEBF51-DCAD-4335-85E9-52801031A1BF}"/>
+                <a16:creationId xmlns:a16="http://schemas.microsoft.com/office/drawing/2014/main" xmlns="" id="{62EEBF51-DCAD-4335-85E9-52801031A1BF}"/>
               </a:ext>
             </a:extLst>
           </p:cNvPr>
@@ -10104,7 +10104,7 @@
           <p:cNvPr id="5" name="Slide Number Placeholder 4">
             <a:extLst>
               <a:ext uri="{FF2B5EF4-FFF2-40B4-BE49-F238E27FC236}">
-                <a16:creationId xmlns="" xmlns:a16="http://schemas.microsoft.com/office/drawing/2014/main" id="{87B51822-97FF-47A7-8E4E-A0F79B4EB237}"/>
+                <a16:creationId xmlns:a16="http://schemas.microsoft.com/office/drawing/2014/main" xmlns="" id="{87B51822-97FF-47A7-8E4E-A0F79B4EB237}"/>
               </a:ext>
             </a:extLst>
           </p:cNvPr>
@@ -10148,7 +10148,7 @@
           <p:cNvPr id="13" name="Picture Placeholder 12">
             <a:extLst>
               <a:ext uri="{FF2B5EF4-FFF2-40B4-BE49-F238E27FC236}">
-                <a16:creationId xmlns="" xmlns:a16="http://schemas.microsoft.com/office/drawing/2014/main" id="{231B97CF-FD24-4932-8459-893B1AC73D33}"/>
+                <a16:creationId xmlns:a16="http://schemas.microsoft.com/office/drawing/2014/main" xmlns="" id="{231B97CF-FD24-4932-8459-893B1AC73D33}"/>
               </a:ext>
             </a:extLst>
           </p:cNvPr>
@@ -10193,7 +10193,7 @@
           <p:cNvPr id="36" name="Text Placeholder 22">
             <a:extLst>
               <a:ext uri="{FF2B5EF4-FFF2-40B4-BE49-F238E27FC236}">
-                <a16:creationId xmlns="" xmlns:a16="http://schemas.microsoft.com/office/drawing/2014/main" id="{642D3CE0-C3B4-4F3F-A650-AB452B3AD4BA}"/>
+                <a16:creationId xmlns:a16="http://schemas.microsoft.com/office/drawing/2014/main" xmlns="" id="{642D3CE0-C3B4-4F3F-A650-AB452B3AD4BA}"/>
               </a:ext>
             </a:extLst>
           </p:cNvPr>
@@ -10303,7 +10303,7 @@
           <p:cNvPr id="37" name="Text Placeholder 22">
             <a:extLst>
               <a:ext uri="{FF2B5EF4-FFF2-40B4-BE49-F238E27FC236}">
-                <a16:creationId xmlns="" xmlns:a16="http://schemas.microsoft.com/office/drawing/2014/main" id="{DBED2BB0-CDAD-40EE-8B35-C66DF45EE29D}"/>
+                <a16:creationId xmlns:a16="http://schemas.microsoft.com/office/drawing/2014/main" xmlns="" id="{DBED2BB0-CDAD-40EE-8B35-C66DF45EE29D}"/>
               </a:ext>
             </a:extLst>
           </p:cNvPr>
@@ -10451,7 +10451,7 @@
           <p:cNvPr id="11" name="Rectangle 10">
             <a:extLst>
               <a:ext uri="{FF2B5EF4-FFF2-40B4-BE49-F238E27FC236}">
-                <a16:creationId xmlns="" xmlns:a16="http://schemas.microsoft.com/office/drawing/2014/main" id="{EB3E033F-4449-40FA-BC85-BD2712D313DD}"/>
+                <a16:creationId xmlns:a16="http://schemas.microsoft.com/office/drawing/2014/main" xmlns="" id="{EB3E033F-4449-40FA-BC85-BD2712D313DD}"/>
               </a:ext>
             </a:extLst>
           </p:cNvPr>
@@ -10505,7 +10505,7 @@
           <p:cNvPr id="10" name="Freeform: Shape 9">
             <a:extLst>
               <a:ext uri="{FF2B5EF4-FFF2-40B4-BE49-F238E27FC236}">
-                <a16:creationId xmlns="" xmlns:a16="http://schemas.microsoft.com/office/drawing/2014/main" id="{63D26743-0505-444C-80B3-E88EE87DF72B}"/>
+                <a16:creationId xmlns:a16="http://schemas.microsoft.com/office/drawing/2014/main" xmlns="" id="{63D26743-0505-444C-80B3-E88EE87DF72B}"/>
               </a:ext>
             </a:extLst>
           </p:cNvPr>
@@ -10628,7 +10628,7 @@
           <p:cNvPr id="18" name="Freeform: Shape 17">
             <a:extLst>
               <a:ext uri="{FF2B5EF4-FFF2-40B4-BE49-F238E27FC236}">
-                <a16:creationId xmlns="" xmlns:a16="http://schemas.microsoft.com/office/drawing/2014/main" id="{E37145E9-AC61-47D5-9288-8789940F81B6}"/>
+                <a16:creationId xmlns:a16="http://schemas.microsoft.com/office/drawing/2014/main" xmlns="" id="{E37145E9-AC61-47D5-9288-8789940F81B6}"/>
               </a:ext>
             </a:extLst>
           </p:cNvPr>
@@ -10780,7 +10780,7 @@
           <p:cNvPr id="12" name="Freeform: Shape 11">
             <a:extLst>
               <a:ext uri="{FF2B5EF4-FFF2-40B4-BE49-F238E27FC236}">
-                <a16:creationId xmlns="" xmlns:a16="http://schemas.microsoft.com/office/drawing/2014/main" id="{A5E2B3ED-9A49-40A7-B8A3-62595FE513F9}"/>
+                <a16:creationId xmlns:a16="http://schemas.microsoft.com/office/drawing/2014/main" xmlns="" id="{A5E2B3ED-9A49-40A7-B8A3-62595FE513F9}"/>
               </a:ext>
             </a:extLst>
           </p:cNvPr>
@@ -10930,7 +10930,7 @@
           <p:cNvPr id="8" name="Freeform: Shape 7">
             <a:extLst>
               <a:ext uri="{FF2B5EF4-FFF2-40B4-BE49-F238E27FC236}">
-                <a16:creationId xmlns="" xmlns:a16="http://schemas.microsoft.com/office/drawing/2014/main" id="{1599AF7E-3E34-4597-AA72-9373A7FDB020}"/>
+                <a16:creationId xmlns:a16="http://schemas.microsoft.com/office/drawing/2014/main" xmlns="" id="{1599AF7E-3E34-4597-AA72-9373A7FDB020}"/>
               </a:ext>
             </a:extLst>
           </p:cNvPr>
@@ -11076,7 +11076,7 @@
           <p:cNvPr id="2" name="Title 1">
             <a:extLst>
               <a:ext uri="{FF2B5EF4-FFF2-40B4-BE49-F238E27FC236}">
-                <a16:creationId xmlns="" xmlns:a16="http://schemas.microsoft.com/office/drawing/2014/main" id="{4A2DF563-7FAC-46B3-B24C-7E45CD89DA2B}"/>
+                <a16:creationId xmlns:a16="http://schemas.microsoft.com/office/drawing/2014/main" xmlns="" id="{4A2DF563-7FAC-46B3-B24C-7E45CD89DA2B}"/>
               </a:ext>
             </a:extLst>
           </p:cNvPr>
@@ -11121,7 +11121,7 @@
           <p:cNvPr id="15" name="Group 14">
             <a:extLst>
               <a:ext uri="{FF2B5EF4-FFF2-40B4-BE49-F238E27FC236}">
-                <a16:creationId xmlns="" xmlns:a16="http://schemas.microsoft.com/office/drawing/2014/main" id="{7732E1E7-45E3-4264-8F26-66758696DD1E}"/>
+                <a16:creationId xmlns:a16="http://schemas.microsoft.com/office/drawing/2014/main" xmlns="" id="{7732E1E7-45E3-4264-8F26-66758696DD1E}"/>
               </a:ext>
             </a:extLst>
           </p:cNvPr>
@@ -11141,7 +11141,7 @@
             <p:cNvPr id="16" name="Freeform: Shape 15">
               <a:extLst>
                 <a:ext uri="{FF2B5EF4-FFF2-40B4-BE49-F238E27FC236}">
-                  <a16:creationId xmlns="" xmlns:a16="http://schemas.microsoft.com/office/drawing/2014/main" id="{2E3DF883-8093-49FA-81E1-E5D77F086A25}"/>
+                  <a16:creationId xmlns:a16="http://schemas.microsoft.com/office/drawing/2014/main" xmlns="" id="{2E3DF883-8093-49FA-81E1-E5D77F086A25}"/>
                 </a:ext>
               </a:extLst>
             </p:cNvPr>
@@ -11231,7 +11231,7 @@
             <p:cNvPr id="17" name="Freeform: Shape 16">
               <a:extLst>
                 <a:ext uri="{FF2B5EF4-FFF2-40B4-BE49-F238E27FC236}">
-                  <a16:creationId xmlns="" xmlns:a16="http://schemas.microsoft.com/office/drawing/2014/main" id="{18944C90-37E5-4BBE-89FF-060627168050}"/>
+                  <a16:creationId xmlns:a16="http://schemas.microsoft.com/office/drawing/2014/main" xmlns="" id="{18944C90-37E5-4BBE-89FF-060627168050}"/>
                 </a:ext>
               </a:extLst>
             </p:cNvPr>
@@ -11330,7 +11330,7 @@
           <p:cNvPr id="6" name="Group 5">
             <a:extLst>
               <a:ext uri="{FF2B5EF4-FFF2-40B4-BE49-F238E27FC236}">
-                <a16:creationId xmlns="" xmlns:a16="http://schemas.microsoft.com/office/drawing/2014/main" id="{D9EBF8BB-A805-4DDB-B459-082F99815B95}"/>
+                <a16:creationId xmlns:a16="http://schemas.microsoft.com/office/drawing/2014/main" xmlns="" id="{D9EBF8BB-A805-4DDB-B459-082F99815B95}"/>
               </a:ext>
             </a:extLst>
           </p:cNvPr>
@@ -11350,7 +11350,7 @@
             <p:cNvPr id="19" name="Rectangle: Single Corner Snipped 18">
               <a:extLst>
                 <a:ext uri="{FF2B5EF4-FFF2-40B4-BE49-F238E27FC236}">
-                  <a16:creationId xmlns="" xmlns:a16="http://schemas.microsoft.com/office/drawing/2014/main" id="{5D638788-DD47-45E7-939A-FA108A818173}"/>
+                  <a16:creationId xmlns:a16="http://schemas.microsoft.com/office/drawing/2014/main" xmlns="" id="{5D638788-DD47-45E7-939A-FA108A818173}"/>
                 </a:ext>
               </a:extLst>
             </p:cNvPr>
@@ -11411,7 +11411,7 @@
             <p:cNvPr id="3" name="Rectangle: Single Corner Snipped 2">
               <a:extLst>
                 <a:ext uri="{FF2B5EF4-FFF2-40B4-BE49-F238E27FC236}">
-                  <a16:creationId xmlns="" xmlns:a16="http://schemas.microsoft.com/office/drawing/2014/main" id="{74BDECEF-EEFE-4332-B3B2-BDE4F82C10FC}"/>
+                  <a16:creationId xmlns:a16="http://schemas.microsoft.com/office/drawing/2014/main" xmlns="" id="{74BDECEF-EEFE-4332-B3B2-BDE4F82C10FC}"/>
                 </a:ext>
               </a:extLst>
             </p:cNvPr>
@@ -11468,7 +11468,7 @@
           <p:cNvPr id="26" name="Text Placeholder 22">
             <a:extLst>
               <a:ext uri="{FF2B5EF4-FFF2-40B4-BE49-F238E27FC236}">
-                <a16:creationId xmlns="" xmlns:a16="http://schemas.microsoft.com/office/drawing/2014/main" id="{2A19101D-7C37-42BF-8167-5391EA65EC3A}"/>
+                <a16:creationId xmlns:a16="http://schemas.microsoft.com/office/drawing/2014/main" xmlns="" id="{2A19101D-7C37-42BF-8167-5391EA65EC3A}"/>
               </a:ext>
             </a:extLst>
           </p:cNvPr>
@@ -11578,7 +11578,7 @@
           <p:cNvPr id="35" name="Freeform: Shape 34">
             <a:extLst>
               <a:ext uri="{FF2B5EF4-FFF2-40B4-BE49-F238E27FC236}">
-                <a16:creationId xmlns="" xmlns:a16="http://schemas.microsoft.com/office/drawing/2014/main" id="{62EEBF51-DCAD-4335-85E9-52801031A1BF}"/>
+                <a16:creationId xmlns:a16="http://schemas.microsoft.com/office/drawing/2014/main" xmlns="" id="{62EEBF51-DCAD-4335-85E9-52801031A1BF}"/>
               </a:ext>
             </a:extLst>
           </p:cNvPr>
@@ -11673,7 +11673,7 @@
           <p:cNvPr id="5" name="Slide Number Placeholder 4">
             <a:extLst>
               <a:ext uri="{FF2B5EF4-FFF2-40B4-BE49-F238E27FC236}">
-                <a16:creationId xmlns="" xmlns:a16="http://schemas.microsoft.com/office/drawing/2014/main" id="{87B51822-97FF-47A7-8E4E-A0F79B4EB237}"/>
+                <a16:creationId xmlns:a16="http://schemas.microsoft.com/office/drawing/2014/main" xmlns="" id="{87B51822-97FF-47A7-8E4E-A0F79B4EB237}"/>
               </a:ext>
             </a:extLst>
           </p:cNvPr>
@@ -11717,7 +11717,7 @@
           <p:cNvPr id="13" name="Picture Placeholder 12">
             <a:extLst>
               <a:ext uri="{FF2B5EF4-FFF2-40B4-BE49-F238E27FC236}">
-                <a16:creationId xmlns="" xmlns:a16="http://schemas.microsoft.com/office/drawing/2014/main" id="{231B97CF-FD24-4932-8459-893B1AC73D33}"/>
+                <a16:creationId xmlns:a16="http://schemas.microsoft.com/office/drawing/2014/main" xmlns="" id="{231B97CF-FD24-4932-8459-893B1AC73D33}"/>
               </a:ext>
             </a:extLst>
           </p:cNvPr>
@@ -11800,7 +11800,7 @@
           <p:cNvPr id="11" name="Rectangle 10">
             <a:extLst>
               <a:ext uri="{FF2B5EF4-FFF2-40B4-BE49-F238E27FC236}">
-                <a16:creationId xmlns="" xmlns:a16="http://schemas.microsoft.com/office/drawing/2014/main" id="{EB3E033F-4449-40FA-BC85-BD2712D313DD}"/>
+                <a16:creationId xmlns:a16="http://schemas.microsoft.com/office/drawing/2014/main" xmlns="" id="{EB3E033F-4449-40FA-BC85-BD2712D313DD}"/>
               </a:ext>
             </a:extLst>
           </p:cNvPr>
@@ -11854,7 +11854,7 @@
           <p:cNvPr id="10" name="Freeform: Shape 9">
             <a:extLst>
               <a:ext uri="{FF2B5EF4-FFF2-40B4-BE49-F238E27FC236}">
-                <a16:creationId xmlns="" xmlns:a16="http://schemas.microsoft.com/office/drawing/2014/main" id="{63D26743-0505-444C-80B3-E88EE87DF72B}"/>
+                <a16:creationId xmlns:a16="http://schemas.microsoft.com/office/drawing/2014/main" xmlns="" id="{63D26743-0505-444C-80B3-E88EE87DF72B}"/>
               </a:ext>
             </a:extLst>
           </p:cNvPr>
@@ -11977,7 +11977,7 @@
           <p:cNvPr id="18" name="Freeform: Shape 17">
             <a:extLst>
               <a:ext uri="{FF2B5EF4-FFF2-40B4-BE49-F238E27FC236}">
-                <a16:creationId xmlns="" xmlns:a16="http://schemas.microsoft.com/office/drawing/2014/main" id="{E37145E9-AC61-47D5-9288-8789940F81B6}"/>
+                <a16:creationId xmlns:a16="http://schemas.microsoft.com/office/drawing/2014/main" xmlns="" id="{E37145E9-AC61-47D5-9288-8789940F81B6}"/>
               </a:ext>
             </a:extLst>
           </p:cNvPr>
@@ -12129,7 +12129,7 @@
           <p:cNvPr id="12" name="Freeform: Shape 11">
             <a:extLst>
               <a:ext uri="{FF2B5EF4-FFF2-40B4-BE49-F238E27FC236}">
-                <a16:creationId xmlns="" xmlns:a16="http://schemas.microsoft.com/office/drawing/2014/main" id="{A5E2B3ED-9A49-40A7-B8A3-62595FE513F9}"/>
+                <a16:creationId xmlns:a16="http://schemas.microsoft.com/office/drawing/2014/main" xmlns="" id="{A5E2B3ED-9A49-40A7-B8A3-62595FE513F9}"/>
               </a:ext>
             </a:extLst>
           </p:cNvPr>
@@ -12279,7 +12279,7 @@
           <p:cNvPr id="8" name="Freeform: Shape 7">
             <a:extLst>
               <a:ext uri="{FF2B5EF4-FFF2-40B4-BE49-F238E27FC236}">
-                <a16:creationId xmlns="" xmlns:a16="http://schemas.microsoft.com/office/drawing/2014/main" id="{1599AF7E-3E34-4597-AA72-9373A7FDB020}"/>
+                <a16:creationId xmlns:a16="http://schemas.microsoft.com/office/drawing/2014/main" xmlns="" id="{1599AF7E-3E34-4597-AA72-9373A7FDB020}"/>
               </a:ext>
             </a:extLst>
           </p:cNvPr>
@@ -12425,7 +12425,7 @@
           <p:cNvPr id="2" name="Title 1">
             <a:extLst>
               <a:ext uri="{FF2B5EF4-FFF2-40B4-BE49-F238E27FC236}">
-                <a16:creationId xmlns="" xmlns:a16="http://schemas.microsoft.com/office/drawing/2014/main" id="{4A2DF563-7FAC-46B3-B24C-7E45CD89DA2B}"/>
+                <a16:creationId xmlns:a16="http://schemas.microsoft.com/office/drawing/2014/main" xmlns="" id="{4A2DF563-7FAC-46B3-B24C-7E45CD89DA2B}"/>
               </a:ext>
             </a:extLst>
           </p:cNvPr>
@@ -12470,7 +12470,7 @@
           <p:cNvPr id="15" name="Group 14">
             <a:extLst>
               <a:ext uri="{FF2B5EF4-FFF2-40B4-BE49-F238E27FC236}">
-                <a16:creationId xmlns="" xmlns:a16="http://schemas.microsoft.com/office/drawing/2014/main" id="{7732E1E7-45E3-4264-8F26-66758696DD1E}"/>
+                <a16:creationId xmlns:a16="http://schemas.microsoft.com/office/drawing/2014/main" xmlns="" id="{7732E1E7-45E3-4264-8F26-66758696DD1E}"/>
               </a:ext>
             </a:extLst>
           </p:cNvPr>
@@ -12490,7 +12490,7 @@
             <p:cNvPr id="16" name="Freeform: Shape 15">
               <a:extLst>
                 <a:ext uri="{FF2B5EF4-FFF2-40B4-BE49-F238E27FC236}">
-                  <a16:creationId xmlns="" xmlns:a16="http://schemas.microsoft.com/office/drawing/2014/main" id="{2E3DF883-8093-49FA-81E1-E5D77F086A25}"/>
+                  <a16:creationId xmlns:a16="http://schemas.microsoft.com/office/drawing/2014/main" xmlns="" id="{2E3DF883-8093-49FA-81E1-E5D77F086A25}"/>
                 </a:ext>
               </a:extLst>
             </p:cNvPr>
@@ -12580,7 +12580,7 @@
             <p:cNvPr id="17" name="Freeform: Shape 16">
               <a:extLst>
                 <a:ext uri="{FF2B5EF4-FFF2-40B4-BE49-F238E27FC236}">
-                  <a16:creationId xmlns="" xmlns:a16="http://schemas.microsoft.com/office/drawing/2014/main" id="{18944C90-37E5-4BBE-89FF-060627168050}"/>
+                  <a16:creationId xmlns:a16="http://schemas.microsoft.com/office/drawing/2014/main" xmlns="" id="{18944C90-37E5-4BBE-89FF-060627168050}"/>
                 </a:ext>
               </a:extLst>
             </p:cNvPr>
@@ -12679,7 +12679,7 @@
           <p:cNvPr id="6" name="Group 5">
             <a:extLst>
               <a:ext uri="{FF2B5EF4-FFF2-40B4-BE49-F238E27FC236}">
-                <a16:creationId xmlns="" xmlns:a16="http://schemas.microsoft.com/office/drawing/2014/main" id="{D9EBF8BB-A805-4DDB-B459-082F99815B95}"/>
+                <a16:creationId xmlns:a16="http://schemas.microsoft.com/office/drawing/2014/main" xmlns="" id="{D9EBF8BB-A805-4DDB-B459-082F99815B95}"/>
               </a:ext>
             </a:extLst>
           </p:cNvPr>
@@ -12699,7 +12699,7 @@
             <p:cNvPr id="19" name="Rectangle: Single Corner Snipped 18">
               <a:extLst>
                 <a:ext uri="{FF2B5EF4-FFF2-40B4-BE49-F238E27FC236}">
-                  <a16:creationId xmlns="" xmlns:a16="http://schemas.microsoft.com/office/drawing/2014/main" id="{5D638788-DD47-45E7-939A-FA108A818173}"/>
+                  <a16:creationId xmlns:a16="http://schemas.microsoft.com/office/drawing/2014/main" xmlns="" id="{5D638788-DD47-45E7-939A-FA108A818173}"/>
                 </a:ext>
               </a:extLst>
             </p:cNvPr>
@@ -12760,7 +12760,7 @@
             <p:cNvPr id="3" name="Rectangle: Single Corner Snipped 2">
               <a:extLst>
                 <a:ext uri="{FF2B5EF4-FFF2-40B4-BE49-F238E27FC236}">
-                  <a16:creationId xmlns="" xmlns:a16="http://schemas.microsoft.com/office/drawing/2014/main" id="{74BDECEF-EEFE-4332-B3B2-BDE4F82C10FC}"/>
+                  <a16:creationId xmlns:a16="http://schemas.microsoft.com/office/drawing/2014/main" xmlns="" id="{74BDECEF-EEFE-4332-B3B2-BDE4F82C10FC}"/>
                 </a:ext>
               </a:extLst>
             </p:cNvPr>
@@ -12817,7 +12817,7 @@
           <p:cNvPr id="35" name="Freeform: Shape 34">
             <a:extLst>
               <a:ext uri="{FF2B5EF4-FFF2-40B4-BE49-F238E27FC236}">
-                <a16:creationId xmlns="" xmlns:a16="http://schemas.microsoft.com/office/drawing/2014/main" id="{62EEBF51-DCAD-4335-85E9-52801031A1BF}"/>
+                <a16:creationId xmlns:a16="http://schemas.microsoft.com/office/drawing/2014/main" xmlns="" id="{62EEBF51-DCAD-4335-85E9-52801031A1BF}"/>
               </a:ext>
             </a:extLst>
           </p:cNvPr>
@@ -12912,7 +12912,7 @@
           <p:cNvPr id="5" name="Slide Number Placeholder 4">
             <a:extLst>
               <a:ext uri="{FF2B5EF4-FFF2-40B4-BE49-F238E27FC236}">
-                <a16:creationId xmlns="" xmlns:a16="http://schemas.microsoft.com/office/drawing/2014/main" id="{87B51822-97FF-47A7-8E4E-A0F79B4EB237}"/>
+                <a16:creationId xmlns:a16="http://schemas.microsoft.com/office/drawing/2014/main" xmlns="" id="{87B51822-97FF-47A7-8E4E-A0F79B4EB237}"/>
               </a:ext>
             </a:extLst>
           </p:cNvPr>
@@ -12956,7 +12956,7 @@
           <p:cNvPr id="20" name="Picture Placeholder 2">
             <a:extLst>
               <a:ext uri="{FF2B5EF4-FFF2-40B4-BE49-F238E27FC236}">
-                <a16:creationId xmlns="" xmlns:a16="http://schemas.microsoft.com/office/drawing/2014/main" id="{30B3A574-7940-4E35-857E-5CA35A5910E5}"/>
+                <a16:creationId xmlns:a16="http://schemas.microsoft.com/office/drawing/2014/main" xmlns="" id="{30B3A574-7940-4E35-857E-5CA35A5910E5}"/>
               </a:ext>
             </a:extLst>
           </p:cNvPr>
@@ -13033,7 +13033,7 @@
           <p:cNvPr id="21" name="Text Placeholder 3">
             <a:extLst>
               <a:ext uri="{FF2B5EF4-FFF2-40B4-BE49-F238E27FC236}">
-                <a16:creationId xmlns="" xmlns:a16="http://schemas.microsoft.com/office/drawing/2014/main" id="{912B51EA-3E6F-4BF6-BE48-62128AF32B85}"/>
+                <a16:creationId xmlns:a16="http://schemas.microsoft.com/office/drawing/2014/main" xmlns="" id="{912B51EA-3E6F-4BF6-BE48-62128AF32B85}"/>
               </a:ext>
             </a:extLst>
           </p:cNvPr>
@@ -13147,7 +13147,7 @@
           <p:cNvPr id="11" name="Rectangle 10">
             <a:extLst>
               <a:ext uri="{FF2B5EF4-FFF2-40B4-BE49-F238E27FC236}">
-                <a16:creationId xmlns="" xmlns:a16="http://schemas.microsoft.com/office/drawing/2014/main" id="{EB3E033F-4449-40FA-BC85-BD2712D313DD}"/>
+                <a16:creationId xmlns:a16="http://schemas.microsoft.com/office/drawing/2014/main" xmlns="" id="{EB3E033F-4449-40FA-BC85-BD2712D313DD}"/>
               </a:ext>
             </a:extLst>
           </p:cNvPr>
@@ -13201,7 +13201,7 @@
           <p:cNvPr id="10" name="Freeform: Shape 9">
             <a:extLst>
               <a:ext uri="{FF2B5EF4-FFF2-40B4-BE49-F238E27FC236}">
-                <a16:creationId xmlns="" xmlns:a16="http://schemas.microsoft.com/office/drawing/2014/main" id="{63D26743-0505-444C-80B3-E88EE87DF72B}"/>
+                <a16:creationId xmlns:a16="http://schemas.microsoft.com/office/drawing/2014/main" xmlns="" id="{63D26743-0505-444C-80B3-E88EE87DF72B}"/>
               </a:ext>
             </a:extLst>
           </p:cNvPr>
@@ -13324,7 +13324,7 @@
           <p:cNvPr id="18" name="Freeform: Shape 17">
             <a:extLst>
               <a:ext uri="{FF2B5EF4-FFF2-40B4-BE49-F238E27FC236}">
-                <a16:creationId xmlns="" xmlns:a16="http://schemas.microsoft.com/office/drawing/2014/main" id="{E37145E9-AC61-47D5-9288-8789940F81B6}"/>
+                <a16:creationId xmlns:a16="http://schemas.microsoft.com/office/drawing/2014/main" xmlns="" id="{E37145E9-AC61-47D5-9288-8789940F81B6}"/>
               </a:ext>
             </a:extLst>
           </p:cNvPr>
@@ -13476,7 +13476,7 @@
           <p:cNvPr id="12" name="Freeform: Shape 11">
             <a:extLst>
               <a:ext uri="{FF2B5EF4-FFF2-40B4-BE49-F238E27FC236}">
-                <a16:creationId xmlns="" xmlns:a16="http://schemas.microsoft.com/office/drawing/2014/main" id="{A5E2B3ED-9A49-40A7-B8A3-62595FE513F9}"/>
+                <a16:creationId xmlns:a16="http://schemas.microsoft.com/office/drawing/2014/main" xmlns="" id="{A5E2B3ED-9A49-40A7-B8A3-62595FE513F9}"/>
               </a:ext>
             </a:extLst>
           </p:cNvPr>
@@ -13626,7 +13626,7 @@
           <p:cNvPr id="8" name="Freeform: Shape 7">
             <a:extLst>
               <a:ext uri="{FF2B5EF4-FFF2-40B4-BE49-F238E27FC236}">
-                <a16:creationId xmlns="" xmlns:a16="http://schemas.microsoft.com/office/drawing/2014/main" id="{1599AF7E-3E34-4597-AA72-9373A7FDB020}"/>
+                <a16:creationId xmlns:a16="http://schemas.microsoft.com/office/drawing/2014/main" xmlns="" id="{1599AF7E-3E34-4597-AA72-9373A7FDB020}"/>
               </a:ext>
             </a:extLst>
           </p:cNvPr>
@@ -13772,7 +13772,7 @@
           <p:cNvPr id="2" name="Title 1">
             <a:extLst>
               <a:ext uri="{FF2B5EF4-FFF2-40B4-BE49-F238E27FC236}">
-                <a16:creationId xmlns="" xmlns:a16="http://schemas.microsoft.com/office/drawing/2014/main" id="{4A2DF563-7FAC-46B3-B24C-7E45CD89DA2B}"/>
+                <a16:creationId xmlns:a16="http://schemas.microsoft.com/office/drawing/2014/main" xmlns="" id="{4A2DF563-7FAC-46B3-B24C-7E45CD89DA2B}"/>
               </a:ext>
             </a:extLst>
           </p:cNvPr>
@@ -13817,7 +13817,7 @@
           <p:cNvPr id="15" name="Group 14">
             <a:extLst>
               <a:ext uri="{FF2B5EF4-FFF2-40B4-BE49-F238E27FC236}">
-                <a16:creationId xmlns="" xmlns:a16="http://schemas.microsoft.com/office/drawing/2014/main" id="{7732E1E7-45E3-4264-8F26-66758696DD1E}"/>
+                <a16:creationId xmlns:a16="http://schemas.microsoft.com/office/drawing/2014/main" xmlns="" id="{7732E1E7-45E3-4264-8F26-66758696DD1E}"/>
               </a:ext>
             </a:extLst>
           </p:cNvPr>
@@ -13837,7 +13837,7 @@
             <p:cNvPr id="16" name="Freeform: Shape 15">
               <a:extLst>
                 <a:ext uri="{FF2B5EF4-FFF2-40B4-BE49-F238E27FC236}">
-                  <a16:creationId xmlns="" xmlns:a16="http://schemas.microsoft.com/office/drawing/2014/main" id="{2E3DF883-8093-49FA-81E1-E5D77F086A25}"/>
+                  <a16:creationId xmlns:a16="http://schemas.microsoft.com/office/drawing/2014/main" xmlns="" id="{2E3DF883-8093-49FA-81E1-E5D77F086A25}"/>
                 </a:ext>
               </a:extLst>
             </p:cNvPr>
@@ -13927,7 +13927,7 @@
             <p:cNvPr id="17" name="Freeform: Shape 16">
               <a:extLst>
                 <a:ext uri="{FF2B5EF4-FFF2-40B4-BE49-F238E27FC236}">
-                  <a16:creationId xmlns="" xmlns:a16="http://schemas.microsoft.com/office/drawing/2014/main" id="{18944C90-37E5-4BBE-89FF-060627168050}"/>
+                  <a16:creationId xmlns:a16="http://schemas.microsoft.com/office/drawing/2014/main" xmlns="" id="{18944C90-37E5-4BBE-89FF-060627168050}"/>
                 </a:ext>
               </a:extLst>
             </p:cNvPr>
@@ -14026,7 +14026,7 @@
           <p:cNvPr id="6" name="Group 5">
             <a:extLst>
               <a:ext uri="{FF2B5EF4-FFF2-40B4-BE49-F238E27FC236}">
-                <a16:creationId xmlns="" xmlns:a16="http://schemas.microsoft.com/office/drawing/2014/main" id="{D9EBF8BB-A805-4DDB-B459-082F99815B95}"/>
+                <a16:creationId xmlns:a16="http://schemas.microsoft.com/office/drawing/2014/main" xmlns="" id="{D9EBF8BB-A805-4DDB-B459-082F99815B95}"/>
               </a:ext>
             </a:extLst>
           </p:cNvPr>
@@ -14046,7 +14046,7 @@
             <p:cNvPr id="19" name="Rectangle: Single Corner Snipped 18">
               <a:extLst>
                 <a:ext uri="{FF2B5EF4-FFF2-40B4-BE49-F238E27FC236}">
-                  <a16:creationId xmlns="" xmlns:a16="http://schemas.microsoft.com/office/drawing/2014/main" id="{5D638788-DD47-45E7-939A-FA108A818173}"/>
+                  <a16:creationId xmlns:a16="http://schemas.microsoft.com/office/drawing/2014/main" xmlns="" id="{5D638788-DD47-45E7-939A-FA108A818173}"/>
                 </a:ext>
               </a:extLst>
             </p:cNvPr>
@@ -14107,7 +14107,7 @@
             <p:cNvPr id="3" name="Rectangle: Single Corner Snipped 2">
               <a:extLst>
                 <a:ext uri="{FF2B5EF4-FFF2-40B4-BE49-F238E27FC236}">
-                  <a16:creationId xmlns="" xmlns:a16="http://schemas.microsoft.com/office/drawing/2014/main" id="{74BDECEF-EEFE-4332-B3B2-BDE4F82C10FC}"/>
+                  <a16:creationId xmlns:a16="http://schemas.microsoft.com/office/drawing/2014/main" xmlns="" id="{74BDECEF-EEFE-4332-B3B2-BDE4F82C10FC}"/>
                 </a:ext>
               </a:extLst>
             </p:cNvPr>
@@ -14164,7 +14164,7 @@
           <p:cNvPr id="35" name="Freeform: Shape 34">
             <a:extLst>
               <a:ext uri="{FF2B5EF4-FFF2-40B4-BE49-F238E27FC236}">
-                <a16:creationId xmlns="" xmlns:a16="http://schemas.microsoft.com/office/drawing/2014/main" id="{62EEBF51-DCAD-4335-85E9-52801031A1BF}"/>
+                <a16:creationId xmlns:a16="http://schemas.microsoft.com/office/drawing/2014/main" xmlns="" id="{62EEBF51-DCAD-4335-85E9-52801031A1BF}"/>
               </a:ext>
             </a:extLst>
           </p:cNvPr>
@@ -14259,7 +14259,7 @@
           <p:cNvPr id="5" name="Slide Number Placeholder 4">
             <a:extLst>
               <a:ext uri="{FF2B5EF4-FFF2-40B4-BE49-F238E27FC236}">
-                <a16:creationId xmlns="" xmlns:a16="http://schemas.microsoft.com/office/drawing/2014/main" id="{87B51822-97FF-47A7-8E4E-A0F79B4EB237}"/>
+                <a16:creationId xmlns:a16="http://schemas.microsoft.com/office/drawing/2014/main" xmlns="" id="{87B51822-97FF-47A7-8E4E-A0F79B4EB237}"/>
               </a:ext>
             </a:extLst>
           </p:cNvPr>
@@ -14303,7 +14303,7 @@
           <p:cNvPr id="21" name="Text Placeholder 3">
             <a:extLst>
               <a:ext uri="{FF2B5EF4-FFF2-40B4-BE49-F238E27FC236}">
-                <a16:creationId xmlns="" xmlns:a16="http://schemas.microsoft.com/office/drawing/2014/main" id="{912B51EA-3E6F-4BF6-BE48-62128AF32B85}"/>
+                <a16:creationId xmlns:a16="http://schemas.microsoft.com/office/drawing/2014/main" xmlns="" id="{912B51EA-3E6F-4BF6-BE48-62128AF32B85}"/>
               </a:ext>
             </a:extLst>
           </p:cNvPr>
@@ -14379,7 +14379,7 @@
           <p:cNvPr id="22" name="Content Placeholder 2">
             <a:extLst>
               <a:ext uri="{FF2B5EF4-FFF2-40B4-BE49-F238E27FC236}">
-                <a16:creationId xmlns="" xmlns:a16="http://schemas.microsoft.com/office/drawing/2014/main" id="{A015C605-1D30-48BC-A0D6-3B11AF56CC53}"/>
+                <a16:creationId xmlns:a16="http://schemas.microsoft.com/office/drawing/2014/main" xmlns="" id="{A015C605-1D30-48BC-A0D6-3B11AF56CC53}"/>
               </a:ext>
             </a:extLst>
           </p:cNvPr>
@@ -14521,7 +14521,7 @@
           <p:cNvPr id="18" name="Rectangle 17">
             <a:extLst>
               <a:ext uri="{FF2B5EF4-FFF2-40B4-BE49-F238E27FC236}">
-                <a16:creationId xmlns="" xmlns:a16="http://schemas.microsoft.com/office/drawing/2014/main" id="{D4494CD2-CCDD-0248-96F8-741002C44255}"/>
+                <a16:creationId xmlns:a16="http://schemas.microsoft.com/office/drawing/2014/main" xmlns="" id="{D4494CD2-CCDD-0248-96F8-741002C44255}"/>
               </a:ext>
             </a:extLst>
           </p:cNvPr>
@@ -14575,7 +14575,7 @@
           <p:cNvPr id="19" name="Freeform: Shape 9">
             <a:extLst>
               <a:ext uri="{FF2B5EF4-FFF2-40B4-BE49-F238E27FC236}">
-                <a16:creationId xmlns="" xmlns:a16="http://schemas.microsoft.com/office/drawing/2014/main" id="{07077B00-C1EE-7241-B441-7814F92A7EDF}"/>
+                <a16:creationId xmlns:a16="http://schemas.microsoft.com/office/drawing/2014/main" xmlns="" id="{07077B00-C1EE-7241-B441-7814F92A7EDF}"/>
               </a:ext>
             </a:extLst>
           </p:cNvPr>
@@ -14698,7 +14698,7 @@
           <p:cNvPr id="20" name="Freeform: Shape 17">
             <a:extLst>
               <a:ext uri="{FF2B5EF4-FFF2-40B4-BE49-F238E27FC236}">
-                <a16:creationId xmlns="" xmlns:a16="http://schemas.microsoft.com/office/drawing/2014/main" id="{3A1AEBC4-637E-F64C-9192-69AC4BB26D0C}"/>
+                <a16:creationId xmlns:a16="http://schemas.microsoft.com/office/drawing/2014/main" xmlns="" id="{3A1AEBC4-637E-F64C-9192-69AC4BB26D0C}"/>
               </a:ext>
             </a:extLst>
           </p:cNvPr>
@@ -14850,7 +14850,7 @@
           <p:cNvPr id="21" name="Freeform: Shape 11">
             <a:extLst>
               <a:ext uri="{FF2B5EF4-FFF2-40B4-BE49-F238E27FC236}">
-                <a16:creationId xmlns="" xmlns:a16="http://schemas.microsoft.com/office/drawing/2014/main" id="{669A7039-C54C-8E46-9A8B-DDB2547D989C}"/>
+                <a16:creationId xmlns:a16="http://schemas.microsoft.com/office/drawing/2014/main" xmlns="" id="{669A7039-C54C-8E46-9A8B-DDB2547D989C}"/>
               </a:ext>
             </a:extLst>
           </p:cNvPr>
@@ -15000,7 +15000,7 @@
           <p:cNvPr id="22" name="Freeform: Shape 7">
             <a:extLst>
               <a:ext uri="{FF2B5EF4-FFF2-40B4-BE49-F238E27FC236}">
-                <a16:creationId xmlns="" xmlns:a16="http://schemas.microsoft.com/office/drawing/2014/main" id="{4F173B32-87BB-9A40-8C91-4C1EED2B7ABF}"/>
+                <a16:creationId xmlns:a16="http://schemas.microsoft.com/office/drawing/2014/main" xmlns="" id="{4F173B32-87BB-9A40-8C91-4C1EED2B7ABF}"/>
               </a:ext>
             </a:extLst>
           </p:cNvPr>
@@ -15146,7 +15146,7 @@
           <p:cNvPr id="24" name="Group 23">
             <a:extLst>
               <a:ext uri="{FF2B5EF4-FFF2-40B4-BE49-F238E27FC236}">
-                <a16:creationId xmlns="" xmlns:a16="http://schemas.microsoft.com/office/drawing/2014/main" id="{4AC87F4E-12B5-1B42-AFD2-4DB39B7645C9}"/>
+                <a16:creationId xmlns:a16="http://schemas.microsoft.com/office/drawing/2014/main" xmlns="" id="{4AC87F4E-12B5-1B42-AFD2-4DB39B7645C9}"/>
               </a:ext>
             </a:extLst>
           </p:cNvPr>
@@ -15166,7 +15166,7 @@
             <p:cNvPr id="25" name="Freeform: Shape 15">
               <a:extLst>
                 <a:ext uri="{FF2B5EF4-FFF2-40B4-BE49-F238E27FC236}">
-                  <a16:creationId xmlns="" xmlns:a16="http://schemas.microsoft.com/office/drawing/2014/main" id="{03DD8765-59DF-A045-ADB5-E39FAEE153A0}"/>
+                  <a16:creationId xmlns:a16="http://schemas.microsoft.com/office/drawing/2014/main" xmlns="" id="{03DD8765-59DF-A045-ADB5-E39FAEE153A0}"/>
                 </a:ext>
               </a:extLst>
             </p:cNvPr>
@@ -15256,7 +15256,7 @@
             <p:cNvPr id="26" name="Freeform: Shape 16">
               <a:extLst>
                 <a:ext uri="{FF2B5EF4-FFF2-40B4-BE49-F238E27FC236}">
-                  <a16:creationId xmlns="" xmlns:a16="http://schemas.microsoft.com/office/drawing/2014/main" id="{B34B796C-A407-7B4D-B4F0-E58A44FE8DB4}"/>
+                  <a16:creationId xmlns:a16="http://schemas.microsoft.com/office/drawing/2014/main" xmlns="" id="{B34B796C-A407-7B4D-B4F0-E58A44FE8DB4}"/>
                 </a:ext>
               </a:extLst>
             </p:cNvPr>
@@ -15355,7 +15355,7 @@
           <p:cNvPr id="30" name="Freeform: Shape 23">
             <a:extLst>
               <a:ext uri="{FF2B5EF4-FFF2-40B4-BE49-F238E27FC236}">
-                <a16:creationId xmlns="" xmlns:a16="http://schemas.microsoft.com/office/drawing/2014/main" id="{CBE3FDC9-67CB-FA42-B127-A36BFF4678BB}"/>
+                <a16:creationId xmlns:a16="http://schemas.microsoft.com/office/drawing/2014/main" xmlns="" id="{CBE3FDC9-67CB-FA42-B127-A36BFF4678BB}"/>
               </a:ext>
             </a:extLst>
           </p:cNvPr>
@@ -15450,7 +15450,7 @@
           <p:cNvPr id="31" name="Slide Number Placeholder 4">
             <a:extLst>
               <a:ext uri="{FF2B5EF4-FFF2-40B4-BE49-F238E27FC236}">
-                <a16:creationId xmlns="" xmlns:a16="http://schemas.microsoft.com/office/drawing/2014/main" id="{1E902BFF-CA8F-D745-A819-A7BB38B30ED9}"/>
+                <a16:creationId xmlns:a16="http://schemas.microsoft.com/office/drawing/2014/main" xmlns="" id="{1E902BFF-CA8F-D745-A819-A7BB38B30ED9}"/>
               </a:ext>
             </a:extLst>
           </p:cNvPr>
@@ -15524,7 +15524,7 @@
           <p:cNvPr id="21" name="Rectangle 20">
             <a:extLst>
               <a:ext uri="{FF2B5EF4-FFF2-40B4-BE49-F238E27FC236}">
-                <a16:creationId xmlns="" xmlns:a16="http://schemas.microsoft.com/office/drawing/2014/main" id="{6E739168-A5E8-443A-B392-7AD4CF8977AD}"/>
+                <a16:creationId xmlns:a16="http://schemas.microsoft.com/office/drawing/2014/main" xmlns="" id="{6E739168-A5E8-443A-B392-7AD4CF8977AD}"/>
               </a:ext>
             </a:extLst>
           </p:cNvPr>
@@ -15576,7 +15576,7 @@
           <p:cNvPr id="15" name="Freeform: Shape 14">
             <a:extLst>
               <a:ext uri="{FF2B5EF4-FFF2-40B4-BE49-F238E27FC236}">
-                <a16:creationId xmlns="" xmlns:a16="http://schemas.microsoft.com/office/drawing/2014/main" id="{41E10E1E-5268-4F03-BA64-07E19DE26739}"/>
+                <a16:creationId xmlns:a16="http://schemas.microsoft.com/office/drawing/2014/main" xmlns="" id="{41E10E1E-5268-4F03-BA64-07E19DE26739}"/>
               </a:ext>
             </a:extLst>
           </p:cNvPr>
@@ -15713,7 +15713,7 @@
           <p:cNvPr id="16" name="Freeform: Shape 15">
             <a:extLst>
               <a:ext uri="{FF2B5EF4-FFF2-40B4-BE49-F238E27FC236}">
-                <a16:creationId xmlns="" xmlns:a16="http://schemas.microsoft.com/office/drawing/2014/main" id="{B989C45D-BDFF-418F-BE79-03FF70015770}"/>
+                <a16:creationId xmlns:a16="http://schemas.microsoft.com/office/drawing/2014/main" xmlns="" id="{B989C45D-BDFF-418F-BE79-03FF70015770}"/>
               </a:ext>
             </a:extLst>
           </p:cNvPr>
@@ -15877,7 +15877,7 @@
           <p:cNvPr id="20" name="Freeform: Shape 19">
             <a:extLst>
               <a:ext uri="{FF2B5EF4-FFF2-40B4-BE49-F238E27FC236}">
-                <a16:creationId xmlns="" xmlns:a16="http://schemas.microsoft.com/office/drawing/2014/main" id="{0027A677-9ACB-4264-B148-4806678FB83F}"/>
+                <a16:creationId xmlns:a16="http://schemas.microsoft.com/office/drawing/2014/main" xmlns="" id="{0027A677-9ACB-4264-B148-4806678FB83F}"/>
               </a:ext>
             </a:extLst>
           </p:cNvPr>
@@ -16039,7 +16039,7 @@
           <p:cNvPr id="6" name="Group 5">
             <a:extLst>
               <a:ext uri="{FF2B5EF4-FFF2-40B4-BE49-F238E27FC236}">
-                <a16:creationId xmlns="" xmlns:a16="http://schemas.microsoft.com/office/drawing/2014/main" id="{EA7FF9D7-8545-4547-AC77-A0421EEB9B99}"/>
+                <a16:creationId xmlns:a16="http://schemas.microsoft.com/office/drawing/2014/main" xmlns="" id="{EA7FF9D7-8545-4547-AC77-A0421EEB9B99}"/>
               </a:ext>
             </a:extLst>
           </p:cNvPr>
@@ -16059,7 +16059,7 @@
             <p:cNvPr id="17" name="Right Triangle 16">
               <a:extLst>
                 <a:ext uri="{FF2B5EF4-FFF2-40B4-BE49-F238E27FC236}">
-                  <a16:creationId xmlns="" xmlns:a16="http://schemas.microsoft.com/office/drawing/2014/main" id="{8DCD5806-2A2F-4ABF-8057-245681C498E6}"/>
+                  <a16:creationId xmlns:a16="http://schemas.microsoft.com/office/drawing/2014/main" xmlns="" id="{8DCD5806-2A2F-4ABF-8057-245681C498E6}"/>
                 </a:ext>
               </a:extLst>
             </p:cNvPr>
@@ -16113,7 +16113,7 @@
             <p:cNvPr id="18" name="Right Triangle 17">
               <a:extLst>
                 <a:ext uri="{FF2B5EF4-FFF2-40B4-BE49-F238E27FC236}">
-                  <a16:creationId xmlns="" xmlns:a16="http://schemas.microsoft.com/office/drawing/2014/main" id="{3A93038F-E9E4-4FFD-B3DF-28DB7C2C1490}"/>
+                  <a16:creationId xmlns:a16="http://schemas.microsoft.com/office/drawing/2014/main" xmlns="" id="{3A93038F-E9E4-4FFD-B3DF-28DB7C2C1490}"/>
                 </a:ext>
               </a:extLst>
             </p:cNvPr>
@@ -16170,7 +16170,7 @@
             <p:cNvPr id="19" name="Right Triangle 18">
               <a:extLst>
                 <a:ext uri="{FF2B5EF4-FFF2-40B4-BE49-F238E27FC236}">
-                  <a16:creationId xmlns="" xmlns:a16="http://schemas.microsoft.com/office/drawing/2014/main" id="{5DEA1E02-BBD0-4AE3-AF22-433B90272178}"/>
+                  <a16:creationId xmlns:a16="http://schemas.microsoft.com/office/drawing/2014/main" xmlns="" id="{5DEA1E02-BBD0-4AE3-AF22-433B90272178}"/>
                 </a:ext>
               </a:extLst>
             </p:cNvPr>
@@ -16225,7 +16225,7 @@
           <p:cNvPr id="2" name="Title 1">
             <a:extLst>
               <a:ext uri="{FF2B5EF4-FFF2-40B4-BE49-F238E27FC236}">
-                <a16:creationId xmlns="" xmlns:a16="http://schemas.microsoft.com/office/drawing/2014/main" id="{9E597736-C478-4C26-9BAF-205FE31E977C}"/>
+                <a16:creationId xmlns:a16="http://schemas.microsoft.com/office/drawing/2014/main" xmlns="" id="{9E597736-C478-4C26-9BAF-205FE31E977C}"/>
               </a:ext>
             </a:extLst>
           </p:cNvPr>
@@ -16302,7 +16302,7 @@
           <p:cNvPr id="21" name="Rectangle 20">
             <a:extLst>
               <a:ext uri="{FF2B5EF4-FFF2-40B4-BE49-F238E27FC236}">
-                <a16:creationId xmlns="" xmlns:a16="http://schemas.microsoft.com/office/drawing/2014/main" id="{6E739168-A5E8-443A-B392-7AD4CF8977AD}"/>
+                <a16:creationId xmlns:a16="http://schemas.microsoft.com/office/drawing/2014/main" xmlns="" id="{6E739168-A5E8-443A-B392-7AD4CF8977AD}"/>
               </a:ext>
             </a:extLst>
           </p:cNvPr>
@@ -16354,7 +16354,7 @@
           <p:cNvPr id="15" name="Freeform: Shape 14">
             <a:extLst>
               <a:ext uri="{FF2B5EF4-FFF2-40B4-BE49-F238E27FC236}">
-                <a16:creationId xmlns="" xmlns:a16="http://schemas.microsoft.com/office/drawing/2014/main" id="{41E10E1E-5268-4F03-BA64-07E19DE26739}"/>
+                <a16:creationId xmlns:a16="http://schemas.microsoft.com/office/drawing/2014/main" xmlns="" id="{41E10E1E-5268-4F03-BA64-07E19DE26739}"/>
               </a:ext>
             </a:extLst>
           </p:cNvPr>
@@ -16491,7 +16491,7 @@
           <p:cNvPr id="16" name="Freeform: Shape 15">
             <a:extLst>
               <a:ext uri="{FF2B5EF4-FFF2-40B4-BE49-F238E27FC236}">
-                <a16:creationId xmlns="" xmlns:a16="http://schemas.microsoft.com/office/drawing/2014/main" id="{B989C45D-BDFF-418F-BE79-03FF70015770}"/>
+                <a16:creationId xmlns:a16="http://schemas.microsoft.com/office/drawing/2014/main" xmlns="" id="{B989C45D-BDFF-418F-BE79-03FF70015770}"/>
               </a:ext>
             </a:extLst>
           </p:cNvPr>
@@ -16655,7 +16655,7 @@
           <p:cNvPr id="20" name="Freeform: Shape 19">
             <a:extLst>
               <a:ext uri="{FF2B5EF4-FFF2-40B4-BE49-F238E27FC236}">
-                <a16:creationId xmlns="" xmlns:a16="http://schemas.microsoft.com/office/drawing/2014/main" id="{0027A677-9ACB-4264-B148-4806678FB83F}"/>
+                <a16:creationId xmlns:a16="http://schemas.microsoft.com/office/drawing/2014/main" xmlns="" id="{0027A677-9ACB-4264-B148-4806678FB83F}"/>
               </a:ext>
             </a:extLst>
           </p:cNvPr>
@@ -16817,7 +16817,7 @@
           <p:cNvPr id="2" name="Title 1">
             <a:extLst>
               <a:ext uri="{FF2B5EF4-FFF2-40B4-BE49-F238E27FC236}">
-                <a16:creationId xmlns="" xmlns:a16="http://schemas.microsoft.com/office/drawing/2014/main" id="{9E597736-C478-4C26-9BAF-205FE31E977C}"/>
+                <a16:creationId xmlns:a16="http://schemas.microsoft.com/office/drawing/2014/main" xmlns="" id="{9E597736-C478-4C26-9BAF-205FE31E977C}"/>
               </a:ext>
             </a:extLst>
           </p:cNvPr>
@@ -16864,7 +16864,7 @@
           <p:cNvPr id="35" name="Freeform: Shape 34">
             <a:extLst>
               <a:ext uri="{FF2B5EF4-FFF2-40B4-BE49-F238E27FC236}">
-                <a16:creationId xmlns="" xmlns:a16="http://schemas.microsoft.com/office/drawing/2014/main" id="{C024DCDB-C6BF-455E-AAB8-EAF9DAB302A1}"/>
+                <a16:creationId xmlns:a16="http://schemas.microsoft.com/office/drawing/2014/main" xmlns="" id="{C024DCDB-C6BF-455E-AAB8-EAF9DAB302A1}"/>
               </a:ext>
             </a:extLst>
           </p:cNvPr>
@@ -16972,7 +16972,7 @@
           <p:cNvPr id="32" name="Freeform: Shape 31">
             <a:extLst>
               <a:ext uri="{FF2B5EF4-FFF2-40B4-BE49-F238E27FC236}">
-                <a16:creationId xmlns="" xmlns:a16="http://schemas.microsoft.com/office/drawing/2014/main" id="{26AFB47A-5D51-4F9C-B01B-977CE5E3C093}"/>
+                <a16:creationId xmlns:a16="http://schemas.microsoft.com/office/drawing/2014/main" xmlns="" id="{26AFB47A-5D51-4F9C-B01B-977CE5E3C093}"/>
               </a:ext>
             </a:extLst>
           </p:cNvPr>
@@ -17088,7 +17088,7 @@
           <p:cNvPr id="30" name="Freeform: Shape 29">
             <a:extLst>
               <a:ext uri="{FF2B5EF4-FFF2-40B4-BE49-F238E27FC236}">
-                <a16:creationId xmlns="" xmlns:a16="http://schemas.microsoft.com/office/drawing/2014/main" id="{6997A4FF-7390-4173-8ACD-6CF7145AACEC}"/>
+                <a16:creationId xmlns:a16="http://schemas.microsoft.com/office/drawing/2014/main" xmlns="" id="{6997A4FF-7390-4173-8ACD-6CF7145AACEC}"/>
               </a:ext>
             </a:extLst>
           </p:cNvPr>
@@ -17227,7 +17227,7 @@
           <p:cNvPr id="7" name="Rectangle 6">
             <a:extLst>
               <a:ext uri="{FF2B5EF4-FFF2-40B4-BE49-F238E27FC236}">
-                <a16:creationId xmlns="" xmlns:a16="http://schemas.microsoft.com/office/drawing/2014/main" id="{B2838D16-809E-4EB1-8C0C-0E63D8139112}"/>
+                <a16:creationId xmlns:a16="http://schemas.microsoft.com/office/drawing/2014/main" xmlns="" id="{B2838D16-809E-4EB1-8C0C-0E63D8139112}"/>
               </a:ext>
             </a:extLst>
           </p:cNvPr>
@@ -17279,7 +17279,7 @@
           <p:cNvPr id="8" name="Freeform: Shape 7">
             <a:extLst>
               <a:ext uri="{FF2B5EF4-FFF2-40B4-BE49-F238E27FC236}">
-                <a16:creationId xmlns="" xmlns:a16="http://schemas.microsoft.com/office/drawing/2014/main" id="{01FEB333-94B4-4E53-9019-D584810903BB}"/>
+                <a16:creationId xmlns:a16="http://schemas.microsoft.com/office/drawing/2014/main" xmlns="" id="{01FEB333-94B4-4E53-9019-D584810903BB}"/>
               </a:ext>
             </a:extLst>
           </p:cNvPr>
@@ -17400,7 +17400,7 @@
           <p:cNvPr id="9" name="Freeform: Shape 8">
             <a:extLst>
               <a:ext uri="{FF2B5EF4-FFF2-40B4-BE49-F238E27FC236}">
-                <a16:creationId xmlns="" xmlns:a16="http://schemas.microsoft.com/office/drawing/2014/main" id="{A59B9489-0CD9-4DB7-AC82-6E7867F91403}"/>
+                <a16:creationId xmlns:a16="http://schemas.microsoft.com/office/drawing/2014/main" xmlns="" id="{A59B9489-0CD9-4DB7-AC82-6E7867F91403}"/>
               </a:ext>
             </a:extLst>
           </p:cNvPr>
@@ -17540,7 +17540,7 @@
           <p:cNvPr id="10" name="Right Triangle 9">
             <a:extLst>
               <a:ext uri="{FF2B5EF4-FFF2-40B4-BE49-F238E27FC236}">
-                <a16:creationId xmlns="" xmlns:a16="http://schemas.microsoft.com/office/drawing/2014/main" id="{A55D1C76-C591-4FA5-9780-87AB6B37C0FA}"/>
+                <a16:creationId xmlns:a16="http://schemas.microsoft.com/office/drawing/2014/main" xmlns="" id="{A55D1C76-C591-4FA5-9780-87AB6B37C0FA}"/>
               </a:ext>
             </a:extLst>
           </p:cNvPr>
@@ -17594,7 +17594,7 @@
           <p:cNvPr id="11" name="Freeform: Shape 10">
             <a:extLst>
               <a:ext uri="{FF2B5EF4-FFF2-40B4-BE49-F238E27FC236}">
-                <a16:creationId xmlns="" xmlns:a16="http://schemas.microsoft.com/office/drawing/2014/main" id="{A7DC1D12-670F-4235-8791-FA8C2B330871}"/>
+                <a16:creationId xmlns:a16="http://schemas.microsoft.com/office/drawing/2014/main" xmlns="" id="{A7DC1D12-670F-4235-8791-FA8C2B330871}"/>
               </a:ext>
             </a:extLst>
           </p:cNvPr>
@@ -17740,7 +17740,7 @@
           <p:cNvPr id="12" name="Freeform: Shape 11">
             <a:extLst>
               <a:ext uri="{FF2B5EF4-FFF2-40B4-BE49-F238E27FC236}">
-                <a16:creationId xmlns="" xmlns:a16="http://schemas.microsoft.com/office/drawing/2014/main" id="{859569CF-FDAC-47C4-A0F5-296F7117C398}"/>
+                <a16:creationId xmlns:a16="http://schemas.microsoft.com/office/drawing/2014/main" xmlns="" id="{859569CF-FDAC-47C4-A0F5-296F7117C398}"/>
               </a:ext>
             </a:extLst>
           </p:cNvPr>
@@ -17840,7 +17840,7 @@
           <p:cNvPr id="13" name="Freeform: Shape 12">
             <a:extLst>
               <a:ext uri="{FF2B5EF4-FFF2-40B4-BE49-F238E27FC236}">
-                <a16:creationId xmlns="" xmlns:a16="http://schemas.microsoft.com/office/drawing/2014/main" id="{D68D0C72-2B2C-4C85-A091-157853C71784}"/>
+                <a16:creationId xmlns:a16="http://schemas.microsoft.com/office/drawing/2014/main" xmlns="" id="{D68D0C72-2B2C-4C85-A091-157853C71784}"/>
               </a:ext>
             </a:extLst>
           </p:cNvPr>
@@ -17948,7 +17948,7 @@
           <p:cNvPr id="14" name="Freeform: Shape 13">
             <a:extLst>
               <a:ext uri="{FF2B5EF4-FFF2-40B4-BE49-F238E27FC236}">
-                <a16:creationId xmlns="" xmlns:a16="http://schemas.microsoft.com/office/drawing/2014/main" id="{8E25334A-5FE3-4DDA-8D32-4796CCFCAA74}"/>
+                <a16:creationId xmlns:a16="http://schemas.microsoft.com/office/drawing/2014/main" xmlns="" id="{8E25334A-5FE3-4DDA-8D32-4796CCFCAA74}"/>
               </a:ext>
             </a:extLst>
           </p:cNvPr>
@@ -18040,7 +18040,7 @@
           <p:cNvPr id="15" name="Freeform: Shape 14">
             <a:extLst>
               <a:ext uri="{FF2B5EF4-FFF2-40B4-BE49-F238E27FC236}">
-                <a16:creationId xmlns="" xmlns:a16="http://schemas.microsoft.com/office/drawing/2014/main" id="{18818DF1-D7FD-4C0F-875D-7A07E8F75C06}"/>
+                <a16:creationId xmlns:a16="http://schemas.microsoft.com/office/drawing/2014/main" xmlns="" id="{18818DF1-D7FD-4C0F-875D-7A07E8F75C06}"/>
               </a:ext>
             </a:extLst>
           </p:cNvPr>
@@ -18140,7 +18140,7 @@
           <p:cNvPr id="16" name="Group 15">
             <a:extLst>
               <a:ext uri="{FF2B5EF4-FFF2-40B4-BE49-F238E27FC236}">
-                <a16:creationId xmlns="" xmlns:a16="http://schemas.microsoft.com/office/drawing/2014/main" id="{8F9BB384-9E14-4CEA-82C1-21837229D3EF}"/>
+                <a16:creationId xmlns:a16="http://schemas.microsoft.com/office/drawing/2014/main" xmlns="" id="{8F9BB384-9E14-4CEA-82C1-21837229D3EF}"/>
               </a:ext>
             </a:extLst>
           </p:cNvPr>
@@ -18160,7 +18160,7 @@
             <p:cNvPr id="17" name="Freeform: Shape 16">
               <a:extLst>
                 <a:ext uri="{FF2B5EF4-FFF2-40B4-BE49-F238E27FC236}">
-                  <a16:creationId xmlns="" xmlns:a16="http://schemas.microsoft.com/office/drawing/2014/main" id="{0862A81A-959D-4EAB-90ED-DB20759BB397}"/>
+                  <a16:creationId xmlns:a16="http://schemas.microsoft.com/office/drawing/2014/main" xmlns="" id="{0862A81A-959D-4EAB-90ED-DB20759BB397}"/>
                 </a:ext>
               </a:extLst>
             </p:cNvPr>
@@ -18250,7 +18250,7 @@
             <p:cNvPr id="18" name="Freeform: Shape 17">
               <a:extLst>
                 <a:ext uri="{FF2B5EF4-FFF2-40B4-BE49-F238E27FC236}">
-                  <a16:creationId xmlns="" xmlns:a16="http://schemas.microsoft.com/office/drawing/2014/main" id="{AAB9E28C-9422-42BD-AECE-29B44B5D63E2}"/>
+                  <a16:creationId xmlns:a16="http://schemas.microsoft.com/office/drawing/2014/main" xmlns="" id="{AAB9E28C-9422-42BD-AECE-29B44B5D63E2}"/>
                 </a:ext>
               </a:extLst>
             </p:cNvPr>
@@ -18349,7 +18349,7 @@
           <p:cNvPr id="19" name="Group 18">
             <a:extLst>
               <a:ext uri="{FF2B5EF4-FFF2-40B4-BE49-F238E27FC236}">
-                <a16:creationId xmlns="" xmlns:a16="http://schemas.microsoft.com/office/drawing/2014/main" id="{2772239B-C46D-4458-BB4B-DDB12FAB0172}"/>
+                <a16:creationId xmlns:a16="http://schemas.microsoft.com/office/drawing/2014/main" xmlns="" id="{2772239B-C46D-4458-BB4B-DDB12FAB0172}"/>
               </a:ext>
             </a:extLst>
           </p:cNvPr>
@@ -18369,7 +18369,7 @@
             <p:cNvPr id="20" name="Freeform: Shape 19">
               <a:extLst>
                 <a:ext uri="{FF2B5EF4-FFF2-40B4-BE49-F238E27FC236}">
-                  <a16:creationId xmlns="" xmlns:a16="http://schemas.microsoft.com/office/drawing/2014/main" id="{3C8A2A1A-1FB9-4CA1-B74E-B293187E51AA}"/>
+                  <a16:creationId xmlns:a16="http://schemas.microsoft.com/office/drawing/2014/main" xmlns="" id="{3C8A2A1A-1FB9-4CA1-B74E-B293187E51AA}"/>
                 </a:ext>
               </a:extLst>
             </p:cNvPr>
@@ -18459,7 +18459,7 @@
             <p:cNvPr id="21" name="Freeform: Shape 20">
               <a:extLst>
                 <a:ext uri="{FF2B5EF4-FFF2-40B4-BE49-F238E27FC236}">
-                  <a16:creationId xmlns="" xmlns:a16="http://schemas.microsoft.com/office/drawing/2014/main" id="{DF2B18BA-6B43-40FA-A23B-D894D6AB468B}"/>
+                  <a16:creationId xmlns:a16="http://schemas.microsoft.com/office/drawing/2014/main" xmlns="" id="{DF2B18BA-6B43-40FA-A23B-D894D6AB468B}"/>
                 </a:ext>
               </a:extLst>
             </p:cNvPr>
@@ -18558,7 +18558,7 @@
           <p:cNvPr id="3" name="Text Placeholder 2">
             <a:extLst>
               <a:ext uri="{FF2B5EF4-FFF2-40B4-BE49-F238E27FC236}">
-                <a16:creationId xmlns="" xmlns:a16="http://schemas.microsoft.com/office/drawing/2014/main" id="{5E194264-A3F5-42E2-9A63-DCCED0457E1B}"/>
+                <a16:creationId xmlns:a16="http://schemas.microsoft.com/office/drawing/2014/main" xmlns="" id="{5E194264-A3F5-42E2-9A63-DCCED0457E1B}"/>
               </a:ext>
             </a:extLst>
           </p:cNvPr>
@@ -18608,7 +18608,7 @@
           <p:cNvPr id="22" name="Slide Number Placeholder 4">
             <a:extLst>
               <a:ext uri="{FF2B5EF4-FFF2-40B4-BE49-F238E27FC236}">
-                <a16:creationId xmlns="" xmlns:a16="http://schemas.microsoft.com/office/drawing/2014/main" id="{0F332671-6296-47C8-BF26-B2D962F5D03D}"/>
+                <a16:creationId xmlns:a16="http://schemas.microsoft.com/office/drawing/2014/main" xmlns="" id="{0F332671-6296-47C8-BF26-B2D962F5D03D}"/>
               </a:ext>
             </a:extLst>
           </p:cNvPr>
@@ -18652,7 +18652,7 @@
           <p:cNvPr id="23" name="Title 1">
             <a:extLst>
               <a:ext uri="{FF2B5EF4-FFF2-40B4-BE49-F238E27FC236}">
-                <a16:creationId xmlns="" xmlns:a16="http://schemas.microsoft.com/office/drawing/2014/main" id="{7772A652-7229-2B42-B87B-298C31D6F0CB}"/>
+                <a16:creationId xmlns:a16="http://schemas.microsoft.com/office/drawing/2014/main" xmlns="" id="{7772A652-7229-2B42-B87B-298C31D6F0CB}"/>
               </a:ext>
             </a:extLst>
           </p:cNvPr>
@@ -18727,7 +18727,7 @@
           <p:cNvPr id="22" name="Rectangle 21">
             <a:extLst>
               <a:ext uri="{FF2B5EF4-FFF2-40B4-BE49-F238E27FC236}">
-                <a16:creationId xmlns="" xmlns:a16="http://schemas.microsoft.com/office/drawing/2014/main" id="{2CDBB6E5-B91E-4946-9390-E8693855103A}"/>
+                <a16:creationId xmlns:a16="http://schemas.microsoft.com/office/drawing/2014/main" xmlns="" id="{2CDBB6E5-B91E-4946-9390-E8693855103A}"/>
               </a:ext>
             </a:extLst>
           </p:cNvPr>
@@ -18781,7 +18781,7 @@
           <p:cNvPr id="34" name="Freeform: Shape 33">
             <a:extLst>
               <a:ext uri="{FF2B5EF4-FFF2-40B4-BE49-F238E27FC236}">
-                <a16:creationId xmlns="" xmlns:a16="http://schemas.microsoft.com/office/drawing/2014/main" id="{0C3CC1C9-1FA0-4FE4-8984-4A8B3728D674}"/>
+                <a16:creationId xmlns:a16="http://schemas.microsoft.com/office/drawing/2014/main" xmlns="" id="{0C3CC1C9-1FA0-4FE4-8984-4A8B3728D674}"/>
               </a:ext>
             </a:extLst>
           </p:cNvPr>
@@ -18926,7 +18926,7 @@
           <p:cNvPr id="24" name="Freeform: Shape 23">
             <a:extLst>
               <a:ext uri="{FF2B5EF4-FFF2-40B4-BE49-F238E27FC236}">
-                <a16:creationId xmlns="" xmlns:a16="http://schemas.microsoft.com/office/drawing/2014/main" id="{8E049265-431E-48DE-B7F7-4959930171DC}"/>
+                <a16:creationId xmlns:a16="http://schemas.microsoft.com/office/drawing/2014/main" xmlns="" id="{8E049265-431E-48DE-B7F7-4959930171DC}"/>
               </a:ext>
             </a:extLst>
           </p:cNvPr>
@@ -19066,7 +19066,7 @@
           <p:cNvPr id="25" name="Freeform: Shape 24">
             <a:extLst>
               <a:ext uri="{FF2B5EF4-FFF2-40B4-BE49-F238E27FC236}">
-                <a16:creationId xmlns="" xmlns:a16="http://schemas.microsoft.com/office/drawing/2014/main" id="{173E5F2D-1F8E-4DCC-857F-932C6C6539BB}"/>
+                <a16:creationId xmlns:a16="http://schemas.microsoft.com/office/drawing/2014/main" xmlns="" id="{173E5F2D-1F8E-4DCC-857F-932C6C6539BB}"/>
               </a:ext>
             </a:extLst>
           </p:cNvPr>
@@ -19212,7 +19212,7 @@
           <p:cNvPr id="26" name="Group 25">
             <a:extLst>
               <a:ext uri="{FF2B5EF4-FFF2-40B4-BE49-F238E27FC236}">
-                <a16:creationId xmlns="" xmlns:a16="http://schemas.microsoft.com/office/drawing/2014/main" id="{E9318B2B-E019-4078-9EF0-C9D6281AE31B}"/>
+                <a16:creationId xmlns:a16="http://schemas.microsoft.com/office/drawing/2014/main" xmlns="" id="{E9318B2B-E019-4078-9EF0-C9D6281AE31B}"/>
               </a:ext>
             </a:extLst>
           </p:cNvPr>
@@ -19232,7 +19232,7 @@
             <p:cNvPr id="27" name="Freeform: Shape 26">
               <a:extLst>
                 <a:ext uri="{FF2B5EF4-FFF2-40B4-BE49-F238E27FC236}">
-                  <a16:creationId xmlns="" xmlns:a16="http://schemas.microsoft.com/office/drawing/2014/main" id="{D3E625C0-9656-421F-861F-67C8F93362ED}"/>
+                  <a16:creationId xmlns:a16="http://schemas.microsoft.com/office/drawing/2014/main" xmlns="" id="{D3E625C0-9656-421F-861F-67C8F93362ED}"/>
                 </a:ext>
               </a:extLst>
             </p:cNvPr>
@@ -19332,7 +19332,7 @@
             <p:cNvPr id="28" name="Freeform: Shape 27">
               <a:extLst>
                 <a:ext uri="{FF2B5EF4-FFF2-40B4-BE49-F238E27FC236}">
-                  <a16:creationId xmlns="" xmlns:a16="http://schemas.microsoft.com/office/drawing/2014/main" id="{49F8E490-C6E3-4D00-866F-CD85DD88996E}"/>
+                  <a16:creationId xmlns:a16="http://schemas.microsoft.com/office/drawing/2014/main" xmlns="" id="{49F8E490-C6E3-4D00-866F-CD85DD88996E}"/>
                 </a:ext>
               </a:extLst>
             </p:cNvPr>
@@ -19441,7 +19441,7 @@
           <p:cNvPr id="29" name="Freeform: Shape 28">
             <a:extLst>
               <a:ext uri="{FF2B5EF4-FFF2-40B4-BE49-F238E27FC236}">
-                <a16:creationId xmlns="" xmlns:a16="http://schemas.microsoft.com/office/drawing/2014/main" id="{EE8F5B31-1523-46AE-9455-C33DFC1BDDE0}"/>
+                <a16:creationId xmlns:a16="http://schemas.microsoft.com/office/drawing/2014/main" xmlns="" id="{EE8F5B31-1523-46AE-9455-C33DFC1BDDE0}"/>
               </a:ext>
             </a:extLst>
           </p:cNvPr>
@@ -19533,7 +19533,7 @@
           <p:cNvPr id="30" name="Freeform: Shape 29">
             <a:extLst>
               <a:ext uri="{FF2B5EF4-FFF2-40B4-BE49-F238E27FC236}">
-                <a16:creationId xmlns="" xmlns:a16="http://schemas.microsoft.com/office/drawing/2014/main" id="{5D17048F-C2E1-4775-BC32-50BD6219F89D}"/>
+                <a16:creationId xmlns:a16="http://schemas.microsoft.com/office/drawing/2014/main" xmlns="" id="{5D17048F-C2E1-4775-BC32-50BD6219F89D}"/>
               </a:ext>
             </a:extLst>
           </p:cNvPr>
@@ -19633,7 +19633,7 @@
           <p:cNvPr id="31" name="Group 30">
             <a:extLst>
               <a:ext uri="{FF2B5EF4-FFF2-40B4-BE49-F238E27FC236}">
-                <a16:creationId xmlns="" xmlns:a16="http://schemas.microsoft.com/office/drawing/2014/main" id="{EAB002AA-4848-49C8-A834-036F860C79A3}"/>
+                <a16:creationId xmlns:a16="http://schemas.microsoft.com/office/drawing/2014/main" xmlns="" id="{EAB002AA-4848-49C8-A834-036F860C79A3}"/>
               </a:ext>
             </a:extLst>
           </p:cNvPr>
@@ -19653,7 +19653,7 @@
             <p:cNvPr id="32" name="Freeform: Shape 31">
               <a:extLst>
                 <a:ext uri="{FF2B5EF4-FFF2-40B4-BE49-F238E27FC236}">
-                  <a16:creationId xmlns="" xmlns:a16="http://schemas.microsoft.com/office/drawing/2014/main" id="{14B187A8-7F8D-469D-A03B-4F835A5746DE}"/>
+                  <a16:creationId xmlns:a16="http://schemas.microsoft.com/office/drawing/2014/main" xmlns="" id="{14B187A8-7F8D-469D-A03B-4F835A5746DE}"/>
                 </a:ext>
               </a:extLst>
             </p:cNvPr>
@@ -19743,7 +19743,7 @@
             <p:cNvPr id="33" name="Freeform: Shape 32">
               <a:extLst>
                 <a:ext uri="{FF2B5EF4-FFF2-40B4-BE49-F238E27FC236}">
-                  <a16:creationId xmlns="" xmlns:a16="http://schemas.microsoft.com/office/drawing/2014/main" id="{03D871D1-A11A-48FB-82A8-8D61AB5CB85C}"/>
+                  <a16:creationId xmlns:a16="http://schemas.microsoft.com/office/drawing/2014/main" xmlns="" id="{03D871D1-A11A-48FB-82A8-8D61AB5CB85C}"/>
                 </a:ext>
               </a:extLst>
             </p:cNvPr>
@@ -19842,7 +19842,7 @@
           <p:cNvPr id="2" name="Title 1">
             <a:extLst>
               <a:ext uri="{FF2B5EF4-FFF2-40B4-BE49-F238E27FC236}">
-                <a16:creationId xmlns="" xmlns:a16="http://schemas.microsoft.com/office/drawing/2014/main" id="{42374B20-3E42-44AF-BEF1-8AB33067395C}"/>
+                <a16:creationId xmlns:a16="http://schemas.microsoft.com/office/drawing/2014/main" xmlns="" id="{42374B20-3E42-44AF-BEF1-8AB33067395C}"/>
               </a:ext>
             </a:extLst>
           </p:cNvPr>
@@ -19887,7 +19887,7 @@
           <p:cNvPr id="3" name="Text Placeholder 2">
             <a:extLst>
               <a:ext uri="{FF2B5EF4-FFF2-40B4-BE49-F238E27FC236}">
-                <a16:creationId xmlns="" xmlns:a16="http://schemas.microsoft.com/office/drawing/2014/main" id="{5E194264-A3F5-42E2-9A63-DCCED0457E1B}"/>
+                <a16:creationId xmlns:a16="http://schemas.microsoft.com/office/drawing/2014/main" xmlns="" id="{5E194264-A3F5-42E2-9A63-DCCED0457E1B}"/>
               </a:ext>
             </a:extLst>
           </p:cNvPr>
@@ -19937,7 +19937,7 @@
           <p:cNvPr id="35" name="Slide Number Placeholder 4">
             <a:extLst>
               <a:ext uri="{FF2B5EF4-FFF2-40B4-BE49-F238E27FC236}">
-                <a16:creationId xmlns="" xmlns:a16="http://schemas.microsoft.com/office/drawing/2014/main" id="{6F73F836-940E-4B65-A29C-D0869263C935}"/>
+                <a16:creationId xmlns:a16="http://schemas.microsoft.com/office/drawing/2014/main" xmlns="" id="{6F73F836-940E-4B65-A29C-D0869263C935}"/>
               </a:ext>
             </a:extLst>
           </p:cNvPr>
@@ -20011,7 +20011,7 @@
           <p:cNvPr id="22" name="Rectangle 21">
             <a:extLst>
               <a:ext uri="{FF2B5EF4-FFF2-40B4-BE49-F238E27FC236}">
-                <a16:creationId xmlns="" xmlns:a16="http://schemas.microsoft.com/office/drawing/2014/main" id="{2CDBB6E5-B91E-4946-9390-E8693855103A}"/>
+                <a16:creationId xmlns:a16="http://schemas.microsoft.com/office/drawing/2014/main" xmlns="" id="{2CDBB6E5-B91E-4946-9390-E8693855103A}"/>
               </a:ext>
             </a:extLst>
           </p:cNvPr>
@@ -20065,7 +20065,7 @@
           <p:cNvPr id="34" name="Freeform: Shape 33">
             <a:extLst>
               <a:ext uri="{FF2B5EF4-FFF2-40B4-BE49-F238E27FC236}">
-                <a16:creationId xmlns="" xmlns:a16="http://schemas.microsoft.com/office/drawing/2014/main" id="{0C3CC1C9-1FA0-4FE4-8984-4A8B3728D674}"/>
+                <a16:creationId xmlns:a16="http://schemas.microsoft.com/office/drawing/2014/main" xmlns="" id="{0C3CC1C9-1FA0-4FE4-8984-4A8B3728D674}"/>
               </a:ext>
             </a:extLst>
           </p:cNvPr>
@@ -20210,7 +20210,7 @@
           <p:cNvPr id="24" name="Freeform: Shape 23">
             <a:extLst>
               <a:ext uri="{FF2B5EF4-FFF2-40B4-BE49-F238E27FC236}">
-                <a16:creationId xmlns="" xmlns:a16="http://schemas.microsoft.com/office/drawing/2014/main" id="{8E049265-431E-48DE-B7F7-4959930171DC}"/>
+                <a16:creationId xmlns:a16="http://schemas.microsoft.com/office/drawing/2014/main" xmlns="" id="{8E049265-431E-48DE-B7F7-4959930171DC}"/>
               </a:ext>
             </a:extLst>
           </p:cNvPr>
@@ -20350,7 +20350,7 @@
           <p:cNvPr id="25" name="Freeform: Shape 24">
             <a:extLst>
               <a:ext uri="{FF2B5EF4-FFF2-40B4-BE49-F238E27FC236}">
-                <a16:creationId xmlns="" xmlns:a16="http://schemas.microsoft.com/office/drawing/2014/main" id="{173E5F2D-1F8E-4DCC-857F-932C6C6539BB}"/>
+                <a16:creationId xmlns:a16="http://schemas.microsoft.com/office/drawing/2014/main" xmlns="" id="{173E5F2D-1F8E-4DCC-857F-932C6C6539BB}"/>
               </a:ext>
             </a:extLst>
           </p:cNvPr>
@@ -20496,7 +20496,7 @@
           <p:cNvPr id="4" name="Oval 3">
             <a:extLst>
               <a:ext uri="{FF2B5EF4-FFF2-40B4-BE49-F238E27FC236}">
-                <a16:creationId xmlns="" xmlns:a16="http://schemas.microsoft.com/office/drawing/2014/main" id="{ECB4C115-EFF9-405C-98BE-F4077B9730D0}"/>
+                <a16:creationId xmlns:a16="http://schemas.microsoft.com/office/drawing/2014/main" xmlns="" id="{ECB4C115-EFF9-405C-98BE-F4077B9730D0}"/>
               </a:ext>
             </a:extLst>
           </p:cNvPr>
@@ -20554,7 +20554,7 @@
           <p:cNvPr id="18" name="Title 1">
             <a:extLst>
               <a:ext uri="{FF2B5EF4-FFF2-40B4-BE49-F238E27FC236}">
-                <a16:creationId xmlns="" xmlns:a16="http://schemas.microsoft.com/office/drawing/2014/main" id="{C9A300DD-BB54-44ED-A7E4-01CD41EC930F}"/>
+                <a16:creationId xmlns:a16="http://schemas.microsoft.com/office/drawing/2014/main" xmlns="" id="{C9A300DD-BB54-44ED-A7E4-01CD41EC930F}"/>
               </a:ext>
             </a:extLst>
           </p:cNvPr>
@@ -20617,7 +20617,7 @@
           <p:cNvPr id="2" name="Title 1">
             <a:extLst>
               <a:ext uri="{FF2B5EF4-FFF2-40B4-BE49-F238E27FC236}">
-                <a16:creationId xmlns="" xmlns:a16="http://schemas.microsoft.com/office/drawing/2014/main" id="{42374B20-3E42-44AF-BEF1-8AB33067395C}"/>
+                <a16:creationId xmlns:a16="http://schemas.microsoft.com/office/drawing/2014/main" xmlns="" id="{42374B20-3E42-44AF-BEF1-8AB33067395C}"/>
               </a:ext>
             </a:extLst>
           </p:cNvPr>
@@ -20665,7 +20665,7 @@
           <p:cNvPr id="19" name="Slide Number Placeholder 4">
             <a:extLst>
               <a:ext uri="{FF2B5EF4-FFF2-40B4-BE49-F238E27FC236}">
-                <a16:creationId xmlns="" xmlns:a16="http://schemas.microsoft.com/office/drawing/2014/main" id="{A4E6C1FF-5925-42B3-B7F9-0A0031BDAD30}"/>
+                <a16:creationId xmlns:a16="http://schemas.microsoft.com/office/drawing/2014/main" xmlns="" id="{A4E6C1FF-5925-42B3-B7F9-0A0031BDAD30}"/>
               </a:ext>
             </a:extLst>
           </p:cNvPr>
@@ -20747,7 +20747,7 @@
           <p:cNvPr id="11" name="Rectangle 10">
             <a:extLst>
               <a:ext uri="{FF2B5EF4-FFF2-40B4-BE49-F238E27FC236}">
-                <a16:creationId xmlns="" xmlns:a16="http://schemas.microsoft.com/office/drawing/2014/main" id="{EB3E033F-4449-40FA-BC85-BD2712D313DD}"/>
+                <a16:creationId xmlns:a16="http://schemas.microsoft.com/office/drawing/2014/main" xmlns="" id="{EB3E033F-4449-40FA-BC85-BD2712D313DD}"/>
               </a:ext>
             </a:extLst>
           </p:cNvPr>
@@ -20801,7 +20801,7 @@
           <p:cNvPr id="10" name="Freeform: Shape 9">
             <a:extLst>
               <a:ext uri="{FF2B5EF4-FFF2-40B4-BE49-F238E27FC236}">
-                <a16:creationId xmlns="" xmlns:a16="http://schemas.microsoft.com/office/drawing/2014/main" id="{63D26743-0505-444C-80B3-E88EE87DF72B}"/>
+                <a16:creationId xmlns:a16="http://schemas.microsoft.com/office/drawing/2014/main" xmlns="" id="{63D26743-0505-444C-80B3-E88EE87DF72B}"/>
               </a:ext>
             </a:extLst>
           </p:cNvPr>
@@ -20924,7 +20924,7 @@
           <p:cNvPr id="8" name="Freeform: Shape 7">
             <a:extLst>
               <a:ext uri="{FF2B5EF4-FFF2-40B4-BE49-F238E27FC236}">
-                <a16:creationId xmlns="" xmlns:a16="http://schemas.microsoft.com/office/drawing/2014/main" id="{1599AF7E-3E34-4597-AA72-9373A7FDB020}"/>
+                <a16:creationId xmlns:a16="http://schemas.microsoft.com/office/drawing/2014/main" xmlns="" id="{1599AF7E-3E34-4597-AA72-9373A7FDB020}"/>
               </a:ext>
             </a:extLst>
           </p:cNvPr>
@@ -21070,7 +21070,7 @@
           <p:cNvPr id="2" name="Title 1">
             <a:extLst>
               <a:ext uri="{FF2B5EF4-FFF2-40B4-BE49-F238E27FC236}">
-                <a16:creationId xmlns="" xmlns:a16="http://schemas.microsoft.com/office/drawing/2014/main" id="{4A2DF563-7FAC-46B3-B24C-7E45CD89DA2B}"/>
+                <a16:creationId xmlns:a16="http://schemas.microsoft.com/office/drawing/2014/main" xmlns="" id="{4A2DF563-7FAC-46B3-B24C-7E45CD89DA2B}"/>
               </a:ext>
             </a:extLst>
           </p:cNvPr>
@@ -21115,7 +21115,7 @@
           <p:cNvPr id="5" name="Slide Number Placeholder 4">
             <a:extLst>
               <a:ext uri="{FF2B5EF4-FFF2-40B4-BE49-F238E27FC236}">
-                <a16:creationId xmlns="" xmlns:a16="http://schemas.microsoft.com/office/drawing/2014/main" id="{87B51822-97FF-47A7-8E4E-A0F79B4EB237}"/>
+                <a16:creationId xmlns:a16="http://schemas.microsoft.com/office/drawing/2014/main" xmlns="" id="{87B51822-97FF-47A7-8E4E-A0F79B4EB237}"/>
               </a:ext>
             </a:extLst>
           </p:cNvPr>
@@ -21159,7 +21159,7 @@
           <p:cNvPr id="15" name="Group 14">
             <a:extLst>
               <a:ext uri="{FF2B5EF4-FFF2-40B4-BE49-F238E27FC236}">
-                <a16:creationId xmlns="" xmlns:a16="http://schemas.microsoft.com/office/drawing/2014/main" id="{7732E1E7-45E3-4264-8F26-66758696DD1E}"/>
+                <a16:creationId xmlns:a16="http://schemas.microsoft.com/office/drawing/2014/main" xmlns="" id="{7732E1E7-45E3-4264-8F26-66758696DD1E}"/>
               </a:ext>
             </a:extLst>
           </p:cNvPr>
@@ -21179,7 +21179,7 @@
             <p:cNvPr id="16" name="Freeform: Shape 15">
               <a:extLst>
                 <a:ext uri="{FF2B5EF4-FFF2-40B4-BE49-F238E27FC236}">
-                  <a16:creationId xmlns="" xmlns:a16="http://schemas.microsoft.com/office/drawing/2014/main" id="{2E3DF883-8093-49FA-81E1-E5D77F086A25}"/>
+                  <a16:creationId xmlns:a16="http://schemas.microsoft.com/office/drawing/2014/main" xmlns="" id="{2E3DF883-8093-49FA-81E1-E5D77F086A25}"/>
                 </a:ext>
               </a:extLst>
             </p:cNvPr>
@@ -21269,7 +21269,7 @@
             <p:cNvPr id="17" name="Freeform: Shape 16">
               <a:extLst>
                 <a:ext uri="{FF2B5EF4-FFF2-40B4-BE49-F238E27FC236}">
-                  <a16:creationId xmlns="" xmlns:a16="http://schemas.microsoft.com/office/drawing/2014/main" id="{18944C90-37E5-4BBE-89FF-060627168050}"/>
+                  <a16:creationId xmlns:a16="http://schemas.microsoft.com/office/drawing/2014/main" xmlns="" id="{18944C90-37E5-4BBE-89FF-060627168050}"/>
                 </a:ext>
               </a:extLst>
             </p:cNvPr>
@@ -21368,7 +21368,7 @@
           <p:cNvPr id="23" name="Text Placeholder 22">
             <a:extLst>
               <a:ext uri="{FF2B5EF4-FFF2-40B4-BE49-F238E27FC236}">
-                <a16:creationId xmlns="" xmlns:a16="http://schemas.microsoft.com/office/drawing/2014/main" id="{03618670-D1E4-466C-BDB5-FC890AC31457}"/>
+                <a16:creationId xmlns:a16="http://schemas.microsoft.com/office/drawing/2014/main" xmlns="" id="{03618670-D1E4-466C-BDB5-FC890AC31457}"/>
               </a:ext>
             </a:extLst>
           </p:cNvPr>
@@ -21529,7 +21529,7 @@
           <p:cNvPr id="11" name="Rectangle 10">
             <a:extLst>
               <a:ext uri="{FF2B5EF4-FFF2-40B4-BE49-F238E27FC236}">
-                <a16:creationId xmlns="" xmlns:a16="http://schemas.microsoft.com/office/drawing/2014/main" id="{EB3E033F-4449-40FA-BC85-BD2712D313DD}"/>
+                <a16:creationId xmlns:a16="http://schemas.microsoft.com/office/drawing/2014/main" xmlns="" id="{EB3E033F-4449-40FA-BC85-BD2712D313DD}"/>
               </a:ext>
             </a:extLst>
           </p:cNvPr>
@@ -21583,7 +21583,7 @@
           <p:cNvPr id="10" name="Freeform: Shape 9">
             <a:extLst>
               <a:ext uri="{FF2B5EF4-FFF2-40B4-BE49-F238E27FC236}">
-                <a16:creationId xmlns="" xmlns:a16="http://schemas.microsoft.com/office/drawing/2014/main" id="{63D26743-0505-444C-80B3-E88EE87DF72B}"/>
+                <a16:creationId xmlns:a16="http://schemas.microsoft.com/office/drawing/2014/main" xmlns="" id="{63D26743-0505-444C-80B3-E88EE87DF72B}"/>
               </a:ext>
             </a:extLst>
           </p:cNvPr>
@@ -21706,7 +21706,7 @@
           <p:cNvPr id="18" name="Freeform: Shape 17">
             <a:extLst>
               <a:ext uri="{FF2B5EF4-FFF2-40B4-BE49-F238E27FC236}">
-                <a16:creationId xmlns="" xmlns:a16="http://schemas.microsoft.com/office/drawing/2014/main" id="{E37145E9-AC61-47D5-9288-8789940F81B6}"/>
+                <a16:creationId xmlns:a16="http://schemas.microsoft.com/office/drawing/2014/main" xmlns="" id="{E37145E9-AC61-47D5-9288-8789940F81B6}"/>
               </a:ext>
             </a:extLst>
           </p:cNvPr>
@@ -21858,7 +21858,7 @@
           <p:cNvPr id="12" name="Freeform: Shape 11">
             <a:extLst>
               <a:ext uri="{FF2B5EF4-FFF2-40B4-BE49-F238E27FC236}">
-                <a16:creationId xmlns="" xmlns:a16="http://schemas.microsoft.com/office/drawing/2014/main" id="{A5E2B3ED-9A49-40A7-B8A3-62595FE513F9}"/>
+                <a16:creationId xmlns:a16="http://schemas.microsoft.com/office/drawing/2014/main" xmlns="" id="{A5E2B3ED-9A49-40A7-B8A3-62595FE513F9}"/>
               </a:ext>
             </a:extLst>
           </p:cNvPr>
@@ -22008,7 +22008,7 @@
           <p:cNvPr id="8" name="Freeform: Shape 7">
             <a:extLst>
               <a:ext uri="{FF2B5EF4-FFF2-40B4-BE49-F238E27FC236}">
-                <a16:creationId xmlns="" xmlns:a16="http://schemas.microsoft.com/office/drawing/2014/main" id="{1599AF7E-3E34-4597-AA72-9373A7FDB020}"/>
+                <a16:creationId xmlns:a16="http://schemas.microsoft.com/office/drawing/2014/main" xmlns="" id="{1599AF7E-3E34-4597-AA72-9373A7FDB020}"/>
               </a:ext>
             </a:extLst>
           </p:cNvPr>
@@ -22154,7 +22154,7 @@
           <p:cNvPr id="2" name="Title 1">
             <a:extLst>
               <a:ext uri="{FF2B5EF4-FFF2-40B4-BE49-F238E27FC236}">
-                <a16:creationId xmlns="" xmlns:a16="http://schemas.microsoft.com/office/drawing/2014/main" id="{4A2DF563-7FAC-46B3-B24C-7E45CD89DA2B}"/>
+                <a16:creationId xmlns:a16="http://schemas.microsoft.com/office/drawing/2014/main" xmlns="" id="{4A2DF563-7FAC-46B3-B24C-7E45CD89DA2B}"/>
               </a:ext>
             </a:extLst>
           </p:cNvPr>
@@ -22199,7 +22199,7 @@
           <p:cNvPr id="15" name="Group 14">
             <a:extLst>
               <a:ext uri="{FF2B5EF4-FFF2-40B4-BE49-F238E27FC236}">
-                <a16:creationId xmlns="" xmlns:a16="http://schemas.microsoft.com/office/drawing/2014/main" id="{7732E1E7-45E3-4264-8F26-66758696DD1E}"/>
+                <a16:creationId xmlns:a16="http://schemas.microsoft.com/office/drawing/2014/main" xmlns="" id="{7732E1E7-45E3-4264-8F26-66758696DD1E}"/>
               </a:ext>
             </a:extLst>
           </p:cNvPr>
@@ -22219,7 +22219,7 @@
             <p:cNvPr id="16" name="Freeform: Shape 15">
               <a:extLst>
                 <a:ext uri="{FF2B5EF4-FFF2-40B4-BE49-F238E27FC236}">
-                  <a16:creationId xmlns="" xmlns:a16="http://schemas.microsoft.com/office/drawing/2014/main" id="{2E3DF883-8093-49FA-81E1-E5D77F086A25}"/>
+                  <a16:creationId xmlns:a16="http://schemas.microsoft.com/office/drawing/2014/main" xmlns="" id="{2E3DF883-8093-49FA-81E1-E5D77F086A25}"/>
                 </a:ext>
               </a:extLst>
             </p:cNvPr>
@@ -22309,7 +22309,7 @@
             <p:cNvPr id="17" name="Freeform: Shape 16">
               <a:extLst>
                 <a:ext uri="{FF2B5EF4-FFF2-40B4-BE49-F238E27FC236}">
-                  <a16:creationId xmlns="" xmlns:a16="http://schemas.microsoft.com/office/drawing/2014/main" id="{18944C90-37E5-4BBE-89FF-060627168050}"/>
+                  <a16:creationId xmlns:a16="http://schemas.microsoft.com/office/drawing/2014/main" xmlns="" id="{18944C90-37E5-4BBE-89FF-060627168050}"/>
                 </a:ext>
               </a:extLst>
             </p:cNvPr>
@@ -22408,7 +22408,7 @@
           <p:cNvPr id="6" name="Group 5">
             <a:extLst>
               <a:ext uri="{FF2B5EF4-FFF2-40B4-BE49-F238E27FC236}">
-                <a16:creationId xmlns="" xmlns:a16="http://schemas.microsoft.com/office/drawing/2014/main" id="{D9EBF8BB-A805-4DDB-B459-082F99815B95}"/>
+                <a16:creationId xmlns:a16="http://schemas.microsoft.com/office/drawing/2014/main" xmlns="" id="{D9EBF8BB-A805-4DDB-B459-082F99815B95}"/>
               </a:ext>
             </a:extLst>
           </p:cNvPr>
@@ -22428,7 +22428,7 @@
             <p:cNvPr id="19" name="Rectangle: Single Corner Snipped 18">
               <a:extLst>
                 <a:ext uri="{FF2B5EF4-FFF2-40B4-BE49-F238E27FC236}">
-                  <a16:creationId xmlns="" xmlns:a16="http://schemas.microsoft.com/office/drawing/2014/main" id="{5D638788-DD47-45E7-939A-FA108A818173}"/>
+                  <a16:creationId xmlns:a16="http://schemas.microsoft.com/office/drawing/2014/main" xmlns="" id="{5D638788-DD47-45E7-939A-FA108A818173}"/>
                 </a:ext>
               </a:extLst>
             </p:cNvPr>
@@ -22494,7 +22494,7 @@
             <p:cNvPr id="3" name="Rectangle: Single Corner Snipped 2">
               <a:extLst>
                 <a:ext uri="{FF2B5EF4-FFF2-40B4-BE49-F238E27FC236}">
-                  <a16:creationId xmlns="" xmlns:a16="http://schemas.microsoft.com/office/drawing/2014/main" id="{74BDECEF-EEFE-4332-B3B2-BDE4F82C10FC}"/>
+                  <a16:creationId xmlns:a16="http://schemas.microsoft.com/office/drawing/2014/main" xmlns="" id="{74BDECEF-EEFE-4332-B3B2-BDE4F82C10FC}"/>
                 </a:ext>
               </a:extLst>
             </p:cNvPr>
@@ -22551,7 +22551,7 @@
           <p:cNvPr id="24" name="Freeform: Shape 23">
             <a:extLst>
               <a:ext uri="{FF2B5EF4-FFF2-40B4-BE49-F238E27FC236}">
-                <a16:creationId xmlns="" xmlns:a16="http://schemas.microsoft.com/office/drawing/2014/main" id="{18103E00-7E4A-44CD-81AC-06433CAE1110}"/>
+                <a16:creationId xmlns:a16="http://schemas.microsoft.com/office/drawing/2014/main" xmlns="" id="{18103E00-7E4A-44CD-81AC-06433CAE1110}"/>
               </a:ext>
             </a:extLst>
           </p:cNvPr>
@@ -22646,7 +22646,7 @@
           <p:cNvPr id="5" name="Slide Number Placeholder 4">
             <a:extLst>
               <a:ext uri="{FF2B5EF4-FFF2-40B4-BE49-F238E27FC236}">
-                <a16:creationId xmlns="" xmlns:a16="http://schemas.microsoft.com/office/drawing/2014/main" id="{87B51822-97FF-47A7-8E4E-A0F79B4EB237}"/>
+                <a16:creationId xmlns:a16="http://schemas.microsoft.com/office/drawing/2014/main" xmlns="" id="{87B51822-97FF-47A7-8E4E-A0F79B4EB237}"/>
               </a:ext>
             </a:extLst>
           </p:cNvPr>
@@ -22728,7 +22728,7 @@
           <p:cNvPr id="11" name="Rectangle 10">
             <a:extLst>
               <a:ext uri="{FF2B5EF4-FFF2-40B4-BE49-F238E27FC236}">
-                <a16:creationId xmlns="" xmlns:a16="http://schemas.microsoft.com/office/drawing/2014/main" id="{EB3E033F-4449-40FA-BC85-BD2712D313DD}"/>
+                <a16:creationId xmlns:a16="http://schemas.microsoft.com/office/drawing/2014/main" xmlns="" id="{EB3E033F-4449-40FA-BC85-BD2712D313DD}"/>
               </a:ext>
             </a:extLst>
           </p:cNvPr>
@@ -22782,7 +22782,7 @@
           <p:cNvPr id="10" name="Freeform: Shape 9">
             <a:extLst>
               <a:ext uri="{FF2B5EF4-FFF2-40B4-BE49-F238E27FC236}">
-                <a16:creationId xmlns="" xmlns:a16="http://schemas.microsoft.com/office/drawing/2014/main" id="{63D26743-0505-444C-80B3-E88EE87DF72B}"/>
+                <a16:creationId xmlns:a16="http://schemas.microsoft.com/office/drawing/2014/main" xmlns="" id="{63D26743-0505-444C-80B3-E88EE87DF72B}"/>
               </a:ext>
             </a:extLst>
           </p:cNvPr>
@@ -22905,7 +22905,7 @@
           <p:cNvPr id="18" name="Freeform: Shape 17">
             <a:extLst>
               <a:ext uri="{FF2B5EF4-FFF2-40B4-BE49-F238E27FC236}">
-                <a16:creationId xmlns="" xmlns:a16="http://schemas.microsoft.com/office/drawing/2014/main" id="{E37145E9-AC61-47D5-9288-8789940F81B6}"/>
+                <a16:creationId xmlns:a16="http://schemas.microsoft.com/office/drawing/2014/main" xmlns="" id="{E37145E9-AC61-47D5-9288-8789940F81B6}"/>
               </a:ext>
             </a:extLst>
           </p:cNvPr>
@@ -23057,7 +23057,7 @@
           <p:cNvPr id="12" name="Freeform: Shape 11">
             <a:extLst>
               <a:ext uri="{FF2B5EF4-FFF2-40B4-BE49-F238E27FC236}">
-                <a16:creationId xmlns="" xmlns:a16="http://schemas.microsoft.com/office/drawing/2014/main" id="{A5E2B3ED-9A49-40A7-B8A3-62595FE513F9}"/>
+                <a16:creationId xmlns:a16="http://schemas.microsoft.com/office/drawing/2014/main" xmlns="" id="{A5E2B3ED-9A49-40A7-B8A3-62595FE513F9}"/>
               </a:ext>
             </a:extLst>
           </p:cNvPr>
@@ -23207,7 +23207,7 @@
           <p:cNvPr id="8" name="Freeform: Shape 7">
             <a:extLst>
               <a:ext uri="{FF2B5EF4-FFF2-40B4-BE49-F238E27FC236}">
-                <a16:creationId xmlns="" xmlns:a16="http://schemas.microsoft.com/office/drawing/2014/main" id="{1599AF7E-3E34-4597-AA72-9373A7FDB020}"/>
+                <a16:creationId xmlns:a16="http://schemas.microsoft.com/office/drawing/2014/main" xmlns="" id="{1599AF7E-3E34-4597-AA72-9373A7FDB020}"/>
               </a:ext>
             </a:extLst>
           </p:cNvPr>
@@ -23353,7 +23353,7 @@
           <p:cNvPr id="2" name="Title 1">
             <a:extLst>
               <a:ext uri="{FF2B5EF4-FFF2-40B4-BE49-F238E27FC236}">
-                <a16:creationId xmlns="" xmlns:a16="http://schemas.microsoft.com/office/drawing/2014/main" id="{4A2DF563-7FAC-46B3-B24C-7E45CD89DA2B}"/>
+                <a16:creationId xmlns:a16="http://schemas.microsoft.com/office/drawing/2014/main" xmlns="" id="{4A2DF563-7FAC-46B3-B24C-7E45CD89DA2B}"/>
               </a:ext>
             </a:extLst>
           </p:cNvPr>
@@ -23398,7 +23398,7 @@
           <p:cNvPr id="15" name="Group 14">
             <a:extLst>
               <a:ext uri="{FF2B5EF4-FFF2-40B4-BE49-F238E27FC236}">
-                <a16:creationId xmlns="" xmlns:a16="http://schemas.microsoft.com/office/drawing/2014/main" id="{7732E1E7-45E3-4264-8F26-66758696DD1E}"/>
+                <a16:creationId xmlns:a16="http://schemas.microsoft.com/office/drawing/2014/main" xmlns="" id="{7732E1E7-45E3-4264-8F26-66758696DD1E}"/>
               </a:ext>
             </a:extLst>
           </p:cNvPr>
@@ -23418,7 +23418,7 @@
             <p:cNvPr id="16" name="Freeform: Shape 15">
               <a:extLst>
                 <a:ext uri="{FF2B5EF4-FFF2-40B4-BE49-F238E27FC236}">
-                  <a16:creationId xmlns="" xmlns:a16="http://schemas.microsoft.com/office/drawing/2014/main" id="{2E3DF883-8093-49FA-81E1-E5D77F086A25}"/>
+                  <a16:creationId xmlns:a16="http://schemas.microsoft.com/office/drawing/2014/main" xmlns="" id="{2E3DF883-8093-49FA-81E1-E5D77F086A25}"/>
                 </a:ext>
               </a:extLst>
             </p:cNvPr>
@@ -23508,7 +23508,7 @@
             <p:cNvPr id="17" name="Freeform: Shape 16">
               <a:extLst>
                 <a:ext uri="{FF2B5EF4-FFF2-40B4-BE49-F238E27FC236}">
-                  <a16:creationId xmlns="" xmlns:a16="http://schemas.microsoft.com/office/drawing/2014/main" id="{18944C90-37E5-4BBE-89FF-060627168050}"/>
+                  <a16:creationId xmlns:a16="http://schemas.microsoft.com/office/drawing/2014/main" xmlns="" id="{18944C90-37E5-4BBE-89FF-060627168050}"/>
                 </a:ext>
               </a:extLst>
             </p:cNvPr>
@@ -23607,7 +23607,7 @@
           <p:cNvPr id="6" name="Group 5">
             <a:extLst>
               <a:ext uri="{FF2B5EF4-FFF2-40B4-BE49-F238E27FC236}">
-                <a16:creationId xmlns="" xmlns:a16="http://schemas.microsoft.com/office/drawing/2014/main" id="{D9EBF8BB-A805-4DDB-B459-082F99815B95}"/>
+                <a16:creationId xmlns:a16="http://schemas.microsoft.com/office/drawing/2014/main" xmlns="" id="{D9EBF8BB-A805-4DDB-B459-082F99815B95}"/>
               </a:ext>
             </a:extLst>
           </p:cNvPr>
@@ -23627,7 +23627,7 @@
             <p:cNvPr id="19" name="Rectangle: Single Corner Snipped 18">
               <a:extLst>
                 <a:ext uri="{FF2B5EF4-FFF2-40B4-BE49-F238E27FC236}">
-                  <a16:creationId xmlns="" xmlns:a16="http://schemas.microsoft.com/office/drawing/2014/main" id="{5D638788-DD47-45E7-939A-FA108A818173}"/>
+                  <a16:creationId xmlns:a16="http://schemas.microsoft.com/office/drawing/2014/main" xmlns="" id="{5D638788-DD47-45E7-939A-FA108A818173}"/>
                 </a:ext>
               </a:extLst>
             </p:cNvPr>
@@ -23693,7 +23693,7 @@
             <p:cNvPr id="3" name="Rectangle: Single Corner Snipped 2">
               <a:extLst>
                 <a:ext uri="{FF2B5EF4-FFF2-40B4-BE49-F238E27FC236}">
-                  <a16:creationId xmlns="" xmlns:a16="http://schemas.microsoft.com/office/drawing/2014/main" id="{74BDECEF-EEFE-4332-B3B2-BDE4F82C10FC}"/>
+                  <a16:creationId xmlns:a16="http://schemas.microsoft.com/office/drawing/2014/main" xmlns="" id="{74BDECEF-EEFE-4332-B3B2-BDE4F82C10FC}"/>
                 </a:ext>
               </a:extLst>
             </p:cNvPr>
@@ -23750,7 +23750,7 @@
           <p:cNvPr id="24" name="Freeform: Shape 23">
             <a:extLst>
               <a:ext uri="{FF2B5EF4-FFF2-40B4-BE49-F238E27FC236}">
-                <a16:creationId xmlns="" xmlns:a16="http://schemas.microsoft.com/office/drawing/2014/main" id="{18103E00-7E4A-44CD-81AC-06433CAE1110}"/>
+                <a16:creationId xmlns:a16="http://schemas.microsoft.com/office/drawing/2014/main" xmlns="" id="{18103E00-7E4A-44CD-81AC-06433CAE1110}"/>
               </a:ext>
             </a:extLst>
           </p:cNvPr>
@@ -23845,7 +23845,7 @@
           <p:cNvPr id="5" name="Slide Number Placeholder 4">
             <a:extLst>
               <a:ext uri="{FF2B5EF4-FFF2-40B4-BE49-F238E27FC236}">
-                <a16:creationId xmlns="" xmlns:a16="http://schemas.microsoft.com/office/drawing/2014/main" id="{87B51822-97FF-47A7-8E4E-A0F79B4EB237}"/>
+                <a16:creationId xmlns:a16="http://schemas.microsoft.com/office/drawing/2014/main" xmlns="" id="{87B51822-97FF-47A7-8E4E-A0F79B4EB237}"/>
               </a:ext>
             </a:extLst>
           </p:cNvPr>
@@ -23889,7 +23889,7 @@
           <p:cNvPr id="7" name="Text Placeholder 6">
             <a:extLst>
               <a:ext uri="{FF2B5EF4-FFF2-40B4-BE49-F238E27FC236}">
-                <a16:creationId xmlns="" xmlns:a16="http://schemas.microsoft.com/office/drawing/2014/main" id="{7E0C167E-2626-40DB-AACF-D02543E29BB3}"/>
+                <a16:creationId xmlns:a16="http://schemas.microsoft.com/office/drawing/2014/main" xmlns="" id="{7E0C167E-2626-40DB-AACF-D02543E29BB3}"/>
               </a:ext>
             </a:extLst>
           </p:cNvPr>
@@ -23972,7 +23972,7 @@
           <p:cNvPr id="11" name="Rectangle 10">
             <a:extLst>
               <a:ext uri="{FF2B5EF4-FFF2-40B4-BE49-F238E27FC236}">
-                <a16:creationId xmlns="" xmlns:a16="http://schemas.microsoft.com/office/drawing/2014/main" id="{EB3E033F-4449-40FA-BC85-BD2712D313DD}"/>
+                <a16:creationId xmlns:a16="http://schemas.microsoft.com/office/drawing/2014/main" xmlns="" id="{EB3E033F-4449-40FA-BC85-BD2712D313DD}"/>
               </a:ext>
             </a:extLst>
           </p:cNvPr>
@@ -24026,7 +24026,7 @@
           <p:cNvPr id="10" name="Freeform: Shape 9">
             <a:extLst>
               <a:ext uri="{FF2B5EF4-FFF2-40B4-BE49-F238E27FC236}">
-                <a16:creationId xmlns="" xmlns:a16="http://schemas.microsoft.com/office/drawing/2014/main" id="{63D26743-0505-444C-80B3-E88EE87DF72B}"/>
+                <a16:creationId xmlns:a16="http://schemas.microsoft.com/office/drawing/2014/main" xmlns="" id="{63D26743-0505-444C-80B3-E88EE87DF72B}"/>
               </a:ext>
             </a:extLst>
           </p:cNvPr>
@@ -24149,7 +24149,7 @@
           <p:cNvPr id="18" name="Freeform: Shape 17">
             <a:extLst>
               <a:ext uri="{FF2B5EF4-FFF2-40B4-BE49-F238E27FC236}">
-                <a16:creationId xmlns="" xmlns:a16="http://schemas.microsoft.com/office/drawing/2014/main" id="{E37145E9-AC61-47D5-9288-8789940F81B6}"/>
+                <a16:creationId xmlns:a16="http://schemas.microsoft.com/office/drawing/2014/main" xmlns="" id="{E37145E9-AC61-47D5-9288-8789940F81B6}"/>
               </a:ext>
             </a:extLst>
           </p:cNvPr>
@@ -24301,7 +24301,7 @@
           <p:cNvPr id="12" name="Freeform: Shape 11">
             <a:extLst>
               <a:ext uri="{FF2B5EF4-FFF2-40B4-BE49-F238E27FC236}">
-                <a16:creationId xmlns="" xmlns:a16="http://schemas.microsoft.com/office/drawing/2014/main" id="{A5E2B3ED-9A49-40A7-B8A3-62595FE513F9}"/>
+                <a16:creationId xmlns:a16="http://schemas.microsoft.com/office/drawing/2014/main" xmlns="" id="{A5E2B3ED-9A49-40A7-B8A3-62595FE513F9}"/>
               </a:ext>
             </a:extLst>
           </p:cNvPr>
@@ -24451,7 +24451,7 @@
           <p:cNvPr id="8" name="Freeform: Shape 7">
             <a:extLst>
               <a:ext uri="{FF2B5EF4-FFF2-40B4-BE49-F238E27FC236}">
-                <a16:creationId xmlns="" xmlns:a16="http://schemas.microsoft.com/office/drawing/2014/main" id="{1599AF7E-3E34-4597-AA72-9373A7FDB020}"/>
+                <a16:creationId xmlns:a16="http://schemas.microsoft.com/office/drawing/2014/main" xmlns="" id="{1599AF7E-3E34-4597-AA72-9373A7FDB020}"/>
               </a:ext>
             </a:extLst>
           </p:cNvPr>
@@ -24597,7 +24597,7 @@
           <p:cNvPr id="2" name="Title 1">
             <a:extLst>
               <a:ext uri="{FF2B5EF4-FFF2-40B4-BE49-F238E27FC236}">
-                <a16:creationId xmlns="" xmlns:a16="http://schemas.microsoft.com/office/drawing/2014/main" id="{4A2DF563-7FAC-46B3-B24C-7E45CD89DA2B}"/>
+                <a16:creationId xmlns:a16="http://schemas.microsoft.com/office/drawing/2014/main" xmlns="" id="{4A2DF563-7FAC-46B3-B24C-7E45CD89DA2B}"/>
               </a:ext>
             </a:extLst>
           </p:cNvPr>
@@ -24642,7 +24642,7 @@
           <p:cNvPr id="15" name="Group 14">
             <a:extLst>
               <a:ext uri="{FF2B5EF4-FFF2-40B4-BE49-F238E27FC236}">
-                <a16:creationId xmlns="" xmlns:a16="http://schemas.microsoft.com/office/drawing/2014/main" id="{7732E1E7-45E3-4264-8F26-66758696DD1E}"/>
+                <a16:creationId xmlns:a16="http://schemas.microsoft.com/office/drawing/2014/main" xmlns="" id="{7732E1E7-45E3-4264-8F26-66758696DD1E}"/>
               </a:ext>
             </a:extLst>
           </p:cNvPr>
@@ -24662,7 +24662,7 @@
             <p:cNvPr id="16" name="Freeform: Shape 15">
               <a:extLst>
                 <a:ext uri="{FF2B5EF4-FFF2-40B4-BE49-F238E27FC236}">
-                  <a16:creationId xmlns="" xmlns:a16="http://schemas.microsoft.com/office/drawing/2014/main" id="{2E3DF883-8093-49FA-81E1-E5D77F086A25}"/>
+                  <a16:creationId xmlns:a16="http://schemas.microsoft.com/office/drawing/2014/main" xmlns="" id="{2E3DF883-8093-49FA-81E1-E5D77F086A25}"/>
                 </a:ext>
               </a:extLst>
             </p:cNvPr>
@@ -24752,7 +24752,7 @@
             <p:cNvPr id="17" name="Freeform: Shape 16">
               <a:extLst>
                 <a:ext uri="{FF2B5EF4-FFF2-40B4-BE49-F238E27FC236}">
-                  <a16:creationId xmlns="" xmlns:a16="http://schemas.microsoft.com/office/drawing/2014/main" id="{18944C90-37E5-4BBE-89FF-060627168050}"/>
+                  <a16:creationId xmlns:a16="http://schemas.microsoft.com/office/drawing/2014/main" xmlns="" id="{18944C90-37E5-4BBE-89FF-060627168050}"/>
                 </a:ext>
               </a:extLst>
             </p:cNvPr>
@@ -24851,7 +24851,7 @@
           <p:cNvPr id="6" name="Group 5">
             <a:extLst>
               <a:ext uri="{FF2B5EF4-FFF2-40B4-BE49-F238E27FC236}">
-                <a16:creationId xmlns="" xmlns:a16="http://schemas.microsoft.com/office/drawing/2014/main" id="{D9EBF8BB-A805-4DDB-B459-082F99815B95}"/>
+                <a16:creationId xmlns:a16="http://schemas.microsoft.com/office/drawing/2014/main" xmlns="" id="{D9EBF8BB-A805-4DDB-B459-082F99815B95}"/>
               </a:ext>
             </a:extLst>
           </p:cNvPr>
@@ -24871,7 +24871,7 @@
             <p:cNvPr id="19" name="Rectangle: Single Corner Snipped 18">
               <a:extLst>
                 <a:ext uri="{FF2B5EF4-FFF2-40B4-BE49-F238E27FC236}">
-                  <a16:creationId xmlns="" xmlns:a16="http://schemas.microsoft.com/office/drawing/2014/main" id="{5D638788-DD47-45E7-939A-FA108A818173}"/>
+                  <a16:creationId xmlns:a16="http://schemas.microsoft.com/office/drawing/2014/main" xmlns="" id="{5D638788-DD47-45E7-939A-FA108A818173}"/>
                 </a:ext>
               </a:extLst>
             </p:cNvPr>
@@ -24937,7 +24937,7 @@
             <p:cNvPr id="3" name="Rectangle: Single Corner Snipped 2">
               <a:extLst>
                 <a:ext uri="{FF2B5EF4-FFF2-40B4-BE49-F238E27FC236}">
-                  <a16:creationId xmlns="" xmlns:a16="http://schemas.microsoft.com/office/drawing/2014/main" id="{74BDECEF-EEFE-4332-B3B2-BDE4F82C10FC}"/>
+                  <a16:creationId xmlns:a16="http://schemas.microsoft.com/office/drawing/2014/main" xmlns="" id="{74BDECEF-EEFE-4332-B3B2-BDE4F82C10FC}"/>
                 </a:ext>
               </a:extLst>
             </p:cNvPr>
@@ -24994,7 +24994,7 @@
           <p:cNvPr id="24" name="Freeform: Shape 23">
             <a:extLst>
               <a:ext uri="{FF2B5EF4-FFF2-40B4-BE49-F238E27FC236}">
-                <a16:creationId xmlns="" xmlns:a16="http://schemas.microsoft.com/office/drawing/2014/main" id="{18103E00-7E4A-44CD-81AC-06433CAE1110}"/>
+                <a16:creationId xmlns:a16="http://schemas.microsoft.com/office/drawing/2014/main" xmlns="" id="{18103E00-7E4A-44CD-81AC-06433CAE1110}"/>
               </a:ext>
             </a:extLst>
           </p:cNvPr>
@@ -25089,7 +25089,7 @@
           <p:cNvPr id="5" name="Slide Number Placeholder 4">
             <a:extLst>
               <a:ext uri="{FF2B5EF4-FFF2-40B4-BE49-F238E27FC236}">
-                <a16:creationId xmlns="" xmlns:a16="http://schemas.microsoft.com/office/drawing/2014/main" id="{87B51822-97FF-47A7-8E4E-A0F79B4EB237}"/>
+                <a16:creationId xmlns:a16="http://schemas.microsoft.com/office/drawing/2014/main" xmlns="" id="{87B51822-97FF-47A7-8E4E-A0F79B4EB237}"/>
               </a:ext>
             </a:extLst>
           </p:cNvPr>
@@ -25133,7 +25133,7 @@
           <p:cNvPr id="20" name="Content Placeholder 2">
             <a:extLst>
               <a:ext uri="{FF2B5EF4-FFF2-40B4-BE49-F238E27FC236}">
-                <a16:creationId xmlns="" xmlns:a16="http://schemas.microsoft.com/office/drawing/2014/main" id="{0103A49C-32FF-49E6-86F3-FC2E19517BD5}"/>
+                <a16:creationId xmlns:a16="http://schemas.microsoft.com/office/drawing/2014/main" xmlns="" id="{0103A49C-32FF-49E6-86F3-FC2E19517BD5}"/>
               </a:ext>
             </a:extLst>
           </p:cNvPr>
@@ -25269,7 +25269,7 @@
           <p:cNvPr id="11" name="Rectangle 10">
             <a:extLst>
               <a:ext uri="{FF2B5EF4-FFF2-40B4-BE49-F238E27FC236}">
-                <a16:creationId xmlns="" xmlns:a16="http://schemas.microsoft.com/office/drawing/2014/main" id="{EB3E033F-4449-40FA-BC85-BD2712D313DD}"/>
+                <a16:creationId xmlns:a16="http://schemas.microsoft.com/office/drawing/2014/main" xmlns="" id="{EB3E033F-4449-40FA-BC85-BD2712D313DD}"/>
               </a:ext>
             </a:extLst>
           </p:cNvPr>
@@ -25323,7 +25323,7 @@
           <p:cNvPr id="10" name="Freeform: Shape 9">
             <a:extLst>
               <a:ext uri="{FF2B5EF4-FFF2-40B4-BE49-F238E27FC236}">
-                <a16:creationId xmlns="" xmlns:a16="http://schemas.microsoft.com/office/drawing/2014/main" id="{63D26743-0505-444C-80B3-E88EE87DF72B}"/>
+                <a16:creationId xmlns:a16="http://schemas.microsoft.com/office/drawing/2014/main" xmlns="" id="{63D26743-0505-444C-80B3-E88EE87DF72B}"/>
               </a:ext>
             </a:extLst>
           </p:cNvPr>
@@ -25446,7 +25446,7 @@
           <p:cNvPr id="18" name="Freeform: Shape 17">
             <a:extLst>
               <a:ext uri="{FF2B5EF4-FFF2-40B4-BE49-F238E27FC236}">
-                <a16:creationId xmlns="" xmlns:a16="http://schemas.microsoft.com/office/drawing/2014/main" id="{E37145E9-AC61-47D5-9288-8789940F81B6}"/>
+                <a16:creationId xmlns:a16="http://schemas.microsoft.com/office/drawing/2014/main" xmlns="" id="{E37145E9-AC61-47D5-9288-8789940F81B6}"/>
               </a:ext>
             </a:extLst>
           </p:cNvPr>
@@ -25598,7 +25598,7 @@
           <p:cNvPr id="12" name="Freeform: Shape 11">
             <a:extLst>
               <a:ext uri="{FF2B5EF4-FFF2-40B4-BE49-F238E27FC236}">
-                <a16:creationId xmlns="" xmlns:a16="http://schemas.microsoft.com/office/drawing/2014/main" id="{A5E2B3ED-9A49-40A7-B8A3-62595FE513F9}"/>
+                <a16:creationId xmlns:a16="http://schemas.microsoft.com/office/drawing/2014/main" xmlns="" id="{A5E2B3ED-9A49-40A7-B8A3-62595FE513F9}"/>
               </a:ext>
             </a:extLst>
           </p:cNvPr>
@@ -25748,7 +25748,7 @@
           <p:cNvPr id="8" name="Freeform: Shape 7">
             <a:extLst>
               <a:ext uri="{FF2B5EF4-FFF2-40B4-BE49-F238E27FC236}">
-                <a16:creationId xmlns="" xmlns:a16="http://schemas.microsoft.com/office/drawing/2014/main" id="{1599AF7E-3E34-4597-AA72-9373A7FDB020}"/>
+                <a16:creationId xmlns:a16="http://schemas.microsoft.com/office/drawing/2014/main" xmlns="" id="{1599AF7E-3E34-4597-AA72-9373A7FDB020}"/>
               </a:ext>
             </a:extLst>
           </p:cNvPr>
@@ -25894,7 +25894,7 @@
           <p:cNvPr id="2" name="Title 1">
             <a:extLst>
               <a:ext uri="{FF2B5EF4-FFF2-40B4-BE49-F238E27FC236}">
-                <a16:creationId xmlns="" xmlns:a16="http://schemas.microsoft.com/office/drawing/2014/main" id="{4A2DF563-7FAC-46B3-B24C-7E45CD89DA2B}"/>
+                <a16:creationId xmlns:a16="http://schemas.microsoft.com/office/drawing/2014/main" xmlns="" id="{4A2DF563-7FAC-46B3-B24C-7E45CD89DA2B}"/>
               </a:ext>
             </a:extLst>
           </p:cNvPr>
@@ -25939,7 +25939,7 @@
           <p:cNvPr id="15" name="Group 14">
             <a:extLst>
               <a:ext uri="{FF2B5EF4-FFF2-40B4-BE49-F238E27FC236}">
-                <a16:creationId xmlns="" xmlns:a16="http://schemas.microsoft.com/office/drawing/2014/main" id="{7732E1E7-45E3-4264-8F26-66758696DD1E}"/>
+                <a16:creationId xmlns:a16="http://schemas.microsoft.com/office/drawing/2014/main" xmlns="" id="{7732E1E7-45E3-4264-8F26-66758696DD1E}"/>
               </a:ext>
             </a:extLst>
           </p:cNvPr>
@@ -25959,7 +25959,7 @@
             <p:cNvPr id="16" name="Freeform: Shape 15">
               <a:extLst>
                 <a:ext uri="{FF2B5EF4-FFF2-40B4-BE49-F238E27FC236}">
-                  <a16:creationId xmlns="" xmlns:a16="http://schemas.microsoft.com/office/drawing/2014/main" id="{2E3DF883-8093-49FA-81E1-E5D77F086A25}"/>
+                  <a16:creationId xmlns:a16="http://schemas.microsoft.com/office/drawing/2014/main" xmlns="" id="{2E3DF883-8093-49FA-81E1-E5D77F086A25}"/>
                 </a:ext>
               </a:extLst>
             </p:cNvPr>
@@ -26049,7 +26049,7 @@
             <p:cNvPr id="17" name="Freeform: Shape 16">
               <a:extLst>
                 <a:ext uri="{FF2B5EF4-FFF2-40B4-BE49-F238E27FC236}">
-                  <a16:creationId xmlns="" xmlns:a16="http://schemas.microsoft.com/office/drawing/2014/main" id="{18944C90-37E5-4BBE-89FF-060627168050}"/>
+                  <a16:creationId xmlns:a16="http://schemas.microsoft.com/office/drawing/2014/main" xmlns="" id="{18944C90-37E5-4BBE-89FF-060627168050}"/>
                 </a:ext>
               </a:extLst>
             </p:cNvPr>
@@ -26148,7 +26148,7 @@
           <p:cNvPr id="6" name="Group 5">
             <a:extLst>
               <a:ext uri="{FF2B5EF4-FFF2-40B4-BE49-F238E27FC236}">
-                <a16:creationId xmlns="" xmlns:a16="http://schemas.microsoft.com/office/drawing/2014/main" id="{D9EBF8BB-A805-4DDB-B459-082F99815B95}"/>
+                <a16:creationId xmlns:a16="http://schemas.microsoft.com/office/drawing/2014/main" xmlns="" id="{D9EBF8BB-A805-4DDB-B459-082F99815B95}"/>
               </a:ext>
             </a:extLst>
           </p:cNvPr>
@@ -26168,7 +26168,7 @@
             <p:cNvPr id="19" name="Rectangle: Single Corner Snipped 18">
               <a:extLst>
                 <a:ext uri="{FF2B5EF4-FFF2-40B4-BE49-F238E27FC236}">
-                  <a16:creationId xmlns="" xmlns:a16="http://schemas.microsoft.com/office/drawing/2014/main" id="{5D638788-DD47-45E7-939A-FA108A818173}"/>
+                  <a16:creationId xmlns:a16="http://schemas.microsoft.com/office/drawing/2014/main" xmlns="" id="{5D638788-DD47-45E7-939A-FA108A818173}"/>
                 </a:ext>
               </a:extLst>
             </p:cNvPr>
@@ -26234,7 +26234,7 @@
             <p:cNvPr id="3" name="Rectangle: Single Corner Snipped 2">
               <a:extLst>
                 <a:ext uri="{FF2B5EF4-FFF2-40B4-BE49-F238E27FC236}">
-                  <a16:creationId xmlns="" xmlns:a16="http://schemas.microsoft.com/office/drawing/2014/main" id="{74BDECEF-EEFE-4332-B3B2-BDE4F82C10FC}"/>
+                  <a16:creationId xmlns:a16="http://schemas.microsoft.com/office/drawing/2014/main" xmlns="" id="{74BDECEF-EEFE-4332-B3B2-BDE4F82C10FC}"/>
                 </a:ext>
               </a:extLst>
             </p:cNvPr>
@@ -26291,7 +26291,7 @@
           <p:cNvPr id="24" name="Freeform: Shape 23">
             <a:extLst>
               <a:ext uri="{FF2B5EF4-FFF2-40B4-BE49-F238E27FC236}">
-                <a16:creationId xmlns="" xmlns:a16="http://schemas.microsoft.com/office/drawing/2014/main" id="{18103E00-7E4A-44CD-81AC-06433CAE1110}"/>
+                <a16:creationId xmlns:a16="http://schemas.microsoft.com/office/drawing/2014/main" xmlns="" id="{18103E00-7E4A-44CD-81AC-06433CAE1110}"/>
               </a:ext>
             </a:extLst>
           </p:cNvPr>
@@ -26386,7 +26386,7 @@
           <p:cNvPr id="5" name="Slide Number Placeholder 4">
             <a:extLst>
               <a:ext uri="{FF2B5EF4-FFF2-40B4-BE49-F238E27FC236}">
-                <a16:creationId xmlns="" xmlns:a16="http://schemas.microsoft.com/office/drawing/2014/main" id="{87B51822-97FF-47A7-8E4E-A0F79B4EB237}"/>
+                <a16:creationId xmlns:a16="http://schemas.microsoft.com/office/drawing/2014/main" xmlns="" id="{87B51822-97FF-47A7-8E4E-A0F79B4EB237}"/>
               </a:ext>
             </a:extLst>
           </p:cNvPr>
@@ -26430,7 +26430,7 @@
           <p:cNvPr id="25" name="Text Placeholder 2">
             <a:extLst>
               <a:ext uri="{FF2B5EF4-FFF2-40B4-BE49-F238E27FC236}">
-                <a16:creationId xmlns="" xmlns:a16="http://schemas.microsoft.com/office/drawing/2014/main" id="{7FA80A70-18DE-4DB9-9982-BA75BE54CF93}"/>
+                <a16:creationId xmlns:a16="http://schemas.microsoft.com/office/drawing/2014/main" xmlns="" id="{7FA80A70-18DE-4DB9-9982-BA75BE54CF93}"/>
               </a:ext>
             </a:extLst>
           </p:cNvPr>
@@ -26508,7 +26508,7 @@
           <p:cNvPr id="26" name="Text Placeholder 4">
             <a:extLst>
               <a:ext uri="{FF2B5EF4-FFF2-40B4-BE49-F238E27FC236}">
-                <a16:creationId xmlns="" xmlns:a16="http://schemas.microsoft.com/office/drawing/2014/main" id="{2801C0EF-C078-44B0-AD01-4850E9A65EE0}"/>
+                <a16:creationId xmlns:a16="http://schemas.microsoft.com/office/drawing/2014/main" xmlns="" id="{2801C0EF-C078-44B0-AD01-4850E9A65EE0}"/>
               </a:ext>
             </a:extLst>
           </p:cNvPr>
@@ -26586,7 +26586,7 @@
           <p:cNvPr id="27" name="Content Placeholder 3">
             <a:extLst>
               <a:ext uri="{FF2B5EF4-FFF2-40B4-BE49-F238E27FC236}">
-                <a16:creationId xmlns="" xmlns:a16="http://schemas.microsoft.com/office/drawing/2014/main" id="{7C9DED91-45F6-4308-A085-1EFACA6468CF}"/>
+                <a16:creationId xmlns:a16="http://schemas.microsoft.com/office/drawing/2014/main" xmlns="" id="{7C9DED91-45F6-4308-A085-1EFACA6468CF}"/>
               </a:ext>
             </a:extLst>
           </p:cNvPr>
@@ -26686,7 +26686,7 @@
           <p:cNvPr id="28" name="Content Placeholder 5">
             <a:extLst>
               <a:ext uri="{FF2B5EF4-FFF2-40B4-BE49-F238E27FC236}">
-                <a16:creationId xmlns="" xmlns:a16="http://schemas.microsoft.com/office/drawing/2014/main" id="{0574B5E7-B666-439B-9278-67BE1EA6EBC5}"/>
+                <a16:creationId xmlns:a16="http://schemas.microsoft.com/office/drawing/2014/main" xmlns="" id="{0574B5E7-B666-439B-9278-67BE1EA6EBC5}"/>
               </a:ext>
             </a:extLst>
           </p:cNvPr>
@@ -26821,7 +26821,7 @@
           <p:cNvPr id="2" name="Title Placeholder 1">
             <a:extLst>
               <a:ext uri="{FF2B5EF4-FFF2-40B4-BE49-F238E27FC236}">
-                <a16:creationId xmlns="" xmlns:a16="http://schemas.microsoft.com/office/drawing/2014/main" id="{761B0E15-6FC5-434E-8780-B186D9DB0CD0}"/>
+                <a16:creationId xmlns:a16="http://schemas.microsoft.com/office/drawing/2014/main" xmlns="" id="{761B0E15-6FC5-434E-8780-B186D9DB0CD0}"/>
               </a:ext>
             </a:extLst>
           </p:cNvPr>
@@ -26859,7 +26859,7 @@
           <p:cNvPr id="3" name="Text Placeholder 2">
             <a:extLst>
               <a:ext uri="{FF2B5EF4-FFF2-40B4-BE49-F238E27FC236}">
-                <a16:creationId xmlns="" xmlns:a16="http://schemas.microsoft.com/office/drawing/2014/main" id="{A9C7B128-34F3-405C-B601-8BAFDB43499C}"/>
+                <a16:creationId xmlns:a16="http://schemas.microsoft.com/office/drawing/2014/main" xmlns="" id="{A9C7B128-34F3-405C-B601-8BAFDB43499C}"/>
               </a:ext>
             </a:extLst>
           </p:cNvPr>
@@ -26926,7 +26926,7 @@
           <p:cNvPr id="6" name="Slide Number Placeholder 5">
             <a:extLst>
               <a:ext uri="{FF2B5EF4-FFF2-40B4-BE49-F238E27FC236}">
-                <a16:creationId xmlns="" xmlns:a16="http://schemas.microsoft.com/office/drawing/2014/main" id="{9F5A7754-E8C7-438B-922D-9027C6CF58E2}"/>
+                <a16:creationId xmlns:a16="http://schemas.microsoft.com/office/drawing/2014/main" xmlns="" id="{9F5A7754-E8C7-438B-922D-9027C6CF58E2}"/>
               </a:ext>
             </a:extLst>
           </p:cNvPr>
@@ -26973,7 +26973,7 @@
           <p:cNvPr id="5" name="Rectangle 4">
             <a:extLst>
               <a:ext uri="{FF2B5EF4-FFF2-40B4-BE49-F238E27FC236}">
-                <a16:creationId xmlns="" xmlns:a16="http://schemas.microsoft.com/office/drawing/2014/main" id="{7CDDDB7D-9189-9548-A2B9-81DC62C3C1A3}"/>
+                <a16:creationId xmlns:a16="http://schemas.microsoft.com/office/drawing/2014/main" xmlns="" id="{7CDDDB7D-9189-9548-A2B9-81DC62C3C1A3}"/>
               </a:ext>
             </a:extLst>
           </p:cNvPr>
@@ -27027,7 +27027,7 @@
           <p:cNvPr id="7" name="Freeform: Shape 9">
             <a:extLst>
               <a:ext uri="{FF2B5EF4-FFF2-40B4-BE49-F238E27FC236}">
-                <a16:creationId xmlns="" xmlns:a16="http://schemas.microsoft.com/office/drawing/2014/main" id="{096D8877-6B4A-4540-8927-767DD7401718}"/>
+                <a16:creationId xmlns:a16="http://schemas.microsoft.com/office/drawing/2014/main" xmlns="" id="{096D8877-6B4A-4540-8927-767DD7401718}"/>
               </a:ext>
             </a:extLst>
           </p:cNvPr>
@@ -27150,7 +27150,7 @@
           <p:cNvPr id="8" name="Freeform: Shape 17">
             <a:extLst>
               <a:ext uri="{FF2B5EF4-FFF2-40B4-BE49-F238E27FC236}">
-                <a16:creationId xmlns="" xmlns:a16="http://schemas.microsoft.com/office/drawing/2014/main" id="{5AF2E123-FE0F-8541-8E36-5030C450AA7E}"/>
+                <a16:creationId xmlns:a16="http://schemas.microsoft.com/office/drawing/2014/main" xmlns="" id="{5AF2E123-FE0F-8541-8E36-5030C450AA7E}"/>
               </a:ext>
             </a:extLst>
           </p:cNvPr>
@@ -27302,7 +27302,7 @@
           <p:cNvPr id="9" name="Freeform: Shape 11">
             <a:extLst>
               <a:ext uri="{FF2B5EF4-FFF2-40B4-BE49-F238E27FC236}">
-                <a16:creationId xmlns="" xmlns:a16="http://schemas.microsoft.com/office/drawing/2014/main" id="{E5519D99-3B68-924A-9CD0-14B911711CA8}"/>
+                <a16:creationId xmlns:a16="http://schemas.microsoft.com/office/drawing/2014/main" xmlns="" id="{E5519D99-3B68-924A-9CD0-14B911711CA8}"/>
               </a:ext>
             </a:extLst>
           </p:cNvPr>
@@ -27452,7 +27452,7 @@
           <p:cNvPr id="10" name="Freeform: Shape 7">
             <a:extLst>
               <a:ext uri="{FF2B5EF4-FFF2-40B4-BE49-F238E27FC236}">
-                <a16:creationId xmlns="" xmlns:a16="http://schemas.microsoft.com/office/drawing/2014/main" id="{A09E21A9-FBEF-144C-A152-FE484F3C55C1}"/>
+                <a16:creationId xmlns:a16="http://schemas.microsoft.com/office/drawing/2014/main" xmlns="" id="{A09E21A9-FBEF-144C-A152-FE484F3C55C1}"/>
               </a:ext>
             </a:extLst>
           </p:cNvPr>
@@ -27598,7 +27598,7 @@
           <p:cNvPr id="11" name="Title 1">
             <a:extLst>
               <a:ext uri="{FF2B5EF4-FFF2-40B4-BE49-F238E27FC236}">
-                <a16:creationId xmlns="" xmlns:a16="http://schemas.microsoft.com/office/drawing/2014/main" id="{70C7F2CB-A8CE-1545-A08D-93592C4BAEEA}"/>
+                <a16:creationId xmlns:a16="http://schemas.microsoft.com/office/drawing/2014/main" xmlns="" id="{70C7F2CB-A8CE-1545-A08D-93592C4BAEEA}"/>
               </a:ext>
             </a:extLst>
           </p:cNvPr>
@@ -27654,7 +27654,7 @@
           <p:cNvPr id="12" name="Group 11">
             <a:extLst>
               <a:ext uri="{FF2B5EF4-FFF2-40B4-BE49-F238E27FC236}">
-                <a16:creationId xmlns="" xmlns:a16="http://schemas.microsoft.com/office/drawing/2014/main" id="{7068FCE4-1B47-3C4B-B091-013120A97D09}"/>
+                <a16:creationId xmlns:a16="http://schemas.microsoft.com/office/drawing/2014/main" xmlns="" id="{7068FCE4-1B47-3C4B-B091-013120A97D09}"/>
               </a:ext>
             </a:extLst>
           </p:cNvPr>
@@ -27674,7 +27674,7 @@
             <p:cNvPr id="13" name="Freeform: Shape 15">
               <a:extLst>
                 <a:ext uri="{FF2B5EF4-FFF2-40B4-BE49-F238E27FC236}">
-                  <a16:creationId xmlns="" xmlns:a16="http://schemas.microsoft.com/office/drawing/2014/main" id="{FEC3FDE7-F27E-5E4E-8752-287CAB7792D4}"/>
+                  <a16:creationId xmlns:a16="http://schemas.microsoft.com/office/drawing/2014/main" xmlns="" id="{FEC3FDE7-F27E-5E4E-8752-287CAB7792D4}"/>
                 </a:ext>
               </a:extLst>
             </p:cNvPr>
@@ -27764,7 +27764,7 @@
             <p:cNvPr id="14" name="Freeform: Shape 16">
               <a:extLst>
                 <a:ext uri="{FF2B5EF4-FFF2-40B4-BE49-F238E27FC236}">
-                  <a16:creationId xmlns="" xmlns:a16="http://schemas.microsoft.com/office/drawing/2014/main" id="{81C902DB-0D21-5044-82B6-9E7A70A1BF62}"/>
+                  <a16:creationId xmlns:a16="http://schemas.microsoft.com/office/drawing/2014/main" xmlns="" id="{81C902DB-0D21-5044-82B6-9E7A70A1BF62}"/>
                 </a:ext>
               </a:extLst>
             </p:cNvPr>
@@ -27863,7 +27863,7 @@
           <p:cNvPr id="15" name="Group 14">
             <a:extLst>
               <a:ext uri="{FF2B5EF4-FFF2-40B4-BE49-F238E27FC236}">
-                <a16:creationId xmlns="" xmlns:a16="http://schemas.microsoft.com/office/drawing/2014/main" id="{BE1E08A0-195D-694F-947B-986A76FBB93E}"/>
+                <a16:creationId xmlns:a16="http://schemas.microsoft.com/office/drawing/2014/main" xmlns="" id="{BE1E08A0-195D-694F-947B-986A76FBB93E}"/>
               </a:ext>
             </a:extLst>
           </p:cNvPr>
@@ -27883,7 +27883,7 @@
             <p:cNvPr id="16" name="Rectangle: Single Corner Snipped 18">
               <a:extLst>
                 <a:ext uri="{FF2B5EF4-FFF2-40B4-BE49-F238E27FC236}">
-                  <a16:creationId xmlns="" xmlns:a16="http://schemas.microsoft.com/office/drawing/2014/main" id="{ED5DFFCD-1EE3-E64E-B51F-BD7D72413E0B}"/>
+                  <a16:creationId xmlns:a16="http://schemas.microsoft.com/office/drawing/2014/main" xmlns="" id="{ED5DFFCD-1EE3-E64E-B51F-BD7D72413E0B}"/>
                 </a:ext>
               </a:extLst>
             </p:cNvPr>
@@ -27949,7 +27949,7 @@
             <p:cNvPr id="17" name="Rectangle: Single Corner Snipped 2">
               <a:extLst>
                 <a:ext uri="{FF2B5EF4-FFF2-40B4-BE49-F238E27FC236}">
-                  <a16:creationId xmlns="" xmlns:a16="http://schemas.microsoft.com/office/drawing/2014/main" id="{C12DB3CA-8E64-AA43-BFBE-A2CA9A816DBE}"/>
+                  <a16:creationId xmlns:a16="http://schemas.microsoft.com/office/drawing/2014/main" xmlns="" id="{C12DB3CA-8E64-AA43-BFBE-A2CA9A816DBE}"/>
                 </a:ext>
               </a:extLst>
             </p:cNvPr>
@@ -28006,7 +28006,7 @@
           <p:cNvPr id="18" name="Freeform: Shape 23">
             <a:extLst>
               <a:ext uri="{FF2B5EF4-FFF2-40B4-BE49-F238E27FC236}">
-                <a16:creationId xmlns="" xmlns:a16="http://schemas.microsoft.com/office/drawing/2014/main" id="{A587DEFD-D470-4142-8E0D-A71DDB147C92}"/>
+                <a16:creationId xmlns:a16="http://schemas.microsoft.com/office/drawing/2014/main" xmlns="" id="{A587DEFD-D470-4142-8E0D-A71DDB147C92}"/>
               </a:ext>
             </a:extLst>
           </p:cNvPr>
@@ -28101,7 +28101,7 @@
           <p:cNvPr id="19" name="Slide Number Placeholder 4">
             <a:extLst>
               <a:ext uri="{FF2B5EF4-FFF2-40B4-BE49-F238E27FC236}">
-                <a16:creationId xmlns="" xmlns:a16="http://schemas.microsoft.com/office/drawing/2014/main" id="{7D9BF857-7910-734D-A217-5E3344220AA2}"/>
+                <a16:creationId xmlns:a16="http://schemas.microsoft.com/office/drawing/2014/main" xmlns="" id="{7D9BF857-7910-734D-A217-5E3344220AA2}"/>
               </a:ext>
             </a:extLst>
           </p:cNvPr>
@@ -28552,7 +28552,7 @@
   </p:txStyles>
   <p:extLst>
     <p:ext uri="{27BBF7A9-308A-43DC-89C8-2F10F3537804}">
-      <p15:sldGuideLst xmlns="" xmlns:p15="http://schemas.microsoft.com/office/powerpoint/2012/main">
+      <p15:sldGuideLst xmlns:p15="http://schemas.microsoft.com/office/powerpoint/2012/main" xmlns="">
         <p15:guide id="1" orient="horz" pos="2160" userDrawn="1">
           <p15:clr>
             <a:srgbClr val="F26B43"/>
@@ -28611,7 +28611,7 @@
           <p:cNvPr id="2" name="Title 1">
             <a:extLst>
               <a:ext uri="{FF2B5EF4-FFF2-40B4-BE49-F238E27FC236}">
-                <a16:creationId xmlns="" xmlns:a16="http://schemas.microsoft.com/office/drawing/2014/main" id="{3A4F25FA-D2E4-49EB-8598-D6FA34346532}"/>
+                <a16:creationId xmlns:a16="http://schemas.microsoft.com/office/drawing/2014/main" xmlns="" id="{3A4F25FA-D2E4-49EB-8598-D6FA34346532}"/>
               </a:ext>
             </a:extLst>
           </p:cNvPr>
@@ -28644,7 +28644,7 @@
           <p:cNvPr id="3" name="Subtitle 2">
             <a:extLst>
               <a:ext uri="{FF2B5EF4-FFF2-40B4-BE49-F238E27FC236}">
-                <a16:creationId xmlns="" xmlns:a16="http://schemas.microsoft.com/office/drawing/2014/main" id="{78B4723A-6D68-4570-9EB2-A55B047BEBC3}"/>
+                <a16:creationId xmlns:a16="http://schemas.microsoft.com/office/drawing/2014/main" xmlns="" id="{78B4723A-6D68-4570-9EB2-A55B047BEBC3}"/>
               </a:ext>
             </a:extLst>
           </p:cNvPr>
@@ -28739,7 +28739,7 @@
           <p:cNvPr id="11" name="Title 10">
             <a:extLst>
               <a:ext uri="{FF2B5EF4-FFF2-40B4-BE49-F238E27FC236}">
-                <a16:creationId xmlns="" xmlns:a16="http://schemas.microsoft.com/office/drawing/2014/main" id="{271FC43D-322B-4DFD-B2E2-7F92F1F8F2B6}"/>
+                <a16:creationId xmlns:a16="http://schemas.microsoft.com/office/drawing/2014/main" xmlns="" id="{271FC43D-322B-4DFD-B2E2-7F92F1F8F2B6}"/>
               </a:ext>
             </a:extLst>
           </p:cNvPr>
@@ -28781,7 +28781,7 @@
           <p:cNvPr id="9" name="Slide Number Placeholder 2">
             <a:extLst>
               <a:ext uri="{FF2B5EF4-FFF2-40B4-BE49-F238E27FC236}">
-                <a16:creationId xmlns="" xmlns:a16="http://schemas.microsoft.com/office/drawing/2014/main" id="{9DB6983D-80ED-79A1-46EB-CE9C807B8DA3}"/>
+                <a16:creationId xmlns:a16="http://schemas.microsoft.com/office/drawing/2014/main" xmlns="" id="{9DB6983D-80ED-79A1-46EB-CE9C807B8DA3}"/>
               </a:ext>
             </a:extLst>
           </p:cNvPr>
@@ -29154,7 +29154,7 @@
           <p:cNvPr id="7" name="Title 1">
             <a:extLst>
               <a:ext uri="{FF2B5EF4-FFF2-40B4-BE49-F238E27FC236}">
-                <a16:creationId xmlns="" xmlns:a16="http://schemas.microsoft.com/office/drawing/2014/main" id="{FEA316DB-23D4-7143-BDEF-E3AF303EF39A}"/>
+                <a16:creationId xmlns:a16="http://schemas.microsoft.com/office/drawing/2014/main" xmlns="" id="{FEA316DB-23D4-7143-BDEF-E3AF303EF39A}"/>
               </a:ext>
             </a:extLst>
           </p:cNvPr>
@@ -29195,7 +29195,7 @@
           <p:cNvPr id="2" name="Slide Number Placeholder 1">
             <a:extLst>
               <a:ext uri="{FF2B5EF4-FFF2-40B4-BE49-F238E27FC236}">
-                <a16:creationId xmlns="" xmlns:a16="http://schemas.microsoft.com/office/drawing/2014/main" id="{8B065C75-272B-4BB5-BA23-D80E8654D621}"/>
+                <a16:creationId xmlns:a16="http://schemas.microsoft.com/office/drawing/2014/main" xmlns="" id="{8B065C75-272B-4BB5-BA23-D80E8654D621}"/>
               </a:ext>
             </a:extLst>
           </p:cNvPr>
@@ -29241,7 +29241,7 @@
           <p:cNvPr id="5" name="Text Placeholder 4">
             <a:extLst>
               <a:ext uri="{FF2B5EF4-FFF2-40B4-BE49-F238E27FC236}">
-                <a16:creationId xmlns="" xmlns:a16="http://schemas.microsoft.com/office/drawing/2014/main" id="{DCDDBE65-9AB1-4989-AF86-726591A6A128}"/>
+                <a16:creationId xmlns:a16="http://schemas.microsoft.com/office/drawing/2014/main" xmlns="" id="{DCDDBE65-9AB1-4989-AF86-726591A6A128}"/>
               </a:ext>
             </a:extLst>
           </p:cNvPr>
@@ -29310,7 +29310,7 @@
           <p:cNvPr id="6" name="Title 1">
             <a:extLst>
               <a:ext uri="{FF2B5EF4-FFF2-40B4-BE49-F238E27FC236}">
-                <a16:creationId xmlns="" xmlns:a16="http://schemas.microsoft.com/office/drawing/2014/main" id="{FEA316DB-23D4-7143-BDEF-E3AF303EF39A}"/>
+                <a16:creationId xmlns:a16="http://schemas.microsoft.com/office/drawing/2014/main" xmlns="" id="{FEA316DB-23D4-7143-BDEF-E3AF303EF39A}"/>
               </a:ext>
             </a:extLst>
           </p:cNvPr>
@@ -29368,7 +29368,7 @@
           <p:cNvPr id="8" name="Text Placeholder 4">
             <a:extLst>
               <a:ext uri="{FF2B5EF4-FFF2-40B4-BE49-F238E27FC236}">
-                <a16:creationId xmlns="" xmlns:a16="http://schemas.microsoft.com/office/drawing/2014/main" id="{DCDDBE65-9AB1-4989-AF86-726591A6A128}"/>
+                <a16:creationId xmlns:a16="http://schemas.microsoft.com/office/drawing/2014/main" xmlns="" id="{DCDDBE65-9AB1-4989-AF86-726591A6A128}"/>
               </a:ext>
             </a:extLst>
           </p:cNvPr>
@@ -29715,7 +29715,7 @@
           <p:cNvPr id="2" name="Title 1">
             <a:extLst>
               <a:ext uri="{FF2B5EF4-FFF2-40B4-BE49-F238E27FC236}">
-                <a16:creationId xmlns="" xmlns:a16="http://schemas.microsoft.com/office/drawing/2014/main" id="{632BE5BF-9922-45FB-8F3F-4446D40A051B}"/>
+                <a16:creationId xmlns:a16="http://schemas.microsoft.com/office/drawing/2014/main" xmlns="" id="{632BE5BF-9922-45FB-8F3F-4446D40A051B}"/>
               </a:ext>
             </a:extLst>
           </p:cNvPr>
@@ -29784,7 +29784,7 @@
           <p:cNvPr id="2" name="Title 1">
             <a:extLst>
               <a:ext uri="{FF2B5EF4-FFF2-40B4-BE49-F238E27FC236}">
-                <a16:creationId xmlns="" xmlns:a16="http://schemas.microsoft.com/office/drawing/2014/main" id="{E4DCAC26-918C-4772-BF30-510B03C5AE49}"/>
+                <a16:creationId xmlns:a16="http://schemas.microsoft.com/office/drawing/2014/main" xmlns="" id="{E4DCAC26-918C-4772-BF30-510B03C5AE49}"/>
               </a:ext>
             </a:extLst>
           </p:cNvPr>
@@ -29816,7 +29816,7 @@
           <p:cNvPr id="3" name="Slide Number Placeholder 2">
             <a:extLst>
               <a:ext uri="{FF2B5EF4-FFF2-40B4-BE49-F238E27FC236}">
-                <a16:creationId xmlns="" xmlns:a16="http://schemas.microsoft.com/office/drawing/2014/main" id="{BF702D22-B9F0-4A21-A93C-458A68ED29DC}"/>
+                <a16:creationId xmlns:a16="http://schemas.microsoft.com/office/drawing/2014/main" xmlns="" id="{BF702D22-B9F0-4A21-A93C-458A68ED29DC}"/>
               </a:ext>
             </a:extLst>
           </p:cNvPr>
@@ -29846,7 +29846,7 @@
           <p:cNvPr id="9" name="Content Placeholder 8" descr="A picture containing shoji, crossword puzzle, window, building&#10;&#10;Description automatically generated">
             <a:extLst>
               <a:ext uri="{FF2B5EF4-FFF2-40B4-BE49-F238E27FC236}">
-                <a16:creationId xmlns="" xmlns:a16="http://schemas.microsoft.com/office/drawing/2014/main" id="{315E1374-3F09-44C4-AFB8-0C423F7FCF94}"/>
+                <a16:creationId xmlns:a16="http://schemas.microsoft.com/office/drawing/2014/main" xmlns="" id="{315E1374-3F09-44C4-AFB8-0C423F7FCF94}"/>
               </a:ext>
             </a:extLst>
           </p:cNvPr>
@@ -29875,7 +29875,7 @@
           <p:cNvPr id="7" name="Content Placeholder 6" descr="A picture containing window, shoji&#10;&#10;Description automatically generated">
             <a:extLst>
               <a:ext uri="{FF2B5EF4-FFF2-40B4-BE49-F238E27FC236}">
-                <a16:creationId xmlns="" xmlns:a16="http://schemas.microsoft.com/office/drawing/2014/main" id="{5C11166E-3B9D-46AD-B7D1-54342613B286}"/>
+                <a16:creationId xmlns:a16="http://schemas.microsoft.com/office/drawing/2014/main" xmlns="" id="{5C11166E-3B9D-46AD-B7D1-54342613B286}"/>
               </a:ext>
             </a:extLst>
           </p:cNvPr>
@@ -29941,7 +29941,7 @@
           <p:cNvPr id="21" name="Title 1">
             <a:extLst>
               <a:ext uri="{FF2B5EF4-FFF2-40B4-BE49-F238E27FC236}">
-                <a16:creationId xmlns="" xmlns:a16="http://schemas.microsoft.com/office/drawing/2014/main" id="{E118CE47-4937-5BA8-B09C-42BF57DE773B}"/>
+                <a16:creationId xmlns:a16="http://schemas.microsoft.com/office/drawing/2014/main" xmlns="" id="{E118CE47-4937-5BA8-B09C-42BF57DE773B}"/>
               </a:ext>
             </a:extLst>
           </p:cNvPr>
@@ -29974,7 +29974,7 @@
           <p:cNvPr id="2" name="Slide Number Placeholder 1">
             <a:extLst>
               <a:ext uri="{FF2B5EF4-FFF2-40B4-BE49-F238E27FC236}">
-                <a16:creationId xmlns="" xmlns:a16="http://schemas.microsoft.com/office/drawing/2014/main" id="{235359B9-73D6-455A-909C-B2C9A664E352}"/>
+                <a16:creationId xmlns:a16="http://schemas.microsoft.com/office/drawing/2014/main" xmlns="" id="{235359B9-73D6-455A-909C-B2C9A664E352}"/>
               </a:ext>
             </a:extLst>
           </p:cNvPr>
@@ -30020,7 +30020,7 @@
           <p:cNvPr id="4098" name="Picture 2">
             <a:extLst>
               <a:ext uri="{FF2B5EF4-FFF2-40B4-BE49-F238E27FC236}">
-                <a16:creationId xmlns="" xmlns:a16="http://schemas.microsoft.com/office/drawing/2014/main" id="{3367DA65-9A7D-4005-89AD-DE3EFA647710}"/>
+                <a16:creationId xmlns:a16="http://schemas.microsoft.com/office/drawing/2014/main" xmlns="" id="{3367DA65-9A7D-4005-89AD-DE3EFA647710}"/>
               </a:ext>
             </a:extLst>
           </p:cNvPr>
@@ -30067,7 +30067,7 @@
           <p:cNvPr id="4100" name="Picture 4">
             <a:extLst>
               <a:ext uri="{FF2B5EF4-FFF2-40B4-BE49-F238E27FC236}">
-                <a16:creationId xmlns="" xmlns:a16="http://schemas.microsoft.com/office/drawing/2014/main" id="{C46BE4E4-D50E-4708-A290-51FC72C7C2BD}"/>
+                <a16:creationId xmlns:a16="http://schemas.microsoft.com/office/drawing/2014/main" xmlns="" id="{C46BE4E4-D50E-4708-A290-51FC72C7C2BD}"/>
               </a:ext>
             </a:extLst>
           </p:cNvPr>
@@ -30153,7 +30153,7 @@
           <p:cNvPr id="2" name="Title 1">
             <a:extLst>
               <a:ext uri="{FF2B5EF4-FFF2-40B4-BE49-F238E27FC236}">
-                <a16:creationId xmlns="" xmlns:a16="http://schemas.microsoft.com/office/drawing/2014/main" id="{632BE5BF-9922-45FB-8F3F-4446D40A051B}"/>
+                <a16:creationId xmlns:a16="http://schemas.microsoft.com/office/drawing/2014/main" xmlns="" id="{632BE5BF-9922-45FB-8F3F-4446D40A051B}"/>
               </a:ext>
             </a:extLst>
           </p:cNvPr>
@@ -30232,7 +30232,7 @@
           <p:cNvPr id="71" name="Title 1">
             <a:extLst>
               <a:ext uri="{FF2B5EF4-FFF2-40B4-BE49-F238E27FC236}">
-                <a16:creationId xmlns="" xmlns:a16="http://schemas.microsoft.com/office/drawing/2014/main" id="{D802FE8E-9913-389D-CAC5-585A88872A15}"/>
+                <a16:creationId xmlns:a16="http://schemas.microsoft.com/office/drawing/2014/main" xmlns="" id="{D802FE8E-9913-389D-CAC5-585A88872A15}"/>
               </a:ext>
             </a:extLst>
           </p:cNvPr>
@@ -30265,7 +30265,7 @@
           <p:cNvPr id="2" name="Slide Number Placeholder 1">
             <a:extLst>
               <a:ext uri="{FF2B5EF4-FFF2-40B4-BE49-F238E27FC236}">
-                <a16:creationId xmlns="" xmlns:a16="http://schemas.microsoft.com/office/drawing/2014/main" id="{A2A56D48-F061-430B-87D0-71C9E9B46879}"/>
+                <a16:creationId xmlns:a16="http://schemas.microsoft.com/office/drawing/2014/main" xmlns="" id="{A2A56D48-F061-430B-87D0-71C9E9B46879}"/>
               </a:ext>
             </a:extLst>
           </p:cNvPr>
@@ -30311,7 +30311,7 @@
           <p:cNvPr id="73" name="Text Placeholder 3">
             <a:extLst>
               <a:ext uri="{FF2B5EF4-FFF2-40B4-BE49-F238E27FC236}">
-                <a16:creationId xmlns="" xmlns:a16="http://schemas.microsoft.com/office/drawing/2014/main" id="{C182B808-D70D-FF91-50C0-BFA7FE393E8C}"/>
+                <a16:creationId xmlns:a16="http://schemas.microsoft.com/office/drawing/2014/main" xmlns="" id="{C182B808-D70D-FF91-50C0-BFA7FE393E8C}"/>
               </a:ext>
             </a:extLst>
           </p:cNvPr>
@@ -30384,7 +30384,7 @@
           <p:cNvPr id="3074" name="Picture 2" descr="King County, WA Property Tax Calculator - SmartAsset">
             <a:extLst>
               <a:ext uri="{FF2B5EF4-FFF2-40B4-BE49-F238E27FC236}">
-                <a16:creationId xmlns="" xmlns:a16="http://schemas.microsoft.com/office/drawing/2014/main" id="{6C729D14-CA46-418C-B1CD-A24647066CB3}"/>
+                <a16:creationId xmlns:a16="http://schemas.microsoft.com/office/drawing/2014/main" xmlns="" id="{6C729D14-CA46-418C-B1CD-A24647066CB3}"/>
               </a:ext>
             </a:extLst>
           </p:cNvPr>
@@ -30459,7 +30459,7 @@
           <p:cNvPr id="7" name="Title 6">
             <a:extLst>
               <a:ext uri="{FF2B5EF4-FFF2-40B4-BE49-F238E27FC236}">
-                <a16:creationId xmlns="" xmlns:a16="http://schemas.microsoft.com/office/drawing/2014/main" id="{7875C19A-1AAE-476A-A316-A2CF92D763D3}"/>
+                <a16:creationId xmlns:a16="http://schemas.microsoft.com/office/drawing/2014/main" xmlns="" id="{7875C19A-1AAE-476A-A316-A2CF92D763D3}"/>
               </a:ext>
             </a:extLst>
           </p:cNvPr>
@@ -30487,7 +30487,7 @@
           <p:cNvPr id="10" name="Text Placeholder 9">
             <a:extLst>
               <a:ext uri="{FF2B5EF4-FFF2-40B4-BE49-F238E27FC236}">
-                <a16:creationId xmlns="" xmlns:a16="http://schemas.microsoft.com/office/drawing/2014/main" id="{EF2BC084-E6DB-4DE7-B309-042A85EBA700}"/>
+                <a16:creationId xmlns:a16="http://schemas.microsoft.com/office/drawing/2014/main" xmlns="" id="{EF2BC084-E6DB-4DE7-B309-042A85EBA700}"/>
               </a:ext>
             </a:extLst>
           </p:cNvPr>
@@ -30559,7 +30559,7 @@
           <p:cNvPr id="2" name="Slide Number Placeholder 1">
             <a:extLst>
               <a:ext uri="{FF2B5EF4-FFF2-40B4-BE49-F238E27FC236}">
-                <a16:creationId xmlns="" xmlns:a16="http://schemas.microsoft.com/office/drawing/2014/main" id="{BE9800F6-D571-48C4-8466-12AA1ADB6599}"/>
+                <a16:creationId xmlns:a16="http://schemas.microsoft.com/office/drawing/2014/main" xmlns="" id="{BE9800F6-D571-48C4-8466-12AA1ADB6599}"/>
               </a:ext>
             </a:extLst>
           </p:cNvPr>
@@ -30638,7 +30638,7 @@
           <p:cNvPr id="2" name="Slide Number Placeholder 1">
             <a:extLst>
               <a:ext uri="{FF2B5EF4-FFF2-40B4-BE49-F238E27FC236}">
-                <a16:creationId xmlns="" xmlns:a16="http://schemas.microsoft.com/office/drawing/2014/main" id="{520FC4EE-F318-4344-9E3C-B950ADB63865}"/>
+                <a16:creationId xmlns:a16="http://schemas.microsoft.com/office/drawing/2014/main" xmlns="" id="{520FC4EE-F318-4344-9E3C-B950ADB63865}"/>
               </a:ext>
             </a:extLst>
           </p:cNvPr>
@@ -30668,7 +30668,7 @@
           <p:cNvPr id="7" name="Text Placeholder 6">
             <a:extLst>
               <a:ext uri="{FF2B5EF4-FFF2-40B4-BE49-F238E27FC236}">
-                <a16:creationId xmlns="" xmlns:a16="http://schemas.microsoft.com/office/drawing/2014/main" id="{B74126B4-1E6C-4FFF-9282-40E18A85A07F}"/>
+                <a16:creationId xmlns:a16="http://schemas.microsoft.com/office/drawing/2014/main" xmlns="" id="{B74126B4-1E6C-4FFF-9282-40E18A85A07F}"/>
               </a:ext>
             </a:extLst>
           </p:cNvPr>
@@ -30696,7 +30696,7 @@
           <p:cNvPr id="5" name="Text Placeholder 4">
             <a:extLst>
               <a:ext uri="{FF2B5EF4-FFF2-40B4-BE49-F238E27FC236}">
-                <a16:creationId xmlns="" xmlns:a16="http://schemas.microsoft.com/office/drawing/2014/main" id="{E0C87788-476B-4620-8002-A5C1177AD6C1}"/>
+                <a16:creationId xmlns:a16="http://schemas.microsoft.com/office/drawing/2014/main" xmlns="" id="{E0C87788-476B-4620-8002-A5C1177AD6C1}"/>
               </a:ext>
             </a:extLst>
           </p:cNvPr>
@@ -30737,7 +30737,7 @@
           <p:cNvPr id="8" name="Text Placeholder 7">
             <a:extLst>
               <a:ext uri="{FF2B5EF4-FFF2-40B4-BE49-F238E27FC236}">
-                <a16:creationId xmlns="" xmlns:a16="http://schemas.microsoft.com/office/drawing/2014/main" id="{47DC4E62-1A34-4F98-A451-214F1808519C}"/>
+                <a16:creationId xmlns:a16="http://schemas.microsoft.com/office/drawing/2014/main" xmlns="" id="{47DC4E62-1A34-4F98-A451-214F1808519C}"/>
               </a:ext>
             </a:extLst>
           </p:cNvPr>
@@ -30782,7 +30782,7 @@
           <p:cNvPr id="6" name="Text Placeholder 5">
             <a:extLst>
               <a:ext uri="{FF2B5EF4-FFF2-40B4-BE49-F238E27FC236}">
-                <a16:creationId xmlns="" xmlns:a16="http://schemas.microsoft.com/office/drawing/2014/main" id="{000A9570-5EF6-4AFB-9FCA-7C8998E3FEB1}"/>
+                <a16:creationId xmlns:a16="http://schemas.microsoft.com/office/drawing/2014/main" xmlns="" id="{000A9570-5EF6-4AFB-9FCA-7C8998E3FEB1}"/>
               </a:ext>
             </a:extLst>
           </p:cNvPr>
@@ -30909,7 +30909,7 @@
           <p:cNvPr id="2" name="slide2" descr="Dashboard 1">
             <a:extLst>
               <a:ext uri="{FF2B5EF4-FFF2-40B4-BE49-F238E27FC236}">
-                <a16:creationId xmlns="" xmlns:a16="http://schemas.microsoft.com/office/drawing/2014/main" id="{54A7EA2E-4986-408D-BFC8-394272624144}"/>
+                <a16:creationId xmlns:a16="http://schemas.microsoft.com/office/drawing/2014/main" xmlns="" id="{54A7EA2E-4986-408D-BFC8-394272624144}"/>
               </a:ext>
             </a:extLst>
           </p:cNvPr>
@@ -30945,7 +30945,7 @@
           <p:cNvPr id="5" name="Title 4">
             <a:extLst>
               <a:ext uri="{FF2B5EF4-FFF2-40B4-BE49-F238E27FC236}">
-                <a16:creationId xmlns="" xmlns:a16="http://schemas.microsoft.com/office/drawing/2014/main" id="{4EB3640F-7B1B-44E0-A61D-D171786866AF}"/>
+                <a16:creationId xmlns:a16="http://schemas.microsoft.com/office/drawing/2014/main" xmlns="" id="{4EB3640F-7B1B-44E0-A61D-D171786866AF}"/>
               </a:ext>
             </a:extLst>
           </p:cNvPr>
@@ -31010,7 +31010,7 @@
           <p:cNvPr id="2" name="Title 1">
             <a:extLst>
               <a:ext uri="{FF2B5EF4-FFF2-40B4-BE49-F238E27FC236}">
-                <a16:creationId xmlns="" xmlns:a16="http://schemas.microsoft.com/office/drawing/2014/main" id="{632BE5BF-9922-45FB-8F3F-4446D40A051B}"/>
+                <a16:creationId xmlns:a16="http://schemas.microsoft.com/office/drawing/2014/main" xmlns="" id="{632BE5BF-9922-45FB-8F3F-4446D40A051B}"/>
               </a:ext>
             </a:extLst>
           </p:cNvPr>
@@ -31040,7 +31040,7 @@
           <p:cNvPr id="8" name="Slide Number Placeholder 2">
             <a:extLst>
               <a:ext uri="{FF2B5EF4-FFF2-40B4-BE49-F238E27FC236}">
-                <a16:creationId xmlns="" xmlns:a16="http://schemas.microsoft.com/office/drawing/2014/main" id="{49D24FB4-149E-9A65-378F-F4728BC33A3A}"/>
+                <a16:creationId xmlns:a16="http://schemas.microsoft.com/office/drawing/2014/main" xmlns="" id="{49D24FB4-149E-9A65-378F-F4728BC33A3A}"/>
               </a:ext>
             </a:extLst>
           </p:cNvPr>
@@ -31079,7 +31079,7 @@
           <p:cNvPr id="9" name="Content Placeholder 8">
             <a:extLst>
               <a:ext uri="{FF2B5EF4-FFF2-40B4-BE49-F238E27FC236}">
-                <a16:creationId xmlns="" xmlns:a16="http://schemas.microsoft.com/office/drawing/2014/main" id="{3773AA00-D252-4DC6-870A-1C13A52E2736}"/>
+                <a16:creationId xmlns:a16="http://schemas.microsoft.com/office/drawing/2014/main" xmlns="" id="{3773AA00-D252-4DC6-870A-1C13A52E2736}"/>
               </a:ext>
             </a:extLst>
           </p:cNvPr>
@@ -31162,7 +31162,11 @@
           <a:p>
             <a:r>
               <a:rPr lang="de-DE" dirty="0" smtClean="0"/>
-              <a:t>Data Transformation</a:t>
+              <a:t>Data </a:t>
+            </a:r>
+            <a:r>
+              <a:rPr lang="de-DE" dirty="0" err="1" smtClean="0"/>
+              <a:t>Wrangling</a:t>
             </a:r>
             <a:endParaRPr lang="de-DE" dirty="0"/>
           </a:p>
@@ -31482,7 +31486,7 @@
           <p:cNvPr id="3" name="Title 2">
             <a:extLst>
               <a:ext uri="{FF2B5EF4-FFF2-40B4-BE49-F238E27FC236}">
-                <a16:creationId xmlns="" xmlns:a16="http://schemas.microsoft.com/office/drawing/2014/main" id="{2D3A9A61-40C1-4373-90F0-17970C73A1FD}"/>
+                <a16:creationId xmlns:a16="http://schemas.microsoft.com/office/drawing/2014/main" xmlns="" id="{2D3A9A61-40C1-4373-90F0-17970C73A1FD}"/>
               </a:ext>
             </a:extLst>
           </p:cNvPr>
@@ -31511,7 +31515,7 @@
           <p:cNvPr id="2" name="Slide Number Placeholder 1">
             <a:extLst>
               <a:ext uri="{FF2B5EF4-FFF2-40B4-BE49-F238E27FC236}">
-                <a16:creationId xmlns="" xmlns:a16="http://schemas.microsoft.com/office/drawing/2014/main" id="{073D4604-0D28-4C2F-B4AA-99E4E723CF92}"/>
+                <a16:creationId xmlns:a16="http://schemas.microsoft.com/office/drawing/2014/main" xmlns="" id="{073D4604-0D28-4C2F-B4AA-99E4E723CF92}"/>
               </a:ext>
             </a:extLst>
           </p:cNvPr>
@@ -32204,7 +32208,7 @@
   <a:extraClrSchemeLst/>
   <a:extLst>
     <a:ext uri="{05A4C25C-085E-4340-85A3-A5531E510DB2}">
-      <thm15:themeFamily xmlns="" xmlns:thm15="http://schemas.microsoft.com/office/thememl/2012/main" name="TF66687569_Modern blue presentation_AAS_v5" id="{C7B59113-CD15-4341-96CA-86E715D5BE98}" vid="{5A8FDAEB-3DF3-4B3C-A708-49813F8D6F85}"/>
+      <thm15:themeFamily xmlns:thm15="http://schemas.microsoft.com/office/thememl/2012/main" xmlns="" name="TF66687569_Modern blue presentation_AAS_v5" id="{C7B59113-CD15-4341-96CA-86E715D5BE98}" vid="{5A8FDAEB-3DF3-4B3C-A708-49813F8D6F85}"/>
     </a:ext>
   </a:extLst>
 </a:theme>
@@ -32499,7 +32503,7 @@
   <a:extraClrSchemeLst/>
   <a:extLst>
     <a:ext uri="{05A4C25C-085E-4340-85A3-A5531E510DB2}">
-      <thm15:themeFamily xmlns="" xmlns:thm15="http://schemas.microsoft.com/office/thememl/2012/main" name="Office Theme" id="{62F939B6-93AF-4DB8-9C6B-D6C7DFDC589F}" vid="{4A3C46E8-61CC-4603-A589-7422A47A8E4A}"/>
+      <thm15:themeFamily xmlns:thm15="http://schemas.microsoft.com/office/thememl/2012/main" xmlns="" name="Office Theme" id="{62F939B6-93AF-4DB8-9C6B-D6C7DFDC589F}" vid="{4A3C46E8-61CC-4603-A589-7422A47A8E4A}"/>
     </a:ext>
   </a:extLst>
 </a:theme>
@@ -32794,13 +32798,30 @@
   <a:extraClrSchemeLst/>
   <a:extLst>
     <a:ext uri="{05A4C25C-085E-4340-85A3-A5531E510DB2}">
-      <thm15:themeFamily xmlns="" xmlns:thm15="http://schemas.microsoft.com/office/thememl/2012/main" name="Office Theme" id="{62F939B6-93AF-4DB8-9C6B-D6C7DFDC589F}" vid="{4A3C46E8-61CC-4603-A589-7422A47A8E4A}"/>
+      <thm15:themeFamily xmlns:thm15="http://schemas.microsoft.com/office/thememl/2012/main" xmlns="" name="Office Theme" id="{62F939B6-93AF-4DB8-9C6B-D6C7DFDC589F}" vid="{4A3C46E8-61CC-4603-A589-7422A47A8E4A}"/>
     </a:ext>
   </a:extLst>
 </a:theme>
 </file>
 
 <file path=customXml/item1.xml><?xml version="1.0" encoding="utf-8"?>
+<p:properties xmlns:p="http://schemas.microsoft.com/office/2006/metadata/properties" xmlns:xsi="http://www.w3.org/2001/XMLSchema-instance" xmlns:pc="http://schemas.microsoft.com/office/infopath/2007/PartnerControls">
+  <documentManagement>
+    <MediaServiceKeyPoints xmlns="71af3243-3dd4-4a8d-8c0d-dd76da1f02a5" xsi:nil="true"/>
+  </documentManagement>
+</p:properties>
+</file>
+
+<file path=customXml/item2.xml><?xml version="1.0" encoding="utf-8"?>
+<?mso-contentType ?>
+<FormTemplates xmlns="http://schemas.microsoft.com/sharepoint/v3/contenttype/forms">
+  <Display>DocumentLibraryForm</Display>
+  <Edit>DocumentLibraryForm</Edit>
+  <New>DocumentLibraryForm</New>
+</FormTemplates>
+</file>
+
+<file path=customXml/item3.xml><?xml version="1.0" encoding="utf-8"?>
 <ct:contentTypeSchema xmlns:ct="http://schemas.microsoft.com/office/2006/metadata/contentType" xmlns:ma="http://schemas.microsoft.com/office/2006/metadata/properties/metaAttributes" ct:_="" ma:_="" ma:contentTypeName="Document" ma:contentTypeID="0x01010079F111ED35F8CC479449609E8A0923A6" ma:contentTypeVersion="11" ma:contentTypeDescription="Create a new document." ma:contentTypeScope="" ma:versionID="96291512c1ee715ab617f4c07df79fc1">
   <xsd:schema xmlns:xsd="http://www.w3.org/2001/XMLSchema" xmlns:xs="http://www.w3.org/2001/XMLSchema" xmlns:p="http://schemas.microsoft.com/office/2006/metadata/properties" xmlns:ns2="71af3243-3dd4-4a8d-8c0d-dd76da1f02a5" xmlns:ns3="16c05727-aa75-4e4a-9b5f-8a80a1165891" targetNamespace="http://schemas.microsoft.com/office/2006/metadata/properties" ma:root="true" ma:fieldsID="8256c27c40ca5c40ce1cf6c44f0205df" ns2:_="" ns3:_="">
     <xsd:import namespace="71af3243-3dd4-4a8d-8c0d-dd76da1f02a5"/>
@@ -33011,24 +33032,32 @@
 </ct:contentTypeSchema>
 </file>
 
-<file path=customXml/item2.xml><?xml version="1.0" encoding="utf-8"?>
-<?mso-contentType ?>
-<FormTemplates xmlns="http://schemas.microsoft.com/sharepoint/v3/contenttype/forms">
-  <Display>DocumentLibraryForm</Display>
-  <Edit>DocumentLibraryForm</Edit>
-  <New>DocumentLibraryForm</New>
-</FormTemplates>
+<file path=customXml/itemProps1.xml><?xml version="1.0" encoding="utf-8"?>
+<ds:datastoreItem xmlns:ds="http://schemas.openxmlformats.org/officeDocument/2006/customXml" ds:itemID="{F5757914-1161-4661-9696-421FD6935CDD}">
+  <ds:schemaRefs>
+    <ds:schemaRef ds:uri="http://purl.org/dc/terms/"/>
+    <ds:schemaRef ds:uri="16c05727-aa75-4e4a-9b5f-8a80a1165891"/>
+    <ds:schemaRef ds:uri="http://schemas.microsoft.com/office/infopath/2007/PartnerControls"/>
+    <ds:schemaRef ds:uri="http://www.w3.org/XML/1998/namespace"/>
+    <ds:schemaRef ds:uri="71af3243-3dd4-4a8d-8c0d-dd76da1f02a5"/>
+    <ds:schemaRef ds:uri="http://schemas.microsoft.com/office/2006/metadata/properties"/>
+    <ds:schemaRef ds:uri="http://schemas.microsoft.com/office/2006/documentManagement/types"/>
+    <ds:schemaRef ds:uri="http://schemas.openxmlformats.org/package/2006/metadata/core-properties"/>
+    <ds:schemaRef ds:uri="http://purl.org/dc/dcmitype/"/>
+    <ds:schemaRef ds:uri="http://purl.org/dc/elements/1.1/"/>
+  </ds:schemaRefs>
+</ds:datastoreItem>
 </file>
 
-<file path=customXml/item3.xml><?xml version="1.0" encoding="utf-8"?>
-<p:properties xmlns:p="http://schemas.microsoft.com/office/2006/metadata/properties" xmlns:xsi="http://www.w3.org/2001/XMLSchema-instance" xmlns:pc="http://schemas.microsoft.com/office/infopath/2007/PartnerControls">
-  <documentManagement>
-    <MediaServiceKeyPoints xmlns="71af3243-3dd4-4a8d-8c0d-dd76da1f02a5" xsi:nil="true"/>
-  </documentManagement>
-</p:properties>
+<file path=customXml/itemProps2.xml><?xml version="1.0" encoding="utf-8"?>
+<ds:datastoreItem xmlns:ds="http://schemas.openxmlformats.org/officeDocument/2006/customXml" ds:itemID="{5B26E0C9-B2AA-42E6-97B6-E1B7D9EAF129}">
+  <ds:schemaRefs>
+    <ds:schemaRef ds:uri="http://schemas.microsoft.com/sharepoint/v3/contenttype/forms"/>
+  </ds:schemaRefs>
+</ds:datastoreItem>
 </file>
 
-<file path=customXml/itemProps1.xml><?xml version="1.0" encoding="utf-8"?>
+<file path=customXml/itemProps3.xml><?xml version="1.0" encoding="utf-8"?>
 <ds:datastoreItem xmlns:ds="http://schemas.openxmlformats.org/officeDocument/2006/customXml" ds:itemID="{4C103400-4A22-4E35-B588-4C4D42638959}">
   <ds:schemaRefs>
     <ds:schemaRef ds:uri="http://schemas.microsoft.com/office/2006/metadata/contentType"/>
@@ -33045,29 +33074,4 @@
     <ds:schemaRef ds:uri="http://schemas.microsoft.com/internal/obd"/>
   </ds:schemaRefs>
 </ds:datastoreItem>
-</file>
-
-<file path=customXml/itemProps2.xml><?xml version="1.0" encoding="utf-8"?>
-<ds:datastoreItem xmlns:ds="http://schemas.openxmlformats.org/officeDocument/2006/customXml" ds:itemID="{5B26E0C9-B2AA-42E6-97B6-E1B7D9EAF129}">
-  <ds:schemaRefs>
-    <ds:schemaRef ds:uri="http://schemas.microsoft.com/sharepoint/v3/contenttype/forms"/>
-  </ds:schemaRefs>
-</ds:datastoreItem>
-</file>
-
-<file path=customXml/itemProps3.xml><?xml version="1.0" encoding="utf-8"?>
-<ds:datastoreItem xmlns:ds="http://schemas.openxmlformats.org/officeDocument/2006/customXml" ds:itemID="{F5757914-1161-4661-9696-421FD6935CDD}">
-  <ds:schemaRefs>
-    <ds:schemaRef ds:uri="http://purl.org/dc/terms/"/>
-    <ds:schemaRef ds:uri="16c05727-aa75-4e4a-9b5f-8a80a1165891"/>
-    <ds:schemaRef ds:uri="http://schemas.microsoft.com/office/infopath/2007/PartnerControls"/>
-    <ds:schemaRef ds:uri="http://www.w3.org/XML/1998/namespace"/>
-    <ds:schemaRef ds:uri="71af3243-3dd4-4a8d-8c0d-dd76da1f02a5"/>
-    <ds:schemaRef ds:uri="http://schemas.microsoft.com/office/2006/metadata/properties"/>
-    <ds:schemaRef ds:uri="http://schemas.microsoft.com/office/2006/documentManagement/types"/>
-    <ds:schemaRef ds:uri="http://schemas.openxmlformats.org/package/2006/metadata/core-properties"/>
-    <ds:schemaRef ds:uri="http://purl.org/dc/dcmitype/"/>
-    <ds:schemaRef ds:uri="http://purl.org/dc/elements/1.1/"/>
-  </ds:schemaRefs>
-</ds:datastoreItem>
 </file>
--- a/Final PresentationKC.pptx
+++ b/Final PresentationKC.pptx
@@ -153,6 +153,43 @@
     <p1510:client id="{B835A7A6-C4BB-466B-A959-DB40C8A01768}" v="28" dt="2022-04-22T04:13:53.421"/>
   </p1510:revLst>
 </p1510:revInfo>
+</file>
+
+<file path=ppt/changesInfos/changesInfo1.xml><?xml version="1.0" encoding="utf-8"?>
+<pc:chgInfo xmlns:a="http://schemas.openxmlformats.org/drawingml/2006/main" xmlns:r="http://schemas.openxmlformats.org/officeDocument/2006/relationships" xmlns:ac="http://schemas.microsoft.com/office/drawing/2013/main/command" xmlns:pc="http://schemas.microsoft.com/office/powerpoint/2013/main/command">
+  <pc:docChgLst>
+    <pc:chgData name="Elizabeth Shogbanmu" userId="1162257865d60e53" providerId="LiveId" clId="{B8861D86-264A-4092-B75B-201D0E8D64F7}"/>
+    <pc:docChg chg="custSel modSld">
+      <pc:chgData name="Elizabeth Shogbanmu" userId="1162257865d60e53" providerId="LiveId" clId="{B8861D86-264A-4092-B75B-201D0E8D64F7}" dt="2022-04-22T11:38:25.897" v="769" actId="20577"/>
+      <pc:docMkLst>
+        <pc:docMk/>
+      </pc:docMkLst>
+      <pc:sldChg chg="modSp mod">
+        <pc:chgData name="Elizabeth Shogbanmu" userId="1162257865d60e53" providerId="LiveId" clId="{B8861D86-264A-4092-B75B-201D0E8D64F7}" dt="2022-04-22T11:38:25.897" v="769" actId="20577"/>
+        <pc:sldMkLst>
+          <pc:docMk/>
+          <pc:sldMk cId="3607270498" sldId="261"/>
+        </pc:sldMkLst>
+        <pc:spChg chg="mod">
+          <ac:chgData name="Elizabeth Shogbanmu" userId="1162257865d60e53" providerId="LiveId" clId="{B8861D86-264A-4092-B75B-201D0E8D64F7}" dt="2022-04-22T10:54:01.252" v="1" actId="14100"/>
+          <ac:spMkLst>
+            <pc:docMk/>
+            <pc:sldMk cId="3607270498" sldId="261"/>
+            <ac:spMk id="5" creationId="{E0C87788-476B-4620-8002-A5C1177AD6C1}"/>
+          </ac:spMkLst>
+        </pc:spChg>
+        <pc:spChg chg="mod">
+          <ac:chgData name="Elizabeth Shogbanmu" userId="1162257865d60e53" providerId="LiveId" clId="{B8861D86-264A-4092-B75B-201D0E8D64F7}" dt="2022-04-22T11:38:25.897" v="769" actId="20577"/>
+          <ac:spMkLst>
+            <pc:docMk/>
+            <pc:sldMk cId="3607270498" sldId="261"/>
+            <ac:spMk id="6" creationId="{000A9570-5EF6-4AFB-9FCA-7C8998E3FEB1}"/>
+          </ac:spMkLst>
+        </pc:spChg>
+      </pc:sldChg>
+    </pc:docChg>
+  </pc:docChgLst>
+</pc:chgInfo>
 </file>
 
 <file path=ppt/diagrams/colors1.xml><?xml version="1.0" encoding="utf-8"?>
@@ -3285,7 +3322,7 @@
           <a:p>
             <a:fld id="{1CA5457B-CDAE-4DEB-AEC8-C82DE2312E37}" type="datetimeFigureOut">
               <a:rPr lang="en-US" smtClean="0"/>
-              <a:t>4/21/2022</a:t>
+              <a:t>4/22/2022</a:t>
             </a:fld>
             <a:endParaRPr lang="en-US" dirty="0"/>
           </a:p>
@@ -3462,7 +3499,7 @@
           <a:p>
             <a:fld id="{090B78EA-28CE-41D8-9043-90E391E5F567}" type="datetimeFigureOut">
               <a:rPr lang="en-US" noProof="0" smtClean="0"/>
-              <a:t>4/21/2022</a:t>
+              <a:t>4/22/2022</a:t>
             </a:fld>
             <a:endParaRPr lang="en-US" noProof="0" dirty="0"/>
           </a:p>
@@ -29889,15 +29926,6 @@
           <a:solidFill>
             <a:srgbClr val="FFFFFF"/>
           </a:solidFill>
-          <a:extLst>
-            <a:ext uri="{909E8E84-426E-40DD-AFC4-6F175D3DCCD1}">
-              <a14:hiddenFill xmlns:a14="http://schemas.microsoft.com/office/drawing/2010/main">
-                <a:solidFill>
-                  <a:srgbClr val="FFFFFF"/>
-                </a:solidFill>
-              </a14:hiddenFill>
-            </a:ext>
-          </a:extLst>
         </p:spPr>
       </p:pic>
     </p:spTree>
@@ -30206,8 +30234,8 @@
         </p:nvSpPr>
         <p:spPr>
           <a:xfrm>
-            <a:off x="6500813" y="1681163"/>
-            <a:ext cx="5157788" cy="3237678"/>
+            <a:off x="6475412" y="1681163"/>
+            <a:ext cx="5183189" cy="3237678"/>
           </a:xfrm>
         </p:spPr>
         <p:txBody>
@@ -30301,6 +30329,24 @@
           <a:lstStyle/>
           <a:p>
             <a:endParaRPr lang="en-US" dirty="0"/>
+          </a:p>
+          <a:p>
+            <a:r>
+              <a:rPr lang="en-US" dirty="0"/>
+              <a:t>The data set contains records of  21,597 houses sold in King County and 21 features</a:t>
+            </a:r>
+          </a:p>
+          <a:p>
+            <a:r>
+              <a:rPr lang="en-US" dirty="0"/>
+              <a:t>On the average, the house price for a 3bedroom house(which is the most common based on count) is $466,277</a:t>
+            </a:r>
+          </a:p>
+          <a:p>
+            <a:r>
+              <a:rPr lang="en-US" dirty="0"/>
+              <a:t>Price is the target variable and other features include structure and location.</a:t>
+            </a:r>
           </a:p>
           <a:p>
             <a:endParaRPr lang="en-US" dirty="0"/>
@@ -31819,15 +31865,6 @@
 </file>
 
 <file path=customXml/item1.xml><?xml version="1.0" encoding="utf-8"?>
-<?mso-contentType ?>
-<FormTemplates xmlns="http://schemas.microsoft.com/sharepoint/v3/contenttype/forms">
-  <Display>DocumentLibraryForm</Display>
-  <Edit>DocumentLibraryForm</Edit>
-  <New>DocumentLibraryForm</New>
-</FormTemplates>
-</file>
-
-<file path=customXml/item2.xml><?xml version="1.0" encoding="utf-8"?>
 <ct:contentTypeSchema xmlns:ct="http://schemas.microsoft.com/office/2006/metadata/contentType" xmlns:ma="http://schemas.microsoft.com/office/2006/metadata/properties/metaAttributes" ct:_="" ma:_="" ma:contentTypeName="Document" ma:contentTypeID="0x01010079F111ED35F8CC479449609E8A0923A6" ma:contentTypeVersion="11" ma:contentTypeDescription="Create a new document." ma:contentTypeScope="" ma:versionID="96291512c1ee715ab617f4c07df79fc1">
   <xsd:schema xmlns:xsd="http://www.w3.org/2001/XMLSchema" xmlns:xs="http://www.w3.org/2001/XMLSchema" xmlns:p="http://schemas.microsoft.com/office/2006/metadata/properties" xmlns:ns2="71af3243-3dd4-4a8d-8c0d-dd76da1f02a5" xmlns:ns3="16c05727-aa75-4e4a-9b5f-8a80a1165891" targetNamespace="http://schemas.microsoft.com/office/2006/metadata/properties" ma:root="true" ma:fieldsID="8256c27c40ca5c40ce1cf6c44f0205df" ns2:_="" ns3:_="">
     <xsd:import namespace="71af3243-3dd4-4a8d-8c0d-dd76da1f02a5"/>
@@ -32038,6 +32075,15 @@
 </ct:contentTypeSchema>
 </file>
 
+<file path=customXml/item2.xml><?xml version="1.0" encoding="utf-8"?>
+<?mso-contentType ?>
+<FormTemplates xmlns="http://schemas.microsoft.com/sharepoint/v3/contenttype/forms">
+  <Display>DocumentLibraryForm</Display>
+  <Edit>DocumentLibraryForm</Edit>
+  <New>DocumentLibraryForm</New>
+</FormTemplates>
+</file>
+
 <file path=customXml/item3.xml><?xml version="1.0" encoding="utf-8"?>
 <p:properties xmlns:p="http://schemas.microsoft.com/office/2006/metadata/properties" xmlns:xsi="http://www.w3.org/2001/XMLSchema-instance" xmlns:pc="http://schemas.microsoft.com/office/infopath/2007/PartnerControls">
   <documentManagement>
@@ -32047,14 +32093,6 @@
 </file>
 
 <file path=customXml/itemProps1.xml><?xml version="1.0" encoding="utf-8"?>
-<ds:datastoreItem xmlns:ds="http://schemas.openxmlformats.org/officeDocument/2006/customXml" ds:itemID="{5B26E0C9-B2AA-42E6-97B6-E1B7D9EAF129}">
-  <ds:schemaRefs>
-    <ds:schemaRef ds:uri="http://schemas.microsoft.com/sharepoint/v3/contenttype/forms"/>
-  </ds:schemaRefs>
-</ds:datastoreItem>
-</file>
-
-<file path=customXml/itemProps2.xml><?xml version="1.0" encoding="utf-8"?>
 <ds:datastoreItem xmlns:ds="http://schemas.openxmlformats.org/officeDocument/2006/customXml" ds:itemID="{4C103400-4A22-4E35-B588-4C4D42638959}">
   <ds:schemaRefs>
     <ds:schemaRef ds:uri="http://schemas.microsoft.com/office/2006/metadata/contentType"/>
@@ -32069,6 +32107,14 @@
     <ds:schemaRef ds:uri="http://purl.org/dc/elements/1.1/"/>
     <ds:schemaRef ds:uri="http://purl.org/dc/terms/"/>
     <ds:schemaRef ds:uri="http://schemas.microsoft.com/internal/obd"/>
+  </ds:schemaRefs>
+</ds:datastoreItem>
+</file>
+
+<file path=customXml/itemProps2.xml><?xml version="1.0" encoding="utf-8"?>
+<ds:datastoreItem xmlns:ds="http://schemas.openxmlformats.org/officeDocument/2006/customXml" ds:itemID="{5B26E0C9-B2AA-42E6-97B6-E1B7D9EAF129}">
+  <ds:schemaRefs>
+    <ds:schemaRef ds:uri="http://schemas.microsoft.com/sharepoint/v3/contenttype/forms"/>
   </ds:schemaRefs>
 </ds:datastoreItem>
 </file>

--- a/Final PresentationKC.pptx
+++ b/Final PresentationKC.pptx
@@ -5,10 +5,10 @@
     <p:sldMasterId id="2147483648" r:id="rId4"/>
   </p:sldMasterIdLst>
   <p:notesMasterIdLst>
-    <p:notesMasterId r:id="rId20"/>
+    <p:notesMasterId r:id="rId21"/>
   </p:notesMasterIdLst>
   <p:handoutMasterIdLst>
-    <p:handoutMasterId r:id="rId21"/>
+    <p:handoutMasterId r:id="rId22"/>
   </p:handoutMasterIdLst>
   <p:sldIdLst>
     <p:sldId id="294" r:id="rId5"/>
@@ -25,7 +25,8 @@
     <p:sldId id="303" r:id="rId16"/>
     <p:sldId id="305" r:id="rId17"/>
     <p:sldId id="287" r:id="rId18"/>
-    <p:sldId id="269" r:id="rId19"/>
+    <p:sldId id="306" r:id="rId19"/>
+    <p:sldId id="269" r:id="rId20"/>
   </p:sldIdLst>
   <p:sldSz cx="12192000" cy="6858000"/>
   <p:notesSz cx="6858000" cy="9144000"/>
@@ -126,7 +127,7 @@
   </p:defaultTextStyle>
   <p:extLst>
     <p:ext uri="{EFAFB233-063F-42B5-8137-9DF3F51BA10A}">
-      <p15:sldGuideLst xmlns:p15="http://schemas.microsoft.com/office/powerpoint/2012/main">
+      <p15:sldGuideLst xmlns:p15="http://schemas.microsoft.com/office/powerpoint/2012/main" xmlns="">
         <p15:guide id="1" orient="horz" pos="2160" userDrawn="1">
           <p15:clr>
             <a:srgbClr val="A4A3A4"/>
@@ -140,7 +141,7 @@
       </p15:sldGuideLst>
     </p:ext>
     <p:ext uri="{2D200454-40CA-4A62-9FC3-DE9A4176ACB9}">
-      <p15:notesGuideLst xmlns:p15="http://schemas.microsoft.com/office/powerpoint/2012/main"/>
+      <p15:notesGuideLst xmlns:p15="http://schemas.microsoft.com/office/powerpoint/2012/main" xmlns=""/>
     </p:ext>
   </p:extLst>
 </p:presentation>
@@ -1155,6 +1156,13 @@
         </dgm:presLayoutVars>
       </dgm:prSet>
       <dgm:spPr/>
+      <dgm:t>
+        <a:bodyPr/>
+        <a:lstStyle/>
+        <a:p>
+          <a:endParaRPr lang="de-DE"/>
+        </a:p>
+      </dgm:t>
     </dgm:pt>
     <dgm:pt modelId="{62BAAD4A-600C-4CBC-96D9-E6A6E3D00A29}" type="pres">
       <dgm:prSet presAssocID="{24403AF3-F183-41A9-AF7D-0CD1EE855F62}" presName="node" presStyleLbl="node1" presStyleIdx="0" presStyleCnt="5">
@@ -1163,14 +1171,35 @@
         </dgm:presLayoutVars>
       </dgm:prSet>
       <dgm:spPr/>
+      <dgm:t>
+        <a:bodyPr/>
+        <a:lstStyle/>
+        <a:p>
+          <a:endParaRPr lang="de-DE"/>
+        </a:p>
+      </dgm:t>
     </dgm:pt>
     <dgm:pt modelId="{B15EFD5D-DCC7-4B17-841B-28D480F47BFA}" type="pres">
       <dgm:prSet presAssocID="{46A3BBD4-A8D5-4588-930D-5B5C440F95A7}" presName="sibTrans" presStyleLbl="sibTrans2D1" presStyleIdx="0" presStyleCnt="4"/>
       <dgm:spPr/>
+      <dgm:t>
+        <a:bodyPr/>
+        <a:lstStyle/>
+        <a:p>
+          <a:endParaRPr lang="de-DE"/>
+        </a:p>
+      </dgm:t>
     </dgm:pt>
     <dgm:pt modelId="{CB0C0557-61B6-4F72-948D-97038DF2347C}" type="pres">
       <dgm:prSet presAssocID="{46A3BBD4-A8D5-4588-930D-5B5C440F95A7}" presName="connectorText" presStyleLbl="sibTrans2D1" presStyleIdx="0" presStyleCnt="4"/>
       <dgm:spPr/>
+      <dgm:t>
+        <a:bodyPr/>
+        <a:lstStyle/>
+        <a:p>
+          <a:endParaRPr lang="de-DE"/>
+        </a:p>
+      </dgm:t>
     </dgm:pt>
     <dgm:pt modelId="{F5E12C1D-CD80-4E38-84D1-8653A91CFD02}" type="pres">
       <dgm:prSet presAssocID="{F958CC84-B351-4518-AD16-7A0D327DECAA}" presName="node" presStyleLbl="node1" presStyleIdx="1" presStyleCnt="5">
@@ -1179,14 +1208,35 @@
         </dgm:presLayoutVars>
       </dgm:prSet>
       <dgm:spPr/>
+      <dgm:t>
+        <a:bodyPr/>
+        <a:lstStyle/>
+        <a:p>
+          <a:endParaRPr lang="de-DE"/>
+        </a:p>
+      </dgm:t>
     </dgm:pt>
     <dgm:pt modelId="{7604F242-691A-4A0A-B50A-32917DE8221C}" type="pres">
       <dgm:prSet presAssocID="{CD849D60-1CC9-480E-A73F-775416316EE2}" presName="sibTrans" presStyleLbl="sibTrans2D1" presStyleIdx="1" presStyleCnt="4"/>
       <dgm:spPr/>
+      <dgm:t>
+        <a:bodyPr/>
+        <a:lstStyle/>
+        <a:p>
+          <a:endParaRPr lang="de-DE"/>
+        </a:p>
+      </dgm:t>
     </dgm:pt>
     <dgm:pt modelId="{9E1CFB79-4D1B-4156-914B-4152C6154DF4}" type="pres">
       <dgm:prSet presAssocID="{CD849D60-1CC9-480E-A73F-775416316EE2}" presName="connectorText" presStyleLbl="sibTrans2D1" presStyleIdx="1" presStyleCnt="4"/>
       <dgm:spPr/>
+      <dgm:t>
+        <a:bodyPr/>
+        <a:lstStyle/>
+        <a:p>
+          <a:endParaRPr lang="de-DE"/>
+        </a:p>
+      </dgm:t>
     </dgm:pt>
     <dgm:pt modelId="{437A6F8A-39FB-4AEE-ADC2-DEC5C66AB8D0}" type="pres">
       <dgm:prSet presAssocID="{1A3FFF91-6080-416C-8D4E-8874D45120E6}" presName="node" presStyleLbl="node1" presStyleIdx="2" presStyleCnt="5">
@@ -1195,14 +1245,35 @@
         </dgm:presLayoutVars>
       </dgm:prSet>
       <dgm:spPr/>
+      <dgm:t>
+        <a:bodyPr/>
+        <a:lstStyle/>
+        <a:p>
+          <a:endParaRPr lang="de-DE"/>
+        </a:p>
+      </dgm:t>
     </dgm:pt>
     <dgm:pt modelId="{037DC9CC-A97F-447B-B422-F45D0C3D3808}" type="pres">
       <dgm:prSet presAssocID="{B3C648AD-EF7E-42A8-99E9-3B072000117B}" presName="sibTrans" presStyleLbl="sibTrans2D1" presStyleIdx="2" presStyleCnt="4"/>
       <dgm:spPr/>
+      <dgm:t>
+        <a:bodyPr/>
+        <a:lstStyle/>
+        <a:p>
+          <a:endParaRPr lang="de-DE"/>
+        </a:p>
+      </dgm:t>
     </dgm:pt>
     <dgm:pt modelId="{69061840-D7C8-49AD-B6F0-0CB0CC34C019}" type="pres">
       <dgm:prSet presAssocID="{B3C648AD-EF7E-42A8-99E9-3B072000117B}" presName="connectorText" presStyleLbl="sibTrans2D1" presStyleIdx="2" presStyleCnt="4"/>
       <dgm:spPr/>
+      <dgm:t>
+        <a:bodyPr/>
+        <a:lstStyle/>
+        <a:p>
+          <a:endParaRPr lang="de-DE"/>
+        </a:p>
+      </dgm:t>
     </dgm:pt>
     <dgm:pt modelId="{B3A208B3-B2A4-4E43-BB18-974E5754D4A9}" type="pres">
       <dgm:prSet presAssocID="{0A55110F-64F3-4927-982C-B7EA745AAB77}" presName="node" presStyleLbl="node1" presStyleIdx="3" presStyleCnt="5" custLinFactNeighborX="1297" custLinFactNeighborY="1288">
@@ -1211,14 +1282,35 @@
         </dgm:presLayoutVars>
       </dgm:prSet>
       <dgm:spPr/>
+      <dgm:t>
+        <a:bodyPr/>
+        <a:lstStyle/>
+        <a:p>
+          <a:endParaRPr lang="de-DE"/>
+        </a:p>
+      </dgm:t>
     </dgm:pt>
     <dgm:pt modelId="{4BE222A6-85A9-4DFE-AD80-D8D66B7BDEFE}" type="pres">
       <dgm:prSet presAssocID="{A5BF7F64-FDB6-43A4-B62F-4E78CAB33B0C}" presName="sibTrans" presStyleLbl="sibTrans2D1" presStyleIdx="3" presStyleCnt="4"/>
       <dgm:spPr/>
+      <dgm:t>
+        <a:bodyPr/>
+        <a:lstStyle/>
+        <a:p>
+          <a:endParaRPr lang="de-DE"/>
+        </a:p>
+      </dgm:t>
     </dgm:pt>
     <dgm:pt modelId="{4C004F01-70DD-4C93-8BA7-4AB71AFF9D13}" type="pres">
       <dgm:prSet presAssocID="{A5BF7F64-FDB6-43A4-B62F-4E78CAB33B0C}" presName="connectorText" presStyleLbl="sibTrans2D1" presStyleIdx="3" presStyleCnt="4"/>
       <dgm:spPr/>
+      <dgm:t>
+        <a:bodyPr/>
+        <a:lstStyle/>
+        <a:p>
+          <a:endParaRPr lang="de-DE"/>
+        </a:p>
+      </dgm:t>
     </dgm:pt>
     <dgm:pt modelId="{EF1CC2F7-0180-4390-ABC0-08D44017ED81}" type="pres">
       <dgm:prSet presAssocID="{A2517B8D-95F1-4BEE-9FBE-63FA4F1B8F82}" presName="node" presStyleLbl="node1" presStyleIdx="4" presStyleCnt="5">
@@ -1227,28 +1319,35 @@
         </dgm:presLayoutVars>
       </dgm:prSet>
       <dgm:spPr/>
+      <dgm:t>
+        <a:bodyPr/>
+        <a:lstStyle/>
+        <a:p>
+          <a:endParaRPr lang="de-DE"/>
+        </a:p>
+      </dgm:t>
     </dgm:pt>
   </dgm:ptLst>
   <dgm:cxnLst>
+    <dgm:cxn modelId="{10254578-9E0C-43FD-BFBD-07E3EB9D4690}" type="presOf" srcId="{46A3BBD4-A8D5-4588-930D-5B5C440F95A7}" destId="{CB0C0557-61B6-4F72-948D-97038DF2347C}" srcOrd="1" destOrd="0" presId="urn:microsoft.com/office/officeart/2005/8/layout/process5"/>
+    <dgm:cxn modelId="{331020EE-EEE2-4F25-A85A-366512388E69}" type="presOf" srcId="{1A3FFF91-6080-416C-8D4E-8874D45120E6}" destId="{437A6F8A-39FB-4AEE-ADC2-DEC5C66AB8D0}" srcOrd="0" destOrd="0" presId="urn:microsoft.com/office/officeart/2005/8/layout/process5"/>
+    <dgm:cxn modelId="{A4159874-B566-48E0-91B6-2FAC0C3F3ED3}" type="presOf" srcId="{F958CC84-B351-4518-AD16-7A0D327DECAA}" destId="{F5E12C1D-CD80-4E38-84D1-8653A91CFD02}" srcOrd="0" destOrd="0" presId="urn:microsoft.com/office/officeart/2005/8/layout/process5"/>
+    <dgm:cxn modelId="{8A6FF6D7-336F-4413-838C-98EA460DBEF8}" srcId="{8A2245C2-F409-494E-AF55-5B6F8214C998}" destId="{24403AF3-F183-41A9-AF7D-0CD1EE855F62}" srcOrd="0" destOrd="0" parTransId="{E2787CE0-8D40-4021-BCD8-CF68F3C5DE5B}" sibTransId="{46A3BBD4-A8D5-4588-930D-5B5C440F95A7}"/>
     <dgm:cxn modelId="{E25F0F06-146D-4BDA-BC4C-8367B56FBE78}" type="presOf" srcId="{8A2245C2-F409-494E-AF55-5B6F8214C998}" destId="{1B77FB05-E91F-4A60-BE0C-A85E0FC8EE93}" srcOrd="0" destOrd="0" presId="urn:microsoft.com/office/officeart/2005/8/layout/process5"/>
     <dgm:cxn modelId="{8FE81306-C8D7-45A6-AE38-8BB65B7B7939}" type="presOf" srcId="{24403AF3-F183-41A9-AF7D-0CD1EE855F62}" destId="{62BAAD4A-600C-4CBC-96D9-E6A6E3D00A29}" srcOrd="0" destOrd="0" presId="urn:microsoft.com/office/officeart/2005/8/layout/process5"/>
+    <dgm:cxn modelId="{8376D091-80FF-4427-9457-18F73BA5407D}" srcId="{8A2245C2-F409-494E-AF55-5B6F8214C998}" destId="{0A55110F-64F3-4927-982C-B7EA745AAB77}" srcOrd="3" destOrd="0" parTransId="{A0E9E1C4-22B4-4044-B059-14B079F4A45D}" sibTransId="{A5BF7F64-FDB6-43A4-B62F-4E78CAB33B0C}"/>
+    <dgm:cxn modelId="{DBDBF78A-7EF9-4E24-A780-1EC4B84B084E}" type="presOf" srcId="{CD849D60-1CC9-480E-A73F-775416316EE2}" destId="{9E1CFB79-4D1B-4156-914B-4152C6154DF4}" srcOrd="1" destOrd="0" presId="urn:microsoft.com/office/officeart/2005/8/layout/process5"/>
+    <dgm:cxn modelId="{D7952866-323A-4DF8-AB43-A860CBB42471}" type="presOf" srcId="{A5BF7F64-FDB6-43A4-B62F-4E78CAB33B0C}" destId="{4C004F01-70DD-4C93-8BA7-4AB71AFF9D13}" srcOrd="1" destOrd="0" presId="urn:microsoft.com/office/officeart/2005/8/layout/process5"/>
+    <dgm:cxn modelId="{EF20D6AB-3D8A-47CB-9137-1102E8FD5F74}" type="presOf" srcId="{0A55110F-64F3-4927-982C-B7EA745AAB77}" destId="{B3A208B3-B2A4-4E43-BB18-974E5754D4A9}" srcOrd="0" destOrd="0" presId="urn:microsoft.com/office/officeart/2005/8/layout/process5"/>
+    <dgm:cxn modelId="{A5F71DC6-AE34-474A-8392-14B192BF12C6}" type="presOf" srcId="{B3C648AD-EF7E-42A8-99E9-3B072000117B}" destId="{69061840-D7C8-49AD-B6F0-0CB0CC34C019}" srcOrd="1" destOrd="0" presId="urn:microsoft.com/office/officeart/2005/8/layout/process5"/>
+    <dgm:cxn modelId="{330A2CB5-9BA2-4B32-B7EC-1F43DFEA8027}" srcId="{8A2245C2-F409-494E-AF55-5B6F8214C998}" destId="{F958CC84-B351-4518-AD16-7A0D327DECAA}" srcOrd="1" destOrd="0" parTransId="{D7F32176-3881-4274-904F-80EC4465F5B1}" sibTransId="{CD849D60-1CC9-480E-A73F-775416316EE2}"/>
+    <dgm:cxn modelId="{D86CE5E9-6385-4C9D-AAC7-FA6BBB83CA2F}" type="presOf" srcId="{CD849D60-1CC9-480E-A73F-775416316EE2}" destId="{7604F242-691A-4A0A-B50A-32917DE8221C}" srcOrd="0" destOrd="0" presId="urn:microsoft.com/office/officeart/2005/8/layout/process5"/>
+    <dgm:cxn modelId="{DA1CFAE2-965F-4F01-B677-400A3929E9B2}" type="presOf" srcId="{A5BF7F64-FDB6-43A4-B62F-4E78CAB33B0C}" destId="{4BE222A6-85A9-4DFE-AD80-D8D66B7BDEFE}" srcOrd="0" destOrd="0" presId="urn:microsoft.com/office/officeart/2005/8/layout/process5"/>
+    <dgm:cxn modelId="{32CC9350-AF80-4514-B5F0-61514E8A4D4F}" srcId="{8A2245C2-F409-494E-AF55-5B6F8214C998}" destId="{1A3FFF91-6080-416C-8D4E-8874D45120E6}" srcOrd="2" destOrd="0" parTransId="{CF7D06D5-0F59-47C3-8ACB-87F099421D3F}" sibTransId="{B3C648AD-EF7E-42A8-99E9-3B072000117B}"/>
+    <dgm:cxn modelId="{6756636E-14C7-4561-B5AA-6C379A6E1AB7}" srcId="{8A2245C2-F409-494E-AF55-5B6F8214C998}" destId="{A2517B8D-95F1-4BEE-9FBE-63FA4F1B8F82}" srcOrd="4" destOrd="0" parTransId="{312C84FD-A518-49E5-BF13-703D85539A0B}" sibTransId="{D9C0BFF0-6F94-4897-9E3A-9C421A39DD49}"/>
+    <dgm:cxn modelId="{719EEE62-9D4A-4E81-9D08-7F8982EA4160}" type="presOf" srcId="{46A3BBD4-A8D5-4588-930D-5B5C440F95A7}" destId="{B15EFD5D-DCC7-4B17-841B-28D480F47BFA}" srcOrd="0" destOrd="0" presId="urn:microsoft.com/office/officeart/2005/8/layout/process5"/>
     <dgm:cxn modelId="{BB695220-9955-4DEF-A25B-7D921B1813F3}" type="presOf" srcId="{A2517B8D-95F1-4BEE-9FBE-63FA4F1B8F82}" destId="{EF1CC2F7-0180-4390-ABC0-08D44017ED81}" srcOrd="0" destOrd="0" presId="urn:microsoft.com/office/officeart/2005/8/layout/process5"/>
-    <dgm:cxn modelId="{719EEE62-9D4A-4E81-9D08-7F8982EA4160}" type="presOf" srcId="{46A3BBD4-A8D5-4588-930D-5B5C440F95A7}" destId="{B15EFD5D-DCC7-4B17-841B-28D480F47BFA}" srcOrd="0" destOrd="0" presId="urn:microsoft.com/office/officeart/2005/8/layout/process5"/>
-    <dgm:cxn modelId="{D7952866-323A-4DF8-AB43-A860CBB42471}" type="presOf" srcId="{A5BF7F64-FDB6-43A4-B62F-4E78CAB33B0C}" destId="{4C004F01-70DD-4C93-8BA7-4AB71AFF9D13}" srcOrd="1" destOrd="0" presId="urn:microsoft.com/office/officeart/2005/8/layout/process5"/>
-    <dgm:cxn modelId="{6756636E-14C7-4561-B5AA-6C379A6E1AB7}" srcId="{8A2245C2-F409-494E-AF55-5B6F8214C998}" destId="{A2517B8D-95F1-4BEE-9FBE-63FA4F1B8F82}" srcOrd="4" destOrd="0" parTransId="{312C84FD-A518-49E5-BF13-703D85539A0B}" sibTransId="{D9C0BFF0-6F94-4897-9E3A-9C421A39DD49}"/>
-    <dgm:cxn modelId="{32CC9350-AF80-4514-B5F0-61514E8A4D4F}" srcId="{8A2245C2-F409-494E-AF55-5B6F8214C998}" destId="{1A3FFF91-6080-416C-8D4E-8874D45120E6}" srcOrd="2" destOrd="0" parTransId="{CF7D06D5-0F59-47C3-8ACB-87F099421D3F}" sibTransId="{B3C648AD-EF7E-42A8-99E9-3B072000117B}"/>
-    <dgm:cxn modelId="{A4159874-B566-48E0-91B6-2FAC0C3F3ED3}" type="presOf" srcId="{F958CC84-B351-4518-AD16-7A0D327DECAA}" destId="{F5E12C1D-CD80-4E38-84D1-8653A91CFD02}" srcOrd="0" destOrd="0" presId="urn:microsoft.com/office/officeart/2005/8/layout/process5"/>
-    <dgm:cxn modelId="{10254578-9E0C-43FD-BFBD-07E3EB9D4690}" type="presOf" srcId="{46A3BBD4-A8D5-4588-930D-5B5C440F95A7}" destId="{CB0C0557-61B6-4F72-948D-97038DF2347C}" srcOrd="1" destOrd="0" presId="urn:microsoft.com/office/officeart/2005/8/layout/process5"/>
-    <dgm:cxn modelId="{DBDBF78A-7EF9-4E24-A780-1EC4B84B084E}" type="presOf" srcId="{CD849D60-1CC9-480E-A73F-775416316EE2}" destId="{9E1CFB79-4D1B-4156-914B-4152C6154DF4}" srcOrd="1" destOrd="0" presId="urn:microsoft.com/office/officeart/2005/8/layout/process5"/>
-    <dgm:cxn modelId="{8376D091-80FF-4427-9457-18F73BA5407D}" srcId="{8A2245C2-F409-494E-AF55-5B6F8214C998}" destId="{0A55110F-64F3-4927-982C-B7EA745AAB77}" srcOrd="3" destOrd="0" parTransId="{A0E9E1C4-22B4-4044-B059-14B079F4A45D}" sibTransId="{A5BF7F64-FDB6-43A4-B62F-4E78CAB33B0C}"/>
-    <dgm:cxn modelId="{EF20D6AB-3D8A-47CB-9137-1102E8FD5F74}" type="presOf" srcId="{0A55110F-64F3-4927-982C-B7EA745AAB77}" destId="{B3A208B3-B2A4-4E43-BB18-974E5754D4A9}" srcOrd="0" destOrd="0" presId="urn:microsoft.com/office/officeart/2005/8/layout/process5"/>
-    <dgm:cxn modelId="{330A2CB5-9BA2-4B32-B7EC-1F43DFEA8027}" srcId="{8A2245C2-F409-494E-AF55-5B6F8214C998}" destId="{F958CC84-B351-4518-AD16-7A0D327DECAA}" srcOrd="1" destOrd="0" parTransId="{D7F32176-3881-4274-904F-80EC4465F5B1}" sibTransId="{CD849D60-1CC9-480E-A73F-775416316EE2}"/>
-    <dgm:cxn modelId="{A5F71DC6-AE34-474A-8392-14B192BF12C6}" type="presOf" srcId="{B3C648AD-EF7E-42A8-99E9-3B072000117B}" destId="{69061840-D7C8-49AD-B6F0-0CB0CC34C019}" srcOrd="1" destOrd="0" presId="urn:microsoft.com/office/officeart/2005/8/layout/process5"/>
     <dgm:cxn modelId="{1D64C1D7-C2E4-4E5F-A851-A684B83893A9}" type="presOf" srcId="{B3C648AD-EF7E-42A8-99E9-3B072000117B}" destId="{037DC9CC-A97F-447B-B422-F45D0C3D3808}" srcOrd="0" destOrd="0" presId="urn:microsoft.com/office/officeart/2005/8/layout/process5"/>
-    <dgm:cxn modelId="{8A6FF6D7-336F-4413-838C-98EA460DBEF8}" srcId="{8A2245C2-F409-494E-AF55-5B6F8214C998}" destId="{24403AF3-F183-41A9-AF7D-0CD1EE855F62}" srcOrd="0" destOrd="0" parTransId="{E2787CE0-8D40-4021-BCD8-CF68F3C5DE5B}" sibTransId="{46A3BBD4-A8D5-4588-930D-5B5C440F95A7}"/>
-    <dgm:cxn modelId="{DA1CFAE2-965F-4F01-B677-400A3929E9B2}" type="presOf" srcId="{A5BF7F64-FDB6-43A4-B62F-4E78CAB33B0C}" destId="{4BE222A6-85A9-4DFE-AD80-D8D66B7BDEFE}" srcOrd="0" destOrd="0" presId="urn:microsoft.com/office/officeart/2005/8/layout/process5"/>
-    <dgm:cxn modelId="{D86CE5E9-6385-4C9D-AAC7-FA6BBB83CA2F}" type="presOf" srcId="{CD849D60-1CC9-480E-A73F-775416316EE2}" destId="{7604F242-691A-4A0A-B50A-32917DE8221C}" srcOrd="0" destOrd="0" presId="urn:microsoft.com/office/officeart/2005/8/layout/process5"/>
-    <dgm:cxn modelId="{331020EE-EEE2-4F25-A85A-366512388E69}" type="presOf" srcId="{1A3FFF91-6080-416C-8D4E-8874D45120E6}" destId="{437A6F8A-39FB-4AEE-ADC2-DEC5C66AB8D0}" srcOrd="0" destOrd="0" presId="urn:microsoft.com/office/officeart/2005/8/layout/process5"/>
     <dgm:cxn modelId="{2E8F345E-AC24-4EE1-8EAA-B1DE63BE68F0}" type="presParOf" srcId="{1B77FB05-E91F-4A60-BE0C-A85E0FC8EE93}" destId="{62BAAD4A-600C-4CBC-96D9-E6A6E3D00A29}" srcOrd="0" destOrd="0" presId="urn:microsoft.com/office/officeart/2005/8/layout/process5"/>
     <dgm:cxn modelId="{AE6D9AC6-2FDF-4A5D-8FDC-0C7C8473FCF9}" type="presParOf" srcId="{1B77FB05-E91F-4A60-BE0C-A85E0FC8EE93}" destId="{B15EFD5D-DCC7-4B17-841B-28D480F47BFA}" srcOrd="1" destOrd="0" presId="urn:microsoft.com/office/officeart/2005/8/layout/process5"/>
     <dgm:cxn modelId="{C65C7842-5A03-4F50-B2BF-D9076C2BE698}" type="presParOf" srcId="{B15EFD5D-DCC7-4B17-841B-28D480F47BFA}" destId="{CB0C0557-61B6-4F72-948D-97038DF2347C}" srcOrd="0" destOrd="0" presId="urn:microsoft.com/office/officeart/2005/8/layout/process5"/>
@@ -1338,7 +1437,7 @@
         </a:bodyPr>
         <a:lstStyle/>
         <a:p>
-          <a:pPr marL="0" lvl="0" indent="0" algn="ctr" defTabSz="1022350">
+          <a:pPr lvl="0" algn="ctr" defTabSz="1022350">
             <a:lnSpc>
               <a:spcPct val="90000"/>
             </a:lnSpc>
@@ -1348,7 +1447,6 @@
             <a:spcAft>
               <a:spcPct val="35000"/>
             </a:spcAft>
-            <a:buNone/>
           </a:pPr>
           <a:r>
             <a:rPr lang="en-US" sz="2300" kern="1200" dirty="0"/>
@@ -1411,7 +1509,7 @@
         </a:bodyPr>
         <a:lstStyle/>
         <a:p>
-          <a:pPr marL="0" lvl="0" indent="0" algn="ctr" defTabSz="800100">
+          <a:pPr lvl="0" algn="ctr" defTabSz="800100">
             <a:lnSpc>
               <a:spcPct val="90000"/>
             </a:lnSpc>
@@ -1421,7 +1519,6 @@
             <a:spcAft>
               <a:spcPct val="35000"/>
             </a:spcAft>
-            <a:buNone/>
           </a:pPr>
           <a:endParaRPr lang="en-US" sz="1800" kern="1200"/>
         </a:p>
@@ -1488,7 +1585,7 @@
         </a:bodyPr>
         <a:lstStyle/>
         <a:p>
-          <a:pPr marL="0" lvl="0" indent="0" algn="ctr" defTabSz="1022350">
+          <a:pPr lvl="0" algn="ctr" defTabSz="1022350">
             <a:lnSpc>
               <a:spcPct val="90000"/>
             </a:lnSpc>
@@ -1498,7 +1595,6 @@
             <a:spcAft>
               <a:spcPct val="35000"/>
             </a:spcAft>
-            <a:buNone/>
           </a:pPr>
           <a:r>
             <a:rPr lang="en-US" sz="2300" kern="1200" dirty="0"/>
@@ -1561,7 +1657,7 @@
         </a:bodyPr>
         <a:lstStyle/>
         <a:p>
-          <a:pPr marL="0" lvl="0" indent="0" algn="ctr" defTabSz="800100">
+          <a:pPr lvl="0" algn="ctr" defTabSz="800100">
             <a:lnSpc>
               <a:spcPct val="90000"/>
             </a:lnSpc>
@@ -1571,7 +1667,6 @@
             <a:spcAft>
               <a:spcPct val="35000"/>
             </a:spcAft>
-            <a:buNone/>
           </a:pPr>
           <a:endParaRPr lang="en-US" sz="1800" kern="1200"/>
         </a:p>
@@ -1638,7 +1733,7 @@
         </a:bodyPr>
         <a:lstStyle/>
         <a:p>
-          <a:pPr marL="0" lvl="0" indent="0" algn="ctr" defTabSz="1022350">
+          <a:pPr lvl="0" algn="ctr" defTabSz="1022350">
             <a:lnSpc>
               <a:spcPct val="90000"/>
             </a:lnSpc>
@@ -1648,7 +1743,6 @@
             <a:spcAft>
               <a:spcPct val="35000"/>
             </a:spcAft>
-            <a:buNone/>
           </a:pPr>
           <a:r>
             <a:rPr lang="en-US" sz="2300" kern="1200" dirty="0"/>
@@ -1711,7 +1805,7 @@
         </a:bodyPr>
         <a:lstStyle/>
         <a:p>
-          <a:pPr marL="0" lvl="0" indent="0" algn="ctr" defTabSz="800100">
+          <a:pPr lvl="0" algn="ctr" defTabSz="800100">
             <a:lnSpc>
               <a:spcPct val="90000"/>
             </a:lnSpc>
@@ -1721,7 +1815,6 @@
             <a:spcAft>
               <a:spcPct val="35000"/>
             </a:spcAft>
-            <a:buNone/>
           </a:pPr>
           <a:endParaRPr lang="en-US" sz="1800" kern="1200"/>
         </a:p>
@@ -1788,7 +1881,7 @@
         </a:bodyPr>
         <a:lstStyle/>
         <a:p>
-          <a:pPr marL="0" lvl="0" indent="0" algn="ctr" defTabSz="1022350">
+          <a:pPr lvl="0" algn="ctr" defTabSz="1022350">
             <a:lnSpc>
               <a:spcPct val="90000"/>
             </a:lnSpc>
@@ -1798,7 +1891,6 @@
             <a:spcAft>
               <a:spcPct val="35000"/>
             </a:spcAft>
-            <a:buNone/>
           </a:pPr>
           <a:r>
             <a:rPr lang="en-US" sz="2300" kern="1200" dirty="0"/>
@@ -1806,7 +1898,7 @@
           </a:r>
         </a:p>
         <a:p>
-          <a:pPr marL="0" lvl="0" indent="0" algn="ctr" defTabSz="1022350">
+          <a:pPr lvl="0" algn="ctr" defTabSz="1022350">
             <a:lnSpc>
               <a:spcPct val="90000"/>
             </a:lnSpc>
@@ -1816,7 +1908,6 @@
             <a:spcAft>
               <a:spcPct val="35000"/>
             </a:spcAft>
-            <a:buNone/>
           </a:pPr>
           <a:r>
             <a:rPr lang="en-US" sz="2300" kern="1200" dirty="0"/>
@@ -1879,7 +1970,7 @@
         </a:bodyPr>
         <a:lstStyle/>
         <a:p>
-          <a:pPr marL="0" lvl="0" indent="0" algn="ctr" defTabSz="800100">
+          <a:pPr lvl="0" algn="ctr" defTabSz="800100">
             <a:lnSpc>
               <a:spcPct val="90000"/>
             </a:lnSpc>
@@ -1889,7 +1980,6 @@
             <a:spcAft>
               <a:spcPct val="35000"/>
             </a:spcAft>
-            <a:buNone/>
           </a:pPr>
           <a:endParaRPr lang="en-US" sz="1800" kern="1200"/>
         </a:p>
@@ -1956,7 +2046,7 @@
         </a:bodyPr>
         <a:lstStyle/>
         <a:p>
-          <a:pPr marL="0" lvl="0" indent="0" algn="ctr" defTabSz="1022350">
+          <a:pPr lvl="0" algn="ctr" defTabSz="1022350">
             <a:lnSpc>
               <a:spcPct val="90000"/>
             </a:lnSpc>
@@ -1966,7 +2056,6 @@
             <a:spcAft>
               <a:spcPct val="35000"/>
             </a:spcAft>
-            <a:buNone/>
           </a:pPr>
           <a:r>
             <a:rPr lang="en-US" sz="2300" kern="1200" dirty="0"/>
@@ -3215,7 +3304,7 @@
           <p:cNvPr id="2" name="Header Placeholder 1">
             <a:extLst>
               <a:ext uri="{FF2B5EF4-FFF2-40B4-BE49-F238E27FC236}">
-                <a16:creationId xmlns:a16="http://schemas.microsoft.com/office/drawing/2014/main" id="{E62FF6B6-4F8A-40F7-B5F4-FC3996824D73}"/>
+                <a16:creationId xmlns:a16="http://schemas.microsoft.com/office/drawing/2014/main" xmlns="" id="{E62FF6B6-4F8A-40F7-B5F4-FC3996824D73}"/>
               </a:ext>
             </a:extLst>
           </p:cNvPr>
@@ -3252,7 +3341,7 @@
           <p:cNvPr id="3" name="Date Placeholder 2">
             <a:extLst>
               <a:ext uri="{FF2B5EF4-FFF2-40B4-BE49-F238E27FC236}">
-                <a16:creationId xmlns:a16="http://schemas.microsoft.com/office/drawing/2014/main" id="{8910A999-F365-48DF-976A-0517FE045440}"/>
+                <a16:creationId xmlns:a16="http://schemas.microsoft.com/office/drawing/2014/main" xmlns="" id="{8910A999-F365-48DF-976A-0517FE045440}"/>
               </a:ext>
             </a:extLst>
           </p:cNvPr>
@@ -3293,7 +3382,7 @@
           <p:cNvPr id="4" name="Footer Placeholder 3">
             <a:extLst>
               <a:ext uri="{FF2B5EF4-FFF2-40B4-BE49-F238E27FC236}">
-                <a16:creationId xmlns:a16="http://schemas.microsoft.com/office/drawing/2014/main" id="{F8735C90-ADBF-4B9E-BE88-E1C8F83EB4D2}"/>
+                <a16:creationId xmlns:a16="http://schemas.microsoft.com/office/drawing/2014/main" xmlns="" id="{F8735C90-ADBF-4B9E-BE88-E1C8F83EB4D2}"/>
               </a:ext>
             </a:extLst>
           </p:cNvPr>
@@ -3330,7 +3419,7 @@
           <p:cNvPr id="5" name="Slide Number Placeholder 4">
             <a:extLst>
               <a:ext uri="{FF2B5EF4-FFF2-40B4-BE49-F238E27FC236}">
-                <a16:creationId xmlns:a16="http://schemas.microsoft.com/office/drawing/2014/main" id="{82506A01-6D0A-45EF-A584-05A3361D66F7}"/>
+                <a16:creationId xmlns:a16="http://schemas.microsoft.com/office/drawing/2014/main" xmlns="" id="{82506A01-6D0A-45EF-A584-05A3361D66F7}"/>
               </a:ext>
             </a:extLst>
           </p:cNvPr>
@@ -3360,7 +3449,7 @@
           <a:p>
             <a:fld id="{0831430A-4AA4-45C8-AC23-CD6B61C41A4C}" type="slidenum">
               <a:rPr lang="en-US" smtClean="0"/>
-              <a:t>‹#›</a:t>
+              <a:t>‹Nr.›</a:t>
             </a:fld>
             <a:endParaRPr lang="en-US" dirty="0"/>
           </a:p>
@@ -3617,7 +3706,7 @@
           <a:p>
             <a:fld id="{1734D747-9380-41EE-9946-EC9EC0CA5D1E}" type="slidenum">
               <a:rPr lang="en-US" noProof="0" smtClean="0"/>
-              <a:t>‹#›</a:t>
+              <a:t>‹Nr.›</a:t>
             </a:fld>
             <a:endParaRPr lang="en-US" noProof="0" dirty="0"/>
           </a:p>
@@ -3748,7 +3837,7 @@
           <p:cNvPr id="21" name="Rectangle 20">
             <a:extLst>
               <a:ext uri="{FF2B5EF4-FFF2-40B4-BE49-F238E27FC236}">
-                <a16:creationId xmlns:a16="http://schemas.microsoft.com/office/drawing/2014/main" id="{6E739168-A5E8-443A-B392-7AD4CF8977AD}"/>
+                <a16:creationId xmlns:a16="http://schemas.microsoft.com/office/drawing/2014/main" xmlns="" id="{6E739168-A5E8-443A-B392-7AD4CF8977AD}"/>
               </a:ext>
             </a:extLst>
           </p:cNvPr>
@@ -3800,7 +3889,7 @@
           <p:cNvPr id="7" name="Group 6">
             <a:extLst>
               <a:ext uri="{FF2B5EF4-FFF2-40B4-BE49-F238E27FC236}">
-                <a16:creationId xmlns:a16="http://schemas.microsoft.com/office/drawing/2014/main" id="{4CA15AFD-4983-47DD-9ED0-D3B27E5A096F}"/>
+                <a16:creationId xmlns:a16="http://schemas.microsoft.com/office/drawing/2014/main" xmlns="" id="{4CA15AFD-4983-47DD-9ED0-D3B27E5A096F}"/>
               </a:ext>
             </a:extLst>
           </p:cNvPr>
@@ -3820,7 +3909,7 @@
             <p:cNvPr id="8" name="Group 7">
               <a:extLst>
                 <a:ext uri="{FF2B5EF4-FFF2-40B4-BE49-F238E27FC236}">
-                  <a16:creationId xmlns:a16="http://schemas.microsoft.com/office/drawing/2014/main" id="{2222D5E2-E9B4-4180-98B8-4E514C9ADB28}"/>
+                  <a16:creationId xmlns:a16="http://schemas.microsoft.com/office/drawing/2014/main" xmlns="" id="{2222D5E2-E9B4-4180-98B8-4E514C9ADB28}"/>
                 </a:ext>
               </a:extLst>
             </p:cNvPr>
@@ -3840,7 +3929,7 @@
               <p:cNvPr id="15" name="Freeform: Shape 14">
                 <a:extLst>
                   <a:ext uri="{FF2B5EF4-FFF2-40B4-BE49-F238E27FC236}">
-                    <a16:creationId xmlns:a16="http://schemas.microsoft.com/office/drawing/2014/main" id="{41E10E1E-5268-4F03-BA64-07E19DE26739}"/>
+                    <a16:creationId xmlns:a16="http://schemas.microsoft.com/office/drawing/2014/main" xmlns="" id="{41E10E1E-5268-4F03-BA64-07E19DE26739}"/>
                   </a:ext>
                 </a:extLst>
               </p:cNvPr>
@@ -3977,7 +4066,7 @@
               <p:cNvPr id="16" name="Freeform: Shape 15">
                 <a:extLst>
                   <a:ext uri="{FF2B5EF4-FFF2-40B4-BE49-F238E27FC236}">
-                    <a16:creationId xmlns:a16="http://schemas.microsoft.com/office/drawing/2014/main" id="{B989C45D-BDFF-418F-BE79-03FF70015770}"/>
+                    <a16:creationId xmlns:a16="http://schemas.microsoft.com/office/drawing/2014/main" xmlns="" id="{B989C45D-BDFF-418F-BE79-03FF70015770}"/>
                   </a:ext>
                 </a:extLst>
               </p:cNvPr>
@@ -4141,7 +4230,7 @@
               <p:cNvPr id="17" name="Right Triangle 16">
                 <a:extLst>
                   <a:ext uri="{FF2B5EF4-FFF2-40B4-BE49-F238E27FC236}">
-                    <a16:creationId xmlns:a16="http://schemas.microsoft.com/office/drawing/2014/main" id="{8DCD5806-2A2F-4ABF-8057-245681C498E6}"/>
+                    <a16:creationId xmlns:a16="http://schemas.microsoft.com/office/drawing/2014/main" xmlns="" id="{8DCD5806-2A2F-4ABF-8057-245681C498E6}"/>
                   </a:ext>
                 </a:extLst>
               </p:cNvPr>
@@ -4195,7 +4284,7 @@
               <p:cNvPr id="18" name="Right Triangle 17">
                 <a:extLst>
                   <a:ext uri="{FF2B5EF4-FFF2-40B4-BE49-F238E27FC236}">
-                    <a16:creationId xmlns:a16="http://schemas.microsoft.com/office/drawing/2014/main" id="{3A93038F-E9E4-4FFD-B3DF-28DB7C2C1490}"/>
+                    <a16:creationId xmlns:a16="http://schemas.microsoft.com/office/drawing/2014/main" xmlns="" id="{3A93038F-E9E4-4FFD-B3DF-28DB7C2C1490}"/>
                   </a:ext>
                 </a:extLst>
               </p:cNvPr>
@@ -4252,7 +4341,7 @@
               <p:cNvPr id="19" name="Right Triangle 18">
                 <a:extLst>
                   <a:ext uri="{FF2B5EF4-FFF2-40B4-BE49-F238E27FC236}">
-                    <a16:creationId xmlns:a16="http://schemas.microsoft.com/office/drawing/2014/main" id="{5DEA1E02-BBD0-4AE3-AF22-433B90272178}"/>
+                    <a16:creationId xmlns:a16="http://schemas.microsoft.com/office/drawing/2014/main" xmlns="" id="{5DEA1E02-BBD0-4AE3-AF22-433B90272178}"/>
                   </a:ext>
                 </a:extLst>
               </p:cNvPr>
@@ -4306,7 +4395,7 @@
               <p:cNvPr id="20" name="Freeform: Shape 19">
                 <a:extLst>
                   <a:ext uri="{FF2B5EF4-FFF2-40B4-BE49-F238E27FC236}">
-                    <a16:creationId xmlns:a16="http://schemas.microsoft.com/office/drawing/2014/main" id="{0027A677-9ACB-4264-B148-4806678FB83F}"/>
+                    <a16:creationId xmlns:a16="http://schemas.microsoft.com/office/drawing/2014/main" xmlns="" id="{0027A677-9ACB-4264-B148-4806678FB83F}"/>
                   </a:ext>
                 </a:extLst>
               </p:cNvPr>
@@ -4469,7 +4558,7 @@
             <p:cNvPr id="9" name="Freeform: Shape 12">
               <a:extLst>
                 <a:ext uri="{FF2B5EF4-FFF2-40B4-BE49-F238E27FC236}">
-                  <a16:creationId xmlns:a16="http://schemas.microsoft.com/office/drawing/2014/main" id="{E3AAB79D-382D-4A95-965E-526B6A681DA7}"/>
+                  <a16:creationId xmlns:a16="http://schemas.microsoft.com/office/drawing/2014/main" xmlns="" id="{E3AAB79D-382D-4A95-965E-526B6A681DA7}"/>
                 </a:ext>
               </a:extLst>
             </p:cNvPr>
@@ -4559,7 +4648,7 @@
             <p:cNvPr id="10" name="Freeform: Shape 9">
               <a:extLst>
                 <a:ext uri="{FF2B5EF4-FFF2-40B4-BE49-F238E27FC236}">
-                  <a16:creationId xmlns:a16="http://schemas.microsoft.com/office/drawing/2014/main" id="{C0A22127-2B4A-4B15-B0A9-F019A30347A1}"/>
+                  <a16:creationId xmlns:a16="http://schemas.microsoft.com/office/drawing/2014/main" xmlns="" id="{C0A22127-2B4A-4B15-B0A9-F019A30347A1}"/>
                 </a:ext>
               </a:extLst>
             </p:cNvPr>
@@ -4662,7 +4751,7 @@
             <p:cNvPr id="11" name="Freeform: Shape 12">
               <a:extLst>
                 <a:ext uri="{FF2B5EF4-FFF2-40B4-BE49-F238E27FC236}">
-                  <a16:creationId xmlns:a16="http://schemas.microsoft.com/office/drawing/2014/main" id="{F04D9FDC-1B67-4254-9535-CD32E81F0C3E}"/>
+                  <a16:creationId xmlns:a16="http://schemas.microsoft.com/office/drawing/2014/main" xmlns="" id="{F04D9FDC-1B67-4254-9535-CD32E81F0C3E}"/>
                 </a:ext>
               </a:extLst>
             </p:cNvPr>
@@ -4760,7 +4849,7 @@
             <p:cNvPr id="12" name="Group 11">
               <a:extLst>
                 <a:ext uri="{FF2B5EF4-FFF2-40B4-BE49-F238E27FC236}">
-                  <a16:creationId xmlns:a16="http://schemas.microsoft.com/office/drawing/2014/main" id="{0A86C4EA-4CF8-4531-845D-4FCB1E2F7422}"/>
+                  <a16:creationId xmlns:a16="http://schemas.microsoft.com/office/drawing/2014/main" xmlns="" id="{0A86C4EA-4CF8-4531-845D-4FCB1E2F7422}"/>
                 </a:ext>
               </a:extLst>
             </p:cNvPr>
@@ -4780,7 +4869,7 @@
               <p:cNvPr id="13" name="Freeform: Shape 12">
                 <a:extLst>
                   <a:ext uri="{FF2B5EF4-FFF2-40B4-BE49-F238E27FC236}">
-                    <a16:creationId xmlns:a16="http://schemas.microsoft.com/office/drawing/2014/main" id="{1101B195-C112-4D20-8D19-4D22479B150D}"/>
+                    <a16:creationId xmlns:a16="http://schemas.microsoft.com/office/drawing/2014/main" xmlns="" id="{1101B195-C112-4D20-8D19-4D22479B150D}"/>
                   </a:ext>
                 </a:extLst>
               </p:cNvPr>
@@ -4870,7 +4959,7 @@
               <p:cNvPr id="14" name="Freeform: Shape 12">
                 <a:extLst>
                   <a:ext uri="{FF2B5EF4-FFF2-40B4-BE49-F238E27FC236}">
-                    <a16:creationId xmlns:a16="http://schemas.microsoft.com/office/drawing/2014/main" id="{CA755F1F-9955-4CBB-8F34-F7801CA44CE7}"/>
+                    <a16:creationId xmlns:a16="http://schemas.microsoft.com/office/drawing/2014/main" xmlns="" id="{CA755F1F-9955-4CBB-8F34-F7801CA44CE7}"/>
                   </a:ext>
                 </a:extLst>
               </p:cNvPr>
@@ -4970,7 +5059,7 @@
           <p:cNvPr id="2" name="Title 1">
             <a:extLst>
               <a:ext uri="{FF2B5EF4-FFF2-40B4-BE49-F238E27FC236}">
-                <a16:creationId xmlns:a16="http://schemas.microsoft.com/office/drawing/2014/main" id="{9E597736-C478-4C26-9BAF-205FE31E977C}"/>
+                <a16:creationId xmlns:a16="http://schemas.microsoft.com/office/drawing/2014/main" xmlns="" id="{9E597736-C478-4C26-9BAF-205FE31E977C}"/>
               </a:ext>
             </a:extLst>
           </p:cNvPr>
@@ -5017,7 +5106,7 @@
           <p:cNvPr id="3" name="Subtitle 2">
             <a:extLst>
               <a:ext uri="{FF2B5EF4-FFF2-40B4-BE49-F238E27FC236}">
-                <a16:creationId xmlns:a16="http://schemas.microsoft.com/office/drawing/2014/main" id="{C3D2DEF0-A0B0-4CFE-B67D-A9D75E2368DC}"/>
+                <a16:creationId xmlns:a16="http://schemas.microsoft.com/office/drawing/2014/main" xmlns="" id="{C3D2DEF0-A0B0-4CFE-B67D-A9D75E2368DC}"/>
               </a:ext>
             </a:extLst>
           </p:cNvPr>
@@ -5102,7 +5191,7 @@
           <p:cNvPr id="11" name="Rectangle 10">
             <a:extLst>
               <a:ext uri="{FF2B5EF4-FFF2-40B4-BE49-F238E27FC236}">
-                <a16:creationId xmlns:a16="http://schemas.microsoft.com/office/drawing/2014/main" id="{EB3E033F-4449-40FA-BC85-BD2712D313DD}"/>
+                <a16:creationId xmlns:a16="http://schemas.microsoft.com/office/drawing/2014/main" xmlns="" id="{EB3E033F-4449-40FA-BC85-BD2712D313DD}"/>
               </a:ext>
             </a:extLst>
           </p:cNvPr>
@@ -5156,7 +5245,7 @@
           <p:cNvPr id="10" name="Freeform: Shape 9">
             <a:extLst>
               <a:ext uri="{FF2B5EF4-FFF2-40B4-BE49-F238E27FC236}">
-                <a16:creationId xmlns:a16="http://schemas.microsoft.com/office/drawing/2014/main" id="{63D26743-0505-444C-80B3-E88EE87DF72B}"/>
+                <a16:creationId xmlns:a16="http://schemas.microsoft.com/office/drawing/2014/main" xmlns="" id="{63D26743-0505-444C-80B3-E88EE87DF72B}"/>
               </a:ext>
             </a:extLst>
           </p:cNvPr>
@@ -5279,7 +5368,7 @@
           <p:cNvPr id="18" name="Freeform: Shape 17">
             <a:extLst>
               <a:ext uri="{FF2B5EF4-FFF2-40B4-BE49-F238E27FC236}">
-                <a16:creationId xmlns:a16="http://schemas.microsoft.com/office/drawing/2014/main" id="{E37145E9-AC61-47D5-9288-8789940F81B6}"/>
+                <a16:creationId xmlns:a16="http://schemas.microsoft.com/office/drawing/2014/main" xmlns="" id="{E37145E9-AC61-47D5-9288-8789940F81B6}"/>
               </a:ext>
             </a:extLst>
           </p:cNvPr>
@@ -5431,7 +5520,7 @@
           <p:cNvPr id="12" name="Freeform: Shape 11">
             <a:extLst>
               <a:ext uri="{FF2B5EF4-FFF2-40B4-BE49-F238E27FC236}">
-                <a16:creationId xmlns:a16="http://schemas.microsoft.com/office/drawing/2014/main" id="{A5E2B3ED-9A49-40A7-B8A3-62595FE513F9}"/>
+                <a16:creationId xmlns:a16="http://schemas.microsoft.com/office/drawing/2014/main" xmlns="" id="{A5E2B3ED-9A49-40A7-B8A3-62595FE513F9}"/>
               </a:ext>
             </a:extLst>
           </p:cNvPr>
@@ -5581,7 +5670,7 @@
           <p:cNvPr id="8" name="Freeform: Shape 7">
             <a:extLst>
               <a:ext uri="{FF2B5EF4-FFF2-40B4-BE49-F238E27FC236}">
-                <a16:creationId xmlns:a16="http://schemas.microsoft.com/office/drawing/2014/main" id="{1599AF7E-3E34-4597-AA72-9373A7FDB020}"/>
+                <a16:creationId xmlns:a16="http://schemas.microsoft.com/office/drawing/2014/main" xmlns="" id="{1599AF7E-3E34-4597-AA72-9373A7FDB020}"/>
               </a:ext>
             </a:extLst>
           </p:cNvPr>
@@ -5727,7 +5816,7 @@
           <p:cNvPr id="2" name="Title 1">
             <a:extLst>
               <a:ext uri="{FF2B5EF4-FFF2-40B4-BE49-F238E27FC236}">
-                <a16:creationId xmlns:a16="http://schemas.microsoft.com/office/drawing/2014/main" id="{4A2DF563-7FAC-46B3-B24C-7E45CD89DA2B}"/>
+                <a16:creationId xmlns:a16="http://schemas.microsoft.com/office/drawing/2014/main" xmlns="" id="{4A2DF563-7FAC-46B3-B24C-7E45CD89DA2B}"/>
               </a:ext>
             </a:extLst>
           </p:cNvPr>
@@ -5772,7 +5861,7 @@
           <p:cNvPr id="15" name="Group 14">
             <a:extLst>
               <a:ext uri="{FF2B5EF4-FFF2-40B4-BE49-F238E27FC236}">
-                <a16:creationId xmlns:a16="http://schemas.microsoft.com/office/drawing/2014/main" id="{7732E1E7-45E3-4264-8F26-66758696DD1E}"/>
+                <a16:creationId xmlns:a16="http://schemas.microsoft.com/office/drawing/2014/main" xmlns="" id="{7732E1E7-45E3-4264-8F26-66758696DD1E}"/>
               </a:ext>
             </a:extLst>
           </p:cNvPr>
@@ -5792,7 +5881,7 @@
             <p:cNvPr id="16" name="Freeform: Shape 15">
               <a:extLst>
                 <a:ext uri="{FF2B5EF4-FFF2-40B4-BE49-F238E27FC236}">
-                  <a16:creationId xmlns:a16="http://schemas.microsoft.com/office/drawing/2014/main" id="{2E3DF883-8093-49FA-81E1-E5D77F086A25}"/>
+                  <a16:creationId xmlns:a16="http://schemas.microsoft.com/office/drawing/2014/main" xmlns="" id="{2E3DF883-8093-49FA-81E1-E5D77F086A25}"/>
                 </a:ext>
               </a:extLst>
             </p:cNvPr>
@@ -5882,7 +5971,7 @@
             <p:cNvPr id="17" name="Freeform: Shape 16">
               <a:extLst>
                 <a:ext uri="{FF2B5EF4-FFF2-40B4-BE49-F238E27FC236}">
-                  <a16:creationId xmlns:a16="http://schemas.microsoft.com/office/drawing/2014/main" id="{18944C90-37E5-4BBE-89FF-060627168050}"/>
+                  <a16:creationId xmlns:a16="http://schemas.microsoft.com/office/drawing/2014/main" xmlns="" id="{18944C90-37E5-4BBE-89FF-060627168050}"/>
                 </a:ext>
               </a:extLst>
             </p:cNvPr>
@@ -5981,7 +6070,7 @@
           <p:cNvPr id="6" name="Group 5">
             <a:extLst>
               <a:ext uri="{FF2B5EF4-FFF2-40B4-BE49-F238E27FC236}">
-                <a16:creationId xmlns:a16="http://schemas.microsoft.com/office/drawing/2014/main" id="{D9EBF8BB-A805-4DDB-B459-082F99815B95}"/>
+                <a16:creationId xmlns:a16="http://schemas.microsoft.com/office/drawing/2014/main" xmlns="" id="{D9EBF8BB-A805-4DDB-B459-082F99815B95}"/>
               </a:ext>
             </a:extLst>
           </p:cNvPr>
@@ -6001,7 +6090,7 @@
             <p:cNvPr id="19" name="Rectangle: Single Corner Snipped 18">
               <a:extLst>
                 <a:ext uri="{FF2B5EF4-FFF2-40B4-BE49-F238E27FC236}">
-                  <a16:creationId xmlns:a16="http://schemas.microsoft.com/office/drawing/2014/main" id="{5D638788-DD47-45E7-939A-FA108A818173}"/>
+                  <a16:creationId xmlns:a16="http://schemas.microsoft.com/office/drawing/2014/main" xmlns="" id="{5D638788-DD47-45E7-939A-FA108A818173}"/>
                 </a:ext>
               </a:extLst>
             </p:cNvPr>
@@ -6067,7 +6156,7 @@
             <p:cNvPr id="3" name="Rectangle: Single Corner Snipped 2">
               <a:extLst>
                 <a:ext uri="{FF2B5EF4-FFF2-40B4-BE49-F238E27FC236}">
-                  <a16:creationId xmlns:a16="http://schemas.microsoft.com/office/drawing/2014/main" id="{74BDECEF-EEFE-4332-B3B2-BDE4F82C10FC}"/>
+                  <a16:creationId xmlns:a16="http://schemas.microsoft.com/office/drawing/2014/main" xmlns="" id="{74BDECEF-EEFE-4332-B3B2-BDE4F82C10FC}"/>
                 </a:ext>
               </a:extLst>
             </p:cNvPr>
@@ -6124,7 +6213,7 @@
           <p:cNvPr id="24" name="Freeform: Shape 23">
             <a:extLst>
               <a:ext uri="{FF2B5EF4-FFF2-40B4-BE49-F238E27FC236}">
-                <a16:creationId xmlns:a16="http://schemas.microsoft.com/office/drawing/2014/main" id="{18103E00-7E4A-44CD-81AC-06433CAE1110}"/>
+                <a16:creationId xmlns:a16="http://schemas.microsoft.com/office/drawing/2014/main" xmlns="" id="{18103E00-7E4A-44CD-81AC-06433CAE1110}"/>
               </a:ext>
             </a:extLst>
           </p:cNvPr>
@@ -6219,7 +6308,7 @@
           <p:cNvPr id="5" name="Slide Number Placeholder 4">
             <a:extLst>
               <a:ext uri="{FF2B5EF4-FFF2-40B4-BE49-F238E27FC236}">
-                <a16:creationId xmlns:a16="http://schemas.microsoft.com/office/drawing/2014/main" id="{87B51822-97FF-47A7-8E4E-A0F79B4EB237}"/>
+                <a16:creationId xmlns:a16="http://schemas.microsoft.com/office/drawing/2014/main" xmlns="" id="{87B51822-97FF-47A7-8E4E-A0F79B4EB237}"/>
               </a:ext>
             </a:extLst>
           </p:cNvPr>
@@ -6252,7 +6341,7 @@
             <a:fld id="{C263D6C4-4840-40CC-AC84-17E24B3B7BDE}" type="slidenum">
               <a:rPr lang="en-US" noProof="0" smtClean="0"/>
               <a:pPr/>
-              <a:t>‹#›</a:t>
+              <a:t>‹Nr.›</a:t>
             </a:fld>
             <a:endParaRPr lang="en-US" noProof="0" dirty="0"/>
           </a:p>
@@ -6263,7 +6352,7 @@
           <p:cNvPr id="20" name="Content Placeholder 2">
             <a:extLst>
               <a:ext uri="{FF2B5EF4-FFF2-40B4-BE49-F238E27FC236}">
-                <a16:creationId xmlns:a16="http://schemas.microsoft.com/office/drawing/2014/main" id="{FE796BFF-6E5F-4DE7-B193-F501FC094D63}"/>
+                <a16:creationId xmlns:a16="http://schemas.microsoft.com/office/drawing/2014/main" xmlns="" id="{FE796BFF-6E5F-4DE7-B193-F501FC094D63}"/>
               </a:ext>
             </a:extLst>
           </p:cNvPr>
@@ -6373,7 +6462,7 @@
           <p:cNvPr id="21" name="Content Placeholder 3">
             <a:extLst>
               <a:ext uri="{FF2B5EF4-FFF2-40B4-BE49-F238E27FC236}">
-                <a16:creationId xmlns:a16="http://schemas.microsoft.com/office/drawing/2014/main" id="{78622754-CA4D-4C27-A37F-B26E7B4C9CA2}"/>
+                <a16:creationId xmlns:a16="http://schemas.microsoft.com/office/drawing/2014/main" xmlns="" id="{78622754-CA4D-4C27-A37F-B26E7B4C9CA2}"/>
               </a:ext>
             </a:extLst>
           </p:cNvPr>
@@ -6511,7 +6600,7 @@
           <p:cNvPr id="11" name="Rectangle 10">
             <a:extLst>
               <a:ext uri="{FF2B5EF4-FFF2-40B4-BE49-F238E27FC236}">
-                <a16:creationId xmlns:a16="http://schemas.microsoft.com/office/drawing/2014/main" id="{EB3E033F-4449-40FA-BC85-BD2712D313DD}"/>
+                <a16:creationId xmlns:a16="http://schemas.microsoft.com/office/drawing/2014/main" xmlns="" id="{EB3E033F-4449-40FA-BC85-BD2712D313DD}"/>
               </a:ext>
             </a:extLst>
           </p:cNvPr>
@@ -6565,7 +6654,7 @@
           <p:cNvPr id="10" name="Freeform: Shape 9">
             <a:extLst>
               <a:ext uri="{FF2B5EF4-FFF2-40B4-BE49-F238E27FC236}">
-                <a16:creationId xmlns:a16="http://schemas.microsoft.com/office/drawing/2014/main" id="{63D26743-0505-444C-80B3-E88EE87DF72B}"/>
+                <a16:creationId xmlns:a16="http://schemas.microsoft.com/office/drawing/2014/main" xmlns="" id="{63D26743-0505-444C-80B3-E88EE87DF72B}"/>
               </a:ext>
             </a:extLst>
           </p:cNvPr>
@@ -6688,7 +6777,7 @@
           <p:cNvPr id="18" name="Freeform: Shape 17">
             <a:extLst>
               <a:ext uri="{FF2B5EF4-FFF2-40B4-BE49-F238E27FC236}">
-                <a16:creationId xmlns:a16="http://schemas.microsoft.com/office/drawing/2014/main" id="{E37145E9-AC61-47D5-9288-8789940F81B6}"/>
+                <a16:creationId xmlns:a16="http://schemas.microsoft.com/office/drawing/2014/main" xmlns="" id="{E37145E9-AC61-47D5-9288-8789940F81B6}"/>
               </a:ext>
             </a:extLst>
           </p:cNvPr>
@@ -6840,7 +6929,7 @@
           <p:cNvPr id="12" name="Freeform: Shape 11">
             <a:extLst>
               <a:ext uri="{FF2B5EF4-FFF2-40B4-BE49-F238E27FC236}">
-                <a16:creationId xmlns:a16="http://schemas.microsoft.com/office/drawing/2014/main" id="{A5E2B3ED-9A49-40A7-B8A3-62595FE513F9}"/>
+                <a16:creationId xmlns:a16="http://schemas.microsoft.com/office/drawing/2014/main" xmlns="" id="{A5E2B3ED-9A49-40A7-B8A3-62595FE513F9}"/>
               </a:ext>
             </a:extLst>
           </p:cNvPr>
@@ -6990,7 +7079,7 @@
           <p:cNvPr id="8" name="Freeform: Shape 7">
             <a:extLst>
               <a:ext uri="{FF2B5EF4-FFF2-40B4-BE49-F238E27FC236}">
-                <a16:creationId xmlns:a16="http://schemas.microsoft.com/office/drawing/2014/main" id="{1599AF7E-3E34-4597-AA72-9373A7FDB020}"/>
+                <a16:creationId xmlns:a16="http://schemas.microsoft.com/office/drawing/2014/main" xmlns="" id="{1599AF7E-3E34-4597-AA72-9373A7FDB020}"/>
               </a:ext>
             </a:extLst>
           </p:cNvPr>
@@ -7136,7 +7225,7 @@
           <p:cNvPr id="2" name="Title 1">
             <a:extLst>
               <a:ext uri="{FF2B5EF4-FFF2-40B4-BE49-F238E27FC236}">
-                <a16:creationId xmlns:a16="http://schemas.microsoft.com/office/drawing/2014/main" id="{4A2DF563-7FAC-46B3-B24C-7E45CD89DA2B}"/>
+                <a16:creationId xmlns:a16="http://schemas.microsoft.com/office/drawing/2014/main" xmlns="" id="{4A2DF563-7FAC-46B3-B24C-7E45CD89DA2B}"/>
               </a:ext>
             </a:extLst>
           </p:cNvPr>
@@ -7181,7 +7270,7 @@
           <p:cNvPr id="15" name="Group 14">
             <a:extLst>
               <a:ext uri="{FF2B5EF4-FFF2-40B4-BE49-F238E27FC236}">
-                <a16:creationId xmlns:a16="http://schemas.microsoft.com/office/drawing/2014/main" id="{7732E1E7-45E3-4264-8F26-66758696DD1E}"/>
+                <a16:creationId xmlns:a16="http://schemas.microsoft.com/office/drawing/2014/main" xmlns="" id="{7732E1E7-45E3-4264-8F26-66758696DD1E}"/>
               </a:ext>
             </a:extLst>
           </p:cNvPr>
@@ -7201,7 +7290,7 @@
             <p:cNvPr id="16" name="Freeform: Shape 15">
               <a:extLst>
                 <a:ext uri="{FF2B5EF4-FFF2-40B4-BE49-F238E27FC236}">
-                  <a16:creationId xmlns:a16="http://schemas.microsoft.com/office/drawing/2014/main" id="{2E3DF883-8093-49FA-81E1-E5D77F086A25}"/>
+                  <a16:creationId xmlns:a16="http://schemas.microsoft.com/office/drawing/2014/main" xmlns="" id="{2E3DF883-8093-49FA-81E1-E5D77F086A25}"/>
                 </a:ext>
               </a:extLst>
             </p:cNvPr>
@@ -7291,7 +7380,7 @@
             <p:cNvPr id="17" name="Freeform: Shape 16">
               <a:extLst>
                 <a:ext uri="{FF2B5EF4-FFF2-40B4-BE49-F238E27FC236}">
-                  <a16:creationId xmlns:a16="http://schemas.microsoft.com/office/drawing/2014/main" id="{18944C90-37E5-4BBE-89FF-060627168050}"/>
+                  <a16:creationId xmlns:a16="http://schemas.microsoft.com/office/drawing/2014/main" xmlns="" id="{18944C90-37E5-4BBE-89FF-060627168050}"/>
                 </a:ext>
               </a:extLst>
             </p:cNvPr>
@@ -7390,7 +7479,7 @@
           <p:cNvPr id="6" name="Group 5">
             <a:extLst>
               <a:ext uri="{FF2B5EF4-FFF2-40B4-BE49-F238E27FC236}">
-                <a16:creationId xmlns:a16="http://schemas.microsoft.com/office/drawing/2014/main" id="{D9EBF8BB-A805-4DDB-B459-082F99815B95}"/>
+                <a16:creationId xmlns:a16="http://schemas.microsoft.com/office/drawing/2014/main" xmlns="" id="{D9EBF8BB-A805-4DDB-B459-082F99815B95}"/>
               </a:ext>
             </a:extLst>
           </p:cNvPr>
@@ -7410,7 +7499,7 @@
             <p:cNvPr id="19" name="Rectangle: Single Corner Snipped 18">
               <a:extLst>
                 <a:ext uri="{FF2B5EF4-FFF2-40B4-BE49-F238E27FC236}">
-                  <a16:creationId xmlns:a16="http://schemas.microsoft.com/office/drawing/2014/main" id="{5D638788-DD47-45E7-939A-FA108A818173}"/>
+                  <a16:creationId xmlns:a16="http://schemas.microsoft.com/office/drawing/2014/main" xmlns="" id="{5D638788-DD47-45E7-939A-FA108A818173}"/>
                 </a:ext>
               </a:extLst>
             </p:cNvPr>
@@ -7471,7 +7560,7 @@
             <p:cNvPr id="3" name="Rectangle: Single Corner Snipped 2">
               <a:extLst>
                 <a:ext uri="{FF2B5EF4-FFF2-40B4-BE49-F238E27FC236}">
-                  <a16:creationId xmlns:a16="http://schemas.microsoft.com/office/drawing/2014/main" id="{74BDECEF-EEFE-4332-B3B2-BDE4F82C10FC}"/>
+                  <a16:creationId xmlns:a16="http://schemas.microsoft.com/office/drawing/2014/main" xmlns="" id="{74BDECEF-EEFE-4332-B3B2-BDE4F82C10FC}"/>
                 </a:ext>
               </a:extLst>
             </p:cNvPr>
@@ -7528,7 +7617,7 @@
           <p:cNvPr id="20" name="Picture Placeholder 8">
             <a:extLst>
               <a:ext uri="{FF2B5EF4-FFF2-40B4-BE49-F238E27FC236}">
-                <a16:creationId xmlns:a16="http://schemas.microsoft.com/office/drawing/2014/main" id="{6D00E6B4-1CBE-404E-B943-5F1832320C1C}"/>
+                <a16:creationId xmlns:a16="http://schemas.microsoft.com/office/drawing/2014/main" xmlns="" id="{6D00E6B4-1CBE-404E-B943-5F1832320C1C}"/>
               </a:ext>
             </a:extLst>
           </p:cNvPr>
@@ -7591,7 +7680,7 @@
           <p:cNvPr id="21" name="Picture Placeholder 8">
             <a:extLst>
               <a:ext uri="{FF2B5EF4-FFF2-40B4-BE49-F238E27FC236}">
-                <a16:creationId xmlns:a16="http://schemas.microsoft.com/office/drawing/2014/main" id="{7CD59BFD-62BE-4E33-92A5-B84A2A9A8D3B}"/>
+                <a16:creationId xmlns:a16="http://schemas.microsoft.com/office/drawing/2014/main" xmlns="" id="{7CD59BFD-62BE-4E33-92A5-B84A2A9A8D3B}"/>
               </a:ext>
             </a:extLst>
           </p:cNvPr>
@@ -7654,7 +7743,7 @@
           <p:cNvPr id="22" name="Picture Placeholder 8">
             <a:extLst>
               <a:ext uri="{FF2B5EF4-FFF2-40B4-BE49-F238E27FC236}">
-                <a16:creationId xmlns:a16="http://schemas.microsoft.com/office/drawing/2014/main" id="{60DC5978-55B8-421D-91B4-29F8210A7B2C}"/>
+                <a16:creationId xmlns:a16="http://schemas.microsoft.com/office/drawing/2014/main" xmlns="" id="{60DC5978-55B8-421D-91B4-29F8210A7B2C}"/>
               </a:ext>
             </a:extLst>
           </p:cNvPr>
@@ -7717,7 +7806,7 @@
           <p:cNvPr id="23" name="Picture Placeholder 8">
             <a:extLst>
               <a:ext uri="{FF2B5EF4-FFF2-40B4-BE49-F238E27FC236}">
-                <a16:creationId xmlns:a16="http://schemas.microsoft.com/office/drawing/2014/main" id="{BE3FB8C3-2C7E-4C59-8BD5-53FA2772DB56}"/>
+                <a16:creationId xmlns:a16="http://schemas.microsoft.com/office/drawing/2014/main" xmlns="" id="{BE3FB8C3-2C7E-4C59-8BD5-53FA2772DB56}"/>
               </a:ext>
             </a:extLst>
           </p:cNvPr>
@@ -7780,7 +7869,7 @@
           <p:cNvPr id="24" name="Picture Placeholder 8">
             <a:extLst>
               <a:ext uri="{FF2B5EF4-FFF2-40B4-BE49-F238E27FC236}">
-                <a16:creationId xmlns:a16="http://schemas.microsoft.com/office/drawing/2014/main" id="{FD8FA9DA-C36B-4889-B88F-28B5829E53E2}"/>
+                <a16:creationId xmlns:a16="http://schemas.microsoft.com/office/drawing/2014/main" xmlns="" id="{FD8FA9DA-C36B-4889-B88F-28B5829E53E2}"/>
               </a:ext>
             </a:extLst>
           </p:cNvPr>
@@ -7843,7 +7932,7 @@
           <p:cNvPr id="26" name="Text Placeholder 22">
             <a:extLst>
               <a:ext uri="{FF2B5EF4-FFF2-40B4-BE49-F238E27FC236}">
-                <a16:creationId xmlns:a16="http://schemas.microsoft.com/office/drawing/2014/main" id="{2A19101D-7C37-42BF-8167-5391EA65EC3A}"/>
+                <a16:creationId xmlns:a16="http://schemas.microsoft.com/office/drawing/2014/main" xmlns="" id="{2A19101D-7C37-42BF-8167-5391EA65EC3A}"/>
               </a:ext>
             </a:extLst>
           </p:cNvPr>
@@ -7953,7 +8042,7 @@
           <p:cNvPr id="27" name="Text Placeholder 22">
             <a:extLst>
               <a:ext uri="{FF2B5EF4-FFF2-40B4-BE49-F238E27FC236}">
-                <a16:creationId xmlns:a16="http://schemas.microsoft.com/office/drawing/2014/main" id="{05F72315-51A9-431C-B80A-45E4FB1D6BD6}"/>
+                <a16:creationId xmlns:a16="http://schemas.microsoft.com/office/drawing/2014/main" xmlns="" id="{05F72315-51A9-431C-B80A-45E4FB1D6BD6}"/>
               </a:ext>
             </a:extLst>
           </p:cNvPr>
@@ -8063,7 +8152,7 @@
           <p:cNvPr id="28" name="Text Placeholder 22">
             <a:extLst>
               <a:ext uri="{FF2B5EF4-FFF2-40B4-BE49-F238E27FC236}">
-                <a16:creationId xmlns:a16="http://schemas.microsoft.com/office/drawing/2014/main" id="{883D1F0C-34F1-46E1-B178-E4AB82B14631}"/>
+                <a16:creationId xmlns:a16="http://schemas.microsoft.com/office/drawing/2014/main" xmlns="" id="{883D1F0C-34F1-46E1-B178-E4AB82B14631}"/>
               </a:ext>
             </a:extLst>
           </p:cNvPr>
@@ -8173,7 +8262,7 @@
           <p:cNvPr id="29" name="Text Placeholder 22">
             <a:extLst>
               <a:ext uri="{FF2B5EF4-FFF2-40B4-BE49-F238E27FC236}">
-                <a16:creationId xmlns:a16="http://schemas.microsoft.com/office/drawing/2014/main" id="{7202A849-DF14-40E7-B38D-1185F72603EC}"/>
+                <a16:creationId xmlns:a16="http://schemas.microsoft.com/office/drawing/2014/main" xmlns="" id="{7202A849-DF14-40E7-B38D-1185F72603EC}"/>
               </a:ext>
             </a:extLst>
           </p:cNvPr>
@@ -8283,7 +8372,7 @@
           <p:cNvPr id="30" name="Text Placeholder 22">
             <a:extLst>
               <a:ext uri="{FF2B5EF4-FFF2-40B4-BE49-F238E27FC236}">
-                <a16:creationId xmlns:a16="http://schemas.microsoft.com/office/drawing/2014/main" id="{CCFC1ADF-AC11-4CCD-AC2D-478B6FFEA5EA}"/>
+                <a16:creationId xmlns:a16="http://schemas.microsoft.com/office/drawing/2014/main" xmlns="" id="{CCFC1ADF-AC11-4CCD-AC2D-478B6FFEA5EA}"/>
               </a:ext>
             </a:extLst>
           </p:cNvPr>
@@ -8393,7 +8482,7 @@
           <p:cNvPr id="7" name="Straight Connector 6">
             <a:extLst>
               <a:ext uri="{FF2B5EF4-FFF2-40B4-BE49-F238E27FC236}">
-                <a16:creationId xmlns:a16="http://schemas.microsoft.com/office/drawing/2014/main" id="{2B4CB326-DA0E-488E-B236-7017E8438FBB}"/>
+                <a16:creationId xmlns:a16="http://schemas.microsoft.com/office/drawing/2014/main" xmlns="" id="{2B4CB326-DA0E-488E-B236-7017E8438FBB}"/>
               </a:ext>
             </a:extLst>
           </p:cNvPr>
@@ -8434,7 +8523,7 @@
           <p:cNvPr id="31" name="Straight Connector 30">
             <a:extLst>
               <a:ext uri="{FF2B5EF4-FFF2-40B4-BE49-F238E27FC236}">
-                <a16:creationId xmlns:a16="http://schemas.microsoft.com/office/drawing/2014/main" id="{9366B533-7212-4A36-9CE2-D6302E721F8F}"/>
+                <a16:creationId xmlns:a16="http://schemas.microsoft.com/office/drawing/2014/main" xmlns="" id="{9366B533-7212-4A36-9CE2-D6302E721F8F}"/>
               </a:ext>
             </a:extLst>
           </p:cNvPr>
@@ -8475,7 +8564,7 @@
           <p:cNvPr id="32" name="Straight Connector 31">
             <a:extLst>
               <a:ext uri="{FF2B5EF4-FFF2-40B4-BE49-F238E27FC236}">
-                <a16:creationId xmlns:a16="http://schemas.microsoft.com/office/drawing/2014/main" id="{AD7474CD-E230-4E14-8274-5E20F673F401}"/>
+                <a16:creationId xmlns:a16="http://schemas.microsoft.com/office/drawing/2014/main" xmlns="" id="{AD7474CD-E230-4E14-8274-5E20F673F401}"/>
               </a:ext>
             </a:extLst>
           </p:cNvPr>
@@ -8516,7 +8605,7 @@
           <p:cNvPr id="33" name="Straight Connector 32">
             <a:extLst>
               <a:ext uri="{FF2B5EF4-FFF2-40B4-BE49-F238E27FC236}">
-                <a16:creationId xmlns:a16="http://schemas.microsoft.com/office/drawing/2014/main" id="{6BF71FCE-6F39-4D2F-82BE-7D9F1D2ED59F}"/>
+                <a16:creationId xmlns:a16="http://schemas.microsoft.com/office/drawing/2014/main" xmlns="" id="{6BF71FCE-6F39-4D2F-82BE-7D9F1D2ED59F}"/>
               </a:ext>
             </a:extLst>
           </p:cNvPr>
@@ -8557,7 +8646,7 @@
           <p:cNvPr id="34" name="Straight Connector 33">
             <a:extLst>
               <a:ext uri="{FF2B5EF4-FFF2-40B4-BE49-F238E27FC236}">
-                <a16:creationId xmlns:a16="http://schemas.microsoft.com/office/drawing/2014/main" id="{AE97AC7A-17D9-4F42-9DD0-94FE4FC6BF19}"/>
+                <a16:creationId xmlns:a16="http://schemas.microsoft.com/office/drawing/2014/main" xmlns="" id="{AE97AC7A-17D9-4F42-9DD0-94FE4FC6BF19}"/>
               </a:ext>
             </a:extLst>
           </p:cNvPr>
@@ -8598,7 +8687,7 @@
           <p:cNvPr id="35" name="Freeform: Shape 34">
             <a:extLst>
               <a:ext uri="{FF2B5EF4-FFF2-40B4-BE49-F238E27FC236}">
-                <a16:creationId xmlns:a16="http://schemas.microsoft.com/office/drawing/2014/main" id="{62EEBF51-DCAD-4335-85E9-52801031A1BF}"/>
+                <a16:creationId xmlns:a16="http://schemas.microsoft.com/office/drawing/2014/main" xmlns="" id="{62EEBF51-DCAD-4335-85E9-52801031A1BF}"/>
               </a:ext>
             </a:extLst>
           </p:cNvPr>
@@ -8693,7 +8782,7 @@
           <p:cNvPr id="5" name="Slide Number Placeholder 4">
             <a:extLst>
               <a:ext uri="{FF2B5EF4-FFF2-40B4-BE49-F238E27FC236}">
-                <a16:creationId xmlns:a16="http://schemas.microsoft.com/office/drawing/2014/main" id="{87B51822-97FF-47A7-8E4E-A0F79B4EB237}"/>
+                <a16:creationId xmlns:a16="http://schemas.microsoft.com/office/drawing/2014/main" xmlns="" id="{87B51822-97FF-47A7-8E4E-A0F79B4EB237}"/>
               </a:ext>
             </a:extLst>
           </p:cNvPr>
@@ -8726,7 +8815,7 @@
             <a:fld id="{C263D6C4-4840-40CC-AC84-17E24B3B7BDE}" type="slidenum">
               <a:rPr lang="en-US" noProof="0" smtClean="0"/>
               <a:pPr/>
-              <a:t>‹#›</a:t>
+              <a:t>‹Nr.›</a:t>
             </a:fld>
             <a:endParaRPr lang="en-US" noProof="0" dirty="0"/>
           </a:p>
@@ -8775,7 +8864,7 @@
           <p:cNvPr id="11" name="Rectangle 10">
             <a:extLst>
               <a:ext uri="{FF2B5EF4-FFF2-40B4-BE49-F238E27FC236}">
-                <a16:creationId xmlns:a16="http://schemas.microsoft.com/office/drawing/2014/main" id="{EB3E033F-4449-40FA-BC85-BD2712D313DD}"/>
+                <a16:creationId xmlns:a16="http://schemas.microsoft.com/office/drawing/2014/main" xmlns="" id="{EB3E033F-4449-40FA-BC85-BD2712D313DD}"/>
               </a:ext>
             </a:extLst>
           </p:cNvPr>
@@ -8829,7 +8918,7 @@
           <p:cNvPr id="10" name="Freeform: Shape 9">
             <a:extLst>
               <a:ext uri="{FF2B5EF4-FFF2-40B4-BE49-F238E27FC236}">
-                <a16:creationId xmlns:a16="http://schemas.microsoft.com/office/drawing/2014/main" id="{63D26743-0505-444C-80B3-E88EE87DF72B}"/>
+                <a16:creationId xmlns:a16="http://schemas.microsoft.com/office/drawing/2014/main" xmlns="" id="{63D26743-0505-444C-80B3-E88EE87DF72B}"/>
               </a:ext>
             </a:extLst>
           </p:cNvPr>
@@ -8952,7 +9041,7 @@
           <p:cNvPr id="18" name="Freeform: Shape 17">
             <a:extLst>
               <a:ext uri="{FF2B5EF4-FFF2-40B4-BE49-F238E27FC236}">
-                <a16:creationId xmlns:a16="http://schemas.microsoft.com/office/drawing/2014/main" id="{E37145E9-AC61-47D5-9288-8789940F81B6}"/>
+                <a16:creationId xmlns:a16="http://schemas.microsoft.com/office/drawing/2014/main" xmlns="" id="{E37145E9-AC61-47D5-9288-8789940F81B6}"/>
               </a:ext>
             </a:extLst>
           </p:cNvPr>
@@ -9104,7 +9193,7 @@
           <p:cNvPr id="12" name="Freeform: Shape 11">
             <a:extLst>
               <a:ext uri="{FF2B5EF4-FFF2-40B4-BE49-F238E27FC236}">
-                <a16:creationId xmlns:a16="http://schemas.microsoft.com/office/drawing/2014/main" id="{A5E2B3ED-9A49-40A7-B8A3-62595FE513F9}"/>
+                <a16:creationId xmlns:a16="http://schemas.microsoft.com/office/drawing/2014/main" xmlns="" id="{A5E2B3ED-9A49-40A7-B8A3-62595FE513F9}"/>
               </a:ext>
             </a:extLst>
           </p:cNvPr>
@@ -9254,7 +9343,7 @@
           <p:cNvPr id="8" name="Freeform: Shape 7">
             <a:extLst>
               <a:ext uri="{FF2B5EF4-FFF2-40B4-BE49-F238E27FC236}">
-                <a16:creationId xmlns:a16="http://schemas.microsoft.com/office/drawing/2014/main" id="{1599AF7E-3E34-4597-AA72-9373A7FDB020}"/>
+                <a16:creationId xmlns:a16="http://schemas.microsoft.com/office/drawing/2014/main" xmlns="" id="{1599AF7E-3E34-4597-AA72-9373A7FDB020}"/>
               </a:ext>
             </a:extLst>
           </p:cNvPr>
@@ -9400,7 +9489,7 @@
           <p:cNvPr id="2" name="Title 1">
             <a:extLst>
               <a:ext uri="{FF2B5EF4-FFF2-40B4-BE49-F238E27FC236}">
-                <a16:creationId xmlns:a16="http://schemas.microsoft.com/office/drawing/2014/main" id="{4A2DF563-7FAC-46B3-B24C-7E45CD89DA2B}"/>
+                <a16:creationId xmlns:a16="http://schemas.microsoft.com/office/drawing/2014/main" xmlns="" id="{4A2DF563-7FAC-46B3-B24C-7E45CD89DA2B}"/>
               </a:ext>
             </a:extLst>
           </p:cNvPr>
@@ -9445,7 +9534,7 @@
           <p:cNvPr id="15" name="Group 14">
             <a:extLst>
               <a:ext uri="{FF2B5EF4-FFF2-40B4-BE49-F238E27FC236}">
-                <a16:creationId xmlns:a16="http://schemas.microsoft.com/office/drawing/2014/main" id="{7732E1E7-45E3-4264-8F26-66758696DD1E}"/>
+                <a16:creationId xmlns:a16="http://schemas.microsoft.com/office/drawing/2014/main" xmlns="" id="{7732E1E7-45E3-4264-8F26-66758696DD1E}"/>
               </a:ext>
             </a:extLst>
           </p:cNvPr>
@@ -9465,7 +9554,7 @@
             <p:cNvPr id="16" name="Freeform: Shape 15">
               <a:extLst>
                 <a:ext uri="{FF2B5EF4-FFF2-40B4-BE49-F238E27FC236}">
-                  <a16:creationId xmlns:a16="http://schemas.microsoft.com/office/drawing/2014/main" id="{2E3DF883-8093-49FA-81E1-E5D77F086A25}"/>
+                  <a16:creationId xmlns:a16="http://schemas.microsoft.com/office/drawing/2014/main" xmlns="" id="{2E3DF883-8093-49FA-81E1-E5D77F086A25}"/>
                 </a:ext>
               </a:extLst>
             </p:cNvPr>
@@ -9555,7 +9644,7 @@
             <p:cNvPr id="17" name="Freeform: Shape 16">
               <a:extLst>
                 <a:ext uri="{FF2B5EF4-FFF2-40B4-BE49-F238E27FC236}">
-                  <a16:creationId xmlns:a16="http://schemas.microsoft.com/office/drawing/2014/main" id="{18944C90-37E5-4BBE-89FF-060627168050}"/>
+                  <a16:creationId xmlns:a16="http://schemas.microsoft.com/office/drawing/2014/main" xmlns="" id="{18944C90-37E5-4BBE-89FF-060627168050}"/>
                 </a:ext>
               </a:extLst>
             </p:cNvPr>
@@ -9654,7 +9743,7 @@
           <p:cNvPr id="6" name="Group 5">
             <a:extLst>
               <a:ext uri="{FF2B5EF4-FFF2-40B4-BE49-F238E27FC236}">
-                <a16:creationId xmlns:a16="http://schemas.microsoft.com/office/drawing/2014/main" id="{D9EBF8BB-A805-4DDB-B459-082F99815B95}"/>
+                <a16:creationId xmlns:a16="http://schemas.microsoft.com/office/drawing/2014/main" xmlns="" id="{D9EBF8BB-A805-4DDB-B459-082F99815B95}"/>
               </a:ext>
             </a:extLst>
           </p:cNvPr>
@@ -9674,7 +9763,7 @@
             <p:cNvPr id="19" name="Rectangle: Single Corner Snipped 18">
               <a:extLst>
                 <a:ext uri="{FF2B5EF4-FFF2-40B4-BE49-F238E27FC236}">
-                  <a16:creationId xmlns:a16="http://schemas.microsoft.com/office/drawing/2014/main" id="{5D638788-DD47-45E7-939A-FA108A818173}"/>
+                  <a16:creationId xmlns:a16="http://schemas.microsoft.com/office/drawing/2014/main" xmlns="" id="{5D638788-DD47-45E7-939A-FA108A818173}"/>
                 </a:ext>
               </a:extLst>
             </p:cNvPr>
@@ -9735,7 +9824,7 @@
             <p:cNvPr id="3" name="Rectangle: Single Corner Snipped 2">
               <a:extLst>
                 <a:ext uri="{FF2B5EF4-FFF2-40B4-BE49-F238E27FC236}">
-                  <a16:creationId xmlns:a16="http://schemas.microsoft.com/office/drawing/2014/main" id="{74BDECEF-EEFE-4332-B3B2-BDE4F82C10FC}"/>
+                  <a16:creationId xmlns:a16="http://schemas.microsoft.com/office/drawing/2014/main" xmlns="" id="{74BDECEF-EEFE-4332-B3B2-BDE4F82C10FC}"/>
                 </a:ext>
               </a:extLst>
             </p:cNvPr>
@@ -9792,7 +9881,7 @@
           <p:cNvPr id="26" name="Text Placeholder 22">
             <a:extLst>
               <a:ext uri="{FF2B5EF4-FFF2-40B4-BE49-F238E27FC236}">
-                <a16:creationId xmlns:a16="http://schemas.microsoft.com/office/drawing/2014/main" id="{2A19101D-7C37-42BF-8167-5391EA65EC3A}"/>
+                <a16:creationId xmlns:a16="http://schemas.microsoft.com/office/drawing/2014/main" xmlns="" id="{2A19101D-7C37-42BF-8167-5391EA65EC3A}"/>
               </a:ext>
             </a:extLst>
           </p:cNvPr>
@@ -9902,7 +9991,7 @@
           <p:cNvPr id="35" name="Freeform: Shape 34">
             <a:extLst>
               <a:ext uri="{FF2B5EF4-FFF2-40B4-BE49-F238E27FC236}">
-                <a16:creationId xmlns:a16="http://schemas.microsoft.com/office/drawing/2014/main" id="{62EEBF51-DCAD-4335-85E9-52801031A1BF}"/>
+                <a16:creationId xmlns:a16="http://schemas.microsoft.com/office/drawing/2014/main" xmlns="" id="{62EEBF51-DCAD-4335-85E9-52801031A1BF}"/>
               </a:ext>
             </a:extLst>
           </p:cNvPr>
@@ -9997,7 +10086,7 @@
           <p:cNvPr id="5" name="Slide Number Placeholder 4">
             <a:extLst>
               <a:ext uri="{FF2B5EF4-FFF2-40B4-BE49-F238E27FC236}">
-                <a16:creationId xmlns:a16="http://schemas.microsoft.com/office/drawing/2014/main" id="{87B51822-97FF-47A7-8E4E-A0F79B4EB237}"/>
+                <a16:creationId xmlns:a16="http://schemas.microsoft.com/office/drawing/2014/main" xmlns="" id="{87B51822-97FF-47A7-8E4E-A0F79B4EB237}"/>
               </a:ext>
             </a:extLst>
           </p:cNvPr>
@@ -10030,7 +10119,7 @@
             <a:fld id="{C263D6C4-4840-40CC-AC84-17E24B3B7BDE}" type="slidenum">
               <a:rPr lang="en-US" noProof="0" smtClean="0"/>
               <a:pPr/>
-              <a:t>‹#›</a:t>
+              <a:t>‹Nr.›</a:t>
             </a:fld>
             <a:endParaRPr lang="en-US" noProof="0" dirty="0"/>
           </a:p>
@@ -10041,7 +10130,7 @@
           <p:cNvPr id="13" name="Picture Placeholder 12">
             <a:extLst>
               <a:ext uri="{FF2B5EF4-FFF2-40B4-BE49-F238E27FC236}">
-                <a16:creationId xmlns:a16="http://schemas.microsoft.com/office/drawing/2014/main" id="{231B97CF-FD24-4932-8459-893B1AC73D33}"/>
+                <a16:creationId xmlns:a16="http://schemas.microsoft.com/office/drawing/2014/main" xmlns="" id="{231B97CF-FD24-4932-8459-893B1AC73D33}"/>
               </a:ext>
             </a:extLst>
           </p:cNvPr>
@@ -10086,7 +10175,7 @@
           <p:cNvPr id="36" name="Text Placeholder 22">
             <a:extLst>
               <a:ext uri="{FF2B5EF4-FFF2-40B4-BE49-F238E27FC236}">
-                <a16:creationId xmlns:a16="http://schemas.microsoft.com/office/drawing/2014/main" id="{642D3CE0-C3B4-4F3F-A650-AB452B3AD4BA}"/>
+                <a16:creationId xmlns:a16="http://schemas.microsoft.com/office/drawing/2014/main" xmlns="" id="{642D3CE0-C3B4-4F3F-A650-AB452B3AD4BA}"/>
               </a:ext>
             </a:extLst>
           </p:cNvPr>
@@ -10196,7 +10285,7 @@
           <p:cNvPr id="37" name="Text Placeholder 22">
             <a:extLst>
               <a:ext uri="{FF2B5EF4-FFF2-40B4-BE49-F238E27FC236}">
-                <a16:creationId xmlns:a16="http://schemas.microsoft.com/office/drawing/2014/main" id="{DBED2BB0-CDAD-40EE-8B35-C66DF45EE29D}"/>
+                <a16:creationId xmlns:a16="http://schemas.microsoft.com/office/drawing/2014/main" xmlns="" id="{DBED2BB0-CDAD-40EE-8B35-C66DF45EE29D}"/>
               </a:ext>
             </a:extLst>
           </p:cNvPr>
@@ -10344,7 +10433,7 @@
           <p:cNvPr id="11" name="Rectangle 10">
             <a:extLst>
               <a:ext uri="{FF2B5EF4-FFF2-40B4-BE49-F238E27FC236}">
-                <a16:creationId xmlns:a16="http://schemas.microsoft.com/office/drawing/2014/main" id="{EB3E033F-4449-40FA-BC85-BD2712D313DD}"/>
+                <a16:creationId xmlns:a16="http://schemas.microsoft.com/office/drawing/2014/main" xmlns="" id="{EB3E033F-4449-40FA-BC85-BD2712D313DD}"/>
               </a:ext>
             </a:extLst>
           </p:cNvPr>
@@ -10398,7 +10487,7 @@
           <p:cNvPr id="10" name="Freeform: Shape 9">
             <a:extLst>
               <a:ext uri="{FF2B5EF4-FFF2-40B4-BE49-F238E27FC236}">
-                <a16:creationId xmlns:a16="http://schemas.microsoft.com/office/drawing/2014/main" id="{63D26743-0505-444C-80B3-E88EE87DF72B}"/>
+                <a16:creationId xmlns:a16="http://schemas.microsoft.com/office/drawing/2014/main" xmlns="" id="{63D26743-0505-444C-80B3-E88EE87DF72B}"/>
               </a:ext>
             </a:extLst>
           </p:cNvPr>
@@ -10521,7 +10610,7 @@
           <p:cNvPr id="18" name="Freeform: Shape 17">
             <a:extLst>
               <a:ext uri="{FF2B5EF4-FFF2-40B4-BE49-F238E27FC236}">
-                <a16:creationId xmlns:a16="http://schemas.microsoft.com/office/drawing/2014/main" id="{E37145E9-AC61-47D5-9288-8789940F81B6}"/>
+                <a16:creationId xmlns:a16="http://schemas.microsoft.com/office/drawing/2014/main" xmlns="" id="{E37145E9-AC61-47D5-9288-8789940F81B6}"/>
               </a:ext>
             </a:extLst>
           </p:cNvPr>
@@ -10673,7 +10762,7 @@
           <p:cNvPr id="12" name="Freeform: Shape 11">
             <a:extLst>
               <a:ext uri="{FF2B5EF4-FFF2-40B4-BE49-F238E27FC236}">
-                <a16:creationId xmlns:a16="http://schemas.microsoft.com/office/drawing/2014/main" id="{A5E2B3ED-9A49-40A7-B8A3-62595FE513F9}"/>
+                <a16:creationId xmlns:a16="http://schemas.microsoft.com/office/drawing/2014/main" xmlns="" id="{A5E2B3ED-9A49-40A7-B8A3-62595FE513F9}"/>
               </a:ext>
             </a:extLst>
           </p:cNvPr>
@@ -10823,7 +10912,7 @@
           <p:cNvPr id="8" name="Freeform: Shape 7">
             <a:extLst>
               <a:ext uri="{FF2B5EF4-FFF2-40B4-BE49-F238E27FC236}">
-                <a16:creationId xmlns:a16="http://schemas.microsoft.com/office/drawing/2014/main" id="{1599AF7E-3E34-4597-AA72-9373A7FDB020}"/>
+                <a16:creationId xmlns:a16="http://schemas.microsoft.com/office/drawing/2014/main" xmlns="" id="{1599AF7E-3E34-4597-AA72-9373A7FDB020}"/>
               </a:ext>
             </a:extLst>
           </p:cNvPr>
@@ -10969,7 +11058,7 @@
           <p:cNvPr id="2" name="Title 1">
             <a:extLst>
               <a:ext uri="{FF2B5EF4-FFF2-40B4-BE49-F238E27FC236}">
-                <a16:creationId xmlns:a16="http://schemas.microsoft.com/office/drawing/2014/main" id="{4A2DF563-7FAC-46B3-B24C-7E45CD89DA2B}"/>
+                <a16:creationId xmlns:a16="http://schemas.microsoft.com/office/drawing/2014/main" xmlns="" id="{4A2DF563-7FAC-46B3-B24C-7E45CD89DA2B}"/>
               </a:ext>
             </a:extLst>
           </p:cNvPr>
@@ -11014,7 +11103,7 @@
           <p:cNvPr id="15" name="Group 14">
             <a:extLst>
               <a:ext uri="{FF2B5EF4-FFF2-40B4-BE49-F238E27FC236}">
-                <a16:creationId xmlns:a16="http://schemas.microsoft.com/office/drawing/2014/main" id="{7732E1E7-45E3-4264-8F26-66758696DD1E}"/>
+                <a16:creationId xmlns:a16="http://schemas.microsoft.com/office/drawing/2014/main" xmlns="" id="{7732E1E7-45E3-4264-8F26-66758696DD1E}"/>
               </a:ext>
             </a:extLst>
           </p:cNvPr>
@@ -11034,7 +11123,7 @@
             <p:cNvPr id="16" name="Freeform: Shape 15">
               <a:extLst>
                 <a:ext uri="{FF2B5EF4-FFF2-40B4-BE49-F238E27FC236}">
-                  <a16:creationId xmlns:a16="http://schemas.microsoft.com/office/drawing/2014/main" id="{2E3DF883-8093-49FA-81E1-E5D77F086A25}"/>
+                  <a16:creationId xmlns:a16="http://schemas.microsoft.com/office/drawing/2014/main" xmlns="" id="{2E3DF883-8093-49FA-81E1-E5D77F086A25}"/>
                 </a:ext>
               </a:extLst>
             </p:cNvPr>
@@ -11124,7 +11213,7 @@
             <p:cNvPr id="17" name="Freeform: Shape 16">
               <a:extLst>
                 <a:ext uri="{FF2B5EF4-FFF2-40B4-BE49-F238E27FC236}">
-                  <a16:creationId xmlns:a16="http://schemas.microsoft.com/office/drawing/2014/main" id="{18944C90-37E5-4BBE-89FF-060627168050}"/>
+                  <a16:creationId xmlns:a16="http://schemas.microsoft.com/office/drawing/2014/main" xmlns="" id="{18944C90-37E5-4BBE-89FF-060627168050}"/>
                 </a:ext>
               </a:extLst>
             </p:cNvPr>
@@ -11223,7 +11312,7 @@
           <p:cNvPr id="6" name="Group 5">
             <a:extLst>
               <a:ext uri="{FF2B5EF4-FFF2-40B4-BE49-F238E27FC236}">
-                <a16:creationId xmlns:a16="http://schemas.microsoft.com/office/drawing/2014/main" id="{D9EBF8BB-A805-4DDB-B459-082F99815B95}"/>
+                <a16:creationId xmlns:a16="http://schemas.microsoft.com/office/drawing/2014/main" xmlns="" id="{D9EBF8BB-A805-4DDB-B459-082F99815B95}"/>
               </a:ext>
             </a:extLst>
           </p:cNvPr>
@@ -11243,7 +11332,7 @@
             <p:cNvPr id="19" name="Rectangle: Single Corner Snipped 18">
               <a:extLst>
                 <a:ext uri="{FF2B5EF4-FFF2-40B4-BE49-F238E27FC236}">
-                  <a16:creationId xmlns:a16="http://schemas.microsoft.com/office/drawing/2014/main" id="{5D638788-DD47-45E7-939A-FA108A818173}"/>
+                  <a16:creationId xmlns:a16="http://schemas.microsoft.com/office/drawing/2014/main" xmlns="" id="{5D638788-DD47-45E7-939A-FA108A818173}"/>
                 </a:ext>
               </a:extLst>
             </p:cNvPr>
@@ -11304,7 +11393,7 @@
             <p:cNvPr id="3" name="Rectangle: Single Corner Snipped 2">
               <a:extLst>
                 <a:ext uri="{FF2B5EF4-FFF2-40B4-BE49-F238E27FC236}">
-                  <a16:creationId xmlns:a16="http://schemas.microsoft.com/office/drawing/2014/main" id="{74BDECEF-EEFE-4332-B3B2-BDE4F82C10FC}"/>
+                  <a16:creationId xmlns:a16="http://schemas.microsoft.com/office/drawing/2014/main" xmlns="" id="{74BDECEF-EEFE-4332-B3B2-BDE4F82C10FC}"/>
                 </a:ext>
               </a:extLst>
             </p:cNvPr>
@@ -11361,7 +11450,7 @@
           <p:cNvPr id="26" name="Text Placeholder 22">
             <a:extLst>
               <a:ext uri="{FF2B5EF4-FFF2-40B4-BE49-F238E27FC236}">
-                <a16:creationId xmlns:a16="http://schemas.microsoft.com/office/drawing/2014/main" id="{2A19101D-7C37-42BF-8167-5391EA65EC3A}"/>
+                <a16:creationId xmlns:a16="http://schemas.microsoft.com/office/drawing/2014/main" xmlns="" id="{2A19101D-7C37-42BF-8167-5391EA65EC3A}"/>
               </a:ext>
             </a:extLst>
           </p:cNvPr>
@@ -11471,7 +11560,7 @@
           <p:cNvPr id="35" name="Freeform: Shape 34">
             <a:extLst>
               <a:ext uri="{FF2B5EF4-FFF2-40B4-BE49-F238E27FC236}">
-                <a16:creationId xmlns:a16="http://schemas.microsoft.com/office/drawing/2014/main" id="{62EEBF51-DCAD-4335-85E9-52801031A1BF}"/>
+                <a16:creationId xmlns:a16="http://schemas.microsoft.com/office/drawing/2014/main" xmlns="" id="{62EEBF51-DCAD-4335-85E9-52801031A1BF}"/>
               </a:ext>
             </a:extLst>
           </p:cNvPr>
@@ -11566,7 +11655,7 @@
           <p:cNvPr id="5" name="Slide Number Placeholder 4">
             <a:extLst>
               <a:ext uri="{FF2B5EF4-FFF2-40B4-BE49-F238E27FC236}">
-                <a16:creationId xmlns:a16="http://schemas.microsoft.com/office/drawing/2014/main" id="{87B51822-97FF-47A7-8E4E-A0F79B4EB237}"/>
+                <a16:creationId xmlns:a16="http://schemas.microsoft.com/office/drawing/2014/main" xmlns="" id="{87B51822-97FF-47A7-8E4E-A0F79B4EB237}"/>
               </a:ext>
             </a:extLst>
           </p:cNvPr>
@@ -11599,7 +11688,7 @@
             <a:fld id="{C263D6C4-4840-40CC-AC84-17E24B3B7BDE}" type="slidenum">
               <a:rPr lang="en-US" noProof="0" smtClean="0"/>
               <a:pPr/>
-              <a:t>‹#›</a:t>
+              <a:t>‹Nr.›</a:t>
             </a:fld>
             <a:endParaRPr lang="en-US" noProof="0" dirty="0"/>
           </a:p>
@@ -11610,7 +11699,7 @@
           <p:cNvPr id="13" name="Picture Placeholder 12">
             <a:extLst>
               <a:ext uri="{FF2B5EF4-FFF2-40B4-BE49-F238E27FC236}">
-                <a16:creationId xmlns:a16="http://schemas.microsoft.com/office/drawing/2014/main" id="{231B97CF-FD24-4932-8459-893B1AC73D33}"/>
+                <a16:creationId xmlns:a16="http://schemas.microsoft.com/office/drawing/2014/main" xmlns="" id="{231B97CF-FD24-4932-8459-893B1AC73D33}"/>
               </a:ext>
             </a:extLst>
           </p:cNvPr>
@@ -11693,7 +11782,7 @@
           <p:cNvPr id="11" name="Rectangle 10">
             <a:extLst>
               <a:ext uri="{FF2B5EF4-FFF2-40B4-BE49-F238E27FC236}">
-                <a16:creationId xmlns:a16="http://schemas.microsoft.com/office/drawing/2014/main" id="{EB3E033F-4449-40FA-BC85-BD2712D313DD}"/>
+                <a16:creationId xmlns:a16="http://schemas.microsoft.com/office/drawing/2014/main" xmlns="" id="{EB3E033F-4449-40FA-BC85-BD2712D313DD}"/>
               </a:ext>
             </a:extLst>
           </p:cNvPr>
@@ -11747,7 +11836,7 @@
           <p:cNvPr id="10" name="Freeform: Shape 9">
             <a:extLst>
               <a:ext uri="{FF2B5EF4-FFF2-40B4-BE49-F238E27FC236}">
-                <a16:creationId xmlns:a16="http://schemas.microsoft.com/office/drawing/2014/main" id="{63D26743-0505-444C-80B3-E88EE87DF72B}"/>
+                <a16:creationId xmlns:a16="http://schemas.microsoft.com/office/drawing/2014/main" xmlns="" id="{63D26743-0505-444C-80B3-E88EE87DF72B}"/>
               </a:ext>
             </a:extLst>
           </p:cNvPr>
@@ -11870,7 +11959,7 @@
           <p:cNvPr id="18" name="Freeform: Shape 17">
             <a:extLst>
               <a:ext uri="{FF2B5EF4-FFF2-40B4-BE49-F238E27FC236}">
-                <a16:creationId xmlns:a16="http://schemas.microsoft.com/office/drawing/2014/main" id="{E37145E9-AC61-47D5-9288-8789940F81B6}"/>
+                <a16:creationId xmlns:a16="http://schemas.microsoft.com/office/drawing/2014/main" xmlns="" id="{E37145E9-AC61-47D5-9288-8789940F81B6}"/>
               </a:ext>
             </a:extLst>
           </p:cNvPr>
@@ -12022,7 +12111,7 @@
           <p:cNvPr id="12" name="Freeform: Shape 11">
             <a:extLst>
               <a:ext uri="{FF2B5EF4-FFF2-40B4-BE49-F238E27FC236}">
-                <a16:creationId xmlns:a16="http://schemas.microsoft.com/office/drawing/2014/main" id="{A5E2B3ED-9A49-40A7-B8A3-62595FE513F9}"/>
+                <a16:creationId xmlns:a16="http://schemas.microsoft.com/office/drawing/2014/main" xmlns="" id="{A5E2B3ED-9A49-40A7-B8A3-62595FE513F9}"/>
               </a:ext>
             </a:extLst>
           </p:cNvPr>
@@ -12172,7 +12261,7 @@
           <p:cNvPr id="8" name="Freeform: Shape 7">
             <a:extLst>
               <a:ext uri="{FF2B5EF4-FFF2-40B4-BE49-F238E27FC236}">
-                <a16:creationId xmlns:a16="http://schemas.microsoft.com/office/drawing/2014/main" id="{1599AF7E-3E34-4597-AA72-9373A7FDB020}"/>
+                <a16:creationId xmlns:a16="http://schemas.microsoft.com/office/drawing/2014/main" xmlns="" id="{1599AF7E-3E34-4597-AA72-9373A7FDB020}"/>
               </a:ext>
             </a:extLst>
           </p:cNvPr>
@@ -12318,7 +12407,7 @@
           <p:cNvPr id="2" name="Title 1">
             <a:extLst>
               <a:ext uri="{FF2B5EF4-FFF2-40B4-BE49-F238E27FC236}">
-                <a16:creationId xmlns:a16="http://schemas.microsoft.com/office/drawing/2014/main" id="{4A2DF563-7FAC-46B3-B24C-7E45CD89DA2B}"/>
+                <a16:creationId xmlns:a16="http://schemas.microsoft.com/office/drawing/2014/main" xmlns="" id="{4A2DF563-7FAC-46B3-B24C-7E45CD89DA2B}"/>
               </a:ext>
             </a:extLst>
           </p:cNvPr>
@@ -12363,7 +12452,7 @@
           <p:cNvPr id="15" name="Group 14">
             <a:extLst>
               <a:ext uri="{FF2B5EF4-FFF2-40B4-BE49-F238E27FC236}">
-                <a16:creationId xmlns:a16="http://schemas.microsoft.com/office/drawing/2014/main" id="{7732E1E7-45E3-4264-8F26-66758696DD1E}"/>
+                <a16:creationId xmlns:a16="http://schemas.microsoft.com/office/drawing/2014/main" xmlns="" id="{7732E1E7-45E3-4264-8F26-66758696DD1E}"/>
               </a:ext>
             </a:extLst>
           </p:cNvPr>
@@ -12383,7 +12472,7 @@
             <p:cNvPr id="16" name="Freeform: Shape 15">
               <a:extLst>
                 <a:ext uri="{FF2B5EF4-FFF2-40B4-BE49-F238E27FC236}">
-                  <a16:creationId xmlns:a16="http://schemas.microsoft.com/office/drawing/2014/main" id="{2E3DF883-8093-49FA-81E1-E5D77F086A25}"/>
+                  <a16:creationId xmlns:a16="http://schemas.microsoft.com/office/drawing/2014/main" xmlns="" id="{2E3DF883-8093-49FA-81E1-E5D77F086A25}"/>
                 </a:ext>
               </a:extLst>
             </p:cNvPr>
@@ -12473,7 +12562,7 @@
             <p:cNvPr id="17" name="Freeform: Shape 16">
               <a:extLst>
                 <a:ext uri="{FF2B5EF4-FFF2-40B4-BE49-F238E27FC236}">
-                  <a16:creationId xmlns:a16="http://schemas.microsoft.com/office/drawing/2014/main" id="{18944C90-37E5-4BBE-89FF-060627168050}"/>
+                  <a16:creationId xmlns:a16="http://schemas.microsoft.com/office/drawing/2014/main" xmlns="" id="{18944C90-37E5-4BBE-89FF-060627168050}"/>
                 </a:ext>
               </a:extLst>
             </p:cNvPr>
@@ -12572,7 +12661,7 @@
           <p:cNvPr id="6" name="Group 5">
             <a:extLst>
               <a:ext uri="{FF2B5EF4-FFF2-40B4-BE49-F238E27FC236}">
-                <a16:creationId xmlns:a16="http://schemas.microsoft.com/office/drawing/2014/main" id="{D9EBF8BB-A805-4DDB-B459-082F99815B95}"/>
+                <a16:creationId xmlns:a16="http://schemas.microsoft.com/office/drawing/2014/main" xmlns="" id="{D9EBF8BB-A805-4DDB-B459-082F99815B95}"/>
               </a:ext>
             </a:extLst>
           </p:cNvPr>
@@ -12592,7 +12681,7 @@
             <p:cNvPr id="19" name="Rectangle: Single Corner Snipped 18">
               <a:extLst>
                 <a:ext uri="{FF2B5EF4-FFF2-40B4-BE49-F238E27FC236}">
-                  <a16:creationId xmlns:a16="http://schemas.microsoft.com/office/drawing/2014/main" id="{5D638788-DD47-45E7-939A-FA108A818173}"/>
+                  <a16:creationId xmlns:a16="http://schemas.microsoft.com/office/drawing/2014/main" xmlns="" id="{5D638788-DD47-45E7-939A-FA108A818173}"/>
                 </a:ext>
               </a:extLst>
             </p:cNvPr>
@@ -12653,7 +12742,7 @@
             <p:cNvPr id="3" name="Rectangle: Single Corner Snipped 2">
               <a:extLst>
                 <a:ext uri="{FF2B5EF4-FFF2-40B4-BE49-F238E27FC236}">
-                  <a16:creationId xmlns:a16="http://schemas.microsoft.com/office/drawing/2014/main" id="{74BDECEF-EEFE-4332-B3B2-BDE4F82C10FC}"/>
+                  <a16:creationId xmlns:a16="http://schemas.microsoft.com/office/drawing/2014/main" xmlns="" id="{74BDECEF-EEFE-4332-B3B2-BDE4F82C10FC}"/>
                 </a:ext>
               </a:extLst>
             </p:cNvPr>
@@ -12710,7 +12799,7 @@
           <p:cNvPr id="35" name="Freeform: Shape 34">
             <a:extLst>
               <a:ext uri="{FF2B5EF4-FFF2-40B4-BE49-F238E27FC236}">
-                <a16:creationId xmlns:a16="http://schemas.microsoft.com/office/drawing/2014/main" id="{62EEBF51-DCAD-4335-85E9-52801031A1BF}"/>
+                <a16:creationId xmlns:a16="http://schemas.microsoft.com/office/drawing/2014/main" xmlns="" id="{62EEBF51-DCAD-4335-85E9-52801031A1BF}"/>
               </a:ext>
             </a:extLst>
           </p:cNvPr>
@@ -12805,7 +12894,7 @@
           <p:cNvPr id="5" name="Slide Number Placeholder 4">
             <a:extLst>
               <a:ext uri="{FF2B5EF4-FFF2-40B4-BE49-F238E27FC236}">
-                <a16:creationId xmlns:a16="http://schemas.microsoft.com/office/drawing/2014/main" id="{87B51822-97FF-47A7-8E4E-A0F79B4EB237}"/>
+                <a16:creationId xmlns:a16="http://schemas.microsoft.com/office/drawing/2014/main" xmlns="" id="{87B51822-97FF-47A7-8E4E-A0F79B4EB237}"/>
               </a:ext>
             </a:extLst>
           </p:cNvPr>
@@ -12838,7 +12927,7 @@
             <a:fld id="{C263D6C4-4840-40CC-AC84-17E24B3B7BDE}" type="slidenum">
               <a:rPr lang="en-US" noProof="0" smtClean="0"/>
               <a:pPr/>
-              <a:t>‹#›</a:t>
+              <a:t>‹Nr.›</a:t>
             </a:fld>
             <a:endParaRPr lang="en-US" noProof="0" dirty="0"/>
           </a:p>
@@ -12849,7 +12938,7 @@
           <p:cNvPr id="20" name="Picture Placeholder 2">
             <a:extLst>
               <a:ext uri="{FF2B5EF4-FFF2-40B4-BE49-F238E27FC236}">
-                <a16:creationId xmlns:a16="http://schemas.microsoft.com/office/drawing/2014/main" id="{30B3A574-7940-4E35-857E-5CA35A5910E5}"/>
+                <a16:creationId xmlns:a16="http://schemas.microsoft.com/office/drawing/2014/main" xmlns="" id="{30B3A574-7940-4E35-857E-5CA35A5910E5}"/>
               </a:ext>
             </a:extLst>
           </p:cNvPr>
@@ -12926,7 +13015,7 @@
           <p:cNvPr id="21" name="Text Placeholder 3">
             <a:extLst>
               <a:ext uri="{FF2B5EF4-FFF2-40B4-BE49-F238E27FC236}">
-                <a16:creationId xmlns:a16="http://schemas.microsoft.com/office/drawing/2014/main" id="{912B51EA-3E6F-4BF6-BE48-62128AF32B85}"/>
+                <a16:creationId xmlns:a16="http://schemas.microsoft.com/office/drawing/2014/main" xmlns="" id="{912B51EA-3E6F-4BF6-BE48-62128AF32B85}"/>
               </a:ext>
             </a:extLst>
           </p:cNvPr>
@@ -13040,7 +13129,7 @@
           <p:cNvPr id="11" name="Rectangle 10">
             <a:extLst>
               <a:ext uri="{FF2B5EF4-FFF2-40B4-BE49-F238E27FC236}">
-                <a16:creationId xmlns:a16="http://schemas.microsoft.com/office/drawing/2014/main" id="{EB3E033F-4449-40FA-BC85-BD2712D313DD}"/>
+                <a16:creationId xmlns:a16="http://schemas.microsoft.com/office/drawing/2014/main" xmlns="" id="{EB3E033F-4449-40FA-BC85-BD2712D313DD}"/>
               </a:ext>
             </a:extLst>
           </p:cNvPr>
@@ -13094,7 +13183,7 @@
           <p:cNvPr id="10" name="Freeform: Shape 9">
             <a:extLst>
               <a:ext uri="{FF2B5EF4-FFF2-40B4-BE49-F238E27FC236}">
-                <a16:creationId xmlns:a16="http://schemas.microsoft.com/office/drawing/2014/main" id="{63D26743-0505-444C-80B3-E88EE87DF72B}"/>
+                <a16:creationId xmlns:a16="http://schemas.microsoft.com/office/drawing/2014/main" xmlns="" id="{63D26743-0505-444C-80B3-E88EE87DF72B}"/>
               </a:ext>
             </a:extLst>
           </p:cNvPr>
@@ -13217,7 +13306,7 @@
           <p:cNvPr id="18" name="Freeform: Shape 17">
             <a:extLst>
               <a:ext uri="{FF2B5EF4-FFF2-40B4-BE49-F238E27FC236}">
-                <a16:creationId xmlns:a16="http://schemas.microsoft.com/office/drawing/2014/main" id="{E37145E9-AC61-47D5-9288-8789940F81B6}"/>
+                <a16:creationId xmlns:a16="http://schemas.microsoft.com/office/drawing/2014/main" xmlns="" id="{E37145E9-AC61-47D5-9288-8789940F81B6}"/>
               </a:ext>
             </a:extLst>
           </p:cNvPr>
@@ -13369,7 +13458,7 @@
           <p:cNvPr id="12" name="Freeform: Shape 11">
             <a:extLst>
               <a:ext uri="{FF2B5EF4-FFF2-40B4-BE49-F238E27FC236}">
-                <a16:creationId xmlns:a16="http://schemas.microsoft.com/office/drawing/2014/main" id="{A5E2B3ED-9A49-40A7-B8A3-62595FE513F9}"/>
+                <a16:creationId xmlns:a16="http://schemas.microsoft.com/office/drawing/2014/main" xmlns="" id="{A5E2B3ED-9A49-40A7-B8A3-62595FE513F9}"/>
               </a:ext>
             </a:extLst>
           </p:cNvPr>
@@ -13519,7 +13608,7 @@
           <p:cNvPr id="8" name="Freeform: Shape 7">
             <a:extLst>
               <a:ext uri="{FF2B5EF4-FFF2-40B4-BE49-F238E27FC236}">
-                <a16:creationId xmlns:a16="http://schemas.microsoft.com/office/drawing/2014/main" id="{1599AF7E-3E34-4597-AA72-9373A7FDB020}"/>
+                <a16:creationId xmlns:a16="http://schemas.microsoft.com/office/drawing/2014/main" xmlns="" id="{1599AF7E-3E34-4597-AA72-9373A7FDB020}"/>
               </a:ext>
             </a:extLst>
           </p:cNvPr>
@@ -13665,7 +13754,7 @@
           <p:cNvPr id="2" name="Title 1">
             <a:extLst>
               <a:ext uri="{FF2B5EF4-FFF2-40B4-BE49-F238E27FC236}">
-                <a16:creationId xmlns:a16="http://schemas.microsoft.com/office/drawing/2014/main" id="{4A2DF563-7FAC-46B3-B24C-7E45CD89DA2B}"/>
+                <a16:creationId xmlns:a16="http://schemas.microsoft.com/office/drawing/2014/main" xmlns="" id="{4A2DF563-7FAC-46B3-B24C-7E45CD89DA2B}"/>
               </a:ext>
             </a:extLst>
           </p:cNvPr>
@@ -13710,7 +13799,7 @@
           <p:cNvPr id="15" name="Group 14">
             <a:extLst>
               <a:ext uri="{FF2B5EF4-FFF2-40B4-BE49-F238E27FC236}">
-                <a16:creationId xmlns:a16="http://schemas.microsoft.com/office/drawing/2014/main" id="{7732E1E7-45E3-4264-8F26-66758696DD1E}"/>
+                <a16:creationId xmlns:a16="http://schemas.microsoft.com/office/drawing/2014/main" xmlns="" id="{7732E1E7-45E3-4264-8F26-66758696DD1E}"/>
               </a:ext>
             </a:extLst>
           </p:cNvPr>
@@ -13730,7 +13819,7 @@
             <p:cNvPr id="16" name="Freeform: Shape 15">
               <a:extLst>
                 <a:ext uri="{FF2B5EF4-FFF2-40B4-BE49-F238E27FC236}">
-                  <a16:creationId xmlns:a16="http://schemas.microsoft.com/office/drawing/2014/main" id="{2E3DF883-8093-49FA-81E1-E5D77F086A25}"/>
+                  <a16:creationId xmlns:a16="http://schemas.microsoft.com/office/drawing/2014/main" xmlns="" id="{2E3DF883-8093-49FA-81E1-E5D77F086A25}"/>
                 </a:ext>
               </a:extLst>
             </p:cNvPr>
@@ -13820,7 +13909,7 @@
             <p:cNvPr id="17" name="Freeform: Shape 16">
               <a:extLst>
                 <a:ext uri="{FF2B5EF4-FFF2-40B4-BE49-F238E27FC236}">
-                  <a16:creationId xmlns:a16="http://schemas.microsoft.com/office/drawing/2014/main" id="{18944C90-37E5-4BBE-89FF-060627168050}"/>
+                  <a16:creationId xmlns:a16="http://schemas.microsoft.com/office/drawing/2014/main" xmlns="" id="{18944C90-37E5-4BBE-89FF-060627168050}"/>
                 </a:ext>
               </a:extLst>
             </p:cNvPr>
@@ -13919,7 +14008,7 @@
           <p:cNvPr id="6" name="Group 5">
             <a:extLst>
               <a:ext uri="{FF2B5EF4-FFF2-40B4-BE49-F238E27FC236}">
-                <a16:creationId xmlns:a16="http://schemas.microsoft.com/office/drawing/2014/main" id="{D9EBF8BB-A805-4DDB-B459-082F99815B95}"/>
+                <a16:creationId xmlns:a16="http://schemas.microsoft.com/office/drawing/2014/main" xmlns="" id="{D9EBF8BB-A805-4DDB-B459-082F99815B95}"/>
               </a:ext>
             </a:extLst>
           </p:cNvPr>
@@ -13939,7 +14028,7 @@
             <p:cNvPr id="19" name="Rectangle: Single Corner Snipped 18">
               <a:extLst>
                 <a:ext uri="{FF2B5EF4-FFF2-40B4-BE49-F238E27FC236}">
-                  <a16:creationId xmlns:a16="http://schemas.microsoft.com/office/drawing/2014/main" id="{5D638788-DD47-45E7-939A-FA108A818173}"/>
+                  <a16:creationId xmlns:a16="http://schemas.microsoft.com/office/drawing/2014/main" xmlns="" id="{5D638788-DD47-45E7-939A-FA108A818173}"/>
                 </a:ext>
               </a:extLst>
             </p:cNvPr>
@@ -14000,7 +14089,7 @@
             <p:cNvPr id="3" name="Rectangle: Single Corner Snipped 2">
               <a:extLst>
                 <a:ext uri="{FF2B5EF4-FFF2-40B4-BE49-F238E27FC236}">
-                  <a16:creationId xmlns:a16="http://schemas.microsoft.com/office/drawing/2014/main" id="{74BDECEF-EEFE-4332-B3B2-BDE4F82C10FC}"/>
+                  <a16:creationId xmlns:a16="http://schemas.microsoft.com/office/drawing/2014/main" xmlns="" id="{74BDECEF-EEFE-4332-B3B2-BDE4F82C10FC}"/>
                 </a:ext>
               </a:extLst>
             </p:cNvPr>
@@ -14057,7 +14146,7 @@
           <p:cNvPr id="35" name="Freeform: Shape 34">
             <a:extLst>
               <a:ext uri="{FF2B5EF4-FFF2-40B4-BE49-F238E27FC236}">
-                <a16:creationId xmlns:a16="http://schemas.microsoft.com/office/drawing/2014/main" id="{62EEBF51-DCAD-4335-85E9-52801031A1BF}"/>
+                <a16:creationId xmlns:a16="http://schemas.microsoft.com/office/drawing/2014/main" xmlns="" id="{62EEBF51-DCAD-4335-85E9-52801031A1BF}"/>
               </a:ext>
             </a:extLst>
           </p:cNvPr>
@@ -14152,7 +14241,7 @@
           <p:cNvPr id="5" name="Slide Number Placeholder 4">
             <a:extLst>
               <a:ext uri="{FF2B5EF4-FFF2-40B4-BE49-F238E27FC236}">
-                <a16:creationId xmlns:a16="http://schemas.microsoft.com/office/drawing/2014/main" id="{87B51822-97FF-47A7-8E4E-A0F79B4EB237}"/>
+                <a16:creationId xmlns:a16="http://schemas.microsoft.com/office/drawing/2014/main" xmlns="" id="{87B51822-97FF-47A7-8E4E-A0F79B4EB237}"/>
               </a:ext>
             </a:extLst>
           </p:cNvPr>
@@ -14185,7 +14274,7 @@
             <a:fld id="{C263D6C4-4840-40CC-AC84-17E24B3B7BDE}" type="slidenum">
               <a:rPr lang="en-US" noProof="0" smtClean="0"/>
               <a:pPr/>
-              <a:t>‹#›</a:t>
+              <a:t>‹Nr.›</a:t>
             </a:fld>
             <a:endParaRPr lang="en-US" noProof="0" dirty="0"/>
           </a:p>
@@ -14196,7 +14285,7 @@
           <p:cNvPr id="21" name="Text Placeholder 3">
             <a:extLst>
               <a:ext uri="{FF2B5EF4-FFF2-40B4-BE49-F238E27FC236}">
-                <a16:creationId xmlns:a16="http://schemas.microsoft.com/office/drawing/2014/main" id="{912B51EA-3E6F-4BF6-BE48-62128AF32B85}"/>
+                <a16:creationId xmlns:a16="http://schemas.microsoft.com/office/drawing/2014/main" xmlns="" id="{912B51EA-3E6F-4BF6-BE48-62128AF32B85}"/>
               </a:ext>
             </a:extLst>
           </p:cNvPr>
@@ -14272,7 +14361,7 @@
           <p:cNvPr id="22" name="Content Placeholder 2">
             <a:extLst>
               <a:ext uri="{FF2B5EF4-FFF2-40B4-BE49-F238E27FC236}">
-                <a16:creationId xmlns:a16="http://schemas.microsoft.com/office/drawing/2014/main" id="{A015C605-1D30-48BC-A0D6-3B11AF56CC53}"/>
+                <a16:creationId xmlns:a16="http://schemas.microsoft.com/office/drawing/2014/main" xmlns="" id="{A015C605-1D30-48BC-A0D6-3B11AF56CC53}"/>
               </a:ext>
             </a:extLst>
           </p:cNvPr>
@@ -14414,7 +14503,7 @@
           <p:cNvPr id="18" name="Rectangle 17">
             <a:extLst>
               <a:ext uri="{FF2B5EF4-FFF2-40B4-BE49-F238E27FC236}">
-                <a16:creationId xmlns:a16="http://schemas.microsoft.com/office/drawing/2014/main" id="{D4494CD2-CCDD-0248-96F8-741002C44255}"/>
+                <a16:creationId xmlns:a16="http://schemas.microsoft.com/office/drawing/2014/main" xmlns="" id="{D4494CD2-CCDD-0248-96F8-741002C44255}"/>
               </a:ext>
             </a:extLst>
           </p:cNvPr>
@@ -14468,7 +14557,7 @@
           <p:cNvPr id="19" name="Freeform: Shape 9">
             <a:extLst>
               <a:ext uri="{FF2B5EF4-FFF2-40B4-BE49-F238E27FC236}">
-                <a16:creationId xmlns:a16="http://schemas.microsoft.com/office/drawing/2014/main" id="{07077B00-C1EE-7241-B441-7814F92A7EDF}"/>
+                <a16:creationId xmlns:a16="http://schemas.microsoft.com/office/drawing/2014/main" xmlns="" id="{07077B00-C1EE-7241-B441-7814F92A7EDF}"/>
               </a:ext>
             </a:extLst>
           </p:cNvPr>
@@ -14591,7 +14680,7 @@
           <p:cNvPr id="20" name="Freeform: Shape 17">
             <a:extLst>
               <a:ext uri="{FF2B5EF4-FFF2-40B4-BE49-F238E27FC236}">
-                <a16:creationId xmlns:a16="http://schemas.microsoft.com/office/drawing/2014/main" id="{3A1AEBC4-637E-F64C-9192-69AC4BB26D0C}"/>
+                <a16:creationId xmlns:a16="http://schemas.microsoft.com/office/drawing/2014/main" xmlns="" id="{3A1AEBC4-637E-F64C-9192-69AC4BB26D0C}"/>
               </a:ext>
             </a:extLst>
           </p:cNvPr>
@@ -14743,7 +14832,7 @@
           <p:cNvPr id="21" name="Freeform: Shape 11">
             <a:extLst>
               <a:ext uri="{FF2B5EF4-FFF2-40B4-BE49-F238E27FC236}">
-                <a16:creationId xmlns:a16="http://schemas.microsoft.com/office/drawing/2014/main" id="{669A7039-C54C-8E46-9A8B-DDB2547D989C}"/>
+                <a16:creationId xmlns:a16="http://schemas.microsoft.com/office/drawing/2014/main" xmlns="" id="{669A7039-C54C-8E46-9A8B-DDB2547D989C}"/>
               </a:ext>
             </a:extLst>
           </p:cNvPr>
@@ -14893,7 +14982,7 @@
           <p:cNvPr id="22" name="Freeform: Shape 7">
             <a:extLst>
               <a:ext uri="{FF2B5EF4-FFF2-40B4-BE49-F238E27FC236}">
-                <a16:creationId xmlns:a16="http://schemas.microsoft.com/office/drawing/2014/main" id="{4F173B32-87BB-9A40-8C91-4C1EED2B7ABF}"/>
+                <a16:creationId xmlns:a16="http://schemas.microsoft.com/office/drawing/2014/main" xmlns="" id="{4F173B32-87BB-9A40-8C91-4C1EED2B7ABF}"/>
               </a:ext>
             </a:extLst>
           </p:cNvPr>
@@ -15039,7 +15128,7 @@
           <p:cNvPr id="24" name="Group 23">
             <a:extLst>
               <a:ext uri="{FF2B5EF4-FFF2-40B4-BE49-F238E27FC236}">
-                <a16:creationId xmlns:a16="http://schemas.microsoft.com/office/drawing/2014/main" id="{4AC87F4E-12B5-1B42-AFD2-4DB39B7645C9}"/>
+                <a16:creationId xmlns:a16="http://schemas.microsoft.com/office/drawing/2014/main" xmlns="" id="{4AC87F4E-12B5-1B42-AFD2-4DB39B7645C9}"/>
               </a:ext>
             </a:extLst>
           </p:cNvPr>
@@ -15059,7 +15148,7 @@
             <p:cNvPr id="25" name="Freeform: Shape 15">
               <a:extLst>
                 <a:ext uri="{FF2B5EF4-FFF2-40B4-BE49-F238E27FC236}">
-                  <a16:creationId xmlns:a16="http://schemas.microsoft.com/office/drawing/2014/main" id="{03DD8765-59DF-A045-ADB5-E39FAEE153A0}"/>
+                  <a16:creationId xmlns:a16="http://schemas.microsoft.com/office/drawing/2014/main" xmlns="" id="{03DD8765-59DF-A045-ADB5-E39FAEE153A0}"/>
                 </a:ext>
               </a:extLst>
             </p:cNvPr>
@@ -15149,7 +15238,7 @@
             <p:cNvPr id="26" name="Freeform: Shape 16">
               <a:extLst>
                 <a:ext uri="{FF2B5EF4-FFF2-40B4-BE49-F238E27FC236}">
-                  <a16:creationId xmlns:a16="http://schemas.microsoft.com/office/drawing/2014/main" id="{B34B796C-A407-7B4D-B4F0-E58A44FE8DB4}"/>
+                  <a16:creationId xmlns:a16="http://schemas.microsoft.com/office/drawing/2014/main" xmlns="" id="{B34B796C-A407-7B4D-B4F0-E58A44FE8DB4}"/>
                 </a:ext>
               </a:extLst>
             </p:cNvPr>
@@ -15248,7 +15337,7 @@
           <p:cNvPr id="30" name="Freeform: Shape 23">
             <a:extLst>
               <a:ext uri="{FF2B5EF4-FFF2-40B4-BE49-F238E27FC236}">
-                <a16:creationId xmlns:a16="http://schemas.microsoft.com/office/drawing/2014/main" id="{CBE3FDC9-67CB-FA42-B127-A36BFF4678BB}"/>
+                <a16:creationId xmlns:a16="http://schemas.microsoft.com/office/drawing/2014/main" xmlns="" id="{CBE3FDC9-67CB-FA42-B127-A36BFF4678BB}"/>
               </a:ext>
             </a:extLst>
           </p:cNvPr>
@@ -15343,7 +15432,7 @@
           <p:cNvPr id="31" name="Slide Number Placeholder 4">
             <a:extLst>
               <a:ext uri="{FF2B5EF4-FFF2-40B4-BE49-F238E27FC236}">
-                <a16:creationId xmlns:a16="http://schemas.microsoft.com/office/drawing/2014/main" id="{1E902BFF-CA8F-D745-A819-A7BB38B30ED9}"/>
+                <a16:creationId xmlns:a16="http://schemas.microsoft.com/office/drawing/2014/main" xmlns="" id="{1E902BFF-CA8F-D745-A819-A7BB38B30ED9}"/>
               </a:ext>
             </a:extLst>
           </p:cNvPr>
@@ -15376,7 +15465,7 @@
             <a:fld id="{C263D6C4-4840-40CC-AC84-17E24B3B7BDE}" type="slidenum">
               <a:rPr lang="en-US" noProof="0" smtClean="0"/>
               <a:pPr/>
-              <a:t>‹#›</a:t>
+              <a:t>‹Nr.›</a:t>
             </a:fld>
             <a:endParaRPr lang="en-US" noProof="0" dirty="0"/>
           </a:p>
@@ -15417,7 +15506,7 @@
           <p:cNvPr id="21" name="Rectangle 20">
             <a:extLst>
               <a:ext uri="{FF2B5EF4-FFF2-40B4-BE49-F238E27FC236}">
-                <a16:creationId xmlns:a16="http://schemas.microsoft.com/office/drawing/2014/main" id="{6E739168-A5E8-443A-B392-7AD4CF8977AD}"/>
+                <a16:creationId xmlns:a16="http://schemas.microsoft.com/office/drawing/2014/main" xmlns="" id="{6E739168-A5E8-443A-B392-7AD4CF8977AD}"/>
               </a:ext>
             </a:extLst>
           </p:cNvPr>
@@ -15469,7 +15558,7 @@
           <p:cNvPr id="15" name="Freeform: Shape 14">
             <a:extLst>
               <a:ext uri="{FF2B5EF4-FFF2-40B4-BE49-F238E27FC236}">
-                <a16:creationId xmlns:a16="http://schemas.microsoft.com/office/drawing/2014/main" id="{41E10E1E-5268-4F03-BA64-07E19DE26739}"/>
+                <a16:creationId xmlns:a16="http://schemas.microsoft.com/office/drawing/2014/main" xmlns="" id="{41E10E1E-5268-4F03-BA64-07E19DE26739}"/>
               </a:ext>
             </a:extLst>
           </p:cNvPr>
@@ -15606,7 +15695,7 @@
           <p:cNvPr id="16" name="Freeform: Shape 15">
             <a:extLst>
               <a:ext uri="{FF2B5EF4-FFF2-40B4-BE49-F238E27FC236}">
-                <a16:creationId xmlns:a16="http://schemas.microsoft.com/office/drawing/2014/main" id="{B989C45D-BDFF-418F-BE79-03FF70015770}"/>
+                <a16:creationId xmlns:a16="http://schemas.microsoft.com/office/drawing/2014/main" xmlns="" id="{B989C45D-BDFF-418F-BE79-03FF70015770}"/>
               </a:ext>
             </a:extLst>
           </p:cNvPr>
@@ -15770,7 +15859,7 @@
           <p:cNvPr id="20" name="Freeform: Shape 19">
             <a:extLst>
               <a:ext uri="{FF2B5EF4-FFF2-40B4-BE49-F238E27FC236}">
-                <a16:creationId xmlns:a16="http://schemas.microsoft.com/office/drawing/2014/main" id="{0027A677-9ACB-4264-B148-4806678FB83F}"/>
+                <a16:creationId xmlns:a16="http://schemas.microsoft.com/office/drawing/2014/main" xmlns="" id="{0027A677-9ACB-4264-B148-4806678FB83F}"/>
               </a:ext>
             </a:extLst>
           </p:cNvPr>
@@ -15932,7 +16021,7 @@
           <p:cNvPr id="6" name="Group 5">
             <a:extLst>
               <a:ext uri="{FF2B5EF4-FFF2-40B4-BE49-F238E27FC236}">
-                <a16:creationId xmlns:a16="http://schemas.microsoft.com/office/drawing/2014/main" id="{EA7FF9D7-8545-4547-AC77-A0421EEB9B99}"/>
+                <a16:creationId xmlns:a16="http://schemas.microsoft.com/office/drawing/2014/main" xmlns="" id="{EA7FF9D7-8545-4547-AC77-A0421EEB9B99}"/>
               </a:ext>
             </a:extLst>
           </p:cNvPr>
@@ -15952,7 +16041,7 @@
             <p:cNvPr id="17" name="Right Triangle 16">
               <a:extLst>
                 <a:ext uri="{FF2B5EF4-FFF2-40B4-BE49-F238E27FC236}">
-                  <a16:creationId xmlns:a16="http://schemas.microsoft.com/office/drawing/2014/main" id="{8DCD5806-2A2F-4ABF-8057-245681C498E6}"/>
+                  <a16:creationId xmlns:a16="http://schemas.microsoft.com/office/drawing/2014/main" xmlns="" id="{8DCD5806-2A2F-4ABF-8057-245681C498E6}"/>
                 </a:ext>
               </a:extLst>
             </p:cNvPr>
@@ -16006,7 +16095,7 @@
             <p:cNvPr id="18" name="Right Triangle 17">
               <a:extLst>
                 <a:ext uri="{FF2B5EF4-FFF2-40B4-BE49-F238E27FC236}">
-                  <a16:creationId xmlns:a16="http://schemas.microsoft.com/office/drawing/2014/main" id="{3A93038F-E9E4-4FFD-B3DF-28DB7C2C1490}"/>
+                  <a16:creationId xmlns:a16="http://schemas.microsoft.com/office/drawing/2014/main" xmlns="" id="{3A93038F-E9E4-4FFD-B3DF-28DB7C2C1490}"/>
                 </a:ext>
               </a:extLst>
             </p:cNvPr>
@@ -16063,7 +16152,7 @@
             <p:cNvPr id="19" name="Right Triangle 18">
               <a:extLst>
                 <a:ext uri="{FF2B5EF4-FFF2-40B4-BE49-F238E27FC236}">
-                  <a16:creationId xmlns:a16="http://schemas.microsoft.com/office/drawing/2014/main" id="{5DEA1E02-BBD0-4AE3-AF22-433B90272178}"/>
+                  <a16:creationId xmlns:a16="http://schemas.microsoft.com/office/drawing/2014/main" xmlns="" id="{5DEA1E02-BBD0-4AE3-AF22-433B90272178}"/>
                 </a:ext>
               </a:extLst>
             </p:cNvPr>
@@ -16118,7 +16207,7 @@
           <p:cNvPr id="2" name="Title 1">
             <a:extLst>
               <a:ext uri="{FF2B5EF4-FFF2-40B4-BE49-F238E27FC236}">
-                <a16:creationId xmlns:a16="http://schemas.microsoft.com/office/drawing/2014/main" id="{9E597736-C478-4C26-9BAF-205FE31E977C}"/>
+                <a16:creationId xmlns:a16="http://schemas.microsoft.com/office/drawing/2014/main" xmlns="" id="{9E597736-C478-4C26-9BAF-205FE31E977C}"/>
               </a:ext>
             </a:extLst>
           </p:cNvPr>
@@ -16195,7 +16284,7 @@
           <p:cNvPr id="21" name="Rectangle 20">
             <a:extLst>
               <a:ext uri="{FF2B5EF4-FFF2-40B4-BE49-F238E27FC236}">
-                <a16:creationId xmlns:a16="http://schemas.microsoft.com/office/drawing/2014/main" id="{6E739168-A5E8-443A-B392-7AD4CF8977AD}"/>
+                <a16:creationId xmlns:a16="http://schemas.microsoft.com/office/drawing/2014/main" xmlns="" id="{6E739168-A5E8-443A-B392-7AD4CF8977AD}"/>
               </a:ext>
             </a:extLst>
           </p:cNvPr>
@@ -16247,7 +16336,7 @@
           <p:cNvPr id="15" name="Freeform: Shape 14">
             <a:extLst>
               <a:ext uri="{FF2B5EF4-FFF2-40B4-BE49-F238E27FC236}">
-                <a16:creationId xmlns:a16="http://schemas.microsoft.com/office/drawing/2014/main" id="{41E10E1E-5268-4F03-BA64-07E19DE26739}"/>
+                <a16:creationId xmlns:a16="http://schemas.microsoft.com/office/drawing/2014/main" xmlns="" id="{41E10E1E-5268-4F03-BA64-07E19DE26739}"/>
               </a:ext>
             </a:extLst>
           </p:cNvPr>
@@ -16384,7 +16473,7 @@
           <p:cNvPr id="16" name="Freeform: Shape 15">
             <a:extLst>
               <a:ext uri="{FF2B5EF4-FFF2-40B4-BE49-F238E27FC236}">
-                <a16:creationId xmlns:a16="http://schemas.microsoft.com/office/drawing/2014/main" id="{B989C45D-BDFF-418F-BE79-03FF70015770}"/>
+                <a16:creationId xmlns:a16="http://schemas.microsoft.com/office/drawing/2014/main" xmlns="" id="{B989C45D-BDFF-418F-BE79-03FF70015770}"/>
               </a:ext>
             </a:extLst>
           </p:cNvPr>
@@ -16548,7 +16637,7 @@
           <p:cNvPr id="20" name="Freeform: Shape 19">
             <a:extLst>
               <a:ext uri="{FF2B5EF4-FFF2-40B4-BE49-F238E27FC236}">
-                <a16:creationId xmlns:a16="http://schemas.microsoft.com/office/drawing/2014/main" id="{0027A677-9ACB-4264-B148-4806678FB83F}"/>
+                <a16:creationId xmlns:a16="http://schemas.microsoft.com/office/drawing/2014/main" xmlns="" id="{0027A677-9ACB-4264-B148-4806678FB83F}"/>
               </a:ext>
             </a:extLst>
           </p:cNvPr>
@@ -16710,7 +16799,7 @@
           <p:cNvPr id="2" name="Title 1">
             <a:extLst>
               <a:ext uri="{FF2B5EF4-FFF2-40B4-BE49-F238E27FC236}">
-                <a16:creationId xmlns:a16="http://schemas.microsoft.com/office/drawing/2014/main" id="{9E597736-C478-4C26-9BAF-205FE31E977C}"/>
+                <a16:creationId xmlns:a16="http://schemas.microsoft.com/office/drawing/2014/main" xmlns="" id="{9E597736-C478-4C26-9BAF-205FE31E977C}"/>
               </a:ext>
             </a:extLst>
           </p:cNvPr>
@@ -16757,7 +16846,7 @@
           <p:cNvPr id="35" name="Freeform: Shape 34">
             <a:extLst>
               <a:ext uri="{FF2B5EF4-FFF2-40B4-BE49-F238E27FC236}">
-                <a16:creationId xmlns:a16="http://schemas.microsoft.com/office/drawing/2014/main" id="{C024DCDB-C6BF-455E-AAB8-EAF9DAB302A1}"/>
+                <a16:creationId xmlns:a16="http://schemas.microsoft.com/office/drawing/2014/main" xmlns="" id="{C024DCDB-C6BF-455E-AAB8-EAF9DAB302A1}"/>
               </a:ext>
             </a:extLst>
           </p:cNvPr>
@@ -16865,7 +16954,7 @@
           <p:cNvPr id="32" name="Freeform: Shape 31">
             <a:extLst>
               <a:ext uri="{FF2B5EF4-FFF2-40B4-BE49-F238E27FC236}">
-                <a16:creationId xmlns:a16="http://schemas.microsoft.com/office/drawing/2014/main" id="{26AFB47A-5D51-4F9C-B01B-977CE5E3C093}"/>
+                <a16:creationId xmlns:a16="http://schemas.microsoft.com/office/drawing/2014/main" xmlns="" id="{26AFB47A-5D51-4F9C-B01B-977CE5E3C093}"/>
               </a:ext>
             </a:extLst>
           </p:cNvPr>
@@ -16981,7 +17070,7 @@
           <p:cNvPr id="30" name="Freeform: Shape 29">
             <a:extLst>
               <a:ext uri="{FF2B5EF4-FFF2-40B4-BE49-F238E27FC236}">
-                <a16:creationId xmlns:a16="http://schemas.microsoft.com/office/drawing/2014/main" id="{6997A4FF-7390-4173-8ACD-6CF7145AACEC}"/>
+                <a16:creationId xmlns:a16="http://schemas.microsoft.com/office/drawing/2014/main" xmlns="" id="{6997A4FF-7390-4173-8ACD-6CF7145AACEC}"/>
               </a:ext>
             </a:extLst>
           </p:cNvPr>
@@ -17120,7 +17209,7 @@
           <p:cNvPr id="7" name="Rectangle 6">
             <a:extLst>
               <a:ext uri="{FF2B5EF4-FFF2-40B4-BE49-F238E27FC236}">
-                <a16:creationId xmlns:a16="http://schemas.microsoft.com/office/drawing/2014/main" id="{B2838D16-809E-4EB1-8C0C-0E63D8139112}"/>
+                <a16:creationId xmlns:a16="http://schemas.microsoft.com/office/drawing/2014/main" xmlns="" id="{B2838D16-809E-4EB1-8C0C-0E63D8139112}"/>
               </a:ext>
             </a:extLst>
           </p:cNvPr>
@@ -17172,7 +17261,7 @@
           <p:cNvPr id="8" name="Freeform: Shape 7">
             <a:extLst>
               <a:ext uri="{FF2B5EF4-FFF2-40B4-BE49-F238E27FC236}">
-                <a16:creationId xmlns:a16="http://schemas.microsoft.com/office/drawing/2014/main" id="{01FEB333-94B4-4E53-9019-D584810903BB}"/>
+                <a16:creationId xmlns:a16="http://schemas.microsoft.com/office/drawing/2014/main" xmlns="" id="{01FEB333-94B4-4E53-9019-D584810903BB}"/>
               </a:ext>
             </a:extLst>
           </p:cNvPr>
@@ -17293,7 +17382,7 @@
           <p:cNvPr id="9" name="Freeform: Shape 8">
             <a:extLst>
               <a:ext uri="{FF2B5EF4-FFF2-40B4-BE49-F238E27FC236}">
-                <a16:creationId xmlns:a16="http://schemas.microsoft.com/office/drawing/2014/main" id="{A59B9489-0CD9-4DB7-AC82-6E7867F91403}"/>
+                <a16:creationId xmlns:a16="http://schemas.microsoft.com/office/drawing/2014/main" xmlns="" id="{A59B9489-0CD9-4DB7-AC82-6E7867F91403}"/>
               </a:ext>
             </a:extLst>
           </p:cNvPr>
@@ -17433,7 +17522,7 @@
           <p:cNvPr id="10" name="Right Triangle 9">
             <a:extLst>
               <a:ext uri="{FF2B5EF4-FFF2-40B4-BE49-F238E27FC236}">
-                <a16:creationId xmlns:a16="http://schemas.microsoft.com/office/drawing/2014/main" id="{A55D1C76-C591-4FA5-9780-87AB6B37C0FA}"/>
+                <a16:creationId xmlns:a16="http://schemas.microsoft.com/office/drawing/2014/main" xmlns="" id="{A55D1C76-C591-4FA5-9780-87AB6B37C0FA}"/>
               </a:ext>
             </a:extLst>
           </p:cNvPr>
@@ -17487,7 +17576,7 @@
           <p:cNvPr id="11" name="Freeform: Shape 10">
             <a:extLst>
               <a:ext uri="{FF2B5EF4-FFF2-40B4-BE49-F238E27FC236}">
-                <a16:creationId xmlns:a16="http://schemas.microsoft.com/office/drawing/2014/main" id="{A7DC1D12-670F-4235-8791-FA8C2B330871}"/>
+                <a16:creationId xmlns:a16="http://schemas.microsoft.com/office/drawing/2014/main" xmlns="" id="{A7DC1D12-670F-4235-8791-FA8C2B330871}"/>
               </a:ext>
             </a:extLst>
           </p:cNvPr>
@@ -17633,7 +17722,7 @@
           <p:cNvPr id="12" name="Freeform: Shape 11">
             <a:extLst>
               <a:ext uri="{FF2B5EF4-FFF2-40B4-BE49-F238E27FC236}">
-                <a16:creationId xmlns:a16="http://schemas.microsoft.com/office/drawing/2014/main" id="{859569CF-FDAC-47C4-A0F5-296F7117C398}"/>
+                <a16:creationId xmlns:a16="http://schemas.microsoft.com/office/drawing/2014/main" xmlns="" id="{859569CF-FDAC-47C4-A0F5-296F7117C398}"/>
               </a:ext>
             </a:extLst>
           </p:cNvPr>
@@ -17733,7 +17822,7 @@
           <p:cNvPr id="13" name="Freeform: Shape 12">
             <a:extLst>
               <a:ext uri="{FF2B5EF4-FFF2-40B4-BE49-F238E27FC236}">
-                <a16:creationId xmlns:a16="http://schemas.microsoft.com/office/drawing/2014/main" id="{D68D0C72-2B2C-4C85-A091-157853C71784}"/>
+                <a16:creationId xmlns:a16="http://schemas.microsoft.com/office/drawing/2014/main" xmlns="" id="{D68D0C72-2B2C-4C85-A091-157853C71784}"/>
               </a:ext>
             </a:extLst>
           </p:cNvPr>
@@ -17841,7 +17930,7 @@
           <p:cNvPr id="14" name="Freeform: Shape 13">
             <a:extLst>
               <a:ext uri="{FF2B5EF4-FFF2-40B4-BE49-F238E27FC236}">
-                <a16:creationId xmlns:a16="http://schemas.microsoft.com/office/drawing/2014/main" id="{8E25334A-5FE3-4DDA-8D32-4796CCFCAA74}"/>
+                <a16:creationId xmlns:a16="http://schemas.microsoft.com/office/drawing/2014/main" xmlns="" id="{8E25334A-5FE3-4DDA-8D32-4796CCFCAA74}"/>
               </a:ext>
             </a:extLst>
           </p:cNvPr>
@@ -17933,7 +18022,7 @@
           <p:cNvPr id="15" name="Freeform: Shape 14">
             <a:extLst>
               <a:ext uri="{FF2B5EF4-FFF2-40B4-BE49-F238E27FC236}">
-                <a16:creationId xmlns:a16="http://schemas.microsoft.com/office/drawing/2014/main" id="{18818DF1-D7FD-4C0F-875D-7A07E8F75C06}"/>
+                <a16:creationId xmlns:a16="http://schemas.microsoft.com/office/drawing/2014/main" xmlns="" id="{18818DF1-D7FD-4C0F-875D-7A07E8F75C06}"/>
               </a:ext>
             </a:extLst>
           </p:cNvPr>
@@ -18033,7 +18122,7 @@
           <p:cNvPr id="16" name="Group 15">
             <a:extLst>
               <a:ext uri="{FF2B5EF4-FFF2-40B4-BE49-F238E27FC236}">
-                <a16:creationId xmlns:a16="http://schemas.microsoft.com/office/drawing/2014/main" id="{8F9BB384-9E14-4CEA-82C1-21837229D3EF}"/>
+                <a16:creationId xmlns:a16="http://schemas.microsoft.com/office/drawing/2014/main" xmlns="" id="{8F9BB384-9E14-4CEA-82C1-21837229D3EF}"/>
               </a:ext>
             </a:extLst>
           </p:cNvPr>
@@ -18053,7 +18142,7 @@
             <p:cNvPr id="17" name="Freeform: Shape 16">
               <a:extLst>
                 <a:ext uri="{FF2B5EF4-FFF2-40B4-BE49-F238E27FC236}">
-                  <a16:creationId xmlns:a16="http://schemas.microsoft.com/office/drawing/2014/main" id="{0862A81A-959D-4EAB-90ED-DB20759BB397}"/>
+                  <a16:creationId xmlns:a16="http://schemas.microsoft.com/office/drawing/2014/main" xmlns="" id="{0862A81A-959D-4EAB-90ED-DB20759BB397}"/>
                 </a:ext>
               </a:extLst>
             </p:cNvPr>
@@ -18143,7 +18232,7 @@
             <p:cNvPr id="18" name="Freeform: Shape 17">
               <a:extLst>
                 <a:ext uri="{FF2B5EF4-FFF2-40B4-BE49-F238E27FC236}">
-                  <a16:creationId xmlns:a16="http://schemas.microsoft.com/office/drawing/2014/main" id="{AAB9E28C-9422-42BD-AECE-29B44B5D63E2}"/>
+                  <a16:creationId xmlns:a16="http://schemas.microsoft.com/office/drawing/2014/main" xmlns="" id="{AAB9E28C-9422-42BD-AECE-29B44B5D63E2}"/>
                 </a:ext>
               </a:extLst>
             </p:cNvPr>
@@ -18242,7 +18331,7 @@
           <p:cNvPr id="19" name="Group 18">
             <a:extLst>
               <a:ext uri="{FF2B5EF4-FFF2-40B4-BE49-F238E27FC236}">
-                <a16:creationId xmlns:a16="http://schemas.microsoft.com/office/drawing/2014/main" id="{2772239B-C46D-4458-BB4B-DDB12FAB0172}"/>
+                <a16:creationId xmlns:a16="http://schemas.microsoft.com/office/drawing/2014/main" xmlns="" id="{2772239B-C46D-4458-BB4B-DDB12FAB0172}"/>
               </a:ext>
             </a:extLst>
           </p:cNvPr>
@@ -18262,7 +18351,7 @@
             <p:cNvPr id="20" name="Freeform: Shape 19">
               <a:extLst>
                 <a:ext uri="{FF2B5EF4-FFF2-40B4-BE49-F238E27FC236}">
-                  <a16:creationId xmlns:a16="http://schemas.microsoft.com/office/drawing/2014/main" id="{3C8A2A1A-1FB9-4CA1-B74E-B293187E51AA}"/>
+                  <a16:creationId xmlns:a16="http://schemas.microsoft.com/office/drawing/2014/main" xmlns="" id="{3C8A2A1A-1FB9-4CA1-B74E-B293187E51AA}"/>
                 </a:ext>
               </a:extLst>
             </p:cNvPr>
@@ -18352,7 +18441,7 @@
             <p:cNvPr id="21" name="Freeform: Shape 20">
               <a:extLst>
                 <a:ext uri="{FF2B5EF4-FFF2-40B4-BE49-F238E27FC236}">
-                  <a16:creationId xmlns:a16="http://schemas.microsoft.com/office/drawing/2014/main" id="{DF2B18BA-6B43-40FA-A23B-D894D6AB468B}"/>
+                  <a16:creationId xmlns:a16="http://schemas.microsoft.com/office/drawing/2014/main" xmlns="" id="{DF2B18BA-6B43-40FA-A23B-D894D6AB468B}"/>
                 </a:ext>
               </a:extLst>
             </p:cNvPr>
@@ -18451,7 +18540,7 @@
           <p:cNvPr id="3" name="Text Placeholder 2">
             <a:extLst>
               <a:ext uri="{FF2B5EF4-FFF2-40B4-BE49-F238E27FC236}">
-                <a16:creationId xmlns:a16="http://schemas.microsoft.com/office/drawing/2014/main" id="{5E194264-A3F5-42E2-9A63-DCCED0457E1B}"/>
+                <a16:creationId xmlns:a16="http://schemas.microsoft.com/office/drawing/2014/main" xmlns="" id="{5E194264-A3F5-42E2-9A63-DCCED0457E1B}"/>
               </a:ext>
             </a:extLst>
           </p:cNvPr>
@@ -18501,7 +18590,7 @@
           <p:cNvPr id="22" name="Slide Number Placeholder 4">
             <a:extLst>
               <a:ext uri="{FF2B5EF4-FFF2-40B4-BE49-F238E27FC236}">
-                <a16:creationId xmlns:a16="http://schemas.microsoft.com/office/drawing/2014/main" id="{0F332671-6296-47C8-BF26-B2D962F5D03D}"/>
+                <a16:creationId xmlns:a16="http://schemas.microsoft.com/office/drawing/2014/main" xmlns="" id="{0F332671-6296-47C8-BF26-B2D962F5D03D}"/>
               </a:ext>
             </a:extLst>
           </p:cNvPr>
@@ -18534,7 +18623,7 @@
             <a:fld id="{C263D6C4-4840-40CC-AC84-17E24B3B7BDE}" type="slidenum">
               <a:rPr lang="en-US" noProof="0" smtClean="0"/>
               <a:pPr/>
-              <a:t>‹#›</a:t>
+              <a:t>‹Nr.›</a:t>
             </a:fld>
             <a:endParaRPr lang="en-US" noProof="0" dirty="0"/>
           </a:p>
@@ -18545,7 +18634,7 @@
           <p:cNvPr id="23" name="Title 1">
             <a:extLst>
               <a:ext uri="{FF2B5EF4-FFF2-40B4-BE49-F238E27FC236}">
-                <a16:creationId xmlns:a16="http://schemas.microsoft.com/office/drawing/2014/main" id="{7772A652-7229-2B42-B87B-298C31D6F0CB}"/>
+                <a16:creationId xmlns:a16="http://schemas.microsoft.com/office/drawing/2014/main" xmlns="" id="{7772A652-7229-2B42-B87B-298C31D6F0CB}"/>
               </a:ext>
             </a:extLst>
           </p:cNvPr>
@@ -18620,7 +18709,7 @@
           <p:cNvPr id="22" name="Rectangle 21">
             <a:extLst>
               <a:ext uri="{FF2B5EF4-FFF2-40B4-BE49-F238E27FC236}">
-                <a16:creationId xmlns:a16="http://schemas.microsoft.com/office/drawing/2014/main" id="{2CDBB6E5-B91E-4946-9390-E8693855103A}"/>
+                <a16:creationId xmlns:a16="http://schemas.microsoft.com/office/drawing/2014/main" xmlns="" id="{2CDBB6E5-B91E-4946-9390-E8693855103A}"/>
               </a:ext>
             </a:extLst>
           </p:cNvPr>
@@ -18674,7 +18763,7 @@
           <p:cNvPr id="34" name="Freeform: Shape 33">
             <a:extLst>
               <a:ext uri="{FF2B5EF4-FFF2-40B4-BE49-F238E27FC236}">
-                <a16:creationId xmlns:a16="http://schemas.microsoft.com/office/drawing/2014/main" id="{0C3CC1C9-1FA0-4FE4-8984-4A8B3728D674}"/>
+                <a16:creationId xmlns:a16="http://schemas.microsoft.com/office/drawing/2014/main" xmlns="" id="{0C3CC1C9-1FA0-4FE4-8984-4A8B3728D674}"/>
               </a:ext>
             </a:extLst>
           </p:cNvPr>
@@ -18819,7 +18908,7 @@
           <p:cNvPr id="24" name="Freeform: Shape 23">
             <a:extLst>
               <a:ext uri="{FF2B5EF4-FFF2-40B4-BE49-F238E27FC236}">
-                <a16:creationId xmlns:a16="http://schemas.microsoft.com/office/drawing/2014/main" id="{8E049265-431E-48DE-B7F7-4959930171DC}"/>
+                <a16:creationId xmlns:a16="http://schemas.microsoft.com/office/drawing/2014/main" xmlns="" id="{8E049265-431E-48DE-B7F7-4959930171DC}"/>
               </a:ext>
             </a:extLst>
           </p:cNvPr>
@@ -18959,7 +19048,7 @@
           <p:cNvPr id="25" name="Freeform: Shape 24">
             <a:extLst>
               <a:ext uri="{FF2B5EF4-FFF2-40B4-BE49-F238E27FC236}">
-                <a16:creationId xmlns:a16="http://schemas.microsoft.com/office/drawing/2014/main" id="{173E5F2D-1F8E-4DCC-857F-932C6C6539BB}"/>
+                <a16:creationId xmlns:a16="http://schemas.microsoft.com/office/drawing/2014/main" xmlns="" id="{173E5F2D-1F8E-4DCC-857F-932C6C6539BB}"/>
               </a:ext>
             </a:extLst>
           </p:cNvPr>
@@ -19105,7 +19194,7 @@
           <p:cNvPr id="26" name="Group 25">
             <a:extLst>
               <a:ext uri="{FF2B5EF4-FFF2-40B4-BE49-F238E27FC236}">
-                <a16:creationId xmlns:a16="http://schemas.microsoft.com/office/drawing/2014/main" id="{E9318B2B-E019-4078-9EF0-C9D6281AE31B}"/>
+                <a16:creationId xmlns:a16="http://schemas.microsoft.com/office/drawing/2014/main" xmlns="" id="{E9318B2B-E019-4078-9EF0-C9D6281AE31B}"/>
               </a:ext>
             </a:extLst>
           </p:cNvPr>
@@ -19125,7 +19214,7 @@
             <p:cNvPr id="27" name="Freeform: Shape 26">
               <a:extLst>
                 <a:ext uri="{FF2B5EF4-FFF2-40B4-BE49-F238E27FC236}">
-                  <a16:creationId xmlns:a16="http://schemas.microsoft.com/office/drawing/2014/main" id="{D3E625C0-9656-421F-861F-67C8F93362ED}"/>
+                  <a16:creationId xmlns:a16="http://schemas.microsoft.com/office/drawing/2014/main" xmlns="" id="{D3E625C0-9656-421F-861F-67C8F93362ED}"/>
                 </a:ext>
               </a:extLst>
             </p:cNvPr>
@@ -19225,7 +19314,7 @@
             <p:cNvPr id="28" name="Freeform: Shape 27">
               <a:extLst>
                 <a:ext uri="{FF2B5EF4-FFF2-40B4-BE49-F238E27FC236}">
-                  <a16:creationId xmlns:a16="http://schemas.microsoft.com/office/drawing/2014/main" id="{49F8E490-C6E3-4D00-866F-CD85DD88996E}"/>
+                  <a16:creationId xmlns:a16="http://schemas.microsoft.com/office/drawing/2014/main" xmlns="" id="{49F8E490-C6E3-4D00-866F-CD85DD88996E}"/>
                 </a:ext>
               </a:extLst>
             </p:cNvPr>
@@ -19334,7 +19423,7 @@
           <p:cNvPr id="29" name="Freeform: Shape 28">
             <a:extLst>
               <a:ext uri="{FF2B5EF4-FFF2-40B4-BE49-F238E27FC236}">
-                <a16:creationId xmlns:a16="http://schemas.microsoft.com/office/drawing/2014/main" id="{EE8F5B31-1523-46AE-9455-C33DFC1BDDE0}"/>
+                <a16:creationId xmlns:a16="http://schemas.microsoft.com/office/drawing/2014/main" xmlns="" id="{EE8F5B31-1523-46AE-9455-C33DFC1BDDE0}"/>
               </a:ext>
             </a:extLst>
           </p:cNvPr>
@@ -19426,7 +19515,7 @@
           <p:cNvPr id="30" name="Freeform: Shape 29">
             <a:extLst>
               <a:ext uri="{FF2B5EF4-FFF2-40B4-BE49-F238E27FC236}">
-                <a16:creationId xmlns:a16="http://schemas.microsoft.com/office/drawing/2014/main" id="{5D17048F-C2E1-4775-BC32-50BD6219F89D}"/>
+                <a16:creationId xmlns:a16="http://schemas.microsoft.com/office/drawing/2014/main" xmlns="" id="{5D17048F-C2E1-4775-BC32-50BD6219F89D}"/>
               </a:ext>
             </a:extLst>
           </p:cNvPr>
@@ -19526,7 +19615,7 @@
           <p:cNvPr id="31" name="Group 30">
             <a:extLst>
               <a:ext uri="{FF2B5EF4-FFF2-40B4-BE49-F238E27FC236}">
-                <a16:creationId xmlns:a16="http://schemas.microsoft.com/office/drawing/2014/main" id="{EAB002AA-4848-49C8-A834-036F860C79A3}"/>
+                <a16:creationId xmlns:a16="http://schemas.microsoft.com/office/drawing/2014/main" xmlns="" id="{EAB002AA-4848-49C8-A834-036F860C79A3}"/>
               </a:ext>
             </a:extLst>
           </p:cNvPr>
@@ -19546,7 +19635,7 @@
             <p:cNvPr id="32" name="Freeform: Shape 31">
               <a:extLst>
                 <a:ext uri="{FF2B5EF4-FFF2-40B4-BE49-F238E27FC236}">
-                  <a16:creationId xmlns:a16="http://schemas.microsoft.com/office/drawing/2014/main" id="{14B187A8-7F8D-469D-A03B-4F835A5746DE}"/>
+                  <a16:creationId xmlns:a16="http://schemas.microsoft.com/office/drawing/2014/main" xmlns="" id="{14B187A8-7F8D-469D-A03B-4F835A5746DE}"/>
                 </a:ext>
               </a:extLst>
             </p:cNvPr>
@@ -19636,7 +19725,7 @@
             <p:cNvPr id="33" name="Freeform: Shape 32">
               <a:extLst>
                 <a:ext uri="{FF2B5EF4-FFF2-40B4-BE49-F238E27FC236}">
-                  <a16:creationId xmlns:a16="http://schemas.microsoft.com/office/drawing/2014/main" id="{03D871D1-A11A-48FB-82A8-8D61AB5CB85C}"/>
+                  <a16:creationId xmlns:a16="http://schemas.microsoft.com/office/drawing/2014/main" xmlns="" id="{03D871D1-A11A-48FB-82A8-8D61AB5CB85C}"/>
                 </a:ext>
               </a:extLst>
             </p:cNvPr>
@@ -19735,7 +19824,7 @@
           <p:cNvPr id="2" name="Title 1">
             <a:extLst>
               <a:ext uri="{FF2B5EF4-FFF2-40B4-BE49-F238E27FC236}">
-                <a16:creationId xmlns:a16="http://schemas.microsoft.com/office/drawing/2014/main" id="{42374B20-3E42-44AF-BEF1-8AB33067395C}"/>
+                <a16:creationId xmlns:a16="http://schemas.microsoft.com/office/drawing/2014/main" xmlns="" id="{42374B20-3E42-44AF-BEF1-8AB33067395C}"/>
               </a:ext>
             </a:extLst>
           </p:cNvPr>
@@ -19780,7 +19869,7 @@
           <p:cNvPr id="3" name="Text Placeholder 2">
             <a:extLst>
               <a:ext uri="{FF2B5EF4-FFF2-40B4-BE49-F238E27FC236}">
-                <a16:creationId xmlns:a16="http://schemas.microsoft.com/office/drawing/2014/main" id="{5E194264-A3F5-42E2-9A63-DCCED0457E1B}"/>
+                <a16:creationId xmlns:a16="http://schemas.microsoft.com/office/drawing/2014/main" xmlns="" id="{5E194264-A3F5-42E2-9A63-DCCED0457E1B}"/>
               </a:ext>
             </a:extLst>
           </p:cNvPr>
@@ -19830,7 +19919,7 @@
           <p:cNvPr id="35" name="Slide Number Placeholder 4">
             <a:extLst>
               <a:ext uri="{FF2B5EF4-FFF2-40B4-BE49-F238E27FC236}">
-                <a16:creationId xmlns:a16="http://schemas.microsoft.com/office/drawing/2014/main" id="{6F73F836-940E-4B65-A29C-D0869263C935}"/>
+                <a16:creationId xmlns:a16="http://schemas.microsoft.com/office/drawing/2014/main" xmlns="" id="{6F73F836-940E-4B65-A29C-D0869263C935}"/>
               </a:ext>
             </a:extLst>
           </p:cNvPr>
@@ -19863,7 +19952,7 @@
             <a:fld id="{C263D6C4-4840-40CC-AC84-17E24B3B7BDE}" type="slidenum">
               <a:rPr lang="en-US" noProof="0" smtClean="0"/>
               <a:pPr/>
-              <a:t>‹#›</a:t>
+              <a:t>‹Nr.›</a:t>
             </a:fld>
             <a:endParaRPr lang="en-US" noProof="0" dirty="0"/>
           </a:p>
@@ -19904,7 +19993,7 @@
           <p:cNvPr id="22" name="Rectangle 21">
             <a:extLst>
               <a:ext uri="{FF2B5EF4-FFF2-40B4-BE49-F238E27FC236}">
-                <a16:creationId xmlns:a16="http://schemas.microsoft.com/office/drawing/2014/main" id="{2CDBB6E5-B91E-4946-9390-E8693855103A}"/>
+                <a16:creationId xmlns:a16="http://schemas.microsoft.com/office/drawing/2014/main" xmlns="" id="{2CDBB6E5-B91E-4946-9390-E8693855103A}"/>
               </a:ext>
             </a:extLst>
           </p:cNvPr>
@@ -19958,7 +20047,7 @@
           <p:cNvPr id="34" name="Freeform: Shape 33">
             <a:extLst>
               <a:ext uri="{FF2B5EF4-FFF2-40B4-BE49-F238E27FC236}">
-                <a16:creationId xmlns:a16="http://schemas.microsoft.com/office/drawing/2014/main" id="{0C3CC1C9-1FA0-4FE4-8984-4A8B3728D674}"/>
+                <a16:creationId xmlns:a16="http://schemas.microsoft.com/office/drawing/2014/main" xmlns="" id="{0C3CC1C9-1FA0-4FE4-8984-4A8B3728D674}"/>
               </a:ext>
             </a:extLst>
           </p:cNvPr>
@@ -20103,7 +20192,7 @@
           <p:cNvPr id="24" name="Freeform: Shape 23">
             <a:extLst>
               <a:ext uri="{FF2B5EF4-FFF2-40B4-BE49-F238E27FC236}">
-                <a16:creationId xmlns:a16="http://schemas.microsoft.com/office/drawing/2014/main" id="{8E049265-431E-48DE-B7F7-4959930171DC}"/>
+                <a16:creationId xmlns:a16="http://schemas.microsoft.com/office/drawing/2014/main" xmlns="" id="{8E049265-431E-48DE-B7F7-4959930171DC}"/>
               </a:ext>
             </a:extLst>
           </p:cNvPr>
@@ -20243,7 +20332,7 @@
           <p:cNvPr id="25" name="Freeform: Shape 24">
             <a:extLst>
               <a:ext uri="{FF2B5EF4-FFF2-40B4-BE49-F238E27FC236}">
-                <a16:creationId xmlns:a16="http://schemas.microsoft.com/office/drawing/2014/main" id="{173E5F2D-1F8E-4DCC-857F-932C6C6539BB}"/>
+                <a16:creationId xmlns:a16="http://schemas.microsoft.com/office/drawing/2014/main" xmlns="" id="{173E5F2D-1F8E-4DCC-857F-932C6C6539BB}"/>
               </a:ext>
             </a:extLst>
           </p:cNvPr>
@@ -20389,7 +20478,7 @@
           <p:cNvPr id="4" name="Oval 3">
             <a:extLst>
               <a:ext uri="{FF2B5EF4-FFF2-40B4-BE49-F238E27FC236}">
-                <a16:creationId xmlns:a16="http://schemas.microsoft.com/office/drawing/2014/main" id="{ECB4C115-EFF9-405C-98BE-F4077B9730D0}"/>
+                <a16:creationId xmlns:a16="http://schemas.microsoft.com/office/drawing/2014/main" xmlns="" id="{ECB4C115-EFF9-405C-98BE-F4077B9730D0}"/>
               </a:ext>
             </a:extLst>
           </p:cNvPr>
@@ -20447,7 +20536,7 @@
           <p:cNvPr id="18" name="Title 1">
             <a:extLst>
               <a:ext uri="{FF2B5EF4-FFF2-40B4-BE49-F238E27FC236}">
-                <a16:creationId xmlns:a16="http://schemas.microsoft.com/office/drawing/2014/main" id="{C9A300DD-BB54-44ED-A7E4-01CD41EC930F}"/>
+                <a16:creationId xmlns:a16="http://schemas.microsoft.com/office/drawing/2014/main" xmlns="" id="{C9A300DD-BB54-44ED-A7E4-01CD41EC930F}"/>
               </a:ext>
             </a:extLst>
           </p:cNvPr>
@@ -20510,7 +20599,7 @@
           <p:cNvPr id="2" name="Title 1">
             <a:extLst>
               <a:ext uri="{FF2B5EF4-FFF2-40B4-BE49-F238E27FC236}">
-                <a16:creationId xmlns:a16="http://schemas.microsoft.com/office/drawing/2014/main" id="{42374B20-3E42-44AF-BEF1-8AB33067395C}"/>
+                <a16:creationId xmlns:a16="http://schemas.microsoft.com/office/drawing/2014/main" xmlns="" id="{42374B20-3E42-44AF-BEF1-8AB33067395C}"/>
               </a:ext>
             </a:extLst>
           </p:cNvPr>
@@ -20558,7 +20647,7 @@
           <p:cNvPr id="19" name="Slide Number Placeholder 4">
             <a:extLst>
               <a:ext uri="{FF2B5EF4-FFF2-40B4-BE49-F238E27FC236}">
-                <a16:creationId xmlns:a16="http://schemas.microsoft.com/office/drawing/2014/main" id="{A4E6C1FF-5925-42B3-B7F9-0A0031BDAD30}"/>
+                <a16:creationId xmlns:a16="http://schemas.microsoft.com/office/drawing/2014/main" xmlns="" id="{A4E6C1FF-5925-42B3-B7F9-0A0031BDAD30}"/>
               </a:ext>
             </a:extLst>
           </p:cNvPr>
@@ -20591,7 +20680,7 @@
             <a:fld id="{C263D6C4-4840-40CC-AC84-17E24B3B7BDE}" type="slidenum">
               <a:rPr lang="en-US" noProof="0" smtClean="0"/>
               <a:pPr/>
-              <a:t>‹#›</a:t>
+              <a:t>‹Nr.›</a:t>
             </a:fld>
             <a:endParaRPr lang="en-US" noProof="0" dirty="0"/>
           </a:p>
@@ -20640,7 +20729,7 @@
           <p:cNvPr id="11" name="Rectangle 10">
             <a:extLst>
               <a:ext uri="{FF2B5EF4-FFF2-40B4-BE49-F238E27FC236}">
-                <a16:creationId xmlns:a16="http://schemas.microsoft.com/office/drawing/2014/main" id="{EB3E033F-4449-40FA-BC85-BD2712D313DD}"/>
+                <a16:creationId xmlns:a16="http://schemas.microsoft.com/office/drawing/2014/main" xmlns="" id="{EB3E033F-4449-40FA-BC85-BD2712D313DD}"/>
               </a:ext>
             </a:extLst>
           </p:cNvPr>
@@ -20694,7 +20783,7 @@
           <p:cNvPr id="10" name="Freeform: Shape 9">
             <a:extLst>
               <a:ext uri="{FF2B5EF4-FFF2-40B4-BE49-F238E27FC236}">
-                <a16:creationId xmlns:a16="http://schemas.microsoft.com/office/drawing/2014/main" id="{63D26743-0505-444C-80B3-E88EE87DF72B}"/>
+                <a16:creationId xmlns:a16="http://schemas.microsoft.com/office/drawing/2014/main" xmlns="" id="{63D26743-0505-444C-80B3-E88EE87DF72B}"/>
               </a:ext>
             </a:extLst>
           </p:cNvPr>
@@ -20817,7 +20906,7 @@
           <p:cNvPr id="8" name="Freeform: Shape 7">
             <a:extLst>
               <a:ext uri="{FF2B5EF4-FFF2-40B4-BE49-F238E27FC236}">
-                <a16:creationId xmlns:a16="http://schemas.microsoft.com/office/drawing/2014/main" id="{1599AF7E-3E34-4597-AA72-9373A7FDB020}"/>
+                <a16:creationId xmlns:a16="http://schemas.microsoft.com/office/drawing/2014/main" xmlns="" id="{1599AF7E-3E34-4597-AA72-9373A7FDB020}"/>
               </a:ext>
             </a:extLst>
           </p:cNvPr>
@@ -20963,7 +21052,7 @@
           <p:cNvPr id="2" name="Title 1">
             <a:extLst>
               <a:ext uri="{FF2B5EF4-FFF2-40B4-BE49-F238E27FC236}">
-                <a16:creationId xmlns:a16="http://schemas.microsoft.com/office/drawing/2014/main" id="{4A2DF563-7FAC-46B3-B24C-7E45CD89DA2B}"/>
+                <a16:creationId xmlns:a16="http://schemas.microsoft.com/office/drawing/2014/main" xmlns="" id="{4A2DF563-7FAC-46B3-B24C-7E45CD89DA2B}"/>
               </a:ext>
             </a:extLst>
           </p:cNvPr>
@@ -21008,7 +21097,7 @@
           <p:cNvPr id="5" name="Slide Number Placeholder 4">
             <a:extLst>
               <a:ext uri="{FF2B5EF4-FFF2-40B4-BE49-F238E27FC236}">
-                <a16:creationId xmlns:a16="http://schemas.microsoft.com/office/drawing/2014/main" id="{87B51822-97FF-47A7-8E4E-A0F79B4EB237}"/>
+                <a16:creationId xmlns:a16="http://schemas.microsoft.com/office/drawing/2014/main" xmlns="" id="{87B51822-97FF-47A7-8E4E-A0F79B4EB237}"/>
               </a:ext>
             </a:extLst>
           </p:cNvPr>
@@ -21041,7 +21130,7 @@
             <a:fld id="{C263D6C4-4840-40CC-AC84-17E24B3B7BDE}" type="slidenum">
               <a:rPr lang="en-US" noProof="0" smtClean="0"/>
               <a:pPr/>
-              <a:t>‹#›</a:t>
+              <a:t>‹Nr.›</a:t>
             </a:fld>
             <a:endParaRPr lang="en-US" noProof="0" dirty="0"/>
           </a:p>
@@ -21052,7 +21141,7 @@
           <p:cNvPr id="15" name="Group 14">
             <a:extLst>
               <a:ext uri="{FF2B5EF4-FFF2-40B4-BE49-F238E27FC236}">
-                <a16:creationId xmlns:a16="http://schemas.microsoft.com/office/drawing/2014/main" id="{7732E1E7-45E3-4264-8F26-66758696DD1E}"/>
+                <a16:creationId xmlns:a16="http://schemas.microsoft.com/office/drawing/2014/main" xmlns="" id="{7732E1E7-45E3-4264-8F26-66758696DD1E}"/>
               </a:ext>
             </a:extLst>
           </p:cNvPr>
@@ -21072,7 +21161,7 @@
             <p:cNvPr id="16" name="Freeform: Shape 15">
               <a:extLst>
                 <a:ext uri="{FF2B5EF4-FFF2-40B4-BE49-F238E27FC236}">
-                  <a16:creationId xmlns:a16="http://schemas.microsoft.com/office/drawing/2014/main" id="{2E3DF883-8093-49FA-81E1-E5D77F086A25}"/>
+                  <a16:creationId xmlns:a16="http://schemas.microsoft.com/office/drawing/2014/main" xmlns="" id="{2E3DF883-8093-49FA-81E1-E5D77F086A25}"/>
                 </a:ext>
               </a:extLst>
             </p:cNvPr>
@@ -21162,7 +21251,7 @@
             <p:cNvPr id="17" name="Freeform: Shape 16">
               <a:extLst>
                 <a:ext uri="{FF2B5EF4-FFF2-40B4-BE49-F238E27FC236}">
-                  <a16:creationId xmlns:a16="http://schemas.microsoft.com/office/drawing/2014/main" id="{18944C90-37E5-4BBE-89FF-060627168050}"/>
+                  <a16:creationId xmlns:a16="http://schemas.microsoft.com/office/drawing/2014/main" xmlns="" id="{18944C90-37E5-4BBE-89FF-060627168050}"/>
                 </a:ext>
               </a:extLst>
             </p:cNvPr>
@@ -21261,7 +21350,7 @@
           <p:cNvPr id="23" name="Text Placeholder 22">
             <a:extLst>
               <a:ext uri="{FF2B5EF4-FFF2-40B4-BE49-F238E27FC236}">
-                <a16:creationId xmlns:a16="http://schemas.microsoft.com/office/drawing/2014/main" id="{03618670-D1E4-466C-BDB5-FC890AC31457}"/>
+                <a16:creationId xmlns:a16="http://schemas.microsoft.com/office/drawing/2014/main" xmlns="" id="{03618670-D1E4-466C-BDB5-FC890AC31457}"/>
               </a:ext>
             </a:extLst>
           </p:cNvPr>
@@ -21422,7 +21511,7 @@
           <p:cNvPr id="11" name="Rectangle 10">
             <a:extLst>
               <a:ext uri="{FF2B5EF4-FFF2-40B4-BE49-F238E27FC236}">
-                <a16:creationId xmlns:a16="http://schemas.microsoft.com/office/drawing/2014/main" id="{EB3E033F-4449-40FA-BC85-BD2712D313DD}"/>
+                <a16:creationId xmlns:a16="http://schemas.microsoft.com/office/drawing/2014/main" xmlns="" id="{EB3E033F-4449-40FA-BC85-BD2712D313DD}"/>
               </a:ext>
             </a:extLst>
           </p:cNvPr>
@@ -21476,7 +21565,7 @@
           <p:cNvPr id="10" name="Freeform: Shape 9">
             <a:extLst>
               <a:ext uri="{FF2B5EF4-FFF2-40B4-BE49-F238E27FC236}">
-                <a16:creationId xmlns:a16="http://schemas.microsoft.com/office/drawing/2014/main" id="{63D26743-0505-444C-80B3-E88EE87DF72B}"/>
+                <a16:creationId xmlns:a16="http://schemas.microsoft.com/office/drawing/2014/main" xmlns="" id="{63D26743-0505-444C-80B3-E88EE87DF72B}"/>
               </a:ext>
             </a:extLst>
           </p:cNvPr>
@@ -21599,7 +21688,7 @@
           <p:cNvPr id="18" name="Freeform: Shape 17">
             <a:extLst>
               <a:ext uri="{FF2B5EF4-FFF2-40B4-BE49-F238E27FC236}">
-                <a16:creationId xmlns:a16="http://schemas.microsoft.com/office/drawing/2014/main" id="{E37145E9-AC61-47D5-9288-8789940F81B6}"/>
+                <a16:creationId xmlns:a16="http://schemas.microsoft.com/office/drawing/2014/main" xmlns="" id="{E37145E9-AC61-47D5-9288-8789940F81B6}"/>
               </a:ext>
             </a:extLst>
           </p:cNvPr>
@@ -21751,7 +21840,7 @@
           <p:cNvPr id="12" name="Freeform: Shape 11">
             <a:extLst>
               <a:ext uri="{FF2B5EF4-FFF2-40B4-BE49-F238E27FC236}">
-                <a16:creationId xmlns:a16="http://schemas.microsoft.com/office/drawing/2014/main" id="{A5E2B3ED-9A49-40A7-B8A3-62595FE513F9}"/>
+                <a16:creationId xmlns:a16="http://schemas.microsoft.com/office/drawing/2014/main" xmlns="" id="{A5E2B3ED-9A49-40A7-B8A3-62595FE513F9}"/>
               </a:ext>
             </a:extLst>
           </p:cNvPr>
@@ -21901,7 +21990,7 @@
           <p:cNvPr id="8" name="Freeform: Shape 7">
             <a:extLst>
               <a:ext uri="{FF2B5EF4-FFF2-40B4-BE49-F238E27FC236}">
-                <a16:creationId xmlns:a16="http://schemas.microsoft.com/office/drawing/2014/main" id="{1599AF7E-3E34-4597-AA72-9373A7FDB020}"/>
+                <a16:creationId xmlns:a16="http://schemas.microsoft.com/office/drawing/2014/main" xmlns="" id="{1599AF7E-3E34-4597-AA72-9373A7FDB020}"/>
               </a:ext>
             </a:extLst>
           </p:cNvPr>
@@ -22047,7 +22136,7 @@
           <p:cNvPr id="2" name="Title 1">
             <a:extLst>
               <a:ext uri="{FF2B5EF4-FFF2-40B4-BE49-F238E27FC236}">
-                <a16:creationId xmlns:a16="http://schemas.microsoft.com/office/drawing/2014/main" id="{4A2DF563-7FAC-46B3-B24C-7E45CD89DA2B}"/>
+                <a16:creationId xmlns:a16="http://schemas.microsoft.com/office/drawing/2014/main" xmlns="" id="{4A2DF563-7FAC-46B3-B24C-7E45CD89DA2B}"/>
               </a:ext>
             </a:extLst>
           </p:cNvPr>
@@ -22092,7 +22181,7 @@
           <p:cNvPr id="15" name="Group 14">
             <a:extLst>
               <a:ext uri="{FF2B5EF4-FFF2-40B4-BE49-F238E27FC236}">
-                <a16:creationId xmlns:a16="http://schemas.microsoft.com/office/drawing/2014/main" id="{7732E1E7-45E3-4264-8F26-66758696DD1E}"/>
+                <a16:creationId xmlns:a16="http://schemas.microsoft.com/office/drawing/2014/main" xmlns="" id="{7732E1E7-45E3-4264-8F26-66758696DD1E}"/>
               </a:ext>
             </a:extLst>
           </p:cNvPr>
@@ -22112,7 +22201,7 @@
             <p:cNvPr id="16" name="Freeform: Shape 15">
               <a:extLst>
                 <a:ext uri="{FF2B5EF4-FFF2-40B4-BE49-F238E27FC236}">
-                  <a16:creationId xmlns:a16="http://schemas.microsoft.com/office/drawing/2014/main" id="{2E3DF883-8093-49FA-81E1-E5D77F086A25}"/>
+                  <a16:creationId xmlns:a16="http://schemas.microsoft.com/office/drawing/2014/main" xmlns="" id="{2E3DF883-8093-49FA-81E1-E5D77F086A25}"/>
                 </a:ext>
               </a:extLst>
             </p:cNvPr>
@@ -22202,7 +22291,7 @@
             <p:cNvPr id="17" name="Freeform: Shape 16">
               <a:extLst>
                 <a:ext uri="{FF2B5EF4-FFF2-40B4-BE49-F238E27FC236}">
-                  <a16:creationId xmlns:a16="http://schemas.microsoft.com/office/drawing/2014/main" id="{18944C90-37E5-4BBE-89FF-060627168050}"/>
+                  <a16:creationId xmlns:a16="http://schemas.microsoft.com/office/drawing/2014/main" xmlns="" id="{18944C90-37E5-4BBE-89FF-060627168050}"/>
                 </a:ext>
               </a:extLst>
             </p:cNvPr>
@@ -22301,7 +22390,7 @@
           <p:cNvPr id="6" name="Group 5">
             <a:extLst>
               <a:ext uri="{FF2B5EF4-FFF2-40B4-BE49-F238E27FC236}">
-                <a16:creationId xmlns:a16="http://schemas.microsoft.com/office/drawing/2014/main" id="{D9EBF8BB-A805-4DDB-B459-082F99815B95}"/>
+                <a16:creationId xmlns:a16="http://schemas.microsoft.com/office/drawing/2014/main" xmlns="" id="{D9EBF8BB-A805-4DDB-B459-082F99815B95}"/>
               </a:ext>
             </a:extLst>
           </p:cNvPr>
@@ -22321,7 +22410,7 @@
             <p:cNvPr id="19" name="Rectangle: Single Corner Snipped 18">
               <a:extLst>
                 <a:ext uri="{FF2B5EF4-FFF2-40B4-BE49-F238E27FC236}">
-                  <a16:creationId xmlns:a16="http://schemas.microsoft.com/office/drawing/2014/main" id="{5D638788-DD47-45E7-939A-FA108A818173}"/>
+                  <a16:creationId xmlns:a16="http://schemas.microsoft.com/office/drawing/2014/main" xmlns="" id="{5D638788-DD47-45E7-939A-FA108A818173}"/>
                 </a:ext>
               </a:extLst>
             </p:cNvPr>
@@ -22387,7 +22476,7 @@
             <p:cNvPr id="3" name="Rectangle: Single Corner Snipped 2">
               <a:extLst>
                 <a:ext uri="{FF2B5EF4-FFF2-40B4-BE49-F238E27FC236}">
-                  <a16:creationId xmlns:a16="http://schemas.microsoft.com/office/drawing/2014/main" id="{74BDECEF-EEFE-4332-B3B2-BDE4F82C10FC}"/>
+                  <a16:creationId xmlns:a16="http://schemas.microsoft.com/office/drawing/2014/main" xmlns="" id="{74BDECEF-EEFE-4332-B3B2-BDE4F82C10FC}"/>
                 </a:ext>
               </a:extLst>
             </p:cNvPr>
@@ -22444,7 +22533,7 @@
           <p:cNvPr id="24" name="Freeform: Shape 23">
             <a:extLst>
               <a:ext uri="{FF2B5EF4-FFF2-40B4-BE49-F238E27FC236}">
-                <a16:creationId xmlns:a16="http://schemas.microsoft.com/office/drawing/2014/main" id="{18103E00-7E4A-44CD-81AC-06433CAE1110}"/>
+                <a16:creationId xmlns:a16="http://schemas.microsoft.com/office/drawing/2014/main" xmlns="" id="{18103E00-7E4A-44CD-81AC-06433CAE1110}"/>
               </a:ext>
             </a:extLst>
           </p:cNvPr>
@@ -22539,7 +22628,7 @@
           <p:cNvPr id="5" name="Slide Number Placeholder 4">
             <a:extLst>
               <a:ext uri="{FF2B5EF4-FFF2-40B4-BE49-F238E27FC236}">
-                <a16:creationId xmlns:a16="http://schemas.microsoft.com/office/drawing/2014/main" id="{87B51822-97FF-47A7-8E4E-A0F79B4EB237}"/>
+                <a16:creationId xmlns:a16="http://schemas.microsoft.com/office/drawing/2014/main" xmlns="" id="{87B51822-97FF-47A7-8E4E-A0F79B4EB237}"/>
               </a:ext>
             </a:extLst>
           </p:cNvPr>
@@ -22572,7 +22661,7 @@
             <a:fld id="{C263D6C4-4840-40CC-AC84-17E24B3B7BDE}" type="slidenum">
               <a:rPr lang="en-US" noProof="0" smtClean="0"/>
               <a:pPr/>
-              <a:t>‹#›</a:t>
+              <a:t>‹Nr.›</a:t>
             </a:fld>
             <a:endParaRPr lang="en-US" noProof="0" dirty="0"/>
           </a:p>
@@ -22621,7 +22710,7 @@
           <p:cNvPr id="11" name="Rectangle 10">
             <a:extLst>
               <a:ext uri="{FF2B5EF4-FFF2-40B4-BE49-F238E27FC236}">
-                <a16:creationId xmlns:a16="http://schemas.microsoft.com/office/drawing/2014/main" id="{EB3E033F-4449-40FA-BC85-BD2712D313DD}"/>
+                <a16:creationId xmlns:a16="http://schemas.microsoft.com/office/drawing/2014/main" xmlns="" id="{EB3E033F-4449-40FA-BC85-BD2712D313DD}"/>
               </a:ext>
             </a:extLst>
           </p:cNvPr>
@@ -22675,7 +22764,7 @@
           <p:cNvPr id="10" name="Freeform: Shape 9">
             <a:extLst>
               <a:ext uri="{FF2B5EF4-FFF2-40B4-BE49-F238E27FC236}">
-                <a16:creationId xmlns:a16="http://schemas.microsoft.com/office/drawing/2014/main" id="{63D26743-0505-444C-80B3-E88EE87DF72B}"/>
+                <a16:creationId xmlns:a16="http://schemas.microsoft.com/office/drawing/2014/main" xmlns="" id="{63D26743-0505-444C-80B3-E88EE87DF72B}"/>
               </a:ext>
             </a:extLst>
           </p:cNvPr>
@@ -22798,7 +22887,7 @@
           <p:cNvPr id="18" name="Freeform: Shape 17">
             <a:extLst>
               <a:ext uri="{FF2B5EF4-FFF2-40B4-BE49-F238E27FC236}">
-                <a16:creationId xmlns:a16="http://schemas.microsoft.com/office/drawing/2014/main" id="{E37145E9-AC61-47D5-9288-8789940F81B6}"/>
+                <a16:creationId xmlns:a16="http://schemas.microsoft.com/office/drawing/2014/main" xmlns="" id="{E37145E9-AC61-47D5-9288-8789940F81B6}"/>
               </a:ext>
             </a:extLst>
           </p:cNvPr>
@@ -22950,7 +23039,7 @@
           <p:cNvPr id="12" name="Freeform: Shape 11">
             <a:extLst>
               <a:ext uri="{FF2B5EF4-FFF2-40B4-BE49-F238E27FC236}">
-                <a16:creationId xmlns:a16="http://schemas.microsoft.com/office/drawing/2014/main" id="{A5E2B3ED-9A49-40A7-B8A3-62595FE513F9}"/>
+                <a16:creationId xmlns:a16="http://schemas.microsoft.com/office/drawing/2014/main" xmlns="" id="{A5E2B3ED-9A49-40A7-B8A3-62595FE513F9}"/>
               </a:ext>
             </a:extLst>
           </p:cNvPr>
@@ -23100,7 +23189,7 @@
           <p:cNvPr id="8" name="Freeform: Shape 7">
             <a:extLst>
               <a:ext uri="{FF2B5EF4-FFF2-40B4-BE49-F238E27FC236}">
-                <a16:creationId xmlns:a16="http://schemas.microsoft.com/office/drawing/2014/main" id="{1599AF7E-3E34-4597-AA72-9373A7FDB020}"/>
+                <a16:creationId xmlns:a16="http://schemas.microsoft.com/office/drawing/2014/main" xmlns="" id="{1599AF7E-3E34-4597-AA72-9373A7FDB020}"/>
               </a:ext>
             </a:extLst>
           </p:cNvPr>
@@ -23246,7 +23335,7 @@
           <p:cNvPr id="2" name="Title 1">
             <a:extLst>
               <a:ext uri="{FF2B5EF4-FFF2-40B4-BE49-F238E27FC236}">
-                <a16:creationId xmlns:a16="http://schemas.microsoft.com/office/drawing/2014/main" id="{4A2DF563-7FAC-46B3-B24C-7E45CD89DA2B}"/>
+                <a16:creationId xmlns:a16="http://schemas.microsoft.com/office/drawing/2014/main" xmlns="" id="{4A2DF563-7FAC-46B3-B24C-7E45CD89DA2B}"/>
               </a:ext>
             </a:extLst>
           </p:cNvPr>
@@ -23291,7 +23380,7 @@
           <p:cNvPr id="15" name="Group 14">
             <a:extLst>
               <a:ext uri="{FF2B5EF4-FFF2-40B4-BE49-F238E27FC236}">
-                <a16:creationId xmlns:a16="http://schemas.microsoft.com/office/drawing/2014/main" id="{7732E1E7-45E3-4264-8F26-66758696DD1E}"/>
+                <a16:creationId xmlns:a16="http://schemas.microsoft.com/office/drawing/2014/main" xmlns="" id="{7732E1E7-45E3-4264-8F26-66758696DD1E}"/>
               </a:ext>
             </a:extLst>
           </p:cNvPr>
@@ -23311,7 +23400,7 @@
             <p:cNvPr id="16" name="Freeform: Shape 15">
               <a:extLst>
                 <a:ext uri="{FF2B5EF4-FFF2-40B4-BE49-F238E27FC236}">
-                  <a16:creationId xmlns:a16="http://schemas.microsoft.com/office/drawing/2014/main" id="{2E3DF883-8093-49FA-81E1-E5D77F086A25}"/>
+                  <a16:creationId xmlns:a16="http://schemas.microsoft.com/office/drawing/2014/main" xmlns="" id="{2E3DF883-8093-49FA-81E1-E5D77F086A25}"/>
                 </a:ext>
               </a:extLst>
             </p:cNvPr>
@@ -23401,7 +23490,7 @@
             <p:cNvPr id="17" name="Freeform: Shape 16">
               <a:extLst>
                 <a:ext uri="{FF2B5EF4-FFF2-40B4-BE49-F238E27FC236}">
-                  <a16:creationId xmlns:a16="http://schemas.microsoft.com/office/drawing/2014/main" id="{18944C90-37E5-4BBE-89FF-060627168050}"/>
+                  <a16:creationId xmlns:a16="http://schemas.microsoft.com/office/drawing/2014/main" xmlns="" id="{18944C90-37E5-4BBE-89FF-060627168050}"/>
                 </a:ext>
               </a:extLst>
             </p:cNvPr>
@@ -23500,7 +23589,7 @@
           <p:cNvPr id="6" name="Group 5">
             <a:extLst>
               <a:ext uri="{FF2B5EF4-FFF2-40B4-BE49-F238E27FC236}">
-                <a16:creationId xmlns:a16="http://schemas.microsoft.com/office/drawing/2014/main" id="{D9EBF8BB-A805-4DDB-B459-082F99815B95}"/>
+                <a16:creationId xmlns:a16="http://schemas.microsoft.com/office/drawing/2014/main" xmlns="" id="{D9EBF8BB-A805-4DDB-B459-082F99815B95}"/>
               </a:ext>
             </a:extLst>
           </p:cNvPr>
@@ -23520,7 +23609,7 @@
             <p:cNvPr id="19" name="Rectangle: Single Corner Snipped 18">
               <a:extLst>
                 <a:ext uri="{FF2B5EF4-FFF2-40B4-BE49-F238E27FC236}">
-                  <a16:creationId xmlns:a16="http://schemas.microsoft.com/office/drawing/2014/main" id="{5D638788-DD47-45E7-939A-FA108A818173}"/>
+                  <a16:creationId xmlns:a16="http://schemas.microsoft.com/office/drawing/2014/main" xmlns="" id="{5D638788-DD47-45E7-939A-FA108A818173}"/>
                 </a:ext>
               </a:extLst>
             </p:cNvPr>
@@ -23586,7 +23675,7 @@
             <p:cNvPr id="3" name="Rectangle: Single Corner Snipped 2">
               <a:extLst>
                 <a:ext uri="{FF2B5EF4-FFF2-40B4-BE49-F238E27FC236}">
-                  <a16:creationId xmlns:a16="http://schemas.microsoft.com/office/drawing/2014/main" id="{74BDECEF-EEFE-4332-B3B2-BDE4F82C10FC}"/>
+                  <a16:creationId xmlns:a16="http://schemas.microsoft.com/office/drawing/2014/main" xmlns="" id="{74BDECEF-EEFE-4332-B3B2-BDE4F82C10FC}"/>
                 </a:ext>
               </a:extLst>
             </p:cNvPr>
@@ -23643,7 +23732,7 @@
           <p:cNvPr id="24" name="Freeform: Shape 23">
             <a:extLst>
               <a:ext uri="{FF2B5EF4-FFF2-40B4-BE49-F238E27FC236}">
-                <a16:creationId xmlns:a16="http://schemas.microsoft.com/office/drawing/2014/main" id="{18103E00-7E4A-44CD-81AC-06433CAE1110}"/>
+                <a16:creationId xmlns:a16="http://schemas.microsoft.com/office/drawing/2014/main" xmlns="" id="{18103E00-7E4A-44CD-81AC-06433CAE1110}"/>
               </a:ext>
             </a:extLst>
           </p:cNvPr>
@@ -23738,7 +23827,7 @@
           <p:cNvPr id="5" name="Slide Number Placeholder 4">
             <a:extLst>
               <a:ext uri="{FF2B5EF4-FFF2-40B4-BE49-F238E27FC236}">
-                <a16:creationId xmlns:a16="http://schemas.microsoft.com/office/drawing/2014/main" id="{87B51822-97FF-47A7-8E4E-A0F79B4EB237}"/>
+                <a16:creationId xmlns:a16="http://schemas.microsoft.com/office/drawing/2014/main" xmlns="" id="{87B51822-97FF-47A7-8E4E-A0F79B4EB237}"/>
               </a:ext>
             </a:extLst>
           </p:cNvPr>
@@ -23771,7 +23860,7 @@
             <a:fld id="{C263D6C4-4840-40CC-AC84-17E24B3B7BDE}" type="slidenum">
               <a:rPr lang="en-US" noProof="0" smtClean="0"/>
               <a:pPr/>
-              <a:t>‹#›</a:t>
+              <a:t>‹Nr.›</a:t>
             </a:fld>
             <a:endParaRPr lang="en-US" noProof="0" dirty="0"/>
           </a:p>
@@ -23782,7 +23871,7 @@
           <p:cNvPr id="7" name="Text Placeholder 6">
             <a:extLst>
               <a:ext uri="{FF2B5EF4-FFF2-40B4-BE49-F238E27FC236}">
-                <a16:creationId xmlns:a16="http://schemas.microsoft.com/office/drawing/2014/main" id="{7E0C167E-2626-40DB-AACF-D02543E29BB3}"/>
+                <a16:creationId xmlns:a16="http://schemas.microsoft.com/office/drawing/2014/main" xmlns="" id="{7E0C167E-2626-40DB-AACF-D02543E29BB3}"/>
               </a:ext>
             </a:extLst>
           </p:cNvPr>
@@ -23865,7 +23954,7 @@
           <p:cNvPr id="11" name="Rectangle 10">
             <a:extLst>
               <a:ext uri="{FF2B5EF4-FFF2-40B4-BE49-F238E27FC236}">
-                <a16:creationId xmlns:a16="http://schemas.microsoft.com/office/drawing/2014/main" id="{EB3E033F-4449-40FA-BC85-BD2712D313DD}"/>
+                <a16:creationId xmlns:a16="http://schemas.microsoft.com/office/drawing/2014/main" xmlns="" id="{EB3E033F-4449-40FA-BC85-BD2712D313DD}"/>
               </a:ext>
             </a:extLst>
           </p:cNvPr>
@@ -23919,7 +24008,7 @@
           <p:cNvPr id="10" name="Freeform: Shape 9">
             <a:extLst>
               <a:ext uri="{FF2B5EF4-FFF2-40B4-BE49-F238E27FC236}">
-                <a16:creationId xmlns:a16="http://schemas.microsoft.com/office/drawing/2014/main" id="{63D26743-0505-444C-80B3-E88EE87DF72B}"/>
+                <a16:creationId xmlns:a16="http://schemas.microsoft.com/office/drawing/2014/main" xmlns="" id="{63D26743-0505-444C-80B3-E88EE87DF72B}"/>
               </a:ext>
             </a:extLst>
           </p:cNvPr>
@@ -24042,7 +24131,7 @@
           <p:cNvPr id="18" name="Freeform: Shape 17">
             <a:extLst>
               <a:ext uri="{FF2B5EF4-FFF2-40B4-BE49-F238E27FC236}">
-                <a16:creationId xmlns:a16="http://schemas.microsoft.com/office/drawing/2014/main" id="{E37145E9-AC61-47D5-9288-8789940F81B6}"/>
+                <a16:creationId xmlns:a16="http://schemas.microsoft.com/office/drawing/2014/main" xmlns="" id="{E37145E9-AC61-47D5-9288-8789940F81B6}"/>
               </a:ext>
             </a:extLst>
           </p:cNvPr>
@@ -24194,7 +24283,7 @@
           <p:cNvPr id="12" name="Freeform: Shape 11">
             <a:extLst>
               <a:ext uri="{FF2B5EF4-FFF2-40B4-BE49-F238E27FC236}">
-                <a16:creationId xmlns:a16="http://schemas.microsoft.com/office/drawing/2014/main" id="{A5E2B3ED-9A49-40A7-B8A3-62595FE513F9}"/>
+                <a16:creationId xmlns:a16="http://schemas.microsoft.com/office/drawing/2014/main" xmlns="" id="{A5E2B3ED-9A49-40A7-B8A3-62595FE513F9}"/>
               </a:ext>
             </a:extLst>
           </p:cNvPr>
@@ -24344,7 +24433,7 @@
           <p:cNvPr id="8" name="Freeform: Shape 7">
             <a:extLst>
               <a:ext uri="{FF2B5EF4-FFF2-40B4-BE49-F238E27FC236}">
-                <a16:creationId xmlns:a16="http://schemas.microsoft.com/office/drawing/2014/main" id="{1599AF7E-3E34-4597-AA72-9373A7FDB020}"/>
+                <a16:creationId xmlns:a16="http://schemas.microsoft.com/office/drawing/2014/main" xmlns="" id="{1599AF7E-3E34-4597-AA72-9373A7FDB020}"/>
               </a:ext>
             </a:extLst>
           </p:cNvPr>
@@ -24490,7 +24579,7 @@
           <p:cNvPr id="2" name="Title 1">
             <a:extLst>
               <a:ext uri="{FF2B5EF4-FFF2-40B4-BE49-F238E27FC236}">
-                <a16:creationId xmlns:a16="http://schemas.microsoft.com/office/drawing/2014/main" id="{4A2DF563-7FAC-46B3-B24C-7E45CD89DA2B}"/>
+                <a16:creationId xmlns:a16="http://schemas.microsoft.com/office/drawing/2014/main" xmlns="" id="{4A2DF563-7FAC-46B3-B24C-7E45CD89DA2B}"/>
               </a:ext>
             </a:extLst>
           </p:cNvPr>
@@ -24535,7 +24624,7 @@
           <p:cNvPr id="15" name="Group 14">
             <a:extLst>
               <a:ext uri="{FF2B5EF4-FFF2-40B4-BE49-F238E27FC236}">
-                <a16:creationId xmlns:a16="http://schemas.microsoft.com/office/drawing/2014/main" id="{7732E1E7-45E3-4264-8F26-66758696DD1E}"/>
+                <a16:creationId xmlns:a16="http://schemas.microsoft.com/office/drawing/2014/main" xmlns="" id="{7732E1E7-45E3-4264-8F26-66758696DD1E}"/>
               </a:ext>
             </a:extLst>
           </p:cNvPr>
@@ -24555,7 +24644,7 @@
             <p:cNvPr id="16" name="Freeform: Shape 15">
               <a:extLst>
                 <a:ext uri="{FF2B5EF4-FFF2-40B4-BE49-F238E27FC236}">
-                  <a16:creationId xmlns:a16="http://schemas.microsoft.com/office/drawing/2014/main" id="{2E3DF883-8093-49FA-81E1-E5D77F086A25}"/>
+                  <a16:creationId xmlns:a16="http://schemas.microsoft.com/office/drawing/2014/main" xmlns="" id="{2E3DF883-8093-49FA-81E1-E5D77F086A25}"/>
                 </a:ext>
               </a:extLst>
             </p:cNvPr>
@@ -24645,7 +24734,7 @@
             <p:cNvPr id="17" name="Freeform: Shape 16">
               <a:extLst>
                 <a:ext uri="{FF2B5EF4-FFF2-40B4-BE49-F238E27FC236}">
-                  <a16:creationId xmlns:a16="http://schemas.microsoft.com/office/drawing/2014/main" id="{18944C90-37E5-4BBE-89FF-060627168050}"/>
+                  <a16:creationId xmlns:a16="http://schemas.microsoft.com/office/drawing/2014/main" xmlns="" id="{18944C90-37E5-4BBE-89FF-060627168050}"/>
                 </a:ext>
               </a:extLst>
             </p:cNvPr>
@@ -24744,7 +24833,7 @@
           <p:cNvPr id="6" name="Group 5">
             <a:extLst>
               <a:ext uri="{FF2B5EF4-FFF2-40B4-BE49-F238E27FC236}">
-                <a16:creationId xmlns:a16="http://schemas.microsoft.com/office/drawing/2014/main" id="{D9EBF8BB-A805-4DDB-B459-082F99815B95}"/>
+                <a16:creationId xmlns:a16="http://schemas.microsoft.com/office/drawing/2014/main" xmlns="" id="{D9EBF8BB-A805-4DDB-B459-082F99815B95}"/>
               </a:ext>
             </a:extLst>
           </p:cNvPr>
@@ -24764,7 +24853,7 @@
             <p:cNvPr id="19" name="Rectangle: Single Corner Snipped 18">
               <a:extLst>
                 <a:ext uri="{FF2B5EF4-FFF2-40B4-BE49-F238E27FC236}">
-                  <a16:creationId xmlns:a16="http://schemas.microsoft.com/office/drawing/2014/main" id="{5D638788-DD47-45E7-939A-FA108A818173}"/>
+                  <a16:creationId xmlns:a16="http://schemas.microsoft.com/office/drawing/2014/main" xmlns="" id="{5D638788-DD47-45E7-939A-FA108A818173}"/>
                 </a:ext>
               </a:extLst>
             </p:cNvPr>
@@ -24830,7 +24919,7 @@
             <p:cNvPr id="3" name="Rectangle: Single Corner Snipped 2">
               <a:extLst>
                 <a:ext uri="{FF2B5EF4-FFF2-40B4-BE49-F238E27FC236}">
-                  <a16:creationId xmlns:a16="http://schemas.microsoft.com/office/drawing/2014/main" id="{74BDECEF-EEFE-4332-B3B2-BDE4F82C10FC}"/>
+                  <a16:creationId xmlns:a16="http://schemas.microsoft.com/office/drawing/2014/main" xmlns="" id="{74BDECEF-EEFE-4332-B3B2-BDE4F82C10FC}"/>
                 </a:ext>
               </a:extLst>
             </p:cNvPr>
@@ -24887,7 +24976,7 @@
           <p:cNvPr id="24" name="Freeform: Shape 23">
             <a:extLst>
               <a:ext uri="{FF2B5EF4-FFF2-40B4-BE49-F238E27FC236}">
-                <a16:creationId xmlns:a16="http://schemas.microsoft.com/office/drawing/2014/main" id="{18103E00-7E4A-44CD-81AC-06433CAE1110}"/>
+                <a16:creationId xmlns:a16="http://schemas.microsoft.com/office/drawing/2014/main" xmlns="" id="{18103E00-7E4A-44CD-81AC-06433CAE1110}"/>
               </a:ext>
             </a:extLst>
           </p:cNvPr>
@@ -24982,7 +25071,7 @@
           <p:cNvPr id="5" name="Slide Number Placeholder 4">
             <a:extLst>
               <a:ext uri="{FF2B5EF4-FFF2-40B4-BE49-F238E27FC236}">
-                <a16:creationId xmlns:a16="http://schemas.microsoft.com/office/drawing/2014/main" id="{87B51822-97FF-47A7-8E4E-A0F79B4EB237}"/>
+                <a16:creationId xmlns:a16="http://schemas.microsoft.com/office/drawing/2014/main" xmlns="" id="{87B51822-97FF-47A7-8E4E-A0F79B4EB237}"/>
               </a:ext>
             </a:extLst>
           </p:cNvPr>
@@ -25015,7 +25104,7 @@
             <a:fld id="{C263D6C4-4840-40CC-AC84-17E24B3B7BDE}" type="slidenum">
               <a:rPr lang="en-US" noProof="0" smtClean="0"/>
               <a:pPr/>
-              <a:t>‹#›</a:t>
+              <a:t>‹Nr.›</a:t>
             </a:fld>
             <a:endParaRPr lang="en-US" noProof="0" dirty="0"/>
           </a:p>
@@ -25026,7 +25115,7 @@
           <p:cNvPr id="20" name="Content Placeholder 2">
             <a:extLst>
               <a:ext uri="{FF2B5EF4-FFF2-40B4-BE49-F238E27FC236}">
-                <a16:creationId xmlns:a16="http://schemas.microsoft.com/office/drawing/2014/main" id="{0103A49C-32FF-49E6-86F3-FC2E19517BD5}"/>
+                <a16:creationId xmlns:a16="http://schemas.microsoft.com/office/drawing/2014/main" xmlns="" id="{0103A49C-32FF-49E6-86F3-FC2E19517BD5}"/>
               </a:ext>
             </a:extLst>
           </p:cNvPr>
@@ -25162,7 +25251,7 @@
           <p:cNvPr id="11" name="Rectangle 10">
             <a:extLst>
               <a:ext uri="{FF2B5EF4-FFF2-40B4-BE49-F238E27FC236}">
-                <a16:creationId xmlns:a16="http://schemas.microsoft.com/office/drawing/2014/main" id="{EB3E033F-4449-40FA-BC85-BD2712D313DD}"/>
+                <a16:creationId xmlns:a16="http://schemas.microsoft.com/office/drawing/2014/main" xmlns="" id="{EB3E033F-4449-40FA-BC85-BD2712D313DD}"/>
               </a:ext>
             </a:extLst>
           </p:cNvPr>
@@ -25216,7 +25305,7 @@
           <p:cNvPr id="10" name="Freeform: Shape 9">
             <a:extLst>
               <a:ext uri="{FF2B5EF4-FFF2-40B4-BE49-F238E27FC236}">
-                <a16:creationId xmlns:a16="http://schemas.microsoft.com/office/drawing/2014/main" id="{63D26743-0505-444C-80B3-E88EE87DF72B}"/>
+                <a16:creationId xmlns:a16="http://schemas.microsoft.com/office/drawing/2014/main" xmlns="" id="{63D26743-0505-444C-80B3-E88EE87DF72B}"/>
               </a:ext>
             </a:extLst>
           </p:cNvPr>
@@ -25339,7 +25428,7 @@
           <p:cNvPr id="18" name="Freeform: Shape 17">
             <a:extLst>
               <a:ext uri="{FF2B5EF4-FFF2-40B4-BE49-F238E27FC236}">
-                <a16:creationId xmlns:a16="http://schemas.microsoft.com/office/drawing/2014/main" id="{E37145E9-AC61-47D5-9288-8789940F81B6}"/>
+                <a16:creationId xmlns:a16="http://schemas.microsoft.com/office/drawing/2014/main" xmlns="" id="{E37145E9-AC61-47D5-9288-8789940F81B6}"/>
               </a:ext>
             </a:extLst>
           </p:cNvPr>
@@ -25491,7 +25580,7 @@
           <p:cNvPr id="12" name="Freeform: Shape 11">
             <a:extLst>
               <a:ext uri="{FF2B5EF4-FFF2-40B4-BE49-F238E27FC236}">
-                <a16:creationId xmlns:a16="http://schemas.microsoft.com/office/drawing/2014/main" id="{A5E2B3ED-9A49-40A7-B8A3-62595FE513F9}"/>
+                <a16:creationId xmlns:a16="http://schemas.microsoft.com/office/drawing/2014/main" xmlns="" id="{A5E2B3ED-9A49-40A7-B8A3-62595FE513F9}"/>
               </a:ext>
             </a:extLst>
           </p:cNvPr>
@@ -25641,7 +25730,7 @@
           <p:cNvPr id="8" name="Freeform: Shape 7">
             <a:extLst>
               <a:ext uri="{FF2B5EF4-FFF2-40B4-BE49-F238E27FC236}">
-                <a16:creationId xmlns:a16="http://schemas.microsoft.com/office/drawing/2014/main" id="{1599AF7E-3E34-4597-AA72-9373A7FDB020}"/>
+                <a16:creationId xmlns:a16="http://schemas.microsoft.com/office/drawing/2014/main" xmlns="" id="{1599AF7E-3E34-4597-AA72-9373A7FDB020}"/>
               </a:ext>
             </a:extLst>
           </p:cNvPr>
@@ -25787,7 +25876,7 @@
           <p:cNvPr id="2" name="Title 1">
             <a:extLst>
               <a:ext uri="{FF2B5EF4-FFF2-40B4-BE49-F238E27FC236}">
-                <a16:creationId xmlns:a16="http://schemas.microsoft.com/office/drawing/2014/main" id="{4A2DF563-7FAC-46B3-B24C-7E45CD89DA2B}"/>
+                <a16:creationId xmlns:a16="http://schemas.microsoft.com/office/drawing/2014/main" xmlns="" id="{4A2DF563-7FAC-46B3-B24C-7E45CD89DA2B}"/>
               </a:ext>
             </a:extLst>
           </p:cNvPr>
@@ -25832,7 +25921,7 @@
           <p:cNvPr id="15" name="Group 14">
             <a:extLst>
               <a:ext uri="{FF2B5EF4-FFF2-40B4-BE49-F238E27FC236}">
-                <a16:creationId xmlns:a16="http://schemas.microsoft.com/office/drawing/2014/main" id="{7732E1E7-45E3-4264-8F26-66758696DD1E}"/>
+                <a16:creationId xmlns:a16="http://schemas.microsoft.com/office/drawing/2014/main" xmlns="" id="{7732E1E7-45E3-4264-8F26-66758696DD1E}"/>
               </a:ext>
             </a:extLst>
           </p:cNvPr>
@@ -25852,7 +25941,7 @@
             <p:cNvPr id="16" name="Freeform: Shape 15">
               <a:extLst>
                 <a:ext uri="{FF2B5EF4-FFF2-40B4-BE49-F238E27FC236}">
-                  <a16:creationId xmlns:a16="http://schemas.microsoft.com/office/drawing/2014/main" id="{2E3DF883-8093-49FA-81E1-E5D77F086A25}"/>
+                  <a16:creationId xmlns:a16="http://schemas.microsoft.com/office/drawing/2014/main" xmlns="" id="{2E3DF883-8093-49FA-81E1-E5D77F086A25}"/>
                 </a:ext>
               </a:extLst>
             </p:cNvPr>
@@ -25942,7 +26031,7 @@
             <p:cNvPr id="17" name="Freeform: Shape 16">
               <a:extLst>
                 <a:ext uri="{FF2B5EF4-FFF2-40B4-BE49-F238E27FC236}">
-                  <a16:creationId xmlns:a16="http://schemas.microsoft.com/office/drawing/2014/main" id="{18944C90-37E5-4BBE-89FF-060627168050}"/>
+                  <a16:creationId xmlns:a16="http://schemas.microsoft.com/office/drawing/2014/main" xmlns="" id="{18944C90-37E5-4BBE-89FF-060627168050}"/>
                 </a:ext>
               </a:extLst>
             </p:cNvPr>
@@ -26041,7 +26130,7 @@
           <p:cNvPr id="6" name="Group 5">
             <a:extLst>
               <a:ext uri="{FF2B5EF4-FFF2-40B4-BE49-F238E27FC236}">
-                <a16:creationId xmlns:a16="http://schemas.microsoft.com/office/drawing/2014/main" id="{D9EBF8BB-A805-4DDB-B459-082F99815B95}"/>
+                <a16:creationId xmlns:a16="http://schemas.microsoft.com/office/drawing/2014/main" xmlns="" id="{D9EBF8BB-A805-4DDB-B459-082F99815B95}"/>
               </a:ext>
             </a:extLst>
           </p:cNvPr>
@@ -26061,7 +26150,7 @@
             <p:cNvPr id="19" name="Rectangle: Single Corner Snipped 18">
               <a:extLst>
                 <a:ext uri="{FF2B5EF4-FFF2-40B4-BE49-F238E27FC236}">
-                  <a16:creationId xmlns:a16="http://schemas.microsoft.com/office/drawing/2014/main" id="{5D638788-DD47-45E7-939A-FA108A818173}"/>
+                  <a16:creationId xmlns:a16="http://schemas.microsoft.com/office/drawing/2014/main" xmlns="" id="{5D638788-DD47-45E7-939A-FA108A818173}"/>
                 </a:ext>
               </a:extLst>
             </p:cNvPr>
@@ -26127,7 +26216,7 @@
             <p:cNvPr id="3" name="Rectangle: Single Corner Snipped 2">
               <a:extLst>
                 <a:ext uri="{FF2B5EF4-FFF2-40B4-BE49-F238E27FC236}">
-                  <a16:creationId xmlns:a16="http://schemas.microsoft.com/office/drawing/2014/main" id="{74BDECEF-EEFE-4332-B3B2-BDE4F82C10FC}"/>
+                  <a16:creationId xmlns:a16="http://schemas.microsoft.com/office/drawing/2014/main" xmlns="" id="{74BDECEF-EEFE-4332-B3B2-BDE4F82C10FC}"/>
                 </a:ext>
               </a:extLst>
             </p:cNvPr>
@@ -26184,7 +26273,7 @@
           <p:cNvPr id="24" name="Freeform: Shape 23">
             <a:extLst>
               <a:ext uri="{FF2B5EF4-FFF2-40B4-BE49-F238E27FC236}">
-                <a16:creationId xmlns:a16="http://schemas.microsoft.com/office/drawing/2014/main" id="{18103E00-7E4A-44CD-81AC-06433CAE1110}"/>
+                <a16:creationId xmlns:a16="http://schemas.microsoft.com/office/drawing/2014/main" xmlns="" id="{18103E00-7E4A-44CD-81AC-06433CAE1110}"/>
               </a:ext>
             </a:extLst>
           </p:cNvPr>
@@ -26279,7 +26368,7 @@
           <p:cNvPr id="5" name="Slide Number Placeholder 4">
             <a:extLst>
               <a:ext uri="{FF2B5EF4-FFF2-40B4-BE49-F238E27FC236}">
-                <a16:creationId xmlns:a16="http://schemas.microsoft.com/office/drawing/2014/main" id="{87B51822-97FF-47A7-8E4E-A0F79B4EB237}"/>
+                <a16:creationId xmlns:a16="http://schemas.microsoft.com/office/drawing/2014/main" xmlns="" id="{87B51822-97FF-47A7-8E4E-A0F79B4EB237}"/>
               </a:ext>
             </a:extLst>
           </p:cNvPr>
@@ -26312,7 +26401,7 @@
             <a:fld id="{C263D6C4-4840-40CC-AC84-17E24B3B7BDE}" type="slidenum">
               <a:rPr lang="en-US" noProof="0" smtClean="0"/>
               <a:pPr/>
-              <a:t>‹#›</a:t>
+              <a:t>‹Nr.›</a:t>
             </a:fld>
             <a:endParaRPr lang="en-US" noProof="0" dirty="0"/>
           </a:p>
@@ -26323,7 +26412,7 @@
           <p:cNvPr id="25" name="Text Placeholder 2">
             <a:extLst>
               <a:ext uri="{FF2B5EF4-FFF2-40B4-BE49-F238E27FC236}">
-                <a16:creationId xmlns:a16="http://schemas.microsoft.com/office/drawing/2014/main" id="{7FA80A70-18DE-4DB9-9982-BA75BE54CF93}"/>
+                <a16:creationId xmlns:a16="http://schemas.microsoft.com/office/drawing/2014/main" xmlns="" id="{7FA80A70-18DE-4DB9-9982-BA75BE54CF93}"/>
               </a:ext>
             </a:extLst>
           </p:cNvPr>
@@ -26401,7 +26490,7 @@
           <p:cNvPr id="26" name="Text Placeholder 4">
             <a:extLst>
               <a:ext uri="{FF2B5EF4-FFF2-40B4-BE49-F238E27FC236}">
-                <a16:creationId xmlns:a16="http://schemas.microsoft.com/office/drawing/2014/main" id="{2801C0EF-C078-44B0-AD01-4850E9A65EE0}"/>
+                <a16:creationId xmlns:a16="http://schemas.microsoft.com/office/drawing/2014/main" xmlns="" id="{2801C0EF-C078-44B0-AD01-4850E9A65EE0}"/>
               </a:ext>
             </a:extLst>
           </p:cNvPr>
@@ -26479,7 +26568,7 @@
           <p:cNvPr id="27" name="Content Placeholder 3">
             <a:extLst>
               <a:ext uri="{FF2B5EF4-FFF2-40B4-BE49-F238E27FC236}">
-                <a16:creationId xmlns:a16="http://schemas.microsoft.com/office/drawing/2014/main" id="{7C9DED91-45F6-4308-A085-1EFACA6468CF}"/>
+                <a16:creationId xmlns:a16="http://schemas.microsoft.com/office/drawing/2014/main" xmlns="" id="{7C9DED91-45F6-4308-A085-1EFACA6468CF}"/>
               </a:ext>
             </a:extLst>
           </p:cNvPr>
@@ -26579,7 +26668,7 @@
           <p:cNvPr id="28" name="Content Placeholder 5">
             <a:extLst>
               <a:ext uri="{FF2B5EF4-FFF2-40B4-BE49-F238E27FC236}">
-                <a16:creationId xmlns:a16="http://schemas.microsoft.com/office/drawing/2014/main" id="{0574B5E7-B666-439B-9278-67BE1EA6EBC5}"/>
+                <a16:creationId xmlns:a16="http://schemas.microsoft.com/office/drawing/2014/main" xmlns="" id="{0574B5E7-B666-439B-9278-67BE1EA6EBC5}"/>
               </a:ext>
             </a:extLst>
           </p:cNvPr>
@@ -26714,7 +26803,7 @@
           <p:cNvPr id="2" name="Title Placeholder 1">
             <a:extLst>
               <a:ext uri="{FF2B5EF4-FFF2-40B4-BE49-F238E27FC236}">
-                <a16:creationId xmlns:a16="http://schemas.microsoft.com/office/drawing/2014/main" id="{761B0E15-6FC5-434E-8780-B186D9DB0CD0}"/>
+                <a16:creationId xmlns:a16="http://schemas.microsoft.com/office/drawing/2014/main" xmlns="" id="{761B0E15-6FC5-434E-8780-B186D9DB0CD0}"/>
               </a:ext>
             </a:extLst>
           </p:cNvPr>
@@ -26752,7 +26841,7 @@
           <p:cNvPr id="3" name="Text Placeholder 2">
             <a:extLst>
               <a:ext uri="{FF2B5EF4-FFF2-40B4-BE49-F238E27FC236}">
-                <a16:creationId xmlns:a16="http://schemas.microsoft.com/office/drawing/2014/main" id="{A9C7B128-34F3-405C-B601-8BAFDB43499C}"/>
+                <a16:creationId xmlns:a16="http://schemas.microsoft.com/office/drawing/2014/main" xmlns="" id="{A9C7B128-34F3-405C-B601-8BAFDB43499C}"/>
               </a:ext>
             </a:extLst>
           </p:cNvPr>
@@ -26819,7 +26908,7 @@
           <p:cNvPr id="6" name="Slide Number Placeholder 5">
             <a:extLst>
               <a:ext uri="{FF2B5EF4-FFF2-40B4-BE49-F238E27FC236}">
-                <a16:creationId xmlns:a16="http://schemas.microsoft.com/office/drawing/2014/main" id="{9F5A7754-E8C7-438B-922D-9027C6CF58E2}"/>
+                <a16:creationId xmlns:a16="http://schemas.microsoft.com/office/drawing/2014/main" xmlns="" id="{9F5A7754-E8C7-438B-922D-9027C6CF58E2}"/>
               </a:ext>
             </a:extLst>
           </p:cNvPr>
@@ -26855,7 +26944,7 @@
           <a:p>
             <a:fld id="{C263D6C4-4840-40CC-AC84-17E24B3B7BDE}" type="slidenum">
               <a:rPr lang="en-US" noProof="0" smtClean="0"/>
-              <a:t>‹#›</a:t>
+              <a:t>‹Nr.›</a:t>
             </a:fld>
             <a:endParaRPr lang="en-US" noProof="0" dirty="0"/>
           </a:p>
@@ -26866,7 +26955,7 @@
           <p:cNvPr id="5" name="Rectangle 4">
             <a:extLst>
               <a:ext uri="{FF2B5EF4-FFF2-40B4-BE49-F238E27FC236}">
-                <a16:creationId xmlns:a16="http://schemas.microsoft.com/office/drawing/2014/main" id="{7CDDDB7D-9189-9548-A2B9-81DC62C3C1A3}"/>
+                <a16:creationId xmlns:a16="http://schemas.microsoft.com/office/drawing/2014/main" xmlns="" id="{7CDDDB7D-9189-9548-A2B9-81DC62C3C1A3}"/>
               </a:ext>
             </a:extLst>
           </p:cNvPr>
@@ -26920,7 +27009,7 @@
           <p:cNvPr id="7" name="Freeform: Shape 9">
             <a:extLst>
               <a:ext uri="{FF2B5EF4-FFF2-40B4-BE49-F238E27FC236}">
-                <a16:creationId xmlns:a16="http://schemas.microsoft.com/office/drawing/2014/main" id="{096D8877-6B4A-4540-8927-767DD7401718}"/>
+                <a16:creationId xmlns:a16="http://schemas.microsoft.com/office/drawing/2014/main" xmlns="" id="{096D8877-6B4A-4540-8927-767DD7401718}"/>
               </a:ext>
             </a:extLst>
           </p:cNvPr>
@@ -27043,7 +27132,7 @@
           <p:cNvPr id="8" name="Freeform: Shape 17">
             <a:extLst>
               <a:ext uri="{FF2B5EF4-FFF2-40B4-BE49-F238E27FC236}">
-                <a16:creationId xmlns:a16="http://schemas.microsoft.com/office/drawing/2014/main" id="{5AF2E123-FE0F-8541-8E36-5030C450AA7E}"/>
+                <a16:creationId xmlns:a16="http://schemas.microsoft.com/office/drawing/2014/main" xmlns="" id="{5AF2E123-FE0F-8541-8E36-5030C450AA7E}"/>
               </a:ext>
             </a:extLst>
           </p:cNvPr>
@@ -27195,7 +27284,7 @@
           <p:cNvPr id="9" name="Freeform: Shape 11">
             <a:extLst>
               <a:ext uri="{FF2B5EF4-FFF2-40B4-BE49-F238E27FC236}">
-                <a16:creationId xmlns:a16="http://schemas.microsoft.com/office/drawing/2014/main" id="{E5519D99-3B68-924A-9CD0-14B911711CA8}"/>
+                <a16:creationId xmlns:a16="http://schemas.microsoft.com/office/drawing/2014/main" xmlns="" id="{E5519D99-3B68-924A-9CD0-14B911711CA8}"/>
               </a:ext>
             </a:extLst>
           </p:cNvPr>
@@ -27345,7 +27434,7 @@
           <p:cNvPr id="10" name="Freeform: Shape 7">
             <a:extLst>
               <a:ext uri="{FF2B5EF4-FFF2-40B4-BE49-F238E27FC236}">
-                <a16:creationId xmlns:a16="http://schemas.microsoft.com/office/drawing/2014/main" id="{A09E21A9-FBEF-144C-A152-FE484F3C55C1}"/>
+                <a16:creationId xmlns:a16="http://schemas.microsoft.com/office/drawing/2014/main" xmlns="" id="{A09E21A9-FBEF-144C-A152-FE484F3C55C1}"/>
               </a:ext>
             </a:extLst>
           </p:cNvPr>
@@ -27491,7 +27580,7 @@
           <p:cNvPr id="11" name="Title 1">
             <a:extLst>
               <a:ext uri="{FF2B5EF4-FFF2-40B4-BE49-F238E27FC236}">
-                <a16:creationId xmlns:a16="http://schemas.microsoft.com/office/drawing/2014/main" id="{70C7F2CB-A8CE-1545-A08D-93592C4BAEEA}"/>
+                <a16:creationId xmlns:a16="http://schemas.microsoft.com/office/drawing/2014/main" xmlns="" id="{70C7F2CB-A8CE-1545-A08D-93592C4BAEEA}"/>
               </a:ext>
             </a:extLst>
           </p:cNvPr>
@@ -27547,7 +27636,7 @@
           <p:cNvPr id="12" name="Group 11">
             <a:extLst>
               <a:ext uri="{FF2B5EF4-FFF2-40B4-BE49-F238E27FC236}">
-                <a16:creationId xmlns:a16="http://schemas.microsoft.com/office/drawing/2014/main" id="{7068FCE4-1B47-3C4B-B091-013120A97D09}"/>
+                <a16:creationId xmlns:a16="http://schemas.microsoft.com/office/drawing/2014/main" xmlns="" id="{7068FCE4-1B47-3C4B-B091-013120A97D09}"/>
               </a:ext>
             </a:extLst>
           </p:cNvPr>
@@ -27567,7 +27656,7 @@
             <p:cNvPr id="13" name="Freeform: Shape 15">
               <a:extLst>
                 <a:ext uri="{FF2B5EF4-FFF2-40B4-BE49-F238E27FC236}">
-                  <a16:creationId xmlns:a16="http://schemas.microsoft.com/office/drawing/2014/main" id="{FEC3FDE7-F27E-5E4E-8752-287CAB7792D4}"/>
+                  <a16:creationId xmlns:a16="http://schemas.microsoft.com/office/drawing/2014/main" xmlns="" id="{FEC3FDE7-F27E-5E4E-8752-287CAB7792D4}"/>
                 </a:ext>
               </a:extLst>
             </p:cNvPr>
@@ -27657,7 +27746,7 @@
             <p:cNvPr id="14" name="Freeform: Shape 16">
               <a:extLst>
                 <a:ext uri="{FF2B5EF4-FFF2-40B4-BE49-F238E27FC236}">
-                  <a16:creationId xmlns:a16="http://schemas.microsoft.com/office/drawing/2014/main" id="{81C902DB-0D21-5044-82B6-9E7A70A1BF62}"/>
+                  <a16:creationId xmlns:a16="http://schemas.microsoft.com/office/drawing/2014/main" xmlns="" id="{81C902DB-0D21-5044-82B6-9E7A70A1BF62}"/>
                 </a:ext>
               </a:extLst>
             </p:cNvPr>
@@ -27756,7 +27845,7 @@
           <p:cNvPr id="15" name="Group 14">
             <a:extLst>
               <a:ext uri="{FF2B5EF4-FFF2-40B4-BE49-F238E27FC236}">
-                <a16:creationId xmlns:a16="http://schemas.microsoft.com/office/drawing/2014/main" id="{BE1E08A0-195D-694F-947B-986A76FBB93E}"/>
+                <a16:creationId xmlns:a16="http://schemas.microsoft.com/office/drawing/2014/main" xmlns="" id="{BE1E08A0-195D-694F-947B-986A76FBB93E}"/>
               </a:ext>
             </a:extLst>
           </p:cNvPr>
@@ -27776,7 +27865,7 @@
             <p:cNvPr id="16" name="Rectangle: Single Corner Snipped 18">
               <a:extLst>
                 <a:ext uri="{FF2B5EF4-FFF2-40B4-BE49-F238E27FC236}">
-                  <a16:creationId xmlns:a16="http://schemas.microsoft.com/office/drawing/2014/main" id="{ED5DFFCD-1EE3-E64E-B51F-BD7D72413E0B}"/>
+                  <a16:creationId xmlns:a16="http://schemas.microsoft.com/office/drawing/2014/main" xmlns="" id="{ED5DFFCD-1EE3-E64E-B51F-BD7D72413E0B}"/>
                 </a:ext>
               </a:extLst>
             </p:cNvPr>
@@ -27842,7 +27931,7 @@
             <p:cNvPr id="17" name="Rectangle: Single Corner Snipped 2">
               <a:extLst>
                 <a:ext uri="{FF2B5EF4-FFF2-40B4-BE49-F238E27FC236}">
-                  <a16:creationId xmlns:a16="http://schemas.microsoft.com/office/drawing/2014/main" id="{C12DB3CA-8E64-AA43-BFBE-A2CA9A816DBE}"/>
+                  <a16:creationId xmlns:a16="http://schemas.microsoft.com/office/drawing/2014/main" xmlns="" id="{C12DB3CA-8E64-AA43-BFBE-A2CA9A816DBE}"/>
                 </a:ext>
               </a:extLst>
             </p:cNvPr>
@@ -27899,7 +27988,7 @@
           <p:cNvPr id="18" name="Freeform: Shape 23">
             <a:extLst>
               <a:ext uri="{FF2B5EF4-FFF2-40B4-BE49-F238E27FC236}">
-                <a16:creationId xmlns:a16="http://schemas.microsoft.com/office/drawing/2014/main" id="{A587DEFD-D470-4142-8E0D-A71DDB147C92}"/>
+                <a16:creationId xmlns:a16="http://schemas.microsoft.com/office/drawing/2014/main" xmlns="" id="{A587DEFD-D470-4142-8E0D-A71DDB147C92}"/>
               </a:ext>
             </a:extLst>
           </p:cNvPr>
@@ -27994,7 +28083,7 @@
           <p:cNvPr id="19" name="Slide Number Placeholder 4">
             <a:extLst>
               <a:ext uri="{FF2B5EF4-FFF2-40B4-BE49-F238E27FC236}">
-                <a16:creationId xmlns:a16="http://schemas.microsoft.com/office/drawing/2014/main" id="{7D9BF857-7910-734D-A217-5E3344220AA2}"/>
+                <a16:creationId xmlns:a16="http://schemas.microsoft.com/office/drawing/2014/main" xmlns="" id="{7D9BF857-7910-734D-A217-5E3344220AA2}"/>
               </a:ext>
             </a:extLst>
           </p:cNvPr>
@@ -28113,7 +28202,7 @@
             <a:fld id="{C263D6C4-4840-40CC-AC84-17E24B3B7BDE}" type="slidenum">
               <a:rPr lang="en-US" noProof="0" smtClean="0"/>
               <a:pPr/>
-              <a:t>‹#›</a:t>
+              <a:t>‹Nr.›</a:t>
             </a:fld>
             <a:endParaRPr lang="en-US" noProof="0" dirty="0"/>
           </a:p>
@@ -28445,7 +28534,7 @@
   </p:txStyles>
   <p:extLst>
     <p:ext uri="{27BBF7A9-308A-43DC-89C8-2F10F3537804}">
-      <p15:sldGuideLst xmlns:p15="http://schemas.microsoft.com/office/powerpoint/2012/main">
+      <p15:sldGuideLst xmlns:p15="http://schemas.microsoft.com/office/powerpoint/2012/main" xmlns="">
         <p15:guide id="1" orient="horz" pos="2160" userDrawn="1">
           <p15:clr>
             <a:srgbClr val="F26B43"/>
@@ -28504,7 +28593,7 @@
           <p:cNvPr id="2" name="Title 1">
             <a:extLst>
               <a:ext uri="{FF2B5EF4-FFF2-40B4-BE49-F238E27FC236}">
-                <a16:creationId xmlns:a16="http://schemas.microsoft.com/office/drawing/2014/main" id="{3A4F25FA-D2E4-49EB-8598-D6FA34346532}"/>
+                <a16:creationId xmlns:a16="http://schemas.microsoft.com/office/drawing/2014/main" xmlns="" id="{3A4F25FA-D2E4-49EB-8598-D6FA34346532}"/>
               </a:ext>
             </a:extLst>
           </p:cNvPr>
@@ -28537,7 +28626,7 @@
           <p:cNvPr id="3" name="Subtitle 2">
             <a:extLst>
               <a:ext uri="{FF2B5EF4-FFF2-40B4-BE49-F238E27FC236}">
-                <a16:creationId xmlns:a16="http://schemas.microsoft.com/office/drawing/2014/main" id="{78B4723A-6D68-4570-9EB2-A55B047BEBC3}"/>
+                <a16:creationId xmlns:a16="http://schemas.microsoft.com/office/drawing/2014/main" xmlns="" id="{78B4723A-6D68-4570-9EB2-A55B047BEBC3}"/>
               </a:ext>
             </a:extLst>
           </p:cNvPr>
@@ -28625,7 +28714,7 @@
           <p:cNvPr id="11" name="Title 10">
             <a:extLst>
               <a:ext uri="{FF2B5EF4-FFF2-40B4-BE49-F238E27FC236}">
-                <a16:creationId xmlns:a16="http://schemas.microsoft.com/office/drawing/2014/main" id="{271FC43D-322B-4DFD-B2E2-7F92F1F8F2B6}"/>
+                <a16:creationId xmlns:a16="http://schemas.microsoft.com/office/drawing/2014/main" xmlns="" id="{271FC43D-322B-4DFD-B2E2-7F92F1F8F2B6}"/>
               </a:ext>
             </a:extLst>
           </p:cNvPr>
@@ -28666,7 +28755,7 @@
           <p:cNvPr id="9" name="Slide Number Placeholder 2">
             <a:extLst>
               <a:ext uri="{FF2B5EF4-FFF2-40B4-BE49-F238E27FC236}">
-                <a16:creationId xmlns:a16="http://schemas.microsoft.com/office/drawing/2014/main" id="{9DB6983D-80ED-79A1-46EB-CE9C807B8DA3}"/>
+                <a16:creationId xmlns:a16="http://schemas.microsoft.com/office/drawing/2014/main" xmlns="" id="{9DB6983D-80ED-79A1-46EB-CE9C807B8DA3}"/>
               </a:ext>
             </a:extLst>
           </p:cNvPr>
@@ -29031,7 +29120,7 @@
           <p:cNvPr id="7" name="Title 1">
             <a:extLst>
               <a:ext uri="{FF2B5EF4-FFF2-40B4-BE49-F238E27FC236}">
-                <a16:creationId xmlns:a16="http://schemas.microsoft.com/office/drawing/2014/main" id="{FEA316DB-23D4-7143-BDEF-E3AF303EF39A}"/>
+                <a16:creationId xmlns:a16="http://schemas.microsoft.com/office/drawing/2014/main" xmlns="" id="{FEA316DB-23D4-7143-BDEF-E3AF303EF39A}"/>
               </a:ext>
             </a:extLst>
           </p:cNvPr>
@@ -29068,7 +29157,7 @@
           <p:cNvPr id="2" name="Slide Number Placeholder 1">
             <a:extLst>
               <a:ext uri="{FF2B5EF4-FFF2-40B4-BE49-F238E27FC236}">
-                <a16:creationId xmlns:a16="http://schemas.microsoft.com/office/drawing/2014/main" id="{8B065C75-272B-4BB5-BA23-D80E8654D621}"/>
+                <a16:creationId xmlns:a16="http://schemas.microsoft.com/office/drawing/2014/main" xmlns="" id="{8B065C75-272B-4BB5-BA23-D80E8654D621}"/>
               </a:ext>
             </a:extLst>
           </p:cNvPr>
@@ -29114,7 +29203,7 @@
           <p:cNvPr id="5" name="Text Placeholder 4">
             <a:extLst>
               <a:ext uri="{FF2B5EF4-FFF2-40B4-BE49-F238E27FC236}">
-                <a16:creationId xmlns:a16="http://schemas.microsoft.com/office/drawing/2014/main" id="{DCDDBE65-9AB1-4989-AF86-726591A6A128}"/>
+                <a16:creationId xmlns:a16="http://schemas.microsoft.com/office/drawing/2014/main" xmlns="" id="{DCDDBE65-9AB1-4989-AF86-726591A6A128}"/>
               </a:ext>
             </a:extLst>
           </p:cNvPr>
@@ -29182,7 +29271,7 @@
           <p:cNvPr id="6" name="Title 1">
             <a:extLst>
               <a:ext uri="{FF2B5EF4-FFF2-40B4-BE49-F238E27FC236}">
-                <a16:creationId xmlns:a16="http://schemas.microsoft.com/office/drawing/2014/main" id="{FEA316DB-23D4-7143-BDEF-E3AF303EF39A}"/>
+                <a16:creationId xmlns:a16="http://schemas.microsoft.com/office/drawing/2014/main" xmlns="" id="{FEA316DB-23D4-7143-BDEF-E3AF303EF39A}"/>
               </a:ext>
             </a:extLst>
           </p:cNvPr>
@@ -29240,7 +29329,7 @@
           <p:cNvPr id="8" name="Text Placeholder 4">
             <a:extLst>
               <a:ext uri="{FF2B5EF4-FFF2-40B4-BE49-F238E27FC236}">
-                <a16:creationId xmlns:a16="http://schemas.microsoft.com/office/drawing/2014/main" id="{DCDDBE65-9AB1-4989-AF86-726591A6A128}"/>
+                <a16:creationId xmlns:a16="http://schemas.microsoft.com/office/drawing/2014/main" xmlns="" id="{DCDDBE65-9AB1-4989-AF86-726591A6A128}"/>
               </a:ext>
             </a:extLst>
           </p:cNvPr>
@@ -29580,7 +29669,7 @@
           <p:cNvPr id="2" name="Title 1">
             <a:extLst>
               <a:ext uri="{FF2B5EF4-FFF2-40B4-BE49-F238E27FC236}">
-                <a16:creationId xmlns:a16="http://schemas.microsoft.com/office/drawing/2014/main" id="{632BE5BF-9922-45FB-8F3F-4446D40A051B}"/>
+                <a16:creationId xmlns:a16="http://schemas.microsoft.com/office/drawing/2014/main" xmlns="" id="{632BE5BF-9922-45FB-8F3F-4446D40A051B}"/>
               </a:ext>
             </a:extLst>
           </p:cNvPr>
@@ -29642,7 +29731,7 @@
           <p:cNvPr id="2" name="Title 1">
             <a:extLst>
               <a:ext uri="{FF2B5EF4-FFF2-40B4-BE49-F238E27FC236}">
-                <a16:creationId xmlns:a16="http://schemas.microsoft.com/office/drawing/2014/main" id="{E4DCAC26-918C-4772-BF30-510B03C5AE49}"/>
+                <a16:creationId xmlns:a16="http://schemas.microsoft.com/office/drawing/2014/main" xmlns="" id="{E4DCAC26-918C-4772-BF30-510B03C5AE49}"/>
               </a:ext>
             </a:extLst>
           </p:cNvPr>
@@ -29674,7 +29763,7 @@
           <p:cNvPr id="3" name="Slide Number Placeholder 2">
             <a:extLst>
               <a:ext uri="{FF2B5EF4-FFF2-40B4-BE49-F238E27FC236}">
-                <a16:creationId xmlns:a16="http://schemas.microsoft.com/office/drawing/2014/main" id="{BF702D22-B9F0-4A21-A93C-458A68ED29DC}"/>
+                <a16:creationId xmlns:a16="http://schemas.microsoft.com/office/drawing/2014/main" xmlns="" id="{BF702D22-B9F0-4A21-A93C-458A68ED29DC}"/>
               </a:ext>
             </a:extLst>
           </p:cNvPr>
@@ -29704,7 +29793,7 @@
           <p:cNvPr id="9" name="Content Placeholder 8" descr="A picture containing shoji, crossword puzzle, window, building&#10;&#10;Description automatically generated">
             <a:extLst>
               <a:ext uri="{FF2B5EF4-FFF2-40B4-BE49-F238E27FC236}">
-                <a16:creationId xmlns:a16="http://schemas.microsoft.com/office/drawing/2014/main" id="{315E1374-3F09-44C4-AFB8-0C423F7FCF94}"/>
+                <a16:creationId xmlns:a16="http://schemas.microsoft.com/office/drawing/2014/main" xmlns="" id="{315E1374-3F09-44C4-AFB8-0C423F7FCF94}"/>
               </a:ext>
             </a:extLst>
           </p:cNvPr>
@@ -29733,7 +29822,7 @@
           <p:cNvPr id="7" name="Content Placeholder 6" descr="A picture containing window, shoji&#10;&#10;Description automatically generated">
             <a:extLst>
               <a:ext uri="{FF2B5EF4-FFF2-40B4-BE49-F238E27FC236}">
-                <a16:creationId xmlns:a16="http://schemas.microsoft.com/office/drawing/2014/main" id="{5C11166E-3B9D-46AD-B7D1-54342613B286}"/>
+                <a16:creationId xmlns:a16="http://schemas.microsoft.com/office/drawing/2014/main" xmlns="" id="{5C11166E-3B9D-46AD-B7D1-54342613B286}"/>
               </a:ext>
             </a:extLst>
           </p:cNvPr>
@@ -29792,7 +29881,7 @@
           <p:cNvPr id="21" name="Title 1">
             <a:extLst>
               <a:ext uri="{FF2B5EF4-FFF2-40B4-BE49-F238E27FC236}">
-                <a16:creationId xmlns:a16="http://schemas.microsoft.com/office/drawing/2014/main" id="{E118CE47-4937-5BA8-B09C-42BF57DE773B}"/>
+                <a16:creationId xmlns:a16="http://schemas.microsoft.com/office/drawing/2014/main" xmlns="" id="{E118CE47-4937-5BA8-B09C-42BF57DE773B}"/>
               </a:ext>
             </a:extLst>
           </p:cNvPr>
@@ -29825,7 +29914,7 @@
           <p:cNvPr id="2" name="Slide Number Placeholder 1">
             <a:extLst>
               <a:ext uri="{FF2B5EF4-FFF2-40B4-BE49-F238E27FC236}">
-                <a16:creationId xmlns:a16="http://schemas.microsoft.com/office/drawing/2014/main" id="{235359B9-73D6-455A-909C-B2C9A664E352}"/>
+                <a16:creationId xmlns:a16="http://schemas.microsoft.com/office/drawing/2014/main" xmlns="" id="{235359B9-73D6-455A-909C-B2C9A664E352}"/>
               </a:ext>
             </a:extLst>
           </p:cNvPr>
@@ -29871,7 +29960,7 @@
           <p:cNvPr id="4098" name="Picture 2">
             <a:extLst>
               <a:ext uri="{FF2B5EF4-FFF2-40B4-BE49-F238E27FC236}">
-                <a16:creationId xmlns:a16="http://schemas.microsoft.com/office/drawing/2014/main" id="{3367DA65-9A7D-4005-89AD-DE3EFA647710}"/>
+                <a16:creationId xmlns:a16="http://schemas.microsoft.com/office/drawing/2014/main" xmlns="" id="{3367DA65-9A7D-4005-89AD-DE3EFA647710}"/>
               </a:ext>
             </a:extLst>
           </p:cNvPr>
@@ -29918,7 +30007,7 @@
           <p:cNvPr id="4100" name="Picture 4">
             <a:extLst>
               <a:ext uri="{FF2B5EF4-FFF2-40B4-BE49-F238E27FC236}">
-                <a16:creationId xmlns:a16="http://schemas.microsoft.com/office/drawing/2014/main" id="{C46BE4E4-D50E-4708-A290-51FC72C7C2BD}"/>
+                <a16:creationId xmlns:a16="http://schemas.microsoft.com/office/drawing/2014/main" xmlns="" id="{C46BE4E4-D50E-4708-A290-51FC72C7C2BD}"/>
               </a:ext>
             </a:extLst>
           </p:cNvPr>
@@ -29976,6 +30065,142 @@
 </file>
 
 <file path=ppt/slides/slide15.xml><?xml version="1.0" encoding="utf-8"?>
+<p:sld xmlns:a="http://schemas.openxmlformats.org/drawingml/2006/main" xmlns:r="http://schemas.openxmlformats.org/officeDocument/2006/relationships" xmlns:p="http://schemas.openxmlformats.org/presentationml/2006/main" showMasterSp="0">
+  <p:cSld>
+    <p:spTree>
+      <p:nvGrpSpPr>
+        <p:cNvPr id="1" name=""/>
+        <p:cNvGrpSpPr/>
+        <p:nvPr/>
+      </p:nvGrpSpPr>
+      <p:grpSpPr>
+        <a:xfrm>
+          <a:off x="0" y="0"/>
+          <a:ext cx="0" cy="0"/>
+          <a:chOff x="0" y="0"/>
+          <a:chExt cx="0" cy="0"/>
+        </a:xfrm>
+      </p:grpSpPr>
+      <p:sp>
+        <p:nvSpPr>
+          <p:cNvPr id="2" name="Slide Number Placeholder 1">
+            <a:extLst>
+              <a:ext uri="{FF2B5EF4-FFF2-40B4-BE49-F238E27FC236}">
+                <a16:creationId xmlns:a16="http://schemas.microsoft.com/office/drawing/2014/main" xmlns="" id="{235359B9-73D6-455A-909C-B2C9A664E352}"/>
+              </a:ext>
+            </a:extLst>
+          </p:cNvPr>
+          <p:cNvSpPr>
+            <a:spLocks noGrp="1"/>
+          </p:cNvSpPr>
+          <p:nvPr>
+            <p:ph type="sldNum" sz="quarter" idx="12"/>
+          </p:nvPr>
+        </p:nvSpPr>
+        <p:spPr>
+          <a:xfrm>
+            <a:off x="11252200" y="6315075"/>
+            <a:ext cx="406400" cy="365125"/>
+          </a:xfrm>
+        </p:spPr>
+        <p:txBody>
+          <a:bodyPr anchor="ctr">
+            <a:normAutofit/>
+          </a:bodyPr>
+          <a:lstStyle/>
+          <a:p>
+            <a:pPr>
+              <a:spcAft>
+                <a:spcPts val="600"/>
+              </a:spcAft>
+            </a:pPr>
+            <a:fld id="{C263D6C4-4840-40CC-AC84-17E24B3B7BDE}" type="slidenum">
+              <a:rPr lang="en-US" noProof="0" smtClean="0"/>
+              <a:pPr>
+                <a:spcAft>
+                  <a:spcPts val="600"/>
+                </a:spcAft>
+              </a:pPr>
+              <a:t>15</a:t>
+            </a:fld>
+            <a:endParaRPr lang="en-US" noProof="0"/>
+          </a:p>
+        </p:txBody>
+      </p:sp>
+      <p:sp>
+        <p:nvSpPr>
+          <p:cNvPr id="3" name="Inhaltsplatzhalter 2"/>
+          <p:cNvSpPr>
+            <a:spLocks noGrp="1"/>
+          </p:cNvSpPr>
+          <p:nvPr>
+            <p:ph sz="half" idx="2"/>
+          </p:nvPr>
+        </p:nvSpPr>
+        <p:spPr/>
+        <p:txBody>
+          <a:bodyPr/>
+          <a:lstStyle/>
+          <a:p>
+            <a:endParaRPr lang="de-DE"/>
+          </a:p>
+        </p:txBody>
+      </p:sp>
+      <p:pic>
+        <p:nvPicPr>
+          <p:cNvPr id="1026" name="Picture 2" descr="C:\Users\Lenovo\Documents\GitHub\Houseprices\m1 ceofs.png"/>
+          <p:cNvPicPr>
+            <a:picLocks noChangeAspect="1" noChangeArrowheads="1"/>
+          </p:cNvPicPr>
+          <p:nvPr/>
+        </p:nvPicPr>
+        <p:blipFill>
+          <a:blip r:embed="rId2">
+            <a:extLst>
+              <a:ext uri="{28A0092B-C50C-407E-A947-70E740481C1C}">
+                <a14:useLocalDpi xmlns:a14="http://schemas.microsoft.com/office/drawing/2010/main" val="0"/>
+              </a:ext>
+            </a:extLst>
+          </a:blip>
+          <a:srcRect/>
+          <a:stretch>
+            <a:fillRect/>
+          </a:stretch>
+        </p:blipFill>
+        <p:spPr bwMode="auto">
+          <a:xfrm>
+            <a:off x="1123799" y="0"/>
+            <a:ext cx="9228516" cy="7022212"/>
+          </a:xfrm>
+          <a:prstGeom prst="rect">
+            <a:avLst/>
+          </a:prstGeom>
+          <a:noFill/>
+          <a:extLst>
+            <a:ext uri="{909E8E84-426E-40DD-AFC4-6F175D3DCCD1}">
+              <a14:hiddenFill xmlns:a14="http://schemas.microsoft.com/office/drawing/2010/main">
+                <a:solidFill>
+                  <a:srgbClr val="FFFFFF"/>
+                </a:solidFill>
+              </a14:hiddenFill>
+            </a:ext>
+          </a:extLst>
+        </p:spPr>
+      </p:pic>
+    </p:spTree>
+    <p:extLst>
+      <p:ext uri="{BB962C8B-B14F-4D97-AF65-F5344CB8AC3E}">
+        <p14:creationId xmlns:p14="http://schemas.microsoft.com/office/powerpoint/2010/main" val="3568490550"/>
+      </p:ext>
+    </p:extLst>
+  </p:cSld>
+  <p:clrMapOvr>
+    <a:masterClrMapping/>
+  </p:clrMapOvr>
+</p:sld>
+</file>
+
+<file path=ppt/slides/slide16.xml><?xml version="1.0" encoding="utf-8"?>
 <p:sld xmlns:a="http://schemas.openxmlformats.org/drawingml/2006/main" xmlns:r="http://schemas.openxmlformats.org/officeDocument/2006/relationships" xmlns:p="http://schemas.openxmlformats.org/presentationml/2006/main">
   <p:cSld>
     <p:spTree>
@@ -29997,7 +30222,7 @@
           <p:cNvPr id="2" name="Title 1">
             <a:extLst>
               <a:ext uri="{FF2B5EF4-FFF2-40B4-BE49-F238E27FC236}">
-                <a16:creationId xmlns:a16="http://schemas.microsoft.com/office/drawing/2014/main" id="{632BE5BF-9922-45FB-8F3F-4446D40A051B}"/>
+                <a16:creationId xmlns:a16="http://schemas.microsoft.com/office/drawing/2014/main" xmlns="" id="{632BE5BF-9922-45FB-8F3F-4446D40A051B}"/>
               </a:ext>
             </a:extLst>
           </p:cNvPr>
@@ -30069,7 +30294,7 @@
           <p:cNvPr id="71" name="Title 1">
             <a:extLst>
               <a:ext uri="{FF2B5EF4-FFF2-40B4-BE49-F238E27FC236}">
-                <a16:creationId xmlns:a16="http://schemas.microsoft.com/office/drawing/2014/main" id="{D802FE8E-9913-389D-CAC5-585A88872A15}"/>
+                <a16:creationId xmlns:a16="http://schemas.microsoft.com/office/drawing/2014/main" xmlns="" id="{D802FE8E-9913-389D-CAC5-585A88872A15}"/>
               </a:ext>
             </a:extLst>
           </p:cNvPr>
@@ -30102,7 +30327,7 @@
           <p:cNvPr id="2" name="Slide Number Placeholder 1">
             <a:extLst>
               <a:ext uri="{FF2B5EF4-FFF2-40B4-BE49-F238E27FC236}">
-                <a16:creationId xmlns:a16="http://schemas.microsoft.com/office/drawing/2014/main" id="{A2A56D48-F061-430B-87D0-71C9E9B46879}"/>
+                <a16:creationId xmlns:a16="http://schemas.microsoft.com/office/drawing/2014/main" xmlns="" id="{A2A56D48-F061-430B-87D0-71C9E9B46879}"/>
               </a:ext>
             </a:extLst>
           </p:cNvPr>
@@ -30148,7 +30373,7 @@
           <p:cNvPr id="73" name="Text Placeholder 3">
             <a:extLst>
               <a:ext uri="{FF2B5EF4-FFF2-40B4-BE49-F238E27FC236}">
-                <a16:creationId xmlns:a16="http://schemas.microsoft.com/office/drawing/2014/main" id="{C182B808-D70D-FF91-50C0-BFA7FE393E8C}"/>
+                <a16:creationId xmlns:a16="http://schemas.microsoft.com/office/drawing/2014/main" xmlns="" id="{C182B808-D70D-FF91-50C0-BFA7FE393E8C}"/>
               </a:ext>
             </a:extLst>
           </p:cNvPr>
@@ -30221,7 +30446,7 @@
           <p:cNvPr id="3074" name="Picture 2" descr="King County, WA Property Tax Calculator - SmartAsset">
             <a:extLst>
               <a:ext uri="{FF2B5EF4-FFF2-40B4-BE49-F238E27FC236}">
-                <a16:creationId xmlns:a16="http://schemas.microsoft.com/office/drawing/2014/main" id="{6C729D14-CA46-418C-B1CD-A24647066CB3}"/>
+                <a16:creationId xmlns:a16="http://schemas.microsoft.com/office/drawing/2014/main" xmlns="" id="{6C729D14-CA46-418C-B1CD-A24647066CB3}"/>
               </a:ext>
             </a:extLst>
           </p:cNvPr>
@@ -30289,7 +30514,7 @@
           <p:cNvPr id="7" name="Title 6">
             <a:extLst>
               <a:ext uri="{FF2B5EF4-FFF2-40B4-BE49-F238E27FC236}">
-                <a16:creationId xmlns:a16="http://schemas.microsoft.com/office/drawing/2014/main" id="{7875C19A-1AAE-476A-A316-A2CF92D763D3}"/>
+                <a16:creationId xmlns:a16="http://schemas.microsoft.com/office/drawing/2014/main" xmlns="" id="{7875C19A-1AAE-476A-A316-A2CF92D763D3}"/>
               </a:ext>
             </a:extLst>
           </p:cNvPr>
@@ -30317,7 +30542,7 @@
           <p:cNvPr id="10" name="Text Placeholder 9">
             <a:extLst>
               <a:ext uri="{FF2B5EF4-FFF2-40B4-BE49-F238E27FC236}">
-                <a16:creationId xmlns:a16="http://schemas.microsoft.com/office/drawing/2014/main" id="{EF2BC084-E6DB-4DE7-B309-042A85EBA700}"/>
+                <a16:creationId xmlns:a16="http://schemas.microsoft.com/office/drawing/2014/main" xmlns="" id="{EF2BC084-E6DB-4DE7-B309-042A85EBA700}"/>
               </a:ext>
             </a:extLst>
           </p:cNvPr>
@@ -30389,7 +30614,7 @@
           <p:cNvPr id="2" name="Slide Number Placeholder 1">
             <a:extLst>
               <a:ext uri="{FF2B5EF4-FFF2-40B4-BE49-F238E27FC236}">
-                <a16:creationId xmlns:a16="http://schemas.microsoft.com/office/drawing/2014/main" id="{BE9800F6-D571-48C4-8466-12AA1ADB6599}"/>
+                <a16:creationId xmlns:a16="http://schemas.microsoft.com/office/drawing/2014/main" xmlns="" id="{BE9800F6-D571-48C4-8466-12AA1ADB6599}"/>
               </a:ext>
             </a:extLst>
           </p:cNvPr>
@@ -30461,7 +30686,7 @@
           <p:cNvPr id="4" name="Title 3">
             <a:extLst>
               <a:ext uri="{FF2B5EF4-FFF2-40B4-BE49-F238E27FC236}">
-                <a16:creationId xmlns:a16="http://schemas.microsoft.com/office/drawing/2014/main" id="{315E3981-F0D7-482C-A8E0-6A57700BECA7}"/>
+                <a16:creationId xmlns:a16="http://schemas.microsoft.com/office/drawing/2014/main" xmlns="" id="{315E3981-F0D7-482C-A8E0-6A57700BECA7}"/>
               </a:ext>
             </a:extLst>
           </p:cNvPr>
@@ -30486,7 +30711,7 @@
           <p:cNvPr id="2" name="Slide Number Placeholder 1">
             <a:extLst>
               <a:ext uri="{FF2B5EF4-FFF2-40B4-BE49-F238E27FC236}">
-                <a16:creationId xmlns:a16="http://schemas.microsoft.com/office/drawing/2014/main" id="{520FC4EE-F318-4344-9E3C-B950ADB63865}"/>
+                <a16:creationId xmlns:a16="http://schemas.microsoft.com/office/drawing/2014/main" xmlns="" id="{520FC4EE-F318-4344-9E3C-B950ADB63865}"/>
               </a:ext>
             </a:extLst>
           </p:cNvPr>
@@ -30516,7 +30741,7 @@
           <p:cNvPr id="7" name="Text Placeholder 6">
             <a:extLst>
               <a:ext uri="{FF2B5EF4-FFF2-40B4-BE49-F238E27FC236}">
-                <a16:creationId xmlns:a16="http://schemas.microsoft.com/office/drawing/2014/main" id="{B74126B4-1E6C-4FFF-9282-40E18A85A07F}"/>
+                <a16:creationId xmlns:a16="http://schemas.microsoft.com/office/drawing/2014/main" xmlns="" id="{B74126B4-1E6C-4FFF-9282-40E18A85A07F}"/>
               </a:ext>
             </a:extLst>
           </p:cNvPr>
@@ -30544,7 +30769,7 @@
           <p:cNvPr id="5" name="Text Placeholder 4">
             <a:extLst>
               <a:ext uri="{FF2B5EF4-FFF2-40B4-BE49-F238E27FC236}">
-                <a16:creationId xmlns:a16="http://schemas.microsoft.com/office/drawing/2014/main" id="{E0C87788-476B-4620-8002-A5C1177AD6C1}"/>
+                <a16:creationId xmlns:a16="http://schemas.microsoft.com/office/drawing/2014/main" xmlns="" id="{E0C87788-476B-4620-8002-A5C1177AD6C1}"/>
               </a:ext>
             </a:extLst>
           </p:cNvPr>
@@ -30585,7 +30810,7 @@
           <p:cNvPr id="8" name="Text Placeholder 7">
             <a:extLst>
               <a:ext uri="{FF2B5EF4-FFF2-40B4-BE49-F238E27FC236}">
-                <a16:creationId xmlns:a16="http://schemas.microsoft.com/office/drawing/2014/main" id="{47DC4E62-1A34-4F98-A451-214F1808519C}"/>
+                <a16:creationId xmlns:a16="http://schemas.microsoft.com/office/drawing/2014/main" xmlns="" id="{47DC4E62-1A34-4F98-A451-214F1808519C}"/>
               </a:ext>
             </a:extLst>
           </p:cNvPr>
@@ -30630,7 +30855,7 @@
           <p:cNvPr id="6" name="Text Placeholder 5">
             <a:extLst>
               <a:ext uri="{FF2B5EF4-FFF2-40B4-BE49-F238E27FC236}">
-                <a16:creationId xmlns:a16="http://schemas.microsoft.com/office/drawing/2014/main" id="{000A9570-5EF6-4AFB-9FCA-7C8998E3FEB1}"/>
+                <a16:creationId xmlns:a16="http://schemas.microsoft.com/office/drawing/2014/main" xmlns="" id="{000A9570-5EF6-4AFB-9FCA-7C8998E3FEB1}"/>
               </a:ext>
             </a:extLst>
           </p:cNvPr>
@@ -30731,7 +30956,7 @@
           <p:cNvPr id="2" name="slide2" descr="Dashboard 1">
             <a:extLst>
               <a:ext uri="{FF2B5EF4-FFF2-40B4-BE49-F238E27FC236}">
-                <a16:creationId xmlns:a16="http://schemas.microsoft.com/office/drawing/2014/main" id="{54A7EA2E-4986-408D-BFC8-394272624144}"/>
+                <a16:creationId xmlns:a16="http://schemas.microsoft.com/office/drawing/2014/main" xmlns="" id="{54A7EA2E-4986-408D-BFC8-394272624144}"/>
               </a:ext>
             </a:extLst>
           </p:cNvPr>
@@ -30767,7 +30992,7 @@
           <p:cNvPr id="5" name="Title 4">
             <a:extLst>
               <a:ext uri="{FF2B5EF4-FFF2-40B4-BE49-F238E27FC236}">
-                <a16:creationId xmlns:a16="http://schemas.microsoft.com/office/drawing/2014/main" id="{4EB3640F-7B1B-44E0-A61D-D171786866AF}"/>
+                <a16:creationId xmlns:a16="http://schemas.microsoft.com/office/drawing/2014/main" xmlns="" id="{4EB3640F-7B1B-44E0-A61D-D171786866AF}"/>
               </a:ext>
             </a:extLst>
           </p:cNvPr>
@@ -30825,7 +31050,7 @@
           <p:cNvPr id="2" name="Title 1">
             <a:extLst>
               <a:ext uri="{FF2B5EF4-FFF2-40B4-BE49-F238E27FC236}">
-                <a16:creationId xmlns:a16="http://schemas.microsoft.com/office/drawing/2014/main" id="{632BE5BF-9922-45FB-8F3F-4446D40A051B}"/>
+                <a16:creationId xmlns:a16="http://schemas.microsoft.com/office/drawing/2014/main" xmlns="" id="{632BE5BF-9922-45FB-8F3F-4446D40A051B}"/>
               </a:ext>
             </a:extLst>
           </p:cNvPr>
@@ -30855,7 +31080,7 @@
           <p:cNvPr id="8" name="Slide Number Placeholder 2">
             <a:extLst>
               <a:ext uri="{FF2B5EF4-FFF2-40B4-BE49-F238E27FC236}">
-                <a16:creationId xmlns:a16="http://schemas.microsoft.com/office/drawing/2014/main" id="{49D24FB4-149E-9A65-378F-F4728BC33A3A}"/>
+                <a16:creationId xmlns:a16="http://schemas.microsoft.com/office/drawing/2014/main" xmlns="" id="{49D24FB4-149E-9A65-378F-F4728BC33A3A}"/>
               </a:ext>
             </a:extLst>
           </p:cNvPr>
@@ -30894,7 +31119,7 @@
           <p:cNvPr id="9" name="Content Placeholder 8">
             <a:extLst>
               <a:ext uri="{FF2B5EF4-FFF2-40B4-BE49-F238E27FC236}">
-                <a16:creationId xmlns:a16="http://schemas.microsoft.com/office/drawing/2014/main" id="{3773AA00-D252-4DC6-870A-1C13A52E2736}"/>
+                <a16:creationId xmlns:a16="http://schemas.microsoft.com/office/drawing/2014/main" xmlns="" id="{3773AA00-D252-4DC6-870A-1C13A52E2736}"/>
               </a:ext>
             </a:extLst>
           </p:cNvPr>
@@ -31281,7 +31506,7 @@
           <p:cNvPr id="3" name="Title 2">
             <a:extLst>
               <a:ext uri="{FF2B5EF4-FFF2-40B4-BE49-F238E27FC236}">
-                <a16:creationId xmlns:a16="http://schemas.microsoft.com/office/drawing/2014/main" id="{2D3A9A61-40C1-4373-90F0-17970C73A1FD}"/>
+                <a16:creationId xmlns:a16="http://schemas.microsoft.com/office/drawing/2014/main" xmlns="" id="{2D3A9A61-40C1-4373-90F0-17970C73A1FD}"/>
               </a:ext>
             </a:extLst>
           </p:cNvPr>
@@ -31309,7 +31534,7 @@
           <p:cNvPr id="2" name="Slide Number Placeholder 1">
             <a:extLst>
               <a:ext uri="{FF2B5EF4-FFF2-40B4-BE49-F238E27FC236}">
-                <a16:creationId xmlns:a16="http://schemas.microsoft.com/office/drawing/2014/main" id="{073D4604-0D28-4C2F-B4AA-99E4E723CF92}"/>
+                <a16:creationId xmlns:a16="http://schemas.microsoft.com/office/drawing/2014/main" xmlns="" id="{073D4604-0D28-4C2F-B4AA-99E4E723CF92}"/>
               </a:ext>
             </a:extLst>
           </p:cNvPr>
@@ -31362,28 +31587,28 @@
                 <a:gridCol w="1837809">
                   <a:extLst>
                     <a:ext uri="{9D8B030D-6E8A-4147-A177-3AD203B41FA5}">
-                      <a16:colId xmlns:a16="http://schemas.microsoft.com/office/drawing/2014/main" val="20000"/>
+                      <a16:colId xmlns:a16="http://schemas.microsoft.com/office/drawing/2014/main" xmlns="" val="20000"/>
                     </a:ext>
                   </a:extLst>
                 </a:gridCol>
                 <a:gridCol w="1770241">
                   <a:extLst>
                     <a:ext uri="{9D8B030D-6E8A-4147-A177-3AD203B41FA5}">
-                      <a16:colId xmlns:a16="http://schemas.microsoft.com/office/drawing/2014/main" val="20001"/>
+                      <a16:colId xmlns:a16="http://schemas.microsoft.com/office/drawing/2014/main" xmlns="" val="20001"/>
                     </a:ext>
                   </a:extLst>
                 </a:gridCol>
                 <a:gridCol w="1770241">
                   <a:extLst>
                     <a:ext uri="{9D8B030D-6E8A-4147-A177-3AD203B41FA5}">
-                      <a16:colId xmlns:a16="http://schemas.microsoft.com/office/drawing/2014/main" val="20002"/>
+                      <a16:colId xmlns:a16="http://schemas.microsoft.com/office/drawing/2014/main" xmlns="" val="20002"/>
                     </a:ext>
                   </a:extLst>
                 </a:gridCol>
                 <a:gridCol w="1675650">
                   <a:extLst>
                     <a:ext uri="{9D8B030D-6E8A-4147-A177-3AD203B41FA5}">
-                      <a16:colId xmlns:a16="http://schemas.microsoft.com/office/drawing/2014/main" val="20003"/>
+                      <a16:colId xmlns:a16="http://schemas.microsoft.com/office/drawing/2014/main" xmlns="" val="20003"/>
                     </a:ext>
                   </a:extLst>
                 </a:gridCol>
@@ -31477,7 +31702,7 @@
                 </a:tc>
                 <a:extLst>
                   <a:ext uri="{0D108BD9-81ED-4DB2-BD59-A6C34878D82A}">
-                    <a16:rowId xmlns:a16="http://schemas.microsoft.com/office/drawing/2014/main" val="10000"/>
+                    <a16:rowId xmlns:a16="http://schemas.microsoft.com/office/drawing/2014/main" xmlns="" val="10000"/>
                   </a:ext>
                 </a:extLst>
               </a:tr>
@@ -31576,7 +31801,7 @@
                 </a:tc>
                 <a:extLst>
                   <a:ext uri="{0D108BD9-81ED-4DB2-BD59-A6C34878D82A}">
-                    <a16:rowId xmlns:a16="http://schemas.microsoft.com/office/drawing/2014/main" val="10001"/>
+                    <a16:rowId xmlns:a16="http://schemas.microsoft.com/office/drawing/2014/main" xmlns="" val="10001"/>
                   </a:ext>
                 </a:extLst>
               </a:tr>
@@ -31675,7 +31900,7 @@
                 </a:tc>
                 <a:extLst>
                   <a:ext uri="{0D108BD9-81ED-4DB2-BD59-A6C34878D82A}">
-                    <a16:rowId xmlns:a16="http://schemas.microsoft.com/office/drawing/2014/main" val="10002"/>
+                    <a16:rowId xmlns:a16="http://schemas.microsoft.com/office/drawing/2014/main" xmlns="" val="10002"/>
                   </a:ext>
                 </a:extLst>
               </a:tr>
@@ -32027,7 +32252,7 @@
   <a:extraClrSchemeLst/>
   <a:extLst>
     <a:ext uri="{05A4C25C-085E-4340-85A3-A5531E510DB2}">
-      <thm15:themeFamily xmlns:thm15="http://schemas.microsoft.com/office/thememl/2012/main" name="TF66687569_Modern blue presentation_AAS_v5" id="{C7B59113-CD15-4341-96CA-86E715D5BE98}" vid="{5A8FDAEB-3DF3-4B3C-A708-49813F8D6F85}"/>
+      <thm15:themeFamily xmlns:thm15="http://schemas.microsoft.com/office/thememl/2012/main" xmlns="" name="TF66687569_Modern blue presentation_AAS_v5" id="{C7B59113-CD15-4341-96CA-86E715D5BE98}" vid="{5A8FDAEB-3DF3-4B3C-A708-49813F8D6F85}"/>
     </a:ext>
   </a:extLst>
 </a:theme>
@@ -32322,7 +32547,7 @@
   <a:extraClrSchemeLst/>
   <a:extLst>
     <a:ext uri="{05A4C25C-085E-4340-85A3-A5531E510DB2}">
-      <thm15:themeFamily xmlns:thm15="http://schemas.microsoft.com/office/thememl/2012/main" name="Office Theme" id="{62F939B6-93AF-4DB8-9C6B-D6C7DFDC589F}" vid="{4A3C46E8-61CC-4603-A589-7422A47A8E4A}"/>
+      <thm15:themeFamily xmlns:thm15="http://schemas.microsoft.com/office/thememl/2012/main" xmlns="" name="Office Theme" id="{62F939B6-93AF-4DB8-9C6B-D6C7DFDC589F}" vid="{4A3C46E8-61CC-4603-A589-7422A47A8E4A}"/>
     </a:ext>
   </a:extLst>
 </a:theme>
@@ -32617,30 +32842,13 @@
   <a:extraClrSchemeLst/>
   <a:extLst>
     <a:ext uri="{05A4C25C-085E-4340-85A3-A5531E510DB2}">
-      <thm15:themeFamily xmlns:thm15="http://schemas.microsoft.com/office/thememl/2012/main" name="Office Theme" id="{62F939B6-93AF-4DB8-9C6B-D6C7DFDC589F}" vid="{4A3C46E8-61CC-4603-A589-7422A47A8E4A}"/>
+      <thm15:themeFamily xmlns:thm15="http://schemas.microsoft.com/office/thememl/2012/main" xmlns="" name="Office Theme" id="{62F939B6-93AF-4DB8-9C6B-D6C7DFDC589F}" vid="{4A3C46E8-61CC-4603-A589-7422A47A8E4A}"/>
     </a:ext>
   </a:extLst>
 </a:theme>
 </file>
 
 <file path=customXml/item1.xml><?xml version="1.0" encoding="utf-8"?>
-<p:properties xmlns:p="http://schemas.microsoft.com/office/2006/metadata/properties" xmlns:xsi="http://www.w3.org/2001/XMLSchema-instance" xmlns:pc="http://schemas.microsoft.com/office/infopath/2007/PartnerControls">
-  <documentManagement>
-    <MediaServiceKeyPoints xmlns="71af3243-3dd4-4a8d-8c0d-dd76da1f02a5" xsi:nil="true"/>
-  </documentManagement>
-</p:properties>
-</file>
-
-<file path=customXml/item2.xml><?xml version="1.0" encoding="utf-8"?>
-<?mso-contentType ?>
-<FormTemplates xmlns="http://schemas.microsoft.com/sharepoint/v3/contenttype/forms">
-  <Display>DocumentLibraryForm</Display>
-  <Edit>DocumentLibraryForm</Edit>
-  <New>DocumentLibraryForm</New>
-</FormTemplates>
-</file>
-
-<file path=customXml/item3.xml><?xml version="1.0" encoding="utf-8"?>
 <ct:contentTypeSchema xmlns:ct="http://schemas.microsoft.com/office/2006/metadata/contentType" xmlns:ma="http://schemas.microsoft.com/office/2006/metadata/properties/metaAttributes" ct:_="" ma:_="" ma:contentTypeName="Document" ma:contentTypeID="0x01010079F111ED35F8CC479449609E8A0923A6" ma:contentTypeVersion="11" ma:contentTypeDescription="Create a new document." ma:contentTypeScope="" ma:versionID="96291512c1ee715ab617f4c07df79fc1">
   <xsd:schema xmlns:xsd="http://www.w3.org/2001/XMLSchema" xmlns:xs="http://www.w3.org/2001/XMLSchema" xmlns:p="http://schemas.microsoft.com/office/2006/metadata/properties" xmlns:ns2="71af3243-3dd4-4a8d-8c0d-dd76da1f02a5" xmlns:ns3="16c05727-aa75-4e4a-9b5f-8a80a1165891" targetNamespace="http://schemas.microsoft.com/office/2006/metadata/properties" ma:root="true" ma:fieldsID="8256c27c40ca5c40ce1cf6c44f0205df" ns2:_="" ns3:_="">
     <xsd:import namespace="71af3243-3dd4-4a8d-8c0d-dd76da1f02a5"/>
@@ -32851,32 +33059,24 @@
 </ct:contentTypeSchema>
 </file>
 
-<file path=customXml/itemProps1.xml><?xml version="1.0" encoding="utf-8"?>
-<ds:datastoreItem xmlns:ds="http://schemas.openxmlformats.org/officeDocument/2006/customXml" ds:itemID="{F5757914-1161-4661-9696-421FD6935CDD}">
-  <ds:schemaRefs>
-    <ds:schemaRef ds:uri="http://purl.org/dc/terms/"/>
-    <ds:schemaRef ds:uri="16c05727-aa75-4e4a-9b5f-8a80a1165891"/>
-    <ds:schemaRef ds:uri="http://schemas.microsoft.com/office/infopath/2007/PartnerControls"/>
-    <ds:schemaRef ds:uri="http://www.w3.org/XML/1998/namespace"/>
-    <ds:schemaRef ds:uri="71af3243-3dd4-4a8d-8c0d-dd76da1f02a5"/>
-    <ds:schemaRef ds:uri="http://schemas.microsoft.com/office/2006/metadata/properties"/>
-    <ds:schemaRef ds:uri="http://schemas.microsoft.com/office/2006/documentManagement/types"/>
-    <ds:schemaRef ds:uri="http://schemas.openxmlformats.org/package/2006/metadata/core-properties"/>
-    <ds:schemaRef ds:uri="http://purl.org/dc/dcmitype/"/>
-    <ds:schemaRef ds:uri="http://purl.org/dc/elements/1.1/"/>
-  </ds:schemaRefs>
-</ds:datastoreItem>
+<file path=customXml/item2.xml><?xml version="1.0" encoding="utf-8"?>
+<?mso-contentType ?>
+<FormTemplates xmlns="http://schemas.microsoft.com/sharepoint/v3/contenttype/forms">
+  <Display>DocumentLibraryForm</Display>
+  <Edit>DocumentLibraryForm</Edit>
+  <New>DocumentLibraryForm</New>
+</FormTemplates>
 </file>
 
-<file path=customXml/itemProps2.xml><?xml version="1.0" encoding="utf-8"?>
-<ds:datastoreItem xmlns:ds="http://schemas.openxmlformats.org/officeDocument/2006/customXml" ds:itemID="{5B26E0C9-B2AA-42E6-97B6-E1B7D9EAF129}">
-  <ds:schemaRefs>
-    <ds:schemaRef ds:uri="http://schemas.microsoft.com/sharepoint/v3/contenttype/forms"/>
-  </ds:schemaRefs>
-</ds:datastoreItem>
+<file path=customXml/item3.xml><?xml version="1.0" encoding="utf-8"?>
+<p:properties xmlns:p="http://schemas.microsoft.com/office/2006/metadata/properties" xmlns:xsi="http://www.w3.org/2001/XMLSchema-instance" xmlns:pc="http://schemas.microsoft.com/office/infopath/2007/PartnerControls">
+  <documentManagement>
+    <MediaServiceKeyPoints xmlns="71af3243-3dd4-4a8d-8c0d-dd76da1f02a5" xsi:nil="true"/>
+  </documentManagement>
+</p:properties>
 </file>
 
-<file path=customXml/itemProps3.xml><?xml version="1.0" encoding="utf-8"?>
+<file path=customXml/itemProps1.xml><?xml version="1.0" encoding="utf-8"?>
 <ds:datastoreItem xmlns:ds="http://schemas.openxmlformats.org/officeDocument/2006/customXml" ds:itemID="{4C103400-4A22-4E35-B588-4C4D42638959}">
   <ds:schemaRefs>
     <ds:schemaRef ds:uri="http://schemas.microsoft.com/office/2006/metadata/contentType"/>
@@ -32893,4 +33093,29 @@
     <ds:schemaRef ds:uri="http://schemas.microsoft.com/internal/obd"/>
   </ds:schemaRefs>
 </ds:datastoreItem>
+</file>
+
+<file path=customXml/itemProps2.xml><?xml version="1.0" encoding="utf-8"?>
+<ds:datastoreItem xmlns:ds="http://schemas.openxmlformats.org/officeDocument/2006/customXml" ds:itemID="{5B26E0C9-B2AA-42E6-97B6-E1B7D9EAF129}">
+  <ds:schemaRefs>
+    <ds:schemaRef ds:uri="http://schemas.microsoft.com/sharepoint/v3/contenttype/forms"/>
+  </ds:schemaRefs>
+</ds:datastoreItem>
+</file>
+
+<file path=customXml/itemProps3.xml><?xml version="1.0" encoding="utf-8"?>
+<ds:datastoreItem xmlns:ds="http://schemas.openxmlformats.org/officeDocument/2006/customXml" ds:itemID="{F5757914-1161-4661-9696-421FD6935CDD}">
+  <ds:schemaRefs>
+    <ds:schemaRef ds:uri="http://purl.org/dc/terms/"/>
+    <ds:schemaRef ds:uri="16c05727-aa75-4e4a-9b5f-8a80a1165891"/>
+    <ds:schemaRef ds:uri="http://schemas.microsoft.com/office/infopath/2007/PartnerControls"/>
+    <ds:schemaRef ds:uri="http://www.w3.org/XML/1998/namespace"/>
+    <ds:schemaRef ds:uri="71af3243-3dd4-4a8d-8c0d-dd76da1f02a5"/>
+    <ds:schemaRef ds:uri="http://schemas.microsoft.com/office/2006/metadata/properties"/>
+    <ds:schemaRef ds:uri="http://schemas.microsoft.com/office/2006/documentManagement/types"/>
+    <ds:schemaRef ds:uri="http://schemas.openxmlformats.org/package/2006/metadata/core-properties"/>
+    <ds:schemaRef ds:uri="http://purl.org/dc/dcmitype/"/>
+    <ds:schemaRef ds:uri="http://purl.org/dc/elements/1.1/"/>
+  </ds:schemaRefs>
+</ds:datastoreItem>
 </file>
--- a/Final PresentationKC.pptx
+++ b/Final PresentationKC.pptx
@@ -126,7 +126,7 @@
   </p:defaultTextStyle>
   <p:extLst>
     <p:ext uri="{EFAFB233-063F-42B5-8137-9DF3F51BA10A}">
-      <p15:sldGuideLst xmlns:p15="http://schemas.microsoft.com/office/powerpoint/2012/main" xmlns="">
+      <p15:sldGuideLst xmlns:p15="http://schemas.microsoft.com/office/powerpoint/2012/main">
         <p15:guide id="1" orient="horz" pos="2160" userDrawn="1">
           <p15:clr>
             <a:srgbClr val="A4A3A4"/>
@@ -140,7 +140,7 @@
       </p15:sldGuideLst>
     </p:ext>
     <p:ext uri="{2D200454-40CA-4A62-9FC3-DE9A4176ACB9}">
-      <p15:notesGuideLst xmlns:p15="http://schemas.microsoft.com/office/powerpoint/2012/main" xmlns=""/>
+      <p15:notesGuideLst xmlns:p15="http://schemas.microsoft.com/office/powerpoint/2012/main"/>
     </p:ext>
   </p:extLst>
 </p:presentation>
@@ -150,6 +150,7 @@
 <p1510:revInfo xmlns:a="http://schemas.openxmlformats.org/drawingml/2006/main" xmlns:r="http://schemas.openxmlformats.org/officeDocument/2006/relationships" xmlns:p1510="http://schemas.microsoft.com/office/powerpoint/2015/10/main">
   <p1510:revLst>
     <p1510:client id="{B835A7A6-C4BB-466B-A959-DB40C8A01768}" v="28" dt="2022-04-22T04:13:53.421"/>
+    <p1510:client id="{B8861D86-264A-4092-B75B-201D0E8D64F7}" v="1" dt="2022-04-22T12:26:18.892"/>
   </p1510:revLst>
 </p1510:revInfo>
 </file>
@@ -997,13 +998,8 @@
         <a:p>
           <a:r>
             <a:rPr lang="en-US" dirty="0"/>
-            <a:t>Data </a:t>
+            <a:t>Data Processing</a:t>
           </a:r>
-          <a:r>
-            <a:rPr lang="en-US" dirty="0" smtClean="0"/>
-            <a:t>Processing</a:t>
-          </a:r>
-          <a:endParaRPr lang="en-US" dirty="0"/>
         </a:p>
       </dgm:t>
     </dgm:pt>
@@ -1037,12 +1033,8 @@
         <a:lstStyle/>
         <a:p>
           <a:r>
-            <a:rPr lang="en-US" dirty="0" smtClean="0"/>
-            <a:t>Linear </a:t>
-          </a:r>
-          <a:r>
             <a:rPr lang="en-US" dirty="0"/>
-            <a:t>regression</a:t>
+            <a:t>Linear regression</a:t>
           </a:r>
         </a:p>
       </dgm:t>
@@ -1077,19 +1069,14 @@
         <a:lstStyle/>
         <a:p>
           <a:r>
-            <a:rPr lang="en-US" dirty="0" smtClean="0"/>
+            <a:rPr lang="en-US" dirty="0"/>
             <a:t>Improving model by</a:t>
           </a:r>
-          <a:endParaRPr lang="en-US" dirty="0"/>
         </a:p>
         <a:p>
           <a:r>
-            <a:rPr lang="en-US" dirty="0" smtClean="0"/>
-            <a:t>removing </a:t>
-          </a:r>
-          <a:r>
             <a:rPr lang="en-US" dirty="0"/>
-            <a:t>non- significant features</a:t>
+            <a:t>removing non- significant features</a:t>
           </a:r>
         </a:p>
       </dgm:t>
@@ -1160,13 +1147,6 @@
         </dgm:presLayoutVars>
       </dgm:prSet>
       <dgm:spPr/>
-      <dgm:t>
-        <a:bodyPr/>
-        <a:lstStyle/>
-        <a:p>
-          <a:endParaRPr lang="de-DE"/>
-        </a:p>
-      </dgm:t>
     </dgm:pt>
     <dgm:pt modelId="{62BAAD4A-600C-4CBC-96D9-E6A6E3D00A29}" type="pres">
       <dgm:prSet presAssocID="{24403AF3-F183-41A9-AF7D-0CD1EE855F62}" presName="node" presStyleLbl="node1" presStyleIdx="0" presStyleCnt="5">
@@ -1175,35 +1155,14 @@
         </dgm:presLayoutVars>
       </dgm:prSet>
       <dgm:spPr/>
-      <dgm:t>
-        <a:bodyPr/>
-        <a:lstStyle/>
-        <a:p>
-          <a:endParaRPr lang="de-DE"/>
-        </a:p>
-      </dgm:t>
     </dgm:pt>
     <dgm:pt modelId="{B15EFD5D-DCC7-4B17-841B-28D480F47BFA}" type="pres">
       <dgm:prSet presAssocID="{46A3BBD4-A8D5-4588-930D-5B5C440F95A7}" presName="sibTrans" presStyleLbl="sibTrans2D1" presStyleIdx="0" presStyleCnt="4"/>
       <dgm:spPr/>
-      <dgm:t>
-        <a:bodyPr/>
-        <a:lstStyle/>
-        <a:p>
-          <a:endParaRPr lang="de-DE"/>
-        </a:p>
-      </dgm:t>
     </dgm:pt>
     <dgm:pt modelId="{CB0C0557-61B6-4F72-948D-97038DF2347C}" type="pres">
       <dgm:prSet presAssocID="{46A3BBD4-A8D5-4588-930D-5B5C440F95A7}" presName="connectorText" presStyleLbl="sibTrans2D1" presStyleIdx="0" presStyleCnt="4"/>
       <dgm:spPr/>
-      <dgm:t>
-        <a:bodyPr/>
-        <a:lstStyle/>
-        <a:p>
-          <a:endParaRPr lang="de-DE"/>
-        </a:p>
-      </dgm:t>
     </dgm:pt>
     <dgm:pt modelId="{F5E12C1D-CD80-4E38-84D1-8653A91CFD02}" type="pres">
       <dgm:prSet presAssocID="{F958CC84-B351-4518-AD16-7A0D327DECAA}" presName="node" presStyleLbl="node1" presStyleIdx="1" presStyleCnt="5">
@@ -1212,35 +1171,14 @@
         </dgm:presLayoutVars>
       </dgm:prSet>
       <dgm:spPr/>
-      <dgm:t>
-        <a:bodyPr/>
-        <a:lstStyle/>
-        <a:p>
-          <a:endParaRPr lang="de-DE"/>
-        </a:p>
-      </dgm:t>
     </dgm:pt>
     <dgm:pt modelId="{7604F242-691A-4A0A-B50A-32917DE8221C}" type="pres">
       <dgm:prSet presAssocID="{CD849D60-1CC9-480E-A73F-775416316EE2}" presName="sibTrans" presStyleLbl="sibTrans2D1" presStyleIdx="1" presStyleCnt="4"/>
       <dgm:spPr/>
-      <dgm:t>
-        <a:bodyPr/>
-        <a:lstStyle/>
-        <a:p>
-          <a:endParaRPr lang="de-DE"/>
-        </a:p>
-      </dgm:t>
     </dgm:pt>
     <dgm:pt modelId="{9E1CFB79-4D1B-4156-914B-4152C6154DF4}" type="pres">
       <dgm:prSet presAssocID="{CD849D60-1CC9-480E-A73F-775416316EE2}" presName="connectorText" presStyleLbl="sibTrans2D1" presStyleIdx="1" presStyleCnt="4"/>
       <dgm:spPr/>
-      <dgm:t>
-        <a:bodyPr/>
-        <a:lstStyle/>
-        <a:p>
-          <a:endParaRPr lang="de-DE"/>
-        </a:p>
-      </dgm:t>
     </dgm:pt>
     <dgm:pt modelId="{437A6F8A-39FB-4AEE-ADC2-DEC5C66AB8D0}" type="pres">
       <dgm:prSet presAssocID="{1A3FFF91-6080-416C-8D4E-8874D45120E6}" presName="node" presStyleLbl="node1" presStyleIdx="2" presStyleCnt="5">
@@ -1249,35 +1187,14 @@
         </dgm:presLayoutVars>
       </dgm:prSet>
       <dgm:spPr/>
-      <dgm:t>
-        <a:bodyPr/>
-        <a:lstStyle/>
-        <a:p>
-          <a:endParaRPr lang="de-DE"/>
-        </a:p>
-      </dgm:t>
     </dgm:pt>
     <dgm:pt modelId="{037DC9CC-A97F-447B-B422-F45D0C3D3808}" type="pres">
       <dgm:prSet presAssocID="{B3C648AD-EF7E-42A8-99E9-3B072000117B}" presName="sibTrans" presStyleLbl="sibTrans2D1" presStyleIdx="2" presStyleCnt="4"/>
       <dgm:spPr/>
-      <dgm:t>
-        <a:bodyPr/>
-        <a:lstStyle/>
-        <a:p>
-          <a:endParaRPr lang="de-DE"/>
-        </a:p>
-      </dgm:t>
     </dgm:pt>
     <dgm:pt modelId="{69061840-D7C8-49AD-B6F0-0CB0CC34C019}" type="pres">
       <dgm:prSet presAssocID="{B3C648AD-EF7E-42A8-99E9-3B072000117B}" presName="connectorText" presStyleLbl="sibTrans2D1" presStyleIdx="2" presStyleCnt="4"/>
       <dgm:spPr/>
-      <dgm:t>
-        <a:bodyPr/>
-        <a:lstStyle/>
-        <a:p>
-          <a:endParaRPr lang="de-DE"/>
-        </a:p>
-      </dgm:t>
     </dgm:pt>
     <dgm:pt modelId="{B3A208B3-B2A4-4E43-BB18-974E5754D4A9}" type="pres">
       <dgm:prSet presAssocID="{0A55110F-64F3-4927-982C-B7EA745AAB77}" presName="node" presStyleLbl="node1" presStyleIdx="3" presStyleCnt="5" custLinFactNeighborX="1297" custLinFactNeighborY="1288">
@@ -1286,35 +1203,14 @@
         </dgm:presLayoutVars>
       </dgm:prSet>
       <dgm:spPr/>
-      <dgm:t>
-        <a:bodyPr/>
-        <a:lstStyle/>
-        <a:p>
-          <a:endParaRPr lang="de-DE"/>
-        </a:p>
-      </dgm:t>
     </dgm:pt>
     <dgm:pt modelId="{4BE222A6-85A9-4DFE-AD80-D8D66B7BDEFE}" type="pres">
       <dgm:prSet presAssocID="{A5BF7F64-FDB6-43A4-B62F-4E78CAB33B0C}" presName="sibTrans" presStyleLbl="sibTrans2D1" presStyleIdx="3" presStyleCnt="4"/>
       <dgm:spPr/>
-      <dgm:t>
-        <a:bodyPr/>
-        <a:lstStyle/>
-        <a:p>
-          <a:endParaRPr lang="de-DE"/>
-        </a:p>
-      </dgm:t>
     </dgm:pt>
     <dgm:pt modelId="{4C004F01-70DD-4C93-8BA7-4AB71AFF9D13}" type="pres">
       <dgm:prSet presAssocID="{A5BF7F64-FDB6-43A4-B62F-4E78CAB33B0C}" presName="connectorText" presStyleLbl="sibTrans2D1" presStyleIdx="3" presStyleCnt="4"/>
       <dgm:spPr/>
-      <dgm:t>
-        <a:bodyPr/>
-        <a:lstStyle/>
-        <a:p>
-          <a:endParaRPr lang="de-DE"/>
-        </a:p>
-      </dgm:t>
     </dgm:pt>
     <dgm:pt modelId="{EF1CC2F7-0180-4390-ABC0-08D44017ED81}" type="pres">
       <dgm:prSet presAssocID="{A2517B8D-95F1-4BEE-9FBE-63FA4F1B8F82}" presName="node" presStyleLbl="node1" presStyleIdx="4" presStyleCnt="5">
@@ -1323,35 +1219,28 @@
         </dgm:presLayoutVars>
       </dgm:prSet>
       <dgm:spPr/>
-      <dgm:t>
-        <a:bodyPr/>
-        <a:lstStyle/>
-        <a:p>
-          <a:endParaRPr lang="de-DE"/>
-        </a:p>
-      </dgm:t>
     </dgm:pt>
   </dgm:ptLst>
   <dgm:cxnLst>
-    <dgm:cxn modelId="{10254578-9E0C-43FD-BFBD-07E3EB9D4690}" type="presOf" srcId="{46A3BBD4-A8D5-4588-930D-5B5C440F95A7}" destId="{CB0C0557-61B6-4F72-948D-97038DF2347C}" srcOrd="1" destOrd="0" presId="urn:microsoft.com/office/officeart/2005/8/layout/process5"/>
-    <dgm:cxn modelId="{331020EE-EEE2-4F25-A85A-366512388E69}" type="presOf" srcId="{1A3FFF91-6080-416C-8D4E-8874D45120E6}" destId="{437A6F8A-39FB-4AEE-ADC2-DEC5C66AB8D0}" srcOrd="0" destOrd="0" presId="urn:microsoft.com/office/officeart/2005/8/layout/process5"/>
-    <dgm:cxn modelId="{A4159874-B566-48E0-91B6-2FAC0C3F3ED3}" type="presOf" srcId="{F958CC84-B351-4518-AD16-7A0D327DECAA}" destId="{F5E12C1D-CD80-4E38-84D1-8653A91CFD02}" srcOrd="0" destOrd="0" presId="urn:microsoft.com/office/officeart/2005/8/layout/process5"/>
-    <dgm:cxn modelId="{8A6FF6D7-336F-4413-838C-98EA460DBEF8}" srcId="{8A2245C2-F409-494E-AF55-5B6F8214C998}" destId="{24403AF3-F183-41A9-AF7D-0CD1EE855F62}" srcOrd="0" destOrd="0" parTransId="{E2787CE0-8D40-4021-BCD8-CF68F3C5DE5B}" sibTransId="{46A3BBD4-A8D5-4588-930D-5B5C440F95A7}"/>
     <dgm:cxn modelId="{E25F0F06-146D-4BDA-BC4C-8367B56FBE78}" type="presOf" srcId="{8A2245C2-F409-494E-AF55-5B6F8214C998}" destId="{1B77FB05-E91F-4A60-BE0C-A85E0FC8EE93}" srcOrd="0" destOrd="0" presId="urn:microsoft.com/office/officeart/2005/8/layout/process5"/>
     <dgm:cxn modelId="{8FE81306-C8D7-45A6-AE38-8BB65B7B7939}" type="presOf" srcId="{24403AF3-F183-41A9-AF7D-0CD1EE855F62}" destId="{62BAAD4A-600C-4CBC-96D9-E6A6E3D00A29}" srcOrd="0" destOrd="0" presId="urn:microsoft.com/office/officeart/2005/8/layout/process5"/>
+    <dgm:cxn modelId="{BB695220-9955-4DEF-A25B-7D921B1813F3}" type="presOf" srcId="{A2517B8D-95F1-4BEE-9FBE-63FA4F1B8F82}" destId="{EF1CC2F7-0180-4390-ABC0-08D44017ED81}" srcOrd="0" destOrd="0" presId="urn:microsoft.com/office/officeart/2005/8/layout/process5"/>
+    <dgm:cxn modelId="{719EEE62-9D4A-4E81-9D08-7F8982EA4160}" type="presOf" srcId="{46A3BBD4-A8D5-4588-930D-5B5C440F95A7}" destId="{B15EFD5D-DCC7-4B17-841B-28D480F47BFA}" srcOrd="0" destOrd="0" presId="urn:microsoft.com/office/officeart/2005/8/layout/process5"/>
+    <dgm:cxn modelId="{D7952866-323A-4DF8-AB43-A860CBB42471}" type="presOf" srcId="{A5BF7F64-FDB6-43A4-B62F-4E78CAB33B0C}" destId="{4C004F01-70DD-4C93-8BA7-4AB71AFF9D13}" srcOrd="1" destOrd="0" presId="urn:microsoft.com/office/officeart/2005/8/layout/process5"/>
+    <dgm:cxn modelId="{6756636E-14C7-4561-B5AA-6C379A6E1AB7}" srcId="{8A2245C2-F409-494E-AF55-5B6F8214C998}" destId="{A2517B8D-95F1-4BEE-9FBE-63FA4F1B8F82}" srcOrd="4" destOrd="0" parTransId="{312C84FD-A518-49E5-BF13-703D85539A0B}" sibTransId="{D9C0BFF0-6F94-4897-9E3A-9C421A39DD49}"/>
+    <dgm:cxn modelId="{32CC9350-AF80-4514-B5F0-61514E8A4D4F}" srcId="{8A2245C2-F409-494E-AF55-5B6F8214C998}" destId="{1A3FFF91-6080-416C-8D4E-8874D45120E6}" srcOrd="2" destOrd="0" parTransId="{CF7D06D5-0F59-47C3-8ACB-87F099421D3F}" sibTransId="{B3C648AD-EF7E-42A8-99E9-3B072000117B}"/>
+    <dgm:cxn modelId="{A4159874-B566-48E0-91B6-2FAC0C3F3ED3}" type="presOf" srcId="{F958CC84-B351-4518-AD16-7A0D327DECAA}" destId="{F5E12C1D-CD80-4E38-84D1-8653A91CFD02}" srcOrd="0" destOrd="0" presId="urn:microsoft.com/office/officeart/2005/8/layout/process5"/>
+    <dgm:cxn modelId="{10254578-9E0C-43FD-BFBD-07E3EB9D4690}" type="presOf" srcId="{46A3BBD4-A8D5-4588-930D-5B5C440F95A7}" destId="{CB0C0557-61B6-4F72-948D-97038DF2347C}" srcOrd="1" destOrd="0" presId="urn:microsoft.com/office/officeart/2005/8/layout/process5"/>
+    <dgm:cxn modelId="{DBDBF78A-7EF9-4E24-A780-1EC4B84B084E}" type="presOf" srcId="{CD849D60-1CC9-480E-A73F-775416316EE2}" destId="{9E1CFB79-4D1B-4156-914B-4152C6154DF4}" srcOrd="1" destOrd="0" presId="urn:microsoft.com/office/officeart/2005/8/layout/process5"/>
     <dgm:cxn modelId="{8376D091-80FF-4427-9457-18F73BA5407D}" srcId="{8A2245C2-F409-494E-AF55-5B6F8214C998}" destId="{0A55110F-64F3-4927-982C-B7EA745AAB77}" srcOrd="3" destOrd="0" parTransId="{A0E9E1C4-22B4-4044-B059-14B079F4A45D}" sibTransId="{A5BF7F64-FDB6-43A4-B62F-4E78CAB33B0C}"/>
-    <dgm:cxn modelId="{DBDBF78A-7EF9-4E24-A780-1EC4B84B084E}" type="presOf" srcId="{CD849D60-1CC9-480E-A73F-775416316EE2}" destId="{9E1CFB79-4D1B-4156-914B-4152C6154DF4}" srcOrd="1" destOrd="0" presId="urn:microsoft.com/office/officeart/2005/8/layout/process5"/>
-    <dgm:cxn modelId="{D7952866-323A-4DF8-AB43-A860CBB42471}" type="presOf" srcId="{A5BF7F64-FDB6-43A4-B62F-4E78CAB33B0C}" destId="{4C004F01-70DD-4C93-8BA7-4AB71AFF9D13}" srcOrd="1" destOrd="0" presId="urn:microsoft.com/office/officeart/2005/8/layout/process5"/>
-    <dgm:cxn modelId="{A5F71DC6-AE34-474A-8392-14B192BF12C6}" type="presOf" srcId="{B3C648AD-EF7E-42A8-99E9-3B072000117B}" destId="{69061840-D7C8-49AD-B6F0-0CB0CC34C019}" srcOrd="1" destOrd="0" presId="urn:microsoft.com/office/officeart/2005/8/layout/process5"/>
     <dgm:cxn modelId="{EF20D6AB-3D8A-47CB-9137-1102E8FD5F74}" type="presOf" srcId="{0A55110F-64F3-4927-982C-B7EA745AAB77}" destId="{B3A208B3-B2A4-4E43-BB18-974E5754D4A9}" srcOrd="0" destOrd="0" presId="urn:microsoft.com/office/officeart/2005/8/layout/process5"/>
     <dgm:cxn modelId="{330A2CB5-9BA2-4B32-B7EC-1F43DFEA8027}" srcId="{8A2245C2-F409-494E-AF55-5B6F8214C998}" destId="{F958CC84-B351-4518-AD16-7A0D327DECAA}" srcOrd="1" destOrd="0" parTransId="{D7F32176-3881-4274-904F-80EC4465F5B1}" sibTransId="{CD849D60-1CC9-480E-A73F-775416316EE2}"/>
+    <dgm:cxn modelId="{A5F71DC6-AE34-474A-8392-14B192BF12C6}" type="presOf" srcId="{B3C648AD-EF7E-42A8-99E9-3B072000117B}" destId="{69061840-D7C8-49AD-B6F0-0CB0CC34C019}" srcOrd="1" destOrd="0" presId="urn:microsoft.com/office/officeart/2005/8/layout/process5"/>
+    <dgm:cxn modelId="{1D64C1D7-C2E4-4E5F-A851-A684B83893A9}" type="presOf" srcId="{B3C648AD-EF7E-42A8-99E9-3B072000117B}" destId="{037DC9CC-A97F-447B-B422-F45D0C3D3808}" srcOrd="0" destOrd="0" presId="urn:microsoft.com/office/officeart/2005/8/layout/process5"/>
+    <dgm:cxn modelId="{8A6FF6D7-336F-4413-838C-98EA460DBEF8}" srcId="{8A2245C2-F409-494E-AF55-5B6F8214C998}" destId="{24403AF3-F183-41A9-AF7D-0CD1EE855F62}" srcOrd="0" destOrd="0" parTransId="{E2787CE0-8D40-4021-BCD8-CF68F3C5DE5B}" sibTransId="{46A3BBD4-A8D5-4588-930D-5B5C440F95A7}"/>
+    <dgm:cxn modelId="{DA1CFAE2-965F-4F01-B677-400A3929E9B2}" type="presOf" srcId="{A5BF7F64-FDB6-43A4-B62F-4E78CAB33B0C}" destId="{4BE222A6-85A9-4DFE-AD80-D8D66B7BDEFE}" srcOrd="0" destOrd="0" presId="urn:microsoft.com/office/officeart/2005/8/layout/process5"/>
     <dgm:cxn modelId="{D86CE5E9-6385-4C9D-AAC7-FA6BBB83CA2F}" type="presOf" srcId="{CD849D60-1CC9-480E-A73F-775416316EE2}" destId="{7604F242-691A-4A0A-B50A-32917DE8221C}" srcOrd="0" destOrd="0" presId="urn:microsoft.com/office/officeart/2005/8/layout/process5"/>
-    <dgm:cxn modelId="{DA1CFAE2-965F-4F01-B677-400A3929E9B2}" type="presOf" srcId="{A5BF7F64-FDB6-43A4-B62F-4E78CAB33B0C}" destId="{4BE222A6-85A9-4DFE-AD80-D8D66B7BDEFE}" srcOrd="0" destOrd="0" presId="urn:microsoft.com/office/officeart/2005/8/layout/process5"/>
-    <dgm:cxn modelId="{32CC9350-AF80-4514-B5F0-61514E8A4D4F}" srcId="{8A2245C2-F409-494E-AF55-5B6F8214C998}" destId="{1A3FFF91-6080-416C-8D4E-8874D45120E6}" srcOrd="2" destOrd="0" parTransId="{CF7D06D5-0F59-47C3-8ACB-87F099421D3F}" sibTransId="{B3C648AD-EF7E-42A8-99E9-3B072000117B}"/>
-    <dgm:cxn modelId="{6756636E-14C7-4561-B5AA-6C379A6E1AB7}" srcId="{8A2245C2-F409-494E-AF55-5B6F8214C998}" destId="{A2517B8D-95F1-4BEE-9FBE-63FA4F1B8F82}" srcOrd="4" destOrd="0" parTransId="{312C84FD-A518-49E5-BF13-703D85539A0B}" sibTransId="{D9C0BFF0-6F94-4897-9E3A-9C421A39DD49}"/>
-    <dgm:cxn modelId="{719EEE62-9D4A-4E81-9D08-7F8982EA4160}" type="presOf" srcId="{46A3BBD4-A8D5-4588-930D-5B5C440F95A7}" destId="{B15EFD5D-DCC7-4B17-841B-28D480F47BFA}" srcOrd="0" destOrd="0" presId="urn:microsoft.com/office/officeart/2005/8/layout/process5"/>
-    <dgm:cxn modelId="{BB695220-9955-4DEF-A25B-7D921B1813F3}" type="presOf" srcId="{A2517B8D-95F1-4BEE-9FBE-63FA4F1B8F82}" destId="{EF1CC2F7-0180-4390-ABC0-08D44017ED81}" srcOrd="0" destOrd="0" presId="urn:microsoft.com/office/officeart/2005/8/layout/process5"/>
-    <dgm:cxn modelId="{1D64C1D7-C2E4-4E5F-A851-A684B83893A9}" type="presOf" srcId="{B3C648AD-EF7E-42A8-99E9-3B072000117B}" destId="{037DC9CC-A97F-447B-B422-F45D0C3D3808}" srcOrd="0" destOrd="0" presId="urn:microsoft.com/office/officeart/2005/8/layout/process5"/>
+    <dgm:cxn modelId="{331020EE-EEE2-4F25-A85A-366512388E69}" type="presOf" srcId="{1A3FFF91-6080-416C-8D4E-8874D45120E6}" destId="{437A6F8A-39FB-4AEE-ADC2-DEC5C66AB8D0}" srcOrd="0" destOrd="0" presId="urn:microsoft.com/office/officeart/2005/8/layout/process5"/>
     <dgm:cxn modelId="{2E8F345E-AC24-4EE1-8EAA-B1DE63BE68F0}" type="presParOf" srcId="{1B77FB05-E91F-4A60-BE0C-A85E0FC8EE93}" destId="{62BAAD4A-600C-4CBC-96D9-E6A6E3D00A29}" srcOrd="0" destOrd="0" presId="urn:microsoft.com/office/officeart/2005/8/layout/process5"/>
     <dgm:cxn modelId="{AE6D9AC6-2FDF-4A5D-8FDC-0C7C8473FCF9}" type="presParOf" srcId="{1B77FB05-E91F-4A60-BE0C-A85E0FC8EE93}" destId="{B15EFD5D-DCC7-4B17-841B-28D480F47BFA}" srcOrd="1" destOrd="0" presId="urn:microsoft.com/office/officeart/2005/8/layout/process5"/>
     <dgm:cxn modelId="{C65C7842-5A03-4F50-B2BF-D9076C2BE698}" type="presParOf" srcId="{B15EFD5D-DCC7-4B17-841B-28D480F47BFA}" destId="{CB0C0557-61B6-4F72-948D-97038DF2347C}" srcOrd="0" destOrd="0" presId="urn:microsoft.com/office/officeart/2005/8/layout/process5"/>
@@ -1441,7 +1330,7 @@
         </a:bodyPr>
         <a:lstStyle/>
         <a:p>
-          <a:pPr lvl="0" algn="ctr" defTabSz="1022350">
+          <a:pPr marL="0" lvl="0" indent="0" algn="ctr" defTabSz="1022350">
             <a:lnSpc>
               <a:spcPct val="90000"/>
             </a:lnSpc>
@@ -1451,6 +1340,7 @@
             <a:spcAft>
               <a:spcPct val="35000"/>
             </a:spcAft>
+            <a:buNone/>
           </a:pPr>
           <a:r>
             <a:rPr lang="en-US" sz="2300" kern="1200" dirty="0"/>
@@ -1513,7 +1403,7 @@
         </a:bodyPr>
         <a:lstStyle/>
         <a:p>
-          <a:pPr lvl="0" algn="ctr" defTabSz="800100">
+          <a:pPr marL="0" lvl="0" indent="0" algn="ctr" defTabSz="800100">
             <a:lnSpc>
               <a:spcPct val="90000"/>
             </a:lnSpc>
@@ -1523,6 +1413,7 @@
             <a:spcAft>
               <a:spcPct val="35000"/>
             </a:spcAft>
+            <a:buNone/>
           </a:pPr>
           <a:endParaRPr lang="en-US" sz="1800" kern="1200"/>
         </a:p>
@@ -1589,7 +1480,7 @@
         </a:bodyPr>
         <a:lstStyle/>
         <a:p>
-          <a:pPr lvl="0" algn="ctr" defTabSz="1022350">
+          <a:pPr marL="0" lvl="0" indent="0" algn="ctr" defTabSz="1022350">
             <a:lnSpc>
               <a:spcPct val="90000"/>
             </a:lnSpc>
@@ -1599,16 +1490,12 @@
             <a:spcAft>
               <a:spcPct val="35000"/>
             </a:spcAft>
+            <a:buNone/>
           </a:pPr>
           <a:r>
             <a:rPr lang="en-US" sz="2300" kern="1200" dirty="0"/>
-            <a:t>Data </a:t>
+            <a:t>Data Processing</a:t>
           </a:r>
-          <a:r>
-            <a:rPr lang="en-US" sz="2300" kern="1200" dirty="0" smtClean="0"/>
-            <a:t>Processing</a:t>
-          </a:r>
-          <a:endParaRPr lang="en-US" sz="2300" kern="1200" dirty="0"/>
         </a:p>
       </dsp:txBody>
       <dsp:txXfrm>
@@ -1666,7 +1553,7 @@
         </a:bodyPr>
         <a:lstStyle/>
         <a:p>
-          <a:pPr lvl="0" algn="ctr" defTabSz="800100">
+          <a:pPr marL="0" lvl="0" indent="0" algn="ctr" defTabSz="800100">
             <a:lnSpc>
               <a:spcPct val="90000"/>
             </a:lnSpc>
@@ -1676,6 +1563,7 @@
             <a:spcAft>
               <a:spcPct val="35000"/>
             </a:spcAft>
+            <a:buNone/>
           </a:pPr>
           <a:endParaRPr lang="en-US" sz="1800" kern="1200"/>
         </a:p>
@@ -1742,7 +1630,7 @@
         </a:bodyPr>
         <a:lstStyle/>
         <a:p>
-          <a:pPr lvl="0" algn="ctr" defTabSz="1022350">
+          <a:pPr marL="0" lvl="0" indent="0" algn="ctr" defTabSz="1022350">
             <a:lnSpc>
               <a:spcPct val="90000"/>
             </a:lnSpc>
@@ -1752,14 +1640,11 @@
             <a:spcAft>
               <a:spcPct val="35000"/>
             </a:spcAft>
+            <a:buNone/>
           </a:pPr>
           <a:r>
-            <a:rPr lang="en-US" sz="2300" kern="1200" dirty="0" smtClean="0"/>
-            <a:t>Linear </a:t>
-          </a:r>
-          <a:r>
             <a:rPr lang="en-US" sz="2300" kern="1200" dirty="0"/>
-            <a:t>regression</a:t>
+            <a:t>Linear regression</a:t>
           </a:r>
         </a:p>
       </dsp:txBody>
@@ -1818,7 +1703,7 @@
         </a:bodyPr>
         <a:lstStyle/>
         <a:p>
-          <a:pPr lvl="0" algn="ctr" defTabSz="800100">
+          <a:pPr marL="0" lvl="0" indent="0" algn="ctr" defTabSz="800100">
             <a:lnSpc>
               <a:spcPct val="90000"/>
             </a:lnSpc>
@@ -1828,6 +1713,7 @@
             <a:spcAft>
               <a:spcPct val="35000"/>
             </a:spcAft>
+            <a:buNone/>
           </a:pPr>
           <a:endParaRPr lang="en-US" sz="1800" kern="1200"/>
         </a:p>
@@ -1894,7 +1780,7 @@
         </a:bodyPr>
         <a:lstStyle/>
         <a:p>
-          <a:pPr lvl="0" algn="ctr" defTabSz="1022350">
+          <a:pPr marL="0" lvl="0" indent="0" algn="ctr" defTabSz="1022350">
             <a:lnSpc>
               <a:spcPct val="90000"/>
             </a:lnSpc>
@@ -1904,15 +1790,15 @@
             <a:spcAft>
               <a:spcPct val="35000"/>
             </a:spcAft>
+            <a:buNone/>
           </a:pPr>
           <a:r>
-            <a:rPr lang="en-US" sz="2300" kern="1200" dirty="0" smtClean="0"/>
+            <a:rPr lang="en-US" sz="2300" kern="1200" dirty="0"/>
             <a:t>Improving model by</a:t>
           </a:r>
-          <a:endParaRPr lang="en-US" sz="2300" kern="1200" dirty="0"/>
         </a:p>
         <a:p>
-          <a:pPr lvl="0" algn="ctr" defTabSz="1022350">
+          <a:pPr marL="0" lvl="0" indent="0" algn="ctr" defTabSz="1022350">
             <a:lnSpc>
               <a:spcPct val="90000"/>
             </a:lnSpc>
@@ -1922,14 +1808,11 @@
             <a:spcAft>
               <a:spcPct val="35000"/>
             </a:spcAft>
+            <a:buNone/>
           </a:pPr>
           <a:r>
-            <a:rPr lang="en-US" sz="2300" kern="1200" dirty="0" smtClean="0"/>
-            <a:t>removing </a:t>
-          </a:r>
-          <a:r>
             <a:rPr lang="en-US" sz="2300" kern="1200" dirty="0"/>
-            <a:t>non- significant features</a:t>
+            <a:t>removing non- significant features</a:t>
           </a:r>
         </a:p>
       </dsp:txBody>
@@ -1988,7 +1871,7 @@
         </a:bodyPr>
         <a:lstStyle/>
         <a:p>
-          <a:pPr lvl="0" algn="ctr" defTabSz="800100">
+          <a:pPr marL="0" lvl="0" indent="0" algn="ctr" defTabSz="800100">
             <a:lnSpc>
               <a:spcPct val="90000"/>
             </a:lnSpc>
@@ -1998,6 +1881,7 @@
             <a:spcAft>
               <a:spcPct val="35000"/>
             </a:spcAft>
+            <a:buNone/>
           </a:pPr>
           <a:endParaRPr lang="en-US" sz="1800" kern="1200"/>
         </a:p>
@@ -2064,7 +1948,7 @@
         </a:bodyPr>
         <a:lstStyle/>
         <a:p>
-          <a:pPr lvl="0" algn="ctr" defTabSz="1022350">
+          <a:pPr marL="0" lvl="0" indent="0" algn="ctr" defTabSz="1022350">
             <a:lnSpc>
               <a:spcPct val="90000"/>
             </a:lnSpc>
@@ -2074,6 +1958,7 @@
             <a:spcAft>
               <a:spcPct val="35000"/>
             </a:spcAft>
+            <a:buNone/>
           </a:pPr>
           <a:r>
             <a:rPr lang="en-US" sz="2300" kern="1200" dirty="0"/>
@@ -3322,7 +3207,7 @@
           <p:cNvPr id="2" name="Header Placeholder 1">
             <a:extLst>
               <a:ext uri="{FF2B5EF4-FFF2-40B4-BE49-F238E27FC236}">
-                <a16:creationId xmlns:a16="http://schemas.microsoft.com/office/drawing/2014/main" xmlns="" id="{E62FF6B6-4F8A-40F7-B5F4-FC3996824D73}"/>
+                <a16:creationId xmlns:a16="http://schemas.microsoft.com/office/drawing/2014/main" id="{E62FF6B6-4F8A-40F7-B5F4-FC3996824D73}"/>
               </a:ext>
             </a:extLst>
           </p:cNvPr>
@@ -3359,7 +3244,7 @@
           <p:cNvPr id="3" name="Date Placeholder 2">
             <a:extLst>
               <a:ext uri="{FF2B5EF4-FFF2-40B4-BE49-F238E27FC236}">
-                <a16:creationId xmlns:a16="http://schemas.microsoft.com/office/drawing/2014/main" xmlns="" id="{8910A999-F365-48DF-976A-0517FE045440}"/>
+                <a16:creationId xmlns:a16="http://schemas.microsoft.com/office/drawing/2014/main" id="{8910A999-F365-48DF-976A-0517FE045440}"/>
               </a:ext>
             </a:extLst>
           </p:cNvPr>
@@ -3400,7 +3285,7 @@
           <p:cNvPr id="4" name="Footer Placeholder 3">
             <a:extLst>
               <a:ext uri="{FF2B5EF4-FFF2-40B4-BE49-F238E27FC236}">
-                <a16:creationId xmlns:a16="http://schemas.microsoft.com/office/drawing/2014/main" xmlns="" id="{F8735C90-ADBF-4B9E-BE88-E1C8F83EB4D2}"/>
+                <a16:creationId xmlns:a16="http://schemas.microsoft.com/office/drawing/2014/main" id="{F8735C90-ADBF-4B9E-BE88-E1C8F83EB4D2}"/>
               </a:ext>
             </a:extLst>
           </p:cNvPr>
@@ -3437,7 +3322,7 @@
           <p:cNvPr id="5" name="Slide Number Placeholder 4">
             <a:extLst>
               <a:ext uri="{FF2B5EF4-FFF2-40B4-BE49-F238E27FC236}">
-                <a16:creationId xmlns:a16="http://schemas.microsoft.com/office/drawing/2014/main" xmlns="" id="{82506A01-6D0A-45EF-A584-05A3361D66F7}"/>
+                <a16:creationId xmlns:a16="http://schemas.microsoft.com/office/drawing/2014/main" id="{82506A01-6D0A-45EF-A584-05A3361D66F7}"/>
               </a:ext>
             </a:extLst>
           </p:cNvPr>
@@ -3467,7 +3352,7 @@
           <a:p>
             <a:fld id="{0831430A-4AA4-45C8-AC23-CD6B61C41A4C}" type="slidenum">
               <a:rPr lang="en-US" smtClean="0"/>
-              <a:t>‹Nr.›</a:t>
+              <a:t>‹#›</a:t>
             </a:fld>
             <a:endParaRPr lang="en-US" dirty="0"/>
           </a:p>
@@ -3724,7 +3609,7 @@
           <a:p>
             <a:fld id="{1734D747-9380-41EE-9946-EC9EC0CA5D1E}" type="slidenum">
               <a:rPr lang="en-US" noProof="0" smtClean="0"/>
-              <a:t>‹Nr.›</a:t>
+              <a:t>‹#›</a:t>
             </a:fld>
             <a:endParaRPr lang="en-US" noProof="0" dirty="0"/>
           </a:p>
@@ -3855,7 +3740,7 @@
           <p:cNvPr id="21" name="Rectangle 20">
             <a:extLst>
               <a:ext uri="{FF2B5EF4-FFF2-40B4-BE49-F238E27FC236}">
-                <a16:creationId xmlns:a16="http://schemas.microsoft.com/office/drawing/2014/main" xmlns="" id="{6E739168-A5E8-443A-B392-7AD4CF8977AD}"/>
+                <a16:creationId xmlns:a16="http://schemas.microsoft.com/office/drawing/2014/main" id="{6E739168-A5E8-443A-B392-7AD4CF8977AD}"/>
               </a:ext>
             </a:extLst>
           </p:cNvPr>
@@ -3907,7 +3792,7 @@
           <p:cNvPr id="7" name="Group 6">
             <a:extLst>
               <a:ext uri="{FF2B5EF4-FFF2-40B4-BE49-F238E27FC236}">
-                <a16:creationId xmlns:a16="http://schemas.microsoft.com/office/drawing/2014/main" xmlns="" id="{4CA15AFD-4983-47DD-9ED0-D3B27E5A096F}"/>
+                <a16:creationId xmlns:a16="http://schemas.microsoft.com/office/drawing/2014/main" id="{4CA15AFD-4983-47DD-9ED0-D3B27E5A096F}"/>
               </a:ext>
             </a:extLst>
           </p:cNvPr>
@@ -3927,7 +3812,7 @@
             <p:cNvPr id="8" name="Group 7">
               <a:extLst>
                 <a:ext uri="{FF2B5EF4-FFF2-40B4-BE49-F238E27FC236}">
-                  <a16:creationId xmlns:a16="http://schemas.microsoft.com/office/drawing/2014/main" xmlns="" id="{2222D5E2-E9B4-4180-98B8-4E514C9ADB28}"/>
+                  <a16:creationId xmlns:a16="http://schemas.microsoft.com/office/drawing/2014/main" id="{2222D5E2-E9B4-4180-98B8-4E514C9ADB28}"/>
                 </a:ext>
               </a:extLst>
             </p:cNvPr>
@@ -3947,7 +3832,7 @@
               <p:cNvPr id="15" name="Freeform: Shape 14">
                 <a:extLst>
                   <a:ext uri="{FF2B5EF4-FFF2-40B4-BE49-F238E27FC236}">
-                    <a16:creationId xmlns:a16="http://schemas.microsoft.com/office/drawing/2014/main" xmlns="" id="{41E10E1E-5268-4F03-BA64-07E19DE26739}"/>
+                    <a16:creationId xmlns:a16="http://schemas.microsoft.com/office/drawing/2014/main" id="{41E10E1E-5268-4F03-BA64-07E19DE26739}"/>
                   </a:ext>
                 </a:extLst>
               </p:cNvPr>
@@ -4084,7 +3969,7 @@
               <p:cNvPr id="16" name="Freeform: Shape 15">
                 <a:extLst>
                   <a:ext uri="{FF2B5EF4-FFF2-40B4-BE49-F238E27FC236}">
-                    <a16:creationId xmlns:a16="http://schemas.microsoft.com/office/drawing/2014/main" xmlns="" id="{B989C45D-BDFF-418F-BE79-03FF70015770}"/>
+                    <a16:creationId xmlns:a16="http://schemas.microsoft.com/office/drawing/2014/main" id="{B989C45D-BDFF-418F-BE79-03FF70015770}"/>
                   </a:ext>
                 </a:extLst>
               </p:cNvPr>
@@ -4248,7 +4133,7 @@
               <p:cNvPr id="17" name="Right Triangle 16">
                 <a:extLst>
                   <a:ext uri="{FF2B5EF4-FFF2-40B4-BE49-F238E27FC236}">
-                    <a16:creationId xmlns:a16="http://schemas.microsoft.com/office/drawing/2014/main" xmlns="" id="{8DCD5806-2A2F-4ABF-8057-245681C498E6}"/>
+                    <a16:creationId xmlns:a16="http://schemas.microsoft.com/office/drawing/2014/main" id="{8DCD5806-2A2F-4ABF-8057-245681C498E6}"/>
                   </a:ext>
                 </a:extLst>
               </p:cNvPr>
@@ -4302,7 +4187,7 @@
               <p:cNvPr id="18" name="Right Triangle 17">
                 <a:extLst>
                   <a:ext uri="{FF2B5EF4-FFF2-40B4-BE49-F238E27FC236}">
-                    <a16:creationId xmlns:a16="http://schemas.microsoft.com/office/drawing/2014/main" xmlns="" id="{3A93038F-E9E4-4FFD-B3DF-28DB7C2C1490}"/>
+                    <a16:creationId xmlns:a16="http://schemas.microsoft.com/office/drawing/2014/main" id="{3A93038F-E9E4-4FFD-B3DF-28DB7C2C1490}"/>
                   </a:ext>
                 </a:extLst>
               </p:cNvPr>
@@ -4359,7 +4244,7 @@
               <p:cNvPr id="19" name="Right Triangle 18">
                 <a:extLst>
                   <a:ext uri="{FF2B5EF4-FFF2-40B4-BE49-F238E27FC236}">
-                    <a16:creationId xmlns:a16="http://schemas.microsoft.com/office/drawing/2014/main" xmlns="" id="{5DEA1E02-BBD0-4AE3-AF22-433B90272178}"/>
+                    <a16:creationId xmlns:a16="http://schemas.microsoft.com/office/drawing/2014/main" id="{5DEA1E02-BBD0-4AE3-AF22-433B90272178}"/>
                   </a:ext>
                 </a:extLst>
               </p:cNvPr>
@@ -4413,7 +4298,7 @@
               <p:cNvPr id="20" name="Freeform: Shape 19">
                 <a:extLst>
                   <a:ext uri="{FF2B5EF4-FFF2-40B4-BE49-F238E27FC236}">
-                    <a16:creationId xmlns:a16="http://schemas.microsoft.com/office/drawing/2014/main" xmlns="" id="{0027A677-9ACB-4264-B148-4806678FB83F}"/>
+                    <a16:creationId xmlns:a16="http://schemas.microsoft.com/office/drawing/2014/main" id="{0027A677-9ACB-4264-B148-4806678FB83F}"/>
                   </a:ext>
                 </a:extLst>
               </p:cNvPr>
@@ -4576,7 +4461,7 @@
             <p:cNvPr id="9" name="Freeform: Shape 12">
               <a:extLst>
                 <a:ext uri="{FF2B5EF4-FFF2-40B4-BE49-F238E27FC236}">
-                  <a16:creationId xmlns:a16="http://schemas.microsoft.com/office/drawing/2014/main" xmlns="" id="{E3AAB79D-382D-4A95-965E-526B6A681DA7}"/>
+                  <a16:creationId xmlns:a16="http://schemas.microsoft.com/office/drawing/2014/main" id="{E3AAB79D-382D-4A95-965E-526B6A681DA7}"/>
                 </a:ext>
               </a:extLst>
             </p:cNvPr>
@@ -4666,7 +4551,7 @@
             <p:cNvPr id="10" name="Freeform: Shape 9">
               <a:extLst>
                 <a:ext uri="{FF2B5EF4-FFF2-40B4-BE49-F238E27FC236}">
-                  <a16:creationId xmlns:a16="http://schemas.microsoft.com/office/drawing/2014/main" xmlns="" id="{C0A22127-2B4A-4B15-B0A9-F019A30347A1}"/>
+                  <a16:creationId xmlns:a16="http://schemas.microsoft.com/office/drawing/2014/main" id="{C0A22127-2B4A-4B15-B0A9-F019A30347A1}"/>
                 </a:ext>
               </a:extLst>
             </p:cNvPr>
@@ -4769,7 +4654,7 @@
             <p:cNvPr id="11" name="Freeform: Shape 12">
               <a:extLst>
                 <a:ext uri="{FF2B5EF4-FFF2-40B4-BE49-F238E27FC236}">
-                  <a16:creationId xmlns:a16="http://schemas.microsoft.com/office/drawing/2014/main" xmlns="" id="{F04D9FDC-1B67-4254-9535-CD32E81F0C3E}"/>
+                  <a16:creationId xmlns:a16="http://schemas.microsoft.com/office/drawing/2014/main" id="{F04D9FDC-1B67-4254-9535-CD32E81F0C3E}"/>
                 </a:ext>
               </a:extLst>
             </p:cNvPr>
@@ -4867,7 +4752,7 @@
             <p:cNvPr id="12" name="Group 11">
               <a:extLst>
                 <a:ext uri="{FF2B5EF4-FFF2-40B4-BE49-F238E27FC236}">
-                  <a16:creationId xmlns:a16="http://schemas.microsoft.com/office/drawing/2014/main" xmlns="" id="{0A86C4EA-4CF8-4531-845D-4FCB1E2F7422}"/>
+                  <a16:creationId xmlns:a16="http://schemas.microsoft.com/office/drawing/2014/main" id="{0A86C4EA-4CF8-4531-845D-4FCB1E2F7422}"/>
                 </a:ext>
               </a:extLst>
             </p:cNvPr>
@@ -4887,7 +4772,7 @@
               <p:cNvPr id="13" name="Freeform: Shape 12">
                 <a:extLst>
                   <a:ext uri="{FF2B5EF4-FFF2-40B4-BE49-F238E27FC236}">
-                    <a16:creationId xmlns:a16="http://schemas.microsoft.com/office/drawing/2014/main" xmlns="" id="{1101B195-C112-4D20-8D19-4D22479B150D}"/>
+                    <a16:creationId xmlns:a16="http://schemas.microsoft.com/office/drawing/2014/main" id="{1101B195-C112-4D20-8D19-4D22479B150D}"/>
                   </a:ext>
                 </a:extLst>
               </p:cNvPr>
@@ -4977,7 +4862,7 @@
               <p:cNvPr id="14" name="Freeform: Shape 12">
                 <a:extLst>
                   <a:ext uri="{FF2B5EF4-FFF2-40B4-BE49-F238E27FC236}">
-                    <a16:creationId xmlns:a16="http://schemas.microsoft.com/office/drawing/2014/main" xmlns="" id="{CA755F1F-9955-4CBB-8F34-F7801CA44CE7}"/>
+                    <a16:creationId xmlns:a16="http://schemas.microsoft.com/office/drawing/2014/main" id="{CA755F1F-9955-4CBB-8F34-F7801CA44CE7}"/>
                   </a:ext>
                 </a:extLst>
               </p:cNvPr>
@@ -5077,7 +4962,7 @@
           <p:cNvPr id="2" name="Title 1">
             <a:extLst>
               <a:ext uri="{FF2B5EF4-FFF2-40B4-BE49-F238E27FC236}">
-                <a16:creationId xmlns:a16="http://schemas.microsoft.com/office/drawing/2014/main" xmlns="" id="{9E597736-C478-4C26-9BAF-205FE31E977C}"/>
+                <a16:creationId xmlns:a16="http://schemas.microsoft.com/office/drawing/2014/main" id="{9E597736-C478-4C26-9BAF-205FE31E977C}"/>
               </a:ext>
             </a:extLst>
           </p:cNvPr>
@@ -5124,7 +5009,7 @@
           <p:cNvPr id="3" name="Subtitle 2">
             <a:extLst>
               <a:ext uri="{FF2B5EF4-FFF2-40B4-BE49-F238E27FC236}">
-                <a16:creationId xmlns:a16="http://schemas.microsoft.com/office/drawing/2014/main" xmlns="" id="{C3D2DEF0-A0B0-4CFE-B67D-A9D75E2368DC}"/>
+                <a16:creationId xmlns:a16="http://schemas.microsoft.com/office/drawing/2014/main" id="{C3D2DEF0-A0B0-4CFE-B67D-A9D75E2368DC}"/>
               </a:ext>
             </a:extLst>
           </p:cNvPr>
@@ -5209,7 +5094,7 @@
           <p:cNvPr id="11" name="Rectangle 10">
             <a:extLst>
               <a:ext uri="{FF2B5EF4-FFF2-40B4-BE49-F238E27FC236}">
-                <a16:creationId xmlns:a16="http://schemas.microsoft.com/office/drawing/2014/main" xmlns="" id="{EB3E033F-4449-40FA-BC85-BD2712D313DD}"/>
+                <a16:creationId xmlns:a16="http://schemas.microsoft.com/office/drawing/2014/main" id="{EB3E033F-4449-40FA-BC85-BD2712D313DD}"/>
               </a:ext>
             </a:extLst>
           </p:cNvPr>
@@ -5263,7 +5148,7 @@
           <p:cNvPr id="10" name="Freeform: Shape 9">
             <a:extLst>
               <a:ext uri="{FF2B5EF4-FFF2-40B4-BE49-F238E27FC236}">
-                <a16:creationId xmlns:a16="http://schemas.microsoft.com/office/drawing/2014/main" xmlns="" id="{63D26743-0505-444C-80B3-E88EE87DF72B}"/>
+                <a16:creationId xmlns:a16="http://schemas.microsoft.com/office/drawing/2014/main" id="{63D26743-0505-444C-80B3-E88EE87DF72B}"/>
               </a:ext>
             </a:extLst>
           </p:cNvPr>
@@ -5386,7 +5271,7 @@
           <p:cNvPr id="18" name="Freeform: Shape 17">
             <a:extLst>
               <a:ext uri="{FF2B5EF4-FFF2-40B4-BE49-F238E27FC236}">
-                <a16:creationId xmlns:a16="http://schemas.microsoft.com/office/drawing/2014/main" xmlns="" id="{E37145E9-AC61-47D5-9288-8789940F81B6}"/>
+                <a16:creationId xmlns:a16="http://schemas.microsoft.com/office/drawing/2014/main" id="{E37145E9-AC61-47D5-9288-8789940F81B6}"/>
               </a:ext>
             </a:extLst>
           </p:cNvPr>
@@ -5538,7 +5423,7 @@
           <p:cNvPr id="12" name="Freeform: Shape 11">
             <a:extLst>
               <a:ext uri="{FF2B5EF4-FFF2-40B4-BE49-F238E27FC236}">
-                <a16:creationId xmlns:a16="http://schemas.microsoft.com/office/drawing/2014/main" xmlns="" id="{A5E2B3ED-9A49-40A7-B8A3-62595FE513F9}"/>
+                <a16:creationId xmlns:a16="http://schemas.microsoft.com/office/drawing/2014/main" id="{A5E2B3ED-9A49-40A7-B8A3-62595FE513F9}"/>
               </a:ext>
             </a:extLst>
           </p:cNvPr>
@@ -5688,7 +5573,7 @@
           <p:cNvPr id="8" name="Freeform: Shape 7">
             <a:extLst>
               <a:ext uri="{FF2B5EF4-FFF2-40B4-BE49-F238E27FC236}">
-                <a16:creationId xmlns:a16="http://schemas.microsoft.com/office/drawing/2014/main" xmlns="" id="{1599AF7E-3E34-4597-AA72-9373A7FDB020}"/>
+                <a16:creationId xmlns:a16="http://schemas.microsoft.com/office/drawing/2014/main" id="{1599AF7E-3E34-4597-AA72-9373A7FDB020}"/>
               </a:ext>
             </a:extLst>
           </p:cNvPr>
@@ -5834,7 +5719,7 @@
           <p:cNvPr id="2" name="Title 1">
             <a:extLst>
               <a:ext uri="{FF2B5EF4-FFF2-40B4-BE49-F238E27FC236}">
-                <a16:creationId xmlns:a16="http://schemas.microsoft.com/office/drawing/2014/main" xmlns="" id="{4A2DF563-7FAC-46B3-B24C-7E45CD89DA2B}"/>
+                <a16:creationId xmlns:a16="http://schemas.microsoft.com/office/drawing/2014/main" id="{4A2DF563-7FAC-46B3-B24C-7E45CD89DA2B}"/>
               </a:ext>
             </a:extLst>
           </p:cNvPr>
@@ -5879,7 +5764,7 @@
           <p:cNvPr id="15" name="Group 14">
             <a:extLst>
               <a:ext uri="{FF2B5EF4-FFF2-40B4-BE49-F238E27FC236}">
-                <a16:creationId xmlns:a16="http://schemas.microsoft.com/office/drawing/2014/main" xmlns="" id="{7732E1E7-45E3-4264-8F26-66758696DD1E}"/>
+                <a16:creationId xmlns:a16="http://schemas.microsoft.com/office/drawing/2014/main" id="{7732E1E7-45E3-4264-8F26-66758696DD1E}"/>
               </a:ext>
             </a:extLst>
           </p:cNvPr>
@@ -5899,7 +5784,7 @@
             <p:cNvPr id="16" name="Freeform: Shape 15">
               <a:extLst>
                 <a:ext uri="{FF2B5EF4-FFF2-40B4-BE49-F238E27FC236}">
-                  <a16:creationId xmlns:a16="http://schemas.microsoft.com/office/drawing/2014/main" xmlns="" id="{2E3DF883-8093-49FA-81E1-E5D77F086A25}"/>
+                  <a16:creationId xmlns:a16="http://schemas.microsoft.com/office/drawing/2014/main" id="{2E3DF883-8093-49FA-81E1-E5D77F086A25}"/>
                 </a:ext>
               </a:extLst>
             </p:cNvPr>
@@ -5989,7 +5874,7 @@
             <p:cNvPr id="17" name="Freeform: Shape 16">
               <a:extLst>
                 <a:ext uri="{FF2B5EF4-FFF2-40B4-BE49-F238E27FC236}">
-                  <a16:creationId xmlns:a16="http://schemas.microsoft.com/office/drawing/2014/main" xmlns="" id="{18944C90-37E5-4BBE-89FF-060627168050}"/>
+                  <a16:creationId xmlns:a16="http://schemas.microsoft.com/office/drawing/2014/main" id="{18944C90-37E5-4BBE-89FF-060627168050}"/>
                 </a:ext>
               </a:extLst>
             </p:cNvPr>
@@ -6088,7 +5973,7 @@
           <p:cNvPr id="6" name="Group 5">
             <a:extLst>
               <a:ext uri="{FF2B5EF4-FFF2-40B4-BE49-F238E27FC236}">
-                <a16:creationId xmlns:a16="http://schemas.microsoft.com/office/drawing/2014/main" xmlns="" id="{D9EBF8BB-A805-4DDB-B459-082F99815B95}"/>
+                <a16:creationId xmlns:a16="http://schemas.microsoft.com/office/drawing/2014/main" id="{D9EBF8BB-A805-4DDB-B459-082F99815B95}"/>
               </a:ext>
             </a:extLst>
           </p:cNvPr>
@@ -6108,7 +5993,7 @@
             <p:cNvPr id="19" name="Rectangle: Single Corner Snipped 18">
               <a:extLst>
                 <a:ext uri="{FF2B5EF4-FFF2-40B4-BE49-F238E27FC236}">
-                  <a16:creationId xmlns:a16="http://schemas.microsoft.com/office/drawing/2014/main" xmlns="" id="{5D638788-DD47-45E7-939A-FA108A818173}"/>
+                  <a16:creationId xmlns:a16="http://schemas.microsoft.com/office/drawing/2014/main" id="{5D638788-DD47-45E7-939A-FA108A818173}"/>
                 </a:ext>
               </a:extLst>
             </p:cNvPr>
@@ -6174,7 +6059,7 @@
             <p:cNvPr id="3" name="Rectangle: Single Corner Snipped 2">
               <a:extLst>
                 <a:ext uri="{FF2B5EF4-FFF2-40B4-BE49-F238E27FC236}">
-                  <a16:creationId xmlns:a16="http://schemas.microsoft.com/office/drawing/2014/main" xmlns="" id="{74BDECEF-EEFE-4332-B3B2-BDE4F82C10FC}"/>
+                  <a16:creationId xmlns:a16="http://schemas.microsoft.com/office/drawing/2014/main" id="{74BDECEF-EEFE-4332-B3B2-BDE4F82C10FC}"/>
                 </a:ext>
               </a:extLst>
             </p:cNvPr>
@@ -6231,7 +6116,7 @@
           <p:cNvPr id="24" name="Freeform: Shape 23">
             <a:extLst>
               <a:ext uri="{FF2B5EF4-FFF2-40B4-BE49-F238E27FC236}">
-                <a16:creationId xmlns:a16="http://schemas.microsoft.com/office/drawing/2014/main" xmlns="" id="{18103E00-7E4A-44CD-81AC-06433CAE1110}"/>
+                <a16:creationId xmlns:a16="http://schemas.microsoft.com/office/drawing/2014/main" id="{18103E00-7E4A-44CD-81AC-06433CAE1110}"/>
               </a:ext>
             </a:extLst>
           </p:cNvPr>
@@ -6326,7 +6211,7 @@
           <p:cNvPr id="5" name="Slide Number Placeholder 4">
             <a:extLst>
               <a:ext uri="{FF2B5EF4-FFF2-40B4-BE49-F238E27FC236}">
-                <a16:creationId xmlns:a16="http://schemas.microsoft.com/office/drawing/2014/main" xmlns="" id="{87B51822-97FF-47A7-8E4E-A0F79B4EB237}"/>
+                <a16:creationId xmlns:a16="http://schemas.microsoft.com/office/drawing/2014/main" id="{87B51822-97FF-47A7-8E4E-A0F79B4EB237}"/>
               </a:ext>
             </a:extLst>
           </p:cNvPr>
@@ -6359,7 +6244,7 @@
             <a:fld id="{C263D6C4-4840-40CC-AC84-17E24B3B7BDE}" type="slidenum">
               <a:rPr lang="en-US" noProof="0" smtClean="0"/>
               <a:pPr/>
-              <a:t>‹Nr.›</a:t>
+              <a:t>‹#›</a:t>
             </a:fld>
             <a:endParaRPr lang="en-US" noProof="0" dirty="0"/>
           </a:p>
@@ -6370,7 +6255,7 @@
           <p:cNvPr id="20" name="Content Placeholder 2">
             <a:extLst>
               <a:ext uri="{FF2B5EF4-FFF2-40B4-BE49-F238E27FC236}">
-                <a16:creationId xmlns:a16="http://schemas.microsoft.com/office/drawing/2014/main" xmlns="" id="{FE796BFF-6E5F-4DE7-B193-F501FC094D63}"/>
+                <a16:creationId xmlns:a16="http://schemas.microsoft.com/office/drawing/2014/main" id="{FE796BFF-6E5F-4DE7-B193-F501FC094D63}"/>
               </a:ext>
             </a:extLst>
           </p:cNvPr>
@@ -6480,7 +6365,7 @@
           <p:cNvPr id="21" name="Content Placeholder 3">
             <a:extLst>
               <a:ext uri="{FF2B5EF4-FFF2-40B4-BE49-F238E27FC236}">
-                <a16:creationId xmlns:a16="http://schemas.microsoft.com/office/drawing/2014/main" xmlns="" id="{78622754-CA4D-4C27-A37F-B26E7B4C9CA2}"/>
+                <a16:creationId xmlns:a16="http://schemas.microsoft.com/office/drawing/2014/main" id="{78622754-CA4D-4C27-A37F-B26E7B4C9CA2}"/>
               </a:ext>
             </a:extLst>
           </p:cNvPr>
@@ -6618,7 +6503,7 @@
           <p:cNvPr id="11" name="Rectangle 10">
             <a:extLst>
               <a:ext uri="{FF2B5EF4-FFF2-40B4-BE49-F238E27FC236}">
-                <a16:creationId xmlns:a16="http://schemas.microsoft.com/office/drawing/2014/main" xmlns="" id="{EB3E033F-4449-40FA-BC85-BD2712D313DD}"/>
+                <a16:creationId xmlns:a16="http://schemas.microsoft.com/office/drawing/2014/main" id="{EB3E033F-4449-40FA-BC85-BD2712D313DD}"/>
               </a:ext>
             </a:extLst>
           </p:cNvPr>
@@ -6672,7 +6557,7 @@
           <p:cNvPr id="10" name="Freeform: Shape 9">
             <a:extLst>
               <a:ext uri="{FF2B5EF4-FFF2-40B4-BE49-F238E27FC236}">
-                <a16:creationId xmlns:a16="http://schemas.microsoft.com/office/drawing/2014/main" xmlns="" id="{63D26743-0505-444C-80B3-E88EE87DF72B}"/>
+                <a16:creationId xmlns:a16="http://schemas.microsoft.com/office/drawing/2014/main" id="{63D26743-0505-444C-80B3-E88EE87DF72B}"/>
               </a:ext>
             </a:extLst>
           </p:cNvPr>
@@ -6795,7 +6680,7 @@
           <p:cNvPr id="18" name="Freeform: Shape 17">
             <a:extLst>
               <a:ext uri="{FF2B5EF4-FFF2-40B4-BE49-F238E27FC236}">
-                <a16:creationId xmlns:a16="http://schemas.microsoft.com/office/drawing/2014/main" xmlns="" id="{E37145E9-AC61-47D5-9288-8789940F81B6}"/>
+                <a16:creationId xmlns:a16="http://schemas.microsoft.com/office/drawing/2014/main" id="{E37145E9-AC61-47D5-9288-8789940F81B6}"/>
               </a:ext>
             </a:extLst>
           </p:cNvPr>
@@ -6947,7 +6832,7 @@
           <p:cNvPr id="12" name="Freeform: Shape 11">
             <a:extLst>
               <a:ext uri="{FF2B5EF4-FFF2-40B4-BE49-F238E27FC236}">
-                <a16:creationId xmlns:a16="http://schemas.microsoft.com/office/drawing/2014/main" xmlns="" id="{A5E2B3ED-9A49-40A7-B8A3-62595FE513F9}"/>
+                <a16:creationId xmlns:a16="http://schemas.microsoft.com/office/drawing/2014/main" id="{A5E2B3ED-9A49-40A7-B8A3-62595FE513F9}"/>
               </a:ext>
             </a:extLst>
           </p:cNvPr>
@@ -7097,7 +6982,7 @@
           <p:cNvPr id="8" name="Freeform: Shape 7">
             <a:extLst>
               <a:ext uri="{FF2B5EF4-FFF2-40B4-BE49-F238E27FC236}">
-                <a16:creationId xmlns:a16="http://schemas.microsoft.com/office/drawing/2014/main" xmlns="" id="{1599AF7E-3E34-4597-AA72-9373A7FDB020}"/>
+                <a16:creationId xmlns:a16="http://schemas.microsoft.com/office/drawing/2014/main" id="{1599AF7E-3E34-4597-AA72-9373A7FDB020}"/>
               </a:ext>
             </a:extLst>
           </p:cNvPr>
@@ -7243,7 +7128,7 @@
           <p:cNvPr id="2" name="Title 1">
             <a:extLst>
               <a:ext uri="{FF2B5EF4-FFF2-40B4-BE49-F238E27FC236}">
-                <a16:creationId xmlns:a16="http://schemas.microsoft.com/office/drawing/2014/main" xmlns="" id="{4A2DF563-7FAC-46B3-B24C-7E45CD89DA2B}"/>
+                <a16:creationId xmlns:a16="http://schemas.microsoft.com/office/drawing/2014/main" id="{4A2DF563-7FAC-46B3-B24C-7E45CD89DA2B}"/>
               </a:ext>
             </a:extLst>
           </p:cNvPr>
@@ -7288,7 +7173,7 @@
           <p:cNvPr id="15" name="Group 14">
             <a:extLst>
               <a:ext uri="{FF2B5EF4-FFF2-40B4-BE49-F238E27FC236}">
-                <a16:creationId xmlns:a16="http://schemas.microsoft.com/office/drawing/2014/main" xmlns="" id="{7732E1E7-45E3-4264-8F26-66758696DD1E}"/>
+                <a16:creationId xmlns:a16="http://schemas.microsoft.com/office/drawing/2014/main" id="{7732E1E7-45E3-4264-8F26-66758696DD1E}"/>
               </a:ext>
             </a:extLst>
           </p:cNvPr>
@@ -7308,7 +7193,7 @@
             <p:cNvPr id="16" name="Freeform: Shape 15">
               <a:extLst>
                 <a:ext uri="{FF2B5EF4-FFF2-40B4-BE49-F238E27FC236}">
-                  <a16:creationId xmlns:a16="http://schemas.microsoft.com/office/drawing/2014/main" xmlns="" id="{2E3DF883-8093-49FA-81E1-E5D77F086A25}"/>
+                  <a16:creationId xmlns:a16="http://schemas.microsoft.com/office/drawing/2014/main" id="{2E3DF883-8093-49FA-81E1-E5D77F086A25}"/>
                 </a:ext>
               </a:extLst>
             </p:cNvPr>
@@ -7398,7 +7283,7 @@
             <p:cNvPr id="17" name="Freeform: Shape 16">
               <a:extLst>
                 <a:ext uri="{FF2B5EF4-FFF2-40B4-BE49-F238E27FC236}">
-                  <a16:creationId xmlns:a16="http://schemas.microsoft.com/office/drawing/2014/main" xmlns="" id="{18944C90-37E5-4BBE-89FF-060627168050}"/>
+                  <a16:creationId xmlns:a16="http://schemas.microsoft.com/office/drawing/2014/main" id="{18944C90-37E5-4BBE-89FF-060627168050}"/>
                 </a:ext>
               </a:extLst>
             </p:cNvPr>
@@ -7497,7 +7382,7 @@
           <p:cNvPr id="6" name="Group 5">
             <a:extLst>
               <a:ext uri="{FF2B5EF4-FFF2-40B4-BE49-F238E27FC236}">
-                <a16:creationId xmlns:a16="http://schemas.microsoft.com/office/drawing/2014/main" xmlns="" id="{D9EBF8BB-A805-4DDB-B459-082F99815B95}"/>
+                <a16:creationId xmlns:a16="http://schemas.microsoft.com/office/drawing/2014/main" id="{D9EBF8BB-A805-4DDB-B459-082F99815B95}"/>
               </a:ext>
             </a:extLst>
           </p:cNvPr>
@@ -7517,7 +7402,7 @@
             <p:cNvPr id="19" name="Rectangle: Single Corner Snipped 18">
               <a:extLst>
                 <a:ext uri="{FF2B5EF4-FFF2-40B4-BE49-F238E27FC236}">
-                  <a16:creationId xmlns:a16="http://schemas.microsoft.com/office/drawing/2014/main" xmlns="" id="{5D638788-DD47-45E7-939A-FA108A818173}"/>
+                  <a16:creationId xmlns:a16="http://schemas.microsoft.com/office/drawing/2014/main" id="{5D638788-DD47-45E7-939A-FA108A818173}"/>
                 </a:ext>
               </a:extLst>
             </p:cNvPr>
@@ -7578,7 +7463,7 @@
             <p:cNvPr id="3" name="Rectangle: Single Corner Snipped 2">
               <a:extLst>
                 <a:ext uri="{FF2B5EF4-FFF2-40B4-BE49-F238E27FC236}">
-                  <a16:creationId xmlns:a16="http://schemas.microsoft.com/office/drawing/2014/main" xmlns="" id="{74BDECEF-EEFE-4332-B3B2-BDE4F82C10FC}"/>
+                  <a16:creationId xmlns:a16="http://schemas.microsoft.com/office/drawing/2014/main" id="{74BDECEF-EEFE-4332-B3B2-BDE4F82C10FC}"/>
                 </a:ext>
               </a:extLst>
             </p:cNvPr>
@@ -7635,7 +7520,7 @@
           <p:cNvPr id="20" name="Picture Placeholder 8">
             <a:extLst>
               <a:ext uri="{FF2B5EF4-FFF2-40B4-BE49-F238E27FC236}">
-                <a16:creationId xmlns:a16="http://schemas.microsoft.com/office/drawing/2014/main" xmlns="" id="{6D00E6B4-1CBE-404E-B943-5F1832320C1C}"/>
+                <a16:creationId xmlns:a16="http://schemas.microsoft.com/office/drawing/2014/main" id="{6D00E6B4-1CBE-404E-B943-5F1832320C1C}"/>
               </a:ext>
             </a:extLst>
           </p:cNvPr>
@@ -7698,7 +7583,7 @@
           <p:cNvPr id="21" name="Picture Placeholder 8">
             <a:extLst>
               <a:ext uri="{FF2B5EF4-FFF2-40B4-BE49-F238E27FC236}">
-                <a16:creationId xmlns:a16="http://schemas.microsoft.com/office/drawing/2014/main" xmlns="" id="{7CD59BFD-62BE-4E33-92A5-B84A2A9A8D3B}"/>
+                <a16:creationId xmlns:a16="http://schemas.microsoft.com/office/drawing/2014/main" id="{7CD59BFD-62BE-4E33-92A5-B84A2A9A8D3B}"/>
               </a:ext>
             </a:extLst>
           </p:cNvPr>
@@ -7761,7 +7646,7 @@
           <p:cNvPr id="22" name="Picture Placeholder 8">
             <a:extLst>
               <a:ext uri="{FF2B5EF4-FFF2-40B4-BE49-F238E27FC236}">
-                <a16:creationId xmlns:a16="http://schemas.microsoft.com/office/drawing/2014/main" xmlns="" id="{60DC5978-55B8-421D-91B4-29F8210A7B2C}"/>
+                <a16:creationId xmlns:a16="http://schemas.microsoft.com/office/drawing/2014/main" id="{60DC5978-55B8-421D-91B4-29F8210A7B2C}"/>
               </a:ext>
             </a:extLst>
           </p:cNvPr>
@@ -7824,7 +7709,7 @@
           <p:cNvPr id="23" name="Picture Placeholder 8">
             <a:extLst>
               <a:ext uri="{FF2B5EF4-FFF2-40B4-BE49-F238E27FC236}">
-                <a16:creationId xmlns:a16="http://schemas.microsoft.com/office/drawing/2014/main" xmlns="" id="{BE3FB8C3-2C7E-4C59-8BD5-53FA2772DB56}"/>
+                <a16:creationId xmlns:a16="http://schemas.microsoft.com/office/drawing/2014/main" id="{BE3FB8C3-2C7E-4C59-8BD5-53FA2772DB56}"/>
               </a:ext>
             </a:extLst>
           </p:cNvPr>
@@ -7887,7 +7772,7 @@
           <p:cNvPr id="24" name="Picture Placeholder 8">
             <a:extLst>
               <a:ext uri="{FF2B5EF4-FFF2-40B4-BE49-F238E27FC236}">
-                <a16:creationId xmlns:a16="http://schemas.microsoft.com/office/drawing/2014/main" xmlns="" id="{FD8FA9DA-C36B-4889-B88F-28B5829E53E2}"/>
+                <a16:creationId xmlns:a16="http://schemas.microsoft.com/office/drawing/2014/main" id="{FD8FA9DA-C36B-4889-B88F-28B5829E53E2}"/>
               </a:ext>
             </a:extLst>
           </p:cNvPr>
@@ -7950,7 +7835,7 @@
           <p:cNvPr id="26" name="Text Placeholder 22">
             <a:extLst>
               <a:ext uri="{FF2B5EF4-FFF2-40B4-BE49-F238E27FC236}">
-                <a16:creationId xmlns:a16="http://schemas.microsoft.com/office/drawing/2014/main" xmlns="" id="{2A19101D-7C37-42BF-8167-5391EA65EC3A}"/>
+                <a16:creationId xmlns:a16="http://schemas.microsoft.com/office/drawing/2014/main" id="{2A19101D-7C37-42BF-8167-5391EA65EC3A}"/>
               </a:ext>
             </a:extLst>
           </p:cNvPr>
@@ -8060,7 +7945,7 @@
           <p:cNvPr id="27" name="Text Placeholder 22">
             <a:extLst>
               <a:ext uri="{FF2B5EF4-FFF2-40B4-BE49-F238E27FC236}">
-                <a16:creationId xmlns:a16="http://schemas.microsoft.com/office/drawing/2014/main" xmlns="" id="{05F72315-51A9-431C-B80A-45E4FB1D6BD6}"/>
+                <a16:creationId xmlns:a16="http://schemas.microsoft.com/office/drawing/2014/main" id="{05F72315-51A9-431C-B80A-45E4FB1D6BD6}"/>
               </a:ext>
             </a:extLst>
           </p:cNvPr>
@@ -8170,7 +8055,7 @@
           <p:cNvPr id="28" name="Text Placeholder 22">
             <a:extLst>
               <a:ext uri="{FF2B5EF4-FFF2-40B4-BE49-F238E27FC236}">
-                <a16:creationId xmlns:a16="http://schemas.microsoft.com/office/drawing/2014/main" xmlns="" id="{883D1F0C-34F1-46E1-B178-E4AB82B14631}"/>
+                <a16:creationId xmlns:a16="http://schemas.microsoft.com/office/drawing/2014/main" id="{883D1F0C-34F1-46E1-B178-E4AB82B14631}"/>
               </a:ext>
             </a:extLst>
           </p:cNvPr>
@@ -8280,7 +8165,7 @@
           <p:cNvPr id="29" name="Text Placeholder 22">
             <a:extLst>
               <a:ext uri="{FF2B5EF4-FFF2-40B4-BE49-F238E27FC236}">
-                <a16:creationId xmlns:a16="http://schemas.microsoft.com/office/drawing/2014/main" xmlns="" id="{7202A849-DF14-40E7-B38D-1185F72603EC}"/>
+                <a16:creationId xmlns:a16="http://schemas.microsoft.com/office/drawing/2014/main" id="{7202A849-DF14-40E7-B38D-1185F72603EC}"/>
               </a:ext>
             </a:extLst>
           </p:cNvPr>
@@ -8390,7 +8275,7 @@
           <p:cNvPr id="30" name="Text Placeholder 22">
             <a:extLst>
               <a:ext uri="{FF2B5EF4-FFF2-40B4-BE49-F238E27FC236}">
-                <a16:creationId xmlns:a16="http://schemas.microsoft.com/office/drawing/2014/main" xmlns="" id="{CCFC1ADF-AC11-4CCD-AC2D-478B6FFEA5EA}"/>
+                <a16:creationId xmlns:a16="http://schemas.microsoft.com/office/drawing/2014/main" id="{CCFC1ADF-AC11-4CCD-AC2D-478B6FFEA5EA}"/>
               </a:ext>
             </a:extLst>
           </p:cNvPr>
@@ -8500,7 +8385,7 @@
           <p:cNvPr id="7" name="Straight Connector 6">
             <a:extLst>
               <a:ext uri="{FF2B5EF4-FFF2-40B4-BE49-F238E27FC236}">
-                <a16:creationId xmlns:a16="http://schemas.microsoft.com/office/drawing/2014/main" xmlns="" id="{2B4CB326-DA0E-488E-B236-7017E8438FBB}"/>
+                <a16:creationId xmlns:a16="http://schemas.microsoft.com/office/drawing/2014/main" id="{2B4CB326-DA0E-488E-B236-7017E8438FBB}"/>
               </a:ext>
             </a:extLst>
           </p:cNvPr>
@@ -8541,7 +8426,7 @@
           <p:cNvPr id="31" name="Straight Connector 30">
             <a:extLst>
               <a:ext uri="{FF2B5EF4-FFF2-40B4-BE49-F238E27FC236}">
-                <a16:creationId xmlns:a16="http://schemas.microsoft.com/office/drawing/2014/main" xmlns="" id="{9366B533-7212-4A36-9CE2-D6302E721F8F}"/>
+                <a16:creationId xmlns:a16="http://schemas.microsoft.com/office/drawing/2014/main" id="{9366B533-7212-4A36-9CE2-D6302E721F8F}"/>
               </a:ext>
             </a:extLst>
           </p:cNvPr>
@@ -8582,7 +8467,7 @@
           <p:cNvPr id="32" name="Straight Connector 31">
             <a:extLst>
               <a:ext uri="{FF2B5EF4-FFF2-40B4-BE49-F238E27FC236}">
-                <a16:creationId xmlns:a16="http://schemas.microsoft.com/office/drawing/2014/main" xmlns="" id="{AD7474CD-E230-4E14-8274-5E20F673F401}"/>
+                <a16:creationId xmlns:a16="http://schemas.microsoft.com/office/drawing/2014/main" id="{AD7474CD-E230-4E14-8274-5E20F673F401}"/>
               </a:ext>
             </a:extLst>
           </p:cNvPr>
@@ -8623,7 +8508,7 @@
           <p:cNvPr id="33" name="Straight Connector 32">
             <a:extLst>
               <a:ext uri="{FF2B5EF4-FFF2-40B4-BE49-F238E27FC236}">
-                <a16:creationId xmlns:a16="http://schemas.microsoft.com/office/drawing/2014/main" xmlns="" id="{6BF71FCE-6F39-4D2F-82BE-7D9F1D2ED59F}"/>
+                <a16:creationId xmlns:a16="http://schemas.microsoft.com/office/drawing/2014/main" id="{6BF71FCE-6F39-4D2F-82BE-7D9F1D2ED59F}"/>
               </a:ext>
             </a:extLst>
           </p:cNvPr>
@@ -8664,7 +8549,7 @@
           <p:cNvPr id="34" name="Straight Connector 33">
             <a:extLst>
               <a:ext uri="{FF2B5EF4-FFF2-40B4-BE49-F238E27FC236}">
-                <a16:creationId xmlns:a16="http://schemas.microsoft.com/office/drawing/2014/main" xmlns="" id="{AE97AC7A-17D9-4F42-9DD0-94FE4FC6BF19}"/>
+                <a16:creationId xmlns:a16="http://schemas.microsoft.com/office/drawing/2014/main" id="{AE97AC7A-17D9-4F42-9DD0-94FE4FC6BF19}"/>
               </a:ext>
             </a:extLst>
           </p:cNvPr>
@@ -8705,7 +8590,7 @@
           <p:cNvPr id="35" name="Freeform: Shape 34">
             <a:extLst>
               <a:ext uri="{FF2B5EF4-FFF2-40B4-BE49-F238E27FC236}">
-                <a16:creationId xmlns:a16="http://schemas.microsoft.com/office/drawing/2014/main" xmlns="" id="{62EEBF51-DCAD-4335-85E9-52801031A1BF}"/>
+                <a16:creationId xmlns:a16="http://schemas.microsoft.com/office/drawing/2014/main" id="{62EEBF51-DCAD-4335-85E9-52801031A1BF}"/>
               </a:ext>
             </a:extLst>
           </p:cNvPr>
@@ -8800,7 +8685,7 @@
           <p:cNvPr id="5" name="Slide Number Placeholder 4">
             <a:extLst>
               <a:ext uri="{FF2B5EF4-FFF2-40B4-BE49-F238E27FC236}">
-                <a16:creationId xmlns:a16="http://schemas.microsoft.com/office/drawing/2014/main" xmlns="" id="{87B51822-97FF-47A7-8E4E-A0F79B4EB237}"/>
+                <a16:creationId xmlns:a16="http://schemas.microsoft.com/office/drawing/2014/main" id="{87B51822-97FF-47A7-8E4E-A0F79B4EB237}"/>
               </a:ext>
             </a:extLst>
           </p:cNvPr>
@@ -8833,7 +8718,7 @@
             <a:fld id="{C263D6C4-4840-40CC-AC84-17E24B3B7BDE}" type="slidenum">
               <a:rPr lang="en-US" noProof="0" smtClean="0"/>
               <a:pPr/>
-              <a:t>‹Nr.›</a:t>
+              <a:t>‹#›</a:t>
             </a:fld>
             <a:endParaRPr lang="en-US" noProof="0" dirty="0"/>
           </a:p>
@@ -8882,7 +8767,7 @@
           <p:cNvPr id="11" name="Rectangle 10">
             <a:extLst>
               <a:ext uri="{FF2B5EF4-FFF2-40B4-BE49-F238E27FC236}">
-                <a16:creationId xmlns:a16="http://schemas.microsoft.com/office/drawing/2014/main" xmlns="" id="{EB3E033F-4449-40FA-BC85-BD2712D313DD}"/>
+                <a16:creationId xmlns:a16="http://schemas.microsoft.com/office/drawing/2014/main" id="{EB3E033F-4449-40FA-BC85-BD2712D313DD}"/>
               </a:ext>
             </a:extLst>
           </p:cNvPr>
@@ -8936,7 +8821,7 @@
           <p:cNvPr id="10" name="Freeform: Shape 9">
             <a:extLst>
               <a:ext uri="{FF2B5EF4-FFF2-40B4-BE49-F238E27FC236}">
-                <a16:creationId xmlns:a16="http://schemas.microsoft.com/office/drawing/2014/main" xmlns="" id="{63D26743-0505-444C-80B3-E88EE87DF72B}"/>
+                <a16:creationId xmlns:a16="http://schemas.microsoft.com/office/drawing/2014/main" id="{63D26743-0505-444C-80B3-E88EE87DF72B}"/>
               </a:ext>
             </a:extLst>
           </p:cNvPr>
@@ -9059,7 +8944,7 @@
           <p:cNvPr id="18" name="Freeform: Shape 17">
             <a:extLst>
               <a:ext uri="{FF2B5EF4-FFF2-40B4-BE49-F238E27FC236}">
-                <a16:creationId xmlns:a16="http://schemas.microsoft.com/office/drawing/2014/main" xmlns="" id="{E37145E9-AC61-47D5-9288-8789940F81B6}"/>
+                <a16:creationId xmlns:a16="http://schemas.microsoft.com/office/drawing/2014/main" id="{E37145E9-AC61-47D5-9288-8789940F81B6}"/>
               </a:ext>
             </a:extLst>
           </p:cNvPr>
@@ -9211,7 +9096,7 @@
           <p:cNvPr id="12" name="Freeform: Shape 11">
             <a:extLst>
               <a:ext uri="{FF2B5EF4-FFF2-40B4-BE49-F238E27FC236}">
-                <a16:creationId xmlns:a16="http://schemas.microsoft.com/office/drawing/2014/main" xmlns="" id="{A5E2B3ED-9A49-40A7-B8A3-62595FE513F9}"/>
+                <a16:creationId xmlns:a16="http://schemas.microsoft.com/office/drawing/2014/main" id="{A5E2B3ED-9A49-40A7-B8A3-62595FE513F9}"/>
               </a:ext>
             </a:extLst>
           </p:cNvPr>
@@ -9361,7 +9246,7 @@
           <p:cNvPr id="8" name="Freeform: Shape 7">
             <a:extLst>
               <a:ext uri="{FF2B5EF4-FFF2-40B4-BE49-F238E27FC236}">
-                <a16:creationId xmlns:a16="http://schemas.microsoft.com/office/drawing/2014/main" xmlns="" id="{1599AF7E-3E34-4597-AA72-9373A7FDB020}"/>
+                <a16:creationId xmlns:a16="http://schemas.microsoft.com/office/drawing/2014/main" id="{1599AF7E-3E34-4597-AA72-9373A7FDB020}"/>
               </a:ext>
             </a:extLst>
           </p:cNvPr>
@@ -9507,7 +9392,7 @@
           <p:cNvPr id="2" name="Title 1">
             <a:extLst>
               <a:ext uri="{FF2B5EF4-FFF2-40B4-BE49-F238E27FC236}">
-                <a16:creationId xmlns:a16="http://schemas.microsoft.com/office/drawing/2014/main" xmlns="" id="{4A2DF563-7FAC-46B3-B24C-7E45CD89DA2B}"/>
+                <a16:creationId xmlns:a16="http://schemas.microsoft.com/office/drawing/2014/main" id="{4A2DF563-7FAC-46B3-B24C-7E45CD89DA2B}"/>
               </a:ext>
             </a:extLst>
           </p:cNvPr>
@@ -9552,7 +9437,7 @@
           <p:cNvPr id="15" name="Group 14">
             <a:extLst>
               <a:ext uri="{FF2B5EF4-FFF2-40B4-BE49-F238E27FC236}">
-                <a16:creationId xmlns:a16="http://schemas.microsoft.com/office/drawing/2014/main" xmlns="" id="{7732E1E7-45E3-4264-8F26-66758696DD1E}"/>
+                <a16:creationId xmlns:a16="http://schemas.microsoft.com/office/drawing/2014/main" id="{7732E1E7-45E3-4264-8F26-66758696DD1E}"/>
               </a:ext>
             </a:extLst>
           </p:cNvPr>
@@ -9572,7 +9457,7 @@
             <p:cNvPr id="16" name="Freeform: Shape 15">
               <a:extLst>
                 <a:ext uri="{FF2B5EF4-FFF2-40B4-BE49-F238E27FC236}">
-                  <a16:creationId xmlns:a16="http://schemas.microsoft.com/office/drawing/2014/main" xmlns="" id="{2E3DF883-8093-49FA-81E1-E5D77F086A25}"/>
+                  <a16:creationId xmlns:a16="http://schemas.microsoft.com/office/drawing/2014/main" id="{2E3DF883-8093-49FA-81E1-E5D77F086A25}"/>
                 </a:ext>
               </a:extLst>
             </p:cNvPr>
@@ -9662,7 +9547,7 @@
             <p:cNvPr id="17" name="Freeform: Shape 16">
               <a:extLst>
                 <a:ext uri="{FF2B5EF4-FFF2-40B4-BE49-F238E27FC236}">
-                  <a16:creationId xmlns:a16="http://schemas.microsoft.com/office/drawing/2014/main" xmlns="" id="{18944C90-37E5-4BBE-89FF-060627168050}"/>
+                  <a16:creationId xmlns:a16="http://schemas.microsoft.com/office/drawing/2014/main" id="{18944C90-37E5-4BBE-89FF-060627168050}"/>
                 </a:ext>
               </a:extLst>
             </p:cNvPr>
@@ -9761,7 +9646,7 @@
           <p:cNvPr id="6" name="Group 5">
             <a:extLst>
               <a:ext uri="{FF2B5EF4-FFF2-40B4-BE49-F238E27FC236}">
-                <a16:creationId xmlns:a16="http://schemas.microsoft.com/office/drawing/2014/main" xmlns="" id="{D9EBF8BB-A805-4DDB-B459-082F99815B95}"/>
+                <a16:creationId xmlns:a16="http://schemas.microsoft.com/office/drawing/2014/main" id="{D9EBF8BB-A805-4DDB-B459-082F99815B95}"/>
               </a:ext>
             </a:extLst>
           </p:cNvPr>
@@ -9781,7 +9666,7 @@
             <p:cNvPr id="19" name="Rectangle: Single Corner Snipped 18">
               <a:extLst>
                 <a:ext uri="{FF2B5EF4-FFF2-40B4-BE49-F238E27FC236}">
-                  <a16:creationId xmlns:a16="http://schemas.microsoft.com/office/drawing/2014/main" xmlns="" id="{5D638788-DD47-45E7-939A-FA108A818173}"/>
+                  <a16:creationId xmlns:a16="http://schemas.microsoft.com/office/drawing/2014/main" id="{5D638788-DD47-45E7-939A-FA108A818173}"/>
                 </a:ext>
               </a:extLst>
             </p:cNvPr>
@@ -9842,7 +9727,7 @@
             <p:cNvPr id="3" name="Rectangle: Single Corner Snipped 2">
               <a:extLst>
                 <a:ext uri="{FF2B5EF4-FFF2-40B4-BE49-F238E27FC236}">
-                  <a16:creationId xmlns:a16="http://schemas.microsoft.com/office/drawing/2014/main" xmlns="" id="{74BDECEF-EEFE-4332-B3B2-BDE4F82C10FC}"/>
+                  <a16:creationId xmlns:a16="http://schemas.microsoft.com/office/drawing/2014/main" id="{74BDECEF-EEFE-4332-B3B2-BDE4F82C10FC}"/>
                 </a:ext>
               </a:extLst>
             </p:cNvPr>
@@ -9899,7 +9784,7 @@
           <p:cNvPr id="26" name="Text Placeholder 22">
             <a:extLst>
               <a:ext uri="{FF2B5EF4-FFF2-40B4-BE49-F238E27FC236}">
-                <a16:creationId xmlns:a16="http://schemas.microsoft.com/office/drawing/2014/main" xmlns="" id="{2A19101D-7C37-42BF-8167-5391EA65EC3A}"/>
+                <a16:creationId xmlns:a16="http://schemas.microsoft.com/office/drawing/2014/main" id="{2A19101D-7C37-42BF-8167-5391EA65EC3A}"/>
               </a:ext>
             </a:extLst>
           </p:cNvPr>
@@ -10009,7 +9894,7 @@
           <p:cNvPr id="35" name="Freeform: Shape 34">
             <a:extLst>
               <a:ext uri="{FF2B5EF4-FFF2-40B4-BE49-F238E27FC236}">
-                <a16:creationId xmlns:a16="http://schemas.microsoft.com/office/drawing/2014/main" xmlns="" id="{62EEBF51-DCAD-4335-85E9-52801031A1BF}"/>
+                <a16:creationId xmlns:a16="http://schemas.microsoft.com/office/drawing/2014/main" id="{62EEBF51-DCAD-4335-85E9-52801031A1BF}"/>
               </a:ext>
             </a:extLst>
           </p:cNvPr>
@@ -10104,7 +9989,7 @@
           <p:cNvPr id="5" name="Slide Number Placeholder 4">
             <a:extLst>
               <a:ext uri="{FF2B5EF4-FFF2-40B4-BE49-F238E27FC236}">
-                <a16:creationId xmlns:a16="http://schemas.microsoft.com/office/drawing/2014/main" xmlns="" id="{87B51822-97FF-47A7-8E4E-A0F79B4EB237}"/>
+                <a16:creationId xmlns:a16="http://schemas.microsoft.com/office/drawing/2014/main" id="{87B51822-97FF-47A7-8E4E-A0F79B4EB237}"/>
               </a:ext>
             </a:extLst>
           </p:cNvPr>
@@ -10137,7 +10022,7 @@
             <a:fld id="{C263D6C4-4840-40CC-AC84-17E24B3B7BDE}" type="slidenum">
               <a:rPr lang="en-US" noProof="0" smtClean="0"/>
               <a:pPr/>
-              <a:t>‹Nr.›</a:t>
+              <a:t>‹#›</a:t>
             </a:fld>
             <a:endParaRPr lang="en-US" noProof="0" dirty="0"/>
           </a:p>
@@ -10148,7 +10033,7 @@
           <p:cNvPr id="13" name="Picture Placeholder 12">
             <a:extLst>
               <a:ext uri="{FF2B5EF4-FFF2-40B4-BE49-F238E27FC236}">
-                <a16:creationId xmlns:a16="http://schemas.microsoft.com/office/drawing/2014/main" xmlns="" id="{231B97CF-FD24-4932-8459-893B1AC73D33}"/>
+                <a16:creationId xmlns:a16="http://schemas.microsoft.com/office/drawing/2014/main" id="{231B97CF-FD24-4932-8459-893B1AC73D33}"/>
               </a:ext>
             </a:extLst>
           </p:cNvPr>
@@ -10193,7 +10078,7 @@
           <p:cNvPr id="36" name="Text Placeholder 22">
             <a:extLst>
               <a:ext uri="{FF2B5EF4-FFF2-40B4-BE49-F238E27FC236}">
-                <a16:creationId xmlns:a16="http://schemas.microsoft.com/office/drawing/2014/main" xmlns="" id="{642D3CE0-C3B4-4F3F-A650-AB452B3AD4BA}"/>
+                <a16:creationId xmlns:a16="http://schemas.microsoft.com/office/drawing/2014/main" id="{642D3CE0-C3B4-4F3F-A650-AB452B3AD4BA}"/>
               </a:ext>
             </a:extLst>
           </p:cNvPr>
@@ -10303,7 +10188,7 @@
           <p:cNvPr id="37" name="Text Placeholder 22">
             <a:extLst>
               <a:ext uri="{FF2B5EF4-FFF2-40B4-BE49-F238E27FC236}">
-                <a16:creationId xmlns:a16="http://schemas.microsoft.com/office/drawing/2014/main" xmlns="" id="{DBED2BB0-CDAD-40EE-8B35-C66DF45EE29D}"/>
+                <a16:creationId xmlns:a16="http://schemas.microsoft.com/office/drawing/2014/main" id="{DBED2BB0-CDAD-40EE-8B35-C66DF45EE29D}"/>
               </a:ext>
             </a:extLst>
           </p:cNvPr>
@@ -10451,7 +10336,7 @@
           <p:cNvPr id="11" name="Rectangle 10">
             <a:extLst>
               <a:ext uri="{FF2B5EF4-FFF2-40B4-BE49-F238E27FC236}">
-                <a16:creationId xmlns:a16="http://schemas.microsoft.com/office/drawing/2014/main" xmlns="" id="{EB3E033F-4449-40FA-BC85-BD2712D313DD}"/>
+                <a16:creationId xmlns:a16="http://schemas.microsoft.com/office/drawing/2014/main" id="{EB3E033F-4449-40FA-BC85-BD2712D313DD}"/>
               </a:ext>
             </a:extLst>
           </p:cNvPr>
@@ -10505,7 +10390,7 @@
           <p:cNvPr id="10" name="Freeform: Shape 9">
             <a:extLst>
               <a:ext uri="{FF2B5EF4-FFF2-40B4-BE49-F238E27FC236}">
-                <a16:creationId xmlns:a16="http://schemas.microsoft.com/office/drawing/2014/main" xmlns="" id="{63D26743-0505-444C-80B3-E88EE87DF72B}"/>
+                <a16:creationId xmlns:a16="http://schemas.microsoft.com/office/drawing/2014/main" id="{63D26743-0505-444C-80B3-E88EE87DF72B}"/>
               </a:ext>
             </a:extLst>
           </p:cNvPr>
@@ -10628,7 +10513,7 @@
           <p:cNvPr id="18" name="Freeform: Shape 17">
             <a:extLst>
               <a:ext uri="{FF2B5EF4-FFF2-40B4-BE49-F238E27FC236}">
-                <a16:creationId xmlns:a16="http://schemas.microsoft.com/office/drawing/2014/main" xmlns="" id="{E37145E9-AC61-47D5-9288-8789940F81B6}"/>
+                <a16:creationId xmlns:a16="http://schemas.microsoft.com/office/drawing/2014/main" id="{E37145E9-AC61-47D5-9288-8789940F81B6}"/>
               </a:ext>
             </a:extLst>
           </p:cNvPr>
@@ -10780,7 +10665,7 @@
           <p:cNvPr id="12" name="Freeform: Shape 11">
             <a:extLst>
               <a:ext uri="{FF2B5EF4-FFF2-40B4-BE49-F238E27FC236}">
-                <a16:creationId xmlns:a16="http://schemas.microsoft.com/office/drawing/2014/main" xmlns="" id="{A5E2B3ED-9A49-40A7-B8A3-62595FE513F9}"/>
+                <a16:creationId xmlns:a16="http://schemas.microsoft.com/office/drawing/2014/main" id="{A5E2B3ED-9A49-40A7-B8A3-62595FE513F9}"/>
               </a:ext>
             </a:extLst>
           </p:cNvPr>
@@ -10930,7 +10815,7 @@
           <p:cNvPr id="8" name="Freeform: Shape 7">
             <a:extLst>
               <a:ext uri="{FF2B5EF4-FFF2-40B4-BE49-F238E27FC236}">
-                <a16:creationId xmlns:a16="http://schemas.microsoft.com/office/drawing/2014/main" xmlns="" id="{1599AF7E-3E34-4597-AA72-9373A7FDB020}"/>
+                <a16:creationId xmlns:a16="http://schemas.microsoft.com/office/drawing/2014/main" id="{1599AF7E-3E34-4597-AA72-9373A7FDB020}"/>
               </a:ext>
             </a:extLst>
           </p:cNvPr>
@@ -11076,7 +10961,7 @@
           <p:cNvPr id="2" name="Title 1">
             <a:extLst>
               <a:ext uri="{FF2B5EF4-FFF2-40B4-BE49-F238E27FC236}">
-                <a16:creationId xmlns:a16="http://schemas.microsoft.com/office/drawing/2014/main" xmlns="" id="{4A2DF563-7FAC-46B3-B24C-7E45CD89DA2B}"/>
+                <a16:creationId xmlns:a16="http://schemas.microsoft.com/office/drawing/2014/main" id="{4A2DF563-7FAC-46B3-B24C-7E45CD89DA2B}"/>
               </a:ext>
             </a:extLst>
           </p:cNvPr>
@@ -11121,7 +11006,7 @@
           <p:cNvPr id="15" name="Group 14">
             <a:extLst>
               <a:ext uri="{FF2B5EF4-FFF2-40B4-BE49-F238E27FC236}">
-                <a16:creationId xmlns:a16="http://schemas.microsoft.com/office/drawing/2014/main" xmlns="" id="{7732E1E7-45E3-4264-8F26-66758696DD1E}"/>
+                <a16:creationId xmlns:a16="http://schemas.microsoft.com/office/drawing/2014/main" id="{7732E1E7-45E3-4264-8F26-66758696DD1E}"/>
               </a:ext>
             </a:extLst>
           </p:cNvPr>
@@ -11141,7 +11026,7 @@
             <p:cNvPr id="16" name="Freeform: Shape 15">
               <a:extLst>
                 <a:ext uri="{FF2B5EF4-FFF2-40B4-BE49-F238E27FC236}">
-                  <a16:creationId xmlns:a16="http://schemas.microsoft.com/office/drawing/2014/main" xmlns="" id="{2E3DF883-8093-49FA-81E1-E5D77F086A25}"/>
+                  <a16:creationId xmlns:a16="http://schemas.microsoft.com/office/drawing/2014/main" id="{2E3DF883-8093-49FA-81E1-E5D77F086A25}"/>
                 </a:ext>
               </a:extLst>
             </p:cNvPr>
@@ -11231,7 +11116,7 @@
             <p:cNvPr id="17" name="Freeform: Shape 16">
               <a:extLst>
                 <a:ext uri="{FF2B5EF4-FFF2-40B4-BE49-F238E27FC236}">
-                  <a16:creationId xmlns:a16="http://schemas.microsoft.com/office/drawing/2014/main" xmlns="" id="{18944C90-37E5-4BBE-89FF-060627168050}"/>
+                  <a16:creationId xmlns:a16="http://schemas.microsoft.com/office/drawing/2014/main" id="{18944C90-37E5-4BBE-89FF-060627168050}"/>
                 </a:ext>
               </a:extLst>
             </p:cNvPr>
@@ -11330,7 +11215,7 @@
           <p:cNvPr id="6" name="Group 5">
             <a:extLst>
               <a:ext uri="{FF2B5EF4-FFF2-40B4-BE49-F238E27FC236}">
-                <a16:creationId xmlns:a16="http://schemas.microsoft.com/office/drawing/2014/main" xmlns="" id="{D9EBF8BB-A805-4DDB-B459-082F99815B95}"/>
+                <a16:creationId xmlns:a16="http://schemas.microsoft.com/office/drawing/2014/main" id="{D9EBF8BB-A805-4DDB-B459-082F99815B95}"/>
               </a:ext>
             </a:extLst>
           </p:cNvPr>
@@ -11350,7 +11235,7 @@
             <p:cNvPr id="19" name="Rectangle: Single Corner Snipped 18">
               <a:extLst>
                 <a:ext uri="{FF2B5EF4-FFF2-40B4-BE49-F238E27FC236}">
-                  <a16:creationId xmlns:a16="http://schemas.microsoft.com/office/drawing/2014/main" xmlns="" id="{5D638788-DD47-45E7-939A-FA108A818173}"/>
+                  <a16:creationId xmlns:a16="http://schemas.microsoft.com/office/drawing/2014/main" id="{5D638788-DD47-45E7-939A-FA108A818173}"/>
                 </a:ext>
               </a:extLst>
             </p:cNvPr>
@@ -11411,7 +11296,7 @@
             <p:cNvPr id="3" name="Rectangle: Single Corner Snipped 2">
               <a:extLst>
                 <a:ext uri="{FF2B5EF4-FFF2-40B4-BE49-F238E27FC236}">
-                  <a16:creationId xmlns:a16="http://schemas.microsoft.com/office/drawing/2014/main" xmlns="" id="{74BDECEF-EEFE-4332-B3B2-BDE4F82C10FC}"/>
+                  <a16:creationId xmlns:a16="http://schemas.microsoft.com/office/drawing/2014/main" id="{74BDECEF-EEFE-4332-B3B2-BDE4F82C10FC}"/>
                 </a:ext>
               </a:extLst>
             </p:cNvPr>
@@ -11468,7 +11353,7 @@
           <p:cNvPr id="26" name="Text Placeholder 22">
             <a:extLst>
               <a:ext uri="{FF2B5EF4-FFF2-40B4-BE49-F238E27FC236}">
-                <a16:creationId xmlns:a16="http://schemas.microsoft.com/office/drawing/2014/main" xmlns="" id="{2A19101D-7C37-42BF-8167-5391EA65EC3A}"/>
+                <a16:creationId xmlns:a16="http://schemas.microsoft.com/office/drawing/2014/main" id="{2A19101D-7C37-42BF-8167-5391EA65EC3A}"/>
               </a:ext>
             </a:extLst>
           </p:cNvPr>
@@ -11578,7 +11463,7 @@
           <p:cNvPr id="35" name="Freeform: Shape 34">
             <a:extLst>
               <a:ext uri="{FF2B5EF4-FFF2-40B4-BE49-F238E27FC236}">
-                <a16:creationId xmlns:a16="http://schemas.microsoft.com/office/drawing/2014/main" xmlns="" id="{62EEBF51-DCAD-4335-85E9-52801031A1BF}"/>
+                <a16:creationId xmlns:a16="http://schemas.microsoft.com/office/drawing/2014/main" id="{62EEBF51-DCAD-4335-85E9-52801031A1BF}"/>
               </a:ext>
             </a:extLst>
           </p:cNvPr>
@@ -11673,7 +11558,7 @@
           <p:cNvPr id="5" name="Slide Number Placeholder 4">
             <a:extLst>
               <a:ext uri="{FF2B5EF4-FFF2-40B4-BE49-F238E27FC236}">
-                <a16:creationId xmlns:a16="http://schemas.microsoft.com/office/drawing/2014/main" xmlns="" id="{87B51822-97FF-47A7-8E4E-A0F79B4EB237}"/>
+                <a16:creationId xmlns:a16="http://schemas.microsoft.com/office/drawing/2014/main" id="{87B51822-97FF-47A7-8E4E-A0F79B4EB237}"/>
               </a:ext>
             </a:extLst>
           </p:cNvPr>
@@ -11706,7 +11591,7 @@
             <a:fld id="{C263D6C4-4840-40CC-AC84-17E24B3B7BDE}" type="slidenum">
               <a:rPr lang="en-US" noProof="0" smtClean="0"/>
               <a:pPr/>
-              <a:t>‹Nr.›</a:t>
+              <a:t>‹#›</a:t>
             </a:fld>
             <a:endParaRPr lang="en-US" noProof="0" dirty="0"/>
           </a:p>
@@ -11717,7 +11602,7 @@
           <p:cNvPr id="13" name="Picture Placeholder 12">
             <a:extLst>
               <a:ext uri="{FF2B5EF4-FFF2-40B4-BE49-F238E27FC236}">
-                <a16:creationId xmlns:a16="http://schemas.microsoft.com/office/drawing/2014/main" xmlns="" id="{231B97CF-FD24-4932-8459-893B1AC73D33}"/>
+                <a16:creationId xmlns:a16="http://schemas.microsoft.com/office/drawing/2014/main" id="{231B97CF-FD24-4932-8459-893B1AC73D33}"/>
               </a:ext>
             </a:extLst>
           </p:cNvPr>
@@ -11800,7 +11685,7 @@
           <p:cNvPr id="11" name="Rectangle 10">
             <a:extLst>
               <a:ext uri="{FF2B5EF4-FFF2-40B4-BE49-F238E27FC236}">
-                <a16:creationId xmlns:a16="http://schemas.microsoft.com/office/drawing/2014/main" xmlns="" id="{EB3E033F-4449-40FA-BC85-BD2712D313DD}"/>
+                <a16:creationId xmlns:a16="http://schemas.microsoft.com/office/drawing/2014/main" id="{EB3E033F-4449-40FA-BC85-BD2712D313DD}"/>
               </a:ext>
             </a:extLst>
           </p:cNvPr>
@@ -11854,7 +11739,7 @@
           <p:cNvPr id="10" name="Freeform: Shape 9">
             <a:extLst>
               <a:ext uri="{FF2B5EF4-FFF2-40B4-BE49-F238E27FC236}">
-                <a16:creationId xmlns:a16="http://schemas.microsoft.com/office/drawing/2014/main" xmlns="" id="{63D26743-0505-444C-80B3-E88EE87DF72B}"/>
+                <a16:creationId xmlns:a16="http://schemas.microsoft.com/office/drawing/2014/main" id="{63D26743-0505-444C-80B3-E88EE87DF72B}"/>
               </a:ext>
             </a:extLst>
           </p:cNvPr>
@@ -11977,7 +11862,7 @@
           <p:cNvPr id="18" name="Freeform: Shape 17">
             <a:extLst>
               <a:ext uri="{FF2B5EF4-FFF2-40B4-BE49-F238E27FC236}">
-                <a16:creationId xmlns:a16="http://schemas.microsoft.com/office/drawing/2014/main" xmlns="" id="{E37145E9-AC61-47D5-9288-8789940F81B6}"/>
+                <a16:creationId xmlns:a16="http://schemas.microsoft.com/office/drawing/2014/main" id="{E37145E9-AC61-47D5-9288-8789940F81B6}"/>
               </a:ext>
             </a:extLst>
           </p:cNvPr>
@@ -12129,7 +12014,7 @@
           <p:cNvPr id="12" name="Freeform: Shape 11">
             <a:extLst>
               <a:ext uri="{FF2B5EF4-FFF2-40B4-BE49-F238E27FC236}">
-                <a16:creationId xmlns:a16="http://schemas.microsoft.com/office/drawing/2014/main" xmlns="" id="{A5E2B3ED-9A49-40A7-B8A3-62595FE513F9}"/>
+                <a16:creationId xmlns:a16="http://schemas.microsoft.com/office/drawing/2014/main" id="{A5E2B3ED-9A49-40A7-B8A3-62595FE513F9}"/>
               </a:ext>
             </a:extLst>
           </p:cNvPr>
@@ -12279,7 +12164,7 @@
           <p:cNvPr id="8" name="Freeform: Shape 7">
             <a:extLst>
               <a:ext uri="{FF2B5EF4-FFF2-40B4-BE49-F238E27FC236}">
-                <a16:creationId xmlns:a16="http://schemas.microsoft.com/office/drawing/2014/main" xmlns="" id="{1599AF7E-3E34-4597-AA72-9373A7FDB020}"/>
+                <a16:creationId xmlns:a16="http://schemas.microsoft.com/office/drawing/2014/main" id="{1599AF7E-3E34-4597-AA72-9373A7FDB020}"/>
               </a:ext>
             </a:extLst>
           </p:cNvPr>
@@ -12425,7 +12310,7 @@
           <p:cNvPr id="2" name="Title 1">
             <a:extLst>
               <a:ext uri="{FF2B5EF4-FFF2-40B4-BE49-F238E27FC236}">
-                <a16:creationId xmlns:a16="http://schemas.microsoft.com/office/drawing/2014/main" xmlns="" id="{4A2DF563-7FAC-46B3-B24C-7E45CD89DA2B}"/>
+                <a16:creationId xmlns:a16="http://schemas.microsoft.com/office/drawing/2014/main" id="{4A2DF563-7FAC-46B3-B24C-7E45CD89DA2B}"/>
               </a:ext>
             </a:extLst>
           </p:cNvPr>
@@ -12470,7 +12355,7 @@
           <p:cNvPr id="15" name="Group 14">
             <a:extLst>
               <a:ext uri="{FF2B5EF4-FFF2-40B4-BE49-F238E27FC236}">
-                <a16:creationId xmlns:a16="http://schemas.microsoft.com/office/drawing/2014/main" xmlns="" id="{7732E1E7-45E3-4264-8F26-66758696DD1E}"/>
+                <a16:creationId xmlns:a16="http://schemas.microsoft.com/office/drawing/2014/main" id="{7732E1E7-45E3-4264-8F26-66758696DD1E}"/>
               </a:ext>
             </a:extLst>
           </p:cNvPr>
@@ -12490,7 +12375,7 @@
             <p:cNvPr id="16" name="Freeform: Shape 15">
               <a:extLst>
                 <a:ext uri="{FF2B5EF4-FFF2-40B4-BE49-F238E27FC236}">
-                  <a16:creationId xmlns:a16="http://schemas.microsoft.com/office/drawing/2014/main" xmlns="" id="{2E3DF883-8093-49FA-81E1-E5D77F086A25}"/>
+                  <a16:creationId xmlns:a16="http://schemas.microsoft.com/office/drawing/2014/main" id="{2E3DF883-8093-49FA-81E1-E5D77F086A25}"/>
                 </a:ext>
               </a:extLst>
             </p:cNvPr>
@@ -12580,7 +12465,7 @@
             <p:cNvPr id="17" name="Freeform: Shape 16">
               <a:extLst>
                 <a:ext uri="{FF2B5EF4-FFF2-40B4-BE49-F238E27FC236}">
-                  <a16:creationId xmlns:a16="http://schemas.microsoft.com/office/drawing/2014/main" xmlns="" id="{18944C90-37E5-4BBE-89FF-060627168050}"/>
+                  <a16:creationId xmlns:a16="http://schemas.microsoft.com/office/drawing/2014/main" id="{18944C90-37E5-4BBE-89FF-060627168050}"/>
                 </a:ext>
               </a:extLst>
             </p:cNvPr>
@@ -12679,7 +12564,7 @@
           <p:cNvPr id="6" name="Group 5">
             <a:extLst>
               <a:ext uri="{FF2B5EF4-FFF2-40B4-BE49-F238E27FC236}">
-                <a16:creationId xmlns:a16="http://schemas.microsoft.com/office/drawing/2014/main" xmlns="" id="{D9EBF8BB-A805-4DDB-B459-082F99815B95}"/>
+                <a16:creationId xmlns:a16="http://schemas.microsoft.com/office/drawing/2014/main" id="{D9EBF8BB-A805-4DDB-B459-082F99815B95}"/>
               </a:ext>
             </a:extLst>
           </p:cNvPr>
@@ -12699,7 +12584,7 @@
             <p:cNvPr id="19" name="Rectangle: Single Corner Snipped 18">
               <a:extLst>
                 <a:ext uri="{FF2B5EF4-FFF2-40B4-BE49-F238E27FC236}">
-                  <a16:creationId xmlns:a16="http://schemas.microsoft.com/office/drawing/2014/main" xmlns="" id="{5D638788-DD47-45E7-939A-FA108A818173}"/>
+                  <a16:creationId xmlns:a16="http://schemas.microsoft.com/office/drawing/2014/main" id="{5D638788-DD47-45E7-939A-FA108A818173}"/>
                 </a:ext>
               </a:extLst>
             </p:cNvPr>
@@ -12760,7 +12645,7 @@
             <p:cNvPr id="3" name="Rectangle: Single Corner Snipped 2">
               <a:extLst>
                 <a:ext uri="{FF2B5EF4-FFF2-40B4-BE49-F238E27FC236}">
-                  <a16:creationId xmlns:a16="http://schemas.microsoft.com/office/drawing/2014/main" xmlns="" id="{74BDECEF-EEFE-4332-B3B2-BDE4F82C10FC}"/>
+                  <a16:creationId xmlns:a16="http://schemas.microsoft.com/office/drawing/2014/main" id="{74BDECEF-EEFE-4332-B3B2-BDE4F82C10FC}"/>
                 </a:ext>
               </a:extLst>
             </p:cNvPr>
@@ -12817,7 +12702,7 @@
           <p:cNvPr id="35" name="Freeform: Shape 34">
             <a:extLst>
               <a:ext uri="{FF2B5EF4-FFF2-40B4-BE49-F238E27FC236}">
-                <a16:creationId xmlns:a16="http://schemas.microsoft.com/office/drawing/2014/main" xmlns="" id="{62EEBF51-DCAD-4335-85E9-52801031A1BF}"/>
+                <a16:creationId xmlns:a16="http://schemas.microsoft.com/office/drawing/2014/main" id="{62EEBF51-DCAD-4335-85E9-52801031A1BF}"/>
               </a:ext>
             </a:extLst>
           </p:cNvPr>
@@ -12912,7 +12797,7 @@
           <p:cNvPr id="5" name="Slide Number Placeholder 4">
             <a:extLst>
               <a:ext uri="{FF2B5EF4-FFF2-40B4-BE49-F238E27FC236}">
-                <a16:creationId xmlns:a16="http://schemas.microsoft.com/office/drawing/2014/main" xmlns="" id="{87B51822-97FF-47A7-8E4E-A0F79B4EB237}"/>
+                <a16:creationId xmlns:a16="http://schemas.microsoft.com/office/drawing/2014/main" id="{87B51822-97FF-47A7-8E4E-A0F79B4EB237}"/>
               </a:ext>
             </a:extLst>
           </p:cNvPr>
@@ -12945,7 +12830,7 @@
             <a:fld id="{C263D6C4-4840-40CC-AC84-17E24B3B7BDE}" type="slidenum">
               <a:rPr lang="en-US" noProof="0" smtClean="0"/>
               <a:pPr/>
-              <a:t>‹Nr.›</a:t>
+              <a:t>‹#›</a:t>
             </a:fld>
             <a:endParaRPr lang="en-US" noProof="0" dirty="0"/>
           </a:p>
@@ -12956,7 +12841,7 @@
           <p:cNvPr id="20" name="Picture Placeholder 2">
             <a:extLst>
               <a:ext uri="{FF2B5EF4-FFF2-40B4-BE49-F238E27FC236}">
-                <a16:creationId xmlns:a16="http://schemas.microsoft.com/office/drawing/2014/main" xmlns="" id="{30B3A574-7940-4E35-857E-5CA35A5910E5}"/>
+                <a16:creationId xmlns:a16="http://schemas.microsoft.com/office/drawing/2014/main" id="{30B3A574-7940-4E35-857E-5CA35A5910E5}"/>
               </a:ext>
             </a:extLst>
           </p:cNvPr>
@@ -13033,7 +12918,7 @@
           <p:cNvPr id="21" name="Text Placeholder 3">
             <a:extLst>
               <a:ext uri="{FF2B5EF4-FFF2-40B4-BE49-F238E27FC236}">
-                <a16:creationId xmlns:a16="http://schemas.microsoft.com/office/drawing/2014/main" xmlns="" id="{912B51EA-3E6F-4BF6-BE48-62128AF32B85}"/>
+                <a16:creationId xmlns:a16="http://schemas.microsoft.com/office/drawing/2014/main" id="{912B51EA-3E6F-4BF6-BE48-62128AF32B85}"/>
               </a:ext>
             </a:extLst>
           </p:cNvPr>
@@ -13147,7 +13032,7 @@
           <p:cNvPr id="11" name="Rectangle 10">
             <a:extLst>
               <a:ext uri="{FF2B5EF4-FFF2-40B4-BE49-F238E27FC236}">
-                <a16:creationId xmlns:a16="http://schemas.microsoft.com/office/drawing/2014/main" xmlns="" id="{EB3E033F-4449-40FA-BC85-BD2712D313DD}"/>
+                <a16:creationId xmlns:a16="http://schemas.microsoft.com/office/drawing/2014/main" id="{EB3E033F-4449-40FA-BC85-BD2712D313DD}"/>
               </a:ext>
             </a:extLst>
           </p:cNvPr>
@@ -13201,7 +13086,7 @@
           <p:cNvPr id="10" name="Freeform: Shape 9">
             <a:extLst>
               <a:ext uri="{FF2B5EF4-FFF2-40B4-BE49-F238E27FC236}">
-                <a16:creationId xmlns:a16="http://schemas.microsoft.com/office/drawing/2014/main" xmlns="" id="{63D26743-0505-444C-80B3-E88EE87DF72B}"/>
+                <a16:creationId xmlns:a16="http://schemas.microsoft.com/office/drawing/2014/main" id="{63D26743-0505-444C-80B3-E88EE87DF72B}"/>
               </a:ext>
             </a:extLst>
           </p:cNvPr>
@@ -13324,7 +13209,7 @@
           <p:cNvPr id="18" name="Freeform: Shape 17">
             <a:extLst>
               <a:ext uri="{FF2B5EF4-FFF2-40B4-BE49-F238E27FC236}">
-                <a16:creationId xmlns:a16="http://schemas.microsoft.com/office/drawing/2014/main" xmlns="" id="{E37145E9-AC61-47D5-9288-8789940F81B6}"/>
+                <a16:creationId xmlns:a16="http://schemas.microsoft.com/office/drawing/2014/main" id="{E37145E9-AC61-47D5-9288-8789940F81B6}"/>
               </a:ext>
             </a:extLst>
           </p:cNvPr>
@@ -13476,7 +13361,7 @@
           <p:cNvPr id="12" name="Freeform: Shape 11">
             <a:extLst>
               <a:ext uri="{FF2B5EF4-FFF2-40B4-BE49-F238E27FC236}">
-                <a16:creationId xmlns:a16="http://schemas.microsoft.com/office/drawing/2014/main" xmlns="" id="{A5E2B3ED-9A49-40A7-B8A3-62595FE513F9}"/>
+                <a16:creationId xmlns:a16="http://schemas.microsoft.com/office/drawing/2014/main" id="{A5E2B3ED-9A49-40A7-B8A3-62595FE513F9}"/>
               </a:ext>
             </a:extLst>
           </p:cNvPr>
@@ -13626,7 +13511,7 @@
           <p:cNvPr id="8" name="Freeform: Shape 7">
             <a:extLst>
               <a:ext uri="{FF2B5EF4-FFF2-40B4-BE49-F238E27FC236}">
-                <a16:creationId xmlns:a16="http://schemas.microsoft.com/office/drawing/2014/main" xmlns="" id="{1599AF7E-3E34-4597-AA72-9373A7FDB020}"/>
+                <a16:creationId xmlns:a16="http://schemas.microsoft.com/office/drawing/2014/main" id="{1599AF7E-3E34-4597-AA72-9373A7FDB020}"/>
               </a:ext>
             </a:extLst>
           </p:cNvPr>
@@ -13772,7 +13657,7 @@
           <p:cNvPr id="2" name="Title 1">
             <a:extLst>
               <a:ext uri="{FF2B5EF4-FFF2-40B4-BE49-F238E27FC236}">
-                <a16:creationId xmlns:a16="http://schemas.microsoft.com/office/drawing/2014/main" xmlns="" id="{4A2DF563-7FAC-46B3-B24C-7E45CD89DA2B}"/>
+                <a16:creationId xmlns:a16="http://schemas.microsoft.com/office/drawing/2014/main" id="{4A2DF563-7FAC-46B3-B24C-7E45CD89DA2B}"/>
               </a:ext>
             </a:extLst>
           </p:cNvPr>
@@ -13817,7 +13702,7 @@
           <p:cNvPr id="15" name="Group 14">
             <a:extLst>
               <a:ext uri="{FF2B5EF4-FFF2-40B4-BE49-F238E27FC236}">
-                <a16:creationId xmlns:a16="http://schemas.microsoft.com/office/drawing/2014/main" xmlns="" id="{7732E1E7-45E3-4264-8F26-66758696DD1E}"/>
+                <a16:creationId xmlns:a16="http://schemas.microsoft.com/office/drawing/2014/main" id="{7732E1E7-45E3-4264-8F26-66758696DD1E}"/>
               </a:ext>
             </a:extLst>
           </p:cNvPr>
@@ -13837,7 +13722,7 @@
             <p:cNvPr id="16" name="Freeform: Shape 15">
               <a:extLst>
                 <a:ext uri="{FF2B5EF4-FFF2-40B4-BE49-F238E27FC236}">
-                  <a16:creationId xmlns:a16="http://schemas.microsoft.com/office/drawing/2014/main" xmlns="" id="{2E3DF883-8093-49FA-81E1-E5D77F086A25}"/>
+                  <a16:creationId xmlns:a16="http://schemas.microsoft.com/office/drawing/2014/main" id="{2E3DF883-8093-49FA-81E1-E5D77F086A25}"/>
                 </a:ext>
               </a:extLst>
             </p:cNvPr>
@@ -13927,7 +13812,7 @@
             <p:cNvPr id="17" name="Freeform: Shape 16">
               <a:extLst>
                 <a:ext uri="{FF2B5EF4-FFF2-40B4-BE49-F238E27FC236}">
-                  <a16:creationId xmlns:a16="http://schemas.microsoft.com/office/drawing/2014/main" xmlns="" id="{18944C90-37E5-4BBE-89FF-060627168050}"/>
+                  <a16:creationId xmlns:a16="http://schemas.microsoft.com/office/drawing/2014/main" id="{18944C90-37E5-4BBE-89FF-060627168050}"/>
                 </a:ext>
               </a:extLst>
             </p:cNvPr>
@@ -14026,7 +13911,7 @@
           <p:cNvPr id="6" name="Group 5">
             <a:extLst>
               <a:ext uri="{FF2B5EF4-FFF2-40B4-BE49-F238E27FC236}">
-                <a16:creationId xmlns:a16="http://schemas.microsoft.com/office/drawing/2014/main" xmlns="" id="{D9EBF8BB-A805-4DDB-B459-082F99815B95}"/>
+                <a16:creationId xmlns:a16="http://schemas.microsoft.com/office/drawing/2014/main" id="{D9EBF8BB-A805-4DDB-B459-082F99815B95}"/>
               </a:ext>
             </a:extLst>
           </p:cNvPr>
@@ -14046,7 +13931,7 @@
             <p:cNvPr id="19" name="Rectangle: Single Corner Snipped 18">
               <a:extLst>
                 <a:ext uri="{FF2B5EF4-FFF2-40B4-BE49-F238E27FC236}">
-                  <a16:creationId xmlns:a16="http://schemas.microsoft.com/office/drawing/2014/main" xmlns="" id="{5D638788-DD47-45E7-939A-FA108A818173}"/>
+                  <a16:creationId xmlns:a16="http://schemas.microsoft.com/office/drawing/2014/main" id="{5D638788-DD47-45E7-939A-FA108A818173}"/>
                 </a:ext>
               </a:extLst>
             </p:cNvPr>
@@ -14107,7 +13992,7 @@
             <p:cNvPr id="3" name="Rectangle: Single Corner Snipped 2">
               <a:extLst>
                 <a:ext uri="{FF2B5EF4-FFF2-40B4-BE49-F238E27FC236}">
-                  <a16:creationId xmlns:a16="http://schemas.microsoft.com/office/drawing/2014/main" xmlns="" id="{74BDECEF-EEFE-4332-B3B2-BDE4F82C10FC}"/>
+                  <a16:creationId xmlns:a16="http://schemas.microsoft.com/office/drawing/2014/main" id="{74BDECEF-EEFE-4332-B3B2-BDE4F82C10FC}"/>
                 </a:ext>
               </a:extLst>
             </p:cNvPr>
@@ -14164,7 +14049,7 @@
           <p:cNvPr id="35" name="Freeform: Shape 34">
             <a:extLst>
               <a:ext uri="{FF2B5EF4-FFF2-40B4-BE49-F238E27FC236}">
-                <a16:creationId xmlns:a16="http://schemas.microsoft.com/office/drawing/2014/main" xmlns="" id="{62EEBF51-DCAD-4335-85E9-52801031A1BF}"/>
+                <a16:creationId xmlns:a16="http://schemas.microsoft.com/office/drawing/2014/main" id="{62EEBF51-DCAD-4335-85E9-52801031A1BF}"/>
               </a:ext>
             </a:extLst>
           </p:cNvPr>
@@ -14259,7 +14144,7 @@
           <p:cNvPr id="5" name="Slide Number Placeholder 4">
             <a:extLst>
               <a:ext uri="{FF2B5EF4-FFF2-40B4-BE49-F238E27FC236}">
-                <a16:creationId xmlns:a16="http://schemas.microsoft.com/office/drawing/2014/main" xmlns="" id="{87B51822-97FF-47A7-8E4E-A0F79B4EB237}"/>
+                <a16:creationId xmlns:a16="http://schemas.microsoft.com/office/drawing/2014/main" id="{87B51822-97FF-47A7-8E4E-A0F79B4EB237}"/>
               </a:ext>
             </a:extLst>
           </p:cNvPr>
@@ -14292,7 +14177,7 @@
             <a:fld id="{C263D6C4-4840-40CC-AC84-17E24B3B7BDE}" type="slidenum">
               <a:rPr lang="en-US" noProof="0" smtClean="0"/>
               <a:pPr/>
-              <a:t>‹Nr.›</a:t>
+              <a:t>‹#›</a:t>
             </a:fld>
             <a:endParaRPr lang="en-US" noProof="0" dirty="0"/>
           </a:p>
@@ -14303,7 +14188,7 @@
           <p:cNvPr id="21" name="Text Placeholder 3">
             <a:extLst>
               <a:ext uri="{FF2B5EF4-FFF2-40B4-BE49-F238E27FC236}">
-                <a16:creationId xmlns:a16="http://schemas.microsoft.com/office/drawing/2014/main" xmlns="" id="{912B51EA-3E6F-4BF6-BE48-62128AF32B85}"/>
+                <a16:creationId xmlns:a16="http://schemas.microsoft.com/office/drawing/2014/main" id="{912B51EA-3E6F-4BF6-BE48-62128AF32B85}"/>
               </a:ext>
             </a:extLst>
           </p:cNvPr>
@@ -14379,7 +14264,7 @@
           <p:cNvPr id="22" name="Content Placeholder 2">
             <a:extLst>
               <a:ext uri="{FF2B5EF4-FFF2-40B4-BE49-F238E27FC236}">
-                <a16:creationId xmlns:a16="http://schemas.microsoft.com/office/drawing/2014/main" xmlns="" id="{A015C605-1D30-48BC-A0D6-3B11AF56CC53}"/>
+                <a16:creationId xmlns:a16="http://schemas.microsoft.com/office/drawing/2014/main" id="{A015C605-1D30-48BC-A0D6-3B11AF56CC53}"/>
               </a:ext>
             </a:extLst>
           </p:cNvPr>
@@ -14521,7 +14406,7 @@
           <p:cNvPr id="18" name="Rectangle 17">
             <a:extLst>
               <a:ext uri="{FF2B5EF4-FFF2-40B4-BE49-F238E27FC236}">
-                <a16:creationId xmlns:a16="http://schemas.microsoft.com/office/drawing/2014/main" xmlns="" id="{D4494CD2-CCDD-0248-96F8-741002C44255}"/>
+                <a16:creationId xmlns:a16="http://schemas.microsoft.com/office/drawing/2014/main" id="{D4494CD2-CCDD-0248-96F8-741002C44255}"/>
               </a:ext>
             </a:extLst>
           </p:cNvPr>
@@ -14575,7 +14460,7 @@
           <p:cNvPr id="19" name="Freeform: Shape 9">
             <a:extLst>
               <a:ext uri="{FF2B5EF4-FFF2-40B4-BE49-F238E27FC236}">
-                <a16:creationId xmlns:a16="http://schemas.microsoft.com/office/drawing/2014/main" xmlns="" id="{07077B00-C1EE-7241-B441-7814F92A7EDF}"/>
+                <a16:creationId xmlns:a16="http://schemas.microsoft.com/office/drawing/2014/main" id="{07077B00-C1EE-7241-B441-7814F92A7EDF}"/>
               </a:ext>
             </a:extLst>
           </p:cNvPr>
@@ -14698,7 +14583,7 @@
           <p:cNvPr id="20" name="Freeform: Shape 17">
             <a:extLst>
               <a:ext uri="{FF2B5EF4-FFF2-40B4-BE49-F238E27FC236}">
-                <a16:creationId xmlns:a16="http://schemas.microsoft.com/office/drawing/2014/main" xmlns="" id="{3A1AEBC4-637E-F64C-9192-69AC4BB26D0C}"/>
+                <a16:creationId xmlns:a16="http://schemas.microsoft.com/office/drawing/2014/main" id="{3A1AEBC4-637E-F64C-9192-69AC4BB26D0C}"/>
               </a:ext>
             </a:extLst>
           </p:cNvPr>
@@ -14850,7 +14735,7 @@
           <p:cNvPr id="21" name="Freeform: Shape 11">
             <a:extLst>
               <a:ext uri="{FF2B5EF4-FFF2-40B4-BE49-F238E27FC236}">
-                <a16:creationId xmlns:a16="http://schemas.microsoft.com/office/drawing/2014/main" xmlns="" id="{669A7039-C54C-8E46-9A8B-DDB2547D989C}"/>
+                <a16:creationId xmlns:a16="http://schemas.microsoft.com/office/drawing/2014/main" id="{669A7039-C54C-8E46-9A8B-DDB2547D989C}"/>
               </a:ext>
             </a:extLst>
           </p:cNvPr>
@@ -15000,7 +14885,7 @@
           <p:cNvPr id="22" name="Freeform: Shape 7">
             <a:extLst>
               <a:ext uri="{FF2B5EF4-FFF2-40B4-BE49-F238E27FC236}">
-                <a16:creationId xmlns:a16="http://schemas.microsoft.com/office/drawing/2014/main" xmlns="" id="{4F173B32-87BB-9A40-8C91-4C1EED2B7ABF}"/>
+                <a16:creationId xmlns:a16="http://schemas.microsoft.com/office/drawing/2014/main" id="{4F173B32-87BB-9A40-8C91-4C1EED2B7ABF}"/>
               </a:ext>
             </a:extLst>
           </p:cNvPr>
@@ -15146,7 +15031,7 @@
           <p:cNvPr id="24" name="Group 23">
             <a:extLst>
               <a:ext uri="{FF2B5EF4-FFF2-40B4-BE49-F238E27FC236}">
-                <a16:creationId xmlns:a16="http://schemas.microsoft.com/office/drawing/2014/main" xmlns="" id="{4AC87F4E-12B5-1B42-AFD2-4DB39B7645C9}"/>
+                <a16:creationId xmlns:a16="http://schemas.microsoft.com/office/drawing/2014/main" id="{4AC87F4E-12B5-1B42-AFD2-4DB39B7645C9}"/>
               </a:ext>
             </a:extLst>
           </p:cNvPr>
@@ -15166,7 +15051,7 @@
             <p:cNvPr id="25" name="Freeform: Shape 15">
               <a:extLst>
                 <a:ext uri="{FF2B5EF4-FFF2-40B4-BE49-F238E27FC236}">
-                  <a16:creationId xmlns:a16="http://schemas.microsoft.com/office/drawing/2014/main" xmlns="" id="{03DD8765-59DF-A045-ADB5-E39FAEE153A0}"/>
+                  <a16:creationId xmlns:a16="http://schemas.microsoft.com/office/drawing/2014/main" id="{03DD8765-59DF-A045-ADB5-E39FAEE153A0}"/>
                 </a:ext>
               </a:extLst>
             </p:cNvPr>
@@ -15256,7 +15141,7 @@
             <p:cNvPr id="26" name="Freeform: Shape 16">
               <a:extLst>
                 <a:ext uri="{FF2B5EF4-FFF2-40B4-BE49-F238E27FC236}">
-                  <a16:creationId xmlns:a16="http://schemas.microsoft.com/office/drawing/2014/main" xmlns="" id="{B34B796C-A407-7B4D-B4F0-E58A44FE8DB4}"/>
+                  <a16:creationId xmlns:a16="http://schemas.microsoft.com/office/drawing/2014/main" id="{B34B796C-A407-7B4D-B4F0-E58A44FE8DB4}"/>
                 </a:ext>
               </a:extLst>
             </p:cNvPr>
@@ -15355,7 +15240,7 @@
           <p:cNvPr id="30" name="Freeform: Shape 23">
             <a:extLst>
               <a:ext uri="{FF2B5EF4-FFF2-40B4-BE49-F238E27FC236}">
-                <a16:creationId xmlns:a16="http://schemas.microsoft.com/office/drawing/2014/main" xmlns="" id="{CBE3FDC9-67CB-FA42-B127-A36BFF4678BB}"/>
+                <a16:creationId xmlns:a16="http://schemas.microsoft.com/office/drawing/2014/main" id="{CBE3FDC9-67CB-FA42-B127-A36BFF4678BB}"/>
               </a:ext>
             </a:extLst>
           </p:cNvPr>
@@ -15450,7 +15335,7 @@
           <p:cNvPr id="31" name="Slide Number Placeholder 4">
             <a:extLst>
               <a:ext uri="{FF2B5EF4-FFF2-40B4-BE49-F238E27FC236}">
-                <a16:creationId xmlns:a16="http://schemas.microsoft.com/office/drawing/2014/main" xmlns="" id="{1E902BFF-CA8F-D745-A819-A7BB38B30ED9}"/>
+                <a16:creationId xmlns:a16="http://schemas.microsoft.com/office/drawing/2014/main" id="{1E902BFF-CA8F-D745-A819-A7BB38B30ED9}"/>
               </a:ext>
             </a:extLst>
           </p:cNvPr>
@@ -15483,7 +15368,7 @@
             <a:fld id="{C263D6C4-4840-40CC-AC84-17E24B3B7BDE}" type="slidenum">
               <a:rPr lang="en-US" noProof="0" smtClean="0"/>
               <a:pPr/>
-              <a:t>‹Nr.›</a:t>
+              <a:t>‹#›</a:t>
             </a:fld>
             <a:endParaRPr lang="en-US" noProof="0" dirty="0"/>
           </a:p>
@@ -15524,7 +15409,7 @@
           <p:cNvPr id="21" name="Rectangle 20">
             <a:extLst>
               <a:ext uri="{FF2B5EF4-FFF2-40B4-BE49-F238E27FC236}">
-                <a16:creationId xmlns:a16="http://schemas.microsoft.com/office/drawing/2014/main" xmlns="" id="{6E739168-A5E8-443A-B392-7AD4CF8977AD}"/>
+                <a16:creationId xmlns:a16="http://schemas.microsoft.com/office/drawing/2014/main" id="{6E739168-A5E8-443A-B392-7AD4CF8977AD}"/>
               </a:ext>
             </a:extLst>
           </p:cNvPr>
@@ -15576,7 +15461,7 @@
           <p:cNvPr id="15" name="Freeform: Shape 14">
             <a:extLst>
               <a:ext uri="{FF2B5EF4-FFF2-40B4-BE49-F238E27FC236}">
-                <a16:creationId xmlns:a16="http://schemas.microsoft.com/office/drawing/2014/main" xmlns="" id="{41E10E1E-5268-4F03-BA64-07E19DE26739}"/>
+                <a16:creationId xmlns:a16="http://schemas.microsoft.com/office/drawing/2014/main" id="{41E10E1E-5268-4F03-BA64-07E19DE26739}"/>
               </a:ext>
             </a:extLst>
           </p:cNvPr>
@@ -15713,7 +15598,7 @@
           <p:cNvPr id="16" name="Freeform: Shape 15">
             <a:extLst>
               <a:ext uri="{FF2B5EF4-FFF2-40B4-BE49-F238E27FC236}">
-                <a16:creationId xmlns:a16="http://schemas.microsoft.com/office/drawing/2014/main" xmlns="" id="{B989C45D-BDFF-418F-BE79-03FF70015770}"/>
+                <a16:creationId xmlns:a16="http://schemas.microsoft.com/office/drawing/2014/main" id="{B989C45D-BDFF-418F-BE79-03FF70015770}"/>
               </a:ext>
             </a:extLst>
           </p:cNvPr>
@@ -15877,7 +15762,7 @@
           <p:cNvPr id="20" name="Freeform: Shape 19">
             <a:extLst>
               <a:ext uri="{FF2B5EF4-FFF2-40B4-BE49-F238E27FC236}">
-                <a16:creationId xmlns:a16="http://schemas.microsoft.com/office/drawing/2014/main" xmlns="" id="{0027A677-9ACB-4264-B148-4806678FB83F}"/>
+                <a16:creationId xmlns:a16="http://schemas.microsoft.com/office/drawing/2014/main" id="{0027A677-9ACB-4264-B148-4806678FB83F}"/>
               </a:ext>
             </a:extLst>
           </p:cNvPr>
@@ -16039,7 +15924,7 @@
           <p:cNvPr id="6" name="Group 5">
             <a:extLst>
               <a:ext uri="{FF2B5EF4-FFF2-40B4-BE49-F238E27FC236}">
-                <a16:creationId xmlns:a16="http://schemas.microsoft.com/office/drawing/2014/main" xmlns="" id="{EA7FF9D7-8545-4547-AC77-A0421EEB9B99}"/>
+                <a16:creationId xmlns:a16="http://schemas.microsoft.com/office/drawing/2014/main" id="{EA7FF9D7-8545-4547-AC77-A0421EEB9B99}"/>
               </a:ext>
             </a:extLst>
           </p:cNvPr>
@@ -16059,7 +15944,7 @@
             <p:cNvPr id="17" name="Right Triangle 16">
               <a:extLst>
                 <a:ext uri="{FF2B5EF4-FFF2-40B4-BE49-F238E27FC236}">
-                  <a16:creationId xmlns:a16="http://schemas.microsoft.com/office/drawing/2014/main" xmlns="" id="{8DCD5806-2A2F-4ABF-8057-245681C498E6}"/>
+                  <a16:creationId xmlns:a16="http://schemas.microsoft.com/office/drawing/2014/main" id="{8DCD5806-2A2F-4ABF-8057-245681C498E6}"/>
                 </a:ext>
               </a:extLst>
             </p:cNvPr>
@@ -16113,7 +15998,7 @@
             <p:cNvPr id="18" name="Right Triangle 17">
               <a:extLst>
                 <a:ext uri="{FF2B5EF4-FFF2-40B4-BE49-F238E27FC236}">
-                  <a16:creationId xmlns:a16="http://schemas.microsoft.com/office/drawing/2014/main" xmlns="" id="{3A93038F-E9E4-4FFD-B3DF-28DB7C2C1490}"/>
+                  <a16:creationId xmlns:a16="http://schemas.microsoft.com/office/drawing/2014/main" id="{3A93038F-E9E4-4FFD-B3DF-28DB7C2C1490}"/>
                 </a:ext>
               </a:extLst>
             </p:cNvPr>
@@ -16170,7 +16055,7 @@
             <p:cNvPr id="19" name="Right Triangle 18">
               <a:extLst>
                 <a:ext uri="{FF2B5EF4-FFF2-40B4-BE49-F238E27FC236}">
-                  <a16:creationId xmlns:a16="http://schemas.microsoft.com/office/drawing/2014/main" xmlns="" id="{5DEA1E02-BBD0-4AE3-AF22-433B90272178}"/>
+                  <a16:creationId xmlns:a16="http://schemas.microsoft.com/office/drawing/2014/main" id="{5DEA1E02-BBD0-4AE3-AF22-433B90272178}"/>
                 </a:ext>
               </a:extLst>
             </p:cNvPr>
@@ -16225,7 +16110,7 @@
           <p:cNvPr id="2" name="Title 1">
             <a:extLst>
               <a:ext uri="{FF2B5EF4-FFF2-40B4-BE49-F238E27FC236}">
-                <a16:creationId xmlns:a16="http://schemas.microsoft.com/office/drawing/2014/main" xmlns="" id="{9E597736-C478-4C26-9BAF-205FE31E977C}"/>
+                <a16:creationId xmlns:a16="http://schemas.microsoft.com/office/drawing/2014/main" id="{9E597736-C478-4C26-9BAF-205FE31E977C}"/>
               </a:ext>
             </a:extLst>
           </p:cNvPr>
@@ -16302,7 +16187,7 @@
           <p:cNvPr id="21" name="Rectangle 20">
             <a:extLst>
               <a:ext uri="{FF2B5EF4-FFF2-40B4-BE49-F238E27FC236}">
-                <a16:creationId xmlns:a16="http://schemas.microsoft.com/office/drawing/2014/main" xmlns="" id="{6E739168-A5E8-443A-B392-7AD4CF8977AD}"/>
+                <a16:creationId xmlns:a16="http://schemas.microsoft.com/office/drawing/2014/main" id="{6E739168-A5E8-443A-B392-7AD4CF8977AD}"/>
               </a:ext>
             </a:extLst>
           </p:cNvPr>
@@ -16354,7 +16239,7 @@
           <p:cNvPr id="15" name="Freeform: Shape 14">
             <a:extLst>
               <a:ext uri="{FF2B5EF4-FFF2-40B4-BE49-F238E27FC236}">
-                <a16:creationId xmlns:a16="http://schemas.microsoft.com/office/drawing/2014/main" xmlns="" id="{41E10E1E-5268-4F03-BA64-07E19DE26739}"/>
+                <a16:creationId xmlns:a16="http://schemas.microsoft.com/office/drawing/2014/main" id="{41E10E1E-5268-4F03-BA64-07E19DE26739}"/>
               </a:ext>
             </a:extLst>
           </p:cNvPr>
@@ -16491,7 +16376,7 @@
           <p:cNvPr id="16" name="Freeform: Shape 15">
             <a:extLst>
               <a:ext uri="{FF2B5EF4-FFF2-40B4-BE49-F238E27FC236}">
-                <a16:creationId xmlns:a16="http://schemas.microsoft.com/office/drawing/2014/main" xmlns="" id="{B989C45D-BDFF-418F-BE79-03FF70015770}"/>
+                <a16:creationId xmlns:a16="http://schemas.microsoft.com/office/drawing/2014/main" id="{B989C45D-BDFF-418F-BE79-03FF70015770}"/>
               </a:ext>
             </a:extLst>
           </p:cNvPr>
@@ -16655,7 +16540,7 @@
           <p:cNvPr id="20" name="Freeform: Shape 19">
             <a:extLst>
               <a:ext uri="{FF2B5EF4-FFF2-40B4-BE49-F238E27FC236}">
-                <a16:creationId xmlns:a16="http://schemas.microsoft.com/office/drawing/2014/main" xmlns="" id="{0027A677-9ACB-4264-B148-4806678FB83F}"/>
+                <a16:creationId xmlns:a16="http://schemas.microsoft.com/office/drawing/2014/main" id="{0027A677-9ACB-4264-B148-4806678FB83F}"/>
               </a:ext>
             </a:extLst>
           </p:cNvPr>
@@ -16817,7 +16702,7 @@
           <p:cNvPr id="2" name="Title 1">
             <a:extLst>
               <a:ext uri="{FF2B5EF4-FFF2-40B4-BE49-F238E27FC236}">
-                <a16:creationId xmlns:a16="http://schemas.microsoft.com/office/drawing/2014/main" xmlns="" id="{9E597736-C478-4C26-9BAF-205FE31E977C}"/>
+                <a16:creationId xmlns:a16="http://schemas.microsoft.com/office/drawing/2014/main" id="{9E597736-C478-4C26-9BAF-205FE31E977C}"/>
               </a:ext>
             </a:extLst>
           </p:cNvPr>
@@ -16864,7 +16749,7 @@
           <p:cNvPr id="35" name="Freeform: Shape 34">
             <a:extLst>
               <a:ext uri="{FF2B5EF4-FFF2-40B4-BE49-F238E27FC236}">
-                <a16:creationId xmlns:a16="http://schemas.microsoft.com/office/drawing/2014/main" xmlns="" id="{C024DCDB-C6BF-455E-AAB8-EAF9DAB302A1}"/>
+                <a16:creationId xmlns:a16="http://schemas.microsoft.com/office/drawing/2014/main" id="{C024DCDB-C6BF-455E-AAB8-EAF9DAB302A1}"/>
               </a:ext>
             </a:extLst>
           </p:cNvPr>
@@ -16972,7 +16857,7 @@
           <p:cNvPr id="32" name="Freeform: Shape 31">
             <a:extLst>
               <a:ext uri="{FF2B5EF4-FFF2-40B4-BE49-F238E27FC236}">
-                <a16:creationId xmlns:a16="http://schemas.microsoft.com/office/drawing/2014/main" xmlns="" id="{26AFB47A-5D51-4F9C-B01B-977CE5E3C093}"/>
+                <a16:creationId xmlns:a16="http://schemas.microsoft.com/office/drawing/2014/main" id="{26AFB47A-5D51-4F9C-B01B-977CE5E3C093}"/>
               </a:ext>
             </a:extLst>
           </p:cNvPr>
@@ -17088,7 +16973,7 @@
           <p:cNvPr id="30" name="Freeform: Shape 29">
             <a:extLst>
               <a:ext uri="{FF2B5EF4-FFF2-40B4-BE49-F238E27FC236}">
-                <a16:creationId xmlns:a16="http://schemas.microsoft.com/office/drawing/2014/main" xmlns="" id="{6997A4FF-7390-4173-8ACD-6CF7145AACEC}"/>
+                <a16:creationId xmlns:a16="http://schemas.microsoft.com/office/drawing/2014/main" id="{6997A4FF-7390-4173-8ACD-6CF7145AACEC}"/>
               </a:ext>
             </a:extLst>
           </p:cNvPr>
@@ -17227,7 +17112,7 @@
           <p:cNvPr id="7" name="Rectangle 6">
             <a:extLst>
               <a:ext uri="{FF2B5EF4-FFF2-40B4-BE49-F238E27FC236}">
-                <a16:creationId xmlns:a16="http://schemas.microsoft.com/office/drawing/2014/main" xmlns="" id="{B2838D16-809E-4EB1-8C0C-0E63D8139112}"/>
+                <a16:creationId xmlns:a16="http://schemas.microsoft.com/office/drawing/2014/main" id="{B2838D16-809E-4EB1-8C0C-0E63D8139112}"/>
               </a:ext>
             </a:extLst>
           </p:cNvPr>
@@ -17279,7 +17164,7 @@
           <p:cNvPr id="8" name="Freeform: Shape 7">
             <a:extLst>
               <a:ext uri="{FF2B5EF4-FFF2-40B4-BE49-F238E27FC236}">
-                <a16:creationId xmlns:a16="http://schemas.microsoft.com/office/drawing/2014/main" xmlns="" id="{01FEB333-94B4-4E53-9019-D584810903BB}"/>
+                <a16:creationId xmlns:a16="http://schemas.microsoft.com/office/drawing/2014/main" id="{01FEB333-94B4-4E53-9019-D584810903BB}"/>
               </a:ext>
             </a:extLst>
           </p:cNvPr>
@@ -17400,7 +17285,7 @@
           <p:cNvPr id="9" name="Freeform: Shape 8">
             <a:extLst>
               <a:ext uri="{FF2B5EF4-FFF2-40B4-BE49-F238E27FC236}">
-                <a16:creationId xmlns:a16="http://schemas.microsoft.com/office/drawing/2014/main" xmlns="" id="{A59B9489-0CD9-4DB7-AC82-6E7867F91403}"/>
+                <a16:creationId xmlns:a16="http://schemas.microsoft.com/office/drawing/2014/main" id="{A59B9489-0CD9-4DB7-AC82-6E7867F91403}"/>
               </a:ext>
             </a:extLst>
           </p:cNvPr>
@@ -17540,7 +17425,7 @@
           <p:cNvPr id="10" name="Right Triangle 9">
             <a:extLst>
               <a:ext uri="{FF2B5EF4-FFF2-40B4-BE49-F238E27FC236}">
-                <a16:creationId xmlns:a16="http://schemas.microsoft.com/office/drawing/2014/main" xmlns="" id="{A55D1C76-C591-4FA5-9780-87AB6B37C0FA}"/>
+                <a16:creationId xmlns:a16="http://schemas.microsoft.com/office/drawing/2014/main" id="{A55D1C76-C591-4FA5-9780-87AB6B37C0FA}"/>
               </a:ext>
             </a:extLst>
           </p:cNvPr>
@@ -17594,7 +17479,7 @@
           <p:cNvPr id="11" name="Freeform: Shape 10">
             <a:extLst>
               <a:ext uri="{FF2B5EF4-FFF2-40B4-BE49-F238E27FC236}">
-                <a16:creationId xmlns:a16="http://schemas.microsoft.com/office/drawing/2014/main" xmlns="" id="{A7DC1D12-670F-4235-8791-FA8C2B330871}"/>
+                <a16:creationId xmlns:a16="http://schemas.microsoft.com/office/drawing/2014/main" id="{A7DC1D12-670F-4235-8791-FA8C2B330871}"/>
               </a:ext>
             </a:extLst>
           </p:cNvPr>
@@ -17740,7 +17625,7 @@
           <p:cNvPr id="12" name="Freeform: Shape 11">
             <a:extLst>
               <a:ext uri="{FF2B5EF4-FFF2-40B4-BE49-F238E27FC236}">
-                <a16:creationId xmlns:a16="http://schemas.microsoft.com/office/drawing/2014/main" xmlns="" id="{859569CF-FDAC-47C4-A0F5-296F7117C398}"/>
+                <a16:creationId xmlns:a16="http://schemas.microsoft.com/office/drawing/2014/main" id="{859569CF-FDAC-47C4-A0F5-296F7117C398}"/>
               </a:ext>
             </a:extLst>
           </p:cNvPr>
@@ -17840,7 +17725,7 @@
           <p:cNvPr id="13" name="Freeform: Shape 12">
             <a:extLst>
               <a:ext uri="{FF2B5EF4-FFF2-40B4-BE49-F238E27FC236}">
-                <a16:creationId xmlns:a16="http://schemas.microsoft.com/office/drawing/2014/main" xmlns="" id="{D68D0C72-2B2C-4C85-A091-157853C71784}"/>
+                <a16:creationId xmlns:a16="http://schemas.microsoft.com/office/drawing/2014/main" id="{D68D0C72-2B2C-4C85-A091-157853C71784}"/>
               </a:ext>
             </a:extLst>
           </p:cNvPr>
@@ -17948,7 +17833,7 @@
           <p:cNvPr id="14" name="Freeform: Shape 13">
             <a:extLst>
               <a:ext uri="{FF2B5EF4-FFF2-40B4-BE49-F238E27FC236}">
-                <a16:creationId xmlns:a16="http://schemas.microsoft.com/office/drawing/2014/main" xmlns="" id="{8E25334A-5FE3-4DDA-8D32-4796CCFCAA74}"/>
+                <a16:creationId xmlns:a16="http://schemas.microsoft.com/office/drawing/2014/main" id="{8E25334A-5FE3-4DDA-8D32-4796CCFCAA74}"/>
               </a:ext>
             </a:extLst>
           </p:cNvPr>
@@ -18040,7 +17925,7 @@
           <p:cNvPr id="15" name="Freeform: Shape 14">
             <a:extLst>
               <a:ext uri="{FF2B5EF4-FFF2-40B4-BE49-F238E27FC236}">
-                <a16:creationId xmlns:a16="http://schemas.microsoft.com/office/drawing/2014/main" xmlns="" id="{18818DF1-D7FD-4C0F-875D-7A07E8F75C06}"/>
+                <a16:creationId xmlns:a16="http://schemas.microsoft.com/office/drawing/2014/main" id="{18818DF1-D7FD-4C0F-875D-7A07E8F75C06}"/>
               </a:ext>
             </a:extLst>
           </p:cNvPr>
@@ -18140,7 +18025,7 @@
           <p:cNvPr id="16" name="Group 15">
             <a:extLst>
               <a:ext uri="{FF2B5EF4-FFF2-40B4-BE49-F238E27FC236}">
-                <a16:creationId xmlns:a16="http://schemas.microsoft.com/office/drawing/2014/main" xmlns="" id="{8F9BB384-9E14-4CEA-82C1-21837229D3EF}"/>
+                <a16:creationId xmlns:a16="http://schemas.microsoft.com/office/drawing/2014/main" id="{8F9BB384-9E14-4CEA-82C1-21837229D3EF}"/>
               </a:ext>
             </a:extLst>
           </p:cNvPr>
@@ -18160,7 +18045,7 @@
             <p:cNvPr id="17" name="Freeform: Shape 16">
               <a:extLst>
                 <a:ext uri="{FF2B5EF4-FFF2-40B4-BE49-F238E27FC236}">
-                  <a16:creationId xmlns:a16="http://schemas.microsoft.com/office/drawing/2014/main" xmlns="" id="{0862A81A-959D-4EAB-90ED-DB20759BB397}"/>
+                  <a16:creationId xmlns:a16="http://schemas.microsoft.com/office/drawing/2014/main" id="{0862A81A-959D-4EAB-90ED-DB20759BB397}"/>
                 </a:ext>
               </a:extLst>
             </p:cNvPr>
@@ -18250,7 +18135,7 @@
             <p:cNvPr id="18" name="Freeform: Shape 17">
               <a:extLst>
                 <a:ext uri="{FF2B5EF4-FFF2-40B4-BE49-F238E27FC236}">
-                  <a16:creationId xmlns:a16="http://schemas.microsoft.com/office/drawing/2014/main" xmlns="" id="{AAB9E28C-9422-42BD-AECE-29B44B5D63E2}"/>
+                  <a16:creationId xmlns:a16="http://schemas.microsoft.com/office/drawing/2014/main" id="{AAB9E28C-9422-42BD-AECE-29B44B5D63E2}"/>
                 </a:ext>
               </a:extLst>
             </p:cNvPr>
@@ -18349,7 +18234,7 @@
           <p:cNvPr id="19" name="Group 18">
             <a:extLst>
               <a:ext uri="{FF2B5EF4-FFF2-40B4-BE49-F238E27FC236}">
-                <a16:creationId xmlns:a16="http://schemas.microsoft.com/office/drawing/2014/main" xmlns="" id="{2772239B-C46D-4458-BB4B-DDB12FAB0172}"/>
+                <a16:creationId xmlns:a16="http://schemas.microsoft.com/office/drawing/2014/main" id="{2772239B-C46D-4458-BB4B-DDB12FAB0172}"/>
               </a:ext>
             </a:extLst>
           </p:cNvPr>
@@ -18369,7 +18254,7 @@
             <p:cNvPr id="20" name="Freeform: Shape 19">
               <a:extLst>
                 <a:ext uri="{FF2B5EF4-FFF2-40B4-BE49-F238E27FC236}">
-                  <a16:creationId xmlns:a16="http://schemas.microsoft.com/office/drawing/2014/main" xmlns="" id="{3C8A2A1A-1FB9-4CA1-B74E-B293187E51AA}"/>
+                  <a16:creationId xmlns:a16="http://schemas.microsoft.com/office/drawing/2014/main" id="{3C8A2A1A-1FB9-4CA1-B74E-B293187E51AA}"/>
                 </a:ext>
               </a:extLst>
             </p:cNvPr>
@@ -18459,7 +18344,7 @@
             <p:cNvPr id="21" name="Freeform: Shape 20">
               <a:extLst>
                 <a:ext uri="{FF2B5EF4-FFF2-40B4-BE49-F238E27FC236}">
-                  <a16:creationId xmlns:a16="http://schemas.microsoft.com/office/drawing/2014/main" xmlns="" id="{DF2B18BA-6B43-40FA-A23B-D894D6AB468B}"/>
+                  <a16:creationId xmlns:a16="http://schemas.microsoft.com/office/drawing/2014/main" id="{DF2B18BA-6B43-40FA-A23B-D894D6AB468B}"/>
                 </a:ext>
               </a:extLst>
             </p:cNvPr>
@@ -18558,7 +18443,7 @@
           <p:cNvPr id="3" name="Text Placeholder 2">
             <a:extLst>
               <a:ext uri="{FF2B5EF4-FFF2-40B4-BE49-F238E27FC236}">
-                <a16:creationId xmlns:a16="http://schemas.microsoft.com/office/drawing/2014/main" xmlns="" id="{5E194264-A3F5-42E2-9A63-DCCED0457E1B}"/>
+                <a16:creationId xmlns:a16="http://schemas.microsoft.com/office/drawing/2014/main" id="{5E194264-A3F5-42E2-9A63-DCCED0457E1B}"/>
               </a:ext>
             </a:extLst>
           </p:cNvPr>
@@ -18608,7 +18493,7 @@
           <p:cNvPr id="22" name="Slide Number Placeholder 4">
             <a:extLst>
               <a:ext uri="{FF2B5EF4-FFF2-40B4-BE49-F238E27FC236}">
-                <a16:creationId xmlns:a16="http://schemas.microsoft.com/office/drawing/2014/main" xmlns="" id="{0F332671-6296-47C8-BF26-B2D962F5D03D}"/>
+                <a16:creationId xmlns:a16="http://schemas.microsoft.com/office/drawing/2014/main" id="{0F332671-6296-47C8-BF26-B2D962F5D03D}"/>
               </a:ext>
             </a:extLst>
           </p:cNvPr>
@@ -18641,7 +18526,7 @@
             <a:fld id="{C263D6C4-4840-40CC-AC84-17E24B3B7BDE}" type="slidenum">
               <a:rPr lang="en-US" noProof="0" smtClean="0"/>
               <a:pPr/>
-              <a:t>‹Nr.›</a:t>
+              <a:t>‹#›</a:t>
             </a:fld>
             <a:endParaRPr lang="en-US" noProof="0" dirty="0"/>
           </a:p>
@@ -18652,7 +18537,7 @@
           <p:cNvPr id="23" name="Title 1">
             <a:extLst>
               <a:ext uri="{FF2B5EF4-FFF2-40B4-BE49-F238E27FC236}">
-                <a16:creationId xmlns:a16="http://schemas.microsoft.com/office/drawing/2014/main" xmlns="" id="{7772A652-7229-2B42-B87B-298C31D6F0CB}"/>
+                <a16:creationId xmlns:a16="http://schemas.microsoft.com/office/drawing/2014/main" id="{7772A652-7229-2B42-B87B-298C31D6F0CB}"/>
               </a:ext>
             </a:extLst>
           </p:cNvPr>
@@ -18727,7 +18612,7 @@
           <p:cNvPr id="22" name="Rectangle 21">
             <a:extLst>
               <a:ext uri="{FF2B5EF4-FFF2-40B4-BE49-F238E27FC236}">
-                <a16:creationId xmlns:a16="http://schemas.microsoft.com/office/drawing/2014/main" xmlns="" id="{2CDBB6E5-B91E-4946-9390-E8693855103A}"/>
+                <a16:creationId xmlns:a16="http://schemas.microsoft.com/office/drawing/2014/main" id="{2CDBB6E5-B91E-4946-9390-E8693855103A}"/>
               </a:ext>
             </a:extLst>
           </p:cNvPr>
@@ -18781,7 +18666,7 @@
           <p:cNvPr id="34" name="Freeform: Shape 33">
             <a:extLst>
               <a:ext uri="{FF2B5EF4-FFF2-40B4-BE49-F238E27FC236}">
-                <a16:creationId xmlns:a16="http://schemas.microsoft.com/office/drawing/2014/main" xmlns="" id="{0C3CC1C9-1FA0-4FE4-8984-4A8B3728D674}"/>
+                <a16:creationId xmlns:a16="http://schemas.microsoft.com/office/drawing/2014/main" id="{0C3CC1C9-1FA0-4FE4-8984-4A8B3728D674}"/>
               </a:ext>
             </a:extLst>
           </p:cNvPr>
@@ -18926,7 +18811,7 @@
           <p:cNvPr id="24" name="Freeform: Shape 23">
             <a:extLst>
               <a:ext uri="{FF2B5EF4-FFF2-40B4-BE49-F238E27FC236}">
-                <a16:creationId xmlns:a16="http://schemas.microsoft.com/office/drawing/2014/main" xmlns="" id="{8E049265-431E-48DE-B7F7-4959930171DC}"/>
+                <a16:creationId xmlns:a16="http://schemas.microsoft.com/office/drawing/2014/main" id="{8E049265-431E-48DE-B7F7-4959930171DC}"/>
               </a:ext>
             </a:extLst>
           </p:cNvPr>
@@ -19066,7 +18951,7 @@
           <p:cNvPr id="25" name="Freeform: Shape 24">
             <a:extLst>
               <a:ext uri="{FF2B5EF4-FFF2-40B4-BE49-F238E27FC236}">
-                <a16:creationId xmlns:a16="http://schemas.microsoft.com/office/drawing/2014/main" xmlns="" id="{173E5F2D-1F8E-4DCC-857F-932C6C6539BB}"/>
+                <a16:creationId xmlns:a16="http://schemas.microsoft.com/office/drawing/2014/main" id="{173E5F2D-1F8E-4DCC-857F-932C6C6539BB}"/>
               </a:ext>
             </a:extLst>
           </p:cNvPr>
@@ -19212,7 +19097,7 @@
           <p:cNvPr id="26" name="Group 25">
             <a:extLst>
               <a:ext uri="{FF2B5EF4-FFF2-40B4-BE49-F238E27FC236}">
-                <a16:creationId xmlns:a16="http://schemas.microsoft.com/office/drawing/2014/main" xmlns="" id="{E9318B2B-E019-4078-9EF0-C9D6281AE31B}"/>
+                <a16:creationId xmlns:a16="http://schemas.microsoft.com/office/drawing/2014/main" id="{E9318B2B-E019-4078-9EF0-C9D6281AE31B}"/>
               </a:ext>
             </a:extLst>
           </p:cNvPr>
@@ -19232,7 +19117,7 @@
             <p:cNvPr id="27" name="Freeform: Shape 26">
               <a:extLst>
                 <a:ext uri="{FF2B5EF4-FFF2-40B4-BE49-F238E27FC236}">
-                  <a16:creationId xmlns:a16="http://schemas.microsoft.com/office/drawing/2014/main" xmlns="" id="{D3E625C0-9656-421F-861F-67C8F93362ED}"/>
+                  <a16:creationId xmlns:a16="http://schemas.microsoft.com/office/drawing/2014/main" id="{D3E625C0-9656-421F-861F-67C8F93362ED}"/>
                 </a:ext>
               </a:extLst>
             </p:cNvPr>
@@ -19332,7 +19217,7 @@
             <p:cNvPr id="28" name="Freeform: Shape 27">
               <a:extLst>
                 <a:ext uri="{FF2B5EF4-FFF2-40B4-BE49-F238E27FC236}">
-                  <a16:creationId xmlns:a16="http://schemas.microsoft.com/office/drawing/2014/main" xmlns="" id="{49F8E490-C6E3-4D00-866F-CD85DD88996E}"/>
+                  <a16:creationId xmlns:a16="http://schemas.microsoft.com/office/drawing/2014/main" id="{49F8E490-C6E3-4D00-866F-CD85DD88996E}"/>
                 </a:ext>
               </a:extLst>
             </p:cNvPr>
@@ -19441,7 +19326,7 @@
           <p:cNvPr id="29" name="Freeform: Shape 28">
             <a:extLst>
               <a:ext uri="{FF2B5EF4-FFF2-40B4-BE49-F238E27FC236}">
-                <a16:creationId xmlns:a16="http://schemas.microsoft.com/office/drawing/2014/main" xmlns="" id="{EE8F5B31-1523-46AE-9455-C33DFC1BDDE0}"/>
+                <a16:creationId xmlns:a16="http://schemas.microsoft.com/office/drawing/2014/main" id="{EE8F5B31-1523-46AE-9455-C33DFC1BDDE0}"/>
               </a:ext>
             </a:extLst>
           </p:cNvPr>
@@ -19533,7 +19418,7 @@
           <p:cNvPr id="30" name="Freeform: Shape 29">
             <a:extLst>
               <a:ext uri="{FF2B5EF4-FFF2-40B4-BE49-F238E27FC236}">
-                <a16:creationId xmlns:a16="http://schemas.microsoft.com/office/drawing/2014/main" xmlns="" id="{5D17048F-C2E1-4775-BC32-50BD6219F89D}"/>
+                <a16:creationId xmlns:a16="http://schemas.microsoft.com/office/drawing/2014/main" id="{5D17048F-C2E1-4775-BC32-50BD6219F89D}"/>
               </a:ext>
             </a:extLst>
           </p:cNvPr>
@@ -19633,7 +19518,7 @@
           <p:cNvPr id="31" name="Group 30">
             <a:extLst>
               <a:ext uri="{FF2B5EF4-FFF2-40B4-BE49-F238E27FC236}">
-                <a16:creationId xmlns:a16="http://schemas.microsoft.com/office/drawing/2014/main" xmlns="" id="{EAB002AA-4848-49C8-A834-036F860C79A3}"/>
+                <a16:creationId xmlns:a16="http://schemas.microsoft.com/office/drawing/2014/main" id="{EAB002AA-4848-49C8-A834-036F860C79A3}"/>
               </a:ext>
             </a:extLst>
           </p:cNvPr>
@@ -19653,7 +19538,7 @@
             <p:cNvPr id="32" name="Freeform: Shape 31">
               <a:extLst>
                 <a:ext uri="{FF2B5EF4-FFF2-40B4-BE49-F238E27FC236}">
-                  <a16:creationId xmlns:a16="http://schemas.microsoft.com/office/drawing/2014/main" xmlns="" id="{14B187A8-7F8D-469D-A03B-4F835A5746DE}"/>
+                  <a16:creationId xmlns:a16="http://schemas.microsoft.com/office/drawing/2014/main" id="{14B187A8-7F8D-469D-A03B-4F835A5746DE}"/>
                 </a:ext>
               </a:extLst>
             </p:cNvPr>
@@ -19743,7 +19628,7 @@
             <p:cNvPr id="33" name="Freeform: Shape 32">
               <a:extLst>
                 <a:ext uri="{FF2B5EF4-FFF2-40B4-BE49-F238E27FC236}">
-                  <a16:creationId xmlns:a16="http://schemas.microsoft.com/office/drawing/2014/main" xmlns="" id="{03D871D1-A11A-48FB-82A8-8D61AB5CB85C}"/>
+                  <a16:creationId xmlns:a16="http://schemas.microsoft.com/office/drawing/2014/main" id="{03D871D1-A11A-48FB-82A8-8D61AB5CB85C}"/>
                 </a:ext>
               </a:extLst>
             </p:cNvPr>
@@ -19842,7 +19727,7 @@
           <p:cNvPr id="2" name="Title 1">
             <a:extLst>
               <a:ext uri="{FF2B5EF4-FFF2-40B4-BE49-F238E27FC236}">
-                <a16:creationId xmlns:a16="http://schemas.microsoft.com/office/drawing/2014/main" xmlns="" id="{42374B20-3E42-44AF-BEF1-8AB33067395C}"/>
+                <a16:creationId xmlns:a16="http://schemas.microsoft.com/office/drawing/2014/main" id="{42374B20-3E42-44AF-BEF1-8AB33067395C}"/>
               </a:ext>
             </a:extLst>
           </p:cNvPr>
@@ -19887,7 +19772,7 @@
           <p:cNvPr id="3" name="Text Placeholder 2">
             <a:extLst>
               <a:ext uri="{FF2B5EF4-FFF2-40B4-BE49-F238E27FC236}">
-                <a16:creationId xmlns:a16="http://schemas.microsoft.com/office/drawing/2014/main" xmlns="" id="{5E194264-A3F5-42E2-9A63-DCCED0457E1B}"/>
+                <a16:creationId xmlns:a16="http://schemas.microsoft.com/office/drawing/2014/main" id="{5E194264-A3F5-42E2-9A63-DCCED0457E1B}"/>
               </a:ext>
             </a:extLst>
           </p:cNvPr>
@@ -19937,7 +19822,7 @@
           <p:cNvPr id="35" name="Slide Number Placeholder 4">
             <a:extLst>
               <a:ext uri="{FF2B5EF4-FFF2-40B4-BE49-F238E27FC236}">
-                <a16:creationId xmlns:a16="http://schemas.microsoft.com/office/drawing/2014/main" xmlns="" id="{6F73F836-940E-4B65-A29C-D0869263C935}"/>
+                <a16:creationId xmlns:a16="http://schemas.microsoft.com/office/drawing/2014/main" id="{6F73F836-940E-4B65-A29C-D0869263C935}"/>
               </a:ext>
             </a:extLst>
           </p:cNvPr>
@@ -19970,7 +19855,7 @@
             <a:fld id="{C263D6C4-4840-40CC-AC84-17E24B3B7BDE}" type="slidenum">
               <a:rPr lang="en-US" noProof="0" smtClean="0"/>
               <a:pPr/>
-              <a:t>‹Nr.›</a:t>
+              <a:t>‹#›</a:t>
             </a:fld>
             <a:endParaRPr lang="en-US" noProof="0" dirty="0"/>
           </a:p>
@@ -20011,7 +19896,7 @@
           <p:cNvPr id="22" name="Rectangle 21">
             <a:extLst>
               <a:ext uri="{FF2B5EF4-FFF2-40B4-BE49-F238E27FC236}">
-                <a16:creationId xmlns:a16="http://schemas.microsoft.com/office/drawing/2014/main" xmlns="" id="{2CDBB6E5-B91E-4946-9390-E8693855103A}"/>
+                <a16:creationId xmlns:a16="http://schemas.microsoft.com/office/drawing/2014/main" id="{2CDBB6E5-B91E-4946-9390-E8693855103A}"/>
               </a:ext>
             </a:extLst>
           </p:cNvPr>
@@ -20065,7 +19950,7 @@
           <p:cNvPr id="34" name="Freeform: Shape 33">
             <a:extLst>
               <a:ext uri="{FF2B5EF4-FFF2-40B4-BE49-F238E27FC236}">
-                <a16:creationId xmlns:a16="http://schemas.microsoft.com/office/drawing/2014/main" xmlns="" id="{0C3CC1C9-1FA0-4FE4-8984-4A8B3728D674}"/>
+                <a16:creationId xmlns:a16="http://schemas.microsoft.com/office/drawing/2014/main" id="{0C3CC1C9-1FA0-4FE4-8984-4A8B3728D674}"/>
               </a:ext>
             </a:extLst>
           </p:cNvPr>
@@ -20210,7 +20095,7 @@
           <p:cNvPr id="24" name="Freeform: Shape 23">
             <a:extLst>
               <a:ext uri="{FF2B5EF4-FFF2-40B4-BE49-F238E27FC236}">
-                <a16:creationId xmlns:a16="http://schemas.microsoft.com/office/drawing/2014/main" xmlns="" id="{8E049265-431E-48DE-B7F7-4959930171DC}"/>
+                <a16:creationId xmlns:a16="http://schemas.microsoft.com/office/drawing/2014/main" id="{8E049265-431E-48DE-B7F7-4959930171DC}"/>
               </a:ext>
             </a:extLst>
           </p:cNvPr>
@@ -20350,7 +20235,7 @@
           <p:cNvPr id="25" name="Freeform: Shape 24">
             <a:extLst>
               <a:ext uri="{FF2B5EF4-FFF2-40B4-BE49-F238E27FC236}">
-                <a16:creationId xmlns:a16="http://schemas.microsoft.com/office/drawing/2014/main" xmlns="" id="{173E5F2D-1F8E-4DCC-857F-932C6C6539BB}"/>
+                <a16:creationId xmlns:a16="http://schemas.microsoft.com/office/drawing/2014/main" id="{173E5F2D-1F8E-4DCC-857F-932C6C6539BB}"/>
               </a:ext>
             </a:extLst>
           </p:cNvPr>
@@ -20496,7 +20381,7 @@
           <p:cNvPr id="4" name="Oval 3">
             <a:extLst>
               <a:ext uri="{FF2B5EF4-FFF2-40B4-BE49-F238E27FC236}">
-                <a16:creationId xmlns:a16="http://schemas.microsoft.com/office/drawing/2014/main" xmlns="" id="{ECB4C115-EFF9-405C-98BE-F4077B9730D0}"/>
+                <a16:creationId xmlns:a16="http://schemas.microsoft.com/office/drawing/2014/main" id="{ECB4C115-EFF9-405C-98BE-F4077B9730D0}"/>
               </a:ext>
             </a:extLst>
           </p:cNvPr>
@@ -20554,7 +20439,7 @@
           <p:cNvPr id="18" name="Title 1">
             <a:extLst>
               <a:ext uri="{FF2B5EF4-FFF2-40B4-BE49-F238E27FC236}">
-                <a16:creationId xmlns:a16="http://schemas.microsoft.com/office/drawing/2014/main" xmlns="" id="{C9A300DD-BB54-44ED-A7E4-01CD41EC930F}"/>
+                <a16:creationId xmlns:a16="http://schemas.microsoft.com/office/drawing/2014/main" id="{C9A300DD-BB54-44ED-A7E4-01CD41EC930F}"/>
               </a:ext>
             </a:extLst>
           </p:cNvPr>
@@ -20617,7 +20502,7 @@
           <p:cNvPr id="2" name="Title 1">
             <a:extLst>
               <a:ext uri="{FF2B5EF4-FFF2-40B4-BE49-F238E27FC236}">
-                <a16:creationId xmlns:a16="http://schemas.microsoft.com/office/drawing/2014/main" xmlns="" id="{42374B20-3E42-44AF-BEF1-8AB33067395C}"/>
+                <a16:creationId xmlns:a16="http://schemas.microsoft.com/office/drawing/2014/main" id="{42374B20-3E42-44AF-BEF1-8AB33067395C}"/>
               </a:ext>
             </a:extLst>
           </p:cNvPr>
@@ -20665,7 +20550,7 @@
           <p:cNvPr id="19" name="Slide Number Placeholder 4">
             <a:extLst>
               <a:ext uri="{FF2B5EF4-FFF2-40B4-BE49-F238E27FC236}">
-                <a16:creationId xmlns:a16="http://schemas.microsoft.com/office/drawing/2014/main" xmlns="" id="{A4E6C1FF-5925-42B3-B7F9-0A0031BDAD30}"/>
+                <a16:creationId xmlns:a16="http://schemas.microsoft.com/office/drawing/2014/main" id="{A4E6C1FF-5925-42B3-B7F9-0A0031BDAD30}"/>
               </a:ext>
             </a:extLst>
           </p:cNvPr>
@@ -20698,7 +20583,7 @@
             <a:fld id="{C263D6C4-4840-40CC-AC84-17E24B3B7BDE}" type="slidenum">
               <a:rPr lang="en-US" noProof="0" smtClean="0"/>
               <a:pPr/>
-              <a:t>‹Nr.›</a:t>
+              <a:t>‹#›</a:t>
             </a:fld>
             <a:endParaRPr lang="en-US" noProof="0" dirty="0"/>
           </a:p>
@@ -20747,7 +20632,7 @@
           <p:cNvPr id="11" name="Rectangle 10">
             <a:extLst>
               <a:ext uri="{FF2B5EF4-FFF2-40B4-BE49-F238E27FC236}">
-                <a16:creationId xmlns:a16="http://schemas.microsoft.com/office/drawing/2014/main" xmlns="" id="{EB3E033F-4449-40FA-BC85-BD2712D313DD}"/>
+                <a16:creationId xmlns:a16="http://schemas.microsoft.com/office/drawing/2014/main" id="{EB3E033F-4449-40FA-BC85-BD2712D313DD}"/>
               </a:ext>
             </a:extLst>
           </p:cNvPr>
@@ -20801,7 +20686,7 @@
           <p:cNvPr id="10" name="Freeform: Shape 9">
             <a:extLst>
               <a:ext uri="{FF2B5EF4-FFF2-40B4-BE49-F238E27FC236}">
-                <a16:creationId xmlns:a16="http://schemas.microsoft.com/office/drawing/2014/main" xmlns="" id="{63D26743-0505-444C-80B3-E88EE87DF72B}"/>
+                <a16:creationId xmlns:a16="http://schemas.microsoft.com/office/drawing/2014/main" id="{63D26743-0505-444C-80B3-E88EE87DF72B}"/>
               </a:ext>
             </a:extLst>
           </p:cNvPr>
@@ -20924,7 +20809,7 @@
           <p:cNvPr id="8" name="Freeform: Shape 7">
             <a:extLst>
               <a:ext uri="{FF2B5EF4-FFF2-40B4-BE49-F238E27FC236}">
-                <a16:creationId xmlns:a16="http://schemas.microsoft.com/office/drawing/2014/main" xmlns="" id="{1599AF7E-3E34-4597-AA72-9373A7FDB020}"/>
+                <a16:creationId xmlns:a16="http://schemas.microsoft.com/office/drawing/2014/main" id="{1599AF7E-3E34-4597-AA72-9373A7FDB020}"/>
               </a:ext>
             </a:extLst>
           </p:cNvPr>
@@ -21070,7 +20955,7 @@
           <p:cNvPr id="2" name="Title 1">
             <a:extLst>
               <a:ext uri="{FF2B5EF4-FFF2-40B4-BE49-F238E27FC236}">
-                <a16:creationId xmlns:a16="http://schemas.microsoft.com/office/drawing/2014/main" xmlns="" id="{4A2DF563-7FAC-46B3-B24C-7E45CD89DA2B}"/>
+                <a16:creationId xmlns:a16="http://schemas.microsoft.com/office/drawing/2014/main" id="{4A2DF563-7FAC-46B3-B24C-7E45CD89DA2B}"/>
               </a:ext>
             </a:extLst>
           </p:cNvPr>
@@ -21115,7 +21000,7 @@
           <p:cNvPr id="5" name="Slide Number Placeholder 4">
             <a:extLst>
               <a:ext uri="{FF2B5EF4-FFF2-40B4-BE49-F238E27FC236}">
-                <a16:creationId xmlns:a16="http://schemas.microsoft.com/office/drawing/2014/main" xmlns="" id="{87B51822-97FF-47A7-8E4E-A0F79B4EB237}"/>
+                <a16:creationId xmlns:a16="http://schemas.microsoft.com/office/drawing/2014/main" id="{87B51822-97FF-47A7-8E4E-A0F79B4EB237}"/>
               </a:ext>
             </a:extLst>
           </p:cNvPr>
@@ -21148,7 +21033,7 @@
             <a:fld id="{C263D6C4-4840-40CC-AC84-17E24B3B7BDE}" type="slidenum">
               <a:rPr lang="en-US" noProof="0" smtClean="0"/>
               <a:pPr/>
-              <a:t>‹Nr.›</a:t>
+              <a:t>‹#›</a:t>
             </a:fld>
             <a:endParaRPr lang="en-US" noProof="0" dirty="0"/>
           </a:p>
@@ -21159,7 +21044,7 @@
           <p:cNvPr id="15" name="Group 14">
             <a:extLst>
               <a:ext uri="{FF2B5EF4-FFF2-40B4-BE49-F238E27FC236}">
-                <a16:creationId xmlns:a16="http://schemas.microsoft.com/office/drawing/2014/main" xmlns="" id="{7732E1E7-45E3-4264-8F26-66758696DD1E}"/>
+                <a16:creationId xmlns:a16="http://schemas.microsoft.com/office/drawing/2014/main" id="{7732E1E7-45E3-4264-8F26-66758696DD1E}"/>
               </a:ext>
             </a:extLst>
           </p:cNvPr>
@@ -21179,7 +21064,7 @@
             <p:cNvPr id="16" name="Freeform: Shape 15">
               <a:extLst>
                 <a:ext uri="{FF2B5EF4-FFF2-40B4-BE49-F238E27FC236}">
-                  <a16:creationId xmlns:a16="http://schemas.microsoft.com/office/drawing/2014/main" xmlns="" id="{2E3DF883-8093-49FA-81E1-E5D77F086A25}"/>
+                  <a16:creationId xmlns:a16="http://schemas.microsoft.com/office/drawing/2014/main" id="{2E3DF883-8093-49FA-81E1-E5D77F086A25}"/>
                 </a:ext>
               </a:extLst>
             </p:cNvPr>
@@ -21269,7 +21154,7 @@
             <p:cNvPr id="17" name="Freeform: Shape 16">
               <a:extLst>
                 <a:ext uri="{FF2B5EF4-FFF2-40B4-BE49-F238E27FC236}">
-                  <a16:creationId xmlns:a16="http://schemas.microsoft.com/office/drawing/2014/main" xmlns="" id="{18944C90-37E5-4BBE-89FF-060627168050}"/>
+                  <a16:creationId xmlns:a16="http://schemas.microsoft.com/office/drawing/2014/main" id="{18944C90-37E5-4BBE-89FF-060627168050}"/>
                 </a:ext>
               </a:extLst>
             </p:cNvPr>
@@ -21368,7 +21253,7 @@
           <p:cNvPr id="23" name="Text Placeholder 22">
             <a:extLst>
               <a:ext uri="{FF2B5EF4-FFF2-40B4-BE49-F238E27FC236}">
-                <a16:creationId xmlns:a16="http://schemas.microsoft.com/office/drawing/2014/main" xmlns="" id="{03618670-D1E4-466C-BDB5-FC890AC31457}"/>
+                <a16:creationId xmlns:a16="http://schemas.microsoft.com/office/drawing/2014/main" id="{03618670-D1E4-466C-BDB5-FC890AC31457}"/>
               </a:ext>
             </a:extLst>
           </p:cNvPr>
@@ -21529,7 +21414,7 @@
           <p:cNvPr id="11" name="Rectangle 10">
             <a:extLst>
               <a:ext uri="{FF2B5EF4-FFF2-40B4-BE49-F238E27FC236}">
-                <a16:creationId xmlns:a16="http://schemas.microsoft.com/office/drawing/2014/main" xmlns="" id="{EB3E033F-4449-40FA-BC85-BD2712D313DD}"/>
+                <a16:creationId xmlns:a16="http://schemas.microsoft.com/office/drawing/2014/main" id="{EB3E033F-4449-40FA-BC85-BD2712D313DD}"/>
               </a:ext>
             </a:extLst>
           </p:cNvPr>
@@ -21583,7 +21468,7 @@
           <p:cNvPr id="10" name="Freeform: Shape 9">
             <a:extLst>
               <a:ext uri="{FF2B5EF4-FFF2-40B4-BE49-F238E27FC236}">
-                <a16:creationId xmlns:a16="http://schemas.microsoft.com/office/drawing/2014/main" xmlns="" id="{63D26743-0505-444C-80B3-E88EE87DF72B}"/>
+                <a16:creationId xmlns:a16="http://schemas.microsoft.com/office/drawing/2014/main" id="{63D26743-0505-444C-80B3-E88EE87DF72B}"/>
               </a:ext>
             </a:extLst>
           </p:cNvPr>
@@ -21706,7 +21591,7 @@
           <p:cNvPr id="18" name="Freeform: Shape 17">
             <a:extLst>
               <a:ext uri="{FF2B5EF4-FFF2-40B4-BE49-F238E27FC236}">
-                <a16:creationId xmlns:a16="http://schemas.microsoft.com/office/drawing/2014/main" xmlns="" id="{E37145E9-AC61-47D5-9288-8789940F81B6}"/>
+                <a16:creationId xmlns:a16="http://schemas.microsoft.com/office/drawing/2014/main" id="{E37145E9-AC61-47D5-9288-8789940F81B6}"/>
               </a:ext>
             </a:extLst>
           </p:cNvPr>
@@ -21858,7 +21743,7 @@
           <p:cNvPr id="12" name="Freeform: Shape 11">
             <a:extLst>
               <a:ext uri="{FF2B5EF4-FFF2-40B4-BE49-F238E27FC236}">
-                <a16:creationId xmlns:a16="http://schemas.microsoft.com/office/drawing/2014/main" xmlns="" id="{A5E2B3ED-9A49-40A7-B8A3-62595FE513F9}"/>
+                <a16:creationId xmlns:a16="http://schemas.microsoft.com/office/drawing/2014/main" id="{A5E2B3ED-9A49-40A7-B8A3-62595FE513F9}"/>
               </a:ext>
             </a:extLst>
           </p:cNvPr>
@@ -22008,7 +21893,7 @@
           <p:cNvPr id="8" name="Freeform: Shape 7">
             <a:extLst>
               <a:ext uri="{FF2B5EF4-FFF2-40B4-BE49-F238E27FC236}">
-                <a16:creationId xmlns:a16="http://schemas.microsoft.com/office/drawing/2014/main" xmlns="" id="{1599AF7E-3E34-4597-AA72-9373A7FDB020}"/>
+                <a16:creationId xmlns:a16="http://schemas.microsoft.com/office/drawing/2014/main" id="{1599AF7E-3E34-4597-AA72-9373A7FDB020}"/>
               </a:ext>
             </a:extLst>
           </p:cNvPr>
@@ -22154,7 +22039,7 @@
           <p:cNvPr id="2" name="Title 1">
             <a:extLst>
               <a:ext uri="{FF2B5EF4-FFF2-40B4-BE49-F238E27FC236}">
-                <a16:creationId xmlns:a16="http://schemas.microsoft.com/office/drawing/2014/main" xmlns="" id="{4A2DF563-7FAC-46B3-B24C-7E45CD89DA2B}"/>
+                <a16:creationId xmlns:a16="http://schemas.microsoft.com/office/drawing/2014/main" id="{4A2DF563-7FAC-46B3-B24C-7E45CD89DA2B}"/>
               </a:ext>
             </a:extLst>
           </p:cNvPr>
@@ -22199,7 +22084,7 @@
           <p:cNvPr id="15" name="Group 14">
             <a:extLst>
               <a:ext uri="{FF2B5EF4-FFF2-40B4-BE49-F238E27FC236}">
-                <a16:creationId xmlns:a16="http://schemas.microsoft.com/office/drawing/2014/main" xmlns="" id="{7732E1E7-45E3-4264-8F26-66758696DD1E}"/>
+                <a16:creationId xmlns:a16="http://schemas.microsoft.com/office/drawing/2014/main" id="{7732E1E7-45E3-4264-8F26-66758696DD1E}"/>
               </a:ext>
             </a:extLst>
           </p:cNvPr>
@@ -22219,7 +22104,7 @@
             <p:cNvPr id="16" name="Freeform: Shape 15">
               <a:extLst>
                 <a:ext uri="{FF2B5EF4-FFF2-40B4-BE49-F238E27FC236}">
-                  <a16:creationId xmlns:a16="http://schemas.microsoft.com/office/drawing/2014/main" xmlns="" id="{2E3DF883-8093-49FA-81E1-E5D77F086A25}"/>
+                  <a16:creationId xmlns:a16="http://schemas.microsoft.com/office/drawing/2014/main" id="{2E3DF883-8093-49FA-81E1-E5D77F086A25}"/>
                 </a:ext>
               </a:extLst>
             </p:cNvPr>
@@ -22309,7 +22194,7 @@
             <p:cNvPr id="17" name="Freeform: Shape 16">
               <a:extLst>
                 <a:ext uri="{FF2B5EF4-FFF2-40B4-BE49-F238E27FC236}">
-                  <a16:creationId xmlns:a16="http://schemas.microsoft.com/office/drawing/2014/main" xmlns="" id="{18944C90-37E5-4BBE-89FF-060627168050}"/>
+                  <a16:creationId xmlns:a16="http://schemas.microsoft.com/office/drawing/2014/main" id="{18944C90-37E5-4BBE-89FF-060627168050}"/>
                 </a:ext>
               </a:extLst>
             </p:cNvPr>
@@ -22408,7 +22293,7 @@
           <p:cNvPr id="6" name="Group 5">
             <a:extLst>
               <a:ext uri="{FF2B5EF4-FFF2-40B4-BE49-F238E27FC236}">
-                <a16:creationId xmlns:a16="http://schemas.microsoft.com/office/drawing/2014/main" xmlns="" id="{D9EBF8BB-A805-4DDB-B459-082F99815B95}"/>
+                <a16:creationId xmlns:a16="http://schemas.microsoft.com/office/drawing/2014/main" id="{D9EBF8BB-A805-4DDB-B459-082F99815B95}"/>
               </a:ext>
             </a:extLst>
           </p:cNvPr>
@@ -22428,7 +22313,7 @@
             <p:cNvPr id="19" name="Rectangle: Single Corner Snipped 18">
               <a:extLst>
                 <a:ext uri="{FF2B5EF4-FFF2-40B4-BE49-F238E27FC236}">
-                  <a16:creationId xmlns:a16="http://schemas.microsoft.com/office/drawing/2014/main" xmlns="" id="{5D638788-DD47-45E7-939A-FA108A818173}"/>
+                  <a16:creationId xmlns:a16="http://schemas.microsoft.com/office/drawing/2014/main" id="{5D638788-DD47-45E7-939A-FA108A818173}"/>
                 </a:ext>
               </a:extLst>
             </p:cNvPr>
@@ -22494,7 +22379,7 @@
             <p:cNvPr id="3" name="Rectangle: Single Corner Snipped 2">
               <a:extLst>
                 <a:ext uri="{FF2B5EF4-FFF2-40B4-BE49-F238E27FC236}">
-                  <a16:creationId xmlns:a16="http://schemas.microsoft.com/office/drawing/2014/main" xmlns="" id="{74BDECEF-EEFE-4332-B3B2-BDE4F82C10FC}"/>
+                  <a16:creationId xmlns:a16="http://schemas.microsoft.com/office/drawing/2014/main" id="{74BDECEF-EEFE-4332-B3B2-BDE4F82C10FC}"/>
                 </a:ext>
               </a:extLst>
             </p:cNvPr>
@@ -22551,7 +22436,7 @@
           <p:cNvPr id="24" name="Freeform: Shape 23">
             <a:extLst>
               <a:ext uri="{FF2B5EF4-FFF2-40B4-BE49-F238E27FC236}">
-                <a16:creationId xmlns:a16="http://schemas.microsoft.com/office/drawing/2014/main" xmlns="" id="{18103E00-7E4A-44CD-81AC-06433CAE1110}"/>
+                <a16:creationId xmlns:a16="http://schemas.microsoft.com/office/drawing/2014/main" id="{18103E00-7E4A-44CD-81AC-06433CAE1110}"/>
               </a:ext>
             </a:extLst>
           </p:cNvPr>
@@ -22646,7 +22531,7 @@
           <p:cNvPr id="5" name="Slide Number Placeholder 4">
             <a:extLst>
               <a:ext uri="{FF2B5EF4-FFF2-40B4-BE49-F238E27FC236}">
-                <a16:creationId xmlns:a16="http://schemas.microsoft.com/office/drawing/2014/main" xmlns="" id="{87B51822-97FF-47A7-8E4E-A0F79B4EB237}"/>
+                <a16:creationId xmlns:a16="http://schemas.microsoft.com/office/drawing/2014/main" id="{87B51822-97FF-47A7-8E4E-A0F79B4EB237}"/>
               </a:ext>
             </a:extLst>
           </p:cNvPr>
@@ -22679,7 +22564,7 @@
             <a:fld id="{C263D6C4-4840-40CC-AC84-17E24B3B7BDE}" type="slidenum">
               <a:rPr lang="en-US" noProof="0" smtClean="0"/>
               <a:pPr/>
-              <a:t>‹Nr.›</a:t>
+              <a:t>‹#›</a:t>
             </a:fld>
             <a:endParaRPr lang="en-US" noProof="0" dirty="0"/>
           </a:p>
@@ -22728,7 +22613,7 @@
           <p:cNvPr id="11" name="Rectangle 10">
             <a:extLst>
               <a:ext uri="{FF2B5EF4-FFF2-40B4-BE49-F238E27FC236}">
-                <a16:creationId xmlns:a16="http://schemas.microsoft.com/office/drawing/2014/main" xmlns="" id="{EB3E033F-4449-40FA-BC85-BD2712D313DD}"/>
+                <a16:creationId xmlns:a16="http://schemas.microsoft.com/office/drawing/2014/main" id="{EB3E033F-4449-40FA-BC85-BD2712D313DD}"/>
               </a:ext>
             </a:extLst>
           </p:cNvPr>
@@ -22782,7 +22667,7 @@
           <p:cNvPr id="10" name="Freeform: Shape 9">
             <a:extLst>
               <a:ext uri="{FF2B5EF4-FFF2-40B4-BE49-F238E27FC236}">
-                <a16:creationId xmlns:a16="http://schemas.microsoft.com/office/drawing/2014/main" xmlns="" id="{63D26743-0505-444C-80B3-E88EE87DF72B}"/>
+                <a16:creationId xmlns:a16="http://schemas.microsoft.com/office/drawing/2014/main" id="{63D26743-0505-444C-80B3-E88EE87DF72B}"/>
               </a:ext>
             </a:extLst>
           </p:cNvPr>
@@ -22905,7 +22790,7 @@
           <p:cNvPr id="18" name="Freeform: Shape 17">
             <a:extLst>
               <a:ext uri="{FF2B5EF4-FFF2-40B4-BE49-F238E27FC236}">
-                <a16:creationId xmlns:a16="http://schemas.microsoft.com/office/drawing/2014/main" xmlns="" id="{E37145E9-AC61-47D5-9288-8789940F81B6}"/>
+                <a16:creationId xmlns:a16="http://schemas.microsoft.com/office/drawing/2014/main" id="{E37145E9-AC61-47D5-9288-8789940F81B6}"/>
               </a:ext>
             </a:extLst>
           </p:cNvPr>
@@ -23057,7 +22942,7 @@
           <p:cNvPr id="12" name="Freeform: Shape 11">
             <a:extLst>
               <a:ext uri="{FF2B5EF4-FFF2-40B4-BE49-F238E27FC236}">
-                <a16:creationId xmlns:a16="http://schemas.microsoft.com/office/drawing/2014/main" xmlns="" id="{A5E2B3ED-9A49-40A7-B8A3-62595FE513F9}"/>
+                <a16:creationId xmlns:a16="http://schemas.microsoft.com/office/drawing/2014/main" id="{A5E2B3ED-9A49-40A7-B8A3-62595FE513F9}"/>
               </a:ext>
             </a:extLst>
           </p:cNvPr>
@@ -23207,7 +23092,7 @@
           <p:cNvPr id="8" name="Freeform: Shape 7">
             <a:extLst>
               <a:ext uri="{FF2B5EF4-FFF2-40B4-BE49-F238E27FC236}">
-                <a16:creationId xmlns:a16="http://schemas.microsoft.com/office/drawing/2014/main" xmlns="" id="{1599AF7E-3E34-4597-AA72-9373A7FDB020}"/>
+                <a16:creationId xmlns:a16="http://schemas.microsoft.com/office/drawing/2014/main" id="{1599AF7E-3E34-4597-AA72-9373A7FDB020}"/>
               </a:ext>
             </a:extLst>
           </p:cNvPr>
@@ -23353,7 +23238,7 @@
           <p:cNvPr id="2" name="Title 1">
             <a:extLst>
               <a:ext uri="{FF2B5EF4-FFF2-40B4-BE49-F238E27FC236}">
-                <a16:creationId xmlns:a16="http://schemas.microsoft.com/office/drawing/2014/main" xmlns="" id="{4A2DF563-7FAC-46B3-B24C-7E45CD89DA2B}"/>
+                <a16:creationId xmlns:a16="http://schemas.microsoft.com/office/drawing/2014/main" id="{4A2DF563-7FAC-46B3-B24C-7E45CD89DA2B}"/>
               </a:ext>
             </a:extLst>
           </p:cNvPr>
@@ -23398,7 +23283,7 @@
           <p:cNvPr id="15" name="Group 14">
             <a:extLst>
               <a:ext uri="{FF2B5EF4-FFF2-40B4-BE49-F238E27FC236}">
-                <a16:creationId xmlns:a16="http://schemas.microsoft.com/office/drawing/2014/main" xmlns="" id="{7732E1E7-45E3-4264-8F26-66758696DD1E}"/>
+                <a16:creationId xmlns:a16="http://schemas.microsoft.com/office/drawing/2014/main" id="{7732E1E7-45E3-4264-8F26-66758696DD1E}"/>
               </a:ext>
             </a:extLst>
           </p:cNvPr>
@@ -23418,7 +23303,7 @@
             <p:cNvPr id="16" name="Freeform: Shape 15">
               <a:extLst>
                 <a:ext uri="{FF2B5EF4-FFF2-40B4-BE49-F238E27FC236}">
-                  <a16:creationId xmlns:a16="http://schemas.microsoft.com/office/drawing/2014/main" xmlns="" id="{2E3DF883-8093-49FA-81E1-E5D77F086A25}"/>
+                  <a16:creationId xmlns:a16="http://schemas.microsoft.com/office/drawing/2014/main" id="{2E3DF883-8093-49FA-81E1-E5D77F086A25}"/>
                 </a:ext>
               </a:extLst>
             </p:cNvPr>
@@ -23508,7 +23393,7 @@
             <p:cNvPr id="17" name="Freeform: Shape 16">
               <a:extLst>
                 <a:ext uri="{FF2B5EF4-FFF2-40B4-BE49-F238E27FC236}">
-                  <a16:creationId xmlns:a16="http://schemas.microsoft.com/office/drawing/2014/main" xmlns="" id="{18944C90-37E5-4BBE-89FF-060627168050}"/>
+                  <a16:creationId xmlns:a16="http://schemas.microsoft.com/office/drawing/2014/main" id="{18944C90-37E5-4BBE-89FF-060627168050}"/>
                 </a:ext>
               </a:extLst>
             </p:cNvPr>
@@ -23607,7 +23492,7 @@
           <p:cNvPr id="6" name="Group 5">
             <a:extLst>
               <a:ext uri="{FF2B5EF4-FFF2-40B4-BE49-F238E27FC236}">
-                <a16:creationId xmlns:a16="http://schemas.microsoft.com/office/drawing/2014/main" xmlns="" id="{D9EBF8BB-A805-4DDB-B459-082F99815B95}"/>
+                <a16:creationId xmlns:a16="http://schemas.microsoft.com/office/drawing/2014/main" id="{D9EBF8BB-A805-4DDB-B459-082F99815B95}"/>
               </a:ext>
             </a:extLst>
           </p:cNvPr>
@@ -23627,7 +23512,7 @@
             <p:cNvPr id="19" name="Rectangle: Single Corner Snipped 18">
               <a:extLst>
                 <a:ext uri="{FF2B5EF4-FFF2-40B4-BE49-F238E27FC236}">
-                  <a16:creationId xmlns:a16="http://schemas.microsoft.com/office/drawing/2014/main" xmlns="" id="{5D638788-DD47-45E7-939A-FA108A818173}"/>
+                  <a16:creationId xmlns:a16="http://schemas.microsoft.com/office/drawing/2014/main" id="{5D638788-DD47-45E7-939A-FA108A818173}"/>
                 </a:ext>
               </a:extLst>
             </p:cNvPr>
@@ -23693,7 +23578,7 @@
             <p:cNvPr id="3" name="Rectangle: Single Corner Snipped 2">
               <a:extLst>
                 <a:ext uri="{FF2B5EF4-FFF2-40B4-BE49-F238E27FC236}">
-                  <a16:creationId xmlns:a16="http://schemas.microsoft.com/office/drawing/2014/main" xmlns="" id="{74BDECEF-EEFE-4332-B3B2-BDE4F82C10FC}"/>
+                  <a16:creationId xmlns:a16="http://schemas.microsoft.com/office/drawing/2014/main" id="{74BDECEF-EEFE-4332-B3B2-BDE4F82C10FC}"/>
                 </a:ext>
               </a:extLst>
             </p:cNvPr>
@@ -23750,7 +23635,7 @@
           <p:cNvPr id="24" name="Freeform: Shape 23">
             <a:extLst>
               <a:ext uri="{FF2B5EF4-FFF2-40B4-BE49-F238E27FC236}">
-                <a16:creationId xmlns:a16="http://schemas.microsoft.com/office/drawing/2014/main" xmlns="" id="{18103E00-7E4A-44CD-81AC-06433CAE1110}"/>
+                <a16:creationId xmlns:a16="http://schemas.microsoft.com/office/drawing/2014/main" id="{18103E00-7E4A-44CD-81AC-06433CAE1110}"/>
               </a:ext>
             </a:extLst>
           </p:cNvPr>
@@ -23845,7 +23730,7 @@
           <p:cNvPr id="5" name="Slide Number Placeholder 4">
             <a:extLst>
               <a:ext uri="{FF2B5EF4-FFF2-40B4-BE49-F238E27FC236}">
-                <a16:creationId xmlns:a16="http://schemas.microsoft.com/office/drawing/2014/main" xmlns="" id="{87B51822-97FF-47A7-8E4E-A0F79B4EB237}"/>
+                <a16:creationId xmlns:a16="http://schemas.microsoft.com/office/drawing/2014/main" id="{87B51822-97FF-47A7-8E4E-A0F79B4EB237}"/>
               </a:ext>
             </a:extLst>
           </p:cNvPr>
@@ -23878,7 +23763,7 @@
             <a:fld id="{C263D6C4-4840-40CC-AC84-17E24B3B7BDE}" type="slidenum">
               <a:rPr lang="en-US" noProof="0" smtClean="0"/>
               <a:pPr/>
-              <a:t>‹Nr.›</a:t>
+              <a:t>‹#›</a:t>
             </a:fld>
             <a:endParaRPr lang="en-US" noProof="0" dirty="0"/>
           </a:p>
@@ -23889,7 +23774,7 @@
           <p:cNvPr id="7" name="Text Placeholder 6">
             <a:extLst>
               <a:ext uri="{FF2B5EF4-FFF2-40B4-BE49-F238E27FC236}">
-                <a16:creationId xmlns:a16="http://schemas.microsoft.com/office/drawing/2014/main" xmlns="" id="{7E0C167E-2626-40DB-AACF-D02543E29BB3}"/>
+                <a16:creationId xmlns:a16="http://schemas.microsoft.com/office/drawing/2014/main" id="{7E0C167E-2626-40DB-AACF-D02543E29BB3}"/>
               </a:ext>
             </a:extLst>
           </p:cNvPr>
@@ -23972,7 +23857,7 @@
           <p:cNvPr id="11" name="Rectangle 10">
             <a:extLst>
               <a:ext uri="{FF2B5EF4-FFF2-40B4-BE49-F238E27FC236}">
-                <a16:creationId xmlns:a16="http://schemas.microsoft.com/office/drawing/2014/main" xmlns="" id="{EB3E033F-4449-40FA-BC85-BD2712D313DD}"/>
+                <a16:creationId xmlns:a16="http://schemas.microsoft.com/office/drawing/2014/main" id="{EB3E033F-4449-40FA-BC85-BD2712D313DD}"/>
               </a:ext>
             </a:extLst>
           </p:cNvPr>
@@ -24026,7 +23911,7 @@
           <p:cNvPr id="10" name="Freeform: Shape 9">
             <a:extLst>
               <a:ext uri="{FF2B5EF4-FFF2-40B4-BE49-F238E27FC236}">
-                <a16:creationId xmlns:a16="http://schemas.microsoft.com/office/drawing/2014/main" xmlns="" id="{63D26743-0505-444C-80B3-E88EE87DF72B}"/>
+                <a16:creationId xmlns:a16="http://schemas.microsoft.com/office/drawing/2014/main" id="{63D26743-0505-444C-80B3-E88EE87DF72B}"/>
               </a:ext>
             </a:extLst>
           </p:cNvPr>
@@ -24149,7 +24034,7 @@
           <p:cNvPr id="18" name="Freeform: Shape 17">
             <a:extLst>
               <a:ext uri="{FF2B5EF4-FFF2-40B4-BE49-F238E27FC236}">
-                <a16:creationId xmlns:a16="http://schemas.microsoft.com/office/drawing/2014/main" xmlns="" id="{E37145E9-AC61-47D5-9288-8789940F81B6}"/>
+                <a16:creationId xmlns:a16="http://schemas.microsoft.com/office/drawing/2014/main" id="{E37145E9-AC61-47D5-9288-8789940F81B6}"/>
               </a:ext>
             </a:extLst>
           </p:cNvPr>
@@ -24301,7 +24186,7 @@
           <p:cNvPr id="12" name="Freeform: Shape 11">
             <a:extLst>
               <a:ext uri="{FF2B5EF4-FFF2-40B4-BE49-F238E27FC236}">
-                <a16:creationId xmlns:a16="http://schemas.microsoft.com/office/drawing/2014/main" xmlns="" id="{A5E2B3ED-9A49-40A7-B8A3-62595FE513F9}"/>
+                <a16:creationId xmlns:a16="http://schemas.microsoft.com/office/drawing/2014/main" id="{A5E2B3ED-9A49-40A7-B8A3-62595FE513F9}"/>
               </a:ext>
             </a:extLst>
           </p:cNvPr>
@@ -24451,7 +24336,7 @@
           <p:cNvPr id="8" name="Freeform: Shape 7">
             <a:extLst>
               <a:ext uri="{FF2B5EF4-FFF2-40B4-BE49-F238E27FC236}">
-                <a16:creationId xmlns:a16="http://schemas.microsoft.com/office/drawing/2014/main" xmlns="" id="{1599AF7E-3E34-4597-AA72-9373A7FDB020}"/>
+                <a16:creationId xmlns:a16="http://schemas.microsoft.com/office/drawing/2014/main" id="{1599AF7E-3E34-4597-AA72-9373A7FDB020}"/>
               </a:ext>
             </a:extLst>
           </p:cNvPr>
@@ -24597,7 +24482,7 @@
           <p:cNvPr id="2" name="Title 1">
             <a:extLst>
               <a:ext uri="{FF2B5EF4-FFF2-40B4-BE49-F238E27FC236}">
-                <a16:creationId xmlns:a16="http://schemas.microsoft.com/office/drawing/2014/main" xmlns="" id="{4A2DF563-7FAC-46B3-B24C-7E45CD89DA2B}"/>
+                <a16:creationId xmlns:a16="http://schemas.microsoft.com/office/drawing/2014/main" id="{4A2DF563-7FAC-46B3-B24C-7E45CD89DA2B}"/>
               </a:ext>
             </a:extLst>
           </p:cNvPr>
@@ -24642,7 +24527,7 @@
           <p:cNvPr id="15" name="Group 14">
             <a:extLst>
               <a:ext uri="{FF2B5EF4-FFF2-40B4-BE49-F238E27FC236}">
-                <a16:creationId xmlns:a16="http://schemas.microsoft.com/office/drawing/2014/main" xmlns="" id="{7732E1E7-45E3-4264-8F26-66758696DD1E}"/>
+                <a16:creationId xmlns:a16="http://schemas.microsoft.com/office/drawing/2014/main" id="{7732E1E7-45E3-4264-8F26-66758696DD1E}"/>
               </a:ext>
             </a:extLst>
           </p:cNvPr>
@@ -24662,7 +24547,7 @@
             <p:cNvPr id="16" name="Freeform: Shape 15">
               <a:extLst>
                 <a:ext uri="{FF2B5EF4-FFF2-40B4-BE49-F238E27FC236}">
-                  <a16:creationId xmlns:a16="http://schemas.microsoft.com/office/drawing/2014/main" xmlns="" id="{2E3DF883-8093-49FA-81E1-E5D77F086A25}"/>
+                  <a16:creationId xmlns:a16="http://schemas.microsoft.com/office/drawing/2014/main" id="{2E3DF883-8093-49FA-81E1-E5D77F086A25}"/>
                 </a:ext>
               </a:extLst>
             </p:cNvPr>
@@ -24752,7 +24637,7 @@
             <p:cNvPr id="17" name="Freeform: Shape 16">
               <a:extLst>
                 <a:ext uri="{FF2B5EF4-FFF2-40B4-BE49-F238E27FC236}">
-                  <a16:creationId xmlns:a16="http://schemas.microsoft.com/office/drawing/2014/main" xmlns="" id="{18944C90-37E5-4BBE-89FF-060627168050}"/>
+                  <a16:creationId xmlns:a16="http://schemas.microsoft.com/office/drawing/2014/main" id="{18944C90-37E5-4BBE-89FF-060627168050}"/>
                 </a:ext>
               </a:extLst>
             </p:cNvPr>
@@ -24851,7 +24736,7 @@
           <p:cNvPr id="6" name="Group 5">
             <a:extLst>
               <a:ext uri="{FF2B5EF4-FFF2-40B4-BE49-F238E27FC236}">
-                <a16:creationId xmlns:a16="http://schemas.microsoft.com/office/drawing/2014/main" xmlns="" id="{D9EBF8BB-A805-4DDB-B459-082F99815B95}"/>
+                <a16:creationId xmlns:a16="http://schemas.microsoft.com/office/drawing/2014/main" id="{D9EBF8BB-A805-4DDB-B459-082F99815B95}"/>
               </a:ext>
             </a:extLst>
           </p:cNvPr>
@@ -24871,7 +24756,7 @@
             <p:cNvPr id="19" name="Rectangle: Single Corner Snipped 18">
               <a:extLst>
                 <a:ext uri="{FF2B5EF4-FFF2-40B4-BE49-F238E27FC236}">
-                  <a16:creationId xmlns:a16="http://schemas.microsoft.com/office/drawing/2014/main" xmlns="" id="{5D638788-DD47-45E7-939A-FA108A818173}"/>
+                  <a16:creationId xmlns:a16="http://schemas.microsoft.com/office/drawing/2014/main" id="{5D638788-DD47-45E7-939A-FA108A818173}"/>
                 </a:ext>
               </a:extLst>
             </p:cNvPr>
@@ -24937,7 +24822,7 @@
             <p:cNvPr id="3" name="Rectangle: Single Corner Snipped 2">
               <a:extLst>
                 <a:ext uri="{FF2B5EF4-FFF2-40B4-BE49-F238E27FC236}">
-                  <a16:creationId xmlns:a16="http://schemas.microsoft.com/office/drawing/2014/main" xmlns="" id="{74BDECEF-EEFE-4332-B3B2-BDE4F82C10FC}"/>
+                  <a16:creationId xmlns:a16="http://schemas.microsoft.com/office/drawing/2014/main" id="{74BDECEF-EEFE-4332-B3B2-BDE4F82C10FC}"/>
                 </a:ext>
               </a:extLst>
             </p:cNvPr>
@@ -24994,7 +24879,7 @@
           <p:cNvPr id="24" name="Freeform: Shape 23">
             <a:extLst>
               <a:ext uri="{FF2B5EF4-FFF2-40B4-BE49-F238E27FC236}">
-                <a16:creationId xmlns:a16="http://schemas.microsoft.com/office/drawing/2014/main" xmlns="" id="{18103E00-7E4A-44CD-81AC-06433CAE1110}"/>
+                <a16:creationId xmlns:a16="http://schemas.microsoft.com/office/drawing/2014/main" id="{18103E00-7E4A-44CD-81AC-06433CAE1110}"/>
               </a:ext>
             </a:extLst>
           </p:cNvPr>
@@ -25089,7 +24974,7 @@
           <p:cNvPr id="5" name="Slide Number Placeholder 4">
             <a:extLst>
               <a:ext uri="{FF2B5EF4-FFF2-40B4-BE49-F238E27FC236}">
-                <a16:creationId xmlns:a16="http://schemas.microsoft.com/office/drawing/2014/main" xmlns="" id="{87B51822-97FF-47A7-8E4E-A0F79B4EB237}"/>
+                <a16:creationId xmlns:a16="http://schemas.microsoft.com/office/drawing/2014/main" id="{87B51822-97FF-47A7-8E4E-A0F79B4EB237}"/>
               </a:ext>
             </a:extLst>
           </p:cNvPr>
@@ -25122,7 +25007,7 @@
             <a:fld id="{C263D6C4-4840-40CC-AC84-17E24B3B7BDE}" type="slidenum">
               <a:rPr lang="en-US" noProof="0" smtClean="0"/>
               <a:pPr/>
-              <a:t>‹Nr.›</a:t>
+              <a:t>‹#›</a:t>
             </a:fld>
             <a:endParaRPr lang="en-US" noProof="0" dirty="0"/>
           </a:p>
@@ -25133,7 +25018,7 @@
           <p:cNvPr id="20" name="Content Placeholder 2">
             <a:extLst>
               <a:ext uri="{FF2B5EF4-FFF2-40B4-BE49-F238E27FC236}">
-                <a16:creationId xmlns:a16="http://schemas.microsoft.com/office/drawing/2014/main" xmlns="" id="{0103A49C-32FF-49E6-86F3-FC2E19517BD5}"/>
+                <a16:creationId xmlns:a16="http://schemas.microsoft.com/office/drawing/2014/main" id="{0103A49C-32FF-49E6-86F3-FC2E19517BD5}"/>
               </a:ext>
             </a:extLst>
           </p:cNvPr>
@@ -25269,7 +25154,7 @@
           <p:cNvPr id="11" name="Rectangle 10">
             <a:extLst>
               <a:ext uri="{FF2B5EF4-FFF2-40B4-BE49-F238E27FC236}">
-                <a16:creationId xmlns:a16="http://schemas.microsoft.com/office/drawing/2014/main" xmlns="" id="{EB3E033F-4449-40FA-BC85-BD2712D313DD}"/>
+                <a16:creationId xmlns:a16="http://schemas.microsoft.com/office/drawing/2014/main" id="{EB3E033F-4449-40FA-BC85-BD2712D313DD}"/>
               </a:ext>
             </a:extLst>
           </p:cNvPr>
@@ -25323,7 +25208,7 @@
           <p:cNvPr id="10" name="Freeform: Shape 9">
             <a:extLst>
               <a:ext uri="{FF2B5EF4-FFF2-40B4-BE49-F238E27FC236}">
-                <a16:creationId xmlns:a16="http://schemas.microsoft.com/office/drawing/2014/main" xmlns="" id="{63D26743-0505-444C-80B3-E88EE87DF72B}"/>
+                <a16:creationId xmlns:a16="http://schemas.microsoft.com/office/drawing/2014/main" id="{63D26743-0505-444C-80B3-E88EE87DF72B}"/>
               </a:ext>
             </a:extLst>
           </p:cNvPr>
@@ -25446,7 +25331,7 @@
           <p:cNvPr id="18" name="Freeform: Shape 17">
             <a:extLst>
               <a:ext uri="{FF2B5EF4-FFF2-40B4-BE49-F238E27FC236}">
-                <a16:creationId xmlns:a16="http://schemas.microsoft.com/office/drawing/2014/main" xmlns="" id="{E37145E9-AC61-47D5-9288-8789940F81B6}"/>
+                <a16:creationId xmlns:a16="http://schemas.microsoft.com/office/drawing/2014/main" id="{E37145E9-AC61-47D5-9288-8789940F81B6}"/>
               </a:ext>
             </a:extLst>
           </p:cNvPr>
@@ -25598,7 +25483,7 @@
           <p:cNvPr id="12" name="Freeform: Shape 11">
             <a:extLst>
               <a:ext uri="{FF2B5EF4-FFF2-40B4-BE49-F238E27FC236}">
-                <a16:creationId xmlns:a16="http://schemas.microsoft.com/office/drawing/2014/main" xmlns="" id="{A5E2B3ED-9A49-40A7-B8A3-62595FE513F9}"/>
+                <a16:creationId xmlns:a16="http://schemas.microsoft.com/office/drawing/2014/main" id="{A5E2B3ED-9A49-40A7-B8A3-62595FE513F9}"/>
               </a:ext>
             </a:extLst>
           </p:cNvPr>
@@ -25748,7 +25633,7 @@
           <p:cNvPr id="8" name="Freeform: Shape 7">
             <a:extLst>
               <a:ext uri="{FF2B5EF4-FFF2-40B4-BE49-F238E27FC236}">
-                <a16:creationId xmlns:a16="http://schemas.microsoft.com/office/drawing/2014/main" xmlns="" id="{1599AF7E-3E34-4597-AA72-9373A7FDB020}"/>
+                <a16:creationId xmlns:a16="http://schemas.microsoft.com/office/drawing/2014/main" id="{1599AF7E-3E34-4597-AA72-9373A7FDB020}"/>
               </a:ext>
             </a:extLst>
           </p:cNvPr>
@@ -25894,7 +25779,7 @@
           <p:cNvPr id="2" name="Title 1">
             <a:extLst>
               <a:ext uri="{FF2B5EF4-FFF2-40B4-BE49-F238E27FC236}">
-                <a16:creationId xmlns:a16="http://schemas.microsoft.com/office/drawing/2014/main" xmlns="" id="{4A2DF563-7FAC-46B3-B24C-7E45CD89DA2B}"/>
+                <a16:creationId xmlns:a16="http://schemas.microsoft.com/office/drawing/2014/main" id="{4A2DF563-7FAC-46B3-B24C-7E45CD89DA2B}"/>
               </a:ext>
             </a:extLst>
           </p:cNvPr>
@@ -25939,7 +25824,7 @@
           <p:cNvPr id="15" name="Group 14">
             <a:extLst>
               <a:ext uri="{FF2B5EF4-FFF2-40B4-BE49-F238E27FC236}">
-                <a16:creationId xmlns:a16="http://schemas.microsoft.com/office/drawing/2014/main" xmlns="" id="{7732E1E7-45E3-4264-8F26-66758696DD1E}"/>
+                <a16:creationId xmlns:a16="http://schemas.microsoft.com/office/drawing/2014/main" id="{7732E1E7-45E3-4264-8F26-66758696DD1E}"/>
               </a:ext>
             </a:extLst>
           </p:cNvPr>
@@ -25959,7 +25844,7 @@
             <p:cNvPr id="16" name="Freeform: Shape 15">
               <a:extLst>
                 <a:ext uri="{FF2B5EF4-FFF2-40B4-BE49-F238E27FC236}">
-                  <a16:creationId xmlns:a16="http://schemas.microsoft.com/office/drawing/2014/main" xmlns="" id="{2E3DF883-8093-49FA-81E1-E5D77F086A25}"/>
+                  <a16:creationId xmlns:a16="http://schemas.microsoft.com/office/drawing/2014/main" id="{2E3DF883-8093-49FA-81E1-E5D77F086A25}"/>
                 </a:ext>
               </a:extLst>
             </p:cNvPr>
@@ -26049,7 +25934,7 @@
             <p:cNvPr id="17" name="Freeform: Shape 16">
               <a:extLst>
                 <a:ext uri="{FF2B5EF4-FFF2-40B4-BE49-F238E27FC236}">
-                  <a16:creationId xmlns:a16="http://schemas.microsoft.com/office/drawing/2014/main" xmlns="" id="{18944C90-37E5-4BBE-89FF-060627168050}"/>
+                  <a16:creationId xmlns:a16="http://schemas.microsoft.com/office/drawing/2014/main" id="{18944C90-37E5-4BBE-89FF-060627168050}"/>
                 </a:ext>
               </a:extLst>
             </p:cNvPr>
@@ -26148,7 +26033,7 @@
           <p:cNvPr id="6" name="Group 5">
             <a:extLst>
               <a:ext uri="{FF2B5EF4-FFF2-40B4-BE49-F238E27FC236}">
-                <a16:creationId xmlns:a16="http://schemas.microsoft.com/office/drawing/2014/main" xmlns="" id="{D9EBF8BB-A805-4DDB-B459-082F99815B95}"/>
+                <a16:creationId xmlns:a16="http://schemas.microsoft.com/office/drawing/2014/main" id="{D9EBF8BB-A805-4DDB-B459-082F99815B95}"/>
               </a:ext>
             </a:extLst>
           </p:cNvPr>
@@ -26168,7 +26053,7 @@
             <p:cNvPr id="19" name="Rectangle: Single Corner Snipped 18">
               <a:extLst>
                 <a:ext uri="{FF2B5EF4-FFF2-40B4-BE49-F238E27FC236}">
-                  <a16:creationId xmlns:a16="http://schemas.microsoft.com/office/drawing/2014/main" xmlns="" id="{5D638788-DD47-45E7-939A-FA108A818173}"/>
+                  <a16:creationId xmlns:a16="http://schemas.microsoft.com/office/drawing/2014/main" id="{5D638788-DD47-45E7-939A-FA108A818173}"/>
                 </a:ext>
               </a:extLst>
             </p:cNvPr>
@@ -26234,7 +26119,7 @@
             <p:cNvPr id="3" name="Rectangle: Single Corner Snipped 2">
               <a:extLst>
                 <a:ext uri="{FF2B5EF4-FFF2-40B4-BE49-F238E27FC236}">
-                  <a16:creationId xmlns:a16="http://schemas.microsoft.com/office/drawing/2014/main" xmlns="" id="{74BDECEF-EEFE-4332-B3B2-BDE4F82C10FC}"/>
+                  <a16:creationId xmlns:a16="http://schemas.microsoft.com/office/drawing/2014/main" id="{74BDECEF-EEFE-4332-B3B2-BDE4F82C10FC}"/>
                 </a:ext>
               </a:extLst>
             </p:cNvPr>
@@ -26291,7 +26176,7 @@
           <p:cNvPr id="24" name="Freeform: Shape 23">
             <a:extLst>
               <a:ext uri="{FF2B5EF4-FFF2-40B4-BE49-F238E27FC236}">
-                <a16:creationId xmlns:a16="http://schemas.microsoft.com/office/drawing/2014/main" xmlns="" id="{18103E00-7E4A-44CD-81AC-06433CAE1110}"/>
+                <a16:creationId xmlns:a16="http://schemas.microsoft.com/office/drawing/2014/main" id="{18103E00-7E4A-44CD-81AC-06433CAE1110}"/>
               </a:ext>
             </a:extLst>
           </p:cNvPr>
@@ -26386,7 +26271,7 @@
           <p:cNvPr id="5" name="Slide Number Placeholder 4">
             <a:extLst>
               <a:ext uri="{FF2B5EF4-FFF2-40B4-BE49-F238E27FC236}">
-                <a16:creationId xmlns:a16="http://schemas.microsoft.com/office/drawing/2014/main" xmlns="" id="{87B51822-97FF-47A7-8E4E-A0F79B4EB237}"/>
+                <a16:creationId xmlns:a16="http://schemas.microsoft.com/office/drawing/2014/main" id="{87B51822-97FF-47A7-8E4E-A0F79B4EB237}"/>
               </a:ext>
             </a:extLst>
           </p:cNvPr>
@@ -26419,7 +26304,7 @@
             <a:fld id="{C263D6C4-4840-40CC-AC84-17E24B3B7BDE}" type="slidenum">
               <a:rPr lang="en-US" noProof="0" smtClean="0"/>
               <a:pPr/>
-              <a:t>‹Nr.›</a:t>
+              <a:t>‹#›</a:t>
             </a:fld>
             <a:endParaRPr lang="en-US" noProof="0" dirty="0"/>
           </a:p>
@@ -26430,7 +26315,7 @@
           <p:cNvPr id="25" name="Text Placeholder 2">
             <a:extLst>
               <a:ext uri="{FF2B5EF4-FFF2-40B4-BE49-F238E27FC236}">
-                <a16:creationId xmlns:a16="http://schemas.microsoft.com/office/drawing/2014/main" xmlns="" id="{7FA80A70-18DE-4DB9-9982-BA75BE54CF93}"/>
+                <a16:creationId xmlns:a16="http://schemas.microsoft.com/office/drawing/2014/main" id="{7FA80A70-18DE-4DB9-9982-BA75BE54CF93}"/>
               </a:ext>
             </a:extLst>
           </p:cNvPr>
@@ -26508,7 +26393,7 @@
           <p:cNvPr id="26" name="Text Placeholder 4">
             <a:extLst>
               <a:ext uri="{FF2B5EF4-FFF2-40B4-BE49-F238E27FC236}">
-                <a16:creationId xmlns:a16="http://schemas.microsoft.com/office/drawing/2014/main" xmlns="" id="{2801C0EF-C078-44B0-AD01-4850E9A65EE0}"/>
+                <a16:creationId xmlns:a16="http://schemas.microsoft.com/office/drawing/2014/main" id="{2801C0EF-C078-44B0-AD01-4850E9A65EE0}"/>
               </a:ext>
             </a:extLst>
           </p:cNvPr>
@@ -26586,7 +26471,7 @@
           <p:cNvPr id="27" name="Content Placeholder 3">
             <a:extLst>
               <a:ext uri="{FF2B5EF4-FFF2-40B4-BE49-F238E27FC236}">
-                <a16:creationId xmlns:a16="http://schemas.microsoft.com/office/drawing/2014/main" xmlns="" id="{7C9DED91-45F6-4308-A085-1EFACA6468CF}"/>
+                <a16:creationId xmlns:a16="http://schemas.microsoft.com/office/drawing/2014/main" id="{7C9DED91-45F6-4308-A085-1EFACA6468CF}"/>
               </a:ext>
             </a:extLst>
           </p:cNvPr>
@@ -26686,7 +26571,7 @@
           <p:cNvPr id="28" name="Content Placeholder 5">
             <a:extLst>
               <a:ext uri="{FF2B5EF4-FFF2-40B4-BE49-F238E27FC236}">
-                <a16:creationId xmlns:a16="http://schemas.microsoft.com/office/drawing/2014/main" xmlns="" id="{0574B5E7-B666-439B-9278-67BE1EA6EBC5}"/>
+                <a16:creationId xmlns:a16="http://schemas.microsoft.com/office/drawing/2014/main" id="{0574B5E7-B666-439B-9278-67BE1EA6EBC5}"/>
               </a:ext>
             </a:extLst>
           </p:cNvPr>
@@ -26821,7 +26706,7 @@
           <p:cNvPr id="2" name="Title Placeholder 1">
             <a:extLst>
               <a:ext uri="{FF2B5EF4-FFF2-40B4-BE49-F238E27FC236}">
-                <a16:creationId xmlns:a16="http://schemas.microsoft.com/office/drawing/2014/main" xmlns="" id="{761B0E15-6FC5-434E-8780-B186D9DB0CD0}"/>
+                <a16:creationId xmlns:a16="http://schemas.microsoft.com/office/drawing/2014/main" id="{761B0E15-6FC5-434E-8780-B186D9DB0CD0}"/>
               </a:ext>
             </a:extLst>
           </p:cNvPr>
@@ -26859,7 +26744,7 @@
           <p:cNvPr id="3" name="Text Placeholder 2">
             <a:extLst>
               <a:ext uri="{FF2B5EF4-FFF2-40B4-BE49-F238E27FC236}">
-                <a16:creationId xmlns:a16="http://schemas.microsoft.com/office/drawing/2014/main" xmlns="" id="{A9C7B128-34F3-405C-B601-8BAFDB43499C}"/>
+                <a16:creationId xmlns:a16="http://schemas.microsoft.com/office/drawing/2014/main" id="{A9C7B128-34F3-405C-B601-8BAFDB43499C}"/>
               </a:ext>
             </a:extLst>
           </p:cNvPr>
@@ -26926,7 +26811,7 @@
           <p:cNvPr id="6" name="Slide Number Placeholder 5">
             <a:extLst>
               <a:ext uri="{FF2B5EF4-FFF2-40B4-BE49-F238E27FC236}">
-                <a16:creationId xmlns:a16="http://schemas.microsoft.com/office/drawing/2014/main" xmlns="" id="{9F5A7754-E8C7-438B-922D-9027C6CF58E2}"/>
+                <a16:creationId xmlns:a16="http://schemas.microsoft.com/office/drawing/2014/main" id="{9F5A7754-E8C7-438B-922D-9027C6CF58E2}"/>
               </a:ext>
             </a:extLst>
           </p:cNvPr>
@@ -26962,7 +26847,7 @@
           <a:p>
             <a:fld id="{C263D6C4-4840-40CC-AC84-17E24B3B7BDE}" type="slidenum">
               <a:rPr lang="en-US" noProof="0" smtClean="0"/>
-              <a:t>‹Nr.›</a:t>
+              <a:t>‹#›</a:t>
             </a:fld>
             <a:endParaRPr lang="en-US" noProof="0" dirty="0"/>
           </a:p>
@@ -26973,7 +26858,7 @@
           <p:cNvPr id="5" name="Rectangle 4">
             <a:extLst>
               <a:ext uri="{FF2B5EF4-FFF2-40B4-BE49-F238E27FC236}">
-                <a16:creationId xmlns:a16="http://schemas.microsoft.com/office/drawing/2014/main" xmlns="" id="{7CDDDB7D-9189-9548-A2B9-81DC62C3C1A3}"/>
+                <a16:creationId xmlns:a16="http://schemas.microsoft.com/office/drawing/2014/main" id="{7CDDDB7D-9189-9548-A2B9-81DC62C3C1A3}"/>
               </a:ext>
             </a:extLst>
           </p:cNvPr>
@@ -27027,7 +26912,7 @@
           <p:cNvPr id="7" name="Freeform: Shape 9">
             <a:extLst>
               <a:ext uri="{FF2B5EF4-FFF2-40B4-BE49-F238E27FC236}">
-                <a16:creationId xmlns:a16="http://schemas.microsoft.com/office/drawing/2014/main" xmlns="" id="{096D8877-6B4A-4540-8927-767DD7401718}"/>
+                <a16:creationId xmlns:a16="http://schemas.microsoft.com/office/drawing/2014/main" id="{096D8877-6B4A-4540-8927-767DD7401718}"/>
               </a:ext>
             </a:extLst>
           </p:cNvPr>
@@ -27150,7 +27035,7 @@
           <p:cNvPr id="8" name="Freeform: Shape 17">
             <a:extLst>
               <a:ext uri="{FF2B5EF4-FFF2-40B4-BE49-F238E27FC236}">
-                <a16:creationId xmlns:a16="http://schemas.microsoft.com/office/drawing/2014/main" xmlns="" id="{5AF2E123-FE0F-8541-8E36-5030C450AA7E}"/>
+                <a16:creationId xmlns:a16="http://schemas.microsoft.com/office/drawing/2014/main" id="{5AF2E123-FE0F-8541-8E36-5030C450AA7E}"/>
               </a:ext>
             </a:extLst>
           </p:cNvPr>
@@ -27302,7 +27187,7 @@
           <p:cNvPr id="9" name="Freeform: Shape 11">
             <a:extLst>
               <a:ext uri="{FF2B5EF4-FFF2-40B4-BE49-F238E27FC236}">
-                <a16:creationId xmlns:a16="http://schemas.microsoft.com/office/drawing/2014/main" xmlns="" id="{E5519D99-3B68-924A-9CD0-14B911711CA8}"/>
+                <a16:creationId xmlns:a16="http://schemas.microsoft.com/office/drawing/2014/main" id="{E5519D99-3B68-924A-9CD0-14B911711CA8}"/>
               </a:ext>
             </a:extLst>
           </p:cNvPr>
@@ -27452,7 +27337,7 @@
           <p:cNvPr id="10" name="Freeform: Shape 7">
             <a:extLst>
               <a:ext uri="{FF2B5EF4-FFF2-40B4-BE49-F238E27FC236}">
-                <a16:creationId xmlns:a16="http://schemas.microsoft.com/office/drawing/2014/main" xmlns="" id="{A09E21A9-FBEF-144C-A152-FE484F3C55C1}"/>
+                <a16:creationId xmlns:a16="http://schemas.microsoft.com/office/drawing/2014/main" id="{A09E21A9-FBEF-144C-A152-FE484F3C55C1}"/>
               </a:ext>
             </a:extLst>
           </p:cNvPr>
@@ -27598,7 +27483,7 @@
           <p:cNvPr id="11" name="Title 1">
             <a:extLst>
               <a:ext uri="{FF2B5EF4-FFF2-40B4-BE49-F238E27FC236}">
-                <a16:creationId xmlns:a16="http://schemas.microsoft.com/office/drawing/2014/main" xmlns="" id="{70C7F2CB-A8CE-1545-A08D-93592C4BAEEA}"/>
+                <a16:creationId xmlns:a16="http://schemas.microsoft.com/office/drawing/2014/main" id="{70C7F2CB-A8CE-1545-A08D-93592C4BAEEA}"/>
               </a:ext>
             </a:extLst>
           </p:cNvPr>
@@ -27654,7 +27539,7 @@
           <p:cNvPr id="12" name="Group 11">
             <a:extLst>
               <a:ext uri="{FF2B5EF4-FFF2-40B4-BE49-F238E27FC236}">
-                <a16:creationId xmlns:a16="http://schemas.microsoft.com/office/drawing/2014/main" xmlns="" id="{7068FCE4-1B47-3C4B-B091-013120A97D09}"/>
+                <a16:creationId xmlns:a16="http://schemas.microsoft.com/office/drawing/2014/main" id="{7068FCE4-1B47-3C4B-B091-013120A97D09}"/>
               </a:ext>
             </a:extLst>
           </p:cNvPr>
@@ -27674,7 +27559,7 @@
             <p:cNvPr id="13" name="Freeform: Shape 15">
               <a:extLst>
                 <a:ext uri="{FF2B5EF4-FFF2-40B4-BE49-F238E27FC236}">
-                  <a16:creationId xmlns:a16="http://schemas.microsoft.com/office/drawing/2014/main" xmlns="" id="{FEC3FDE7-F27E-5E4E-8752-287CAB7792D4}"/>
+                  <a16:creationId xmlns:a16="http://schemas.microsoft.com/office/drawing/2014/main" id="{FEC3FDE7-F27E-5E4E-8752-287CAB7792D4}"/>
                 </a:ext>
               </a:extLst>
             </p:cNvPr>
@@ -27764,7 +27649,7 @@
             <p:cNvPr id="14" name="Freeform: Shape 16">
               <a:extLst>
                 <a:ext uri="{FF2B5EF4-FFF2-40B4-BE49-F238E27FC236}">
-                  <a16:creationId xmlns:a16="http://schemas.microsoft.com/office/drawing/2014/main" xmlns="" id="{81C902DB-0D21-5044-82B6-9E7A70A1BF62}"/>
+                  <a16:creationId xmlns:a16="http://schemas.microsoft.com/office/drawing/2014/main" id="{81C902DB-0D21-5044-82B6-9E7A70A1BF62}"/>
                 </a:ext>
               </a:extLst>
             </p:cNvPr>
@@ -27863,7 +27748,7 @@
           <p:cNvPr id="15" name="Group 14">
             <a:extLst>
               <a:ext uri="{FF2B5EF4-FFF2-40B4-BE49-F238E27FC236}">
-                <a16:creationId xmlns:a16="http://schemas.microsoft.com/office/drawing/2014/main" xmlns="" id="{BE1E08A0-195D-694F-947B-986A76FBB93E}"/>
+                <a16:creationId xmlns:a16="http://schemas.microsoft.com/office/drawing/2014/main" id="{BE1E08A0-195D-694F-947B-986A76FBB93E}"/>
               </a:ext>
             </a:extLst>
           </p:cNvPr>
@@ -27883,7 +27768,7 @@
             <p:cNvPr id="16" name="Rectangle: Single Corner Snipped 18">
               <a:extLst>
                 <a:ext uri="{FF2B5EF4-FFF2-40B4-BE49-F238E27FC236}">
-                  <a16:creationId xmlns:a16="http://schemas.microsoft.com/office/drawing/2014/main" xmlns="" id="{ED5DFFCD-1EE3-E64E-B51F-BD7D72413E0B}"/>
+                  <a16:creationId xmlns:a16="http://schemas.microsoft.com/office/drawing/2014/main" id="{ED5DFFCD-1EE3-E64E-B51F-BD7D72413E0B}"/>
                 </a:ext>
               </a:extLst>
             </p:cNvPr>
@@ -27949,7 +27834,7 @@
             <p:cNvPr id="17" name="Rectangle: Single Corner Snipped 2">
               <a:extLst>
                 <a:ext uri="{FF2B5EF4-FFF2-40B4-BE49-F238E27FC236}">
-                  <a16:creationId xmlns:a16="http://schemas.microsoft.com/office/drawing/2014/main" xmlns="" id="{C12DB3CA-8E64-AA43-BFBE-A2CA9A816DBE}"/>
+                  <a16:creationId xmlns:a16="http://schemas.microsoft.com/office/drawing/2014/main" id="{C12DB3CA-8E64-AA43-BFBE-A2CA9A816DBE}"/>
                 </a:ext>
               </a:extLst>
             </p:cNvPr>
@@ -28006,7 +27891,7 @@
           <p:cNvPr id="18" name="Freeform: Shape 23">
             <a:extLst>
               <a:ext uri="{FF2B5EF4-FFF2-40B4-BE49-F238E27FC236}">
-                <a16:creationId xmlns:a16="http://schemas.microsoft.com/office/drawing/2014/main" xmlns="" id="{A587DEFD-D470-4142-8E0D-A71DDB147C92}"/>
+                <a16:creationId xmlns:a16="http://schemas.microsoft.com/office/drawing/2014/main" id="{A587DEFD-D470-4142-8E0D-A71DDB147C92}"/>
               </a:ext>
             </a:extLst>
           </p:cNvPr>
@@ -28101,7 +27986,7 @@
           <p:cNvPr id="19" name="Slide Number Placeholder 4">
             <a:extLst>
               <a:ext uri="{FF2B5EF4-FFF2-40B4-BE49-F238E27FC236}">
-                <a16:creationId xmlns:a16="http://schemas.microsoft.com/office/drawing/2014/main" xmlns="" id="{7D9BF857-7910-734D-A217-5E3344220AA2}"/>
+                <a16:creationId xmlns:a16="http://schemas.microsoft.com/office/drawing/2014/main" id="{7D9BF857-7910-734D-A217-5E3344220AA2}"/>
               </a:ext>
             </a:extLst>
           </p:cNvPr>
@@ -28220,7 +28105,7 @@
             <a:fld id="{C263D6C4-4840-40CC-AC84-17E24B3B7BDE}" type="slidenum">
               <a:rPr lang="en-US" noProof="0" smtClean="0"/>
               <a:pPr/>
-              <a:t>‹Nr.›</a:t>
+              <a:t>‹#›</a:t>
             </a:fld>
             <a:endParaRPr lang="en-US" noProof="0" dirty="0"/>
           </a:p>
@@ -28552,7 +28437,7 @@
   </p:txStyles>
   <p:extLst>
     <p:ext uri="{27BBF7A9-308A-43DC-89C8-2F10F3537804}">
-      <p15:sldGuideLst xmlns:p15="http://schemas.microsoft.com/office/powerpoint/2012/main" xmlns="">
+      <p15:sldGuideLst xmlns:p15="http://schemas.microsoft.com/office/powerpoint/2012/main">
         <p15:guide id="1" orient="horz" pos="2160" userDrawn="1">
           <p15:clr>
             <a:srgbClr val="F26B43"/>
@@ -28611,7 +28496,7 @@
           <p:cNvPr id="2" name="Title 1">
             <a:extLst>
               <a:ext uri="{FF2B5EF4-FFF2-40B4-BE49-F238E27FC236}">
-                <a16:creationId xmlns:a16="http://schemas.microsoft.com/office/drawing/2014/main" xmlns="" id="{3A4F25FA-D2E4-49EB-8598-D6FA34346532}"/>
+                <a16:creationId xmlns:a16="http://schemas.microsoft.com/office/drawing/2014/main" id="{3A4F25FA-D2E4-49EB-8598-D6FA34346532}"/>
               </a:ext>
             </a:extLst>
           </p:cNvPr>
@@ -28644,7 +28529,7 @@
           <p:cNvPr id="3" name="Subtitle 2">
             <a:extLst>
               <a:ext uri="{FF2B5EF4-FFF2-40B4-BE49-F238E27FC236}">
-                <a16:creationId xmlns:a16="http://schemas.microsoft.com/office/drawing/2014/main" xmlns="" id="{78B4723A-6D68-4570-9EB2-A55B047BEBC3}"/>
+                <a16:creationId xmlns:a16="http://schemas.microsoft.com/office/drawing/2014/main" id="{78B4723A-6D68-4570-9EB2-A55B047BEBC3}"/>
               </a:ext>
             </a:extLst>
           </p:cNvPr>
@@ -28707,13 +28592,6 @@
   <p:clrMapOvr>
     <a:masterClrMapping/>
   </p:clrMapOvr>
-  <p:timing>
-    <p:tnLst>
-      <p:par>
-        <p:cTn id="1" dur="indefinite" restart="never" nodeType="tmRoot"/>
-      </p:par>
-    </p:tnLst>
-  </p:timing>
 </p:sld>
 </file>
 
@@ -28739,7 +28617,7 @@
           <p:cNvPr id="11" name="Title 10">
             <a:extLst>
               <a:ext uri="{FF2B5EF4-FFF2-40B4-BE49-F238E27FC236}">
-                <a16:creationId xmlns:a16="http://schemas.microsoft.com/office/drawing/2014/main" xmlns="" id="{271FC43D-322B-4DFD-B2E2-7F92F1F8F2B6}"/>
+                <a16:creationId xmlns:a16="http://schemas.microsoft.com/office/drawing/2014/main" id="{271FC43D-322B-4DFD-B2E2-7F92F1F8F2B6}"/>
               </a:ext>
             </a:extLst>
           </p:cNvPr>
@@ -28761,18 +28639,17 @@
           <a:lstStyle/>
           <a:p>
             <a:r>
-              <a:rPr lang="en-US" dirty="0" smtClean="0"/>
+              <a:rPr lang="en-US" dirty="0"/>
               <a:t>Is my </a:t>
             </a:r>
             <a:r>
-              <a:rPr lang="en-US" dirty="0" err="1" smtClean="0"/>
+              <a:rPr lang="en-US" dirty="0" err="1"/>
               <a:t>neighbourhood</a:t>
             </a:r>
             <a:r>
-              <a:rPr lang="en-US" dirty="0" smtClean="0"/>
+              <a:rPr lang="en-US" dirty="0"/>
               <a:t> overprices?</a:t>
             </a:r>
-            <a:endParaRPr lang="en-US" dirty="0"/>
           </a:p>
         </p:txBody>
       </p:sp>
@@ -28781,7 +28658,7 @@
           <p:cNvPr id="9" name="Slide Number Placeholder 2">
             <a:extLst>
               <a:ext uri="{FF2B5EF4-FFF2-40B4-BE49-F238E27FC236}">
-                <a16:creationId xmlns:a16="http://schemas.microsoft.com/office/drawing/2014/main" xmlns="" id="{9DB6983D-80ED-79A1-46EB-CE9C807B8DA3}"/>
+                <a16:creationId xmlns:a16="http://schemas.microsoft.com/office/drawing/2014/main" id="{9DB6983D-80ED-79A1-46EB-CE9C807B8DA3}"/>
               </a:ext>
             </a:extLst>
           </p:cNvPr>
@@ -28839,77 +28716,76 @@
               <a:buNone/>
             </a:pPr>
             <a:r>
-              <a:rPr lang="de-DE" dirty="0" err="1" smtClean="0"/>
+              <a:rPr lang="de-DE" dirty="0" err="1"/>
               <a:t>Interesting</a:t>
             </a:r>
             <a:r>
-              <a:rPr lang="de-DE" dirty="0" smtClean="0"/>
+              <a:rPr lang="de-DE" dirty="0"/>
               <a:t> </a:t>
             </a:r>
             <a:r>
-              <a:rPr lang="de-DE" dirty="0" err="1" smtClean="0"/>
+              <a:rPr lang="de-DE" dirty="0" err="1"/>
               <a:t>for</a:t>
             </a:r>
             <a:r>
-              <a:rPr lang="de-DE" dirty="0" smtClean="0"/>
+              <a:rPr lang="de-DE" dirty="0"/>
               <a:t>:</a:t>
             </a:r>
           </a:p>
           <a:p>
             <a:pPr lvl="1"/>
             <a:r>
-              <a:rPr lang="de-DE" dirty="0" smtClean="0"/>
+              <a:rPr lang="de-DE" dirty="0"/>
               <a:t>Real </a:t>
             </a:r>
             <a:r>
-              <a:rPr lang="de-DE" dirty="0" err="1" smtClean="0"/>
+              <a:rPr lang="de-DE" dirty="0" err="1"/>
               <a:t>estate</a:t>
             </a:r>
             <a:r>
-              <a:rPr lang="de-DE" dirty="0" smtClean="0"/>
+              <a:rPr lang="de-DE" dirty="0"/>
               <a:t> </a:t>
             </a:r>
             <a:r>
-              <a:rPr lang="de-DE" dirty="0" err="1" smtClean="0"/>
+              <a:rPr lang="de-DE" dirty="0" err="1"/>
               <a:t>companies</a:t>
-            </a:r>
-            <a:endParaRPr lang="de-DE" dirty="0" smtClean="0"/>
-          </a:p>
-          <a:p>
-            <a:pPr lvl="1"/>
-            <a:r>
-              <a:rPr lang="de-DE" dirty="0" smtClean="0"/>
-              <a:t>Investors (private </a:t>
-            </a:r>
-            <a:r>
-              <a:rPr lang="de-DE" dirty="0" err="1" smtClean="0"/>
-              <a:t>and</a:t>
-            </a:r>
-            <a:r>
-              <a:rPr lang="de-DE" dirty="0" smtClean="0"/>
-              <a:t> </a:t>
-            </a:r>
-            <a:r>
-              <a:rPr lang="de-DE" dirty="0" err="1" smtClean="0"/>
-              <a:t>commerical</a:t>
-            </a:r>
-            <a:r>
-              <a:rPr lang="de-DE" dirty="0" smtClean="0"/>
-              <a:t>)</a:t>
             </a:r>
             <a:endParaRPr lang="de-DE" dirty="0"/>
           </a:p>
           <a:p>
             <a:pPr lvl="1"/>
             <a:r>
-              <a:rPr lang="de-DE" dirty="0" smtClean="0"/>
+              <a:rPr lang="de-DE" dirty="0"/>
+              <a:t>Investors (private </a:t>
+            </a:r>
+            <a:r>
+              <a:rPr lang="de-DE" dirty="0" err="1"/>
+              <a:t>and</a:t>
+            </a:r>
+            <a:r>
+              <a:rPr lang="de-DE" dirty="0"/>
+              <a:t> </a:t>
+            </a:r>
+            <a:r>
+              <a:rPr lang="de-DE" dirty="0" err="1"/>
+              <a:t>commerical</a:t>
+            </a:r>
+            <a:r>
+              <a:rPr lang="de-DE" dirty="0"/>
+              <a:t>)</a:t>
+            </a:r>
+          </a:p>
+          <a:p>
+            <a:pPr lvl="1"/>
+            <a:r>
+              <a:rPr lang="de-DE" dirty="0"/>
               <a:t>City </a:t>
             </a:r>
             <a:r>
-              <a:rPr lang="de-DE" dirty="0" err="1" smtClean="0"/>
+              <a:rPr lang="de-DE" dirty="0" err="1"/>
               <a:t>planers</a:t>
             </a:r>
-            <a:endParaRPr lang="de-DE" dirty="0" smtClean="0"/>
+            <a:endParaRPr lang="de-DE" dirty="0"/>
           </a:p>
         </p:txBody>
       </p:sp>
@@ -28929,77 +28805,77 @@
           <a:lstStyle/>
           <a:p>
             <a:r>
-              <a:rPr lang="de-DE" dirty="0" err="1" smtClean="0"/>
+              <a:rPr lang="de-DE" dirty="0" err="1"/>
               <a:t>Zipcode</a:t>
             </a:r>
             <a:r>
-              <a:rPr lang="de-DE" dirty="0" smtClean="0"/>
+              <a:rPr lang="de-DE" dirty="0"/>
               <a:t> </a:t>
             </a:r>
             <a:r>
-              <a:rPr lang="de-DE" dirty="0" err="1" smtClean="0"/>
+              <a:rPr lang="de-DE" dirty="0" err="1"/>
               <a:t>most</a:t>
             </a:r>
             <a:r>
-              <a:rPr lang="de-DE" dirty="0" smtClean="0"/>
+              <a:rPr lang="de-DE" dirty="0"/>
               <a:t> </a:t>
             </a:r>
             <a:r>
-              <a:rPr lang="de-DE" dirty="0" err="1" smtClean="0"/>
+              <a:rPr lang="de-DE" dirty="0" err="1"/>
               <a:t>important</a:t>
             </a:r>
             <a:r>
-              <a:rPr lang="de-DE" dirty="0" smtClean="0"/>
+              <a:rPr lang="de-DE" dirty="0"/>
               <a:t> </a:t>
             </a:r>
             <a:r>
-              <a:rPr lang="de-DE" dirty="0" err="1" smtClean="0"/>
+              <a:rPr lang="de-DE" dirty="0" err="1"/>
               <a:t>predictor</a:t>
             </a:r>
             <a:endParaRPr lang="de-DE" dirty="0"/>
           </a:p>
           <a:p>
             <a:r>
-              <a:rPr lang="de-DE" dirty="0" err="1" smtClean="0"/>
+              <a:rPr lang="de-DE" dirty="0" err="1"/>
               <a:t>Zoning</a:t>
             </a:r>
             <a:r>
-              <a:rPr lang="de-DE" dirty="0" smtClean="0"/>
+              <a:rPr lang="de-DE" dirty="0"/>
               <a:t> </a:t>
             </a:r>
             <a:r>
-              <a:rPr lang="de-DE" dirty="0" err="1" smtClean="0"/>
+              <a:rPr lang="de-DE" dirty="0" err="1"/>
               <a:t>of</a:t>
             </a:r>
             <a:r>
-              <a:rPr lang="de-DE" dirty="0" smtClean="0"/>
+              <a:rPr lang="de-DE" dirty="0"/>
               <a:t> </a:t>
             </a:r>
             <a:r>
-              <a:rPr lang="de-DE" dirty="0" err="1" smtClean="0"/>
+              <a:rPr lang="de-DE" dirty="0" err="1"/>
               <a:t>zipcodes</a:t>
             </a:r>
             <a:endParaRPr lang="de-DE" dirty="0"/>
           </a:p>
           <a:p>
             <a:r>
-              <a:rPr lang="de-DE" dirty="0" err="1" smtClean="0"/>
+              <a:rPr lang="de-DE" dirty="0" err="1"/>
               <a:t>Define</a:t>
             </a:r>
             <a:r>
-              <a:rPr lang="de-DE" dirty="0" smtClean="0"/>
+              <a:rPr lang="de-DE" dirty="0"/>
               <a:t> </a:t>
             </a:r>
             <a:r>
-              <a:rPr lang="de-DE" dirty="0" err="1" smtClean="0"/>
+              <a:rPr lang="de-DE" dirty="0" err="1"/>
               <a:t>market</a:t>
             </a:r>
             <a:r>
-              <a:rPr lang="de-DE" dirty="0" smtClean="0"/>
+              <a:rPr lang="de-DE" dirty="0"/>
               <a:t> </a:t>
             </a:r>
             <a:r>
-              <a:rPr lang="de-DE" dirty="0" err="1" smtClean="0"/>
+              <a:rPr lang="de-DE" dirty="0" err="1"/>
               <a:t>value</a:t>
             </a:r>
             <a:r>
@@ -29007,23 +28883,23 @@
               <a:t> </a:t>
             </a:r>
             <a:r>
-              <a:rPr lang="de-DE" dirty="0" err="1" smtClean="0"/>
+              <a:rPr lang="de-DE" dirty="0" err="1"/>
               <a:t>of</a:t>
             </a:r>
             <a:r>
-              <a:rPr lang="de-DE" dirty="0" smtClean="0"/>
+              <a:rPr lang="de-DE" dirty="0"/>
               <a:t> </a:t>
             </a:r>
             <a:r>
-              <a:rPr lang="de-DE" dirty="0" err="1" smtClean="0"/>
+              <a:rPr lang="de-DE" dirty="0" err="1"/>
               <a:t>your</a:t>
             </a:r>
             <a:r>
-              <a:rPr lang="de-DE" dirty="0" smtClean="0"/>
+              <a:rPr lang="de-DE" dirty="0"/>
               <a:t> </a:t>
             </a:r>
             <a:r>
-              <a:rPr lang="de-DE" dirty="0" err="1" smtClean="0"/>
+              <a:rPr lang="de-DE" dirty="0" err="1"/>
               <a:t>house</a:t>
             </a:r>
             <a:endParaRPr lang="de-DE" dirty="0"/>
@@ -29122,13 +28998,6 @@
   <p:clrMapOvr>
     <a:masterClrMapping/>
   </p:clrMapOvr>
-  <p:timing>
-    <p:tnLst>
-      <p:par>
-        <p:cTn id="1" dur="indefinite" restart="never" nodeType="tmRoot"/>
-      </p:par>
-    </p:tnLst>
-  </p:timing>
 </p:sld>
 </file>
 
@@ -29154,7 +29023,7 @@
           <p:cNvPr id="7" name="Title 1">
             <a:extLst>
               <a:ext uri="{FF2B5EF4-FFF2-40B4-BE49-F238E27FC236}">
-                <a16:creationId xmlns:a16="http://schemas.microsoft.com/office/drawing/2014/main" xmlns="" id="{FEA316DB-23D4-7143-BDEF-E3AF303EF39A}"/>
+                <a16:creationId xmlns:a16="http://schemas.microsoft.com/office/drawing/2014/main" id="{FEA316DB-23D4-7143-BDEF-E3AF303EF39A}"/>
               </a:ext>
             </a:extLst>
           </p:cNvPr>
@@ -29176,12 +29045,8 @@
           <a:lstStyle/>
           <a:p>
             <a:r>
-              <a:rPr lang="en-US" dirty="0" smtClean="0"/>
+              <a:rPr lang="en-US" dirty="0"/>
               <a:t>Outlook: </a:t>
-            </a:r>
-            <a:r>
-              <a:rPr lang="en-US" dirty="0"/>
-              <a:t/>
             </a:r>
             <a:br>
               <a:rPr lang="en-US" dirty="0"/>
@@ -29195,7 +29060,7 @@
           <p:cNvPr id="2" name="Slide Number Placeholder 1">
             <a:extLst>
               <a:ext uri="{FF2B5EF4-FFF2-40B4-BE49-F238E27FC236}">
-                <a16:creationId xmlns:a16="http://schemas.microsoft.com/office/drawing/2014/main" xmlns="" id="{8B065C75-272B-4BB5-BA23-D80E8654D621}"/>
+                <a16:creationId xmlns:a16="http://schemas.microsoft.com/office/drawing/2014/main" id="{8B065C75-272B-4BB5-BA23-D80E8654D621}"/>
               </a:ext>
             </a:extLst>
           </p:cNvPr>
@@ -29241,7 +29106,7 @@
           <p:cNvPr id="5" name="Text Placeholder 4">
             <a:extLst>
               <a:ext uri="{FF2B5EF4-FFF2-40B4-BE49-F238E27FC236}">
-                <a16:creationId xmlns:a16="http://schemas.microsoft.com/office/drawing/2014/main" xmlns="" id="{DCDDBE65-9AB1-4989-AF86-726591A6A128}"/>
+                <a16:creationId xmlns:a16="http://schemas.microsoft.com/office/drawing/2014/main" id="{DCDDBE65-9AB1-4989-AF86-726591A6A128}"/>
               </a:ext>
             </a:extLst>
           </p:cNvPr>
@@ -29265,20 +29130,19 @@
           <a:lstStyle/>
           <a:p>
             <a:r>
-              <a:rPr lang="en-US" dirty="0" smtClean="0"/>
+              <a:rPr lang="en-US" dirty="0"/>
               <a:t>Apply Polynomial regression</a:t>
             </a:r>
           </a:p>
           <a:p>
             <a:r>
-              <a:rPr lang="en-US" dirty="0" smtClean="0"/>
+              <a:rPr lang="en-US" dirty="0"/>
               <a:t>Apply model on dataset of different cities and areas</a:t>
             </a:r>
-            <a:endParaRPr lang="en-US" dirty="0"/>
           </a:p>
           <a:p>
             <a:r>
-              <a:rPr lang="en-US" dirty="0" smtClean="0"/>
+              <a:rPr lang="en-US" dirty="0"/>
               <a:t>Exclude location effect</a:t>
             </a:r>
           </a:p>
@@ -29310,7 +29174,7 @@
           <p:cNvPr id="6" name="Title 1">
             <a:extLst>
               <a:ext uri="{FF2B5EF4-FFF2-40B4-BE49-F238E27FC236}">
-                <a16:creationId xmlns:a16="http://schemas.microsoft.com/office/drawing/2014/main" xmlns="" id="{FEA316DB-23D4-7143-BDEF-E3AF303EF39A}"/>
+                <a16:creationId xmlns:a16="http://schemas.microsoft.com/office/drawing/2014/main" id="{FEA316DB-23D4-7143-BDEF-E3AF303EF39A}"/>
               </a:ext>
             </a:extLst>
           </p:cNvPr>
@@ -29353,11 +29217,11 @@
           </a:lstStyle>
           <a:p>
             <a:r>
-              <a:rPr lang="en-US" dirty="0" smtClean="0"/>
+              <a:rPr lang="en-US" dirty="0"/>
               <a:t>Conclusion</a:t>
             </a:r>
             <a:br>
-              <a:rPr lang="en-US" dirty="0" smtClean="0"/>
+              <a:rPr lang="en-US" dirty="0"/>
             </a:br>
             <a:endParaRPr lang="en-US" dirty="0"/>
           </a:p>
@@ -29368,7 +29232,7 @@
           <p:cNvPr id="8" name="Text Placeholder 4">
             <a:extLst>
               <a:ext uri="{FF2B5EF4-FFF2-40B4-BE49-F238E27FC236}">
-                <a16:creationId xmlns:a16="http://schemas.microsoft.com/office/drawing/2014/main" xmlns="" id="{DCDDBE65-9AB1-4989-AF86-726591A6A128}"/>
+                <a16:creationId xmlns:a16="http://schemas.microsoft.com/office/drawing/2014/main" id="{DCDDBE65-9AB1-4989-AF86-726591A6A128}"/>
               </a:ext>
             </a:extLst>
           </p:cNvPr>
@@ -29572,47 +29436,47 @@
           <a:p>
             <a:pPr marL="285750" indent="-285750"/>
             <a:r>
-              <a:rPr lang="en-US" dirty="0" smtClean="0"/>
+              <a:rPr lang="en-US" dirty="0"/>
               <a:t>Location (</a:t>
             </a:r>
             <a:r>
-              <a:rPr lang="en-US" dirty="0" err="1" smtClean="0"/>
+              <a:rPr lang="en-US" dirty="0" err="1"/>
               <a:t>zipcode</a:t>
             </a:r>
             <a:r>
-              <a:rPr lang="en-US" dirty="0" smtClean="0"/>
+              <a:rPr lang="en-US" dirty="0"/>
               <a:t>, distance to center, view, waterfront) define price</a:t>
             </a:r>
           </a:p>
           <a:p>
             <a:pPr marL="285750" indent="-285750"/>
             <a:r>
-              <a:rPr lang="en-US" dirty="0" smtClean="0"/>
+              <a:rPr lang="en-US" dirty="0"/>
               <a:t>Attributes of size are significant but with a smaller influence</a:t>
             </a:r>
           </a:p>
           <a:p>
-            <a:endParaRPr lang="en-US" dirty="0" smtClean="0"/>
+            <a:endParaRPr lang="en-US" dirty="0"/>
           </a:p>
           <a:p>
             <a:pPr marL="285750" indent="-285750"/>
-            <a:endParaRPr lang="en-US" dirty="0" smtClean="0"/>
+            <a:endParaRPr lang="en-US" dirty="0"/>
           </a:p>
           <a:p>
             <a:pPr marL="285750" indent="-285750"/>
-            <a:endParaRPr lang="en-US" dirty="0" smtClean="0"/>
+            <a:endParaRPr lang="en-US" dirty="0"/>
           </a:p>
           <a:p>
             <a:pPr marL="285750" indent="-285750"/>
-            <a:endParaRPr lang="en-US" dirty="0" smtClean="0"/>
+            <a:endParaRPr lang="en-US" dirty="0"/>
           </a:p>
           <a:p>
             <a:pPr marL="285750" indent="-285750"/>
-            <a:endParaRPr lang="en-US" dirty="0" smtClean="0"/>
+            <a:endParaRPr lang="en-US" dirty="0"/>
           </a:p>
           <a:p>
             <a:pPr marL="1200150" lvl="2" indent="-285750"/>
-            <a:endParaRPr lang="en-US" dirty="0" smtClean="0"/>
+            <a:endParaRPr lang="en-US" dirty="0"/>
           </a:p>
           <a:p>
             <a:pPr marL="285750" indent="-285750"/>
@@ -29683,13 +29547,6 @@
       </p:transition>
     </mc:Fallback>
   </mc:AlternateContent>
-  <p:timing>
-    <p:tnLst>
-      <p:par>
-        <p:cTn id="1" dur="indefinite" restart="never" nodeType="tmRoot"/>
-      </p:par>
-    </p:tnLst>
-  </p:timing>
 </p:sld>
 </file>
 
@@ -29715,7 +29572,7 @@
           <p:cNvPr id="2" name="Title 1">
             <a:extLst>
               <a:ext uri="{FF2B5EF4-FFF2-40B4-BE49-F238E27FC236}">
-                <a16:creationId xmlns:a16="http://schemas.microsoft.com/office/drawing/2014/main" xmlns="" id="{632BE5BF-9922-45FB-8F3F-4446D40A051B}"/>
+                <a16:creationId xmlns:a16="http://schemas.microsoft.com/office/drawing/2014/main" id="{632BE5BF-9922-45FB-8F3F-4446D40A051B}"/>
               </a:ext>
             </a:extLst>
           </p:cNvPr>
@@ -29752,13 +29609,6 @@
   <p:transition spd="slow">
     <p:wipe/>
   </p:transition>
-  <p:timing>
-    <p:tnLst>
-      <p:par>
-        <p:cTn id="1" dur="indefinite" restart="never" nodeType="tmRoot"/>
-      </p:par>
-    </p:tnLst>
-  </p:timing>
 </p:sld>
 </file>
 
@@ -29784,7 +29634,7 @@
           <p:cNvPr id="2" name="Title 1">
             <a:extLst>
               <a:ext uri="{FF2B5EF4-FFF2-40B4-BE49-F238E27FC236}">
-                <a16:creationId xmlns:a16="http://schemas.microsoft.com/office/drawing/2014/main" xmlns="" id="{E4DCAC26-918C-4772-BF30-510B03C5AE49}"/>
+                <a16:creationId xmlns:a16="http://schemas.microsoft.com/office/drawing/2014/main" id="{E4DCAC26-918C-4772-BF30-510B03C5AE49}"/>
               </a:ext>
             </a:extLst>
           </p:cNvPr>
@@ -29816,7 +29666,7 @@
           <p:cNvPr id="3" name="Slide Number Placeholder 2">
             <a:extLst>
               <a:ext uri="{FF2B5EF4-FFF2-40B4-BE49-F238E27FC236}">
-                <a16:creationId xmlns:a16="http://schemas.microsoft.com/office/drawing/2014/main" xmlns="" id="{BF702D22-B9F0-4A21-A93C-458A68ED29DC}"/>
+                <a16:creationId xmlns:a16="http://schemas.microsoft.com/office/drawing/2014/main" id="{BF702D22-B9F0-4A21-A93C-458A68ED29DC}"/>
               </a:ext>
             </a:extLst>
           </p:cNvPr>
@@ -29846,7 +29696,7 @@
           <p:cNvPr id="9" name="Content Placeholder 8" descr="A picture containing shoji, crossword puzzle, window, building&#10;&#10;Description automatically generated">
             <a:extLst>
               <a:ext uri="{FF2B5EF4-FFF2-40B4-BE49-F238E27FC236}">
-                <a16:creationId xmlns:a16="http://schemas.microsoft.com/office/drawing/2014/main" xmlns="" id="{315E1374-3F09-44C4-AFB8-0C423F7FCF94}"/>
+                <a16:creationId xmlns:a16="http://schemas.microsoft.com/office/drawing/2014/main" id="{315E1374-3F09-44C4-AFB8-0C423F7FCF94}"/>
               </a:ext>
             </a:extLst>
           </p:cNvPr>
@@ -29875,7 +29725,7 @@
           <p:cNvPr id="7" name="Content Placeholder 6" descr="A picture containing window, shoji&#10;&#10;Description automatically generated">
             <a:extLst>
               <a:ext uri="{FF2B5EF4-FFF2-40B4-BE49-F238E27FC236}">
-                <a16:creationId xmlns:a16="http://schemas.microsoft.com/office/drawing/2014/main" xmlns="" id="{5C11166E-3B9D-46AD-B7D1-54342613B286}"/>
+                <a16:creationId xmlns:a16="http://schemas.microsoft.com/office/drawing/2014/main" id="{5C11166E-3B9D-46AD-B7D1-54342613B286}"/>
               </a:ext>
             </a:extLst>
           </p:cNvPr>
@@ -29909,13 +29759,6 @@
   <p:clrMapOvr>
     <a:masterClrMapping/>
   </p:clrMapOvr>
-  <p:timing>
-    <p:tnLst>
-      <p:par>
-        <p:cTn id="1" dur="indefinite" restart="never" nodeType="tmRoot"/>
-      </p:par>
-    </p:tnLst>
-  </p:timing>
 </p:sld>
 </file>
 
@@ -29941,7 +29784,7 @@
           <p:cNvPr id="21" name="Title 1">
             <a:extLst>
               <a:ext uri="{FF2B5EF4-FFF2-40B4-BE49-F238E27FC236}">
-                <a16:creationId xmlns:a16="http://schemas.microsoft.com/office/drawing/2014/main" xmlns="" id="{E118CE47-4937-5BA8-B09C-42BF57DE773B}"/>
+                <a16:creationId xmlns:a16="http://schemas.microsoft.com/office/drawing/2014/main" id="{E118CE47-4937-5BA8-B09C-42BF57DE773B}"/>
               </a:ext>
             </a:extLst>
           </p:cNvPr>
@@ -29974,7 +29817,7 @@
           <p:cNvPr id="2" name="Slide Number Placeholder 1">
             <a:extLst>
               <a:ext uri="{FF2B5EF4-FFF2-40B4-BE49-F238E27FC236}">
-                <a16:creationId xmlns:a16="http://schemas.microsoft.com/office/drawing/2014/main" xmlns="" id="{235359B9-73D6-455A-909C-B2C9A664E352}"/>
+                <a16:creationId xmlns:a16="http://schemas.microsoft.com/office/drawing/2014/main" id="{235359B9-73D6-455A-909C-B2C9A664E352}"/>
               </a:ext>
             </a:extLst>
           </p:cNvPr>
@@ -30020,7 +29863,7 @@
           <p:cNvPr id="4098" name="Picture 2">
             <a:extLst>
               <a:ext uri="{FF2B5EF4-FFF2-40B4-BE49-F238E27FC236}">
-                <a16:creationId xmlns:a16="http://schemas.microsoft.com/office/drawing/2014/main" xmlns="" id="{3367DA65-9A7D-4005-89AD-DE3EFA647710}"/>
+                <a16:creationId xmlns:a16="http://schemas.microsoft.com/office/drawing/2014/main" id="{3367DA65-9A7D-4005-89AD-DE3EFA647710}"/>
               </a:ext>
             </a:extLst>
           </p:cNvPr>
@@ -30067,7 +29910,7 @@
           <p:cNvPr id="4100" name="Picture 4">
             <a:extLst>
               <a:ext uri="{FF2B5EF4-FFF2-40B4-BE49-F238E27FC236}">
-                <a16:creationId xmlns:a16="http://schemas.microsoft.com/office/drawing/2014/main" xmlns="" id="{C46BE4E4-D50E-4708-A290-51FC72C7C2BD}"/>
+                <a16:creationId xmlns:a16="http://schemas.microsoft.com/office/drawing/2014/main" id="{C46BE4E4-D50E-4708-A290-51FC72C7C2BD}"/>
               </a:ext>
             </a:extLst>
           </p:cNvPr>
@@ -30121,13 +29964,6 @@
   <p:clrMapOvr>
     <a:masterClrMapping/>
   </p:clrMapOvr>
-  <p:timing>
-    <p:tnLst>
-      <p:par>
-        <p:cTn id="1" dur="indefinite" restart="never" nodeType="tmRoot"/>
-      </p:par>
-    </p:tnLst>
-  </p:timing>
 </p:sld>
 </file>
 
@@ -30153,7 +29989,7 @@
           <p:cNvPr id="2" name="Title 1">
             <a:extLst>
               <a:ext uri="{FF2B5EF4-FFF2-40B4-BE49-F238E27FC236}">
-                <a16:creationId xmlns:a16="http://schemas.microsoft.com/office/drawing/2014/main" xmlns="" id="{632BE5BF-9922-45FB-8F3F-4446D40A051B}"/>
+                <a16:creationId xmlns:a16="http://schemas.microsoft.com/office/drawing/2014/main" id="{632BE5BF-9922-45FB-8F3F-4446D40A051B}"/>
               </a:ext>
             </a:extLst>
           </p:cNvPr>
@@ -30190,13 +30026,6 @@
   <p:transition spd="slow">
     <p:wipe/>
   </p:transition>
-  <p:timing>
-    <p:tnLst>
-      <p:par>
-        <p:cTn id="1" dur="indefinite" restart="never" nodeType="tmRoot"/>
-      </p:par>
-    </p:tnLst>
-  </p:timing>
 </p:sld>
 </file>
 
@@ -30232,7 +30061,7 @@
           <p:cNvPr id="71" name="Title 1">
             <a:extLst>
               <a:ext uri="{FF2B5EF4-FFF2-40B4-BE49-F238E27FC236}">
-                <a16:creationId xmlns:a16="http://schemas.microsoft.com/office/drawing/2014/main" xmlns="" id="{D802FE8E-9913-389D-CAC5-585A88872A15}"/>
+                <a16:creationId xmlns:a16="http://schemas.microsoft.com/office/drawing/2014/main" id="{D802FE8E-9913-389D-CAC5-585A88872A15}"/>
               </a:ext>
             </a:extLst>
           </p:cNvPr>
@@ -30265,7 +30094,7 @@
           <p:cNvPr id="2" name="Slide Number Placeholder 1">
             <a:extLst>
               <a:ext uri="{FF2B5EF4-FFF2-40B4-BE49-F238E27FC236}">
-                <a16:creationId xmlns:a16="http://schemas.microsoft.com/office/drawing/2014/main" xmlns="" id="{A2A56D48-F061-430B-87D0-71C9E9B46879}"/>
+                <a16:creationId xmlns:a16="http://schemas.microsoft.com/office/drawing/2014/main" id="{A2A56D48-F061-430B-87D0-71C9E9B46879}"/>
               </a:ext>
             </a:extLst>
           </p:cNvPr>
@@ -30311,7 +30140,7 @@
           <p:cNvPr id="73" name="Text Placeholder 3">
             <a:extLst>
               <a:ext uri="{FF2B5EF4-FFF2-40B4-BE49-F238E27FC236}">
-                <a16:creationId xmlns:a16="http://schemas.microsoft.com/office/drawing/2014/main" xmlns="" id="{C182B808-D70D-FF91-50C0-BFA7FE393E8C}"/>
+                <a16:creationId xmlns:a16="http://schemas.microsoft.com/office/drawing/2014/main" id="{C182B808-D70D-FF91-50C0-BFA7FE393E8C}"/>
               </a:ext>
             </a:extLst>
           </p:cNvPr>
@@ -30384,7 +30213,7 @@
           <p:cNvPr id="3074" name="Picture 2" descr="King County, WA Property Tax Calculator - SmartAsset">
             <a:extLst>
               <a:ext uri="{FF2B5EF4-FFF2-40B4-BE49-F238E27FC236}">
-                <a16:creationId xmlns:a16="http://schemas.microsoft.com/office/drawing/2014/main" xmlns="" id="{6C729D14-CA46-418C-B1CD-A24647066CB3}"/>
+                <a16:creationId xmlns:a16="http://schemas.microsoft.com/office/drawing/2014/main" id="{6C729D14-CA46-418C-B1CD-A24647066CB3}"/>
               </a:ext>
             </a:extLst>
           </p:cNvPr>
@@ -30452,7 +30281,7 @@
           <p:cNvPr id="7" name="Title 6">
             <a:extLst>
               <a:ext uri="{FF2B5EF4-FFF2-40B4-BE49-F238E27FC236}">
-                <a16:creationId xmlns:a16="http://schemas.microsoft.com/office/drawing/2014/main" xmlns="" id="{7875C19A-1AAE-476A-A316-A2CF92D763D3}"/>
+                <a16:creationId xmlns:a16="http://schemas.microsoft.com/office/drawing/2014/main" id="{7875C19A-1AAE-476A-A316-A2CF92D763D3}"/>
               </a:ext>
             </a:extLst>
           </p:cNvPr>
@@ -30480,7 +30309,7 @@
           <p:cNvPr id="10" name="Text Placeholder 9">
             <a:extLst>
               <a:ext uri="{FF2B5EF4-FFF2-40B4-BE49-F238E27FC236}">
-                <a16:creationId xmlns:a16="http://schemas.microsoft.com/office/drawing/2014/main" xmlns="" id="{EF2BC084-E6DB-4DE7-B309-042A85EBA700}"/>
+                <a16:creationId xmlns:a16="http://schemas.microsoft.com/office/drawing/2014/main" id="{EF2BC084-E6DB-4DE7-B309-042A85EBA700}"/>
               </a:ext>
             </a:extLst>
           </p:cNvPr>
@@ -30552,7 +30381,7 @@
           <p:cNvPr id="2" name="Slide Number Placeholder 1">
             <a:extLst>
               <a:ext uri="{FF2B5EF4-FFF2-40B4-BE49-F238E27FC236}">
-                <a16:creationId xmlns:a16="http://schemas.microsoft.com/office/drawing/2014/main" xmlns="" id="{BE9800F6-D571-48C4-8466-12AA1ADB6599}"/>
+                <a16:creationId xmlns:a16="http://schemas.microsoft.com/office/drawing/2014/main" id="{BE9800F6-D571-48C4-8466-12AA1ADB6599}"/>
               </a:ext>
             </a:extLst>
           </p:cNvPr>
@@ -30624,7 +30453,7 @@
           <p:cNvPr id="4" name="Title 3">
             <a:extLst>
               <a:ext uri="{FF2B5EF4-FFF2-40B4-BE49-F238E27FC236}">
-                <a16:creationId xmlns:a16="http://schemas.microsoft.com/office/drawing/2014/main" xmlns="" id="{315E3981-F0D7-482C-A8E0-6A57700BECA7}"/>
+                <a16:creationId xmlns:a16="http://schemas.microsoft.com/office/drawing/2014/main" id="{315E3981-F0D7-482C-A8E0-6A57700BECA7}"/>
               </a:ext>
             </a:extLst>
           </p:cNvPr>
@@ -30652,7 +30481,7 @@
           <p:cNvPr id="2" name="Slide Number Placeholder 1">
             <a:extLst>
               <a:ext uri="{FF2B5EF4-FFF2-40B4-BE49-F238E27FC236}">
-                <a16:creationId xmlns:a16="http://schemas.microsoft.com/office/drawing/2014/main" xmlns="" id="{520FC4EE-F318-4344-9E3C-B950ADB63865}"/>
+                <a16:creationId xmlns:a16="http://schemas.microsoft.com/office/drawing/2014/main" id="{520FC4EE-F318-4344-9E3C-B950ADB63865}"/>
               </a:ext>
             </a:extLst>
           </p:cNvPr>
@@ -30682,7 +30511,7 @@
           <p:cNvPr id="7" name="Text Placeholder 6">
             <a:extLst>
               <a:ext uri="{FF2B5EF4-FFF2-40B4-BE49-F238E27FC236}">
-                <a16:creationId xmlns:a16="http://schemas.microsoft.com/office/drawing/2014/main" xmlns="" id="{B74126B4-1E6C-4FFF-9282-40E18A85A07F}"/>
+                <a16:creationId xmlns:a16="http://schemas.microsoft.com/office/drawing/2014/main" id="{B74126B4-1E6C-4FFF-9282-40E18A85A07F}"/>
               </a:ext>
             </a:extLst>
           </p:cNvPr>
@@ -30710,7 +30539,7 @@
           <p:cNvPr id="5" name="Text Placeholder 4">
             <a:extLst>
               <a:ext uri="{FF2B5EF4-FFF2-40B4-BE49-F238E27FC236}">
-                <a16:creationId xmlns:a16="http://schemas.microsoft.com/office/drawing/2014/main" xmlns="" id="{E0C87788-476B-4620-8002-A5C1177AD6C1}"/>
+                <a16:creationId xmlns:a16="http://schemas.microsoft.com/office/drawing/2014/main" id="{E0C87788-476B-4620-8002-A5C1177AD6C1}"/>
               </a:ext>
             </a:extLst>
           </p:cNvPr>
@@ -30751,7 +30580,7 @@
           <p:cNvPr id="8" name="Text Placeholder 7">
             <a:extLst>
               <a:ext uri="{FF2B5EF4-FFF2-40B4-BE49-F238E27FC236}">
-                <a16:creationId xmlns:a16="http://schemas.microsoft.com/office/drawing/2014/main" xmlns="" id="{47DC4E62-1A34-4F98-A451-214F1808519C}"/>
+                <a16:creationId xmlns:a16="http://schemas.microsoft.com/office/drawing/2014/main" id="{47DC4E62-1A34-4F98-A451-214F1808519C}"/>
               </a:ext>
             </a:extLst>
           </p:cNvPr>
@@ -30796,7 +30625,7 @@
           <p:cNvPr id="6" name="Text Placeholder 5">
             <a:extLst>
               <a:ext uri="{FF2B5EF4-FFF2-40B4-BE49-F238E27FC236}">
-                <a16:creationId xmlns:a16="http://schemas.microsoft.com/office/drawing/2014/main" xmlns="" id="{000A9570-5EF6-4AFB-9FCA-7C8998E3FEB1}"/>
+                <a16:creationId xmlns:a16="http://schemas.microsoft.com/office/drawing/2014/main" id="{000A9570-5EF6-4AFB-9FCA-7C8998E3FEB1}"/>
               </a:ext>
             </a:extLst>
           </p:cNvPr>
@@ -30897,7 +30726,7 @@
           <p:cNvPr id="2" name="slide2" descr="Dashboard 1">
             <a:extLst>
               <a:ext uri="{FF2B5EF4-FFF2-40B4-BE49-F238E27FC236}">
-                <a16:creationId xmlns:a16="http://schemas.microsoft.com/office/drawing/2014/main" xmlns="" id="{54A7EA2E-4986-408D-BFC8-394272624144}"/>
+                <a16:creationId xmlns:a16="http://schemas.microsoft.com/office/drawing/2014/main" id="{54A7EA2E-4986-408D-BFC8-394272624144}"/>
               </a:ext>
             </a:extLst>
           </p:cNvPr>
@@ -30933,7 +30762,7 @@
           <p:cNvPr id="5" name="Title 4">
             <a:extLst>
               <a:ext uri="{FF2B5EF4-FFF2-40B4-BE49-F238E27FC236}">
-                <a16:creationId xmlns:a16="http://schemas.microsoft.com/office/drawing/2014/main" xmlns="" id="{4EB3640F-7B1B-44E0-A61D-D171786866AF}"/>
+                <a16:creationId xmlns:a16="http://schemas.microsoft.com/office/drawing/2014/main" id="{4EB3640F-7B1B-44E0-A61D-D171786866AF}"/>
               </a:ext>
             </a:extLst>
           </p:cNvPr>
@@ -30966,13 +30795,6 @@
   <p:clrMapOvr>
     <a:masterClrMapping/>
   </p:clrMapOvr>
-  <p:timing>
-    <p:tnLst>
-      <p:par>
-        <p:cTn id="1" dur="indefinite" restart="never" nodeType="tmRoot"/>
-      </p:par>
-    </p:tnLst>
-  </p:timing>
 </p:sld>
 </file>
 
@@ -30998,7 +30820,7 @@
           <p:cNvPr id="2" name="Title 1">
             <a:extLst>
               <a:ext uri="{FF2B5EF4-FFF2-40B4-BE49-F238E27FC236}">
-                <a16:creationId xmlns:a16="http://schemas.microsoft.com/office/drawing/2014/main" xmlns="" id="{632BE5BF-9922-45FB-8F3F-4446D40A051B}"/>
+                <a16:creationId xmlns:a16="http://schemas.microsoft.com/office/drawing/2014/main" id="{632BE5BF-9922-45FB-8F3F-4446D40A051B}"/>
               </a:ext>
             </a:extLst>
           </p:cNvPr>
@@ -31028,7 +30850,7 @@
           <p:cNvPr id="8" name="Slide Number Placeholder 2">
             <a:extLst>
               <a:ext uri="{FF2B5EF4-FFF2-40B4-BE49-F238E27FC236}">
-                <a16:creationId xmlns:a16="http://schemas.microsoft.com/office/drawing/2014/main" xmlns="" id="{49D24FB4-149E-9A65-378F-F4728BC33A3A}"/>
+                <a16:creationId xmlns:a16="http://schemas.microsoft.com/office/drawing/2014/main" id="{49D24FB4-149E-9A65-378F-F4728BC33A3A}"/>
               </a:ext>
             </a:extLst>
           </p:cNvPr>
@@ -31067,7 +30889,7 @@
           <p:cNvPr id="9" name="Content Placeholder 8">
             <a:extLst>
               <a:ext uri="{FF2B5EF4-FFF2-40B4-BE49-F238E27FC236}">
-                <a16:creationId xmlns:a16="http://schemas.microsoft.com/office/drawing/2014/main" xmlns="" id="{3773AA00-D252-4DC6-870A-1C13A52E2736}"/>
+                <a16:creationId xmlns:a16="http://schemas.microsoft.com/office/drawing/2014/main" id="{3773AA00-D252-4DC6-870A-1C13A52E2736}"/>
               </a:ext>
             </a:extLst>
           </p:cNvPr>
@@ -31106,13 +30928,6 @@
   <p:transition spd="slow">
     <p:wipe/>
   </p:transition>
-  <p:timing>
-    <p:tnLst>
-      <p:par>
-        <p:cTn id="1" dur="indefinite" restart="never" nodeType="tmRoot"/>
-      </p:par>
-    </p:tnLst>
-  </p:timing>
 </p:sld>
 </file>
 
@@ -31149,10 +30964,9 @@
           <a:lstStyle/>
           <a:p>
             <a:r>
-              <a:rPr lang="de-DE" dirty="0" smtClean="0"/>
+              <a:rPr lang="de-DE" dirty="0"/>
               <a:t>Data Transformation</a:t>
             </a:r>
-            <a:endParaRPr lang="de-DE" dirty="0"/>
           </a:p>
         </p:txBody>
       </p:sp>
@@ -31196,235 +31010,234 @@
           <a:lstStyle/>
           <a:p>
             <a:r>
-              <a:rPr lang="de-DE" dirty="0" err="1" smtClean="0"/>
+              <a:rPr lang="de-DE" dirty="0" err="1"/>
               <a:t>Dropped</a:t>
             </a:r>
             <a:r>
-              <a:rPr lang="de-DE" dirty="0" smtClean="0"/>
+              <a:rPr lang="de-DE" dirty="0"/>
               <a:t>: </a:t>
             </a:r>
             <a:r>
-              <a:rPr lang="de-DE" dirty="0" err="1" smtClean="0"/>
+              <a:rPr lang="de-DE" dirty="0" err="1"/>
               <a:t>id</a:t>
             </a:r>
             <a:r>
-              <a:rPr lang="de-DE" dirty="0" smtClean="0"/>
+              <a:rPr lang="de-DE" dirty="0"/>
               <a:t>, </a:t>
             </a:r>
             <a:r>
-              <a:rPr lang="de-DE" dirty="0" err="1" smtClean="0"/>
+              <a:rPr lang="de-DE" dirty="0" err="1"/>
               <a:t>date</a:t>
             </a:r>
             <a:r>
-              <a:rPr lang="de-DE" dirty="0" smtClean="0"/>
+              <a:rPr lang="de-DE" dirty="0"/>
               <a:t>, </a:t>
             </a:r>
             <a:r>
-              <a:rPr lang="de-DE" dirty="0" err="1" smtClean="0"/>
+              <a:rPr lang="de-DE" dirty="0" err="1"/>
               <a:t>lat</a:t>
             </a:r>
             <a:r>
-              <a:rPr lang="de-DE" dirty="0" smtClean="0"/>
+              <a:rPr lang="de-DE" dirty="0"/>
               <a:t>, </a:t>
             </a:r>
             <a:r>
-              <a:rPr lang="de-DE" dirty="0" err="1" smtClean="0"/>
+              <a:rPr lang="de-DE" dirty="0" err="1"/>
               <a:t>long</a:t>
             </a:r>
             <a:r>
-              <a:rPr lang="de-DE" dirty="0" smtClean="0"/>
+              <a:rPr lang="de-DE" dirty="0"/>
               <a:t>, </a:t>
             </a:r>
             <a:r>
-              <a:rPr lang="de-DE" dirty="0" err="1" smtClean="0"/>
+              <a:rPr lang="de-DE" dirty="0" err="1"/>
               <a:t>sqft_above</a:t>
             </a:r>
             <a:r>
-              <a:rPr lang="de-DE" dirty="0" smtClean="0"/>
+              <a:rPr lang="de-DE" dirty="0"/>
               <a:t> (</a:t>
             </a:r>
             <a:r>
-              <a:rPr lang="de-DE" dirty="0" err="1" smtClean="0"/>
+              <a:rPr lang="de-DE" dirty="0" err="1"/>
               <a:t>multicolinearity</a:t>
             </a:r>
             <a:r>
-              <a:rPr lang="de-DE" dirty="0" smtClean="0"/>
+              <a:rPr lang="de-DE" dirty="0"/>
               <a:t>)</a:t>
             </a:r>
           </a:p>
           <a:p>
             <a:r>
-              <a:rPr lang="de-DE" dirty="0" err="1" smtClean="0"/>
+              <a:rPr lang="de-DE" dirty="0" err="1"/>
               <a:t>Imported</a:t>
             </a:r>
             <a:r>
-              <a:rPr lang="de-DE" dirty="0" smtClean="0"/>
+              <a:rPr lang="de-DE" dirty="0"/>
               <a:t>: </a:t>
             </a:r>
             <a:r>
-              <a:rPr lang="de-DE" dirty="0" err="1" smtClean="0"/>
+              <a:rPr lang="de-DE" dirty="0" err="1"/>
               <a:t>Distance</a:t>
             </a:r>
             <a:r>
-              <a:rPr lang="de-DE" dirty="0" smtClean="0"/>
+              <a:rPr lang="de-DE" dirty="0"/>
               <a:t> </a:t>
             </a:r>
             <a:r>
-              <a:rPr lang="de-DE" dirty="0" err="1" smtClean="0"/>
+              <a:rPr lang="de-DE" dirty="0" err="1"/>
               <a:t>to</a:t>
             </a:r>
             <a:r>
-              <a:rPr lang="de-DE" dirty="0" smtClean="0"/>
+              <a:rPr lang="de-DE" dirty="0"/>
               <a:t> </a:t>
             </a:r>
             <a:r>
-              <a:rPr lang="de-DE" dirty="0" err="1" smtClean="0"/>
+              <a:rPr lang="de-DE" dirty="0" err="1"/>
               <a:t>city</a:t>
             </a:r>
             <a:r>
-              <a:rPr lang="de-DE" dirty="0" smtClean="0"/>
+              <a:rPr lang="de-DE" dirty="0"/>
               <a:t> </a:t>
             </a:r>
             <a:r>
-              <a:rPr lang="de-DE" dirty="0" err="1" smtClean="0"/>
+              <a:rPr lang="de-DE" dirty="0" err="1"/>
               <a:t>center</a:t>
             </a:r>
-            <a:endParaRPr lang="de-DE" dirty="0" smtClean="0"/>
+            <a:endParaRPr lang="de-DE" dirty="0"/>
           </a:p>
           <a:p>
             <a:r>
-              <a:rPr lang="de-DE" dirty="0" err="1" smtClean="0"/>
+              <a:rPr lang="de-DE" dirty="0" err="1"/>
               <a:t>Binned</a:t>
             </a:r>
             <a:r>
-              <a:rPr lang="de-DE" dirty="0" smtClean="0"/>
+              <a:rPr lang="de-DE" dirty="0"/>
               <a:t>:</a:t>
             </a:r>
           </a:p>
           <a:p>
             <a:pPr lvl="1"/>
             <a:r>
-              <a:rPr lang="de-DE" dirty="0" smtClean="0"/>
+              <a:rPr lang="de-DE" dirty="0"/>
               <a:t>Year </a:t>
             </a:r>
             <a:r>
-              <a:rPr lang="de-DE" dirty="0" err="1" smtClean="0"/>
+              <a:rPr lang="de-DE" dirty="0" err="1"/>
               <a:t>renovated</a:t>
             </a:r>
             <a:r>
-              <a:rPr lang="de-DE" dirty="0" smtClean="0"/>
+              <a:rPr lang="de-DE" dirty="0"/>
               <a:t> (Yes, </a:t>
             </a:r>
             <a:r>
-              <a:rPr lang="de-DE" dirty="0" err="1" smtClean="0"/>
+              <a:rPr lang="de-DE" dirty="0" err="1"/>
               <a:t>No</a:t>
             </a:r>
             <a:r>
-              <a:rPr lang="de-DE" dirty="0" smtClean="0"/>
+              <a:rPr lang="de-DE" dirty="0"/>
               <a:t>), </a:t>
             </a:r>
           </a:p>
           <a:p>
             <a:pPr lvl="1"/>
             <a:r>
-              <a:rPr lang="de-DE" dirty="0" err="1" smtClean="0"/>
+              <a:rPr lang="de-DE" dirty="0" err="1"/>
               <a:t>basement</a:t>
             </a:r>
             <a:r>
-              <a:rPr lang="de-DE" dirty="0" smtClean="0"/>
+              <a:rPr lang="de-DE" dirty="0"/>
               <a:t> </a:t>
             </a:r>
             <a:r>
-              <a:rPr lang="de-DE" dirty="0" err="1" smtClean="0"/>
+              <a:rPr lang="de-DE" dirty="0" err="1"/>
               <a:t>size</a:t>
             </a:r>
             <a:r>
-              <a:rPr lang="de-DE" dirty="0" smtClean="0"/>
+              <a:rPr lang="de-DE" dirty="0"/>
               <a:t> (Yes, </a:t>
             </a:r>
             <a:r>
-              <a:rPr lang="de-DE" dirty="0" err="1" smtClean="0"/>
+              <a:rPr lang="de-DE" dirty="0" err="1"/>
               <a:t>No</a:t>
             </a:r>
             <a:r>
-              <a:rPr lang="de-DE" dirty="0" smtClean="0"/>
+              <a:rPr lang="de-DE" dirty="0"/>
               <a:t>), </a:t>
             </a:r>
           </a:p>
           <a:p>
             <a:pPr lvl="1"/>
             <a:r>
-              <a:rPr lang="de-DE" dirty="0" smtClean="0"/>
+              <a:rPr lang="de-DE" dirty="0"/>
               <a:t>Grade (</a:t>
             </a:r>
             <a:r>
-              <a:rPr lang="de-DE" dirty="0" err="1" smtClean="0"/>
+              <a:rPr lang="de-DE" dirty="0" err="1"/>
               <a:t>average</a:t>
             </a:r>
             <a:r>
-              <a:rPr lang="de-DE" dirty="0" smtClean="0"/>
+              <a:rPr lang="de-DE" dirty="0"/>
               <a:t>, </a:t>
             </a:r>
             <a:r>
-              <a:rPr lang="de-DE" dirty="0" err="1" smtClean="0"/>
+              <a:rPr lang="de-DE" dirty="0" err="1"/>
               <a:t>above</a:t>
             </a:r>
             <a:r>
-              <a:rPr lang="de-DE" dirty="0" smtClean="0"/>
+              <a:rPr lang="de-DE" dirty="0"/>
               <a:t> </a:t>
             </a:r>
             <a:r>
-              <a:rPr lang="de-DE" dirty="0" err="1" smtClean="0"/>
+              <a:rPr lang="de-DE" dirty="0" err="1"/>
               <a:t>average</a:t>
             </a:r>
             <a:r>
-              <a:rPr lang="de-DE" dirty="0" smtClean="0"/>
+              <a:rPr lang="de-DE" dirty="0"/>
               <a:t>), </a:t>
             </a:r>
           </a:p>
           <a:p>
             <a:pPr lvl="1"/>
             <a:r>
-              <a:rPr lang="de-DE" dirty="0" err="1" smtClean="0"/>
+              <a:rPr lang="de-DE" dirty="0" err="1"/>
               <a:t>Floors</a:t>
             </a:r>
             <a:r>
-              <a:rPr lang="de-DE" dirty="0" smtClean="0"/>
+              <a:rPr lang="de-DE" dirty="0"/>
               <a:t> (</a:t>
             </a:r>
             <a:r>
-              <a:rPr lang="de-DE" dirty="0" err="1" smtClean="0"/>
+              <a:rPr lang="de-DE" dirty="0" err="1"/>
               <a:t>one</a:t>
             </a:r>
             <a:r>
-              <a:rPr lang="de-DE" dirty="0" smtClean="0"/>
+              <a:rPr lang="de-DE" dirty="0"/>
               <a:t>, </a:t>
             </a:r>
             <a:r>
-              <a:rPr lang="de-DE" dirty="0" err="1" smtClean="0"/>
+              <a:rPr lang="de-DE" dirty="0" err="1"/>
               <a:t>more</a:t>
             </a:r>
             <a:r>
-              <a:rPr lang="de-DE" dirty="0" smtClean="0"/>
+              <a:rPr lang="de-DE" dirty="0"/>
               <a:t> </a:t>
             </a:r>
             <a:r>
-              <a:rPr lang="de-DE" dirty="0" err="1" smtClean="0"/>
+              <a:rPr lang="de-DE" dirty="0" err="1"/>
               <a:t>than</a:t>
             </a:r>
             <a:r>
-              <a:rPr lang="de-DE" dirty="0" smtClean="0"/>
+              <a:rPr lang="de-DE" dirty="0"/>
               <a:t> </a:t>
             </a:r>
             <a:r>
-              <a:rPr lang="de-DE" dirty="0" err="1" smtClean="0"/>
+              <a:rPr lang="de-DE" dirty="0" err="1"/>
               <a:t>one</a:t>
             </a:r>
             <a:r>
-              <a:rPr lang="de-DE" dirty="0" smtClean="0"/>
+              <a:rPr lang="de-DE" dirty="0"/>
               <a:t>)</a:t>
             </a:r>
-            <a:endParaRPr lang="de-DE" dirty="0"/>
           </a:p>
         </p:txBody>
       </p:sp>
@@ -31438,18 +31251,11 @@
   <p:clrMapOvr>
     <a:masterClrMapping/>
   </p:clrMapOvr>
-  <p:timing>
-    <p:tnLst>
-      <p:par>
-        <p:cTn id="1" dur="indefinite" restart="never" nodeType="tmRoot"/>
-      </p:par>
-    </p:tnLst>
-  </p:timing>
 </p:sld>
 </file>
 
 <file path=ppt/slides/slide8.xml><?xml version="1.0" encoding="utf-8"?>
-<p:sld xmlns:a="http://schemas.openxmlformats.org/drawingml/2006/main" xmlns:r="http://schemas.openxmlformats.org/officeDocument/2006/relationships" xmlns:p="http://schemas.openxmlformats.org/presentationml/2006/main">
+<p:sld xmlns:a="http://schemas.openxmlformats.org/drawingml/2006/main" xmlns:r="http://schemas.openxmlformats.org/officeDocument/2006/relationships" xmlns:p="http://schemas.openxmlformats.org/presentationml/2006/main" showMasterSp="0">
   <p:cSld>
     <p:spTree>
       <p:nvGrpSpPr>
@@ -31470,7 +31276,7 @@
           <p:cNvPr id="3" name="Title 2">
             <a:extLst>
               <a:ext uri="{FF2B5EF4-FFF2-40B4-BE49-F238E27FC236}">
-                <a16:creationId xmlns:a16="http://schemas.microsoft.com/office/drawing/2014/main" xmlns="" id="{2D3A9A61-40C1-4373-90F0-17970C73A1FD}"/>
+                <a16:creationId xmlns:a16="http://schemas.microsoft.com/office/drawing/2014/main" id="{2D3A9A61-40C1-4373-90F0-17970C73A1FD}"/>
               </a:ext>
             </a:extLst>
           </p:cNvPr>
@@ -31487,10 +31293,9 @@
           <a:lstStyle/>
           <a:p>
             <a:r>
-              <a:rPr lang="en-US" dirty="0" smtClean="0"/>
+              <a:rPr lang="en-US" dirty="0"/>
               <a:t>Model Results</a:t>
             </a:r>
-            <a:endParaRPr lang="en-US" dirty="0"/>
           </a:p>
         </p:txBody>
       </p:sp>
@@ -31499,7 +31304,7 @@
           <p:cNvPr id="2" name="Slide Number Placeholder 1">
             <a:extLst>
               <a:ext uri="{FF2B5EF4-FFF2-40B4-BE49-F238E27FC236}">
-                <a16:creationId xmlns:a16="http://schemas.microsoft.com/office/drawing/2014/main" xmlns="" id="{073D4604-0D28-4C2F-B4AA-99E4E723CF92}"/>
+                <a16:creationId xmlns:a16="http://schemas.microsoft.com/office/drawing/2014/main" id="{073D4604-0D28-4C2F-B4AA-99E4E723CF92}"/>
               </a:ext>
             </a:extLst>
           </p:cNvPr>
@@ -31549,10 +31354,34 @@
                 <a:tableStyleId>{5C22544A-7EE6-4342-B048-85BDC9FD1C3A}</a:tableStyleId>
               </a:tblPr>
               <a:tblGrid>
-                <a:gridCol w="1837809"/>
-                <a:gridCol w="1770241"/>
-                <a:gridCol w="1770241"/>
-                <a:gridCol w="1675650"/>
+                <a:gridCol w="1837809">
+                  <a:extLst>
+                    <a:ext uri="{9D8B030D-6E8A-4147-A177-3AD203B41FA5}">
+                      <a16:colId xmlns:a16="http://schemas.microsoft.com/office/drawing/2014/main" val="20000"/>
+                    </a:ext>
+                  </a:extLst>
+                </a:gridCol>
+                <a:gridCol w="1770241">
+                  <a:extLst>
+                    <a:ext uri="{9D8B030D-6E8A-4147-A177-3AD203B41FA5}">
+                      <a16:colId xmlns:a16="http://schemas.microsoft.com/office/drawing/2014/main" val="20001"/>
+                    </a:ext>
+                  </a:extLst>
+                </a:gridCol>
+                <a:gridCol w="1770241">
+                  <a:extLst>
+                    <a:ext uri="{9D8B030D-6E8A-4147-A177-3AD203B41FA5}">
+                      <a16:colId xmlns:a16="http://schemas.microsoft.com/office/drawing/2014/main" val="20002"/>
+                    </a:ext>
+                  </a:extLst>
+                </a:gridCol>
+                <a:gridCol w="1675650">
+                  <a:extLst>
+                    <a:ext uri="{9D8B030D-6E8A-4147-A177-3AD203B41FA5}">
+                      <a16:colId xmlns:a16="http://schemas.microsoft.com/office/drawing/2014/main" val="20003"/>
+                    </a:ext>
+                  </a:extLst>
+                </a:gridCol>
               </a:tblGrid>
               <a:tr h="399378">
                 <a:tc>
@@ -31641,6 +31470,11 @@
                   </a:txBody>
                   <a:tcPr marL="9525" marR="9525" marT="9525" marB="0" anchor="b"/>
                 </a:tc>
+                <a:extLst>
+                  <a:ext uri="{0D108BD9-81ED-4DB2-BD59-A6C34878D82A}">
+                    <a16:rowId xmlns:a16="http://schemas.microsoft.com/office/drawing/2014/main" val="10000"/>
+                  </a:ext>
+                </a:extLst>
               </a:tr>
               <a:tr h="722875">
                 <a:tc>
@@ -31735,6 +31569,11 @@
                   </a:txBody>
                   <a:tcPr marL="9525" marR="9525" marT="9525" marB="0" anchor="b"/>
                 </a:tc>
+                <a:extLst>
+                  <a:ext uri="{0D108BD9-81ED-4DB2-BD59-A6C34878D82A}">
+                    <a16:rowId xmlns:a16="http://schemas.microsoft.com/office/drawing/2014/main" val="10001"/>
+                  </a:ext>
+                </a:extLst>
               </a:tr>
               <a:tr h="722875">
                 <a:tc>
@@ -31829,6 +31668,11 @@
                   </a:txBody>
                   <a:tcPr marL="9525" marR="9525" marT="9525" marB="0" anchor="b"/>
                 </a:tc>
+                <a:extLst>
+                  <a:ext uri="{0D108BD9-81ED-4DB2-BD59-A6C34878D82A}">
+                    <a16:rowId xmlns:a16="http://schemas.microsoft.com/office/drawing/2014/main" val="10002"/>
+                  </a:ext>
+                </a:extLst>
               </a:tr>
             </a:tbl>
           </a:graphicData>
@@ -31885,13 +31729,6 @@
   <p:clrMapOvr>
     <a:masterClrMapping/>
   </p:clrMapOvr>
-  <p:timing>
-    <p:tnLst>
-      <p:par>
-        <p:cTn id="1" dur="indefinite" restart="never" nodeType="tmRoot"/>
-      </p:par>
-    </p:tnLst>
-  </p:timing>
 </p:sld>
 </file>
 
@@ -31987,13 +31824,6 @@
   <p:clrMapOvr>
     <a:masterClrMapping/>
   </p:clrMapOvr>
-  <p:timing>
-    <p:tnLst>
-      <p:par>
-        <p:cTn id="1" dur="indefinite" restart="never" nodeType="tmRoot"/>
-      </p:par>
-    </p:tnLst>
-  </p:timing>
 </p:sld>
 </file>
 
@@ -32192,7 +32022,7 @@
   <a:extraClrSchemeLst/>
   <a:extLst>
     <a:ext uri="{05A4C25C-085E-4340-85A3-A5531E510DB2}">
-      <thm15:themeFamily xmlns:thm15="http://schemas.microsoft.com/office/thememl/2012/main" xmlns="" name="TF66687569_Modern blue presentation_AAS_v5" id="{C7B59113-CD15-4341-96CA-86E715D5BE98}" vid="{5A8FDAEB-3DF3-4B3C-A708-49813F8D6F85}"/>
+      <thm15:themeFamily xmlns:thm15="http://schemas.microsoft.com/office/thememl/2012/main" name="TF66687569_Modern blue presentation_AAS_v5" id="{C7B59113-CD15-4341-96CA-86E715D5BE98}" vid="{5A8FDAEB-3DF3-4B3C-A708-49813F8D6F85}"/>
     </a:ext>
   </a:extLst>
 </a:theme>
@@ -32487,7 +32317,7 @@
   <a:extraClrSchemeLst/>
   <a:extLst>
     <a:ext uri="{05A4C25C-085E-4340-85A3-A5531E510DB2}">
-      <thm15:themeFamily xmlns:thm15="http://schemas.microsoft.com/office/thememl/2012/main" xmlns="" name="Office Theme" id="{62F939B6-93AF-4DB8-9C6B-D6C7DFDC589F}" vid="{4A3C46E8-61CC-4603-A589-7422A47A8E4A}"/>
+      <thm15:themeFamily xmlns:thm15="http://schemas.microsoft.com/office/thememl/2012/main" name="Office Theme" id="{62F939B6-93AF-4DB8-9C6B-D6C7DFDC589F}" vid="{4A3C46E8-61CC-4603-A589-7422A47A8E4A}"/>
     </a:ext>
   </a:extLst>
 </a:theme>
@@ -32782,27 +32612,27 @@
   <a:extraClrSchemeLst/>
   <a:extLst>
     <a:ext uri="{05A4C25C-085E-4340-85A3-A5531E510DB2}">
-      <thm15:themeFamily xmlns:thm15="http://schemas.microsoft.com/office/thememl/2012/main" xmlns="" name="Office Theme" id="{62F939B6-93AF-4DB8-9C6B-D6C7DFDC589F}" vid="{4A3C46E8-61CC-4603-A589-7422A47A8E4A}"/>
+      <thm15:themeFamily xmlns:thm15="http://schemas.microsoft.com/office/thememl/2012/main" name="Office Theme" id="{62F939B6-93AF-4DB8-9C6B-D6C7DFDC589F}" vid="{4A3C46E8-61CC-4603-A589-7422A47A8E4A}"/>
     </a:ext>
   </a:extLst>
 </a:theme>
 </file>
 
 <file path=customXml/item1.xml><?xml version="1.0" encoding="utf-8"?>
-<p:properties xmlns:p="http://schemas.microsoft.com/office/2006/metadata/properties" xmlns:xsi="http://www.w3.org/2001/XMLSchema-instance" xmlns:pc="http://schemas.microsoft.com/office/infopath/2007/PartnerControls">
-  <documentManagement>
-    <MediaServiceKeyPoints xmlns="71af3243-3dd4-4a8d-8c0d-dd76da1f02a5" xsi:nil="true"/>
-  </documentManagement>
-</p:properties>
-</file>
-
-<file path=customXml/item2.xml><?xml version="1.0" encoding="utf-8"?>
 <?mso-contentType ?>
 <FormTemplates xmlns="http://schemas.microsoft.com/sharepoint/v3/contenttype/forms">
   <Display>DocumentLibraryForm</Display>
   <Edit>DocumentLibraryForm</Edit>
   <New>DocumentLibraryForm</New>
 </FormTemplates>
+</file>
+
+<file path=customXml/item2.xml><?xml version="1.0" encoding="utf-8"?>
+<p:properties xmlns:p="http://schemas.microsoft.com/office/2006/metadata/properties" xmlns:xsi="http://www.w3.org/2001/XMLSchema-instance" xmlns:pc="http://schemas.microsoft.com/office/infopath/2007/PartnerControls">
+  <documentManagement>
+    <MediaServiceKeyPoints xmlns="71af3243-3dd4-4a8d-8c0d-dd76da1f02a5" xsi:nil="true"/>
+  </documentManagement>
+</p:properties>
 </file>
 
 <file path=customXml/item3.xml><?xml version="1.0" encoding="utf-8"?>
@@ -33017,6 +32847,14 @@
 </file>
 
 <file path=customXml/itemProps1.xml><?xml version="1.0" encoding="utf-8"?>
+<ds:datastoreItem xmlns:ds="http://schemas.openxmlformats.org/officeDocument/2006/customXml" ds:itemID="{5B26E0C9-B2AA-42E6-97B6-E1B7D9EAF129}">
+  <ds:schemaRefs>
+    <ds:schemaRef ds:uri="http://schemas.microsoft.com/sharepoint/v3/contenttype/forms"/>
+  </ds:schemaRefs>
+</ds:datastoreItem>
+</file>
+
+<file path=customXml/itemProps2.xml><?xml version="1.0" encoding="utf-8"?>
 <ds:datastoreItem xmlns:ds="http://schemas.openxmlformats.org/officeDocument/2006/customXml" ds:itemID="{F5757914-1161-4661-9696-421FD6935CDD}">
   <ds:schemaRefs>
     <ds:schemaRef ds:uri="http://purl.org/dc/terms/"/>
@@ -33029,14 +32867,6 @@
     <ds:schemaRef ds:uri="http://schemas.openxmlformats.org/package/2006/metadata/core-properties"/>
     <ds:schemaRef ds:uri="http://purl.org/dc/dcmitype/"/>
     <ds:schemaRef ds:uri="http://purl.org/dc/elements/1.1/"/>
-  </ds:schemaRefs>
-</ds:datastoreItem>
-</file>
-
-<file path=customXml/itemProps2.xml><?xml version="1.0" encoding="utf-8"?>
-<ds:datastoreItem xmlns:ds="http://schemas.openxmlformats.org/officeDocument/2006/customXml" ds:itemID="{5B26E0C9-B2AA-42E6-97B6-E1B7D9EAF129}">
-  <ds:schemaRefs>
-    <ds:schemaRef ds:uri="http://schemas.microsoft.com/sharepoint/v3/contenttype/forms"/>
   </ds:schemaRefs>
 </ds:datastoreItem>
 </file>

--- a/Final PresentationKC.pptx
+++ b/Final PresentationKC.pptx
@@ -150,7 +150,7 @@
 <p1510:revInfo xmlns:a="http://schemas.openxmlformats.org/drawingml/2006/main" xmlns:r="http://schemas.openxmlformats.org/officeDocument/2006/relationships" xmlns:p1510="http://schemas.microsoft.com/office/powerpoint/2015/10/main">
   <p1510:revLst>
     <p1510:client id="{B835A7A6-C4BB-466B-A959-DB40C8A01768}" v="28" dt="2022-04-22T04:13:53.421"/>
-    <p1510:client id="{B8861D86-264A-4092-B75B-201D0E8D64F7}" v="1" dt="2022-04-22T12:26:18.892"/>
+    <p1510:client id="{B8861D86-264A-4092-B75B-201D0E8D64F7}" v="2" dt="2022-04-22T12:28:18.791"/>
   </p1510:revLst>
 </p1510:revInfo>
 </file>
@@ -160,16 +160,24 @@
   <pc:docChgLst>
     <pc:chgData name="Elizabeth Shogbanmu" userId="1162257865d60e53" providerId="LiveId" clId="{B8861D86-264A-4092-B75B-201D0E8D64F7}"/>
     <pc:docChg chg="custSel modSld">
-      <pc:chgData name="Elizabeth Shogbanmu" userId="1162257865d60e53" providerId="LiveId" clId="{B8861D86-264A-4092-B75B-201D0E8D64F7}" dt="2022-04-22T11:38:25.897" v="769" actId="20577"/>
+      <pc:chgData name="Elizabeth Shogbanmu" userId="1162257865d60e53" providerId="LiveId" clId="{B8861D86-264A-4092-B75B-201D0E8D64F7}" dt="2022-04-22T12:29:02.807" v="770" actId="20577"/>
       <pc:docMkLst>
         <pc:docMk/>
       </pc:docMkLst>
       <pc:sldChg chg="modSp mod">
-        <pc:chgData name="Elizabeth Shogbanmu" userId="1162257865d60e53" providerId="LiveId" clId="{B8861D86-264A-4092-B75B-201D0E8D64F7}" dt="2022-04-22T11:38:25.897" v="769" actId="20577"/>
+        <pc:chgData name="Elizabeth Shogbanmu" userId="1162257865d60e53" providerId="LiveId" clId="{B8861D86-264A-4092-B75B-201D0E8D64F7}" dt="2022-04-22T12:29:02.807" v="770" actId="20577"/>
         <pc:sldMkLst>
           <pc:docMk/>
           <pc:sldMk cId="3607270498" sldId="261"/>
         </pc:sldMkLst>
+        <pc:spChg chg="mod">
+          <ac:chgData name="Elizabeth Shogbanmu" userId="1162257865d60e53" providerId="LiveId" clId="{B8861D86-264A-4092-B75B-201D0E8D64F7}" dt="2022-04-22T12:29:02.807" v="770" actId="20577"/>
+          <ac:spMkLst>
+            <pc:docMk/>
+            <pc:sldMk cId="3607270498" sldId="261"/>
+            <ac:spMk id="4" creationId="{315E3981-F0D7-482C-A8E0-6A57700BECA7}"/>
+          </ac:spMkLst>
+        </pc:spChg>
         <pc:spChg chg="mod">
           <ac:chgData name="Elizabeth Shogbanmu" userId="1162257865d60e53" providerId="LiveId" clId="{B8861D86-264A-4092-B75B-201D0E8D64F7}" dt="2022-04-22T10:54:01.252" v="1" actId="14100"/>
           <ac:spMkLst>
@@ -30469,10 +30477,7 @@
           <a:bodyPr/>
           <a:lstStyle/>
           <a:p>
-            <a:r>
-              <a:rPr lang="en-US" dirty="0"/>
-              <a:t>Content Title 02</a:t>
-            </a:r>
+            <a:endParaRPr lang="en-US" dirty="0"/>
           </a:p>
         </p:txBody>
       </p:sp>
@@ -31733,7 +31738,7 @@
 </file>
 
 <file path=ppt/slides/slide9.xml><?xml version="1.0" encoding="utf-8"?>
-<p:sld xmlns:a="http://schemas.openxmlformats.org/drawingml/2006/main" xmlns:r="http://schemas.openxmlformats.org/officeDocument/2006/relationships" xmlns:p="http://schemas.openxmlformats.org/presentationml/2006/main">
+<p:sld xmlns:a="http://schemas.openxmlformats.org/drawingml/2006/main" xmlns:r="http://schemas.openxmlformats.org/officeDocument/2006/relationships" xmlns:p="http://schemas.openxmlformats.org/presentationml/2006/main" showMasterSp="0">
   <p:cSld>
     <p:spTree>
       <p:nvGrpSpPr>
@@ -32619,20 +32624,20 @@
 </file>
 
 <file path=customXml/item1.xml><?xml version="1.0" encoding="utf-8"?>
+<p:properties xmlns:p="http://schemas.microsoft.com/office/2006/metadata/properties" xmlns:xsi="http://www.w3.org/2001/XMLSchema-instance" xmlns:pc="http://schemas.microsoft.com/office/infopath/2007/PartnerControls">
+  <documentManagement>
+    <MediaServiceKeyPoints xmlns="71af3243-3dd4-4a8d-8c0d-dd76da1f02a5" xsi:nil="true"/>
+  </documentManagement>
+</p:properties>
+</file>
+
+<file path=customXml/item2.xml><?xml version="1.0" encoding="utf-8"?>
 <?mso-contentType ?>
 <FormTemplates xmlns="http://schemas.microsoft.com/sharepoint/v3/contenttype/forms">
   <Display>DocumentLibraryForm</Display>
   <Edit>DocumentLibraryForm</Edit>
   <New>DocumentLibraryForm</New>
 </FormTemplates>
-</file>
-
-<file path=customXml/item2.xml><?xml version="1.0" encoding="utf-8"?>
-<p:properties xmlns:p="http://schemas.microsoft.com/office/2006/metadata/properties" xmlns:xsi="http://www.w3.org/2001/XMLSchema-instance" xmlns:pc="http://schemas.microsoft.com/office/infopath/2007/PartnerControls">
-  <documentManagement>
-    <MediaServiceKeyPoints xmlns="71af3243-3dd4-4a8d-8c0d-dd76da1f02a5" xsi:nil="true"/>
-  </documentManagement>
-</p:properties>
 </file>
 
 <file path=customXml/item3.xml><?xml version="1.0" encoding="utf-8"?>
@@ -32847,14 +32852,6 @@
 </file>
 
 <file path=customXml/itemProps1.xml><?xml version="1.0" encoding="utf-8"?>
-<ds:datastoreItem xmlns:ds="http://schemas.openxmlformats.org/officeDocument/2006/customXml" ds:itemID="{5B26E0C9-B2AA-42E6-97B6-E1B7D9EAF129}">
-  <ds:schemaRefs>
-    <ds:schemaRef ds:uri="http://schemas.microsoft.com/sharepoint/v3/contenttype/forms"/>
-  </ds:schemaRefs>
-</ds:datastoreItem>
-</file>
-
-<file path=customXml/itemProps2.xml><?xml version="1.0" encoding="utf-8"?>
 <ds:datastoreItem xmlns:ds="http://schemas.openxmlformats.org/officeDocument/2006/customXml" ds:itemID="{F5757914-1161-4661-9696-421FD6935CDD}">
   <ds:schemaRefs>
     <ds:schemaRef ds:uri="http://purl.org/dc/terms/"/>
@@ -32867,6 +32864,14 @@
     <ds:schemaRef ds:uri="http://schemas.openxmlformats.org/package/2006/metadata/core-properties"/>
     <ds:schemaRef ds:uri="http://purl.org/dc/dcmitype/"/>
     <ds:schemaRef ds:uri="http://purl.org/dc/elements/1.1/"/>
+  </ds:schemaRefs>
+</ds:datastoreItem>
+</file>
+
+<file path=customXml/itemProps2.xml><?xml version="1.0" encoding="utf-8"?>
+<ds:datastoreItem xmlns:ds="http://schemas.openxmlformats.org/officeDocument/2006/customXml" ds:itemID="{5B26E0C9-B2AA-42E6-97B6-E1B7D9EAF129}">
+  <ds:schemaRefs>
+    <ds:schemaRef ds:uri="http://schemas.microsoft.com/sharepoint/v3/contenttype/forms"/>
   </ds:schemaRefs>
 </ds:datastoreItem>
 </file>

--- a/Final PresentationKC.pptx
+++ b/Final PresentationKC.pptx
@@ -127,7 +127,7 @@
   </p:defaultTextStyle>
   <p:extLst>
     <p:ext uri="{EFAFB233-063F-42B5-8137-9DF3F51BA10A}">
-      <p15:sldGuideLst xmlns:p15="http://schemas.microsoft.com/office/powerpoint/2012/main" xmlns="">
+      <p15:sldGuideLst xmlns="" xmlns:p15="http://schemas.microsoft.com/office/powerpoint/2012/main">
         <p15:guide id="1" orient="horz" pos="2160" userDrawn="1">
           <p15:clr>
             <a:srgbClr val="A4A3A4"/>
@@ -141,7 +141,7 @@
       </p15:sldGuideLst>
     </p:ext>
     <p:ext uri="{2D200454-40CA-4A62-9FC3-DE9A4176ACB9}">
-      <p15:notesGuideLst xmlns:p15="http://schemas.microsoft.com/office/powerpoint/2012/main" xmlns=""/>
+      <p15:notesGuideLst xmlns="" xmlns:p15="http://schemas.microsoft.com/office/powerpoint/2012/main"/>
     </p:ext>
   </p:extLst>
 </p:presentation>
@@ -3304,7 +3304,7 @@
           <p:cNvPr id="2" name="Header Placeholder 1">
             <a:extLst>
               <a:ext uri="{FF2B5EF4-FFF2-40B4-BE49-F238E27FC236}">
-                <a16:creationId xmlns:a16="http://schemas.microsoft.com/office/drawing/2014/main" xmlns="" id="{E62FF6B6-4F8A-40F7-B5F4-FC3996824D73}"/>
+                <a16:creationId xmlns="" xmlns:a16="http://schemas.microsoft.com/office/drawing/2014/main" id="{E62FF6B6-4F8A-40F7-B5F4-FC3996824D73}"/>
               </a:ext>
             </a:extLst>
           </p:cNvPr>
@@ -3341,7 +3341,7 @@
           <p:cNvPr id="3" name="Date Placeholder 2">
             <a:extLst>
               <a:ext uri="{FF2B5EF4-FFF2-40B4-BE49-F238E27FC236}">
-                <a16:creationId xmlns:a16="http://schemas.microsoft.com/office/drawing/2014/main" xmlns="" id="{8910A999-F365-48DF-976A-0517FE045440}"/>
+                <a16:creationId xmlns="" xmlns:a16="http://schemas.microsoft.com/office/drawing/2014/main" id="{8910A999-F365-48DF-976A-0517FE045440}"/>
               </a:ext>
             </a:extLst>
           </p:cNvPr>
@@ -3382,7 +3382,7 @@
           <p:cNvPr id="4" name="Footer Placeholder 3">
             <a:extLst>
               <a:ext uri="{FF2B5EF4-FFF2-40B4-BE49-F238E27FC236}">
-                <a16:creationId xmlns:a16="http://schemas.microsoft.com/office/drawing/2014/main" xmlns="" id="{F8735C90-ADBF-4B9E-BE88-E1C8F83EB4D2}"/>
+                <a16:creationId xmlns="" xmlns:a16="http://schemas.microsoft.com/office/drawing/2014/main" id="{F8735C90-ADBF-4B9E-BE88-E1C8F83EB4D2}"/>
               </a:ext>
             </a:extLst>
           </p:cNvPr>
@@ -3419,7 +3419,7 @@
           <p:cNvPr id="5" name="Slide Number Placeholder 4">
             <a:extLst>
               <a:ext uri="{FF2B5EF4-FFF2-40B4-BE49-F238E27FC236}">
-                <a16:creationId xmlns:a16="http://schemas.microsoft.com/office/drawing/2014/main" xmlns="" id="{82506A01-6D0A-45EF-A584-05A3361D66F7}"/>
+                <a16:creationId xmlns="" xmlns:a16="http://schemas.microsoft.com/office/drawing/2014/main" id="{82506A01-6D0A-45EF-A584-05A3361D66F7}"/>
               </a:ext>
             </a:extLst>
           </p:cNvPr>
@@ -3837,7 +3837,7 @@
           <p:cNvPr id="21" name="Rectangle 20">
             <a:extLst>
               <a:ext uri="{FF2B5EF4-FFF2-40B4-BE49-F238E27FC236}">
-                <a16:creationId xmlns:a16="http://schemas.microsoft.com/office/drawing/2014/main" xmlns="" id="{6E739168-A5E8-443A-B392-7AD4CF8977AD}"/>
+                <a16:creationId xmlns="" xmlns:a16="http://schemas.microsoft.com/office/drawing/2014/main" id="{6E739168-A5E8-443A-B392-7AD4CF8977AD}"/>
               </a:ext>
             </a:extLst>
           </p:cNvPr>
@@ -3889,7 +3889,7 @@
           <p:cNvPr id="7" name="Group 6">
             <a:extLst>
               <a:ext uri="{FF2B5EF4-FFF2-40B4-BE49-F238E27FC236}">
-                <a16:creationId xmlns:a16="http://schemas.microsoft.com/office/drawing/2014/main" xmlns="" id="{4CA15AFD-4983-47DD-9ED0-D3B27E5A096F}"/>
+                <a16:creationId xmlns="" xmlns:a16="http://schemas.microsoft.com/office/drawing/2014/main" id="{4CA15AFD-4983-47DD-9ED0-D3B27E5A096F}"/>
               </a:ext>
             </a:extLst>
           </p:cNvPr>
@@ -3909,7 +3909,7 @@
             <p:cNvPr id="8" name="Group 7">
               <a:extLst>
                 <a:ext uri="{FF2B5EF4-FFF2-40B4-BE49-F238E27FC236}">
-                  <a16:creationId xmlns:a16="http://schemas.microsoft.com/office/drawing/2014/main" xmlns="" id="{2222D5E2-E9B4-4180-98B8-4E514C9ADB28}"/>
+                  <a16:creationId xmlns="" xmlns:a16="http://schemas.microsoft.com/office/drawing/2014/main" id="{2222D5E2-E9B4-4180-98B8-4E514C9ADB28}"/>
                 </a:ext>
               </a:extLst>
             </p:cNvPr>
@@ -3929,7 +3929,7 @@
               <p:cNvPr id="15" name="Freeform: Shape 14">
                 <a:extLst>
                   <a:ext uri="{FF2B5EF4-FFF2-40B4-BE49-F238E27FC236}">
-                    <a16:creationId xmlns:a16="http://schemas.microsoft.com/office/drawing/2014/main" xmlns="" id="{41E10E1E-5268-4F03-BA64-07E19DE26739}"/>
+                    <a16:creationId xmlns="" xmlns:a16="http://schemas.microsoft.com/office/drawing/2014/main" id="{41E10E1E-5268-4F03-BA64-07E19DE26739}"/>
                   </a:ext>
                 </a:extLst>
               </p:cNvPr>
@@ -4066,7 +4066,7 @@
               <p:cNvPr id="16" name="Freeform: Shape 15">
                 <a:extLst>
                   <a:ext uri="{FF2B5EF4-FFF2-40B4-BE49-F238E27FC236}">
-                    <a16:creationId xmlns:a16="http://schemas.microsoft.com/office/drawing/2014/main" xmlns="" id="{B989C45D-BDFF-418F-BE79-03FF70015770}"/>
+                    <a16:creationId xmlns="" xmlns:a16="http://schemas.microsoft.com/office/drawing/2014/main" id="{B989C45D-BDFF-418F-BE79-03FF70015770}"/>
                   </a:ext>
                 </a:extLst>
               </p:cNvPr>
@@ -4230,7 +4230,7 @@
               <p:cNvPr id="17" name="Right Triangle 16">
                 <a:extLst>
                   <a:ext uri="{FF2B5EF4-FFF2-40B4-BE49-F238E27FC236}">
-                    <a16:creationId xmlns:a16="http://schemas.microsoft.com/office/drawing/2014/main" xmlns="" id="{8DCD5806-2A2F-4ABF-8057-245681C498E6}"/>
+                    <a16:creationId xmlns="" xmlns:a16="http://schemas.microsoft.com/office/drawing/2014/main" id="{8DCD5806-2A2F-4ABF-8057-245681C498E6}"/>
                   </a:ext>
                 </a:extLst>
               </p:cNvPr>
@@ -4284,7 +4284,7 @@
               <p:cNvPr id="18" name="Right Triangle 17">
                 <a:extLst>
                   <a:ext uri="{FF2B5EF4-FFF2-40B4-BE49-F238E27FC236}">
-                    <a16:creationId xmlns:a16="http://schemas.microsoft.com/office/drawing/2014/main" xmlns="" id="{3A93038F-E9E4-4FFD-B3DF-28DB7C2C1490}"/>
+                    <a16:creationId xmlns="" xmlns:a16="http://schemas.microsoft.com/office/drawing/2014/main" id="{3A93038F-E9E4-4FFD-B3DF-28DB7C2C1490}"/>
                   </a:ext>
                 </a:extLst>
               </p:cNvPr>
@@ -4341,7 +4341,7 @@
               <p:cNvPr id="19" name="Right Triangle 18">
                 <a:extLst>
                   <a:ext uri="{FF2B5EF4-FFF2-40B4-BE49-F238E27FC236}">
-                    <a16:creationId xmlns:a16="http://schemas.microsoft.com/office/drawing/2014/main" xmlns="" id="{5DEA1E02-BBD0-4AE3-AF22-433B90272178}"/>
+                    <a16:creationId xmlns="" xmlns:a16="http://schemas.microsoft.com/office/drawing/2014/main" id="{5DEA1E02-BBD0-4AE3-AF22-433B90272178}"/>
                   </a:ext>
                 </a:extLst>
               </p:cNvPr>
@@ -4395,7 +4395,7 @@
               <p:cNvPr id="20" name="Freeform: Shape 19">
                 <a:extLst>
                   <a:ext uri="{FF2B5EF4-FFF2-40B4-BE49-F238E27FC236}">
-                    <a16:creationId xmlns:a16="http://schemas.microsoft.com/office/drawing/2014/main" xmlns="" id="{0027A677-9ACB-4264-B148-4806678FB83F}"/>
+                    <a16:creationId xmlns="" xmlns:a16="http://schemas.microsoft.com/office/drawing/2014/main" id="{0027A677-9ACB-4264-B148-4806678FB83F}"/>
                   </a:ext>
                 </a:extLst>
               </p:cNvPr>
@@ -4558,7 +4558,7 @@
             <p:cNvPr id="9" name="Freeform: Shape 12">
               <a:extLst>
                 <a:ext uri="{FF2B5EF4-FFF2-40B4-BE49-F238E27FC236}">
-                  <a16:creationId xmlns:a16="http://schemas.microsoft.com/office/drawing/2014/main" xmlns="" id="{E3AAB79D-382D-4A95-965E-526B6A681DA7}"/>
+                  <a16:creationId xmlns="" xmlns:a16="http://schemas.microsoft.com/office/drawing/2014/main" id="{E3AAB79D-382D-4A95-965E-526B6A681DA7}"/>
                 </a:ext>
               </a:extLst>
             </p:cNvPr>
@@ -4648,7 +4648,7 @@
             <p:cNvPr id="10" name="Freeform: Shape 9">
               <a:extLst>
                 <a:ext uri="{FF2B5EF4-FFF2-40B4-BE49-F238E27FC236}">
-                  <a16:creationId xmlns:a16="http://schemas.microsoft.com/office/drawing/2014/main" xmlns="" id="{C0A22127-2B4A-4B15-B0A9-F019A30347A1}"/>
+                  <a16:creationId xmlns="" xmlns:a16="http://schemas.microsoft.com/office/drawing/2014/main" id="{C0A22127-2B4A-4B15-B0A9-F019A30347A1}"/>
                 </a:ext>
               </a:extLst>
             </p:cNvPr>
@@ -4751,7 +4751,7 @@
             <p:cNvPr id="11" name="Freeform: Shape 12">
               <a:extLst>
                 <a:ext uri="{FF2B5EF4-FFF2-40B4-BE49-F238E27FC236}">
-                  <a16:creationId xmlns:a16="http://schemas.microsoft.com/office/drawing/2014/main" xmlns="" id="{F04D9FDC-1B67-4254-9535-CD32E81F0C3E}"/>
+                  <a16:creationId xmlns="" xmlns:a16="http://schemas.microsoft.com/office/drawing/2014/main" id="{F04D9FDC-1B67-4254-9535-CD32E81F0C3E}"/>
                 </a:ext>
               </a:extLst>
             </p:cNvPr>
@@ -4849,7 +4849,7 @@
             <p:cNvPr id="12" name="Group 11">
               <a:extLst>
                 <a:ext uri="{FF2B5EF4-FFF2-40B4-BE49-F238E27FC236}">
-                  <a16:creationId xmlns:a16="http://schemas.microsoft.com/office/drawing/2014/main" xmlns="" id="{0A86C4EA-4CF8-4531-845D-4FCB1E2F7422}"/>
+                  <a16:creationId xmlns="" xmlns:a16="http://schemas.microsoft.com/office/drawing/2014/main" id="{0A86C4EA-4CF8-4531-845D-4FCB1E2F7422}"/>
                 </a:ext>
               </a:extLst>
             </p:cNvPr>
@@ -4869,7 +4869,7 @@
               <p:cNvPr id="13" name="Freeform: Shape 12">
                 <a:extLst>
                   <a:ext uri="{FF2B5EF4-FFF2-40B4-BE49-F238E27FC236}">
-                    <a16:creationId xmlns:a16="http://schemas.microsoft.com/office/drawing/2014/main" xmlns="" id="{1101B195-C112-4D20-8D19-4D22479B150D}"/>
+                    <a16:creationId xmlns="" xmlns:a16="http://schemas.microsoft.com/office/drawing/2014/main" id="{1101B195-C112-4D20-8D19-4D22479B150D}"/>
                   </a:ext>
                 </a:extLst>
               </p:cNvPr>
@@ -4959,7 +4959,7 @@
               <p:cNvPr id="14" name="Freeform: Shape 12">
                 <a:extLst>
                   <a:ext uri="{FF2B5EF4-FFF2-40B4-BE49-F238E27FC236}">
-                    <a16:creationId xmlns:a16="http://schemas.microsoft.com/office/drawing/2014/main" xmlns="" id="{CA755F1F-9955-4CBB-8F34-F7801CA44CE7}"/>
+                    <a16:creationId xmlns="" xmlns:a16="http://schemas.microsoft.com/office/drawing/2014/main" id="{CA755F1F-9955-4CBB-8F34-F7801CA44CE7}"/>
                   </a:ext>
                 </a:extLst>
               </p:cNvPr>
@@ -5059,7 +5059,7 @@
           <p:cNvPr id="2" name="Title 1">
             <a:extLst>
               <a:ext uri="{FF2B5EF4-FFF2-40B4-BE49-F238E27FC236}">
-                <a16:creationId xmlns:a16="http://schemas.microsoft.com/office/drawing/2014/main" xmlns="" id="{9E597736-C478-4C26-9BAF-205FE31E977C}"/>
+                <a16:creationId xmlns="" xmlns:a16="http://schemas.microsoft.com/office/drawing/2014/main" id="{9E597736-C478-4C26-9BAF-205FE31E977C}"/>
               </a:ext>
             </a:extLst>
           </p:cNvPr>
@@ -5106,7 +5106,7 @@
           <p:cNvPr id="3" name="Subtitle 2">
             <a:extLst>
               <a:ext uri="{FF2B5EF4-FFF2-40B4-BE49-F238E27FC236}">
-                <a16:creationId xmlns:a16="http://schemas.microsoft.com/office/drawing/2014/main" xmlns="" id="{C3D2DEF0-A0B0-4CFE-B67D-A9D75E2368DC}"/>
+                <a16:creationId xmlns="" xmlns:a16="http://schemas.microsoft.com/office/drawing/2014/main" id="{C3D2DEF0-A0B0-4CFE-B67D-A9D75E2368DC}"/>
               </a:ext>
             </a:extLst>
           </p:cNvPr>
@@ -5191,7 +5191,7 @@
           <p:cNvPr id="11" name="Rectangle 10">
             <a:extLst>
               <a:ext uri="{FF2B5EF4-FFF2-40B4-BE49-F238E27FC236}">
-                <a16:creationId xmlns:a16="http://schemas.microsoft.com/office/drawing/2014/main" xmlns="" id="{EB3E033F-4449-40FA-BC85-BD2712D313DD}"/>
+                <a16:creationId xmlns="" xmlns:a16="http://schemas.microsoft.com/office/drawing/2014/main" id="{EB3E033F-4449-40FA-BC85-BD2712D313DD}"/>
               </a:ext>
             </a:extLst>
           </p:cNvPr>
@@ -5245,7 +5245,7 @@
           <p:cNvPr id="10" name="Freeform: Shape 9">
             <a:extLst>
               <a:ext uri="{FF2B5EF4-FFF2-40B4-BE49-F238E27FC236}">
-                <a16:creationId xmlns:a16="http://schemas.microsoft.com/office/drawing/2014/main" xmlns="" id="{63D26743-0505-444C-80B3-E88EE87DF72B}"/>
+                <a16:creationId xmlns="" xmlns:a16="http://schemas.microsoft.com/office/drawing/2014/main" id="{63D26743-0505-444C-80B3-E88EE87DF72B}"/>
               </a:ext>
             </a:extLst>
           </p:cNvPr>
@@ -5368,7 +5368,7 @@
           <p:cNvPr id="18" name="Freeform: Shape 17">
             <a:extLst>
               <a:ext uri="{FF2B5EF4-FFF2-40B4-BE49-F238E27FC236}">
-                <a16:creationId xmlns:a16="http://schemas.microsoft.com/office/drawing/2014/main" xmlns="" id="{E37145E9-AC61-47D5-9288-8789940F81B6}"/>
+                <a16:creationId xmlns="" xmlns:a16="http://schemas.microsoft.com/office/drawing/2014/main" id="{E37145E9-AC61-47D5-9288-8789940F81B6}"/>
               </a:ext>
             </a:extLst>
           </p:cNvPr>
@@ -5520,7 +5520,7 @@
           <p:cNvPr id="12" name="Freeform: Shape 11">
             <a:extLst>
               <a:ext uri="{FF2B5EF4-FFF2-40B4-BE49-F238E27FC236}">
-                <a16:creationId xmlns:a16="http://schemas.microsoft.com/office/drawing/2014/main" xmlns="" id="{A5E2B3ED-9A49-40A7-B8A3-62595FE513F9}"/>
+                <a16:creationId xmlns="" xmlns:a16="http://schemas.microsoft.com/office/drawing/2014/main" id="{A5E2B3ED-9A49-40A7-B8A3-62595FE513F9}"/>
               </a:ext>
             </a:extLst>
           </p:cNvPr>
@@ -5670,7 +5670,7 @@
           <p:cNvPr id="8" name="Freeform: Shape 7">
             <a:extLst>
               <a:ext uri="{FF2B5EF4-FFF2-40B4-BE49-F238E27FC236}">
-                <a16:creationId xmlns:a16="http://schemas.microsoft.com/office/drawing/2014/main" xmlns="" id="{1599AF7E-3E34-4597-AA72-9373A7FDB020}"/>
+                <a16:creationId xmlns="" xmlns:a16="http://schemas.microsoft.com/office/drawing/2014/main" id="{1599AF7E-3E34-4597-AA72-9373A7FDB020}"/>
               </a:ext>
             </a:extLst>
           </p:cNvPr>
@@ -5816,7 +5816,7 @@
           <p:cNvPr id="2" name="Title 1">
             <a:extLst>
               <a:ext uri="{FF2B5EF4-FFF2-40B4-BE49-F238E27FC236}">
-                <a16:creationId xmlns:a16="http://schemas.microsoft.com/office/drawing/2014/main" xmlns="" id="{4A2DF563-7FAC-46B3-B24C-7E45CD89DA2B}"/>
+                <a16:creationId xmlns="" xmlns:a16="http://schemas.microsoft.com/office/drawing/2014/main" id="{4A2DF563-7FAC-46B3-B24C-7E45CD89DA2B}"/>
               </a:ext>
             </a:extLst>
           </p:cNvPr>
@@ -5861,7 +5861,7 @@
           <p:cNvPr id="15" name="Group 14">
             <a:extLst>
               <a:ext uri="{FF2B5EF4-FFF2-40B4-BE49-F238E27FC236}">
-                <a16:creationId xmlns:a16="http://schemas.microsoft.com/office/drawing/2014/main" xmlns="" id="{7732E1E7-45E3-4264-8F26-66758696DD1E}"/>
+                <a16:creationId xmlns="" xmlns:a16="http://schemas.microsoft.com/office/drawing/2014/main" id="{7732E1E7-45E3-4264-8F26-66758696DD1E}"/>
               </a:ext>
             </a:extLst>
           </p:cNvPr>
@@ -5881,7 +5881,7 @@
             <p:cNvPr id="16" name="Freeform: Shape 15">
               <a:extLst>
                 <a:ext uri="{FF2B5EF4-FFF2-40B4-BE49-F238E27FC236}">
-                  <a16:creationId xmlns:a16="http://schemas.microsoft.com/office/drawing/2014/main" xmlns="" id="{2E3DF883-8093-49FA-81E1-E5D77F086A25}"/>
+                  <a16:creationId xmlns="" xmlns:a16="http://schemas.microsoft.com/office/drawing/2014/main" id="{2E3DF883-8093-49FA-81E1-E5D77F086A25}"/>
                 </a:ext>
               </a:extLst>
             </p:cNvPr>
@@ -5971,7 +5971,7 @@
             <p:cNvPr id="17" name="Freeform: Shape 16">
               <a:extLst>
                 <a:ext uri="{FF2B5EF4-FFF2-40B4-BE49-F238E27FC236}">
-                  <a16:creationId xmlns:a16="http://schemas.microsoft.com/office/drawing/2014/main" xmlns="" id="{18944C90-37E5-4BBE-89FF-060627168050}"/>
+                  <a16:creationId xmlns="" xmlns:a16="http://schemas.microsoft.com/office/drawing/2014/main" id="{18944C90-37E5-4BBE-89FF-060627168050}"/>
                 </a:ext>
               </a:extLst>
             </p:cNvPr>
@@ -6070,7 +6070,7 @@
           <p:cNvPr id="6" name="Group 5">
             <a:extLst>
               <a:ext uri="{FF2B5EF4-FFF2-40B4-BE49-F238E27FC236}">
-                <a16:creationId xmlns:a16="http://schemas.microsoft.com/office/drawing/2014/main" xmlns="" id="{D9EBF8BB-A805-4DDB-B459-082F99815B95}"/>
+                <a16:creationId xmlns="" xmlns:a16="http://schemas.microsoft.com/office/drawing/2014/main" id="{D9EBF8BB-A805-4DDB-B459-082F99815B95}"/>
               </a:ext>
             </a:extLst>
           </p:cNvPr>
@@ -6090,7 +6090,7 @@
             <p:cNvPr id="19" name="Rectangle: Single Corner Snipped 18">
               <a:extLst>
                 <a:ext uri="{FF2B5EF4-FFF2-40B4-BE49-F238E27FC236}">
-                  <a16:creationId xmlns:a16="http://schemas.microsoft.com/office/drawing/2014/main" xmlns="" id="{5D638788-DD47-45E7-939A-FA108A818173}"/>
+                  <a16:creationId xmlns="" xmlns:a16="http://schemas.microsoft.com/office/drawing/2014/main" id="{5D638788-DD47-45E7-939A-FA108A818173}"/>
                 </a:ext>
               </a:extLst>
             </p:cNvPr>
@@ -6156,7 +6156,7 @@
             <p:cNvPr id="3" name="Rectangle: Single Corner Snipped 2">
               <a:extLst>
                 <a:ext uri="{FF2B5EF4-FFF2-40B4-BE49-F238E27FC236}">
-                  <a16:creationId xmlns:a16="http://schemas.microsoft.com/office/drawing/2014/main" xmlns="" id="{74BDECEF-EEFE-4332-B3B2-BDE4F82C10FC}"/>
+                  <a16:creationId xmlns="" xmlns:a16="http://schemas.microsoft.com/office/drawing/2014/main" id="{74BDECEF-EEFE-4332-B3B2-BDE4F82C10FC}"/>
                 </a:ext>
               </a:extLst>
             </p:cNvPr>
@@ -6213,7 +6213,7 @@
           <p:cNvPr id="24" name="Freeform: Shape 23">
             <a:extLst>
               <a:ext uri="{FF2B5EF4-FFF2-40B4-BE49-F238E27FC236}">
-                <a16:creationId xmlns:a16="http://schemas.microsoft.com/office/drawing/2014/main" xmlns="" id="{18103E00-7E4A-44CD-81AC-06433CAE1110}"/>
+                <a16:creationId xmlns="" xmlns:a16="http://schemas.microsoft.com/office/drawing/2014/main" id="{18103E00-7E4A-44CD-81AC-06433CAE1110}"/>
               </a:ext>
             </a:extLst>
           </p:cNvPr>
@@ -6308,7 +6308,7 @@
           <p:cNvPr id="5" name="Slide Number Placeholder 4">
             <a:extLst>
               <a:ext uri="{FF2B5EF4-FFF2-40B4-BE49-F238E27FC236}">
-                <a16:creationId xmlns:a16="http://schemas.microsoft.com/office/drawing/2014/main" xmlns="" id="{87B51822-97FF-47A7-8E4E-A0F79B4EB237}"/>
+                <a16:creationId xmlns="" xmlns:a16="http://schemas.microsoft.com/office/drawing/2014/main" id="{87B51822-97FF-47A7-8E4E-A0F79B4EB237}"/>
               </a:ext>
             </a:extLst>
           </p:cNvPr>
@@ -6352,7 +6352,7 @@
           <p:cNvPr id="20" name="Content Placeholder 2">
             <a:extLst>
               <a:ext uri="{FF2B5EF4-FFF2-40B4-BE49-F238E27FC236}">
-                <a16:creationId xmlns:a16="http://schemas.microsoft.com/office/drawing/2014/main" xmlns="" id="{FE796BFF-6E5F-4DE7-B193-F501FC094D63}"/>
+                <a16:creationId xmlns="" xmlns:a16="http://schemas.microsoft.com/office/drawing/2014/main" id="{FE796BFF-6E5F-4DE7-B193-F501FC094D63}"/>
               </a:ext>
             </a:extLst>
           </p:cNvPr>
@@ -6462,7 +6462,7 @@
           <p:cNvPr id="21" name="Content Placeholder 3">
             <a:extLst>
               <a:ext uri="{FF2B5EF4-FFF2-40B4-BE49-F238E27FC236}">
-                <a16:creationId xmlns:a16="http://schemas.microsoft.com/office/drawing/2014/main" xmlns="" id="{78622754-CA4D-4C27-A37F-B26E7B4C9CA2}"/>
+                <a16:creationId xmlns="" xmlns:a16="http://schemas.microsoft.com/office/drawing/2014/main" id="{78622754-CA4D-4C27-A37F-B26E7B4C9CA2}"/>
               </a:ext>
             </a:extLst>
           </p:cNvPr>
@@ -6600,7 +6600,7 @@
           <p:cNvPr id="11" name="Rectangle 10">
             <a:extLst>
               <a:ext uri="{FF2B5EF4-FFF2-40B4-BE49-F238E27FC236}">
-                <a16:creationId xmlns:a16="http://schemas.microsoft.com/office/drawing/2014/main" xmlns="" id="{EB3E033F-4449-40FA-BC85-BD2712D313DD}"/>
+                <a16:creationId xmlns="" xmlns:a16="http://schemas.microsoft.com/office/drawing/2014/main" id="{EB3E033F-4449-40FA-BC85-BD2712D313DD}"/>
               </a:ext>
             </a:extLst>
           </p:cNvPr>
@@ -6654,7 +6654,7 @@
           <p:cNvPr id="10" name="Freeform: Shape 9">
             <a:extLst>
               <a:ext uri="{FF2B5EF4-FFF2-40B4-BE49-F238E27FC236}">
-                <a16:creationId xmlns:a16="http://schemas.microsoft.com/office/drawing/2014/main" xmlns="" id="{63D26743-0505-444C-80B3-E88EE87DF72B}"/>
+                <a16:creationId xmlns="" xmlns:a16="http://schemas.microsoft.com/office/drawing/2014/main" id="{63D26743-0505-444C-80B3-E88EE87DF72B}"/>
               </a:ext>
             </a:extLst>
           </p:cNvPr>
@@ -6777,7 +6777,7 @@
           <p:cNvPr id="18" name="Freeform: Shape 17">
             <a:extLst>
               <a:ext uri="{FF2B5EF4-FFF2-40B4-BE49-F238E27FC236}">
-                <a16:creationId xmlns:a16="http://schemas.microsoft.com/office/drawing/2014/main" xmlns="" id="{E37145E9-AC61-47D5-9288-8789940F81B6}"/>
+                <a16:creationId xmlns="" xmlns:a16="http://schemas.microsoft.com/office/drawing/2014/main" id="{E37145E9-AC61-47D5-9288-8789940F81B6}"/>
               </a:ext>
             </a:extLst>
           </p:cNvPr>
@@ -6929,7 +6929,7 @@
           <p:cNvPr id="12" name="Freeform: Shape 11">
             <a:extLst>
               <a:ext uri="{FF2B5EF4-FFF2-40B4-BE49-F238E27FC236}">
-                <a16:creationId xmlns:a16="http://schemas.microsoft.com/office/drawing/2014/main" xmlns="" id="{A5E2B3ED-9A49-40A7-B8A3-62595FE513F9}"/>
+                <a16:creationId xmlns="" xmlns:a16="http://schemas.microsoft.com/office/drawing/2014/main" id="{A5E2B3ED-9A49-40A7-B8A3-62595FE513F9}"/>
               </a:ext>
             </a:extLst>
           </p:cNvPr>
@@ -7079,7 +7079,7 @@
           <p:cNvPr id="8" name="Freeform: Shape 7">
             <a:extLst>
               <a:ext uri="{FF2B5EF4-FFF2-40B4-BE49-F238E27FC236}">
-                <a16:creationId xmlns:a16="http://schemas.microsoft.com/office/drawing/2014/main" xmlns="" id="{1599AF7E-3E34-4597-AA72-9373A7FDB020}"/>
+                <a16:creationId xmlns="" xmlns:a16="http://schemas.microsoft.com/office/drawing/2014/main" id="{1599AF7E-3E34-4597-AA72-9373A7FDB020}"/>
               </a:ext>
             </a:extLst>
           </p:cNvPr>
@@ -7225,7 +7225,7 @@
           <p:cNvPr id="2" name="Title 1">
             <a:extLst>
               <a:ext uri="{FF2B5EF4-FFF2-40B4-BE49-F238E27FC236}">
-                <a16:creationId xmlns:a16="http://schemas.microsoft.com/office/drawing/2014/main" xmlns="" id="{4A2DF563-7FAC-46B3-B24C-7E45CD89DA2B}"/>
+                <a16:creationId xmlns="" xmlns:a16="http://schemas.microsoft.com/office/drawing/2014/main" id="{4A2DF563-7FAC-46B3-B24C-7E45CD89DA2B}"/>
               </a:ext>
             </a:extLst>
           </p:cNvPr>
@@ -7270,7 +7270,7 @@
           <p:cNvPr id="15" name="Group 14">
             <a:extLst>
               <a:ext uri="{FF2B5EF4-FFF2-40B4-BE49-F238E27FC236}">
-                <a16:creationId xmlns:a16="http://schemas.microsoft.com/office/drawing/2014/main" xmlns="" id="{7732E1E7-45E3-4264-8F26-66758696DD1E}"/>
+                <a16:creationId xmlns="" xmlns:a16="http://schemas.microsoft.com/office/drawing/2014/main" id="{7732E1E7-45E3-4264-8F26-66758696DD1E}"/>
               </a:ext>
             </a:extLst>
           </p:cNvPr>
@@ -7290,7 +7290,7 @@
             <p:cNvPr id="16" name="Freeform: Shape 15">
               <a:extLst>
                 <a:ext uri="{FF2B5EF4-FFF2-40B4-BE49-F238E27FC236}">
-                  <a16:creationId xmlns:a16="http://schemas.microsoft.com/office/drawing/2014/main" xmlns="" id="{2E3DF883-8093-49FA-81E1-E5D77F086A25}"/>
+                  <a16:creationId xmlns="" xmlns:a16="http://schemas.microsoft.com/office/drawing/2014/main" id="{2E3DF883-8093-49FA-81E1-E5D77F086A25}"/>
                 </a:ext>
               </a:extLst>
             </p:cNvPr>
@@ -7380,7 +7380,7 @@
             <p:cNvPr id="17" name="Freeform: Shape 16">
               <a:extLst>
                 <a:ext uri="{FF2B5EF4-FFF2-40B4-BE49-F238E27FC236}">
-                  <a16:creationId xmlns:a16="http://schemas.microsoft.com/office/drawing/2014/main" xmlns="" id="{18944C90-37E5-4BBE-89FF-060627168050}"/>
+                  <a16:creationId xmlns="" xmlns:a16="http://schemas.microsoft.com/office/drawing/2014/main" id="{18944C90-37E5-4BBE-89FF-060627168050}"/>
                 </a:ext>
               </a:extLst>
             </p:cNvPr>
@@ -7479,7 +7479,7 @@
           <p:cNvPr id="6" name="Group 5">
             <a:extLst>
               <a:ext uri="{FF2B5EF4-FFF2-40B4-BE49-F238E27FC236}">
-                <a16:creationId xmlns:a16="http://schemas.microsoft.com/office/drawing/2014/main" xmlns="" id="{D9EBF8BB-A805-4DDB-B459-082F99815B95}"/>
+                <a16:creationId xmlns="" xmlns:a16="http://schemas.microsoft.com/office/drawing/2014/main" id="{D9EBF8BB-A805-4DDB-B459-082F99815B95}"/>
               </a:ext>
             </a:extLst>
           </p:cNvPr>
@@ -7499,7 +7499,7 @@
             <p:cNvPr id="19" name="Rectangle: Single Corner Snipped 18">
               <a:extLst>
                 <a:ext uri="{FF2B5EF4-FFF2-40B4-BE49-F238E27FC236}">
-                  <a16:creationId xmlns:a16="http://schemas.microsoft.com/office/drawing/2014/main" xmlns="" id="{5D638788-DD47-45E7-939A-FA108A818173}"/>
+                  <a16:creationId xmlns="" xmlns:a16="http://schemas.microsoft.com/office/drawing/2014/main" id="{5D638788-DD47-45E7-939A-FA108A818173}"/>
                 </a:ext>
               </a:extLst>
             </p:cNvPr>
@@ -7560,7 +7560,7 @@
             <p:cNvPr id="3" name="Rectangle: Single Corner Snipped 2">
               <a:extLst>
                 <a:ext uri="{FF2B5EF4-FFF2-40B4-BE49-F238E27FC236}">
-                  <a16:creationId xmlns:a16="http://schemas.microsoft.com/office/drawing/2014/main" xmlns="" id="{74BDECEF-EEFE-4332-B3B2-BDE4F82C10FC}"/>
+                  <a16:creationId xmlns="" xmlns:a16="http://schemas.microsoft.com/office/drawing/2014/main" id="{74BDECEF-EEFE-4332-B3B2-BDE4F82C10FC}"/>
                 </a:ext>
               </a:extLst>
             </p:cNvPr>
@@ -7617,7 +7617,7 @@
           <p:cNvPr id="20" name="Picture Placeholder 8">
             <a:extLst>
               <a:ext uri="{FF2B5EF4-FFF2-40B4-BE49-F238E27FC236}">
-                <a16:creationId xmlns:a16="http://schemas.microsoft.com/office/drawing/2014/main" xmlns="" id="{6D00E6B4-1CBE-404E-B943-5F1832320C1C}"/>
+                <a16:creationId xmlns="" xmlns:a16="http://schemas.microsoft.com/office/drawing/2014/main" id="{6D00E6B4-1CBE-404E-B943-5F1832320C1C}"/>
               </a:ext>
             </a:extLst>
           </p:cNvPr>
@@ -7680,7 +7680,7 @@
           <p:cNvPr id="21" name="Picture Placeholder 8">
             <a:extLst>
               <a:ext uri="{FF2B5EF4-FFF2-40B4-BE49-F238E27FC236}">
-                <a16:creationId xmlns:a16="http://schemas.microsoft.com/office/drawing/2014/main" xmlns="" id="{7CD59BFD-62BE-4E33-92A5-B84A2A9A8D3B}"/>
+                <a16:creationId xmlns="" xmlns:a16="http://schemas.microsoft.com/office/drawing/2014/main" id="{7CD59BFD-62BE-4E33-92A5-B84A2A9A8D3B}"/>
               </a:ext>
             </a:extLst>
           </p:cNvPr>
@@ -7743,7 +7743,7 @@
           <p:cNvPr id="22" name="Picture Placeholder 8">
             <a:extLst>
               <a:ext uri="{FF2B5EF4-FFF2-40B4-BE49-F238E27FC236}">
-                <a16:creationId xmlns:a16="http://schemas.microsoft.com/office/drawing/2014/main" xmlns="" id="{60DC5978-55B8-421D-91B4-29F8210A7B2C}"/>
+                <a16:creationId xmlns="" xmlns:a16="http://schemas.microsoft.com/office/drawing/2014/main" id="{60DC5978-55B8-421D-91B4-29F8210A7B2C}"/>
               </a:ext>
             </a:extLst>
           </p:cNvPr>
@@ -7806,7 +7806,7 @@
           <p:cNvPr id="23" name="Picture Placeholder 8">
             <a:extLst>
               <a:ext uri="{FF2B5EF4-FFF2-40B4-BE49-F238E27FC236}">
-                <a16:creationId xmlns:a16="http://schemas.microsoft.com/office/drawing/2014/main" xmlns="" id="{BE3FB8C3-2C7E-4C59-8BD5-53FA2772DB56}"/>
+                <a16:creationId xmlns="" xmlns:a16="http://schemas.microsoft.com/office/drawing/2014/main" id="{BE3FB8C3-2C7E-4C59-8BD5-53FA2772DB56}"/>
               </a:ext>
             </a:extLst>
           </p:cNvPr>
@@ -7869,7 +7869,7 @@
           <p:cNvPr id="24" name="Picture Placeholder 8">
             <a:extLst>
               <a:ext uri="{FF2B5EF4-FFF2-40B4-BE49-F238E27FC236}">
-                <a16:creationId xmlns:a16="http://schemas.microsoft.com/office/drawing/2014/main" xmlns="" id="{FD8FA9DA-C36B-4889-B88F-28B5829E53E2}"/>
+                <a16:creationId xmlns="" xmlns:a16="http://schemas.microsoft.com/office/drawing/2014/main" id="{FD8FA9DA-C36B-4889-B88F-28B5829E53E2}"/>
               </a:ext>
             </a:extLst>
           </p:cNvPr>
@@ -7932,7 +7932,7 @@
           <p:cNvPr id="26" name="Text Placeholder 22">
             <a:extLst>
               <a:ext uri="{FF2B5EF4-FFF2-40B4-BE49-F238E27FC236}">
-                <a16:creationId xmlns:a16="http://schemas.microsoft.com/office/drawing/2014/main" xmlns="" id="{2A19101D-7C37-42BF-8167-5391EA65EC3A}"/>
+                <a16:creationId xmlns="" xmlns:a16="http://schemas.microsoft.com/office/drawing/2014/main" id="{2A19101D-7C37-42BF-8167-5391EA65EC3A}"/>
               </a:ext>
             </a:extLst>
           </p:cNvPr>
@@ -8042,7 +8042,7 @@
           <p:cNvPr id="27" name="Text Placeholder 22">
             <a:extLst>
               <a:ext uri="{FF2B5EF4-FFF2-40B4-BE49-F238E27FC236}">
-                <a16:creationId xmlns:a16="http://schemas.microsoft.com/office/drawing/2014/main" xmlns="" id="{05F72315-51A9-431C-B80A-45E4FB1D6BD6}"/>
+                <a16:creationId xmlns="" xmlns:a16="http://schemas.microsoft.com/office/drawing/2014/main" id="{05F72315-51A9-431C-B80A-45E4FB1D6BD6}"/>
               </a:ext>
             </a:extLst>
           </p:cNvPr>
@@ -8152,7 +8152,7 @@
           <p:cNvPr id="28" name="Text Placeholder 22">
             <a:extLst>
               <a:ext uri="{FF2B5EF4-FFF2-40B4-BE49-F238E27FC236}">
-                <a16:creationId xmlns:a16="http://schemas.microsoft.com/office/drawing/2014/main" xmlns="" id="{883D1F0C-34F1-46E1-B178-E4AB82B14631}"/>
+                <a16:creationId xmlns="" xmlns:a16="http://schemas.microsoft.com/office/drawing/2014/main" id="{883D1F0C-34F1-46E1-B178-E4AB82B14631}"/>
               </a:ext>
             </a:extLst>
           </p:cNvPr>
@@ -8262,7 +8262,7 @@
           <p:cNvPr id="29" name="Text Placeholder 22">
             <a:extLst>
               <a:ext uri="{FF2B5EF4-FFF2-40B4-BE49-F238E27FC236}">
-                <a16:creationId xmlns:a16="http://schemas.microsoft.com/office/drawing/2014/main" xmlns="" id="{7202A849-DF14-40E7-B38D-1185F72603EC}"/>
+                <a16:creationId xmlns="" xmlns:a16="http://schemas.microsoft.com/office/drawing/2014/main" id="{7202A849-DF14-40E7-B38D-1185F72603EC}"/>
               </a:ext>
             </a:extLst>
           </p:cNvPr>
@@ -8372,7 +8372,7 @@
           <p:cNvPr id="30" name="Text Placeholder 22">
             <a:extLst>
               <a:ext uri="{FF2B5EF4-FFF2-40B4-BE49-F238E27FC236}">
-                <a16:creationId xmlns:a16="http://schemas.microsoft.com/office/drawing/2014/main" xmlns="" id="{CCFC1ADF-AC11-4CCD-AC2D-478B6FFEA5EA}"/>
+                <a16:creationId xmlns="" xmlns:a16="http://schemas.microsoft.com/office/drawing/2014/main" id="{CCFC1ADF-AC11-4CCD-AC2D-478B6FFEA5EA}"/>
               </a:ext>
             </a:extLst>
           </p:cNvPr>
@@ -8482,7 +8482,7 @@
           <p:cNvPr id="7" name="Straight Connector 6">
             <a:extLst>
               <a:ext uri="{FF2B5EF4-FFF2-40B4-BE49-F238E27FC236}">
-                <a16:creationId xmlns:a16="http://schemas.microsoft.com/office/drawing/2014/main" xmlns="" id="{2B4CB326-DA0E-488E-B236-7017E8438FBB}"/>
+                <a16:creationId xmlns="" xmlns:a16="http://schemas.microsoft.com/office/drawing/2014/main" id="{2B4CB326-DA0E-488E-B236-7017E8438FBB}"/>
               </a:ext>
             </a:extLst>
           </p:cNvPr>
@@ -8523,7 +8523,7 @@
           <p:cNvPr id="31" name="Straight Connector 30">
             <a:extLst>
               <a:ext uri="{FF2B5EF4-FFF2-40B4-BE49-F238E27FC236}">
-                <a16:creationId xmlns:a16="http://schemas.microsoft.com/office/drawing/2014/main" xmlns="" id="{9366B533-7212-4A36-9CE2-D6302E721F8F}"/>
+                <a16:creationId xmlns="" xmlns:a16="http://schemas.microsoft.com/office/drawing/2014/main" id="{9366B533-7212-4A36-9CE2-D6302E721F8F}"/>
               </a:ext>
             </a:extLst>
           </p:cNvPr>
@@ -8564,7 +8564,7 @@
           <p:cNvPr id="32" name="Straight Connector 31">
             <a:extLst>
               <a:ext uri="{FF2B5EF4-FFF2-40B4-BE49-F238E27FC236}">
-                <a16:creationId xmlns:a16="http://schemas.microsoft.com/office/drawing/2014/main" xmlns="" id="{AD7474CD-E230-4E14-8274-5E20F673F401}"/>
+                <a16:creationId xmlns="" xmlns:a16="http://schemas.microsoft.com/office/drawing/2014/main" id="{AD7474CD-E230-4E14-8274-5E20F673F401}"/>
               </a:ext>
             </a:extLst>
           </p:cNvPr>
@@ -8605,7 +8605,7 @@
           <p:cNvPr id="33" name="Straight Connector 32">
             <a:extLst>
               <a:ext uri="{FF2B5EF4-FFF2-40B4-BE49-F238E27FC236}">
-                <a16:creationId xmlns:a16="http://schemas.microsoft.com/office/drawing/2014/main" xmlns="" id="{6BF71FCE-6F39-4D2F-82BE-7D9F1D2ED59F}"/>
+                <a16:creationId xmlns="" xmlns:a16="http://schemas.microsoft.com/office/drawing/2014/main" id="{6BF71FCE-6F39-4D2F-82BE-7D9F1D2ED59F}"/>
               </a:ext>
             </a:extLst>
           </p:cNvPr>
@@ -8646,7 +8646,7 @@
           <p:cNvPr id="34" name="Straight Connector 33">
             <a:extLst>
               <a:ext uri="{FF2B5EF4-FFF2-40B4-BE49-F238E27FC236}">
-                <a16:creationId xmlns:a16="http://schemas.microsoft.com/office/drawing/2014/main" xmlns="" id="{AE97AC7A-17D9-4F42-9DD0-94FE4FC6BF19}"/>
+                <a16:creationId xmlns="" xmlns:a16="http://schemas.microsoft.com/office/drawing/2014/main" id="{AE97AC7A-17D9-4F42-9DD0-94FE4FC6BF19}"/>
               </a:ext>
             </a:extLst>
           </p:cNvPr>
@@ -8687,7 +8687,7 @@
           <p:cNvPr id="35" name="Freeform: Shape 34">
             <a:extLst>
               <a:ext uri="{FF2B5EF4-FFF2-40B4-BE49-F238E27FC236}">
-                <a16:creationId xmlns:a16="http://schemas.microsoft.com/office/drawing/2014/main" xmlns="" id="{62EEBF51-DCAD-4335-85E9-52801031A1BF}"/>
+                <a16:creationId xmlns="" xmlns:a16="http://schemas.microsoft.com/office/drawing/2014/main" id="{62EEBF51-DCAD-4335-85E9-52801031A1BF}"/>
               </a:ext>
             </a:extLst>
           </p:cNvPr>
@@ -8782,7 +8782,7 @@
           <p:cNvPr id="5" name="Slide Number Placeholder 4">
             <a:extLst>
               <a:ext uri="{FF2B5EF4-FFF2-40B4-BE49-F238E27FC236}">
-                <a16:creationId xmlns:a16="http://schemas.microsoft.com/office/drawing/2014/main" xmlns="" id="{87B51822-97FF-47A7-8E4E-A0F79B4EB237}"/>
+                <a16:creationId xmlns="" xmlns:a16="http://schemas.microsoft.com/office/drawing/2014/main" id="{87B51822-97FF-47A7-8E4E-A0F79B4EB237}"/>
               </a:ext>
             </a:extLst>
           </p:cNvPr>
@@ -8864,7 +8864,7 @@
           <p:cNvPr id="11" name="Rectangle 10">
             <a:extLst>
               <a:ext uri="{FF2B5EF4-FFF2-40B4-BE49-F238E27FC236}">
-                <a16:creationId xmlns:a16="http://schemas.microsoft.com/office/drawing/2014/main" xmlns="" id="{EB3E033F-4449-40FA-BC85-BD2712D313DD}"/>
+                <a16:creationId xmlns="" xmlns:a16="http://schemas.microsoft.com/office/drawing/2014/main" id="{EB3E033F-4449-40FA-BC85-BD2712D313DD}"/>
               </a:ext>
             </a:extLst>
           </p:cNvPr>
@@ -8918,7 +8918,7 @@
           <p:cNvPr id="10" name="Freeform: Shape 9">
             <a:extLst>
               <a:ext uri="{FF2B5EF4-FFF2-40B4-BE49-F238E27FC236}">
-                <a16:creationId xmlns:a16="http://schemas.microsoft.com/office/drawing/2014/main" xmlns="" id="{63D26743-0505-444C-80B3-E88EE87DF72B}"/>
+                <a16:creationId xmlns="" xmlns:a16="http://schemas.microsoft.com/office/drawing/2014/main" id="{63D26743-0505-444C-80B3-E88EE87DF72B}"/>
               </a:ext>
             </a:extLst>
           </p:cNvPr>
@@ -9041,7 +9041,7 @@
           <p:cNvPr id="18" name="Freeform: Shape 17">
             <a:extLst>
               <a:ext uri="{FF2B5EF4-FFF2-40B4-BE49-F238E27FC236}">
-                <a16:creationId xmlns:a16="http://schemas.microsoft.com/office/drawing/2014/main" xmlns="" id="{E37145E9-AC61-47D5-9288-8789940F81B6}"/>
+                <a16:creationId xmlns="" xmlns:a16="http://schemas.microsoft.com/office/drawing/2014/main" id="{E37145E9-AC61-47D5-9288-8789940F81B6}"/>
               </a:ext>
             </a:extLst>
           </p:cNvPr>
@@ -9193,7 +9193,7 @@
           <p:cNvPr id="12" name="Freeform: Shape 11">
             <a:extLst>
               <a:ext uri="{FF2B5EF4-FFF2-40B4-BE49-F238E27FC236}">
-                <a16:creationId xmlns:a16="http://schemas.microsoft.com/office/drawing/2014/main" xmlns="" id="{A5E2B3ED-9A49-40A7-B8A3-62595FE513F9}"/>
+                <a16:creationId xmlns="" xmlns:a16="http://schemas.microsoft.com/office/drawing/2014/main" id="{A5E2B3ED-9A49-40A7-B8A3-62595FE513F9}"/>
               </a:ext>
             </a:extLst>
           </p:cNvPr>
@@ -9343,7 +9343,7 @@
           <p:cNvPr id="8" name="Freeform: Shape 7">
             <a:extLst>
               <a:ext uri="{FF2B5EF4-FFF2-40B4-BE49-F238E27FC236}">
-                <a16:creationId xmlns:a16="http://schemas.microsoft.com/office/drawing/2014/main" xmlns="" id="{1599AF7E-3E34-4597-AA72-9373A7FDB020}"/>
+                <a16:creationId xmlns="" xmlns:a16="http://schemas.microsoft.com/office/drawing/2014/main" id="{1599AF7E-3E34-4597-AA72-9373A7FDB020}"/>
               </a:ext>
             </a:extLst>
           </p:cNvPr>
@@ -9489,7 +9489,7 @@
           <p:cNvPr id="2" name="Title 1">
             <a:extLst>
               <a:ext uri="{FF2B5EF4-FFF2-40B4-BE49-F238E27FC236}">
-                <a16:creationId xmlns:a16="http://schemas.microsoft.com/office/drawing/2014/main" xmlns="" id="{4A2DF563-7FAC-46B3-B24C-7E45CD89DA2B}"/>
+                <a16:creationId xmlns="" xmlns:a16="http://schemas.microsoft.com/office/drawing/2014/main" id="{4A2DF563-7FAC-46B3-B24C-7E45CD89DA2B}"/>
               </a:ext>
             </a:extLst>
           </p:cNvPr>
@@ -9534,7 +9534,7 @@
           <p:cNvPr id="15" name="Group 14">
             <a:extLst>
               <a:ext uri="{FF2B5EF4-FFF2-40B4-BE49-F238E27FC236}">
-                <a16:creationId xmlns:a16="http://schemas.microsoft.com/office/drawing/2014/main" xmlns="" id="{7732E1E7-45E3-4264-8F26-66758696DD1E}"/>
+                <a16:creationId xmlns="" xmlns:a16="http://schemas.microsoft.com/office/drawing/2014/main" id="{7732E1E7-45E3-4264-8F26-66758696DD1E}"/>
               </a:ext>
             </a:extLst>
           </p:cNvPr>
@@ -9554,7 +9554,7 @@
             <p:cNvPr id="16" name="Freeform: Shape 15">
               <a:extLst>
                 <a:ext uri="{FF2B5EF4-FFF2-40B4-BE49-F238E27FC236}">
-                  <a16:creationId xmlns:a16="http://schemas.microsoft.com/office/drawing/2014/main" xmlns="" id="{2E3DF883-8093-49FA-81E1-E5D77F086A25}"/>
+                  <a16:creationId xmlns="" xmlns:a16="http://schemas.microsoft.com/office/drawing/2014/main" id="{2E3DF883-8093-49FA-81E1-E5D77F086A25}"/>
                 </a:ext>
               </a:extLst>
             </p:cNvPr>
@@ -9644,7 +9644,7 @@
             <p:cNvPr id="17" name="Freeform: Shape 16">
               <a:extLst>
                 <a:ext uri="{FF2B5EF4-FFF2-40B4-BE49-F238E27FC236}">
-                  <a16:creationId xmlns:a16="http://schemas.microsoft.com/office/drawing/2014/main" xmlns="" id="{18944C90-37E5-4BBE-89FF-060627168050}"/>
+                  <a16:creationId xmlns="" xmlns:a16="http://schemas.microsoft.com/office/drawing/2014/main" id="{18944C90-37E5-4BBE-89FF-060627168050}"/>
                 </a:ext>
               </a:extLst>
             </p:cNvPr>
@@ -9743,7 +9743,7 @@
           <p:cNvPr id="6" name="Group 5">
             <a:extLst>
               <a:ext uri="{FF2B5EF4-FFF2-40B4-BE49-F238E27FC236}">
-                <a16:creationId xmlns:a16="http://schemas.microsoft.com/office/drawing/2014/main" xmlns="" id="{D9EBF8BB-A805-4DDB-B459-082F99815B95}"/>
+                <a16:creationId xmlns="" xmlns:a16="http://schemas.microsoft.com/office/drawing/2014/main" id="{D9EBF8BB-A805-4DDB-B459-082F99815B95}"/>
               </a:ext>
             </a:extLst>
           </p:cNvPr>
@@ -9763,7 +9763,7 @@
             <p:cNvPr id="19" name="Rectangle: Single Corner Snipped 18">
               <a:extLst>
                 <a:ext uri="{FF2B5EF4-FFF2-40B4-BE49-F238E27FC236}">
-                  <a16:creationId xmlns:a16="http://schemas.microsoft.com/office/drawing/2014/main" xmlns="" id="{5D638788-DD47-45E7-939A-FA108A818173}"/>
+                  <a16:creationId xmlns="" xmlns:a16="http://schemas.microsoft.com/office/drawing/2014/main" id="{5D638788-DD47-45E7-939A-FA108A818173}"/>
                 </a:ext>
               </a:extLst>
             </p:cNvPr>
@@ -9824,7 +9824,7 @@
             <p:cNvPr id="3" name="Rectangle: Single Corner Snipped 2">
               <a:extLst>
                 <a:ext uri="{FF2B5EF4-FFF2-40B4-BE49-F238E27FC236}">
-                  <a16:creationId xmlns:a16="http://schemas.microsoft.com/office/drawing/2014/main" xmlns="" id="{74BDECEF-EEFE-4332-B3B2-BDE4F82C10FC}"/>
+                  <a16:creationId xmlns="" xmlns:a16="http://schemas.microsoft.com/office/drawing/2014/main" id="{74BDECEF-EEFE-4332-B3B2-BDE4F82C10FC}"/>
                 </a:ext>
               </a:extLst>
             </p:cNvPr>
@@ -9881,7 +9881,7 @@
           <p:cNvPr id="26" name="Text Placeholder 22">
             <a:extLst>
               <a:ext uri="{FF2B5EF4-FFF2-40B4-BE49-F238E27FC236}">
-                <a16:creationId xmlns:a16="http://schemas.microsoft.com/office/drawing/2014/main" xmlns="" id="{2A19101D-7C37-42BF-8167-5391EA65EC3A}"/>
+                <a16:creationId xmlns="" xmlns:a16="http://schemas.microsoft.com/office/drawing/2014/main" id="{2A19101D-7C37-42BF-8167-5391EA65EC3A}"/>
               </a:ext>
             </a:extLst>
           </p:cNvPr>
@@ -9991,7 +9991,7 @@
           <p:cNvPr id="35" name="Freeform: Shape 34">
             <a:extLst>
               <a:ext uri="{FF2B5EF4-FFF2-40B4-BE49-F238E27FC236}">
-                <a16:creationId xmlns:a16="http://schemas.microsoft.com/office/drawing/2014/main" xmlns="" id="{62EEBF51-DCAD-4335-85E9-52801031A1BF}"/>
+                <a16:creationId xmlns="" xmlns:a16="http://schemas.microsoft.com/office/drawing/2014/main" id="{62EEBF51-DCAD-4335-85E9-52801031A1BF}"/>
               </a:ext>
             </a:extLst>
           </p:cNvPr>
@@ -10086,7 +10086,7 @@
           <p:cNvPr id="5" name="Slide Number Placeholder 4">
             <a:extLst>
               <a:ext uri="{FF2B5EF4-FFF2-40B4-BE49-F238E27FC236}">
-                <a16:creationId xmlns:a16="http://schemas.microsoft.com/office/drawing/2014/main" xmlns="" id="{87B51822-97FF-47A7-8E4E-A0F79B4EB237}"/>
+                <a16:creationId xmlns="" xmlns:a16="http://schemas.microsoft.com/office/drawing/2014/main" id="{87B51822-97FF-47A7-8E4E-A0F79B4EB237}"/>
               </a:ext>
             </a:extLst>
           </p:cNvPr>
@@ -10130,7 +10130,7 @@
           <p:cNvPr id="13" name="Picture Placeholder 12">
             <a:extLst>
               <a:ext uri="{FF2B5EF4-FFF2-40B4-BE49-F238E27FC236}">
-                <a16:creationId xmlns:a16="http://schemas.microsoft.com/office/drawing/2014/main" xmlns="" id="{231B97CF-FD24-4932-8459-893B1AC73D33}"/>
+                <a16:creationId xmlns="" xmlns:a16="http://schemas.microsoft.com/office/drawing/2014/main" id="{231B97CF-FD24-4932-8459-893B1AC73D33}"/>
               </a:ext>
             </a:extLst>
           </p:cNvPr>
@@ -10175,7 +10175,7 @@
           <p:cNvPr id="36" name="Text Placeholder 22">
             <a:extLst>
               <a:ext uri="{FF2B5EF4-FFF2-40B4-BE49-F238E27FC236}">
-                <a16:creationId xmlns:a16="http://schemas.microsoft.com/office/drawing/2014/main" xmlns="" id="{642D3CE0-C3B4-4F3F-A650-AB452B3AD4BA}"/>
+                <a16:creationId xmlns="" xmlns:a16="http://schemas.microsoft.com/office/drawing/2014/main" id="{642D3CE0-C3B4-4F3F-A650-AB452B3AD4BA}"/>
               </a:ext>
             </a:extLst>
           </p:cNvPr>
@@ -10285,7 +10285,7 @@
           <p:cNvPr id="37" name="Text Placeholder 22">
             <a:extLst>
               <a:ext uri="{FF2B5EF4-FFF2-40B4-BE49-F238E27FC236}">
-                <a16:creationId xmlns:a16="http://schemas.microsoft.com/office/drawing/2014/main" xmlns="" id="{DBED2BB0-CDAD-40EE-8B35-C66DF45EE29D}"/>
+                <a16:creationId xmlns="" xmlns:a16="http://schemas.microsoft.com/office/drawing/2014/main" id="{DBED2BB0-CDAD-40EE-8B35-C66DF45EE29D}"/>
               </a:ext>
             </a:extLst>
           </p:cNvPr>
@@ -10433,7 +10433,7 @@
           <p:cNvPr id="11" name="Rectangle 10">
             <a:extLst>
               <a:ext uri="{FF2B5EF4-FFF2-40B4-BE49-F238E27FC236}">
-                <a16:creationId xmlns:a16="http://schemas.microsoft.com/office/drawing/2014/main" xmlns="" id="{EB3E033F-4449-40FA-BC85-BD2712D313DD}"/>
+                <a16:creationId xmlns="" xmlns:a16="http://schemas.microsoft.com/office/drawing/2014/main" id="{EB3E033F-4449-40FA-BC85-BD2712D313DD}"/>
               </a:ext>
             </a:extLst>
           </p:cNvPr>
@@ -10487,7 +10487,7 @@
           <p:cNvPr id="10" name="Freeform: Shape 9">
             <a:extLst>
               <a:ext uri="{FF2B5EF4-FFF2-40B4-BE49-F238E27FC236}">
-                <a16:creationId xmlns:a16="http://schemas.microsoft.com/office/drawing/2014/main" xmlns="" id="{63D26743-0505-444C-80B3-E88EE87DF72B}"/>
+                <a16:creationId xmlns="" xmlns:a16="http://schemas.microsoft.com/office/drawing/2014/main" id="{63D26743-0505-444C-80B3-E88EE87DF72B}"/>
               </a:ext>
             </a:extLst>
           </p:cNvPr>
@@ -10610,7 +10610,7 @@
           <p:cNvPr id="18" name="Freeform: Shape 17">
             <a:extLst>
               <a:ext uri="{FF2B5EF4-FFF2-40B4-BE49-F238E27FC236}">
-                <a16:creationId xmlns:a16="http://schemas.microsoft.com/office/drawing/2014/main" xmlns="" id="{E37145E9-AC61-47D5-9288-8789940F81B6}"/>
+                <a16:creationId xmlns="" xmlns:a16="http://schemas.microsoft.com/office/drawing/2014/main" id="{E37145E9-AC61-47D5-9288-8789940F81B6}"/>
               </a:ext>
             </a:extLst>
           </p:cNvPr>
@@ -10762,7 +10762,7 @@
           <p:cNvPr id="12" name="Freeform: Shape 11">
             <a:extLst>
               <a:ext uri="{FF2B5EF4-FFF2-40B4-BE49-F238E27FC236}">
-                <a16:creationId xmlns:a16="http://schemas.microsoft.com/office/drawing/2014/main" xmlns="" id="{A5E2B3ED-9A49-40A7-B8A3-62595FE513F9}"/>
+                <a16:creationId xmlns="" xmlns:a16="http://schemas.microsoft.com/office/drawing/2014/main" id="{A5E2B3ED-9A49-40A7-B8A3-62595FE513F9}"/>
               </a:ext>
             </a:extLst>
           </p:cNvPr>
@@ -10912,7 +10912,7 @@
           <p:cNvPr id="8" name="Freeform: Shape 7">
             <a:extLst>
               <a:ext uri="{FF2B5EF4-FFF2-40B4-BE49-F238E27FC236}">
-                <a16:creationId xmlns:a16="http://schemas.microsoft.com/office/drawing/2014/main" xmlns="" id="{1599AF7E-3E34-4597-AA72-9373A7FDB020}"/>
+                <a16:creationId xmlns="" xmlns:a16="http://schemas.microsoft.com/office/drawing/2014/main" id="{1599AF7E-3E34-4597-AA72-9373A7FDB020}"/>
               </a:ext>
             </a:extLst>
           </p:cNvPr>
@@ -11058,7 +11058,7 @@
           <p:cNvPr id="2" name="Title 1">
             <a:extLst>
               <a:ext uri="{FF2B5EF4-FFF2-40B4-BE49-F238E27FC236}">
-                <a16:creationId xmlns:a16="http://schemas.microsoft.com/office/drawing/2014/main" xmlns="" id="{4A2DF563-7FAC-46B3-B24C-7E45CD89DA2B}"/>
+                <a16:creationId xmlns="" xmlns:a16="http://schemas.microsoft.com/office/drawing/2014/main" id="{4A2DF563-7FAC-46B3-B24C-7E45CD89DA2B}"/>
               </a:ext>
             </a:extLst>
           </p:cNvPr>
@@ -11103,7 +11103,7 @@
           <p:cNvPr id="15" name="Group 14">
             <a:extLst>
               <a:ext uri="{FF2B5EF4-FFF2-40B4-BE49-F238E27FC236}">
-                <a16:creationId xmlns:a16="http://schemas.microsoft.com/office/drawing/2014/main" xmlns="" id="{7732E1E7-45E3-4264-8F26-66758696DD1E}"/>
+                <a16:creationId xmlns="" xmlns:a16="http://schemas.microsoft.com/office/drawing/2014/main" id="{7732E1E7-45E3-4264-8F26-66758696DD1E}"/>
               </a:ext>
             </a:extLst>
           </p:cNvPr>
@@ -11123,7 +11123,7 @@
             <p:cNvPr id="16" name="Freeform: Shape 15">
               <a:extLst>
                 <a:ext uri="{FF2B5EF4-FFF2-40B4-BE49-F238E27FC236}">
-                  <a16:creationId xmlns:a16="http://schemas.microsoft.com/office/drawing/2014/main" xmlns="" id="{2E3DF883-8093-49FA-81E1-E5D77F086A25}"/>
+                  <a16:creationId xmlns="" xmlns:a16="http://schemas.microsoft.com/office/drawing/2014/main" id="{2E3DF883-8093-49FA-81E1-E5D77F086A25}"/>
                 </a:ext>
               </a:extLst>
             </p:cNvPr>
@@ -11213,7 +11213,7 @@
             <p:cNvPr id="17" name="Freeform: Shape 16">
               <a:extLst>
                 <a:ext uri="{FF2B5EF4-FFF2-40B4-BE49-F238E27FC236}">
-                  <a16:creationId xmlns:a16="http://schemas.microsoft.com/office/drawing/2014/main" xmlns="" id="{18944C90-37E5-4BBE-89FF-060627168050}"/>
+                  <a16:creationId xmlns="" xmlns:a16="http://schemas.microsoft.com/office/drawing/2014/main" id="{18944C90-37E5-4BBE-89FF-060627168050}"/>
                 </a:ext>
               </a:extLst>
             </p:cNvPr>
@@ -11312,7 +11312,7 @@
           <p:cNvPr id="6" name="Group 5">
             <a:extLst>
               <a:ext uri="{FF2B5EF4-FFF2-40B4-BE49-F238E27FC236}">
-                <a16:creationId xmlns:a16="http://schemas.microsoft.com/office/drawing/2014/main" xmlns="" id="{D9EBF8BB-A805-4DDB-B459-082F99815B95}"/>
+                <a16:creationId xmlns="" xmlns:a16="http://schemas.microsoft.com/office/drawing/2014/main" id="{D9EBF8BB-A805-4DDB-B459-082F99815B95}"/>
               </a:ext>
             </a:extLst>
           </p:cNvPr>
@@ -11332,7 +11332,7 @@
             <p:cNvPr id="19" name="Rectangle: Single Corner Snipped 18">
               <a:extLst>
                 <a:ext uri="{FF2B5EF4-FFF2-40B4-BE49-F238E27FC236}">
-                  <a16:creationId xmlns:a16="http://schemas.microsoft.com/office/drawing/2014/main" xmlns="" id="{5D638788-DD47-45E7-939A-FA108A818173}"/>
+                  <a16:creationId xmlns="" xmlns:a16="http://schemas.microsoft.com/office/drawing/2014/main" id="{5D638788-DD47-45E7-939A-FA108A818173}"/>
                 </a:ext>
               </a:extLst>
             </p:cNvPr>
@@ -11393,7 +11393,7 @@
             <p:cNvPr id="3" name="Rectangle: Single Corner Snipped 2">
               <a:extLst>
                 <a:ext uri="{FF2B5EF4-FFF2-40B4-BE49-F238E27FC236}">
-                  <a16:creationId xmlns:a16="http://schemas.microsoft.com/office/drawing/2014/main" xmlns="" id="{74BDECEF-EEFE-4332-B3B2-BDE4F82C10FC}"/>
+                  <a16:creationId xmlns="" xmlns:a16="http://schemas.microsoft.com/office/drawing/2014/main" id="{74BDECEF-EEFE-4332-B3B2-BDE4F82C10FC}"/>
                 </a:ext>
               </a:extLst>
             </p:cNvPr>
@@ -11450,7 +11450,7 @@
           <p:cNvPr id="26" name="Text Placeholder 22">
             <a:extLst>
               <a:ext uri="{FF2B5EF4-FFF2-40B4-BE49-F238E27FC236}">
-                <a16:creationId xmlns:a16="http://schemas.microsoft.com/office/drawing/2014/main" xmlns="" id="{2A19101D-7C37-42BF-8167-5391EA65EC3A}"/>
+                <a16:creationId xmlns="" xmlns:a16="http://schemas.microsoft.com/office/drawing/2014/main" id="{2A19101D-7C37-42BF-8167-5391EA65EC3A}"/>
               </a:ext>
             </a:extLst>
           </p:cNvPr>
@@ -11560,7 +11560,7 @@
           <p:cNvPr id="35" name="Freeform: Shape 34">
             <a:extLst>
               <a:ext uri="{FF2B5EF4-FFF2-40B4-BE49-F238E27FC236}">
-                <a16:creationId xmlns:a16="http://schemas.microsoft.com/office/drawing/2014/main" xmlns="" id="{62EEBF51-DCAD-4335-85E9-52801031A1BF}"/>
+                <a16:creationId xmlns="" xmlns:a16="http://schemas.microsoft.com/office/drawing/2014/main" id="{62EEBF51-DCAD-4335-85E9-52801031A1BF}"/>
               </a:ext>
             </a:extLst>
           </p:cNvPr>
@@ -11655,7 +11655,7 @@
           <p:cNvPr id="5" name="Slide Number Placeholder 4">
             <a:extLst>
               <a:ext uri="{FF2B5EF4-FFF2-40B4-BE49-F238E27FC236}">
-                <a16:creationId xmlns:a16="http://schemas.microsoft.com/office/drawing/2014/main" xmlns="" id="{87B51822-97FF-47A7-8E4E-A0F79B4EB237}"/>
+                <a16:creationId xmlns="" xmlns:a16="http://schemas.microsoft.com/office/drawing/2014/main" id="{87B51822-97FF-47A7-8E4E-A0F79B4EB237}"/>
               </a:ext>
             </a:extLst>
           </p:cNvPr>
@@ -11699,7 +11699,7 @@
           <p:cNvPr id="13" name="Picture Placeholder 12">
             <a:extLst>
               <a:ext uri="{FF2B5EF4-FFF2-40B4-BE49-F238E27FC236}">
-                <a16:creationId xmlns:a16="http://schemas.microsoft.com/office/drawing/2014/main" xmlns="" id="{231B97CF-FD24-4932-8459-893B1AC73D33}"/>
+                <a16:creationId xmlns="" xmlns:a16="http://schemas.microsoft.com/office/drawing/2014/main" id="{231B97CF-FD24-4932-8459-893B1AC73D33}"/>
               </a:ext>
             </a:extLst>
           </p:cNvPr>
@@ -11782,7 +11782,7 @@
           <p:cNvPr id="11" name="Rectangle 10">
             <a:extLst>
               <a:ext uri="{FF2B5EF4-FFF2-40B4-BE49-F238E27FC236}">
-                <a16:creationId xmlns:a16="http://schemas.microsoft.com/office/drawing/2014/main" xmlns="" id="{EB3E033F-4449-40FA-BC85-BD2712D313DD}"/>
+                <a16:creationId xmlns="" xmlns:a16="http://schemas.microsoft.com/office/drawing/2014/main" id="{EB3E033F-4449-40FA-BC85-BD2712D313DD}"/>
               </a:ext>
             </a:extLst>
           </p:cNvPr>
@@ -11836,7 +11836,7 @@
           <p:cNvPr id="10" name="Freeform: Shape 9">
             <a:extLst>
               <a:ext uri="{FF2B5EF4-FFF2-40B4-BE49-F238E27FC236}">
-                <a16:creationId xmlns:a16="http://schemas.microsoft.com/office/drawing/2014/main" xmlns="" id="{63D26743-0505-444C-80B3-E88EE87DF72B}"/>
+                <a16:creationId xmlns="" xmlns:a16="http://schemas.microsoft.com/office/drawing/2014/main" id="{63D26743-0505-444C-80B3-E88EE87DF72B}"/>
               </a:ext>
             </a:extLst>
           </p:cNvPr>
@@ -11959,7 +11959,7 @@
           <p:cNvPr id="18" name="Freeform: Shape 17">
             <a:extLst>
               <a:ext uri="{FF2B5EF4-FFF2-40B4-BE49-F238E27FC236}">
-                <a16:creationId xmlns:a16="http://schemas.microsoft.com/office/drawing/2014/main" xmlns="" id="{E37145E9-AC61-47D5-9288-8789940F81B6}"/>
+                <a16:creationId xmlns="" xmlns:a16="http://schemas.microsoft.com/office/drawing/2014/main" id="{E37145E9-AC61-47D5-9288-8789940F81B6}"/>
               </a:ext>
             </a:extLst>
           </p:cNvPr>
@@ -12111,7 +12111,7 @@
           <p:cNvPr id="12" name="Freeform: Shape 11">
             <a:extLst>
               <a:ext uri="{FF2B5EF4-FFF2-40B4-BE49-F238E27FC236}">
-                <a16:creationId xmlns:a16="http://schemas.microsoft.com/office/drawing/2014/main" xmlns="" id="{A5E2B3ED-9A49-40A7-B8A3-62595FE513F9}"/>
+                <a16:creationId xmlns="" xmlns:a16="http://schemas.microsoft.com/office/drawing/2014/main" id="{A5E2B3ED-9A49-40A7-B8A3-62595FE513F9}"/>
               </a:ext>
             </a:extLst>
           </p:cNvPr>
@@ -12261,7 +12261,7 @@
           <p:cNvPr id="8" name="Freeform: Shape 7">
             <a:extLst>
               <a:ext uri="{FF2B5EF4-FFF2-40B4-BE49-F238E27FC236}">
-                <a16:creationId xmlns:a16="http://schemas.microsoft.com/office/drawing/2014/main" xmlns="" id="{1599AF7E-3E34-4597-AA72-9373A7FDB020}"/>
+                <a16:creationId xmlns="" xmlns:a16="http://schemas.microsoft.com/office/drawing/2014/main" id="{1599AF7E-3E34-4597-AA72-9373A7FDB020}"/>
               </a:ext>
             </a:extLst>
           </p:cNvPr>
@@ -12407,7 +12407,7 @@
           <p:cNvPr id="2" name="Title 1">
             <a:extLst>
               <a:ext uri="{FF2B5EF4-FFF2-40B4-BE49-F238E27FC236}">
-                <a16:creationId xmlns:a16="http://schemas.microsoft.com/office/drawing/2014/main" xmlns="" id="{4A2DF563-7FAC-46B3-B24C-7E45CD89DA2B}"/>
+                <a16:creationId xmlns="" xmlns:a16="http://schemas.microsoft.com/office/drawing/2014/main" id="{4A2DF563-7FAC-46B3-B24C-7E45CD89DA2B}"/>
               </a:ext>
             </a:extLst>
           </p:cNvPr>
@@ -12452,7 +12452,7 @@
           <p:cNvPr id="15" name="Group 14">
             <a:extLst>
               <a:ext uri="{FF2B5EF4-FFF2-40B4-BE49-F238E27FC236}">
-                <a16:creationId xmlns:a16="http://schemas.microsoft.com/office/drawing/2014/main" xmlns="" id="{7732E1E7-45E3-4264-8F26-66758696DD1E}"/>
+                <a16:creationId xmlns="" xmlns:a16="http://schemas.microsoft.com/office/drawing/2014/main" id="{7732E1E7-45E3-4264-8F26-66758696DD1E}"/>
               </a:ext>
             </a:extLst>
           </p:cNvPr>
@@ -12472,7 +12472,7 @@
             <p:cNvPr id="16" name="Freeform: Shape 15">
               <a:extLst>
                 <a:ext uri="{FF2B5EF4-FFF2-40B4-BE49-F238E27FC236}">
-                  <a16:creationId xmlns:a16="http://schemas.microsoft.com/office/drawing/2014/main" xmlns="" id="{2E3DF883-8093-49FA-81E1-E5D77F086A25}"/>
+                  <a16:creationId xmlns="" xmlns:a16="http://schemas.microsoft.com/office/drawing/2014/main" id="{2E3DF883-8093-49FA-81E1-E5D77F086A25}"/>
                 </a:ext>
               </a:extLst>
             </p:cNvPr>
@@ -12562,7 +12562,7 @@
             <p:cNvPr id="17" name="Freeform: Shape 16">
               <a:extLst>
                 <a:ext uri="{FF2B5EF4-FFF2-40B4-BE49-F238E27FC236}">
-                  <a16:creationId xmlns:a16="http://schemas.microsoft.com/office/drawing/2014/main" xmlns="" id="{18944C90-37E5-4BBE-89FF-060627168050}"/>
+                  <a16:creationId xmlns="" xmlns:a16="http://schemas.microsoft.com/office/drawing/2014/main" id="{18944C90-37E5-4BBE-89FF-060627168050}"/>
                 </a:ext>
               </a:extLst>
             </p:cNvPr>
@@ -12661,7 +12661,7 @@
           <p:cNvPr id="6" name="Group 5">
             <a:extLst>
               <a:ext uri="{FF2B5EF4-FFF2-40B4-BE49-F238E27FC236}">
-                <a16:creationId xmlns:a16="http://schemas.microsoft.com/office/drawing/2014/main" xmlns="" id="{D9EBF8BB-A805-4DDB-B459-082F99815B95}"/>
+                <a16:creationId xmlns="" xmlns:a16="http://schemas.microsoft.com/office/drawing/2014/main" id="{D9EBF8BB-A805-4DDB-B459-082F99815B95}"/>
               </a:ext>
             </a:extLst>
           </p:cNvPr>
@@ -12681,7 +12681,7 @@
             <p:cNvPr id="19" name="Rectangle: Single Corner Snipped 18">
               <a:extLst>
                 <a:ext uri="{FF2B5EF4-FFF2-40B4-BE49-F238E27FC236}">
-                  <a16:creationId xmlns:a16="http://schemas.microsoft.com/office/drawing/2014/main" xmlns="" id="{5D638788-DD47-45E7-939A-FA108A818173}"/>
+                  <a16:creationId xmlns="" xmlns:a16="http://schemas.microsoft.com/office/drawing/2014/main" id="{5D638788-DD47-45E7-939A-FA108A818173}"/>
                 </a:ext>
               </a:extLst>
             </p:cNvPr>
@@ -12742,7 +12742,7 @@
             <p:cNvPr id="3" name="Rectangle: Single Corner Snipped 2">
               <a:extLst>
                 <a:ext uri="{FF2B5EF4-FFF2-40B4-BE49-F238E27FC236}">
-                  <a16:creationId xmlns:a16="http://schemas.microsoft.com/office/drawing/2014/main" xmlns="" id="{74BDECEF-EEFE-4332-B3B2-BDE4F82C10FC}"/>
+                  <a16:creationId xmlns="" xmlns:a16="http://schemas.microsoft.com/office/drawing/2014/main" id="{74BDECEF-EEFE-4332-B3B2-BDE4F82C10FC}"/>
                 </a:ext>
               </a:extLst>
             </p:cNvPr>
@@ -12799,7 +12799,7 @@
           <p:cNvPr id="35" name="Freeform: Shape 34">
             <a:extLst>
               <a:ext uri="{FF2B5EF4-FFF2-40B4-BE49-F238E27FC236}">
-                <a16:creationId xmlns:a16="http://schemas.microsoft.com/office/drawing/2014/main" xmlns="" id="{62EEBF51-DCAD-4335-85E9-52801031A1BF}"/>
+                <a16:creationId xmlns="" xmlns:a16="http://schemas.microsoft.com/office/drawing/2014/main" id="{62EEBF51-DCAD-4335-85E9-52801031A1BF}"/>
               </a:ext>
             </a:extLst>
           </p:cNvPr>
@@ -12894,7 +12894,7 @@
           <p:cNvPr id="5" name="Slide Number Placeholder 4">
             <a:extLst>
               <a:ext uri="{FF2B5EF4-FFF2-40B4-BE49-F238E27FC236}">
-                <a16:creationId xmlns:a16="http://schemas.microsoft.com/office/drawing/2014/main" xmlns="" id="{87B51822-97FF-47A7-8E4E-A0F79B4EB237}"/>
+                <a16:creationId xmlns="" xmlns:a16="http://schemas.microsoft.com/office/drawing/2014/main" id="{87B51822-97FF-47A7-8E4E-A0F79B4EB237}"/>
               </a:ext>
             </a:extLst>
           </p:cNvPr>
@@ -12938,7 +12938,7 @@
           <p:cNvPr id="20" name="Picture Placeholder 2">
             <a:extLst>
               <a:ext uri="{FF2B5EF4-FFF2-40B4-BE49-F238E27FC236}">
-                <a16:creationId xmlns:a16="http://schemas.microsoft.com/office/drawing/2014/main" xmlns="" id="{30B3A574-7940-4E35-857E-5CA35A5910E5}"/>
+                <a16:creationId xmlns="" xmlns:a16="http://schemas.microsoft.com/office/drawing/2014/main" id="{30B3A574-7940-4E35-857E-5CA35A5910E5}"/>
               </a:ext>
             </a:extLst>
           </p:cNvPr>
@@ -13015,7 +13015,7 @@
           <p:cNvPr id="21" name="Text Placeholder 3">
             <a:extLst>
               <a:ext uri="{FF2B5EF4-FFF2-40B4-BE49-F238E27FC236}">
-                <a16:creationId xmlns:a16="http://schemas.microsoft.com/office/drawing/2014/main" xmlns="" id="{912B51EA-3E6F-4BF6-BE48-62128AF32B85}"/>
+                <a16:creationId xmlns="" xmlns:a16="http://schemas.microsoft.com/office/drawing/2014/main" id="{912B51EA-3E6F-4BF6-BE48-62128AF32B85}"/>
               </a:ext>
             </a:extLst>
           </p:cNvPr>
@@ -13129,7 +13129,7 @@
           <p:cNvPr id="11" name="Rectangle 10">
             <a:extLst>
               <a:ext uri="{FF2B5EF4-FFF2-40B4-BE49-F238E27FC236}">
-                <a16:creationId xmlns:a16="http://schemas.microsoft.com/office/drawing/2014/main" xmlns="" id="{EB3E033F-4449-40FA-BC85-BD2712D313DD}"/>
+                <a16:creationId xmlns="" xmlns:a16="http://schemas.microsoft.com/office/drawing/2014/main" id="{EB3E033F-4449-40FA-BC85-BD2712D313DD}"/>
               </a:ext>
             </a:extLst>
           </p:cNvPr>
@@ -13183,7 +13183,7 @@
           <p:cNvPr id="10" name="Freeform: Shape 9">
             <a:extLst>
               <a:ext uri="{FF2B5EF4-FFF2-40B4-BE49-F238E27FC236}">
-                <a16:creationId xmlns:a16="http://schemas.microsoft.com/office/drawing/2014/main" xmlns="" id="{63D26743-0505-444C-80B3-E88EE87DF72B}"/>
+                <a16:creationId xmlns="" xmlns:a16="http://schemas.microsoft.com/office/drawing/2014/main" id="{63D26743-0505-444C-80B3-E88EE87DF72B}"/>
               </a:ext>
             </a:extLst>
           </p:cNvPr>
@@ -13306,7 +13306,7 @@
           <p:cNvPr id="18" name="Freeform: Shape 17">
             <a:extLst>
               <a:ext uri="{FF2B5EF4-FFF2-40B4-BE49-F238E27FC236}">
-                <a16:creationId xmlns:a16="http://schemas.microsoft.com/office/drawing/2014/main" xmlns="" id="{E37145E9-AC61-47D5-9288-8789940F81B6}"/>
+                <a16:creationId xmlns="" xmlns:a16="http://schemas.microsoft.com/office/drawing/2014/main" id="{E37145E9-AC61-47D5-9288-8789940F81B6}"/>
               </a:ext>
             </a:extLst>
           </p:cNvPr>
@@ -13458,7 +13458,7 @@
           <p:cNvPr id="12" name="Freeform: Shape 11">
             <a:extLst>
               <a:ext uri="{FF2B5EF4-FFF2-40B4-BE49-F238E27FC236}">
-                <a16:creationId xmlns:a16="http://schemas.microsoft.com/office/drawing/2014/main" xmlns="" id="{A5E2B3ED-9A49-40A7-B8A3-62595FE513F9}"/>
+                <a16:creationId xmlns="" xmlns:a16="http://schemas.microsoft.com/office/drawing/2014/main" id="{A5E2B3ED-9A49-40A7-B8A3-62595FE513F9}"/>
               </a:ext>
             </a:extLst>
           </p:cNvPr>
@@ -13608,7 +13608,7 @@
           <p:cNvPr id="8" name="Freeform: Shape 7">
             <a:extLst>
               <a:ext uri="{FF2B5EF4-FFF2-40B4-BE49-F238E27FC236}">
-                <a16:creationId xmlns:a16="http://schemas.microsoft.com/office/drawing/2014/main" xmlns="" id="{1599AF7E-3E34-4597-AA72-9373A7FDB020}"/>
+                <a16:creationId xmlns="" xmlns:a16="http://schemas.microsoft.com/office/drawing/2014/main" id="{1599AF7E-3E34-4597-AA72-9373A7FDB020}"/>
               </a:ext>
             </a:extLst>
           </p:cNvPr>
@@ -13754,7 +13754,7 @@
           <p:cNvPr id="2" name="Title 1">
             <a:extLst>
               <a:ext uri="{FF2B5EF4-FFF2-40B4-BE49-F238E27FC236}">
-                <a16:creationId xmlns:a16="http://schemas.microsoft.com/office/drawing/2014/main" xmlns="" id="{4A2DF563-7FAC-46B3-B24C-7E45CD89DA2B}"/>
+                <a16:creationId xmlns="" xmlns:a16="http://schemas.microsoft.com/office/drawing/2014/main" id="{4A2DF563-7FAC-46B3-B24C-7E45CD89DA2B}"/>
               </a:ext>
             </a:extLst>
           </p:cNvPr>
@@ -13799,7 +13799,7 @@
           <p:cNvPr id="15" name="Group 14">
             <a:extLst>
               <a:ext uri="{FF2B5EF4-FFF2-40B4-BE49-F238E27FC236}">
-                <a16:creationId xmlns:a16="http://schemas.microsoft.com/office/drawing/2014/main" xmlns="" id="{7732E1E7-45E3-4264-8F26-66758696DD1E}"/>
+                <a16:creationId xmlns="" xmlns:a16="http://schemas.microsoft.com/office/drawing/2014/main" id="{7732E1E7-45E3-4264-8F26-66758696DD1E}"/>
               </a:ext>
             </a:extLst>
           </p:cNvPr>
@@ -13819,7 +13819,7 @@
             <p:cNvPr id="16" name="Freeform: Shape 15">
               <a:extLst>
                 <a:ext uri="{FF2B5EF4-FFF2-40B4-BE49-F238E27FC236}">
-                  <a16:creationId xmlns:a16="http://schemas.microsoft.com/office/drawing/2014/main" xmlns="" id="{2E3DF883-8093-49FA-81E1-E5D77F086A25}"/>
+                  <a16:creationId xmlns="" xmlns:a16="http://schemas.microsoft.com/office/drawing/2014/main" id="{2E3DF883-8093-49FA-81E1-E5D77F086A25}"/>
                 </a:ext>
               </a:extLst>
             </p:cNvPr>
@@ -13909,7 +13909,7 @@
             <p:cNvPr id="17" name="Freeform: Shape 16">
               <a:extLst>
                 <a:ext uri="{FF2B5EF4-FFF2-40B4-BE49-F238E27FC236}">
-                  <a16:creationId xmlns:a16="http://schemas.microsoft.com/office/drawing/2014/main" xmlns="" id="{18944C90-37E5-4BBE-89FF-060627168050}"/>
+                  <a16:creationId xmlns="" xmlns:a16="http://schemas.microsoft.com/office/drawing/2014/main" id="{18944C90-37E5-4BBE-89FF-060627168050}"/>
                 </a:ext>
               </a:extLst>
             </p:cNvPr>
@@ -14008,7 +14008,7 @@
           <p:cNvPr id="6" name="Group 5">
             <a:extLst>
               <a:ext uri="{FF2B5EF4-FFF2-40B4-BE49-F238E27FC236}">
-                <a16:creationId xmlns:a16="http://schemas.microsoft.com/office/drawing/2014/main" xmlns="" id="{D9EBF8BB-A805-4DDB-B459-082F99815B95}"/>
+                <a16:creationId xmlns="" xmlns:a16="http://schemas.microsoft.com/office/drawing/2014/main" id="{D9EBF8BB-A805-4DDB-B459-082F99815B95}"/>
               </a:ext>
             </a:extLst>
           </p:cNvPr>
@@ -14028,7 +14028,7 @@
             <p:cNvPr id="19" name="Rectangle: Single Corner Snipped 18">
               <a:extLst>
                 <a:ext uri="{FF2B5EF4-FFF2-40B4-BE49-F238E27FC236}">
-                  <a16:creationId xmlns:a16="http://schemas.microsoft.com/office/drawing/2014/main" xmlns="" id="{5D638788-DD47-45E7-939A-FA108A818173}"/>
+                  <a16:creationId xmlns="" xmlns:a16="http://schemas.microsoft.com/office/drawing/2014/main" id="{5D638788-DD47-45E7-939A-FA108A818173}"/>
                 </a:ext>
               </a:extLst>
             </p:cNvPr>
@@ -14089,7 +14089,7 @@
             <p:cNvPr id="3" name="Rectangle: Single Corner Snipped 2">
               <a:extLst>
                 <a:ext uri="{FF2B5EF4-FFF2-40B4-BE49-F238E27FC236}">
-                  <a16:creationId xmlns:a16="http://schemas.microsoft.com/office/drawing/2014/main" xmlns="" id="{74BDECEF-EEFE-4332-B3B2-BDE4F82C10FC}"/>
+                  <a16:creationId xmlns="" xmlns:a16="http://schemas.microsoft.com/office/drawing/2014/main" id="{74BDECEF-EEFE-4332-B3B2-BDE4F82C10FC}"/>
                 </a:ext>
               </a:extLst>
             </p:cNvPr>
@@ -14146,7 +14146,7 @@
           <p:cNvPr id="35" name="Freeform: Shape 34">
             <a:extLst>
               <a:ext uri="{FF2B5EF4-FFF2-40B4-BE49-F238E27FC236}">
-                <a16:creationId xmlns:a16="http://schemas.microsoft.com/office/drawing/2014/main" xmlns="" id="{62EEBF51-DCAD-4335-85E9-52801031A1BF}"/>
+                <a16:creationId xmlns="" xmlns:a16="http://schemas.microsoft.com/office/drawing/2014/main" id="{62EEBF51-DCAD-4335-85E9-52801031A1BF}"/>
               </a:ext>
             </a:extLst>
           </p:cNvPr>
@@ -14241,7 +14241,7 @@
           <p:cNvPr id="5" name="Slide Number Placeholder 4">
             <a:extLst>
               <a:ext uri="{FF2B5EF4-FFF2-40B4-BE49-F238E27FC236}">
-                <a16:creationId xmlns:a16="http://schemas.microsoft.com/office/drawing/2014/main" xmlns="" id="{87B51822-97FF-47A7-8E4E-A0F79B4EB237}"/>
+                <a16:creationId xmlns="" xmlns:a16="http://schemas.microsoft.com/office/drawing/2014/main" id="{87B51822-97FF-47A7-8E4E-A0F79B4EB237}"/>
               </a:ext>
             </a:extLst>
           </p:cNvPr>
@@ -14285,7 +14285,7 @@
           <p:cNvPr id="21" name="Text Placeholder 3">
             <a:extLst>
               <a:ext uri="{FF2B5EF4-FFF2-40B4-BE49-F238E27FC236}">
-                <a16:creationId xmlns:a16="http://schemas.microsoft.com/office/drawing/2014/main" xmlns="" id="{912B51EA-3E6F-4BF6-BE48-62128AF32B85}"/>
+                <a16:creationId xmlns="" xmlns:a16="http://schemas.microsoft.com/office/drawing/2014/main" id="{912B51EA-3E6F-4BF6-BE48-62128AF32B85}"/>
               </a:ext>
             </a:extLst>
           </p:cNvPr>
@@ -14361,7 +14361,7 @@
           <p:cNvPr id="22" name="Content Placeholder 2">
             <a:extLst>
               <a:ext uri="{FF2B5EF4-FFF2-40B4-BE49-F238E27FC236}">
-                <a16:creationId xmlns:a16="http://schemas.microsoft.com/office/drawing/2014/main" xmlns="" id="{A015C605-1D30-48BC-A0D6-3B11AF56CC53}"/>
+                <a16:creationId xmlns="" xmlns:a16="http://schemas.microsoft.com/office/drawing/2014/main" id="{A015C605-1D30-48BC-A0D6-3B11AF56CC53}"/>
               </a:ext>
             </a:extLst>
           </p:cNvPr>
@@ -14503,7 +14503,7 @@
           <p:cNvPr id="18" name="Rectangle 17">
             <a:extLst>
               <a:ext uri="{FF2B5EF4-FFF2-40B4-BE49-F238E27FC236}">
-                <a16:creationId xmlns:a16="http://schemas.microsoft.com/office/drawing/2014/main" xmlns="" id="{D4494CD2-CCDD-0248-96F8-741002C44255}"/>
+                <a16:creationId xmlns="" xmlns:a16="http://schemas.microsoft.com/office/drawing/2014/main" id="{D4494CD2-CCDD-0248-96F8-741002C44255}"/>
               </a:ext>
             </a:extLst>
           </p:cNvPr>
@@ -14557,7 +14557,7 @@
           <p:cNvPr id="19" name="Freeform: Shape 9">
             <a:extLst>
               <a:ext uri="{FF2B5EF4-FFF2-40B4-BE49-F238E27FC236}">
-                <a16:creationId xmlns:a16="http://schemas.microsoft.com/office/drawing/2014/main" xmlns="" id="{07077B00-C1EE-7241-B441-7814F92A7EDF}"/>
+                <a16:creationId xmlns="" xmlns:a16="http://schemas.microsoft.com/office/drawing/2014/main" id="{07077B00-C1EE-7241-B441-7814F92A7EDF}"/>
               </a:ext>
             </a:extLst>
           </p:cNvPr>
@@ -14680,7 +14680,7 @@
           <p:cNvPr id="20" name="Freeform: Shape 17">
             <a:extLst>
               <a:ext uri="{FF2B5EF4-FFF2-40B4-BE49-F238E27FC236}">
-                <a16:creationId xmlns:a16="http://schemas.microsoft.com/office/drawing/2014/main" xmlns="" id="{3A1AEBC4-637E-F64C-9192-69AC4BB26D0C}"/>
+                <a16:creationId xmlns="" xmlns:a16="http://schemas.microsoft.com/office/drawing/2014/main" id="{3A1AEBC4-637E-F64C-9192-69AC4BB26D0C}"/>
               </a:ext>
             </a:extLst>
           </p:cNvPr>
@@ -14832,7 +14832,7 @@
           <p:cNvPr id="21" name="Freeform: Shape 11">
             <a:extLst>
               <a:ext uri="{FF2B5EF4-FFF2-40B4-BE49-F238E27FC236}">
-                <a16:creationId xmlns:a16="http://schemas.microsoft.com/office/drawing/2014/main" xmlns="" id="{669A7039-C54C-8E46-9A8B-DDB2547D989C}"/>
+                <a16:creationId xmlns="" xmlns:a16="http://schemas.microsoft.com/office/drawing/2014/main" id="{669A7039-C54C-8E46-9A8B-DDB2547D989C}"/>
               </a:ext>
             </a:extLst>
           </p:cNvPr>
@@ -14982,7 +14982,7 @@
           <p:cNvPr id="22" name="Freeform: Shape 7">
             <a:extLst>
               <a:ext uri="{FF2B5EF4-FFF2-40B4-BE49-F238E27FC236}">
-                <a16:creationId xmlns:a16="http://schemas.microsoft.com/office/drawing/2014/main" xmlns="" id="{4F173B32-87BB-9A40-8C91-4C1EED2B7ABF}"/>
+                <a16:creationId xmlns="" xmlns:a16="http://schemas.microsoft.com/office/drawing/2014/main" id="{4F173B32-87BB-9A40-8C91-4C1EED2B7ABF}"/>
               </a:ext>
             </a:extLst>
           </p:cNvPr>
@@ -15128,7 +15128,7 @@
           <p:cNvPr id="24" name="Group 23">
             <a:extLst>
               <a:ext uri="{FF2B5EF4-FFF2-40B4-BE49-F238E27FC236}">
-                <a16:creationId xmlns:a16="http://schemas.microsoft.com/office/drawing/2014/main" xmlns="" id="{4AC87F4E-12B5-1B42-AFD2-4DB39B7645C9}"/>
+                <a16:creationId xmlns="" xmlns:a16="http://schemas.microsoft.com/office/drawing/2014/main" id="{4AC87F4E-12B5-1B42-AFD2-4DB39B7645C9}"/>
               </a:ext>
             </a:extLst>
           </p:cNvPr>
@@ -15148,7 +15148,7 @@
             <p:cNvPr id="25" name="Freeform: Shape 15">
               <a:extLst>
                 <a:ext uri="{FF2B5EF4-FFF2-40B4-BE49-F238E27FC236}">
-                  <a16:creationId xmlns:a16="http://schemas.microsoft.com/office/drawing/2014/main" xmlns="" id="{03DD8765-59DF-A045-ADB5-E39FAEE153A0}"/>
+                  <a16:creationId xmlns="" xmlns:a16="http://schemas.microsoft.com/office/drawing/2014/main" id="{03DD8765-59DF-A045-ADB5-E39FAEE153A0}"/>
                 </a:ext>
               </a:extLst>
             </p:cNvPr>
@@ -15238,7 +15238,7 @@
             <p:cNvPr id="26" name="Freeform: Shape 16">
               <a:extLst>
                 <a:ext uri="{FF2B5EF4-FFF2-40B4-BE49-F238E27FC236}">
-                  <a16:creationId xmlns:a16="http://schemas.microsoft.com/office/drawing/2014/main" xmlns="" id="{B34B796C-A407-7B4D-B4F0-E58A44FE8DB4}"/>
+                  <a16:creationId xmlns="" xmlns:a16="http://schemas.microsoft.com/office/drawing/2014/main" id="{B34B796C-A407-7B4D-B4F0-E58A44FE8DB4}"/>
                 </a:ext>
               </a:extLst>
             </p:cNvPr>
@@ -15337,7 +15337,7 @@
           <p:cNvPr id="30" name="Freeform: Shape 23">
             <a:extLst>
               <a:ext uri="{FF2B5EF4-FFF2-40B4-BE49-F238E27FC236}">
-                <a16:creationId xmlns:a16="http://schemas.microsoft.com/office/drawing/2014/main" xmlns="" id="{CBE3FDC9-67CB-FA42-B127-A36BFF4678BB}"/>
+                <a16:creationId xmlns="" xmlns:a16="http://schemas.microsoft.com/office/drawing/2014/main" id="{CBE3FDC9-67CB-FA42-B127-A36BFF4678BB}"/>
               </a:ext>
             </a:extLst>
           </p:cNvPr>
@@ -15432,7 +15432,7 @@
           <p:cNvPr id="31" name="Slide Number Placeholder 4">
             <a:extLst>
               <a:ext uri="{FF2B5EF4-FFF2-40B4-BE49-F238E27FC236}">
-                <a16:creationId xmlns:a16="http://schemas.microsoft.com/office/drawing/2014/main" xmlns="" id="{1E902BFF-CA8F-D745-A819-A7BB38B30ED9}"/>
+                <a16:creationId xmlns="" xmlns:a16="http://schemas.microsoft.com/office/drawing/2014/main" id="{1E902BFF-CA8F-D745-A819-A7BB38B30ED9}"/>
               </a:ext>
             </a:extLst>
           </p:cNvPr>
@@ -15506,7 +15506,7 @@
           <p:cNvPr id="21" name="Rectangle 20">
             <a:extLst>
               <a:ext uri="{FF2B5EF4-FFF2-40B4-BE49-F238E27FC236}">
-                <a16:creationId xmlns:a16="http://schemas.microsoft.com/office/drawing/2014/main" xmlns="" id="{6E739168-A5E8-443A-B392-7AD4CF8977AD}"/>
+                <a16:creationId xmlns="" xmlns:a16="http://schemas.microsoft.com/office/drawing/2014/main" id="{6E739168-A5E8-443A-B392-7AD4CF8977AD}"/>
               </a:ext>
             </a:extLst>
           </p:cNvPr>
@@ -15558,7 +15558,7 @@
           <p:cNvPr id="15" name="Freeform: Shape 14">
             <a:extLst>
               <a:ext uri="{FF2B5EF4-FFF2-40B4-BE49-F238E27FC236}">
-                <a16:creationId xmlns:a16="http://schemas.microsoft.com/office/drawing/2014/main" xmlns="" id="{41E10E1E-5268-4F03-BA64-07E19DE26739}"/>
+                <a16:creationId xmlns="" xmlns:a16="http://schemas.microsoft.com/office/drawing/2014/main" id="{41E10E1E-5268-4F03-BA64-07E19DE26739}"/>
               </a:ext>
             </a:extLst>
           </p:cNvPr>
@@ -15695,7 +15695,7 @@
           <p:cNvPr id="16" name="Freeform: Shape 15">
             <a:extLst>
               <a:ext uri="{FF2B5EF4-FFF2-40B4-BE49-F238E27FC236}">
-                <a16:creationId xmlns:a16="http://schemas.microsoft.com/office/drawing/2014/main" xmlns="" id="{B989C45D-BDFF-418F-BE79-03FF70015770}"/>
+                <a16:creationId xmlns="" xmlns:a16="http://schemas.microsoft.com/office/drawing/2014/main" id="{B989C45D-BDFF-418F-BE79-03FF70015770}"/>
               </a:ext>
             </a:extLst>
           </p:cNvPr>
@@ -15859,7 +15859,7 @@
           <p:cNvPr id="20" name="Freeform: Shape 19">
             <a:extLst>
               <a:ext uri="{FF2B5EF4-FFF2-40B4-BE49-F238E27FC236}">
-                <a16:creationId xmlns:a16="http://schemas.microsoft.com/office/drawing/2014/main" xmlns="" id="{0027A677-9ACB-4264-B148-4806678FB83F}"/>
+                <a16:creationId xmlns="" xmlns:a16="http://schemas.microsoft.com/office/drawing/2014/main" id="{0027A677-9ACB-4264-B148-4806678FB83F}"/>
               </a:ext>
             </a:extLst>
           </p:cNvPr>
@@ -16021,7 +16021,7 @@
           <p:cNvPr id="6" name="Group 5">
             <a:extLst>
               <a:ext uri="{FF2B5EF4-FFF2-40B4-BE49-F238E27FC236}">
-                <a16:creationId xmlns:a16="http://schemas.microsoft.com/office/drawing/2014/main" xmlns="" id="{EA7FF9D7-8545-4547-AC77-A0421EEB9B99}"/>
+                <a16:creationId xmlns="" xmlns:a16="http://schemas.microsoft.com/office/drawing/2014/main" id="{EA7FF9D7-8545-4547-AC77-A0421EEB9B99}"/>
               </a:ext>
             </a:extLst>
           </p:cNvPr>
@@ -16041,7 +16041,7 @@
             <p:cNvPr id="17" name="Right Triangle 16">
               <a:extLst>
                 <a:ext uri="{FF2B5EF4-FFF2-40B4-BE49-F238E27FC236}">
-                  <a16:creationId xmlns:a16="http://schemas.microsoft.com/office/drawing/2014/main" xmlns="" id="{8DCD5806-2A2F-4ABF-8057-245681C498E6}"/>
+                  <a16:creationId xmlns="" xmlns:a16="http://schemas.microsoft.com/office/drawing/2014/main" id="{8DCD5806-2A2F-4ABF-8057-245681C498E6}"/>
                 </a:ext>
               </a:extLst>
             </p:cNvPr>
@@ -16095,7 +16095,7 @@
             <p:cNvPr id="18" name="Right Triangle 17">
               <a:extLst>
                 <a:ext uri="{FF2B5EF4-FFF2-40B4-BE49-F238E27FC236}">
-                  <a16:creationId xmlns:a16="http://schemas.microsoft.com/office/drawing/2014/main" xmlns="" id="{3A93038F-E9E4-4FFD-B3DF-28DB7C2C1490}"/>
+                  <a16:creationId xmlns="" xmlns:a16="http://schemas.microsoft.com/office/drawing/2014/main" id="{3A93038F-E9E4-4FFD-B3DF-28DB7C2C1490}"/>
                 </a:ext>
               </a:extLst>
             </p:cNvPr>
@@ -16152,7 +16152,7 @@
             <p:cNvPr id="19" name="Right Triangle 18">
               <a:extLst>
                 <a:ext uri="{FF2B5EF4-FFF2-40B4-BE49-F238E27FC236}">
-                  <a16:creationId xmlns:a16="http://schemas.microsoft.com/office/drawing/2014/main" xmlns="" id="{5DEA1E02-BBD0-4AE3-AF22-433B90272178}"/>
+                  <a16:creationId xmlns="" xmlns:a16="http://schemas.microsoft.com/office/drawing/2014/main" id="{5DEA1E02-BBD0-4AE3-AF22-433B90272178}"/>
                 </a:ext>
               </a:extLst>
             </p:cNvPr>
@@ -16207,7 +16207,7 @@
           <p:cNvPr id="2" name="Title 1">
             <a:extLst>
               <a:ext uri="{FF2B5EF4-FFF2-40B4-BE49-F238E27FC236}">
-                <a16:creationId xmlns:a16="http://schemas.microsoft.com/office/drawing/2014/main" xmlns="" id="{9E597736-C478-4C26-9BAF-205FE31E977C}"/>
+                <a16:creationId xmlns="" xmlns:a16="http://schemas.microsoft.com/office/drawing/2014/main" id="{9E597736-C478-4C26-9BAF-205FE31E977C}"/>
               </a:ext>
             </a:extLst>
           </p:cNvPr>
@@ -16284,7 +16284,7 @@
           <p:cNvPr id="21" name="Rectangle 20">
             <a:extLst>
               <a:ext uri="{FF2B5EF4-FFF2-40B4-BE49-F238E27FC236}">
-                <a16:creationId xmlns:a16="http://schemas.microsoft.com/office/drawing/2014/main" xmlns="" id="{6E739168-A5E8-443A-B392-7AD4CF8977AD}"/>
+                <a16:creationId xmlns="" xmlns:a16="http://schemas.microsoft.com/office/drawing/2014/main" id="{6E739168-A5E8-443A-B392-7AD4CF8977AD}"/>
               </a:ext>
             </a:extLst>
           </p:cNvPr>
@@ -16336,7 +16336,7 @@
           <p:cNvPr id="15" name="Freeform: Shape 14">
             <a:extLst>
               <a:ext uri="{FF2B5EF4-FFF2-40B4-BE49-F238E27FC236}">
-                <a16:creationId xmlns:a16="http://schemas.microsoft.com/office/drawing/2014/main" xmlns="" id="{41E10E1E-5268-4F03-BA64-07E19DE26739}"/>
+                <a16:creationId xmlns="" xmlns:a16="http://schemas.microsoft.com/office/drawing/2014/main" id="{41E10E1E-5268-4F03-BA64-07E19DE26739}"/>
               </a:ext>
             </a:extLst>
           </p:cNvPr>
@@ -16473,7 +16473,7 @@
           <p:cNvPr id="16" name="Freeform: Shape 15">
             <a:extLst>
               <a:ext uri="{FF2B5EF4-FFF2-40B4-BE49-F238E27FC236}">
-                <a16:creationId xmlns:a16="http://schemas.microsoft.com/office/drawing/2014/main" xmlns="" id="{B989C45D-BDFF-418F-BE79-03FF70015770}"/>
+                <a16:creationId xmlns="" xmlns:a16="http://schemas.microsoft.com/office/drawing/2014/main" id="{B989C45D-BDFF-418F-BE79-03FF70015770}"/>
               </a:ext>
             </a:extLst>
           </p:cNvPr>
@@ -16637,7 +16637,7 @@
           <p:cNvPr id="20" name="Freeform: Shape 19">
             <a:extLst>
               <a:ext uri="{FF2B5EF4-FFF2-40B4-BE49-F238E27FC236}">
-                <a16:creationId xmlns:a16="http://schemas.microsoft.com/office/drawing/2014/main" xmlns="" id="{0027A677-9ACB-4264-B148-4806678FB83F}"/>
+                <a16:creationId xmlns="" xmlns:a16="http://schemas.microsoft.com/office/drawing/2014/main" id="{0027A677-9ACB-4264-B148-4806678FB83F}"/>
               </a:ext>
             </a:extLst>
           </p:cNvPr>
@@ -16799,7 +16799,7 @@
           <p:cNvPr id="2" name="Title 1">
             <a:extLst>
               <a:ext uri="{FF2B5EF4-FFF2-40B4-BE49-F238E27FC236}">
-                <a16:creationId xmlns:a16="http://schemas.microsoft.com/office/drawing/2014/main" xmlns="" id="{9E597736-C478-4C26-9BAF-205FE31E977C}"/>
+                <a16:creationId xmlns="" xmlns:a16="http://schemas.microsoft.com/office/drawing/2014/main" id="{9E597736-C478-4C26-9BAF-205FE31E977C}"/>
               </a:ext>
             </a:extLst>
           </p:cNvPr>
@@ -16846,7 +16846,7 @@
           <p:cNvPr id="35" name="Freeform: Shape 34">
             <a:extLst>
               <a:ext uri="{FF2B5EF4-FFF2-40B4-BE49-F238E27FC236}">
-                <a16:creationId xmlns:a16="http://schemas.microsoft.com/office/drawing/2014/main" xmlns="" id="{C024DCDB-C6BF-455E-AAB8-EAF9DAB302A1}"/>
+                <a16:creationId xmlns="" xmlns:a16="http://schemas.microsoft.com/office/drawing/2014/main" id="{C024DCDB-C6BF-455E-AAB8-EAF9DAB302A1}"/>
               </a:ext>
             </a:extLst>
           </p:cNvPr>
@@ -16954,7 +16954,7 @@
           <p:cNvPr id="32" name="Freeform: Shape 31">
             <a:extLst>
               <a:ext uri="{FF2B5EF4-FFF2-40B4-BE49-F238E27FC236}">
-                <a16:creationId xmlns:a16="http://schemas.microsoft.com/office/drawing/2014/main" xmlns="" id="{26AFB47A-5D51-4F9C-B01B-977CE5E3C093}"/>
+                <a16:creationId xmlns="" xmlns:a16="http://schemas.microsoft.com/office/drawing/2014/main" id="{26AFB47A-5D51-4F9C-B01B-977CE5E3C093}"/>
               </a:ext>
             </a:extLst>
           </p:cNvPr>
@@ -17070,7 +17070,7 @@
           <p:cNvPr id="30" name="Freeform: Shape 29">
             <a:extLst>
               <a:ext uri="{FF2B5EF4-FFF2-40B4-BE49-F238E27FC236}">
-                <a16:creationId xmlns:a16="http://schemas.microsoft.com/office/drawing/2014/main" xmlns="" id="{6997A4FF-7390-4173-8ACD-6CF7145AACEC}"/>
+                <a16:creationId xmlns="" xmlns:a16="http://schemas.microsoft.com/office/drawing/2014/main" id="{6997A4FF-7390-4173-8ACD-6CF7145AACEC}"/>
               </a:ext>
             </a:extLst>
           </p:cNvPr>
@@ -17209,7 +17209,7 @@
           <p:cNvPr id="7" name="Rectangle 6">
             <a:extLst>
               <a:ext uri="{FF2B5EF4-FFF2-40B4-BE49-F238E27FC236}">
-                <a16:creationId xmlns:a16="http://schemas.microsoft.com/office/drawing/2014/main" xmlns="" id="{B2838D16-809E-4EB1-8C0C-0E63D8139112}"/>
+                <a16:creationId xmlns="" xmlns:a16="http://schemas.microsoft.com/office/drawing/2014/main" id="{B2838D16-809E-4EB1-8C0C-0E63D8139112}"/>
               </a:ext>
             </a:extLst>
           </p:cNvPr>
@@ -17261,7 +17261,7 @@
           <p:cNvPr id="8" name="Freeform: Shape 7">
             <a:extLst>
               <a:ext uri="{FF2B5EF4-FFF2-40B4-BE49-F238E27FC236}">
-                <a16:creationId xmlns:a16="http://schemas.microsoft.com/office/drawing/2014/main" xmlns="" id="{01FEB333-94B4-4E53-9019-D584810903BB}"/>
+                <a16:creationId xmlns="" xmlns:a16="http://schemas.microsoft.com/office/drawing/2014/main" id="{01FEB333-94B4-4E53-9019-D584810903BB}"/>
               </a:ext>
             </a:extLst>
           </p:cNvPr>
@@ -17382,7 +17382,7 @@
           <p:cNvPr id="9" name="Freeform: Shape 8">
             <a:extLst>
               <a:ext uri="{FF2B5EF4-FFF2-40B4-BE49-F238E27FC236}">
-                <a16:creationId xmlns:a16="http://schemas.microsoft.com/office/drawing/2014/main" xmlns="" id="{A59B9489-0CD9-4DB7-AC82-6E7867F91403}"/>
+                <a16:creationId xmlns="" xmlns:a16="http://schemas.microsoft.com/office/drawing/2014/main" id="{A59B9489-0CD9-4DB7-AC82-6E7867F91403}"/>
               </a:ext>
             </a:extLst>
           </p:cNvPr>
@@ -17522,7 +17522,7 @@
           <p:cNvPr id="10" name="Right Triangle 9">
             <a:extLst>
               <a:ext uri="{FF2B5EF4-FFF2-40B4-BE49-F238E27FC236}">
-                <a16:creationId xmlns:a16="http://schemas.microsoft.com/office/drawing/2014/main" xmlns="" id="{A55D1C76-C591-4FA5-9780-87AB6B37C0FA}"/>
+                <a16:creationId xmlns="" xmlns:a16="http://schemas.microsoft.com/office/drawing/2014/main" id="{A55D1C76-C591-4FA5-9780-87AB6B37C0FA}"/>
               </a:ext>
             </a:extLst>
           </p:cNvPr>
@@ -17576,7 +17576,7 @@
           <p:cNvPr id="11" name="Freeform: Shape 10">
             <a:extLst>
               <a:ext uri="{FF2B5EF4-FFF2-40B4-BE49-F238E27FC236}">
-                <a16:creationId xmlns:a16="http://schemas.microsoft.com/office/drawing/2014/main" xmlns="" id="{A7DC1D12-670F-4235-8791-FA8C2B330871}"/>
+                <a16:creationId xmlns="" xmlns:a16="http://schemas.microsoft.com/office/drawing/2014/main" id="{A7DC1D12-670F-4235-8791-FA8C2B330871}"/>
               </a:ext>
             </a:extLst>
           </p:cNvPr>
@@ -17722,7 +17722,7 @@
           <p:cNvPr id="12" name="Freeform: Shape 11">
             <a:extLst>
               <a:ext uri="{FF2B5EF4-FFF2-40B4-BE49-F238E27FC236}">
-                <a16:creationId xmlns:a16="http://schemas.microsoft.com/office/drawing/2014/main" xmlns="" id="{859569CF-FDAC-47C4-A0F5-296F7117C398}"/>
+                <a16:creationId xmlns="" xmlns:a16="http://schemas.microsoft.com/office/drawing/2014/main" id="{859569CF-FDAC-47C4-A0F5-296F7117C398}"/>
               </a:ext>
             </a:extLst>
           </p:cNvPr>
@@ -17822,7 +17822,7 @@
           <p:cNvPr id="13" name="Freeform: Shape 12">
             <a:extLst>
               <a:ext uri="{FF2B5EF4-FFF2-40B4-BE49-F238E27FC236}">
-                <a16:creationId xmlns:a16="http://schemas.microsoft.com/office/drawing/2014/main" xmlns="" id="{D68D0C72-2B2C-4C85-A091-157853C71784}"/>
+                <a16:creationId xmlns="" xmlns:a16="http://schemas.microsoft.com/office/drawing/2014/main" id="{D68D0C72-2B2C-4C85-A091-157853C71784}"/>
               </a:ext>
             </a:extLst>
           </p:cNvPr>
@@ -17930,7 +17930,7 @@
           <p:cNvPr id="14" name="Freeform: Shape 13">
             <a:extLst>
               <a:ext uri="{FF2B5EF4-FFF2-40B4-BE49-F238E27FC236}">
-                <a16:creationId xmlns:a16="http://schemas.microsoft.com/office/drawing/2014/main" xmlns="" id="{8E25334A-5FE3-4DDA-8D32-4796CCFCAA74}"/>
+                <a16:creationId xmlns="" xmlns:a16="http://schemas.microsoft.com/office/drawing/2014/main" id="{8E25334A-5FE3-4DDA-8D32-4796CCFCAA74}"/>
               </a:ext>
             </a:extLst>
           </p:cNvPr>
@@ -18022,7 +18022,7 @@
           <p:cNvPr id="15" name="Freeform: Shape 14">
             <a:extLst>
               <a:ext uri="{FF2B5EF4-FFF2-40B4-BE49-F238E27FC236}">
-                <a16:creationId xmlns:a16="http://schemas.microsoft.com/office/drawing/2014/main" xmlns="" id="{18818DF1-D7FD-4C0F-875D-7A07E8F75C06}"/>
+                <a16:creationId xmlns="" xmlns:a16="http://schemas.microsoft.com/office/drawing/2014/main" id="{18818DF1-D7FD-4C0F-875D-7A07E8F75C06}"/>
               </a:ext>
             </a:extLst>
           </p:cNvPr>
@@ -18122,7 +18122,7 @@
           <p:cNvPr id="16" name="Group 15">
             <a:extLst>
               <a:ext uri="{FF2B5EF4-FFF2-40B4-BE49-F238E27FC236}">
-                <a16:creationId xmlns:a16="http://schemas.microsoft.com/office/drawing/2014/main" xmlns="" id="{8F9BB384-9E14-4CEA-82C1-21837229D3EF}"/>
+                <a16:creationId xmlns="" xmlns:a16="http://schemas.microsoft.com/office/drawing/2014/main" id="{8F9BB384-9E14-4CEA-82C1-21837229D3EF}"/>
               </a:ext>
             </a:extLst>
           </p:cNvPr>
@@ -18142,7 +18142,7 @@
             <p:cNvPr id="17" name="Freeform: Shape 16">
               <a:extLst>
                 <a:ext uri="{FF2B5EF4-FFF2-40B4-BE49-F238E27FC236}">
-                  <a16:creationId xmlns:a16="http://schemas.microsoft.com/office/drawing/2014/main" xmlns="" id="{0862A81A-959D-4EAB-90ED-DB20759BB397}"/>
+                  <a16:creationId xmlns="" xmlns:a16="http://schemas.microsoft.com/office/drawing/2014/main" id="{0862A81A-959D-4EAB-90ED-DB20759BB397}"/>
                 </a:ext>
               </a:extLst>
             </p:cNvPr>
@@ -18232,7 +18232,7 @@
             <p:cNvPr id="18" name="Freeform: Shape 17">
               <a:extLst>
                 <a:ext uri="{FF2B5EF4-FFF2-40B4-BE49-F238E27FC236}">
-                  <a16:creationId xmlns:a16="http://schemas.microsoft.com/office/drawing/2014/main" xmlns="" id="{AAB9E28C-9422-42BD-AECE-29B44B5D63E2}"/>
+                  <a16:creationId xmlns="" xmlns:a16="http://schemas.microsoft.com/office/drawing/2014/main" id="{AAB9E28C-9422-42BD-AECE-29B44B5D63E2}"/>
                 </a:ext>
               </a:extLst>
             </p:cNvPr>
@@ -18331,7 +18331,7 @@
           <p:cNvPr id="19" name="Group 18">
             <a:extLst>
               <a:ext uri="{FF2B5EF4-FFF2-40B4-BE49-F238E27FC236}">
-                <a16:creationId xmlns:a16="http://schemas.microsoft.com/office/drawing/2014/main" xmlns="" id="{2772239B-C46D-4458-BB4B-DDB12FAB0172}"/>
+                <a16:creationId xmlns="" xmlns:a16="http://schemas.microsoft.com/office/drawing/2014/main" id="{2772239B-C46D-4458-BB4B-DDB12FAB0172}"/>
               </a:ext>
             </a:extLst>
           </p:cNvPr>
@@ -18351,7 +18351,7 @@
             <p:cNvPr id="20" name="Freeform: Shape 19">
               <a:extLst>
                 <a:ext uri="{FF2B5EF4-FFF2-40B4-BE49-F238E27FC236}">
-                  <a16:creationId xmlns:a16="http://schemas.microsoft.com/office/drawing/2014/main" xmlns="" id="{3C8A2A1A-1FB9-4CA1-B74E-B293187E51AA}"/>
+                  <a16:creationId xmlns="" xmlns:a16="http://schemas.microsoft.com/office/drawing/2014/main" id="{3C8A2A1A-1FB9-4CA1-B74E-B293187E51AA}"/>
                 </a:ext>
               </a:extLst>
             </p:cNvPr>
@@ -18441,7 +18441,7 @@
             <p:cNvPr id="21" name="Freeform: Shape 20">
               <a:extLst>
                 <a:ext uri="{FF2B5EF4-FFF2-40B4-BE49-F238E27FC236}">
-                  <a16:creationId xmlns:a16="http://schemas.microsoft.com/office/drawing/2014/main" xmlns="" id="{DF2B18BA-6B43-40FA-A23B-D894D6AB468B}"/>
+                  <a16:creationId xmlns="" xmlns:a16="http://schemas.microsoft.com/office/drawing/2014/main" id="{DF2B18BA-6B43-40FA-A23B-D894D6AB468B}"/>
                 </a:ext>
               </a:extLst>
             </p:cNvPr>
@@ -18540,7 +18540,7 @@
           <p:cNvPr id="3" name="Text Placeholder 2">
             <a:extLst>
               <a:ext uri="{FF2B5EF4-FFF2-40B4-BE49-F238E27FC236}">
-                <a16:creationId xmlns:a16="http://schemas.microsoft.com/office/drawing/2014/main" xmlns="" id="{5E194264-A3F5-42E2-9A63-DCCED0457E1B}"/>
+                <a16:creationId xmlns="" xmlns:a16="http://schemas.microsoft.com/office/drawing/2014/main" id="{5E194264-A3F5-42E2-9A63-DCCED0457E1B}"/>
               </a:ext>
             </a:extLst>
           </p:cNvPr>
@@ -18590,7 +18590,7 @@
           <p:cNvPr id="22" name="Slide Number Placeholder 4">
             <a:extLst>
               <a:ext uri="{FF2B5EF4-FFF2-40B4-BE49-F238E27FC236}">
-                <a16:creationId xmlns:a16="http://schemas.microsoft.com/office/drawing/2014/main" xmlns="" id="{0F332671-6296-47C8-BF26-B2D962F5D03D}"/>
+                <a16:creationId xmlns="" xmlns:a16="http://schemas.microsoft.com/office/drawing/2014/main" id="{0F332671-6296-47C8-BF26-B2D962F5D03D}"/>
               </a:ext>
             </a:extLst>
           </p:cNvPr>
@@ -18634,7 +18634,7 @@
           <p:cNvPr id="23" name="Title 1">
             <a:extLst>
               <a:ext uri="{FF2B5EF4-FFF2-40B4-BE49-F238E27FC236}">
-                <a16:creationId xmlns:a16="http://schemas.microsoft.com/office/drawing/2014/main" xmlns="" id="{7772A652-7229-2B42-B87B-298C31D6F0CB}"/>
+                <a16:creationId xmlns="" xmlns:a16="http://schemas.microsoft.com/office/drawing/2014/main" id="{7772A652-7229-2B42-B87B-298C31D6F0CB}"/>
               </a:ext>
             </a:extLst>
           </p:cNvPr>
@@ -18709,7 +18709,7 @@
           <p:cNvPr id="22" name="Rectangle 21">
             <a:extLst>
               <a:ext uri="{FF2B5EF4-FFF2-40B4-BE49-F238E27FC236}">
-                <a16:creationId xmlns:a16="http://schemas.microsoft.com/office/drawing/2014/main" xmlns="" id="{2CDBB6E5-B91E-4946-9390-E8693855103A}"/>
+                <a16:creationId xmlns="" xmlns:a16="http://schemas.microsoft.com/office/drawing/2014/main" id="{2CDBB6E5-B91E-4946-9390-E8693855103A}"/>
               </a:ext>
             </a:extLst>
           </p:cNvPr>
@@ -18763,7 +18763,7 @@
           <p:cNvPr id="34" name="Freeform: Shape 33">
             <a:extLst>
               <a:ext uri="{FF2B5EF4-FFF2-40B4-BE49-F238E27FC236}">
-                <a16:creationId xmlns:a16="http://schemas.microsoft.com/office/drawing/2014/main" xmlns="" id="{0C3CC1C9-1FA0-4FE4-8984-4A8B3728D674}"/>
+                <a16:creationId xmlns="" xmlns:a16="http://schemas.microsoft.com/office/drawing/2014/main" id="{0C3CC1C9-1FA0-4FE4-8984-4A8B3728D674}"/>
               </a:ext>
             </a:extLst>
           </p:cNvPr>
@@ -18908,7 +18908,7 @@
           <p:cNvPr id="24" name="Freeform: Shape 23">
             <a:extLst>
               <a:ext uri="{FF2B5EF4-FFF2-40B4-BE49-F238E27FC236}">
-                <a16:creationId xmlns:a16="http://schemas.microsoft.com/office/drawing/2014/main" xmlns="" id="{8E049265-431E-48DE-B7F7-4959930171DC}"/>
+                <a16:creationId xmlns="" xmlns:a16="http://schemas.microsoft.com/office/drawing/2014/main" id="{8E049265-431E-48DE-B7F7-4959930171DC}"/>
               </a:ext>
             </a:extLst>
           </p:cNvPr>
@@ -19048,7 +19048,7 @@
           <p:cNvPr id="25" name="Freeform: Shape 24">
             <a:extLst>
               <a:ext uri="{FF2B5EF4-FFF2-40B4-BE49-F238E27FC236}">
-                <a16:creationId xmlns:a16="http://schemas.microsoft.com/office/drawing/2014/main" xmlns="" id="{173E5F2D-1F8E-4DCC-857F-932C6C6539BB}"/>
+                <a16:creationId xmlns="" xmlns:a16="http://schemas.microsoft.com/office/drawing/2014/main" id="{173E5F2D-1F8E-4DCC-857F-932C6C6539BB}"/>
               </a:ext>
             </a:extLst>
           </p:cNvPr>
@@ -19194,7 +19194,7 @@
           <p:cNvPr id="26" name="Group 25">
             <a:extLst>
               <a:ext uri="{FF2B5EF4-FFF2-40B4-BE49-F238E27FC236}">
-                <a16:creationId xmlns:a16="http://schemas.microsoft.com/office/drawing/2014/main" xmlns="" id="{E9318B2B-E019-4078-9EF0-C9D6281AE31B}"/>
+                <a16:creationId xmlns="" xmlns:a16="http://schemas.microsoft.com/office/drawing/2014/main" id="{E9318B2B-E019-4078-9EF0-C9D6281AE31B}"/>
               </a:ext>
             </a:extLst>
           </p:cNvPr>
@@ -19214,7 +19214,7 @@
             <p:cNvPr id="27" name="Freeform: Shape 26">
               <a:extLst>
                 <a:ext uri="{FF2B5EF4-FFF2-40B4-BE49-F238E27FC236}">
-                  <a16:creationId xmlns:a16="http://schemas.microsoft.com/office/drawing/2014/main" xmlns="" id="{D3E625C0-9656-421F-861F-67C8F93362ED}"/>
+                  <a16:creationId xmlns="" xmlns:a16="http://schemas.microsoft.com/office/drawing/2014/main" id="{D3E625C0-9656-421F-861F-67C8F93362ED}"/>
                 </a:ext>
               </a:extLst>
             </p:cNvPr>
@@ -19314,7 +19314,7 @@
             <p:cNvPr id="28" name="Freeform: Shape 27">
               <a:extLst>
                 <a:ext uri="{FF2B5EF4-FFF2-40B4-BE49-F238E27FC236}">
-                  <a16:creationId xmlns:a16="http://schemas.microsoft.com/office/drawing/2014/main" xmlns="" id="{49F8E490-C6E3-4D00-866F-CD85DD88996E}"/>
+                  <a16:creationId xmlns="" xmlns:a16="http://schemas.microsoft.com/office/drawing/2014/main" id="{49F8E490-C6E3-4D00-866F-CD85DD88996E}"/>
                 </a:ext>
               </a:extLst>
             </p:cNvPr>
@@ -19423,7 +19423,7 @@
           <p:cNvPr id="29" name="Freeform: Shape 28">
             <a:extLst>
               <a:ext uri="{FF2B5EF4-FFF2-40B4-BE49-F238E27FC236}">
-                <a16:creationId xmlns:a16="http://schemas.microsoft.com/office/drawing/2014/main" xmlns="" id="{EE8F5B31-1523-46AE-9455-C33DFC1BDDE0}"/>
+                <a16:creationId xmlns="" xmlns:a16="http://schemas.microsoft.com/office/drawing/2014/main" id="{EE8F5B31-1523-46AE-9455-C33DFC1BDDE0}"/>
               </a:ext>
             </a:extLst>
           </p:cNvPr>
@@ -19515,7 +19515,7 @@
           <p:cNvPr id="30" name="Freeform: Shape 29">
             <a:extLst>
               <a:ext uri="{FF2B5EF4-FFF2-40B4-BE49-F238E27FC236}">
-                <a16:creationId xmlns:a16="http://schemas.microsoft.com/office/drawing/2014/main" xmlns="" id="{5D17048F-C2E1-4775-BC32-50BD6219F89D}"/>
+                <a16:creationId xmlns="" xmlns:a16="http://schemas.microsoft.com/office/drawing/2014/main" id="{5D17048F-C2E1-4775-BC32-50BD6219F89D}"/>
               </a:ext>
             </a:extLst>
           </p:cNvPr>
@@ -19615,7 +19615,7 @@
           <p:cNvPr id="31" name="Group 30">
             <a:extLst>
               <a:ext uri="{FF2B5EF4-FFF2-40B4-BE49-F238E27FC236}">
-                <a16:creationId xmlns:a16="http://schemas.microsoft.com/office/drawing/2014/main" xmlns="" id="{EAB002AA-4848-49C8-A834-036F860C79A3}"/>
+                <a16:creationId xmlns="" xmlns:a16="http://schemas.microsoft.com/office/drawing/2014/main" id="{EAB002AA-4848-49C8-A834-036F860C79A3}"/>
               </a:ext>
             </a:extLst>
           </p:cNvPr>
@@ -19635,7 +19635,7 @@
             <p:cNvPr id="32" name="Freeform: Shape 31">
               <a:extLst>
                 <a:ext uri="{FF2B5EF4-FFF2-40B4-BE49-F238E27FC236}">
-                  <a16:creationId xmlns:a16="http://schemas.microsoft.com/office/drawing/2014/main" xmlns="" id="{14B187A8-7F8D-469D-A03B-4F835A5746DE}"/>
+                  <a16:creationId xmlns="" xmlns:a16="http://schemas.microsoft.com/office/drawing/2014/main" id="{14B187A8-7F8D-469D-A03B-4F835A5746DE}"/>
                 </a:ext>
               </a:extLst>
             </p:cNvPr>
@@ -19725,7 +19725,7 @@
             <p:cNvPr id="33" name="Freeform: Shape 32">
               <a:extLst>
                 <a:ext uri="{FF2B5EF4-FFF2-40B4-BE49-F238E27FC236}">
-                  <a16:creationId xmlns:a16="http://schemas.microsoft.com/office/drawing/2014/main" xmlns="" id="{03D871D1-A11A-48FB-82A8-8D61AB5CB85C}"/>
+                  <a16:creationId xmlns="" xmlns:a16="http://schemas.microsoft.com/office/drawing/2014/main" id="{03D871D1-A11A-48FB-82A8-8D61AB5CB85C}"/>
                 </a:ext>
               </a:extLst>
             </p:cNvPr>
@@ -19824,7 +19824,7 @@
           <p:cNvPr id="2" name="Title 1">
             <a:extLst>
               <a:ext uri="{FF2B5EF4-FFF2-40B4-BE49-F238E27FC236}">
-                <a16:creationId xmlns:a16="http://schemas.microsoft.com/office/drawing/2014/main" xmlns="" id="{42374B20-3E42-44AF-BEF1-8AB33067395C}"/>
+                <a16:creationId xmlns="" xmlns:a16="http://schemas.microsoft.com/office/drawing/2014/main" id="{42374B20-3E42-44AF-BEF1-8AB33067395C}"/>
               </a:ext>
             </a:extLst>
           </p:cNvPr>
@@ -19869,7 +19869,7 @@
           <p:cNvPr id="3" name="Text Placeholder 2">
             <a:extLst>
               <a:ext uri="{FF2B5EF4-FFF2-40B4-BE49-F238E27FC236}">
-                <a16:creationId xmlns:a16="http://schemas.microsoft.com/office/drawing/2014/main" xmlns="" id="{5E194264-A3F5-42E2-9A63-DCCED0457E1B}"/>
+                <a16:creationId xmlns="" xmlns:a16="http://schemas.microsoft.com/office/drawing/2014/main" id="{5E194264-A3F5-42E2-9A63-DCCED0457E1B}"/>
               </a:ext>
             </a:extLst>
           </p:cNvPr>
@@ -19919,7 +19919,7 @@
           <p:cNvPr id="35" name="Slide Number Placeholder 4">
             <a:extLst>
               <a:ext uri="{FF2B5EF4-FFF2-40B4-BE49-F238E27FC236}">
-                <a16:creationId xmlns:a16="http://schemas.microsoft.com/office/drawing/2014/main" xmlns="" id="{6F73F836-940E-4B65-A29C-D0869263C935}"/>
+                <a16:creationId xmlns="" xmlns:a16="http://schemas.microsoft.com/office/drawing/2014/main" id="{6F73F836-940E-4B65-A29C-D0869263C935}"/>
               </a:ext>
             </a:extLst>
           </p:cNvPr>
@@ -19993,7 +19993,7 @@
           <p:cNvPr id="22" name="Rectangle 21">
             <a:extLst>
               <a:ext uri="{FF2B5EF4-FFF2-40B4-BE49-F238E27FC236}">
-                <a16:creationId xmlns:a16="http://schemas.microsoft.com/office/drawing/2014/main" xmlns="" id="{2CDBB6E5-B91E-4946-9390-E8693855103A}"/>
+                <a16:creationId xmlns="" xmlns:a16="http://schemas.microsoft.com/office/drawing/2014/main" id="{2CDBB6E5-B91E-4946-9390-E8693855103A}"/>
               </a:ext>
             </a:extLst>
           </p:cNvPr>
@@ -20047,7 +20047,7 @@
           <p:cNvPr id="34" name="Freeform: Shape 33">
             <a:extLst>
               <a:ext uri="{FF2B5EF4-FFF2-40B4-BE49-F238E27FC236}">
-                <a16:creationId xmlns:a16="http://schemas.microsoft.com/office/drawing/2014/main" xmlns="" id="{0C3CC1C9-1FA0-4FE4-8984-4A8B3728D674}"/>
+                <a16:creationId xmlns="" xmlns:a16="http://schemas.microsoft.com/office/drawing/2014/main" id="{0C3CC1C9-1FA0-4FE4-8984-4A8B3728D674}"/>
               </a:ext>
             </a:extLst>
           </p:cNvPr>
@@ -20192,7 +20192,7 @@
           <p:cNvPr id="24" name="Freeform: Shape 23">
             <a:extLst>
               <a:ext uri="{FF2B5EF4-FFF2-40B4-BE49-F238E27FC236}">
-                <a16:creationId xmlns:a16="http://schemas.microsoft.com/office/drawing/2014/main" xmlns="" id="{8E049265-431E-48DE-B7F7-4959930171DC}"/>
+                <a16:creationId xmlns="" xmlns:a16="http://schemas.microsoft.com/office/drawing/2014/main" id="{8E049265-431E-48DE-B7F7-4959930171DC}"/>
               </a:ext>
             </a:extLst>
           </p:cNvPr>
@@ -20332,7 +20332,7 @@
           <p:cNvPr id="25" name="Freeform: Shape 24">
             <a:extLst>
               <a:ext uri="{FF2B5EF4-FFF2-40B4-BE49-F238E27FC236}">
-                <a16:creationId xmlns:a16="http://schemas.microsoft.com/office/drawing/2014/main" xmlns="" id="{173E5F2D-1F8E-4DCC-857F-932C6C6539BB}"/>
+                <a16:creationId xmlns="" xmlns:a16="http://schemas.microsoft.com/office/drawing/2014/main" id="{173E5F2D-1F8E-4DCC-857F-932C6C6539BB}"/>
               </a:ext>
             </a:extLst>
           </p:cNvPr>
@@ -20478,7 +20478,7 @@
           <p:cNvPr id="4" name="Oval 3">
             <a:extLst>
               <a:ext uri="{FF2B5EF4-FFF2-40B4-BE49-F238E27FC236}">
-                <a16:creationId xmlns:a16="http://schemas.microsoft.com/office/drawing/2014/main" xmlns="" id="{ECB4C115-EFF9-405C-98BE-F4077B9730D0}"/>
+                <a16:creationId xmlns="" xmlns:a16="http://schemas.microsoft.com/office/drawing/2014/main" id="{ECB4C115-EFF9-405C-98BE-F4077B9730D0}"/>
               </a:ext>
             </a:extLst>
           </p:cNvPr>
@@ -20536,7 +20536,7 @@
           <p:cNvPr id="18" name="Title 1">
             <a:extLst>
               <a:ext uri="{FF2B5EF4-FFF2-40B4-BE49-F238E27FC236}">
-                <a16:creationId xmlns:a16="http://schemas.microsoft.com/office/drawing/2014/main" xmlns="" id="{C9A300DD-BB54-44ED-A7E4-01CD41EC930F}"/>
+                <a16:creationId xmlns="" xmlns:a16="http://schemas.microsoft.com/office/drawing/2014/main" id="{C9A300DD-BB54-44ED-A7E4-01CD41EC930F}"/>
               </a:ext>
             </a:extLst>
           </p:cNvPr>
@@ -20599,7 +20599,7 @@
           <p:cNvPr id="2" name="Title 1">
             <a:extLst>
               <a:ext uri="{FF2B5EF4-FFF2-40B4-BE49-F238E27FC236}">
-                <a16:creationId xmlns:a16="http://schemas.microsoft.com/office/drawing/2014/main" xmlns="" id="{42374B20-3E42-44AF-BEF1-8AB33067395C}"/>
+                <a16:creationId xmlns="" xmlns:a16="http://schemas.microsoft.com/office/drawing/2014/main" id="{42374B20-3E42-44AF-BEF1-8AB33067395C}"/>
               </a:ext>
             </a:extLst>
           </p:cNvPr>
@@ -20647,7 +20647,7 @@
           <p:cNvPr id="19" name="Slide Number Placeholder 4">
             <a:extLst>
               <a:ext uri="{FF2B5EF4-FFF2-40B4-BE49-F238E27FC236}">
-                <a16:creationId xmlns:a16="http://schemas.microsoft.com/office/drawing/2014/main" xmlns="" id="{A4E6C1FF-5925-42B3-B7F9-0A0031BDAD30}"/>
+                <a16:creationId xmlns="" xmlns:a16="http://schemas.microsoft.com/office/drawing/2014/main" id="{A4E6C1FF-5925-42B3-B7F9-0A0031BDAD30}"/>
               </a:ext>
             </a:extLst>
           </p:cNvPr>
@@ -20729,7 +20729,7 @@
           <p:cNvPr id="11" name="Rectangle 10">
             <a:extLst>
               <a:ext uri="{FF2B5EF4-FFF2-40B4-BE49-F238E27FC236}">
-                <a16:creationId xmlns:a16="http://schemas.microsoft.com/office/drawing/2014/main" xmlns="" id="{EB3E033F-4449-40FA-BC85-BD2712D313DD}"/>
+                <a16:creationId xmlns="" xmlns:a16="http://schemas.microsoft.com/office/drawing/2014/main" id="{EB3E033F-4449-40FA-BC85-BD2712D313DD}"/>
               </a:ext>
             </a:extLst>
           </p:cNvPr>
@@ -20783,7 +20783,7 @@
           <p:cNvPr id="10" name="Freeform: Shape 9">
             <a:extLst>
               <a:ext uri="{FF2B5EF4-FFF2-40B4-BE49-F238E27FC236}">
-                <a16:creationId xmlns:a16="http://schemas.microsoft.com/office/drawing/2014/main" xmlns="" id="{63D26743-0505-444C-80B3-E88EE87DF72B}"/>
+                <a16:creationId xmlns="" xmlns:a16="http://schemas.microsoft.com/office/drawing/2014/main" id="{63D26743-0505-444C-80B3-E88EE87DF72B}"/>
               </a:ext>
             </a:extLst>
           </p:cNvPr>
@@ -20906,7 +20906,7 @@
           <p:cNvPr id="8" name="Freeform: Shape 7">
             <a:extLst>
               <a:ext uri="{FF2B5EF4-FFF2-40B4-BE49-F238E27FC236}">
-                <a16:creationId xmlns:a16="http://schemas.microsoft.com/office/drawing/2014/main" xmlns="" id="{1599AF7E-3E34-4597-AA72-9373A7FDB020}"/>
+                <a16:creationId xmlns="" xmlns:a16="http://schemas.microsoft.com/office/drawing/2014/main" id="{1599AF7E-3E34-4597-AA72-9373A7FDB020}"/>
               </a:ext>
             </a:extLst>
           </p:cNvPr>
@@ -21052,7 +21052,7 @@
           <p:cNvPr id="2" name="Title 1">
             <a:extLst>
               <a:ext uri="{FF2B5EF4-FFF2-40B4-BE49-F238E27FC236}">
-                <a16:creationId xmlns:a16="http://schemas.microsoft.com/office/drawing/2014/main" xmlns="" id="{4A2DF563-7FAC-46B3-B24C-7E45CD89DA2B}"/>
+                <a16:creationId xmlns="" xmlns:a16="http://schemas.microsoft.com/office/drawing/2014/main" id="{4A2DF563-7FAC-46B3-B24C-7E45CD89DA2B}"/>
               </a:ext>
             </a:extLst>
           </p:cNvPr>
@@ -21097,7 +21097,7 @@
           <p:cNvPr id="5" name="Slide Number Placeholder 4">
             <a:extLst>
               <a:ext uri="{FF2B5EF4-FFF2-40B4-BE49-F238E27FC236}">
-                <a16:creationId xmlns:a16="http://schemas.microsoft.com/office/drawing/2014/main" xmlns="" id="{87B51822-97FF-47A7-8E4E-A0F79B4EB237}"/>
+                <a16:creationId xmlns="" xmlns:a16="http://schemas.microsoft.com/office/drawing/2014/main" id="{87B51822-97FF-47A7-8E4E-A0F79B4EB237}"/>
               </a:ext>
             </a:extLst>
           </p:cNvPr>
@@ -21141,7 +21141,7 @@
           <p:cNvPr id="15" name="Group 14">
             <a:extLst>
               <a:ext uri="{FF2B5EF4-FFF2-40B4-BE49-F238E27FC236}">
-                <a16:creationId xmlns:a16="http://schemas.microsoft.com/office/drawing/2014/main" xmlns="" id="{7732E1E7-45E3-4264-8F26-66758696DD1E}"/>
+                <a16:creationId xmlns="" xmlns:a16="http://schemas.microsoft.com/office/drawing/2014/main" id="{7732E1E7-45E3-4264-8F26-66758696DD1E}"/>
               </a:ext>
             </a:extLst>
           </p:cNvPr>
@@ -21161,7 +21161,7 @@
             <p:cNvPr id="16" name="Freeform: Shape 15">
               <a:extLst>
                 <a:ext uri="{FF2B5EF4-FFF2-40B4-BE49-F238E27FC236}">
-                  <a16:creationId xmlns:a16="http://schemas.microsoft.com/office/drawing/2014/main" xmlns="" id="{2E3DF883-8093-49FA-81E1-E5D77F086A25}"/>
+                  <a16:creationId xmlns="" xmlns:a16="http://schemas.microsoft.com/office/drawing/2014/main" id="{2E3DF883-8093-49FA-81E1-E5D77F086A25}"/>
                 </a:ext>
               </a:extLst>
             </p:cNvPr>
@@ -21251,7 +21251,7 @@
             <p:cNvPr id="17" name="Freeform: Shape 16">
               <a:extLst>
                 <a:ext uri="{FF2B5EF4-FFF2-40B4-BE49-F238E27FC236}">
-                  <a16:creationId xmlns:a16="http://schemas.microsoft.com/office/drawing/2014/main" xmlns="" id="{18944C90-37E5-4BBE-89FF-060627168050}"/>
+                  <a16:creationId xmlns="" xmlns:a16="http://schemas.microsoft.com/office/drawing/2014/main" id="{18944C90-37E5-4BBE-89FF-060627168050}"/>
                 </a:ext>
               </a:extLst>
             </p:cNvPr>
@@ -21350,7 +21350,7 @@
           <p:cNvPr id="23" name="Text Placeholder 22">
             <a:extLst>
               <a:ext uri="{FF2B5EF4-FFF2-40B4-BE49-F238E27FC236}">
-                <a16:creationId xmlns:a16="http://schemas.microsoft.com/office/drawing/2014/main" xmlns="" id="{03618670-D1E4-466C-BDB5-FC890AC31457}"/>
+                <a16:creationId xmlns="" xmlns:a16="http://schemas.microsoft.com/office/drawing/2014/main" id="{03618670-D1E4-466C-BDB5-FC890AC31457}"/>
               </a:ext>
             </a:extLst>
           </p:cNvPr>
@@ -21511,7 +21511,7 @@
           <p:cNvPr id="11" name="Rectangle 10">
             <a:extLst>
               <a:ext uri="{FF2B5EF4-FFF2-40B4-BE49-F238E27FC236}">
-                <a16:creationId xmlns:a16="http://schemas.microsoft.com/office/drawing/2014/main" xmlns="" id="{EB3E033F-4449-40FA-BC85-BD2712D313DD}"/>
+                <a16:creationId xmlns="" xmlns:a16="http://schemas.microsoft.com/office/drawing/2014/main" id="{EB3E033F-4449-40FA-BC85-BD2712D313DD}"/>
               </a:ext>
             </a:extLst>
           </p:cNvPr>
@@ -21565,7 +21565,7 @@
           <p:cNvPr id="10" name="Freeform: Shape 9">
             <a:extLst>
               <a:ext uri="{FF2B5EF4-FFF2-40B4-BE49-F238E27FC236}">
-                <a16:creationId xmlns:a16="http://schemas.microsoft.com/office/drawing/2014/main" xmlns="" id="{63D26743-0505-444C-80B3-E88EE87DF72B}"/>
+                <a16:creationId xmlns="" xmlns:a16="http://schemas.microsoft.com/office/drawing/2014/main" id="{63D26743-0505-444C-80B3-E88EE87DF72B}"/>
               </a:ext>
             </a:extLst>
           </p:cNvPr>
@@ -21688,7 +21688,7 @@
           <p:cNvPr id="18" name="Freeform: Shape 17">
             <a:extLst>
               <a:ext uri="{FF2B5EF4-FFF2-40B4-BE49-F238E27FC236}">
-                <a16:creationId xmlns:a16="http://schemas.microsoft.com/office/drawing/2014/main" xmlns="" id="{E37145E9-AC61-47D5-9288-8789940F81B6}"/>
+                <a16:creationId xmlns="" xmlns:a16="http://schemas.microsoft.com/office/drawing/2014/main" id="{E37145E9-AC61-47D5-9288-8789940F81B6}"/>
               </a:ext>
             </a:extLst>
           </p:cNvPr>
@@ -21840,7 +21840,7 @@
           <p:cNvPr id="12" name="Freeform: Shape 11">
             <a:extLst>
               <a:ext uri="{FF2B5EF4-FFF2-40B4-BE49-F238E27FC236}">
-                <a16:creationId xmlns:a16="http://schemas.microsoft.com/office/drawing/2014/main" xmlns="" id="{A5E2B3ED-9A49-40A7-B8A3-62595FE513F9}"/>
+                <a16:creationId xmlns="" xmlns:a16="http://schemas.microsoft.com/office/drawing/2014/main" id="{A5E2B3ED-9A49-40A7-B8A3-62595FE513F9}"/>
               </a:ext>
             </a:extLst>
           </p:cNvPr>
@@ -21990,7 +21990,7 @@
           <p:cNvPr id="8" name="Freeform: Shape 7">
             <a:extLst>
               <a:ext uri="{FF2B5EF4-FFF2-40B4-BE49-F238E27FC236}">
-                <a16:creationId xmlns:a16="http://schemas.microsoft.com/office/drawing/2014/main" xmlns="" id="{1599AF7E-3E34-4597-AA72-9373A7FDB020}"/>
+                <a16:creationId xmlns="" xmlns:a16="http://schemas.microsoft.com/office/drawing/2014/main" id="{1599AF7E-3E34-4597-AA72-9373A7FDB020}"/>
               </a:ext>
             </a:extLst>
           </p:cNvPr>
@@ -22136,7 +22136,7 @@
           <p:cNvPr id="2" name="Title 1">
             <a:extLst>
               <a:ext uri="{FF2B5EF4-FFF2-40B4-BE49-F238E27FC236}">
-                <a16:creationId xmlns:a16="http://schemas.microsoft.com/office/drawing/2014/main" xmlns="" id="{4A2DF563-7FAC-46B3-B24C-7E45CD89DA2B}"/>
+                <a16:creationId xmlns="" xmlns:a16="http://schemas.microsoft.com/office/drawing/2014/main" id="{4A2DF563-7FAC-46B3-B24C-7E45CD89DA2B}"/>
               </a:ext>
             </a:extLst>
           </p:cNvPr>
@@ -22181,7 +22181,7 @@
           <p:cNvPr id="15" name="Group 14">
             <a:extLst>
               <a:ext uri="{FF2B5EF4-FFF2-40B4-BE49-F238E27FC236}">
-                <a16:creationId xmlns:a16="http://schemas.microsoft.com/office/drawing/2014/main" xmlns="" id="{7732E1E7-45E3-4264-8F26-66758696DD1E}"/>
+                <a16:creationId xmlns="" xmlns:a16="http://schemas.microsoft.com/office/drawing/2014/main" id="{7732E1E7-45E3-4264-8F26-66758696DD1E}"/>
               </a:ext>
             </a:extLst>
           </p:cNvPr>
@@ -22201,7 +22201,7 @@
             <p:cNvPr id="16" name="Freeform: Shape 15">
               <a:extLst>
                 <a:ext uri="{FF2B5EF4-FFF2-40B4-BE49-F238E27FC236}">
-                  <a16:creationId xmlns:a16="http://schemas.microsoft.com/office/drawing/2014/main" xmlns="" id="{2E3DF883-8093-49FA-81E1-E5D77F086A25}"/>
+                  <a16:creationId xmlns="" xmlns:a16="http://schemas.microsoft.com/office/drawing/2014/main" id="{2E3DF883-8093-49FA-81E1-E5D77F086A25}"/>
                 </a:ext>
               </a:extLst>
             </p:cNvPr>
@@ -22291,7 +22291,7 @@
             <p:cNvPr id="17" name="Freeform: Shape 16">
               <a:extLst>
                 <a:ext uri="{FF2B5EF4-FFF2-40B4-BE49-F238E27FC236}">
-                  <a16:creationId xmlns:a16="http://schemas.microsoft.com/office/drawing/2014/main" xmlns="" id="{18944C90-37E5-4BBE-89FF-060627168050}"/>
+                  <a16:creationId xmlns="" xmlns:a16="http://schemas.microsoft.com/office/drawing/2014/main" id="{18944C90-37E5-4BBE-89FF-060627168050}"/>
                 </a:ext>
               </a:extLst>
             </p:cNvPr>
@@ -22390,7 +22390,7 @@
           <p:cNvPr id="6" name="Group 5">
             <a:extLst>
               <a:ext uri="{FF2B5EF4-FFF2-40B4-BE49-F238E27FC236}">
-                <a16:creationId xmlns:a16="http://schemas.microsoft.com/office/drawing/2014/main" xmlns="" id="{D9EBF8BB-A805-4DDB-B459-082F99815B95}"/>
+                <a16:creationId xmlns="" xmlns:a16="http://schemas.microsoft.com/office/drawing/2014/main" id="{D9EBF8BB-A805-4DDB-B459-082F99815B95}"/>
               </a:ext>
             </a:extLst>
           </p:cNvPr>
@@ -22410,7 +22410,7 @@
             <p:cNvPr id="19" name="Rectangle: Single Corner Snipped 18">
               <a:extLst>
                 <a:ext uri="{FF2B5EF4-FFF2-40B4-BE49-F238E27FC236}">
-                  <a16:creationId xmlns:a16="http://schemas.microsoft.com/office/drawing/2014/main" xmlns="" id="{5D638788-DD47-45E7-939A-FA108A818173}"/>
+                  <a16:creationId xmlns="" xmlns:a16="http://schemas.microsoft.com/office/drawing/2014/main" id="{5D638788-DD47-45E7-939A-FA108A818173}"/>
                 </a:ext>
               </a:extLst>
             </p:cNvPr>
@@ -22476,7 +22476,7 @@
             <p:cNvPr id="3" name="Rectangle: Single Corner Snipped 2">
               <a:extLst>
                 <a:ext uri="{FF2B5EF4-FFF2-40B4-BE49-F238E27FC236}">
-                  <a16:creationId xmlns:a16="http://schemas.microsoft.com/office/drawing/2014/main" xmlns="" id="{74BDECEF-EEFE-4332-B3B2-BDE4F82C10FC}"/>
+                  <a16:creationId xmlns="" xmlns:a16="http://schemas.microsoft.com/office/drawing/2014/main" id="{74BDECEF-EEFE-4332-B3B2-BDE4F82C10FC}"/>
                 </a:ext>
               </a:extLst>
             </p:cNvPr>
@@ -22533,7 +22533,7 @@
           <p:cNvPr id="24" name="Freeform: Shape 23">
             <a:extLst>
               <a:ext uri="{FF2B5EF4-FFF2-40B4-BE49-F238E27FC236}">
-                <a16:creationId xmlns:a16="http://schemas.microsoft.com/office/drawing/2014/main" xmlns="" id="{18103E00-7E4A-44CD-81AC-06433CAE1110}"/>
+                <a16:creationId xmlns="" xmlns:a16="http://schemas.microsoft.com/office/drawing/2014/main" id="{18103E00-7E4A-44CD-81AC-06433CAE1110}"/>
               </a:ext>
             </a:extLst>
           </p:cNvPr>
@@ -22628,7 +22628,7 @@
           <p:cNvPr id="5" name="Slide Number Placeholder 4">
             <a:extLst>
               <a:ext uri="{FF2B5EF4-FFF2-40B4-BE49-F238E27FC236}">
-                <a16:creationId xmlns:a16="http://schemas.microsoft.com/office/drawing/2014/main" xmlns="" id="{87B51822-97FF-47A7-8E4E-A0F79B4EB237}"/>
+                <a16:creationId xmlns="" xmlns:a16="http://schemas.microsoft.com/office/drawing/2014/main" id="{87B51822-97FF-47A7-8E4E-A0F79B4EB237}"/>
               </a:ext>
             </a:extLst>
           </p:cNvPr>
@@ -22710,7 +22710,7 @@
           <p:cNvPr id="11" name="Rectangle 10">
             <a:extLst>
               <a:ext uri="{FF2B5EF4-FFF2-40B4-BE49-F238E27FC236}">
-                <a16:creationId xmlns:a16="http://schemas.microsoft.com/office/drawing/2014/main" xmlns="" id="{EB3E033F-4449-40FA-BC85-BD2712D313DD}"/>
+                <a16:creationId xmlns="" xmlns:a16="http://schemas.microsoft.com/office/drawing/2014/main" id="{EB3E033F-4449-40FA-BC85-BD2712D313DD}"/>
               </a:ext>
             </a:extLst>
           </p:cNvPr>
@@ -22764,7 +22764,7 @@
           <p:cNvPr id="10" name="Freeform: Shape 9">
             <a:extLst>
               <a:ext uri="{FF2B5EF4-FFF2-40B4-BE49-F238E27FC236}">
-                <a16:creationId xmlns:a16="http://schemas.microsoft.com/office/drawing/2014/main" xmlns="" id="{63D26743-0505-444C-80B3-E88EE87DF72B}"/>
+                <a16:creationId xmlns="" xmlns:a16="http://schemas.microsoft.com/office/drawing/2014/main" id="{63D26743-0505-444C-80B3-E88EE87DF72B}"/>
               </a:ext>
             </a:extLst>
           </p:cNvPr>
@@ -22887,7 +22887,7 @@
           <p:cNvPr id="18" name="Freeform: Shape 17">
             <a:extLst>
               <a:ext uri="{FF2B5EF4-FFF2-40B4-BE49-F238E27FC236}">
-                <a16:creationId xmlns:a16="http://schemas.microsoft.com/office/drawing/2014/main" xmlns="" id="{E37145E9-AC61-47D5-9288-8789940F81B6}"/>
+                <a16:creationId xmlns="" xmlns:a16="http://schemas.microsoft.com/office/drawing/2014/main" id="{E37145E9-AC61-47D5-9288-8789940F81B6}"/>
               </a:ext>
             </a:extLst>
           </p:cNvPr>
@@ -23039,7 +23039,7 @@
           <p:cNvPr id="12" name="Freeform: Shape 11">
             <a:extLst>
               <a:ext uri="{FF2B5EF4-FFF2-40B4-BE49-F238E27FC236}">
-                <a16:creationId xmlns:a16="http://schemas.microsoft.com/office/drawing/2014/main" xmlns="" id="{A5E2B3ED-9A49-40A7-B8A3-62595FE513F9}"/>
+                <a16:creationId xmlns="" xmlns:a16="http://schemas.microsoft.com/office/drawing/2014/main" id="{A5E2B3ED-9A49-40A7-B8A3-62595FE513F9}"/>
               </a:ext>
             </a:extLst>
           </p:cNvPr>
@@ -23189,7 +23189,7 @@
           <p:cNvPr id="8" name="Freeform: Shape 7">
             <a:extLst>
               <a:ext uri="{FF2B5EF4-FFF2-40B4-BE49-F238E27FC236}">
-                <a16:creationId xmlns:a16="http://schemas.microsoft.com/office/drawing/2014/main" xmlns="" id="{1599AF7E-3E34-4597-AA72-9373A7FDB020}"/>
+                <a16:creationId xmlns="" xmlns:a16="http://schemas.microsoft.com/office/drawing/2014/main" id="{1599AF7E-3E34-4597-AA72-9373A7FDB020}"/>
               </a:ext>
             </a:extLst>
           </p:cNvPr>
@@ -23335,7 +23335,7 @@
           <p:cNvPr id="2" name="Title 1">
             <a:extLst>
               <a:ext uri="{FF2B5EF4-FFF2-40B4-BE49-F238E27FC236}">
-                <a16:creationId xmlns:a16="http://schemas.microsoft.com/office/drawing/2014/main" xmlns="" id="{4A2DF563-7FAC-46B3-B24C-7E45CD89DA2B}"/>
+                <a16:creationId xmlns="" xmlns:a16="http://schemas.microsoft.com/office/drawing/2014/main" id="{4A2DF563-7FAC-46B3-B24C-7E45CD89DA2B}"/>
               </a:ext>
             </a:extLst>
           </p:cNvPr>
@@ -23380,7 +23380,7 @@
           <p:cNvPr id="15" name="Group 14">
             <a:extLst>
               <a:ext uri="{FF2B5EF4-FFF2-40B4-BE49-F238E27FC236}">
-                <a16:creationId xmlns:a16="http://schemas.microsoft.com/office/drawing/2014/main" xmlns="" id="{7732E1E7-45E3-4264-8F26-66758696DD1E}"/>
+                <a16:creationId xmlns="" xmlns:a16="http://schemas.microsoft.com/office/drawing/2014/main" id="{7732E1E7-45E3-4264-8F26-66758696DD1E}"/>
               </a:ext>
             </a:extLst>
           </p:cNvPr>
@@ -23400,7 +23400,7 @@
             <p:cNvPr id="16" name="Freeform: Shape 15">
               <a:extLst>
                 <a:ext uri="{FF2B5EF4-FFF2-40B4-BE49-F238E27FC236}">
-                  <a16:creationId xmlns:a16="http://schemas.microsoft.com/office/drawing/2014/main" xmlns="" id="{2E3DF883-8093-49FA-81E1-E5D77F086A25}"/>
+                  <a16:creationId xmlns="" xmlns:a16="http://schemas.microsoft.com/office/drawing/2014/main" id="{2E3DF883-8093-49FA-81E1-E5D77F086A25}"/>
                 </a:ext>
               </a:extLst>
             </p:cNvPr>
@@ -23490,7 +23490,7 @@
             <p:cNvPr id="17" name="Freeform: Shape 16">
               <a:extLst>
                 <a:ext uri="{FF2B5EF4-FFF2-40B4-BE49-F238E27FC236}">
-                  <a16:creationId xmlns:a16="http://schemas.microsoft.com/office/drawing/2014/main" xmlns="" id="{18944C90-37E5-4BBE-89FF-060627168050}"/>
+                  <a16:creationId xmlns="" xmlns:a16="http://schemas.microsoft.com/office/drawing/2014/main" id="{18944C90-37E5-4BBE-89FF-060627168050}"/>
                 </a:ext>
               </a:extLst>
             </p:cNvPr>
@@ -23589,7 +23589,7 @@
           <p:cNvPr id="6" name="Group 5">
             <a:extLst>
               <a:ext uri="{FF2B5EF4-FFF2-40B4-BE49-F238E27FC236}">
-                <a16:creationId xmlns:a16="http://schemas.microsoft.com/office/drawing/2014/main" xmlns="" id="{D9EBF8BB-A805-4DDB-B459-082F99815B95}"/>
+                <a16:creationId xmlns="" xmlns:a16="http://schemas.microsoft.com/office/drawing/2014/main" id="{D9EBF8BB-A805-4DDB-B459-082F99815B95}"/>
               </a:ext>
             </a:extLst>
           </p:cNvPr>
@@ -23609,7 +23609,7 @@
             <p:cNvPr id="19" name="Rectangle: Single Corner Snipped 18">
               <a:extLst>
                 <a:ext uri="{FF2B5EF4-FFF2-40B4-BE49-F238E27FC236}">
-                  <a16:creationId xmlns:a16="http://schemas.microsoft.com/office/drawing/2014/main" xmlns="" id="{5D638788-DD47-45E7-939A-FA108A818173}"/>
+                  <a16:creationId xmlns="" xmlns:a16="http://schemas.microsoft.com/office/drawing/2014/main" id="{5D638788-DD47-45E7-939A-FA108A818173}"/>
                 </a:ext>
               </a:extLst>
             </p:cNvPr>
@@ -23675,7 +23675,7 @@
             <p:cNvPr id="3" name="Rectangle: Single Corner Snipped 2">
               <a:extLst>
                 <a:ext uri="{FF2B5EF4-FFF2-40B4-BE49-F238E27FC236}">
-                  <a16:creationId xmlns:a16="http://schemas.microsoft.com/office/drawing/2014/main" xmlns="" id="{74BDECEF-EEFE-4332-B3B2-BDE4F82C10FC}"/>
+                  <a16:creationId xmlns="" xmlns:a16="http://schemas.microsoft.com/office/drawing/2014/main" id="{74BDECEF-EEFE-4332-B3B2-BDE4F82C10FC}"/>
                 </a:ext>
               </a:extLst>
             </p:cNvPr>
@@ -23732,7 +23732,7 @@
           <p:cNvPr id="24" name="Freeform: Shape 23">
             <a:extLst>
               <a:ext uri="{FF2B5EF4-FFF2-40B4-BE49-F238E27FC236}">
-                <a16:creationId xmlns:a16="http://schemas.microsoft.com/office/drawing/2014/main" xmlns="" id="{18103E00-7E4A-44CD-81AC-06433CAE1110}"/>
+                <a16:creationId xmlns="" xmlns:a16="http://schemas.microsoft.com/office/drawing/2014/main" id="{18103E00-7E4A-44CD-81AC-06433CAE1110}"/>
               </a:ext>
             </a:extLst>
           </p:cNvPr>
@@ -23827,7 +23827,7 @@
           <p:cNvPr id="5" name="Slide Number Placeholder 4">
             <a:extLst>
               <a:ext uri="{FF2B5EF4-FFF2-40B4-BE49-F238E27FC236}">
-                <a16:creationId xmlns:a16="http://schemas.microsoft.com/office/drawing/2014/main" xmlns="" id="{87B51822-97FF-47A7-8E4E-A0F79B4EB237}"/>
+                <a16:creationId xmlns="" xmlns:a16="http://schemas.microsoft.com/office/drawing/2014/main" id="{87B51822-97FF-47A7-8E4E-A0F79B4EB237}"/>
               </a:ext>
             </a:extLst>
           </p:cNvPr>
@@ -23871,7 +23871,7 @@
           <p:cNvPr id="7" name="Text Placeholder 6">
             <a:extLst>
               <a:ext uri="{FF2B5EF4-FFF2-40B4-BE49-F238E27FC236}">
-                <a16:creationId xmlns:a16="http://schemas.microsoft.com/office/drawing/2014/main" xmlns="" id="{7E0C167E-2626-40DB-AACF-D02543E29BB3}"/>
+                <a16:creationId xmlns="" xmlns:a16="http://schemas.microsoft.com/office/drawing/2014/main" id="{7E0C167E-2626-40DB-AACF-D02543E29BB3}"/>
               </a:ext>
             </a:extLst>
           </p:cNvPr>
@@ -23954,7 +23954,7 @@
           <p:cNvPr id="11" name="Rectangle 10">
             <a:extLst>
               <a:ext uri="{FF2B5EF4-FFF2-40B4-BE49-F238E27FC236}">
-                <a16:creationId xmlns:a16="http://schemas.microsoft.com/office/drawing/2014/main" xmlns="" id="{EB3E033F-4449-40FA-BC85-BD2712D313DD}"/>
+                <a16:creationId xmlns="" xmlns:a16="http://schemas.microsoft.com/office/drawing/2014/main" id="{EB3E033F-4449-40FA-BC85-BD2712D313DD}"/>
               </a:ext>
             </a:extLst>
           </p:cNvPr>
@@ -24008,7 +24008,7 @@
           <p:cNvPr id="10" name="Freeform: Shape 9">
             <a:extLst>
               <a:ext uri="{FF2B5EF4-FFF2-40B4-BE49-F238E27FC236}">
-                <a16:creationId xmlns:a16="http://schemas.microsoft.com/office/drawing/2014/main" xmlns="" id="{63D26743-0505-444C-80B3-E88EE87DF72B}"/>
+                <a16:creationId xmlns="" xmlns:a16="http://schemas.microsoft.com/office/drawing/2014/main" id="{63D26743-0505-444C-80B3-E88EE87DF72B}"/>
               </a:ext>
             </a:extLst>
           </p:cNvPr>
@@ -24131,7 +24131,7 @@
           <p:cNvPr id="18" name="Freeform: Shape 17">
             <a:extLst>
               <a:ext uri="{FF2B5EF4-FFF2-40B4-BE49-F238E27FC236}">
-                <a16:creationId xmlns:a16="http://schemas.microsoft.com/office/drawing/2014/main" xmlns="" id="{E37145E9-AC61-47D5-9288-8789940F81B6}"/>
+                <a16:creationId xmlns="" xmlns:a16="http://schemas.microsoft.com/office/drawing/2014/main" id="{E37145E9-AC61-47D5-9288-8789940F81B6}"/>
               </a:ext>
             </a:extLst>
           </p:cNvPr>
@@ -24283,7 +24283,7 @@
           <p:cNvPr id="12" name="Freeform: Shape 11">
             <a:extLst>
               <a:ext uri="{FF2B5EF4-FFF2-40B4-BE49-F238E27FC236}">
-                <a16:creationId xmlns:a16="http://schemas.microsoft.com/office/drawing/2014/main" xmlns="" id="{A5E2B3ED-9A49-40A7-B8A3-62595FE513F9}"/>
+                <a16:creationId xmlns="" xmlns:a16="http://schemas.microsoft.com/office/drawing/2014/main" id="{A5E2B3ED-9A49-40A7-B8A3-62595FE513F9}"/>
               </a:ext>
             </a:extLst>
           </p:cNvPr>
@@ -24433,7 +24433,7 @@
           <p:cNvPr id="8" name="Freeform: Shape 7">
             <a:extLst>
               <a:ext uri="{FF2B5EF4-FFF2-40B4-BE49-F238E27FC236}">
-                <a16:creationId xmlns:a16="http://schemas.microsoft.com/office/drawing/2014/main" xmlns="" id="{1599AF7E-3E34-4597-AA72-9373A7FDB020}"/>
+                <a16:creationId xmlns="" xmlns:a16="http://schemas.microsoft.com/office/drawing/2014/main" id="{1599AF7E-3E34-4597-AA72-9373A7FDB020}"/>
               </a:ext>
             </a:extLst>
           </p:cNvPr>
@@ -24579,7 +24579,7 @@
           <p:cNvPr id="2" name="Title 1">
             <a:extLst>
               <a:ext uri="{FF2B5EF4-FFF2-40B4-BE49-F238E27FC236}">
-                <a16:creationId xmlns:a16="http://schemas.microsoft.com/office/drawing/2014/main" xmlns="" id="{4A2DF563-7FAC-46B3-B24C-7E45CD89DA2B}"/>
+                <a16:creationId xmlns="" xmlns:a16="http://schemas.microsoft.com/office/drawing/2014/main" id="{4A2DF563-7FAC-46B3-B24C-7E45CD89DA2B}"/>
               </a:ext>
             </a:extLst>
           </p:cNvPr>
@@ -24624,7 +24624,7 @@
           <p:cNvPr id="15" name="Group 14">
             <a:extLst>
               <a:ext uri="{FF2B5EF4-FFF2-40B4-BE49-F238E27FC236}">
-                <a16:creationId xmlns:a16="http://schemas.microsoft.com/office/drawing/2014/main" xmlns="" id="{7732E1E7-45E3-4264-8F26-66758696DD1E}"/>
+                <a16:creationId xmlns="" xmlns:a16="http://schemas.microsoft.com/office/drawing/2014/main" id="{7732E1E7-45E3-4264-8F26-66758696DD1E}"/>
               </a:ext>
             </a:extLst>
           </p:cNvPr>
@@ -24644,7 +24644,7 @@
             <p:cNvPr id="16" name="Freeform: Shape 15">
               <a:extLst>
                 <a:ext uri="{FF2B5EF4-FFF2-40B4-BE49-F238E27FC236}">
-                  <a16:creationId xmlns:a16="http://schemas.microsoft.com/office/drawing/2014/main" xmlns="" id="{2E3DF883-8093-49FA-81E1-E5D77F086A25}"/>
+                  <a16:creationId xmlns="" xmlns:a16="http://schemas.microsoft.com/office/drawing/2014/main" id="{2E3DF883-8093-49FA-81E1-E5D77F086A25}"/>
                 </a:ext>
               </a:extLst>
             </p:cNvPr>
@@ -24734,7 +24734,7 @@
             <p:cNvPr id="17" name="Freeform: Shape 16">
               <a:extLst>
                 <a:ext uri="{FF2B5EF4-FFF2-40B4-BE49-F238E27FC236}">
-                  <a16:creationId xmlns:a16="http://schemas.microsoft.com/office/drawing/2014/main" xmlns="" id="{18944C90-37E5-4BBE-89FF-060627168050}"/>
+                  <a16:creationId xmlns="" xmlns:a16="http://schemas.microsoft.com/office/drawing/2014/main" id="{18944C90-37E5-4BBE-89FF-060627168050}"/>
                 </a:ext>
               </a:extLst>
             </p:cNvPr>
@@ -24833,7 +24833,7 @@
           <p:cNvPr id="6" name="Group 5">
             <a:extLst>
               <a:ext uri="{FF2B5EF4-FFF2-40B4-BE49-F238E27FC236}">
-                <a16:creationId xmlns:a16="http://schemas.microsoft.com/office/drawing/2014/main" xmlns="" id="{D9EBF8BB-A805-4DDB-B459-082F99815B95}"/>
+                <a16:creationId xmlns="" xmlns:a16="http://schemas.microsoft.com/office/drawing/2014/main" id="{D9EBF8BB-A805-4DDB-B459-082F99815B95}"/>
               </a:ext>
             </a:extLst>
           </p:cNvPr>
@@ -24853,7 +24853,7 @@
             <p:cNvPr id="19" name="Rectangle: Single Corner Snipped 18">
               <a:extLst>
                 <a:ext uri="{FF2B5EF4-FFF2-40B4-BE49-F238E27FC236}">
-                  <a16:creationId xmlns:a16="http://schemas.microsoft.com/office/drawing/2014/main" xmlns="" id="{5D638788-DD47-45E7-939A-FA108A818173}"/>
+                  <a16:creationId xmlns="" xmlns:a16="http://schemas.microsoft.com/office/drawing/2014/main" id="{5D638788-DD47-45E7-939A-FA108A818173}"/>
                 </a:ext>
               </a:extLst>
             </p:cNvPr>
@@ -24919,7 +24919,7 @@
             <p:cNvPr id="3" name="Rectangle: Single Corner Snipped 2">
               <a:extLst>
                 <a:ext uri="{FF2B5EF4-FFF2-40B4-BE49-F238E27FC236}">
-                  <a16:creationId xmlns:a16="http://schemas.microsoft.com/office/drawing/2014/main" xmlns="" id="{74BDECEF-EEFE-4332-B3B2-BDE4F82C10FC}"/>
+                  <a16:creationId xmlns="" xmlns:a16="http://schemas.microsoft.com/office/drawing/2014/main" id="{74BDECEF-EEFE-4332-B3B2-BDE4F82C10FC}"/>
                 </a:ext>
               </a:extLst>
             </p:cNvPr>
@@ -24976,7 +24976,7 @@
           <p:cNvPr id="24" name="Freeform: Shape 23">
             <a:extLst>
               <a:ext uri="{FF2B5EF4-FFF2-40B4-BE49-F238E27FC236}">
-                <a16:creationId xmlns:a16="http://schemas.microsoft.com/office/drawing/2014/main" xmlns="" id="{18103E00-7E4A-44CD-81AC-06433CAE1110}"/>
+                <a16:creationId xmlns="" xmlns:a16="http://schemas.microsoft.com/office/drawing/2014/main" id="{18103E00-7E4A-44CD-81AC-06433CAE1110}"/>
               </a:ext>
             </a:extLst>
           </p:cNvPr>
@@ -25071,7 +25071,7 @@
           <p:cNvPr id="5" name="Slide Number Placeholder 4">
             <a:extLst>
               <a:ext uri="{FF2B5EF4-FFF2-40B4-BE49-F238E27FC236}">
-                <a16:creationId xmlns:a16="http://schemas.microsoft.com/office/drawing/2014/main" xmlns="" id="{87B51822-97FF-47A7-8E4E-A0F79B4EB237}"/>
+                <a16:creationId xmlns="" xmlns:a16="http://schemas.microsoft.com/office/drawing/2014/main" id="{87B51822-97FF-47A7-8E4E-A0F79B4EB237}"/>
               </a:ext>
             </a:extLst>
           </p:cNvPr>
@@ -25115,7 +25115,7 @@
           <p:cNvPr id="20" name="Content Placeholder 2">
             <a:extLst>
               <a:ext uri="{FF2B5EF4-FFF2-40B4-BE49-F238E27FC236}">
-                <a16:creationId xmlns:a16="http://schemas.microsoft.com/office/drawing/2014/main" xmlns="" id="{0103A49C-32FF-49E6-86F3-FC2E19517BD5}"/>
+                <a16:creationId xmlns="" xmlns:a16="http://schemas.microsoft.com/office/drawing/2014/main" id="{0103A49C-32FF-49E6-86F3-FC2E19517BD5}"/>
               </a:ext>
             </a:extLst>
           </p:cNvPr>
@@ -25251,7 +25251,7 @@
           <p:cNvPr id="11" name="Rectangle 10">
             <a:extLst>
               <a:ext uri="{FF2B5EF4-FFF2-40B4-BE49-F238E27FC236}">
-                <a16:creationId xmlns:a16="http://schemas.microsoft.com/office/drawing/2014/main" xmlns="" id="{EB3E033F-4449-40FA-BC85-BD2712D313DD}"/>
+                <a16:creationId xmlns="" xmlns:a16="http://schemas.microsoft.com/office/drawing/2014/main" id="{EB3E033F-4449-40FA-BC85-BD2712D313DD}"/>
               </a:ext>
             </a:extLst>
           </p:cNvPr>
@@ -25305,7 +25305,7 @@
           <p:cNvPr id="10" name="Freeform: Shape 9">
             <a:extLst>
               <a:ext uri="{FF2B5EF4-FFF2-40B4-BE49-F238E27FC236}">
-                <a16:creationId xmlns:a16="http://schemas.microsoft.com/office/drawing/2014/main" xmlns="" id="{63D26743-0505-444C-80B3-E88EE87DF72B}"/>
+                <a16:creationId xmlns="" xmlns:a16="http://schemas.microsoft.com/office/drawing/2014/main" id="{63D26743-0505-444C-80B3-E88EE87DF72B}"/>
               </a:ext>
             </a:extLst>
           </p:cNvPr>
@@ -25428,7 +25428,7 @@
           <p:cNvPr id="18" name="Freeform: Shape 17">
             <a:extLst>
               <a:ext uri="{FF2B5EF4-FFF2-40B4-BE49-F238E27FC236}">
-                <a16:creationId xmlns:a16="http://schemas.microsoft.com/office/drawing/2014/main" xmlns="" id="{E37145E9-AC61-47D5-9288-8789940F81B6}"/>
+                <a16:creationId xmlns="" xmlns:a16="http://schemas.microsoft.com/office/drawing/2014/main" id="{E37145E9-AC61-47D5-9288-8789940F81B6}"/>
               </a:ext>
             </a:extLst>
           </p:cNvPr>
@@ -25580,7 +25580,7 @@
           <p:cNvPr id="12" name="Freeform: Shape 11">
             <a:extLst>
               <a:ext uri="{FF2B5EF4-FFF2-40B4-BE49-F238E27FC236}">
-                <a16:creationId xmlns:a16="http://schemas.microsoft.com/office/drawing/2014/main" xmlns="" id="{A5E2B3ED-9A49-40A7-B8A3-62595FE513F9}"/>
+                <a16:creationId xmlns="" xmlns:a16="http://schemas.microsoft.com/office/drawing/2014/main" id="{A5E2B3ED-9A49-40A7-B8A3-62595FE513F9}"/>
               </a:ext>
             </a:extLst>
           </p:cNvPr>
@@ -25730,7 +25730,7 @@
           <p:cNvPr id="8" name="Freeform: Shape 7">
             <a:extLst>
               <a:ext uri="{FF2B5EF4-FFF2-40B4-BE49-F238E27FC236}">
-                <a16:creationId xmlns:a16="http://schemas.microsoft.com/office/drawing/2014/main" xmlns="" id="{1599AF7E-3E34-4597-AA72-9373A7FDB020}"/>
+                <a16:creationId xmlns="" xmlns:a16="http://schemas.microsoft.com/office/drawing/2014/main" id="{1599AF7E-3E34-4597-AA72-9373A7FDB020}"/>
               </a:ext>
             </a:extLst>
           </p:cNvPr>
@@ -25876,7 +25876,7 @@
           <p:cNvPr id="2" name="Title 1">
             <a:extLst>
               <a:ext uri="{FF2B5EF4-FFF2-40B4-BE49-F238E27FC236}">
-                <a16:creationId xmlns:a16="http://schemas.microsoft.com/office/drawing/2014/main" xmlns="" id="{4A2DF563-7FAC-46B3-B24C-7E45CD89DA2B}"/>
+                <a16:creationId xmlns="" xmlns:a16="http://schemas.microsoft.com/office/drawing/2014/main" id="{4A2DF563-7FAC-46B3-B24C-7E45CD89DA2B}"/>
               </a:ext>
             </a:extLst>
           </p:cNvPr>
@@ -25921,7 +25921,7 @@
           <p:cNvPr id="15" name="Group 14">
             <a:extLst>
               <a:ext uri="{FF2B5EF4-FFF2-40B4-BE49-F238E27FC236}">
-                <a16:creationId xmlns:a16="http://schemas.microsoft.com/office/drawing/2014/main" xmlns="" id="{7732E1E7-45E3-4264-8F26-66758696DD1E}"/>
+                <a16:creationId xmlns="" xmlns:a16="http://schemas.microsoft.com/office/drawing/2014/main" id="{7732E1E7-45E3-4264-8F26-66758696DD1E}"/>
               </a:ext>
             </a:extLst>
           </p:cNvPr>
@@ -25941,7 +25941,7 @@
             <p:cNvPr id="16" name="Freeform: Shape 15">
               <a:extLst>
                 <a:ext uri="{FF2B5EF4-FFF2-40B4-BE49-F238E27FC236}">
-                  <a16:creationId xmlns:a16="http://schemas.microsoft.com/office/drawing/2014/main" xmlns="" id="{2E3DF883-8093-49FA-81E1-E5D77F086A25}"/>
+                  <a16:creationId xmlns="" xmlns:a16="http://schemas.microsoft.com/office/drawing/2014/main" id="{2E3DF883-8093-49FA-81E1-E5D77F086A25}"/>
                 </a:ext>
               </a:extLst>
             </p:cNvPr>
@@ -26031,7 +26031,7 @@
             <p:cNvPr id="17" name="Freeform: Shape 16">
               <a:extLst>
                 <a:ext uri="{FF2B5EF4-FFF2-40B4-BE49-F238E27FC236}">
-                  <a16:creationId xmlns:a16="http://schemas.microsoft.com/office/drawing/2014/main" xmlns="" id="{18944C90-37E5-4BBE-89FF-060627168050}"/>
+                  <a16:creationId xmlns="" xmlns:a16="http://schemas.microsoft.com/office/drawing/2014/main" id="{18944C90-37E5-4BBE-89FF-060627168050}"/>
                 </a:ext>
               </a:extLst>
             </p:cNvPr>
@@ -26130,7 +26130,7 @@
           <p:cNvPr id="6" name="Group 5">
             <a:extLst>
               <a:ext uri="{FF2B5EF4-FFF2-40B4-BE49-F238E27FC236}">
-                <a16:creationId xmlns:a16="http://schemas.microsoft.com/office/drawing/2014/main" xmlns="" id="{D9EBF8BB-A805-4DDB-B459-082F99815B95}"/>
+                <a16:creationId xmlns="" xmlns:a16="http://schemas.microsoft.com/office/drawing/2014/main" id="{D9EBF8BB-A805-4DDB-B459-082F99815B95}"/>
               </a:ext>
             </a:extLst>
           </p:cNvPr>
@@ -26150,7 +26150,7 @@
             <p:cNvPr id="19" name="Rectangle: Single Corner Snipped 18">
               <a:extLst>
                 <a:ext uri="{FF2B5EF4-FFF2-40B4-BE49-F238E27FC236}">
-                  <a16:creationId xmlns:a16="http://schemas.microsoft.com/office/drawing/2014/main" xmlns="" id="{5D638788-DD47-45E7-939A-FA108A818173}"/>
+                  <a16:creationId xmlns="" xmlns:a16="http://schemas.microsoft.com/office/drawing/2014/main" id="{5D638788-DD47-45E7-939A-FA108A818173}"/>
                 </a:ext>
               </a:extLst>
             </p:cNvPr>
@@ -26216,7 +26216,7 @@
             <p:cNvPr id="3" name="Rectangle: Single Corner Snipped 2">
               <a:extLst>
                 <a:ext uri="{FF2B5EF4-FFF2-40B4-BE49-F238E27FC236}">
-                  <a16:creationId xmlns:a16="http://schemas.microsoft.com/office/drawing/2014/main" xmlns="" id="{74BDECEF-EEFE-4332-B3B2-BDE4F82C10FC}"/>
+                  <a16:creationId xmlns="" xmlns:a16="http://schemas.microsoft.com/office/drawing/2014/main" id="{74BDECEF-EEFE-4332-B3B2-BDE4F82C10FC}"/>
                 </a:ext>
               </a:extLst>
             </p:cNvPr>
@@ -26273,7 +26273,7 @@
           <p:cNvPr id="24" name="Freeform: Shape 23">
             <a:extLst>
               <a:ext uri="{FF2B5EF4-FFF2-40B4-BE49-F238E27FC236}">
-                <a16:creationId xmlns:a16="http://schemas.microsoft.com/office/drawing/2014/main" xmlns="" id="{18103E00-7E4A-44CD-81AC-06433CAE1110}"/>
+                <a16:creationId xmlns="" xmlns:a16="http://schemas.microsoft.com/office/drawing/2014/main" id="{18103E00-7E4A-44CD-81AC-06433CAE1110}"/>
               </a:ext>
             </a:extLst>
           </p:cNvPr>
@@ -26368,7 +26368,7 @@
           <p:cNvPr id="5" name="Slide Number Placeholder 4">
             <a:extLst>
               <a:ext uri="{FF2B5EF4-FFF2-40B4-BE49-F238E27FC236}">
-                <a16:creationId xmlns:a16="http://schemas.microsoft.com/office/drawing/2014/main" xmlns="" id="{87B51822-97FF-47A7-8E4E-A0F79B4EB237}"/>
+                <a16:creationId xmlns="" xmlns:a16="http://schemas.microsoft.com/office/drawing/2014/main" id="{87B51822-97FF-47A7-8E4E-A0F79B4EB237}"/>
               </a:ext>
             </a:extLst>
           </p:cNvPr>
@@ -26412,7 +26412,7 @@
           <p:cNvPr id="25" name="Text Placeholder 2">
             <a:extLst>
               <a:ext uri="{FF2B5EF4-FFF2-40B4-BE49-F238E27FC236}">
-                <a16:creationId xmlns:a16="http://schemas.microsoft.com/office/drawing/2014/main" xmlns="" id="{7FA80A70-18DE-4DB9-9982-BA75BE54CF93}"/>
+                <a16:creationId xmlns="" xmlns:a16="http://schemas.microsoft.com/office/drawing/2014/main" id="{7FA80A70-18DE-4DB9-9982-BA75BE54CF93}"/>
               </a:ext>
             </a:extLst>
           </p:cNvPr>
@@ -26490,7 +26490,7 @@
           <p:cNvPr id="26" name="Text Placeholder 4">
             <a:extLst>
               <a:ext uri="{FF2B5EF4-FFF2-40B4-BE49-F238E27FC236}">
-                <a16:creationId xmlns:a16="http://schemas.microsoft.com/office/drawing/2014/main" xmlns="" id="{2801C0EF-C078-44B0-AD01-4850E9A65EE0}"/>
+                <a16:creationId xmlns="" xmlns:a16="http://schemas.microsoft.com/office/drawing/2014/main" id="{2801C0EF-C078-44B0-AD01-4850E9A65EE0}"/>
               </a:ext>
             </a:extLst>
           </p:cNvPr>
@@ -26568,7 +26568,7 @@
           <p:cNvPr id="27" name="Content Placeholder 3">
             <a:extLst>
               <a:ext uri="{FF2B5EF4-FFF2-40B4-BE49-F238E27FC236}">
-                <a16:creationId xmlns:a16="http://schemas.microsoft.com/office/drawing/2014/main" xmlns="" id="{7C9DED91-45F6-4308-A085-1EFACA6468CF}"/>
+                <a16:creationId xmlns="" xmlns:a16="http://schemas.microsoft.com/office/drawing/2014/main" id="{7C9DED91-45F6-4308-A085-1EFACA6468CF}"/>
               </a:ext>
             </a:extLst>
           </p:cNvPr>
@@ -26668,7 +26668,7 @@
           <p:cNvPr id="28" name="Content Placeholder 5">
             <a:extLst>
               <a:ext uri="{FF2B5EF4-FFF2-40B4-BE49-F238E27FC236}">
-                <a16:creationId xmlns:a16="http://schemas.microsoft.com/office/drawing/2014/main" xmlns="" id="{0574B5E7-B666-439B-9278-67BE1EA6EBC5}"/>
+                <a16:creationId xmlns="" xmlns:a16="http://schemas.microsoft.com/office/drawing/2014/main" id="{0574B5E7-B666-439B-9278-67BE1EA6EBC5}"/>
               </a:ext>
             </a:extLst>
           </p:cNvPr>
@@ -26803,7 +26803,7 @@
           <p:cNvPr id="2" name="Title Placeholder 1">
             <a:extLst>
               <a:ext uri="{FF2B5EF4-FFF2-40B4-BE49-F238E27FC236}">
-                <a16:creationId xmlns:a16="http://schemas.microsoft.com/office/drawing/2014/main" xmlns="" id="{761B0E15-6FC5-434E-8780-B186D9DB0CD0}"/>
+                <a16:creationId xmlns="" xmlns:a16="http://schemas.microsoft.com/office/drawing/2014/main" id="{761B0E15-6FC5-434E-8780-B186D9DB0CD0}"/>
               </a:ext>
             </a:extLst>
           </p:cNvPr>
@@ -26841,7 +26841,7 @@
           <p:cNvPr id="3" name="Text Placeholder 2">
             <a:extLst>
               <a:ext uri="{FF2B5EF4-FFF2-40B4-BE49-F238E27FC236}">
-                <a16:creationId xmlns:a16="http://schemas.microsoft.com/office/drawing/2014/main" xmlns="" id="{A9C7B128-34F3-405C-B601-8BAFDB43499C}"/>
+                <a16:creationId xmlns="" xmlns:a16="http://schemas.microsoft.com/office/drawing/2014/main" id="{A9C7B128-34F3-405C-B601-8BAFDB43499C}"/>
               </a:ext>
             </a:extLst>
           </p:cNvPr>
@@ -26908,7 +26908,7 @@
           <p:cNvPr id="6" name="Slide Number Placeholder 5">
             <a:extLst>
               <a:ext uri="{FF2B5EF4-FFF2-40B4-BE49-F238E27FC236}">
-                <a16:creationId xmlns:a16="http://schemas.microsoft.com/office/drawing/2014/main" xmlns="" id="{9F5A7754-E8C7-438B-922D-9027C6CF58E2}"/>
+                <a16:creationId xmlns="" xmlns:a16="http://schemas.microsoft.com/office/drawing/2014/main" id="{9F5A7754-E8C7-438B-922D-9027C6CF58E2}"/>
               </a:ext>
             </a:extLst>
           </p:cNvPr>
@@ -26955,7 +26955,7 @@
           <p:cNvPr id="5" name="Rectangle 4">
             <a:extLst>
               <a:ext uri="{FF2B5EF4-FFF2-40B4-BE49-F238E27FC236}">
-                <a16:creationId xmlns:a16="http://schemas.microsoft.com/office/drawing/2014/main" xmlns="" id="{7CDDDB7D-9189-9548-A2B9-81DC62C3C1A3}"/>
+                <a16:creationId xmlns="" xmlns:a16="http://schemas.microsoft.com/office/drawing/2014/main" id="{7CDDDB7D-9189-9548-A2B9-81DC62C3C1A3}"/>
               </a:ext>
             </a:extLst>
           </p:cNvPr>
@@ -27009,7 +27009,7 @@
           <p:cNvPr id="7" name="Freeform: Shape 9">
             <a:extLst>
               <a:ext uri="{FF2B5EF4-FFF2-40B4-BE49-F238E27FC236}">
-                <a16:creationId xmlns:a16="http://schemas.microsoft.com/office/drawing/2014/main" xmlns="" id="{096D8877-6B4A-4540-8927-767DD7401718}"/>
+                <a16:creationId xmlns="" xmlns:a16="http://schemas.microsoft.com/office/drawing/2014/main" id="{096D8877-6B4A-4540-8927-767DD7401718}"/>
               </a:ext>
             </a:extLst>
           </p:cNvPr>
@@ -27132,7 +27132,7 @@
           <p:cNvPr id="8" name="Freeform: Shape 17">
             <a:extLst>
               <a:ext uri="{FF2B5EF4-FFF2-40B4-BE49-F238E27FC236}">
-                <a16:creationId xmlns:a16="http://schemas.microsoft.com/office/drawing/2014/main" xmlns="" id="{5AF2E123-FE0F-8541-8E36-5030C450AA7E}"/>
+                <a16:creationId xmlns="" xmlns:a16="http://schemas.microsoft.com/office/drawing/2014/main" id="{5AF2E123-FE0F-8541-8E36-5030C450AA7E}"/>
               </a:ext>
             </a:extLst>
           </p:cNvPr>
@@ -27284,7 +27284,7 @@
           <p:cNvPr id="9" name="Freeform: Shape 11">
             <a:extLst>
               <a:ext uri="{FF2B5EF4-FFF2-40B4-BE49-F238E27FC236}">
-                <a16:creationId xmlns:a16="http://schemas.microsoft.com/office/drawing/2014/main" xmlns="" id="{E5519D99-3B68-924A-9CD0-14B911711CA8}"/>
+                <a16:creationId xmlns="" xmlns:a16="http://schemas.microsoft.com/office/drawing/2014/main" id="{E5519D99-3B68-924A-9CD0-14B911711CA8}"/>
               </a:ext>
             </a:extLst>
           </p:cNvPr>
@@ -27434,7 +27434,7 @@
           <p:cNvPr id="10" name="Freeform: Shape 7">
             <a:extLst>
               <a:ext uri="{FF2B5EF4-FFF2-40B4-BE49-F238E27FC236}">
-                <a16:creationId xmlns:a16="http://schemas.microsoft.com/office/drawing/2014/main" xmlns="" id="{A09E21A9-FBEF-144C-A152-FE484F3C55C1}"/>
+                <a16:creationId xmlns="" xmlns:a16="http://schemas.microsoft.com/office/drawing/2014/main" id="{A09E21A9-FBEF-144C-A152-FE484F3C55C1}"/>
               </a:ext>
             </a:extLst>
           </p:cNvPr>
@@ -27580,7 +27580,7 @@
           <p:cNvPr id="11" name="Title 1">
             <a:extLst>
               <a:ext uri="{FF2B5EF4-FFF2-40B4-BE49-F238E27FC236}">
-                <a16:creationId xmlns:a16="http://schemas.microsoft.com/office/drawing/2014/main" xmlns="" id="{70C7F2CB-A8CE-1545-A08D-93592C4BAEEA}"/>
+                <a16:creationId xmlns="" xmlns:a16="http://schemas.microsoft.com/office/drawing/2014/main" id="{70C7F2CB-A8CE-1545-A08D-93592C4BAEEA}"/>
               </a:ext>
             </a:extLst>
           </p:cNvPr>
@@ -27636,7 +27636,7 @@
           <p:cNvPr id="12" name="Group 11">
             <a:extLst>
               <a:ext uri="{FF2B5EF4-FFF2-40B4-BE49-F238E27FC236}">
-                <a16:creationId xmlns:a16="http://schemas.microsoft.com/office/drawing/2014/main" xmlns="" id="{7068FCE4-1B47-3C4B-B091-013120A97D09}"/>
+                <a16:creationId xmlns="" xmlns:a16="http://schemas.microsoft.com/office/drawing/2014/main" id="{7068FCE4-1B47-3C4B-B091-013120A97D09}"/>
               </a:ext>
             </a:extLst>
           </p:cNvPr>
@@ -27656,7 +27656,7 @@
             <p:cNvPr id="13" name="Freeform: Shape 15">
               <a:extLst>
                 <a:ext uri="{FF2B5EF4-FFF2-40B4-BE49-F238E27FC236}">
-                  <a16:creationId xmlns:a16="http://schemas.microsoft.com/office/drawing/2014/main" xmlns="" id="{FEC3FDE7-F27E-5E4E-8752-287CAB7792D4}"/>
+                  <a16:creationId xmlns="" xmlns:a16="http://schemas.microsoft.com/office/drawing/2014/main" id="{FEC3FDE7-F27E-5E4E-8752-287CAB7792D4}"/>
                 </a:ext>
               </a:extLst>
             </p:cNvPr>
@@ -27746,7 +27746,7 @@
             <p:cNvPr id="14" name="Freeform: Shape 16">
               <a:extLst>
                 <a:ext uri="{FF2B5EF4-FFF2-40B4-BE49-F238E27FC236}">
-                  <a16:creationId xmlns:a16="http://schemas.microsoft.com/office/drawing/2014/main" xmlns="" id="{81C902DB-0D21-5044-82B6-9E7A70A1BF62}"/>
+                  <a16:creationId xmlns="" xmlns:a16="http://schemas.microsoft.com/office/drawing/2014/main" id="{81C902DB-0D21-5044-82B6-9E7A70A1BF62}"/>
                 </a:ext>
               </a:extLst>
             </p:cNvPr>
@@ -27845,7 +27845,7 @@
           <p:cNvPr id="15" name="Group 14">
             <a:extLst>
               <a:ext uri="{FF2B5EF4-FFF2-40B4-BE49-F238E27FC236}">
-                <a16:creationId xmlns:a16="http://schemas.microsoft.com/office/drawing/2014/main" xmlns="" id="{BE1E08A0-195D-694F-947B-986A76FBB93E}"/>
+                <a16:creationId xmlns="" xmlns:a16="http://schemas.microsoft.com/office/drawing/2014/main" id="{BE1E08A0-195D-694F-947B-986A76FBB93E}"/>
               </a:ext>
             </a:extLst>
           </p:cNvPr>
@@ -27865,7 +27865,7 @@
             <p:cNvPr id="16" name="Rectangle: Single Corner Snipped 18">
               <a:extLst>
                 <a:ext uri="{FF2B5EF4-FFF2-40B4-BE49-F238E27FC236}">
-                  <a16:creationId xmlns:a16="http://schemas.microsoft.com/office/drawing/2014/main" xmlns="" id="{ED5DFFCD-1EE3-E64E-B51F-BD7D72413E0B}"/>
+                  <a16:creationId xmlns="" xmlns:a16="http://schemas.microsoft.com/office/drawing/2014/main" id="{ED5DFFCD-1EE3-E64E-B51F-BD7D72413E0B}"/>
                 </a:ext>
               </a:extLst>
             </p:cNvPr>
@@ -27931,7 +27931,7 @@
             <p:cNvPr id="17" name="Rectangle: Single Corner Snipped 2">
               <a:extLst>
                 <a:ext uri="{FF2B5EF4-FFF2-40B4-BE49-F238E27FC236}">
-                  <a16:creationId xmlns:a16="http://schemas.microsoft.com/office/drawing/2014/main" xmlns="" id="{C12DB3CA-8E64-AA43-BFBE-A2CA9A816DBE}"/>
+                  <a16:creationId xmlns="" xmlns:a16="http://schemas.microsoft.com/office/drawing/2014/main" id="{C12DB3CA-8E64-AA43-BFBE-A2CA9A816DBE}"/>
                 </a:ext>
               </a:extLst>
             </p:cNvPr>
@@ -27988,7 +27988,7 @@
           <p:cNvPr id="18" name="Freeform: Shape 23">
             <a:extLst>
               <a:ext uri="{FF2B5EF4-FFF2-40B4-BE49-F238E27FC236}">
-                <a16:creationId xmlns:a16="http://schemas.microsoft.com/office/drawing/2014/main" xmlns="" id="{A587DEFD-D470-4142-8E0D-A71DDB147C92}"/>
+                <a16:creationId xmlns="" xmlns:a16="http://schemas.microsoft.com/office/drawing/2014/main" id="{A587DEFD-D470-4142-8E0D-A71DDB147C92}"/>
               </a:ext>
             </a:extLst>
           </p:cNvPr>
@@ -28083,7 +28083,7 @@
           <p:cNvPr id="19" name="Slide Number Placeholder 4">
             <a:extLst>
               <a:ext uri="{FF2B5EF4-FFF2-40B4-BE49-F238E27FC236}">
-                <a16:creationId xmlns:a16="http://schemas.microsoft.com/office/drawing/2014/main" xmlns="" id="{7D9BF857-7910-734D-A217-5E3344220AA2}"/>
+                <a16:creationId xmlns="" xmlns:a16="http://schemas.microsoft.com/office/drawing/2014/main" id="{7D9BF857-7910-734D-A217-5E3344220AA2}"/>
               </a:ext>
             </a:extLst>
           </p:cNvPr>
@@ -28534,7 +28534,7 @@
   </p:txStyles>
   <p:extLst>
     <p:ext uri="{27BBF7A9-308A-43DC-89C8-2F10F3537804}">
-      <p15:sldGuideLst xmlns:p15="http://schemas.microsoft.com/office/powerpoint/2012/main" xmlns="">
+      <p15:sldGuideLst xmlns="" xmlns:p15="http://schemas.microsoft.com/office/powerpoint/2012/main">
         <p15:guide id="1" orient="horz" pos="2160" userDrawn="1">
           <p15:clr>
             <a:srgbClr val="F26B43"/>
@@ -28593,7 +28593,7 @@
           <p:cNvPr id="2" name="Title 1">
             <a:extLst>
               <a:ext uri="{FF2B5EF4-FFF2-40B4-BE49-F238E27FC236}">
-                <a16:creationId xmlns:a16="http://schemas.microsoft.com/office/drawing/2014/main" xmlns="" id="{3A4F25FA-D2E4-49EB-8598-D6FA34346532}"/>
+                <a16:creationId xmlns="" xmlns:a16="http://schemas.microsoft.com/office/drawing/2014/main" id="{3A4F25FA-D2E4-49EB-8598-D6FA34346532}"/>
               </a:ext>
             </a:extLst>
           </p:cNvPr>
@@ -28626,7 +28626,7 @@
           <p:cNvPr id="3" name="Subtitle 2">
             <a:extLst>
               <a:ext uri="{FF2B5EF4-FFF2-40B4-BE49-F238E27FC236}">
-                <a16:creationId xmlns:a16="http://schemas.microsoft.com/office/drawing/2014/main" xmlns="" id="{78B4723A-6D68-4570-9EB2-A55B047BEBC3}"/>
+                <a16:creationId xmlns="" xmlns:a16="http://schemas.microsoft.com/office/drawing/2014/main" id="{78B4723A-6D68-4570-9EB2-A55B047BEBC3}"/>
               </a:ext>
             </a:extLst>
           </p:cNvPr>
@@ -28689,11 +28689,18 @@
   <p:clrMapOvr>
     <a:masterClrMapping/>
   </p:clrMapOvr>
+  <p:timing>
+    <p:tnLst>
+      <p:par>
+        <p:cTn id="1" dur="indefinite" restart="never" nodeType="tmRoot"/>
+      </p:par>
+    </p:tnLst>
+  </p:timing>
 </p:sld>
 </file>
 
 <file path=ppt/slides/slide10.xml><?xml version="1.0" encoding="utf-8"?>
-<p:sld xmlns:a="http://schemas.openxmlformats.org/drawingml/2006/main" xmlns:r="http://schemas.openxmlformats.org/officeDocument/2006/relationships" xmlns:p="http://schemas.openxmlformats.org/presentationml/2006/main">
+<p:sld xmlns:a="http://schemas.openxmlformats.org/drawingml/2006/main" xmlns:r="http://schemas.openxmlformats.org/officeDocument/2006/relationships" xmlns:p="http://schemas.openxmlformats.org/presentationml/2006/main" showMasterSp="0">
   <p:cSld>
     <p:spTree>
       <p:nvGrpSpPr>
@@ -28714,7 +28721,7 @@
           <p:cNvPr id="11" name="Title 10">
             <a:extLst>
               <a:ext uri="{FF2B5EF4-FFF2-40B4-BE49-F238E27FC236}">
-                <a16:creationId xmlns:a16="http://schemas.microsoft.com/office/drawing/2014/main" xmlns="" id="{271FC43D-322B-4DFD-B2E2-7F92F1F8F2B6}"/>
+                <a16:creationId xmlns="" xmlns:a16="http://schemas.microsoft.com/office/drawing/2014/main" id="{271FC43D-322B-4DFD-B2E2-7F92F1F8F2B6}"/>
               </a:ext>
             </a:extLst>
           </p:cNvPr>
@@ -28755,7 +28762,7 @@
           <p:cNvPr id="9" name="Slide Number Placeholder 2">
             <a:extLst>
               <a:ext uri="{FF2B5EF4-FFF2-40B4-BE49-F238E27FC236}">
-                <a16:creationId xmlns:a16="http://schemas.microsoft.com/office/drawing/2014/main" xmlns="" id="{9DB6983D-80ED-79A1-46EB-CE9C807B8DA3}"/>
+                <a16:creationId xmlns="" xmlns:a16="http://schemas.microsoft.com/office/drawing/2014/main" id="{9DB6983D-80ED-79A1-46EB-CE9C807B8DA3}"/>
               </a:ext>
             </a:extLst>
           </p:cNvPr>
@@ -29095,6 +29102,13 @@
   <p:clrMapOvr>
     <a:masterClrMapping/>
   </p:clrMapOvr>
+  <p:timing>
+    <p:tnLst>
+      <p:par>
+        <p:cTn id="1" dur="indefinite" restart="never" nodeType="tmRoot"/>
+      </p:par>
+    </p:tnLst>
+  </p:timing>
 </p:sld>
 </file>
 
@@ -29117,219 +29131,10 @@
       </p:grpSpPr>
       <p:sp>
         <p:nvSpPr>
-          <p:cNvPr id="7" name="Title 1">
-            <a:extLst>
-              <a:ext uri="{FF2B5EF4-FFF2-40B4-BE49-F238E27FC236}">
-                <a16:creationId xmlns:a16="http://schemas.microsoft.com/office/drawing/2014/main" xmlns="" id="{FEA316DB-23D4-7143-BDEF-E3AF303EF39A}"/>
-              </a:ext>
-            </a:extLst>
-          </p:cNvPr>
-          <p:cNvSpPr>
-            <a:spLocks noGrp="1"/>
-          </p:cNvSpPr>
-          <p:nvPr>
-            <p:ph type="title"/>
-          </p:nvPr>
-        </p:nvSpPr>
-        <p:spPr>
-          <a:xfrm>
-            <a:off x="452664" y="3971925"/>
-            <a:ext cx="11214100" cy="978729"/>
-          </a:xfrm>
-        </p:spPr>
-        <p:txBody>
-          <a:bodyPr/>
-          <a:lstStyle/>
-          <a:p>
-            <a:r>
-              <a:rPr lang="en-US" dirty="0"/>
-              <a:t>Outlook: </a:t>
-            </a:r>
-            <a:br>
-              <a:rPr lang="en-US" dirty="0"/>
-            </a:br>
-            <a:endParaRPr lang="en-US" dirty="0"/>
-          </a:p>
-        </p:txBody>
-      </p:sp>
-      <p:sp>
-        <p:nvSpPr>
-          <p:cNvPr id="2" name="Slide Number Placeholder 1">
-            <a:extLst>
-              <a:ext uri="{FF2B5EF4-FFF2-40B4-BE49-F238E27FC236}">
-                <a16:creationId xmlns:a16="http://schemas.microsoft.com/office/drawing/2014/main" xmlns="" id="{8B065C75-272B-4BB5-BA23-D80E8654D621}"/>
-              </a:ext>
-            </a:extLst>
-          </p:cNvPr>
-          <p:cNvSpPr>
-            <a:spLocks noGrp="1"/>
-          </p:cNvSpPr>
-          <p:nvPr>
-            <p:ph type="sldNum" sz="quarter" idx="12"/>
-          </p:nvPr>
-        </p:nvSpPr>
-        <p:spPr>
-          <a:xfrm>
-            <a:off x="11252200" y="6315075"/>
-            <a:ext cx="406400" cy="365125"/>
-          </a:xfrm>
-        </p:spPr>
-        <p:txBody>
-          <a:bodyPr anchor="ctr">
-            <a:normAutofit/>
-          </a:bodyPr>
-          <a:lstStyle/>
-          <a:p>
-            <a:pPr>
-              <a:spcAft>
-                <a:spcPts val="600"/>
-              </a:spcAft>
-            </a:pPr>
-            <a:fld id="{C263D6C4-4840-40CC-AC84-17E24B3B7BDE}" type="slidenum">
-              <a:rPr lang="en-US" smtClean="0"/>
-              <a:pPr>
-                <a:spcAft>
-                  <a:spcPts val="600"/>
-                </a:spcAft>
-              </a:pPr>
-              <a:t>11</a:t>
-            </a:fld>
-            <a:endParaRPr lang="en-US"/>
-          </a:p>
-        </p:txBody>
-      </p:sp>
-      <p:sp>
-        <p:nvSpPr>
-          <p:cNvPr id="5" name="Text Placeholder 4">
-            <a:extLst>
-              <a:ext uri="{FF2B5EF4-FFF2-40B4-BE49-F238E27FC236}">
-                <a16:creationId xmlns:a16="http://schemas.microsoft.com/office/drawing/2014/main" xmlns="" id="{DCDDBE65-9AB1-4989-AF86-726591A6A128}"/>
-              </a:ext>
-            </a:extLst>
-          </p:cNvPr>
-          <p:cNvSpPr>
-            <a:spLocks noGrp="1"/>
-          </p:cNvSpPr>
-          <p:nvPr>
-            <p:ph idx="1"/>
-          </p:nvPr>
-        </p:nvSpPr>
-        <p:spPr>
-          <a:xfrm>
-            <a:off x="831850" y="4629526"/>
-            <a:ext cx="10744200" cy="1085475"/>
-          </a:xfrm>
-        </p:spPr>
-        <p:txBody>
-          <a:bodyPr>
-            <a:normAutofit fontScale="77500" lnSpcReduction="20000"/>
-          </a:bodyPr>
-          <a:lstStyle/>
-          <a:p>
-            <a:r>
-              <a:rPr lang="en-US" dirty="0"/>
-              <a:t>Apply Polynomial regression</a:t>
-            </a:r>
-          </a:p>
-          <a:p>
-            <a:r>
-              <a:rPr lang="en-US" dirty="0"/>
-              <a:t>Apply model on dataset of different cities and areas</a:t>
-            </a:r>
-          </a:p>
-          <a:p>
-            <a:r>
-              <a:rPr lang="en-US" dirty="0"/>
-              <a:t>Exclude location effect</a:t>
-            </a:r>
-          </a:p>
-          <a:p>
-            <a:pPr marL="285750" indent="-285750">
-              <a:buFont typeface="Arial" panose="020B0604020202020204" pitchFamily="34" charset="0"/>
-              <a:buChar char="•"/>
-            </a:pPr>
-            <a:endParaRPr lang="en-US" dirty="0"/>
-          </a:p>
-          <a:p>
-            <a:pPr marL="285750" indent="-285750">
-              <a:buFont typeface="Arial" panose="020B0604020202020204" pitchFamily="34" charset="0"/>
-              <a:buChar char="•"/>
-            </a:pPr>
-            <a:endParaRPr lang="en-US" dirty="0"/>
-          </a:p>
-          <a:p>
-            <a:pPr marL="285750" indent="-285750">
-              <a:buFont typeface="Arial" panose="020B0604020202020204" pitchFamily="34" charset="0"/>
-              <a:buChar char="•"/>
-            </a:pPr>
-            <a:endParaRPr lang="en-US" dirty="0"/>
-          </a:p>
-        </p:txBody>
-      </p:sp>
-      <p:sp>
-        <p:nvSpPr>
-          <p:cNvPr id="6" name="Title 1">
-            <a:extLst>
-              <a:ext uri="{FF2B5EF4-FFF2-40B4-BE49-F238E27FC236}">
-                <a16:creationId xmlns:a16="http://schemas.microsoft.com/office/drawing/2014/main" xmlns="" id="{FEA316DB-23D4-7143-BDEF-E3AF303EF39A}"/>
-              </a:ext>
-            </a:extLst>
-          </p:cNvPr>
-          <p:cNvSpPr txBox="1">
-            <a:spLocks/>
-          </p:cNvSpPr>
-          <p:nvPr/>
-        </p:nvSpPr>
-        <p:spPr>
-          <a:xfrm>
-            <a:off x="596900" y="695325"/>
-            <a:ext cx="11214100" cy="978729"/>
-          </a:xfrm>
-          <a:prstGeom prst="rect">
-            <a:avLst/>
-          </a:prstGeom>
-        </p:spPr>
-        <p:txBody>
-          <a:bodyPr vert="horz" wrap="square" lIns="91440" tIns="45720" rIns="91440" bIns="45720" rtlCol="0" anchor="t">
-            <a:spAutoFit/>
-          </a:bodyPr>
-          <a:lstStyle>
-            <a:lvl1pPr algn="l" defTabSz="914400" rtl="0" eaLnBrk="1" latinLnBrk="0" hangingPunct="1">
-              <a:lnSpc>
-                <a:spcPct val="90000"/>
-              </a:lnSpc>
-              <a:spcBef>
-                <a:spcPct val="0"/>
-              </a:spcBef>
-              <a:buNone/>
-              <a:defRPr lang="en-GB" sz="3200" b="1" kern="1200" spc="-70" baseline="0" dirty="0">
-                <a:solidFill>
-                  <a:schemeClr val="bg1"/>
-                </a:solidFill>
-                <a:latin typeface="+mj-lt"/>
-                <a:ea typeface="+mj-ea"/>
-                <a:cs typeface="+mj-cs"/>
-              </a:defRPr>
-            </a:lvl1pPr>
-          </a:lstStyle>
-          <a:p>
-            <a:r>
-              <a:rPr lang="en-US" dirty="0"/>
-              <a:t>Conclusion</a:t>
-            </a:r>
-            <a:br>
-              <a:rPr lang="en-US" dirty="0"/>
-            </a:br>
-            <a:endParaRPr lang="en-US" dirty="0"/>
-          </a:p>
-        </p:txBody>
-      </p:sp>
-      <p:sp>
-        <p:nvSpPr>
           <p:cNvPr id="8" name="Text Placeholder 4">
             <a:extLst>
               <a:ext uri="{FF2B5EF4-FFF2-40B4-BE49-F238E27FC236}">
-                <a16:creationId xmlns:a16="http://schemas.microsoft.com/office/drawing/2014/main" xmlns="" id="{DCDDBE65-9AB1-4989-AF86-726591A6A128}"/>
+                <a16:creationId xmlns="" xmlns:a16="http://schemas.microsoft.com/office/drawing/2014/main" id="{DCDDBE65-9AB1-4989-AF86-726591A6A128}"/>
               </a:ext>
             </a:extLst>
           </p:cNvPr>
@@ -29346,10 +29151,15 @@
           <a:prstGeom prst="rect">
             <a:avLst/>
           </a:prstGeom>
+          <a:ln>
+            <a:solidFill>
+              <a:schemeClr val="accent1"/>
+            </a:solidFill>
+          </a:ln>
         </p:spPr>
         <p:txBody>
           <a:bodyPr vert="horz" lIns="91440" tIns="45720" rIns="91440" bIns="45720" rtlCol="0">
-            <a:normAutofit/>
+            <a:normAutofit lnSpcReduction="10000"/>
           </a:bodyPr>
           <a:lstStyle>
             <a:lvl1pPr marL="228600" indent="-228600" algn="l" defTabSz="914400" rtl="0" eaLnBrk="1" latinLnBrk="0" hangingPunct="1">
@@ -29542,14 +29352,22 @@
             </a:r>
             <a:r>
               <a:rPr lang="en-US" dirty="0"/>
-              <a:t>, distance to center, view, waterfront) define price</a:t>
+              <a:t>, distance to center, view, waterfront) </a:t>
+            </a:r>
+            <a:r>
+              <a:rPr lang="en-US" dirty="0" smtClean="0"/>
+              <a:t>most relevant</a:t>
             </a:r>
           </a:p>
           <a:p>
             <a:pPr marL="285750" indent="-285750"/>
             <a:r>
+              <a:rPr lang="en-US" dirty="0" smtClean="0"/>
+              <a:t>Attributes </a:t>
+            </a:r>
+            <a:r>
               <a:rPr lang="en-US" dirty="0"/>
-              <a:t>Attributes of size are significant but with a smaller influence</a:t>
+              <a:t>of size are significant but with a smaller influence</a:t>
             </a:r>
           </a:p>
           <a:p>
@@ -29572,11 +29390,231 @@
             <a:endParaRPr lang="en-US" dirty="0"/>
           </a:p>
           <a:p>
-            <a:pPr marL="1200150" lvl="2" indent="-285750"/>
+            <a:pPr marL="1657350" lvl="3" indent="-285750"/>
             <a:endParaRPr lang="en-US" dirty="0"/>
           </a:p>
           <a:p>
             <a:pPr marL="285750" indent="-285750"/>
+            <a:endParaRPr lang="en-US" dirty="0"/>
+          </a:p>
+        </p:txBody>
+      </p:sp>
+      <p:sp>
+        <p:nvSpPr>
+          <p:cNvPr id="7" name="Title 1">
+            <a:extLst>
+              <a:ext uri="{FF2B5EF4-FFF2-40B4-BE49-F238E27FC236}">
+                <a16:creationId xmlns="" xmlns:a16="http://schemas.microsoft.com/office/drawing/2014/main" id="{FEA316DB-23D4-7143-BDEF-E3AF303EF39A}"/>
+              </a:ext>
+            </a:extLst>
+          </p:cNvPr>
+          <p:cNvSpPr>
+            <a:spLocks noGrp="1"/>
+          </p:cNvSpPr>
+          <p:nvPr>
+            <p:ph type="title"/>
+          </p:nvPr>
+        </p:nvSpPr>
+        <p:spPr>
+          <a:xfrm>
+            <a:off x="452664" y="3971925"/>
+            <a:ext cx="11214100" cy="978729"/>
+          </a:xfrm>
+        </p:spPr>
+        <p:txBody>
+          <a:bodyPr/>
+          <a:lstStyle/>
+          <a:p>
+            <a:r>
+              <a:rPr lang="en-US" dirty="0"/>
+              <a:t>Outlook: </a:t>
+            </a:r>
+            <a:br>
+              <a:rPr lang="en-US" dirty="0"/>
+            </a:br>
+            <a:endParaRPr lang="en-US" dirty="0"/>
+          </a:p>
+        </p:txBody>
+      </p:sp>
+      <p:sp>
+        <p:nvSpPr>
+          <p:cNvPr id="2" name="Slide Number Placeholder 1">
+            <a:extLst>
+              <a:ext uri="{FF2B5EF4-FFF2-40B4-BE49-F238E27FC236}">
+                <a16:creationId xmlns="" xmlns:a16="http://schemas.microsoft.com/office/drawing/2014/main" id="{8B065C75-272B-4BB5-BA23-D80E8654D621}"/>
+              </a:ext>
+            </a:extLst>
+          </p:cNvPr>
+          <p:cNvSpPr>
+            <a:spLocks noGrp="1"/>
+          </p:cNvSpPr>
+          <p:nvPr>
+            <p:ph type="sldNum" sz="quarter" idx="12"/>
+          </p:nvPr>
+        </p:nvSpPr>
+        <p:spPr>
+          <a:xfrm>
+            <a:off x="11252200" y="6315075"/>
+            <a:ext cx="406400" cy="365125"/>
+          </a:xfrm>
+        </p:spPr>
+        <p:txBody>
+          <a:bodyPr anchor="ctr">
+            <a:normAutofit/>
+          </a:bodyPr>
+          <a:lstStyle/>
+          <a:p>
+            <a:pPr>
+              <a:spcAft>
+                <a:spcPts val="600"/>
+              </a:spcAft>
+            </a:pPr>
+            <a:fld id="{C263D6C4-4840-40CC-AC84-17E24B3B7BDE}" type="slidenum">
+              <a:rPr lang="en-US" smtClean="0"/>
+              <a:pPr>
+                <a:spcAft>
+                  <a:spcPts val="600"/>
+                </a:spcAft>
+              </a:pPr>
+              <a:t>11</a:t>
+            </a:fld>
+            <a:endParaRPr lang="en-US"/>
+          </a:p>
+        </p:txBody>
+      </p:sp>
+      <p:sp>
+        <p:nvSpPr>
+          <p:cNvPr id="5" name="Text Placeholder 4">
+            <a:extLst>
+              <a:ext uri="{FF2B5EF4-FFF2-40B4-BE49-F238E27FC236}">
+                <a16:creationId xmlns="" xmlns:a16="http://schemas.microsoft.com/office/drawing/2014/main" id="{DCDDBE65-9AB1-4989-AF86-726591A6A128}"/>
+              </a:ext>
+            </a:extLst>
+          </p:cNvPr>
+          <p:cNvSpPr>
+            <a:spLocks noGrp="1"/>
+          </p:cNvSpPr>
+          <p:nvPr>
+            <p:ph idx="1"/>
+          </p:nvPr>
+        </p:nvSpPr>
+        <p:spPr>
+          <a:xfrm>
+            <a:off x="831850" y="4629526"/>
+            <a:ext cx="10744200" cy="1085475"/>
+          </a:xfrm>
+        </p:spPr>
+        <p:txBody>
+          <a:bodyPr>
+            <a:normAutofit fontScale="47500" lnSpcReduction="20000"/>
+          </a:bodyPr>
+          <a:lstStyle/>
+          <a:p>
+            <a:r>
+              <a:rPr lang="en-US" dirty="0"/>
+              <a:t>Apply Polynomial regression</a:t>
+            </a:r>
+          </a:p>
+          <a:p>
+            <a:r>
+              <a:rPr lang="en-US" dirty="0"/>
+              <a:t>Apply model on dataset of different cities and areas</a:t>
+            </a:r>
+          </a:p>
+          <a:p>
+            <a:r>
+              <a:rPr lang="en-US" dirty="0"/>
+              <a:t>Exclude location </a:t>
+            </a:r>
+            <a:r>
+              <a:rPr lang="en-US" dirty="0" smtClean="0"/>
+              <a:t>effect</a:t>
+            </a:r>
+          </a:p>
+          <a:p>
+            <a:r>
+              <a:rPr lang="en-US" dirty="0" smtClean="0"/>
+              <a:t>Add more attributes (crime rate, population growth…)</a:t>
+            </a:r>
+            <a:endParaRPr lang="en-US" dirty="0"/>
+          </a:p>
+          <a:p>
+            <a:pPr marL="285750" indent="-285750">
+              <a:buFont typeface="Arial" panose="020B0604020202020204" pitchFamily="34" charset="0"/>
+              <a:buChar char="•"/>
+            </a:pPr>
+            <a:endParaRPr lang="en-US" dirty="0"/>
+          </a:p>
+          <a:p>
+            <a:pPr marL="285750" indent="-285750">
+              <a:buFont typeface="Arial" panose="020B0604020202020204" pitchFamily="34" charset="0"/>
+              <a:buChar char="•"/>
+            </a:pPr>
+            <a:endParaRPr lang="en-US" dirty="0"/>
+          </a:p>
+          <a:p>
+            <a:pPr marL="285750" indent="-285750">
+              <a:buFont typeface="Arial" panose="020B0604020202020204" pitchFamily="34" charset="0"/>
+              <a:buChar char="•"/>
+            </a:pPr>
+            <a:endParaRPr lang="en-US" dirty="0"/>
+          </a:p>
+        </p:txBody>
+      </p:sp>
+      <p:sp>
+        <p:nvSpPr>
+          <p:cNvPr id="6" name="Title 1">
+            <a:extLst>
+              <a:ext uri="{FF2B5EF4-FFF2-40B4-BE49-F238E27FC236}">
+                <a16:creationId xmlns="" xmlns:a16="http://schemas.microsoft.com/office/drawing/2014/main" id="{FEA316DB-23D4-7143-BDEF-E3AF303EF39A}"/>
+              </a:ext>
+            </a:extLst>
+          </p:cNvPr>
+          <p:cNvSpPr txBox="1">
+            <a:spLocks/>
+          </p:cNvSpPr>
+          <p:nvPr/>
+        </p:nvSpPr>
+        <p:spPr>
+          <a:xfrm>
+            <a:off x="596900" y="695325"/>
+            <a:ext cx="11214100" cy="978729"/>
+          </a:xfrm>
+          <a:prstGeom prst="rect">
+            <a:avLst/>
+          </a:prstGeom>
+        </p:spPr>
+        <p:txBody>
+          <a:bodyPr vert="horz" wrap="square" lIns="91440" tIns="45720" rIns="91440" bIns="45720" rtlCol="0" anchor="t">
+            <a:spAutoFit/>
+          </a:bodyPr>
+          <a:lstStyle>
+            <a:lvl1pPr algn="l" defTabSz="914400" rtl="0" eaLnBrk="1" latinLnBrk="0" hangingPunct="1">
+              <a:lnSpc>
+                <a:spcPct val="90000"/>
+              </a:lnSpc>
+              <a:spcBef>
+                <a:spcPct val="0"/>
+              </a:spcBef>
+              <a:buNone/>
+              <a:defRPr lang="en-GB" sz="3200" b="1" kern="1200" spc="-70" baseline="0" dirty="0">
+                <a:solidFill>
+                  <a:schemeClr val="bg1"/>
+                </a:solidFill>
+                <a:latin typeface="+mj-lt"/>
+                <a:ea typeface="+mj-ea"/>
+                <a:cs typeface="+mj-cs"/>
+              </a:defRPr>
+            </a:lvl1pPr>
+          </a:lstStyle>
+          <a:p>
+            <a:r>
+              <a:rPr lang="en-US" dirty="0"/>
+              <a:t>Conclusion</a:t>
+            </a:r>
+            <a:br>
+              <a:rPr lang="en-US" dirty="0"/>
+            </a:br>
             <a:endParaRPr lang="en-US" dirty="0"/>
           </a:p>
         </p:txBody>
@@ -29644,6 +29682,13 @@
       </p:transition>
     </mc:Fallback>
   </mc:AlternateContent>
+  <p:timing>
+    <p:tnLst>
+      <p:par>
+        <p:cTn id="1" dur="indefinite" restart="never" nodeType="tmRoot"/>
+      </p:par>
+    </p:tnLst>
+  </p:timing>
 </p:sld>
 </file>
 
@@ -29669,7 +29714,7 @@
           <p:cNvPr id="2" name="Title 1">
             <a:extLst>
               <a:ext uri="{FF2B5EF4-FFF2-40B4-BE49-F238E27FC236}">
-                <a16:creationId xmlns:a16="http://schemas.microsoft.com/office/drawing/2014/main" xmlns="" id="{632BE5BF-9922-45FB-8F3F-4446D40A051B}"/>
+                <a16:creationId xmlns="" xmlns:a16="http://schemas.microsoft.com/office/drawing/2014/main" id="{632BE5BF-9922-45FB-8F3F-4446D40A051B}"/>
               </a:ext>
             </a:extLst>
           </p:cNvPr>
@@ -29706,6 +29751,13 @@
   <p:transition spd="slow">
     <p:wipe/>
   </p:transition>
+  <p:timing>
+    <p:tnLst>
+      <p:par>
+        <p:cTn id="1" dur="indefinite" restart="never" nodeType="tmRoot"/>
+      </p:par>
+    </p:tnLst>
+  </p:timing>
 </p:sld>
 </file>
 
@@ -29731,7 +29783,7 @@
           <p:cNvPr id="2" name="Title 1">
             <a:extLst>
               <a:ext uri="{FF2B5EF4-FFF2-40B4-BE49-F238E27FC236}">
-                <a16:creationId xmlns:a16="http://schemas.microsoft.com/office/drawing/2014/main" xmlns="" id="{E4DCAC26-918C-4772-BF30-510B03C5AE49}"/>
+                <a16:creationId xmlns="" xmlns:a16="http://schemas.microsoft.com/office/drawing/2014/main" id="{E4DCAC26-918C-4772-BF30-510B03C5AE49}"/>
               </a:ext>
             </a:extLst>
           </p:cNvPr>
@@ -29763,7 +29815,7 @@
           <p:cNvPr id="3" name="Slide Number Placeholder 2">
             <a:extLst>
               <a:ext uri="{FF2B5EF4-FFF2-40B4-BE49-F238E27FC236}">
-                <a16:creationId xmlns:a16="http://schemas.microsoft.com/office/drawing/2014/main" xmlns="" id="{BF702D22-B9F0-4A21-A93C-458A68ED29DC}"/>
+                <a16:creationId xmlns="" xmlns:a16="http://schemas.microsoft.com/office/drawing/2014/main" id="{BF702D22-B9F0-4A21-A93C-458A68ED29DC}"/>
               </a:ext>
             </a:extLst>
           </p:cNvPr>
@@ -29793,7 +29845,7 @@
           <p:cNvPr id="9" name="Content Placeholder 8" descr="A picture containing shoji, crossword puzzle, window, building&#10;&#10;Description automatically generated">
             <a:extLst>
               <a:ext uri="{FF2B5EF4-FFF2-40B4-BE49-F238E27FC236}">
-                <a16:creationId xmlns:a16="http://schemas.microsoft.com/office/drawing/2014/main" xmlns="" id="{315E1374-3F09-44C4-AFB8-0C423F7FCF94}"/>
+                <a16:creationId xmlns="" xmlns:a16="http://schemas.microsoft.com/office/drawing/2014/main" id="{315E1374-3F09-44C4-AFB8-0C423F7FCF94}"/>
               </a:ext>
             </a:extLst>
           </p:cNvPr>
@@ -29822,7 +29874,7 @@
           <p:cNvPr id="7" name="Content Placeholder 6" descr="A picture containing window, shoji&#10;&#10;Description automatically generated">
             <a:extLst>
               <a:ext uri="{FF2B5EF4-FFF2-40B4-BE49-F238E27FC236}">
-                <a16:creationId xmlns:a16="http://schemas.microsoft.com/office/drawing/2014/main" xmlns="" id="{5C11166E-3B9D-46AD-B7D1-54342613B286}"/>
+                <a16:creationId xmlns="" xmlns:a16="http://schemas.microsoft.com/office/drawing/2014/main" id="{5C11166E-3B9D-46AD-B7D1-54342613B286}"/>
               </a:ext>
             </a:extLst>
           </p:cNvPr>
@@ -29881,7 +29933,7 @@
           <p:cNvPr id="21" name="Title 1">
             <a:extLst>
               <a:ext uri="{FF2B5EF4-FFF2-40B4-BE49-F238E27FC236}">
-                <a16:creationId xmlns:a16="http://schemas.microsoft.com/office/drawing/2014/main" xmlns="" id="{E118CE47-4937-5BA8-B09C-42BF57DE773B}"/>
+                <a16:creationId xmlns="" xmlns:a16="http://schemas.microsoft.com/office/drawing/2014/main" id="{E118CE47-4937-5BA8-B09C-42BF57DE773B}"/>
               </a:ext>
             </a:extLst>
           </p:cNvPr>
@@ -29914,7 +29966,7 @@
           <p:cNvPr id="2" name="Slide Number Placeholder 1">
             <a:extLst>
               <a:ext uri="{FF2B5EF4-FFF2-40B4-BE49-F238E27FC236}">
-                <a16:creationId xmlns:a16="http://schemas.microsoft.com/office/drawing/2014/main" xmlns="" id="{235359B9-73D6-455A-909C-B2C9A664E352}"/>
+                <a16:creationId xmlns="" xmlns:a16="http://schemas.microsoft.com/office/drawing/2014/main" id="{235359B9-73D6-455A-909C-B2C9A664E352}"/>
               </a:ext>
             </a:extLst>
           </p:cNvPr>
@@ -29960,7 +30012,7 @@
           <p:cNvPr id="4098" name="Picture 2">
             <a:extLst>
               <a:ext uri="{FF2B5EF4-FFF2-40B4-BE49-F238E27FC236}">
-                <a16:creationId xmlns:a16="http://schemas.microsoft.com/office/drawing/2014/main" xmlns="" id="{3367DA65-9A7D-4005-89AD-DE3EFA647710}"/>
+                <a16:creationId xmlns="" xmlns:a16="http://schemas.microsoft.com/office/drawing/2014/main" id="{3367DA65-9A7D-4005-89AD-DE3EFA647710}"/>
               </a:ext>
             </a:extLst>
           </p:cNvPr>
@@ -30007,7 +30059,7 @@
           <p:cNvPr id="4100" name="Picture 4">
             <a:extLst>
               <a:ext uri="{FF2B5EF4-FFF2-40B4-BE49-F238E27FC236}">
-                <a16:creationId xmlns:a16="http://schemas.microsoft.com/office/drawing/2014/main" xmlns="" id="{C46BE4E4-D50E-4708-A290-51FC72C7C2BD}"/>
+                <a16:creationId xmlns="" xmlns:a16="http://schemas.microsoft.com/office/drawing/2014/main" id="{C46BE4E4-D50E-4708-A290-51FC72C7C2BD}"/>
               </a:ext>
             </a:extLst>
           </p:cNvPr>
@@ -30086,7 +30138,7 @@
           <p:cNvPr id="2" name="Slide Number Placeholder 1">
             <a:extLst>
               <a:ext uri="{FF2B5EF4-FFF2-40B4-BE49-F238E27FC236}">
-                <a16:creationId xmlns:a16="http://schemas.microsoft.com/office/drawing/2014/main" xmlns="" id="{235359B9-73D6-455A-909C-B2C9A664E352}"/>
+                <a16:creationId xmlns="" xmlns:a16="http://schemas.microsoft.com/office/drawing/2014/main" id="{235359B9-73D6-455A-909C-B2C9A664E352}"/>
               </a:ext>
             </a:extLst>
           </p:cNvPr>
@@ -30222,7 +30274,7 @@
           <p:cNvPr id="2" name="Title 1">
             <a:extLst>
               <a:ext uri="{FF2B5EF4-FFF2-40B4-BE49-F238E27FC236}">
-                <a16:creationId xmlns:a16="http://schemas.microsoft.com/office/drawing/2014/main" xmlns="" id="{632BE5BF-9922-45FB-8F3F-4446D40A051B}"/>
+                <a16:creationId xmlns="" xmlns:a16="http://schemas.microsoft.com/office/drawing/2014/main" id="{632BE5BF-9922-45FB-8F3F-4446D40A051B}"/>
               </a:ext>
             </a:extLst>
           </p:cNvPr>
@@ -30294,7 +30346,7 @@
           <p:cNvPr id="71" name="Title 1">
             <a:extLst>
               <a:ext uri="{FF2B5EF4-FFF2-40B4-BE49-F238E27FC236}">
-                <a16:creationId xmlns:a16="http://schemas.microsoft.com/office/drawing/2014/main" xmlns="" id="{D802FE8E-9913-389D-CAC5-585A88872A15}"/>
+                <a16:creationId xmlns="" xmlns:a16="http://schemas.microsoft.com/office/drawing/2014/main" id="{D802FE8E-9913-389D-CAC5-585A88872A15}"/>
               </a:ext>
             </a:extLst>
           </p:cNvPr>
@@ -30327,7 +30379,7 @@
           <p:cNvPr id="2" name="Slide Number Placeholder 1">
             <a:extLst>
               <a:ext uri="{FF2B5EF4-FFF2-40B4-BE49-F238E27FC236}">
-                <a16:creationId xmlns:a16="http://schemas.microsoft.com/office/drawing/2014/main" xmlns="" id="{A2A56D48-F061-430B-87D0-71C9E9B46879}"/>
+                <a16:creationId xmlns="" xmlns:a16="http://schemas.microsoft.com/office/drawing/2014/main" id="{A2A56D48-F061-430B-87D0-71C9E9B46879}"/>
               </a:ext>
             </a:extLst>
           </p:cNvPr>
@@ -30373,7 +30425,7 @@
           <p:cNvPr id="73" name="Text Placeholder 3">
             <a:extLst>
               <a:ext uri="{FF2B5EF4-FFF2-40B4-BE49-F238E27FC236}">
-                <a16:creationId xmlns:a16="http://schemas.microsoft.com/office/drawing/2014/main" xmlns="" id="{C182B808-D70D-FF91-50C0-BFA7FE393E8C}"/>
+                <a16:creationId xmlns="" xmlns:a16="http://schemas.microsoft.com/office/drawing/2014/main" id="{C182B808-D70D-FF91-50C0-BFA7FE393E8C}"/>
               </a:ext>
             </a:extLst>
           </p:cNvPr>
@@ -30446,7 +30498,7 @@
           <p:cNvPr id="3074" name="Picture 2" descr="King County, WA Property Tax Calculator - SmartAsset">
             <a:extLst>
               <a:ext uri="{FF2B5EF4-FFF2-40B4-BE49-F238E27FC236}">
-                <a16:creationId xmlns:a16="http://schemas.microsoft.com/office/drawing/2014/main" xmlns="" id="{6C729D14-CA46-418C-B1CD-A24647066CB3}"/>
+                <a16:creationId xmlns="" xmlns:a16="http://schemas.microsoft.com/office/drawing/2014/main" id="{6C729D14-CA46-418C-B1CD-A24647066CB3}"/>
               </a:ext>
             </a:extLst>
           </p:cNvPr>
@@ -30489,6 +30541,13 @@
   <p:clrMapOvr>
     <a:masterClrMapping/>
   </p:clrMapOvr>
+  <p:timing>
+    <p:tnLst>
+      <p:par>
+        <p:cTn id="1" dur="indefinite" restart="never" nodeType="tmRoot"/>
+      </p:par>
+    </p:tnLst>
+  </p:timing>
 </p:sld>
 </file>
 
@@ -30514,7 +30573,7 @@
           <p:cNvPr id="7" name="Title 6">
             <a:extLst>
               <a:ext uri="{FF2B5EF4-FFF2-40B4-BE49-F238E27FC236}">
-                <a16:creationId xmlns:a16="http://schemas.microsoft.com/office/drawing/2014/main" xmlns="" id="{7875C19A-1AAE-476A-A316-A2CF92D763D3}"/>
+                <a16:creationId xmlns="" xmlns:a16="http://schemas.microsoft.com/office/drawing/2014/main" id="{7875C19A-1AAE-476A-A316-A2CF92D763D3}"/>
               </a:ext>
             </a:extLst>
           </p:cNvPr>
@@ -30542,7 +30601,7 @@
           <p:cNvPr id="10" name="Text Placeholder 9">
             <a:extLst>
               <a:ext uri="{FF2B5EF4-FFF2-40B4-BE49-F238E27FC236}">
-                <a16:creationId xmlns:a16="http://schemas.microsoft.com/office/drawing/2014/main" xmlns="" id="{EF2BC084-E6DB-4DE7-B309-042A85EBA700}"/>
+                <a16:creationId xmlns="" xmlns:a16="http://schemas.microsoft.com/office/drawing/2014/main" id="{EF2BC084-E6DB-4DE7-B309-042A85EBA700}"/>
               </a:ext>
             </a:extLst>
           </p:cNvPr>
@@ -30614,7 +30673,7 @@
           <p:cNvPr id="2" name="Slide Number Placeholder 1">
             <a:extLst>
               <a:ext uri="{FF2B5EF4-FFF2-40B4-BE49-F238E27FC236}">
-                <a16:creationId xmlns:a16="http://schemas.microsoft.com/office/drawing/2014/main" xmlns="" id="{BE9800F6-D571-48C4-8466-12AA1ADB6599}"/>
+                <a16:creationId xmlns="" xmlns:a16="http://schemas.microsoft.com/office/drawing/2014/main" id="{BE9800F6-D571-48C4-8466-12AA1ADB6599}"/>
               </a:ext>
             </a:extLst>
           </p:cNvPr>
@@ -30661,6 +30720,13 @@
       </p:transition>
     </mc:Fallback>
   </mc:AlternateContent>
+  <p:timing>
+    <p:tnLst>
+      <p:par>
+        <p:cTn id="1" dur="indefinite" restart="never" nodeType="tmRoot"/>
+      </p:par>
+    </p:tnLst>
+  </p:timing>
 </p:sld>
 </file>
 
@@ -30686,7 +30752,7 @@
           <p:cNvPr id="4" name="Title 3">
             <a:extLst>
               <a:ext uri="{FF2B5EF4-FFF2-40B4-BE49-F238E27FC236}">
-                <a16:creationId xmlns:a16="http://schemas.microsoft.com/office/drawing/2014/main" xmlns="" id="{315E3981-F0D7-482C-A8E0-6A57700BECA7}"/>
+                <a16:creationId xmlns="" xmlns:a16="http://schemas.microsoft.com/office/drawing/2014/main" id="{315E3981-F0D7-482C-A8E0-6A57700BECA7}"/>
               </a:ext>
             </a:extLst>
           </p:cNvPr>
@@ -30711,7 +30777,7 @@
           <p:cNvPr id="2" name="Slide Number Placeholder 1">
             <a:extLst>
               <a:ext uri="{FF2B5EF4-FFF2-40B4-BE49-F238E27FC236}">
-                <a16:creationId xmlns:a16="http://schemas.microsoft.com/office/drawing/2014/main" xmlns="" id="{520FC4EE-F318-4344-9E3C-B950ADB63865}"/>
+                <a16:creationId xmlns="" xmlns:a16="http://schemas.microsoft.com/office/drawing/2014/main" id="{520FC4EE-F318-4344-9E3C-B950ADB63865}"/>
               </a:ext>
             </a:extLst>
           </p:cNvPr>
@@ -30741,7 +30807,7 @@
           <p:cNvPr id="7" name="Text Placeholder 6">
             <a:extLst>
               <a:ext uri="{FF2B5EF4-FFF2-40B4-BE49-F238E27FC236}">
-                <a16:creationId xmlns:a16="http://schemas.microsoft.com/office/drawing/2014/main" xmlns="" id="{B74126B4-1E6C-4FFF-9282-40E18A85A07F}"/>
+                <a16:creationId xmlns="" xmlns:a16="http://schemas.microsoft.com/office/drawing/2014/main" id="{B74126B4-1E6C-4FFF-9282-40E18A85A07F}"/>
               </a:ext>
             </a:extLst>
           </p:cNvPr>
@@ -30769,7 +30835,7 @@
           <p:cNvPr id="5" name="Text Placeholder 4">
             <a:extLst>
               <a:ext uri="{FF2B5EF4-FFF2-40B4-BE49-F238E27FC236}">
-                <a16:creationId xmlns:a16="http://schemas.microsoft.com/office/drawing/2014/main" xmlns="" id="{E0C87788-476B-4620-8002-A5C1177AD6C1}"/>
+                <a16:creationId xmlns="" xmlns:a16="http://schemas.microsoft.com/office/drawing/2014/main" id="{E0C87788-476B-4620-8002-A5C1177AD6C1}"/>
               </a:ext>
             </a:extLst>
           </p:cNvPr>
@@ -30810,7 +30876,7 @@
           <p:cNvPr id="8" name="Text Placeholder 7">
             <a:extLst>
               <a:ext uri="{FF2B5EF4-FFF2-40B4-BE49-F238E27FC236}">
-                <a16:creationId xmlns:a16="http://schemas.microsoft.com/office/drawing/2014/main" xmlns="" id="{47DC4E62-1A34-4F98-A451-214F1808519C}"/>
+                <a16:creationId xmlns="" xmlns:a16="http://schemas.microsoft.com/office/drawing/2014/main" id="{47DC4E62-1A34-4F98-A451-214F1808519C}"/>
               </a:ext>
             </a:extLst>
           </p:cNvPr>
@@ -30855,7 +30921,7 @@
           <p:cNvPr id="6" name="Text Placeholder 5">
             <a:extLst>
               <a:ext uri="{FF2B5EF4-FFF2-40B4-BE49-F238E27FC236}">
-                <a16:creationId xmlns:a16="http://schemas.microsoft.com/office/drawing/2014/main" xmlns="" id="{000A9570-5EF6-4AFB-9FCA-7C8998E3FEB1}"/>
+                <a16:creationId xmlns="" xmlns:a16="http://schemas.microsoft.com/office/drawing/2014/main" id="{000A9570-5EF6-4AFB-9FCA-7C8998E3FEB1}"/>
               </a:ext>
             </a:extLst>
           </p:cNvPr>
@@ -30923,6 +30989,13 @@
       </p:transition>
     </mc:Fallback>
   </mc:AlternateContent>
+  <p:timing>
+    <p:tnLst>
+      <p:par>
+        <p:cTn id="1" dur="indefinite" restart="never" nodeType="tmRoot"/>
+      </p:par>
+    </p:tnLst>
+  </p:timing>
 </p:sld>
 </file>
 
@@ -30956,7 +31029,7 @@
           <p:cNvPr id="2" name="slide2" descr="Dashboard 1">
             <a:extLst>
               <a:ext uri="{FF2B5EF4-FFF2-40B4-BE49-F238E27FC236}">
-                <a16:creationId xmlns:a16="http://schemas.microsoft.com/office/drawing/2014/main" xmlns="" id="{54A7EA2E-4986-408D-BFC8-394272624144}"/>
+                <a16:creationId xmlns="" xmlns:a16="http://schemas.microsoft.com/office/drawing/2014/main" id="{54A7EA2E-4986-408D-BFC8-394272624144}"/>
               </a:ext>
             </a:extLst>
           </p:cNvPr>
@@ -30992,7 +31065,7 @@
           <p:cNvPr id="5" name="Title 4">
             <a:extLst>
               <a:ext uri="{FF2B5EF4-FFF2-40B4-BE49-F238E27FC236}">
-                <a16:creationId xmlns:a16="http://schemas.microsoft.com/office/drawing/2014/main" xmlns="" id="{4EB3640F-7B1B-44E0-A61D-D171786866AF}"/>
+                <a16:creationId xmlns="" xmlns:a16="http://schemas.microsoft.com/office/drawing/2014/main" id="{4EB3640F-7B1B-44E0-A61D-D171786866AF}"/>
               </a:ext>
             </a:extLst>
           </p:cNvPr>
@@ -31025,6 +31098,13 @@
   <p:clrMapOvr>
     <a:masterClrMapping/>
   </p:clrMapOvr>
+  <p:timing>
+    <p:tnLst>
+      <p:par>
+        <p:cTn id="1" dur="indefinite" restart="never" nodeType="tmRoot"/>
+      </p:par>
+    </p:tnLst>
+  </p:timing>
 </p:sld>
 </file>
 
@@ -31050,7 +31130,7 @@
           <p:cNvPr id="2" name="Title 1">
             <a:extLst>
               <a:ext uri="{FF2B5EF4-FFF2-40B4-BE49-F238E27FC236}">
-                <a16:creationId xmlns:a16="http://schemas.microsoft.com/office/drawing/2014/main" xmlns="" id="{632BE5BF-9922-45FB-8F3F-4446D40A051B}"/>
+                <a16:creationId xmlns="" xmlns:a16="http://schemas.microsoft.com/office/drawing/2014/main" id="{632BE5BF-9922-45FB-8F3F-4446D40A051B}"/>
               </a:ext>
             </a:extLst>
           </p:cNvPr>
@@ -31080,7 +31160,7 @@
           <p:cNvPr id="8" name="Slide Number Placeholder 2">
             <a:extLst>
               <a:ext uri="{FF2B5EF4-FFF2-40B4-BE49-F238E27FC236}">
-                <a16:creationId xmlns:a16="http://schemas.microsoft.com/office/drawing/2014/main" xmlns="" id="{49D24FB4-149E-9A65-378F-F4728BC33A3A}"/>
+                <a16:creationId xmlns="" xmlns:a16="http://schemas.microsoft.com/office/drawing/2014/main" id="{49D24FB4-149E-9A65-378F-F4728BC33A3A}"/>
               </a:ext>
             </a:extLst>
           </p:cNvPr>
@@ -31119,7 +31199,7 @@
           <p:cNvPr id="9" name="Content Placeholder 8">
             <a:extLst>
               <a:ext uri="{FF2B5EF4-FFF2-40B4-BE49-F238E27FC236}">
-                <a16:creationId xmlns:a16="http://schemas.microsoft.com/office/drawing/2014/main" xmlns="" id="{3773AA00-D252-4DC6-870A-1C13A52E2736}"/>
+                <a16:creationId xmlns="" xmlns:a16="http://schemas.microsoft.com/office/drawing/2014/main" id="{3773AA00-D252-4DC6-870A-1C13A52E2736}"/>
               </a:ext>
             </a:extLst>
           </p:cNvPr>
@@ -31158,6 +31238,13 @@
   <p:transition spd="slow">
     <p:wipe/>
   </p:transition>
+  <p:timing>
+    <p:tnLst>
+      <p:par>
+        <p:cTn id="1" dur="indefinite" restart="never" nodeType="tmRoot"/>
+      </p:par>
+    </p:tnLst>
+  </p:timing>
 </p:sld>
 </file>
 
@@ -31481,6 +31568,13 @@
   <p:clrMapOvr>
     <a:masterClrMapping/>
   </p:clrMapOvr>
+  <p:timing>
+    <p:tnLst>
+      <p:par>
+        <p:cTn id="1" dur="indefinite" restart="never" nodeType="tmRoot"/>
+      </p:par>
+    </p:tnLst>
+  </p:timing>
 </p:sld>
 </file>
 
@@ -31506,7 +31600,7 @@
           <p:cNvPr id="3" name="Title 2">
             <a:extLst>
               <a:ext uri="{FF2B5EF4-FFF2-40B4-BE49-F238E27FC236}">
-                <a16:creationId xmlns:a16="http://schemas.microsoft.com/office/drawing/2014/main" xmlns="" id="{2D3A9A61-40C1-4373-90F0-17970C73A1FD}"/>
+                <a16:creationId xmlns="" xmlns:a16="http://schemas.microsoft.com/office/drawing/2014/main" id="{2D3A9A61-40C1-4373-90F0-17970C73A1FD}"/>
               </a:ext>
             </a:extLst>
           </p:cNvPr>
@@ -31534,7 +31628,7 @@
           <p:cNvPr id="2" name="Slide Number Placeholder 1">
             <a:extLst>
               <a:ext uri="{FF2B5EF4-FFF2-40B4-BE49-F238E27FC236}">
-                <a16:creationId xmlns:a16="http://schemas.microsoft.com/office/drawing/2014/main" xmlns="" id="{073D4604-0D28-4C2F-B4AA-99E4E723CF92}"/>
+                <a16:creationId xmlns="" xmlns:a16="http://schemas.microsoft.com/office/drawing/2014/main" id="{073D4604-0D28-4C2F-B4AA-99E4E723CF92}"/>
               </a:ext>
             </a:extLst>
           </p:cNvPr>
@@ -31587,28 +31681,28 @@
                 <a:gridCol w="1837809">
                   <a:extLst>
                     <a:ext uri="{9D8B030D-6E8A-4147-A177-3AD203B41FA5}">
-                      <a16:colId xmlns:a16="http://schemas.microsoft.com/office/drawing/2014/main" xmlns="" val="20000"/>
+                      <a16:colId xmlns="" xmlns:a16="http://schemas.microsoft.com/office/drawing/2014/main" val="20000"/>
                     </a:ext>
                   </a:extLst>
                 </a:gridCol>
                 <a:gridCol w="1770241">
                   <a:extLst>
                     <a:ext uri="{9D8B030D-6E8A-4147-A177-3AD203B41FA5}">
-                      <a16:colId xmlns:a16="http://schemas.microsoft.com/office/drawing/2014/main" xmlns="" val="20001"/>
+                      <a16:colId xmlns="" xmlns:a16="http://schemas.microsoft.com/office/drawing/2014/main" val="20001"/>
                     </a:ext>
                   </a:extLst>
                 </a:gridCol>
                 <a:gridCol w="1770241">
                   <a:extLst>
                     <a:ext uri="{9D8B030D-6E8A-4147-A177-3AD203B41FA5}">
-                      <a16:colId xmlns:a16="http://schemas.microsoft.com/office/drawing/2014/main" xmlns="" val="20002"/>
+                      <a16:colId xmlns="" xmlns:a16="http://schemas.microsoft.com/office/drawing/2014/main" val="20002"/>
                     </a:ext>
                   </a:extLst>
                 </a:gridCol>
                 <a:gridCol w="1675650">
                   <a:extLst>
                     <a:ext uri="{9D8B030D-6E8A-4147-A177-3AD203B41FA5}">
-                      <a16:colId xmlns:a16="http://schemas.microsoft.com/office/drawing/2014/main" xmlns="" val="20003"/>
+                      <a16:colId xmlns="" xmlns:a16="http://schemas.microsoft.com/office/drawing/2014/main" val="20003"/>
                     </a:ext>
                   </a:extLst>
                 </a:gridCol>
@@ -31702,7 +31796,7 @@
                 </a:tc>
                 <a:extLst>
                   <a:ext uri="{0D108BD9-81ED-4DB2-BD59-A6C34878D82A}">
-                    <a16:rowId xmlns:a16="http://schemas.microsoft.com/office/drawing/2014/main" xmlns="" val="10000"/>
+                    <a16:rowId xmlns="" xmlns:a16="http://schemas.microsoft.com/office/drawing/2014/main" val="10000"/>
                   </a:ext>
                 </a:extLst>
               </a:tr>
@@ -31801,7 +31895,7 @@
                 </a:tc>
                 <a:extLst>
                   <a:ext uri="{0D108BD9-81ED-4DB2-BD59-A6C34878D82A}">
-                    <a16:rowId xmlns:a16="http://schemas.microsoft.com/office/drawing/2014/main" xmlns="" val="10001"/>
+                    <a16:rowId xmlns="" xmlns:a16="http://schemas.microsoft.com/office/drawing/2014/main" val="10001"/>
                   </a:ext>
                 </a:extLst>
               </a:tr>
@@ -31900,7 +31994,7 @@
                 </a:tc>
                 <a:extLst>
                   <a:ext uri="{0D108BD9-81ED-4DB2-BD59-A6C34878D82A}">
-                    <a16:rowId xmlns:a16="http://schemas.microsoft.com/office/drawing/2014/main" xmlns="" val="10002"/>
+                    <a16:rowId xmlns="" xmlns:a16="http://schemas.microsoft.com/office/drawing/2014/main" val="10002"/>
                   </a:ext>
                 </a:extLst>
               </a:tr>
@@ -31959,6 +32053,13 @@
   <p:clrMapOvr>
     <a:masterClrMapping/>
   </p:clrMapOvr>
+  <p:timing>
+    <p:tnLst>
+      <p:par>
+        <p:cTn id="1" dur="indefinite" restart="never" nodeType="tmRoot"/>
+      </p:par>
+    </p:tnLst>
+  </p:timing>
 </p:sld>
 </file>
 
@@ -32054,6 +32155,13 @@
   <p:clrMapOvr>
     <a:masterClrMapping/>
   </p:clrMapOvr>
+  <p:timing>
+    <p:tnLst>
+      <p:par>
+        <p:cTn id="1" dur="indefinite" restart="never" nodeType="tmRoot"/>
+      </p:par>
+    </p:tnLst>
+  </p:timing>
 </p:sld>
 </file>
 
@@ -32252,7 +32360,7 @@
   <a:extraClrSchemeLst/>
   <a:extLst>
     <a:ext uri="{05A4C25C-085E-4340-85A3-A5531E510DB2}">
-      <thm15:themeFamily xmlns:thm15="http://schemas.microsoft.com/office/thememl/2012/main" xmlns="" name="TF66687569_Modern blue presentation_AAS_v5" id="{C7B59113-CD15-4341-96CA-86E715D5BE98}" vid="{5A8FDAEB-3DF3-4B3C-A708-49813F8D6F85}"/>
+      <thm15:themeFamily xmlns="" xmlns:thm15="http://schemas.microsoft.com/office/thememl/2012/main" name="TF66687569_Modern blue presentation_AAS_v5" id="{C7B59113-CD15-4341-96CA-86E715D5BE98}" vid="{5A8FDAEB-3DF3-4B3C-A708-49813F8D6F85}"/>
     </a:ext>
   </a:extLst>
 </a:theme>
@@ -32547,7 +32655,7 @@
   <a:extraClrSchemeLst/>
   <a:extLst>
     <a:ext uri="{05A4C25C-085E-4340-85A3-A5531E510DB2}">
-      <thm15:themeFamily xmlns:thm15="http://schemas.microsoft.com/office/thememl/2012/main" xmlns="" name="Office Theme" id="{62F939B6-93AF-4DB8-9C6B-D6C7DFDC589F}" vid="{4A3C46E8-61CC-4603-A589-7422A47A8E4A}"/>
+      <thm15:themeFamily xmlns="" xmlns:thm15="http://schemas.microsoft.com/office/thememl/2012/main" name="Office Theme" id="{62F939B6-93AF-4DB8-9C6B-D6C7DFDC589F}" vid="{4A3C46E8-61CC-4603-A589-7422A47A8E4A}"/>
     </a:ext>
   </a:extLst>
 </a:theme>
@@ -32842,13 +32950,30 @@
   <a:extraClrSchemeLst/>
   <a:extLst>
     <a:ext uri="{05A4C25C-085E-4340-85A3-A5531E510DB2}">
-      <thm15:themeFamily xmlns:thm15="http://schemas.microsoft.com/office/thememl/2012/main" xmlns="" name="Office Theme" id="{62F939B6-93AF-4DB8-9C6B-D6C7DFDC589F}" vid="{4A3C46E8-61CC-4603-A589-7422A47A8E4A}"/>
+      <thm15:themeFamily xmlns="" xmlns:thm15="http://schemas.microsoft.com/office/thememl/2012/main" name="Office Theme" id="{62F939B6-93AF-4DB8-9C6B-D6C7DFDC589F}" vid="{4A3C46E8-61CC-4603-A589-7422A47A8E4A}"/>
     </a:ext>
   </a:extLst>
 </a:theme>
 </file>
 
 <file path=customXml/item1.xml><?xml version="1.0" encoding="utf-8"?>
+<p:properties xmlns:p="http://schemas.microsoft.com/office/2006/metadata/properties" xmlns:xsi="http://www.w3.org/2001/XMLSchema-instance" xmlns:pc="http://schemas.microsoft.com/office/infopath/2007/PartnerControls">
+  <documentManagement>
+    <MediaServiceKeyPoints xmlns="71af3243-3dd4-4a8d-8c0d-dd76da1f02a5" xsi:nil="true"/>
+  </documentManagement>
+</p:properties>
+</file>
+
+<file path=customXml/item2.xml><?xml version="1.0" encoding="utf-8"?>
+<?mso-contentType ?>
+<FormTemplates xmlns="http://schemas.microsoft.com/sharepoint/v3/contenttype/forms">
+  <Display>DocumentLibraryForm</Display>
+  <Edit>DocumentLibraryForm</Edit>
+  <New>DocumentLibraryForm</New>
+</FormTemplates>
+</file>
+
+<file path=customXml/item3.xml><?xml version="1.0" encoding="utf-8"?>
 <ct:contentTypeSchema xmlns:ct="http://schemas.microsoft.com/office/2006/metadata/contentType" xmlns:ma="http://schemas.microsoft.com/office/2006/metadata/properties/metaAttributes" ct:_="" ma:_="" ma:contentTypeName="Document" ma:contentTypeID="0x01010079F111ED35F8CC479449609E8A0923A6" ma:contentTypeVersion="11" ma:contentTypeDescription="Create a new document." ma:contentTypeScope="" ma:versionID="96291512c1ee715ab617f4c07df79fc1">
   <xsd:schema xmlns:xsd="http://www.w3.org/2001/XMLSchema" xmlns:xs="http://www.w3.org/2001/XMLSchema" xmlns:p="http://schemas.microsoft.com/office/2006/metadata/properties" xmlns:ns2="71af3243-3dd4-4a8d-8c0d-dd76da1f02a5" xmlns:ns3="16c05727-aa75-4e4a-9b5f-8a80a1165891" targetNamespace="http://schemas.microsoft.com/office/2006/metadata/properties" ma:root="true" ma:fieldsID="8256c27c40ca5c40ce1cf6c44f0205df" ns2:_="" ns3:_="">
     <xsd:import namespace="71af3243-3dd4-4a8d-8c0d-dd76da1f02a5"/>
@@ -33059,24 +33184,32 @@
 </ct:contentTypeSchema>
 </file>
 
-<file path=customXml/item2.xml><?xml version="1.0" encoding="utf-8"?>
-<?mso-contentType ?>
-<FormTemplates xmlns="http://schemas.microsoft.com/sharepoint/v3/contenttype/forms">
-  <Display>DocumentLibraryForm</Display>
-  <Edit>DocumentLibraryForm</Edit>
-  <New>DocumentLibraryForm</New>
-</FormTemplates>
+<file path=customXml/itemProps1.xml><?xml version="1.0" encoding="utf-8"?>
+<ds:datastoreItem xmlns:ds="http://schemas.openxmlformats.org/officeDocument/2006/customXml" ds:itemID="{F5757914-1161-4661-9696-421FD6935CDD}">
+  <ds:schemaRefs>
+    <ds:schemaRef ds:uri="http://purl.org/dc/terms/"/>
+    <ds:schemaRef ds:uri="16c05727-aa75-4e4a-9b5f-8a80a1165891"/>
+    <ds:schemaRef ds:uri="http://schemas.microsoft.com/office/infopath/2007/PartnerControls"/>
+    <ds:schemaRef ds:uri="http://www.w3.org/XML/1998/namespace"/>
+    <ds:schemaRef ds:uri="71af3243-3dd4-4a8d-8c0d-dd76da1f02a5"/>
+    <ds:schemaRef ds:uri="http://schemas.microsoft.com/office/2006/metadata/properties"/>
+    <ds:schemaRef ds:uri="http://schemas.microsoft.com/office/2006/documentManagement/types"/>
+    <ds:schemaRef ds:uri="http://schemas.openxmlformats.org/package/2006/metadata/core-properties"/>
+    <ds:schemaRef ds:uri="http://purl.org/dc/dcmitype/"/>
+    <ds:schemaRef ds:uri="http://purl.org/dc/elements/1.1/"/>
+  </ds:schemaRefs>
+</ds:datastoreItem>
 </file>
 
-<file path=customXml/item3.xml><?xml version="1.0" encoding="utf-8"?>
-<p:properties xmlns:p="http://schemas.microsoft.com/office/2006/metadata/properties" xmlns:xsi="http://www.w3.org/2001/XMLSchema-instance" xmlns:pc="http://schemas.microsoft.com/office/infopath/2007/PartnerControls">
-  <documentManagement>
-    <MediaServiceKeyPoints xmlns="71af3243-3dd4-4a8d-8c0d-dd76da1f02a5" xsi:nil="true"/>
-  </documentManagement>
-</p:properties>
+<file path=customXml/itemProps2.xml><?xml version="1.0" encoding="utf-8"?>
+<ds:datastoreItem xmlns:ds="http://schemas.openxmlformats.org/officeDocument/2006/customXml" ds:itemID="{5B26E0C9-B2AA-42E6-97B6-E1B7D9EAF129}">
+  <ds:schemaRefs>
+    <ds:schemaRef ds:uri="http://schemas.microsoft.com/sharepoint/v3/contenttype/forms"/>
+  </ds:schemaRefs>
+</ds:datastoreItem>
 </file>
 
-<file path=customXml/itemProps1.xml><?xml version="1.0" encoding="utf-8"?>
+<file path=customXml/itemProps3.xml><?xml version="1.0" encoding="utf-8"?>
 <ds:datastoreItem xmlns:ds="http://schemas.openxmlformats.org/officeDocument/2006/customXml" ds:itemID="{4C103400-4A22-4E35-B588-4C4D42638959}">
   <ds:schemaRefs>
     <ds:schemaRef ds:uri="http://schemas.microsoft.com/office/2006/metadata/contentType"/>
@@ -33093,29 +33226,4 @@
     <ds:schemaRef ds:uri="http://schemas.microsoft.com/internal/obd"/>
   </ds:schemaRefs>
 </ds:datastoreItem>
-</file>
-
-<file path=customXml/itemProps2.xml><?xml version="1.0" encoding="utf-8"?>
-<ds:datastoreItem xmlns:ds="http://schemas.openxmlformats.org/officeDocument/2006/customXml" ds:itemID="{5B26E0C9-B2AA-42E6-97B6-E1B7D9EAF129}">
-  <ds:schemaRefs>
-    <ds:schemaRef ds:uri="http://schemas.microsoft.com/sharepoint/v3/contenttype/forms"/>
-  </ds:schemaRefs>
-</ds:datastoreItem>
-</file>
-
-<file path=customXml/itemProps3.xml><?xml version="1.0" encoding="utf-8"?>
-<ds:datastoreItem xmlns:ds="http://schemas.openxmlformats.org/officeDocument/2006/customXml" ds:itemID="{F5757914-1161-4661-9696-421FD6935CDD}">
-  <ds:schemaRefs>
-    <ds:schemaRef ds:uri="http://purl.org/dc/terms/"/>
-    <ds:schemaRef ds:uri="16c05727-aa75-4e4a-9b5f-8a80a1165891"/>
-    <ds:schemaRef ds:uri="http://schemas.microsoft.com/office/infopath/2007/PartnerControls"/>
-    <ds:schemaRef ds:uri="http://www.w3.org/XML/1998/namespace"/>
-    <ds:schemaRef ds:uri="71af3243-3dd4-4a8d-8c0d-dd76da1f02a5"/>
-    <ds:schemaRef ds:uri="http://schemas.microsoft.com/office/2006/metadata/properties"/>
-    <ds:schemaRef ds:uri="http://schemas.microsoft.com/office/2006/documentManagement/types"/>
-    <ds:schemaRef ds:uri="http://schemas.openxmlformats.org/package/2006/metadata/core-properties"/>
-    <ds:schemaRef ds:uri="http://purl.org/dc/dcmitype/"/>
-    <ds:schemaRef ds:uri="http://purl.org/dc/elements/1.1/"/>
-  </ds:schemaRefs>
-</ds:datastoreItem>
 </file>